--- a/help/data-sheets/assets/EnterpriseSupportDatasheet.pptx
+++ b/help/data-sheets/assets/EnterpriseSupportDatasheet.pptx
@@ -2580,10 +2580,10 @@
               </a:spcBef>
             </a:pPr>
             <a:r>
-              <a:rPr lang="es-ES" sz="2300">
+              <a:rPr lang="pt-BR" sz="2300">
                 <a:latin typeface="Adobe Clean" panose="020B0503020404020204" pitchFamily="34" charset="0"/>
               </a:rPr>
-              <a:t>OFERTA DE ASISTENCIA DE ADOBE</a:t>
+              <a:t>SERVIÇOS DE SUPORTE ADOBE</a:t>
             </a:r>
           </a:p>
         </p:txBody>
@@ -2596,8 +2596,8 @@
         </p:nvSpPr>
         <p:spPr>
           <a:xfrm>
-            <a:off x="125148" y="7013546"/>
-            <a:ext cx="2785110" cy="228268"/>
+            <a:off x="125147" y="7013546"/>
+            <a:ext cx="3503877" cy="228268"/>
           </a:xfrm>
           <a:prstGeom prst="rect">
             <a:avLst/>
@@ -2618,7 +2618,7 @@
               </a:spcBef>
             </a:pPr>
             <a:r>
-              <a:rPr lang="es-ES" sz="1400" b="1" u="sng" dirty="0">
+              <a:rPr lang="pt-BR" sz="1400" b="1" u="sng" dirty="0">
                 <a:solidFill>
                   <a:srgbClr val="020302"/>
                 </a:solidFill>
@@ -2630,7 +2630,7 @@
                 <a:latin typeface="Adobe Clean"/>
                 <a:cs typeface="Adobe Clean"/>
               </a:rPr>
-              <a:t>Destinatarios de nivel de servicio: Respuesta inicial</a:t>
+              <a:t>Metas de nível de serviço: Resposta inicial</a:t>
             </a:r>
           </a:p>
         </p:txBody>
@@ -2644,7 +2644,7 @@
           <p:nvPr>
             <p:extLst>
               <p:ext uri="{D42A27DB-BD31-4B8C-83A1-F6EECF244321}">
-                <p14:modId xmlns:p14="http://schemas.microsoft.com/office/powerpoint/2010/main" val="936521998"/>
+                <p14:modId xmlns:p14="http://schemas.microsoft.com/office/powerpoint/2010/main" val="3390682240"/>
               </p:ext>
             </p:extLst>
           </p:nvPr>
@@ -2697,14 +2697,14 @@
                         </a:spcBef>
                       </a:pPr>
                       <a:r>
-                        <a:rPr lang="es-ES" sz="900">
+                        <a:rPr lang="pt-BR" sz="900">
                           <a:solidFill>
                             <a:srgbClr val="020302"/>
                           </a:solidFill>
                           <a:latin typeface="Adobe Clean"/>
                           <a:cs typeface="Adobe Clean"/>
                         </a:rPr>
-                        <a:t>Prioridad</a:t>
+                        <a:t>Prioridade</a:t>
                       </a:r>
                     </a:p>
                   </a:txBody>
@@ -2752,14 +2752,14 @@
                         </a:spcBef>
                       </a:pPr>
                       <a:r>
-                        <a:rPr lang="es-ES" sz="900">
+                        <a:rPr lang="pt-BR" sz="900">
                           <a:solidFill>
                             <a:srgbClr val="020302"/>
                           </a:solidFill>
                           <a:latin typeface="Adobe Clean"/>
                           <a:cs typeface="Adobe Clean"/>
                         </a:rPr>
-                        <a:t>Soporte Online</a:t>
+                        <a:t>Suporte Online</a:t>
                       </a:r>
                     </a:p>
                   </a:txBody>
@@ -2807,14 +2807,14 @@
                         </a:spcBef>
                       </a:pPr>
                       <a:r>
-                        <a:rPr lang="es-ES" sz="900">
+                        <a:rPr lang="pt-BR" sz="900">
                           <a:solidFill>
                             <a:srgbClr val="FFFFFF"/>
                           </a:solidFill>
                           <a:latin typeface="Adobe Clean"/>
                           <a:cs typeface="Adobe Clean"/>
                         </a:rPr>
-                        <a:t>Soporte Enterprise</a:t>
+                        <a:t>Suporte Enterprise</a:t>
                       </a:r>
                     </a:p>
                   </a:txBody>
@@ -2875,14 +2875,14 @@
                         </a:spcBef>
                       </a:pPr>
                       <a:r>
-                        <a:rPr lang="es-ES" sz="900" b="1" dirty="0">
+                        <a:rPr lang="pt-BR" sz="900" b="1" dirty="0">
                           <a:solidFill>
                             <a:srgbClr val="020302"/>
                           </a:solidFill>
                           <a:latin typeface="Adobe Clean"/>
                           <a:cs typeface="Adobe Clean"/>
                         </a:rPr>
-                        <a:t>PRIORIDAD 1</a:t>
+                        <a:t>PRIORIDADE 1</a:t>
                       </a:r>
                     </a:p>
                     <a:p>
@@ -2904,7 +2904,7 @@
                         <a:defRPr/>
                       </a:pPr>
                       <a:r>
-                        <a:rPr lang="es-ES" sz="900" b="0" i="0" dirty="0">
+                        <a:rPr lang="pt-BR" sz="900" b="0" i="0" dirty="0">
                           <a:solidFill>
                             <a:srgbClr val="020302"/>
                           </a:solidFill>
@@ -2915,7 +2915,7 @@
                         <a:t> </a:t>
                       </a:r>
                       <a:r>
-                        <a:rPr lang="es-ES" sz="900" b="0" i="0" u="none" strike="noStrike" dirty="0">
+                        <a:rPr lang="pt-BR" sz="900" b="0" i="0" u="none" strike="noStrike" dirty="0">
                           <a:solidFill>
                             <a:schemeClr val="tx1"/>
                           </a:solidFill>
@@ -2923,7 +2923,7 @@
                           <a:ea typeface="+mn-ea"/>
                           <a:cs typeface="+mn-cs"/>
                         </a:rPr>
-                        <a:t>Las funciones empresariales de producción del cliente no están activadas o pierden datos </a:t>
+                        <a:t>As funções de produção do cliente estão inativas ou têm perda significativa de dados </a:t>
                       </a:r>
                       <a:br>
                         <a:rPr lang="sk-SK" sz="900" b="0" i="0" u="none" strike="noStrike" dirty="0">
@@ -2936,7 +2936,7 @@
                         </a:rPr>
                       </a:br>
                       <a:r>
-                        <a:rPr lang="es-ES" sz="900" b="0" i="0" u="none" strike="noStrike" dirty="0">
+                        <a:rPr lang="pt-BR" sz="900" b="0" i="0" u="none" strike="noStrike" dirty="0">
                           <a:solidFill>
                             <a:schemeClr val="tx1"/>
                           </a:solidFill>
@@ -2944,7 +2944,28 @@
                           <a:ea typeface="+mn-ea"/>
                           <a:cs typeface="+mn-cs"/>
                         </a:rPr>
-                        <a:t>o presentan una degradación del servicio significativa, por lo que se requiere atención inmediata para restaurar la funcionalidad y facilidad de uso.</a:t>
+                        <a:t>ou degradação de serviços, e é necessária atenção imediata para restaurar a funcionalidade </a:t>
+                      </a:r>
+                      <a:br>
+                        <a:rPr lang="sk-SK" sz="900" b="0" i="0" u="none" strike="noStrike" dirty="0">
+                          <a:solidFill>
+                            <a:schemeClr val="tx1"/>
+                          </a:solidFill>
+                          <a:latin typeface="Adobe Clean Light" panose="020B0303020404020204" pitchFamily="34" charset="0"/>
+                          <a:ea typeface="+mn-ea"/>
+                          <a:cs typeface="+mn-cs"/>
+                        </a:rPr>
+                      </a:br>
+                      <a:r>
+                        <a:rPr lang="pt-BR" sz="900" b="0" i="0" u="none" strike="noStrike" dirty="0">
+                          <a:solidFill>
+                            <a:schemeClr val="tx1"/>
+                          </a:solidFill>
+                          <a:latin typeface="Adobe Clean Light" panose="020B0303020404020204" pitchFamily="34" charset="0"/>
+                          <a:ea typeface="+mn-ea"/>
+                          <a:cs typeface="+mn-cs"/>
+                        </a:rPr>
+                        <a:t>e a usabilidade</a:t>
                       </a:r>
                     </a:p>
                   </a:txBody>
@@ -2986,14 +3007,14 @@
                         </a:lnSpc>
                       </a:pPr>
                       <a:r>
-                        <a:rPr lang="es-ES" sz="900" dirty="0">
+                        <a:rPr lang="pt-BR" sz="900">
                           <a:solidFill>
                             <a:srgbClr val="020302"/>
                           </a:solidFill>
                           <a:latin typeface="AdobeClean-Light"/>
                           <a:cs typeface="AdobeClean-Light"/>
                         </a:rPr>
-                        <a:t>24x7 /           1 hora</a:t>
+                        <a:t>24x7 /              1 hora</a:t>
                       </a:r>
                     </a:p>
                   </a:txBody>
@@ -3029,7 +3050,7 @@
                     <a:bodyPr/>
                     <a:lstStyle/>
                     <a:p>
-                      <a:pPr marL="285750" marR="476250" indent="57150" algn="ctr" defTabSz="1028700">
+                      <a:pPr marL="352425" marR="476250" indent="111125" algn="ctr">
                         <a:lnSpc>
                           <a:spcPct val="100000"/>
                         </a:lnSpc>
@@ -3038,53 +3059,14 @@
                         </a:spcBef>
                       </a:pPr>
                       <a:r>
-                        <a:rPr lang="es-ES" sz="900" dirty="0">
+                        <a:rPr lang="pt-BR" sz="900">
                           <a:solidFill>
                             <a:srgbClr val="020302"/>
                           </a:solidFill>
                           <a:latin typeface="AdobeClean-Light"/>
                           <a:cs typeface="AdobeClean-Light"/>
                         </a:rPr>
-                        <a:t>24x7 /</a:t>
-                      </a:r>
-                      <a:r>
-                        <a:rPr lang="sk-SK" sz="900" dirty="0">
-                          <a:solidFill>
-                            <a:srgbClr val="020302"/>
-                          </a:solidFill>
-                          <a:latin typeface="AdobeClean-Light"/>
-                          <a:cs typeface="AdobeClean-Light"/>
-                        </a:rPr>
-                        <a:t> </a:t>
-                      </a:r>
-                      <a:br>
-                        <a:rPr lang="sk-SK" sz="900" dirty="0">
-                          <a:solidFill>
-                            <a:srgbClr val="020302"/>
-                          </a:solidFill>
-                          <a:latin typeface="AdobeClean-Light"/>
-                          <a:cs typeface="AdobeClean-Light"/>
-                        </a:rPr>
-                      </a:br>
-                      <a:r>
-                        <a:rPr lang="sk-SK" sz="900" dirty="0">
-                          <a:solidFill>
-                            <a:srgbClr val="020302"/>
-                          </a:solidFill>
-                          <a:latin typeface="AdobeClean-Light"/>
-                          <a:cs typeface="AdobeClean-Light"/>
-                        </a:rPr>
-                        <a:t>3</a:t>
-                      </a:r>
-                      <a:r>
-                        <a:rPr lang="es-ES" sz="900" dirty="0">
-                          <a:solidFill>
-                            <a:srgbClr val="020302"/>
-                          </a:solidFill>
-                          <a:latin typeface="AdobeClean-Light"/>
-                          <a:cs typeface="AdobeClean-Light"/>
-                        </a:rPr>
-                        <a:t>0 minutos</a:t>
+                        <a:t>24x7 /  30minutos</a:t>
                       </a:r>
                     </a:p>
                   </a:txBody>
@@ -3147,14 +3129,14 @@
                         </a:spcBef>
                       </a:pPr>
                       <a:r>
-                        <a:rPr lang="es-ES" sz="900" b="1" dirty="0">
+                        <a:rPr lang="pt-BR" sz="900" b="1" dirty="0">
                           <a:solidFill>
                             <a:srgbClr val="020302"/>
                           </a:solidFill>
                           <a:latin typeface="Adobe Clean"/>
                           <a:cs typeface="Adobe Clean"/>
                         </a:rPr>
-                        <a:t>PRIORIDAD 2</a:t>
+                        <a:t>PRIORIDADE 2</a:t>
                       </a:r>
                     </a:p>
                     <a:p>
@@ -3167,7 +3149,7 @@
                         </a:spcBef>
                       </a:pPr>
                       <a:r>
-                        <a:rPr lang="es-ES" sz="900" b="0" i="0" u="none" strike="noStrike" spc="-20" baseline="0" dirty="0">
+                        <a:rPr lang="pt-BR" sz="900" b="0" i="0" u="none" strike="noStrike" dirty="0">
                           <a:solidFill>
                             <a:schemeClr val="tx1"/>
                           </a:solidFill>
@@ -3175,7 +3157,28 @@
                           <a:ea typeface="+mn-ea"/>
                           <a:cs typeface="+mn-cs"/>
                         </a:rPr>
-                        <a:t>Las funciones empresariales del cliente presentan una importante degradación del servicio o hay una posible pérdida de datos o no disponibilidad de servicios, o una función clave se está viendo afectada.</a:t>
+                        <a:t>As funções empresariais do cliente têm grande degradação de serviços, perda potencial </a:t>
+                      </a:r>
+                      <a:br>
+                        <a:rPr lang="sk-SK" sz="900" b="0" i="0" u="none" strike="noStrike" dirty="0">
+                          <a:solidFill>
+                            <a:schemeClr val="tx1"/>
+                          </a:solidFill>
+                          <a:latin typeface="Adobe Clean Light" panose="020B0303020404020204" pitchFamily="34" charset="0"/>
+                          <a:ea typeface="+mn-ea"/>
+                          <a:cs typeface="+mn-cs"/>
+                        </a:rPr>
+                      </a:br>
+                      <a:r>
+                        <a:rPr lang="pt-BR" sz="900" b="0" i="0" u="none" strike="noStrike" dirty="0">
+                          <a:solidFill>
+                            <a:schemeClr val="tx1"/>
+                          </a:solidFill>
+                          <a:latin typeface="Adobe Clean Light" panose="020B0303020404020204" pitchFamily="34" charset="0"/>
+                          <a:ea typeface="+mn-ea"/>
+                          <a:cs typeface="+mn-cs"/>
+                        </a:rPr>
+                        <a:t>de dados ou indisponibilidade de serviços, ou foi afetado um recurso importante</a:t>
                       </a:r>
                     </a:p>
                   </a:txBody>
@@ -3211,20 +3214,40 @@
                     <a:bodyPr/>
                     <a:lstStyle/>
                     <a:p>
-                      <a:pPr marL="285750" marR="343535" indent="0" algn="ctr">
+                      <a:pPr marL="473709" marR="343535" indent="-175895" algn="ctr">
                         <a:lnSpc>
                           <a:spcPct val="102200"/>
                         </a:lnSpc>
                       </a:pPr>
                       <a:r>
-                        <a:rPr lang="es-ES" sz="900" dirty="0">
+                        <a:rPr lang="pt-BR" sz="900" dirty="0">
                           <a:solidFill>
                             <a:srgbClr val="020302"/>
                           </a:solidFill>
                           <a:latin typeface="AdobeClean-Light"/>
                           <a:cs typeface="AdobeClean-Light"/>
                         </a:rPr>
-                        <a:t>Horario de trabajo / 4 horas</a:t>
+                        <a:t>Horário comercial</a:t>
+                      </a:r>
+                      <a:r>
+                        <a:rPr lang="sk-SK" sz="900" dirty="0">
+                          <a:solidFill>
+                            <a:srgbClr val="020302"/>
+                          </a:solidFill>
+                          <a:latin typeface="AdobeClean-Light"/>
+                          <a:cs typeface="AdobeClean-Light"/>
+                        </a:rPr>
+                        <a:t> </a:t>
+                      </a:r>
+                      <a:r>
+                        <a:rPr lang="pt-BR" sz="900" dirty="0">
+                          <a:solidFill>
+                            <a:srgbClr val="020302"/>
+                          </a:solidFill>
+                          <a:latin typeface="AdobeClean-Light"/>
+                          <a:cs typeface="AdobeClean-Light"/>
+                        </a:rPr>
+                        <a:t>/           4 horas</a:t>
                       </a:r>
                     </a:p>
                   </a:txBody>
@@ -3260,13 +3283,13 @@
                     <a:bodyPr/>
                     <a:lstStyle/>
                     <a:p>
-                      <a:pPr marL="457200" marR="492125" indent="0" algn="ctr">
+                      <a:pPr marL="542925" marR="492125" algn="ctr">
                         <a:lnSpc>
                           <a:spcPct val="102200"/>
                         </a:lnSpc>
                       </a:pPr>
                       <a:r>
-                        <a:rPr lang="es-ES" sz="900" dirty="0">
+                        <a:rPr lang="pt-BR" sz="900">
                           <a:solidFill>
                             <a:srgbClr val="020302"/>
                           </a:solidFill>
@@ -3274,7 +3297,7 @@
                           <a:ea typeface="+mn-ea"/>
                           <a:cs typeface="AdobeClean-Light"/>
                         </a:rPr>
-                        <a:t>24x5 /           1 hora</a:t>
+                        <a:t>24x5 /              1 hora</a:t>
                       </a:r>
                     </a:p>
                   </a:txBody>
@@ -3334,14 +3357,14 @@
                         </a:spcBef>
                       </a:pPr>
                       <a:r>
-                        <a:rPr lang="es-ES" sz="900" b="1" dirty="0">
+                        <a:rPr lang="pt-BR" sz="900" b="1" dirty="0">
                           <a:solidFill>
                             <a:srgbClr val="020302"/>
                           </a:solidFill>
                           <a:latin typeface="Adobe Clean"/>
                           <a:cs typeface="Adobe Clean"/>
                         </a:rPr>
-                        <a:t>PRIORIDAD 3</a:t>
+                        <a:t>PRIORIDADE 3</a:t>
                       </a:r>
                     </a:p>
                     <a:p>
@@ -3354,7 +3377,7 @@
                         </a:spcBef>
                       </a:pPr>
                       <a:r>
-                        <a:rPr lang="es-ES" sz="900" b="0" i="0" u="none" strike="noStrike" spc="-40" baseline="0" dirty="0">
+                        <a:rPr lang="pt-BR" sz="900" b="0" i="0" u="none" strike="noStrike" dirty="0">
                           <a:solidFill>
                             <a:schemeClr val="tx1"/>
                           </a:solidFill>
@@ -3362,7 +3385,28 @@
                           <a:ea typeface="+mn-ea"/>
                           <a:cs typeface="+mn-cs"/>
                         </a:rPr>
-                        <a:t>Las funciones empresariales del cliente presentan una menor degradación de los servicios, o ninguna degradación en absoluto, con una solución que permite que las funciones empresariales sigan funcionando.  </a:t>
+                        <a:t>As funções empresariais do cliente têm pouca ou nenhuma degradação dos serviços com </a:t>
+                      </a:r>
+                      <a:br>
+                        <a:rPr lang="sk-SK" sz="900" b="0" i="0" u="none" strike="noStrike" dirty="0">
+                          <a:solidFill>
+                            <a:schemeClr val="tx1"/>
+                          </a:solidFill>
+                          <a:latin typeface="Adobe Clean Light" panose="020B0303020404020204" pitchFamily="34" charset="0"/>
+                          <a:ea typeface="+mn-ea"/>
+                          <a:cs typeface="+mn-cs"/>
+                        </a:rPr>
+                      </a:br>
+                      <a:r>
+                        <a:rPr lang="pt-BR" sz="900" b="0" i="0" u="none" strike="noStrike" dirty="0">
+                          <a:solidFill>
+                            <a:schemeClr val="tx1"/>
+                          </a:solidFill>
+                          <a:latin typeface="Adobe Clean Light" panose="020B0303020404020204" pitchFamily="34" charset="0"/>
+                          <a:ea typeface="+mn-ea"/>
+                          <a:cs typeface="+mn-cs"/>
+                        </a:rPr>
+                        <a:t>uma solução/solução alternativa que permite que as funções empresariais continuem.  </a:t>
                       </a:r>
                     </a:p>
                   </a:txBody>
@@ -3398,20 +3442,20 @@
                     <a:bodyPr/>
                     <a:lstStyle/>
                     <a:p>
-                      <a:pPr marL="285750" marR="343535" indent="0" algn="ctr">
+                      <a:pPr marL="473709" marR="343535" indent="-175895" algn="ctr">
                         <a:lnSpc>
                           <a:spcPct val="102200"/>
                         </a:lnSpc>
                       </a:pPr>
                       <a:r>
-                        <a:rPr lang="es-ES" sz="900" dirty="0">
+                        <a:rPr lang="pt-BR" sz="900">
                           <a:solidFill>
                             <a:srgbClr val="020302"/>
                           </a:solidFill>
                           <a:latin typeface="AdobeClean-Light"/>
                           <a:cs typeface="AdobeClean-Light"/>
                         </a:rPr>
-                        <a:t>Horario de trabajo / 6 horas</a:t>
+                        <a:t>Horário comercial/           6 horas</a:t>
                       </a:r>
                     </a:p>
                   </a:txBody>
@@ -3447,26 +3491,42 @@
                     <a:bodyPr/>
                     <a:lstStyle/>
                     <a:p>
-                      <a:pPr marL="114300" marR="398780" indent="114300" algn="ctr" defTabSz="1089025">
+                      <a:pPr marL="285750" marR="398780" indent="0" algn="ctr">
                         <a:lnSpc>
                           <a:spcPct val="102200"/>
                         </a:lnSpc>
                         <a:spcBef>
                           <a:spcPts val="675"/>
                         </a:spcBef>
-                        <a:tabLst>
-                          <a:tab pos="1143000" algn="l"/>
-                        </a:tabLst>
                       </a:pPr>
                       <a:r>
-                        <a:rPr lang="es-ES" sz="900" dirty="0">
+                        <a:rPr lang="pt-BR" sz="900" dirty="0">
                           <a:solidFill>
                             <a:srgbClr val="020302"/>
                           </a:solidFill>
                           <a:latin typeface="AdobeClean-Light"/>
                           <a:cs typeface="AdobeClean-Light"/>
                         </a:rPr>
-                        <a:t>Horario de trabajo /  2 horas</a:t>
+                        <a:t>Horário comercial/</a:t>
+                      </a:r>
+                      <a:br>
+                        <a:rPr lang="sk-SK" sz="900" dirty="0">
+                          <a:solidFill>
+                            <a:srgbClr val="020302"/>
+                          </a:solidFill>
+                          <a:latin typeface="AdobeClean-Light"/>
+                          <a:cs typeface="AdobeClean-Light"/>
+                        </a:rPr>
+                      </a:br>
+                      <a:r>
+                        <a:rPr lang="pt-BR" sz="900" dirty="0">
+                          <a:solidFill>
+                            <a:srgbClr val="020302"/>
+                          </a:solidFill>
+                          <a:latin typeface="AdobeClean-Light"/>
+                          <a:cs typeface="AdobeClean-Light"/>
+                        </a:rPr>
+                        <a:t>2 horas</a:t>
                       </a:r>
                     </a:p>
                   </a:txBody>
@@ -3526,14 +3586,14 @@
                         </a:spcBef>
                       </a:pPr>
                       <a:r>
-                        <a:rPr lang="es-ES" sz="900" b="1" dirty="0">
+                        <a:rPr lang="pt-BR" sz="900" b="1">
                           <a:solidFill>
                             <a:srgbClr val="020302"/>
                           </a:solidFill>
                           <a:latin typeface="Adobe Clean"/>
                           <a:cs typeface="Adobe Clean"/>
                         </a:rPr>
-                        <a:t>PRIORIDAD 4</a:t>
+                        <a:t>PRIORIDADE 4</a:t>
                       </a:r>
                     </a:p>
                     <a:p>
@@ -3546,7 +3606,7 @@
                         </a:spcBef>
                       </a:pPr>
                       <a:r>
-                        <a:rPr lang="es-ES" sz="900" b="1" dirty="0">
+                        <a:rPr lang="pt-BR" sz="900" b="1">
                           <a:solidFill>
                             <a:srgbClr val="020302"/>
                           </a:solidFill>
@@ -3557,7 +3617,7 @@
                         <a:t> </a:t>
                       </a:r>
                       <a:r>
-                        <a:rPr lang="es-ES" sz="900" b="0" i="0" u="none" strike="noStrike" dirty="0">
+                        <a:rPr lang="pt-BR" sz="900" b="0" i="0" u="none" strike="noStrike">
                           <a:solidFill>
                             <a:schemeClr val="tx1"/>
                           </a:solidFill>
@@ -3565,7 +3625,7 @@
                           <a:ea typeface="+mn-ea"/>
                           <a:cs typeface="+mn-cs"/>
                         </a:rPr>
-                        <a:t>Pregunta general sobre la funcionalidad actual del producto o una solicitud de mejora.</a:t>
+                        <a:t>Pergunta geral sobre a funcionalidade atual do produto ou solicitação de melhoria</a:t>
                       </a:r>
                     </a:p>
                   </a:txBody>
@@ -3607,14 +3667,34 @@
                         </a:lnSpc>
                       </a:pPr>
                       <a:r>
-                        <a:rPr lang="es-ES" sz="900">
+                        <a:rPr lang="pt-BR" sz="900" dirty="0">
                           <a:solidFill>
                             <a:srgbClr val="020302"/>
                           </a:solidFill>
                           <a:latin typeface="AdobeClean-Light"/>
                           <a:cs typeface="AdobeClean-Light"/>
                         </a:rPr>
-                        <a:t>Días laborables /      3 días</a:t>
+                        <a:t>Dias úteis/</a:t>
+                      </a:r>
+                      <a:r>
+                        <a:rPr lang="sk-SK" sz="900" dirty="0">
+                          <a:solidFill>
+                            <a:srgbClr val="020302"/>
+                          </a:solidFill>
+                          <a:latin typeface="AdobeClean-Light"/>
+                          <a:cs typeface="AdobeClean-Light"/>
+                        </a:rPr>
+                        <a:t> </a:t>
+                      </a:r>
+                      <a:r>
+                        <a:rPr lang="pt-BR" sz="900" dirty="0">
+                          <a:solidFill>
+                            <a:srgbClr val="020302"/>
+                          </a:solidFill>
+                          <a:latin typeface="AdobeClean-Light"/>
+                          <a:cs typeface="AdobeClean-Light"/>
+                        </a:rPr>
+                        <a:t>3 dias</a:t>
                       </a:r>
                     </a:p>
                   </a:txBody>
@@ -3650,39 +3730,20 @@
                     <a:bodyPr/>
                     <a:lstStyle/>
                     <a:p>
-                      <a:pPr marL="228600" marR="343535" indent="-57150" algn="ctr">
+                      <a:pPr marL="473709" marR="343535" indent="-175895" algn="ctr">
                         <a:lnSpc>
                           <a:spcPct val="102200"/>
                         </a:lnSpc>
                       </a:pPr>
                       <a:r>
-                        <a:rPr lang="es-ES" sz="900" dirty="0">
+                        <a:rPr lang="pt-BR" sz="900" dirty="0">
                           <a:solidFill>
                             <a:srgbClr val="020302"/>
                           </a:solidFill>
                           <a:latin typeface="AdobeClean-Light"/>
                           <a:cs typeface="AdobeClean-Light"/>
                         </a:rPr>
-                        <a:t>Días laborables /</a:t>
-                      </a:r>
-                      <a:br>
-                        <a:rPr lang="sk-SK" sz="900" dirty="0">
-                          <a:solidFill>
-                            <a:srgbClr val="020302"/>
-                          </a:solidFill>
-                          <a:latin typeface="AdobeClean-Light"/>
-                          <a:cs typeface="AdobeClean-Light"/>
-                        </a:rPr>
-                      </a:br>
-                      <a:r>
-                        <a:rPr lang="es-ES" sz="900" dirty="0">
-                          <a:solidFill>
-                            <a:srgbClr val="020302"/>
-                          </a:solidFill>
-                          <a:latin typeface="AdobeClean-Light"/>
-                          <a:cs typeface="AdobeClean-Light"/>
-                        </a:rPr>
-                        <a:t>1 día</a:t>
+                        <a:t>Dia útil / 1 dia</a:t>
                       </a:r>
                     </a:p>
                   </a:txBody>
@@ -3787,7 +3848,7 @@
               </a:spcBef>
             </a:pPr>
             <a:r>
-              <a:rPr lang="es-ES"/>
+              <a:rPr lang="pt-BR"/>
               <a:t>©2021 Adobe. All Rights Reserved. Adobe Confidential.</a:t>
             </a:r>
           </a:p>
@@ -3822,7 +3883,7 @@
           <a:lstStyle/>
           <a:p>
             <a:r>
-              <a:rPr lang="es-ES" sz="700" i="1">
+              <a:rPr lang="pt-BR" sz="700" i="1">
                 <a:solidFill>
                   <a:schemeClr val="bg1"/>
                 </a:solidFill>
@@ -3868,16 +3929,16 @@
               </a:spcBef>
             </a:pPr>
             <a:r>
-              <a:rPr lang="es-ES" sz="1200" dirty="0">
+              <a:rPr lang="pt-BR" sz="1200" dirty="0">
                 <a:solidFill>
                   <a:schemeClr val="bg1"/>
                 </a:solidFill>
                 <a:latin typeface="Adobe Clean Light" panose="020B0303020404020204" pitchFamily="34" charset="0"/>
               </a:rPr>
-              <a:t>Online | Business |</a:t>
-            </a:r>
-            <a:r>
-              <a:rPr lang="es-ES" sz="1200" b="1" dirty="0">
+              <a:t>Online | Business  </a:t>
+            </a:r>
+            <a:r>
+              <a:rPr lang="pt-BR" sz="1200" b="1" dirty="0">
                 <a:solidFill>
                   <a:schemeClr val="bg1"/>
                 </a:solidFill>
@@ -3886,7 +3947,7 @@
               <a:t> </a:t>
             </a:r>
             <a:r>
-              <a:rPr lang="es-ES" sz="1200" b="1" dirty="0">
+              <a:rPr lang="pt-BR" sz="1200" b="1" dirty="0">
                 <a:solidFill>
                   <a:schemeClr val="bg1"/>
                 </a:solidFill>
@@ -3894,7 +3955,7 @@
               <a:t>Enterprise</a:t>
             </a:r>
             <a:r>
-              <a:rPr lang="es-ES" sz="1200" b="1" dirty="0">
+              <a:rPr lang="pt-BR" sz="1200" b="1" dirty="0">
                 <a:solidFill>
                   <a:schemeClr val="bg1"/>
                 </a:solidFill>
@@ -3903,7 +3964,7 @@
               <a:t> </a:t>
             </a:r>
             <a:r>
-              <a:rPr lang="es-ES" sz="1200" dirty="0">
+              <a:rPr lang="pt-BR" sz="1200" dirty="0">
                 <a:solidFill>
                   <a:schemeClr val="bg1"/>
                 </a:solidFill>
@@ -3912,7 +3973,7 @@
               <a:t>| Elite</a:t>
             </a:r>
             <a:br>
-              <a:rPr lang="es-ES" sz="900" dirty="0">
+              <a:rPr lang="pt-BR" sz="900" dirty="0">
                 <a:solidFill>
                   <a:schemeClr val="bg1"/>
                 </a:solidFill>
@@ -3920,67 +3981,55 @@
               </a:rPr>
             </a:br>
             <a:r>
-              <a:rPr lang="es-ES" sz="900" dirty="0">
+              <a:rPr lang="pt-BR" sz="900" dirty="0">
                 <a:solidFill>
                   <a:schemeClr val="bg1"/>
                 </a:solidFill>
+              </a:rPr>
+              <a:t>O Suporte </a:t>
+            </a:r>
+            <a:r>
+              <a:rPr lang="pt-BR" sz="900" dirty="0">
+                <a:solidFill>
+                  <a:schemeClr val="bg1"/>
+                </a:solidFill>
                 <a:latin typeface="Adobe Clean SemiLight" panose="020B0403020404020204" pitchFamily="34" charset="0"/>
               </a:rPr>
-              <a:t>El paquete ENTERPRISE incluye acceso a rutas de aprendizaje personalizadas y foros de la comunidad monitorizados a través de Adobe </a:t>
-            </a:r>
-            <a:r>
-              <a:rPr lang="es-ES" sz="900" dirty="0" err="1">
+              <a:t>ENTERPRISE</a:t>
+            </a:r>
+            <a:r>
+              <a:rPr lang="pt-BR" sz="900" dirty="0">
                 <a:solidFill>
                   <a:schemeClr val="bg1"/>
                 </a:solidFill>
+              </a:rPr>
+              <a:t> inclui acesso a caminhos de aprendizagem personalizados e a fóruns monitorados da comunidade na Adobe Experience League.</a:t>
+            </a:r>
+            <a:r>
+              <a:rPr lang="pt-BR" sz="900" dirty="0">
+                <a:solidFill>
+                  <a:schemeClr val="bg1"/>
+                </a:solidFill>
                 <a:latin typeface="Adobe Clean SemiLight" panose="020B0403020404020204" pitchFamily="34" charset="0"/>
               </a:rPr>
-              <a:t>Experience</a:t>
-            </a:r>
-            <a:r>
-              <a:rPr lang="es-ES" sz="900" dirty="0">
+              <a:t> Você tem à sua disposição a nossa documentação técnica de produto, com todos os detalhes, e as notas de versão mais atuais. Os clientes ENTERPRISE também contam com um Engenheiro de suporte nomeado, que atua como contato técnico designado na Equipe de suporte da Adobe. Com ampla experiência na sua solução da Experience Cloud, a equipe de suporte colabora com você e com sua equipe técnica para garantir a resolução oportuna de todas as solicitações de suporte. A equipe </a:t>
+            </a:r>
+            <a:br>
+              <a:rPr lang="sk-SK" sz="900" dirty="0">
                 <a:solidFill>
                   <a:schemeClr val="bg1"/>
                 </a:solidFill>
                 <a:latin typeface="Adobe Clean SemiLight" panose="020B0403020404020204" pitchFamily="34" charset="0"/>
               </a:rPr>
-              <a:t> League. También puede disfrutar de documentación técnica completa y detallada sobre productos y notas de la versión actual. Los clientes del paquete ENTERPRISE también contarán con un ingeniero de asistencia técnica especializado que será su punto de contacto técnico personal dentro del equipo de Soporte de Adobe. Gracias a su amplia experiencia en sus soluciones de </a:t>
-            </a:r>
-            <a:r>
-              <a:rPr lang="es-ES" sz="900" dirty="0" err="1">
+            </a:br>
+            <a:r>
+              <a:rPr lang="pt-BR" sz="900" dirty="0">
                 <a:solidFill>
                   <a:schemeClr val="bg1"/>
                 </a:solidFill>
                 <a:latin typeface="Adobe Clean SemiLight" panose="020B0403020404020204" pitchFamily="34" charset="0"/>
               </a:rPr>
-              <a:t>Experience</a:t>
-            </a:r>
-            <a:r>
-              <a:rPr lang="es-ES" sz="900" dirty="0">
-                <a:solidFill>
-                  <a:schemeClr val="bg1"/>
-                </a:solidFill>
-                <a:latin typeface="Adobe Clean SemiLight" panose="020B0403020404020204" pitchFamily="34" charset="0"/>
-              </a:rPr>
-              <a:t> Cloud, el equipo de Soporte colaborará con usted y sus equipos técnicos para resolver a tiempo todas las solicitudes de asistencia. Su equipo de Soporte también puede ayudar a </a:t>
-            </a:r>
-            <a:r>
-              <a:rPr lang="es-ES" sz="900" dirty="0" err="1">
-                <a:solidFill>
-                  <a:schemeClr val="bg1"/>
-                </a:solidFill>
-                <a:latin typeface="Adobe Clean SemiLight" panose="020B0403020404020204" pitchFamily="34" charset="0"/>
-              </a:rPr>
-              <a:t>coordenar</a:t>
-            </a:r>
-            <a:r>
-              <a:rPr lang="es-ES" sz="900" dirty="0">
-                <a:solidFill>
-                  <a:schemeClr val="bg1"/>
-                </a:solidFill>
-                <a:latin typeface="Adobe Clean SemiLight" panose="020B0403020404020204" pitchFamily="34" charset="0"/>
-              </a:rPr>
-              <a:t> y ofrecer las ventajas adicionales del paquete ENTERPRISE sin afectar a su negocio en los momentos más importantes. </a:t>
+              <a:t>de suporte também ajuda a coordenar e a organizar a prestação de vantagens adicionais do suporte ENTERPRISE, garantindo interrupção mínima na sua empresa nos momentos mais críticos. </a:t>
             </a:r>
           </a:p>
         </p:txBody>
@@ -4000,14 +4049,14 @@
           <p:nvPr>
             <p:extLst>
               <p:ext uri="{D42A27DB-BD31-4B8C-83A1-F6EECF244321}">
-                <p14:modId xmlns:p14="http://schemas.microsoft.com/office/powerpoint/2010/main" val="570656201"/>
+                <p14:modId xmlns:p14="http://schemas.microsoft.com/office/powerpoint/2010/main" val="2813555721"/>
               </p:ext>
             </p:extLst>
           </p:nvPr>
         </p:nvGraphicFramePr>
         <p:xfrm>
           <a:off x="125148" y="2159576"/>
-          <a:ext cx="7498851" cy="4776202"/>
+          <a:ext cx="7498851" cy="4675190"/>
         </p:xfrm>
         <a:graphic>
           <a:graphicData uri="http://schemas.openxmlformats.org/drawingml/2006/table">
@@ -4089,14 +4138,14 @@
                         <a:defRPr/>
                       </a:pPr>
                       <a:r>
-                        <a:rPr lang="es-ES" sz="900">
+                        <a:rPr lang="pt-BR" sz="900">
                           <a:solidFill>
                             <a:srgbClr val="404040"/>
                           </a:solidFill>
                           <a:latin typeface="Adobe Clean"/>
                           <a:cs typeface="Adobe Clean"/>
                         </a:rPr>
-                        <a:t>Soporte Online</a:t>
+                        <a:t>Suporte Online</a:t>
                       </a:r>
                     </a:p>
                   </a:txBody>
@@ -4138,14 +4187,14 @@
                         </a:spcBef>
                       </a:pPr>
                       <a:r>
-                        <a:rPr lang="es-ES" sz="900">
+                        <a:rPr lang="pt-BR" sz="900">
                           <a:solidFill>
                             <a:srgbClr val="FFFFFF"/>
                           </a:solidFill>
                           <a:latin typeface="Adobe Clean"/>
                           <a:cs typeface="Adobe Clean"/>
                         </a:rPr>
-                        <a:t>Soporte Enterprise</a:t>
+                        <a:t>Suporte Enterprise</a:t>
                       </a:r>
                     </a:p>
                   </a:txBody>
@@ -4295,13 +4344,13 @@
                         <a:defRPr/>
                       </a:pPr>
                       <a:r>
-                        <a:rPr lang="es-ES" sz="800" i="1">
+                        <a:rPr lang="pt-BR" sz="800" i="1">
                           <a:solidFill>
                             <a:schemeClr val="bg1"/>
                           </a:solidFill>
                           <a:latin typeface="Adobe Clean Light" panose="020B0303020404020204" pitchFamily="34" charset="0"/>
                         </a:rPr>
-                        <a:t>Soporte de pago ($)</a:t>
+                        <a:t>Suporte pago ($)</a:t>
                       </a:r>
                     </a:p>
                   </a:txBody>
@@ -4365,14 +4414,14 @@
                         </a:spcBef>
                       </a:pPr>
                       <a:r>
-                        <a:rPr lang="es-ES" sz="1000" b="1" i="0">
+                        <a:rPr lang="pt-BR" sz="1000" b="1" i="0">
                           <a:solidFill>
                             <a:schemeClr val="bg1"/>
                           </a:solidFill>
                           <a:latin typeface="Adobe Clean" panose="020B0503020404020204" pitchFamily="34" charset="0"/>
                           <a:cs typeface="AdobeClean-Light"/>
                         </a:rPr>
-                        <a:t>Expertos asignados</a:t>
+                        <a:t>Especialistas atribuídos</a:t>
                       </a:r>
                     </a:p>
                   </a:txBody>
@@ -4420,14 +4469,14 @@
                         </a:spcBef>
                       </a:pPr>
                       <a:r>
-                        <a:rPr lang="es-ES" sz="900">
+                        <a:rPr lang="pt-BR" sz="900">
                           <a:solidFill>
                             <a:srgbClr val="020302"/>
                           </a:solidFill>
                           <a:latin typeface="AdobeClean-Light"/>
                           <a:cs typeface="AdobeClean-Light"/>
                         </a:rPr>
-                        <a:t>Responsable de la asistencia técnica de la cuenta</a:t>
+                        <a:t>Líder de suporte da conta</a:t>
                       </a:r>
                     </a:p>
                   </a:txBody>
@@ -4593,14 +4642,14 @@
                         </a:spcBef>
                       </a:pPr>
                       <a:r>
-                        <a:rPr lang="es-ES" sz="900">
+                        <a:rPr lang="pt-BR" sz="900" dirty="0">
                           <a:solidFill>
                             <a:srgbClr val="020302"/>
                           </a:solidFill>
                           <a:latin typeface="AdobeClean-Light"/>
                           <a:cs typeface="AdobeClean-Light"/>
                         </a:rPr>
-                        <a:t>Ingeniero de asistencia técnica especializado</a:t>
+                        <a:t>Engenheiro de suporte nomeado</a:t>
                       </a:r>
                     </a:p>
                   </a:txBody>
@@ -4671,7 +4720,7 @@
                         <a:defRPr/>
                       </a:pPr>
                       <a:r>
-                        <a:rPr lang="es-ES" sz="900">
+                        <a:rPr lang="pt-BR" sz="900">
                           <a:solidFill>
                             <a:srgbClr val="020302"/>
                           </a:solidFill>
@@ -4760,14 +4809,14 @@
                         </a:spcBef>
                       </a:pPr>
                       <a:r>
-                        <a:rPr lang="es-ES" sz="900">
+                        <a:rPr lang="pt-BR" sz="900">
                           <a:solidFill>
                             <a:srgbClr val="020302"/>
                           </a:solidFill>
                           <a:latin typeface="AdobeClean-Light"/>
                           <a:cs typeface="AdobeClean-Light"/>
                         </a:rPr>
-                        <a:t>Gestor técnico de cuentas</a:t>
+                        <a:t>Gerente técnico de conta</a:t>
                       </a:r>
                     </a:p>
                   </a:txBody>
@@ -4886,14 +4935,14 @@
                         </a:spcBef>
                       </a:pPr>
                       <a:r>
-                        <a:rPr lang="es-ES" sz="1000" b="1" i="0">
+                        <a:rPr lang="pt-BR" sz="1000" b="1" i="0">
                           <a:solidFill>
                             <a:schemeClr val="bg1"/>
                           </a:solidFill>
                           <a:latin typeface="Adobe Clean" panose="020B0503020404020204" pitchFamily="34" charset="0"/>
                           <a:cs typeface="AdobeClean-Light"/>
                         </a:rPr>
-                        <a:t>Servicios de soporte</a:t>
+                        <a:t>Serviços de suporte</a:t>
                       </a:r>
                     </a:p>
                   </a:txBody>
@@ -4950,14 +4999,14 @@
                         </a:spcBef>
                       </a:pPr>
                       <a:r>
-                        <a:rPr lang="es-ES" sz="900">
+                        <a:rPr lang="pt-BR" sz="900">
                           <a:solidFill>
                             <a:srgbClr val="020302"/>
                           </a:solidFill>
                           <a:latin typeface="AdobeClean-Light"/>
                           <a:cs typeface="AdobeClean-Light"/>
                         </a:rPr>
-                        <a:t>Soporte Online</a:t>
+                        <a:t>Suporte Online</a:t>
                       </a:r>
                     </a:p>
                   </a:txBody>
@@ -4996,14 +5045,14 @@
                         </a:spcBef>
                       </a:pPr>
                       <a:r>
-                        <a:rPr lang="es-ES" sz="900">
+                        <a:rPr lang="pt-BR" sz="900">
                           <a:solidFill>
                             <a:srgbClr val="020302"/>
                           </a:solidFill>
                           <a:latin typeface="AdobeClean-Light"/>
                           <a:cs typeface="AdobeClean-Light"/>
                         </a:rPr>
-                        <a:t>Horario de trabajo</a:t>
+                        <a:t>Horário comercial</a:t>
                       </a:r>
                     </a:p>
                   </a:txBody>
@@ -5043,14 +5092,14 @@
                         </a:spcBef>
                       </a:pPr>
                       <a:r>
-                        <a:rPr lang="es-ES" sz="900">
+                        <a:rPr lang="pt-BR" sz="900">
                           <a:solidFill>
                             <a:srgbClr val="020302"/>
                           </a:solidFill>
                           <a:latin typeface="AdobeClean-Light"/>
                           <a:cs typeface="AdobeClean-Light"/>
                         </a:rPr>
-                        <a:t>24 x 5</a:t>
+                        <a:t>24x5</a:t>
                       </a:r>
                     </a:p>
                   </a:txBody>
@@ -5134,14 +5183,14 @@
                         </a:spcBef>
                       </a:pPr>
                       <a:r>
-                        <a:rPr lang="es-ES" sz="900">
+                        <a:rPr lang="pt-BR" sz="900">
                           <a:solidFill>
                             <a:srgbClr val="020302"/>
                           </a:solidFill>
                           <a:latin typeface="AdobeClean-Light"/>
                           <a:cs typeface="AdobeClean-Light"/>
                         </a:rPr>
-                        <a:t>Soporte con problemas P1 24 x 7 x 365</a:t>
+                        <a:t>Suporte 24x7x365 para prioridades P1</a:t>
                       </a:r>
                     </a:p>
                   </a:txBody>
@@ -5174,7 +5223,7 @@
                         </a:spcBef>
                       </a:pPr>
                       <a:r>
-                        <a:rPr lang="es-ES" sz="900">
+                        <a:rPr lang="pt-BR" sz="900">
                           <a:solidFill>
                             <a:srgbClr val="020302"/>
                           </a:solidFill>
@@ -5212,7 +5261,7 @@
                         </a:spcBef>
                       </a:pPr>
                       <a:r>
-                        <a:rPr lang="es-ES" sz="900">
+                        <a:rPr lang="pt-BR" sz="900">
                           <a:solidFill>
                             <a:srgbClr val="020302"/>
                           </a:solidFill>
@@ -5301,14 +5350,14 @@
                         </a:spcBef>
                       </a:pPr>
                       <a:r>
-                        <a:rPr lang="es-ES" sz="900">
+                        <a:rPr lang="pt-BR" sz="900">
                           <a:solidFill>
                             <a:srgbClr val="020302"/>
                           </a:solidFill>
                           <a:latin typeface="AdobeClean-Light"/>
                           <a:cs typeface="AdobeClean-Light"/>
                         </a:rPr>
-                        <a:t>Contactos de soporte particulares (por producto)</a:t>
+                        <a:t>Contatos de suporte nomeados (por produto)</a:t>
                       </a:r>
                     </a:p>
                   </a:txBody>
@@ -5347,7 +5396,7 @@
                         </a:spcBef>
                       </a:pPr>
                       <a:r>
-                        <a:rPr lang="es-ES" sz="900">
+                        <a:rPr lang="pt-BR" sz="900">
                           <a:solidFill>
                             <a:srgbClr val="020302"/>
                           </a:solidFill>
@@ -5385,7 +5434,7 @@
                         </a:spcBef>
                       </a:pPr>
                       <a:r>
-                        <a:rPr lang="es-ES" sz="900">
+                        <a:rPr lang="pt-BR" sz="900">
                           <a:solidFill>
                             <a:srgbClr val="020302"/>
                           </a:solidFill>
@@ -5465,14 +5514,14 @@
                         </a:spcBef>
                       </a:pPr>
                       <a:r>
-                        <a:rPr lang="es-ES" sz="900">
+                        <a:rPr lang="pt-BR" sz="900">
                           <a:solidFill>
                             <a:srgbClr val="020302"/>
                           </a:solidFill>
                           <a:latin typeface="AdobeClean-Light"/>
                           <a:cs typeface="AdobeClean-Light"/>
                         </a:rPr>
-                        <a:t>Asistencia telefónica en directo</a:t>
+                        <a:t>Suporte telefônico ao vivo</a:t>
                       </a:r>
                     </a:p>
                   </a:txBody>
@@ -5537,7 +5586,7 @@
                         </a:spcBef>
                       </a:pPr>
                       <a:r>
-                        <a:rPr lang="es-ES" sz="900">
+                        <a:rPr lang="pt-BR" sz="900">
                           <a:solidFill>
                             <a:srgbClr val="020302"/>
                           </a:solidFill>
@@ -5617,14 +5666,14 @@
                         </a:spcBef>
                       </a:pPr>
                       <a:r>
-                        <a:rPr lang="es-ES" sz="900">
+                        <a:rPr lang="pt-BR" sz="900">
                           <a:solidFill>
                             <a:srgbClr val="020302"/>
                           </a:solidFill>
                           <a:latin typeface="AdobeClean-Light"/>
                           <a:cs typeface="AdobeClean-Light"/>
                         </a:rPr>
-                        <a:t>Administración de la escalabilidad</a:t>
+                        <a:t>Gestão de encaminhamento</a:t>
                       </a:r>
                     </a:p>
                   </a:txBody>
@@ -5689,7 +5738,7 @@
                         </a:spcBef>
                       </a:pPr>
                       <a:r>
-                        <a:rPr lang="es-ES" sz="900">
+                        <a:rPr lang="pt-BR" sz="900">
                           <a:solidFill>
                             <a:srgbClr val="020302"/>
                           </a:solidFill>
@@ -5769,14 +5818,14 @@
                         </a:spcBef>
                       </a:pPr>
                       <a:r>
-                        <a:rPr lang="es-ES" sz="900">
+                        <a:rPr lang="pt-BR" sz="900">
                           <a:solidFill>
                             <a:srgbClr val="020302"/>
                           </a:solidFill>
                           <a:latin typeface="AdobeClean-Light"/>
                           <a:cs typeface="AdobeClean-Light"/>
                         </a:rPr>
-                        <a:t>Revisiones de servicio al año</a:t>
+                        <a:t>Revisões de serviço por ano</a:t>
                       </a:r>
                     </a:p>
                   </a:txBody>
@@ -5835,7 +5884,7 @@
                         </a:lnSpc>
                       </a:pPr>
                       <a:r>
-                        <a:rPr lang="es-ES" sz="900">
+                        <a:rPr lang="pt-BR" sz="900">
                           <a:latin typeface="Times New Roman"/>
                           <a:cs typeface="Times New Roman"/>
                         </a:rPr>
@@ -5882,11 +5931,11 @@
                         </a:spcBef>
                       </a:pPr>
                       <a:r>
-                        <a:rPr lang="es-ES" sz="900">
+                        <a:rPr lang="pt-BR" sz="900">
                           <a:latin typeface="AdobeClean-Light"/>
                           <a:cs typeface="AdobeClean-Light"/>
                         </a:rPr>
-                        <a:t>Sesiones con expertos al año</a:t>
+                        <a:t>Sessões de especialistas por ano</a:t>
                       </a:r>
                     </a:p>
                   </a:txBody>
@@ -5951,7 +6000,7 @@
                         </a:lnSpc>
                       </a:pPr>
                       <a:r>
-                        <a:rPr lang="es-ES" sz="900">
+                        <a:rPr lang="pt-BR" sz="900">
                           <a:latin typeface="Times New Roman"/>
                           <a:cs typeface="Times New Roman"/>
                         </a:rPr>
@@ -5998,11 +6047,11 @@
                         </a:spcBef>
                       </a:pPr>
                       <a:r>
-                        <a:rPr lang="es-ES" sz="900">
+                        <a:rPr lang="pt-BR" sz="900">
                           <a:latin typeface="AdobeClean-Light"/>
                           <a:cs typeface="AdobeClean-Light"/>
                         </a:rPr>
-                        <a:t>Reseñas de casos</a:t>
+                        <a:t>Revisões de caso</a:t>
                       </a:r>
                     </a:p>
                   </a:txBody>
@@ -6079,7 +6128,7 @@
                         <a:defRPr/>
                       </a:pPr>
                       <a:r>
-                        <a:rPr lang="es-ES" sz="900">
+                        <a:rPr lang="pt-BR" sz="900">
                           <a:solidFill>
                             <a:srgbClr val="020302"/>
                           </a:solidFill>
@@ -6168,14 +6217,14 @@
                         </a:spcBef>
                       </a:pPr>
                       <a:r>
-                        <a:rPr lang="es-ES" sz="900">
+                        <a:rPr lang="pt-BR" sz="900">
                           <a:solidFill>
                             <a:srgbClr val="020302"/>
                           </a:solidFill>
                           <a:latin typeface="AdobeClean-Light"/>
                           <a:cs typeface="AdobeClean-Light"/>
                         </a:rPr>
-                        <a:t>Gestión de eventos</a:t>
+                        <a:t>Gerenciamento de eventos</a:t>
                       </a:r>
                     </a:p>
                   </a:txBody>
@@ -6314,14 +6363,14 @@
                         </a:spcBef>
                       </a:pPr>
                       <a:r>
-                        <a:rPr lang="es-ES" sz="900">
+                        <a:rPr lang="pt-BR" sz="900">
                           <a:solidFill>
                             <a:srgbClr val="020302"/>
                           </a:solidFill>
                           <a:latin typeface="AdobeClean-Light"/>
                           <a:cs typeface="AdobeClean-Light"/>
                         </a:rPr>
-                        <a:t>Revisión, mantenimiento y monitorización del entorno</a:t>
+                        <a:t>Revisão, manutenção e monitoramento do ambiente</a:t>
                       </a:r>
                     </a:p>
                   </a:txBody>
@@ -6454,14 +6503,14 @@
                         </a:spcBef>
                       </a:pPr>
                       <a:r>
-                        <a:rPr lang="es-ES" sz="900" dirty="0">
+                        <a:rPr lang="pt-BR" sz="900">
                           <a:solidFill>
                             <a:srgbClr val="020302"/>
                           </a:solidFill>
                           <a:latin typeface="AdobeClean-Light"/>
                           <a:cs typeface="AdobeClean-Light"/>
                         </a:rPr>
-                        <a:t>Lanzamiento, migración, actualización y revisión de la hoja de ruta del producto</a:t>
+                        <a:t>Revisão de versão, migração, atualização e roteiro de produtos</a:t>
                       </a:r>
                     </a:p>
                   </a:txBody>
@@ -6603,11 +6652,11 @@
                         </a:spcBef>
                       </a:pPr>
                       <a:r>
-                        <a:rPr lang="es-ES" sz="900">
+                        <a:rPr lang="pt-BR" sz="900">
                           <a:latin typeface="AdobeClean-Light"/>
                           <a:cs typeface="AdobeClean-Light"/>
                         </a:rPr>
-                        <a:t>Actividades de asistencia en la nube: Experience Manager as Cloud</a:t>
+                        <a:t>Atividades de suporte na nuvem — Experience Manager as Cloud</a:t>
                       </a:r>
                     </a:p>
                   </a:txBody>
@@ -6693,7 +6742,7 @@
                         <a:defRPr/>
                       </a:pPr>
                       <a:r>
-                        <a:rPr lang="es-ES" sz="900">
+                        <a:rPr lang="pt-BR" sz="900">
                           <a:solidFill>
                             <a:srgbClr val="020302"/>
                           </a:solidFill>
@@ -6767,14 +6816,14 @@
                         </a:spcBef>
                       </a:pPr>
                       <a:r>
-                        <a:rPr lang="es-ES" sz="1000" b="1" i="0">
+                        <a:rPr lang="pt-BR" sz="1000" b="1" i="0">
                           <a:solidFill>
                             <a:schemeClr val="bg1"/>
                           </a:solidFill>
                           <a:latin typeface="Adobe Clean" panose="020B0503020404020204" pitchFamily="34" charset="0"/>
                           <a:cs typeface="AdobeClean-Light"/>
                         </a:rPr>
-                        <a:t>Servicios de campo</a:t>
+                        <a:t>Serviços de campo</a:t>
                       </a:r>
                     </a:p>
                   </a:txBody>
@@ -6828,14 +6877,14 @@
                         </a:spcBef>
                       </a:pPr>
                       <a:r>
-                        <a:rPr lang="es-ES" sz="900">
+                        <a:rPr lang="pt-BR" sz="900">
                           <a:solidFill>
                             <a:srgbClr val="020302"/>
                           </a:solidFill>
                           <a:latin typeface="AdobeClean-Light"/>
                           <a:cs typeface="AdobeClean-Light"/>
                         </a:rPr>
-                        <a:t>Servicios de Launch Advisory: primer año de la nueva solución</a:t>
+                        <a:t>Launch Advisory Services — primeiro ano da nova solução</a:t>
                       </a:r>
                     </a:p>
                   </a:txBody>
@@ -6931,7 +6980,7 @@
                         <a:defRPr/>
                       </a:pPr>
                       <a:r>
-                        <a:rPr lang="es-ES" sz="900">
+                        <a:rPr lang="pt-BR" sz="900">
                           <a:solidFill>
                             <a:srgbClr val="020302"/>
                           </a:solidFill>
@@ -7060,7 +7109,7 @@
                         <a:defRPr/>
                       </a:pPr>
                       <a:r>
-                        <a:rPr lang="es-ES" sz="900">
+                        <a:rPr lang="pt-BR" sz="900">
                           <a:solidFill>
                             <a:srgbClr val="020302"/>
                           </a:solidFill>
@@ -7125,11 +7174,11 @@
                         <a:defRPr/>
                       </a:pPr>
                       <a:r>
-                        <a:rPr lang="es-ES" sz="900" dirty="0">
+                        <a:rPr lang="pt-BR" sz="900" dirty="0">
                           <a:latin typeface="AdobeClean-Light"/>
                           <a:cs typeface="AdobeClean-Light"/>
                         </a:rPr>
-                        <a:t>Actividades del servicio de campo </a:t>
+                        <a:t>Atividades de serviço de campo </a:t>
                       </a:r>
                     </a:p>
                   </a:txBody>
@@ -7263,8 +7312,8 @@
         </p:nvSpPr>
         <p:spPr>
           <a:xfrm>
-            <a:off x="2835998" y="9021041"/>
-            <a:ext cx="2261781" cy="795089"/>
+            <a:off x="2835999" y="9021041"/>
+            <a:ext cx="2194560" cy="641201"/>
           </a:xfrm>
           <a:prstGeom prst="rect">
             <a:avLst/>
@@ -7288,14 +7337,14 @@
               </a:tabLst>
             </a:pPr>
             <a:r>
-              <a:rPr lang="es-ES" sz="1000" dirty="0">
+              <a:rPr lang="pt-BR" sz="1000" dirty="0">
                 <a:solidFill>
                   <a:srgbClr val="020302"/>
                 </a:solidFill>
                 <a:latin typeface="AdobeClean-Light"/>
                 <a:cs typeface="AdobeClean-Light"/>
               </a:rPr>
-              <a:t>Inicie una sesión de chat para obtener respuestas y ayuda con el envío de casos.</a:t>
+              <a:t>Inicie uma sessão de chat para obter respostas e ajuda com o envio de caso</a:t>
             </a:r>
           </a:p>
           <a:p>
@@ -7311,17 +7360,36 @@
               </a:tabLst>
             </a:pPr>
             <a:r>
-              <a:rPr lang="es-ES" sz="1000" i="1" dirty="0">
+              <a:rPr lang="pt-BR" sz="1000" i="1" dirty="0">
                 <a:solidFill>
                   <a:srgbClr val="7A7A7A"/>
                 </a:solidFill>
                 <a:latin typeface="AdobeClean-LightIt"/>
                 <a:cs typeface="AdobeClean-LightIt"/>
               </a:rPr>
-              <a:t>* No todos los productos ofrecen la opción de disfrutar de asistencia mediante chat en directo</a:t>
-            </a:r>
-            <a:r>
-              <a:rPr lang="es-ES" sz="900" i="1" dirty="0">
+              <a:t>*Nem todos os produtos têm suporte </a:t>
+            </a:r>
+            <a:br>
+              <a:rPr lang="sk-SK" sz="1000" i="1" dirty="0">
+                <a:solidFill>
+                  <a:srgbClr val="7A7A7A"/>
+                </a:solidFill>
+                <a:latin typeface="AdobeClean-LightIt"/>
+                <a:cs typeface="AdobeClean-LightIt"/>
+              </a:rPr>
+            </a:br>
+            <a:r>
+              <a:rPr lang="pt-BR" sz="1000" i="1" dirty="0">
+                <a:solidFill>
+                  <a:srgbClr val="7A7A7A"/>
+                </a:solidFill>
+                <a:latin typeface="AdobeClean-LightIt"/>
+                <a:cs typeface="AdobeClean-LightIt"/>
+              </a:rPr>
+              <a:t>de chat ao vivo</a:t>
+            </a:r>
+            <a:r>
+              <a:rPr lang="pt-BR" sz="900" i="1" dirty="0">
                 <a:solidFill>
                   <a:srgbClr val="7A7A7A"/>
                 </a:solidFill>
@@ -7376,12 +7444,12 @@
               <a:defRPr/>
             </a:pPr>
             <a:r>
-              <a:rPr lang="es-ES" sz="1200">
+              <a:rPr lang="pt-BR" sz="1200">
                 <a:solidFill>
                   <a:srgbClr val="000000"/>
                 </a:solidFill>
               </a:rPr>
-              <a:t>Foros de la comunidad</a:t>
+              <a:t>Fóruns da comunidade</a:t>
             </a:r>
           </a:p>
         </p:txBody>
@@ -7424,12 +7492,12 @@
               </a:spcAft>
             </a:pPr>
             <a:r>
-              <a:rPr lang="es-ES" sz="1200" b="1">
+              <a:rPr lang="pt-BR" sz="1200" b="1">
                 <a:latin typeface="+mj-lt"/>
                 <a:ea typeface="Open Sans" pitchFamily="34" charset="0"/>
                 <a:cs typeface="Open Sans" pitchFamily="34" charset="0"/>
               </a:rPr>
-              <a:t>Foros en línea</a:t>
+              <a:t>Fóruns online</a:t>
             </a:r>
           </a:p>
         </p:txBody>
@@ -7448,8 +7516,8 @@
         </p:nvSpPr>
         <p:spPr>
           <a:xfrm>
-            <a:off x="355867" y="7102087"/>
-            <a:ext cx="2311131" cy="1113125"/>
+            <a:off x="355868" y="7102087"/>
+            <a:ext cx="2194560" cy="959237"/>
           </a:xfrm>
           <a:prstGeom prst="rect">
             <a:avLst/>
@@ -7462,30 +7530,13 @@
           <a:lstStyle/>
           <a:p>
             <a:r>
-              <a:rPr lang="es-ES" sz="1000" dirty="0">
+              <a:rPr lang="pt-BR" sz="1000">
                 <a:solidFill>
                   <a:srgbClr val="4B4B4B"/>
                 </a:solidFill>
                 <a:latin typeface="Adobe Clean Light" panose="020B0303020404020204" pitchFamily="34" charset="0"/>
               </a:rPr>
-              <a:t>Acceso continuo en línea a una base </a:t>
-            </a:r>
-            <a:br>
-              <a:rPr lang="sk-SK" sz="1000" dirty="0">
-                <a:solidFill>
-                  <a:srgbClr val="4B4B4B"/>
-                </a:solidFill>
-                <a:latin typeface="Adobe Clean Light" panose="020B0303020404020204" pitchFamily="34" charset="0"/>
-              </a:rPr>
-            </a:br>
-            <a:r>
-              <a:rPr lang="es-ES" sz="1000" dirty="0">
-                <a:solidFill>
-                  <a:srgbClr val="4B4B4B"/>
-                </a:solidFill>
-                <a:latin typeface="Adobe Clean Light" panose="020B0303020404020204" pitchFamily="34" charset="0"/>
-              </a:rPr>
-              <a:t>de datos donde encontrará cada vez más soluciones técnicas, documentación de productos, preguntas frecuentes y mucho más. Hable con profesionales y otros clientes en la Comunidad de Adobe para compartir prácticas recomendadas y lecciones aprendidas.</a:t>
+              <a:t>Acesso online contínuo a um banco de dados cada vez maior de soluções técnicas, documentação do produto, perguntas frequentes e muito mais. Conecte-se com profissionais e outros clientes na Comunidade da Adobe para compartilhar práticas recomendadas e lições aprendidas</a:t>
             </a:r>
           </a:p>
         </p:txBody>
@@ -7533,7 +7584,7 @@
               <a:defRPr/>
             </a:pPr>
             <a:r>
-              <a:rPr lang="es-ES" sz="1200">
+              <a:rPr lang="pt-BR" sz="1200">
                 <a:solidFill>
                   <a:srgbClr val="000000"/>
                 </a:solidFill>
@@ -7581,12 +7632,12 @@
               </a:spcAft>
             </a:pPr>
             <a:r>
-              <a:rPr lang="es-ES" sz="1200" b="1">
+              <a:rPr lang="pt-BR" sz="1200" b="1">
                 <a:latin typeface="+mj-lt"/>
                 <a:ea typeface="Open Sans" pitchFamily="34" charset="0"/>
                 <a:cs typeface="Open Sans" pitchFamily="34" charset="0"/>
               </a:rPr>
-              <a:t>Recorridos autoguiados</a:t>
+              <a:t>Jornadas autoguiadas</a:t>
             </a:r>
           </a:p>
         </p:txBody>
@@ -7606,7 +7657,7 @@
         <p:spPr>
           <a:xfrm>
             <a:off x="5265661" y="7060285"/>
-            <a:ext cx="2345600" cy="1267014"/>
+            <a:ext cx="2194560" cy="1113125"/>
           </a:xfrm>
           <a:prstGeom prst="rect">
             <a:avLst/>
@@ -7619,67 +7670,13 @@
           <a:lstStyle/>
           <a:p>
             <a:r>
-              <a:rPr lang="es-ES" sz="1000" dirty="0">
+              <a:rPr lang="pt-BR" sz="1000" dirty="0">
                 <a:solidFill>
                   <a:srgbClr val="4B4B4B"/>
                 </a:solidFill>
                 <a:latin typeface="Adobe Clean Light" panose="020B0303020404020204" pitchFamily="34" charset="0"/>
               </a:rPr>
-              <a:t>Los </a:t>
-            </a:r>
-            <a:r>
-              <a:rPr lang="es-ES" sz="1000" dirty="0" err="1">
-                <a:solidFill>
-                  <a:srgbClr val="4B4B4B"/>
-                </a:solidFill>
-                <a:latin typeface="Adobe Clean Light" panose="020B0303020404020204" pitchFamily="34" charset="0"/>
-              </a:rPr>
-              <a:t>experience</a:t>
-            </a:r>
-            <a:r>
-              <a:rPr lang="es-ES" sz="1000" dirty="0">
-                <a:solidFill>
-                  <a:srgbClr val="4B4B4B"/>
-                </a:solidFill>
-                <a:latin typeface="Adobe Clean Light" panose="020B0303020404020204" pitchFamily="34" charset="0"/>
-              </a:rPr>
-              <a:t> </a:t>
-            </a:r>
-            <a:r>
-              <a:rPr lang="es-ES" sz="1000" dirty="0" err="1">
-                <a:solidFill>
-                  <a:srgbClr val="4B4B4B"/>
-                </a:solidFill>
-                <a:latin typeface="Adobe Clean Light" panose="020B0303020404020204" pitchFamily="34" charset="0"/>
-              </a:rPr>
-              <a:t>makers</a:t>
-            </a:r>
-            <a:r>
-              <a:rPr lang="es-ES" sz="1000" dirty="0">
-                <a:solidFill>
-                  <a:srgbClr val="4B4B4B"/>
-                </a:solidFill>
-                <a:latin typeface="Adobe Clean Light" panose="020B0303020404020204" pitchFamily="34" charset="0"/>
-              </a:rPr>
-              <a:t> se realizan con </a:t>
-            </a:r>
-            <a:r>
-              <a:rPr lang="es-ES" sz="1000" dirty="0" err="1">
-                <a:solidFill>
-                  <a:srgbClr val="4B4B4B"/>
-                </a:solidFill>
-                <a:latin typeface="Adobe Clean Light" panose="020B0303020404020204" pitchFamily="34" charset="0"/>
-              </a:rPr>
-              <a:t>Experience</a:t>
-            </a:r>
-            <a:r>
-              <a:rPr lang="es-ES" sz="1000" dirty="0">
-                <a:solidFill>
-                  <a:srgbClr val="4B4B4B"/>
-                </a:solidFill>
-                <a:latin typeface="Adobe Clean Light" panose="020B0303020404020204" pitchFamily="34" charset="0"/>
-              </a:rPr>
-              <a:t> League. Los clientes pueden </a:t>
+              <a:t>A Experience League gera criadores </a:t>
             </a:r>
             <a:br>
               <a:rPr lang="sk-SK" sz="1000" dirty="0">
@@ -7690,13 +7687,13 @@
               </a:rPr>
             </a:br>
             <a:r>
-              <a:rPr lang="es-ES" sz="1000" dirty="0">
+              <a:rPr lang="pt-BR" sz="1000" dirty="0">
                 <a:solidFill>
                   <a:srgbClr val="4B4B4B"/>
                 </a:solidFill>
                 <a:latin typeface="Adobe Clean Light" panose="020B0303020404020204" pitchFamily="34" charset="0"/>
               </a:rPr>
-              <a:t>aplicar sus conocimientos de administración </a:t>
+              <a:t>de experiências. Os clientes podem </a:t>
             </a:r>
             <a:br>
               <a:rPr lang="sk-SK" sz="1000" dirty="0">
@@ -7707,13 +7704,13 @@
               </a:rPr>
             </a:br>
             <a:r>
-              <a:rPr lang="es-ES" sz="1000" dirty="0">
+              <a:rPr lang="pt-BR" sz="1000" dirty="0">
                 <a:solidFill>
                   <a:srgbClr val="4B4B4B"/>
                 </a:solidFill>
                 <a:latin typeface="Adobe Clean Light" panose="020B0303020404020204" pitchFamily="34" charset="0"/>
               </a:rPr>
-              <a:t>de la experiencia del cliente con aprendizaje personalizado para desarrollar habilidades, interactuar con la comunidad internacional </a:t>
+              <a:t>adquirir habilidades de gerenciamento </a:t>
             </a:r>
             <a:br>
               <a:rPr lang="sk-SK" sz="1000" dirty="0">
@@ -7724,13 +7721,13 @@
               </a:rPr>
             </a:br>
             <a:r>
-              <a:rPr lang="es-ES" sz="1000" dirty="0">
+              <a:rPr lang="pt-BR" sz="1000" dirty="0">
                 <a:solidFill>
                   <a:srgbClr val="4B4B4B"/>
                 </a:solidFill>
                 <a:latin typeface="Adobe Clean Light" panose="020B0303020404020204" pitchFamily="34" charset="0"/>
               </a:rPr>
-              <a:t>de compañeros y obtener reconocimiento </a:t>
+              <a:t>de experiência do cliente com aprendizagem personalizada, participar </a:t>
             </a:r>
             <a:br>
               <a:rPr lang="sk-SK" sz="1000" dirty="0">
@@ -7741,13 +7738,30 @@
               </a:rPr>
             </a:br>
             <a:r>
-              <a:rPr lang="es-ES" sz="1000" dirty="0">
+              <a:rPr lang="pt-BR" sz="1000" dirty="0">
                 <a:solidFill>
                   <a:srgbClr val="4B4B4B"/>
                 </a:solidFill>
                 <a:latin typeface="Adobe Clean Light" panose="020B0303020404020204" pitchFamily="34" charset="0"/>
               </a:rPr>
-              <a:t>en su trayectoria profesional.</a:t>
+              <a:t>de uma comunidade de pares global </a:t>
+            </a:r>
+            <a:br>
+              <a:rPr lang="sk-SK" sz="1000" dirty="0">
+                <a:solidFill>
+                  <a:srgbClr val="4B4B4B"/>
+                </a:solidFill>
+                <a:latin typeface="Adobe Clean Light" panose="020B0303020404020204" pitchFamily="34" charset="0"/>
+              </a:rPr>
+            </a:br>
+            <a:r>
+              <a:rPr lang="pt-BR" sz="1000" dirty="0">
+                <a:solidFill>
+                  <a:srgbClr val="4B4B4B"/>
+                </a:solidFill>
+                <a:latin typeface="Adobe Clean Light" panose="020B0303020404020204" pitchFamily="34" charset="0"/>
+              </a:rPr>
+              <a:t>e conseguir reconhecimento de carreira</a:t>
             </a:r>
           </a:p>
         </p:txBody>
@@ -7769,7 +7783,7 @@
         <p:spPr>
           <a:xfrm>
             <a:off x="3201544" y="8520784"/>
-            <a:ext cx="1667636" cy="369332"/>
+            <a:ext cx="1543003" cy="184666"/>
           </a:xfrm>
           <a:prstGeom prst="rect">
             <a:avLst/>
@@ -7795,12 +7809,12 @@
               <a:defRPr/>
             </a:pPr>
             <a:r>
-              <a:rPr lang="es-ES" sz="1200" dirty="0">
+              <a:rPr lang="pt-BR" sz="1200" dirty="0">
                 <a:solidFill>
                   <a:srgbClr val="000000"/>
                 </a:solidFill>
               </a:rPr>
-              <a:t>Asistencia mediante chat en directo*</a:t>
+              <a:t>Suporte por chat ao vivo*</a:t>
             </a:r>
           </a:p>
         </p:txBody>
@@ -7843,12 +7857,12 @@
               </a:spcAft>
             </a:pPr>
             <a:r>
-              <a:rPr lang="es-ES" sz="1200" b="1">
+              <a:rPr lang="pt-BR" sz="1200" b="1">
                 <a:latin typeface="+mj-lt"/>
                 <a:ea typeface="Open Sans" pitchFamily="34" charset="0"/>
                 <a:cs typeface="Open Sans" pitchFamily="34" charset="0"/>
               </a:rPr>
-              <a:t>Asistencia mediante chat</a:t>
+              <a:t>Suporte por chat</a:t>
             </a:r>
           </a:p>
         </p:txBody>
@@ -7896,12 +7910,12 @@
               <a:defRPr/>
             </a:pPr>
             <a:r>
-              <a:rPr lang="es-ES" sz="1200">
+              <a:rPr lang="pt-BR" sz="1200" dirty="0">
                 <a:solidFill>
                   <a:srgbClr val="000000"/>
                 </a:solidFill>
               </a:rPr>
-              <a:t>24/7 P1 </a:t>
+              <a:t>24X7 prioridades P1 </a:t>
             </a:r>
           </a:p>
         </p:txBody>
@@ -7944,12 +7958,12 @@
               </a:spcAft>
             </a:pPr>
             <a:r>
-              <a:rPr lang="es-ES" sz="1200" b="1">
+              <a:rPr lang="pt-BR" sz="1200" b="1">
                 <a:latin typeface="+mj-lt"/>
                 <a:ea typeface="Open Sans" pitchFamily="34" charset="0"/>
                 <a:cs typeface="Open Sans" pitchFamily="34" charset="0"/>
               </a:rPr>
-              <a:t>Asistencia telefónica</a:t>
+              <a:t>Suporte telefônico</a:t>
             </a:r>
           </a:p>
         </p:txBody>
@@ -7968,8 +7982,8 @@
         </p:nvSpPr>
         <p:spPr>
           <a:xfrm>
-            <a:off x="2835998" y="7097788"/>
-            <a:ext cx="2345601" cy="959237"/>
+            <a:off x="2835999" y="7097788"/>
+            <a:ext cx="2194560" cy="959237"/>
           </a:xfrm>
           <a:prstGeom prst="rect">
             <a:avLst/>
@@ -7982,13 +7996,22 @@
           <a:lstStyle/>
           <a:p>
             <a:r>
-              <a:rPr lang="es-ES" sz="1000" b="1" dirty="0">
+              <a:rPr lang="pt-BR" sz="1000" dirty="0">
                 <a:solidFill>
                   <a:srgbClr val="020302"/>
                 </a:solidFill>
                 <a:latin typeface="AdobeClean-Light"/>
               </a:rPr>
-              <a:t>Los usuarios autorizados o los contactos </a:t>
+              <a:t>Usuários autorizados ou </a:t>
+            </a:r>
+            <a:r>
+              <a:rPr lang="pt-BR" sz="1000" b="1" dirty="0">
+                <a:solidFill>
+                  <a:srgbClr val="020302"/>
+                </a:solidFill>
+                <a:latin typeface="AdobeClean-Light"/>
+              </a:rPr>
+              <a:t>contatos </a:t>
             </a:r>
             <a:br>
               <a:rPr lang="sk-SK" sz="1000" b="1" dirty="0">
@@ -7999,19 +8022,19 @@
               </a:rPr>
             </a:br>
             <a:r>
-              <a:rPr lang="es-ES" sz="1000" b="1" dirty="0">
+              <a:rPr lang="pt-BR" sz="1000" b="1" dirty="0">
                 <a:solidFill>
                   <a:srgbClr val="020302"/>
                 </a:solidFill>
                 <a:latin typeface="AdobeClean-Light"/>
               </a:rPr>
-              <a:t>de soporte particulares</a:t>
-            </a:r>
-            <a:r>
-              <a:rPr lang="es-ES" sz="1000" dirty="0">
+              <a:t>de suporte nomeados</a:t>
+            </a:r>
+            <a:r>
+              <a:rPr lang="pt-BR" sz="1000" dirty="0">
                 <a:latin typeface="Adobe Clean Light" panose="020B0303020404020204" pitchFamily="34" charset="0"/>
               </a:rPr>
-              <a:t> pueden enviar problemas a través de todos los canales disponibles (incluido el teléfono en el caso </a:t>
+              <a:t> podem enviar problemas por todos os canais disponíveis (incluindo por telefone em prioridades P1) </a:t>
             </a:r>
             <a:br>
               <a:rPr lang="sk-SK" sz="1000" dirty="0">
@@ -8019,10 +8042,10 @@
               </a:rPr>
             </a:br>
             <a:r>
-              <a:rPr lang="es-ES" sz="1000" dirty="0">
+              <a:rPr lang="pt-BR" sz="1000" dirty="0">
                 <a:latin typeface="Adobe Clean Light" panose="020B0303020404020204" pitchFamily="34" charset="0"/>
               </a:rPr>
-              <a:t>de los problemas P1) y hablar con nuestro equipo de asistencia en nombre de su empresa. </a:t>
+              <a:t>e contatar a equipe de suporte técnico em nome de sua empresa. </a:t>
             </a:r>
           </a:p>
         </p:txBody>
@@ -8042,7 +8065,7 @@
         <p:spPr>
           <a:xfrm>
             <a:off x="214971" y="6447157"/>
-            <a:ext cx="1848207" cy="45719"/>
+            <a:ext cx="2042512" cy="70632"/>
           </a:xfrm>
           <a:custGeom>
             <a:avLst/>
@@ -8111,14 +8134,14 @@
               </a:spcBef>
             </a:pPr>
             <a:r>
-              <a:rPr lang="es-ES" sz="1400" b="1">
+              <a:rPr lang="pt-BR" sz="1400" b="1" dirty="0">
                 <a:solidFill>
                   <a:srgbClr val="020302"/>
                 </a:solidFill>
                 <a:latin typeface="Adobe Clean"/>
                 <a:cs typeface="Adobe Clean"/>
               </a:rPr>
-              <a:t>Funciones de soporte Online</a:t>
+              <a:t>Recursos de suporte online</a:t>
             </a:r>
           </a:p>
         </p:txBody>
@@ -8140,7 +8163,7 @@
         <p:spPr>
           <a:xfrm>
             <a:off x="689237" y="8520784"/>
-            <a:ext cx="1246243" cy="184666"/>
+            <a:ext cx="991521" cy="184666"/>
           </a:xfrm>
           <a:prstGeom prst="rect">
             <a:avLst/>
@@ -8166,12 +8189,12 @@
               <a:defRPr/>
             </a:pPr>
             <a:r>
-              <a:rPr lang="es-ES" sz="1200" dirty="0">
+              <a:rPr lang="pt-BR" sz="1200">
                 <a:solidFill>
                   <a:srgbClr val="000000"/>
                 </a:solidFill>
               </a:rPr>
-              <a:t>Horario de oficina</a:t>
+              <a:t>Office Hours</a:t>
             </a:r>
           </a:p>
         </p:txBody>
@@ -8214,12 +8237,12 @@
               </a:spcAft>
             </a:pPr>
             <a:r>
-              <a:rPr lang="es-ES" sz="1200" b="1">
+              <a:rPr lang="pt-BR" sz="1200" b="1">
                 <a:latin typeface="+mj-lt"/>
                 <a:ea typeface="Open Sans" pitchFamily="34" charset="0"/>
                 <a:cs typeface="Open Sans" pitchFamily="34" charset="0"/>
               </a:rPr>
-              <a:t>Seminarios web</a:t>
+              <a:t>Webinários</a:t>
             </a:r>
           </a:p>
         </p:txBody>
@@ -8239,7 +8262,7 @@
         <p:spPr>
           <a:xfrm>
             <a:off x="355868" y="8986613"/>
-            <a:ext cx="2480130" cy="866904"/>
+            <a:ext cx="2396720" cy="805349"/>
           </a:xfrm>
           <a:prstGeom prst="rect">
             <a:avLst/>
@@ -8252,47 +8275,13 @@
           <a:lstStyle/>
           <a:p>
             <a:r>
-              <a:rPr lang="es-ES" sz="900" dirty="0">
+              <a:rPr lang="pt-BR" sz="1000" dirty="0">
                 <a:solidFill>
                   <a:srgbClr val="4B4B4B"/>
                 </a:solidFill>
                 <a:latin typeface="Adobe Clean Light" panose="020B0303020404020204" pitchFamily="34" charset="0"/>
               </a:rPr>
-              <a:t>En el horario de oficina del equipo de asistencia al cliente de Adobe se incluyen sesiones diseñadas para informar y ayudar a los participantes a solucionar problemas, así como para proporcionar consejos </a:t>
-            </a:r>
-            <a:br>
-              <a:rPr lang="sk-SK" sz="900" dirty="0">
-                <a:solidFill>
-                  <a:srgbClr val="4B4B4B"/>
-                </a:solidFill>
-                <a:latin typeface="Adobe Clean Light" panose="020B0303020404020204" pitchFamily="34" charset="0"/>
-              </a:rPr>
-            </a:br>
-            <a:r>
-              <a:rPr lang="es-ES" sz="900" dirty="0">
-                <a:solidFill>
-                  <a:srgbClr val="4B4B4B"/>
-                </a:solidFill>
-                <a:latin typeface="Adobe Clean Light" panose="020B0303020404020204" pitchFamily="34" charset="0"/>
-              </a:rPr>
-              <a:t>y trucos para que los participantes logren el éxito </a:t>
-            </a:r>
-            <a:br>
-              <a:rPr lang="sk-SK" sz="900" dirty="0">
-                <a:solidFill>
-                  <a:srgbClr val="4B4B4B"/>
-                </a:solidFill>
-                <a:latin typeface="Adobe Clean Light" panose="020B0303020404020204" pitchFamily="34" charset="0"/>
-              </a:rPr>
-            </a:br>
-            <a:r>
-              <a:rPr lang="es-ES" sz="900" dirty="0">
-                <a:solidFill>
-                  <a:srgbClr val="4B4B4B"/>
-                </a:solidFill>
-                <a:latin typeface="Adobe Clean Light" panose="020B0303020404020204" pitchFamily="34" charset="0"/>
-              </a:rPr>
-              <a:t>con las soluciones de Adobe. </a:t>
+              <a:t>O Office Hours, apresentado pela equipe de Suporte ao cliente da Adobe, inclui sessões para informar e ajudar os participantes a solucionar problemas e fornecer dicas e truques para aproveitar ao máximo as soluções da Adobe. </a:t>
             </a:r>
           </a:p>
         </p:txBody>
@@ -8313,8 +8302,8 @@
         </p:nvSpPr>
         <p:spPr>
           <a:xfrm>
-            <a:off x="5723507" y="8520784"/>
-            <a:ext cx="1736713" cy="184666"/>
+            <a:off x="5723508" y="8520784"/>
+            <a:ext cx="1303746" cy="184666"/>
           </a:xfrm>
           <a:prstGeom prst="rect">
             <a:avLst/>
@@ -8340,12 +8329,12 @@
               <a:defRPr/>
             </a:pPr>
             <a:r>
-              <a:rPr lang="es-ES" sz="1200" dirty="0">
+              <a:rPr lang="pt-BR" sz="1200">
                 <a:solidFill>
                   <a:srgbClr val="000000"/>
                 </a:solidFill>
               </a:rPr>
-              <a:t>Portales de autoayuda</a:t>
+              <a:t>Portais de autoatendimento</a:t>
             </a:r>
           </a:p>
         </p:txBody>
@@ -8388,12 +8377,12 @@
               </a:spcAft>
             </a:pPr>
             <a:r>
-              <a:rPr lang="es-ES" sz="1200" b="1">
+              <a:rPr lang="pt-BR" sz="1200" b="1">
                 <a:latin typeface="+mj-lt"/>
                 <a:ea typeface="Open Sans" pitchFamily="34" charset="0"/>
                 <a:cs typeface="Open Sans" pitchFamily="34" charset="0"/>
               </a:rPr>
-              <a:t>Portal de asistencia 24/7</a:t>
+              <a:t>Portal de suporte 24/7</a:t>
             </a:r>
           </a:p>
         </p:txBody>
@@ -8413,7 +8402,7 @@
         <p:spPr>
           <a:xfrm>
             <a:off x="5265661" y="8947635"/>
-            <a:ext cx="2245360" cy="959237"/>
+            <a:ext cx="2194560" cy="959237"/>
           </a:xfrm>
           <a:prstGeom prst="rect">
             <a:avLst/>
@@ -8426,13 +8415,13 @@
           <a:lstStyle/>
           <a:p>
             <a:r>
-              <a:rPr lang="es-ES" sz="1000" dirty="0">
+              <a:rPr lang="pt-BR" sz="1000" dirty="0">
                 <a:solidFill>
                   <a:srgbClr val="4B4B4B"/>
                 </a:solidFill>
                 <a:latin typeface="Adobe Clean Light" panose="020B0303020404020204" pitchFamily="34" charset="0"/>
               </a:rPr>
-              <a:t>Acceso al portal de asistencia de autoayuda en línea previa solicitud para enviar solicitudes de asistencia, revisar el estado </a:t>
+              <a:t>Acesso sob demanda ao Portal de autoatendimento online para enviar solicitações de suporte, revisar o status </a:t>
             </a:r>
             <a:br>
               <a:rPr lang="sk-SK" sz="1000" dirty="0">
@@ -8443,13 +8432,30 @@
               </a:rPr>
             </a:br>
             <a:r>
-              <a:rPr lang="es-ES" sz="1000" dirty="0">
+              <a:rPr lang="pt-BR" sz="1000" dirty="0">
                 <a:solidFill>
                   <a:srgbClr val="4B4B4B"/>
                 </a:solidFill>
                 <a:latin typeface="Adobe Clean Light" panose="020B0303020404020204" pitchFamily="34" charset="0"/>
               </a:rPr>
-              <a:t>de los casos y examinar otros recursos, como la base de conocimiento, noticias y alertas, sugerencias destacadas, y mucho más.</a:t>
+              <a:t>do caso e procurar outros recursos, como nossa base de conhecimento, notícias </a:t>
+            </a:r>
+            <a:br>
+              <a:rPr lang="sk-SK" sz="1000" dirty="0">
+                <a:solidFill>
+                  <a:srgbClr val="4B4B4B"/>
+                </a:solidFill>
+                <a:latin typeface="Adobe Clean Light" panose="020B0303020404020204" pitchFamily="34" charset="0"/>
+              </a:rPr>
+            </a:br>
+            <a:r>
+              <a:rPr lang="pt-BR" sz="1000" dirty="0">
+                <a:solidFill>
+                  <a:srgbClr val="4B4B4B"/>
+                </a:solidFill>
+                <a:latin typeface="Adobe Clean Light" panose="020B0303020404020204" pitchFamily="34" charset="0"/>
+              </a:rPr>
+              <a:t>e alertas, dicas em destaque e muito mais.</a:t>
             </a:r>
           </a:p>
         </p:txBody>
@@ -8583,7 +8589,7 @@
               </a:spcBef>
             </a:pPr>
             <a:r>
-              <a:rPr lang="es-ES"/>
+              <a:rPr lang="pt-BR"/>
               <a:t>©2021 Adobe. All Rights Reserved. Adobe Confidential.</a:t>
             </a:r>
           </a:p>
@@ -8604,7 +8610,7 @@
         <p:spPr>
           <a:xfrm>
             <a:off x="214970" y="868681"/>
-            <a:ext cx="2452029" cy="59410"/>
+            <a:ext cx="2335457" cy="66021"/>
           </a:xfrm>
           <a:custGeom>
             <a:avLst/>
@@ -8673,14 +8679,14 @@
               </a:spcBef>
             </a:pPr>
             <a:r>
-              <a:rPr lang="es-ES" sz="1400" b="1">
+              <a:rPr lang="pt-BR" sz="1400" b="1">
                 <a:solidFill>
                   <a:srgbClr val="020302"/>
                 </a:solidFill>
                 <a:latin typeface="Adobe Clean"/>
                 <a:cs typeface="Adobe Clean"/>
               </a:rPr>
-              <a:t>Funciones de soporte Enterprise</a:t>
+              <a:t>Recursos do suporte Enterprise</a:t>
             </a:r>
           </a:p>
         </p:txBody>
@@ -8699,8 +8705,8 @@
         </p:nvSpPr>
         <p:spPr>
           <a:xfrm>
-            <a:off x="689237" y="2603192"/>
-            <a:ext cx="1684979" cy="382156"/>
+            <a:off x="689237" y="2603191"/>
+            <a:ext cx="1879905" cy="204275"/>
           </a:xfrm>
           <a:prstGeom prst="rect">
             <a:avLst/>
@@ -8721,33 +8727,14 @@
               </a:spcBef>
             </a:pPr>
             <a:r>
-              <a:rPr lang="es-ES" sz="1200" b="1" dirty="0">
+              <a:rPr lang="pt-BR" sz="1200" b="1" dirty="0">
                 <a:solidFill>
                   <a:srgbClr val="020302"/>
                 </a:solidFill>
                 <a:latin typeface="Adobe Clean"/>
                 <a:cs typeface="Adobe Clean"/>
               </a:rPr>
-              <a:t>Administración </a:t>
-            </a:r>
-            <a:br>
-              <a:rPr lang="sk-SK" sz="1200" b="1" dirty="0">
-                <a:solidFill>
-                  <a:srgbClr val="020302"/>
-                </a:solidFill>
-                <a:latin typeface="Adobe Clean"/>
-                <a:cs typeface="Adobe Clean"/>
-              </a:rPr>
-            </a:br>
-            <a:r>
-              <a:rPr lang="es-ES" sz="1200" b="1" dirty="0">
-                <a:solidFill>
-                  <a:srgbClr val="020302"/>
-                </a:solidFill>
-                <a:latin typeface="Adobe Clean"/>
-                <a:cs typeface="Adobe Clean"/>
-              </a:rPr>
-              <a:t>de la escalabilidad</a:t>
+              <a:t>Gestão de encaminhamento</a:t>
             </a:r>
           </a:p>
         </p:txBody>
@@ -8767,7 +8754,7 @@
         <p:spPr>
           <a:xfrm>
             <a:off x="355868" y="2923693"/>
-            <a:ext cx="2194560" cy="782265"/>
+            <a:ext cx="2194560" cy="936154"/>
           </a:xfrm>
           <a:prstGeom prst="rect">
             <a:avLst/>
@@ -8788,13 +8775,64 @@
               </a:spcBef>
             </a:pPr>
             <a:r>
-              <a:rPr lang="es-ES" sz="1000" dirty="0">
+              <a:rPr lang="pt-BR" sz="1000" dirty="0">
                 <a:solidFill>
                   <a:srgbClr val="4B4B4B"/>
                 </a:solidFill>
                 <a:latin typeface="Adobe Clean Light" panose="020B0303020404020204" pitchFamily="34" charset="0"/>
               </a:rPr>
-              <a:t>Un punto de contacto designado de Adobe que puede proporcionar asistencia en cuanto a escalabilidad y actualizaciones frecuentes, así como garantizar que se dé prioridad a sus solicitudes de soporte abierto más críticas.</a:t>
+              <a:t>Um ponto de contato designado na </a:t>
+            </a:r>
+            <a:br>
+              <a:rPr lang="sk-SK" sz="1000" dirty="0">
+                <a:solidFill>
+                  <a:srgbClr val="4B4B4B"/>
+                </a:solidFill>
+                <a:latin typeface="Adobe Clean Light" panose="020B0303020404020204" pitchFamily="34" charset="0"/>
+              </a:rPr>
+            </a:br>
+            <a:r>
+              <a:rPr lang="pt-BR" sz="1000" dirty="0">
+                <a:solidFill>
+                  <a:srgbClr val="4B4B4B"/>
+                </a:solidFill>
+                <a:latin typeface="Adobe Clean Light" panose="020B0303020404020204" pitchFamily="34" charset="0"/>
+              </a:rPr>
+              <a:t>Adobe que pode fornecer assistência </a:t>
+            </a:r>
+            <a:br>
+              <a:rPr lang="sk-SK" sz="1000" dirty="0">
+                <a:solidFill>
+                  <a:srgbClr val="4B4B4B"/>
+                </a:solidFill>
+                <a:latin typeface="Adobe Clean Light" panose="020B0303020404020204" pitchFamily="34" charset="0"/>
+              </a:rPr>
+            </a:br>
+            <a:r>
+              <a:rPr lang="pt-BR" sz="1000" dirty="0">
+                <a:solidFill>
+                  <a:srgbClr val="4B4B4B"/>
+                </a:solidFill>
+                <a:latin typeface="Adobe Clean Light" panose="020B0303020404020204" pitchFamily="34" charset="0"/>
+              </a:rPr>
+              <a:t>de encaminhamento, atualizações regulares </a:t>
+            </a:r>
+            <a:br>
+              <a:rPr lang="sk-SK" sz="1000" dirty="0">
+                <a:solidFill>
+                  <a:srgbClr val="4B4B4B"/>
+                </a:solidFill>
+                <a:latin typeface="Adobe Clean Light" panose="020B0303020404020204" pitchFamily="34" charset="0"/>
+              </a:rPr>
+            </a:br>
+            <a:r>
+              <a:rPr lang="pt-BR" sz="1000" dirty="0">
+                <a:solidFill>
+                  <a:srgbClr val="4B4B4B"/>
+                </a:solidFill>
+                <a:latin typeface="Adobe Clean Light" panose="020B0303020404020204" pitchFamily="34" charset="0"/>
+              </a:rPr>
+              <a:t>e garantir que seja dada prioridade àquelas solicitações de suporte abertas que forem mais críticas.</a:t>
             </a:r>
           </a:p>
         </p:txBody>
@@ -8813,8 +8851,8 @@
         </p:nvSpPr>
         <p:spPr>
           <a:xfrm>
-            <a:off x="3201544" y="2661575"/>
-            <a:ext cx="1477136" cy="197490"/>
+            <a:off x="3201544" y="2592995"/>
+            <a:ext cx="1408205" cy="197490"/>
           </a:xfrm>
           <a:prstGeom prst="rect">
             <a:avLst/>
@@ -8835,14 +8873,14 @@
               </a:spcBef>
             </a:pPr>
             <a:r>
-              <a:rPr lang="es-ES" sz="1200" b="1" dirty="0">
+              <a:rPr lang="pt-BR" sz="1200" b="1" dirty="0">
                 <a:solidFill>
                   <a:srgbClr val="020302"/>
                 </a:solidFill>
                 <a:latin typeface="Adobe Clean"/>
                 <a:cs typeface="Adobe Clean"/>
               </a:rPr>
-              <a:t>Revisiones del servicio</a:t>
+              <a:t>Revisões de serviço</a:t>
             </a:r>
           </a:p>
         </p:txBody>
@@ -8861,7 +8899,7 @@
         </p:nvSpPr>
         <p:spPr>
           <a:xfrm>
-            <a:off x="2835999" y="2990165"/>
+            <a:off x="2835999" y="2921585"/>
             <a:ext cx="2194560" cy="474489"/>
           </a:xfrm>
           <a:prstGeom prst="rect">
@@ -8883,13 +8921,13 @@
               </a:spcBef>
             </a:pPr>
             <a:r>
-              <a:rPr lang="es-ES" sz="1000" dirty="0">
+              <a:rPr lang="pt-BR" sz="1000" dirty="0">
                 <a:solidFill>
                   <a:srgbClr val="4B4B4B"/>
                 </a:solidFill>
                 <a:latin typeface="Adobe Clean Light" panose="020B0303020404020204" pitchFamily="34" charset="0"/>
               </a:rPr>
-              <a:t>Una revisión bianual completa </a:t>
+              <a:t>Uma análise abrangente e bianual </a:t>
             </a:r>
             <a:br>
               <a:rPr lang="sk-SK" sz="1000" dirty="0">
@@ -8900,13 +8938,30 @@
               </a:rPr>
             </a:br>
             <a:r>
-              <a:rPr lang="es-ES" sz="1000" dirty="0">
+              <a:rPr lang="pt-BR" sz="1000" dirty="0">
                 <a:solidFill>
                   <a:srgbClr val="4B4B4B"/>
                 </a:solidFill>
                 <a:latin typeface="Adobe Clean Light" panose="020B0303020404020204" pitchFamily="34" charset="0"/>
               </a:rPr>
-              <a:t>de los servicios, los beneficios y las métricas de soporte del programa Enterprise.</a:t>
+              <a:t>dos serviços, benefícios e das métricas </a:t>
+            </a:r>
+            <a:br>
+              <a:rPr lang="sk-SK" sz="1000" dirty="0">
+                <a:solidFill>
+                  <a:srgbClr val="4B4B4B"/>
+                </a:solidFill>
+                <a:latin typeface="Adobe Clean Light" panose="020B0303020404020204" pitchFamily="34" charset="0"/>
+              </a:rPr>
+            </a:br>
+            <a:r>
+              <a:rPr lang="pt-BR" sz="1000" dirty="0">
+                <a:solidFill>
+                  <a:srgbClr val="4B4B4B"/>
+                </a:solidFill>
+                <a:latin typeface="Adobe Clean Light" panose="020B0303020404020204" pitchFamily="34" charset="0"/>
+              </a:rPr>
+              <a:t>de suporte do programa Enterprise.</a:t>
             </a:r>
           </a:p>
         </p:txBody>
@@ -8947,13 +9002,13 @@
               </a:spcBef>
             </a:pPr>
             <a:r>
-              <a:rPr lang="es-ES" sz="1000">
+              <a:rPr lang="pt-BR" sz="1000">
                 <a:solidFill>
                   <a:srgbClr val="4B4B4B"/>
                 </a:solidFill>
                 <a:latin typeface="Adobe Clean Light" panose="020B0303020404020204" pitchFamily="34" charset="0"/>
               </a:rPr>
-              <a:t>Una sesión de 60 minutos centrada en una función específica del producto y en cómo se puede utilizar para resolver problemas empresariales comunes.</a:t>
+              <a:t>Uma sessão de 60 minutos focada em um recurso específico do produto e em como ele pode ser usado para resolver problemas empresariais comuns.</a:t>
             </a:r>
           </a:p>
         </p:txBody>
@@ -8972,8 +9027,8 @@
         </p:nvSpPr>
         <p:spPr>
           <a:xfrm>
-            <a:off x="5265661" y="5085557"/>
-            <a:ext cx="2194560" cy="713850"/>
+            <a:off x="5265661" y="5096987"/>
+            <a:ext cx="2194560" cy="536622"/>
           </a:xfrm>
           <a:prstGeom prst="rect">
             <a:avLst/>
@@ -8994,13 +9049,13 @@
               </a:spcBef>
             </a:pPr>
             <a:r>
-              <a:rPr lang="es-ES" sz="1000" dirty="0">
+              <a:rPr lang="pt-BR" sz="1000" dirty="0">
                 <a:solidFill>
                   <a:srgbClr val="4B4B4B"/>
                 </a:solidFill>
                 <a:latin typeface="Adobe Clean Light" panose="020B0303020404020204" pitchFamily="34" charset="0"/>
               </a:rPr>
-              <a:t>Impulse la adopción de prácticas recomendadas de personalización </a:t>
+              <a:t>Adoção de práticas recomendadas </a:t>
             </a:r>
             <a:br>
               <a:rPr lang="sk-SK" sz="1000" dirty="0">
@@ -9011,48 +9066,13 @@
               </a:rPr>
             </a:br>
             <a:r>
-              <a:rPr lang="es-ES" sz="1000" dirty="0">
+              <a:rPr lang="pt-BR" sz="1000" dirty="0">
                 <a:solidFill>
                   <a:srgbClr val="4B4B4B"/>
                 </a:solidFill>
                 <a:latin typeface="Adobe Clean Light" panose="020B0303020404020204" pitchFamily="34" charset="0"/>
               </a:rPr>
-              <a:t>y componentes principales en AEM </a:t>
-            </a:r>
-            <a:br>
-              <a:rPr lang="sk-SK" sz="1000" dirty="0">
-                <a:solidFill>
-                  <a:srgbClr val="4B4B4B"/>
-                </a:solidFill>
-                <a:latin typeface="Adobe Clean Light" panose="020B0303020404020204" pitchFamily="34" charset="0"/>
-              </a:rPr>
-            </a:br>
-            <a:r>
-              <a:rPr lang="es-ES" sz="1000" dirty="0">
-                <a:solidFill>
-                  <a:srgbClr val="4B4B4B"/>
-                </a:solidFill>
-                <a:latin typeface="Adobe Clean Light" panose="020B0303020404020204" pitchFamily="34" charset="0"/>
-              </a:rPr>
-              <a:t>as a Cloud </a:t>
-            </a:r>
-            <a:r>
-              <a:rPr lang="es-ES" sz="1000" dirty="0" err="1">
-                <a:solidFill>
-                  <a:srgbClr val="4B4B4B"/>
-                </a:solidFill>
-                <a:latin typeface="Adobe Clean Light" panose="020B0303020404020204" pitchFamily="34" charset="0"/>
-              </a:rPr>
-              <a:t>Service</a:t>
-            </a:r>
-            <a:r>
-              <a:rPr lang="es-ES" sz="1000" dirty="0">
-                <a:solidFill>
-                  <a:srgbClr val="4B4B4B"/>
-                </a:solidFill>
-                <a:latin typeface="Adobe Clean Light" panose="020B0303020404020204" pitchFamily="34" charset="0"/>
-              </a:rPr>
-              <a:t>.</a:t>
+              <a:t>de personalização e dos componentes principais no AEM as a Cloud Service</a:t>
             </a:r>
           </a:p>
         </p:txBody>
@@ -9071,7 +9091,7 @@
         </p:nvSpPr>
         <p:spPr>
           <a:xfrm>
-            <a:off x="2835999" y="4994097"/>
+            <a:off x="2835999" y="5060772"/>
             <a:ext cx="2194560" cy="720903"/>
           </a:xfrm>
           <a:prstGeom prst="rect">
@@ -9093,13 +9113,47 @@
               </a:spcBef>
             </a:pPr>
             <a:r>
-              <a:rPr lang="es-ES" sz="1000" dirty="0">
+              <a:rPr lang="pt-BR" sz="1000" dirty="0">
                 <a:solidFill>
                   <a:srgbClr val="4B4B4B"/>
                 </a:solidFill>
                 <a:latin typeface="Adobe Clean Light" panose="020B0303020404020204" pitchFamily="34" charset="0"/>
               </a:rPr>
-              <a:t>Identifique, revise y proporcione recomendaciones sobre áreas de adopción de soluciones personalizadas con oportunidades de optimización.</a:t>
+              <a:t>Identificação, revisão e recomendações sobre áreas personalizadas da adoção </a:t>
+            </a:r>
+            <a:br>
+              <a:rPr lang="sk-SK" sz="1000" dirty="0">
+                <a:solidFill>
+                  <a:srgbClr val="4B4B4B"/>
+                </a:solidFill>
+                <a:latin typeface="Adobe Clean Light" panose="020B0303020404020204" pitchFamily="34" charset="0"/>
+              </a:rPr>
+            </a:br>
+            <a:r>
+              <a:rPr lang="pt-BR" sz="1000" dirty="0">
+                <a:solidFill>
+                  <a:srgbClr val="4B4B4B"/>
+                </a:solidFill>
+                <a:latin typeface="Adobe Clean Light" panose="020B0303020404020204" pitchFamily="34" charset="0"/>
+              </a:rPr>
+              <a:t>de soluções com oportunidades </a:t>
+            </a:r>
+            <a:br>
+              <a:rPr lang="sk-SK" sz="1000" dirty="0">
+                <a:solidFill>
+                  <a:srgbClr val="4B4B4B"/>
+                </a:solidFill>
+                <a:latin typeface="Adobe Clean Light" panose="020B0303020404020204" pitchFamily="34" charset="0"/>
+              </a:rPr>
+            </a:br>
+            <a:r>
+              <a:rPr lang="pt-BR" sz="1000" dirty="0">
+                <a:solidFill>
+                  <a:srgbClr val="4B4B4B"/>
+                </a:solidFill>
+                <a:latin typeface="Adobe Clean Light" panose="020B0303020404020204" pitchFamily="34" charset="0"/>
+              </a:rPr>
+              <a:t>de otimização</a:t>
             </a:r>
           </a:p>
         </p:txBody>
@@ -9140,31 +9194,13 @@
               </a:spcBef>
             </a:pPr>
             <a:r>
-              <a:rPr lang="es-ES" sz="1000" dirty="0">
+              <a:rPr lang="pt-BR" sz="1000" dirty="0">
                 <a:solidFill>
                   <a:srgbClr val="4B4B4B"/>
                 </a:solidFill>
                 <a:latin typeface="Adobe Clean Light" panose="020B0303020404020204" pitchFamily="34" charset="0"/>
               </a:rPr>
-              <a:t>Gobernanza técnica y operativa para ayudar a los clientes de AEM as a Cloud </a:t>
-            </a:r>
-            <a:r>
-              <a:rPr lang="es-ES" sz="1000" dirty="0" err="1">
-                <a:solidFill>
-                  <a:srgbClr val="4B4B4B"/>
-                </a:solidFill>
-                <a:latin typeface="Adobe Clean Light" panose="020B0303020404020204" pitchFamily="34" charset="0"/>
-              </a:rPr>
-              <a:t>Service</a:t>
-            </a:r>
-            <a:r>
-              <a:rPr lang="es-ES" sz="1000" dirty="0">
-                <a:solidFill>
-                  <a:srgbClr val="4B4B4B"/>
-                </a:solidFill>
-                <a:latin typeface="Adobe Clean Light" panose="020B0303020404020204" pitchFamily="34" charset="0"/>
-              </a:rPr>
-              <a:t> </a:t>
+              <a:t>Governança técnica e operacional para auxiliar os clientes do AEM as a Cloud Service a seguirem os padrões do setor </a:t>
             </a:r>
             <a:br>
               <a:rPr lang="sk-SK" sz="1000" dirty="0">
@@ -9175,13 +9211,13 @@
               </a:rPr>
             </a:br>
             <a:r>
-              <a:rPr lang="es-ES" sz="1000" dirty="0">
+              <a:rPr lang="pt-BR" sz="1000" dirty="0">
                 <a:solidFill>
                   <a:srgbClr val="4B4B4B"/>
                 </a:solidFill>
                 <a:latin typeface="Adobe Clean Light" panose="020B0303020404020204" pitchFamily="34" charset="0"/>
               </a:rPr>
-              <a:t>a cumplir con los estándares del sector </a:t>
+              <a:t>e as práticas recomendadas do AEM </a:t>
             </a:r>
             <a:br>
               <a:rPr lang="sk-SK" sz="1000" dirty="0">
@@ -9192,48 +9228,13 @@
               </a:rPr>
             </a:br>
             <a:r>
-              <a:rPr lang="es-ES" sz="1000" dirty="0">
+              <a:rPr lang="pt-BR" sz="1000" dirty="0">
                 <a:solidFill>
                   <a:srgbClr val="4B4B4B"/>
                 </a:solidFill>
                 <a:latin typeface="Adobe Clean Light" panose="020B0303020404020204" pitchFamily="34" charset="0"/>
               </a:rPr>
-              <a:t>y las prácticas recomendadas para AEM </a:t>
-            </a:r>
-            <a:br>
-              <a:rPr lang="sk-SK" sz="1000" dirty="0">
-                <a:solidFill>
-                  <a:srgbClr val="4B4B4B"/>
-                </a:solidFill>
-                <a:latin typeface="Adobe Clean Light" panose="020B0303020404020204" pitchFamily="34" charset="0"/>
-              </a:rPr>
-            </a:br>
-            <a:r>
-              <a:rPr lang="es-ES" sz="1000" dirty="0">
-                <a:solidFill>
-                  <a:srgbClr val="4B4B4B"/>
-                </a:solidFill>
-                <a:latin typeface="Adobe Clean Light" panose="020B0303020404020204" pitchFamily="34" charset="0"/>
-              </a:rPr>
-              <a:t>as a Cloud </a:t>
-            </a:r>
-            <a:r>
-              <a:rPr lang="es-ES" sz="1000" dirty="0" err="1">
-                <a:solidFill>
-                  <a:srgbClr val="4B4B4B"/>
-                </a:solidFill>
-                <a:latin typeface="Adobe Clean Light" panose="020B0303020404020204" pitchFamily="34" charset="0"/>
-              </a:rPr>
-              <a:t>Service</a:t>
-            </a:r>
-            <a:r>
-              <a:rPr lang="es-ES" sz="1000" dirty="0">
-                <a:solidFill>
-                  <a:srgbClr val="4B4B4B"/>
-                </a:solidFill>
-                <a:latin typeface="Adobe Clean Light" panose="020B0303020404020204" pitchFamily="34" charset="0"/>
-              </a:rPr>
-              <a:t>.</a:t>
+              <a:t>as a Cloud Service</a:t>
             </a:r>
           </a:p>
         </p:txBody>
@@ -9252,8 +9253,8 @@
         </p:nvSpPr>
         <p:spPr>
           <a:xfrm>
-            <a:off x="2835999" y="1470553"/>
-            <a:ext cx="2194560" cy="1113125"/>
+            <a:off x="2835999" y="1401973"/>
+            <a:ext cx="2194560" cy="959237"/>
           </a:xfrm>
           <a:prstGeom prst="rect">
             <a:avLst/>
@@ -9271,13 +9272,13 @@
               </a:spcBef>
             </a:pPr>
             <a:r>
-              <a:rPr lang="es-ES" sz="1000" dirty="0">
+              <a:rPr lang="pt-BR" sz="1000" dirty="0">
                 <a:solidFill>
                   <a:srgbClr val="4B4B4B"/>
                 </a:solidFill>
                 <a:latin typeface="Adobe Clean Light" panose="020B0303020404020204" pitchFamily="34" charset="0"/>
               </a:rPr>
-              <a:t>Un ingeniero de asistencia técnica especializado que esté familiarizado </a:t>
+              <a:t>Um engenheiro de suporte designado, familiarizado com seu ambiente de solução e objetivos de negócios. O engenheiro </a:t>
             </a:r>
             <a:br>
               <a:rPr lang="sk-SK" sz="1000" dirty="0">
@@ -9288,13 +9289,13 @@
               </a:rPr>
             </a:br>
             <a:r>
-              <a:rPr lang="es-ES" sz="1000" dirty="0">
+              <a:rPr lang="pt-BR" sz="1000" dirty="0">
                 <a:solidFill>
                   <a:srgbClr val="4B4B4B"/>
                 </a:solidFill>
                 <a:latin typeface="Adobe Clean Light" panose="020B0303020404020204" pitchFamily="34" charset="0"/>
               </a:rPr>
-              <a:t>con el entorno de su solución y sus objetivos empresariales. Es un ingeniero </a:t>
+              <a:t>é um profissional experiente que ajuda </a:t>
             </a:r>
             <a:br>
               <a:rPr lang="sk-SK" sz="1000" dirty="0">
@@ -9305,47 +9306,13 @@
               </a:rPr>
             </a:br>
             <a:r>
-              <a:rPr lang="es-ES" sz="1000" dirty="0">
+              <a:rPr lang="pt-BR" sz="1000" dirty="0">
                 <a:solidFill>
                   <a:srgbClr val="4B4B4B"/>
                 </a:solidFill>
                 <a:latin typeface="Adobe Clean Light" panose="020B0303020404020204" pitchFamily="34" charset="0"/>
               </a:rPr>
-              <a:t>de asistencia técnica experimentado que </a:t>
-            </a:r>
-            <a:br>
-              <a:rPr lang="sk-SK" sz="1000" dirty="0">
-                <a:solidFill>
-                  <a:srgbClr val="4B4B4B"/>
-                </a:solidFill>
-                <a:latin typeface="Adobe Clean Light" panose="020B0303020404020204" pitchFamily="34" charset="0"/>
-              </a:rPr>
-            </a:br>
-            <a:r>
-              <a:rPr lang="es-ES" sz="1000" dirty="0">
-                <a:solidFill>
-                  <a:srgbClr val="4B4B4B"/>
-                </a:solidFill>
-                <a:latin typeface="Adobe Clean Light" panose="020B0303020404020204" pitchFamily="34" charset="0"/>
-              </a:rPr>
-              <a:t>le ayudará a coordinar su experiencia </a:t>
-            </a:r>
-            <a:br>
-              <a:rPr lang="sk-SK" sz="1000" dirty="0">
-                <a:solidFill>
-                  <a:srgbClr val="4B4B4B"/>
-                </a:solidFill>
-                <a:latin typeface="Adobe Clean Light" panose="020B0303020404020204" pitchFamily="34" charset="0"/>
-              </a:rPr>
-            </a:br>
-            <a:r>
-              <a:rPr lang="es-ES" sz="1000" dirty="0">
-                <a:solidFill>
-                  <a:srgbClr val="4B4B4B"/>
-                </a:solidFill>
-                <a:latin typeface="Adobe Clean Light" panose="020B0303020404020204" pitchFamily="34" charset="0"/>
-              </a:rPr>
-              <a:t>de soporte Enterprise.</a:t>
+              <a:t>a coordenar sua experiência no Suporte Enterprise.</a:t>
             </a:r>
           </a:p>
         </p:txBody>
@@ -9388,13 +9355,13 @@
               </a:spcAft>
             </a:pPr>
             <a:r>
-              <a:rPr lang="es-ES" sz="1200" b="1" dirty="0">
+              <a:rPr lang="pt-BR" sz="1200" b="1">
                 <a:solidFill>
                   <a:srgbClr val="020302"/>
                 </a:solidFill>
                 <a:latin typeface="+mj-lt"/>
               </a:rPr>
-              <a:t>Ingeniero de asistencia técnica especializado</a:t>
+              <a:t>Engenheiro de suporte nomeado</a:t>
             </a:r>
           </a:p>
         </p:txBody>
@@ -9453,7 +9420,7 @@
         <p:spPr>
           <a:xfrm>
             <a:off x="5723508" y="1099976"/>
-            <a:ext cx="1408655" cy="197490"/>
+            <a:ext cx="1036205" cy="197490"/>
           </a:xfrm>
           <a:prstGeom prst="rect">
             <a:avLst/>
@@ -9474,14 +9441,14 @@
               </a:spcBef>
             </a:pPr>
             <a:r>
-              <a:rPr lang="es-ES" sz="1200" b="1" dirty="0">
+              <a:rPr lang="pt-BR" sz="1200" b="1">
                 <a:solidFill>
                   <a:srgbClr val="020302"/>
                 </a:solidFill>
                 <a:latin typeface="Adobe Clean"/>
                 <a:cs typeface="Adobe Clean"/>
               </a:rPr>
-              <a:t>Sesiones de expertos</a:t>
+              <a:t>Sessões com especialistas</a:t>
             </a:r>
           </a:p>
         </p:txBody>
@@ -9500,8 +9467,8 @@
         </p:nvSpPr>
         <p:spPr>
           <a:xfrm>
-            <a:off x="5181599" y="4466703"/>
-            <a:ext cx="1998943" cy="646331"/>
+            <a:off x="5181600" y="4466703"/>
+            <a:ext cx="1972258" cy="646331"/>
           </a:xfrm>
           <a:prstGeom prst="rect">
             <a:avLst/>
@@ -9522,32 +9489,34 @@
               </a:spcBef>
             </a:pPr>
             <a:r>
-              <a:rPr lang="es-ES" sz="1200" b="1" dirty="0">
+              <a:rPr lang="pt-BR" sz="1200" b="1" dirty="0">
                 <a:solidFill>
                   <a:srgbClr val="020302"/>
                 </a:solidFill>
                 <a:latin typeface="Adobe Clean"/>
                 <a:cs typeface="Adobe Clean"/>
               </a:rPr>
-              <a:t>Prácticas recomendadas de personalización para AEM as a Cloud </a:t>
-            </a:r>
-            <a:r>
-              <a:rPr lang="es-ES" sz="1200" b="1" dirty="0" err="1">
+              <a:t>Práticas recomendadas </a:t>
+            </a:r>
+            <a:br>
+              <a:rPr lang="sk-SK" sz="1200" b="1" dirty="0">
                 <a:solidFill>
                   <a:srgbClr val="020302"/>
                 </a:solidFill>
                 <a:latin typeface="Adobe Clean"/>
                 <a:cs typeface="Adobe Clean"/>
               </a:rPr>
-              <a:t>Service</a:t>
-            </a:r>
-            <a:endParaRPr lang="es-ES" sz="1200" b="1" dirty="0">
-              <a:solidFill>
-                <a:srgbClr val="020302"/>
-              </a:solidFill>
-              <a:latin typeface="Adobe Clean"/>
-              <a:cs typeface="Adobe Clean"/>
-            </a:endParaRPr>
+            </a:br>
+            <a:r>
+              <a:rPr lang="pt-BR" sz="1200" b="1" dirty="0">
+                <a:solidFill>
+                  <a:srgbClr val="020302"/>
+                </a:solidFill>
+                <a:latin typeface="Adobe Clean"/>
+                <a:cs typeface="Adobe Clean"/>
+              </a:rPr>
+              <a:t>de personalização do AEM as a Cloud Service</a:t>
+            </a:r>
           </a:p>
         </p:txBody>
       </p:sp>
@@ -9566,7 +9535,7 @@
         <p:spPr>
           <a:xfrm>
             <a:off x="2752588" y="4438393"/>
-            <a:ext cx="2194560" cy="461665"/>
+            <a:ext cx="1708650" cy="461665"/>
           </a:xfrm>
           <a:prstGeom prst="rect">
             <a:avLst/>
@@ -9587,32 +9556,15 @@
               </a:spcBef>
             </a:pPr>
             <a:r>
-              <a:rPr lang="es-ES" sz="1200" b="1" dirty="0">
+              <a:rPr lang="pt-BR" sz="1200" b="1" dirty="0">
                 <a:solidFill>
                   <a:srgbClr val="020302"/>
                 </a:solidFill>
                 <a:latin typeface="Adobe Clean"/>
                 <a:cs typeface="Adobe Clean"/>
               </a:rPr>
-              <a:t>Servicios de valor añadido para AEM as a Cloud </a:t>
-            </a:r>
-            <a:r>
-              <a:rPr lang="es-ES" sz="1200" b="1" dirty="0" err="1">
-                <a:solidFill>
-                  <a:srgbClr val="020302"/>
-                </a:solidFill>
-                <a:latin typeface="Adobe Clean"/>
-                <a:cs typeface="Adobe Clean"/>
-              </a:rPr>
-              <a:t>Service</a:t>
-            </a:r>
-            <a:endParaRPr lang="es-ES" sz="1200" b="1" dirty="0">
-              <a:solidFill>
-                <a:srgbClr val="020302"/>
-              </a:solidFill>
-              <a:latin typeface="Adobe Clean"/>
-              <a:cs typeface="Adobe Clean"/>
-            </a:endParaRPr>
+              <a:t>Serviços de valor agregado para o AEM as a Cloud Service</a:t>
+            </a:r>
           </a:p>
         </p:txBody>
       </p:sp>
@@ -9652,14 +9604,14 @@
               </a:spcBef>
             </a:pPr>
             <a:r>
-              <a:rPr lang="es-ES" sz="1200" b="1" dirty="0">
+              <a:rPr lang="pt-BR" sz="1200" b="1" dirty="0">
                 <a:solidFill>
                   <a:srgbClr val="020302"/>
                 </a:solidFill>
                 <a:latin typeface="Adobe Clean"/>
                 <a:cs typeface="Adobe Clean"/>
               </a:rPr>
-              <a:t>Gobernanza de AEM </a:t>
+              <a:t>Governança para o AEM </a:t>
             </a:r>
             <a:br>
               <a:rPr lang="sk-SK" sz="1200" b="1" dirty="0">
@@ -9671,32 +9623,15 @@
               </a:rPr>
             </a:br>
             <a:r>
-              <a:rPr lang="es-ES" sz="1200" b="1" dirty="0">
+              <a:rPr lang="pt-BR" sz="1200" b="1" dirty="0">
                 <a:solidFill>
                   <a:srgbClr val="020302"/>
                 </a:solidFill>
                 <a:latin typeface="Adobe Clean"/>
                 <a:cs typeface="Adobe Clean"/>
               </a:rPr>
-              <a:t>as a Cloud </a:t>
-            </a:r>
-            <a:r>
-              <a:rPr lang="es-ES" sz="1200" b="1" dirty="0" err="1">
-                <a:solidFill>
-                  <a:srgbClr val="020302"/>
-                </a:solidFill>
-                <a:latin typeface="Adobe Clean"/>
-                <a:cs typeface="Adobe Clean"/>
-              </a:rPr>
-              <a:t>Service</a:t>
-            </a:r>
-            <a:endParaRPr lang="es-ES" sz="1200" b="1" dirty="0">
-              <a:solidFill>
-                <a:srgbClr val="020302"/>
-              </a:solidFill>
-              <a:latin typeface="Adobe Clean"/>
-              <a:cs typeface="Adobe Clean"/>
-            </a:endParaRPr>
+              <a:t>as a Cloud Service</a:t>
+            </a:r>
           </a:p>
         </p:txBody>
       </p:sp>
@@ -9770,7 +9705,7 @@
         </p:blipFill>
         <p:spPr>
           <a:xfrm>
-            <a:off x="2776853" y="2583180"/>
+            <a:off x="2776853" y="2514600"/>
             <a:ext cx="385800" cy="385800"/>
           </a:xfrm>
           <a:prstGeom prst="rect">
@@ -9792,8 +9727,8 @@
         </p:nvSpPr>
         <p:spPr>
           <a:xfrm>
-            <a:off x="689237" y="1102554"/>
-            <a:ext cx="1246243" cy="197490"/>
+            <a:off x="689237" y="1102553"/>
+            <a:ext cx="1373941" cy="197490"/>
           </a:xfrm>
           <a:prstGeom prst="rect">
             <a:avLst/>
@@ -9814,14 +9749,14 @@
               </a:spcBef>
             </a:pPr>
             <a:r>
-              <a:rPr lang="es-ES" sz="1200" b="1" dirty="0">
+              <a:rPr lang="pt-BR" sz="1200" b="1" dirty="0">
                 <a:solidFill>
                   <a:srgbClr val="020302"/>
                 </a:solidFill>
                 <a:latin typeface="Adobe Clean"/>
                 <a:cs typeface="Adobe Clean"/>
               </a:rPr>
-              <a:t>Reseñas de casos</a:t>
+              <a:t>Revisões de caso</a:t>
             </a:r>
           </a:p>
         </p:txBody>
@@ -9880,7 +9815,7 @@
         <p:spPr>
           <a:xfrm>
             <a:off x="355868" y="1426046"/>
-            <a:ext cx="2311132" cy="1090042"/>
+            <a:ext cx="2194560" cy="1090042"/>
           </a:xfrm>
           <a:prstGeom prst="rect">
             <a:avLst/>
@@ -9901,13 +9836,13 @@
               </a:spcBef>
             </a:pPr>
             <a:r>
-              <a:rPr lang="es-ES" sz="1000" dirty="0">
+              <a:rPr lang="pt-BR" sz="1000" dirty="0">
                 <a:solidFill>
                   <a:srgbClr val="4B4B4B"/>
                 </a:solidFill>
                 <a:latin typeface="Adobe Clean Light" panose="020B0303020404020204" pitchFamily="34" charset="0"/>
               </a:rPr>
-              <a:t>Revisión programada periódica de </a:t>
+              <a:t>Revisão regular das solicitações de suporte abertas, garantindo o alinhamento </a:t>
             </a:r>
             <a:br>
               <a:rPr lang="sk-SK" sz="1000" dirty="0">
@@ -9918,13 +9853,47 @@
               </a:rPr>
             </a:br>
             <a:r>
-              <a:rPr lang="es-ES" sz="1000" dirty="0">
+              <a:rPr lang="pt-BR" sz="1000" dirty="0">
                 <a:solidFill>
                   <a:srgbClr val="4B4B4B"/>
                 </a:solidFill>
                 <a:latin typeface="Adobe Clean Light" panose="020B0303020404020204" pitchFamily="34" charset="0"/>
               </a:rPr>
-              <a:t>las solicitudes de soporte abiertas, lo que garantiza la alineación del cliente en la descripción de casos, el impacto empresarial, el estado, la prioridad y el acuerdo en cuanto a los siguientes pasos necesarios para garantizar una solución adecuada.</a:t>
+              <a:t>do cliente considerando a descrição </a:t>
+            </a:r>
+            <a:br>
+              <a:rPr lang="sk-SK" sz="1000" dirty="0">
+                <a:solidFill>
+                  <a:srgbClr val="4B4B4B"/>
+                </a:solidFill>
+                <a:latin typeface="Adobe Clean Light" panose="020B0303020404020204" pitchFamily="34" charset="0"/>
+              </a:rPr>
+            </a:br>
+            <a:r>
+              <a:rPr lang="pt-BR" sz="1000" dirty="0">
+                <a:solidFill>
+                  <a:srgbClr val="4B4B4B"/>
+                </a:solidFill>
+                <a:latin typeface="Adobe Clean Light" panose="020B0303020404020204" pitchFamily="34" charset="0"/>
+              </a:rPr>
+              <a:t>do caso, o impacto nos negócios, o status, </a:t>
+            </a:r>
+            <a:br>
+              <a:rPr lang="sk-SK" sz="1000" dirty="0">
+                <a:solidFill>
+                  <a:srgbClr val="4B4B4B"/>
+                </a:solidFill>
+                <a:latin typeface="Adobe Clean Light" panose="020B0303020404020204" pitchFamily="34" charset="0"/>
+              </a:rPr>
+            </a:br>
+            <a:r>
+              <a:rPr lang="pt-BR" sz="1000" dirty="0">
+                <a:solidFill>
+                  <a:srgbClr val="4B4B4B"/>
+                </a:solidFill>
+                <a:latin typeface="Adobe Clean Light" panose="020B0303020404020204" pitchFamily="34" charset="0"/>
+              </a:rPr>
+              <a:t>a prioridade e o acordo sobre as próximas etapas necessárias para garantir uma resolução adequada.</a:t>
             </a:r>
           </a:p>
         </p:txBody>
@@ -9965,14 +9934,14 @@
               </a:spcBef>
             </a:pPr>
             <a:r>
-              <a:rPr lang="es-ES" sz="1400" b="1">
+              <a:rPr lang="pt-BR" sz="1400" b="1">
                 <a:solidFill>
                   <a:srgbClr val="020302"/>
                 </a:solidFill>
                 <a:latin typeface="Adobe Clean"/>
                 <a:cs typeface="Adobe Clean"/>
               </a:rPr>
-              <a:t>Actividades de soporte en la nube - AEM</a:t>
+              <a:t>Atividades de suporte na nuvem — AEM</a:t>
             </a:r>
           </a:p>
         </p:txBody>
@@ -9992,7 +9961,7 @@
         <p:spPr>
           <a:xfrm>
             <a:off x="214970" y="4310484"/>
-            <a:ext cx="3046389" cy="53924"/>
+            <a:ext cx="2986574" cy="45719"/>
           </a:xfrm>
           <a:custGeom>
             <a:avLst/>
@@ -10056,7 +10025,7 @@
         </p:blipFill>
         <p:spPr>
           <a:xfrm>
-            <a:off x="3338762" y="3892352"/>
+            <a:off x="3340667" y="3892352"/>
             <a:ext cx="461665" cy="461665"/>
           </a:xfrm>
           <a:prstGeom prst="rect">
@@ -10351,7 +10320,7 @@
         </p:nvSpPr>
         <p:spPr>
           <a:xfrm rot="5400000" flipH="1">
-            <a:off x="3863341" y="986533"/>
+            <a:off x="3863341" y="1129408"/>
             <a:ext cx="45719" cy="5577840"/>
           </a:xfrm>
           <a:custGeom>
@@ -10852,7 +10821,7 @@
               </a:lnSpc>
             </a:pPr>
             <a:r>
-              <a:rPr lang="es-ES" sz="800">
+              <a:rPr lang="pt-BR" sz="800">
                 <a:solidFill>
                   <a:srgbClr val="6D6D6D"/>
                 </a:solidFill>
@@ -10872,8 +10841,8 @@
         </p:nvSpPr>
         <p:spPr>
           <a:xfrm>
-            <a:off x="4465700" y="914777"/>
-            <a:ext cx="2493390" cy="91359"/>
+            <a:off x="4481320" y="914778"/>
+            <a:ext cx="2366776" cy="75490"/>
           </a:xfrm>
           <a:custGeom>
             <a:avLst/>
@@ -10914,7 +10883,7 @@
         </p:nvSpPr>
         <p:spPr>
           <a:xfrm>
-            <a:off x="4416550" y="589788"/>
+            <a:off x="4481320" y="589788"/>
             <a:ext cx="2588260" cy="228268"/>
           </a:xfrm>
           <a:prstGeom prst="rect">
@@ -10936,14 +10905,14 @@
               </a:spcBef>
             </a:pPr>
             <a:r>
-              <a:rPr lang="es-ES" sz="1400" b="1" dirty="0">
+              <a:rPr lang="pt-BR" sz="1400" b="1" dirty="0">
                 <a:solidFill>
                   <a:srgbClr val="020302"/>
                 </a:solidFill>
                 <a:latin typeface="Adobe Clean"/>
                 <a:cs typeface="Adobe Clean"/>
               </a:rPr>
-              <a:t>Actividades del servicio de campo</a:t>
+              <a:t>Atividades de serviço de campo</a:t>
             </a:r>
           </a:p>
         </p:txBody>
@@ -10978,7 +10947,7 @@
               </a:spcBef>
             </a:pPr>
             <a:r>
-              <a:rPr lang="es-ES" sz="1400" b="1">
+              <a:rPr lang="pt-BR" sz="1400" b="1">
                 <a:solidFill>
                   <a:srgbClr val="020302"/>
                 </a:solidFill>
@@ -11017,85 +10986,85 @@
               </a:spcBef>
             </a:pPr>
             <a:r>
-              <a:rPr lang="es-ES" sz="1000">
+              <a:rPr lang="pt-BR" sz="1000">
                 <a:solidFill>
                   <a:srgbClr val="1F1F1F"/>
                 </a:solidFill>
                 <a:latin typeface="AdobeClean-Light"/>
                 <a:cs typeface="AdobeClean-Light"/>
               </a:rPr>
-              <a:t>Para los clientes que implementan una </a:t>
-            </a:r>
-            <a:r>
-              <a:rPr lang="es-ES" sz="1000" b="1">
+              <a:t>Para clientes que implementam uma</a:t>
+            </a:r>
+            <a:r>
+              <a:rPr lang="pt-BR" sz="1000" b="1">
                 <a:solidFill>
                   <a:srgbClr val="1F1F1F"/>
                 </a:solidFill>
                 <a:latin typeface="Adobe Clean"/>
                 <a:cs typeface="Adobe Clean"/>
               </a:rPr>
-              <a:t>nueva solución de Adobe Experience Cloud, </a:t>
-            </a:r>
-            <a:r>
-              <a:rPr lang="es-ES" sz="1000">
+              <a:t> nova solução Adobe Experience Cloud, o </a:t>
+            </a:r>
+            <a:r>
+              <a:rPr lang="pt-BR" sz="1000">
                 <a:latin typeface="Adobe Clean Light" charset="0"/>
                 <a:ea typeface="Adobe Clean Light" charset="0"/>
                 <a:cs typeface="Adobe Clean Light" charset="0"/>
               </a:rPr>
-              <a:t>Launch Advisory </a:t>
-            </a:r>
-            <a:r>
-              <a:rPr lang="es-ES" sz="1000">
+              <a:t>Launch Advisory</a:t>
+            </a:r>
+            <a:r>
+              <a:rPr lang="pt-BR" sz="1000">
                 <a:solidFill>
                   <a:srgbClr val="000000"/>
                 </a:solidFill>
                 <a:latin typeface="Adobe Clean SemiLight" panose="020B0403020404020204" pitchFamily="34" charset="0"/>
               </a:rPr>
-              <a:t>es un </a:t>
-            </a:r>
-            <a:r>
-              <a:rPr lang="es-ES" sz="1000" b="1">
+              <a:t> é um </a:t>
+            </a:r>
+            <a:r>
+              <a:rPr lang="pt-BR" sz="1000" b="1">
                 <a:solidFill>
                   <a:srgbClr val="000000"/>
                 </a:solidFill>
                 <a:latin typeface="Adobe Clean SemiLight" panose="020B0403020404020204" pitchFamily="34" charset="0"/>
               </a:rPr>
-              <a:t>conjunto clave de servicios de asesoría </a:t>
-            </a:r>
-            <a:r>
-              <a:rPr lang="es-ES" sz="1000">
+              <a:t>conjunto essencial de serviços de consultoria</a:t>
+            </a:r>
+            <a:r>
+              <a:rPr lang="pt-BR" sz="1000">
                 <a:latin typeface="Adobe Clean Light" charset="0"/>
                 <a:ea typeface="Adobe Clean Light" charset="0"/>
                 <a:cs typeface="Adobe Clean Light" charset="0"/>
               </a:rPr>
-              <a:t>y recomendaciones para </a:t>
-            </a:r>
-            <a:r>
-              <a:rPr lang="es-ES" sz="1000" b="1">
+              <a:t> e recomendações de eficácia comprovada que </a:t>
+            </a:r>
+            <a:r>
+              <a:rPr lang="pt-BR" sz="1000" b="1">
                 <a:latin typeface="Adobe Clean Light" charset="0"/>
                 <a:ea typeface="Adobe Clean Light" charset="0"/>
                 <a:cs typeface="Adobe Clean Light" charset="0"/>
               </a:rPr>
-              <a:t>conseguir implementaciones adecuadas</a:t>
-            </a:r>
-            <a:r>
-              <a:rPr lang="es-ES" sz="1000">
+              <a:t>aceleram </a:t>
+            </a:r>
+            <a:r>
+              <a:rPr lang="pt-BR" sz="1000">
                 <a:latin typeface="Adobe Clean Light" charset="0"/>
                 <a:ea typeface="Adobe Clean Light" charset="0"/>
                 <a:cs typeface="Adobe Clean Light" charset="0"/>
               </a:rPr>
-              <a:t>y </a:t>
-            </a:r>
-            <a:r>
-              <a:rPr lang="es-ES" sz="1000" b="1">
+              <a:t>o </a:t>
+            </a:r>
+            <a:r>
+              <a:rPr lang="pt-BR" sz="1000" b="1">
                 <a:latin typeface="Adobe Clean Light" charset="0"/>
                 <a:ea typeface="Adobe Clean Light" charset="0"/>
                 <a:cs typeface="Adobe Clean Light" charset="0"/>
               </a:rPr>
-              <a:t>agilizan la obtención de rentabilidad</a:t>
-            </a:r>
-            <a:r>
-              <a:rPr lang="es-ES" sz="1000">
+              <a:t>tempo de implantação</a:t>
+            </a:r>
+            <a:r>
+              <a:rPr lang="pt-BR" sz="1000">
                 <a:latin typeface="Adobe Clean Light" charset="0"/>
                 <a:ea typeface="Adobe Clean Light" charset="0"/>
                 <a:cs typeface="Adobe Clean Light" charset="0"/>
@@ -11141,7 +11110,7 @@
         <p:spPr>
           <a:xfrm>
             <a:off x="3965471" y="1228675"/>
-            <a:ext cx="3603474" cy="1013098"/>
+            <a:ext cx="3603474" cy="859210"/>
           </a:xfrm>
           <a:prstGeom prst="rect">
             <a:avLst/>
@@ -11159,128 +11128,67 @@
               </a:spcBef>
             </a:pPr>
             <a:r>
-              <a:rPr lang="es-ES" sz="1000" dirty="0">
+              <a:rPr lang="pt-BR" sz="1000" dirty="0">
                 <a:solidFill>
                   <a:srgbClr val="4B4B4B"/>
                 </a:solidFill>
                 <a:latin typeface="Adobe Clean Light" panose="020B0303020404020204" pitchFamily="34" charset="0"/>
               </a:rPr>
-              <a:t>Los servicios de campo se utilizan para</a:t>
-            </a:r>
-            <a:r>
-              <a:rPr lang="es-ES" sz="1000" b="1" dirty="0">
+              <a:t>Os serviços de campo são usados para </a:t>
+            </a:r>
+            <a:r>
+              <a:rPr lang="pt-BR" sz="1000" b="1" dirty="0">
                 <a:solidFill>
                   <a:srgbClr val="4B4B4B"/>
                 </a:solidFill>
                 <a:latin typeface="Adobe Clean" panose="020B0503020404020204" pitchFamily="34" charset="0"/>
               </a:rPr>
-              <a:t> fines de resolución rápida</a:t>
-            </a:r>
-            <a:r>
-              <a:rPr lang="es-ES" sz="1000" dirty="0">
+              <a:t>resolução rápida</a:t>
+            </a:r>
+            <a:r>
+              <a:rPr lang="pt-BR" sz="1000" dirty="0">
                 <a:solidFill>
                   <a:srgbClr val="4B4B4B"/>
                 </a:solidFill>
                 <a:latin typeface="Adobe Clean Light" panose="020B0303020404020204" pitchFamily="34" charset="0"/>
               </a:rPr>
-              <a:t>, éxito centrado en el cliente y</a:t>
-            </a:r>
-            <a:r>
-              <a:rPr lang="es-ES" sz="1000" dirty="0">
+              <a:t>, sucesso focado do cliente e </a:t>
+            </a:r>
+            <a:r>
+              <a:rPr lang="pt-BR" sz="1000" b="1" dirty="0">
                 <a:solidFill>
                   <a:srgbClr val="4B4B4B"/>
                 </a:solidFill>
-              </a:rPr>
-              <a:t> </a:t>
-            </a:r>
-            <a:r>
-              <a:rPr lang="es-ES" sz="1000" b="1" dirty="0">
+                <a:latin typeface="Adobe Clean" panose="020B0503020404020204" pitchFamily="34" charset="0"/>
+              </a:rPr>
+              <a:t>tempo de implantação</a:t>
+            </a:r>
+            <a:r>
+              <a:rPr lang="pt-BR" sz="1000" dirty="0">
                 <a:solidFill>
                   <a:srgbClr val="4B4B4B"/>
                 </a:solidFill>
+                <a:latin typeface="Adobe Clean Light" panose="020B0303020404020204" pitchFamily="34" charset="0"/>
+              </a:rPr>
+              <a:t> acelerado. Se o Launch Advisory estiver ativo, </a:t>
+            </a:r>
+            <a:r>
+              <a:rPr lang="pt-BR" sz="1000" b="1" dirty="0">
+                <a:solidFill>
+                  <a:srgbClr val="4B4B4B"/>
+                </a:solidFill>
                 <a:latin typeface="Adobe Clean" panose="020B0503020404020204" pitchFamily="34" charset="0"/>
               </a:rPr>
-              <a:t>una obtención de rentabilidad más rápida</a:t>
-            </a:r>
-            <a:r>
-              <a:rPr lang="es-ES" sz="1000" dirty="0">
+              <a:t>não haverá Serviços de campo no ano 1</a:t>
+            </a:r>
+            <a:r>
+              <a:rPr lang="pt-BR" sz="1000" dirty="0">
                 <a:solidFill>
                   <a:srgbClr val="4B4B4B"/>
                 </a:solidFill>
                 <a:latin typeface="Adobe Clean Light" panose="020B0303020404020204" pitchFamily="34" charset="0"/>
               </a:rPr>
-              <a:t>. Si </a:t>
-            </a:r>
-            <a:r>
-              <a:rPr lang="es-ES" sz="1000" dirty="0" err="1">
-                <a:solidFill>
-                  <a:srgbClr val="4B4B4B"/>
-                </a:solidFill>
-                <a:latin typeface="Adobe Clean Light" panose="020B0303020404020204" pitchFamily="34" charset="0"/>
-              </a:rPr>
-              <a:t>Launch</a:t>
-            </a:r>
-            <a:r>
-              <a:rPr lang="es-ES" sz="1000" dirty="0">
-                <a:solidFill>
-                  <a:srgbClr val="4B4B4B"/>
-                </a:solidFill>
-                <a:latin typeface="Adobe Clean Light" panose="020B0303020404020204" pitchFamily="34" charset="0"/>
-              </a:rPr>
-              <a:t> </a:t>
-            </a:r>
-            <a:r>
-              <a:rPr lang="es-ES" sz="1000" dirty="0" err="1">
-                <a:solidFill>
-                  <a:srgbClr val="4B4B4B"/>
-                </a:solidFill>
-                <a:latin typeface="Adobe Clean Light" panose="020B0303020404020204" pitchFamily="34" charset="0"/>
-              </a:rPr>
-              <a:t>Advisory</a:t>
-            </a:r>
-            <a:r>
-              <a:rPr lang="es-ES" sz="1000" dirty="0">
-                <a:solidFill>
-                  <a:srgbClr val="4B4B4B"/>
-                </a:solidFill>
-                <a:latin typeface="Adobe Clean Light" panose="020B0303020404020204" pitchFamily="34" charset="0"/>
-              </a:rPr>
-              <a:t> está activado,</a:t>
-            </a:r>
-            <a:r>
-              <a:rPr lang="es-ES" sz="1000" b="1" dirty="0">
-                <a:solidFill>
-                  <a:srgbClr val="4B4B4B"/>
-                </a:solidFill>
-                <a:latin typeface="Adobe Clean" panose="020B0503020404020204" pitchFamily="34" charset="0"/>
-              </a:rPr>
-              <a:t> no habrá ningún servicio </a:t>
-            </a:r>
-            <a:br>
-              <a:rPr lang="sk-SK" sz="1000" b="1" dirty="0">
-                <a:solidFill>
-                  <a:srgbClr val="4B4B4B"/>
-                </a:solidFill>
-                <a:latin typeface="Adobe Clean" panose="020B0503020404020204" pitchFamily="34" charset="0"/>
-              </a:rPr>
-            </a:br>
-            <a:r>
-              <a:rPr lang="es-ES" sz="1000" b="1" dirty="0">
-                <a:solidFill>
-                  <a:srgbClr val="4B4B4B"/>
-                </a:solidFill>
-                <a:latin typeface="Adobe Clean" panose="020B0503020404020204" pitchFamily="34" charset="0"/>
-              </a:rPr>
-              <a:t>de campo en el año 1</a:t>
-            </a:r>
-            <a:r>
-              <a:rPr lang="es-ES" sz="1000" dirty="0">
-                <a:solidFill>
-                  <a:srgbClr val="4B4B4B"/>
-                </a:solidFill>
-                <a:latin typeface="Adobe Clean Light" panose="020B0303020404020204" pitchFamily="34" charset="0"/>
-              </a:rPr>
-              <a:t> para ningún producto de solución cubierto por un contrato de soporte de Adobe. </a:t>
+              <a:t> para nenhuma solução coberta por um contrato de suporte da Adobe. </a:t>
             </a:r>
           </a:p>
           <a:p>
@@ -11457,8 +11365,8 @@
         </p:nvSpPr>
         <p:spPr>
           <a:xfrm>
-            <a:off x="172087" y="3517441"/>
-            <a:ext cx="3525469" cy="2798202"/>
+            <a:off x="172087" y="3867961"/>
+            <a:ext cx="3714113" cy="2336537"/>
           </a:xfrm>
           <a:prstGeom prst="rect">
             <a:avLst/>
@@ -11476,75 +11384,48 @@
               </a:spcBef>
             </a:pPr>
             <a:r>
-              <a:rPr lang="es-ES" sz="1000" dirty="0">
+              <a:rPr lang="pt-BR" sz="1000" dirty="0">
                 <a:latin typeface="Adobe Clean Light" charset="0"/>
               </a:rPr>
-              <a:t>Los expertos en soluciones de Adobe ayudan a validar los requisitos, la arquitectura, el proceso de desarrollo y las revisiones de la preparación de los lanzamientos</a:t>
-            </a:r>
-            <a:r>
-              <a:rPr lang="es-ES" sz="1000" dirty="0"/>
-              <a:t> </a:t>
-            </a:r>
-            <a:r>
-              <a:rPr lang="es-ES" sz="1000" dirty="0">
-                <a:solidFill>
-                  <a:srgbClr val="000000"/>
-                </a:solidFill>
-                <a:latin typeface="Adobe Clean SemiLight" panose="020B0403020404020204" pitchFamily="34" charset="0"/>
-              </a:rPr>
-              <a:t>con </a:t>
-            </a:r>
-            <a:r>
-              <a:rPr lang="es-ES" sz="1000" b="1" dirty="0">
-                <a:solidFill>
-                  <a:srgbClr val="000000"/>
-                </a:solidFill>
-                <a:latin typeface="Adobe Clean SemiLight" panose="020B0403020404020204" pitchFamily="34" charset="0"/>
-              </a:rPr>
-              <a:t>directrices basadas </a:t>
-            </a:r>
-            <a:br>
-              <a:rPr lang="sk-SK" sz="1000" b="1" dirty="0">
-                <a:solidFill>
-                  <a:srgbClr val="000000"/>
-                </a:solidFill>
-                <a:latin typeface="Adobe Clean SemiLight" panose="020B0403020404020204" pitchFamily="34" charset="0"/>
-              </a:rPr>
-            </a:br>
-            <a:r>
-              <a:rPr lang="es-ES" sz="1000" b="1" dirty="0">
-                <a:solidFill>
-                  <a:srgbClr val="000000"/>
-                </a:solidFill>
-                <a:latin typeface="Adobe Clean SemiLight" panose="020B0403020404020204" pitchFamily="34" charset="0"/>
-              </a:rPr>
-              <a:t>en las prácticas recomendadas</a:t>
-            </a:r>
-            <a:r>
-              <a:rPr lang="es-ES" sz="1000" dirty="0">
-                <a:solidFill>
-                  <a:srgbClr val="000000"/>
-                </a:solidFill>
-                <a:latin typeface="Adobe Clean SemiLight" panose="020B0403020404020204" pitchFamily="34" charset="0"/>
-              </a:rPr>
-              <a:t> para los clientes y los socios </a:t>
+              <a:t>Os especialistas em soluções da Adobe ajudam a validar os requisitos, </a:t>
             </a:r>
             <a:br>
               <a:rPr lang="sk-SK" sz="1000" dirty="0">
+                <a:latin typeface="Adobe Clean Light" charset="0"/>
+              </a:rPr>
+            </a:br>
+            <a:r>
+              <a:rPr lang="pt-BR" sz="1000" dirty="0">
+                <a:latin typeface="Adobe Clean Light" charset="0"/>
+              </a:rPr>
+              <a:t>a arquitetura, o processo de desenvolvimento e iniciam revisões de prontidão </a:t>
+            </a:r>
+            <a:r>
+              <a:rPr lang="pt-BR" sz="1000" dirty="0">
                 <a:solidFill>
                   <a:srgbClr val="000000"/>
                 </a:solidFill>
                 <a:latin typeface="Adobe Clean SemiLight" panose="020B0403020404020204" pitchFamily="34" charset="0"/>
               </a:rPr>
-            </a:br>
-            <a:r>
-              <a:rPr lang="es-ES" sz="1000" dirty="0">
+              <a:t>com </a:t>
+            </a:r>
+            <a:r>
+              <a:rPr lang="pt-BR" sz="1000" b="1" dirty="0">
                 <a:solidFill>
                   <a:srgbClr val="000000"/>
                 </a:solidFill>
                 <a:latin typeface="Adobe Clean SemiLight" panose="020B0403020404020204" pitchFamily="34" charset="0"/>
               </a:rPr>
-              <a:t>de implementación.</a:t>
+              <a:t>orientação baseada em práticas recomendadas</a:t>
+            </a:r>
+            <a:r>
+              <a:rPr lang="pt-BR" sz="1000" dirty="0">
+                <a:solidFill>
+                  <a:srgbClr val="000000"/>
+                </a:solidFill>
+                <a:latin typeface="Adobe Clean SemiLight" panose="020B0403020404020204" pitchFamily="34" charset="0"/>
+              </a:rPr>
+              <a:t> para clientes e parceiros de implementação.</a:t>
             </a:r>
           </a:p>
           <a:p>
@@ -11568,28 +11449,10 @@
               </a:spcBef>
             </a:pPr>
             <a:r>
-              <a:rPr lang="es-ES" sz="1000" dirty="0" err="1">
+              <a:rPr lang="pt-BR" sz="1000" dirty="0">
                 <a:latin typeface="Adobe Clean Light" charset="0"/>
               </a:rPr>
-              <a:t>Launch</a:t>
-            </a:r>
-            <a:r>
-              <a:rPr lang="es-ES" sz="1000" dirty="0">
-                <a:latin typeface="Adobe Clean Light" charset="0"/>
-              </a:rPr>
-              <a:t> </a:t>
-            </a:r>
-            <a:r>
-              <a:rPr lang="es-ES" sz="1000" dirty="0" err="1">
-                <a:latin typeface="Adobe Clean Light" charset="0"/>
-              </a:rPr>
-              <a:t>Advisory</a:t>
-            </a:r>
-            <a:r>
-              <a:rPr lang="es-ES" sz="1000" dirty="0">
-                <a:latin typeface="Adobe Clean Light" charset="0"/>
-              </a:rPr>
-              <a:t> se alineará con la programación de su proyecto </a:t>
+              <a:t>O Launch Advisory se alinhará com o agendamento do seu projeto </a:t>
             </a:r>
             <a:br>
               <a:rPr lang="sk-SK" sz="1000" dirty="0">
@@ -11597,16 +11460,16 @@
               </a:rPr>
             </a:br>
             <a:r>
-              <a:rPr lang="es-ES" sz="1000" dirty="0">
+              <a:rPr lang="pt-BR" sz="1000" dirty="0">
                 <a:latin typeface="Adobe Clean Light" charset="0"/>
               </a:rPr>
-              <a:t>a través de hitos comunes (</a:t>
-            </a:r>
-            <a:r>
-              <a:rPr lang="es-ES" sz="1000" b="1" dirty="0">
+              <a:t>por meio de marcos comuns (</a:t>
+            </a:r>
+            <a:r>
+              <a:rPr lang="pt-BR" sz="1000" b="1" dirty="0">
                 <a:latin typeface="Adobe Clean Light" charset="0"/>
               </a:rPr>
-              <a:t>Empezar, Definir, Diseñar, Puesta </a:t>
+              <a:t>Início, Definição, Projeto, Lançamento </a:t>
             </a:r>
             <a:br>
               <a:rPr lang="sk-SK" sz="1000" b="1" dirty="0">
@@ -11614,16 +11477,16 @@
               </a:rPr>
             </a:br>
             <a:r>
-              <a:rPr lang="es-ES" sz="1000" b="1" dirty="0">
+              <a:rPr lang="pt-BR" sz="1000" b="1" dirty="0">
                 <a:latin typeface="Adobe Clean Light" charset="0"/>
               </a:rPr>
-              <a:t>en marcha y Después del lanzamiento</a:t>
-            </a:r>
-            <a:r>
-              <a:rPr lang="es-ES" sz="1000" dirty="0">
+              <a:t>e Pós-lançamento</a:t>
+            </a:r>
+            <a:r>
+              <a:rPr lang="pt-BR" sz="1000" dirty="0">
                 <a:latin typeface="Adobe Clean Light" charset="0"/>
               </a:rPr>
-              <a:t>) para guiar, validar, evaluar y hacer recomendaciones.</a:t>
+              <a:t>) para guiar, validar, avaliar e fazer recomendações.</a:t>
             </a:r>
           </a:p>
           <a:p>
@@ -11643,10 +11506,10 @@
               </a:spcBef>
             </a:pPr>
             <a:r>
-              <a:rPr lang="es-ES" sz="1000" dirty="0">
+              <a:rPr lang="pt-BR" sz="1000" dirty="0">
                 <a:latin typeface="Adobe Clean Light" charset="0"/>
               </a:rPr>
-              <a:t>Entre los entregables clave se incluyen:</a:t>
+              <a:t>Os principais serviços incluem:</a:t>
             </a:r>
           </a:p>
           <a:p>
@@ -11658,15 +11521,8 @@
               <a:buChar char="•"/>
             </a:pPr>
             <a:r>
-              <a:rPr lang="es-ES" sz="1000" dirty="0"/>
-              <a:t>Plan de lanzamiento (incluido el plan de colaboración </a:t>
-            </a:r>
-            <a:br>
-              <a:rPr lang="sk-SK" sz="1000" dirty="0"/>
-            </a:br>
-            <a:r>
-              <a:rPr lang="es-ES" sz="1000" dirty="0"/>
-              <a:t>del proyecto)</a:t>
+              <a:rPr lang="pt-BR" sz="1000" dirty="0"/>
+              <a:t>Plataforma de início (incluindo plano de colaboração do projeto)</a:t>
             </a:r>
           </a:p>
           <a:p>
@@ -11678,8 +11534,8 @@
               <a:buChar char="•"/>
             </a:pPr>
             <a:r>
-              <a:rPr lang="es-ES" sz="1000" dirty="0"/>
-              <a:t>Documentos de evaluación y recomendaciones</a:t>
+              <a:rPr lang="pt-BR" sz="1000" dirty="0"/>
+              <a:t>Documentos de avaliação e recomendações</a:t>
             </a:r>
           </a:p>
           <a:p>
@@ -11691,8 +11547,8 @@
               <a:buChar char="•"/>
             </a:pPr>
             <a:r>
-              <a:rPr lang="es-ES" sz="1000" dirty="0"/>
-              <a:t>Resumen de la participación</a:t>
+              <a:rPr lang="pt-BR" sz="1000" dirty="0"/>
+              <a:t>Resumo de engajamento</a:t>
             </a:r>
           </a:p>
         </p:txBody>
@@ -11711,7 +11567,7 @@
         </p:nvSpPr>
         <p:spPr>
           <a:xfrm rot="10800000" flipH="1">
-            <a:off x="3692282" y="3840480"/>
+            <a:off x="3825632" y="3840480"/>
             <a:ext cx="45719" cy="5669280"/>
           </a:xfrm>
           <a:custGeom>
@@ -11796,8 +11652,8 @@
           <a:p>
             <a:pPr algn="ctr"/>
             <a:r>
-              <a:rPr lang="es-ES" sz="1600"/>
-              <a:t>Ejecutar y operar</a:t>
+              <a:rPr lang="pt-BR" sz="1600"/>
+              <a:t>Execução e operação</a:t>
             </a:r>
           </a:p>
         </p:txBody>
@@ -11902,8 +11758,8 @@
           <a:p>
             <a:pPr algn="ctr"/>
             <a:r>
-              <a:rPr lang="es-ES" sz="1600"/>
-              <a:t>Implementación</a:t>
+              <a:rPr lang="pt-BR" sz="1600"/>
+              <a:t>Implementação</a:t>
             </a:r>
           </a:p>
         </p:txBody>
@@ -11922,7 +11778,7 @@
         </p:nvSpPr>
         <p:spPr>
           <a:xfrm>
-            <a:off x="2918286" y="2157114"/>
+            <a:off x="2918286" y="2164734"/>
             <a:ext cx="933111" cy="261610"/>
           </a:xfrm>
           <a:prstGeom prst="rect">
@@ -11938,8 +11794,8 @@
           <a:p>
             <a:pPr algn="ctr"/>
             <a:r>
-              <a:rPr lang="es-ES" sz="1100" dirty="0"/>
-              <a:t>Después del lanzamiento</a:t>
+              <a:rPr lang="pt-BR" sz="1100" dirty="0"/>
+              <a:t>Pós-lançamento</a:t>
             </a:r>
           </a:p>
         </p:txBody>
@@ -12047,8 +11903,8 @@
         </p:nvSpPr>
         <p:spPr>
           <a:xfrm>
-            <a:off x="3855907" y="4343911"/>
-            <a:ext cx="3713038" cy="2464777"/>
+            <a:off x="3855907" y="4694431"/>
+            <a:ext cx="3525469" cy="2464777"/>
           </a:xfrm>
           <a:prstGeom prst="rect">
             <a:avLst/>
@@ -12066,22 +11922,22 @@
               </a:spcBef>
             </a:pPr>
             <a:r>
-              <a:rPr lang="es-ES" sz="1000" b="1" dirty="0">
+              <a:rPr lang="pt-BR" sz="1000" b="1" dirty="0">
                 <a:solidFill>
                   <a:srgbClr val="000000"/>
                 </a:solidFill>
                 <a:latin typeface="+mj-lt"/>
               </a:rPr>
-              <a:t>Las actividades de seguimiento técnicas</a:t>
-            </a:r>
-            <a:r>
-              <a:rPr lang="es-ES" sz="1000" dirty="0">
+              <a:t>As Atividades técnicas</a:t>
+            </a:r>
+            <a:r>
+              <a:rPr lang="pt-BR" sz="1000" dirty="0">
                 <a:solidFill>
                   <a:srgbClr val="000000"/>
                 </a:solidFill>
                 <a:latin typeface="Adobe Clean Light" panose="020B0303020404020204" pitchFamily="34" charset="0"/>
               </a:rPr>
-              <a:t> garantizan que los clientes cuenten con formación técnica y maximicen la adopción de sus herramientas. Específicamente, estos tipos de actividades incluyen soporte y recomendaciones relacionadas con configuraciones </a:t>
+              <a:t> verificam se os clientes estão apresentando solidez técnica e aproveitando ao máximo sua adoção de ferramentas. Especificamente, essas atividades incluem suporte </a:t>
             </a:r>
             <a:br>
               <a:rPr lang="sk-SK" sz="1000" dirty="0">
@@ -12092,13 +11948,13 @@
               </a:rPr>
             </a:br>
             <a:r>
-              <a:rPr lang="es-ES" sz="1000" dirty="0">
+              <a:rPr lang="pt-BR" sz="1000" dirty="0">
                 <a:solidFill>
                   <a:srgbClr val="000000"/>
                 </a:solidFill>
                 <a:latin typeface="Adobe Clean Light" panose="020B0303020404020204" pitchFamily="34" charset="0"/>
               </a:rPr>
-              <a:t>de plataforma, integraciones y resolución de problemas.</a:t>
+              <a:t>e recomendações relacionados a configurações da plataforma, integrações e solução de problemas</a:t>
             </a:r>
           </a:p>
           <a:p>
@@ -12118,10 +11974,10 @@
               </a:spcBef>
             </a:pPr>
             <a:r>
-              <a:rPr lang="es-ES" sz="1000" dirty="0">
+              <a:rPr lang="pt-BR" sz="1000" dirty="0">
                 <a:latin typeface="Adobe Clean Light" charset="0"/>
               </a:rPr>
-              <a:t>Tipos de actividades técnicas disponibles:</a:t>
+              <a:t>Tipos de atividades técnicas disponíveis::</a:t>
             </a:r>
           </a:p>
           <a:p>
@@ -12136,8 +11992,8 @@
               <a:buChar char="ü"/>
             </a:pPr>
             <a:r>
-              <a:rPr lang="es-ES" sz="1000" dirty="0"/>
-              <a:t>Auditoría de estado</a:t>
+              <a:rPr lang="pt-BR" sz="1000" dirty="0"/>
+              <a:t>Auditoria de integridade</a:t>
             </a:r>
           </a:p>
           <a:p>
@@ -12152,8 +12008,8 @@
               <a:buChar char="ü"/>
             </a:pPr>
             <a:r>
-              <a:rPr lang="es-ES" sz="1000" dirty="0"/>
-              <a:t>Auditoría de plataforma</a:t>
+              <a:rPr lang="pt-BR" sz="1000" dirty="0"/>
+              <a:t>Auditoria da plataforma</a:t>
             </a:r>
           </a:p>
           <a:p>
@@ -12168,8 +12024,8 @@
               <a:buChar char="ü"/>
             </a:pPr>
             <a:r>
-              <a:rPr lang="es-ES" sz="1000" dirty="0"/>
-              <a:t>Habilitación del conjunto de funciones</a:t>
+              <a:rPr lang="pt-BR" sz="1000" dirty="0"/>
+              <a:t>Ativação do conjunto de recursos</a:t>
             </a:r>
           </a:p>
           <a:p>
@@ -12184,8 +12040,8 @@
               <a:buChar char="ü"/>
             </a:pPr>
             <a:r>
-              <a:rPr lang="es-ES" sz="1000" dirty="0"/>
-              <a:t>Integraciones y configuraciones básicas</a:t>
+              <a:rPr lang="pt-BR" sz="1000" dirty="0"/>
+              <a:t>Integrações e configurações básicas</a:t>
             </a:r>
           </a:p>
           <a:p>
@@ -12200,8 +12056,8 @@
               <a:buChar char="ü"/>
             </a:pPr>
             <a:r>
-              <a:rPr lang="es-ES" sz="1000" dirty="0"/>
-              <a:t>Solución de problemas del cliente</a:t>
+              <a:rPr lang="pt-BR" sz="1000" dirty="0"/>
+              <a:t>Solução de problemas do cliente</a:t>
             </a:r>
           </a:p>
           <a:p>
@@ -12216,8 +12072,8 @@
               <a:buChar char="ü"/>
             </a:pPr>
             <a:r>
-              <a:rPr lang="es-ES" sz="1000" dirty="0"/>
-              <a:t>Soporte del servicio en la nube</a:t>
+              <a:rPr lang="pt-BR" sz="1000" dirty="0"/>
+              <a:t>Suporte ao serviço na nuvem</a:t>
             </a:r>
           </a:p>
         </p:txBody>
@@ -12237,7 +12093,7 @@
         <p:spPr>
           <a:xfrm>
             <a:off x="3851397" y="7249456"/>
-            <a:ext cx="3680209" cy="2054409"/>
+            <a:ext cx="3525469" cy="2054409"/>
           </a:xfrm>
           <a:prstGeom prst="rect">
             <a:avLst/>
@@ -12255,22 +12111,56 @@
               </a:spcBef>
             </a:pPr>
             <a:r>
-              <a:rPr lang="es-ES" sz="1000" b="1" dirty="0">
+              <a:rPr lang="pt-BR" sz="1000" b="1" dirty="0">
                 <a:solidFill>
                   <a:srgbClr val="000000"/>
                 </a:solidFill>
                 <a:latin typeface="+mj-lt"/>
               </a:rPr>
-              <a:t>Las actividades de seguimiento estratégicas</a:t>
-            </a:r>
-            <a:r>
-              <a:rPr lang="es-ES" sz="1000" dirty="0">
+              <a:t>As Atividades estratégicas</a:t>
+            </a:r>
+            <a:r>
+              <a:rPr lang="pt-BR" sz="1000" dirty="0">
                 <a:solidFill>
                   <a:srgbClr val="000000"/>
                 </a:solidFill>
                 <a:latin typeface="Adobe Clean Light" panose="020B0303020404020204" pitchFamily="34" charset="0"/>
               </a:rPr>
-              <a:t> localizan oportunidades para garantizar que las soluciones de Adobe de un cliente estén obteniendo valor. Incluyen recomendaciones de soporte relacionadas con la estrategia, la medición y la madurez para impulsar la realización de valor en una o más soluciones de Adobe.</a:t>
+              <a:t> localizam oportunidades para garantir a obtenção de valor com as soluções da Adobe. Elas incluem recomendações de suporte relacionadas a estratégia, medição </a:t>
+            </a:r>
+            <a:br>
+              <a:rPr lang="sk-SK" sz="1000" dirty="0">
+                <a:solidFill>
+                  <a:srgbClr val="000000"/>
+                </a:solidFill>
+                <a:latin typeface="Adobe Clean Light" panose="020B0303020404020204" pitchFamily="34" charset="0"/>
+              </a:rPr>
+            </a:br>
+            <a:r>
+              <a:rPr lang="pt-BR" sz="1000" dirty="0">
+                <a:solidFill>
+                  <a:srgbClr val="000000"/>
+                </a:solidFill>
+                <a:latin typeface="Adobe Clean Light" panose="020B0303020404020204" pitchFamily="34" charset="0"/>
+              </a:rPr>
+              <a:t>e maturidade para impulsionar a obtenção de valor com uma </a:t>
+            </a:r>
+            <a:br>
+              <a:rPr lang="sk-SK" sz="1000" dirty="0">
+                <a:solidFill>
+                  <a:srgbClr val="000000"/>
+                </a:solidFill>
+                <a:latin typeface="Adobe Clean Light" panose="020B0303020404020204" pitchFamily="34" charset="0"/>
+              </a:rPr>
+            </a:br>
+            <a:r>
+              <a:rPr lang="pt-BR" sz="1000" dirty="0">
+                <a:solidFill>
+                  <a:srgbClr val="000000"/>
+                </a:solidFill>
+                <a:latin typeface="Adobe Clean Light" panose="020B0303020404020204" pitchFamily="34" charset="0"/>
+              </a:rPr>
+              <a:t>ou mais soluções da Adobe.</a:t>
             </a:r>
           </a:p>
           <a:p>
@@ -12290,10 +12180,10 @@
               </a:spcBef>
             </a:pPr>
             <a:r>
-              <a:rPr lang="es-ES" sz="1000" dirty="0">
+              <a:rPr lang="pt-BR" sz="1000" dirty="0">
                 <a:latin typeface="Adobe Clean Light" charset="0"/>
               </a:rPr>
-              <a:t>Tipos de actividades estratégicas disponibles:</a:t>
+              <a:t>Tipos de atividades estratégicas disponíveis::</a:t>
             </a:r>
           </a:p>
           <a:p>
@@ -12308,8 +12198,8 @@
               <a:buChar char="ü"/>
             </a:pPr>
             <a:r>
-              <a:rPr lang="es-ES" sz="1000" dirty="0"/>
-              <a:t>Plan de madurez</a:t>
+              <a:rPr lang="pt-BR" sz="1000" dirty="0"/>
+              <a:t>Roteiro de maturidade</a:t>
             </a:r>
           </a:p>
           <a:p>
@@ -12324,8 +12214,8 @@
               <a:buChar char="ü"/>
             </a:pPr>
             <a:r>
-              <a:rPr lang="es-ES" sz="1000" dirty="0"/>
-              <a:t>Medición y desarrollo de casos de uso</a:t>
+              <a:rPr lang="pt-BR" sz="1000" dirty="0"/>
+              <a:t>Desenvolvimento/medição de caso de uso</a:t>
             </a:r>
           </a:p>
           <a:p>
@@ -12340,8 +12230,8 @@
               <a:buChar char="ü"/>
             </a:pPr>
             <a:r>
-              <a:rPr lang="es-ES" sz="1000" dirty="0"/>
-              <a:t>Informes y análisis</a:t>
+              <a:rPr lang="pt-BR" sz="1000" dirty="0"/>
+              <a:t>Relatórios e análise</a:t>
             </a:r>
           </a:p>
           <a:p>
@@ -12356,8 +12246,8 @@
               <a:buChar char="ü"/>
             </a:pPr>
             <a:r>
-              <a:rPr lang="es-ES" sz="1000" dirty="0"/>
-              <a:t>Habilitación de prácticas recomendadas</a:t>
+              <a:rPr lang="pt-BR" sz="1000" dirty="0"/>
+              <a:t>Ativação de práticas recomendadas</a:t>
             </a:r>
           </a:p>
         </p:txBody>
@@ -12376,8 +12266,8 @@
         </p:nvSpPr>
         <p:spPr>
           <a:xfrm>
-            <a:off x="3851397" y="3541141"/>
-            <a:ext cx="3525468" cy="430887"/>
+            <a:off x="3851397" y="3891661"/>
+            <a:ext cx="3525468" cy="584775"/>
           </a:xfrm>
           <a:prstGeom prst="rect">
             <a:avLst/>
@@ -12396,77 +12286,77 @@
               </a:spcBef>
             </a:pPr>
             <a:r>
-              <a:rPr lang="es-ES" sz="1000">
+              <a:rPr lang="pt-BR" sz="1000" dirty="0">
                 <a:solidFill>
                   <a:srgbClr val="1F1F1F"/>
                 </a:solidFill>
                 <a:latin typeface="Adobe Clean" panose="020B0503020404020204" pitchFamily="34" charset="0"/>
                 <a:cs typeface="AdobeClean-Light"/>
               </a:rPr>
-              <a:t>Como cliente Enterprise, puede optar a</a:t>
-            </a:r>
-            <a:r>
-              <a:rPr lang="es-ES" sz="1200" b="1" u="sng">
+              <a:t>Como cliente Enterprise, você tem direito a </a:t>
+            </a:r>
+            <a:r>
+              <a:rPr lang="pt-BR" sz="1200" b="1" u="sng" dirty="0">
                 <a:solidFill>
                   <a:srgbClr val="1F1F1F"/>
                 </a:solidFill>
                 <a:latin typeface="Adobe Clean" panose="020B0503020404020204" pitchFamily="34" charset="0"/>
                 <a:cs typeface="AdobeClean-Light"/>
               </a:rPr>
-              <a:t> 2 </a:t>
-            </a:r>
-            <a:r>
-              <a:rPr lang="es-ES" sz="1000" b="1" u="sng">
+              <a:t>2</a:t>
+            </a:r>
+            <a:r>
+              <a:rPr lang="pt-BR" sz="1000" b="1" u="sng" dirty="0">
                 <a:solidFill>
                   <a:srgbClr val="1F1F1F"/>
                 </a:solidFill>
                 <a:latin typeface="Adobe Clean" panose="020B0503020404020204" pitchFamily="34" charset="0"/>
                 <a:cs typeface="AdobeClean-Light"/>
               </a:rPr>
-              <a:t>actividades al año</a:t>
-            </a:r>
-            <a:r>
-              <a:rPr lang="es-ES" sz="1000">
+              <a:t> atividades por ano</a:t>
+            </a:r>
+            <a:r>
+              <a:rPr lang="pt-BR" sz="1000" dirty="0">
                 <a:solidFill>
                   <a:srgbClr val="1F1F1F"/>
                 </a:solidFill>
                 <a:latin typeface="Adobe Clean" panose="020B0503020404020204" pitchFamily="34" charset="0"/>
                 <a:cs typeface="AdobeClean-Light"/>
               </a:rPr>
-              <a:t>en los dos ámbitos siguientes:</a:t>
-            </a:r>
-            <a:r>
-              <a:rPr lang="es-ES" sz="1000" b="1">
+              <a:t> entre as opções a seguir:</a:t>
+            </a:r>
+            <a:r>
+              <a:rPr lang="pt-BR" sz="1000" b="1" dirty="0">
                 <a:solidFill>
                   <a:srgbClr val="1F1F1F"/>
                 </a:solidFill>
                 <a:latin typeface="Adobe Clean" panose="020B0503020404020204" pitchFamily="34" charset="0"/>
                 <a:cs typeface="AdobeClean-Light"/>
               </a:rPr>
-              <a:t> Técnico</a:t>
-            </a:r>
-            <a:r>
-              <a:rPr lang="es-ES" sz="1000">
+              <a:t> Atividades técnicas </a:t>
+            </a:r>
+            <a:r>
+              <a:rPr lang="pt-BR" sz="1000" dirty="0">
                 <a:solidFill>
                   <a:srgbClr val="1F1F1F"/>
                 </a:solidFill>
                 <a:latin typeface="Adobe Clean" panose="020B0503020404020204" pitchFamily="34" charset="0"/>
                 <a:cs typeface="AdobeClean-Light"/>
               </a:rPr>
-              <a:t> o </a:t>
-            </a:r>
-            <a:r>
-              <a:rPr lang="es-ES" sz="1000" b="1">
+              <a:t>e/ou </a:t>
+            </a:r>
+            <a:r>
+              <a:rPr lang="pt-BR" sz="1000" b="1" dirty="0">
                 <a:solidFill>
                   <a:srgbClr val="1F1F1F"/>
                 </a:solidFill>
                 <a:latin typeface="Adobe Clean" panose="020B0503020404020204" pitchFamily="34" charset="0"/>
                 <a:cs typeface="AdobeClean-Light"/>
               </a:rPr>
-              <a:t>Estratégico</a:t>
-            </a:r>
-            <a:r>
-              <a:rPr lang="es-ES" sz="1000">
+              <a:t>Atividades estratégicas</a:t>
+            </a:r>
+            <a:r>
+              <a:rPr lang="pt-BR" sz="1000" dirty="0">
                 <a:solidFill>
                   <a:srgbClr val="1F1F1F"/>
                 </a:solidFill>
@@ -12492,7 +12382,7 @@
         </p:nvSpPr>
         <p:spPr>
           <a:xfrm>
-            <a:off x="2236134" y="2157114"/>
+            <a:off x="2236134" y="2317134"/>
             <a:ext cx="826006" cy="261610"/>
           </a:xfrm>
           <a:prstGeom prst="rect">
@@ -12508,8 +12398,8 @@
           <a:p>
             <a:pPr algn="ctr"/>
             <a:r>
-              <a:rPr lang="es-ES" sz="1100" dirty="0"/>
-              <a:t>Puesta en marcha</a:t>
+              <a:rPr lang="pt-BR" sz="1100"/>
+              <a:t>Lançamento</a:t>
             </a:r>
           </a:p>
         </p:txBody>
@@ -12544,8 +12434,8 @@
           <a:p>
             <a:pPr algn="ctr"/>
             <a:r>
-              <a:rPr lang="es-ES" sz="1100"/>
-              <a:t>Definir</a:t>
+              <a:rPr lang="pt-BR" sz="1100"/>
+              <a:t>Definição</a:t>
             </a:r>
           </a:p>
         </p:txBody>
@@ -12580,8 +12470,8 @@
           <a:p>
             <a:pPr algn="ctr"/>
             <a:r>
-              <a:rPr lang="es-ES" sz="1100"/>
-              <a:t>Empezar</a:t>
+              <a:rPr lang="pt-BR" sz="1100"/>
+              <a:t>Início</a:t>
             </a:r>
           </a:p>
         </p:txBody>
@@ -12616,8 +12506,8 @@
           <a:p>
             <a:pPr algn="ctr"/>
             <a:r>
-              <a:rPr lang="es-ES" sz="1100"/>
-              <a:t>Diseñar</a:t>
+              <a:rPr lang="pt-BR" sz="1100"/>
+              <a:t>Projeto</a:t>
             </a:r>
           </a:p>
         </p:txBody>
@@ -12674,14 +12564,14 @@
           <a:p>
             <a:pPr algn="ctr"/>
             <a:r>
-              <a:rPr lang="es-ES">
+              <a:rPr lang="pt-BR">
                 <a:solidFill>
                   <a:schemeClr val="accent1">
                     <a:lumMod val="50000"/>
                   </a:schemeClr>
                 </a:solidFill>
               </a:rPr>
-              <a:t>2 actividades al año</a:t>
+              <a:t>2 atividades por ano</a:t>
             </a:r>
           </a:p>
         </p:txBody>
@@ -12743,7 +12633,7 @@
               </a:lnSpc>
             </a:pPr>
             <a:r>
-              <a:rPr lang="es-ES" sz="500">
+              <a:rPr lang="pt-BR" sz="500">
                 <a:solidFill>
                   <a:srgbClr val="6C6C6C"/>
                 </a:solidFill>
@@ -12777,7 +12667,7 @@
               </a:spcBef>
             </a:pPr>
             <a:r>
-              <a:rPr lang="es-ES" sz="800">
+              <a:rPr lang="pt-BR" sz="800">
                 <a:solidFill>
                   <a:srgbClr val="6D6D6D"/>
                 </a:solidFill>
@@ -12869,7 +12759,7 @@
               </a:spcBef>
             </a:pPr>
             <a:r>
-              <a:rPr lang="es-ES" sz="1400" b="1">
+              <a:rPr lang="pt-BR" sz="1400" b="1">
                 <a:solidFill>
                   <a:srgbClr val="020302"/>
                 </a:solidFill>
@@ -12911,7 +12801,7 @@
               </a:spcBef>
             </a:pPr>
             <a:r>
-              <a:rPr lang="es-ES" sz="800">
+              <a:rPr lang="pt-BR" sz="800">
                 <a:solidFill>
                   <a:srgbClr val="777879"/>
                 </a:solidFill>
@@ -12928,7 +12818,7 @@
               </a:lnSpc>
             </a:pPr>
             <a:r>
-              <a:rPr lang="es-ES" sz="800">
+              <a:rPr lang="pt-BR" sz="800">
                 <a:solidFill>
                   <a:srgbClr val="777879"/>
                 </a:solidFill>
@@ -12945,14 +12835,14 @@
               </a:lnSpc>
             </a:pPr>
             <a:r>
-              <a:rPr lang="es-ES" sz="800">
+              <a:rPr lang="pt-BR" sz="800">
                 <a:solidFill>
                   <a:srgbClr val="777879"/>
                 </a:solidFill>
                 <a:latin typeface="Adobe Clean"/>
                 <a:cs typeface="Adobe Clean"/>
               </a:rPr>
-              <a:t>San José, CA95110-2704</a:t>
+              <a:t>San Jose, CA95110-2704</a:t>
             </a:r>
           </a:p>
           <a:p>
@@ -12965,14 +12855,14 @@
               </a:spcBef>
             </a:pPr>
             <a:r>
-              <a:rPr lang="es-ES" sz="800">
+              <a:rPr lang="pt-BR" sz="800">
                 <a:solidFill>
                   <a:srgbClr val="777879"/>
                 </a:solidFill>
                 <a:latin typeface="Adobe Clean"/>
                 <a:cs typeface="Adobe Clean"/>
               </a:rPr>
-              <a:t>EE. UU.</a:t>
+              <a:t>USA</a:t>
             </a:r>
           </a:p>
           <a:p>
@@ -12985,7 +12875,7 @@
               </a:spcBef>
             </a:pPr>
             <a:r>
-              <a:rPr lang="es-ES" sz="800" u="sng">
+              <a:rPr lang="pt-BR" sz="800" u="sng">
                 <a:solidFill>
                   <a:srgbClr val="5F5F5F"/>
                 </a:solidFill>
@@ -13153,7 +13043,7 @@
         <p:spPr>
           <a:xfrm>
             <a:off x="75947" y="9437110"/>
-            <a:ext cx="5466715" cy="570865"/>
+            <a:ext cx="5610478" cy="570865"/>
           </a:xfrm>
           <a:prstGeom prst="rect">
             <a:avLst/>
@@ -13174,73 +13064,14 @@
               </a:spcBef>
             </a:pPr>
             <a:r>
-              <a:rPr lang="es-ES" sz="1100" i="1" dirty="0">
+              <a:rPr lang="pt-BR" sz="1100" i="1" dirty="0">
                 <a:solidFill>
                   <a:srgbClr val="777879"/>
                 </a:solidFill>
                 <a:latin typeface="AdobeClean-LightIt"/>
                 <a:cs typeface="AdobeClean-LightIt"/>
               </a:rPr>
-              <a:t>Para saber más sobre las ofertas de asistencia de Adobe y el nivel adecuado para usted, póngase </a:t>
-            </a:r>
-            <a:br>
-              <a:rPr lang="sk-SK" sz="1100" i="1" dirty="0">
-                <a:solidFill>
-                  <a:srgbClr val="777879"/>
-                </a:solidFill>
-                <a:latin typeface="AdobeClean-LightIt"/>
-                <a:cs typeface="AdobeClean-LightIt"/>
-              </a:rPr>
-            </a:br>
-            <a:r>
-              <a:rPr lang="es-ES" sz="1100" i="1" dirty="0">
-                <a:solidFill>
-                  <a:srgbClr val="777879"/>
-                </a:solidFill>
-                <a:latin typeface="AdobeClean-LightIt"/>
-                <a:cs typeface="AdobeClean-LightIt"/>
-              </a:rPr>
-              <a:t>en contacto con su administrador de cuentas (NAM) o con su </a:t>
-            </a:r>
-            <a:r>
-              <a:rPr lang="es-ES" sz="1100" i="1" dirty="0" err="1">
-                <a:solidFill>
-                  <a:srgbClr val="777879"/>
-                </a:solidFill>
-                <a:latin typeface="AdobeClean-LightIt"/>
-                <a:cs typeface="AdobeClean-LightIt"/>
-              </a:rPr>
-              <a:t>Customer</a:t>
-            </a:r>
-            <a:r>
-              <a:rPr lang="es-ES" sz="1100" i="1" dirty="0">
-                <a:solidFill>
-                  <a:srgbClr val="777879"/>
-                </a:solidFill>
-                <a:latin typeface="AdobeClean-LightIt"/>
-                <a:cs typeface="AdobeClean-LightIt"/>
-              </a:rPr>
-              <a:t> </a:t>
-            </a:r>
-            <a:r>
-              <a:rPr lang="es-ES" sz="1100" i="1" dirty="0" err="1">
-                <a:solidFill>
-                  <a:srgbClr val="777879"/>
-                </a:solidFill>
-                <a:latin typeface="AdobeClean-LightIt"/>
-                <a:cs typeface="AdobeClean-LightIt"/>
-              </a:rPr>
-              <a:t>Success</a:t>
-            </a:r>
-            <a:r>
-              <a:rPr lang="es-ES" sz="1100" i="1" dirty="0">
-                <a:solidFill>
-                  <a:srgbClr val="777879"/>
-                </a:solidFill>
-                <a:latin typeface="AdobeClean-LightIt"/>
-                <a:cs typeface="AdobeClean-LightIt"/>
-              </a:rPr>
-              <a:t> Manager (CSM)</a:t>
+              <a:t>Para saber mais sobre os Serviços de suporte Adobe e identificar o nível certo para você, entre em contato com o seu Gerente de conta nomeado (NAM, em inglês) ou Gerente de sucesso do cliente (CSM, em inglês).</a:t>
             </a:r>
           </a:p>
           <a:p>
@@ -13253,94 +13084,14 @@
               </a:spcBef>
             </a:pPr>
             <a:r>
-              <a:rPr lang="es-ES" sz="800" dirty="0">
+              <a:rPr lang="pt-BR" sz="800" dirty="0">
                 <a:solidFill>
                   <a:srgbClr val="6D6D6D"/>
                 </a:solidFill>
                 <a:latin typeface="Adobe Clean"/>
                 <a:cs typeface="Adobe Clean"/>
               </a:rPr>
-              <a:t>©2021 Adobe. </a:t>
-            </a:r>
-            <a:r>
-              <a:rPr lang="es-ES" sz="800" dirty="0" err="1">
-                <a:solidFill>
-                  <a:srgbClr val="6D6D6D"/>
-                </a:solidFill>
-                <a:latin typeface="Adobe Clean"/>
-                <a:cs typeface="Adobe Clean"/>
-              </a:rPr>
-              <a:t>All</a:t>
-            </a:r>
-            <a:r>
-              <a:rPr lang="es-ES" sz="800" dirty="0">
-                <a:solidFill>
-                  <a:srgbClr val="6D6D6D"/>
-                </a:solidFill>
-                <a:latin typeface="Adobe Clean"/>
-                <a:cs typeface="Adobe Clean"/>
-              </a:rPr>
-              <a:t> </a:t>
-            </a:r>
-            <a:r>
-              <a:rPr lang="es-ES" sz="800" dirty="0" err="1">
-                <a:solidFill>
-                  <a:srgbClr val="6D6D6D"/>
-                </a:solidFill>
-                <a:latin typeface="Adobe Clean"/>
-                <a:cs typeface="Adobe Clean"/>
-              </a:rPr>
-              <a:t>Rights</a:t>
-            </a:r>
-            <a:r>
-              <a:rPr lang="es-ES" sz="800" dirty="0">
-                <a:solidFill>
-                  <a:srgbClr val="6D6D6D"/>
-                </a:solidFill>
-                <a:latin typeface="Adobe Clean"/>
-                <a:cs typeface="Adobe Clean"/>
-              </a:rPr>
-              <a:t> </a:t>
-            </a:r>
-            <a:r>
-              <a:rPr lang="es-ES" sz="800" dirty="0" err="1">
-                <a:solidFill>
-                  <a:srgbClr val="6D6D6D"/>
-                </a:solidFill>
-                <a:latin typeface="Adobe Clean"/>
-                <a:cs typeface="Adobe Clean"/>
-              </a:rPr>
-              <a:t>Reserved</a:t>
-            </a:r>
-            <a:r>
-              <a:rPr lang="es-ES" sz="800" dirty="0">
-                <a:solidFill>
-                  <a:srgbClr val="6D6D6D"/>
-                </a:solidFill>
-                <a:latin typeface="Adobe Clean"/>
-                <a:cs typeface="Adobe Clean"/>
-              </a:rPr>
-              <a:t>. Adobe </a:t>
-            </a:r>
-            <a:r>
-              <a:rPr lang="es-ES" sz="800" dirty="0" err="1">
-                <a:solidFill>
-                  <a:srgbClr val="6D6D6D"/>
-                </a:solidFill>
-                <a:latin typeface="Adobe Clean"/>
-                <a:cs typeface="Adobe Clean"/>
-              </a:rPr>
-              <a:t>Confidential</a:t>
-            </a:r>
-            <a:r>
-              <a:rPr lang="es-ES" sz="800" dirty="0">
-                <a:solidFill>
-                  <a:srgbClr val="6D6D6D"/>
-                </a:solidFill>
-                <a:latin typeface="Adobe Clean"/>
-                <a:cs typeface="Adobe Clean"/>
-              </a:rPr>
-              <a:t>.</a:t>
+              <a:t>©2021 Adobe. All Rights Reserved. Adobe Confidential.</a:t>
             </a:r>
           </a:p>
         </p:txBody>
@@ -13359,8 +13110,8 @@
         </p:nvSpPr>
         <p:spPr>
           <a:xfrm>
-            <a:off x="190706" y="4913781"/>
-            <a:ext cx="7193073" cy="755976"/>
+            <a:off x="190707" y="4913781"/>
+            <a:ext cx="6476646" cy="755976"/>
           </a:xfrm>
           <a:prstGeom prst="rect">
             <a:avLst/>
@@ -13378,14 +13129,14 @@
               </a:spcBef>
             </a:pPr>
             <a:r>
-              <a:rPr lang="es-ES" sz="1400" b="1" dirty="0">
+              <a:rPr lang="pt-BR" sz="1400" b="1" dirty="0">
                 <a:solidFill>
                   <a:srgbClr val="020302"/>
                 </a:solidFill>
                 <a:latin typeface="Adobe Clean"/>
                 <a:cs typeface="Adobe Clean"/>
               </a:rPr>
-              <a:t>Alcance regional del Soporte de Adobe, horas locales de trabajo y compatibilidad de idioma</a:t>
+              <a:t>Escopo regional do Suporte da Adobe, horário local de operação e suporte de idioma</a:t>
             </a:r>
           </a:p>
           <a:p>
@@ -13395,13 +13146,13 @@
               </a:spcBef>
             </a:pPr>
             <a:r>
-              <a:rPr lang="es-ES" sz="1000" dirty="0">
+              <a:rPr lang="pt-BR" sz="1000" dirty="0">
                 <a:solidFill>
                   <a:srgbClr val="1F1F1F"/>
                 </a:solidFill>
                 <a:latin typeface="AdobeClean-Light"/>
               </a:rPr>
-              <a:t>El alcance regional del Soporte de Adobe se establece asignando la dirección de facturación del cliente (mediante la orden de venta </a:t>
+              <a:t>O escopo regional do Suporte da Adobe é estabelecido alinhando o endereço de faturamento do cliente (conforme a ordem </a:t>
             </a:r>
             <a:br>
               <a:rPr lang="sk-SK" sz="1000" dirty="0">
@@ -13412,13 +13163,13 @@
               </a:rPr>
             </a:br>
             <a:r>
-              <a:rPr lang="es-ES" sz="1000" dirty="0">
+              <a:rPr lang="pt-BR" sz="1000" dirty="0">
                 <a:solidFill>
                   <a:srgbClr val="1F1F1F"/>
                 </a:solidFill>
                 <a:latin typeface="AdobeClean-Light"/>
               </a:rPr>
-              <a:t>o el documento de compra de Soporte de Adobe) con una de estas regiones:</a:t>
+              <a:t>de venda ou outro documento de compra do Suporte da Adobe) a uma das regiões seguintes:</a:t>
             </a:r>
           </a:p>
         </p:txBody>
@@ -13438,7 +13189,7 @@
           <p:nvPr>
             <p:extLst>
               <p:ext uri="{D42A27DB-BD31-4B8C-83A1-F6EECF244321}">
-                <p14:modId xmlns:p14="http://schemas.microsoft.com/office/powerpoint/2010/main" val="3147843710"/>
+                <p14:modId xmlns:p14="http://schemas.microsoft.com/office/powerpoint/2010/main" val="1291534283"/>
               </p:ext>
             </p:extLst>
           </p:nvPr>
@@ -13491,13 +13242,13 @@
                     <a:p>
                       <a:pPr algn="ctr"/>
                       <a:r>
-                        <a:rPr lang="es-ES" sz="1100">
+                        <a:rPr lang="pt-BR" sz="1100">
                           <a:solidFill>
                             <a:schemeClr val="tx1"/>
                           </a:solidFill>
                           <a:latin typeface="Adobe Clean"/>
                         </a:rPr>
-                        <a:t>América</a:t>
+                        <a:t>Américas</a:t>
                       </a:r>
                     </a:p>
                   </a:txBody>
@@ -13556,30 +13307,13 @@
                     <a:p>
                       <a:pPr algn="ctr"/>
                       <a:r>
-                        <a:rPr lang="es-ES" sz="1100" dirty="0">
+                        <a:rPr lang="pt-BR" sz="1100">
                           <a:solidFill>
                             <a:schemeClr val="tx1"/>
                           </a:solidFill>
                           <a:latin typeface="Adobe Clean"/>
                         </a:rPr>
-                        <a:t>Europa, Oriente Medio </a:t>
-                      </a:r>
-                      <a:br>
-                        <a:rPr lang="sk-SK" sz="1100" dirty="0">
-                          <a:solidFill>
-                            <a:schemeClr val="tx1"/>
-                          </a:solidFill>
-                          <a:latin typeface="Adobe Clean"/>
-                        </a:rPr>
-                      </a:br>
-                      <a:r>
-                        <a:rPr lang="es-ES" sz="1100" dirty="0">
-                          <a:solidFill>
-                            <a:schemeClr val="tx1"/>
-                          </a:solidFill>
-                          <a:latin typeface="Adobe Clean"/>
-                        </a:rPr>
-                        <a:t>y África</a:t>
+                        <a:t>Europa, Oriente Médio e África</a:t>
                       </a:r>
                     </a:p>
                   </a:txBody>
@@ -13638,13 +13372,13 @@
                     <a:p>
                       <a:pPr algn="ctr"/>
                       <a:r>
-                        <a:rPr lang="es-ES" sz="1100">
+                        <a:rPr lang="pt-BR" sz="1100">
                           <a:solidFill>
                             <a:schemeClr val="tx1"/>
                           </a:solidFill>
                           <a:latin typeface="Adobe Clean"/>
                         </a:rPr>
-                        <a:t>Asia-Pacífico</a:t>
+                        <a:t>Ásia–Pacífico</a:t>
                       </a:r>
                     </a:p>
                   </a:txBody>
@@ -13703,16 +13437,16 @@
                     <a:p>
                       <a:pPr algn="ctr"/>
                       <a:r>
-                        <a:rPr lang="es-ES" sz="1100">
+                        <a:rPr lang="pt-BR" sz="1100">
                           <a:solidFill>
                             <a:schemeClr val="tx1"/>
                           </a:solidFill>
                           <a:latin typeface="Adobe Clean"/>
                         </a:rPr>
-                        <a:t>Japón </a:t>
+                        <a:t>Japão</a:t>
                       </a:r>
                       <a:r>
-                        <a:rPr lang="es-ES" sz="1100" baseline="30000">
+                        <a:rPr lang="pt-BR" sz="1100" baseline="30000">
                           <a:solidFill>
                             <a:schemeClr val="tx1"/>
                           </a:solidFill>
@@ -13784,13 +13518,13 @@
                     <a:p>
                       <a:pPr algn="ctr"/>
                       <a:r>
-                        <a:rPr lang="es-ES" sz="1100">
+                        <a:rPr lang="pt-BR" sz="1100">
                           <a:solidFill>
                             <a:schemeClr val="tx1"/>
                           </a:solidFill>
                           <a:latin typeface="Adobe Clean"/>
                         </a:rPr>
-                        <a:t>06:00 h - 17:30 h</a:t>
+                        <a:t>6h – 17h30</a:t>
                       </a:r>
                     </a:p>
                   </a:txBody>
@@ -13849,13 +13583,13 @@
                     <a:p>
                       <a:pPr algn="ctr"/>
                       <a:r>
-                        <a:rPr lang="es-ES" sz="1100">
+                        <a:rPr lang="pt-BR" sz="1100">
                           <a:solidFill>
                             <a:schemeClr val="tx1"/>
                           </a:solidFill>
                           <a:latin typeface="Adobe Clean"/>
                         </a:rPr>
-                        <a:t>09:00 h - 17:00 h</a:t>
+                        <a:t>9h – 17h</a:t>
                       </a:r>
                     </a:p>
                   </a:txBody>
@@ -13914,13 +13648,13 @@
                     <a:p>
                       <a:pPr algn="ctr"/>
                       <a:r>
-                        <a:rPr lang="es-ES" sz="1100">
+                        <a:rPr lang="pt-BR" sz="1100">
                           <a:solidFill>
                             <a:schemeClr val="tx1"/>
                           </a:solidFill>
                           <a:latin typeface="Adobe Clean"/>
                         </a:rPr>
-                        <a:t>09:00 h - 17:00 h</a:t>
+                        <a:t>9h – 17h</a:t>
                       </a:r>
                     </a:p>
                   </a:txBody>
@@ -13979,13 +13713,13 @@
                     <a:p>
                       <a:pPr algn="ctr"/>
                       <a:r>
-                        <a:rPr lang="es-ES" sz="1100">
+                        <a:rPr lang="pt-BR" sz="1100">
                           <a:solidFill>
                             <a:schemeClr val="tx1"/>
                           </a:solidFill>
                           <a:latin typeface="Adobe Clean"/>
                         </a:rPr>
-                        <a:t>09:00 h - 17:30 h</a:t>
+                        <a:t>9h – 17h30</a:t>
                       </a:r>
                     </a:p>
                   </a:txBody>
@@ -14062,8 +13796,8 @@
                         <a:buNone/>
                       </a:pPr>
                       <a:r>
-                        <a:rPr lang="es-ES" sz="1100" b="0" i="0" u="none" strike="noStrike" noProof="0" dirty="0"/>
-                        <a:t>Compatibilidad de idioma solo disponible en inglés y japonés</a:t>
+                        <a:rPr lang="pt-BR" sz="1100" b="0" i="0" u="none" strike="noStrike" noProof="0"/>
+                        <a:t>O suporte de idioma está disponível somente em inglês e japonês.</a:t>
                       </a:r>
                     </a:p>
                     <a:p>
@@ -14079,7 +13813,7 @@
                         </a:spcAft>
                         <a:buNone/>
                       </a:pPr>
-                      <a:endParaRPr lang="en-US" sz="1100" b="0" i="0" u="none" strike="noStrike" noProof="0" dirty="0"/>
+                      <a:endParaRPr lang="en-US" sz="1100" b="0" i="0" u="none" strike="noStrike" noProof="0"/>
                     </a:p>
                     <a:p>
                       <a:pPr lvl="0" algn="ctr">
@@ -14095,16 +13829,16 @@
                         <a:buNone/>
                       </a:pPr>
                       <a:r>
-                        <a:rPr lang="es-ES" sz="1100" b="0" i="0" u="none" strike="noStrike" noProof="0" dirty="0"/>
+                        <a:rPr lang="pt-BR" sz="1100" b="0" i="0" u="none" strike="noStrike" noProof="0"/>
                         <a:t> </a:t>
                       </a:r>
                       <a:r>
-                        <a:rPr lang="es-ES" sz="1100" b="0" i="0" u="none" strike="noStrike" baseline="30000" noProof="0" dirty="0"/>
-                        <a:t>1 </a:t>
+                        <a:rPr lang="pt-BR" sz="1100" b="0" i="0" u="none" strike="noStrike" baseline="30000" noProof="0"/>
+                        <a:t>1</a:t>
                       </a:r>
                       <a:r>
-                        <a:rPr lang="es-ES" sz="1100" b="0" i="0" u="none" strike="noStrike" noProof="0" dirty="0"/>
-                        <a:t>Los casos de P2, P3, P4 se limitan únicamente al horario laboral en Japón.</a:t>
+                        <a:rPr lang="pt-BR" sz="1100" b="0" i="0" u="none" strike="noStrike" noProof="0"/>
+                        <a:t>Os casos de prioridade P2, P3 e P4 estão limitados ao horário comercial somente no Japão.</a:t>
                       </a:r>
                     </a:p>
                   </a:txBody>
@@ -14447,7 +14181,7 @@
         </p:nvSpPr>
         <p:spPr>
           <a:xfrm>
-            <a:off x="2833251" y="8528519"/>
+            <a:off x="2840871" y="8528519"/>
             <a:ext cx="810895" cy="385445"/>
           </a:xfrm>
           <a:prstGeom prst="rect">
@@ -14469,14 +14203,14 @@
               </a:spcBef>
             </a:pPr>
             <a:r>
-              <a:rPr lang="es-ES" sz="1200" b="1" dirty="0">
+              <a:rPr lang="pt-BR" sz="1200" b="1" dirty="0">
                 <a:solidFill>
                   <a:srgbClr val="FFFFFF"/>
                 </a:solidFill>
                 <a:latin typeface="Adobe Clean"/>
                 <a:cs typeface="Adobe Clean"/>
               </a:rPr>
-              <a:t>Experiencia sin igual</a:t>
+              <a:t>Experiência sem igual</a:t>
             </a:r>
           </a:p>
         </p:txBody>
@@ -14495,7 +14229,7 @@
         </p:nvSpPr>
         <p:spPr>
           <a:xfrm>
-            <a:off x="4671535" y="8541244"/>
+            <a:off x="4703920" y="8541244"/>
             <a:ext cx="810895" cy="382797"/>
           </a:xfrm>
           <a:prstGeom prst="rect">
@@ -14517,14 +14251,14 @@
               </a:spcBef>
             </a:pPr>
             <a:r>
-              <a:rPr lang="es-ES" sz="1200" b="1" dirty="0">
+              <a:rPr lang="pt-BR" sz="1200" b="1" dirty="0">
                 <a:solidFill>
                   <a:srgbClr val="FFFFFF"/>
                 </a:solidFill>
                 <a:latin typeface="Adobe Clean"/>
                 <a:cs typeface="Adobe Clean"/>
               </a:rPr>
-              <a:t>Asistencia ágil</a:t>
+              <a:t>Suporte acelerado</a:t>
             </a:r>
           </a:p>
         </p:txBody>
@@ -14543,8 +14277,8 @@
         </p:nvSpPr>
         <p:spPr>
           <a:xfrm>
-            <a:off x="6494578" y="8543943"/>
-            <a:ext cx="759661" cy="382797"/>
+            <a:off x="6467475" y="8543943"/>
+            <a:ext cx="810895" cy="382797"/>
           </a:xfrm>
           <a:prstGeom prst="rect">
             <a:avLst/>
@@ -14556,7 +14290,7 @@
           </a:bodyPr>
           <a:lstStyle/>
           <a:p>
-            <a:pPr marL="50800" marR="5080" indent="-51435" algn="ctr">
+            <a:pPr marR="5080" algn="ctr">
               <a:lnSpc>
                 <a:spcPts val="1390"/>
               </a:lnSpc>
@@ -14565,14 +14299,14 @@
               </a:spcBef>
             </a:pPr>
             <a:r>
-              <a:rPr lang="es-ES" sz="1200" b="1" dirty="0">
+              <a:rPr lang="pt-BR" sz="1200" b="1" dirty="0">
                 <a:solidFill>
                   <a:srgbClr val="FFFFFF"/>
                 </a:solidFill>
                 <a:latin typeface="Adobe Clean"/>
                 <a:cs typeface="Adobe Clean"/>
               </a:rPr>
-              <a:t>Asesoría estratégica</a:t>
+              <a:t>Consultoria estratégica</a:t>
             </a:r>
           </a:p>
         </p:txBody>
@@ -14592,7 +14326,7 @@
           <p:nvPr>
             <p:extLst>
               <p:ext uri="{D42A27DB-BD31-4B8C-83A1-F6EECF244321}">
-                <p14:modId xmlns:p14="http://schemas.microsoft.com/office/powerpoint/2010/main" val="2537286833"/>
+                <p14:modId xmlns:p14="http://schemas.microsoft.com/office/powerpoint/2010/main" val="2826983050"/>
               </p:ext>
             </p:extLst>
           </p:nvPr>
@@ -14630,7 +14364,7 @@
                     <a:lstStyle/>
                     <a:p>
                       <a:r>
-                        <a:rPr lang="es-ES" sz="1100" b="0">
+                        <a:rPr lang="pt-BR" sz="1100" b="0">
                           <a:solidFill>
                             <a:schemeClr val="tx1"/>
                           </a:solidFill>
@@ -14714,7 +14448,7 @@
                         <a:defRPr/>
                       </a:pPr>
                       <a:r>
-                        <a:rPr lang="es-ES" sz="1000" b="0" dirty="0" err="1">
+                        <a:rPr lang="pt-BR" sz="1000" b="0" dirty="0">
                           <a:solidFill>
                             <a:srgbClr val="000000"/>
                           </a:solidFill>
@@ -14722,18 +14456,7 @@
                           <a:ea typeface="+mn-ea"/>
                           <a:cs typeface="+mn-cs"/>
                         </a:rPr>
-                        <a:t>Experience</a:t>
-                      </a:r>
-                      <a:r>
-                        <a:rPr lang="es-ES" sz="1000" b="0" dirty="0">
-                          <a:solidFill>
-                            <a:srgbClr val="000000"/>
-                          </a:solidFill>
-                          <a:latin typeface="Adobe Clean Light" panose="020B0303020404020204" pitchFamily="34" charset="0"/>
-                          <a:ea typeface="+mn-ea"/>
-                          <a:cs typeface="+mn-cs"/>
-                        </a:rPr>
-                        <a:t> League permite a Adobe ayudar a las empresas a alcanzar el valor que esperan de su inversión en Adobe. Es el lugar unificado </a:t>
+                        <a:t>A Experience League foi criada para ajudar as empresas a alcançar </a:t>
                       </a:r>
                       <a:br>
                         <a:rPr lang="sk-SK" sz="1000" b="0" dirty="0">
@@ -14746,7 +14469,7 @@
                         </a:rPr>
                       </a:br>
                       <a:r>
-                        <a:rPr lang="es-ES" sz="1000" b="0" dirty="0">
+                        <a:rPr lang="pt-BR" sz="1000" b="0" dirty="0">
                           <a:solidFill>
                             <a:srgbClr val="000000"/>
                           </a:solidFill>
@@ -14754,7 +14477,7 @@
                           <a:ea typeface="+mn-ea"/>
                           <a:cs typeface="+mn-cs"/>
                         </a:rPr>
-                        <a:t>en el que los clientes pueden aprender, dialogar y crecer siguiendo </a:t>
+                        <a:t>o valor que esperam do seu investimento em produtos da Adobe. </a:t>
                       </a:r>
                       <a:br>
                         <a:rPr lang="sk-SK" sz="1000" b="0" dirty="0">
@@ -14767,7 +14490,7 @@
                         </a:rPr>
                       </a:br>
                       <a:r>
-                        <a:rPr lang="es-ES" sz="1000" b="0" dirty="0">
+                        <a:rPr lang="pt-BR" sz="1000" b="0" dirty="0">
                           <a:solidFill>
                             <a:srgbClr val="000000"/>
                           </a:solidFill>
@@ -14775,49 +14498,7 @@
                           <a:ea typeface="+mn-ea"/>
                           <a:cs typeface="+mn-cs"/>
                         </a:rPr>
-                        <a:t>un camino personalizado hacia el éxito que incluye tutoriales </a:t>
-                      </a:r>
-                      <a:br>
-                        <a:rPr lang="sk-SK" sz="1000" b="0" dirty="0">
-                          <a:solidFill>
-                            <a:srgbClr val="000000"/>
-                          </a:solidFill>
-                          <a:latin typeface="Adobe Clean Light" panose="020B0303020404020204" pitchFamily="34" charset="0"/>
-                          <a:ea typeface="+mn-ea"/>
-                          <a:cs typeface="+mn-cs"/>
-                        </a:rPr>
-                      </a:br>
-                      <a:r>
-                        <a:rPr lang="es-ES" sz="1000" b="0" dirty="0">
-                          <a:solidFill>
-                            <a:srgbClr val="000000"/>
-                          </a:solidFill>
-                          <a:latin typeface="Adobe Clean Light" panose="020B0303020404020204" pitchFamily="34" charset="0"/>
-                          <a:ea typeface="+mn-ea"/>
-                          <a:cs typeface="+mn-cs"/>
-                        </a:rPr>
-                        <a:t>de autoayuda, documentación de productos, formación dirigida </a:t>
-                      </a:r>
-                      <a:br>
-                        <a:rPr lang="sk-SK" sz="1000" b="0" dirty="0">
-                          <a:solidFill>
-                            <a:srgbClr val="000000"/>
-                          </a:solidFill>
-                          <a:latin typeface="Adobe Clean Light" panose="020B0303020404020204" pitchFamily="34" charset="0"/>
-                          <a:ea typeface="+mn-ea"/>
-                          <a:cs typeface="+mn-cs"/>
-                        </a:rPr>
-                      </a:br>
-                      <a:r>
-                        <a:rPr lang="es-ES" sz="1000" b="0" dirty="0">
-                          <a:solidFill>
-                            <a:srgbClr val="000000"/>
-                          </a:solidFill>
-                          <a:latin typeface="Adobe Clean Light" panose="020B0303020404020204" pitchFamily="34" charset="0"/>
-                          <a:ea typeface="+mn-ea"/>
-                          <a:cs typeface="+mn-cs"/>
-                        </a:rPr>
-                        <a:t>por instructores, y asistencia técnica y comunitaria. </a:t>
+                        <a:t>É o local unificado onde os clientes podem aprender, interagir e crescer ao longo de um caminho personalizado de sucesso que inclui tutoriais de autoatendimento, documentação dos produtos, treinamento com instrutores e suporte técnico e da comunidade. </a:t>
                       </a:r>
                     </a:p>
                   </a:txBody>
@@ -14899,7 +14580,7 @@
                         <a:defRPr/>
                       </a:pPr>
                       <a:r>
-                        <a:rPr lang="es-ES" sz="1100">
+                        <a:rPr lang="pt-BR" sz="1100">
                           <a:solidFill>
                             <a:schemeClr val="dk1"/>
                           </a:solidFill>
@@ -14908,10 +14589,10 @@
                           <a:cs typeface="+mn-cs"/>
                           <a:hlinkClick r:id="rId8"/>
                         </a:rPr>
-                        <a:t>Formación</a:t>
+                        <a:t>Treinamento</a:t>
                       </a:r>
                       <a:r>
-                        <a:rPr lang="es-ES" sz="1100">
+                        <a:rPr lang="pt-BR" sz="1100">
                           <a:solidFill>
                             <a:schemeClr val="dk1"/>
                           </a:solidFill>
@@ -14994,7 +14675,7 @@
                         <a:defRPr/>
                       </a:pPr>
                       <a:r>
-                        <a:rPr lang="es-ES" sz="1000">
+                        <a:rPr lang="pt-BR" sz="1000">
                           <a:solidFill>
                             <a:srgbClr val="000000"/>
                           </a:solidFill>
@@ -15002,7 +14683,7 @@
                           <a:ea typeface="+mn-ea"/>
                           <a:cs typeface="+mn-cs"/>
                         </a:rPr>
-                        <a:t>Puede acceder a los cursos de Adobe Digital Learning Services desde Experience League. Los cursos de formación incluyen desde lecciones bajo demanda hasta lecciones impartidas por instructores.  Aquí puede aprender habilidades con valor de mercado reconocido para impulsar el éxito en su organización.</a:t>
+                        <a:t>O acesso aos cursos do Adobe Digital Learning Services está disponível na Experience League. Os cursos de aprendizagem incluem lições sob demanda e com instrutores.  É um lugar para adquirir habilidades com reconhecido valor de mercado que você pode pôr em prática para impulsionar o sucesso na sua organização.</a:t>
                       </a:r>
                     </a:p>
                   </a:txBody>
@@ -15084,7 +14765,7 @@
                         <a:defRPr/>
                       </a:pPr>
                       <a:r>
-                        <a:rPr lang="es-ES" sz="1100">
+                        <a:rPr lang="pt-BR" sz="1100">
                           <a:solidFill>
                             <a:schemeClr val="tx1"/>
                           </a:solidFill>
@@ -15093,7 +14774,7 @@
                           <a:cs typeface="+mn-cs"/>
                           <a:hlinkClick r:id="rId9"/>
                         </a:rPr>
-                        <a:t>Problemas de producción e interrupciones del sistema</a:t>
+                        <a:t>Problemas de produção e paralisações do sistema</a:t>
                       </a:r>
                     </a:p>
                   </a:txBody>
@@ -15168,7 +14849,7 @@
                         <a:defRPr/>
                       </a:pPr>
                       <a:r>
-                        <a:rPr lang="es-ES" sz="1000">
+                        <a:rPr lang="pt-BR" sz="1000" dirty="0">
                           <a:solidFill>
                             <a:srgbClr val="000000"/>
                           </a:solidFill>
@@ -15176,7 +14857,28 @@
                           <a:ea typeface="+mn-ea"/>
                           <a:cs typeface="+mn-cs"/>
                         </a:rPr>
-                        <a:t>Status.adobe.com transmite la información de estado de todos los productos y servicios de Adobe implementados en entornos de varios inquilinos. Los clientes pueden elegir sus preferencias de suscripción para recibir notificaciones por correo electrónico cada vez que Adobe cree, actualice o resuelva un evento de producto. Esto puede incluir problemas de mantenimiento o servicio programados de diversos niveles de gravedad. </a:t>
+                        <a:t>O Status.adobe.com transmite as informações de integridade de todos os produtos e serviços da Adobe implantados em ambientes de vários locatários. Os clientes podem escolher suas preferências de subscrição para receber notificações por email sempre que a Adobe criar, atualizar ou resolver um evento de produto. Isso pode incluir manutenção programada ou problemas de serviço com diferentes níveis </a:t>
+                      </a:r>
+                      <a:br>
+                        <a:rPr lang="sk-SK" sz="1000" dirty="0">
+                          <a:solidFill>
+                            <a:srgbClr val="000000"/>
+                          </a:solidFill>
+                          <a:latin typeface="Adobe Clean Light" panose="020B0303020404020204" pitchFamily="34" charset="0"/>
+                          <a:ea typeface="+mn-ea"/>
+                          <a:cs typeface="+mn-cs"/>
+                        </a:rPr>
+                      </a:br>
+                      <a:r>
+                        <a:rPr lang="pt-BR" sz="1000" dirty="0">
+                          <a:solidFill>
+                            <a:srgbClr val="000000"/>
+                          </a:solidFill>
+                          <a:latin typeface="Adobe Clean Light" panose="020B0303020404020204" pitchFamily="34" charset="0"/>
+                          <a:ea typeface="+mn-ea"/>
+                          <a:cs typeface="+mn-cs"/>
+                        </a:rPr>
+                        <a:t>de gravidade. </a:t>
                       </a:r>
                     </a:p>
                   </a:txBody>
@@ -15258,7 +14960,7 @@
                         <a:defRPr/>
                       </a:pPr>
                       <a:r>
-                        <a:rPr lang="es-ES" sz="1100">
+                        <a:rPr lang="pt-BR" sz="1100">
                           <a:solidFill>
                             <a:schemeClr val="tx1"/>
                           </a:solidFill>
@@ -15267,7 +14969,7 @@
                           <a:cs typeface="+mn-cs"/>
                           <a:hlinkClick r:id="rId10"/>
                         </a:rPr>
-                        <a:t>Términos y condiciones</a:t>
+                        <a:t>Termos e condições</a:t>
                       </a:r>
                     </a:p>
                   </a:txBody>
@@ -15325,7 +15027,7 @@
                     <a:lstStyle/>
                     <a:p>
                       <a:r>
-                        <a:rPr lang="es-ES" sz="1000" dirty="0">
+                        <a:rPr lang="pt-BR" sz="1000" dirty="0">
                           <a:solidFill>
                             <a:srgbClr val="000000"/>
                           </a:solidFill>
@@ -15333,7 +15035,7 @@
                           <a:ea typeface="+mn-ea"/>
                           <a:cs typeface="+mn-cs"/>
                         </a:rPr>
-                        <a:t>Términos y condiciones de las ofertas de los servicios de soporte</a:t>
+                        <a:t>Os Termos e condições que detalham os serviços de suporte</a:t>
                       </a:r>
                     </a:p>
                   </a:txBody>

--- a/help/data-sheets/assets/EnterpriseSupportDatasheet.pptx
+++ b/help/data-sheets/assets/EnterpriseSupportDatasheet.pptx
@@ -144,9 +144,13 @@
 <file path=ppt/revisionInfo.xml><?xml version="1.0" encoding="utf-8"?>
 <p1510:revInfo xmlns:a="http://schemas.openxmlformats.org/drawingml/2006/main" xmlns:r="http://schemas.openxmlformats.org/officeDocument/2006/relationships" xmlns:p1510="http://schemas.microsoft.com/office/powerpoint/2015/10/main">
   <p1510:revLst>
-    <p1510:client id="{19826C17-B3F5-53A1-AAFF-C7771804C7A7}" v="128" dt="2021-10-13T18:50:39.613"/>
-    <p1510:client id="{1A3D389F-0E00-444F-BDF7-5C174E20EEC2}" v="2" dt="2021-10-13T19:33:05.183"/>
-    <p1510:client id="{D02E726A-82A5-CF13-9EBE-9B674D878D37}" v="22" dt="2021-10-12T19:51:27.470"/>
+    <p1510:client id="{0AB2EF93-BE08-D205-D43E-3B568BB37DAA}" v="26" dt="2021-09-22T23:01:49.517"/>
+    <p1510:client id="{0AC6A3A1-0788-C69A-5EFD-279F3FA2CF0F}" v="51" dt="2021-09-22T18:56:17.553"/>
+    <p1510:client id="{112231ED-4F38-A856-2EFF-9D0F88AC9BDF}" v="3" dt="2021-09-22T19:11:31.474"/>
+    <p1510:client id="{3CA2F123-FAC9-2CDD-7937-C83283BA7837}" v="1" dt="2021-09-16T20:58:19.458"/>
+    <p1510:client id="{3F02B349-0406-AE51-D438-E7A0BE890230}" v="20" dt="2021-08-25T18:45:08.206"/>
+    <p1510:client id="{A40C3D7D-993B-38B2-2DDA-C562505A1054}" v="4" dt="2021-09-22T23:00:46.860"/>
+    <p1510:client id="{BAC4F85F-6423-7248-85C4-44132DA97563}" v="77" dt="2021-08-07T08:51:03.454"/>
   </p1510:revLst>
 </p1510:revInfo>
 </file>
@@ -154,20 +158,52 @@
 <file path=ppt/changesInfos/changesInfo1.xml><?xml version="1.0" encoding="utf-8"?>
 <pc:chgInfo xmlns:a="http://schemas.openxmlformats.org/drawingml/2006/main" xmlns:r="http://schemas.openxmlformats.org/officeDocument/2006/relationships" xmlns:ac="http://schemas.microsoft.com/office/drawing/2013/main/command" xmlns:pc="http://schemas.microsoft.com/office/powerpoint/2013/main/command">
   <pc:docChgLst>
-    <pc:chgData name="Akilah Johnson" userId="S::akjohnso@adobe.com::2fa3aa60-0c9c-4d06-bae2-795983241227" providerId="AD" clId="Web-{A40C3D7D-993B-38B2-2DDA-C562505A1054}"/>
+    <pc:chgData name="Akilah Johnson" userId="S::akjohnso@adobe.com::2fa3aa60-0c9c-4d06-bae2-795983241227" providerId="AD" clId="Web-{0AB2EF93-BE08-D205-D43E-3B568BB37DAA}"/>
     <pc:docChg chg="modSld">
-      <pc:chgData name="Akilah Johnson" userId="S::akjohnso@adobe.com::2fa3aa60-0c9c-4d06-bae2-795983241227" providerId="AD" clId="Web-{A40C3D7D-993B-38B2-2DDA-C562505A1054}" dt="2021-09-22T23:00:46.860" v="3"/>
+      <pc:chgData name="Akilah Johnson" userId="S::akjohnso@adobe.com::2fa3aa60-0c9c-4d06-bae2-795983241227" providerId="AD" clId="Web-{0AB2EF93-BE08-D205-D43E-3B568BB37DAA}" dt="2021-09-22T23:01:45.877" v="13"/>
       <pc:docMkLst>
         <pc:docMk/>
       </pc:docMkLst>
       <pc:sldChg chg="modSp">
-        <pc:chgData name="Akilah Johnson" userId="S::akjohnso@adobe.com::2fa3aa60-0c9c-4d06-bae2-795983241227" providerId="AD" clId="Web-{A40C3D7D-993B-38B2-2DDA-C562505A1054}" dt="2021-09-22T23:00:46.860" v="3"/>
+        <pc:chgData name="Akilah Johnson" userId="S::akjohnso@adobe.com::2fa3aa60-0c9c-4d06-bae2-795983241227" providerId="AD" clId="Web-{0AB2EF93-BE08-D205-D43E-3B568BB37DAA}" dt="2021-09-22T23:01:45.877" v="13"/>
         <pc:sldMkLst>
           <pc:docMk/>
           <pc:sldMk cId="1050037809" sldId="261"/>
         </pc:sldMkLst>
         <pc:graphicFrameChg chg="mod modGraphic">
-          <ac:chgData name="Akilah Johnson" userId="S::akjohnso@adobe.com::2fa3aa60-0c9c-4d06-bae2-795983241227" providerId="AD" clId="Web-{A40C3D7D-993B-38B2-2DDA-C562505A1054}" dt="2021-09-22T23:00:46.860" v="3"/>
+          <ac:chgData name="Akilah Johnson" userId="S::akjohnso@adobe.com::2fa3aa60-0c9c-4d06-bae2-795983241227" providerId="AD" clId="Web-{0AB2EF93-BE08-D205-D43E-3B568BB37DAA}" dt="2021-09-22T23:01:45.877" v="13"/>
+          <ac:graphicFrameMkLst>
+            <pc:docMk/>
+            <pc:sldMk cId="1050037809" sldId="261"/>
+            <ac:graphicFrameMk id="25" creationId="{3A91F5B0-3974-A14D-A146-FB590F2AAD18}"/>
+          </ac:graphicFrameMkLst>
+        </pc:graphicFrameChg>
+      </pc:sldChg>
+    </pc:docChg>
+  </pc:docChgLst>
+  <pc:docChgLst>
+    <pc:chgData name="Akilah Johnson" userId="S::akjohnso@adobe.com::2fa3aa60-0c9c-4d06-bae2-795983241227" providerId="AD" clId="Web-{0AC6A3A1-0788-C69A-5EFD-279F3FA2CF0F}"/>
+    <pc:docChg chg="modSld">
+      <pc:chgData name="Akilah Johnson" userId="S::akjohnso@adobe.com::2fa3aa60-0c9c-4d06-bae2-795983241227" providerId="AD" clId="Web-{0AC6A3A1-0788-C69A-5EFD-279F3FA2CF0F}" dt="2021-09-22T18:56:17.553" v="29"/>
+      <pc:docMkLst>
+        <pc:docMk/>
+      </pc:docMkLst>
+      <pc:sldChg chg="modSp delCm">
+        <pc:chgData name="Akilah Johnson" userId="S::akjohnso@adobe.com::2fa3aa60-0c9c-4d06-bae2-795983241227" providerId="AD" clId="Web-{0AC6A3A1-0788-C69A-5EFD-279F3FA2CF0F}" dt="2021-09-22T18:56:17.553" v="29"/>
+        <pc:sldMkLst>
+          <pc:docMk/>
+          <pc:sldMk cId="1050037809" sldId="261"/>
+        </pc:sldMkLst>
+        <pc:spChg chg="mod">
+          <ac:chgData name="Akilah Johnson" userId="S::akjohnso@adobe.com::2fa3aa60-0c9c-4d06-bae2-795983241227" providerId="AD" clId="Web-{0AC6A3A1-0788-C69A-5EFD-279F3FA2CF0F}" dt="2021-09-22T18:55:46.585" v="16" actId="20577"/>
+          <ac:spMkLst>
+            <pc:docMk/>
+            <pc:sldMk cId="1050037809" sldId="261"/>
+            <ac:spMk id="64" creationId="{41467BDC-3D83-D844-B922-CD07E94E5AAB}"/>
+          </ac:spMkLst>
+        </pc:spChg>
+        <pc:graphicFrameChg chg="mod modGraphic">
+          <ac:chgData name="Akilah Johnson" userId="S::akjohnso@adobe.com::2fa3aa60-0c9c-4d06-bae2-795983241227" providerId="AD" clId="Web-{0AC6A3A1-0788-C69A-5EFD-279F3FA2CF0F}" dt="2021-09-22T18:55:59.928" v="28"/>
           <ac:graphicFrameMkLst>
             <pc:docMk/>
             <pc:sldMk cId="1050037809" sldId="261"/>
@@ -210,86 +246,6 @@
     </pc:docChg>
   </pc:docChgLst>
   <pc:docChgLst>
-    <pc:chgData name="Akilah Johnson" userId="S::akjohnso@adobe.com::2fa3aa60-0c9c-4d06-bae2-795983241227" providerId="AD" clId="Web-{0AC6A3A1-0788-C69A-5EFD-279F3FA2CF0F}"/>
-    <pc:docChg chg="modSld">
-      <pc:chgData name="Akilah Johnson" userId="S::akjohnso@adobe.com::2fa3aa60-0c9c-4d06-bae2-795983241227" providerId="AD" clId="Web-{0AC6A3A1-0788-C69A-5EFD-279F3FA2CF0F}" dt="2021-09-22T18:56:17.553" v="29"/>
-      <pc:docMkLst>
-        <pc:docMk/>
-      </pc:docMkLst>
-      <pc:sldChg chg="modSp delCm">
-        <pc:chgData name="Akilah Johnson" userId="S::akjohnso@adobe.com::2fa3aa60-0c9c-4d06-bae2-795983241227" providerId="AD" clId="Web-{0AC6A3A1-0788-C69A-5EFD-279F3FA2CF0F}" dt="2021-09-22T18:56:17.553" v="29"/>
-        <pc:sldMkLst>
-          <pc:docMk/>
-          <pc:sldMk cId="1050037809" sldId="261"/>
-        </pc:sldMkLst>
-        <pc:spChg chg="mod">
-          <ac:chgData name="Akilah Johnson" userId="S::akjohnso@adobe.com::2fa3aa60-0c9c-4d06-bae2-795983241227" providerId="AD" clId="Web-{0AC6A3A1-0788-C69A-5EFD-279F3FA2CF0F}" dt="2021-09-22T18:55:46.585" v="16" actId="20577"/>
-          <ac:spMkLst>
-            <pc:docMk/>
-            <pc:sldMk cId="1050037809" sldId="261"/>
-            <ac:spMk id="64" creationId="{41467BDC-3D83-D844-B922-CD07E94E5AAB}"/>
-          </ac:spMkLst>
-        </pc:spChg>
-        <pc:graphicFrameChg chg="mod modGraphic">
-          <ac:chgData name="Akilah Johnson" userId="S::akjohnso@adobe.com::2fa3aa60-0c9c-4d06-bae2-795983241227" providerId="AD" clId="Web-{0AC6A3A1-0788-C69A-5EFD-279F3FA2CF0F}" dt="2021-09-22T18:55:59.928" v="28"/>
-          <ac:graphicFrameMkLst>
-            <pc:docMk/>
-            <pc:sldMk cId="1050037809" sldId="261"/>
-            <ac:graphicFrameMk id="25" creationId="{3A91F5B0-3974-A14D-A146-FB590F2AAD18}"/>
-          </ac:graphicFrameMkLst>
-        </pc:graphicFrameChg>
-      </pc:sldChg>
-    </pc:docChg>
-  </pc:docChgLst>
-  <pc:docChgLst>
-    <pc:chgData name="Akilah Johnson" userId="S::akjohnso@adobe.com::2fa3aa60-0c9c-4d06-bae2-795983241227" providerId="AD" clId="Web-{D02E726A-82A5-CF13-9EBE-9B674D878D37}"/>
-    <pc:docChg chg="modSld">
-      <pc:chgData name="Akilah Johnson" userId="S::akjohnso@adobe.com::2fa3aa60-0c9c-4d06-bae2-795983241227" providerId="AD" clId="Web-{D02E726A-82A5-CF13-9EBE-9B674D878D37}" dt="2021-10-12T19:51:27.470" v="10"/>
-      <pc:docMkLst>
-        <pc:docMk/>
-      </pc:docMkLst>
-      <pc:sldChg chg="modSp delCm">
-        <pc:chgData name="Akilah Johnson" userId="S::akjohnso@adobe.com::2fa3aa60-0c9c-4d06-bae2-795983241227" providerId="AD" clId="Web-{D02E726A-82A5-CF13-9EBE-9B674D878D37}" dt="2021-10-12T19:51:27.470" v="10"/>
-        <pc:sldMkLst>
-          <pc:docMk/>
-          <pc:sldMk cId="2161849182" sldId="267"/>
-        </pc:sldMkLst>
-        <pc:spChg chg="mod">
-          <ac:chgData name="Akilah Johnson" userId="S::akjohnso@adobe.com::2fa3aa60-0c9c-4d06-bae2-795983241227" providerId="AD" clId="Web-{D02E726A-82A5-CF13-9EBE-9B674D878D37}" dt="2021-10-12T19:51:04.127" v="8" actId="20577"/>
-          <ac:spMkLst>
-            <pc:docMk/>
-            <pc:sldMk cId="2161849182" sldId="267"/>
-            <ac:spMk id="2" creationId="{00000000-0000-0000-0000-000000000000}"/>
-          </ac:spMkLst>
-        </pc:spChg>
-      </pc:sldChg>
-    </pc:docChg>
-  </pc:docChgLst>
-  <pc:docChgLst>
-    <pc:chgData name="Akilah Johnson" userId="S::akjohnso@adobe.com::2fa3aa60-0c9c-4d06-bae2-795983241227" providerId="AD" clId="Web-{0AB2EF93-BE08-D205-D43E-3B568BB37DAA}"/>
-    <pc:docChg chg="modSld">
-      <pc:chgData name="Akilah Johnson" userId="S::akjohnso@adobe.com::2fa3aa60-0c9c-4d06-bae2-795983241227" providerId="AD" clId="Web-{0AB2EF93-BE08-D205-D43E-3B568BB37DAA}" dt="2021-09-22T23:01:45.877" v="13"/>
-      <pc:docMkLst>
-        <pc:docMk/>
-      </pc:docMkLst>
-      <pc:sldChg chg="modSp">
-        <pc:chgData name="Akilah Johnson" userId="S::akjohnso@adobe.com::2fa3aa60-0c9c-4d06-bae2-795983241227" providerId="AD" clId="Web-{0AB2EF93-BE08-D205-D43E-3B568BB37DAA}" dt="2021-09-22T23:01:45.877" v="13"/>
-        <pc:sldMkLst>
-          <pc:docMk/>
-          <pc:sldMk cId="1050037809" sldId="261"/>
-        </pc:sldMkLst>
-        <pc:graphicFrameChg chg="mod modGraphic">
-          <ac:chgData name="Akilah Johnson" userId="S::akjohnso@adobe.com::2fa3aa60-0c9c-4d06-bae2-795983241227" providerId="AD" clId="Web-{0AB2EF93-BE08-D205-D43E-3B568BB37DAA}" dt="2021-09-22T23:01:45.877" v="13"/>
-          <ac:graphicFrameMkLst>
-            <pc:docMk/>
-            <pc:sldMk cId="1050037809" sldId="261"/>
-            <ac:graphicFrameMk id="25" creationId="{3A91F5B0-3974-A14D-A146-FB590F2AAD18}"/>
-          </ac:graphicFrameMkLst>
-        </pc:graphicFrameChg>
-      </pc:sldChg>
-    </pc:docChg>
-  </pc:docChgLst>
-  <pc:docChgLst>
     <pc:chgData name="Andy Witt" userId="S::awitt@adobe.com::e9157bdf-53b2-40e4-9459-936793d75696" providerId="AD" clId="Web-{3F02B349-0406-AE51-D438-E7A0BE890230}"/>
     <pc:docChg chg="modSld">
       <pc:chgData name="Andy Witt" userId="S::awitt@adobe.com::e9157bdf-53b2-40e4-9459-936793d75696" providerId="AD" clId="Web-{3F02B349-0406-AE51-D438-E7A0BE890230}" dt="2021-08-25T18:45:07.550" v="11"/>
@@ -308,61 +264,6 @@
             <pc:docMk/>
             <pc:sldMk cId="1050037809" sldId="261"/>
             <ac:graphicFrameMk id="25" creationId="{3A91F5B0-3974-A14D-A146-FB590F2AAD18}"/>
-          </ac:graphicFrameMkLst>
-        </pc:graphicFrameChg>
-      </pc:sldChg>
-    </pc:docChg>
-  </pc:docChgLst>
-  <pc:docChgLst>
-    <pc:chgData name="Lauren Schutte" userId="6e08b2d3-447a-4d66-86be-444d50df187f" providerId="ADAL" clId="{1A3D389F-0E00-444F-BDF7-5C174E20EEC2}"/>
-    <pc:docChg chg="undo custSel modSld">
-      <pc:chgData name="Lauren Schutte" userId="6e08b2d3-447a-4d66-86be-444d50df187f" providerId="ADAL" clId="{1A3D389F-0E00-444F-BDF7-5C174E20EEC2}" dt="2021-10-13T19:40:59.066" v="67" actId="20577"/>
-      <pc:docMkLst>
-        <pc:docMk/>
-      </pc:docMkLst>
-      <pc:sldChg chg="delSp modSp mod">
-        <pc:chgData name="Lauren Schutte" userId="6e08b2d3-447a-4d66-86be-444d50df187f" providerId="ADAL" clId="{1A3D389F-0E00-444F-BDF7-5C174E20EEC2}" dt="2021-10-13T19:40:25.578" v="61" actId="478"/>
-        <pc:sldMkLst>
-          <pc:docMk/>
-          <pc:sldMk cId="5960377" sldId="259"/>
-        </pc:sldMkLst>
-        <pc:spChg chg="mod">
-          <ac:chgData name="Lauren Schutte" userId="6e08b2d3-447a-4d66-86be-444d50df187f" providerId="ADAL" clId="{1A3D389F-0E00-444F-BDF7-5C174E20EEC2}" dt="2021-10-13T19:33:45.182" v="59" actId="20577"/>
-          <ac:spMkLst>
-            <pc:docMk/>
-            <pc:sldMk cId="5960377" sldId="259"/>
-            <ac:spMk id="127" creationId="{BB896A03-8E7E-344F-BDE1-37C49461FF04}"/>
-          </ac:spMkLst>
-        </pc:spChg>
-        <pc:grpChg chg="del mod">
-          <ac:chgData name="Lauren Schutte" userId="6e08b2d3-447a-4d66-86be-444d50df187f" providerId="ADAL" clId="{1A3D389F-0E00-444F-BDF7-5C174E20EEC2}" dt="2021-10-13T19:40:25.578" v="61" actId="478"/>
-          <ac:grpSpMkLst>
-            <pc:docMk/>
-            <pc:sldMk cId="5960377" sldId="259"/>
-            <ac:grpSpMk id="62" creationId="{C539739D-1D3E-204D-9819-C44D9AE36DE8}"/>
-          </ac:grpSpMkLst>
-        </pc:grpChg>
-      </pc:sldChg>
-      <pc:sldChg chg="modSp mod">
-        <pc:chgData name="Lauren Schutte" userId="6e08b2d3-447a-4d66-86be-444d50df187f" providerId="ADAL" clId="{1A3D389F-0E00-444F-BDF7-5C174E20EEC2}" dt="2021-10-13T19:40:59.066" v="67" actId="20577"/>
-        <pc:sldMkLst>
-          <pc:docMk/>
-          <pc:sldMk cId="2161849182" sldId="267"/>
-        </pc:sldMkLst>
-        <pc:spChg chg="mod">
-          <ac:chgData name="Lauren Schutte" userId="6e08b2d3-447a-4d66-86be-444d50df187f" providerId="ADAL" clId="{1A3D389F-0E00-444F-BDF7-5C174E20EEC2}" dt="2021-10-13T19:40:59.066" v="67" actId="20577"/>
-          <ac:spMkLst>
-            <pc:docMk/>
-            <pc:sldMk cId="2161849182" sldId="267"/>
-            <ac:spMk id="2" creationId="{00000000-0000-0000-0000-000000000000}"/>
-          </ac:spMkLst>
-        </pc:spChg>
-        <pc:graphicFrameChg chg="mod modGraphic">
-          <ac:chgData name="Lauren Schutte" userId="6e08b2d3-447a-4d66-86be-444d50df187f" providerId="ADAL" clId="{1A3D389F-0E00-444F-BDF7-5C174E20EEC2}" dt="2021-10-13T19:33:05.183" v="58"/>
-          <ac:graphicFrameMkLst>
-            <pc:docMk/>
-            <pc:sldMk cId="2161849182" sldId="267"/>
-            <ac:graphicFrameMk id="9" creationId="{00000000-0000-0000-0000-000000000000}"/>
           </ac:graphicFrameMkLst>
         </pc:graphicFrameChg>
       </pc:sldChg>
@@ -393,133 +294,24 @@
     </pc:docChg>
   </pc:docChgLst>
   <pc:docChgLst>
-    <pc:chgData name="Akilah Johnson" userId="S::akjohnso@adobe.com::2fa3aa60-0c9c-4d06-bae2-795983241227" providerId="AD" clId="Web-{19826C17-B3F5-53A1-AAFF-C7771804C7A7}"/>
+    <pc:chgData name="Akilah Johnson" userId="S::akjohnso@adobe.com::2fa3aa60-0c9c-4d06-bae2-795983241227" providerId="AD" clId="Web-{A40C3D7D-993B-38B2-2DDA-C562505A1054}"/>
     <pc:docChg chg="modSld">
-      <pc:chgData name="Akilah Johnson" userId="S::akjohnso@adobe.com::2fa3aa60-0c9c-4d06-bae2-795983241227" providerId="AD" clId="Web-{19826C17-B3F5-53A1-AAFF-C7771804C7A7}" dt="2021-10-13T18:50:21.160" v="67"/>
+      <pc:chgData name="Akilah Johnson" userId="S::akjohnso@adobe.com::2fa3aa60-0c9c-4d06-bae2-795983241227" providerId="AD" clId="Web-{A40C3D7D-993B-38B2-2DDA-C562505A1054}" dt="2021-09-22T23:00:46.860" v="3"/>
       <pc:docMkLst>
         <pc:docMk/>
       </pc:docMkLst>
       <pc:sldChg chg="modSp">
-        <pc:chgData name="Akilah Johnson" userId="S::akjohnso@adobe.com::2fa3aa60-0c9c-4d06-bae2-795983241227" providerId="AD" clId="Web-{19826C17-B3F5-53A1-AAFF-C7771804C7A7}" dt="2021-10-13T18:38:26.810" v="9" actId="20577"/>
-        <pc:sldMkLst>
-          <pc:docMk/>
-          <pc:sldMk cId="5960377" sldId="259"/>
-        </pc:sldMkLst>
-        <pc:spChg chg="mod">
-          <ac:chgData name="Akilah Johnson" userId="S::akjohnso@adobe.com::2fa3aa60-0c9c-4d06-bae2-795983241227" providerId="AD" clId="Web-{19826C17-B3F5-53A1-AAFF-C7771804C7A7}" dt="2021-10-13T18:38:26.810" v="9" actId="20577"/>
-          <ac:spMkLst>
-            <pc:docMk/>
-            <pc:sldMk cId="5960377" sldId="259"/>
-            <ac:spMk id="75" creationId="{4602CC83-B0C7-8445-9007-87E67CDDD9D0}"/>
-          </ac:spMkLst>
-        </pc:spChg>
-        <pc:spChg chg="mod">
-          <ac:chgData name="Akilah Johnson" userId="S::akjohnso@adobe.com::2fa3aa60-0c9c-4d06-bae2-795983241227" providerId="AD" clId="Web-{19826C17-B3F5-53A1-AAFF-C7771804C7A7}" dt="2021-10-13T18:38:17.716" v="5" actId="20577"/>
-          <ac:spMkLst>
-            <pc:docMk/>
-            <pc:sldMk cId="5960377" sldId="259"/>
-            <ac:spMk id="83" creationId="{7A016ADC-2A30-8A4B-BE07-A9AB6C1898A7}"/>
-          </ac:spMkLst>
-        </pc:spChg>
-        <pc:spChg chg="mod">
-          <ac:chgData name="Akilah Johnson" userId="S::akjohnso@adobe.com::2fa3aa60-0c9c-4d06-bae2-795983241227" providerId="AD" clId="Web-{19826C17-B3F5-53A1-AAFF-C7771804C7A7}" dt="2021-10-13T18:38:19.654" v="6" actId="20577"/>
-          <ac:spMkLst>
-            <pc:docMk/>
-            <pc:sldMk cId="5960377" sldId="259"/>
-            <ac:spMk id="87" creationId="{57C0C871-6516-F145-97DA-27A143E6185C}"/>
-          </ac:spMkLst>
-        </pc:spChg>
-        <pc:spChg chg="mod">
-          <ac:chgData name="Akilah Johnson" userId="S::akjohnso@adobe.com::2fa3aa60-0c9c-4d06-bae2-795983241227" providerId="AD" clId="Web-{19826C17-B3F5-53A1-AAFF-C7771804C7A7}" dt="2021-10-13T18:38:14.044" v="4" actId="20577"/>
-          <ac:spMkLst>
-            <pc:docMk/>
-            <pc:sldMk cId="5960377" sldId="259"/>
-            <ac:spMk id="124" creationId="{14AAF776-9013-4C40-92F9-FFFE22C4038F}"/>
-          </ac:spMkLst>
-        </pc:spChg>
-        <pc:spChg chg="mod">
-          <ac:chgData name="Akilah Johnson" userId="S::akjohnso@adobe.com::2fa3aa60-0c9c-4d06-bae2-795983241227" providerId="AD" clId="Web-{19826C17-B3F5-53A1-AAFF-C7771804C7A7}" dt="2021-10-13T18:38:10.013" v="2" actId="20577"/>
-          <ac:spMkLst>
-            <pc:docMk/>
-            <pc:sldMk cId="5960377" sldId="259"/>
-            <ac:spMk id="125" creationId="{AF4EBBF5-5438-A043-B9AA-3822381D52EE}"/>
-          </ac:spMkLst>
-        </pc:spChg>
-        <pc:spChg chg="mod">
-          <ac:chgData name="Akilah Johnson" userId="S::akjohnso@adobe.com::2fa3aa60-0c9c-4d06-bae2-795983241227" providerId="AD" clId="Web-{19826C17-B3F5-53A1-AAFF-C7771804C7A7}" dt="2021-10-13T18:38:12.263" v="3" actId="20577"/>
-          <ac:spMkLst>
-            <pc:docMk/>
-            <pc:sldMk cId="5960377" sldId="259"/>
-            <ac:spMk id="126" creationId="{7F65676D-32E4-7B4B-BB85-4D504B5882BD}"/>
-          </ac:spMkLst>
-        </pc:spChg>
-      </pc:sldChg>
-      <pc:sldChg chg="modSp">
-        <pc:chgData name="Akilah Johnson" userId="S::akjohnso@adobe.com::2fa3aa60-0c9c-4d06-bae2-795983241227" providerId="AD" clId="Web-{19826C17-B3F5-53A1-AAFF-C7771804C7A7}" dt="2021-10-13T18:40:23.717" v="19" actId="20577"/>
+        <pc:chgData name="Akilah Johnson" userId="S::akjohnso@adobe.com::2fa3aa60-0c9c-4d06-bae2-795983241227" providerId="AD" clId="Web-{A40C3D7D-993B-38B2-2DDA-C562505A1054}" dt="2021-09-22T23:00:46.860" v="3"/>
         <pc:sldMkLst>
           <pc:docMk/>
           <pc:sldMk cId="1050037809" sldId="261"/>
         </pc:sldMkLst>
-        <pc:spChg chg="mod">
-          <ac:chgData name="Akilah Johnson" userId="S::akjohnso@adobe.com::2fa3aa60-0c9c-4d06-bae2-795983241227" providerId="AD" clId="Web-{19826C17-B3F5-53A1-AAFF-C7771804C7A7}" dt="2021-10-13T18:40:23.717" v="19" actId="20577"/>
-          <ac:spMkLst>
-            <pc:docMk/>
-            <pc:sldMk cId="1050037809" sldId="261"/>
-            <ac:spMk id="56" creationId="{00000000-0000-0000-0000-000000000000}"/>
-          </ac:spMkLst>
-        </pc:spChg>
         <pc:graphicFrameChg chg="mod modGraphic">
-          <ac:chgData name="Akilah Johnson" userId="S::akjohnso@adobe.com::2fa3aa60-0c9c-4d06-bae2-795983241227" providerId="AD" clId="Web-{19826C17-B3F5-53A1-AAFF-C7771804C7A7}" dt="2021-10-13T18:39:38.154" v="17"/>
+          <ac:chgData name="Akilah Johnson" userId="S::akjohnso@adobe.com::2fa3aa60-0c9c-4d06-bae2-795983241227" providerId="AD" clId="Web-{A40C3D7D-993B-38B2-2DDA-C562505A1054}" dt="2021-09-22T23:00:46.860" v="3"/>
           <ac:graphicFrameMkLst>
             <pc:docMk/>
             <pc:sldMk cId="1050037809" sldId="261"/>
-            <ac:graphicFrameMk id="111" creationId="{D8653CEC-4213-DE40-9BAF-D1E3318FF89C}"/>
-          </ac:graphicFrameMkLst>
-        </pc:graphicFrameChg>
-      </pc:sldChg>
-      <pc:sldChg chg="modSp">
-        <pc:chgData name="Akilah Johnson" userId="S::akjohnso@adobe.com::2fa3aa60-0c9c-4d06-bae2-795983241227" providerId="AD" clId="Web-{19826C17-B3F5-53A1-AAFF-C7771804C7A7}" dt="2021-10-13T18:39:10.373" v="15" actId="20577"/>
-        <pc:sldMkLst>
-          <pc:docMk/>
-          <pc:sldMk cId="717026355" sldId="266"/>
-        </pc:sldMkLst>
-        <pc:spChg chg="mod">
-          <ac:chgData name="Akilah Johnson" userId="S::akjohnso@adobe.com::2fa3aa60-0c9c-4d06-bae2-795983241227" providerId="AD" clId="Web-{19826C17-B3F5-53A1-AAFF-C7771804C7A7}" dt="2021-10-13T18:39:10.373" v="15" actId="20577"/>
-          <ac:spMkLst>
-            <pc:docMk/>
-            <pc:sldMk cId="717026355" sldId="266"/>
-            <ac:spMk id="9" creationId="{00000000-0000-0000-0000-000000000000}"/>
-          </ac:spMkLst>
-        </pc:spChg>
-        <pc:spChg chg="mod">
-          <ac:chgData name="Akilah Johnson" userId="S::akjohnso@adobe.com::2fa3aa60-0c9c-4d06-bae2-795983241227" providerId="AD" clId="Web-{19826C17-B3F5-53A1-AAFF-C7771804C7A7}" dt="2021-10-13T18:38:44.029" v="11" actId="20577"/>
-          <ac:spMkLst>
-            <pc:docMk/>
-            <pc:sldMk cId="717026355" sldId="266"/>
-            <ac:spMk id="82" creationId="{F6061E8D-9723-464D-AA49-7A3A3A02BE92}"/>
-          </ac:spMkLst>
-        </pc:spChg>
-        <pc:spChg chg="mod">
-          <ac:chgData name="Akilah Johnson" userId="S::akjohnso@adobe.com::2fa3aa60-0c9c-4d06-bae2-795983241227" providerId="AD" clId="Web-{19826C17-B3F5-53A1-AAFF-C7771804C7A7}" dt="2021-10-13T18:39:00.638" v="13" actId="20577"/>
-          <ac:spMkLst>
-            <pc:docMk/>
-            <pc:sldMk cId="717026355" sldId="266"/>
-            <ac:spMk id="83" creationId="{BB34E685-A734-974B-A33A-BE51D1A8BC0D}"/>
-          </ac:spMkLst>
-        </pc:spChg>
-      </pc:sldChg>
-      <pc:sldChg chg="modSp">
-        <pc:chgData name="Akilah Johnson" userId="S::akjohnso@adobe.com::2fa3aa60-0c9c-4d06-bae2-795983241227" providerId="AD" clId="Web-{19826C17-B3F5-53A1-AAFF-C7771804C7A7}" dt="2021-10-13T18:50:21.160" v="67"/>
-        <pc:sldMkLst>
-          <pc:docMk/>
-          <pc:sldMk cId="2161849182" sldId="267"/>
-        </pc:sldMkLst>
-        <pc:graphicFrameChg chg="mod modGraphic">
-          <ac:chgData name="Akilah Johnson" userId="S::akjohnso@adobe.com::2fa3aa60-0c9c-4d06-bae2-795983241227" providerId="AD" clId="Web-{19826C17-B3F5-53A1-AAFF-C7771804C7A7}" dt="2021-10-13T18:50:21.160" v="67"/>
-          <ac:graphicFrameMkLst>
-            <pc:docMk/>
-            <pc:sldMk cId="2161849182" sldId="267"/>
-            <ac:graphicFrameMk id="9" creationId="{00000000-0000-0000-0000-000000000000}"/>
+            <ac:graphicFrameMk id="25" creationId="{3A91F5B0-3974-A14D-A146-FB590F2AAD18}"/>
           </ac:graphicFrameMkLst>
         </pc:graphicFrameChg>
       </pc:sldChg>
@@ -529,6 +321,40 @@
 </file>
 
 <file path=ppt/comments/comment1.xml><?xml version="1.0" encoding="utf-8"?>
+<p:cmLst xmlns:a="http://schemas.openxmlformats.org/drawingml/2006/main" xmlns:r="http://schemas.openxmlformats.org/officeDocument/2006/relationships" xmlns:p="http://schemas.openxmlformats.org/presentationml/2006/main">
+  <p:cm authorId="1" dt="2021-08-04T14:42:10.630" idx="4">
+    <p:pos x="-3291" y="2170"/>
+    <p:text/>
+    <p:extLst>
+      <p:ext uri="{C676402C-5697-4E1C-873F-D02D1690AC5C}">
+        <p15:threadingInfo xmlns:p15="http://schemas.microsoft.com/office/powerpoint/2012/main" timeZoneBias="420"/>
+      </p:ext>
+    </p:extLst>
+  </p:cm>
+  <p:cm authorId="1" dt="2021-08-04T14:42:19.668" idx="5">
+    <p:pos x="4567" y="1502"/>
+    <p:text>Can we add a darker blue line under 'Enterprise Support?'</p:text>
+    <p:extLst>
+      <p:ext uri="{C676402C-5697-4E1C-873F-D02D1690AC5C}">
+        <p15:threadingInfo xmlns:p15="http://schemas.microsoft.com/office/powerpoint/2012/main" timeZoneBias="420"/>
+      </p:ext>
+    </p:extLst>
+  </p:cm>
+  <p:cm authorId="1" dt="2021-08-04T15:01:35.985" idx="8">
+    <p:pos x="4567" y="1598"/>
+    <p:text>Hi Ankita, I did my best to keep the formatting you already worked so hard on. I added a few comments on things I'll need your help with . Thank again so much!</p:text>
+    <p:extLst>
+      <p:ext uri="{C676402C-5697-4E1C-873F-D02D1690AC5C}">
+        <p15:threadingInfo xmlns:p15="http://schemas.microsoft.com/office/powerpoint/2012/main" timeZoneBias="420">
+          <p15:parentCm authorId="1" idx="5"/>
+        </p15:threadingInfo>
+      </p:ext>
+    </p:extLst>
+  </p:cm>
+</p:cmLst>
+</file>
+
+<file path=ppt/comments/comment2.xml><?xml version="1.0" encoding="utf-8"?>
 <p:cmLst xmlns:a="http://schemas.openxmlformats.org/drawingml/2006/main" xmlns:r="http://schemas.openxmlformats.org/officeDocument/2006/relationships" xmlns:p="http://schemas.openxmlformats.org/presentationml/2006/main">
   <p:cm authorId="1" dt="2021-08-04T14:53:07.049" idx="6">
     <p:pos x="10" y="10"/>
@@ -624,7 +450,7 @@
           <a:p>
             <a:fld id="{CCB2A597-803A-C244-97E2-A01066125D19}" type="datetimeFigureOut">
               <a:rPr lang="en-US" smtClean="0"/>
-              <a:t>10/13/21</a:t>
+              <a:t>10/1/2021</a:t>
             </a:fld>
             <a:endParaRPr lang="en-US"/>
           </a:p>
@@ -1405,7 +1231,7 @@
           <a:p>
             <a:fld id="{1D8BD707-D9CF-40AE-B4C6-C98DA3205C09}" type="datetimeFigureOut">
               <a:rPr lang="en-US"/>
-              <a:t>10/13/21</a:t>
+              <a:t>10/1/2021</a:t>
             </a:fld>
             <a:endParaRPr lang="en-US"/>
           </a:p>
@@ -1645,7 +1471,7 @@
           <a:p>
             <a:fld id="{1D8BD707-D9CF-40AE-B4C6-C98DA3205C09}" type="datetimeFigureOut">
               <a:rPr lang="en-US"/>
-              <a:t>10/13/21</a:t>
+              <a:t>10/1/2021</a:t>
             </a:fld>
             <a:endParaRPr lang="en-US"/>
           </a:p>
@@ -1898,7 +1724,7 @@
           <a:p>
             <a:fld id="{1D8BD707-D9CF-40AE-B4C6-C98DA3205C09}" type="datetimeFigureOut">
               <a:rPr lang="en-US"/>
-              <a:t>10/13/21</a:t>
+              <a:t>10/1/2021</a:t>
             </a:fld>
             <a:endParaRPr lang="en-US"/>
           </a:p>
@@ -2085,7 +1911,7 @@
           <a:p>
             <a:fld id="{1D8BD707-D9CF-40AE-B4C6-C98DA3205C09}" type="datetimeFigureOut">
               <a:rPr lang="en-US"/>
-              <a:t>10/13/21</a:t>
+              <a:t>10/1/2021</a:t>
             </a:fld>
             <a:endParaRPr lang="en-US"/>
           </a:p>
@@ -2243,7 +2069,7 @@
           <a:p>
             <a:fld id="{1D8BD707-D9CF-40AE-B4C6-C98DA3205C09}" type="datetimeFigureOut">
               <a:rPr lang="en-US"/>
-              <a:t>10/13/21</a:t>
+              <a:t>10/1/2021</a:t>
             </a:fld>
             <a:endParaRPr lang="en-US"/>
           </a:p>
@@ -2501,7 +2327,7 @@
           <a:p>
             <a:fld id="{1D8BD707-D9CF-40AE-B4C6-C98DA3205C09}" type="datetimeFigureOut">
               <a:rPr lang="en-US"/>
-              <a:t>10/13/21</a:t>
+              <a:t>10/1/2021</a:t>
             </a:fld>
             <a:endParaRPr lang="en-US"/>
           </a:p>
@@ -2740,43 +2566,25 @@
           </a:prstGeom>
         </p:spPr>
         <p:txBody>
-          <a:bodyPr vert="horz" wrap="square" lIns="0" tIns="12700" rIns="0" bIns="0" rtlCol="0" anchor="t">
+          <a:bodyPr vert="horz" wrap="square" lIns="0" tIns="12700" rIns="0" bIns="0" rtlCol="0">
             <a:spAutoFit/>
           </a:bodyPr>
           <a:lstStyle/>
           <a:p>
             <a:pPr marL="12700">
+              <a:lnSpc>
+                <a:spcPct val="100000"/>
+              </a:lnSpc>
               <a:spcBef>
                 <a:spcPts val="100"/>
               </a:spcBef>
             </a:pPr>
             <a:r>
-              <a:rPr sz="2300" dirty="0">
-                <a:latin typeface="Adobe Clean"/>
-              </a:rPr>
-              <a:t>ADOBE</a:t>
-            </a:r>
-            <a:r>
-              <a:rPr lang="en-US" sz="2300" dirty="0">
-                <a:latin typeface="Adobe Clean"/>
-              </a:rPr>
-              <a:t> </a:t>
-            </a:r>
-            <a:r>
-              <a:rPr sz="2300" dirty="0">
-                <a:latin typeface="Adobe Clean"/>
-              </a:rPr>
-              <a:t>SUPPORT</a:t>
-            </a:r>
-            <a:r>
-              <a:rPr lang="en-US" sz="2300" dirty="0">
-                <a:latin typeface="Adobe Clean"/>
-              </a:rPr>
-              <a:t> PLANS</a:t>
-            </a:r>
-            <a:endParaRPr sz="2300" dirty="0">
-              <a:latin typeface="Adobe Clean" panose="020B0503020404020204" pitchFamily="34" charset="0"/>
-            </a:endParaRPr>
+              <a:rPr lang="pt-BR" sz="2300">
+                <a:latin typeface="Adobe Clean" panose="020B0503020404020204" pitchFamily="34" charset="0"/>
+              </a:rPr>
+              <a:t>SERVIÇOS DE SUPORTE ADOBE</a:t>
+            </a:r>
           </a:p>
         </p:txBody>
       </p:sp>
@@ -2788,8 +2596,8 @@
         </p:nvSpPr>
         <p:spPr>
           <a:xfrm>
-            <a:off x="125148" y="7013546"/>
-            <a:ext cx="2785110" cy="228268"/>
+            <a:off x="125147" y="7013546"/>
+            <a:ext cx="3503877" cy="228268"/>
           </a:xfrm>
           <a:prstGeom prst="rect">
             <a:avLst/>
@@ -2810,7 +2618,7 @@
               </a:spcBef>
             </a:pPr>
             <a:r>
-              <a:rPr sz="1400" b="1" u="sng" spc="15">
+              <a:rPr lang="pt-BR" sz="1400" b="1" u="sng" dirty="0">
                 <a:solidFill>
                   <a:srgbClr val="020302"/>
                 </a:solidFill>
@@ -2822,477 +2630,8 @@
                 <a:latin typeface="Adobe Clean"/>
                 <a:cs typeface="Adobe Clean"/>
               </a:rPr>
-              <a:t>S</a:t>
-            </a:r>
-            <a:r>
-              <a:rPr sz="1400" b="1" u="sng" spc="5">
-                <a:solidFill>
-                  <a:srgbClr val="020302"/>
-                </a:solidFill>
-                <a:uFill>
-                  <a:solidFill>
-                    <a:srgbClr val="020302"/>
-                  </a:solidFill>
-                </a:uFill>
-                <a:latin typeface="Adobe Clean"/>
-                <a:cs typeface="Adobe Clean"/>
-              </a:rPr>
-              <a:t>er</a:t>
-            </a:r>
-            <a:r>
-              <a:rPr sz="1400" b="1" u="sng" spc="10">
-                <a:solidFill>
-                  <a:srgbClr val="020302"/>
-                </a:solidFill>
-                <a:uFill>
-                  <a:solidFill>
-                    <a:srgbClr val="020302"/>
-                  </a:solidFill>
-                </a:uFill>
-                <a:latin typeface="Adobe Clean"/>
-                <a:cs typeface="Adobe Clean"/>
-              </a:rPr>
-              <a:t>vi</a:t>
-            </a:r>
-            <a:r>
-              <a:rPr sz="1400" b="1" u="sng" spc="5">
-                <a:solidFill>
-                  <a:srgbClr val="020302"/>
-                </a:solidFill>
-                <a:uFill>
-                  <a:solidFill>
-                    <a:srgbClr val="020302"/>
-                  </a:solidFill>
-                </a:uFill>
-                <a:latin typeface="Adobe Clean"/>
-                <a:cs typeface="Adobe Clean"/>
-              </a:rPr>
-              <a:t>c</a:t>
-            </a:r>
-            <a:r>
-              <a:rPr sz="1400" b="1" u="sng">
-                <a:solidFill>
-                  <a:srgbClr val="020302"/>
-                </a:solidFill>
-                <a:uFill>
-                  <a:solidFill>
-                    <a:srgbClr val="020302"/>
-                  </a:solidFill>
-                </a:uFill>
-                <a:latin typeface="Adobe Clean"/>
-                <a:cs typeface="Adobe Clean"/>
-              </a:rPr>
-              <a:t>e</a:t>
-            </a:r>
-            <a:r>
-              <a:rPr sz="1400" b="1" u="sng" spc="20">
-                <a:solidFill>
-                  <a:srgbClr val="020302"/>
-                </a:solidFill>
-                <a:uFill>
-                  <a:solidFill>
-                    <a:srgbClr val="020302"/>
-                  </a:solidFill>
-                </a:uFill>
-                <a:latin typeface="Adobe Clean"/>
-                <a:cs typeface="Adobe Clean"/>
-              </a:rPr>
-              <a:t> </a:t>
-            </a:r>
-            <a:r>
-              <a:rPr sz="1400" b="1" u="sng" spc="-15">
-                <a:solidFill>
-                  <a:srgbClr val="020302"/>
-                </a:solidFill>
-                <a:uFill>
-                  <a:solidFill>
-                    <a:srgbClr val="020302"/>
-                  </a:solidFill>
-                </a:uFill>
-                <a:latin typeface="Adobe Clean"/>
-                <a:cs typeface="Adobe Clean"/>
-              </a:rPr>
-              <a:t>Le</a:t>
-            </a:r>
-            <a:r>
-              <a:rPr sz="1400" b="1" u="sng" spc="-10">
-                <a:solidFill>
-                  <a:srgbClr val="020302"/>
-                </a:solidFill>
-                <a:uFill>
-                  <a:solidFill>
-                    <a:srgbClr val="020302"/>
-                  </a:solidFill>
-                </a:uFill>
-                <a:latin typeface="Adobe Clean"/>
-                <a:cs typeface="Adobe Clean"/>
-              </a:rPr>
-              <a:t>v</a:t>
-            </a:r>
-            <a:r>
-              <a:rPr sz="1400" b="1" u="sng" spc="-15">
-                <a:solidFill>
-                  <a:srgbClr val="020302"/>
-                </a:solidFill>
-                <a:uFill>
-                  <a:solidFill>
-                    <a:srgbClr val="020302"/>
-                  </a:solidFill>
-                </a:uFill>
-                <a:latin typeface="Adobe Clean"/>
-                <a:cs typeface="Adobe Clean"/>
-              </a:rPr>
-              <a:t>e</a:t>
-            </a:r>
-            <a:r>
-              <a:rPr sz="1400" b="1" u="sng">
-                <a:solidFill>
-                  <a:srgbClr val="020302"/>
-                </a:solidFill>
-                <a:uFill>
-                  <a:solidFill>
-                    <a:srgbClr val="020302"/>
-                  </a:solidFill>
-                </a:uFill>
-                <a:latin typeface="Adobe Clean"/>
-                <a:cs typeface="Adobe Clean"/>
-              </a:rPr>
-              <a:t>l</a:t>
-            </a:r>
-            <a:r>
-              <a:rPr sz="1400" b="1" u="sng" spc="-15">
-                <a:solidFill>
-                  <a:srgbClr val="020302"/>
-                </a:solidFill>
-                <a:uFill>
-                  <a:solidFill>
-                    <a:srgbClr val="020302"/>
-                  </a:solidFill>
-                </a:uFill>
-                <a:latin typeface="Adobe Clean"/>
-                <a:cs typeface="Adobe Clean"/>
-              </a:rPr>
-              <a:t> </a:t>
-            </a:r>
-            <a:r>
-              <a:rPr sz="1400" b="1" u="sng" spc="-55">
-                <a:solidFill>
-                  <a:srgbClr val="020302"/>
-                </a:solidFill>
-                <a:uFill>
-                  <a:solidFill>
-                    <a:srgbClr val="020302"/>
-                  </a:solidFill>
-                </a:uFill>
-                <a:latin typeface="Adobe Clean"/>
-                <a:cs typeface="Adobe Clean"/>
-              </a:rPr>
-              <a:t>T</a:t>
-            </a:r>
-            <a:r>
-              <a:rPr sz="1400" b="1" u="sng" spc="-40">
-                <a:solidFill>
-                  <a:srgbClr val="020302"/>
-                </a:solidFill>
-                <a:uFill>
-                  <a:solidFill>
-                    <a:srgbClr val="020302"/>
-                  </a:solidFill>
-                </a:uFill>
-                <a:latin typeface="Adobe Clean"/>
-                <a:cs typeface="Adobe Clean"/>
-              </a:rPr>
-              <a:t>a</a:t>
-            </a:r>
-            <a:r>
-              <a:rPr sz="1400" b="1" u="sng" spc="-45">
-                <a:solidFill>
-                  <a:srgbClr val="020302"/>
-                </a:solidFill>
-                <a:uFill>
-                  <a:solidFill>
-                    <a:srgbClr val="020302"/>
-                  </a:solidFill>
-                </a:uFill>
-                <a:latin typeface="Adobe Clean"/>
-                <a:cs typeface="Adobe Clean"/>
-              </a:rPr>
-              <a:t>r</a:t>
-            </a:r>
-            <a:r>
-              <a:rPr sz="1400" b="1" u="sng" spc="-40">
-                <a:solidFill>
-                  <a:srgbClr val="020302"/>
-                </a:solidFill>
-                <a:uFill>
-                  <a:solidFill>
-                    <a:srgbClr val="020302"/>
-                  </a:solidFill>
-                </a:uFill>
-                <a:latin typeface="Adobe Clean"/>
-                <a:cs typeface="Adobe Clean"/>
-              </a:rPr>
-              <a:t>g</a:t>
-            </a:r>
-            <a:r>
-              <a:rPr sz="1400" b="1" u="sng" spc="-50">
-                <a:solidFill>
-                  <a:srgbClr val="020302"/>
-                </a:solidFill>
-                <a:uFill>
-                  <a:solidFill>
-                    <a:srgbClr val="020302"/>
-                  </a:solidFill>
-                </a:uFill>
-                <a:latin typeface="Adobe Clean"/>
-                <a:cs typeface="Adobe Clean"/>
-              </a:rPr>
-              <a:t>et</a:t>
-            </a:r>
-            <a:r>
-              <a:rPr sz="1400" b="1" u="sng" spc="-45">
-                <a:solidFill>
-                  <a:srgbClr val="020302"/>
-                </a:solidFill>
-                <a:uFill>
-                  <a:solidFill>
-                    <a:srgbClr val="020302"/>
-                  </a:solidFill>
-                </a:uFill>
-                <a:latin typeface="Adobe Clean"/>
-                <a:cs typeface="Adobe Clean"/>
-              </a:rPr>
-              <a:t>s</a:t>
-            </a:r>
-            <a:r>
-              <a:rPr sz="1400" b="1" u="sng">
-                <a:solidFill>
-                  <a:srgbClr val="020302"/>
-                </a:solidFill>
-                <a:uFill>
-                  <a:solidFill>
-                    <a:srgbClr val="020302"/>
-                  </a:solidFill>
-                </a:uFill>
-                <a:latin typeface="Adobe Clean"/>
-                <a:cs typeface="Adobe Clean"/>
-              </a:rPr>
-              <a:t>:</a:t>
-            </a:r>
-            <a:r>
-              <a:rPr sz="1400" b="1" u="sng" spc="-85">
-                <a:solidFill>
-                  <a:srgbClr val="020302"/>
-                </a:solidFill>
-                <a:uFill>
-                  <a:solidFill>
-                    <a:srgbClr val="020302"/>
-                  </a:solidFill>
-                </a:uFill>
-                <a:latin typeface="Adobe Clean"/>
-                <a:cs typeface="Adobe Clean"/>
-              </a:rPr>
-              <a:t> </a:t>
-            </a:r>
-            <a:r>
-              <a:rPr sz="1400" b="1" u="sng" spc="-15">
-                <a:solidFill>
-                  <a:srgbClr val="020302"/>
-                </a:solidFill>
-                <a:uFill>
-                  <a:solidFill>
-                    <a:srgbClr val="020302"/>
-                  </a:solidFill>
-                </a:uFill>
-                <a:latin typeface="Adobe Clean"/>
-                <a:cs typeface="Adobe Clean"/>
-              </a:rPr>
-              <a:t>I</a:t>
-            </a:r>
-            <a:r>
-              <a:rPr sz="1400" b="1" u="sng" spc="-10">
-                <a:solidFill>
-                  <a:srgbClr val="020302"/>
-                </a:solidFill>
-                <a:uFill>
-                  <a:solidFill>
-                    <a:srgbClr val="020302"/>
-                  </a:solidFill>
-                </a:uFill>
-                <a:latin typeface="Adobe Clean"/>
-                <a:cs typeface="Adobe Clean"/>
-              </a:rPr>
-              <a:t>ni</a:t>
-            </a:r>
-            <a:r>
-              <a:rPr sz="1400" b="1" u="sng" spc="-15">
-                <a:solidFill>
-                  <a:srgbClr val="020302"/>
-                </a:solidFill>
-                <a:uFill>
-                  <a:solidFill>
-                    <a:srgbClr val="020302"/>
-                  </a:solidFill>
-                </a:uFill>
-                <a:latin typeface="Adobe Clean"/>
-                <a:cs typeface="Adobe Clean"/>
-              </a:rPr>
-              <a:t>t</a:t>
-            </a:r>
-            <a:r>
-              <a:rPr sz="1400" b="1" u="sng" spc="-10">
-                <a:solidFill>
-                  <a:srgbClr val="020302"/>
-                </a:solidFill>
-                <a:uFill>
-                  <a:solidFill>
-                    <a:srgbClr val="020302"/>
-                  </a:solidFill>
-                </a:uFill>
-                <a:latin typeface="Adobe Clean"/>
-                <a:cs typeface="Adobe Clean"/>
-              </a:rPr>
-              <a:t>i</a:t>
-            </a:r>
-            <a:r>
-              <a:rPr sz="1400" b="1" u="sng" spc="-5">
-                <a:solidFill>
-                  <a:srgbClr val="020302"/>
-                </a:solidFill>
-                <a:uFill>
-                  <a:solidFill>
-                    <a:srgbClr val="020302"/>
-                  </a:solidFill>
-                </a:uFill>
-                <a:latin typeface="Adobe Clean"/>
-                <a:cs typeface="Adobe Clean"/>
-              </a:rPr>
-              <a:t>a</a:t>
-            </a:r>
-            <a:r>
-              <a:rPr sz="1400" b="1" u="sng">
-                <a:solidFill>
-                  <a:srgbClr val="020302"/>
-                </a:solidFill>
-                <a:uFill>
-                  <a:solidFill>
-                    <a:srgbClr val="020302"/>
-                  </a:solidFill>
-                </a:uFill>
-                <a:latin typeface="Adobe Clean"/>
-                <a:cs typeface="Adobe Clean"/>
-              </a:rPr>
-              <a:t>l</a:t>
-            </a:r>
-            <a:r>
-              <a:rPr sz="1400" b="1" u="sng" spc="-145">
-                <a:solidFill>
-                  <a:srgbClr val="020302"/>
-                </a:solidFill>
-                <a:uFill>
-                  <a:solidFill>
-                    <a:srgbClr val="020302"/>
-                  </a:solidFill>
-                </a:uFill>
-                <a:latin typeface="Adobe Clean"/>
-                <a:cs typeface="Adobe Clean"/>
-              </a:rPr>
-              <a:t> </a:t>
-            </a:r>
-            <a:r>
-              <a:rPr sz="1400" b="1" u="sng" spc="-15">
-                <a:solidFill>
-                  <a:srgbClr val="020302"/>
-                </a:solidFill>
-                <a:uFill>
-                  <a:solidFill>
-                    <a:srgbClr val="020302"/>
-                  </a:solidFill>
-                </a:uFill>
-                <a:latin typeface="Adobe Clean"/>
-                <a:cs typeface="Adobe Clean"/>
-              </a:rPr>
-              <a:t>R</a:t>
-            </a:r>
-            <a:r>
-              <a:rPr sz="1400" b="1" u="sng" spc="-20">
-                <a:solidFill>
-                  <a:srgbClr val="020302"/>
-                </a:solidFill>
-                <a:uFill>
-                  <a:solidFill>
-                    <a:srgbClr val="020302"/>
-                  </a:solidFill>
-                </a:uFill>
-                <a:latin typeface="Adobe Clean"/>
-                <a:cs typeface="Adobe Clean"/>
-              </a:rPr>
-              <a:t>e</a:t>
-            </a:r>
-            <a:r>
-              <a:rPr sz="1400" b="1" u="sng" spc="-15">
-                <a:solidFill>
-                  <a:srgbClr val="020302"/>
-                </a:solidFill>
-                <a:uFill>
-                  <a:solidFill>
-                    <a:srgbClr val="020302"/>
-                  </a:solidFill>
-                </a:uFill>
-                <a:latin typeface="Adobe Clean"/>
-                <a:cs typeface="Adobe Clean"/>
-              </a:rPr>
-              <a:t>s</a:t>
-            </a:r>
-            <a:r>
-              <a:rPr sz="1400" b="1" u="sng" spc="-20">
-                <a:solidFill>
-                  <a:srgbClr val="020302"/>
-                </a:solidFill>
-                <a:uFill>
-                  <a:solidFill>
-                    <a:srgbClr val="020302"/>
-                  </a:solidFill>
-                </a:uFill>
-                <a:latin typeface="Adobe Clean"/>
-                <a:cs typeface="Adobe Clean"/>
-              </a:rPr>
-              <a:t>p</a:t>
-            </a:r>
-            <a:r>
-              <a:rPr sz="1400" b="1" u="sng" spc="-15">
-                <a:solidFill>
-                  <a:srgbClr val="020302"/>
-                </a:solidFill>
-                <a:uFill>
-                  <a:solidFill>
-                    <a:srgbClr val="020302"/>
-                  </a:solidFill>
-                </a:uFill>
-                <a:latin typeface="Adobe Clean"/>
-                <a:cs typeface="Adobe Clean"/>
-              </a:rPr>
-              <a:t>ons</a:t>
-            </a:r>
-            <a:r>
-              <a:rPr sz="1400" b="1" u="sng">
-                <a:solidFill>
-                  <a:srgbClr val="020302"/>
-                </a:solidFill>
-                <a:uFill>
-                  <a:solidFill>
-                    <a:srgbClr val="020302"/>
-                  </a:solidFill>
-                </a:uFill>
-                <a:latin typeface="Adobe Clean"/>
-                <a:cs typeface="Adobe Clean"/>
-              </a:rPr>
-              <a:t>e</a:t>
-            </a:r>
-            <a:endParaRPr sz="1400" u="sng">
-              <a:latin typeface="Adobe Clean"/>
-              <a:cs typeface="Adobe Clean"/>
-            </a:endParaRPr>
+              <a:t>Metas de nível de serviço: Resposta inicial</a:t>
+            </a:r>
           </a:p>
         </p:txBody>
       </p:sp>
@@ -3305,14 +2644,14 @@
           <p:nvPr>
             <p:extLst>
               <p:ext uri="{D42A27DB-BD31-4B8C-83A1-F6EECF244321}">
-                <p14:modId xmlns:p14="http://schemas.microsoft.com/office/powerpoint/2010/main" val="3450047932"/>
+                <p14:modId xmlns:p14="http://schemas.microsoft.com/office/powerpoint/2010/main" val="3390682240"/>
               </p:ext>
             </p:extLst>
           </p:nvPr>
         </p:nvGraphicFramePr>
         <p:xfrm>
           <a:off x="146919" y="7473158"/>
-          <a:ext cx="7477080" cy="2190409"/>
+          <a:ext cx="7477080" cy="2317408"/>
         </p:xfrm>
         <a:graphic>
           <a:graphicData uri="http://schemas.openxmlformats.org/drawingml/2006/table">
@@ -3358,19 +2697,15 @@
                         </a:spcBef>
                       </a:pPr>
                       <a:r>
-                        <a:rPr sz="900" spc="-20" dirty="0">
+                        <a:rPr lang="pt-BR" sz="900">
                           <a:solidFill>
                             <a:srgbClr val="020302"/>
                           </a:solidFill>
                           <a:latin typeface="Adobe Clean"/>
                           <a:cs typeface="Adobe Clean"/>
                         </a:rPr>
-                        <a:t>Priority</a:t>
+                        <a:t>Prioridade</a:t>
                       </a:r>
-                      <a:endParaRPr sz="900" dirty="0">
-                        <a:latin typeface="Adobe Clean"/>
-                        <a:cs typeface="Adobe Clean"/>
-                      </a:endParaRPr>
                     </a:p>
                   </a:txBody>
                   <a:tcPr marL="0" marR="0" marT="6985" marB="0" anchor="ctr">
@@ -3417,22 +2752,18 @@
                         </a:spcBef>
                       </a:pPr>
                       <a:r>
-                        <a:rPr sz="900" spc="0" dirty="0">
+                        <a:rPr lang="pt-BR" sz="900">
                           <a:solidFill>
                             <a:srgbClr val="020302"/>
                           </a:solidFill>
                           <a:latin typeface="Adobe Clean"/>
                           <a:cs typeface="Adobe Clean"/>
                         </a:rPr>
-                        <a:t>Online Support</a:t>
+                        <a:t>Suporte Online</a:t>
                       </a:r>
-                      <a:endParaRPr sz="900" spc="0" dirty="0">
-                        <a:latin typeface="Adobe Clean"/>
-                        <a:cs typeface="Adobe Clean"/>
-                      </a:endParaRPr>
                     </a:p>
                   </a:txBody>
-                  <a:tcPr marL="0" marR="0" marT="0" marB="0" anchor="ctr">
+                  <a:tcPr marL="0" marR="0" marT="6985" marB="0" anchor="ctr">
                     <a:lnL w="6350">
                       <a:solidFill>
                         <a:srgbClr val="B7B8B8"/>
@@ -3451,14 +2782,11 @@
                       </a:solidFill>
                       <a:prstDash val="solid"/>
                     </a:lnT>
-                    <a:lnB w="76200" cap="flat" cmpd="sng" algn="ctr">
+                    <a:lnB w="76200">
                       <a:solidFill>
                         <a:srgbClr val="B3B3B3"/>
                       </a:solidFill>
                       <a:prstDash val="solid"/>
-                      <a:round/>
-                      <a:headEnd type="none" w="med" len="med"/>
-                      <a:tailEnd type="none" w="med" len="med"/>
                     </a:lnB>
                     <a:solidFill>
                       <a:srgbClr val="D9D9D9"/>
@@ -3479,22 +2807,18 @@
                         </a:spcBef>
                       </a:pPr>
                       <a:r>
-                        <a:rPr sz="900" spc="0" dirty="0">
+                        <a:rPr lang="pt-BR" sz="900">
                           <a:solidFill>
                             <a:srgbClr val="FFFFFF"/>
                           </a:solidFill>
                           <a:latin typeface="Adobe Clean"/>
                           <a:cs typeface="Adobe Clean"/>
                         </a:rPr>
-                        <a:t>Enterprise Support</a:t>
+                        <a:t>Suporte Enterprise</a:t>
                       </a:r>
-                      <a:endParaRPr sz="900" spc="0" dirty="0">
-                        <a:latin typeface="Adobe Clean"/>
-                        <a:cs typeface="Adobe Clean"/>
-                      </a:endParaRPr>
                     </a:p>
                   </a:txBody>
-                  <a:tcPr marL="0" marR="0" marT="0" marB="0" anchor="ctr">
+                  <a:tcPr marL="0" marR="0" marT="10160" marB="0" anchor="ctr">
                     <a:lnL w="6350">
                       <a:solidFill>
                         <a:srgbClr val="B7B8B8"/>
@@ -3551,112 +2875,18 @@
                         </a:spcBef>
                       </a:pPr>
                       <a:r>
-                        <a:rPr sz="900" b="1" spc="-15" dirty="0">
+                        <a:rPr lang="pt-BR" sz="900" b="1" dirty="0">
                           <a:solidFill>
                             <a:srgbClr val="020302"/>
                           </a:solidFill>
                           <a:latin typeface="Adobe Clean"/>
                           <a:cs typeface="Adobe Clean"/>
                         </a:rPr>
-                        <a:t>P</a:t>
+                        <a:t>PRIORIDADE 1</a:t>
                       </a:r>
-                      <a:r>
-                        <a:rPr sz="900" b="1" spc="-20" dirty="0">
-                          <a:solidFill>
-                            <a:srgbClr val="020302"/>
-                          </a:solidFill>
-                          <a:latin typeface="Adobe Clean"/>
-                          <a:cs typeface="Adobe Clean"/>
-                        </a:rPr>
-                        <a:t>R</a:t>
-                      </a:r>
-                      <a:r>
-                        <a:rPr sz="900" b="1" spc="-25" dirty="0">
-                          <a:solidFill>
-                            <a:srgbClr val="020302"/>
-                          </a:solidFill>
-                          <a:latin typeface="Adobe Clean"/>
-                          <a:cs typeface="Adobe Clean"/>
-                        </a:rPr>
-                        <a:t>I</a:t>
-                      </a:r>
-                      <a:r>
-                        <a:rPr sz="900" b="1" spc="-15" dirty="0">
-                          <a:solidFill>
-                            <a:srgbClr val="020302"/>
-                          </a:solidFill>
-                          <a:latin typeface="Adobe Clean"/>
-                          <a:cs typeface="Adobe Clean"/>
-                        </a:rPr>
-                        <a:t>O</a:t>
-                      </a:r>
-                      <a:r>
-                        <a:rPr sz="900" b="1" spc="-20" dirty="0">
-                          <a:solidFill>
-                            <a:srgbClr val="020302"/>
-                          </a:solidFill>
-                          <a:latin typeface="Adobe Clean"/>
-                          <a:cs typeface="Adobe Clean"/>
-                        </a:rPr>
-                        <a:t>R</a:t>
-                      </a:r>
-                      <a:r>
-                        <a:rPr sz="900" b="1" spc="-25" dirty="0">
-                          <a:solidFill>
-                            <a:srgbClr val="020302"/>
-                          </a:solidFill>
-                          <a:latin typeface="Adobe Clean"/>
-                          <a:cs typeface="Adobe Clean"/>
-                        </a:rPr>
-                        <a:t>I</a:t>
-                      </a:r>
-                      <a:r>
-                        <a:rPr sz="900" b="1" spc="-15" dirty="0">
-                          <a:solidFill>
-                            <a:srgbClr val="020302"/>
-                          </a:solidFill>
-                          <a:latin typeface="Adobe Clean"/>
-                          <a:cs typeface="Adobe Clean"/>
-                        </a:rPr>
-                        <a:t>T</a:t>
-                      </a:r>
-                      <a:r>
-                        <a:rPr sz="900" b="1" dirty="0">
-                          <a:solidFill>
-                            <a:srgbClr val="020302"/>
-                          </a:solidFill>
-                          <a:latin typeface="Adobe Clean"/>
-                          <a:cs typeface="Adobe Clean"/>
-                        </a:rPr>
-                        <a:t>Y</a:t>
-                      </a:r>
-                      <a:r>
-                        <a:rPr sz="900" b="1" spc="-40" dirty="0">
-                          <a:solidFill>
-                            <a:srgbClr val="020302"/>
-                          </a:solidFill>
-                          <a:latin typeface="Adobe Clean"/>
-                          <a:cs typeface="Adobe Clean"/>
-                        </a:rPr>
-                        <a:t> </a:t>
-                      </a:r>
-                      <a:r>
-                        <a:rPr sz="900" b="1" dirty="0">
-                          <a:solidFill>
-                            <a:srgbClr val="020302"/>
-                          </a:solidFill>
-                          <a:latin typeface="Adobe Clean"/>
-                          <a:cs typeface="Adobe Clean"/>
-                        </a:rPr>
-                        <a:t>1</a:t>
-                      </a:r>
-                      <a:endParaRPr sz="900" dirty="0">
-                        <a:latin typeface="Adobe Clean"/>
-                        <a:cs typeface="Adobe Clean"/>
-                      </a:endParaRPr>
                     </a:p>
                     <a:p>
-                      <a:pPr marL="50800" marR="387985" lvl="0" indent="0" eaLnBrk="1" fontAlgn="auto" latinLnBrk="0" hangingPunct="1">
+                      <a:pPr marL="50800" marR="387985" lvl="0" indent="0" defTabSz="914400" eaLnBrk="1" fontAlgn="auto" latinLnBrk="0" hangingPunct="1">
                         <a:lnSpc>
                           <a:spcPts val="1000"/>
                         </a:lnSpc>
@@ -3670,33 +2900,73 @@
                         <a:buSzTx/>
                         <a:buFontTx/>
                         <a:buNone/>
+                        <a:tabLst/>
+                        <a:defRPr/>
                       </a:pPr>
                       <a:r>
-                        <a:rPr lang="en-US" sz="900" b="0" i="0" spc="-130" dirty="0">
+                        <a:rPr lang="pt-BR" sz="900" b="0" i="0" dirty="0">
                           <a:solidFill>
                             <a:srgbClr val="020302"/>
                           </a:solidFill>
-                          <a:latin typeface="Adobe Clean Light"/>
-                          <a:cs typeface="+mn-cs"/>
+                          <a:latin typeface="Adobe Clean Light" panose="020B0303020404020204" pitchFamily="34" charset="0"/>
+                          <a:ea typeface="+mn-ea"/>
+                          <a:cs typeface="Adobe Clean"/>
                         </a:rPr>
-                        <a:t> </a:t>
+                        <a:t> </a:t>
                       </a:r>
                       <a:r>
-                        <a:rPr lang="en-US" sz="900" b="0" i="0" u="none" strike="noStrike" dirty="0">
+                        <a:rPr lang="pt-BR" sz="900" b="0" i="0" u="none" strike="noStrike" dirty="0">
                           <a:solidFill>
                             <a:schemeClr val="tx1"/>
                           </a:solidFill>
-                          <a:effectLst/>
-                          <a:latin typeface="Adobe Clean Light"/>
+                          <a:latin typeface="Adobe Clean Light" panose="020B0303020404020204" pitchFamily="34" charset="0"/>
                           <a:ea typeface="+mn-ea"/>
                           <a:cs typeface="+mn-cs"/>
                         </a:rPr>
-                        <a:t>Customer's production business functions are down or has significant data loss or degradation of services and immediate attention is required to restore functionality and usability</a:t>
+                        <a:t>As funções de produção do cliente estão inativas ou têm perda significativa de dados </a:t>
                       </a:r>
-                      <a:endParaRPr lang="en-US" sz="900" b="0" i="0" dirty="0">
-                        <a:latin typeface="Adobe Clean Light"/>
-                        <a:cs typeface="AdobeClean-Light"/>
-                      </a:endParaRPr>
+                      <a:br>
+                        <a:rPr lang="sk-SK" sz="900" b="0" i="0" u="none" strike="noStrike" dirty="0">
+                          <a:solidFill>
+                            <a:schemeClr val="tx1"/>
+                          </a:solidFill>
+                          <a:latin typeface="Adobe Clean Light" panose="020B0303020404020204" pitchFamily="34" charset="0"/>
+                          <a:ea typeface="+mn-ea"/>
+                          <a:cs typeface="+mn-cs"/>
+                        </a:rPr>
+                      </a:br>
+                      <a:r>
+                        <a:rPr lang="pt-BR" sz="900" b="0" i="0" u="none" strike="noStrike" dirty="0">
+                          <a:solidFill>
+                            <a:schemeClr val="tx1"/>
+                          </a:solidFill>
+                          <a:latin typeface="Adobe Clean Light" panose="020B0303020404020204" pitchFamily="34" charset="0"/>
+                          <a:ea typeface="+mn-ea"/>
+                          <a:cs typeface="+mn-cs"/>
+                        </a:rPr>
+                        <a:t>ou degradação de serviços, e é necessária atenção imediata para restaurar a funcionalidade </a:t>
+                      </a:r>
+                      <a:br>
+                        <a:rPr lang="sk-SK" sz="900" b="0" i="0" u="none" strike="noStrike" dirty="0">
+                          <a:solidFill>
+                            <a:schemeClr val="tx1"/>
+                          </a:solidFill>
+                          <a:latin typeface="Adobe Clean Light" panose="020B0303020404020204" pitchFamily="34" charset="0"/>
+                          <a:ea typeface="+mn-ea"/>
+                          <a:cs typeface="+mn-cs"/>
+                        </a:rPr>
+                      </a:br>
+                      <a:r>
+                        <a:rPr lang="pt-BR" sz="900" b="0" i="0" u="none" strike="noStrike" dirty="0">
+                          <a:solidFill>
+                            <a:schemeClr val="tx1"/>
+                          </a:solidFill>
+                          <a:latin typeface="Adobe Clean Light" panose="020B0303020404020204" pitchFamily="34" charset="0"/>
+                          <a:ea typeface="+mn-ea"/>
+                          <a:cs typeface="+mn-cs"/>
+                        </a:rPr>
+                        <a:t>e a usabilidade</a:t>
+                      </a:r>
                     </a:p>
                   </a:txBody>
                   <a:tcPr marL="0" marR="0" marT="0" marB="0" anchor="ctr">
@@ -3706,14 +2976,11 @@
                       </a:solidFill>
                       <a:prstDash val="solid"/>
                     </a:lnL>
-                    <a:lnR w="6350" cap="flat" cmpd="sng" algn="ctr">
+                    <a:lnR w="6350">
                       <a:solidFill>
                         <a:srgbClr val="B7B8B8"/>
                       </a:solidFill>
                       <a:prstDash val="solid"/>
-                      <a:round/>
-                      <a:headEnd type="none" w="med" len="med"/>
-                      <a:tailEnd type="none" w="med" len="med"/>
                     </a:lnR>
                     <a:lnT w="6350">
                       <a:solidFill>
@@ -3734,34 +3001,35 @@
                     <a:bodyPr/>
                     <a:lstStyle/>
                     <a:p>
-                      <a:pPr algn="ctr" fontAlgn="ctr"/>
+                      <a:pPr marL="542925" marR="492125" algn="ctr">
+                        <a:lnSpc>
+                          <a:spcPct val="102200"/>
+                        </a:lnSpc>
+                      </a:pPr>
                       <a:r>
-                        <a:rPr lang="en-US" sz="900" b="0" i="0" u="none" strike="noStrike" dirty="0">
+                        <a:rPr lang="pt-BR" sz="900">
                           <a:solidFill>
                             <a:srgbClr val="020302"/>
                           </a:solidFill>
-                          <a:effectLst/>
-                          <a:latin typeface="AdobeClean-Light" panose="020B0503020404020204" pitchFamily="34" charset="0"/>
+                          <a:latin typeface="AdobeClean-Light"/>
+                          <a:cs typeface="AdobeClean-Light"/>
                         </a:rPr>
-                        <a:t>24x7 /  1 hour</a:t>
+                        <a:t>24x7 /              1 hora</a:t>
                       </a:r>
                     </a:p>
                   </a:txBody>
-                  <a:tcPr marL="9525" marR="9525" marT="9525" marB="0" anchor="ctr">
+                  <a:tcPr marL="0" marR="0" marT="0" marB="0" anchor="ctr">
                     <a:lnL w="6350">
                       <a:solidFill>
                         <a:srgbClr val="B7B8B8"/>
                       </a:solidFill>
                       <a:prstDash val="solid"/>
                     </a:lnL>
-                    <a:lnR w="6350" cap="flat" cmpd="sng" algn="ctr">
+                    <a:lnR w="6350">
                       <a:solidFill>
                         <a:srgbClr val="B7B8B8"/>
                       </a:solidFill>
                       <a:prstDash val="solid"/>
-                      <a:round/>
-                      <a:headEnd type="none" w="med" len="med"/>
-                      <a:tailEnd type="none" w="med" len="med"/>
                     </a:lnR>
                     <a:lnT w="76200">
                       <a:solidFill>
@@ -3782,28 +3050,32 @@
                     <a:bodyPr/>
                     <a:lstStyle/>
                     <a:p>
-                      <a:pPr algn="ctr" fontAlgn="ctr"/>
+                      <a:pPr marL="352425" marR="476250" indent="111125" algn="ctr">
+                        <a:lnSpc>
+                          <a:spcPct val="100000"/>
+                        </a:lnSpc>
+                        <a:spcBef>
+                          <a:spcPts val="700"/>
+                        </a:spcBef>
+                      </a:pPr>
                       <a:r>
-                        <a:rPr lang="en-US" sz="900" b="0" i="0" u="none" strike="noStrike">
+                        <a:rPr lang="pt-BR" sz="900">
                           <a:solidFill>
                             <a:srgbClr val="020302"/>
                           </a:solidFill>
-                          <a:effectLst/>
-                          <a:latin typeface="AdobeClean-Light" panose="020B0503020404020204" pitchFamily="34" charset="0"/>
+                          <a:latin typeface="AdobeClean-Light"/>
+                          <a:cs typeface="AdobeClean-Light"/>
                         </a:rPr>
-                        <a:t>24x7 / 30 minutes</a:t>
+                        <a:t>24x7 /  30minutos</a:t>
                       </a:r>
                     </a:p>
                   </a:txBody>
-                  <a:tcPr marL="9525" marR="9525" marT="9525" marB="0" anchor="ctr">
-                    <a:lnL w="6350" cap="flat" cmpd="sng" algn="ctr">
+                  <a:tcPr marL="0" marR="0" marT="0" marB="0" anchor="ctr">
+                    <a:lnL w="6350">
                       <a:solidFill>
                         <a:srgbClr val="B7B8B8"/>
                       </a:solidFill>
                       <a:prstDash val="solid"/>
-                      <a:round/>
-                      <a:headEnd type="none" w="med" len="med"/>
-                      <a:tailEnd type="none" w="med" len="med"/>
                     </a:lnL>
                     <a:lnR w="6350" cap="flat" cmpd="sng" algn="ctr">
                       <a:solidFill>
@@ -3842,7 +3114,7 @@
                   </a:ext>
                 </a:extLst>
               </a:tr>
-              <a:tr h="0">
+              <a:tr h="484755">
                 <a:tc>
                   <a:txBody>
                     <a:bodyPr/>
@@ -3857,109 +3129,15 @@
                         </a:spcBef>
                       </a:pPr>
                       <a:r>
-                        <a:rPr sz="900" b="1" spc="-15" dirty="0">
+                        <a:rPr lang="pt-BR" sz="900" b="1" dirty="0">
                           <a:solidFill>
                             <a:srgbClr val="020302"/>
                           </a:solidFill>
                           <a:latin typeface="Adobe Clean"/>
                           <a:cs typeface="Adobe Clean"/>
                         </a:rPr>
-                        <a:t>P</a:t>
+                        <a:t>PRIORIDADE 2</a:t>
                       </a:r>
-                      <a:r>
-                        <a:rPr sz="900" b="1" spc="-20" dirty="0">
-                          <a:solidFill>
-                            <a:srgbClr val="020302"/>
-                          </a:solidFill>
-                          <a:latin typeface="Adobe Clean"/>
-                          <a:cs typeface="Adobe Clean"/>
-                        </a:rPr>
-                        <a:t>R</a:t>
-                      </a:r>
-                      <a:r>
-                        <a:rPr sz="900" b="1" spc="-25" dirty="0">
-                          <a:solidFill>
-                            <a:srgbClr val="020302"/>
-                          </a:solidFill>
-                          <a:latin typeface="Adobe Clean"/>
-                          <a:cs typeface="Adobe Clean"/>
-                        </a:rPr>
-                        <a:t>I</a:t>
-                      </a:r>
-                      <a:r>
-                        <a:rPr sz="900" b="1" spc="-15" dirty="0">
-                          <a:solidFill>
-                            <a:srgbClr val="020302"/>
-                          </a:solidFill>
-                          <a:latin typeface="Adobe Clean"/>
-                          <a:cs typeface="Adobe Clean"/>
-                        </a:rPr>
-                        <a:t>O</a:t>
-                      </a:r>
-                      <a:r>
-                        <a:rPr sz="900" b="1" spc="-20" dirty="0">
-                          <a:solidFill>
-                            <a:srgbClr val="020302"/>
-                          </a:solidFill>
-                          <a:latin typeface="Adobe Clean"/>
-                          <a:cs typeface="Adobe Clean"/>
-                        </a:rPr>
-                        <a:t>R</a:t>
-                      </a:r>
-                      <a:r>
-                        <a:rPr sz="900" b="1" spc="-25" dirty="0">
-                          <a:solidFill>
-                            <a:srgbClr val="020302"/>
-                          </a:solidFill>
-                          <a:latin typeface="Adobe Clean"/>
-                          <a:cs typeface="Adobe Clean"/>
-                        </a:rPr>
-                        <a:t>I</a:t>
-                      </a:r>
-                      <a:r>
-                        <a:rPr sz="900" b="1" spc="-15" dirty="0">
-                          <a:solidFill>
-                            <a:srgbClr val="020302"/>
-                          </a:solidFill>
-                          <a:latin typeface="Adobe Clean"/>
-                          <a:cs typeface="Adobe Clean"/>
-                        </a:rPr>
-                        <a:t>T</a:t>
-                      </a:r>
-                      <a:r>
-                        <a:rPr sz="900" b="1" dirty="0">
-                          <a:solidFill>
-                            <a:srgbClr val="020302"/>
-                          </a:solidFill>
-                          <a:latin typeface="Adobe Clean"/>
-                          <a:cs typeface="Adobe Clean"/>
-                        </a:rPr>
-                        <a:t>Y</a:t>
-                      </a:r>
-                      <a:r>
-                        <a:rPr sz="900" b="1" spc="-40" dirty="0">
-                          <a:solidFill>
-                            <a:srgbClr val="020302"/>
-                          </a:solidFill>
-                          <a:latin typeface="Adobe Clean"/>
-                          <a:cs typeface="Adobe Clean"/>
-                        </a:rPr>
-                        <a:t> </a:t>
-                      </a:r>
-                      <a:r>
-                        <a:rPr sz="900" b="1" dirty="0">
-                          <a:solidFill>
-                            <a:srgbClr val="020302"/>
-                          </a:solidFill>
-                          <a:latin typeface="Adobe Clean"/>
-                          <a:cs typeface="Adobe Clean"/>
-                        </a:rPr>
-                        <a:t>2</a:t>
-                      </a:r>
-                      <a:endParaRPr sz="900" dirty="0">
-                        <a:latin typeface="Adobe Clean"/>
-                        <a:cs typeface="Adobe Clean"/>
-                      </a:endParaRPr>
                     </a:p>
                     <a:p>
                       <a:pPr marL="50165" marR="203200">
@@ -3971,21 +3149,37 @@
                         </a:spcBef>
                       </a:pPr>
                       <a:r>
-                        <a:rPr lang="en-US" sz="900" b="0" i="0" u="none" strike="noStrike" dirty="0">
+                        <a:rPr lang="pt-BR" sz="900" b="0" i="0" u="none" strike="noStrike" dirty="0">
                           <a:solidFill>
                             <a:schemeClr val="tx1"/>
                           </a:solidFill>
-                          <a:effectLst/>
-                          <a:latin typeface="Adobe Clean Light"/>
+                          <a:latin typeface="Adobe Clean Light" panose="020B0303020404020204" pitchFamily="34" charset="0"/>
                           <a:ea typeface="+mn-ea"/>
                           <a:cs typeface="+mn-cs"/>
                         </a:rPr>
-                        <a:t>Customer's business functions has major degradation of services, or potential of data loss or unavailability of services, or a major feature is impacted</a:t>
+                        <a:t>As funções empresariais do cliente têm grande degradação de serviços, perda potencial </a:t>
                       </a:r>
-                      <a:endParaRPr lang="en-US" sz="900" b="0" i="0" dirty="0">
-                        <a:latin typeface="Adobe Clean Light"/>
-                        <a:cs typeface="AdobeClean-Light"/>
-                      </a:endParaRPr>
+                      <a:br>
+                        <a:rPr lang="sk-SK" sz="900" b="0" i="0" u="none" strike="noStrike" dirty="0">
+                          <a:solidFill>
+                            <a:schemeClr val="tx1"/>
+                          </a:solidFill>
+                          <a:latin typeface="Adobe Clean Light" panose="020B0303020404020204" pitchFamily="34" charset="0"/>
+                          <a:ea typeface="+mn-ea"/>
+                          <a:cs typeface="+mn-cs"/>
+                        </a:rPr>
+                      </a:br>
+                      <a:r>
+                        <a:rPr lang="pt-BR" sz="900" b="0" i="0" u="none" strike="noStrike" dirty="0">
+                          <a:solidFill>
+                            <a:schemeClr val="tx1"/>
+                          </a:solidFill>
+                          <a:latin typeface="Adobe Clean Light" panose="020B0303020404020204" pitchFamily="34" charset="0"/>
+                          <a:ea typeface="+mn-ea"/>
+                          <a:cs typeface="+mn-cs"/>
+                        </a:rPr>
+                        <a:t>de dados ou indisponibilidade de serviços, ou foi afetado um recurso importante</a:t>
+                      </a:r>
                     </a:p>
                   </a:txBody>
                   <a:tcPr marL="0" marR="0" marT="0" marB="0" anchor="ctr">
@@ -3995,14 +3189,11 @@
                       </a:solidFill>
                       <a:prstDash val="solid"/>
                     </a:lnL>
-                    <a:lnR w="6350" cap="flat" cmpd="sng" algn="ctr">
+                    <a:lnR w="6350">
                       <a:solidFill>
                         <a:srgbClr val="B7B8B8"/>
                       </a:solidFill>
                       <a:prstDash val="solid"/>
-                      <a:round/>
-                      <a:headEnd type="none" w="med" len="med"/>
-                      <a:tailEnd type="none" w="med" len="med"/>
                     </a:lnR>
                     <a:lnT w="6350">
                       <a:solidFill>
@@ -4023,34 +3214,55 @@
                     <a:bodyPr/>
                     <a:lstStyle/>
                     <a:p>
-                      <a:pPr algn="ctr" fontAlgn="ctr"/>
+                      <a:pPr marL="473709" marR="343535" indent="-175895" algn="ctr">
+                        <a:lnSpc>
+                          <a:spcPct val="102200"/>
+                        </a:lnSpc>
+                      </a:pPr>
                       <a:r>
-                        <a:rPr lang="en-US" sz="900" b="0" i="0" u="none" strike="noStrike" dirty="0">
+                        <a:rPr lang="pt-BR" sz="900" dirty="0">
                           <a:solidFill>
                             <a:srgbClr val="020302"/>
                           </a:solidFill>
-                          <a:effectLst/>
-                          <a:latin typeface="AdobeClean-Light" panose="020B0503020404020204" pitchFamily="34" charset="0"/>
+                          <a:latin typeface="AdobeClean-Light"/>
+                          <a:cs typeface="AdobeClean-Light"/>
                         </a:rPr>
-                        <a:t>Business hours / 4 hours</a:t>
+                        <a:t>Horário comercial</a:t>
+                      </a:r>
+                      <a:r>
+                        <a:rPr lang="sk-SK" sz="900" dirty="0">
+                          <a:solidFill>
+                            <a:srgbClr val="020302"/>
+                          </a:solidFill>
+                          <a:latin typeface="AdobeClean-Light"/>
+                          <a:cs typeface="AdobeClean-Light"/>
+                        </a:rPr>
+                        <a:t> </a:t>
+                      </a:r>
+                      <a:r>
+                        <a:rPr lang="pt-BR" sz="900" dirty="0">
+                          <a:solidFill>
+                            <a:srgbClr val="020302"/>
+                          </a:solidFill>
+                          <a:latin typeface="AdobeClean-Light"/>
+                          <a:cs typeface="AdobeClean-Light"/>
+                        </a:rPr>
+                        <a:t>/           4 horas</a:t>
                       </a:r>
                     </a:p>
                   </a:txBody>
-                  <a:tcPr marL="9525" marR="9525" marT="9525" marB="0" anchor="ctr">
+                  <a:tcPr marL="0" marR="0" marT="0" marB="0" anchor="ctr">
                     <a:lnL w="6350">
                       <a:solidFill>
                         <a:srgbClr val="B7B8B8"/>
                       </a:solidFill>
                       <a:prstDash val="solid"/>
                     </a:lnL>
-                    <a:lnR w="6350" cap="flat" cmpd="sng" algn="ctr">
+                    <a:lnR w="6350">
                       <a:solidFill>
                         <a:srgbClr val="B7B8B8"/>
                       </a:solidFill>
                       <a:prstDash val="solid"/>
-                      <a:round/>
-                      <a:headEnd type="none" w="med" len="med"/>
-                      <a:tailEnd type="none" w="med" len="med"/>
                     </a:lnR>
                     <a:lnT w="6350">
                       <a:solidFill>
@@ -4071,28 +3283,30 @@
                     <a:bodyPr/>
                     <a:lstStyle/>
                     <a:p>
-                      <a:pPr algn="ctr" fontAlgn="ctr"/>
+                      <a:pPr marL="542925" marR="492125" algn="ctr">
+                        <a:lnSpc>
+                          <a:spcPct val="102200"/>
+                        </a:lnSpc>
+                      </a:pPr>
                       <a:r>
-                        <a:rPr lang="en-US" sz="900" b="0" i="0" u="none" strike="noStrike">
+                        <a:rPr lang="pt-BR" sz="900">
                           <a:solidFill>
                             <a:srgbClr val="020302"/>
                           </a:solidFill>
-                          <a:effectLst/>
-                          <a:latin typeface="AdobeClean-Light" panose="020B0503020404020204" pitchFamily="34" charset="0"/>
+                          <a:latin typeface="AdobeClean-Light"/>
+                          <a:ea typeface="+mn-ea"/>
+                          <a:cs typeface="AdobeClean-Light"/>
                         </a:rPr>
-                        <a:t>24x5 / 1 hour</a:t>
+                        <a:t>24x5 /              1 hora</a:t>
                       </a:r>
                     </a:p>
                   </a:txBody>
-                  <a:tcPr marL="9525" marR="9525" marT="9525" marB="0" anchor="ctr">
-                    <a:lnL w="6350" cap="flat" cmpd="sng" algn="ctr">
+                  <a:tcPr marL="0" marR="0" marT="0" marB="0" anchor="ctr">
+                    <a:lnL w="6350">
                       <a:solidFill>
                         <a:srgbClr val="B7B8B8"/>
                       </a:solidFill>
                       <a:prstDash val="solid"/>
-                      <a:round/>
-                      <a:headEnd type="none" w="med" len="med"/>
-                      <a:tailEnd type="none" w="med" len="med"/>
                     </a:lnL>
                     <a:lnR w="6350" cap="flat" cmpd="sng" algn="ctr">
                       <a:solidFill>
@@ -4143,109 +3357,15 @@
                         </a:spcBef>
                       </a:pPr>
                       <a:r>
-                        <a:rPr sz="900" b="1" spc="-15" dirty="0">
+                        <a:rPr lang="pt-BR" sz="900" b="1" dirty="0">
                           <a:solidFill>
                             <a:srgbClr val="020302"/>
                           </a:solidFill>
                           <a:latin typeface="Adobe Clean"/>
                           <a:cs typeface="Adobe Clean"/>
                         </a:rPr>
-                        <a:t>P</a:t>
+                        <a:t>PRIORIDADE 3</a:t>
                       </a:r>
-                      <a:r>
-                        <a:rPr sz="900" b="1" spc="-20" dirty="0">
-                          <a:solidFill>
-                            <a:srgbClr val="020302"/>
-                          </a:solidFill>
-                          <a:latin typeface="Adobe Clean"/>
-                          <a:cs typeface="Adobe Clean"/>
-                        </a:rPr>
-                        <a:t>R</a:t>
-                      </a:r>
-                      <a:r>
-                        <a:rPr sz="900" b="1" spc="-25" dirty="0">
-                          <a:solidFill>
-                            <a:srgbClr val="020302"/>
-                          </a:solidFill>
-                          <a:latin typeface="Adobe Clean"/>
-                          <a:cs typeface="Adobe Clean"/>
-                        </a:rPr>
-                        <a:t>I</a:t>
-                      </a:r>
-                      <a:r>
-                        <a:rPr sz="900" b="1" spc="-15" dirty="0">
-                          <a:solidFill>
-                            <a:srgbClr val="020302"/>
-                          </a:solidFill>
-                          <a:latin typeface="Adobe Clean"/>
-                          <a:cs typeface="Adobe Clean"/>
-                        </a:rPr>
-                        <a:t>O</a:t>
-                      </a:r>
-                      <a:r>
-                        <a:rPr sz="900" b="1" spc="-20" dirty="0">
-                          <a:solidFill>
-                            <a:srgbClr val="020302"/>
-                          </a:solidFill>
-                          <a:latin typeface="Adobe Clean"/>
-                          <a:cs typeface="Adobe Clean"/>
-                        </a:rPr>
-                        <a:t>R</a:t>
-                      </a:r>
-                      <a:r>
-                        <a:rPr sz="900" b="1" spc="-25" dirty="0">
-                          <a:solidFill>
-                            <a:srgbClr val="020302"/>
-                          </a:solidFill>
-                          <a:latin typeface="Adobe Clean"/>
-                          <a:cs typeface="Adobe Clean"/>
-                        </a:rPr>
-                        <a:t>I</a:t>
-                      </a:r>
-                      <a:r>
-                        <a:rPr sz="900" b="1" spc="-15" dirty="0">
-                          <a:solidFill>
-                            <a:srgbClr val="020302"/>
-                          </a:solidFill>
-                          <a:latin typeface="Adobe Clean"/>
-                          <a:cs typeface="Adobe Clean"/>
-                        </a:rPr>
-                        <a:t>T</a:t>
-                      </a:r>
-                      <a:r>
-                        <a:rPr sz="900" b="1" dirty="0">
-                          <a:solidFill>
-                            <a:srgbClr val="020302"/>
-                          </a:solidFill>
-                          <a:latin typeface="Adobe Clean"/>
-                          <a:cs typeface="Adobe Clean"/>
-                        </a:rPr>
-                        <a:t>Y</a:t>
-                      </a:r>
-                      <a:r>
-                        <a:rPr sz="900" b="1" spc="-40" dirty="0">
-                          <a:solidFill>
-                            <a:srgbClr val="020302"/>
-                          </a:solidFill>
-                          <a:latin typeface="Adobe Clean"/>
-                          <a:cs typeface="Adobe Clean"/>
-                        </a:rPr>
-                        <a:t> </a:t>
-                      </a:r>
-                      <a:r>
-                        <a:rPr sz="900" b="1" dirty="0">
-                          <a:solidFill>
-                            <a:srgbClr val="020302"/>
-                          </a:solidFill>
-                          <a:latin typeface="Adobe Clean"/>
-                          <a:cs typeface="Adobe Clean"/>
-                        </a:rPr>
-                        <a:t>3</a:t>
-                      </a:r>
-                      <a:endParaRPr sz="900" dirty="0">
-                        <a:latin typeface="Adobe Clean"/>
-                        <a:cs typeface="Adobe Clean"/>
-                      </a:endParaRPr>
                     </a:p>
                     <a:p>
                       <a:pPr marL="49530" marR="212090" indent="-2540">
@@ -4257,21 +3377,37 @@
                         </a:spcBef>
                       </a:pPr>
                       <a:r>
-                        <a:rPr lang="en-US" sz="900" b="0" i="0" u="none" strike="noStrike" dirty="0">
+                        <a:rPr lang="pt-BR" sz="900" b="0" i="0" u="none" strike="noStrike" dirty="0">
                           <a:solidFill>
                             <a:schemeClr val="tx1"/>
                           </a:solidFill>
-                          <a:effectLst/>
-                          <a:latin typeface="Adobe Clean Light"/>
+                          <a:latin typeface="Adobe Clean Light" panose="020B0303020404020204" pitchFamily="34" charset="0"/>
                           <a:ea typeface="+mn-ea"/>
                           <a:cs typeface="+mn-cs"/>
                         </a:rPr>
-                        <a:t>Customer's business functions has minor to no degradation of services with a solution/workaround allowing business functions to continue </a:t>
+                        <a:t>As funções empresariais do cliente têm pouca ou nenhuma degradação dos serviços com </a:t>
                       </a:r>
-                      <a:endParaRPr lang="en-US" sz="900" b="0" i="0" dirty="0">
-                        <a:latin typeface="Adobe Clean Light"/>
-                        <a:cs typeface="AdobeClean-Light"/>
-                      </a:endParaRPr>
+                      <a:br>
+                        <a:rPr lang="sk-SK" sz="900" b="0" i="0" u="none" strike="noStrike" dirty="0">
+                          <a:solidFill>
+                            <a:schemeClr val="tx1"/>
+                          </a:solidFill>
+                          <a:latin typeface="Adobe Clean Light" panose="020B0303020404020204" pitchFamily="34" charset="0"/>
+                          <a:ea typeface="+mn-ea"/>
+                          <a:cs typeface="+mn-cs"/>
+                        </a:rPr>
+                      </a:br>
+                      <a:r>
+                        <a:rPr lang="pt-BR" sz="900" b="0" i="0" u="none" strike="noStrike" dirty="0">
+                          <a:solidFill>
+                            <a:schemeClr val="tx1"/>
+                          </a:solidFill>
+                          <a:latin typeface="Adobe Clean Light" panose="020B0303020404020204" pitchFamily="34" charset="0"/>
+                          <a:ea typeface="+mn-ea"/>
+                          <a:cs typeface="+mn-cs"/>
+                        </a:rPr>
+                        <a:t>uma solução/solução alternativa que permite que as funções empresariais continuem.  </a:t>
+                      </a:r>
                     </a:p>
                   </a:txBody>
                   <a:tcPr marL="0" marR="0" marT="0" marB="0" anchor="ctr">
@@ -4281,14 +3417,11 @@
                       </a:solidFill>
                       <a:prstDash val="solid"/>
                     </a:lnL>
-                    <a:lnR w="6350" cap="flat" cmpd="sng" algn="ctr">
+                    <a:lnR w="6350">
                       <a:solidFill>
                         <a:srgbClr val="B7B8B8"/>
                       </a:solidFill>
                       <a:prstDash val="solid"/>
-                      <a:round/>
-                      <a:headEnd type="none" w="med" len="med"/>
-                      <a:tailEnd type="none" w="med" len="med"/>
                     </a:lnR>
                     <a:lnT w="6350">
                       <a:solidFill>
@@ -4309,34 +3442,35 @@
                     <a:bodyPr/>
                     <a:lstStyle/>
                     <a:p>
-                      <a:pPr algn="ctr" fontAlgn="ctr"/>
+                      <a:pPr marL="473709" marR="343535" indent="-175895" algn="ctr">
+                        <a:lnSpc>
+                          <a:spcPct val="102200"/>
+                        </a:lnSpc>
+                      </a:pPr>
                       <a:r>
-                        <a:rPr lang="en-US" sz="900" b="0" i="0" u="none" strike="noStrike" dirty="0">
+                        <a:rPr lang="pt-BR" sz="900">
                           <a:solidFill>
                             <a:srgbClr val="020302"/>
                           </a:solidFill>
-                          <a:effectLst/>
-                          <a:latin typeface="AdobeClean-Light" panose="020B0503020404020204" pitchFamily="34" charset="0"/>
+                          <a:latin typeface="AdobeClean-Light"/>
+                          <a:cs typeface="AdobeClean-Light"/>
                         </a:rPr>
-                        <a:t>Business hours / 6 hours</a:t>
+                        <a:t>Horário comercial/           6 horas</a:t>
                       </a:r>
                     </a:p>
                   </a:txBody>
-                  <a:tcPr marL="9525" marR="9525" marT="9525" marB="0" anchor="ctr">
+                  <a:tcPr marL="0" marR="0" marT="0" marB="0" anchor="ctr">
                     <a:lnL w="6350">
                       <a:solidFill>
                         <a:srgbClr val="B7B8B8"/>
                       </a:solidFill>
                       <a:prstDash val="solid"/>
                     </a:lnL>
-                    <a:lnR w="6350" cap="flat" cmpd="sng" algn="ctr">
+                    <a:lnR w="6350">
                       <a:solidFill>
                         <a:srgbClr val="B7B8B8"/>
                       </a:solidFill>
                       <a:prstDash val="solid"/>
-                      <a:round/>
-                      <a:headEnd type="none" w="med" len="med"/>
-                      <a:tailEnd type="none" w="med" len="med"/>
                     </a:lnR>
                     <a:lnT w="6350">
                       <a:solidFill>
@@ -4357,28 +3491,51 @@
                     <a:bodyPr/>
                     <a:lstStyle/>
                     <a:p>
-                      <a:pPr algn="ctr" fontAlgn="ctr"/>
+                      <a:pPr marL="285750" marR="398780" indent="0" algn="ctr">
+                        <a:lnSpc>
+                          <a:spcPct val="102200"/>
+                        </a:lnSpc>
+                        <a:spcBef>
+                          <a:spcPts val="675"/>
+                        </a:spcBef>
+                      </a:pPr>
                       <a:r>
-                        <a:rPr lang="en-US" sz="900" b="0" i="0" u="none" strike="noStrike">
+                        <a:rPr lang="pt-BR" sz="900" dirty="0">
                           <a:solidFill>
                             <a:srgbClr val="020302"/>
                           </a:solidFill>
-                          <a:effectLst/>
-                          <a:latin typeface="AdobeClean-Light" panose="020B0503020404020204" pitchFamily="34" charset="0"/>
+                          <a:latin typeface="AdobeClean-Light"/>
+                          <a:cs typeface="AdobeClean-Light"/>
                         </a:rPr>
-                        <a:t>Business hours / 2 hours</a:t>
+                        <a:t>Horário comercial/</a:t>
+                      </a:r>
+                      <a:br>
+                        <a:rPr lang="sk-SK" sz="900" dirty="0">
+                          <a:solidFill>
+                            <a:srgbClr val="020302"/>
+                          </a:solidFill>
+                          <a:latin typeface="AdobeClean-Light"/>
+                          <a:cs typeface="AdobeClean-Light"/>
+                        </a:rPr>
+                      </a:br>
+                      <a:r>
+                        <a:rPr lang="pt-BR" sz="900" dirty="0">
+                          <a:solidFill>
+                            <a:srgbClr val="020302"/>
+                          </a:solidFill>
+                          <a:latin typeface="AdobeClean-Light"/>
+                          <a:cs typeface="AdobeClean-Light"/>
+                        </a:rPr>
+                        <a:t>2 horas</a:t>
                       </a:r>
                     </a:p>
                   </a:txBody>
-                  <a:tcPr marL="9525" marR="9525" marT="9525" marB="0" anchor="ctr">
-                    <a:lnL w="6350" cap="flat" cmpd="sng" algn="ctr">
+                  <a:tcPr marL="0" marR="0" marT="0" marB="0" anchor="ctr">
+                    <a:lnL w="6350">
                       <a:solidFill>
                         <a:srgbClr val="B7B8B8"/>
                       </a:solidFill>
                       <a:prstDash val="solid"/>
-                      <a:round/>
-                      <a:headEnd type="none" w="med" len="med"/>
-                      <a:tailEnd type="none" w="med" len="med"/>
                     </a:lnL>
                     <a:lnR w="6350" cap="flat" cmpd="sng" algn="ctr">
                       <a:solidFill>
@@ -4429,109 +3586,15 @@
                         </a:spcBef>
                       </a:pPr>
                       <a:r>
-                        <a:rPr sz="900" b="1" spc="-15" dirty="0">
+                        <a:rPr lang="pt-BR" sz="900" b="1">
                           <a:solidFill>
                             <a:srgbClr val="020302"/>
                           </a:solidFill>
                           <a:latin typeface="Adobe Clean"/>
                           <a:cs typeface="Adobe Clean"/>
                         </a:rPr>
-                        <a:t>P</a:t>
+                        <a:t>PRIORIDADE 4</a:t>
                       </a:r>
-                      <a:r>
-                        <a:rPr sz="900" b="1" spc="-20" dirty="0">
-                          <a:solidFill>
-                            <a:srgbClr val="020302"/>
-                          </a:solidFill>
-                          <a:latin typeface="Adobe Clean"/>
-                          <a:cs typeface="Adobe Clean"/>
-                        </a:rPr>
-                        <a:t>R</a:t>
-                      </a:r>
-                      <a:r>
-                        <a:rPr sz="900" b="1" spc="-25" dirty="0">
-                          <a:solidFill>
-                            <a:srgbClr val="020302"/>
-                          </a:solidFill>
-                          <a:latin typeface="Adobe Clean"/>
-                          <a:cs typeface="Adobe Clean"/>
-                        </a:rPr>
-                        <a:t>I</a:t>
-                      </a:r>
-                      <a:r>
-                        <a:rPr sz="900" b="1" spc="-15" dirty="0">
-                          <a:solidFill>
-                            <a:srgbClr val="020302"/>
-                          </a:solidFill>
-                          <a:latin typeface="Adobe Clean"/>
-                          <a:cs typeface="Adobe Clean"/>
-                        </a:rPr>
-                        <a:t>O</a:t>
-                      </a:r>
-                      <a:r>
-                        <a:rPr sz="900" b="1" spc="-20" dirty="0">
-                          <a:solidFill>
-                            <a:srgbClr val="020302"/>
-                          </a:solidFill>
-                          <a:latin typeface="Adobe Clean"/>
-                          <a:cs typeface="Adobe Clean"/>
-                        </a:rPr>
-                        <a:t>R</a:t>
-                      </a:r>
-                      <a:r>
-                        <a:rPr sz="900" b="1" spc="-25" dirty="0">
-                          <a:solidFill>
-                            <a:srgbClr val="020302"/>
-                          </a:solidFill>
-                          <a:latin typeface="Adobe Clean"/>
-                          <a:cs typeface="Adobe Clean"/>
-                        </a:rPr>
-                        <a:t>I</a:t>
-                      </a:r>
-                      <a:r>
-                        <a:rPr sz="900" b="1" spc="-15" dirty="0">
-                          <a:solidFill>
-                            <a:srgbClr val="020302"/>
-                          </a:solidFill>
-                          <a:latin typeface="Adobe Clean"/>
-                          <a:cs typeface="Adobe Clean"/>
-                        </a:rPr>
-                        <a:t>T</a:t>
-                      </a:r>
-                      <a:r>
-                        <a:rPr sz="900" b="1" dirty="0">
-                          <a:solidFill>
-                            <a:srgbClr val="020302"/>
-                          </a:solidFill>
-                          <a:latin typeface="Adobe Clean"/>
-                          <a:cs typeface="Adobe Clean"/>
-                        </a:rPr>
-                        <a:t>Y</a:t>
-                      </a:r>
-                      <a:r>
-                        <a:rPr sz="900" b="1" spc="-40" dirty="0">
-                          <a:solidFill>
-                            <a:srgbClr val="020302"/>
-                          </a:solidFill>
-                          <a:latin typeface="Adobe Clean"/>
-                          <a:cs typeface="Adobe Clean"/>
-                        </a:rPr>
-                        <a:t> </a:t>
-                      </a:r>
-                      <a:r>
-                        <a:rPr sz="900" b="1" dirty="0">
-                          <a:solidFill>
-                            <a:srgbClr val="020302"/>
-                          </a:solidFill>
-                          <a:latin typeface="Adobe Clean"/>
-                          <a:cs typeface="Adobe Clean"/>
-                        </a:rPr>
-                        <a:t>4</a:t>
-                      </a:r>
-                      <a:endParaRPr sz="900" dirty="0">
-                        <a:latin typeface="Adobe Clean"/>
-                        <a:cs typeface="Adobe Clean"/>
-                      </a:endParaRPr>
                     </a:p>
                     <a:p>
                       <a:pPr marL="49530">
@@ -4543,31 +3606,27 @@
                         </a:spcBef>
                       </a:pPr>
                       <a:r>
-                        <a:rPr lang="en-US" sz="900" b="1" spc="-90" dirty="0">
+                        <a:rPr lang="pt-BR" sz="900" b="1">
                           <a:solidFill>
                             <a:srgbClr val="020302"/>
                           </a:solidFill>
                           <a:latin typeface="Adobe Clean"/>
-                          <a:cs typeface="+mn-cs"/>
+                          <a:ea typeface="+mn-ea"/>
+                          <a:cs typeface="Adobe Clean"/>
                         </a:rPr>
-                        <a:t> </a:t>
+                        <a:t> </a:t>
                       </a:r>
                       <a:r>
-                        <a:rPr lang="en-US" sz="900" b="0" i="0" u="none" strike="noStrike" dirty="0">
+                        <a:rPr lang="pt-BR" sz="900" b="0" i="0" u="none" strike="noStrike">
                           <a:solidFill>
                             <a:schemeClr val="tx1"/>
                           </a:solidFill>
-                          <a:effectLst/>
-                          <a:latin typeface="Adobe Clean Light"/>
+                          <a:latin typeface="Adobe Clean Light" panose="020B0303020404020204" pitchFamily="34" charset="0"/>
                           <a:ea typeface="+mn-ea"/>
                           <a:cs typeface="+mn-cs"/>
                         </a:rPr>
-                        <a:t>General question regarding current product functionality or an enhancement request</a:t>
+                        <a:t>Pergunta geral sobre a funcionalidade atual do produto ou solicitação de melhoria</a:t>
                       </a:r>
-                      <a:endParaRPr lang="en-US" sz="900" b="0" i="0" dirty="0">
-                        <a:latin typeface="Adobe Clean Light"/>
-                        <a:cs typeface="AdobeClean-Light"/>
-                      </a:endParaRPr>
                     </a:p>
                   </a:txBody>
                   <a:tcPr marL="0" marR="0" marT="0" marB="0" anchor="ctr">
@@ -4577,14 +3636,11 @@
                       </a:solidFill>
                       <a:prstDash val="solid"/>
                     </a:lnL>
-                    <a:lnR w="6350" cap="flat" cmpd="sng" algn="ctr">
+                    <a:lnR w="6350">
                       <a:solidFill>
                         <a:srgbClr val="B7B8B8"/>
                       </a:solidFill>
                       <a:prstDash val="solid"/>
-                      <a:round/>
-                      <a:headEnd type="none" w="med" len="med"/>
-                      <a:tailEnd type="none" w="med" len="med"/>
                     </a:lnR>
                     <a:lnT w="6350">
                       <a:solidFill>
@@ -4605,34 +3661,55 @@
                     <a:bodyPr/>
                     <a:lstStyle/>
                     <a:p>
-                      <a:pPr algn="ctr" fontAlgn="ctr"/>
+                      <a:pPr marL="473709" marR="343535" indent="-175895" algn="ctr">
+                        <a:lnSpc>
+                          <a:spcPct val="102200"/>
+                        </a:lnSpc>
+                      </a:pPr>
                       <a:r>
-                        <a:rPr lang="en-US" sz="900" b="0" i="0" u="none" strike="noStrike" dirty="0">
+                        <a:rPr lang="pt-BR" sz="900" dirty="0">
                           <a:solidFill>
                             <a:srgbClr val="020302"/>
                           </a:solidFill>
-                          <a:effectLst/>
-                          <a:latin typeface="AdobeClean-Light" panose="020B0503020404020204" pitchFamily="34" charset="0"/>
+                          <a:latin typeface="AdobeClean-Light"/>
+                          <a:cs typeface="AdobeClean-Light"/>
                         </a:rPr>
-                        <a:t>Business days / 3 days</a:t>
+                        <a:t>Dias úteis/</a:t>
+                      </a:r>
+                      <a:r>
+                        <a:rPr lang="sk-SK" sz="900" dirty="0">
+                          <a:solidFill>
+                            <a:srgbClr val="020302"/>
+                          </a:solidFill>
+                          <a:latin typeface="AdobeClean-Light"/>
+                          <a:cs typeface="AdobeClean-Light"/>
+                        </a:rPr>
+                        <a:t> </a:t>
+                      </a:r>
+                      <a:r>
+                        <a:rPr lang="pt-BR" sz="900" dirty="0">
+                          <a:solidFill>
+                            <a:srgbClr val="020302"/>
+                          </a:solidFill>
+                          <a:latin typeface="AdobeClean-Light"/>
+                          <a:cs typeface="AdobeClean-Light"/>
+                        </a:rPr>
+                        <a:t>3 dias</a:t>
                       </a:r>
                     </a:p>
                   </a:txBody>
-                  <a:tcPr marL="9525" marR="9525" marT="9525" marB="0" anchor="ctr">
+                  <a:tcPr marL="0" marR="0" marT="0" marB="0" anchor="ctr">
                     <a:lnL w="6350">
                       <a:solidFill>
                         <a:srgbClr val="B7B8B8"/>
                       </a:solidFill>
                       <a:prstDash val="solid"/>
                     </a:lnL>
-                    <a:lnR w="6350" cap="flat" cmpd="sng" algn="ctr">
+                    <a:lnR w="6350">
                       <a:solidFill>
                         <a:srgbClr val="B7B8B8"/>
                       </a:solidFill>
                       <a:prstDash val="solid"/>
-                      <a:round/>
-                      <a:headEnd type="none" w="med" len="med"/>
-                      <a:tailEnd type="none" w="med" len="med"/>
                     </a:lnR>
                     <a:lnT w="6350">
                       <a:solidFill>
@@ -4653,28 +3730,29 @@
                     <a:bodyPr/>
                     <a:lstStyle/>
                     <a:p>
-                      <a:pPr algn="ctr" fontAlgn="ctr"/>
+                      <a:pPr marL="473709" marR="343535" indent="-175895" algn="ctr">
+                        <a:lnSpc>
+                          <a:spcPct val="102200"/>
+                        </a:lnSpc>
+                      </a:pPr>
                       <a:r>
-                        <a:rPr lang="en-US" sz="900" b="0" i="0" u="none" strike="noStrike" dirty="0">
+                        <a:rPr lang="pt-BR" sz="900" dirty="0">
                           <a:solidFill>
                             <a:srgbClr val="020302"/>
                           </a:solidFill>
-                          <a:effectLst/>
-                          <a:latin typeface="AdobeClean-Light" panose="020B0503020404020204" pitchFamily="34" charset="0"/>
+                          <a:latin typeface="AdobeClean-Light"/>
+                          <a:cs typeface="AdobeClean-Light"/>
                         </a:rPr>
-                        <a:t>Business days / 1 day</a:t>
+                        <a:t>Dia útil / 1 dia</a:t>
                       </a:r>
                     </a:p>
                   </a:txBody>
-                  <a:tcPr marL="9525" marR="9525" marT="9525" marB="0" anchor="ctr">
-                    <a:lnL w="6350" cap="flat" cmpd="sng" algn="ctr">
+                  <a:tcPr marL="0" marR="0" marT="0" marB="0" anchor="ctr">
+                    <a:lnL w="6350">
                       <a:solidFill>
                         <a:srgbClr val="B7B8B8"/>
                       </a:solidFill>
                       <a:prstDash val="solid"/>
-                      <a:round/>
-                      <a:headEnd type="none" w="med" len="med"/>
-                      <a:tailEnd type="none" w="med" len="med"/>
                     </a:lnL>
                     <a:lnR w="6350" cap="flat" cmpd="sng" algn="ctr">
                       <a:solidFill>
@@ -4770,40 +3848,8 @@
               </a:spcBef>
             </a:pPr>
             <a:r>
-              <a:rPr spc="-10"/>
-              <a:t>©202</a:t>
-            </a:r>
-            <a:r>
-              <a:rPr lang="en-US" spc="-10"/>
-              <a:t>1</a:t>
-            </a:r>
-            <a:r>
-              <a:rPr spc="-5"/>
-              <a:t> Adobe. All</a:t>
-            </a:r>
-            <a:r>
-              <a:rPr spc="-10"/>
-              <a:t> Rights</a:t>
-            </a:r>
-            <a:r>
-              <a:rPr spc="-5"/>
-              <a:t> </a:t>
-            </a:r>
-            <a:r>
-              <a:rPr spc="-10"/>
-              <a:t>Reserved.</a:t>
-            </a:r>
-            <a:r>
-              <a:rPr spc="-5"/>
-              <a:t> Adobe</a:t>
-            </a:r>
-            <a:r>
-              <a:rPr spc="60"/>
-              <a:t> </a:t>
-            </a:r>
-            <a:r>
-              <a:rPr spc="-10"/>
-              <a:t>Confidential.</a:t>
+              <a:rPr lang="pt-BR"/>
+              <a:t>©2021 Adobe. All Rights Reserved. Adobe Confidential.</a:t>
             </a:r>
           </a:p>
         </p:txBody>
@@ -4837,7 +3883,7 @@
           <a:lstStyle/>
           <a:p>
             <a:r>
-              <a:rPr lang="en-US" sz="700" i="1">
+              <a:rPr lang="pt-BR" sz="700" i="1">
                 <a:solidFill>
                   <a:schemeClr val="bg1"/>
                 </a:solidFill>
@@ -4883,16 +3929,16 @@
               </a:spcBef>
             </a:pPr>
             <a:r>
-              <a:rPr lang="en-US" sz="1200" dirty="0">
+              <a:rPr lang="pt-BR" sz="1200" dirty="0">
                 <a:solidFill>
                   <a:schemeClr val="bg1"/>
                 </a:solidFill>
                 <a:latin typeface="Adobe Clean Light" panose="020B0303020404020204" pitchFamily="34" charset="0"/>
               </a:rPr>
-              <a:t>Online | Business |</a:t>
-            </a:r>
-            <a:r>
-              <a:rPr lang="en-US" sz="1200" b="1" dirty="0">
+              <a:t>Online | Business  </a:t>
+            </a:r>
+            <a:r>
+              <a:rPr lang="pt-BR" sz="1200" b="1" dirty="0">
                 <a:solidFill>
                   <a:schemeClr val="bg1"/>
                 </a:solidFill>
@@ -4901,7 +3947,7 @@
               <a:t> </a:t>
             </a:r>
             <a:r>
-              <a:rPr lang="en-US" sz="1200" b="1" dirty="0">
+              <a:rPr lang="pt-BR" sz="1200" b="1" dirty="0">
                 <a:solidFill>
                   <a:schemeClr val="bg1"/>
                 </a:solidFill>
@@ -4909,7 +3955,7 @@
               <a:t>Enterprise</a:t>
             </a:r>
             <a:r>
-              <a:rPr lang="en-US" sz="1200" b="1" dirty="0">
+              <a:rPr lang="pt-BR" sz="1200" b="1" dirty="0">
                 <a:solidFill>
                   <a:schemeClr val="bg1"/>
                 </a:solidFill>
@@ -4918,7 +3964,7 @@
               <a:t> </a:t>
             </a:r>
             <a:r>
-              <a:rPr lang="en-US" sz="1200" dirty="0">
+              <a:rPr lang="pt-BR" sz="1200" dirty="0">
                 <a:solidFill>
                   <a:schemeClr val="bg1"/>
                 </a:solidFill>
@@ -4927,7 +3973,7 @@
               <a:t>| Elite</a:t>
             </a:r>
             <a:br>
-              <a:rPr lang="en-US" sz="900" dirty="0">
+              <a:rPr lang="pt-BR" sz="900" dirty="0">
                 <a:solidFill>
                   <a:schemeClr val="bg1"/>
                 </a:solidFill>
@@ -4935,21 +3981,56 @@
               </a:rPr>
             </a:br>
             <a:r>
-              <a:rPr lang="en-US" sz="900" dirty="0">
+              <a:rPr lang="pt-BR" sz="900" dirty="0">
                 <a:solidFill>
                   <a:schemeClr val="bg1"/>
                 </a:solidFill>
+              </a:rPr>
+              <a:t>O Suporte </a:t>
+            </a:r>
+            <a:r>
+              <a:rPr lang="pt-BR" sz="900" dirty="0">
+                <a:solidFill>
+                  <a:schemeClr val="bg1"/>
+                </a:solidFill>
                 <a:latin typeface="Adobe Clean SemiLight" panose="020B0403020404020204" pitchFamily="34" charset="0"/>
               </a:rPr>
-              <a:t>ENTERPRISE support includes access to personalized learning paths and monitored community forums via the Adobe Experience League. You can also take advantage of our detailed and in-depth technical product documentation and current release notes. ENTERPRISE customers will also be provided with a Named Support Engineer who acts as your designated technical contact in the Adobe Support Team. With deep experience in your designated Experience Cloud solution, your support team will work in partnership with you and your technical teams to ensure timely resolution of all support requests. Your support team can also help coordinate and arrange delivery of the additional ENTERPRISE benefits ensuring minimal disruption to your business at the most critical time. </a:t>
-            </a:r>
-            <a:endParaRPr lang="en-US" sz="900" dirty="0">
-              <a:solidFill>
-                <a:schemeClr val="bg1"/>
-              </a:solidFill>
-              <a:latin typeface="Adobe Clean Light" panose="020B0303020404020204" pitchFamily="34" charset="0"/>
-              <a:cs typeface="AdobeClean-Light"/>
-            </a:endParaRPr>
+              <a:t>ENTERPRISE</a:t>
+            </a:r>
+            <a:r>
+              <a:rPr lang="pt-BR" sz="900" dirty="0">
+                <a:solidFill>
+                  <a:schemeClr val="bg1"/>
+                </a:solidFill>
+              </a:rPr>
+              <a:t> inclui acesso a caminhos de aprendizagem personalizados e a fóruns monitorados da comunidade na Adobe Experience League.</a:t>
+            </a:r>
+            <a:r>
+              <a:rPr lang="pt-BR" sz="900" dirty="0">
+                <a:solidFill>
+                  <a:schemeClr val="bg1"/>
+                </a:solidFill>
+                <a:latin typeface="Adobe Clean SemiLight" panose="020B0403020404020204" pitchFamily="34" charset="0"/>
+              </a:rPr>
+              <a:t> Você tem à sua disposição a nossa documentação técnica de produto, com todos os detalhes, e as notas de versão mais atuais. Os clientes ENTERPRISE também contam com um Engenheiro de suporte nomeado, que atua como contato técnico designado na Equipe de suporte da Adobe. Com ampla experiência na sua solução da Experience Cloud, a equipe de suporte colabora com você e com sua equipe técnica para garantir a resolução oportuna de todas as solicitações de suporte. A equipe </a:t>
+            </a:r>
+            <a:br>
+              <a:rPr lang="sk-SK" sz="900" dirty="0">
+                <a:solidFill>
+                  <a:schemeClr val="bg1"/>
+                </a:solidFill>
+                <a:latin typeface="Adobe Clean SemiLight" panose="020B0403020404020204" pitchFamily="34" charset="0"/>
+              </a:rPr>
+            </a:br>
+            <a:r>
+              <a:rPr lang="pt-BR" sz="900" dirty="0">
+                <a:solidFill>
+                  <a:schemeClr val="bg1"/>
+                </a:solidFill>
+                <a:latin typeface="Adobe Clean SemiLight" panose="020B0403020404020204" pitchFamily="34" charset="0"/>
+              </a:rPr>
+              <a:t>de suporte também ajuda a coordenar e a organizar a prestação de vantagens adicionais do suporte ENTERPRISE, garantindo interrupção mínima na sua empresa nos momentos mais críticos. </a:t>
+            </a:r>
           </a:p>
         </p:txBody>
       </p:sp>
@@ -5057,19 +4138,15 @@
                         <a:defRPr/>
                       </a:pPr>
                       <a:r>
-                        <a:rPr lang="en-US" sz="900" spc="0">
+                        <a:rPr lang="pt-BR" sz="900">
                           <a:solidFill>
                             <a:srgbClr val="404040"/>
                           </a:solidFill>
                           <a:latin typeface="Adobe Clean"/>
                           <a:cs typeface="Adobe Clean"/>
                         </a:rPr>
-                        <a:t>Online  Support</a:t>
+                        <a:t>Suporte Online</a:t>
                       </a:r>
-                      <a:endParaRPr lang="en-US" sz="900" spc="0">
-                        <a:latin typeface="Adobe Clean"/>
-                        <a:cs typeface="Adobe Clean"/>
-                      </a:endParaRPr>
                     </a:p>
                   </a:txBody>
                   <a:tcPr marL="0" marR="0" marT="7620" marB="0" anchor="ctr">
@@ -5110,29 +4187,15 @@
                         </a:spcBef>
                       </a:pPr>
                       <a:r>
-                        <a:rPr lang="en-US" sz="900" spc="0">
+                        <a:rPr lang="pt-BR" sz="900">
                           <a:solidFill>
                             <a:srgbClr val="FFFFFF"/>
                           </a:solidFill>
                           <a:latin typeface="Adobe Clean"/>
                           <a:cs typeface="Adobe Clean"/>
                         </a:rPr>
-                        <a:t>Enterprise </a:t>
+                        <a:t>Suporte Enterprise</a:t>
                       </a:r>
-                      <a:r>
-                        <a:rPr sz="900" spc="0">
-                          <a:solidFill>
-                            <a:srgbClr val="FFFFFF"/>
-                          </a:solidFill>
-                          <a:latin typeface="Adobe Clean"/>
-                          <a:cs typeface="Adobe Clean"/>
-                        </a:rPr>
-                        <a:t>Support</a:t>
-                      </a:r>
-                      <a:endParaRPr sz="900" spc="0">
-                        <a:latin typeface="Adobe Clean"/>
-                        <a:cs typeface="Adobe Clean"/>
-                      </a:endParaRPr>
                     </a:p>
                   </a:txBody>
                   <a:tcPr marL="0" marR="0" marT="7620" marB="0" anchor="ctr">
@@ -5200,7 +4263,7 @@
                     <a:bodyPr/>
                     <a:lstStyle/>
                     <a:p>
-                      <a:pPr marL="0" marR="0" lvl="0" indent="0" algn="ctr" defTabSz="914400" eaLnBrk="1" fontAlgn="auto" latinLnBrk="0" hangingPunct="1">
+                      <a:pPr marL="0" marR="0" lvl="0" indent="0" algn="l" defTabSz="914400" rtl="0" eaLnBrk="1" fontAlgn="auto" latinLnBrk="0" hangingPunct="1">
                         <a:lnSpc>
                           <a:spcPct val="100000"/>
                         </a:lnSpc>
@@ -5281,13 +4344,13 @@
                         <a:defRPr/>
                       </a:pPr>
                       <a:r>
-                        <a:rPr lang="en-US" sz="800" i="1">
+                        <a:rPr lang="pt-BR" sz="800" i="1">
                           <a:solidFill>
                             <a:schemeClr val="bg1"/>
                           </a:solidFill>
                           <a:latin typeface="Adobe Clean Light" panose="020B0303020404020204" pitchFamily="34" charset="0"/>
                         </a:rPr>
-                        <a:t>Paid Support ($)</a:t>
+                        <a:t>Suporte pago ($)</a:t>
                       </a:r>
                     </a:p>
                   </a:txBody>
@@ -5351,22 +4414,15 @@
                         </a:spcBef>
                       </a:pPr>
                       <a:r>
-                        <a:rPr lang="en-US" sz="1000" b="1" i="0" spc="0">
+                        <a:rPr lang="pt-BR" sz="1000" b="1" i="0">
                           <a:solidFill>
                             <a:schemeClr val="bg1"/>
                           </a:solidFill>
                           <a:latin typeface="Adobe Clean" panose="020B0503020404020204" pitchFamily="34" charset="0"/>
                           <a:cs typeface="AdobeClean-Light"/>
                         </a:rPr>
-                        <a:t>Assigned Experts</a:t>
+                        <a:t>Especialistas atribuídos</a:t>
                       </a:r>
-                      <a:endParaRPr sz="1000" b="1" i="0" spc="0">
-                        <a:solidFill>
-                          <a:schemeClr val="bg1"/>
-                        </a:solidFill>
-                        <a:latin typeface="Adobe Clean" panose="020B0503020404020204" pitchFamily="34" charset="0"/>
-                        <a:cs typeface="AdobeClean-Light"/>
-                      </a:endParaRPr>
                     </a:p>
                   </a:txBody>
                   <a:tcPr marL="0" marR="0" marT="58419" marB="0" anchor="ctr">
@@ -5413,19 +4469,15 @@
                         </a:spcBef>
                       </a:pPr>
                       <a:r>
-                        <a:rPr sz="900" spc="0">
+                        <a:rPr lang="pt-BR" sz="900">
                           <a:solidFill>
                             <a:srgbClr val="020302"/>
                           </a:solidFill>
                           <a:latin typeface="AdobeClean-Light"/>
                           <a:cs typeface="AdobeClean-Light"/>
                         </a:rPr>
-                        <a:t>Account Support Lead</a:t>
+                        <a:t>Líder de suporte da conta</a:t>
                       </a:r>
-                      <a:endParaRPr sz="900" spc="0">
-                        <a:latin typeface="AdobeClean-Light"/>
-                        <a:cs typeface="AdobeClean-Light"/>
-                      </a:endParaRPr>
                     </a:p>
                   </a:txBody>
                   <a:tcPr marL="0" marR="0" marT="58419" marB="0">
@@ -5460,7 +4512,7 @@
                     <a:bodyPr/>
                     <a:lstStyle/>
                     <a:p>
-                      <a:pPr algn="ctr">
+                      <a:pPr algn="l" rtl="0">
                         <a:lnSpc>
                           <a:spcPct val="100000"/>
                         </a:lnSpc>
@@ -5501,7 +4553,7 @@
                     <a:bodyPr/>
                     <a:lstStyle/>
                     <a:p>
-                      <a:pPr algn="ctr">
+                      <a:pPr algn="l" rtl="0">
                         <a:lnSpc>
                           <a:spcPct val="100000"/>
                         </a:lnSpc>
@@ -5544,7 +4596,7 @@
                     <a:bodyPr/>
                     <a:lstStyle/>
                     <a:p>
-                      <a:pPr marL="50800">
+                      <a:pPr marL="50800" algn="l" rtl="0">
                         <a:lnSpc>
                           <a:spcPct val="100000"/>
                         </a:lnSpc>
@@ -5590,19 +4642,15 @@
                         </a:spcBef>
                       </a:pPr>
                       <a:r>
-                        <a:rPr sz="900" spc="0">
+                        <a:rPr lang="pt-BR" sz="900" dirty="0">
                           <a:solidFill>
                             <a:srgbClr val="020302"/>
                           </a:solidFill>
                           <a:latin typeface="AdobeClean-Light"/>
                           <a:cs typeface="AdobeClean-Light"/>
                         </a:rPr>
-                        <a:t>Named Support Engineer</a:t>
+                        <a:t>Engenheiro de suporte nomeado</a:t>
                       </a:r>
-                      <a:endParaRPr sz="900" spc="0">
-                        <a:latin typeface="AdobeClean-Light"/>
-                        <a:cs typeface="AdobeClean-Light"/>
-                      </a:endParaRPr>
                     </a:p>
                   </a:txBody>
                   <a:tcPr marL="0" marR="0" marT="58419" marB="0">
@@ -5625,7 +4673,7 @@
                     <a:bodyPr/>
                     <a:lstStyle/>
                     <a:p>
-                      <a:pPr algn="ctr">
+                      <a:pPr algn="l" rtl="0">
                         <a:lnSpc>
                           <a:spcPct val="100000"/>
                         </a:lnSpc>
@@ -5672,7 +4720,7 @@
                         <a:defRPr/>
                       </a:pPr>
                       <a:r>
-                        <a:rPr lang="en-US" sz="900">
+                        <a:rPr lang="pt-BR" sz="900">
                           <a:solidFill>
                             <a:srgbClr val="020302"/>
                           </a:solidFill>
@@ -5681,10 +4729,6 @@
                         </a:rPr>
                         <a:t></a:t>
                       </a:r>
-                      <a:endParaRPr lang="en-US" sz="900">
-                        <a:latin typeface="Wingdings"/>
-                        <a:cs typeface="Wingdings"/>
-                      </a:endParaRPr>
                     </a:p>
                   </a:txBody>
                   <a:tcPr marL="0" marR="0" marT="0" marB="0" anchor="ctr">
@@ -5707,7 +4751,7 @@
                     <a:bodyPr/>
                     <a:lstStyle/>
                     <a:p>
-                      <a:pPr marL="50800">
+                      <a:pPr marL="50800" algn="l" rtl="0">
                         <a:lnSpc>
                           <a:spcPct val="100000"/>
                         </a:lnSpc>
@@ -5765,19 +4809,15 @@
                         </a:spcBef>
                       </a:pPr>
                       <a:r>
-                        <a:rPr sz="900" spc="0">
+                        <a:rPr lang="pt-BR" sz="900">
                           <a:solidFill>
                             <a:srgbClr val="020302"/>
                           </a:solidFill>
                           <a:latin typeface="AdobeClean-Light"/>
                           <a:cs typeface="AdobeClean-Light"/>
                         </a:rPr>
-                        <a:t>Technical Account Manager</a:t>
+                        <a:t>Gerente técnico de conta</a:t>
                       </a:r>
-                      <a:endParaRPr sz="900" spc="0">
-                        <a:latin typeface="AdobeClean-Light"/>
-                        <a:cs typeface="AdobeClean-Light"/>
-                      </a:endParaRPr>
                     </a:p>
                   </a:txBody>
                   <a:tcPr marL="0" marR="0" marT="63500" marB="0">
@@ -5806,7 +4846,7 @@
                     <a:bodyPr/>
                     <a:lstStyle/>
                     <a:p>
-                      <a:pPr algn="ctr">
+                      <a:pPr algn="l" rtl="0">
                         <a:lnSpc>
                           <a:spcPct val="100000"/>
                         </a:lnSpc>
@@ -5844,7 +4884,7 @@
                     <a:bodyPr/>
                     <a:lstStyle/>
                     <a:p>
-                      <a:pPr algn="ctr">
+                      <a:pPr algn="l" rtl="0">
                         <a:lnSpc>
                           <a:spcPct val="100000"/>
                         </a:lnSpc>
@@ -5895,22 +4935,15 @@
                         </a:spcBef>
                       </a:pPr>
                       <a:r>
-                        <a:rPr lang="en-US" sz="1000" b="1" i="0" spc="0">
+                        <a:rPr lang="pt-BR" sz="1000" b="1" i="0">
                           <a:solidFill>
                             <a:schemeClr val="bg1"/>
                           </a:solidFill>
                           <a:latin typeface="Adobe Clean" panose="020B0503020404020204" pitchFamily="34" charset="0"/>
                           <a:cs typeface="AdobeClean-Light"/>
                         </a:rPr>
-                        <a:t>Support Services</a:t>
+                        <a:t>Serviços de suporte</a:t>
                       </a:r>
-                      <a:endParaRPr sz="1000" b="1" i="0" spc="0">
-                        <a:solidFill>
-                          <a:schemeClr val="bg1"/>
-                        </a:solidFill>
-                        <a:latin typeface="Adobe Clean" panose="020B0503020404020204" pitchFamily="34" charset="0"/>
-                        <a:cs typeface="AdobeClean-Light"/>
-                      </a:endParaRPr>
                     </a:p>
                   </a:txBody>
                   <a:tcPr marL="0" marR="0" marT="57150" marB="0" anchor="ctr">
@@ -5966,29 +4999,15 @@
                         </a:spcBef>
                       </a:pPr>
                       <a:r>
-                        <a:rPr lang="en-US" sz="900" spc="0">
+                        <a:rPr lang="pt-BR" sz="900">
                           <a:solidFill>
                             <a:srgbClr val="020302"/>
                           </a:solidFill>
                           <a:latin typeface="AdobeClean-Light"/>
                           <a:cs typeface="AdobeClean-Light"/>
                         </a:rPr>
-                        <a:t>Online</a:t>
+                        <a:t>Suporte Online</a:t>
                       </a:r>
-                      <a:r>
-                        <a:rPr sz="900" spc="0">
-                          <a:solidFill>
-                            <a:srgbClr val="020302"/>
-                          </a:solidFill>
-                          <a:latin typeface="AdobeClean-Light"/>
-                          <a:cs typeface="AdobeClean-Light"/>
-                        </a:rPr>
-                        <a:t> Support</a:t>
-                      </a:r>
-                      <a:endParaRPr sz="900" spc="0">
-                        <a:latin typeface="AdobeClean-Light"/>
-                        <a:cs typeface="AdobeClean-Light"/>
-                      </a:endParaRPr>
                     </a:p>
                   </a:txBody>
                   <a:tcPr marL="0" marR="0" marT="57150" marB="0">
@@ -6026,39 +5045,15 @@
                         </a:spcBef>
                       </a:pPr>
                       <a:r>
-                        <a:rPr sz="900" spc="-25">
+                        <a:rPr lang="pt-BR" sz="900">
                           <a:solidFill>
                             <a:srgbClr val="020302"/>
                           </a:solidFill>
                           <a:latin typeface="AdobeClean-Light"/>
                           <a:cs typeface="AdobeClean-Light"/>
                         </a:rPr>
-                        <a:t>Business</a:t>
+                        <a:t>Horário comercial</a:t>
                       </a:r>
-                      <a:r>
-                        <a:rPr sz="900" spc="-15">
-                          <a:solidFill>
-                            <a:srgbClr val="020302"/>
-                          </a:solidFill>
-                          <a:latin typeface="AdobeClean-Light"/>
-                          <a:cs typeface="AdobeClean-Light"/>
-                        </a:rPr>
-                        <a:t> </a:t>
-                      </a:r>
-                      <a:r>
-                        <a:rPr sz="900" spc="-30">
-                          <a:solidFill>
-                            <a:srgbClr val="020302"/>
-                          </a:solidFill>
-                          <a:latin typeface="AdobeClean-Light"/>
-                          <a:cs typeface="AdobeClean-Light"/>
-                        </a:rPr>
-                        <a:t>hours</a:t>
-                      </a:r>
-                      <a:endParaRPr sz="900">
-                        <a:latin typeface="AdobeClean-Light"/>
-                        <a:cs typeface="AdobeClean-Light"/>
-                      </a:endParaRPr>
                     </a:p>
                   </a:txBody>
                   <a:tcPr marL="0" marR="0" marT="67945" marB="0">
@@ -6097,7 +5092,7 @@
                         </a:spcBef>
                       </a:pPr>
                       <a:r>
-                        <a:rPr lang="en-US" sz="900" spc="-25">
+                        <a:rPr lang="pt-BR" sz="900">
                           <a:solidFill>
                             <a:srgbClr val="020302"/>
                           </a:solidFill>
@@ -6106,10 +5101,6 @@
                         </a:rPr>
                         <a:t>24x5</a:t>
                       </a:r>
-                      <a:endParaRPr sz="900">
-                        <a:latin typeface="AdobeClean-Light"/>
-                        <a:cs typeface="AdobeClean-Light"/>
-                      </a:endParaRPr>
                     </a:p>
                   </a:txBody>
                   <a:tcPr marL="0" marR="0" marT="67945" marB="0">
@@ -6143,7 +5134,7 @@
                     <a:bodyPr/>
                     <a:lstStyle/>
                     <a:p>
-                      <a:pPr marL="50800">
+                      <a:pPr marL="50800" algn="l" rtl="0">
                         <a:lnSpc>
                           <a:spcPct val="100000"/>
                         </a:lnSpc>
@@ -6192,39 +5183,15 @@
                         </a:spcBef>
                       </a:pPr>
                       <a:r>
-                        <a:rPr sz="900" spc="0">
+                        <a:rPr lang="pt-BR" sz="900">
                           <a:solidFill>
                             <a:srgbClr val="020302"/>
                           </a:solidFill>
                           <a:latin typeface="AdobeClean-Light"/>
                           <a:cs typeface="AdobeClean-Light"/>
                         </a:rPr>
-                        <a:t>24x7</a:t>
+                        <a:t>Suporte 24x7x365 para prioridades P1</a:t>
                       </a:r>
-                      <a:r>
-                        <a:rPr lang="en-US" sz="900" spc="0">
-                          <a:solidFill>
-                            <a:srgbClr val="020302"/>
-                          </a:solidFill>
-                          <a:latin typeface="AdobeClean-Light"/>
-                          <a:cs typeface="AdobeClean-Light"/>
-                        </a:rPr>
-                        <a:t>x365</a:t>
-                      </a:r>
-                      <a:r>
-                        <a:rPr sz="900" spc="0">
-                          <a:solidFill>
-                            <a:srgbClr val="020302"/>
-                          </a:solidFill>
-                          <a:latin typeface="AdobeClean-Light"/>
-                          <a:cs typeface="AdobeClean-Light"/>
-                        </a:rPr>
-                        <a:t> P1 Issue Support</a:t>
-                      </a:r>
-                      <a:endParaRPr sz="900" spc="0">
-                        <a:latin typeface="AdobeClean-Light"/>
-                        <a:cs typeface="AdobeClean-Light"/>
-                      </a:endParaRPr>
                     </a:p>
                   </a:txBody>
                   <a:tcPr marL="0" marR="0" marT="57785" marB="0">
@@ -6256,7 +5223,7 @@
                         </a:spcBef>
                       </a:pPr>
                       <a:r>
-                        <a:rPr sz="900">
+                        <a:rPr lang="pt-BR" sz="900">
                           <a:solidFill>
                             <a:srgbClr val="020302"/>
                           </a:solidFill>
@@ -6265,10 +5232,6 @@
                         </a:rPr>
                         <a:t></a:t>
                       </a:r>
-                      <a:endParaRPr sz="900">
-                        <a:latin typeface="Wingdings"/>
-                        <a:cs typeface="Wingdings"/>
-                      </a:endParaRPr>
                     </a:p>
                   </a:txBody>
                   <a:tcPr marL="0" marR="0" marT="58419" marB="0">
@@ -6298,7 +5261,7 @@
                         </a:spcBef>
                       </a:pPr>
                       <a:r>
-                        <a:rPr sz="900">
+                        <a:rPr lang="pt-BR" sz="900">
                           <a:solidFill>
                             <a:srgbClr val="020302"/>
                           </a:solidFill>
@@ -6307,10 +5270,6 @@
                         </a:rPr>
                         <a:t></a:t>
                       </a:r>
-                      <a:endParaRPr sz="900">
-                        <a:latin typeface="Wingdings"/>
-                        <a:cs typeface="Wingdings"/>
-                      </a:endParaRPr>
                     </a:p>
                   </a:txBody>
                   <a:tcPr marL="0" marR="0" marT="58419" marB="0">
@@ -6333,7 +5292,7 @@
                     <a:bodyPr/>
                     <a:lstStyle/>
                     <a:p>
-                      <a:pPr marL="50800">
+                      <a:pPr marL="50800" algn="l" rtl="0">
                         <a:lnSpc>
                           <a:spcPct val="100000"/>
                         </a:lnSpc>
@@ -6391,19 +5350,15 @@
                         </a:spcBef>
                       </a:pPr>
                       <a:r>
-                        <a:rPr lang="en-US" sz="900" spc="0">
+                        <a:rPr lang="pt-BR" sz="900">
                           <a:solidFill>
                             <a:srgbClr val="020302"/>
                           </a:solidFill>
                           <a:latin typeface="AdobeClean-Light"/>
                           <a:cs typeface="AdobeClean-Light"/>
                         </a:rPr>
-                        <a:t>Named Support Contacts (per product)</a:t>
+                        <a:t>Contatos de suporte nomeados (por produto)</a:t>
                       </a:r>
-                      <a:endParaRPr sz="900" spc="0">
-                        <a:latin typeface="AdobeClean-Light"/>
-                        <a:cs typeface="AdobeClean-Light"/>
-                      </a:endParaRPr>
                     </a:p>
                   </a:txBody>
                   <a:tcPr marL="0" marR="0" marT="57785" marB="0">
@@ -6441,7 +5396,7 @@
                         </a:spcBef>
                       </a:pPr>
                       <a:r>
-                        <a:rPr sz="900">
+                        <a:rPr lang="pt-BR" sz="900">
                           <a:solidFill>
                             <a:srgbClr val="020302"/>
                           </a:solidFill>
@@ -6450,10 +5405,6 @@
                         </a:rPr>
                         <a:t>4</a:t>
                       </a:r>
-                      <a:endParaRPr sz="900">
-                        <a:latin typeface="AdobeClean-Light"/>
-                        <a:cs typeface="AdobeClean-Light"/>
-                      </a:endParaRPr>
                     </a:p>
                   </a:txBody>
                   <a:tcPr marL="0" marR="0" marT="57785" marB="0">
@@ -6483,7 +5434,7 @@
                         </a:spcBef>
                       </a:pPr>
                       <a:r>
-                        <a:rPr lang="en-US" sz="900">
+                        <a:rPr lang="pt-BR" sz="900">
                           <a:solidFill>
                             <a:srgbClr val="020302"/>
                           </a:solidFill>
@@ -6492,10 +5443,6 @@
                         </a:rPr>
                         <a:t>10</a:t>
                       </a:r>
-                      <a:endParaRPr sz="900">
-                        <a:latin typeface="AdobeClean-Light"/>
-                        <a:cs typeface="AdobeClean-Light"/>
-                      </a:endParaRPr>
                     </a:p>
                   </a:txBody>
                   <a:tcPr marL="0" marR="0" marT="57785" marB="0">
@@ -6518,7 +5465,7 @@
                     <a:bodyPr/>
                     <a:lstStyle/>
                     <a:p>
-                      <a:pPr marL="50800">
+                      <a:pPr marL="50800" algn="l" rtl="0">
                         <a:lnSpc>
                           <a:spcPct val="100000"/>
                         </a:lnSpc>
@@ -6567,19 +5514,15 @@
                         </a:spcBef>
                       </a:pPr>
                       <a:r>
-                        <a:rPr lang="en-US" sz="900" spc="0">
+                        <a:rPr lang="pt-BR" sz="900">
                           <a:solidFill>
                             <a:srgbClr val="020302"/>
                           </a:solidFill>
                           <a:latin typeface="AdobeClean-Light"/>
                           <a:cs typeface="AdobeClean-Light"/>
                         </a:rPr>
-                        <a:t>Live Telephone Support</a:t>
+                        <a:t>Suporte telefônico ao vivo</a:t>
                       </a:r>
-                      <a:endParaRPr sz="900" spc="0">
-                        <a:latin typeface="AdobeClean-Light"/>
-                        <a:cs typeface="AdobeClean-Light"/>
-                      </a:endParaRPr>
                     </a:p>
                   </a:txBody>
                   <a:tcPr marL="0" marR="0" marT="57785" marB="0">
@@ -6602,7 +5545,7 @@
                     <a:bodyPr/>
                     <a:lstStyle/>
                     <a:p>
-                      <a:pPr algn="ctr">
+                      <a:pPr algn="l" rtl="0">
                         <a:lnSpc>
                           <a:spcPct val="100000"/>
                         </a:lnSpc>
@@ -6643,7 +5586,7 @@
                         </a:spcBef>
                       </a:pPr>
                       <a:r>
-                        <a:rPr sz="900">
+                        <a:rPr lang="pt-BR" sz="900">
                           <a:solidFill>
                             <a:srgbClr val="020302"/>
                           </a:solidFill>
@@ -6652,10 +5595,6 @@
                         </a:rPr>
                         <a:t></a:t>
                       </a:r>
-                      <a:endParaRPr sz="900">
-                        <a:latin typeface="Wingdings"/>
-                        <a:cs typeface="Wingdings"/>
-                      </a:endParaRPr>
                     </a:p>
                   </a:txBody>
                   <a:tcPr marL="0" marR="0" marT="59054" marB="0">
@@ -6678,7 +5617,7 @@
                     <a:bodyPr/>
                     <a:lstStyle/>
                     <a:p>
-                      <a:pPr marL="50800">
+                      <a:pPr marL="50800" algn="l" rtl="0">
                         <a:lnSpc>
                           <a:spcPct val="100000"/>
                         </a:lnSpc>
@@ -6727,19 +5666,15 @@
                         </a:spcBef>
                       </a:pPr>
                       <a:r>
-                        <a:rPr sz="900" spc="0">
+                        <a:rPr lang="pt-BR" sz="900">
                           <a:solidFill>
                             <a:srgbClr val="020302"/>
                           </a:solidFill>
                           <a:latin typeface="AdobeClean-Light"/>
                           <a:cs typeface="AdobeClean-Light"/>
                         </a:rPr>
-                        <a:t>Escalation Management</a:t>
+                        <a:t>Gestão de encaminhamento</a:t>
                       </a:r>
-                      <a:endParaRPr sz="900" spc="0">
-                        <a:latin typeface="AdobeClean-Light"/>
-                        <a:cs typeface="AdobeClean-Light"/>
-                      </a:endParaRPr>
                     </a:p>
                   </a:txBody>
                   <a:tcPr marL="0" marR="0" marT="58419" marB="0">
@@ -6762,7 +5697,7 @@
                     <a:bodyPr/>
                     <a:lstStyle/>
                     <a:p>
-                      <a:pPr algn="ctr">
+                      <a:pPr algn="l" rtl="0">
                         <a:lnSpc>
                           <a:spcPct val="100000"/>
                         </a:lnSpc>
@@ -6803,7 +5738,7 @@
                         </a:spcBef>
                       </a:pPr>
                       <a:r>
-                        <a:rPr sz="900">
+                        <a:rPr lang="pt-BR" sz="900">
                           <a:solidFill>
                             <a:srgbClr val="020302"/>
                           </a:solidFill>
@@ -6812,10 +5747,6 @@
                         </a:rPr>
                         <a:t></a:t>
                       </a:r>
-                      <a:endParaRPr sz="900">
-                        <a:latin typeface="Wingdings"/>
-                        <a:cs typeface="Wingdings"/>
-                      </a:endParaRPr>
                     </a:p>
                   </a:txBody>
                   <a:tcPr marL="0" marR="0" marT="59690" marB="0">
@@ -6838,7 +5769,7 @@
                     <a:bodyPr/>
                     <a:lstStyle/>
                     <a:p>
-                      <a:pPr marL="50800">
+                      <a:pPr marL="50800" algn="l" rtl="0">
                         <a:lnSpc>
                           <a:spcPct val="100000"/>
                         </a:lnSpc>
@@ -6887,29 +5818,15 @@
                         </a:spcBef>
                       </a:pPr>
                       <a:r>
-                        <a:rPr sz="900" spc="0">
+                        <a:rPr lang="pt-BR" sz="900">
                           <a:solidFill>
                             <a:srgbClr val="020302"/>
                           </a:solidFill>
                           <a:latin typeface="AdobeClean-Light"/>
                           <a:cs typeface="AdobeClean-Light"/>
                         </a:rPr>
-                        <a:t>Service Reviews </a:t>
+                        <a:t>Revisões de serviço por ano</a:t>
                       </a:r>
-                      <a:r>
-                        <a:rPr lang="en-US" sz="900" spc="0">
-                          <a:solidFill>
-                            <a:srgbClr val="020302"/>
-                          </a:solidFill>
-                          <a:latin typeface="AdobeClean-Light"/>
-                          <a:cs typeface="AdobeClean-Light"/>
-                        </a:rPr>
-                        <a:t>per Year</a:t>
-                      </a:r>
-                      <a:endParaRPr sz="900" spc="0">
-                        <a:latin typeface="AdobeClean-Light"/>
-                        <a:cs typeface="AdobeClean-Light"/>
-                      </a:endParaRPr>
                     </a:p>
                   </a:txBody>
                   <a:tcPr marL="0" marR="0" marT="57150" marB="0">
@@ -6932,7 +5849,7 @@
                     <a:bodyPr/>
                     <a:lstStyle/>
                     <a:p>
-                      <a:pPr>
+                      <a:pPr algn="l" rtl="0">
                         <a:lnSpc>
                           <a:spcPct val="100000"/>
                         </a:lnSpc>
@@ -6967,16 +5884,12 @@
                         </a:lnSpc>
                       </a:pPr>
                       <a:r>
-                        <a:rPr lang="en-US" sz="900">
+                        <a:rPr lang="pt-BR" sz="900">
                           <a:latin typeface="Times New Roman"/>
                           <a:cs typeface="Times New Roman"/>
                         </a:rPr>
                         <a:t>2</a:t>
                       </a:r>
-                      <a:endParaRPr sz="900">
-                        <a:latin typeface="Times New Roman"/>
-                        <a:cs typeface="Times New Roman"/>
-                      </a:endParaRPr>
                     </a:p>
                   </a:txBody>
                   <a:tcPr marL="0" marR="0" marT="0" marB="0">
@@ -7018,16 +5931,12 @@
                         </a:spcBef>
                       </a:pPr>
                       <a:r>
-                        <a:rPr lang="en-US" sz="900" spc="0">
+                        <a:rPr lang="pt-BR" sz="900">
                           <a:latin typeface="AdobeClean-Light"/>
                           <a:cs typeface="AdobeClean-Light"/>
                         </a:rPr>
-                        <a:t>Expert Sessions per Year</a:t>
+                        <a:t>Sessões de especialistas por ano</a:t>
                       </a:r>
-                      <a:endParaRPr sz="900" spc="0">
-                        <a:latin typeface="AdobeClean-Light"/>
-                        <a:cs typeface="AdobeClean-Light"/>
-                      </a:endParaRPr>
                     </a:p>
                   </a:txBody>
                   <a:tcPr marL="0" marR="0" marT="57150" marB="0">
@@ -7056,7 +5965,7 @@
                     <a:bodyPr/>
                     <a:lstStyle/>
                     <a:p>
-                      <a:pPr>
+                      <a:pPr algn="l" rtl="0">
                         <a:lnSpc>
                           <a:spcPct val="100000"/>
                         </a:lnSpc>
@@ -7091,16 +6000,12 @@
                         </a:lnSpc>
                       </a:pPr>
                       <a:r>
-                        <a:rPr lang="en-US" sz="900">
+                        <a:rPr lang="pt-BR" sz="900">
                           <a:latin typeface="Times New Roman"/>
                           <a:cs typeface="Times New Roman"/>
                         </a:rPr>
                         <a:t>2</a:t>
                       </a:r>
-                      <a:endParaRPr sz="900">
-                        <a:latin typeface="Times New Roman"/>
-                        <a:cs typeface="Times New Roman"/>
-                      </a:endParaRPr>
                     </a:p>
                   </a:txBody>
                   <a:tcPr marL="0" marR="0" marT="0" marB="0">
@@ -7142,16 +6047,12 @@
                         </a:spcBef>
                       </a:pPr>
                       <a:r>
-                        <a:rPr lang="en-US" sz="900" spc="0">
+                        <a:rPr lang="pt-BR" sz="900">
                           <a:latin typeface="AdobeClean-Light"/>
                           <a:cs typeface="AdobeClean-Light"/>
                         </a:rPr>
-                        <a:t>Case Reviews</a:t>
+                        <a:t>Revisões de caso</a:t>
                       </a:r>
-                      <a:endParaRPr sz="900" spc="0">
-                        <a:latin typeface="AdobeClean-Light"/>
-                        <a:cs typeface="AdobeClean-Light"/>
-                      </a:endParaRPr>
                     </a:p>
                   </a:txBody>
                   <a:tcPr marL="0" marR="0" marT="57150" marB="0">
@@ -7180,7 +6081,7 @@
                     <a:bodyPr/>
                     <a:lstStyle/>
                     <a:p>
-                      <a:pPr>
+                      <a:pPr algn="l" rtl="0">
                         <a:lnSpc>
                           <a:spcPct val="100000"/>
                         </a:lnSpc>
@@ -7227,7 +6128,7 @@
                         <a:defRPr/>
                       </a:pPr>
                       <a:r>
-                        <a:rPr lang="en-US" sz="900">
+                        <a:rPr lang="pt-BR" sz="900">
                           <a:solidFill>
                             <a:srgbClr val="020302"/>
                           </a:solidFill>
@@ -7236,10 +6137,6 @@
                         </a:rPr>
                         <a:t></a:t>
                       </a:r>
-                      <a:endParaRPr lang="en-US" sz="900">
-                        <a:latin typeface="Wingdings"/>
-                        <a:cs typeface="Wingdings"/>
-                      </a:endParaRPr>
                     </a:p>
                   </a:txBody>
                   <a:tcPr marL="0" marR="0" marT="0" marB="0">
@@ -7262,7 +6159,7 @@
                     <a:bodyPr/>
                     <a:lstStyle/>
                     <a:p>
-                      <a:pPr marL="48895">
+                      <a:pPr marL="48895" algn="l" rtl="0">
                         <a:lnSpc>
                           <a:spcPct val="100000"/>
                         </a:lnSpc>
@@ -7320,29 +6217,15 @@
                         </a:spcBef>
                       </a:pPr>
                       <a:r>
-                        <a:rPr sz="900" spc="0">
+                        <a:rPr lang="pt-BR" sz="900">
                           <a:solidFill>
                             <a:srgbClr val="020302"/>
                           </a:solidFill>
                           <a:latin typeface="AdobeClean-Light"/>
                           <a:cs typeface="AdobeClean-Light"/>
                         </a:rPr>
-                        <a:t>Event </a:t>
+                        <a:t>Gerenciamento de eventos</a:t>
                       </a:r>
-                      <a:r>
-                        <a:rPr lang="en-US" sz="900" spc="0">
-                          <a:solidFill>
-                            <a:srgbClr val="020302"/>
-                          </a:solidFill>
-                          <a:latin typeface="AdobeClean-Light"/>
-                          <a:cs typeface="AdobeClean-Light"/>
-                        </a:rPr>
-                        <a:t>Management</a:t>
-                      </a:r>
-                      <a:endParaRPr sz="900" spc="0">
-                        <a:latin typeface="AdobeClean-Light"/>
-                        <a:cs typeface="AdobeClean-Light"/>
-                      </a:endParaRPr>
                     </a:p>
                   </a:txBody>
                   <a:tcPr marL="0" marR="0" marT="58419" marB="0">
@@ -7371,7 +6254,7 @@
                     <a:bodyPr/>
                     <a:lstStyle/>
                     <a:p>
-                      <a:pPr>
+                      <a:pPr algn="l" rtl="0">
                         <a:lnSpc>
                           <a:spcPct val="100000"/>
                         </a:lnSpc>
@@ -7400,7 +6283,7 @@
                     <a:bodyPr/>
                     <a:lstStyle/>
                     <a:p>
-                      <a:pPr>
+                      <a:pPr algn="l" rtl="0">
                         <a:lnSpc>
                           <a:spcPct val="100000"/>
                         </a:lnSpc>
@@ -7431,7 +6314,7 @@
                     <a:bodyPr/>
                     <a:lstStyle/>
                     <a:p>
-                      <a:pPr marL="48895">
+                      <a:pPr marL="48895" algn="l" rtl="0">
                         <a:lnSpc>
                           <a:spcPct val="100000"/>
                         </a:lnSpc>
@@ -7480,39 +6363,15 @@
                         </a:spcBef>
                       </a:pPr>
                       <a:r>
-                        <a:rPr sz="900" spc="0">
+                        <a:rPr lang="pt-BR" sz="900">
                           <a:solidFill>
                             <a:srgbClr val="020302"/>
                           </a:solidFill>
                           <a:latin typeface="AdobeClean-Light"/>
                           <a:cs typeface="AdobeClean-Light"/>
                         </a:rPr>
-                        <a:t>Environment</a:t>
+                        <a:t>Revisão, manutenção e monitoramento do ambiente</a:t>
                       </a:r>
-                      <a:r>
-                        <a:rPr lang="en-US" sz="900" spc="0">
-                          <a:solidFill>
-                            <a:srgbClr val="020302"/>
-                          </a:solidFill>
-                          <a:latin typeface="AdobeClean-Light"/>
-                          <a:cs typeface="AdobeClean-Light"/>
-                        </a:rPr>
-                        <a:t> </a:t>
-                      </a:r>
-                      <a:r>
-                        <a:rPr sz="900" spc="0">
-                          <a:solidFill>
-                            <a:srgbClr val="020302"/>
-                          </a:solidFill>
-                          <a:latin typeface="AdobeClean-Light"/>
-                          <a:cs typeface="AdobeClean-Light"/>
-                        </a:rPr>
-                        <a:t>Review, Maintenance &amp; Monitoring</a:t>
-                      </a:r>
-                      <a:endParaRPr sz="900" spc="0">
-                        <a:latin typeface="AdobeClean-Light"/>
-                        <a:cs typeface="AdobeClean-Light"/>
-                      </a:endParaRPr>
                     </a:p>
                   </a:txBody>
                   <a:tcPr marL="0" marR="0" marT="59055" marB="0">
@@ -7535,7 +6394,7 @@
                     <a:bodyPr/>
                     <a:lstStyle/>
                     <a:p>
-                      <a:pPr>
+                      <a:pPr algn="l" rtl="0">
                         <a:lnSpc>
                           <a:spcPct val="100000"/>
                         </a:lnSpc>
@@ -7564,7 +6423,7 @@
                     <a:bodyPr/>
                     <a:lstStyle/>
                     <a:p>
-                      <a:pPr>
+                      <a:pPr algn="l" rtl="0">
                         <a:lnSpc>
                           <a:spcPct val="100000"/>
                         </a:lnSpc>
@@ -7595,7 +6454,7 @@
                     <a:bodyPr/>
                     <a:lstStyle/>
                     <a:p>
-                      <a:pPr marL="49530">
+                      <a:pPr marL="49530" algn="l" rtl="0">
                         <a:lnSpc>
                           <a:spcPct val="100000"/>
                         </a:lnSpc>
@@ -7644,19 +6503,15 @@
                         </a:spcBef>
                       </a:pPr>
                       <a:r>
-                        <a:rPr sz="900" spc="0">
+                        <a:rPr lang="pt-BR" sz="900">
                           <a:solidFill>
                             <a:srgbClr val="020302"/>
                           </a:solidFill>
                           <a:latin typeface="AdobeClean-Light"/>
                           <a:cs typeface="AdobeClean-Light"/>
                         </a:rPr>
-                        <a:t>Release, Migration, Upgrade &amp; Product Roadmap Review</a:t>
+                        <a:t>Revisão de versão, migração, atualização e roteiro de produtos</a:t>
                       </a:r>
-                      <a:endParaRPr sz="900" spc="0">
-                        <a:latin typeface="AdobeClean-Light"/>
-                        <a:cs typeface="AdobeClean-Light"/>
-                      </a:endParaRPr>
                     </a:p>
                   </a:txBody>
                   <a:tcPr marL="0" marR="0" marT="63500" marB="0">
@@ -7679,7 +6534,7 @@
                     <a:bodyPr/>
                     <a:lstStyle/>
                     <a:p>
-                      <a:pPr>
+                      <a:pPr algn="l" rtl="0">
                         <a:lnSpc>
                           <a:spcPct val="100000"/>
                         </a:lnSpc>
@@ -7708,7 +6563,7 @@
                     <a:bodyPr/>
                     <a:lstStyle/>
                     <a:p>
-                      <a:pPr>
+                      <a:pPr algn="l" rtl="0">
                         <a:lnSpc>
                           <a:spcPct val="100000"/>
                         </a:lnSpc>
@@ -7739,7 +6594,7 @@
                     <a:bodyPr/>
                     <a:lstStyle/>
                     <a:p>
-                      <a:pPr marL="49530">
+                      <a:pPr marL="49530" algn="l" rtl="0">
                         <a:lnSpc>
                           <a:spcPct val="100000"/>
                         </a:lnSpc>
@@ -7797,11 +6652,11 @@
                         </a:spcBef>
                       </a:pPr>
                       <a:r>
-                        <a:rPr sz="900" spc="0">
+                        <a:rPr lang="pt-BR" sz="900">
                           <a:latin typeface="AdobeClean-Light"/>
                           <a:cs typeface="AdobeClean-Light"/>
                         </a:rPr>
-                        <a:t>Cloud Support Activities – Experience Manager as Cloud</a:t>
+                        <a:t>Atividades de suporte na nuvem — Experience Manager as Cloud</a:t>
                       </a:r>
                     </a:p>
                   </a:txBody>
@@ -7831,7 +6686,7 @@
                     <a:bodyPr/>
                     <a:lstStyle/>
                     <a:p>
-                      <a:pPr>
+                      <a:pPr algn="l" rtl="0">
                         <a:lnSpc>
                           <a:spcPct val="100000"/>
                         </a:lnSpc>
@@ -7887,7 +6742,7 @@
                         <a:defRPr/>
                       </a:pPr>
                       <a:r>
-                        <a:rPr lang="en-US" sz="900">
+                        <a:rPr lang="pt-BR" sz="900">
                           <a:solidFill>
                             <a:srgbClr val="020302"/>
                           </a:solidFill>
@@ -7896,13 +6751,9 @@
                         </a:rPr>
                         <a:t></a:t>
                       </a:r>
-                      <a:endParaRPr lang="en-US" sz="900">
-                        <a:latin typeface="Wingdings"/>
-                        <a:cs typeface="Wingdings"/>
-                      </a:endParaRPr>
                     </a:p>
                     <a:p>
-                      <a:pPr marL="0" marR="0" lvl="0" indent="0" algn="ctr" defTabSz="914400" eaLnBrk="1" fontAlgn="auto" latinLnBrk="0" hangingPunct="1">
+                      <a:pPr marL="0" marR="0" lvl="0" indent="0" algn="l" defTabSz="914400" rtl="0" eaLnBrk="1" fontAlgn="auto" latinLnBrk="0" hangingPunct="1">
                         <a:lnSpc>
                           <a:spcPct val="100000"/>
                         </a:lnSpc>
@@ -7965,22 +6816,15 @@
                         </a:spcBef>
                       </a:pPr>
                       <a:r>
-                        <a:rPr lang="en-US" sz="1000" b="1" i="0" spc="0">
+                        <a:rPr lang="pt-BR" sz="1000" b="1" i="0">
                           <a:solidFill>
                             <a:schemeClr val="bg1"/>
                           </a:solidFill>
                           <a:latin typeface="Adobe Clean" panose="020B0503020404020204" pitchFamily="34" charset="0"/>
                           <a:cs typeface="AdobeClean-Light"/>
                         </a:rPr>
-                        <a:t>Field Services</a:t>
+                        <a:t>Serviços de campo</a:t>
                       </a:r>
-                      <a:endParaRPr sz="1000" b="1" i="0" spc="0">
-                        <a:solidFill>
-                          <a:schemeClr val="bg1"/>
-                        </a:solidFill>
-                        <a:latin typeface="Adobe Clean" panose="020B0503020404020204" pitchFamily="34" charset="0"/>
-                        <a:cs typeface="AdobeClean-Light"/>
-                      </a:endParaRPr>
                     </a:p>
                   </a:txBody>
                   <a:tcPr marL="0" marR="0" marT="48260" marB="0" anchor="ctr">
@@ -8033,14 +6877,14 @@
                         </a:spcBef>
                       </a:pPr>
                       <a:r>
-                        <a:rPr sz="900" spc="0">
+                        <a:rPr lang="pt-BR" sz="900">
                           <a:solidFill>
                             <a:srgbClr val="020302"/>
                           </a:solidFill>
                           <a:latin typeface="AdobeClean-Light"/>
                           <a:cs typeface="AdobeClean-Light"/>
                         </a:rPr>
-                        <a:t>Launch Advisory Services – First Year of new solution</a:t>
+                        <a:t>Launch Advisory Services — primeiro ano da nova solução</a:t>
                       </a:r>
                     </a:p>
                   </a:txBody>
@@ -8080,7 +6924,7 @@
                     <a:bodyPr/>
                     <a:lstStyle/>
                     <a:p>
-                      <a:pPr>
+                      <a:pPr algn="l" rtl="0">
                         <a:lnSpc>
                           <a:spcPct val="100000"/>
                         </a:lnSpc>
@@ -8136,7 +6980,7 @@
                         <a:defRPr/>
                       </a:pPr>
                       <a:r>
-                        <a:rPr lang="en-US" sz="900">
+                        <a:rPr lang="pt-BR" sz="900">
                           <a:solidFill>
                             <a:srgbClr val="020302"/>
                           </a:solidFill>
@@ -8145,10 +6989,6 @@
                         </a:rPr>
                         <a:t></a:t>
                       </a:r>
-                      <a:endParaRPr lang="en-US" sz="900">
-                        <a:latin typeface="Wingdings"/>
-                        <a:cs typeface="Wingdings"/>
-                      </a:endParaRPr>
                     </a:p>
                   </a:txBody>
                   <a:tcPr marL="0" marR="0" marT="0" marB="0">
@@ -8269,7 +7109,7 @@
                         <a:defRPr/>
                       </a:pPr>
                       <a:r>
-                        <a:rPr lang="en-US" sz="900">
+                        <a:rPr lang="pt-BR" sz="900">
                           <a:solidFill>
                             <a:srgbClr val="020302"/>
                           </a:solidFill>
@@ -8278,10 +7118,6 @@
                         </a:rPr>
                         <a:t></a:t>
                       </a:r>
-                      <a:endParaRPr lang="en-US" sz="900">
-                        <a:latin typeface="Wingdings"/>
-                        <a:cs typeface="Wingdings"/>
-                      </a:endParaRPr>
                     </a:p>
                   </a:txBody>
                   <a:tcPr marL="0" marR="0" marT="0" marB="0">
@@ -8338,11 +7174,11 @@
                         <a:defRPr/>
                       </a:pPr>
                       <a:r>
-                        <a:rPr lang="en-US" sz="900" spc="0">
+                        <a:rPr lang="pt-BR" sz="900" dirty="0">
                           <a:latin typeface="AdobeClean-Light"/>
                           <a:cs typeface="AdobeClean-Light"/>
                         </a:rPr>
-                        <a:t>Field Service Activities </a:t>
+                        <a:t>Atividades de serviço de campo </a:t>
                       </a:r>
                     </a:p>
                   </a:txBody>
@@ -8484,7 +7320,7 @@
           </a:prstGeom>
         </p:spPr>
         <p:txBody>
-          <a:bodyPr vert="horz" wrap="square" lIns="0" tIns="12700" rIns="0" bIns="0" rtlCol="0" anchor="t">
+          <a:bodyPr vert="horz" wrap="square" lIns="0" tIns="12700" rIns="0" bIns="0" rtlCol="0">
             <a:spAutoFit/>
           </a:bodyPr>
           <a:lstStyle/>
@@ -8501,158 +7337,21 @@
               </a:tabLst>
             </a:pPr>
             <a:r>
-              <a:rPr sz="1000" spc="-20" dirty="0">
+              <a:rPr lang="pt-BR" sz="1000" dirty="0">
                 <a:solidFill>
                   <a:srgbClr val="020302"/>
                 </a:solidFill>
                 <a:latin typeface="AdobeClean-Light"/>
                 <a:cs typeface="AdobeClean-Light"/>
               </a:rPr>
-              <a:t>Start </a:t>
-            </a:r>
-            <a:r>
-              <a:rPr sz="1000" dirty="0">
-                <a:solidFill>
-                  <a:srgbClr val="020302"/>
-                </a:solidFill>
-                <a:latin typeface="AdobeClean-Light"/>
-                <a:cs typeface="AdobeClean-Light"/>
-              </a:rPr>
-              <a:t>a </a:t>
-            </a:r>
-            <a:r>
-              <a:rPr sz="1000" spc="-15" dirty="0">
-                <a:solidFill>
-                  <a:srgbClr val="020302"/>
-                </a:solidFill>
-                <a:latin typeface="AdobeClean-Light"/>
-                <a:cs typeface="AdobeClean-Light"/>
-              </a:rPr>
-              <a:t>chat </a:t>
-            </a:r>
-            <a:r>
-              <a:rPr sz="1000" spc="-10" dirty="0">
-                <a:solidFill>
-                  <a:srgbClr val="020302"/>
-                </a:solidFill>
-                <a:latin typeface="AdobeClean-Light"/>
-                <a:cs typeface="AdobeClean-Light"/>
-              </a:rPr>
-              <a:t>session </a:t>
-            </a:r>
-            <a:r>
-              <a:rPr sz="1000" spc="-5" dirty="0">
-                <a:solidFill>
-                  <a:srgbClr val="020302"/>
-                </a:solidFill>
-                <a:latin typeface="AdobeClean-Light"/>
-                <a:cs typeface="AdobeClean-Light"/>
-              </a:rPr>
-              <a:t>to </a:t>
-            </a:r>
-            <a:r>
-              <a:rPr sz="1000" spc="-10" dirty="0">
-                <a:solidFill>
-                  <a:srgbClr val="020302"/>
-                </a:solidFill>
-                <a:latin typeface="AdobeClean-Light"/>
-                <a:cs typeface="AdobeClean-Light"/>
-              </a:rPr>
-              <a:t>get </a:t>
-            </a:r>
-            <a:r>
-              <a:rPr sz="1000" spc="-20" dirty="0">
-                <a:solidFill>
-                  <a:srgbClr val="020302"/>
-                </a:solidFill>
-                <a:latin typeface="AdobeClean-Light"/>
-                <a:cs typeface="AdobeClean-Light"/>
-              </a:rPr>
-              <a:t>answers</a:t>
-            </a:r>
-            <a:r>
-              <a:rPr lang="en-US" sz="1000" spc="-45" dirty="0">
-                <a:solidFill>
-                  <a:srgbClr val="020302"/>
-                </a:solidFill>
-                <a:latin typeface="AdobeClean-Light"/>
-                <a:cs typeface="AdobeClean-Light"/>
-              </a:rPr>
-              <a:t> </a:t>
-            </a:r>
-            <a:r>
-              <a:rPr lang="en-US" sz="1000" dirty="0">
-                <a:solidFill>
-                  <a:srgbClr val="020302"/>
-                </a:solidFill>
-                <a:latin typeface="AdobeClean-Light"/>
-                <a:cs typeface="AdobeClean-Light"/>
-              </a:rPr>
-              <a:t>&amp; </a:t>
-            </a:r>
-            <a:r>
-              <a:rPr sz="1000" spc="-15" dirty="0">
-                <a:solidFill>
-                  <a:srgbClr val="020302"/>
-                </a:solidFill>
-                <a:latin typeface="AdobeClean-Light"/>
-                <a:cs typeface="AdobeClean-Light"/>
-              </a:rPr>
-              <a:t>help </a:t>
-            </a:r>
-            <a:r>
-              <a:rPr sz="1000" spc="-10" dirty="0">
-                <a:solidFill>
-                  <a:srgbClr val="020302"/>
-                </a:solidFill>
-                <a:latin typeface="AdobeClean-Light"/>
-                <a:cs typeface="AdobeClean-Light"/>
-              </a:rPr>
-              <a:t>with</a:t>
-            </a:r>
-            <a:r>
-              <a:rPr sz="1000" spc="85" dirty="0">
-                <a:solidFill>
-                  <a:srgbClr val="020302"/>
-                </a:solidFill>
-                <a:latin typeface="AdobeClean-Light"/>
-                <a:cs typeface="AdobeClean-Light"/>
-              </a:rPr>
-              <a:t> </a:t>
-            </a:r>
-            <a:r>
-              <a:rPr sz="1000" spc="-10" dirty="0">
-                <a:solidFill>
-                  <a:srgbClr val="020302"/>
-                </a:solidFill>
-                <a:latin typeface="AdobeClean-Light"/>
-                <a:cs typeface="AdobeClean-Light"/>
-              </a:rPr>
-              <a:t>case </a:t>
-            </a:r>
-            <a:r>
-              <a:rPr sz="1000" spc="-20">
-                <a:solidFill>
-                  <a:srgbClr val="020302"/>
-                </a:solidFill>
-                <a:latin typeface="AdobeClean-Light"/>
-                <a:cs typeface="AdobeClean-Light"/>
-              </a:rPr>
-              <a:t>submission</a:t>
-            </a:r>
-            <a:r>
-              <a:rPr lang="en-US" sz="1000" spc="-20">
-                <a:solidFill>
-                  <a:srgbClr val="020302"/>
-                </a:solidFill>
-                <a:latin typeface="AdobeClean-Light"/>
-                <a:cs typeface="AdobeClean-Light"/>
-              </a:rPr>
-              <a:t>.</a:t>
+              <a:t>Inicie uma sessão de chat para obter respostas e ajuda com o envio de caso</a:t>
             </a:r>
           </a:p>
           <a:p>
             <a:pPr marL="33020" marR="159385">
+              <a:lnSpc>
+                <a:spcPct val="100000"/>
+              </a:lnSpc>
               <a:spcBef>
                 <a:spcPts val="100"/>
               </a:spcBef>
@@ -8661,49 +7360,44 @@
               </a:tabLst>
             </a:pPr>
             <a:r>
-              <a:rPr sz="1000" i="1" spc="-10" dirty="0">
+              <a:rPr lang="pt-BR" sz="1000" i="1" dirty="0">
                 <a:solidFill>
                   <a:srgbClr val="7A7A7A"/>
                 </a:solidFill>
                 <a:latin typeface="AdobeClean-LightIt"/>
                 <a:cs typeface="AdobeClean-LightIt"/>
               </a:rPr>
-              <a:t>*Not all </a:t>
-            </a:r>
-            <a:r>
-              <a:rPr sz="1000" i="1" spc="-20" dirty="0">
+              <a:t>*Nem todos os produtos têm suporte </a:t>
+            </a:r>
+            <a:br>
+              <a:rPr lang="sk-SK" sz="1000" i="1" dirty="0">
                 <a:solidFill>
                   <a:srgbClr val="7A7A7A"/>
                 </a:solidFill>
                 <a:latin typeface="AdobeClean-LightIt"/>
                 <a:cs typeface="AdobeClean-LightIt"/>
               </a:rPr>
-              <a:t>products have live chat support</a:t>
-            </a:r>
-            <a:r>
-              <a:rPr sz="900" i="1" spc="-20" dirty="0">
+            </a:br>
+            <a:r>
+              <a:rPr lang="pt-BR" sz="1000" i="1" dirty="0">
                 <a:solidFill>
                   <a:srgbClr val="7A7A7A"/>
                 </a:solidFill>
                 <a:latin typeface="AdobeClean-LightIt"/>
                 <a:cs typeface="AdobeClean-LightIt"/>
               </a:rPr>
-              <a:t>.</a:t>
-            </a:r>
-            <a:r>
-              <a:rPr lang="en-US" sz="900" i="1" spc="-20" dirty="0">
+              <a:t>de chat ao vivo</a:t>
+            </a:r>
+            <a:r>
+              <a:rPr lang="pt-BR" sz="900" i="1" dirty="0">
                 <a:solidFill>
                   <a:srgbClr val="7A7A7A"/>
                 </a:solidFill>
                 <a:latin typeface="AdobeClean-LightIt"/>
                 <a:cs typeface="AdobeClean-LightIt"/>
               </a:rPr>
-              <a:t>  </a:t>
-            </a:r>
-            <a:endParaRPr sz="900">
-              <a:latin typeface="AdobeClean-Light"/>
-              <a:cs typeface="AdobeClean-Light"/>
-            </a:endParaRPr>
+              <a:t>.  </a:t>
+            </a:r>
           </a:p>
         </p:txBody>
       </p:sp>
@@ -8750,12 +7444,12 @@
               <a:defRPr/>
             </a:pPr>
             <a:r>
-              <a:rPr lang="en-US" sz="1200">
+              <a:rPr lang="pt-BR" sz="1200">
                 <a:solidFill>
                   <a:srgbClr val="000000"/>
                 </a:solidFill>
               </a:rPr>
-              <a:t>Community Forums</a:t>
+              <a:t>Fóruns da comunidade</a:t>
             </a:r>
           </a:p>
         </p:txBody>
@@ -8798,12 +7492,12 @@
               </a:spcAft>
             </a:pPr>
             <a:r>
-              <a:rPr lang="en-US" sz="1200" b="1">
+              <a:rPr lang="pt-BR" sz="1200" b="1">
                 <a:latin typeface="+mj-lt"/>
                 <a:ea typeface="Open Sans" pitchFamily="34" charset="0"/>
                 <a:cs typeface="Open Sans" pitchFamily="34" charset="0"/>
               </a:rPr>
-              <a:t>Online Forums</a:t>
+              <a:t>Fóruns online</a:t>
             </a:r>
           </a:p>
         </p:txBody>
@@ -8830,26 +7524,20 @@
           </a:prstGeom>
         </p:spPr>
         <p:txBody>
-          <a:bodyPr vert="horz" wrap="square" lIns="0" tIns="35560" rIns="0" bIns="0" rtlCol="0" anchor="t">
+          <a:bodyPr vert="horz" wrap="square" lIns="0" tIns="35560" rIns="0" bIns="0" rtlCol="0">
             <a:spAutoFit/>
           </a:bodyPr>
           <a:lstStyle/>
           <a:p>
             <a:r>
-              <a:rPr lang="en-US" sz="1000" dirty="0">
+              <a:rPr lang="pt-BR" sz="1000">
                 <a:solidFill>
                   <a:srgbClr val="4B4B4B"/>
                 </a:solidFill>
-                <a:latin typeface="Adobe Clean Light"/>
-              </a:rPr>
-              <a:t>Continuous online access to a growing database of technical solutions, product documentation, FAQs and more. Connect with practitioners and other customers on Adobe Community to share best practices and lessons learned.</a:t>
-            </a:r>
-            <a:endParaRPr lang="en-US" sz="1000" dirty="0">
-              <a:solidFill>
-                <a:srgbClr val="4B4B4B"/>
-              </a:solidFill>
-              <a:latin typeface="Adobe Clean Light" panose="020B0303020404020204" pitchFamily="34" charset="0"/>
-            </a:endParaRPr>
+                <a:latin typeface="Adobe Clean Light" panose="020B0303020404020204" pitchFamily="34" charset="0"/>
+              </a:rPr>
+              <a:t>Acesso online contínuo a um banco de dados cada vez maior de soluções técnicas, documentação do produto, perguntas frequentes e muito mais. Conecte-se com profissionais e outros clientes na Comunidade da Adobe para compartilhar práticas recomendadas e lições aprendidas</a:t>
+            </a:r>
           </a:p>
         </p:txBody>
       </p:sp>
@@ -8896,7 +7584,7 @@
               <a:defRPr/>
             </a:pPr>
             <a:r>
-              <a:rPr lang="en-US" sz="1200">
+              <a:rPr lang="pt-BR" sz="1200">
                 <a:solidFill>
                   <a:srgbClr val="000000"/>
                 </a:solidFill>
@@ -8944,12 +7632,12 @@
               </a:spcAft>
             </a:pPr>
             <a:r>
-              <a:rPr lang="en-US" sz="1200" b="1">
+              <a:rPr lang="pt-BR" sz="1200" b="1">
                 <a:latin typeface="+mj-lt"/>
                 <a:ea typeface="Open Sans" pitchFamily="34" charset="0"/>
                 <a:cs typeface="Open Sans" pitchFamily="34" charset="0"/>
               </a:rPr>
-              <a:t>Self-guided Journeys</a:t>
+              <a:t>Jornadas autoguiadas</a:t>
             </a:r>
           </a:p>
         </p:txBody>
@@ -8976,26 +7664,105 @@
           </a:prstGeom>
         </p:spPr>
         <p:txBody>
-          <a:bodyPr vert="horz" wrap="square" lIns="0" tIns="35560" rIns="0" bIns="0" rtlCol="0" anchor="t">
+          <a:bodyPr vert="horz" wrap="square" lIns="0" tIns="35560" rIns="0" bIns="0" rtlCol="0">
             <a:spAutoFit/>
           </a:bodyPr>
           <a:lstStyle/>
           <a:p>
             <a:r>
-              <a:rPr lang="en-US" sz="1000" dirty="0">
+              <a:rPr lang="pt-BR" sz="1000" dirty="0">
                 <a:solidFill>
                   <a:srgbClr val="4B4B4B"/>
                 </a:solidFill>
-                <a:latin typeface="Adobe Clean Light"/>
-              </a:rPr>
-              <a:t>Experience Makers are made with Experience League. Customers can kickstart their Customer Experience Management abilities with personalized learning to develop skills, engage with a global community of peers, and earn career advancing recognition.</a:t>
-            </a:r>
-            <a:endParaRPr lang="en-US" sz="1000" dirty="0">
-              <a:solidFill>
-                <a:srgbClr val="4B4B4B"/>
-              </a:solidFill>
-              <a:latin typeface="Adobe Clean Light" panose="020B0303020404020204" pitchFamily="34" charset="0"/>
-            </a:endParaRPr>
+                <a:latin typeface="Adobe Clean Light" panose="020B0303020404020204" pitchFamily="34" charset="0"/>
+              </a:rPr>
+              <a:t>A Experience League gera criadores </a:t>
+            </a:r>
+            <a:br>
+              <a:rPr lang="sk-SK" sz="1000" dirty="0">
+                <a:solidFill>
+                  <a:srgbClr val="4B4B4B"/>
+                </a:solidFill>
+                <a:latin typeface="Adobe Clean Light" panose="020B0303020404020204" pitchFamily="34" charset="0"/>
+              </a:rPr>
+            </a:br>
+            <a:r>
+              <a:rPr lang="pt-BR" sz="1000" dirty="0">
+                <a:solidFill>
+                  <a:srgbClr val="4B4B4B"/>
+                </a:solidFill>
+                <a:latin typeface="Adobe Clean Light" panose="020B0303020404020204" pitchFamily="34" charset="0"/>
+              </a:rPr>
+              <a:t>de experiências. Os clientes podem </a:t>
+            </a:r>
+            <a:br>
+              <a:rPr lang="sk-SK" sz="1000" dirty="0">
+                <a:solidFill>
+                  <a:srgbClr val="4B4B4B"/>
+                </a:solidFill>
+                <a:latin typeface="Adobe Clean Light" panose="020B0303020404020204" pitchFamily="34" charset="0"/>
+              </a:rPr>
+            </a:br>
+            <a:r>
+              <a:rPr lang="pt-BR" sz="1000" dirty="0">
+                <a:solidFill>
+                  <a:srgbClr val="4B4B4B"/>
+                </a:solidFill>
+                <a:latin typeface="Adobe Clean Light" panose="020B0303020404020204" pitchFamily="34" charset="0"/>
+              </a:rPr>
+              <a:t>adquirir habilidades de gerenciamento </a:t>
+            </a:r>
+            <a:br>
+              <a:rPr lang="sk-SK" sz="1000" dirty="0">
+                <a:solidFill>
+                  <a:srgbClr val="4B4B4B"/>
+                </a:solidFill>
+                <a:latin typeface="Adobe Clean Light" panose="020B0303020404020204" pitchFamily="34" charset="0"/>
+              </a:rPr>
+            </a:br>
+            <a:r>
+              <a:rPr lang="pt-BR" sz="1000" dirty="0">
+                <a:solidFill>
+                  <a:srgbClr val="4B4B4B"/>
+                </a:solidFill>
+                <a:latin typeface="Adobe Clean Light" panose="020B0303020404020204" pitchFamily="34" charset="0"/>
+              </a:rPr>
+              <a:t>de experiência do cliente com aprendizagem personalizada, participar </a:t>
+            </a:r>
+            <a:br>
+              <a:rPr lang="sk-SK" sz="1000" dirty="0">
+                <a:solidFill>
+                  <a:srgbClr val="4B4B4B"/>
+                </a:solidFill>
+                <a:latin typeface="Adobe Clean Light" panose="020B0303020404020204" pitchFamily="34" charset="0"/>
+              </a:rPr>
+            </a:br>
+            <a:r>
+              <a:rPr lang="pt-BR" sz="1000" dirty="0">
+                <a:solidFill>
+                  <a:srgbClr val="4B4B4B"/>
+                </a:solidFill>
+                <a:latin typeface="Adobe Clean Light" panose="020B0303020404020204" pitchFamily="34" charset="0"/>
+              </a:rPr>
+              <a:t>de uma comunidade de pares global </a:t>
+            </a:r>
+            <a:br>
+              <a:rPr lang="sk-SK" sz="1000" dirty="0">
+                <a:solidFill>
+                  <a:srgbClr val="4B4B4B"/>
+                </a:solidFill>
+                <a:latin typeface="Adobe Clean Light" panose="020B0303020404020204" pitchFamily="34" charset="0"/>
+              </a:rPr>
+            </a:br>
+            <a:r>
+              <a:rPr lang="pt-BR" sz="1000" dirty="0">
+                <a:solidFill>
+                  <a:srgbClr val="4B4B4B"/>
+                </a:solidFill>
+                <a:latin typeface="Adobe Clean Light" panose="020B0303020404020204" pitchFamily="34" charset="0"/>
+              </a:rPr>
+              <a:t>e conseguir reconhecimento de carreira</a:t>
+            </a:r>
           </a:p>
         </p:txBody>
       </p:sp>
@@ -9042,12 +7809,12 @@
               <a:defRPr/>
             </a:pPr>
             <a:r>
-              <a:rPr lang="en-US" sz="1200">
+              <a:rPr lang="pt-BR" sz="1200" dirty="0">
                 <a:solidFill>
                   <a:srgbClr val="000000"/>
                 </a:solidFill>
               </a:rPr>
-              <a:t>Live Chat  Support*</a:t>
+              <a:t>Suporte por chat ao vivo*</a:t>
             </a:r>
           </a:p>
         </p:txBody>
@@ -9090,12 +7857,12 @@
               </a:spcAft>
             </a:pPr>
             <a:r>
-              <a:rPr lang="en-US" sz="1200" b="1">
+              <a:rPr lang="pt-BR" sz="1200" b="1">
                 <a:latin typeface="+mj-lt"/>
                 <a:ea typeface="Open Sans" pitchFamily="34" charset="0"/>
                 <a:cs typeface="Open Sans" pitchFamily="34" charset="0"/>
               </a:rPr>
-              <a:t>Chat Support</a:t>
+              <a:t>Suporte por chat</a:t>
             </a:r>
           </a:p>
         </p:txBody>
@@ -9143,12 +7910,12 @@
               <a:defRPr/>
             </a:pPr>
             <a:r>
-              <a:rPr lang="en-US" sz="1200">
+              <a:rPr lang="pt-BR" sz="1200" dirty="0">
                 <a:solidFill>
                   <a:srgbClr val="000000"/>
                 </a:solidFill>
               </a:rPr>
-              <a:t>24X7 P1 </a:t>
+              <a:t>24X7 prioridades P1 </a:t>
             </a:r>
           </a:p>
         </p:txBody>
@@ -9191,12 +7958,12 @@
               </a:spcAft>
             </a:pPr>
             <a:r>
-              <a:rPr lang="en-US" sz="1200" b="1">
+              <a:rPr lang="pt-BR" sz="1200" b="1">
                 <a:latin typeface="+mj-lt"/>
                 <a:ea typeface="Open Sans" pitchFamily="34" charset="0"/>
                 <a:cs typeface="Open Sans" pitchFamily="34" charset="0"/>
               </a:rPr>
-              <a:t>Phone  Support</a:t>
+              <a:t>Suporte telefônico</a:t>
             </a:r>
           </a:p>
         </p:txBody>
@@ -9216,7 +7983,7 @@
         <p:spPr>
           <a:xfrm>
             <a:off x="2835999" y="7097788"/>
-            <a:ext cx="2194560" cy="805349"/>
+            <a:ext cx="2194560" cy="959237"/>
           </a:xfrm>
           <a:prstGeom prst="rect">
             <a:avLst/>
@@ -9229,35 +7996,57 @@
           <a:lstStyle/>
           <a:p>
             <a:r>
-              <a:rPr lang="en-US" sz="1000">
+              <a:rPr lang="pt-BR" sz="1000" dirty="0">
                 <a:solidFill>
                   <a:srgbClr val="020302"/>
                 </a:solidFill>
                 <a:latin typeface="AdobeClean-Light"/>
               </a:rPr>
-              <a:t>Authorized users or </a:t>
-            </a:r>
-            <a:r>
-              <a:rPr lang="en-US" sz="1000" b="1">
+              <a:t>Usuários autorizados ou </a:t>
+            </a:r>
+            <a:r>
+              <a:rPr lang="pt-BR" sz="1000" b="1" dirty="0">
                 <a:solidFill>
                   <a:srgbClr val="020302"/>
                 </a:solidFill>
                 <a:latin typeface="AdobeClean-Light"/>
               </a:rPr>
-              <a:t>Named Support Contacts </a:t>
-            </a:r>
-            <a:r>
-              <a:rPr lang="en-US" sz="1000">
+              <a:t>contatos </a:t>
+            </a:r>
+            <a:br>
+              <a:rPr lang="sk-SK" sz="1000" b="1" dirty="0">
+                <a:solidFill>
+                  <a:srgbClr val="020302"/>
+                </a:solidFill>
+                <a:latin typeface="AdobeClean-Light"/>
+              </a:rPr>
+            </a:br>
+            <a:r>
+              <a:rPr lang="pt-BR" sz="1000" b="1" dirty="0">
+                <a:solidFill>
+                  <a:srgbClr val="020302"/>
+                </a:solidFill>
+                <a:latin typeface="AdobeClean-Light"/>
+              </a:rPr>
+              <a:t>de suporte nomeados</a:t>
+            </a:r>
+            <a:r>
+              <a:rPr lang="pt-BR" sz="1000" dirty="0">
                 <a:latin typeface="Adobe Clean Light" panose="020B0303020404020204" pitchFamily="34" charset="0"/>
               </a:rPr>
-              <a:t>can submit issues through all available  channels (including phone for P1) and interact with our technical support team on behalf of your company. </a:t>
-            </a:r>
-            <a:endParaRPr lang="en-US" sz="1000">
-              <a:solidFill>
-                <a:srgbClr val="000000"/>
-              </a:solidFill>
-              <a:latin typeface="Adobe Clean Light" panose="020B0303020404020204" pitchFamily="34" charset="0"/>
-            </a:endParaRPr>
+              <a:t> podem enviar problemas por todos os canais disponíveis (incluindo por telefone em prioridades P1) </a:t>
+            </a:r>
+            <a:br>
+              <a:rPr lang="sk-SK" sz="1000" dirty="0">
+                <a:latin typeface="Adobe Clean Light" panose="020B0303020404020204" pitchFamily="34" charset="0"/>
+              </a:rPr>
+            </a:br>
+            <a:r>
+              <a:rPr lang="pt-BR" sz="1000" dirty="0">
+                <a:latin typeface="Adobe Clean Light" panose="020B0303020404020204" pitchFamily="34" charset="0"/>
+              </a:rPr>
+              <a:t>e contatar a equipe de suporte técnico em nome de sua empresa. </a:t>
+            </a:r>
           </a:p>
         </p:txBody>
       </p:sp>
@@ -9276,7 +8065,7 @@
         <p:spPr>
           <a:xfrm>
             <a:off x="214971" y="6447157"/>
-            <a:ext cx="1848207" cy="45719"/>
+            <a:ext cx="2042512" cy="70632"/>
           </a:xfrm>
           <a:custGeom>
             <a:avLst/>
@@ -9345,19 +8134,15 @@
               </a:spcBef>
             </a:pPr>
             <a:r>
-              <a:rPr lang="en-US" sz="1400" b="1" spc="-10">
+              <a:rPr lang="pt-BR" sz="1400" b="1" dirty="0">
                 <a:solidFill>
                   <a:srgbClr val="020302"/>
                 </a:solidFill>
                 <a:latin typeface="Adobe Clean"/>
                 <a:cs typeface="Adobe Clean"/>
               </a:rPr>
-              <a:t>Online Support Features</a:t>
-            </a:r>
-            <a:endParaRPr lang="en-US" sz="1400">
-              <a:latin typeface="Adobe Clean"/>
-              <a:cs typeface="Adobe Clean"/>
-            </a:endParaRPr>
+              <a:t>Recursos de suporte online</a:t>
+            </a:r>
           </a:p>
         </p:txBody>
       </p:sp>
@@ -9404,7 +8189,7 @@
               <a:defRPr/>
             </a:pPr>
             <a:r>
-              <a:rPr lang="en-US" sz="1200">
+              <a:rPr lang="pt-BR" sz="1200">
                 <a:solidFill>
                   <a:srgbClr val="000000"/>
                 </a:solidFill>
@@ -9452,12 +8237,12 @@
               </a:spcAft>
             </a:pPr>
             <a:r>
-              <a:rPr lang="en-US" sz="1200" b="1">
+              <a:rPr lang="pt-BR" sz="1200" b="1">
                 <a:latin typeface="+mj-lt"/>
                 <a:ea typeface="Open Sans" pitchFamily="34" charset="0"/>
                 <a:cs typeface="Open Sans" pitchFamily="34" charset="0"/>
               </a:rPr>
-              <a:t>Webinars</a:t>
+              <a:t>Webinários</a:t>
             </a:r>
           </a:p>
         </p:txBody>
@@ -9477,7 +8262,7 @@
         <p:spPr>
           <a:xfrm>
             <a:off x="355868" y="8986613"/>
-            <a:ext cx="2194560" cy="805349"/>
+            <a:ext cx="2396720" cy="805349"/>
           </a:xfrm>
           <a:prstGeom prst="rect">
             <a:avLst/>
@@ -9490,13 +8275,13 @@
           <a:lstStyle/>
           <a:p>
             <a:r>
-              <a:rPr lang="en-US" sz="1000">
+              <a:rPr lang="pt-BR" sz="1000" dirty="0">
                 <a:solidFill>
                   <a:srgbClr val="4B4B4B"/>
                 </a:solidFill>
                 <a:latin typeface="Adobe Clean Light" panose="020B0303020404020204" pitchFamily="34" charset="0"/>
               </a:rPr>
-              <a:t>Office Hours led by the Adobe Customer Support team includes sessions designed to inform as well as help participants troubleshoot problems and provide tips and tricks for success with Adobe solutions. </a:t>
+              <a:t>O Office Hours, apresentado pela equipe de Suporte ao cliente da Adobe, inclui sessões para informar e ajudar os participantes a solucionar problemas e fornecer dicas e truques para aproveitar ao máximo as soluções da Adobe. </a:t>
             </a:r>
           </a:p>
         </p:txBody>
@@ -9544,12 +8329,12 @@
               <a:defRPr/>
             </a:pPr>
             <a:r>
-              <a:rPr lang="en-US" sz="1200">
+              <a:rPr lang="pt-BR" sz="1200">
                 <a:solidFill>
                   <a:srgbClr val="000000"/>
                 </a:solidFill>
               </a:rPr>
-              <a:t>Self-help Portals</a:t>
+              <a:t>Portais de autoatendimento</a:t>
             </a:r>
           </a:p>
         </p:txBody>
@@ -9592,12 +8377,12 @@
               </a:spcAft>
             </a:pPr>
             <a:r>
-              <a:rPr lang="en-US" sz="1200" b="1">
+              <a:rPr lang="pt-BR" sz="1200" b="1">
                 <a:latin typeface="+mj-lt"/>
                 <a:ea typeface="Open Sans" pitchFamily="34" charset="0"/>
                 <a:cs typeface="Open Sans" pitchFamily="34" charset="0"/>
               </a:rPr>
-              <a:t>24/7 Support Portal</a:t>
+              <a:t>Portal de suporte 24/7</a:t>
             </a:r>
           </a:p>
         </p:txBody>
@@ -9617,7 +8402,7 @@
         <p:spPr>
           <a:xfrm>
             <a:off x="5265661" y="8947635"/>
-            <a:ext cx="2194560" cy="805349"/>
+            <a:ext cx="2194560" cy="959237"/>
           </a:xfrm>
           <a:prstGeom prst="rect">
             <a:avLst/>
@@ -9630,16 +8415,16 @@
           <a:lstStyle/>
           <a:p>
             <a:r>
-              <a:rPr lang="en-US" sz="1000">
+              <a:rPr lang="pt-BR" sz="1000" dirty="0">
                 <a:solidFill>
                   <a:srgbClr val="4B4B4B"/>
                 </a:solidFill>
                 <a:latin typeface="Adobe Clean Light" panose="020B0303020404020204" pitchFamily="34" charset="0"/>
               </a:rPr>
-              <a:t>On-demand access to the online </a:t>
+              <a:t>Acesso sob demanda ao Portal de autoatendimento online para enviar solicitações de suporte, revisar o status </a:t>
             </a:r>
             <a:br>
-              <a:rPr lang="en-US" sz="1000">
+              <a:rPr lang="sk-SK" sz="1000" dirty="0">
                 <a:solidFill>
                   <a:srgbClr val="4B4B4B"/>
                 </a:solidFill>
@@ -9647,13 +8432,30 @@
               </a:rPr>
             </a:br>
             <a:r>
-              <a:rPr lang="en-US" sz="1000">
+              <a:rPr lang="pt-BR" sz="1000" dirty="0">
                 <a:solidFill>
                   <a:srgbClr val="4B4B4B"/>
                 </a:solidFill>
                 <a:latin typeface="Adobe Clean Light" panose="020B0303020404020204" pitchFamily="34" charset="0"/>
               </a:rPr>
-              <a:t>Self-help Support Portal to submit support requests, review case status, and browse other resources, like our knowledgebase, news and alerts, featured tips, and more.</a:t>
+              <a:t>do caso e procurar outros recursos, como nossa base de conhecimento, notícias </a:t>
+            </a:r>
+            <a:br>
+              <a:rPr lang="sk-SK" sz="1000" dirty="0">
+                <a:solidFill>
+                  <a:srgbClr val="4B4B4B"/>
+                </a:solidFill>
+                <a:latin typeface="Adobe Clean Light" panose="020B0303020404020204" pitchFamily="34" charset="0"/>
+              </a:rPr>
+            </a:br>
+            <a:r>
+              <a:rPr lang="pt-BR" sz="1000" dirty="0">
+                <a:solidFill>
+                  <a:srgbClr val="4B4B4B"/>
+                </a:solidFill>
+                <a:latin typeface="Adobe Clean Light" panose="020B0303020404020204" pitchFamily="34" charset="0"/>
+              </a:rPr>
+              <a:t>e alertas, dicas em destaque e muito mais.</a:t>
             </a:r>
           </a:p>
         </p:txBody>
@@ -9787,36 +8589,8 @@
               </a:spcBef>
             </a:pPr>
             <a:r>
-              <a:rPr lang="en-US" spc="-10"/>
-              <a:t>©2021</a:t>
-            </a:r>
-            <a:r>
-              <a:rPr lang="en-US" spc="-5"/>
-              <a:t> Adobe. All</a:t>
-            </a:r>
-            <a:r>
-              <a:rPr lang="en-US" spc="-10"/>
-              <a:t> Rights</a:t>
-            </a:r>
-            <a:r>
-              <a:rPr lang="en-US" spc="-5"/>
-              <a:t> </a:t>
-            </a:r>
-            <a:r>
-              <a:rPr lang="en-US" spc="-10"/>
-              <a:t>Reserved.</a:t>
-            </a:r>
-            <a:r>
-              <a:rPr lang="en-US" spc="-5"/>
-              <a:t> Adobe</a:t>
-            </a:r>
-            <a:r>
-              <a:rPr lang="en-US" spc="60"/>
-              <a:t> </a:t>
-            </a:r>
-            <a:r>
-              <a:rPr lang="en-US" spc="-10"/>
-              <a:t>Confidential.</a:t>
+              <a:rPr lang="pt-BR"/>
+              <a:t>©2021 Adobe. All Rights Reserved. Adobe Confidential.</a:t>
             </a:r>
           </a:p>
         </p:txBody>
@@ -9835,8 +8609,8 @@
         </p:nvSpPr>
         <p:spPr>
           <a:xfrm>
-            <a:off x="214971" y="868681"/>
-            <a:ext cx="2103120" cy="45719"/>
+            <a:off x="214970" y="868681"/>
+            <a:ext cx="2335457" cy="66021"/>
           </a:xfrm>
           <a:custGeom>
             <a:avLst/>
@@ -9905,19 +8679,15 @@
               </a:spcBef>
             </a:pPr>
             <a:r>
-              <a:rPr lang="en-US" sz="1400" b="1" spc="-10">
+              <a:rPr lang="pt-BR" sz="1400" b="1">
                 <a:solidFill>
                   <a:srgbClr val="020302"/>
                 </a:solidFill>
                 <a:latin typeface="Adobe Clean"/>
                 <a:cs typeface="Adobe Clean"/>
               </a:rPr>
-              <a:t>Enterprise Support Features</a:t>
-            </a:r>
-            <a:endParaRPr lang="en-US" sz="1400">
-              <a:latin typeface="Adobe Clean"/>
-              <a:cs typeface="Adobe Clean"/>
-            </a:endParaRPr>
+              <a:t>Recursos do suporte Enterprise</a:t>
+            </a:r>
           </a:p>
         </p:txBody>
       </p:sp>
@@ -9935,8 +8705,8 @@
         </p:nvSpPr>
         <p:spPr>
           <a:xfrm>
-            <a:off x="689237" y="2603192"/>
-            <a:ext cx="1555491" cy="197490"/>
+            <a:off x="689237" y="2603191"/>
+            <a:ext cx="1879905" cy="204275"/>
           </a:xfrm>
           <a:prstGeom prst="rect">
             <a:avLst/>
@@ -9957,199 +8727,15 @@
               </a:spcBef>
             </a:pPr>
             <a:r>
-              <a:rPr sz="1200" b="1" spc="-25">
+              <a:rPr lang="pt-BR" sz="1200" b="1" dirty="0">
                 <a:solidFill>
                   <a:srgbClr val="020302"/>
                 </a:solidFill>
                 <a:latin typeface="Adobe Clean"/>
                 <a:cs typeface="Adobe Clean"/>
               </a:rPr>
-              <a:t>E</a:t>
-            </a:r>
-            <a:r>
-              <a:rPr sz="1200" b="1" spc="-20">
-                <a:solidFill>
-                  <a:srgbClr val="020302"/>
-                </a:solidFill>
-                <a:latin typeface="Adobe Clean"/>
-                <a:cs typeface="Adobe Clean"/>
-              </a:rPr>
-              <a:t>s</a:t>
-            </a:r>
-            <a:r>
-              <a:rPr sz="1200" b="1" spc="-30">
-                <a:solidFill>
-                  <a:srgbClr val="020302"/>
-                </a:solidFill>
-                <a:latin typeface="Adobe Clean"/>
-                <a:cs typeface="Adobe Clean"/>
-              </a:rPr>
-              <a:t>c</a:t>
-            </a:r>
-            <a:r>
-              <a:rPr sz="1200" b="1" spc="-20">
-                <a:solidFill>
-                  <a:srgbClr val="020302"/>
-                </a:solidFill>
-                <a:latin typeface="Adobe Clean"/>
-                <a:cs typeface="Adobe Clean"/>
-              </a:rPr>
-              <a:t>a</a:t>
-            </a:r>
-            <a:r>
-              <a:rPr sz="1200" b="1" spc="-25">
-                <a:solidFill>
-                  <a:srgbClr val="020302"/>
-                </a:solidFill>
-                <a:latin typeface="Adobe Clean"/>
-                <a:cs typeface="Adobe Clean"/>
-              </a:rPr>
-              <a:t>l</a:t>
-            </a:r>
-            <a:r>
-              <a:rPr sz="1200" b="1" spc="-20">
-                <a:solidFill>
-                  <a:srgbClr val="020302"/>
-                </a:solidFill>
-                <a:latin typeface="Adobe Clean"/>
-                <a:cs typeface="Adobe Clean"/>
-              </a:rPr>
-              <a:t>a</a:t>
-            </a:r>
-            <a:r>
-              <a:rPr sz="1200" b="1" spc="-25">
-                <a:solidFill>
-                  <a:srgbClr val="020302"/>
-                </a:solidFill>
-                <a:latin typeface="Adobe Clean"/>
-                <a:cs typeface="Adobe Clean"/>
-              </a:rPr>
-              <a:t>t</a:t>
-            </a:r>
-            <a:r>
-              <a:rPr sz="1200" b="1" spc="-20">
-                <a:solidFill>
-                  <a:srgbClr val="020302"/>
-                </a:solidFill>
-                <a:latin typeface="Adobe Clean"/>
-                <a:cs typeface="Adobe Clean"/>
-              </a:rPr>
-              <a:t>i</a:t>
-            </a:r>
-            <a:r>
-              <a:rPr sz="1200" b="1" spc="-15">
-                <a:solidFill>
-                  <a:srgbClr val="020302"/>
-                </a:solidFill>
-                <a:latin typeface="Adobe Clean"/>
-                <a:cs typeface="Adobe Clean"/>
-              </a:rPr>
-              <a:t>o</a:t>
-            </a:r>
-            <a:r>
-              <a:rPr sz="1200" b="1">
-                <a:solidFill>
-                  <a:srgbClr val="020302"/>
-                </a:solidFill>
-                <a:latin typeface="Adobe Clean"/>
-                <a:cs typeface="Adobe Clean"/>
-              </a:rPr>
-              <a:t>n</a:t>
-            </a:r>
-            <a:r>
-              <a:rPr sz="1200" b="1" spc="-55">
-                <a:solidFill>
-                  <a:srgbClr val="020302"/>
-                </a:solidFill>
-                <a:latin typeface="Adobe Clean"/>
-                <a:cs typeface="Adobe Clean"/>
-              </a:rPr>
-              <a:t> </a:t>
-            </a:r>
-            <a:r>
-              <a:rPr sz="1200" b="1" spc="-35">
-                <a:solidFill>
-                  <a:srgbClr val="020302"/>
-                </a:solidFill>
-                <a:latin typeface="Adobe Clean"/>
-                <a:cs typeface="Adobe Clean"/>
-              </a:rPr>
-              <a:t>M</a:t>
-            </a:r>
-            <a:r>
-              <a:rPr sz="1200" b="1" spc="-25">
-                <a:solidFill>
-                  <a:srgbClr val="020302"/>
-                </a:solidFill>
-                <a:latin typeface="Adobe Clean"/>
-                <a:cs typeface="Adobe Clean"/>
-              </a:rPr>
-              <a:t>a</a:t>
-            </a:r>
-            <a:r>
-              <a:rPr sz="1200" b="1" spc="-30">
-                <a:solidFill>
-                  <a:srgbClr val="020302"/>
-                </a:solidFill>
-                <a:latin typeface="Adobe Clean"/>
-                <a:cs typeface="Adobe Clean"/>
-              </a:rPr>
-              <a:t>n</a:t>
-            </a:r>
-            <a:r>
-              <a:rPr sz="1200" b="1" spc="-25">
-                <a:solidFill>
-                  <a:srgbClr val="020302"/>
-                </a:solidFill>
-                <a:latin typeface="Adobe Clean"/>
-                <a:cs typeface="Adobe Clean"/>
-              </a:rPr>
-              <a:t>a</a:t>
-            </a:r>
-            <a:r>
-              <a:rPr sz="1200" b="1" spc="-30">
-                <a:solidFill>
-                  <a:srgbClr val="020302"/>
-                </a:solidFill>
-                <a:latin typeface="Adobe Clean"/>
-                <a:cs typeface="Adobe Clean"/>
-              </a:rPr>
-              <a:t>ge</a:t>
-            </a:r>
-            <a:r>
-              <a:rPr sz="1200" b="1" spc="-25">
-                <a:solidFill>
-                  <a:srgbClr val="020302"/>
-                </a:solidFill>
-                <a:latin typeface="Adobe Clean"/>
-                <a:cs typeface="Adobe Clean"/>
-              </a:rPr>
-              <a:t>m</a:t>
-            </a:r>
-            <a:r>
-              <a:rPr sz="1200" b="1" spc="-30">
-                <a:solidFill>
-                  <a:srgbClr val="020302"/>
-                </a:solidFill>
-                <a:latin typeface="Adobe Clean"/>
-                <a:cs typeface="Adobe Clean"/>
-              </a:rPr>
-              <a:t>en</a:t>
-            </a:r>
-            <a:r>
-              <a:rPr sz="1200" b="1">
-                <a:solidFill>
-                  <a:srgbClr val="020302"/>
-                </a:solidFill>
-                <a:latin typeface="Adobe Clean"/>
-                <a:cs typeface="Adobe Clean"/>
-              </a:rPr>
-              <a:t>t</a:t>
-            </a:r>
-            <a:endParaRPr sz="1200">
-              <a:latin typeface="Adobe Clean"/>
-              <a:cs typeface="Adobe Clean"/>
-            </a:endParaRPr>
+              <a:t>Gestão de encaminhamento</a:t>
+            </a:r>
           </a:p>
         </p:txBody>
       </p:sp>
@@ -10168,7 +8754,7 @@
         <p:spPr>
           <a:xfrm>
             <a:off x="355868" y="2923693"/>
-            <a:ext cx="2194560" cy="782265"/>
+            <a:ext cx="2194560" cy="936154"/>
           </a:xfrm>
           <a:prstGeom prst="rect">
             <a:avLst/>
@@ -10189,18 +8775,65 @@
               </a:spcBef>
             </a:pPr>
             <a:r>
-              <a:rPr lang="en-US" sz="1000">
+              <a:rPr lang="pt-BR" sz="1000" dirty="0">
                 <a:solidFill>
                   <a:srgbClr val="4B4B4B"/>
                 </a:solidFill>
                 <a:latin typeface="Adobe Clean Light" panose="020B0303020404020204" pitchFamily="34" charset="0"/>
               </a:rPr>
-              <a:t>A designated point of contact within Adobe who can provide escalation assistance, regular updates and ensure priority is given to your most critical open support requests.</a:t>
-            </a:r>
-            <a:endParaRPr sz="1000">
-              <a:latin typeface="Adobe Clean Light" panose="020B0303020404020204" pitchFamily="34" charset="0"/>
-              <a:cs typeface="AdobeClean-Light"/>
-            </a:endParaRPr>
+              <a:t>Um ponto de contato designado na </a:t>
+            </a:r>
+            <a:br>
+              <a:rPr lang="sk-SK" sz="1000" dirty="0">
+                <a:solidFill>
+                  <a:srgbClr val="4B4B4B"/>
+                </a:solidFill>
+                <a:latin typeface="Adobe Clean Light" panose="020B0303020404020204" pitchFamily="34" charset="0"/>
+              </a:rPr>
+            </a:br>
+            <a:r>
+              <a:rPr lang="pt-BR" sz="1000" dirty="0">
+                <a:solidFill>
+                  <a:srgbClr val="4B4B4B"/>
+                </a:solidFill>
+                <a:latin typeface="Adobe Clean Light" panose="020B0303020404020204" pitchFamily="34" charset="0"/>
+              </a:rPr>
+              <a:t>Adobe que pode fornecer assistência </a:t>
+            </a:r>
+            <a:br>
+              <a:rPr lang="sk-SK" sz="1000" dirty="0">
+                <a:solidFill>
+                  <a:srgbClr val="4B4B4B"/>
+                </a:solidFill>
+                <a:latin typeface="Adobe Clean Light" panose="020B0303020404020204" pitchFamily="34" charset="0"/>
+              </a:rPr>
+            </a:br>
+            <a:r>
+              <a:rPr lang="pt-BR" sz="1000" dirty="0">
+                <a:solidFill>
+                  <a:srgbClr val="4B4B4B"/>
+                </a:solidFill>
+                <a:latin typeface="Adobe Clean Light" panose="020B0303020404020204" pitchFamily="34" charset="0"/>
+              </a:rPr>
+              <a:t>de encaminhamento, atualizações regulares </a:t>
+            </a:r>
+            <a:br>
+              <a:rPr lang="sk-SK" sz="1000" dirty="0">
+                <a:solidFill>
+                  <a:srgbClr val="4B4B4B"/>
+                </a:solidFill>
+                <a:latin typeface="Adobe Clean Light" panose="020B0303020404020204" pitchFamily="34" charset="0"/>
+              </a:rPr>
+            </a:br>
+            <a:r>
+              <a:rPr lang="pt-BR" sz="1000" dirty="0">
+                <a:solidFill>
+                  <a:srgbClr val="4B4B4B"/>
+                </a:solidFill>
+                <a:latin typeface="Adobe Clean Light" panose="020B0303020404020204" pitchFamily="34" charset="0"/>
+              </a:rPr>
+              <a:t>e garantir que seja dada prioridade àquelas solicitações de suporte abertas que forem mais críticas.</a:t>
+            </a:r>
           </a:p>
         </p:txBody>
       </p:sp>
@@ -10219,7 +8852,7 @@
         <p:spPr>
           <a:xfrm>
             <a:off x="3201544" y="2592995"/>
-            <a:ext cx="1036205" cy="197490"/>
+            <a:ext cx="1408205" cy="197490"/>
           </a:xfrm>
           <a:prstGeom prst="rect">
             <a:avLst/>
@@ -10240,149 +8873,15 @@
               </a:spcBef>
             </a:pPr>
             <a:r>
-              <a:rPr sz="1200" b="1" spc="-20">
+              <a:rPr lang="pt-BR" sz="1200" b="1" dirty="0">
                 <a:solidFill>
                   <a:srgbClr val="020302"/>
                 </a:solidFill>
                 <a:latin typeface="Adobe Clean"/>
                 <a:cs typeface="Adobe Clean"/>
               </a:rPr>
-              <a:t>S</a:t>
-            </a:r>
-            <a:r>
-              <a:rPr sz="1200" b="1" spc="-25">
-                <a:solidFill>
-                  <a:srgbClr val="020302"/>
-                </a:solidFill>
-                <a:latin typeface="Adobe Clean"/>
-                <a:cs typeface="Adobe Clean"/>
-              </a:rPr>
-              <a:t>e</a:t>
-            </a:r>
-            <a:r>
-              <a:rPr sz="1200" b="1" spc="-20">
-                <a:solidFill>
-                  <a:srgbClr val="020302"/>
-                </a:solidFill>
-                <a:latin typeface="Adobe Clean"/>
-                <a:cs typeface="Adobe Clean"/>
-              </a:rPr>
-              <a:t>r</a:t>
-            </a:r>
-            <a:r>
-              <a:rPr sz="1200" b="1" spc="-25">
-                <a:solidFill>
-                  <a:srgbClr val="020302"/>
-                </a:solidFill>
-                <a:latin typeface="Adobe Clean"/>
-                <a:cs typeface="Adobe Clean"/>
-              </a:rPr>
-              <a:t>v</a:t>
-            </a:r>
-            <a:r>
-              <a:rPr sz="1200" b="1" spc="-20">
-                <a:solidFill>
-                  <a:srgbClr val="020302"/>
-                </a:solidFill>
-                <a:latin typeface="Adobe Clean"/>
-                <a:cs typeface="Adobe Clean"/>
-              </a:rPr>
-              <a:t>i</a:t>
-            </a:r>
-            <a:r>
-              <a:rPr sz="1200" b="1" spc="-30">
-                <a:solidFill>
-                  <a:srgbClr val="020302"/>
-                </a:solidFill>
-                <a:latin typeface="Adobe Clean"/>
-                <a:cs typeface="Adobe Clean"/>
-              </a:rPr>
-              <a:t>c</a:t>
-            </a:r>
-            <a:r>
-              <a:rPr sz="1200" b="1">
-                <a:solidFill>
-                  <a:srgbClr val="020302"/>
-                </a:solidFill>
-                <a:latin typeface="Adobe Clean"/>
-                <a:cs typeface="Adobe Clean"/>
-              </a:rPr>
-              <a:t>e</a:t>
-            </a:r>
-            <a:r>
-              <a:rPr sz="1200" b="1" spc="-80">
-                <a:solidFill>
-                  <a:srgbClr val="020302"/>
-                </a:solidFill>
-                <a:latin typeface="Adobe Clean"/>
-                <a:cs typeface="Adobe Clean"/>
-              </a:rPr>
-              <a:t> </a:t>
-            </a:r>
-            <a:r>
-              <a:rPr sz="1200" b="1" spc="-20">
-                <a:solidFill>
-                  <a:srgbClr val="020302"/>
-                </a:solidFill>
-                <a:latin typeface="Adobe Clean"/>
-                <a:cs typeface="Adobe Clean"/>
-              </a:rPr>
-              <a:t>R</a:t>
-            </a:r>
-            <a:r>
-              <a:rPr sz="1200" b="1" spc="-25">
-                <a:solidFill>
-                  <a:srgbClr val="020302"/>
-                </a:solidFill>
-                <a:latin typeface="Adobe Clean"/>
-                <a:cs typeface="Adobe Clean"/>
-              </a:rPr>
-              <a:t>e</a:t>
-            </a:r>
-            <a:r>
-              <a:rPr sz="1200" b="1" spc="-30">
-                <a:solidFill>
-                  <a:srgbClr val="020302"/>
-                </a:solidFill>
-                <a:latin typeface="Adobe Clean"/>
-                <a:cs typeface="Adobe Clean"/>
-              </a:rPr>
-              <a:t>v</a:t>
-            </a:r>
-            <a:r>
-              <a:rPr sz="1200" b="1" spc="-20">
-                <a:solidFill>
-                  <a:srgbClr val="020302"/>
-                </a:solidFill>
-                <a:latin typeface="Adobe Clean"/>
-                <a:cs typeface="Adobe Clean"/>
-              </a:rPr>
-              <a:t>i</a:t>
-            </a:r>
-            <a:r>
-              <a:rPr sz="1200" b="1" spc="-25">
-                <a:solidFill>
-                  <a:srgbClr val="020302"/>
-                </a:solidFill>
-                <a:latin typeface="Adobe Clean"/>
-                <a:cs typeface="Adobe Clean"/>
-              </a:rPr>
-              <a:t>ew</a:t>
-            </a:r>
-            <a:r>
-              <a:rPr sz="1200" b="1">
-                <a:solidFill>
-                  <a:srgbClr val="020302"/>
-                </a:solidFill>
-                <a:latin typeface="Adobe Clean"/>
-                <a:cs typeface="Adobe Clean"/>
-              </a:rPr>
-              <a:t>s</a:t>
-            </a:r>
-            <a:endParaRPr sz="1200">
-              <a:latin typeface="Adobe Clean"/>
-              <a:cs typeface="Adobe Clean"/>
-            </a:endParaRPr>
+              <a:t>Revisões de serviço</a:t>
+            </a:r>
           </a:p>
         </p:txBody>
       </p:sp>
@@ -10422,18 +8921,48 @@
               </a:spcBef>
             </a:pPr>
             <a:r>
-              <a:rPr lang="en-US" sz="1000">
+              <a:rPr lang="pt-BR" sz="1000" dirty="0">
                 <a:solidFill>
                   <a:srgbClr val="4B4B4B"/>
                 </a:solidFill>
                 <a:latin typeface="Adobe Clean Light" panose="020B0303020404020204" pitchFamily="34" charset="0"/>
               </a:rPr>
-              <a:t>A bi-annual comprehensive review of  Enterprise program services, benefits and support metrics.</a:t>
-            </a:r>
-            <a:endParaRPr sz="1000">
-              <a:latin typeface="Adobe Clean Light" panose="020B0303020404020204" pitchFamily="34" charset="0"/>
-              <a:cs typeface="AdobeClean-Light"/>
-            </a:endParaRPr>
+              <a:t>Uma análise abrangente e bianual </a:t>
+            </a:r>
+            <a:br>
+              <a:rPr lang="sk-SK" sz="1000" dirty="0">
+                <a:solidFill>
+                  <a:srgbClr val="4B4B4B"/>
+                </a:solidFill>
+                <a:latin typeface="Adobe Clean Light" panose="020B0303020404020204" pitchFamily="34" charset="0"/>
+              </a:rPr>
+            </a:br>
+            <a:r>
+              <a:rPr lang="pt-BR" sz="1000" dirty="0">
+                <a:solidFill>
+                  <a:srgbClr val="4B4B4B"/>
+                </a:solidFill>
+                <a:latin typeface="Adobe Clean Light" panose="020B0303020404020204" pitchFamily="34" charset="0"/>
+              </a:rPr>
+              <a:t>dos serviços, benefícios e das métricas </a:t>
+            </a:r>
+            <a:br>
+              <a:rPr lang="sk-SK" sz="1000" dirty="0">
+                <a:solidFill>
+                  <a:srgbClr val="4B4B4B"/>
+                </a:solidFill>
+                <a:latin typeface="Adobe Clean Light" panose="020B0303020404020204" pitchFamily="34" charset="0"/>
+              </a:rPr>
+            </a:br>
+            <a:r>
+              <a:rPr lang="pt-BR" sz="1000" dirty="0">
+                <a:solidFill>
+                  <a:srgbClr val="4B4B4B"/>
+                </a:solidFill>
+                <a:latin typeface="Adobe Clean Light" panose="020B0303020404020204" pitchFamily="34" charset="0"/>
+              </a:rPr>
+              <a:t>de suporte do programa Enterprise.</a:t>
+            </a:r>
           </a:p>
         </p:txBody>
       </p:sp>
@@ -10473,18 +9002,14 @@
               </a:spcBef>
             </a:pPr>
             <a:r>
-              <a:rPr lang="en-US" sz="1000">
+              <a:rPr lang="pt-BR" sz="1000">
                 <a:solidFill>
                   <a:srgbClr val="4B4B4B"/>
                 </a:solidFill>
                 <a:latin typeface="Adobe Clean Light" panose="020B0303020404020204" pitchFamily="34" charset="0"/>
               </a:rPr>
-              <a:t>A 60-minute session focusing on a specific product feature and how it can be utilized to solve common business problems.</a:t>
-            </a:r>
-            <a:endParaRPr sz="1000">
-              <a:latin typeface="Adobe Clean Light" panose="020B0303020404020204" pitchFamily="34" charset="0"/>
-              <a:cs typeface="AdobeClean-Light"/>
-            </a:endParaRPr>
+              <a:t>Uma sessão de 60 minutos focada em um recurso específico do produto e em como ele pode ser usado para resolver problemas empresariais comuns.</a:t>
+            </a:r>
           </a:p>
         </p:txBody>
       </p:sp>
@@ -10502,7 +9027,7 @@
         </p:nvSpPr>
         <p:spPr>
           <a:xfrm>
-            <a:off x="5265661" y="5001737"/>
+            <a:off x="5265661" y="5096987"/>
             <a:ext cx="2194560" cy="536622"/>
           </a:xfrm>
           <a:prstGeom prst="rect">
@@ -10510,7 +9035,7 @@
           </a:prstGeom>
         </p:spPr>
         <p:txBody>
-          <a:bodyPr vert="horz" wrap="square" lIns="0" tIns="12700" rIns="0" bIns="0" rtlCol="0" anchor="t">
+          <a:bodyPr vert="horz" wrap="square" lIns="0" tIns="12700" rIns="0" bIns="0" rtlCol="0">
             <a:spAutoFit/>
           </a:bodyPr>
           <a:lstStyle/>
@@ -10524,20 +9049,31 @@
               </a:spcBef>
             </a:pPr>
             <a:r>
-              <a:rPr lang="en-US" sz="1000" dirty="0">
+              <a:rPr lang="pt-BR" sz="1000" dirty="0">
                 <a:solidFill>
                   <a:srgbClr val="4B4B4B"/>
                 </a:solidFill>
-                <a:latin typeface="Adobe Clean Light"/>
-              </a:rPr>
-              <a:t>Drive adoption of customization best practices and core components in AEM as a Cloud Service.</a:t>
-            </a:r>
-            <a:endParaRPr sz="1000" dirty="0">
-              <a:solidFill>
-                <a:srgbClr val="4B4B4B"/>
-              </a:solidFill>
-              <a:latin typeface="Adobe Clean Light" panose="020B0303020404020204" pitchFamily="34" charset="0"/>
-            </a:endParaRPr>
+                <a:latin typeface="Adobe Clean Light" panose="020B0303020404020204" pitchFamily="34" charset="0"/>
+              </a:rPr>
+              <a:t>Adoção de práticas recomendadas </a:t>
+            </a:r>
+            <a:br>
+              <a:rPr lang="sk-SK" sz="1000" dirty="0">
+                <a:solidFill>
+                  <a:srgbClr val="4B4B4B"/>
+                </a:solidFill>
+                <a:latin typeface="Adobe Clean Light" panose="020B0303020404020204" pitchFamily="34" charset="0"/>
+              </a:rPr>
+            </a:br>
+            <a:r>
+              <a:rPr lang="pt-BR" sz="1000" dirty="0">
+                <a:solidFill>
+                  <a:srgbClr val="4B4B4B"/>
+                </a:solidFill>
+                <a:latin typeface="Adobe Clean Light" panose="020B0303020404020204" pitchFamily="34" charset="0"/>
+              </a:rPr>
+              <a:t>de personalização e dos componentes principais no AEM as a Cloud Service</a:t>
+            </a:r>
           </a:p>
         </p:txBody>
       </p:sp>
@@ -10555,7 +9091,7 @@
         </p:nvSpPr>
         <p:spPr>
           <a:xfrm>
-            <a:off x="2835999" y="4994097"/>
+            <a:off x="2835999" y="5060772"/>
             <a:ext cx="2194560" cy="720903"/>
           </a:xfrm>
           <a:prstGeom prst="rect">
@@ -10563,12 +9099,12 @@
           </a:prstGeom>
         </p:spPr>
         <p:txBody>
-          <a:bodyPr vert="horz" wrap="square" lIns="0" tIns="12700" rIns="0" bIns="0" rtlCol="0" anchor="t">
+          <a:bodyPr vert="horz" wrap="square" lIns="0" tIns="12700" rIns="0" bIns="0" rtlCol="0">
             <a:spAutoFit/>
           </a:bodyPr>
           <a:lstStyle/>
           <a:p>
-            <a:pPr marL="13970" marR="5080" indent="-1905">
+            <a:pPr marL="14604" marR="5080" indent="-1905">
               <a:lnSpc>
                 <a:spcPct val="117000"/>
               </a:lnSpc>
@@ -10577,20 +9113,48 @@
               </a:spcBef>
             </a:pPr>
             <a:r>
-              <a:rPr lang="en-US" sz="1000" dirty="0">
+              <a:rPr lang="pt-BR" sz="1000" dirty="0">
                 <a:solidFill>
                   <a:srgbClr val="4B4B4B"/>
                 </a:solidFill>
-                <a:latin typeface="Adobe Clean Light"/>
-              </a:rPr>
-              <a:t>Identify, review and provide recommendations on customized solution adoption areas that have opportunities for optimization.</a:t>
-            </a:r>
-            <a:endParaRPr lang="en-US" sz="1000" dirty="0">
-              <a:solidFill>
-                <a:srgbClr val="4B4B4B"/>
-              </a:solidFill>
-              <a:latin typeface="Adobe Clean Light" panose="020B0303020404020204" pitchFamily="34" charset="0"/>
-            </a:endParaRPr>
+                <a:latin typeface="Adobe Clean Light" panose="020B0303020404020204" pitchFamily="34" charset="0"/>
+              </a:rPr>
+              <a:t>Identificação, revisão e recomendações sobre áreas personalizadas da adoção </a:t>
+            </a:r>
+            <a:br>
+              <a:rPr lang="sk-SK" sz="1000" dirty="0">
+                <a:solidFill>
+                  <a:srgbClr val="4B4B4B"/>
+                </a:solidFill>
+                <a:latin typeface="Adobe Clean Light" panose="020B0303020404020204" pitchFamily="34" charset="0"/>
+              </a:rPr>
+            </a:br>
+            <a:r>
+              <a:rPr lang="pt-BR" sz="1000" dirty="0">
+                <a:solidFill>
+                  <a:srgbClr val="4B4B4B"/>
+                </a:solidFill>
+                <a:latin typeface="Adobe Clean Light" panose="020B0303020404020204" pitchFamily="34" charset="0"/>
+              </a:rPr>
+              <a:t>de soluções com oportunidades </a:t>
+            </a:r>
+            <a:br>
+              <a:rPr lang="sk-SK" sz="1000" dirty="0">
+                <a:solidFill>
+                  <a:srgbClr val="4B4B4B"/>
+                </a:solidFill>
+                <a:latin typeface="Adobe Clean Light" panose="020B0303020404020204" pitchFamily="34" charset="0"/>
+              </a:rPr>
+            </a:br>
+            <a:r>
+              <a:rPr lang="pt-BR" sz="1000" dirty="0">
+                <a:solidFill>
+                  <a:srgbClr val="4B4B4B"/>
+                </a:solidFill>
+                <a:latin typeface="Adobe Clean Light" panose="020B0303020404020204" pitchFamily="34" charset="0"/>
+              </a:rPr>
+              <a:t>de otimização</a:t>
+            </a:r>
           </a:p>
         </p:txBody>
       </p:sp>
@@ -10609,14 +9173,14 @@
         <p:spPr>
           <a:xfrm>
             <a:off x="355868" y="4947989"/>
-            <a:ext cx="2194560" cy="717376"/>
+            <a:ext cx="2194560" cy="899670"/>
           </a:xfrm>
           <a:prstGeom prst="rect">
             <a:avLst/>
           </a:prstGeom>
         </p:spPr>
         <p:txBody>
-          <a:bodyPr vert="horz" wrap="square" lIns="0" tIns="12700" rIns="0" bIns="0" rtlCol="0" anchor="t">
+          <a:bodyPr vert="horz" wrap="square" lIns="0" tIns="12700" rIns="0" bIns="0" rtlCol="0">
             <a:spAutoFit/>
           </a:bodyPr>
           <a:lstStyle/>
@@ -10630,20 +9194,48 @@
               </a:spcBef>
             </a:pPr>
             <a:r>
-              <a:rPr lang="en-US" sz="1000" dirty="0">
+              <a:rPr lang="pt-BR" sz="1000" dirty="0">
                 <a:solidFill>
                   <a:srgbClr val="4B4B4B"/>
                 </a:solidFill>
-                <a:latin typeface="Adobe Clean Light"/>
-              </a:rPr>
-              <a:t>Technical &amp; operational governance to assist AEM as a Cloud Service Customers in adhering to industry standards and best practices for AEM as a Cloud Service.</a:t>
-            </a:r>
-            <a:endParaRPr sz="1000" dirty="0">
-              <a:solidFill>
-                <a:srgbClr val="4B4B4B"/>
-              </a:solidFill>
-              <a:latin typeface="Adobe Clean Light" panose="020B0303020404020204" pitchFamily="34" charset="0"/>
-            </a:endParaRPr>
+                <a:latin typeface="Adobe Clean Light" panose="020B0303020404020204" pitchFamily="34" charset="0"/>
+              </a:rPr>
+              <a:t>Governança técnica e operacional para auxiliar os clientes do AEM as a Cloud Service a seguirem os padrões do setor </a:t>
+            </a:r>
+            <a:br>
+              <a:rPr lang="sk-SK" sz="1000" dirty="0">
+                <a:solidFill>
+                  <a:srgbClr val="4B4B4B"/>
+                </a:solidFill>
+                <a:latin typeface="Adobe Clean Light" panose="020B0303020404020204" pitchFamily="34" charset="0"/>
+              </a:rPr>
+            </a:br>
+            <a:r>
+              <a:rPr lang="pt-BR" sz="1000" dirty="0">
+                <a:solidFill>
+                  <a:srgbClr val="4B4B4B"/>
+                </a:solidFill>
+                <a:latin typeface="Adobe Clean Light" panose="020B0303020404020204" pitchFamily="34" charset="0"/>
+              </a:rPr>
+              <a:t>e as práticas recomendadas do AEM </a:t>
+            </a:r>
+            <a:br>
+              <a:rPr lang="sk-SK" sz="1000" dirty="0">
+                <a:solidFill>
+                  <a:srgbClr val="4B4B4B"/>
+                </a:solidFill>
+                <a:latin typeface="Adobe Clean Light" panose="020B0303020404020204" pitchFamily="34" charset="0"/>
+              </a:rPr>
+            </a:br>
+            <a:r>
+              <a:rPr lang="pt-BR" sz="1000" dirty="0">
+                <a:solidFill>
+                  <a:srgbClr val="4B4B4B"/>
+                </a:solidFill>
+                <a:latin typeface="Adobe Clean Light" panose="020B0303020404020204" pitchFamily="34" charset="0"/>
+              </a:rPr>
+              <a:t>as a Cloud Service</a:t>
+            </a:r>
           </a:p>
         </p:txBody>
       </p:sp>
@@ -10680,20 +9272,48 @@
               </a:spcBef>
             </a:pPr>
             <a:r>
-              <a:rPr lang="en-US" sz="1000" dirty="0">
+              <a:rPr lang="pt-BR" sz="1000" dirty="0">
                 <a:solidFill>
                   <a:srgbClr val="4B4B4B"/>
                 </a:solidFill>
                 <a:latin typeface="Adobe Clean Light" panose="020B0303020404020204" pitchFamily="34" charset="0"/>
               </a:rPr>
-              <a:t>A designated support engineer who becomes familiar with your solution environment and business goals. The NSE is an experienced support engineer that helps coordinate your Enterprise Support experience.</a:t>
-            </a:r>
-            <a:endParaRPr lang="en-US" sz="1000" dirty="0">
-              <a:solidFill>
-                <a:srgbClr val="000000"/>
-              </a:solidFill>
-              <a:latin typeface="Adobe Clean Light" panose="020B0303020404020204" pitchFamily="34" charset="0"/>
-            </a:endParaRPr>
+              <a:t>Um engenheiro de suporte designado, familiarizado com seu ambiente de solução e objetivos de negócios. O engenheiro </a:t>
+            </a:r>
+            <a:br>
+              <a:rPr lang="sk-SK" sz="1000" dirty="0">
+                <a:solidFill>
+                  <a:srgbClr val="4B4B4B"/>
+                </a:solidFill>
+                <a:latin typeface="Adobe Clean Light" panose="020B0303020404020204" pitchFamily="34" charset="0"/>
+              </a:rPr>
+            </a:br>
+            <a:r>
+              <a:rPr lang="pt-BR" sz="1000" dirty="0">
+                <a:solidFill>
+                  <a:srgbClr val="4B4B4B"/>
+                </a:solidFill>
+                <a:latin typeface="Adobe Clean Light" panose="020B0303020404020204" pitchFamily="34" charset="0"/>
+              </a:rPr>
+              <a:t>é um profissional experiente que ajuda </a:t>
+            </a:r>
+            <a:br>
+              <a:rPr lang="sk-SK" sz="1000" dirty="0">
+                <a:solidFill>
+                  <a:srgbClr val="4B4B4B"/>
+                </a:solidFill>
+                <a:latin typeface="Adobe Clean Light" panose="020B0303020404020204" pitchFamily="34" charset="0"/>
+              </a:rPr>
+            </a:br>
+            <a:r>
+              <a:rPr lang="pt-BR" sz="1000" dirty="0">
+                <a:solidFill>
+                  <a:srgbClr val="4B4B4B"/>
+                </a:solidFill>
+                <a:latin typeface="Adobe Clean Light" panose="020B0303020404020204" pitchFamily="34" charset="0"/>
+              </a:rPr>
+              <a:t>a coordenar sua experiência no Suporte Enterprise.</a:t>
+            </a:r>
           </a:p>
         </p:txBody>
       </p:sp>
@@ -10735,13 +9355,13 @@
               </a:spcAft>
             </a:pPr>
             <a:r>
-              <a:rPr lang="en-US" sz="1200" b="1" spc="-10">
+              <a:rPr lang="pt-BR" sz="1200" b="1">
                 <a:solidFill>
                   <a:srgbClr val="020302"/>
                 </a:solidFill>
                 <a:latin typeface="+mj-lt"/>
               </a:rPr>
-              <a:t>Named Support Engineer</a:t>
+              <a:t>Engenheiro de suporte nomeado</a:t>
             </a:r>
           </a:p>
         </p:txBody>
@@ -10821,19 +9441,15 @@
               </a:spcBef>
             </a:pPr>
             <a:r>
-              <a:rPr lang="en-US" sz="1200" b="1" spc="-20">
+              <a:rPr lang="pt-BR" sz="1200" b="1">
                 <a:solidFill>
                   <a:srgbClr val="020302"/>
                 </a:solidFill>
                 <a:latin typeface="Adobe Clean"/>
                 <a:cs typeface="Adobe Clean"/>
               </a:rPr>
-              <a:t>Expert Sessions</a:t>
-            </a:r>
-            <a:endParaRPr sz="1200">
-              <a:latin typeface="Adobe Clean"/>
-              <a:cs typeface="Adobe Clean"/>
-            </a:endParaRPr>
+              <a:t>Sessões com especialistas</a:t>
+            </a:r>
           </a:p>
         </p:txBody>
       </p:sp>
@@ -10852,7 +9468,7 @@
         <p:spPr>
           <a:xfrm>
             <a:off x="5181600" y="4466703"/>
-            <a:ext cx="1972258" cy="461665"/>
+            <a:ext cx="1972258" cy="646331"/>
           </a:xfrm>
           <a:prstGeom prst="rect">
             <a:avLst/>
@@ -10873,489 +9489,34 @@
               </a:spcBef>
             </a:pPr>
             <a:r>
-              <a:rPr lang="en-US" sz="1200" b="1" spc="-15">
+              <a:rPr lang="pt-BR" sz="1200" b="1" dirty="0">
                 <a:solidFill>
                   <a:srgbClr val="020302"/>
                 </a:solidFill>
                 <a:latin typeface="Adobe Clean"/>
                 <a:cs typeface="Adobe Clean"/>
               </a:rPr>
-              <a:t>C</a:t>
-            </a:r>
-            <a:r>
-              <a:rPr lang="en-US" sz="1200" b="1" spc="-20">
+              <a:t>Práticas recomendadas </a:t>
+            </a:r>
+            <a:br>
+              <a:rPr lang="sk-SK" sz="1200" b="1" dirty="0">
                 <a:solidFill>
                   <a:srgbClr val="020302"/>
                 </a:solidFill>
                 <a:latin typeface="Adobe Clean"/>
                 <a:cs typeface="Adobe Clean"/>
               </a:rPr>
-              <a:t>u</a:t>
-            </a:r>
-            <a:r>
-              <a:rPr lang="en-US" sz="1200" b="1" spc="-25">
+            </a:br>
+            <a:r>
+              <a:rPr lang="pt-BR" sz="1200" b="1" dirty="0">
                 <a:solidFill>
                   <a:srgbClr val="020302"/>
                 </a:solidFill>
                 <a:latin typeface="Adobe Clean"/>
                 <a:cs typeface="Adobe Clean"/>
               </a:rPr>
-              <a:t>st</a:t>
-            </a:r>
-            <a:r>
-              <a:rPr lang="en-US" sz="1200" b="1" spc="-15">
-                <a:solidFill>
-                  <a:srgbClr val="020302"/>
-                </a:solidFill>
-                <a:latin typeface="Adobe Clean"/>
-                <a:cs typeface="Adobe Clean"/>
-              </a:rPr>
-              <a:t>o</a:t>
-            </a:r>
-            <a:r>
-              <a:rPr lang="en-US" sz="1200" b="1" spc="-20">
-                <a:solidFill>
-                  <a:srgbClr val="020302"/>
-                </a:solidFill>
-                <a:latin typeface="Adobe Clean"/>
-                <a:cs typeface="Adobe Clean"/>
-              </a:rPr>
-              <a:t>miza</a:t>
-            </a:r>
-            <a:r>
-              <a:rPr lang="en-US" sz="1200" b="1" spc="-25">
-                <a:solidFill>
-                  <a:srgbClr val="020302"/>
-                </a:solidFill>
-                <a:latin typeface="Adobe Clean"/>
-                <a:cs typeface="Adobe Clean"/>
-              </a:rPr>
-              <a:t>t</a:t>
-            </a:r>
-            <a:r>
-              <a:rPr lang="en-US" sz="1200" b="1" spc="-20">
-                <a:solidFill>
-                  <a:srgbClr val="020302"/>
-                </a:solidFill>
-                <a:latin typeface="Adobe Clean"/>
-                <a:cs typeface="Adobe Clean"/>
-              </a:rPr>
-              <a:t>i</a:t>
-            </a:r>
-            <a:r>
-              <a:rPr lang="en-US" sz="1200" b="1" spc="-15">
-                <a:solidFill>
-                  <a:srgbClr val="020302"/>
-                </a:solidFill>
-                <a:latin typeface="Adobe Clean"/>
-                <a:cs typeface="Adobe Clean"/>
-              </a:rPr>
-              <a:t>o</a:t>
-            </a:r>
-            <a:r>
-              <a:rPr lang="en-US" sz="1200" b="1">
-                <a:solidFill>
-                  <a:srgbClr val="020302"/>
-                </a:solidFill>
-                <a:latin typeface="Adobe Clean"/>
-                <a:cs typeface="Adobe Clean"/>
-              </a:rPr>
-              <a:t>n</a:t>
-            </a:r>
-            <a:r>
-              <a:rPr lang="en-US" sz="1200" b="1" spc="-50">
-                <a:solidFill>
-                  <a:srgbClr val="020302"/>
-                </a:solidFill>
-                <a:latin typeface="Adobe Clean"/>
-                <a:cs typeface="Adobe Clean"/>
-              </a:rPr>
-              <a:t> </a:t>
-            </a:r>
-            <a:r>
-              <a:rPr lang="en-US" sz="1200" b="1" spc="-20">
-                <a:solidFill>
-                  <a:srgbClr val="020302"/>
-                </a:solidFill>
-                <a:latin typeface="Adobe Clean"/>
-                <a:cs typeface="Adobe Clean"/>
-              </a:rPr>
-              <a:t>B</a:t>
-            </a:r>
-            <a:r>
-              <a:rPr lang="en-US" sz="1200" b="1" spc="-25">
-                <a:solidFill>
-                  <a:srgbClr val="020302"/>
-                </a:solidFill>
-                <a:latin typeface="Adobe Clean"/>
-                <a:cs typeface="Adobe Clean"/>
-              </a:rPr>
-              <a:t>es</a:t>
-            </a:r>
-            <a:r>
-              <a:rPr lang="en-US" sz="1200" b="1">
-                <a:solidFill>
-                  <a:srgbClr val="020302"/>
-                </a:solidFill>
-                <a:latin typeface="Adobe Clean"/>
-                <a:cs typeface="Adobe Clean"/>
-              </a:rPr>
-              <a:t>t</a:t>
-            </a:r>
-            <a:r>
-              <a:rPr lang="en-US" sz="1200" b="1" spc="-50">
-                <a:solidFill>
-                  <a:srgbClr val="020302"/>
-                </a:solidFill>
-                <a:latin typeface="Adobe Clean"/>
-                <a:cs typeface="Adobe Clean"/>
-              </a:rPr>
-              <a:t> </a:t>
-            </a:r>
-            <a:r>
-              <a:rPr lang="en-US" sz="1200" b="1" spc="-25">
-                <a:solidFill>
-                  <a:srgbClr val="020302"/>
-                </a:solidFill>
-                <a:latin typeface="Adobe Clean"/>
-                <a:cs typeface="Adobe Clean"/>
-              </a:rPr>
-              <a:t>P</a:t>
-            </a:r>
-            <a:r>
-              <a:rPr lang="en-US" sz="1200" b="1" spc="-20">
-                <a:solidFill>
-                  <a:srgbClr val="020302"/>
-                </a:solidFill>
-                <a:latin typeface="Adobe Clean"/>
-                <a:cs typeface="Adobe Clean"/>
-              </a:rPr>
-              <a:t>ra</a:t>
-            </a:r>
-            <a:r>
-              <a:rPr lang="en-US" sz="1200" b="1" spc="-30">
-                <a:solidFill>
-                  <a:srgbClr val="020302"/>
-                </a:solidFill>
-                <a:latin typeface="Adobe Clean"/>
-                <a:cs typeface="Adobe Clean"/>
-              </a:rPr>
-              <a:t>c</a:t>
-            </a:r>
-            <a:r>
-              <a:rPr lang="en-US" sz="1200" b="1" spc="-25">
-                <a:solidFill>
-                  <a:srgbClr val="020302"/>
-                </a:solidFill>
-                <a:latin typeface="Adobe Clean"/>
-                <a:cs typeface="Adobe Clean"/>
-              </a:rPr>
-              <a:t>t</a:t>
-            </a:r>
-            <a:r>
-              <a:rPr lang="en-US" sz="1200" b="1" spc="-20">
-                <a:solidFill>
-                  <a:srgbClr val="020302"/>
-                </a:solidFill>
-                <a:latin typeface="Adobe Clean"/>
-                <a:cs typeface="Adobe Clean"/>
-              </a:rPr>
-              <a:t>i</a:t>
-            </a:r>
-            <a:r>
-              <a:rPr lang="en-US" sz="1200" b="1" spc="-30">
-                <a:solidFill>
-                  <a:srgbClr val="020302"/>
-                </a:solidFill>
-                <a:latin typeface="Adobe Clean"/>
-                <a:cs typeface="Adobe Clean"/>
-              </a:rPr>
-              <a:t>c</a:t>
-            </a:r>
-            <a:r>
-              <a:rPr lang="en-US" sz="1200" b="1" spc="-25">
-                <a:solidFill>
-                  <a:srgbClr val="020302"/>
-                </a:solidFill>
-                <a:latin typeface="Adobe Clean"/>
-                <a:cs typeface="Adobe Clean"/>
-              </a:rPr>
-              <a:t>e</a:t>
-            </a:r>
-            <a:r>
-              <a:rPr lang="en-US" sz="1200" b="1">
-                <a:solidFill>
-                  <a:srgbClr val="020302"/>
-                </a:solidFill>
-                <a:latin typeface="Adobe Clean"/>
-                <a:cs typeface="Adobe Clean"/>
-              </a:rPr>
-              <a:t>s</a:t>
-            </a:r>
-            <a:r>
-              <a:rPr lang="en-US" sz="1200" b="1" spc="-45">
-                <a:solidFill>
-                  <a:srgbClr val="020302"/>
-                </a:solidFill>
-                <a:latin typeface="Adobe Clean"/>
-                <a:cs typeface="Adobe Clean"/>
-              </a:rPr>
-              <a:t> </a:t>
-            </a:r>
-            <a:r>
-              <a:rPr lang="en-US" sz="1200" b="1" spc="-25">
-                <a:solidFill>
-                  <a:srgbClr val="020302"/>
-                </a:solidFill>
-                <a:latin typeface="Adobe Clean"/>
-                <a:cs typeface="Adobe Clean"/>
-              </a:rPr>
-              <a:t>f</a:t>
-            </a:r>
-            <a:r>
-              <a:rPr lang="en-US" sz="1200" b="1" spc="-15">
-                <a:solidFill>
-                  <a:srgbClr val="020302"/>
-                </a:solidFill>
-                <a:latin typeface="Adobe Clean"/>
-                <a:cs typeface="Adobe Clean"/>
-              </a:rPr>
-              <a:t>o</a:t>
-            </a:r>
-            <a:r>
-              <a:rPr lang="en-US" sz="1200" b="1">
-                <a:solidFill>
-                  <a:srgbClr val="020302"/>
-                </a:solidFill>
-                <a:latin typeface="Adobe Clean"/>
-                <a:cs typeface="Adobe Clean"/>
-              </a:rPr>
-              <a:t>r</a:t>
-            </a:r>
-            <a:r>
-              <a:rPr lang="en-US" sz="1200" b="1" spc="-45">
-                <a:solidFill>
-                  <a:srgbClr val="020302"/>
-                </a:solidFill>
-                <a:latin typeface="Adobe Clean"/>
-                <a:cs typeface="Adobe Clean"/>
-              </a:rPr>
-              <a:t> </a:t>
-            </a:r>
-            <a:r>
-              <a:rPr lang="en-US" sz="1200" b="1" spc="-30">
-                <a:solidFill>
-                  <a:srgbClr val="020302"/>
-                </a:solidFill>
-                <a:latin typeface="Adobe Clean"/>
-                <a:cs typeface="Adobe Clean"/>
-              </a:rPr>
-              <a:t>AE</a:t>
-            </a:r>
-            <a:r>
-              <a:rPr lang="en-US" sz="1200" b="1">
-                <a:solidFill>
-                  <a:srgbClr val="020302"/>
-                </a:solidFill>
-                <a:latin typeface="Adobe Clean"/>
-                <a:cs typeface="Adobe Clean"/>
-              </a:rPr>
-              <a:t>M</a:t>
-            </a:r>
-            <a:r>
-              <a:rPr lang="en-US" sz="1200" b="1" spc="-55">
-                <a:solidFill>
-                  <a:srgbClr val="020302"/>
-                </a:solidFill>
-                <a:latin typeface="Adobe Clean"/>
-                <a:cs typeface="Adobe Clean"/>
-              </a:rPr>
-              <a:t> </a:t>
-            </a:r>
-            <a:r>
-              <a:rPr lang="en-US" sz="1200" b="1" spc="-20">
-                <a:solidFill>
-                  <a:srgbClr val="020302"/>
-                </a:solidFill>
-                <a:latin typeface="Adobe Clean"/>
-                <a:cs typeface="Adobe Clean"/>
-              </a:rPr>
-              <a:t>a</a:t>
-            </a:r>
-            <a:r>
-              <a:rPr lang="en-US" sz="1200" b="1">
-                <a:solidFill>
-                  <a:srgbClr val="020302"/>
-                </a:solidFill>
-                <a:latin typeface="Adobe Clean"/>
-                <a:cs typeface="Adobe Clean"/>
-              </a:rPr>
-              <a:t>s</a:t>
-            </a:r>
-            <a:r>
-              <a:rPr lang="en-US" sz="1200" b="1" spc="-45">
-                <a:solidFill>
-                  <a:srgbClr val="020302"/>
-                </a:solidFill>
-                <a:latin typeface="Adobe Clean"/>
-                <a:cs typeface="Adobe Clean"/>
-              </a:rPr>
-              <a:t> </a:t>
-            </a:r>
-            <a:r>
-              <a:rPr lang="en-US" sz="1200" b="1">
-                <a:solidFill>
-                  <a:srgbClr val="020302"/>
-                </a:solidFill>
-                <a:latin typeface="Adobe Clean"/>
-                <a:cs typeface="Adobe Clean"/>
-              </a:rPr>
-              <a:t>a</a:t>
-            </a:r>
-            <a:r>
-              <a:rPr lang="en-US" sz="1200" b="1" spc="-45">
-                <a:solidFill>
-                  <a:srgbClr val="020302"/>
-                </a:solidFill>
-                <a:latin typeface="Adobe Clean"/>
-                <a:cs typeface="Adobe Clean"/>
-              </a:rPr>
-              <a:t> </a:t>
-            </a:r>
-            <a:r>
-              <a:rPr lang="en-US" sz="1200" b="1" spc="-15">
-                <a:solidFill>
-                  <a:srgbClr val="020302"/>
-                </a:solidFill>
-                <a:latin typeface="Adobe Clean"/>
-                <a:cs typeface="Adobe Clean"/>
-              </a:rPr>
-              <a:t>C</a:t>
-            </a:r>
-            <a:r>
-              <a:rPr lang="en-US" sz="1200" b="1" spc="-25">
-                <a:solidFill>
-                  <a:srgbClr val="020302"/>
-                </a:solidFill>
-                <a:latin typeface="Adobe Clean"/>
-                <a:cs typeface="Adobe Clean"/>
-              </a:rPr>
-              <a:t>l</a:t>
-            </a:r>
-            <a:r>
-              <a:rPr lang="en-US" sz="1200" b="1" spc="-15">
-                <a:solidFill>
-                  <a:srgbClr val="020302"/>
-                </a:solidFill>
-                <a:latin typeface="Adobe Clean"/>
-                <a:cs typeface="Adobe Clean"/>
-              </a:rPr>
-              <a:t>o</a:t>
-            </a:r>
-            <a:r>
-              <a:rPr lang="en-US" sz="1200" b="1" spc="-20">
-                <a:solidFill>
-                  <a:srgbClr val="020302"/>
-                </a:solidFill>
-                <a:latin typeface="Adobe Clean"/>
-                <a:cs typeface="Adobe Clean"/>
-              </a:rPr>
-              <a:t>u</a:t>
-            </a:r>
-            <a:r>
-              <a:rPr lang="en-US" sz="1200" b="1">
-                <a:solidFill>
-                  <a:srgbClr val="020302"/>
-                </a:solidFill>
-                <a:latin typeface="Adobe Clean"/>
-                <a:cs typeface="Adobe Clean"/>
-              </a:rPr>
-              <a:t>d</a:t>
-            </a:r>
-            <a:r>
-              <a:rPr lang="en-US" sz="1200" b="1" spc="-50">
-                <a:solidFill>
-                  <a:srgbClr val="020302"/>
-                </a:solidFill>
-                <a:latin typeface="Adobe Clean"/>
-                <a:cs typeface="Adobe Clean"/>
-              </a:rPr>
-              <a:t> </a:t>
-            </a:r>
-            <a:r>
-              <a:rPr lang="en-US" sz="1200" b="1" spc="-20">
-                <a:solidFill>
-                  <a:srgbClr val="020302"/>
-                </a:solidFill>
-                <a:latin typeface="Adobe Clean"/>
-                <a:cs typeface="Adobe Clean"/>
-              </a:rPr>
-              <a:t>S</a:t>
-            </a:r>
-            <a:r>
-              <a:rPr lang="en-US" sz="1200" b="1" spc="-25">
-                <a:solidFill>
-                  <a:srgbClr val="020302"/>
-                </a:solidFill>
-                <a:latin typeface="Adobe Clean"/>
-                <a:cs typeface="Adobe Clean"/>
-              </a:rPr>
-              <a:t>e</a:t>
-            </a:r>
-            <a:r>
-              <a:rPr lang="en-US" sz="1200" b="1" spc="-20">
-                <a:solidFill>
-                  <a:srgbClr val="020302"/>
-                </a:solidFill>
-                <a:latin typeface="Adobe Clean"/>
-                <a:cs typeface="Adobe Clean"/>
-              </a:rPr>
-              <a:t>r</a:t>
-            </a:r>
-            <a:r>
-              <a:rPr lang="en-US" sz="1200" b="1" spc="-30">
-                <a:solidFill>
-                  <a:srgbClr val="020302"/>
-                </a:solidFill>
-                <a:latin typeface="Adobe Clean"/>
-                <a:cs typeface="Adobe Clean"/>
-              </a:rPr>
-              <a:t>v</a:t>
-            </a:r>
-            <a:r>
-              <a:rPr lang="en-US" sz="1200" b="1" spc="-20">
-                <a:solidFill>
-                  <a:srgbClr val="020302"/>
-                </a:solidFill>
-                <a:latin typeface="Adobe Clean"/>
-                <a:cs typeface="Adobe Clean"/>
-              </a:rPr>
-              <a:t>i</a:t>
-            </a:r>
-            <a:r>
-              <a:rPr lang="en-US" sz="1200" b="1" spc="-30">
-                <a:solidFill>
-                  <a:srgbClr val="020302"/>
-                </a:solidFill>
-                <a:latin typeface="Adobe Clean"/>
-                <a:cs typeface="Adobe Clean"/>
-              </a:rPr>
-              <a:t>c</a:t>
-            </a:r>
-            <a:r>
-              <a:rPr lang="en-US" sz="1200" b="1">
-                <a:solidFill>
-                  <a:srgbClr val="020302"/>
-                </a:solidFill>
-                <a:latin typeface="Adobe Clean"/>
-                <a:cs typeface="Adobe Clean"/>
-              </a:rPr>
-              <a:t>e</a:t>
-            </a:r>
-            <a:endParaRPr lang="en-US" sz="1200">
-              <a:latin typeface="Adobe Clean"/>
-              <a:cs typeface="Adobe Clean"/>
-            </a:endParaRPr>
+              <a:t>de personalização do AEM as a Cloud Service</a:t>
+            </a:r>
           </a:p>
         </p:txBody>
       </p:sp>
@@ -11395,19 +9556,15 @@
               </a:spcBef>
             </a:pPr>
             <a:r>
-              <a:rPr lang="en-US" sz="1200" b="1" spc="-25">
+              <a:rPr lang="pt-BR" sz="1200" b="1" dirty="0">
                 <a:solidFill>
                   <a:srgbClr val="020302"/>
                 </a:solidFill>
                 <a:latin typeface="Adobe Clean"/>
                 <a:cs typeface="Adobe Clean"/>
               </a:rPr>
-              <a:t>Value-added Services for AEM as a Cloud Service</a:t>
-            </a:r>
-            <a:endParaRPr lang="en-US" sz="1200">
-              <a:latin typeface="Adobe Clean"/>
-              <a:cs typeface="Adobe Clean"/>
-            </a:endParaRPr>
+              <a:t>Serviços de valor agregado para o AEM as a Cloud Service</a:t>
+            </a:r>
           </a:p>
         </p:txBody>
       </p:sp>
@@ -11447,359 +9604,34 @@
               </a:spcBef>
             </a:pPr>
             <a:r>
-              <a:rPr lang="en-US" sz="1200" b="1" spc="-20">
+              <a:rPr lang="pt-BR" sz="1200" b="1" dirty="0">
                 <a:solidFill>
                   <a:srgbClr val="020302"/>
                 </a:solidFill>
                 <a:latin typeface="Adobe Clean"/>
                 <a:cs typeface="Adobe Clean"/>
               </a:rPr>
-              <a:t>G</a:t>
-            </a:r>
-            <a:r>
-              <a:rPr lang="en-US" sz="1200" b="1" spc="-15">
+              <a:t>Governança para o AEM </a:t>
+            </a:r>
+            <a:br>
+              <a:rPr lang="sk-SK" sz="1200" b="1" dirty="0">
                 <a:solidFill>
                   <a:srgbClr val="020302"/>
                 </a:solidFill>
                 <a:latin typeface="Adobe Clean"/>
                 <a:cs typeface="Adobe Clean"/>
               </a:rPr>
-              <a:t>o</a:t>
-            </a:r>
-            <a:r>
-              <a:rPr lang="en-US" sz="1200" b="1" spc="-25">
+            </a:br>
+            <a:r>
+              <a:rPr lang="pt-BR" sz="1200" b="1" dirty="0">
                 <a:solidFill>
                   <a:srgbClr val="020302"/>
                 </a:solidFill>
                 <a:latin typeface="Adobe Clean"/>
                 <a:cs typeface="Adobe Clean"/>
               </a:rPr>
-              <a:t>ve</a:t>
-            </a:r>
-            <a:r>
-              <a:rPr lang="en-US" sz="1200" b="1" spc="-20">
-                <a:solidFill>
-                  <a:srgbClr val="020302"/>
-                </a:solidFill>
-                <a:latin typeface="Adobe Clean"/>
-                <a:cs typeface="Adobe Clean"/>
-              </a:rPr>
-              <a:t>r</a:t>
-            </a:r>
-            <a:r>
-              <a:rPr lang="en-US" sz="1200" b="1" spc="-25">
-                <a:solidFill>
-                  <a:srgbClr val="020302"/>
-                </a:solidFill>
-                <a:latin typeface="Adobe Clean"/>
-                <a:cs typeface="Adobe Clean"/>
-              </a:rPr>
-              <a:t>n</a:t>
-            </a:r>
-            <a:r>
-              <a:rPr lang="en-US" sz="1200" b="1" spc="-20">
-                <a:solidFill>
-                  <a:srgbClr val="020302"/>
-                </a:solidFill>
-                <a:latin typeface="Adobe Clean"/>
-                <a:cs typeface="Adobe Clean"/>
-              </a:rPr>
-              <a:t>a</a:t>
-            </a:r>
-            <a:r>
-              <a:rPr lang="en-US" sz="1200" b="1" spc="-25">
-                <a:solidFill>
-                  <a:srgbClr val="020302"/>
-                </a:solidFill>
-                <a:latin typeface="Adobe Clean"/>
-                <a:cs typeface="Adobe Clean"/>
-              </a:rPr>
-              <a:t>n</a:t>
-            </a:r>
-            <a:r>
-              <a:rPr lang="en-US" sz="1200" b="1" spc="-30">
-                <a:solidFill>
-                  <a:srgbClr val="020302"/>
-                </a:solidFill>
-                <a:latin typeface="Adobe Clean"/>
-                <a:cs typeface="Adobe Clean"/>
-              </a:rPr>
-              <a:t>c</a:t>
-            </a:r>
-            <a:r>
-              <a:rPr lang="en-US" sz="1200" b="1">
-                <a:solidFill>
-                  <a:srgbClr val="020302"/>
-                </a:solidFill>
-                <a:latin typeface="Adobe Clean"/>
-                <a:cs typeface="Adobe Clean"/>
-              </a:rPr>
-              <a:t>e</a:t>
-            </a:r>
-            <a:r>
-              <a:rPr lang="en-US" sz="1200" b="1" spc="-50">
-                <a:solidFill>
-                  <a:srgbClr val="020302"/>
-                </a:solidFill>
-                <a:latin typeface="Adobe Clean"/>
-                <a:cs typeface="Adobe Clean"/>
-              </a:rPr>
-              <a:t> </a:t>
-            </a:r>
-            <a:r>
-              <a:rPr lang="en-US" sz="1200" b="1" spc="-25">
-                <a:solidFill>
-                  <a:srgbClr val="020302"/>
-                </a:solidFill>
-                <a:latin typeface="Adobe Clean"/>
-                <a:cs typeface="Adobe Clean"/>
-              </a:rPr>
-              <a:t>f</a:t>
-            </a:r>
-            <a:r>
-              <a:rPr lang="en-US" sz="1200" b="1" spc="-15">
-                <a:solidFill>
-                  <a:srgbClr val="020302"/>
-                </a:solidFill>
-                <a:latin typeface="Adobe Clean"/>
-                <a:cs typeface="Adobe Clean"/>
-              </a:rPr>
-              <a:t>o</a:t>
-            </a:r>
-            <a:r>
-              <a:rPr lang="en-US" sz="1200" b="1">
-                <a:solidFill>
-                  <a:srgbClr val="020302"/>
-                </a:solidFill>
-                <a:latin typeface="Adobe Clean"/>
-                <a:cs typeface="Adobe Clean"/>
-              </a:rPr>
-              <a:t>r</a:t>
-            </a:r>
-            <a:r>
-              <a:rPr lang="en-US" sz="1200" b="1" spc="-45">
-                <a:solidFill>
-                  <a:srgbClr val="020302"/>
-                </a:solidFill>
-                <a:latin typeface="Adobe Clean"/>
-                <a:cs typeface="Adobe Clean"/>
-              </a:rPr>
-              <a:t> </a:t>
-            </a:r>
-            <a:r>
-              <a:rPr lang="en-US" sz="1200" b="1" spc="-30">
-                <a:solidFill>
-                  <a:srgbClr val="020302"/>
-                </a:solidFill>
-                <a:latin typeface="Adobe Clean"/>
-                <a:cs typeface="Adobe Clean"/>
-              </a:rPr>
-              <a:t>A</a:t>
-            </a:r>
-            <a:r>
-              <a:rPr lang="en-US" sz="1200" b="1" spc="-25">
-                <a:solidFill>
-                  <a:srgbClr val="020302"/>
-                </a:solidFill>
-                <a:latin typeface="Adobe Clean"/>
-                <a:cs typeface="Adobe Clean"/>
-              </a:rPr>
-              <a:t>E</a:t>
-            </a:r>
-            <a:r>
-              <a:rPr lang="en-US" sz="1200" b="1">
-                <a:solidFill>
-                  <a:srgbClr val="020302"/>
-                </a:solidFill>
-                <a:latin typeface="Adobe Clean"/>
-                <a:cs typeface="Adobe Clean"/>
-              </a:rPr>
-              <a:t>M</a:t>
-            </a:r>
-            <a:r>
-              <a:rPr lang="en-US" sz="1200" b="1" spc="-50">
-                <a:solidFill>
-                  <a:srgbClr val="020302"/>
-                </a:solidFill>
-                <a:latin typeface="Adobe Clean"/>
-                <a:cs typeface="Adobe Clean"/>
-              </a:rPr>
-              <a:t> </a:t>
-            </a:r>
-            <a:r>
-              <a:rPr lang="en-US" sz="1200" b="1" spc="-20">
-                <a:solidFill>
-                  <a:srgbClr val="020302"/>
-                </a:solidFill>
-                <a:latin typeface="Adobe Clean"/>
-                <a:cs typeface="Adobe Clean"/>
-              </a:rPr>
-              <a:t>a</a:t>
-            </a:r>
-            <a:r>
-              <a:rPr lang="en-US" sz="1200" b="1">
-                <a:solidFill>
-                  <a:srgbClr val="020302"/>
-                </a:solidFill>
-                <a:latin typeface="Adobe Clean"/>
-                <a:cs typeface="Adobe Clean"/>
-              </a:rPr>
-              <a:t>s</a:t>
-            </a:r>
-            <a:r>
-              <a:rPr lang="en-US" sz="1200" b="1" spc="-45">
-                <a:solidFill>
-                  <a:srgbClr val="020302"/>
-                </a:solidFill>
-                <a:latin typeface="Adobe Clean"/>
-                <a:cs typeface="Adobe Clean"/>
-              </a:rPr>
-              <a:t> </a:t>
-            </a:r>
-            <a:r>
-              <a:rPr lang="en-US" sz="1200" b="1">
-                <a:solidFill>
-                  <a:srgbClr val="020302"/>
-                </a:solidFill>
-                <a:latin typeface="Adobe Clean"/>
-                <a:cs typeface="Adobe Clean"/>
-              </a:rPr>
-              <a:t>a</a:t>
-            </a:r>
-            <a:r>
-              <a:rPr lang="en-US" sz="1200" b="1" spc="-40">
-                <a:solidFill>
-                  <a:srgbClr val="020302"/>
-                </a:solidFill>
-                <a:latin typeface="Adobe Clean"/>
-                <a:cs typeface="Adobe Clean"/>
-              </a:rPr>
-              <a:t> </a:t>
-            </a:r>
-            <a:r>
-              <a:rPr lang="en-US" sz="1200" b="1" spc="-15">
-                <a:solidFill>
-                  <a:srgbClr val="020302"/>
-                </a:solidFill>
-                <a:latin typeface="Adobe Clean"/>
-                <a:cs typeface="Adobe Clean"/>
-              </a:rPr>
-              <a:t>C</a:t>
-            </a:r>
-            <a:r>
-              <a:rPr lang="en-US" sz="1200" b="1" spc="-25">
-                <a:solidFill>
-                  <a:srgbClr val="020302"/>
-                </a:solidFill>
-                <a:latin typeface="Adobe Clean"/>
-                <a:cs typeface="Adobe Clean"/>
-              </a:rPr>
-              <a:t>l</a:t>
-            </a:r>
-            <a:r>
-              <a:rPr lang="en-US" sz="1200" b="1" spc="-15">
-                <a:solidFill>
-                  <a:srgbClr val="020302"/>
-                </a:solidFill>
-                <a:latin typeface="Adobe Clean"/>
-                <a:cs typeface="Adobe Clean"/>
-              </a:rPr>
-              <a:t>ou</a:t>
-            </a:r>
-            <a:r>
-              <a:rPr lang="en-US" sz="1200" b="1">
-                <a:solidFill>
-                  <a:srgbClr val="020302"/>
-                </a:solidFill>
-                <a:latin typeface="Adobe Clean"/>
-                <a:cs typeface="Adobe Clean"/>
-              </a:rPr>
-              <a:t>d</a:t>
-            </a:r>
-            <a:r>
-              <a:rPr lang="en-US" sz="1200" b="1" spc="-50">
-                <a:solidFill>
-                  <a:srgbClr val="020302"/>
-                </a:solidFill>
-                <a:latin typeface="Adobe Clean"/>
-                <a:cs typeface="Adobe Clean"/>
-              </a:rPr>
-              <a:t> </a:t>
-            </a:r>
-            <a:r>
-              <a:rPr lang="en-US" sz="1200" b="1" spc="-20">
-                <a:solidFill>
-                  <a:srgbClr val="020302"/>
-                </a:solidFill>
-                <a:latin typeface="Adobe Clean"/>
-                <a:cs typeface="Adobe Clean"/>
-              </a:rPr>
-              <a:t>S</a:t>
-            </a:r>
-            <a:r>
-              <a:rPr lang="en-US" sz="1200" b="1" spc="-25">
-                <a:solidFill>
-                  <a:srgbClr val="020302"/>
-                </a:solidFill>
-                <a:latin typeface="Adobe Clean"/>
-                <a:cs typeface="Adobe Clean"/>
-              </a:rPr>
-              <a:t>e</a:t>
-            </a:r>
-            <a:r>
-              <a:rPr lang="en-US" sz="1200" b="1" spc="-20">
-                <a:solidFill>
-                  <a:srgbClr val="020302"/>
-                </a:solidFill>
-                <a:latin typeface="Adobe Clean"/>
-                <a:cs typeface="Adobe Clean"/>
-              </a:rPr>
-              <a:t>r</a:t>
-            </a:r>
-            <a:r>
-              <a:rPr lang="en-US" sz="1200" b="1" spc="-25">
-                <a:solidFill>
-                  <a:srgbClr val="020302"/>
-                </a:solidFill>
-                <a:latin typeface="Adobe Clean"/>
-                <a:cs typeface="Adobe Clean"/>
-              </a:rPr>
-              <a:t>v</a:t>
-            </a:r>
-            <a:r>
-              <a:rPr lang="en-US" sz="1200" b="1" spc="-20">
-                <a:solidFill>
-                  <a:srgbClr val="020302"/>
-                </a:solidFill>
-                <a:latin typeface="Adobe Clean"/>
-                <a:cs typeface="Adobe Clean"/>
-              </a:rPr>
-              <a:t>i</a:t>
-            </a:r>
-            <a:r>
-              <a:rPr lang="en-US" sz="1200" b="1" spc="-30">
-                <a:solidFill>
-                  <a:srgbClr val="020302"/>
-                </a:solidFill>
-                <a:latin typeface="Adobe Clean"/>
-                <a:cs typeface="Adobe Clean"/>
-              </a:rPr>
-              <a:t>c</a:t>
-            </a:r>
-            <a:r>
-              <a:rPr lang="en-US" sz="1200" b="1">
-                <a:solidFill>
-                  <a:srgbClr val="020302"/>
-                </a:solidFill>
-                <a:latin typeface="Adobe Clean"/>
-                <a:cs typeface="Adobe Clean"/>
-              </a:rPr>
-              <a:t>e</a:t>
-            </a:r>
-            <a:endParaRPr lang="en-US" sz="1200">
-              <a:latin typeface="Adobe Clean"/>
-              <a:cs typeface="Adobe Clean"/>
-            </a:endParaRPr>
+              <a:t>as a Cloud Service</a:t>
+            </a:r>
           </a:p>
         </p:txBody>
       </p:sp>
@@ -11895,8 +9727,8 @@
         </p:nvSpPr>
         <p:spPr>
           <a:xfrm>
-            <a:off x="689237" y="1102554"/>
-            <a:ext cx="1036205" cy="197490"/>
+            <a:off x="689237" y="1102553"/>
+            <a:ext cx="1373941" cy="197490"/>
           </a:xfrm>
           <a:prstGeom prst="rect">
             <a:avLst/>
@@ -11917,99 +9749,15 @@
               </a:spcBef>
             </a:pPr>
             <a:r>
-              <a:rPr lang="en-US" sz="1200" b="1" spc="-20">
+              <a:rPr lang="pt-BR" sz="1200" b="1" dirty="0">
                 <a:solidFill>
                   <a:srgbClr val="020302"/>
                 </a:solidFill>
                 <a:latin typeface="Adobe Clean"/>
                 <a:cs typeface="Adobe Clean"/>
               </a:rPr>
-              <a:t>Cas</a:t>
-            </a:r>
-            <a:r>
-              <a:rPr sz="1200" b="1">
-                <a:solidFill>
-                  <a:srgbClr val="020302"/>
-                </a:solidFill>
-                <a:latin typeface="Adobe Clean"/>
-                <a:cs typeface="Adobe Clean"/>
-              </a:rPr>
-              <a:t>e</a:t>
-            </a:r>
-            <a:r>
-              <a:rPr sz="1200" b="1" spc="-80">
-                <a:solidFill>
-                  <a:srgbClr val="020302"/>
-                </a:solidFill>
-                <a:latin typeface="Adobe Clean"/>
-                <a:cs typeface="Adobe Clean"/>
-              </a:rPr>
-              <a:t> </a:t>
-            </a:r>
-            <a:r>
-              <a:rPr sz="1200" b="1" spc="-20">
-                <a:solidFill>
-                  <a:srgbClr val="020302"/>
-                </a:solidFill>
-                <a:latin typeface="Adobe Clean"/>
-                <a:cs typeface="Adobe Clean"/>
-              </a:rPr>
-              <a:t>R</a:t>
-            </a:r>
-            <a:r>
-              <a:rPr sz="1200" b="1" spc="-25">
-                <a:solidFill>
-                  <a:srgbClr val="020302"/>
-                </a:solidFill>
-                <a:latin typeface="Adobe Clean"/>
-                <a:cs typeface="Adobe Clean"/>
-              </a:rPr>
-              <a:t>e</a:t>
-            </a:r>
-            <a:r>
-              <a:rPr sz="1200" b="1" spc="-30">
-                <a:solidFill>
-                  <a:srgbClr val="020302"/>
-                </a:solidFill>
-                <a:latin typeface="Adobe Clean"/>
-                <a:cs typeface="Adobe Clean"/>
-              </a:rPr>
-              <a:t>v</a:t>
-            </a:r>
-            <a:r>
-              <a:rPr sz="1200" b="1" spc="-20">
-                <a:solidFill>
-                  <a:srgbClr val="020302"/>
-                </a:solidFill>
-                <a:latin typeface="Adobe Clean"/>
-                <a:cs typeface="Adobe Clean"/>
-              </a:rPr>
-              <a:t>i</a:t>
-            </a:r>
-            <a:r>
-              <a:rPr sz="1200" b="1" spc="-25">
-                <a:solidFill>
-                  <a:srgbClr val="020302"/>
-                </a:solidFill>
-                <a:latin typeface="Adobe Clean"/>
-                <a:cs typeface="Adobe Clean"/>
-              </a:rPr>
-              <a:t>ew</a:t>
-            </a:r>
-            <a:r>
-              <a:rPr sz="1200" b="1">
-                <a:solidFill>
-                  <a:srgbClr val="020302"/>
-                </a:solidFill>
-                <a:latin typeface="Adobe Clean"/>
-                <a:cs typeface="Adobe Clean"/>
-              </a:rPr>
-              <a:t>s</a:t>
-            </a:r>
-            <a:endParaRPr sz="1200">
-              <a:latin typeface="Adobe Clean"/>
-              <a:cs typeface="Adobe Clean"/>
-            </a:endParaRPr>
+              <a:t>Revisões de caso</a:t>
+            </a:r>
           </a:p>
         </p:txBody>
       </p:sp>
@@ -12067,7 +9815,7 @@
         <p:spPr>
           <a:xfrm>
             <a:off x="355868" y="1426046"/>
-            <a:ext cx="2194560" cy="936154"/>
+            <a:ext cx="2194560" cy="1090042"/>
           </a:xfrm>
           <a:prstGeom prst="rect">
             <a:avLst/>
@@ -12088,18 +9836,65 @@
               </a:spcBef>
             </a:pPr>
             <a:r>
-              <a:rPr lang="en-US" sz="1000">
+              <a:rPr lang="pt-BR" sz="1000" dirty="0">
                 <a:solidFill>
                   <a:srgbClr val="4B4B4B"/>
                 </a:solidFill>
                 <a:latin typeface="Adobe Clean Light" panose="020B0303020404020204" pitchFamily="34" charset="0"/>
               </a:rPr>
-              <a:t>Regular scheduled review of open support requests, ensuring customer alignment on case description, business impact, status, priority and agreement on next steps required to ensure an expedient resolution.</a:t>
-            </a:r>
-            <a:endParaRPr sz="1000">
-              <a:latin typeface="Adobe Clean Light" panose="020B0303020404020204" pitchFamily="34" charset="0"/>
-              <a:cs typeface="AdobeClean-Light"/>
-            </a:endParaRPr>
+              <a:t>Revisão regular das solicitações de suporte abertas, garantindo o alinhamento </a:t>
+            </a:r>
+            <a:br>
+              <a:rPr lang="sk-SK" sz="1000" dirty="0">
+                <a:solidFill>
+                  <a:srgbClr val="4B4B4B"/>
+                </a:solidFill>
+                <a:latin typeface="Adobe Clean Light" panose="020B0303020404020204" pitchFamily="34" charset="0"/>
+              </a:rPr>
+            </a:br>
+            <a:r>
+              <a:rPr lang="pt-BR" sz="1000" dirty="0">
+                <a:solidFill>
+                  <a:srgbClr val="4B4B4B"/>
+                </a:solidFill>
+                <a:latin typeface="Adobe Clean Light" panose="020B0303020404020204" pitchFamily="34" charset="0"/>
+              </a:rPr>
+              <a:t>do cliente considerando a descrição </a:t>
+            </a:r>
+            <a:br>
+              <a:rPr lang="sk-SK" sz="1000" dirty="0">
+                <a:solidFill>
+                  <a:srgbClr val="4B4B4B"/>
+                </a:solidFill>
+                <a:latin typeface="Adobe Clean Light" panose="020B0303020404020204" pitchFamily="34" charset="0"/>
+              </a:rPr>
+            </a:br>
+            <a:r>
+              <a:rPr lang="pt-BR" sz="1000" dirty="0">
+                <a:solidFill>
+                  <a:srgbClr val="4B4B4B"/>
+                </a:solidFill>
+                <a:latin typeface="Adobe Clean Light" panose="020B0303020404020204" pitchFamily="34" charset="0"/>
+              </a:rPr>
+              <a:t>do caso, o impacto nos negócios, o status, </a:t>
+            </a:r>
+            <a:br>
+              <a:rPr lang="sk-SK" sz="1000" dirty="0">
+                <a:solidFill>
+                  <a:srgbClr val="4B4B4B"/>
+                </a:solidFill>
+                <a:latin typeface="Adobe Clean Light" panose="020B0303020404020204" pitchFamily="34" charset="0"/>
+              </a:rPr>
+            </a:br>
+            <a:r>
+              <a:rPr lang="pt-BR" sz="1000" dirty="0">
+                <a:solidFill>
+                  <a:srgbClr val="4B4B4B"/>
+                </a:solidFill>
+                <a:latin typeface="Adobe Clean Light" panose="020B0303020404020204" pitchFamily="34" charset="0"/>
+              </a:rPr>
+              <a:t>a prioridade e o acordo sobre as próximas etapas necessárias para garantir uma resolução adequada.</a:t>
+            </a:r>
           </a:p>
         </p:txBody>
       </p:sp>
@@ -12139,19 +9934,15 @@
               </a:spcBef>
             </a:pPr>
             <a:r>
-              <a:rPr lang="en-US" sz="1400" b="1" spc="-10">
+              <a:rPr lang="pt-BR" sz="1400" b="1">
                 <a:solidFill>
                   <a:srgbClr val="020302"/>
                 </a:solidFill>
                 <a:latin typeface="Adobe Clean"/>
                 <a:cs typeface="Adobe Clean"/>
               </a:rPr>
-              <a:t>Cloud Support Activities - AEM</a:t>
-            </a:r>
-            <a:endParaRPr lang="en-US" sz="1400">
-              <a:latin typeface="Adobe Clean"/>
-              <a:cs typeface="Adobe Clean"/>
-            </a:endParaRPr>
+              <a:t>Atividades de suporte na nuvem — AEM</a:t>
+            </a:r>
           </a:p>
         </p:txBody>
       </p:sp>
@@ -12169,8 +9960,8 @@
         </p:nvSpPr>
         <p:spPr>
           <a:xfrm>
-            <a:off x="214971" y="4310484"/>
-            <a:ext cx="2286000" cy="45719"/>
+            <a:off x="214970" y="4310484"/>
+            <a:ext cx="2986574" cy="45719"/>
           </a:xfrm>
           <a:custGeom>
             <a:avLst/>
@@ -12234,7 +10025,7 @@
         </p:blipFill>
         <p:spPr>
           <a:xfrm>
-            <a:off x="2569142" y="3892352"/>
+            <a:off x="3340667" y="3892352"/>
             <a:ext cx="461665" cy="461665"/>
           </a:xfrm>
           <a:prstGeom prst="rect">
@@ -12529,7 +10320,7 @@
         </p:nvSpPr>
         <p:spPr>
           <a:xfrm rot="5400000" flipH="1">
-            <a:off x="3863341" y="986533"/>
+            <a:off x="3863341" y="1129408"/>
             <a:ext cx="45719" cy="5577840"/>
           </a:xfrm>
           <a:custGeom>
@@ -12625,6 +10416,133 @@
           </a:p>
         </p:txBody>
       </p:sp>
+      <p:grpSp>
+        <p:nvGrpSpPr>
+          <p:cNvPr id="62" name="object 3">
+            <a:extLst>
+              <a:ext uri="{FF2B5EF4-FFF2-40B4-BE49-F238E27FC236}">
+                <a16:creationId xmlns:a16="http://schemas.microsoft.com/office/drawing/2014/main" id="{C539739D-1D3E-204D-9819-C44D9AE36DE8}"/>
+              </a:ext>
+            </a:extLst>
+          </p:cNvPr>
+          <p:cNvGrpSpPr/>
+          <p:nvPr/>
+        </p:nvGrpSpPr>
+        <p:grpSpPr>
+          <a:xfrm rot="5400000">
+            <a:off x="1154159" y="-868525"/>
+            <a:ext cx="5661921" cy="7931849"/>
+            <a:chOff x="-247019" y="421767"/>
+            <a:chExt cx="3875281" cy="7641336"/>
+          </a:xfrm>
+        </p:grpSpPr>
+        <p:sp>
+          <p:nvSpPr>
+            <p:cNvPr id="63" name="object 4">
+              <a:extLst>
+                <a:ext uri="{FF2B5EF4-FFF2-40B4-BE49-F238E27FC236}">
+                  <a16:creationId xmlns:a16="http://schemas.microsoft.com/office/drawing/2014/main" id="{F41DD51E-EC9C-7B44-BE42-FA9C42B94675}"/>
+                </a:ext>
+              </a:extLst>
+            </p:cNvPr>
+            <p:cNvSpPr/>
+            <p:nvPr/>
+          </p:nvSpPr>
+          <p:spPr>
+            <a:xfrm>
+              <a:off x="3628262" y="576453"/>
+              <a:ext cx="0" cy="7486650"/>
+            </a:xfrm>
+            <a:custGeom>
+              <a:avLst/>
+              <a:gdLst/>
+              <a:ahLst/>
+              <a:cxnLst/>
+              <a:rect l="l" t="t" r="r" b="b"/>
+              <a:pathLst>
+                <a:path h="7486650">
+                  <a:moveTo>
+                    <a:pt x="0" y="0"/>
+                  </a:moveTo>
+                  <a:lnTo>
+                    <a:pt x="0" y="7486408"/>
+                  </a:lnTo>
+                </a:path>
+              </a:pathLst>
+            </a:custGeom>
+            <a:ln w="61722">
+              <a:solidFill>
+                <a:srgbClr val="EAEAEB"/>
+              </a:solidFill>
+            </a:ln>
+          </p:spPr>
+          <p:txBody>
+            <a:bodyPr wrap="square" lIns="0" tIns="0" rIns="0" bIns="0" rtlCol="0"/>
+            <a:lstStyle/>
+            <a:p>
+              <a:endParaRPr/>
+            </a:p>
+          </p:txBody>
+        </p:sp>
+        <p:sp>
+          <p:nvSpPr>
+            <p:cNvPr id="64" name="object 5">
+              <a:extLst>
+                <a:ext uri="{FF2B5EF4-FFF2-40B4-BE49-F238E27FC236}">
+                  <a16:creationId xmlns:a16="http://schemas.microsoft.com/office/drawing/2014/main" id="{6E97A2E1-56BC-2B46-9873-F675D66FF621}"/>
+                </a:ext>
+              </a:extLst>
+            </p:cNvPr>
+            <p:cNvSpPr/>
+            <p:nvPr/>
+          </p:nvSpPr>
+          <p:spPr>
+            <a:xfrm>
+              <a:off x="-247019" y="421767"/>
+              <a:ext cx="3844040" cy="7600950"/>
+            </a:xfrm>
+            <a:custGeom>
+              <a:avLst/>
+              <a:gdLst/>
+              <a:ahLst/>
+              <a:cxnLst/>
+              <a:rect l="l" t="t" r="r" b="b"/>
+              <a:pathLst>
+                <a:path w="3409950" h="7600950">
+                  <a:moveTo>
+                    <a:pt x="0" y="7600569"/>
+                  </a:moveTo>
+                  <a:lnTo>
+                    <a:pt x="3409492" y="7600569"/>
+                  </a:lnTo>
+                  <a:lnTo>
+                    <a:pt x="3409492" y="0"/>
+                  </a:lnTo>
+                  <a:lnTo>
+                    <a:pt x="0" y="0"/>
+                  </a:lnTo>
+                  <a:lnTo>
+                    <a:pt x="0" y="7600569"/>
+                  </a:lnTo>
+                  <a:close/>
+                </a:path>
+              </a:pathLst>
+            </a:custGeom>
+            <a:ln w="12954">
+              <a:solidFill>
+                <a:srgbClr val="EBEBEB"/>
+              </a:solidFill>
+            </a:ln>
+          </p:spPr>
+          <p:txBody>
+            <a:bodyPr wrap="square" lIns="0" tIns="0" rIns="0" bIns="0" rtlCol="0"/>
+            <a:lstStyle/>
+            <a:p>
+              <a:endParaRPr/>
+            </a:p>
+          </p:txBody>
+        </p:sp>
+      </p:grpSp>
     </p:spTree>
     <p:extLst>
       <p:ext uri="{BB962C8B-B14F-4D97-AF65-F5344CB8AC3E}">
@@ -12903,109 +10821,15 @@
               </a:lnSpc>
             </a:pPr>
             <a:r>
-              <a:rPr sz="800" spc="-10">
+              <a:rPr lang="pt-BR" sz="800">
                 <a:solidFill>
                   <a:srgbClr val="6D6D6D"/>
                 </a:solidFill>
                 <a:latin typeface="Adobe Clean"/>
                 <a:cs typeface="Adobe Clean"/>
               </a:rPr>
-              <a:t>©202</a:t>
-            </a:r>
-            <a:r>
-              <a:rPr lang="en-US" sz="800" spc="-10">
-                <a:solidFill>
-                  <a:srgbClr val="6D6D6D"/>
-                </a:solidFill>
-                <a:latin typeface="Adobe Clean"/>
-                <a:cs typeface="Adobe Clean"/>
-              </a:rPr>
-              <a:t>1</a:t>
-            </a:r>
-            <a:r>
-              <a:rPr sz="800" spc="-5">
-                <a:solidFill>
-                  <a:srgbClr val="6D6D6D"/>
-                </a:solidFill>
-                <a:latin typeface="Adobe Clean"/>
-                <a:cs typeface="Adobe Clean"/>
-              </a:rPr>
-              <a:t> Adobe. All</a:t>
-            </a:r>
-            <a:r>
-              <a:rPr sz="800" spc="-15">
-                <a:solidFill>
-                  <a:srgbClr val="6D6D6D"/>
-                </a:solidFill>
-                <a:latin typeface="Adobe Clean"/>
-                <a:cs typeface="Adobe Clean"/>
-              </a:rPr>
-              <a:t> </a:t>
-            </a:r>
-            <a:r>
-              <a:rPr sz="800" spc="-10">
-                <a:solidFill>
-                  <a:srgbClr val="6D6D6D"/>
-                </a:solidFill>
-                <a:latin typeface="Adobe Clean"/>
-                <a:cs typeface="Adobe Clean"/>
-              </a:rPr>
-              <a:t>Rights</a:t>
-            </a:r>
-            <a:r>
-              <a:rPr sz="800" spc="-5">
-                <a:solidFill>
-                  <a:srgbClr val="6D6D6D"/>
-                </a:solidFill>
-                <a:latin typeface="Adobe Clean"/>
-                <a:cs typeface="Adobe Clean"/>
-              </a:rPr>
-              <a:t> </a:t>
-            </a:r>
-            <a:r>
-              <a:rPr sz="800" spc="-10">
-                <a:solidFill>
-                  <a:srgbClr val="6D6D6D"/>
-                </a:solidFill>
-                <a:latin typeface="Adobe Clean"/>
-                <a:cs typeface="Adobe Clean"/>
-              </a:rPr>
-              <a:t>Reserved.</a:t>
-            </a:r>
-            <a:r>
-              <a:rPr sz="800" spc="-5">
-                <a:solidFill>
-                  <a:srgbClr val="6D6D6D"/>
-                </a:solidFill>
-                <a:latin typeface="Adobe Clean"/>
-                <a:cs typeface="Adobe Clean"/>
-              </a:rPr>
-              <a:t> Adobe</a:t>
-            </a:r>
-            <a:r>
-              <a:rPr sz="800" spc="75">
-                <a:solidFill>
-                  <a:srgbClr val="6D6D6D"/>
-                </a:solidFill>
-                <a:latin typeface="Adobe Clean"/>
-                <a:cs typeface="Adobe Clean"/>
-              </a:rPr>
-              <a:t> </a:t>
-            </a:r>
-            <a:r>
-              <a:rPr sz="800" spc="-10">
-                <a:solidFill>
-                  <a:srgbClr val="6D6D6D"/>
-                </a:solidFill>
-                <a:latin typeface="Adobe Clean"/>
-                <a:cs typeface="Adobe Clean"/>
-              </a:rPr>
-              <a:t>Confidential.</a:t>
-            </a:r>
-            <a:endParaRPr sz="800">
-              <a:latin typeface="Adobe Clean"/>
-              <a:cs typeface="Adobe Clean"/>
-            </a:endParaRPr>
+              <a:t>©2021 Adobe. All Rights Reserved. Adobe Confidential.</a:t>
+            </a:r>
           </a:p>
         </p:txBody>
       </p:sp>
@@ -13017,8 +10841,8 @@
         </p:nvSpPr>
         <p:spPr>
           <a:xfrm>
-            <a:off x="4724780" y="914778"/>
-            <a:ext cx="1954230" cy="57597"/>
+            <a:off x="4481320" y="914778"/>
+            <a:ext cx="2366776" cy="75490"/>
           </a:xfrm>
           <a:custGeom>
             <a:avLst/>
@@ -13059,7 +10883,7 @@
         </p:nvSpPr>
         <p:spPr>
           <a:xfrm>
-            <a:off x="4843270" y="589788"/>
+            <a:off x="4481320" y="589788"/>
             <a:ext cx="2588260" cy="228268"/>
           </a:xfrm>
           <a:prstGeom prst="rect">
@@ -13067,190 +10891,29 @@
           </a:prstGeom>
         </p:spPr>
         <p:txBody>
-          <a:bodyPr vert="horz" wrap="square" lIns="0" tIns="12700" rIns="0" bIns="0" rtlCol="0" anchor="t">
+          <a:bodyPr vert="horz" wrap="square" lIns="0" tIns="12700" rIns="0" bIns="0" rtlCol="0">
             <a:spAutoFit/>
           </a:bodyPr>
           <a:lstStyle/>
           <a:p>
             <a:pPr marL="12700">
+              <a:lnSpc>
+                <a:spcPct val="100000"/>
+              </a:lnSpc>
               <a:spcBef>
                 <a:spcPts val="100"/>
               </a:spcBef>
             </a:pPr>
             <a:r>
-              <a:rPr sz="1400" b="1" spc="-25" dirty="0">
+              <a:rPr lang="pt-BR" sz="1400" b="1" dirty="0">
                 <a:solidFill>
                   <a:srgbClr val="020302"/>
                 </a:solidFill>
                 <a:latin typeface="Adobe Clean"/>
                 <a:cs typeface="Adobe Clean"/>
               </a:rPr>
-              <a:t>Fi</a:t>
-            </a:r>
-            <a:r>
-              <a:rPr sz="1400" b="1" spc="-30" dirty="0">
-                <a:solidFill>
-                  <a:srgbClr val="020302"/>
-                </a:solidFill>
-                <a:latin typeface="Adobe Clean"/>
-                <a:cs typeface="Adobe Clean"/>
-              </a:rPr>
-              <a:t>e</a:t>
-            </a:r>
-            <a:r>
-              <a:rPr sz="1400" b="1" spc="-25" dirty="0">
-                <a:solidFill>
-                  <a:srgbClr val="020302"/>
-                </a:solidFill>
-                <a:latin typeface="Adobe Clean"/>
-                <a:cs typeface="Adobe Clean"/>
-              </a:rPr>
-              <a:t>l</a:t>
-            </a:r>
-            <a:r>
-              <a:rPr sz="1400" b="1" dirty="0">
-                <a:solidFill>
-                  <a:srgbClr val="020302"/>
-                </a:solidFill>
-                <a:latin typeface="Adobe Clean"/>
-                <a:cs typeface="Adobe Clean"/>
-              </a:rPr>
-              <a:t>d</a:t>
-            </a:r>
-            <a:r>
-              <a:rPr sz="1400" b="1" spc="-45" dirty="0">
-                <a:solidFill>
-                  <a:srgbClr val="020302"/>
-                </a:solidFill>
-                <a:latin typeface="Adobe Clean"/>
-                <a:cs typeface="Adobe Clean"/>
-              </a:rPr>
-              <a:t> </a:t>
-            </a:r>
-            <a:r>
-              <a:rPr sz="1400" b="1" spc="20" dirty="0">
-                <a:solidFill>
-                  <a:srgbClr val="020302"/>
-                </a:solidFill>
-                <a:latin typeface="Adobe Clean"/>
-                <a:cs typeface="Adobe Clean"/>
-              </a:rPr>
-              <a:t>S</a:t>
-            </a:r>
-            <a:r>
-              <a:rPr sz="1400" b="1" spc="10" dirty="0">
-                <a:solidFill>
-                  <a:srgbClr val="020302"/>
-                </a:solidFill>
-                <a:latin typeface="Adobe Clean"/>
-                <a:cs typeface="Adobe Clean"/>
-              </a:rPr>
-              <a:t>e</a:t>
-            </a:r>
-            <a:r>
-              <a:rPr sz="1400" b="1" spc="15" dirty="0">
-                <a:solidFill>
-                  <a:srgbClr val="020302"/>
-                </a:solidFill>
-                <a:latin typeface="Adobe Clean"/>
-                <a:cs typeface="Adobe Clean"/>
-              </a:rPr>
-              <a:t>rvi</a:t>
-            </a:r>
-            <a:r>
-              <a:rPr sz="1400" b="1" spc="10" dirty="0">
-                <a:solidFill>
-                  <a:srgbClr val="020302"/>
-                </a:solidFill>
-                <a:latin typeface="Adobe Clean"/>
-                <a:cs typeface="Adobe Clean"/>
-              </a:rPr>
-              <a:t>c</a:t>
-            </a:r>
-            <a:r>
-              <a:rPr sz="1400" b="1" dirty="0">
-                <a:solidFill>
-                  <a:srgbClr val="020302"/>
-                </a:solidFill>
-                <a:latin typeface="Adobe Clean"/>
-                <a:cs typeface="Adobe Clean"/>
-              </a:rPr>
-              <a:t>e</a:t>
-            </a:r>
-            <a:r>
-              <a:rPr lang="en-US" sz="1400" b="1" dirty="0">
-                <a:solidFill>
-                  <a:srgbClr val="020302"/>
-                </a:solidFill>
-                <a:latin typeface="Adobe Clean"/>
-                <a:cs typeface="Adobe Clean"/>
-              </a:rPr>
-              <a:t> </a:t>
-            </a:r>
-            <a:r>
-              <a:rPr sz="1400" b="1" spc="5" dirty="0">
-                <a:solidFill>
-                  <a:srgbClr val="020302"/>
-                </a:solidFill>
-                <a:latin typeface="Adobe Clean"/>
-                <a:cs typeface="Adobe Clean"/>
-              </a:rPr>
-              <a:t>A</a:t>
-            </a:r>
-            <a:r>
-              <a:rPr sz="1400" b="1" dirty="0">
-                <a:solidFill>
-                  <a:srgbClr val="020302"/>
-                </a:solidFill>
-                <a:latin typeface="Adobe Clean"/>
-                <a:cs typeface="Adobe Clean"/>
-              </a:rPr>
-              <a:t>ct</a:t>
-            </a:r>
-            <a:r>
-              <a:rPr sz="1400" b="1" spc="5" dirty="0">
-                <a:solidFill>
-                  <a:srgbClr val="020302"/>
-                </a:solidFill>
-                <a:latin typeface="Adobe Clean"/>
-                <a:cs typeface="Adobe Clean"/>
-              </a:rPr>
-              <a:t>ivi</a:t>
-            </a:r>
-            <a:r>
-              <a:rPr sz="1400" b="1" dirty="0">
-                <a:solidFill>
-                  <a:srgbClr val="020302"/>
-                </a:solidFill>
-                <a:latin typeface="Adobe Clean"/>
-                <a:cs typeface="Adobe Clean"/>
-              </a:rPr>
-              <a:t>t</a:t>
-            </a:r>
-            <a:r>
-              <a:rPr sz="1400" b="1" spc="5" dirty="0">
-                <a:solidFill>
-                  <a:srgbClr val="020302"/>
-                </a:solidFill>
-                <a:latin typeface="Adobe Clean"/>
-                <a:cs typeface="Adobe Clean"/>
-              </a:rPr>
-              <a:t>i</a:t>
-            </a:r>
-            <a:r>
-              <a:rPr sz="1400" b="1" dirty="0">
-                <a:solidFill>
-                  <a:srgbClr val="020302"/>
-                </a:solidFill>
-                <a:latin typeface="Adobe Clean"/>
-                <a:cs typeface="Adobe Clean"/>
-              </a:rPr>
-              <a:t>es</a:t>
-            </a:r>
-            <a:endParaRPr sz="1400" dirty="0">
-              <a:latin typeface="Adobe Clean"/>
-              <a:cs typeface="Adobe Clean"/>
-            </a:endParaRPr>
+              <a:t>Atividades de serviço de campo</a:t>
+            </a:r>
           </a:p>
         </p:txBody>
       </p:sp>
@@ -13284,99 +10947,15 @@
               </a:spcBef>
             </a:pPr>
             <a:r>
-              <a:rPr sz="1400" b="1" spc="-20">
+              <a:rPr lang="pt-BR" sz="1400" b="1">
                 <a:solidFill>
                   <a:srgbClr val="020302"/>
                 </a:solidFill>
                 <a:latin typeface="Adobe Clean"/>
                 <a:cs typeface="Adobe Clean"/>
               </a:rPr>
-              <a:t>L</a:t>
-            </a:r>
-            <a:r>
-              <a:rPr sz="1400" b="1" spc="-10">
-                <a:solidFill>
-                  <a:srgbClr val="020302"/>
-                </a:solidFill>
-                <a:latin typeface="Adobe Clean"/>
-                <a:cs typeface="Adobe Clean"/>
-              </a:rPr>
-              <a:t>a</a:t>
-            </a:r>
-            <a:r>
-              <a:rPr sz="1400" b="1" spc="-15">
-                <a:solidFill>
-                  <a:srgbClr val="020302"/>
-                </a:solidFill>
-                <a:latin typeface="Adobe Clean"/>
-                <a:cs typeface="Adobe Clean"/>
-              </a:rPr>
-              <a:t>un</a:t>
-            </a:r>
-            <a:r>
-              <a:rPr sz="1400" b="1" spc="-20">
-                <a:solidFill>
-                  <a:srgbClr val="020302"/>
-                </a:solidFill>
-                <a:latin typeface="Adobe Clean"/>
-                <a:cs typeface="Adobe Clean"/>
-              </a:rPr>
-              <a:t>c</a:t>
-            </a:r>
-            <a:r>
-              <a:rPr sz="1400" b="1">
-                <a:solidFill>
-                  <a:srgbClr val="020302"/>
-                </a:solidFill>
-                <a:latin typeface="Adobe Clean"/>
-                <a:cs typeface="Adobe Clean"/>
-              </a:rPr>
-              <a:t>h</a:t>
-            </a:r>
-            <a:r>
-              <a:rPr sz="1400" b="1" spc="-30">
-                <a:solidFill>
-                  <a:srgbClr val="020302"/>
-                </a:solidFill>
-                <a:latin typeface="Adobe Clean"/>
-                <a:cs typeface="Adobe Clean"/>
-              </a:rPr>
-              <a:t> </a:t>
-            </a:r>
-            <a:r>
-              <a:rPr sz="1400" b="1" spc="-10">
-                <a:solidFill>
-                  <a:srgbClr val="020302"/>
-                </a:solidFill>
-                <a:latin typeface="Adobe Clean"/>
-                <a:cs typeface="Adobe Clean"/>
-              </a:rPr>
-              <a:t>Advisor</a:t>
-            </a:r>
-            <a:r>
-              <a:rPr sz="1400" b="1">
-                <a:solidFill>
-                  <a:srgbClr val="020302"/>
-                </a:solidFill>
-                <a:latin typeface="Adobe Clean"/>
-                <a:cs typeface="Adobe Clean"/>
-              </a:rPr>
-              <a:t>y</a:t>
-            </a:r>
-            <a:r>
-              <a:rPr sz="1400" b="1" spc="-60">
-                <a:solidFill>
-                  <a:srgbClr val="020302"/>
-                </a:solidFill>
-                <a:latin typeface="Adobe Clean"/>
-                <a:cs typeface="Adobe Clean"/>
-              </a:rPr>
-              <a:t> </a:t>
-            </a:r>
-            <a:endParaRPr sz="1400">
-              <a:latin typeface="Adobe Clean"/>
-              <a:cs typeface="Adobe Clean"/>
-            </a:endParaRPr>
+              <a:t>Launch Advisory </a:t>
+            </a:r>
           </a:p>
         </p:txBody>
       </p:sp>
@@ -13407,106 +10986,88 @@
               </a:spcBef>
             </a:pPr>
             <a:r>
-              <a:rPr lang="en-US" sz="1000">
+              <a:rPr lang="pt-BR" sz="1000">
                 <a:solidFill>
                   <a:srgbClr val="1F1F1F"/>
                 </a:solidFill>
                 <a:latin typeface="AdobeClean-Light"/>
                 <a:cs typeface="AdobeClean-Light"/>
               </a:rPr>
-              <a:t>For customers </a:t>
-            </a:r>
-            <a:r>
-              <a:rPr sz="1000">
-                <a:solidFill>
-                  <a:srgbClr val="1F1F1F"/>
-                </a:solidFill>
-                <a:latin typeface="AdobeClean-Light"/>
-                <a:cs typeface="AdobeClean-Light"/>
-              </a:rPr>
-              <a:t>implementing a </a:t>
-            </a:r>
-            <a:r>
-              <a:rPr sz="1000" b="1">
+              <a:t>Para clientes que implementam uma</a:t>
+            </a:r>
+            <a:r>
+              <a:rPr lang="pt-BR" sz="1000" b="1">
                 <a:solidFill>
                   <a:srgbClr val="1F1F1F"/>
                 </a:solidFill>
                 <a:latin typeface="Adobe Clean"/>
                 <a:cs typeface="Adobe Clean"/>
               </a:rPr>
-              <a:t>new Adobe Experience Cloud solution</a:t>
-            </a:r>
-            <a:r>
-              <a:rPr lang="en-US" sz="1000" b="1">
-                <a:solidFill>
-                  <a:srgbClr val="1F1F1F"/>
-                </a:solidFill>
-                <a:latin typeface="Adobe Clean"/>
-                <a:cs typeface="Adobe Clean"/>
-              </a:rPr>
-              <a:t>, </a:t>
-            </a:r>
-            <a:r>
-              <a:rPr lang="en-US" sz="1000">
+              <a:t> nova solução Adobe Experience Cloud, o </a:t>
+            </a:r>
+            <a:r>
+              <a:rPr lang="pt-BR" sz="1000">
                 <a:latin typeface="Adobe Clean Light" charset="0"/>
                 <a:ea typeface="Adobe Clean Light" charset="0"/>
                 <a:cs typeface="Adobe Clean Light" charset="0"/>
               </a:rPr>
-              <a:t>Launch Advisory </a:t>
-            </a:r>
-            <a:r>
-              <a:rPr lang="en-US" sz="1000">
+              <a:t>Launch Advisory</a:t>
+            </a:r>
+            <a:r>
+              <a:rPr lang="pt-BR" sz="1000">
                 <a:solidFill>
                   <a:srgbClr val="000000"/>
                 </a:solidFill>
                 <a:latin typeface="Adobe Clean SemiLight" panose="020B0403020404020204" pitchFamily="34" charset="0"/>
               </a:rPr>
-              <a:t>is a </a:t>
-            </a:r>
-            <a:r>
-              <a:rPr lang="en-US" sz="1000" b="1">
+              <a:t> é um </a:t>
+            </a:r>
+            <a:r>
+              <a:rPr lang="pt-BR" sz="1000" b="1">
                 <a:solidFill>
                   <a:srgbClr val="000000"/>
                 </a:solidFill>
                 <a:latin typeface="Adobe Clean SemiLight" panose="020B0403020404020204" pitchFamily="34" charset="0"/>
               </a:rPr>
-              <a:t>core set of advisory services </a:t>
-            </a:r>
-            <a:r>
-              <a:rPr lang="en-US" sz="1000">
+              <a:t>conjunto essencial de serviços de consultoria</a:t>
+            </a:r>
+            <a:r>
+              <a:rPr lang="pt-BR" sz="1000">
                 <a:latin typeface="Adobe Clean Light" charset="0"/>
                 <a:ea typeface="Adobe Clean Light" charset="0"/>
                 <a:cs typeface="Adobe Clean Light" charset="0"/>
               </a:rPr>
-              <a:t>and recommendations that </a:t>
-            </a:r>
-            <a:r>
-              <a:rPr lang="en-US" sz="1000">
+              <a:t> e recomendações de eficácia comprovada que </a:t>
+            </a:r>
+            <a:r>
+              <a:rPr lang="pt-BR" sz="1000" b="1">
                 <a:latin typeface="Adobe Clean Light" charset="0"/>
-              </a:rPr>
-              <a:t>are proven to </a:t>
-            </a:r>
-            <a:r>
-              <a:rPr lang="en-US" sz="1000" b="1">
+                <a:ea typeface="Adobe Clean Light" charset="0"/>
+                <a:cs typeface="Adobe Clean Light" charset="0"/>
+              </a:rPr>
+              <a:t>aceleram </a:t>
+            </a:r>
+            <a:r>
+              <a:rPr lang="pt-BR" sz="1000">
                 <a:latin typeface="Adobe Clean Light" charset="0"/>
-              </a:rPr>
-              <a:t>support successful deployments </a:t>
-            </a:r>
-            <a:r>
-              <a:rPr lang="en-US" sz="1000">
+                <a:ea typeface="Adobe Clean Light" charset="0"/>
+                <a:cs typeface="Adobe Clean Light" charset="0"/>
+              </a:rPr>
+              <a:t>o </a:t>
+            </a:r>
+            <a:r>
+              <a:rPr lang="pt-BR" sz="1000" b="1">
                 <a:latin typeface="Adobe Clean Light" charset="0"/>
-              </a:rPr>
-              <a:t>and </a:t>
-            </a:r>
-            <a:r>
-              <a:rPr lang="en-US" sz="1000" b="1">
+                <a:ea typeface="Adobe Clean Light" charset="0"/>
+                <a:cs typeface="Adobe Clean Light" charset="0"/>
+              </a:rPr>
+              <a:t>tempo de implantação</a:t>
+            </a:r>
+            <a:r>
+              <a:rPr lang="pt-BR" sz="1000">
                 <a:latin typeface="Adobe Clean Light" charset="0"/>
-              </a:rPr>
-              <a:t>accelerate time-to-value</a:t>
-            </a:r>
-            <a:r>
-              <a:rPr lang="en-US" sz="1000">
-                <a:latin typeface="Adobe Clean Light" charset="0"/>
+                <a:ea typeface="Adobe Clean Light" charset="0"/>
+                <a:cs typeface="Adobe Clean Light" charset="0"/>
               </a:rPr>
               <a:t>.</a:t>
             </a:r>
@@ -13567,75 +11128,68 @@
               </a:spcBef>
             </a:pPr>
             <a:r>
-              <a:rPr lang="en-US" sz="1000">
+              <a:rPr lang="pt-BR" sz="1000" dirty="0">
                 <a:solidFill>
                   <a:srgbClr val="4B4B4B"/>
                 </a:solidFill>
                 <a:latin typeface="Adobe Clean Light" panose="020B0303020404020204" pitchFamily="34" charset="0"/>
               </a:rPr>
-              <a:t>Field Services are used for </a:t>
-            </a:r>
-            <a:r>
-              <a:rPr lang="en-US" sz="1000" b="1">
+              <a:t>Os serviços de campo são usados para </a:t>
+            </a:r>
+            <a:r>
+              <a:rPr lang="pt-BR" sz="1000" b="1" dirty="0">
                 <a:solidFill>
                   <a:srgbClr val="4B4B4B"/>
                 </a:solidFill>
                 <a:latin typeface="Adobe Clean" panose="020B0503020404020204" pitchFamily="34" charset="0"/>
               </a:rPr>
-              <a:t>quick resolution</a:t>
-            </a:r>
-            <a:r>
-              <a:rPr lang="en-US" sz="1000">
+              <a:t>resolução rápida</a:t>
+            </a:r>
+            <a:r>
+              <a:rPr lang="pt-BR" sz="1000" dirty="0">
                 <a:solidFill>
                   <a:srgbClr val="4B4B4B"/>
                 </a:solidFill>
                 <a:latin typeface="Adobe Clean Light" panose="020B0303020404020204" pitchFamily="34" charset="0"/>
               </a:rPr>
-              <a:t>, focused customer success and accelerated</a:t>
-            </a:r>
-            <a:r>
-              <a:rPr lang="en-US" sz="1000" b="1">
+              <a:t>, sucesso focado do cliente e </a:t>
+            </a:r>
+            <a:r>
+              <a:rPr lang="pt-BR" sz="1000" b="1" dirty="0">
                 <a:solidFill>
                   <a:srgbClr val="4B4B4B"/>
                 </a:solidFill>
                 <a:latin typeface="Adobe Clean" panose="020B0503020404020204" pitchFamily="34" charset="0"/>
               </a:rPr>
-              <a:t> time-to-value</a:t>
-            </a:r>
-            <a:r>
-              <a:rPr lang="en-US" sz="1000">
+              <a:t>tempo de implantação</a:t>
+            </a:r>
+            <a:r>
+              <a:rPr lang="pt-BR" sz="1000" dirty="0">
                 <a:solidFill>
                   <a:srgbClr val="4B4B4B"/>
                 </a:solidFill>
                 <a:latin typeface="Adobe Clean Light" panose="020B0303020404020204" pitchFamily="34" charset="0"/>
               </a:rPr>
-              <a:t>. If Launch advisory is active there will be </a:t>
-            </a:r>
-            <a:r>
-              <a:rPr lang="en-US" sz="1000" b="1">
+              <a:t> acelerado. Se o Launch Advisory estiver ativo, </a:t>
+            </a:r>
+            <a:r>
+              <a:rPr lang="pt-BR" sz="1000" b="1" dirty="0">
                 <a:solidFill>
                   <a:srgbClr val="4B4B4B"/>
                 </a:solidFill>
                 <a:latin typeface="Adobe Clean" panose="020B0503020404020204" pitchFamily="34" charset="0"/>
               </a:rPr>
-              <a:t>no Field Services in year 1 </a:t>
-            </a:r>
-            <a:r>
-              <a:rPr lang="en-US" sz="1000">
+              <a:t>não haverá Serviços de campo no ano 1</a:t>
+            </a:r>
+            <a:r>
+              <a:rPr lang="pt-BR" sz="1000" dirty="0">
                 <a:solidFill>
                   <a:srgbClr val="4B4B4B"/>
                 </a:solidFill>
                 <a:latin typeface="Adobe Clean Light" panose="020B0303020404020204" pitchFamily="34" charset="0"/>
               </a:rPr>
-              <a:t>for any solution product covered by an Adobe Support contract. </a:t>
-            </a:r>
-            <a:endParaRPr lang="en-US" sz="1000">
-              <a:solidFill>
-                <a:srgbClr val="1F1F1F"/>
-              </a:solidFill>
-              <a:latin typeface="Adobe Clean Light" panose="020B0303020404020204" pitchFamily="34" charset="0"/>
-              <a:cs typeface="Adobe Clean"/>
-            </a:endParaRPr>
+              <a:t> para nenhuma solução coberta por um contrato de suporte da Adobe. </a:t>
+            </a:r>
           </a:p>
           <a:p>
             <a:pPr marL="24130" marR="5080">
@@ -13643,7 +11197,7 @@
                 <a:spcPts val="600"/>
               </a:spcBef>
             </a:pPr>
-            <a:endParaRPr lang="en-US" sz="1000" b="1">
+            <a:endParaRPr lang="en-US" sz="1000" b="1" dirty="0">
               <a:solidFill>
                 <a:srgbClr val="1F1F1F"/>
               </a:solidFill>
@@ -13812,7 +11366,7 @@
         <p:spPr>
           <a:xfrm>
             <a:off x="172087" y="3867961"/>
-            <a:ext cx="3525469" cy="2336537"/>
+            <a:ext cx="3714113" cy="2336537"/>
           </a:xfrm>
           <a:prstGeom prst="rect">
             <a:avLst/>
@@ -13830,37 +11384,48 @@
               </a:spcBef>
             </a:pPr>
             <a:r>
-              <a:rPr lang="en-US" sz="1000">
+              <a:rPr lang="pt-BR" sz="1000" dirty="0">
                 <a:latin typeface="Adobe Clean Light" charset="0"/>
               </a:rPr>
-              <a:t>Adobe solution experts help validate requirements, architecture, development process, and launch readiness reviews </a:t>
-            </a:r>
-            <a:r>
-              <a:rPr lang="en-US" sz="1000">
+              <a:t>Os especialistas em soluções da Adobe ajudam a validar os requisitos, </a:t>
+            </a:r>
+            <a:br>
+              <a:rPr lang="sk-SK" sz="1000" dirty="0">
+                <a:latin typeface="Adobe Clean Light" charset="0"/>
+              </a:rPr>
+            </a:br>
+            <a:r>
+              <a:rPr lang="pt-BR" sz="1000" dirty="0">
+                <a:latin typeface="Adobe Clean Light" charset="0"/>
+              </a:rPr>
+              <a:t>a arquitetura, o processo de desenvolvimento e iniciam revisões de prontidão </a:t>
+            </a:r>
+            <a:r>
+              <a:rPr lang="pt-BR" sz="1000" dirty="0">
                 <a:solidFill>
                   <a:srgbClr val="000000"/>
                 </a:solidFill>
                 <a:latin typeface="Adobe Clean SemiLight" panose="020B0403020404020204" pitchFamily="34" charset="0"/>
               </a:rPr>
-              <a:t>with </a:t>
-            </a:r>
-            <a:r>
-              <a:rPr lang="en-US" sz="1000" b="1">
+              <a:t>com </a:t>
+            </a:r>
+            <a:r>
+              <a:rPr lang="pt-BR" sz="1000" b="1" dirty="0">
                 <a:solidFill>
                   <a:srgbClr val="000000"/>
                 </a:solidFill>
                 <a:latin typeface="Adobe Clean SemiLight" panose="020B0403020404020204" pitchFamily="34" charset="0"/>
               </a:rPr>
-              <a:t>best practice-based guidance </a:t>
-            </a:r>
-            <a:r>
-              <a:rPr lang="en-US" sz="1000">
+              <a:t>orientação baseada em práticas recomendadas</a:t>
+            </a:r>
+            <a:r>
+              <a:rPr lang="pt-BR" sz="1000" dirty="0">
                 <a:solidFill>
                   <a:srgbClr val="000000"/>
                 </a:solidFill>
                 <a:latin typeface="Adobe Clean SemiLight" panose="020B0403020404020204" pitchFamily="34" charset="0"/>
               </a:rPr>
-              <a:t>to customers and implementation partners.</a:t>
+              <a:t> para clientes e parceiros de implementação.</a:t>
             </a:r>
           </a:p>
           <a:p>
@@ -13869,7 +11434,7 @@
                 <a:spcPts val="100"/>
               </a:spcBef>
             </a:pPr>
-            <a:endParaRPr lang="en-US" sz="1000">
+            <a:endParaRPr lang="en-US" sz="1000" dirty="0">
               <a:solidFill>
                 <a:srgbClr val="1F1F1F"/>
               </a:solidFill>
@@ -13884,22 +11449,44 @@
               </a:spcBef>
             </a:pPr>
             <a:r>
-              <a:rPr lang="en-US" sz="1000">
+              <a:rPr lang="pt-BR" sz="1000" dirty="0">
                 <a:latin typeface="Adobe Clean Light" charset="0"/>
               </a:rPr>
-              <a:t>Launch Advisory will align with your project schedule through common milestones (</a:t>
-            </a:r>
-            <a:r>
-              <a:rPr lang="en-US" sz="1000" b="1">
+              <a:t>O Launch Advisory se alinhará com o agendamento do seu projeto </a:t>
+            </a:r>
+            <a:br>
+              <a:rPr lang="sk-SK" sz="1000" dirty="0">
                 <a:latin typeface="Adobe Clean Light" charset="0"/>
               </a:rPr>
-              <a:t>Kickoff, Define, Design, Go-live and Post Launch</a:t>
-            </a:r>
-            <a:r>
-              <a:rPr lang="en-US" sz="1000">
+            </a:br>
+            <a:r>
+              <a:rPr lang="pt-BR" sz="1000" dirty="0">
                 <a:latin typeface="Adobe Clean Light" charset="0"/>
               </a:rPr>
-              <a:t>) to guide, validate, assess and make recommendations.</a:t>
+              <a:t>por meio de marcos comuns (</a:t>
+            </a:r>
+            <a:r>
+              <a:rPr lang="pt-BR" sz="1000" b="1" dirty="0">
+                <a:latin typeface="Adobe Clean Light" charset="0"/>
+              </a:rPr>
+              <a:t>Início, Definição, Projeto, Lançamento </a:t>
+            </a:r>
+            <a:br>
+              <a:rPr lang="sk-SK" sz="1000" b="1" dirty="0">
+                <a:latin typeface="Adobe Clean Light" charset="0"/>
+              </a:rPr>
+            </a:br>
+            <a:r>
+              <a:rPr lang="pt-BR" sz="1000" b="1" dirty="0">
+                <a:latin typeface="Adobe Clean Light" charset="0"/>
+              </a:rPr>
+              <a:t>e Pós-lançamento</a:t>
+            </a:r>
+            <a:r>
+              <a:rPr lang="pt-BR" sz="1000" dirty="0">
+                <a:latin typeface="Adobe Clean Light" charset="0"/>
+              </a:rPr>
+              <a:t>) para guiar, validar, avaliar e fazer recomendações.</a:t>
             </a:r>
           </a:p>
           <a:p>
@@ -13908,7 +11495,7 @@
                 <a:spcPts val="100"/>
               </a:spcBef>
             </a:pPr>
-            <a:endParaRPr lang="en-US" sz="1000">
+            <a:endParaRPr lang="en-US" sz="1000" dirty="0">
               <a:latin typeface="Adobe Clean Light" charset="0"/>
             </a:endParaRPr>
           </a:p>
@@ -13919,10 +11506,10 @@
               </a:spcBef>
             </a:pPr>
             <a:r>
-              <a:rPr lang="en-US" sz="1000">
+              <a:rPr lang="pt-BR" sz="1000" dirty="0">
                 <a:latin typeface="Adobe Clean Light" charset="0"/>
               </a:rPr>
-              <a:t>Key Deliverables include:</a:t>
+              <a:t>Os principais serviços incluem:</a:t>
             </a:r>
           </a:p>
           <a:p>
@@ -13934,8 +11521,8 @@
               <a:buChar char="•"/>
             </a:pPr>
             <a:r>
-              <a:rPr lang="en-US" sz="1000"/>
-              <a:t>Kickoff (including project collaboration plan) deck</a:t>
+              <a:rPr lang="pt-BR" sz="1000" dirty="0"/>
+              <a:t>Plataforma de início (incluindo plano de colaboração do projeto)</a:t>
             </a:r>
           </a:p>
           <a:p>
@@ -13947,8 +11534,8 @@
               <a:buChar char="•"/>
             </a:pPr>
             <a:r>
-              <a:rPr lang="en-US" sz="1000"/>
-              <a:t>Assessment &amp; recommendations document(s)</a:t>
+              <a:rPr lang="pt-BR" sz="1000" dirty="0"/>
+              <a:t>Documentos de avaliação e recomendações</a:t>
             </a:r>
           </a:p>
           <a:p>
@@ -13960,8 +11547,8 @@
               <a:buChar char="•"/>
             </a:pPr>
             <a:r>
-              <a:rPr lang="en-US" sz="1000"/>
-              <a:t>Engagement summary</a:t>
+              <a:rPr lang="pt-BR" sz="1000" dirty="0"/>
+              <a:t>Resumo de engajamento</a:t>
             </a:r>
           </a:p>
         </p:txBody>
@@ -13980,7 +11567,7 @@
         </p:nvSpPr>
         <p:spPr>
           <a:xfrm rot="10800000" flipH="1">
-            <a:off x="3692282" y="3840480"/>
+            <a:off x="3825632" y="3840480"/>
             <a:ext cx="45719" cy="5669280"/>
           </a:xfrm>
           <a:custGeom>
@@ -14065,8 +11652,8 @@
           <a:p>
             <a:pPr algn="ctr"/>
             <a:r>
-              <a:rPr lang="en-US" sz="1600"/>
-              <a:t>Run &amp; Operate</a:t>
+              <a:rPr lang="pt-BR" sz="1600"/>
+              <a:t>Execução e operação</a:t>
             </a:r>
           </a:p>
         </p:txBody>
@@ -14171,8 +11758,8 @@
           <a:p>
             <a:pPr algn="ctr"/>
             <a:r>
-              <a:rPr lang="en-US" sz="1600"/>
-              <a:t>Implementation</a:t>
+              <a:rPr lang="pt-BR" sz="1600"/>
+              <a:t>Implementação</a:t>
             </a:r>
           </a:p>
         </p:txBody>
@@ -14191,7 +11778,7 @@
         </p:nvSpPr>
         <p:spPr>
           <a:xfrm>
-            <a:off x="2918286" y="2317134"/>
+            <a:off x="2918286" y="2164734"/>
             <a:ext cx="933111" cy="261610"/>
           </a:xfrm>
           <a:prstGeom prst="rect">
@@ -14207,8 +11794,8 @@
           <a:p>
             <a:pPr algn="ctr"/>
             <a:r>
-              <a:rPr lang="en-US" sz="1100"/>
-              <a:t>Post Launch</a:t>
+              <a:rPr lang="pt-BR" sz="1100" dirty="0"/>
+              <a:t>Pós-lançamento</a:t>
             </a:r>
           </a:p>
         </p:txBody>
@@ -14228,15 +11815,20 @@
           <p:nvPr/>
         </p:nvPicPr>
         <p:blipFill>
-          <a:blip r:embed="rId4"/>
-          <a:stretch>
-            <a:fillRect/>
-          </a:stretch>
+          <a:blip r:embed="rId4">
+            <a:extLst>
+              <a:ext uri="{28A0092B-C50C-407E-A947-70E740481C1C}">
+                <a14:useLocalDpi xmlns:a14="http://schemas.microsoft.com/office/drawing/2010/main" val="0"/>
+              </a:ext>
+            </a:extLst>
+          </a:blip>
+          <a:srcRect/>
+          <a:stretch/>
         </p:blipFill>
         <p:spPr>
           <a:xfrm>
-            <a:off x="333965" y="6379881"/>
-            <a:ext cx="3097872" cy="2855621"/>
+            <a:off x="334498" y="6379881"/>
+            <a:ext cx="3096805" cy="2855621"/>
           </a:xfrm>
           <a:prstGeom prst="rect">
             <a:avLst/>
@@ -14319,7 +11911,7 @@
           </a:prstGeom>
         </p:spPr>
         <p:txBody>
-          <a:bodyPr wrap="square" lIns="91440" tIns="45720" rIns="91440" bIns="45720" anchor="t">
+          <a:bodyPr wrap="square">
             <a:spAutoFit/>
           </a:bodyPr>
           <a:lstStyle/>
@@ -14330,29 +11922,40 @@
               </a:spcBef>
             </a:pPr>
             <a:r>
-              <a:rPr lang="en-US" sz="1000" b="1" dirty="0">
+              <a:rPr lang="pt-BR" sz="1000" b="1" dirty="0">
                 <a:solidFill>
                   <a:srgbClr val="000000"/>
                 </a:solidFill>
                 <a:latin typeface="+mj-lt"/>
               </a:rPr>
-              <a:t>Technical Track Activities </a:t>
-            </a:r>
-            <a:r>
-              <a:rPr lang="en-US" sz="1000" dirty="0">
+              <a:t>As Atividades técnicas</a:t>
+            </a:r>
+            <a:r>
+              <a:rPr lang="pt-BR" sz="1000" dirty="0">
                 <a:solidFill>
                   <a:srgbClr val="000000"/>
                 </a:solidFill>
-                <a:latin typeface="Adobe Clean Light"/>
-              </a:rPr>
-              <a:t>ensure customers are technically sound and maximizing their tool adoption. Specifically, these types of activities include support and recommendations related to platform configurations, integrations and troubleshooting.</a:t>
-            </a:r>
-            <a:endParaRPr lang="en-US" sz="1000" dirty="0">
-              <a:solidFill>
-                <a:srgbClr val="000000"/>
-              </a:solidFill>
-              <a:latin typeface="Adobe Clean Light" panose="020B0303020404020204" pitchFamily="34" charset="0"/>
-            </a:endParaRPr>
+                <a:latin typeface="Adobe Clean Light" panose="020B0303020404020204" pitchFamily="34" charset="0"/>
+              </a:rPr>
+              <a:t> verificam se os clientes estão apresentando solidez técnica e aproveitando ao máximo sua adoção de ferramentas. Especificamente, essas atividades incluem suporte </a:t>
+            </a:r>
+            <a:br>
+              <a:rPr lang="sk-SK" sz="1000" dirty="0">
+                <a:solidFill>
+                  <a:srgbClr val="000000"/>
+                </a:solidFill>
+                <a:latin typeface="Adobe Clean Light" panose="020B0303020404020204" pitchFamily="34" charset="0"/>
+              </a:rPr>
+            </a:br>
+            <a:r>
+              <a:rPr lang="pt-BR" sz="1000" dirty="0">
+                <a:solidFill>
+                  <a:srgbClr val="000000"/>
+                </a:solidFill>
+                <a:latin typeface="Adobe Clean Light" panose="020B0303020404020204" pitchFamily="34" charset="0"/>
+              </a:rPr>
+              <a:t>e recomendações relacionados a configurações da plataforma, integrações e solução de problemas</a:t>
+            </a:r>
           </a:p>
           <a:p>
             <a:pPr marL="12700" marR="5080">
@@ -14360,7 +11963,7 @@
                 <a:spcPts val="100"/>
               </a:spcBef>
             </a:pPr>
-            <a:endParaRPr lang="en-US" sz="1000">
+            <a:endParaRPr lang="en-US" sz="1000" dirty="0">
               <a:latin typeface="Adobe Clean Light" charset="0"/>
             </a:endParaRPr>
           </a:p>
@@ -14371,10 +11974,10 @@
               </a:spcBef>
             </a:pPr>
             <a:r>
-              <a:rPr lang="en-US" sz="1000" dirty="0">
-                <a:latin typeface="Adobe Clean Light"/>
-              </a:rPr>
-              <a:t>Types of technical activities available::</a:t>
+              <a:rPr lang="pt-BR" sz="1000" dirty="0">
+                <a:latin typeface="Adobe Clean Light" charset="0"/>
+              </a:rPr>
+              <a:t>Tipos de atividades técnicas disponíveis::</a:t>
             </a:r>
           </a:p>
           <a:p>
@@ -14389,12 +11992,9 @@
               <a:buChar char="ü"/>
             </a:pPr>
             <a:r>
-              <a:rPr lang="en-US" sz="1000" dirty="0"/>
-              <a:t>Health audit</a:t>
-            </a:r>
-            <a:endParaRPr lang="en-US" sz="1000" dirty="0">
-              <a:cs typeface="Calibri"/>
-            </a:endParaRPr>
+              <a:rPr lang="pt-BR" sz="1000" dirty="0"/>
+              <a:t>Auditoria de integridade</a:t>
+            </a:r>
           </a:p>
           <a:p>
             <a:pPr marL="184150" marR="5080" indent="-171450">
@@ -14408,12 +12008,9 @@
               <a:buChar char="ü"/>
             </a:pPr>
             <a:r>
-              <a:rPr lang="en-US" sz="1000" dirty="0"/>
-              <a:t>Platform audit</a:t>
-            </a:r>
-            <a:endParaRPr lang="en-US" sz="1000" dirty="0">
-              <a:cs typeface="Calibri"/>
-            </a:endParaRPr>
+              <a:rPr lang="pt-BR" sz="1000" dirty="0"/>
+              <a:t>Auditoria da plataforma</a:t>
+            </a:r>
           </a:p>
           <a:p>
             <a:pPr marL="184150" marR="5080" indent="-171450">
@@ -14427,12 +12024,9 @@
               <a:buChar char="ü"/>
             </a:pPr>
             <a:r>
-              <a:rPr lang="en-US" sz="1000" dirty="0"/>
-              <a:t>Feature set enablement</a:t>
-            </a:r>
-            <a:endParaRPr lang="en-US" sz="1000" dirty="0">
-              <a:cs typeface="Calibri"/>
-            </a:endParaRPr>
+              <a:rPr lang="pt-BR" sz="1000" dirty="0"/>
+              <a:t>Ativação do conjunto de recursos</a:t>
+            </a:r>
           </a:p>
           <a:p>
             <a:pPr marL="184150" marR="5080" indent="-171450">
@@ -14446,12 +12040,9 @@
               <a:buChar char="ü"/>
             </a:pPr>
             <a:r>
-              <a:rPr lang="en-US" sz="1000" dirty="0"/>
-              <a:t>Basic integrations and configurations</a:t>
-            </a:r>
-            <a:endParaRPr lang="en-US" sz="1000" dirty="0">
-              <a:cs typeface="Calibri"/>
-            </a:endParaRPr>
+              <a:rPr lang="pt-BR" sz="1000" dirty="0"/>
+              <a:t>Integrações e configurações básicas</a:t>
+            </a:r>
           </a:p>
           <a:p>
             <a:pPr marL="184150" marR="5080" indent="-171450">
@@ -14465,12 +12056,9 @@
               <a:buChar char="ü"/>
             </a:pPr>
             <a:r>
-              <a:rPr lang="en-US" sz="1000" dirty="0"/>
-              <a:t>Customer solution troubleshooting</a:t>
-            </a:r>
-            <a:endParaRPr lang="en-US" sz="1000" dirty="0">
-              <a:cs typeface="Calibri"/>
-            </a:endParaRPr>
+              <a:rPr lang="pt-BR" sz="1000" dirty="0"/>
+              <a:t>Solução de problemas do cliente</a:t>
+            </a:r>
           </a:p>
           <a:p>
             <a:pPr marL="184150" marR="5080" indent="-171450">
@@ -14484,12 +12072,9 @@
               <a:buChar char="ü"/>
             </a:pPr>
             <a:r>
-              <a:rPr lang="en-US" sz="1000" dirty="0"/>
-              <a:t>Cloud service support</a:t>
-            </a:r>
-            <a:endParaRPr lang="en-US" sz="1000" dirty="0">
-              <a:cs typeface="Calibri"/>
-            </a:endParaRPr>
+              <a:rPr lang="pt-BR" sz="1000" dirty="0"/>
+              <a:t>Suporte ao serviço na nuvem</a:t>
+            </a:r>
           </a:p>
         </p:txBody>
       </p:sp>
@@ -14515,7 +12100,7 @@
           </a:prstGeom>
         </p:spPr>
         <p:txBody>
-          <a:bodyPr wrap="square" lIns="91440" tIns="45720" rIns="91440" bIns="45720" anchor="t">
+          <a:bodyPr wrap="square">
             <a:spAutoFit/>
           </a:bodyPr>
           <a:lstStyle/>
@@ -14526,22 +12111,56 @@
               </a:spcBef>
             </a:pPr>
             <a:r>
-              <a:rPr lang="en-US" sz="1000" b="1" dirty="0">
+              <a:rPr lang="pt-BR" sz="1000" b="1" dirty="0">
                 <a:solidFill>
                   <a:srgbClr val="000000"/>
                 </a:solidFill>
                 <a:latin typeface="+mj-lt"/>
               </a:rPr>
-              <a:t>Strategic Track Activities </a:t>
-            </a:r>
-            <a:r>
-              <a:rPr lang="en-US" sz="1000" dirty="0">
+              <a:t>As Atividades estratégicas</a:t>
+            </a:r>
+            <a:r>
+              <a:rPr lang="pt-BR" sz="1000" dirty="0">
                 <a:solidFill>
                   <a:srgbClr val="000000"/>
                 </a:solidFill>
-                <a:latin typeface="Adobe Clean Light"/>
-              </a:rPr>
-              <a:t>locate opportunities to ensure value is being realized from a customer’s Adobe solutions. They include support recommendations related to strategy, measurement and maturity to drive value realization across one or more Adobe solutions.</a:t>
+                <a:latin typeface="Adobe Clean Light" panose="020B0303020404020204" pitchFamily="34" charset="0"/>
+              </a:rPr>
+              <a:t> localizam oportunidades para garantir a obtenção de valor com as soluções da Adobe. Elas incluem recomendações de suporte relacionadas a estratégia, medição </a:t>
+            </a:r>
+            <a:br>
+              <a:rPr lang="sk-SK" sz="1000" dirty="0">
+                <a:solidFill>
+                  <a:srgbClr val="000000"/>
+                </a:solidFill>
+                <a:latin typeface="Adobe Clean Light" panose="020B0303020404020204" pitchFamily="34" charset="0"/>
+              </a:rPr>
+            </a:br>
+            <a:r>
+              <a:rPr lang="pt-BR" sz="1000" dirty="0">
+                <a:solidFill>
+                  <a:srgbClr val="000000"/>
+                </a:solidFill>
+                <a:latin typeface="Adobe Clean Light" panose="020B0303020404020204" pitchFamily="34" charset="0"/>
+              </a:rPr>
+              <a:t>e maturidade para impulsionar a obtenção de valor com uma </a:t>
+            </a:r>
+            <a:br>
+              <a:rPr lang="sk-SK" sz="1000" dirty="0">
+                <a:solidFill>
+                  <a:srgbClr val="000000"/>
+                </a:solidFill>
+                <a:latin typeface="Adobe Clean Light" panose="020B0303020404020204" pitchFamily="34" charset="0"/>
+              </a:rPr>
+            </a:br>
+            <a:r>
+              <a:rPr lang="pt-BR" sz="1000" dirty="0">
+                <a:solidFill>
+                  <a:srgbClr val="000000"/>
+                </a:solidFill>
+                <a:latin typeface="Adobe Clean Light" panose="020B0303020404020204" pitchFamily="34" charset="0"/>
+              </a:rPr>
+              <a:t>ou mais soluções da Adobe.</a:t>
             </a:r>
           </a:p>
           <a:p>
@@ -14550,7 +12169,7 @@
                 <a:spcPts val="100"/>
               </a:spcBef>
             </a:pPr>
-            <a:endParaRPr lang="en-US" sz="1000">
+            <a:endParaRPr lang="en-US" sz="1000" dirty="0">
               <a:latin typeface="Adobe Clean Light" charset="0"/>
             </a:endParaRPr>
           </a:p>
@@ -14561,14 +12180,11 @@
               </a:spcBef>
             </a:pPr>
             <a:r>
-              <a:rPr lang="en-US" sz="1000" dirty="0">
-                <a:latin typeface="Adobe Clean Light"/>
-              </a:rPr>
-              <a:t>Types of strategic activities available:</a:t>
-            </a:r>
-            <a:endParaRPr lang="en-US" sz="1000" dirty="0">
-              <a:latin typeface="Adobe Clean Light" charset="0"/>
-            </a:endParaRPr>
+              <a:rPr lang="pt-BR" sz="1000" dirty="0">
+                <a:latin typeface="Adobe Clean Light" charset="0"/>
+              </a:rPr>
+              <a:t>Tipos de atividades estratégicas disponíveis::</a:t>
+            </a:r>
           </a:p>
           <a:p>
             <a:pPr marL="241300" marR="5080" indent="-228600">
@@ -14582,12 +12198,9 @@
               <a:buChar char="ü"/>
             </a:pPr>
             <a:r>
-              <a:rPr lang="en-US" sz="1000" dirty="0"/>
-              <a:t>Maturity Roadmap</a:t>
-            </a:r>
-            <a:endParaRPr lang="en-US" sz="1000" dirty="0">
-              <a:cs typeface="Calibri"/>
-            </a:endParaRPr>
+              <a:rPr lang="pt-BR" sz="1000" dirty="0"/>
+              <a:t>Roteiro de maturidade</a:t>
+            </a:r>
           </a:p>
           <a:p>
             <a:pPr marL="241300" marR="5080" indent="-228600">
@@ -14601,12 +12214,9 @@
               <a:buChar char="ü"/>
             </a:pPr>
             <a:r>
-              <a:rPr lang="en-US" sz="1000" dirty="0"/>
-              <a:t>Use case development/measurement</a:t>
-            </a:r>
-            <a:endParaRPr lang="en-US" sz="1000" dirty="0">
-              <a:cs typeface="Calibri"/>
-            </a:endParaRPr>
+              <a:rPr lang="pt-BR" sz="1000" dirty="0"/>
+              <a:t>Desenvolvimento/medição de caso de uso</a:t>
+            </a:r>
           </a:p>
           <a:p>
             <a:pPr marL="241300" marR="5080" indent="-228600">
@@ -14620,12 +12230,9 @@
               <a:buChar char="ü"/>
             </a:pPr>
             <a:r>
-              <a:rPr lang="en-US" sz="1000" dirty="0"/>
-              <a:t>Reporting &amp; analysis</a:t>
-            </a:r>
-            <a:endParaRPr lang="en-US" sz="1000" dirty="0">
-              <a:cs typeface="Calibri"/>
-            </a:endParaRPr>
+              <a:rPr lang="pt-BR" sz="1000" dirty="0"/>
+              <a:t>Relatórios e análise</a:t>
+            </a:r>
           </a:p>
           <a:p>
             <a:pPr marL="241300" marR="5080" indent="-228600">
@@ -14639,12 +12246,9 @@
               <a:buChar char="ü"/>
             </a:pPr>
             <a:r>
-              <a:rPr lang="en-US" sz="1000" dirty="0"/>
-              <a:t>Best practices enablement</a:t>
-            </a:r>
-            <a:endParaRPr lang="en-US" sz="1000" dirty="0">
-              <a:cs typeface="Calibri"/>
-            </a:endParaRPr>
+              <a:rPr lang="pt-BR" sz="1000" dirty="0"/>
+              <a:t>Ativação de práticas recomendadas</a:t>
+            </a:r>
           </a:p>
         </p:txBody>
       </p:sp>
@@ -14663,7 +12267,7 @@
         <p:spPr>
           <a:xfrm>
             <a:off x="3851397" y="3891661"/>
-            <a:ext cx="3525468" cy="430887"/>
+            <a:ext cx="3525468" cy="584775"/>
           </a:xfrm>
           <a:prstGeom prst="rect">
             <a:avLst/>
@@ -14682,73 +12286,77 @@
               </a:spcBef>
             </a:pPr>
             <a:r>
-              <a:rPr lang="en-US" sz="1000">
+              <a:rPr lang="pt-BR" sz="1000" dirty="0">
                 <a:solidFill>
                   <a:srgbClr val="1F1F1F"/>
                 </a:solidFill>
                 <a:latin typeface="Adobe Clean" panose="020B0503020404020204" pitchFamily="34" charset="0"/>
                 <a:cs typeface="AdobeClean-Light"/>
               </a:rPr>
-              <a:t>As an Enterprise customer, you are eligible for</a:t>
-            </a:r>
-            <a:r>
-              <a:rPr lang="en-US" sz="1200" b="1" u="sng">
-                <a:solidFill>
-                  <a:srgbClr val="1F1F1F"/>
-                </a:solidFill>
-                <a:cs typeface="AdobeClean-Light"/>
-              </a:rPr>
-              <a:t> 2 </a:t>
-            </a:r>
-            <a:r>
-              <a:rPr lang="en-US" sz="1000" b="1" u="sng">
-                <a:solidFill>
-                  <a:srgbClr val="1F1F1F"/>
-                </a:solidFill>
-                <a:cs typeface="AdobeClean-Light"/>
-              </a:rPr>
-              <a:t>activities per year </a:t>
-            </a:r>
-            <a:r>
-              <a:rPr lang="en-US" sz="1000">
+              <a:t>Como cliente Enterprise, você tem direito a </a:t>
+            </a:r>
+            <a:r>
+              <a:rPr lang="pt-BR" sz="1200" b="1" u="sng" dirty="0">
                 <a:solidFill>
                   <a:srgbClr val="1F1F1F"/>
                 </a:solidFill>
                 <a:latin typeface="Adobe Clean" panose="020B0503020404020204" pitchFamily="34" charset="0"/>
                 <a:cs typeface="AdobeClean-Light"/>
               </a:rPr>
-              <a:t>from the following two tracks:</a:t>
-            </a:r>
-            <a:r>
-              <a:rPr lang="en-US" sz="1000" b="1">
-                <a:solidFill>
-                  <a:srgbClr val="1F1F1F"/>
-                </a:solidFill>
-                <a:cs typeface="AdobeClean-Light"/>
-              </a:rPr>
-              <a:t> Technical </a:t>
-            </a:r>
-            <a:r>
-              <a:rPr lang="en-US" sz="1000">
+              <a:t>2</a:t>
+            </a:r>
+            <a:r>
+              <a:rPr lang="pt-BR" sz="1000" b="1" u="sng" dirty="0">
                 <a:solidFill>
                   <a:srgbClr val="1F1F1F"/>
                 </a:solidFill>
                 <a:latin typeface="Adobe Clean" panose="020B0503020404020204" pitchFamily="34" charset="0"/>
                 <a:cs typeface="AdobeClean-Light"/>
               </a:rPr>
-              <a:t>and/or </a:t>
-            </a:r>
-            <a:r>
-              <a:rPr lang="en-US" sz="1000" b="1">
+              <a:t> atividades por ano</a:t>
+            </a:r>
+            <a:r>
+              <a:rPr lang="pt-BR" sz="1000" dirty="0">
                 <a:solidFill>
                   <a:srgbClr val="1F1F1F"/>
                 </a:solidFill>
+                <a:latin typeface="Adobe Clean" panose="020B0503020404020204" pitchFamily="34" charset="0"/>
                 <a:cs typeface="AdobeClean-Light"/>
               </a:rPr>
-              <a:t>Strategic</a:t>
-            </a:r>
-            <a:r>
-              <a:rPr lang="en-US" sz="1000">
+              <a:t> entre as opções a seguir:</a:t>
+            </a:r>
+            <a:r>
+              <a:rPr lang="pt-BR" sz="1000" b="1" dirty="0">
+                <a:solidFill>
+                  <a:srgbClr val="1F1F1F"/>
+                </a:solidFill>
+                <a:latin typeface="Adobe Clean" panose="020B0503020404020204" pitchFamily="34" charset="0"/>
+                <a:cs typeface="AdobeClean-Light"/>
+              </a:rPr>
+              <a:t> Atividades técnicas </a:t>
+            </a:r>
+            <a:r>
+              <a:rPr lang="pt-BR" sz="1000" dirty="0">
+                <a:solidFill>
+                  <a:srgbClr val="1F1F1F"/>
+                </a:solidFill>
+                <a:latin typeface="Adobe Clean" panose="020B0503020404020204" pitchFamily="34" charset="0"/>
+                <a:cs typeface="AdobeClean-Light"/>
+              </a:rPr>
+              <a:t>e/ou </a:t>
+            </a:r>
+            <a:r>
+              <a:rPr lang="pt-BR" sz="1000" b="1" dirty="0">
+                <a:solidFill>
+                  <a:srgbClr val="1F1F1F"/>
+                </a:solidFill>
+                <a:latin typeface="Adobe Clean" panose="020B0503020404020204" pitchFamily="34" charset="0"/>
+                <a:cs typeface="AdobeClean-Light"/>
+              </a:rPr>
+              <a:t>Atividades estratégicas</a:t>
+            </a:r>
+            <a:r>
+              <a:rPr lang="pt-BR" sz="1000" dirty="0">
                 <a:solidFill>
                   <a:srgbClr val="1F1F1F"/>
                 </a:solidFill>
@@ -14757,12 +12365,6 @@
               </a:rPr>
               <a:t>.</a:t>
             </a:r>
-            <a:endParaRPr lang="en-US" sz="1000" b="1">
-              <a:solidFill>
-                <a:prstClr val="black"/>
-              </a:solidFill>
-              <a:cs typeface="AdobeClean-Light"/>
-            </a:endParaRPr>
           </a:p>
         </p:txBody>
       </p:sp>
@@ -14796,8 +12398,8 @@
           <a:p>
             <a:pPr algn="ctr"/>
             <a:r>
-              <a:rPr lang="en-US" sz="1100"/>
-              <a:t>Go-Live</a:t>
+              <a:rPr lang="pt-BR" sz="1100"/>
+              <a:t>Lançamento</a:t>
             </a:r>
           </a:p>
         </p:txBody>
@@ -14832,8 +12434,8 @@
           <a:p>
             <a:pPr algn="ctr"/>
             <a:r>
-              <a:rPr lang="en-US" sz="1100"/>
-              <a:t>Define</a:t>
+              <a:rPr lang="pt-BR" sz="1100"/>
+              <a:t>Definição</a:t>
             </a:r>
           </a:p>
         </p:txBody>
@@ -14868,8 +12470,8 @@
           <a:p>
             <a:pPr algn="ctr"/>
             <a:r>
-              <a:rPr lang="en-US" sz="1100"/>
-              <a:t>Kickoff</a:t>
+              <a:rPr lang="pt-BR" sz="1100"/>
+              <a:t>Início</a:t>
             </a:r>
           </a:p>
         </p:txBody>
@@ -14904,8 +12506,8 @@
           <a:p>
             <a:pPr algn="ctr"/>
             <a:r>
-              <a:rPr lang="en-US" sz="1100"/>
-              <a:t>Design</a:t>
+              <a:rPr lang="pt-BR" sz="1100"/>
+              <a:t>Projeto</a:t>
             </a:r>
           </a:p>
         </p:txBody>
@@ -14962,14 +12564,14 @@
           <a:p>
             <a:pPr algn="ctr"/>
             <a:r>
-              <a:rPr lang="en-US">
+              <a:rPr lang="pt-BR">
                 <a:solidFill>
                   <a:schemeClr val="accent1">
                     <a:lumMod val="50000"/>
                   </a:schemeClr>
                 </a:solidFill>
               </a:rPr>
-              <a:t>2 Activities per Year</a:t>
+              <a:t>2 atividades por ano</a:t>
             </a:r>
           </a:p>
         </p:txBody>
@@ -15031,49 +12633,15 @@
               </a:lnSpc>
             </a:pPr>
             <a:r>
-              <a:rPr sz="500" spc="-5">
+              <a:rPr lang="pt-BR" sz="500">
                 <a:solidFill>
                   <a:srgbClr val="6C6C6C"/>
                 </a:solidFill>
                 <a:latin typeface="Adobe Clean"/>
                 <a:cs typeface="Adobe Clean"/>
               </a:rPr>
-              <a:t>©2020 Adobe. All Rights Reserved. </a:t>
-            </a:r>
-            <a:r>
-              <a:rPr sz="500">
-                <a:solidFill>
-                  <a:srgbClr val="6C6C6C"/>
-                </a:solidFill>
-                <a:latin typeface="Adobe Clean"/>
-                <a:cs typeface="Adobe Clean"/>
-              </a:rPr>
-              <a:t>Adobe</a:t>
-            </a:r>
-            <a:r>
-              <a:rPr sz="500" spc="5">
-                <a:solidFill>
-                  <a:srgbClr val="6C6C6C"/>
-                </a:solidFill>
-                <a:latin typeface="Adobe Clean"/>
-                <a:cs typeface="Adobe Clean"/>
-              </a:rPr>
-              <a:t> </a:t>
-            </a:r>
-            <a:r>
-              <a:rPr sz="500" spc="-5">
-                <a:solidFill>
-                  <a:srgbClr val="6C6C6C"/>
-                </a:solidFill>
-                <a:latin typeface="Adobe Clean"/>
-                <a:cs typeface="Adobe Clean"/>
-              </a:rPr>
-              <a:t>Confidential.</a:t>
-            </a:r>
-            <a:endParaRPr sz="500">
-              <a:latin typeface="Adobe Clean"/>
-              <a:cs typeface="Adobe Clean"/>
-            </a:endParaRPr>
+              <a:t>©2020 Adobe. All Rights Reserved. Adobe Confidential.</a:t>
+            </a:r>
           </a:p>
           <a:p>
             <a:pPr>
@@ -15099,39 +12667,15 @@
               </a:spcBef>
             </a:pPr>
             <a:r>
-              <a:rPr sz="800" spc="-5">
+              <a:rPr lang="pt-BR" sz="800">
                 <a:solidFill>
                   <a:srgbClr val="6D6D6D"/>
                 </a:solidFill>
                 <a:latin typeface="Adobe Clean"/>
                 <a:cs typeface="Adobe Clean"/>
               </a:rPr>
-              <a:t>©2020 Adobe. All Rights Reserved. Adobe</a:t>
-            </a:r>
-            <a:r>
-              <a:rPr sz="800" spc="75">
-                <a:solidFill>
-                  <a:srgbClr val="6D6D6D"/>
-                </a:solidFill>
-                <a:latin typeface="Adobe Clean"/>
-                <a:cs typeface="Adobe Clean"/>
-              </a:rPr>
-              <a:t> </a:t>
-            </a:r>
-            <a:r>
-              <a:rPr sz="800" spc="-5">
-                <a:solidFill>
-                  <a:srgbClr val="6D6D6D"/>
-                </a:solidFill>
-                <a:latin typeface="Adobe Clean"/>
-                <a:cs typeface="Adobe Clean"/>
-              </a:rPr>
-              <a:t>Confidential.</a:t>
-            </a:r>
-            <a:endParaRPr sz="800">
-              <a:latin typeface="Adobe Clean"/>
-              <a:cs typeface="Adobe Clean"/>
-            </a:endParaRPr>
+              <a:t>©2020 Adobe. All Rights Reserved. Adobe Confidential.</a:t>
+            </a:r>
           </a:p>
         </p:txBody>
       </p:sp>
@@ -15215,19 +12759,15 @@
               </a:spcBef>
             </a:pPr>
             <a:r>
-              <a:rPr lang="en-US" sz="1400" b="1" spc="-15">
+              <a:rPr lang="pt-BR" sz="1400" b="1">
                 <a:solidFill>
                   <a:srgbClr val="020302"/>
                 </a:solidFill>
                 <a:latin typeface="Adobe Clean"/>
                 <a:cs typeface="Adobe Clean"/>
               </a:rPr>
-              <a:t>Resources</a:t>
-            </a:r>
-            <a:endParaRPr sz="1400">
-              <a:latin typeface="Adobe Clean"/>
-              <a:cs typeface="Adobe Clean"/>
-            </a:endParaRPr>
+              <a:t>Recursos</a:t>
+            </a:r>
           </a:p>
         </p:txBody>
       </p:sp>
@@ -15261,7 +12801,7 @@
               </a:spcBef>
             </a:pPr>
             <a:r>
-              <a:rPr sz="800" spc="-15">
+              <a:rPr lang="pt-BR" sz="800">
                 <a:solidFill>
                   <a:srgbClr val="777879"/>
                 </a:solidFill>
@@ -15270,10 +12810,6 @@
               </a:rPr>
               <a:t>Adobe</a:t>
             </a:r>
-            <a:endParaRPr sz="800">
-              <a:latin typeface="Adobe Clean"/>
-              <a:cs typeface="Adobe Clean"/>
-            </a:endParaRPr>
           </a:p>
           <a:p>
             <a:pPr marL="12700">
@@ -15282,39 +12818,15 @@
               </a:lnSpc>
             </a:pPr>
             <a:r>
-              <a:rPr sz="800" spc="-15">
+              <a:rPr lang="pt-BR" sz="800">
                 <a:solidFill>
                   <a:srgbClr val="777879"/>
                 </a:solidFill>
                 <a:latin typeface="Adobe Clean"/>
                 <a:cs typeface="Adobe Clean"/>
               </a:rPr>
-              <a:t>345 Park</a:t>
-            </a:r>
-            <a:r>
-              <a:rPr sz="800" spc="-100">
-                <a:solidFill>
-                  <a:srgbClr val="777879"/>
-                </a:solidFill>
-                <a:latin typeface="Adobe Clean"/>
-                <a:cs typeface="Adobe Clean"/>
-              </a:rPr>
-              <a:t> </a:t>
-            </a:r>
-            <a:r>
-              <a:rPr sz="800" spc="-15">
-                <a:solidFill>
-                  <a:srgbClr val="777879"/>
-                </a:solidFill>
-                <a:latin typeface="Adobe Clean"/>
-                <a:cs typeface="Adobe Clean"/>
-              </a:rPr>
-              <a:t>Avenue</a:t>
-            </a:r>
-            <a:endParaRPr sz="800">
-              <a:latin typeface="Adobe Clean"/>
-              <a:cs typeface="Adobe Clean"/>
-            </a:endParaRPr>
+              <a:t>345 Park Avenue</a:t>
+            </a:r>
           </a:p>
           <a:p>
             <a:pPr marL="12700">
@@ -15323,49 +12835,15 @@
               </a:lnSpc>
             </a:pPr>
             <a:r>
-              <a:rPr sz="800" spc="-10">
+              <a:rPr lang="pt-BR" sz="800">
                 <a:solidFill>
                   <a:srgbClr val="777879"/>
                 </a:solidFill>
                 <a:latin typeface="Adobe Clean"/>
                 <a:cs typeface="Adobe Clean"/>
               </a:rPr>
-              <a:t>San </a:t>
-            </a:r>
-            <a:r>
-              <a:rPr sz="800" spc="-15">
-                <a:solidFill>
-                  <a:srgbClr val="777879"/>
-                </a:solidFill>
-                <a:latin typeface="Adobe Clean"/>
-                <a:cs typeface="Adobe Clean"/>
-              </a:rPr>
-              <a:t>Jose,</a:t>
-            </a:r>
-            <a:r>
-              <a:rPr sz="800" spc="-140">
-                <a:solidFill>
-                  <a:srgbClr val="777879"/>
-                </a:solidFill>
-                <a:latin typeface="Adobe Clean"/>
-                <a:cs typeface="Adobe Clean"/>
-              </a:rPr>
-              <a:t> </a:t>
-            </a:r>
-            <a:r>
-              <a:rPr sz="800" spc="-20">
-                <a:solidFill>
-                  <a:srgbClr val="777879"/>
-                </a:solidFill>
-                <a:latin typeface="Adobe Clean"/>
-                <a:cs typeface="Adobe Clean"/>
-              </a:rPr>
-              <a:t>CA95110-2704</a:t>
-            </a:r>
-            <a:endParaRPr sz="800">
-              <a:latin typeface="Adobe Clean"/>
-              <a:cs typeface="Adobe Clean"/>
-            </a:endParaRPr>
+              <a:t>San Jose, CA95110-2704</a:t>
+            </a:r>
           </a:p>
           <a:p>
             <a:pPr marL="12700">
@@ -15377,7 +12855,7 @@
               </a:spcBef>
             </a:pPr>
             <a:r>
-              <a:rPr sz="800" spc="-10">
+              <a:rPr lang="pt-BR" sz="800">
                 <a:solidFill>
                   <a:srgbClr val="777879"/>
                 </a:solidFill>
@@ -15386,10 +12864,6 @@
               </a:rPr>
               <a:t>USA</a:t>
             </a:r>
-            <a:endParaRPr sz="800">
-              <a:latin typeface="Adobe Clean"/>
-              <a:cs typeface="Adobe Clean"/>
-            </a:endParaRPr>
           </a:p>
           <a:p>
             <a:pPr marL="12700">
@@ -15401,7 +12875,7 @@
               </a:spcBef>
             </a:pPr>
             <a:r>
-              <a:rPr sz="800" u="sng" spc="-25">
+              <a:rPr lang="pt-BR" sz="800" u="sng">
                 <a:solidFill>
                   <a:srgbClr val="5F5F5F"/>
                 </a:solidFill>
@@ -15416,10 +12890,6 @@
               </a:rPr>
               <a:t>www.adobe.com</a:t>
             </a:r>
-            <a:endParaRPr sz="800">
-              <a:latin typeface="Adobe Clean"/>
-              <a:cs typeface="Adobe Clean"/>
-            </a:endParaRPr>
           </a:p>
         </p:txBody>
       </p:sp>
@@ -15573,14 +13043,14 @@
         <p:spPr>
           <a:xfrm>
             <a:off x="75947" y="9437110"/>
-            <a:ext cx="5466715" cy="570865"/>
+            <a:ext cx="5610478" cy="570865"/>
           </a:xfrm>
           <a:prstGeom prst="rect">
             <a:avLst/>
           </a:prstGeom>
         </p:spPr>
         <p:txBody>
-          <a:bodyPr vert="horz" wrap="square" lIns="0" tIns="29845" rIns="0" bIns="0" rtlCol="0" anchor="t">
+          <a:bodyPr vert="horz" wrap="square" lIns="0" tIns="29845" rIns="0" bIns="0" rtlCol="0">
             <a:spAutoFit/>
           </a:bodyPr>
           <a:lstStyle/>
@@ -15594,449 +13064,15 @@
               </a:spcBef>
             </a:pPr>
             <a:r>
-              <a:rPr sz="1100" i="1" spc="-10" dirty="0">
+              <a:rPr lang="pt-BR" sz="1100" i="1" dirty="0">
                 <a:solidFill>
                   <a:srgbClr val="777879"/>
                 </a:solidFill>
                 <a:latin typeface="AdobeClean-LightIt"/>
                 <a:cs typeface="AdobeClean-LightIt"/>
               </a:rPr>
-              <a:t>To</a:t>
-            </a:r>
-            <a:r>
-              <a:rPr sz="1100" i="1" spc="-50" dirty="0">
-                <a:solidFill>
-                  <a:srgbClr val="777879"/>
-                </a:solidFill>
-                <a:latin typeface="AdobeClean-LightIt"/>
-                <a:cs typeface="AdobeClean-LightIt"/>
-              </a:rPr>
-              <a:t> </a:t>
-            </a:r>
-            <a:r>
-              <a:rPr sz="1100" i="1" spc="-15" dirty="0">
-                <a:solidFill>
-                  <a:srgbClr val="777879"/>
-                </a:solidFill>
-                <a:latin typeface="AdobeClean-LightIt"/>
-                <a:cs typeface="AdobeClean-LightIt"/>
-              </a:rPr>
-              <a:t>learn</a:t>
-            </a:r>
-            <a:r>
-              <a:rPr sz="1100" i="1" spc="-40" dirty="0">
-                <a:solidFill>
-                  <a:srgbClr val="777879"/>
-                </a:solidFill>
-                <a:latin typeface="AdobeClean-LightIt"/>
-                <a:cs typeface="AdobeClean-LightIt"/>
-              </a:rPr>
-              <a:t> </a:t>
-            </a:r>
-            <a:r>
-              <a:rPr sz="1100" i="1" spc="-15" dirty="0">
-                <a:solidFill>
-                  <a:srgbClr val="777879"/>
-                </a:solidFill>
-                <a:latin typeface="AdobeClean-LightIt"/>
-                <a:cs typeface="AdobeClean-LightIt"/>
-              </a:rPr>
-              <a:t>more</a:t>
-            </a:r>
-            <a:r>
-              <a:rPr sz="1100" i="1" spc="-45" dirty="0">
-                <a:solidFill>
-                  <a:srgbClr val="777879"/>
-                </a:solidFill>
-                <a:latin typeface="AdobeClean-LightIt"/>
-                <a:cs typeface="AdobeClean-LightIt"/>
-              </a:rPr>
-              <a:t> </a:t>
-            </a:r>
-            <a:r>
-              <a:rPr sz="1100" i="1" spc="-15" dirty="0">
-                <a:solidFill>
-                  <a:srgbClr val="777879"/>
-                </a:solidFill>
-                <a:latin typeface="AdobeClean-LightIt"/>
-                <a:cs typeface="AdobeClean-LightIt"/>
-              </a:rPr>
-              <a:t>about</a:t>
-            </a:r>
-            <a:r>
-              <a:rPr sz="1100" i="1" spc="-45" dirty="0">
-                <a:solidFill>
-                  <a:srgbClr val="777879"/>
-                </a:solidFill>
-                <a:latin typeface="AdobeClean-LightIt"/>
-                <a:cs typeface="AdobeClean-LightIt"/>
-              </a:rPr>
-              <a:t> </a:t>
-            </a:r>
-            <a:r>
-              <a:rPr sz="1100" i="1" spc="-15" dirty="0">
-                <a:solidFill>
-                  <a:srgbClr val="777879"/>
-                </a:solidFill>
-                <a:latin typeface="AdobeClean-LightIt"/>
-                <a:cs typeface="AdobeClean-LightIt"/>
-              </a:rPr>
-              <a:t>Adobe</a:t>
-            </a:r>
-            <a:r>
-              <a:rPr sz="1100" i="1" spc="-50" dirty="0">
-                <a:solidFill>
-                  <a:srgbClr val="777879"/>
-                </a:solidFill>
-                <a:latin typeface="AdobeClean-LightIt"/>
-                <a:cs typeface="AdobeClean-LightIt"/>
-              </a:rPr>
-              <a:t> </a:t>
-            </a:r>
-            <a:r>
-              <a:rPr sz="1100" i="1" spc="-15" dirty="0">
-                <a:solidFill>
-                  <a:srgbClr val="777879"/>
-                </a:solidFill>
-                <a:latin typeface="AdobeClean-LightIt"/>
-                <a:cs typeface="AdobeClean-LightIt"/>
-              </a:rPr>
-              <a:t>Support</a:t>
-            </a:r>
-            <a:r>
-              <a:rPr lang="en-US" sz="1100" i="1" spc="-15" dirty="0">
-                <a:solidFill>
-                  <a:srgbClr val="777879"/>
-                </a:solidFill>
-                <a:latin typeface="AdobeClean-LightIt"/>
-                <a:cs typeface="AdobeClean-LightIt"/>
-              </a:rPr>
-              <a:t> Offerings</a:t>
-            </a:r>
-            <a:r>
-              <a:rPr sz="1100" i="1" spc="-75" dirty="0">
-                <a:solidFill>
-                  <a:srgbClr val="777879"/>
-                </a:solidFill>
-                <a:latin typeface="AdobeClean-LightIt"/>
-                <a:cs typeface="AdobeClean-LightIt"/>
-              </a:rPr>
-              <a:t> </a:t>
-            </a:r>
-            <a:r>
-              <a:rPr sz="1100" i="1" spc="-15" dirty="0">
-                <a:solidFill>
-                  <a:srgbClr val="777879"/>
-                </a:solidFill>
-                <a:latin typeface="AdobeClean-LightIt"/>
-                <a:cs typeface="AdobeClean-LightIt"/>
-              </a:rPr>
-              <a:t>and</a:t>
-            </a:r>
-            <a:r>
-              <a:rPr sz="1100" i="1" spc="-50" dirty="0">
-                <a:solidFill>
-                  <a:srgbClr val="777879"/>
-                </a:solidFill>
-                <a:latin typeface="AdobeClean-LightIt"/>
-                <a:cs typeface="AdobeClean-LightIt"/>
-              </a:rPr>
-              <a:t> </a:t>
-            </a:r>
-            <a:r>
-              <a:rPr sz="1100" i="1" spc="-15" dirty="0">
-                <a:solidFill>
-                  <a:srgbClr val="777879"/>
-                </a:solidFill>
-                <a:latin typeface="AdobeClean-LightIt"/>
-                <a:cs typeface="AdobeClean-LightIt"/>
-              </a:rPr>
-              <a:t>the</a:t>
-            </a:r>
-            <a:r>
-              <a:rPr sz="1100" i="1" spc="-55" dirty="0">
-                <a:solidFill>
-                  <a:srgbClr val="777879"/>
-                </a:solidFill>
-                <a:latin typeface="AdobeClean-LightIt"/>
-                <a:cs typeface="AdobeClean-LightIt"/>
-              </a:rPr>
-              <a:t> </a:t>
-            </a:r>
-            <a:r>
-              <a:rPr sz="1100" i="1" spc="-15" dirty="0">
-                <a:solidFill>
-                  <a:srgbClr val="777879"/>
-                </a:solidFill>
-                <a:latin typeface="AdobeClean-LightIt"/>
-                <a:cs typeface="AdobeClean-LightIt"/>
-              </a:rPr>
-              <a:t>right</a:t>
-            </a:r>
-            <a:r>
-              <a:rPr sz="1100" i="1" spc="-95" dirty="0">
-                <a:solidFill>
-                  <a:srgbClr val="777879"/>
-                </a:solidFill>
-                <a:latin typeface="AdobeClean-LightIt"/>
-                <a:cs typeface="AdobeClean-LightIt"/>
-              </a:rPr>
-              <a:t> </a:t>
-            </a:r>
-            <a:r>
-              <a:rPr sz="1100" i="1" spc="-15" dirty="0">
-                <a:solidFill>
-                  <a:srgbClr val="777879"/>
-                </a:solidFill>
-                <a:latin typeface="AdobeClean-LightIt"/>
-                <a:cs typeface="AdobeClean-LightIt"/>
-              </a:rPr>
-              <a:t>level</a:t>
-            </a:r>
-            <a:r>
-              <a:rPr sz="1100" i="1" spc="-55" dirty="0">
-                <a:solidFill>
-                  <a:srgbClr val="777879"/>
-                </a:solidFill>
-                <a:latin typeface="AdobeClean-LightIt"/>
-                <a:cs typeface="AdobeClean-LightIt"/>
-              </a:rPr>
-              <a:t> </a:t>
-            </a:r>
-            <a:r>
-              <a:rPr sz="1100" i="1" spc="-15" dirty="0">
-                <a:solidFill>
-                  <a:srgbClr val="777879"/>
-                </a:solidFill>
-                <a:latin typeface="AdobeClean-LightIt"/>
-                <a:cs typeface="AdobeClean-LightIt"/>
-              </a:rPr>
-              <a:t>for</a:t>
-            </a:r>
-            <a:r>
-              <a:rPr sz="1100" i="1" spc="-85" dirty="0">
-                <a:solidFill>
-                  <a:srgbClr val="777879"/>
-                </a:solidFill>
-                <a:latin typeface="AdobeClean-LightIt"/>
-                <a:cs typeface="AdobeClean-LightIt"/>
-              </a:rPr>
-              <a:t> </a:t>
-            </a:r>
-            <a:r>
-              <a:rPr sz="1100" i="1" spc="-15" dirty="0">
-                <a:solidFill>
-                  <a:srgbClr val="777879"/>
-                </a:solidFill>
-                <a:latin typeface="AdobeClean-LightIt"/>
-                <a:cs typeface="AdobeClean-LightIt"/>
-              </a:rPr>
-              <a:t>you,</a:t>
-            </a:r>
-            <a:r>
-              <a:rPr sz="1100" i="1" spc="-65" dirty="0">
-                <a:solidFill>
-                  <a:srgbClr val="777879"/>
-                </a:solidFill>
-                <a:latin typeface="AdobeClean-LightIt"/>
-                <a:cs typeface="AdobeClean-LightIt"/>
-              </a:rPr>
-              <a:t> </a:t>
-            </a:r>
-            <a:r>
-              <a:rPr sz="1100" i="1" spc="-15" dirty="0">
-                <a:solidFill>
-                  <a:srgbClr val="777879"/>
-                </a:solidFill>
-                <a:latin typeface="AdobeClean-LightIt"/>
-                <a:cs typeface="AdobeClean-LightIt"/>
-              </a:rPr>
-              <a:t>contact</a:t>
-            </a:r>
-            <a:r>
-              <a:rPr sz="1100" i="1" spc="-85" dirty="0">
-                <a:solidFill>
-                  <a:srgbClr val="777879"/>
-                </a:solidFill>
-                <a:latin typeface="AdobeClean-LightIt"/>
-                <a:cs typeface="AdobeClean-LightIt"/>
-              </a:rPr>
-              <a:t> </a:t>
-            </a:r>
-            <a:r>
-              <a:rPr sz="1100" i="1" spc="-15" dirty="0">
-                <a:solidFill>
-                  <a:srgbClr val="777879"/>
-                </a:solidFill>
-                <a:latin typeface="AdobeClean-LightIt"/>
-                <a:cs typeface="AdobeClean-LightIt"/>
-              </a:rPr>
-              <a:t>your</a:t>
-            </a:r>
-            <a:r>
-              <a:rPr sz="1100" i="1" spc="-70" dirty="0">
-                <a:solidFill>
-                  <a:srgbClr val="777879"/>
-                </a:solidFill>
-                <a:latin typeface="AdobeClean-LightIt"/>
-                <a:cs typeface="AdobeClean-LightIt"/>
-              </a:rPr>
-              <a:t> </a:t>
-            </a:r>
-            <a:r>
-              <a:rPr sz="1100" i="1" spc="-15" dirty="0">
-                <a:solidFill>
-                  <a:srgbClr val="777879"/>
-                </a:solidFill>
-                <a:latin typeface="AdobeClean-LightIt"/>
-                <a:cs typeface="AdobeClean-LightIt"/>
-              </a:rPr>
-              <a:t>Named</a:t>
-            </a:r>
-            <a:r>
-              <a:rPr sz="1100" i="1" spc="-55" dirty="0">
-                <a:solidFill>
-                  <a:srgbClr val="777879"/>
-                </a:solidFill>
-                <a:latin typeface="AdobeClean-LightIt"/>
-                <a:cs typeface="AdobeClean-LightIt"/>
-              </a:rPr>
-              <a:t> </a:t>
-            </a:r>
-            <a:r>
-              <a:rPr sz="1100" i="1" spc="-25" dirty="0">
-                <a:solidFill>
-                  <a:srgbClr val="777879"/>
-                </a:solidFill>
-                <a:latin typeface="AdobeClean-LightIt"/>
-                <a:cs typeface="AdobeClean-LightIt"/>
-              </a:rPr>
-              <a:t>Account</a:t>
-            </a:r>
-            <a:r>
-              <a:rPr sz="1100" i="1" spc="-120" dirty="0">
-                <a:solidFill>
-                  <a:srgbClr val="777879"/>
-                </a:solidFill>
-                <a:latin typeface="AdobeClean-LightIt"/>
-                <a:cs typeface="AdobeClean-LightIt"/>
-              </a:rPr>
-              <a:t> </a:t>
-            </a:r>
-            <a:r>
-              <a:rPr sz="1100" i="1" spc="-20" dirty="0">
-                <a:solidFill>
-                  <a:srgbClr val="777879"/>
-                </a:solidFill>
-                <a:latin typeface="AdobeClean-LightIt"/>
-                <a:cs typeface="AdobeClean-LightIt"/>
-              </a:rPr>
-              <a:t>Manager</a:t>
-            </a:r>
-            <a:r>
-              <a:rPr lang="en-US" sz="1100" i="1" spc="-20" dirty="0">
-                <a:solidFill>
-                  <a:srgbClr val="777879"/>
-                </a:solidFill>
-                <a:latin typeface="AdobeClean-LightIt"/>
-                <a:cs typeface="AdobeClean-LightIt"/>
-              </a:rPr>
-              <a:t> </a:t>
-            </a:r>
-            <a:r>
-              <a:rPr sz="1100" i="1" spc="-20" dirty="0">
-                <a:solidFill>
-                  <a:srgbClr val="777879"/>
-                </a:solidFill>
-                <a:latin typeface="AdobeClean-LightIt"/>
-                <a:cs typeface="AdobeClean-LightIt"/>
-              </a:rPr>
-              <a:t> </a:t>
-            </a:r>
-            <a:r>
-              <a:rPr sz="1100" i="1" spc="-15" dirty="0">
-                <a:solidFill>
-                  <a:srgbClr val="777879"/>
-                </a:solidFill>
-                <a:latin typeface="AdobeClean-LightIt"/>
-                <a:cs typeface="AdobeClean-LightIt"/>
-              </a:rPr>
-              <a:t>(NAM) </a:t>
-            </a:r>
-            <a:r>
-              <a:rPr sz="1100" i="1" spc="-10" dirty="0">
-                <a:solidFill>
-                  <a:srgbClr val="777879"/>
-                </a:solidFill>
-                <a:latin typeface="AdobeClean-LightIt"/>
-                <a:cs typeface="AdobeClean-LightIt"/>
-              </a:rPr>
-              <a:t>or </a:t>
-            </a:r>
-            <a:r>
-              <a:rPr sz="1100" i="1" spc="-15" dirty="0">
-                <a:solidFill>
-                  <a:srgbClr val="777879"/>
-                </a:solidFill>
-                <a:latin typeface="AdobeClean-LightIt"/>
-                <a:cs typeface="AdobeClean-LightIt"/>
-              </a:rPr>
-              <a:t>Customer </a:t>
-            </a:r>
-            <a:r>
-              <a:rPr sz="1100" i="1" spc="-20" dirty="0">
-                <a:solidFill>
-                  <a:srgbClr val="777879"/>
-                </a:solidFill>
-                <a:latin typeface="AdobeClean-LightIt"/>
-                <a:cs typeface="AdobeClean-LightIt"/>
-              </a:rPr>
-              <a:t>Success</a:t>
-            </a:r>
-            <a:r>
-              <a:rPr sz="1100" i="1" spc="-180" dirty="0">
-                <a:solidFill>
-                  <a:srgbClr val="777879"/>
-                </a:solidFill>
-                <a:latin typeface="AdobeClean-LightIt"/>
-                <a:cs typeface="AdobeClean-LightIt"/>
-              </a:rPr>
-              <a:t> </a:t>
-            </a:r>
-            <a:r>
-              <a:rPr sz="1100" i="1" spc="-15" dirty="0">
-                <a:solidFill>
-                  <a:srgbClr val="777879"/>
-                </a:solidFill>
-                <a:latin typeface="AdobeClean-LightIt"/>
-                <a:cs typeface="AdobeClean-LightIt"/>
-              </a:rPr>
-              <a:t>Manager</a:t>
-            </a:r>
-            <a:r>
-              <a:rPr lang="en-US" sz="1100" i="1" spc="-15" dirty="0">
-                <a:solidFill>
-                  <a:srgbClr val="777879"/>
-                </a:solidFill>
-                <a:latin typeface="AdobeClean-LightIt"/>
-                <a:cs typeface="AdobeClean-LightIt"/>
-              </a:rPr>
-              <a:t> </a:t>
-            </a:r>
-            <a:r>
-              <a:rPr sz="1100" i="1" spc="-15" dirty="0">
-                <a:solidFill>
-                  <a:srgbClr val="777879"/>
-                </a:solidFill>
-                <a:latin typeface="AdobeClean-LightIt"/>
-                <a:cs typeface="AdobeClean-LightIt"/>
-              </a:rPr>
-              <a:t>(CSM)</a:t>
-            </a:r>
-            <a:endParaRPr sz="1100" dirty="0">
-              <a:latin typeface="AdobeClean-LightIt"/>
-              <a:cs typeface="AdobeClean-LightIt"/>
-            </a:endParaRPr>
+              <a:t>Para saber mais sobre os Serviços de suporte Adobe e identificar o nível certo para você, entre em contato com o seu Gerente de conta nomeado (NAM, em inglês) ou Gerente de sucesso do cliente (CSM, em inglês).</a:t>
+            </a:r>
           </a:p>
           <a:p>
             <a:pPr marL="34290">
@@ -16048,59 +13084,15 @@
               </a:spcBef>
             </a:pPr>
             <a:r>
-              <a:rPr sz="800" spc="-5" dirty="0">
+              <a:rPr lang="pt-BR" sz="800" dirty="0">
                 <a:solidFill>
                   <a:srgbClr val="6D6D6D"/>
                 </a:solidFill>
                 <a:latin typeface="Adobe Clean"/>
                 <a:cs typeface="Adobe Clean"/>
               </a:rPr>
-              <a:t>©202</a:t>
-            </a:r>
-            <a:r>
-              <a:rPr lang="en-US" sz="800" spc="-5" dirty="0">
-                <a:solidFill>
-                  <a:srgbClr val="6D6D6D"/>
-                </a:solidFill>
-                <a:latin typeface="Adobe Clean"/>
-                <a:cs typeface="Adobe Clean"/>
-              </a:rPr>
-              <a:t>1</a:t>
-            </a:r>
-            <a:r>
-              <a:rPr sz="800" spc="-5" dirty="0">
-                <a:solidFill>
-                  <a:srgbClr val="6D6D6D"/>
-                </a:solidFill>
-                <a:latin typeface="Adobe Clean"/>
-                <a:cs typeface="Adobe Clean"/>
-              </a:rPr>
-              <a:t> Adobe. All Rights Reserved. Adobe</a:t>
-            </a:r>
-            <a:r>
-              <a:rPr sz="800" spc="75" dirty="0">
-                <a:solidFill>
-                  <a:srgbClr val="6D6D6D"/>
-                </a:solidFill>
-                <a:latin typeface="Adobe Clean"/>
-                <a:cs typeface="Adobe Clean"/>
-              </a:rPr>
-              <a:t> </a:t>
-            </a:r>
-            <a:r>
-              <a:rPr sz="800" spc="-5" dirty="0">
-                <a:solidFill>
-                  <a:srgbClr val="6D6D6D"/>
-                </a:solidFill>
-                <a:latin typeface="Adobe Clean"/>
-                <a:cs typeface="Adobe Clean"/>
-              </a:rPr>
-              <a:t>Confidential.</a:t>
-            </a:r>
-            <a:endParaRPr sz="800" dirty="0">
-              <a:latin typeface="Adobe Clean"/>
-              <a:cs typeface="Adobe Clean"/>
-            </a:endParaRPr>
+              <a:t>©2021 Adobe. All Rights Reserved. Adobe Confidential.</a:t>
+            </a:r>
           </a:p>
         </p:txBody>
       </p:sp>
@@ -16137,19 +13129,15 @@
               </a:spcBef>
             </a:pPr>
             <a:r>
-              <a:rPr lang="en-US" sz="1400" b="1" spc="-15">
+              <a:rPr lang="pt-BR" sz="1400" b="1" dirty="0">
                 <a:solidFill>
                   <a:srgbClr val="020302"/>
                 </a:solidFill>
                 <a:latin typeface="Adobe Clean"/>
                 <a:cs typeface="Adobe Clean"/>
               </a:rPr>
-              <a:t>Regional scope of Adobe Support, Local Hours Of Operation And Language Support</a:t>
-            </a:r>
-            <a:endParaRPr lang="en-US" sz="1400" spc="-15">
-              <a:ea typeface="+mn-lt"/>
-              <a:cs typeface="+mn-lt"/>
-            </a:endParaRPr>
+              <a:t>Escopo regional do Suporte da Adobe, horário local de operação e suporte de idioma</a:t>
+            </a:r>
           </a:p>
           <a:p>
             <a:pPr>
@@ -16158,17 +13146,31 @@
               </a:spcBef>
             </a:pPr>
             <a:r>
-              <a:rPr lang="en-US" sz="1000" spc="-15">
+              <a:rPr lang="pt-BR" sz="1000" dirty="0">
                 <a:solidFill>
                   <a:srgbClr val="1F1F1F"/>
                 </a:solidFill>
                 <a:latin typeface="AdobeClean-Light"/>
               </a:rPr>
-              <a:t>The regional scope of Adobe Support is established by aligning the customer's billing address (via the Sales Order or other Adobe Support purchasing document) to one of the following regions:</a:t>
-            </a:r>
-            <a:endParaRPr lang="en-US" sz="1000">
-              <a:latin typeface="AdobeClean-Light"/>
-            </a:endParaRPr>
+              <a:t>O escopo regional do Suporte da Adobe é estabelecido alinhando o endereço de faturamento do cliente (conforme a ordem </a:t>
+            </a:r>
+            <a:br>
+              <a:rPr lang="sk-SK" sz="1000" dirty="0">
+                <a:solidFill>
+                  <a:srgbClr val="1F1F1F"/>
+                </a:solidFill>
+                <a:latin typeface="AdobeClean-Light"/>
+              </a:rPr>
+            </a:br>
+            <a:r>
+              <a:rPr lang="pt-BR" sz="1000" dirty="0">
+                <a:solidFill>
+                  <a:srgbClr val="1F1F1F"/>
+                </a:solidFill>
+                <a:latin typeface="AdobeClean-Light"/>
+              </a:rPr>
+              <a:t>de venda ou outro documento de compra do Suporte da Adobe) a uma das regiões seguintes:</a:t>
+            </a:r>
           </a:p>
         </p:txBody>
       </p:sp>
@@ -16240,13 +13242,13 @@
                     <a:p>
                       <a:pPr algn="ctr"/>
                       <a:r>
-                        <a:rPr lang="en-US" sz="1100">
+                        <a:rPr lang="pt-BR" sz="1100">
                           <a:solidFill>
                             <a:schemeClr val="tx1"/>
                           </a:solidFill>
                           <a:latin typeface="Adobe Clean"/>
                         </a:rPr>
-                        <a:t>Americas</a:t>
+                        <a:t>Américas</a:t>
                       </a:r>
                     </a:p>
                   </a:txBody>
@@ -16305,13 +13307,13 @@
                     <a:p>
                       <a:pPr algn="ctr"/>
                       <a:r>
-                        <a:rPr lang="en-US" sz="1100">
+                        <a:rPr lang="pt-BR" sz="1100">
                           <a:solidFill>
                             <a:schemeClr val="tx1"/>
                           </a:solidFill>
                           <a:latin typeface="Adobe Clean"/>
                         </a:rPr>
-                        <a:t>Europe, Middle East &amp; Africa</a:t>
+                        <a:t>Europa, Oriente Médio e África</a:t>
                       </a:r>
                     </a:p>
                   </a:txBody>
@@ -16370,13 +13372,13 @@
                     <a:p>
                       <a:pPr algn="ctr"/>
                       <a:r>
-                        <a:rPr lang="en-US" sz="1100">
+                        <a:rPr lang="pt-BR" sz="1100">
                           <a:solidFill>
                             <a:schemeClr val="tx1"/>
                           </a:solidFill>
                           <a:latin typeface="Adobe Clean"/>
                         </a:rPr>
-                        <a:t>Asia Pacific</a:t>
+                        <a:t>Ásia–Pacífico</a:t>
                       </a:r>
                     </a:p>
                   </a:txBody>
@@ -16435,16 +13437,16 @@
                     <a:p>
                       <a:pPr algn="ctr"/>
                       <a:r>
-                        <a:rPr lang="en-US" sz="1100">
+                        <a:rPr lang="pt-BR" sz="1100">
                           <a:solidFill>
                             <a:schemeClr val="tx1"/>
                           </a:solidFill>
                           <a:latin typeface="Adobe Clean"/>
                         </a:rPr>
-                        <a:t>Japan </a:t>
+                        <a:t>Japão</a:t>
                       </a:r>
                       <a:r>
-                        <a:rPr lang="en-US" sz="1100" baseline="30000">
+                        <a:rPr lang="pt-BR" sz="1100" baseline="30000">
                           <a:solidFill>
                             <a:schemeClr val="tx1"/>
                           </a:solidFill>
@@ -16452,12 +13454,6 @@
                         </a:rPr>
                         <a:t>1 </a:t>
                       </a:r>
-                      <a:endParaRPr lang="en-US" sz="1100">
-                        <a:solidFill>
-                          <a:schemeClr val="tx1"/>
-                        </a:solidFill>
-                        <a:latin typeface="Adobe Clean" panose="020B0503020404020204" pitchFamily="34" charset="0"/>
-                      </a:endParaRPr>
                     </a:p>
                   </a:txBody>
                   <a:tcPr anchor="ctr">
@@ -16522,13 +13518,13 @@
                     <a:p>
                       <a:pPr algn="ctr"/>
                       <a:r>
-                        <a:rPr lang="en-US" sz="1100">
+                        <a:rPr lang="pt-BR" sz="1100">
                           <a:solidFill>
                             <a:schemeClr val="tx1"/>
                           </a:solidFill>
                           <a:latin typeface="Adobe Clean"/>
                         </a:rPr>
-                        <a:t>6 am – 5:30 pm</a:t>
+                        <a:t>6h – 17h30</a:t>
                       </a:r>
                     </a:p>
                   </a:txBody>
@@ -16587,13 +13583,13 @@
                     <a:p>
                       <a:pPr algn="ctr"/>
                       <a:r>
-                        <a:rPr lang="en-US" sz="1100">
+                        <a:rPr lang="pt-BR" sz="1100">
                           <a:solidFill>
                             <a:schemeClr val="tx1"/>
                           </a:solidFill>
                           <a:latin typeface="Adobe Clean"/>
                         </a:rPr>
-                        <a:t>9 am – 5 pm</a:t>
+                        <a:t>9h – 17h</a:t>
                       </a:r>
                     </a:p>
                   </a:txBody>
@@ -16652,13 +13648,13 @@
                     <a:p>
                       <a:pPr algn="ctr"/>
                       <a:r>
-                        <a:rPr lang="en-US" sz="1100">
+                        <a:rPr lang="pt-BR" sz="1100">
                           <a:solidFill>
                             <a:schemeClr val="tx1"/>
                           </a:solidFill>
                           <a:latin typeface="Adobe Clean"/>
                         </a:rPr>
-                        <a:t>9 am – 5 pm</a:t>
+                        <a:t>9h – 17h</a:t>
                       </a:r>
                     </a:p>
                   </a:txBody>
@@ -16717,13 +13713,13 @@
                     <a:p>
                       <a:pPr algn="ctr"/>
                       <a:r>
-                        <a:rPr lang="en-US" sz="1100">
+                        <a:rPr lang="pt-BR" sz="1100">
                           <a:solidFill>
                             <a:schemeClr val="tx1"/>
                           </a:solidFill>
                           <a:latin typeface="Adobe Clean"/>
                         </a:rPr>
-                        <a:t>9 am – 5:30 pm</a:t>
+                        <a:t>9h – 17h30</a:t>
                       </a:r>
                     </a:p>
                   </a:txBody>
@@ -16800,12 +13796,12 @@
                         <a:buNone/>
                       </a:pPr>
                       <a:r>
-                        <a:rPr lang="en-US" sz="1100" b="0" i="0" u="none" strike="noStrike" noProof="0"/>
-                        <a:t>Language support is only available in English and Japanese.</a:t>
+                        <a:rPr lang="pt-BR" sz="1100" b="0" i="0" u="none" strike="noStrike" noProof="0"/>
+                        <a:t>O suporte de idioma está disponível somente em inglês e japonês.</a:t>
                       </a:r>
                     </a:p>
                     <a:p>
-                      <a:pPr lvl="0" algn="ctr">
+                      <a:pPr lvl="0" algn="l" rtl="0">
                         <a:lnSpc>
                           <a:spcPct val="100000"/>
                         </a:lnSpc>
@@ -16833,18 +13829,17 @@
                         <a:buNone/>
                       </a:pPr>
                       <a:r>
-                        <a:rPr lang="en-US" sz="1100" b="0" i="0" u="none" strike="noStrike" noProof="0"/>
+                        <a:rPr lang="pt-BR" sz="1100" b="0" i="0" u="none" strike="noStrike" noProof="0"/>
                         <a:t> </a:t>
                       </a:r>
                       <a:r>
-                        <a:rPr lang="en-US" sz="1100" b="0" i="0" u="none" strike="noStrike" baseline="30000" noProof="0"/>
-                        <a:t>1 </a:t>
+                        <a:rPr lang="pt-BR" sz="1100" b="0" i="0" u="none" strike="noStrike" baseline="30000" noProof="0"/>
+                        <a:t>1</a:t>
                       </a:r>
                       <a:r>
-                        <a:rPr lang="en-US" sz="1100" b="0" i="0" u="none" strike="noStrike" noProof="0"/>
-                        <a:t>P2, P3, P4 cases are limited to business hours only in Japan.</a:t>
+                        <a:rPr lang="pt-BR" sz="1100" b="0" i="0" u="none" strike="noStrike" noProof="0"/>
+                        <a:t>Os casos de prioridade P2, P3 e P4 estão limitados ao horário comercial somente no Japão.</a:t>
                       </a:r>
-                      <a:endParaRPr lang="en-US" sz="1100" b="1" i="0" u="none" strike="noStrike" noProof="0"/>
                     </a:p>
                   </a:txBody>
                   <a:tcPr anchor="ctr">
@@ -17199,7 +14194,7 @@
           </a:bodyPr>
           <a:lstStyle/>
           <a:p>
-            <a:pPr marL="139065" marR="5080" indent="-139065">
+            <a:pPr marR="5080" algn="ctr">
               <a:lnSpc>
                 <a:spcPts val="1390"/>
               </a:lnSpc>
@@ -17208,129 +14203,15 @@
               </a:spcBef>
             </a:pPr>
             <a:r>
-              <a:rPr sz="1200" b="1" spc="-15">
+              <a:rPr lang="pt-BR" sz="1200" b="1" dirty="0">
                 <a:solidFill>
                   <a:srgbClr val="FFFFFF"/>
                 </a:solidFill>
                 <a:latin typeface="Adobe Clean"/>
                 <a:cs typeface="Adobe Clean"/>
               </a:rPr>
-              <a:t>U</a:t>
-            </a:r>
-            <a:r>
-              <a:rPr sz="1200" b="1" spc="-20">
-                <a:solidFill>
-                  <a:srgbClr val="FFFFFF"/>
-                </a:solidFill>
-                <a:latin typeface="Adobe Clean"/>
-                <a:cs typeface="Adobe Clean"/>
-              </a:rPr>
-              <a:t>n</a:t>
-            </a:r>
-            <a:r>
-              <a:rPr sz="1200" b="1" spc="-25">
-                <a:solidFill>
-                  <a:srgbClr val="FFFFFF"/>
-                </a:solidFill>
-                <a:latin typeface="Adobe Clean"/>
-                <a:cs typeface="Adobe Clean"/>
-              </a:rPr>
-              <a:t>p</a:t>
-            </a:r>
-            <a:r>
-              <a:rPr sz="1200" b="1" spc="-15">
-                <a:solidFill>
-                  <a:srgbClr val="FFFFFF"/>
-                </a:solidFill>
-                <a:latin typeface="Adobe Clean"/>
-                <a:cs typeface="Adobe Clean"/>
-              </a:rPr>
-              <a:t>a</a:t>
-            </a:r>
-            <a:r>
-              <a:rPr sz="1200" b="1" spc="-25">
-                <a:solidFill>
-                  <a:srgbClr val="FFFFFF"/>
-                </a:solidFill>
-                <a:latin typeface="Adobe Clean"/>
-                <a:cs typeface="Adobe Clean"/>
-              </a:rPr>
-              <a:t>r</a:t>
-            </a:r>
-            <a:r>
-              <a:rPr sz="1200" b="1" spc="-15">
-                <a:solidFill>
-                  <a:srgbClr val="FFFFFF"/>
-                </a:solidFill>
-                <a:latin typeface="Adobe Clean"/>
-                <a:cs typeface="Adobe Clean"/>
-              </a:rPr>
-              <a:t>a</a:t>
-            </a:r>
-            <a:r>
-              <a:rPr sz="1200" b="1" spc="-30">
-                <a:solidFill>
-                  <a:srgbClr val="FFFFFF"/>
-                </a:solidFill>
-                <a:latin typeface="Adobe Clean"/>
-                <a:cs typeface="Adobe Clean"/>
-              </a:rPr>
-              <a:t>ll</a:t>
-            </a:r>
-            <a:r>
-              <a:rPr sz="1200" b="1" spc="-25">
-                <a:solidFill>
-                  <a:srgbClr val="FFFFFF"/>
-                </a:solidFill>
-                <a:latin typeface="Adobe Clean"/>
-                <a:cs typeface="Adobe Clean"/>
-              </a:rPr>
-              <a:t>e</a:t>
-            </a:r>
-            <a:r>
-              <a:rPr sz="1200" b="1" spc="-30">
-                <a:solidFill>
-                  <a:srgbClr val="FFFFFF"/>
-                </a:solidFill>
-                <a:latin typeface="Adobe Clean"/>
-                <a:cs typeface="Adobe Clean"/>
-              </a:rPr>
-              <a:t>l</a:t>
-            </a:r>
-            <a:r>
-              <a:rPr sz="1200" b="1" spc="-25">
-                <a:solidFill>
-                  <a:srgbClr val="FFFFFF"/>
-                </a:solidFill>
-                <a:latin typeface="Adobe Clean"/>
-                <a:cs typeface="Adobe Clean"/>
-              </a:rPr>
-              <a:t>e</a:t>
-            </a:r>
-            <a:r>
-              <a:rPr sz="1200" b="1">
-                <a:solidFill>
-                  <a:srgbClr val="FFFFFF"/>
-                </a:solidFill>
-                <a:latin typeface="Adobe Clean"/>
-                <a:cs typeface="Adobe Clean"/>
-              </a:rPr>
-              <a:t>d  </a:t>
-            </a:r>
-            <a:r>
-              <a:rPr sz="1200" b="1" spc="-25">
-                <a:solidFill>
-                  <a:srgbClr val="FFFFFF"/>
-                </a:solidFill>
-                <a:latin typeface="Adobe Clean"/>
-                <a:cs typeface="Adobe Clean"/>
-              </a:rPr>
-              <a:t>Expertise</a:t>
-            </a:r>
-            <a:endParaRPr sz="1200">
-              <a:latin typeface="Adobe Clean"/>
-              <a:cs typeface="Adobe Clean"/>
-            </a:endParaRPr>
+              <a:t>Experiência sem igual</a:t>
+            </a:r>
           </a:p>
         </p:txBody>
       </p:sp>
@@ -17348,7 +14229,7 @@
         </p:nvSpPr>
         <p:spPr>
           <a:xfrm>
-            <a:off x="4732495" y="8541244"/>
+            <a:off x="4703920" y="8541244"/>
             <a:ext cx="810895" cy="382797"/>
           </a:xfrm>
           <a:prstGeom prst="rect">
@@ -17361,7 +14242,7 @@
           </a:bodyPr>
           <a:lstStyle/>
           <a:p>
-            <a:pPr marL="139065" marR="5080" indent="-139065">
+            <a:pPr marR="5080" algn="ctr">
               <a:lnSpc>
                 <a:spcPts val="1390"/>
               </a:lnSpc>
@@ -17370,19 +14251,15 @@
               </a:spcBef>
             </a:pPr>
             <a:r>
-              <a:rPr lang="en-US" sz="1200" b="1" spc="-15">
+              <a:rPr lang="pt-BR" sz="1200" b="1" dirty="0">
                 <a:solidFill>
                   <a:srgbClr val="FFFFFF"/>
                 </a:solidFill>
                 <a:latin typeface="Adobe Clean"/>
                 <a:cs typeface="Adobe Clean"/>
               </a:rPr>
-              <a:t>Accelerated Support</a:t>
-            </a:r>
-            <a:endParaRPr sz="1200">
-              <a:latin typeface="Adobe Clean"/>
-              <a:cs typeface="Adobe Clean"/>
-            </a:endParaRPr>
+              <a:t>Suporte acelerado</a:t>
+            </a:r>
           </a:p>
         </p:txBody>
       </p:sp>
@@ -17400,8 +14277,8 @@
         </p:nvSpPr>
         <p:spPr>
           <a:xfrm>
-            <a:off x="6624119" y="8543943"/>
-            <a:ext cx="510540" cy="385445"/>
+            <a:off x="6467475" y="8543943"/>
+            <a:ext cx="810895" cy="382797"/>
           </a:xfrm>
           <a:prstGeom prst="rect">
             <a:avLst/>
@@ -17413,7 +14290,7 @@
           </a:bodyPr>
           <a:lstStyle/>
           <a:p>
-            <a:pPr marL="50800" marR="5080" indent="-51435">
+            <a:pPr marR="5080" algn="ctr">
               <a:lnSpc>
                 <a:spcPts val="1390"/>
               </a:lnSpc>
@@ -17422,109 +14299,15 @@
               </a:spcBef>
             </a:pPr>
             <a:r>
-              <a:rPr sz="1200" b="1" spc="-50">
+              <a:rPr lang="pt-BR" sz="1200" b="1" dirty="0">
                 <a:solidFill>
                   <a:srgbClr val="FFFFFF"/>
                 </a:solidFill>
                 <a:latin typeface="Adobe Clean"/>
                 <a:cs typeface="Adobe Clean"/>
               </a:rPr>
-              <a:t>S</a:t>
-            </a:r>
-            <a:r>
-              <a:rPr sz="1200" b="1" spc="-20">
-                <a:solidFill>
-                  <a:srgbClr val="FFFFFF"/>
-                </a:solidFill>
-                <a:latin typeface="Adobe Clean"/>
-                <a:cs typeface="Adobe Clean"/>
-              </a:rPr>
-              <a:t>t</a:t>
-            </a:r>
-            <a:r>
-              <a:rPr sz="1200" b="1" spc="-75">
-                <a:solidFill>
-                  <a:srgbClr val="FFFFFF"/>
-                </a:solidFill>
-                <a:latin typeface="Adobe Clean"/>
-                <a:cs typeface="Adobe Clean"/>
-              </a:rPr>
-              <a:t>r</a:t>
-            </a:r>
-            <a:r>
-              <a:rPr sz="1200" b="1" spc="-90">
-                <a:solidFill>
-                  <a:srgbClr val="FFFFFF"/>
-                </a:solidFill>
-                <a:latin typeface="Adobe Clean"/>
-                <a:cs typeface="Adobe Clean"/>
-              </a:rPr>
-              <a:t>a</a:t>
-            </a:r>
-            <a:r>
-              <a:rPr sz="1200" b="1" spc="-55">
-                <a:solidFill>
-                  <a:srgbClr val="FFFFFF"/>
-                </a:solidFill>
-                <a:latin typeface="Adobe Clean"/>
-                <a:cs typeface="Adobe Clean"/>
-              </a:rPr>
-              <a:t>t</a:t>
-            </a:r>
-            <a:r>
-              <a:rPr sz="1200" b="1" spc="-100">
-                <a:solidFill>
-                  <a:srgbClr val="FFFFFF"/>
-                </a:solidFill>
-                <a:latin typeface="Adobe Clean"/>
-                <a:cs typeface="Adobe Clean"/>
-              </a:rPr>
-              <a:t>e</a:t>
-            </a:r>
-            <a:r>
-              <a:rPr sz="1200" b="1" spc="-80">
-                <a:solidFill>
-                  <a:srgbClr val="FFFFFF"/>
-                </a:solidFill>
-                <a:latin typeface="Adobe Clean"/>
-                <a:cs typeface="Adobe Clean"/>
-              </a:rPr>
-              <a:t>g</a:t>
-            </a:r>
-            <a:r>
-              <a:rPr sz="1200" b="1" spc="-35">
-                <a:solidFill>
-                  <a:srgbClr val="FFFFFF"/>
-                </a:solidFill>
-                <a:latin typeface="Adobe Clean"/>
-                <a:cs typeface="Adobe Clean"/>
-              </a:rPr>
-              <a:t>i</a:t>
-            </a:r>
-            <a:r>
-              <a:rPr sz="1200" b="1">
-                <a:solidFill>
-                  <a:srgbClr val="FFFFFF"/>
-                </a:solidFill>
-                <a:latin typeface="Adobe Clean"/>
-                <a:cs typeface="Adobe Clean"/>
-              </a:rPr>
-              <a:t>c  </a:t>
-            </a:r>
-            <a:r>
-              <a:rPr sz="1200" b="1" spc="-45">
-                <a:solidFill>
-                  <a:srgbClr val="FFFFFF"/>
-                </a:solidFill>
-                <a:latin typeface="Adobe Clean"/>
-                <a:cs typeface="Adobe Clean"/>
-              </a:rPr>
-              <a:t>Advice</a:t>
-            </a:r>
-            <a:endParaRPr sz="1200">
-              <a:latin typeface="Adobe Clean"/>
-              <a:cs typeface="Adobe Clean"/>
-            </a:endParaRPr>
+              <a:t>Consultoria estratégica</a:t>
+            </a:r>
           </a:p>
         </p:txBody>
       </p:sp>
@@ -17543,14 +14326,14 @@
           <p:nvPr>
             <p:extLst>
               <p:ext uri="{D42A27DB-BD31-4B8C-83A1-F6EECF244321}">
-                <p14:modId xmlns:p14="http://schemas.microsoft.com/office/powerpoint/2010/main" val="4232335107"/>
+                <p14:modId xmlns:p14="http://schemas.microsoft.com/office/powerpoint/2010/main" val="2826983050"/>
               </p:ext>
             </p:extLst>
           </p:nvPr>
         </p:nvGraphicFramePr>
         <p:xfrm>
           <a:off x="194237" y="1272353"/>
-          <a:ext cx="7368291" cy="2931160"/>
+          <a:ext cx="7368291" cy="3388360"/>
         </p:xfrm>
         <a:graphic>
           <a:graphicData uri="http://schemas.openxmlformats.org/drawingml/2006/table">
@@ -17581,25 +14364,17 @@
                     <a:lstStyle/>
                     <a:p>
                       <a:r>
-                        <a:rPr lang="en-US" sz="1100" b="0" dirty="0">
+                        <a:rPr lang="pt-BR" sz="1100" b="0">
                           <a:solidFill>
                             <a:schemeClr val="tx1"/>
                           </a:solidFill>
-                          <a:latin typeface="Adobe Clean"/>
+                          <a:latin typeface="Adobe Clean" panose="020B0503020404020204" pitchFamily="34" charset="0"/>
                           <a:ea typeface="+mn-ea"/>
                           <a:cs typeface="+mn-cs"/>
                           <a:hlinkClick r:id="rId7"/>
                         </a:rPr>
                         <a:t>Experience League</a:t>
                       </a:r>
-                      <a:endParaRPr lang="en-US" sz="1100" b="0" dirty="0">
-                        <a:solidFill>
-                          <a:schemeClr val="tx1"/>
-                        </a:solidFill>
-                        <a:latin typeface="Adobe Clean"/>
-                        <a:ea typeface="+mn-ea"/>
-                        <a:cs typeface="+mn-cs"/>
-                      </a:endParaRPr>
                     </a:p>
                   </a:txBody>
                   <a:tcPr marL="47625" marR="47625" marT="0" marB="0" anchor="ctr">
@@ -17655,7 +14430,7 @@
                     <a:bodyPr/>
                     <a:lstStyle/>
                     <a:p>
-                      <a:pPr marL="0" marR="0" lvl="0" indent="0" eaLnBrk="1" fontAlgn="auto" latinLnBrk="0" hangingPunct="1">
+                      <a:pPr marL="0" marR="0" lvl="0" indent="0" defTabSz="914400" eaLnBrk="1" fontAlgn="auto" latinLnBrk="0" hangingPunct="1">
                         <a:lnSpc>
                           <a:spcPct val="100000"/>
                         </a:lnSpc>
@@ -17669,26 +14444,62 @@
                         <a:buSzTx/>
                         <a:buFontTx/>
                         <a:buNone/>
+                        <a:tabLst/>
+                        <a:defRPr/>
                       </a:pPr>
                       <a:r>
-                        <a:rPr lang="en-US" sz="1000" b="0" kern="1200" dirty="0">
+                        <a:rPr lang="pt-BR" sz="1000" b="0" dirty="0">
                           <a:solidFill>
                             <a:srgbClr val="000000"/>
                           </a:solidFill>
-                          <a:latin typeface="Adobe Clean Light"/>
+                          <a:latin typeface="Adobe Clean Light" panose="020B0303020404020204" pitchFamily="34" charset="0"/>
                           <a:ea typeface="+mn-ea"/>
                           <a:cs typeface="+mn-cs"/>
                         </a:rPr>
-                        <a:t>Experience League is how Adobe helps businesses achieve the value they expect from their Adobe investment. It’s the unified place where customers can learn, connect, and grow along a personalized path to success that includes self-help tutorials, product documentation, instructor-led training, community and technical support. </a:t>
+                        <a:t>A Experience League foi criada para ajudar as empresas a alcançar </a:t>
                       </a:r>
-                      <a:endParaRPr lang="en-US" sz="1000" b="0" kern="1200">
-                        <a:solidFill>
-                          <a:srgbClr val="000000"/>
-                        </a:solidFill>
-                        <a:latin typeface="Adobe Clean Light" panose="020B0303020404020204" pitchFamily="34" charset="0"/>
-                        <a:ea typeface="+mn-ea"/>
-                        <a:cs typeface="+mn-cs"/>
-                      </a:endParaRPr>
+                      <a:br>
+                        <a:rPr lang="sk-SK" sz="1000" b="0" dirty="0">
+                          <a:solidFill>
+                            <a:srgbClr val="000000"/>
+                          </a:solidFill>
+                          <a:latin typeface="Adobe Clean Light" panose="020B0303020404020204" pitchFamily="34" charset="0"/>
+                          <a:ea typeface="+mn-ea"/>
+                          <a:cs typeface="+mn-cs"/>
+                        </a:rPr>
+                      </a:br>
+                      <a:r>
+                        <a:rPr lang="pt-BR" sz="1000" b="0" dirty="0">
+                          <a:solidFill>
+                            <a:srgbClr val="000000"/>
+                          </a:solidFill>
+                          <a:latin typeface="Adobe Clean Light" panose="020B0303020404020204" pitchFamily="34" charset="0"/>
+                          <a:ea typeface="+mn-ea"/>
+                          <a:cs typeface="+mn-cs"/>
+                        </a:rPr>
+                        <a:t>o valor que esperam do seu investimento em produtos da Adobe. </a:t>
+                      </a:r>
+                      <a:br>
+                        <a:rPr lang="sk-SK" sz="1000" b="0" dirty="0">
+                          <a:solidFill>
+                            <a:srgbClr val="000000"/>
+                          </a:solidFill>
+                          <a:latin typeface="Adobe Clean Light" panose="020B0303020404020204" pitchFamily="34" charset="0"/>
+                          <a:ea typeface="+mn-ea"/>
+                          <a:cs typeface="+mn-cs"/>
+                        </a:rPr>
+                      </a:br>
+                      <a:r>
+                        <a:rPr lang="pt-BR" sz="1000" b="0" dirty="0">
+                          <a:solidFill>
+                            <a:srgbClr val="000000"/>
+                          </a:solidFill>
+                          <a:latin typeface="Adobe Clean Light" panose="020B0303020404020204" pitchFamily="34" charset="0"/>
+                          <a:ea typeface="+mn-ea"/>
+                          <a:cs typeface="+mn-cs"/>
+                        </a:rPr>
+                        <a:t>É o local unificado onde os clientes podem aprender, interagir e crescer ao longo de um caminho personalizado de sucesso que inclui tutoriais de autoatendimento, documentação dos produtos, treinamento com instrutores e suporte técnico e da comunidade. </a:t>
+                      </a:r>
                     </a:p>
                   </a:txBody>
                   <a:tcPr anchor="ctr">
@@ -17769,39 +14580,28 @@
                         <a:defRPr/>
                       </a:pPr>
                       <a:r>
-                        <a:rPr lang="en-US" sz="1100" dirty="0">
+                        <a:rPr lang="pt-BR" sz="1100">
                           <a:solidFill>
                             <a:schemeClr val="dk1"/>
                           </a:solidFill>
-                          <a:effectLst/>
-                          <a:latin typeface="Adobe Clean"/>
+                          <a:latin typeface="Adobe Clean" panose="020B0503020404020204" pitchFamily="34" charset="0"/>
                           <a:ea typeface="+mn-ea"/>
                           <a:cs typeface="+mn-cs"/>
                           <a:hlinkClick r:id="rId8"/>
                         </a:rPr>
-                        <a:t>Training</a:t>
+                        <a:t>Treinamento</a:t>
                       </a:r>
                       <a:r>
-                        <a:rPr lang="en-US" sz="1100" dirty="0">
+                        <a:rPr lang="pt-BR" sz="1100">
                           <a:solidFill>
                             <a:schemeClr val="dk1"/>
                           </a:solidFill>
-                          <a:effectLst/>
-                          <a:latin typeface="Adobe Clean"/>
+                          <a:latin typeface="Adobe Clean" panose="020B0503020404020204" pitchFamily="34" charset="0"/>
                           <a:ea typeface="+mn-ea"/>
                           <a:cs typeface="+mn-cs"/>
                         </a:rPr>
                         <a:t> </a:t>
                       </a:r>
-                      <a:endParaRPr lang="en-US" sz="1100" dirty="0">
-                        <a:solidFill>
-                          <a:schemeClr val="tx1"/>
-                        </a:solidFill>
-                        <a:effectLst/>
-                        <a:latin typeface="Adobe Clean"/>
-                        <a:ea typeface="+mn-ea"/>
-                        <a:cs typeface="+mn-cs"/>
-                      </a:endParaRPr>
                     </a:p>
                   </a:txBody>
                   <a:tcPr anchor="ctr">
@@ -17875,15 +14675,15 @@
                         <a:defRPr/>
                       </a:pPr>
                       <a:r>
-                        <a:rPr lang="en-US" sz="1000" kern="1200" dirty="0">
+                        <a:rPr lang="pt-BR" sz="1000">
                           <a:solidFill>
                             <a:srgbClr val="000000"/>
                           </a:solidFill>
-                          <a:latin typeface="Adobe Clean Light"/>
+                          <a:latin typeface="Adobe Clean Light" panose="020B0303020404020204" pitchFamily="34" charset="0"/>
                           <a:ea typeface="+mn-ea"/>
                           <a:cs typeface="+mn-cs"/>
                         </a:rPr>
-                        <a:t>Adobe Digital Learning Services courses are accessible from Experience League. Learning courses integrate both on-demand and instructor-led lessons.  Here you can accrue skills that have recognized market value and position them to drive success in your organizations.</a:t>
+                        <a:t>O acesso aos cursos do Adobe Digital Learning Services está disponível na Experience League. Os cursos de aprendizagem incluem lições sob demanda e com instrutores.  É um lugar para adquirir habilidades com reconhecido valor de mercado que você pode pôr em prática para impulsionar o sucesso na sua organização.</a:t>
                       </a:r>
                     </a:p>
                   </a:txBody>
@@ -17965,27 +14765,17 @@
                         <a:defRPr/>
                       </a:pPr>
                       <a:r>
-                        <a:rPr lang="en-US" sz="1100" dirty="0">
+                        <a:rPr lang="pt-BR" sz="1100">
                           <a:solidFill>
                             <a:schemeClr val="tx1"/>
                           </a:solidFill>
-                          <a:effectLst/>
-                          <a:latin typeface="Adobe Clean"/>
+                          <a:latin typeface="Adobe Clean" panose="020B0503020404020204" pitchFamily="34" charset="0"/>
                           <a:ea typeface="+mn-ea"/>
                           <a:cs typeface="+mn-cs"/>
                           <a:hlinkClick r:id="rId9"/>
                         </a:rPr>
-                        <a:t>Production Issues &amp; System Outages</a:t>
+                        <a:t>Problemas de produção e paralisações do sistema</a:t>
                       </a:r>
-                      <a:endParaRPr lang="en-US" sz="1100" dirty="0">
-                        <a:solidFill>
-                          <a:schemeClr val="tx1"/>
-                        </a:solidFill>
-                        <a:effectLst/>
-                        <a:latin typeface="Adobe Clean"/>
-                        <a:ea typeface="+mn-ea"/>
-                        <a:cs typeface="+mn-cs"/>
-                      </a:endParaRPr>
                     </a:p>
                   </a:txBody>
                   <a:tcPr anchor="ctr">
@@ -18041,7 +14831,7 @@
                     <a:bodyPr/>
                     <a:lstStyle/>
                     <a:p>
-                      <a:pPr marL="0" marR="0" lvl="0" indent="0" eaLnBrk="1" fontAlgn="auto" latinLnBrk="0" hangingPunct="1">
+                      <a:pPr marL="0" marR="0" lvl="0" indent="0" defTabSz="914400" eaLnBrk="1" fontAlgn="auto" latinLnBrk="0" hangingPunct="1">
                         <a:lnSpc>
                           <a:spcPct val="100000"/>
                         </a:lnSpc>
@@ -18055,26 +14845,41 @@
                         <a:buSzTx/>
                         <a:buFontTx/>
                         <a:buNone/>
+                        <a:tabLst/>
+                        <a:defRPr/>
                       </a:pPr>
                       <a:r>
-                        <a:rPr lang="en-US" sz="1000" kern="1200" dirty="0">
+                        <a:rPr lang="pt-BR" sz="1000" dirty="0">
                           <a:solidFill>
                             <a:srgbClr val="000000"/>
                           </a:solidFill>
-                          <a:latin typeface="Adobe Clean Light"/>
+                          <a:latin typeface="Adobe Clean Light" panose="020B0303020404020204" pitchFamily="34" charset="0"/>
                           <a:ea typeface="+mn-ea"/>
                           <a:cs typeface="+mn-cs"/>
                         </a:rPr>
-                        <a:t>Status.adobe.com conveys the health information of all Adobe products and services that are deployed in multi-tenant environments. Customers can choose their subscription preferences to get email notifications whenever Adobe creates, updates or resolves a product event. This can include scheduled maintenance or service issues of varying levels of severity. </a:t>
+                        <a:t>O Status.adobe.com transmite as informações de integridade de todos os produtos e serviços da Adobe implantados em ambientes de vários locatários. Os clientes podem escolher suas preferências de subscrição para receber notificações por email sempre que a Adobe criar, atualizar ou resolver um evento de produto. Isso pode incluir manutenção programada ou problemas de serviço com diferentes níveis </a:t>
                       </a:r>
-                      <a:endParaRPr lang="en-US" sz="1000" kern="1200">
-                        <a:solidFill>
-                          <a:srgbClr val="000000"/>
-                        </a:solidFill>
-                        <a:latin typeface="Adobe Clean Light" panose="020B0303020404020204" pitchFamily="34" charset="0"/>
-                        <a:ea typeface="+mn-ea"/>
-                        <a:cs typeface="+mn-cs"/>
-                      </a:endParaRPr>
+                      <a:br>
+                        <a:rPr lang="sk-SK" sz="1000" dirty="0">
+                          <a:solidFill>
+                            <a:srgbClr val="000000"/>
+                          </a:solidFill>
+                          <a:latin typeface="Adobe Clean Light" panose="020B0303020404020204" pitchFamily="34" charset="0"/>
+                          <a:ea typeface="+mn-ea"/>
+                          <a:cs typeface="+mn-cs"/>
+                        </a:rPr>
+                      </a:br>
+                      <a:r>
+                        <a:rPr lang="pt-BR" sz="1000" dirty="0">
+                          <a:solidFill>
+                            <a:srgbClr val="000000"/>
+                          </a:solidFill>
+                          <a:latin typeface="Adobe Clean Light" panose="020B0303020404020204" pitchFamily="34" charset="0"/>
+                          <a:ea typeface="+mn-ea"/>
+                          <a:cs typeface="+mn-cs"/>
+                        </a:rPr>
+                        <a:t>de gravidade. </a:t>
+                      </a:r>
                     </a:p>
                   </a:txBody>
                   <a:tcPr anchor="ctr">
@@ -18155,27 +14960,17 @@
                         <a:defRPr/>
                       </a:pPr>
                       <a:r>
-                        <a:rPr lang="en-US" sz="1100" dirty="0">
+                        <a:rPr lang="pt-BR" sz="1100">
                           <a:solidFill>
                             <a:schemeClr val="tx1"/>
                           </a:solidFill>
-                          <a:effectLst/>
-                          <a:latin typeface="Adobe Clean"/>
+                          <a:latin typeface="Adobe Clean" panose="020B0503020404020204" pitchFamily="34" charset="0"/>
                           <a:ea typeface="+mn-ea"/>
                           <a:cs typeface="+mn-cs"/>
                           <a:hlinkClick r:id="rId10"/>
                         </a:rPr>
-                        <a:t>Terms and Conditions</a:t>
+                        <a:t>Termos e condições</a:t>
                       </a:r>
-                      <a:endParaRPr lang="en-US" sz="1100" dirty="0">
-                        <a:solidFill>
-                          <a:schemeClr val="tx1"/>
-                        </a:solidFill>
-                        <a:effectLst/>
-                        <a:latin typeface="Adobe Clean"/>
-                        <a:ea typeface="+mn-ea"/>
-                        <a:cs typeface="+mn-cs"/>
-                      </a:endParaRPr>
                     </a:p>
                   </a:txBody>
                   <a:tcPr anchor="ctr">
@@ -18232,24 +15027,16 @@
                     <a:lstStyle/>
                     <a:p>
                       <a:r>
-                        <a:rPr lang="en-US" sz="1000" kern="1200" dirty="0">
+                        <a:rPr lang="pt-BR" sz="1000" dirty="0">
                           <a:solidFill>
                             <a:srgbClr val="000000"/>
                           </a:solidFill>
-                          <a:latin typeface="Adobe Clean Light"/>
+                          <a:latin typeface="Adobe Clean Light" panose="020B0303020404020204" pitchFamily="34" charset="0"/>
                           <a:ea typeface="+mn-ea"/>
                           <a:cs typeface="+mn-cs"/>
                         </a:rPr>
-                        <a:t>Terms and conditions detailing Support Services offerings.</a:t>
+                        <a:t>Os Termos e condições que detalham os serviços de suporte</a:t>
                       </a:r>
-                      <a:endParaRPr lang="en-US" sz="1000" kern="1200" dirty="0">
-                        <a:solidFill>
-                          <a:srgbClr val="000000"/>
-                        </a:solidFill>
-                        <a:latin typeface="Adobe Clean Light" panose="020B0303020404020204" pitchFamily="34" charset="0"/>
-                        <a:ea typeface="+mn-ea"/>
-                        <a:cs typeface="+mn-cs"/>
-                      </a:endParaRPr>
                     </a:p>
                   </a:txBody>
                   <a:tcPr anchor="ctr">
@@ -19019,6 +15806,12 @@
 </file>
 
 <file path=customXml/item1.xml><?xml version="1.0" encoding="utf-8"?>
+<p:properties xmlns:p="http://schemas.microsoft.com/office/2006/metadata/properties" xmlns:xsi="http://www.w3.org/2001/XMLSchema-instance" xmlns:pc="http://schemas.microsoft.com/office/infopath/2007/PartnerControls">
+  <documentManagement/>
+</p:properties>
+</file>
+
+<file path=customXml/item2.xml><?xml version="1.0" encoding="utf-8"?>
 <ct:contentTypeSchema xmlns:ct="http://schemas.microsoft.com/office/2006/metadata/contentType" xmlns:ma="http://schemas.microsoft.com/office/2006/metadata/properties/metaAttributes" ct:_="" ma:_="" ma:contentTypeName="Document" ma:contentTypeID="0x010100E783BF6876BCC646A459363AF21A7736" ma:contentTypeVersion="10" ma:contentTypeDescription="Create a new document." ma:contentTypeScope="" ma:versionID="c4ffda7f4f415767600769e454c2ea87">
   <xsd:schema xmlns:xsd="http://www.w3.org/2001/XMLSchema" xmlns:xs="http://www.w3.org/2001/XMLSchema" xmlns:p="http://schemas.microsoft.com/office/2006/metadata/properties" xmlns:ns2="8a053bff-88be-49e4-9a87-e748e18b8b62" xmlns:ns3="6c8368ec-3776-49b5-a5bb-90648cf9530f" targetNamespace="http://schemas.microsoft.com/office/2006/metadata/properties" ma:root="true" ma:fieldsID="df3ec33bccc23e23bce7bc897fad43d1" ns2:_="" ns3:_="">
     <xsd:import namespace="8a053bff-88be-49e4-9a87-e748e18b8b62"/>
@@ -19223,7 +16016,7 @@
 </ct:contentTypeSchema>
 </file>
 
-<file path=customXml/item2.xml><?xml version="1.0" encoding="utf-8"?>
+<file path=customXml/item3.xml><?xml version="1.0" encoding="utf-8"?>
 <?mso-contentType ?>
 <FormTemplates xmlns="http://schemas.microsoft.com/sharepoint/v3/contenttype/forms">
   <Display>DocumentLibraryForm</Display>
@@ -19232,13 +16025,16 @@
 </FormTemplates>
 </file>
 
-<file path=customXml/item3.xml><?xml version="1.0" encoding="utf-8"?>
-<p:properties xmlns:p="http://schemas.microsoft.com/office/2006/metadata/properties" xmlns:xsi="http://www.w3.org/2001/XMLSchema-instance" xmlns:pc="http://schemas.microsoft.com/office/infopath/2007/PartnerControls">
-  <documentManagement/>
-</p:properties>
+<file path=customXml/itemProps1.xml><?xml version="1.0" encoding="utf-8"?>
+<ds:datastoreItem xmlns:ds="http://schemas.openxmlformats.org/officeDocument/2006/customXml" ds:itemID="{ED4099BE-EDEC-4FF1-8378-446617236015}">
+  <ds:schemaRefs>
+    <ds:schemaRef ds:uri="http://schemas.microsoft.com/office/2006/metadata/properties"/>
+    <ds:schemaRef ds:uri="http://schemas.microsoft.com/office/infopath/2007/PartnerControls"/>
+  </ds:schemaRefs>
+</ds:datastoreItem>
 </file>
 
-<file path=customXml/itemProps1.xml><?xml version="1.0" encoding="utf-8"?>
+<file path=customXml/itemProps2.xml><?xml version="1.0" encoding="utf-8"?>
 <ds:datastoreItem xmlns:ds="http://schemas.openxmlformats.org/officeDocument/2006/customXml" ds:itemID="{FB2EBF8D-136B-48EC-8FC0-F70C0583664B}">
   <ds:schemaRefs>
     <ds:schemaRef ds:uri="6c8368ec-3776-49b5-a5bb-90648cf9530f"/>
@@ -19257,27 +16053,10 @@
 </ds:datastoreItem>
 </file>
 
-<file path=customXml/itemProps2.xml><?xml version="1.0" encoding="utf-8"?>
+<file path=customXml/itemProps3.xml><?xml version="1.0" encoding="utf-8"?>
 <ds:datastoreItem xmlns:ds="http://schemas.openxmlformats.org/officeDocument/2006/customXml" ds:itemID="{941989CE-20BB-4A6A-A33F-71A1AE469C3E}">
   <ds:schemaRefs>
     <ds:schemaRef ds:uri="http://schemas.microsoft.com/sharepoint/v3/contenttype/forms"/>
   </ds:schemaRefs>
 </ds:datastoreItem>
-</file>
-
-<file path=customXml/itemProps3.xml><?xml version="1.0" encoding="utf-8"?>
-<ds:datastoreItem xmlns:ds="http://schemas.openxmlformats.org/officeDocument/2006/customXml" ds:itemID="{ED4099BE-EDEC-4FF1-8378-446617236015}">
-  <ds:schemaRefs>
-    <ds:schemaRef ds:uri="6c8368ec-3776-49b5-a5bb-90648cf9530f"/>
-    <ds:schemaRef ds:uri="8a053bff-88be-49e4-9a87-e748e18b8b62"/>
-    <ds:schemaRef ds:uri="http://purl.org/dc/dcmitype/"/>
-    <ds:schemaRef ds:uri="http://purl.org/dc/elements/1.1/"/>
-    <ds:schemaRef ds:uri="http://purl.org/dc/terms/"/>
-    <ds:schemaRef ds:uri="http://schemas.microsoft.com/office/2006/documentManagement/types"/>
-    <ds:schemaRef ds:uri="http://schemas.microsoft.com/office/2006/metadata/properties"/>
-    <ds:schemaRef ds:uri="http://schemas.microsoft.com/office/infopath/2007/PartnerControls"/>
-    <ds:schemaRef ds:uri="http://schemas.openxmlformats.org/package/2006/metadata/core-properties"/>
-    <ds:schemaRef ds:uri="http://www.w3.org/XML/1998/namespace"/>
-  </ds:schemaRefs>
-</ds:datastoreItem>
 </file>
--- a/help/data-sheets/assets/EnterpriseSupportDatasheet.pptx
+++ b/help/data-sheets/assets/EnterpriseSupportDatasheet.pptx
@@ -144,13 +144,9 @@
 <file path=ppt/revisionInfo.xml><?xml version="1.0" encoding="utf-8"?>
 <p1510:revInfo xmlns:a="http://schemas.openxmlformats.org/drawingml/2006/main" xmlns:r="http://schemas.openxmlformats.org/officeDocument/2006/relationships" xmlns:p1510="http://schemas.microsoft.com/office/powerpoint/2015/10/main">
   <p1510:revLst>
-    <p1510:client id="{0AB2EF93-BE08-D205-D43E-3B568BB37DAA}" v="26" dt="2021-09-22T23:01:49.517"/>
-    <p1510:client id="{0AC6A3A1-0788-C69A-5EFD-279F3FA2CF0F}" v="51" dt="2021-09-22T18:56:17.553"/>
-    <p1510:client id="{112231ED-4F38-A856-2EFF-9D0F88AC9BDF}" v="3" dt="2021-09-22T19:11:31.474"/>
-    <p1510:client id="{3CA2F123-FAC9-2CDD-7937-C83283BA7837}" v="1" dt="2021-09-16T20:58:19.458"/>
-    <p1510:client id="{3F02B349-0406-AE51-D438-E7A0BE890230}" v="20" dt="2021-08-25T18:45:08.206"/>
-    <p1510:client id="{A40C3D7D-993B-38B2-2DDA-C562505A1054}" v="4" dt="2021-09-22T23:00:46.860"/>
-    <p1510:client id="{BAC4F85F-6423-7248-85C4-44132DA97563}" v="77" dt="2021-08-07T08:51:03.454"/>
+    <p1510:client id="{19826C17-B3F5-53A1-AAFF-C7771804C7A7}" v="128" dt="2021-10-13T18:50:39.613"/>
+    <p1510:client id="{1A3D389F-0E00-444F-BDF7-5C174E20EEC2}" v="2" dt="2021-10-13T19:33:05.183"/>
+    <p1510:client id="{D02E726A-82A5-CF13-9EBE-9B674D878D37}" v="22" dt="2021-10-12T19:51:27.470"/>
   </p1510:revLst>
 </p1510:revInfo>
 </file>
@@ -208,6 +204,139 @@
             <pc:docMk/>
             <pc:sldMk cId="1050037809" sldId="261"/>
             <ac:graphicFrameMk id="25" creationId="{3A91F5B0-3974-A14D-A146-FB590F2AAD18}"/>
+          </ac:graphicFrameMkLst>
+        </pc:graphicFrameChg>
+      </pc:sldChg>
+    </pc:docChg>
+  </pc:docChgLst>
+  <pc:docChgLst>
+    <pc:chgData name="Akilah Johnson" userId="S::akjohnso@adobe.com::2fa3aa60-0c9c-4d06-bae2-795983241227" providerId="AD" clId="Web-{19826C17-B3F5-53A1-AAFF-C7771804C7A7}"/>
+    <pc:docChg chg="modSld">
+      <pc:chgData name="Akilah Johnson" userId="S::akjohnso@adobe.com::2fa3aa60-0c9c-4d06-bae2-795983241227" providerId="AD" clId="Web-{19826C17-B3F5-53A1-AAFF-C7771804C7A7}" dt="2021-10-13T18:50:21.160" v="67"/>
+      <pc:docMkLst>
+        <pc:docMk/>
+      </pc:docMkLst>
+      <pc:sldChg chg="modSp">
+        <pc:chgData name="Akilah Johnson" userId="S::akjohnso@adobe.com::2fa3aa60-0c9c-4d06-bae2-795983241227" providerId="AD" clId="Web-{19826C17-B3F5-53A1-AAFF-C7771804C7A7}" dt="2021-10-13T18:38:26.810" v="9" actId="20577"/>
+        <pc:sldMkLst>
+          <pc:docMk/>
+          <pc:sldMk cId="5960377" sldId="259"/>
+        </pc:sldMkLst>
+        <pc:spChg chg="mod">
+          <ac:chgData name="Akilah Johnson" userId="S::akjohnso@adobe.com::2fa3aa60-0c9c-4d06-bae2-795983241227" providerId="AD" clId="Web-{19826C17-B3F5-53A1-AAFF-C7771804C7A7}" dt="2021-10-13T18:38:26.810" v="9" actId="20577"/>
+          <ac:spMkLst>
+            <pc:docMk/>
+            <pc:sldMk cId="5960377" sldId="259"/>
+            <ac:spMk id="75" creationId="{4602CC83-B0C7-8445-9007-87E67CDDD9D0}"/>
+          </ac:spMkLst>
+        </pc:spChg>
+        <pc:spChg chg="mod">
+          <ac:chgData name="Akilah Johnson" userId="S::akjohnso@adobe.com::2fa3aa60-0c9c-4d06-bae2-795983241227" providerId="AD" clId="Web-{19826C17-B3F5-53A1-AAFF-C7771804C7A7}" dt="2021-10-13T18:38:17.716" v="5" actId="20577"/>
+          <ac:spMkLst>
+            <pc:docMk/>
+            <pc:sldMk cId="5960377" sldId="259"/>
+            <ac:spMk id="83" creationId="{7A016ADC-2A30-8A4B-BE07-A9AB6C1898A7}"/>
+          </ac:spMkLst>
+        </pc:spChg>
+        <pc:spChg chg="mod">
+          <ac:chgData name="Akilah Johnson" userId="S::akjohnso@adobe.com::2fa3aa60-0c9c-4d06-bae2-795983241227" providerId="AD" clId="Web-{19826C17-B3F5-53A1-AAFF-C7771804C7A7}" dt="2021-10-13T18:38:19.654" v="6" actId="20577"/>
+          <ac:spMkLst>
+            <pc:docMk/>
+            <pc:sldMk cId="5960377" sldId="259"/>
+            <ac:spMk id="87" creationId="{57C0C871-6516-F145-97DA-27A143E6185C}"/>
+          </ac:spMkLst>
+        </pc:spChg>
+        <pc:spChg chg="mod">
+          <ac:chgData name="Akilah Johnson" userId="S::akjohnso@adobe.com::2fa3aa60-0c9c-4d06-bae2-795983241227" providerId="AD" clId="Web-{19826C17-B3F5-53A1-AAFF-C7771804C7A7}" dt="2021-10-13T18:38:14.044" v="4" actId="20577"/>
+          <ac:spMkLst>
+            <pc:docMk/>
+            <pc:sldMk cId="5960377" sldId="259"/>
+            <ac:spMk id="124" creationId="{14AAF776-9013-4C40-92F9-FFFE22C4038F}"/>
+          </ac:spMkLst>
+        </pc:spChg>
+        <pc:spChg chg="mod">
+          <ac:chgData name="Akilah Johnson" userId="S::akjohnso@adobe.com::2fa3aa60-0c9c-4d06-bae2-795983241227" providerId="AD" clId="Web-{19826C17-B3F5-53A1-AAFF-C7771804C7A7}" dt="2021-10-13T18:38:10.013" v="2" actId="20577"/>
+          <ac:spMkLst>
+            <pc:docMk/>
+            <pc:sldMk cId="5960377" sldId="259"/>
+            <ac:spMk id="125" creationId="{AF4EBBF5-5438-A043-B9AA-3822381D52EE}"/>
+          </ac:spMkLst>
+        </pc:spChg>
+        <pc:spChg chg="mod">
+          <ac:chgData name="Akilah Johnson" userId="S::akjohnso@adobe.com::2fa3aa60-0c9c-4d06-bae2-795983241227" providerId="AD" clId="Web-{19826C17-B3F5-53A1-AAFF-C7771804C7A7}" dt="2021-10-13T18:38:12.263" v="3" actId="20577"/>
+          <ac:spMkLst>
+            <pc:docMk/>
+            <pc:sldMk cId="5960377" sldId="259"/>
+            <ac:spMk id="126" creationId="{7F65676D-32E4-7B4B-BB85-4D504B5882BD}"/>
+          </ac:spMkLst>
+        </pc:spChg>
+      </pc:sldChg>
+      <pc:sldChg chg="modSp">
+        <pc:chgData name="Akilah Johnson" userId="S::akjohnso@adobe.com::2fa3aa60-0c9c-4d06-bae2-795983241227" providerId="AD" clId="Web-{19826C17-B3F5-53A1-AAFF-C7771804C7A7}" dt="2021-10-13T18:40:23.717" v="19" actId="20577"/>
+        <pc:sldMkLst>
+          <pc:docMk/>
+          <pc:sldMk cId="1050037809" sldId="261"/>
+        </pc:sldMkLst>
+        <pc:spChg chg="mod">
+          <ac:chgData name="Akilah Johnson" userId="S::akjohnso@adobe.com::2fa3aa60-0c9c-4d06-bae2-795983241227" providerId="AD" clId="Web-{19826C17-B3F5-53A1-AAFF-C7771804C7A7}" dt="2021-10-13T18:40:23.717" v="19" actId="20577"/>
+          <ac:spMkLst>
+            <pc:docMk/>
+            <pc:sldMk cId="1050037809" sldId="261"/>
+            <ac:spMk id="56" creationId="{00000000-0000-0000-0000-000000000000}"/>
+          </ac:spMkLst>
+        </pc:spChg>
+        <pc:graphicFrameChg chg="mod modGraphic">
+          <ac:chgData name="Akilah Johnson" userId="S::akjohnso@adobe.com::2fa3aa60-0c9c-4d06-bae2-795983241227" providerId="AD" clId="Web-{19826C17-B3F5-53A1-AAFF-C7771804C7A7}" dt="2021-10-13T18:39:38.154" v="17"/>
+          <ac:graphicFrameMkLst>
+            <pc:docMk/>
+            <pc:sldMk cId="1050037809" sldId="261"/>
+            <ac:graphicFrameMk id="111" creationId="{D8653CEC-4213-DE40-9BAF-D1E3318FF89C}"/>
+          </ac:graphicFrameMkLst>
+        </pc:graphicFrameChg>
+      </pc:sldChg>
+      <pc:sldChg chg="modSp">
+        <pc:chgData name="Akilah Johnson" userId="S::akjohnso@adobe.com::2fa3aa60-0c9c-4d06-bae2-795983241227" providerId="AD" clId="Web-{19826C17-B3F5-53A1-AAFF-C7771804C7A7}" dt="2021-10-13T18:39:10.373" v="15" actId="20577"/>
+        <pc:sldMkLst>
+          <pc:docMk/>
+          <pc:sldMk cId="717026355" sldId="266"/>
+        </pc:sldMkLst>
+        <pc:spChg chg="mod">
+          <ac:chgData name="Akilah Johnson" userId="S::akjohnso@adobe.com::2fa3aa60-0c9c-4d06-bae2-795983241227" providerId="AD" clId="Web-{19826C17-B3F5-53A1-AAFF-C7771804C7A7}" dt="2021-10-13T18:39:10.373" v="15" actId="20577"/>
+          <ac:spMkLst>
+            <pc:docMk/>
+            <pc:sldMk cId="717026355" sldId="266"/>
+            <ac:spMk id="9" creationId="{00000000-0000-0000-0000-000000000000}"/>
+          </ac:spMkLst>
+        </pc:spChg>
+        <pc:spChg chg="mod">
+          <ac:chgData name="Akilah Johnson" userId="S::akjohnso@adobe.com::2fa3aa60-0c9c-4d06-bae2-795983241227" providerId="AD" clId="Web-{19826C17-B3F5-53A1-AAFF-C7771804C7A7}" dt="2021-10-13T18:38:44.029" v="11" actId="20577"/>
+          <ac:spMkLst>
+            <pc:docMk/>
+            <pc:sldMk cId="717026355" sldId="266"/>
+            <ac:spMk id="82" creationId="{F6061E8D-9723-464D-AA49-7A3A3A02BE92}"/>
+          </ac:spMkLst>
+        </pc:spChg>
+        <pc:spChg chg="mod">
+          <ac:chgData name="Akilah Johnson" userId="S::akjohnso@adobe.com::2fa3aa60-0c9c-4d06-bae2-795983241227" providerId="AD" clId="Web-{19826C17-B3F5-53A1-AAFF-C7771804C7A7}" dt="2021-10-13T18:39:00.638" v="13" actId="20577"/>
+          <ac:spMkLst>
+            <pc:docMk/>
+            <pc:sldMk cId="717026355" sldId="266"/>
+            <ac:spMk id="83" creationId="{BB34E685-A734-974B-A33A-BE51D1A8BC0D}"/>
+          </ac:spMkLst>
+        </pc:spChg>
+      </pc:sldChg>
+      <pc:sldChg chg="modSp">
+        <pc:chgData name="Akilah Johnson" userId="S::akjohnso@adobe.com::2fa3aa60-0c9c-4d06-bae2-795983241227" providerId="AD" clId="Web-{19826C17-B3F5-53A1-AAFF-C7771804C7A7}" dt="2021-10-13T18:50:21.160" v="67"/>
+        <pc:sldMkLst>
+          <pc:docMk/>
+          <pc:sldMk cId="2161849182" sldId="267"/>
+        </pc:sldMkLst>
+        <pc:graphicFrameChg chg="mod modGraphic">
+          <ac:chgData name="Akilah Johnson" userId="S::akjohnso@adobe.com::2fa3aa60-0c9c-4d06-bae2-795983241227" providerId="AD" clId="Web-{19826C17-B3F5-53A1-AAFF-C7771804C7A7}" dt="2021-10-13T18:50:21.160" v="67"/>
+          <ac:graphicFrameMkLst>
+            <pc:docMk/>
+            <pc:sldMk cId="2161849182" sldId="267"/>
+            <ac:graphicFrameMk id="9" creationId="{00000000-0000-0000-0000-000000000000}"/>
           </ac:graphicFrameMkLst>
         </pc:graphicFrameChg>
       </pc:sldChg>
@@ -317,44 +446,89 @@
       </pc:sldChg>
     </pc:docChg>
   </pc:docChgLst>
+  <pc:docChgLst>
+    <pc:chgData name="Akilah Johnson" userId="S::akjohnso@adobe.com::2fa3aa60-0c9c-4d06-bae2-795983241227" providerId="AD" clId="Web-{D02E726A-82A5-CF13-9EBE-9B674D878D37}"/>
+    <pc:docChg chg="modSld">
+      <pc:chgData name="Akilah Johnson" userId="S::akjohnso@adobe.com::2fa3aa60-0c9c-4d06-bae2-795983241227" providerId="AD" clId="Web-{D02E726A-82A5-CF13-9EBE-9B674D878D37}" dt="2021-10-12T19:51:27.470" v="10"/>
+      <pc:docMkLst>
+        <pc:docMk/>
+      </pc:docMkLst>
+      <pc:sldChg chg="modSp delCm">
+        <pc:chgData name="Akilah Johnson" userId="S::akjohnso@adobe.com::2fa3aa60-0c9c-4d06-bae2-795983241227" providerId="AD" clId="Web-{D02E726A-82A5-CF13-9EBE-9B674D878D37}" dt="2021-10-12T19:51:27.470" v="10"/>
+        <pc:sldMkLst>
+          <pc:docMk/>
+          <pc:sldMk cId="2161849182" sldId="267"/>
+        </pc:sldMkLst>
+        <pc:spChg chg="mod">
+          <ac:chgData name="Akilah Johnson" userId="S::akjohnso@adobe.com::2fa3aa60-0c9c-4d06-bae2-795983241227" providerId="AD" clId="Web-{D02E726A-82A5-CF13-9EBE-9B674D878D37}" dt="2021-10-12T19:51:04.127" v="8" actId="20577"/>
+          <ac:spMkLst>
+            <pc:docMk/>
+            <pc:sldMk cId="2161849182" sldId="267"/>
+            <ac:spMk id="2" creationId="{00000000-0000-0000-0000-000000000000}"/>
+          </ac:spMkLst>
+        </pc:spChg>
+      </pc:sldChg>
+    </pc:docChg>
+  </pc:docChgLst>
+  <pc:docChgLst>
+    <pc:chgData name="Lauren Schutte" userId="6e08b2d3-447a-4d66-86be-444d50df187f" providerId="ADAL" clId="{1A3D389F-0E00-444F-BDF7-5C174E20EEC2}"/>
+    <pc:docChg chg="undo custSel modSld">
+      <pc:chgData name="Lauren Schutte" userId="6e08b2d3-447a-4d66-86be-444d50df187f" providerId="ADAL" clId="{1A3D389F-0E00-444F-BDF7-5C174E20EEC2}" dt="2021-10-13T19:40:59.066" v="67" actId="20577"/>
+      <pc:docMkLst>
+        <pc:docMk/>
+      </pc:docMkLst>
+      <pc:sldChg chg="delSp modSp mod">
+        <pc:chgData name="Lauren Schutte" userId="6e08b2d3-447a-4d66-86be-444d50df187f" providerId="ADAL" clId="{1A3D389F-0E00-444F-BDF7-5C174E20EEC2}" dt="2021-10-13T19:40:25.578" v="61" actId="478"/>
+        <pc:sldMkLst>
+          <pc:docMk/>
+          <pc:sldMk cId="5960377" sldId="259"/>
+        </pc:sldMkLst>
+        <pc:spChg chg="mod">
+          <ac:chgData name="Lauren Schutte" userId="6e08b2d3-447a-4d66-86be-444d50df187f" providerId="ADAL" clId="{1A3D389F-0E00-444F-BDF7-5C174E20EEC2}" dt="2021-10-13T19:33:45.182" v="59" actId="20577"/>
+          <ac:spMkLst>
+            <pc:docMk/>
+            <pc:sldMk cId="5960377" sldId="259"/>
+            <ac:spMk id="127" creationId="{BB896A03-8E7E-344F-BDE1-37C49461FF04}"/>
+          </ac:spMkLst>
+        </pc:spChg>
+        <pc:grpChg chg="del mod">
+          <ac:chgData name="Lauren Schutte" userId="6e08b2d3-447a-4d66-86be-444d50df187f" providerId="ADAL" clId="{1A3D389F-0E00-444F-BDF7-5C174E20EEC2}" dt="2021-10-13T19:40:25.578" v="61" actId="478"/>
+          <ac:grpSpMkLst>
+            <pc:docMk/>
+            <pc:sldMk cId="5960377" sldId="259"/>
+            <ac:grpSpMk id="62" creationId="{C539739D-1D3E-204D-9819-C44D9AE36DE8}"/>
+          </ac:grpSpMkLst>
+        </pc:grpChg>
+      </pc:sldChg>
+      <pc:sldChg chg="modSp mod">
+        <pc:chgData name="Lauren Schutte" userId="6e08b2d3-447a-4d66-86be-444d50df187f" providerId="ADAL" clId="{1A3D389F-0E00-444F-BDF7-5C174E20EEC2}" dt="2021-10-13T19:40:59.066" v="67" actId="20577"/>
+        <pc:sldMkLst>
+          <pc:docMk/>
+          <pc:sldMk cId="2161849182" sldId="267"/>
+        </pc:sldMkLst>
+        <pc:spChg chg="mod">
+          <ac:chgData name="Lauren Schutte" userId="6e08b2d3-447a-4d66-86be-444d50df187f" providerId="ADAL" clId="{1A3D389F-0E00-444F-BDF7-5C174E20EEC2}" dt="2021-10-13T19:40:59.066" v="67" actId="20577"/>
+          <ac:spMkLst>
+            <pc:docMk/>
+            <pc:sldMk cId="2161849182" sldId="267"/>
+            <ac:spMk id="2" creationId="{00000000-0000-0000-0000-000000000000}"/>
+          </ac:spMkLst>
+        </pc:spChg>
+        <pc:graphicFrameChg chg="mod modGraphic">
+          <ac:chgData name="Lauren Schutte" userId="6e08b2d3-447a-4d66-86be-444d50df187f" providerId="ADAL" clId="{1A3D389F-0E00-444F-BDF7-5C174E20EEC2}" dt="2021-10-13T19:33:05.183" v="58"/>
+          <ac:graphicFrameMkLst>
+            <pc:docMk/>
+            <pc:sldMk cId="2161849182" sldId="267"/>
+            <ac:graphicFrameMk id="9" creationId="{00000000-0000-0000-0000-000000000000}"/>
+          </ac:graphicFrameMkLst>
+        </pc:graphicFrameChg>
+      </pc:sldChg>
+    </pc:docChg>
+  </pc:docChgLst>
 </pc:chgInfo>
 </file>
 
 <file path=ppt/comments/comment1.xml><?xml version="1.0" encoding="utf-8"?>
-<p:cmLst xmlns:a="http://schemas.openxmlformats.org/drawingml/2006/main" xmlns:r="http://schemas.openxmlformats.org/officeDocument/2006/relationships" xmlns:p="http://schemas.openxmlformats.org/presentationml/2006/main">
-  <p:cm authorId="1" dt="2021-08-04T14:42:10.630" idx="4">
-    <p:pos x="-3291" y="2170"/>
-    <p:text/>
-    <p:extLst>
-      <p:ext uri="{C676402C-5697-4E1C-873F-D02D1690AC5C}">
-        <p15:threadingInfo xmlns:p15="http://schemas.microsoft.com/office/powerpoint/2012/main" timeZoneBias="420"/>
-      </p:ext>
-    </p:extLst>
-  </p:cm>
-  <p:cm authorId="1" dt="2021-08-04T14:42:19.668" idx="5">
-    <p:pos x="4567" y="1502"/>
-    <p:text>Can we add a darker blue line under 'Enterprise Support?'</p:text>
-    <p:extLst>
-      <p:ext uri="{C676402C-5697-4E1C-873F-D02D1690AC5C}">
-        <p15:threadingInfo xmlns:p15="http://schemas.microsoft.com/office/powerpoint/2012/main" timeZoneBias="420"/>
-      </p:ext>
-    </p:extLst>
-  </p:cm>
-  <p:cm authorId="1" dt="2021-08-04T15:01:35.985" idx="8">
-    <p:pos x="4567" y="1598"/>
-    <p:text>Hi Ankita, I did my best to keep the formatting you already worked so hard on. I added a few comments on things I'll need your help with . Thank again so much!</p:text>
-    <p:extLst>
-      <p:ext uri="{C676402C-5697-4E1C-873F-D02D1690AC5C}">
-        <p15:threadingInfo xmlns:p15="http://schemas.microsoft.com/office/powerpoint/2012/main" timeZoneBias="420">
-          <p15:parentCm authorId="1" idx="5"/>
-        </p15:threadingInfo>
-      </p:ext>
-    </p:extLst>
-  </p:cm>
-</p:cmLst>
-</file>
-
-<file path=ppt/comments/comment2.xml><?xml version="1.0" encoding="utf-8"?>
 <p:cmLst xmlns:a="http://schemas.openxmlformats.org/drawingml/2006/main" xmlns:r="http://schemas.openxmlformats.org/officeDocument/2006/relationships" xmlns:p="http://schemas.openxmlformats.org/presentationml/2006/main">
   <p:cm authorId="1" dt="2021-08-04T14:53:07.049" idx="6">
     <p:pos x="10" y="10"/>
@@ -450,7 +624,7 @@
           <a:p>
             <a:fld id="{CCB2A597-803A-C244-97E2-A01066125D19}" type="datetimeFigureOut">
               <a:rPr lang="en-US" smtClean="0"/>
-              <a:t>10/1/2021</a:t>
+              <a:t>11/12/2021</a:t>
             </a:fld>
             <a:endParaRPr lang="en-US"/>
           </a:p>
@@ -1231,7 +1405,7 @@
           <a:p>
             <a:fld id="{1D8BD707-D9CF-40AE-B4C6-C98DA3205C09}" type="datetimeFigureOut">
               <a:rPr lang="en-US"/>
-              <a:t>10/1/2021</a:t>
+              <a:t>11/12/2021</a:t>
             </a:fld>
             <a:endParaRPr lang="en-US"/>
           </a:p>
@@ -1471,7 +1645,7 @@
           <a:p>
             <a:fld id="{1D8BD707-D9CF-40AE-B4C6-C98DA3205C09}" type="datetimeFigureOut">
               <a:rPr lang="en-US"/>
-              <a:t>10/1/2021</a:t>
+              <a:t>11/12/2021</a:t>
             </a:fld>
             <a:endParaRPr lang="en-US"/>
           </a:p>
@@ -1724,7 +1898,7 @@
           <a:p>
             <a:fld id="{1D8BD707-D9CF-40AE-B4C6-C98DA3205C09}" type="datetimeFigureOut">
               <a:rPr lang="en-US"/>
-              <a:t>10/1/2021</a:t>
+              <a:t>11/12/2021</a:t>
             </a:fld>
             <a:endParaRPr lang="en-US"/>
           </a:p>
@@ -1911,7 +2085,7 @@
           <a:p>
             <a:fld id="{1D8BD707-D9CF-40AE-B4C6-C98DA3205C09}" type="datetimeFigureOut">
               <a:rPr lang="en-US"/>
-              <a:t>10/1/2021</a:t>
+              <a:t>11/12/2021</a:t>
             </a:fld>
             <a:endParaRPr lang="en-US"/>
           </a:p>
@@ -2069,7 +2243,7 @@
           <a:p>
             <a:fld id="{1D8BD707-D9CF-40AE-B4C6-C98DA3205C09}" type="datetimeFigureOut">
               <a:rPr lang="en-US"/>
-              <a:t>10/1/2021</a:t>
+              <a:t>11/12/2021</a:t>
             </a:fld>
             <a:endParaRPr lang="en-US"/>
           </a:p>
@@ -2327,7 +2501,7 @@
           <a:p>
             <a:fld id="{1D8BD707-D9CF-40AE-B4C6-C98DA3205C09}" type="datetimeFigureOut">
               <a:rPr lang="en-US"/>
-              <a:t>10/1/2021</a:t>
+              <a:t>11/12/2021</a:t>
             </a:fld>
             <a:endParaRPr lang="en-US"/>
           </a:p>
@@ -2566,24 +2740,21 @@
           </a:prstGeom>
         </p:spPr>
         <p:txBody>
-          <a:bodyPr vert="horz" wrap="square" lIns="0" tIns="12700" rIns="0" bIns="0" rtlCol="0">
+          <a:bodyPr vert="horz" wrap="square" lIns="0" tIns="12700" rIns="0" bIns="0" rtlCol="0" anchor="t">
             <a:spAutoFit/>
           </a:bodyPr>
           <a:lstStyle/>
           <a:p>
             <a:pPr marL="12700">
-              <a:lnSpc>
-                <a:spcPct val="100000"/>
-              </a:lnSpc>
               <a:spcBef>
                 <a:spcPts val="100"/>
               </a:spcBef>
             </a:pPr>
             <a:r>
               <a:rPr lang="pt-BR" sz="2300">
-                <a:latin typeface="Adobe Clean" panose="020B0503020404020204" pitchFamily="34" charset="0"/>
-              </a:rPr>
-              <a:t>SERVIÇOS DE SUPORTE ADOBE</a:t>
+                <a:latin typeface="Adobe Clean"/>
+              </a:rPr>
+              <a:t>PLANOS DE SUPORTE DA ADOBE</a:t>
             </a:r>
           </a:p>
         </p:txBody>
@@ -2596,8 +2767,8 @@
         </p:nvSpPr>
         <p:spPr>
           <a:xfrm>
-            <a:off x="125147" y="7013546"/>
-            <a:ext cx="3503877" cy="228268"/>
+            <a:off x="125148" y="7013546"/>
+            <a:ext cx="3875352" cy="228268"/>
           </a:xfrm>
           <a:prstGeom prst="rect">
             <a:avLst/>
@@ -2644,14 +2815,14 @@
           <p:nvPr>
             <p:extLst>
               <p:ext uri="{D42A27DB-BD31-4B8C-83A1-F6EECF244321}">
-                <p14:modId xmlns:p14="http://schemas.microsoft.com/office/powerpoint/2010/main" val="3390682240"/>
+                <p14:modId xmlns:p14="http://schemas.microsoft.com/office/powerpoint/2010/main" val="3333401926"/>
               </p:ext>
             </p:extLst>
           </p:nvPr>
         </p:nvGraphicFramePr>
         <p:xfrm>
           <a:off x="146919" y="7473158"/>
-          <a:ext cx="7477080" cy="2317408"/>
+          <a:ext cx="7477080" cy="2346613"/>
         </p:xfrm>
         <a:graphic>
           <a:graphicData uri="http://schemas.openxmlformats.org/drawingml/2006/table">
@@ -2763,7 +2934,7 @@
                       </a:r>
                     </a:p>
                   </a:txBody>
-                  <a:tcPr marL="0" marR="0" marT="6985" marB="0" anchor="ctr">
+                  <a:tcPr marL="0" marR="0" marT="0" marB="0" anchor="ctr">
                     <a:lnL w="6350">
                       <a:solidFill>
                         <a:srgbClr val="B7B8B8"/>
@@ -2782,11 +2953,14 @@
                       </a:solidFill>
                       <a:prstDash val="solid"/>
                     </a:lnT>
-                    <a:lnB w="76200">
+                    <a:lnB w="76200" cap="flat" cmpd="sng" algn="ctr">
                       <a:solidFill>
                         <a:srgbClr val="B3B3B3"/>
                       </a:solidFill>
                       <a:prstDash val="solid"/>
+                      <a:round/>
+                      <a:headEnd type="none" w="med" len="med"/>
+                      <a:tailEnd type="none" w="med" len="med"/>
                     </a:lnB>
                     <a:solidFill>
                       <a:srgbClr val="D9D9D9"/>
@@ -2818,7 +2992,7 @@
                       </a:r>
                     </a:p>
                   </a:txBody>
-                  <a:tcPr marL="0" marR="0" marT="10160" marB="0" anchor="ctr">
+                  <a:tcPr marL="0" marR="0" marT="0" marB="0" anchor="ctr">
                     <a:lnL w="6350">
                       <a:solidFill>
                         <a:srgbClr val="B7B8B8"/>
@@ -2886,7 +3060,7 @@
                       </a:r>
                     </a:p>
                     <a:p>
-                      <a:pPr marL="50800" marR="387985" lvl="0" indent="0" defTabSz="914400" eaLnBrk="1" fontAlgn="auto" latinLnBrk="0" hangingPunct="1">
+                      <a:pPr marL="50800" marR="387985" lvl="0" indent="0" eaLnBrk="1" fontAlgn="auto" latinLnBrk="0" hangingPunct="1">
                         <a:lnSpc>
                           <a:spcPts val="1000"/>
                         </a:lnSpc>
@@ -2900,37 +3074,35 @@
                         <a:buSzTx/>
                         <a:buFontTx/>
                         <a:buNone/>
-                        <a:tabLst/>
-                        <a:defRPr/>
                       </a:pPr>
                       <a:r>
                         <a:rPr lang="pt-BR" sz="900" b="0" i="0" dirty="0">
                           <a:solidFill>
                             <a:srgbClr val="020302"/>
                           </a:solidFill>
-                          <a:latin typeface="Adobe Clean Light" panose="020B0303020404020204" pitchFamily="34" charset="0"/>
+                          <a:latin typeface="Adobe Clean Light"/>
                           <a:ea typeface="+mn-ea"/>
-                          <a:cs typeface="Adobe Clean"/>
+                          <a:cs typeface="+mn-cs"/>
                         </a:rPr>
-                        <a:t> </a:t>
+                        <a:t> </a:t>
                       </a:r>
                       <a:r>
                         <a:rPr lang="pt-BR" sz="900" b="0" i="0" u="none" strike="noStrike" dirty="0">
                           <a:solidFill>
                             <a:schemeClr val="tx1"/>
                           </a:solidFill>
-                          <a:latin typeface="Adobe Clean Light" panose="020B0303020404020204" pitchFamily="34" charset="0"/>
+                          <a:latin typeface="Adobe Clean Light"/>
                           <a:ea typeface="+mn-ea"/>
                           <a:cs typeface="+mn-cs"/>
                         </a:rPr>
                         <a:t>As funções de produção do cliente estão inativas ou têm perda significativa de dados </a:t>
                       </a:r>
                       <a:br>
-                        <a:rPr lang="sk-SK" sz="900" b="0" i="0" u="none" strike="noStrike" dirty="0">
+                        <a:rPr lang="pt-BR" sz="900" b="0" i="0" u="none" strike="noStrike" dirty="0">
                           <a:solidFill>
                             <a:schemeClr val="tx1"/>
                           </a:solidFill>
-                          <a:latin typeface="Adobe Clean Light" panose="020B0303020404020204" pitchFamily="34" charset="0"/>
+                          <a:latin typeface="Adobe Clean Light"/>
                           <a:ea typeface="+mn-ea"/>
                           <a:cs typeface="+mn-cs"/>
                         </a:rPr>
@@ -2940,18 +3112,18 @@
                           <a:solidFill>
                             <a:schemeClr val="tx1"/>
                           </a:solidFill>
-                          <a:latin typeface="Adobe Clean Light" panose="020B0303020404020204" pitchFamily="34" charset="0"/>
+                          <a:latin typeface="Adobe Clean Light"/>
                           <a:ea typeface="+mn-ea"/>
                           <a:cs typeface="+mn-cs"/>
                         </a:rPr>
                         <a:t>ou degradação de serviços, e é necessária atenção imediata para restaurar a funcionalidade </a:t>
                       </a:r>
                       <a:br>
-                        <a:rPr lang="sk-SK" sz="900" b="0" i="0" u="none" strike="noStrike" dirty="0">
+                        <a:rPr lang="pt-BR" sz="900" b="0" i="0" u="none" strike="noStrike" dirty="0">
                           <a:solidFill>
                             <a:schemeClr val="tx1"/>
                           </a:solidFill>
-                          <a:latin typeface="Adobe Clean Light" panose="020B0303020404020204" pitchFamily="34" charset="0"/>
+                          <a:latin typeface="Adobe Clean Light"/>
                           <a:ea typeface="+mn-ea"/>
                           <a:cs typeface="+mn-cs"/>
                         </a:rPr>
@@ -2961,7 +3133,7 @@
                           <a:solidFill>
                             <a:schemeClr val="tx1"/>
                           </a:solidFill>
-                          <a:latin typeface="Adobe Clean Light" panose="020B0303020404020204" pitchFamily="34" charset="0"/>
+                          <a:latin typeface="Adobe Clean Light"/>
                           <a:ea typeface="+mn-ea"/>
                           <a:cs typeface="+mn-cs"/>
                         </a:rPr>
@@ -2969,18 +3141,21 @@
                       </a:r>
                     </a:p>
                   </a:txBody>
-                  <a:tcPr marL="0" marR="0" marT="0" marB="0" anchor="ctr">
+                  <a:tcPr marL="0" marR="0" marT="0" marB="36000" anchor="ctr">
                     <a:lnL w="6350">
                       <a:solidFill>
                         <a:srgbClr val="B7B8B8"/>
                       </a:solidFill>
                       <a:prstDash val="solid"/>
                     </a:lnL>
-                    <a:lnR w="6350">
+                    <a:lnR w="6350" cap="flat" cmpd="sng" algn="ctr">
                       <a:solidFill>
                         <a:srgbClr val="B7B8B8"/>
                       </a:solidFill>
                       <a:prstDash val="solid"/>
+                      <a:round/>
+                      <a:headEnd type="none" w="med" len="med"/>
+                      <a:tailEnd type="none" w="med" len="med"/>
                     </a:lnR>
                     <a:lnT w="6350">
                       <a:solidFill>
@@ -3001,35 +3176,33 @@
                     <a:bodyPr/>
                     <a:lstStyle/>
                     <a:p>
-                      <a:pPr marL="542925" marR="492125" algn="ctr">
-                        <a:lnSpc>
-                          <a:spcPct val="102200"/>
-                        </a:lnSpc>
-                      </a:pPr>
+                      <a:pPr algn="ctr" fontAlgn="ctr"/>
                       <a:r>
-                        <a:rPr lang="pt-BR" sz="900">
+                        <a:rPr lang="pt-BR" sz="900" b="0" i="0" u="none" strike="noStrike" dirty="0">
                           <a:solidFill>
                             <a:srgbClr val="020302"/>
                           </a:solidFill>
-                          <a:latin typeface="AdobeClean-Light"/>
-                          <a:cs typeface="AdobeClean-Light"/>
+                          <a:latin typeface="AdobeClean-Light" panose="020B0503020404020204" pitchFamily="34" charset="0"/>
                         </a:rPr>
-                        <a:t>24x7 /              1 hora</a:t>
+                        <a:t>24x7 / 1 hora</a:t>
                       </a:r>
                     </a:p>
                   </a:txBody>
-                  <a:tcPr marL="0" marR="0" marT="0" marB="0" anchor="ctr">
+                  <a:tcPr marL="9525" marR="9525" marT="9525" marB="0" anchor="ctr">
                     <a:lnL w="6350">
                       <a:solidFill>
                         <a:srgbClr val="B7B8B8"/>
                       </a:solidFill>
                       <a:prstDash val="solid"/>
                     </a:lnL>
-                    <a:lnR w="6350">
+                    <a:lnR w="6350" cap="flat" cmpd="sng" algn="ctr">
                       <a:solidFill>
                         <a:srgbClr val="B7B8B8"/>
                       </a:solidFill>
                       <a:prstDash val="solid"/>
+                      <a:round/>
+                      <a:headEnd type="none" w="med" len="med"/>
+                      <a:tailEnd type="none" w="med" len="med"/>
                     </a:lnR>
                     <a:lnT w="76200">
                       <a:solidFill>
@@ -3050,32 +3223,27 @@
                     <a:bodyPr/>
                     <a:lstStyle/>
                     <a:p>
-                      <a:pPr marL="352425" marR="476250" indent="111125" algn="ctr">
-                        <a:lnSpc>
-                          <a:spcPct val="100000"/>
-                        </a:lnSpc>
-                        <a:spcBef>
-                          <a:spcPts val="700"/>
-                        </a:spcBef>
-                      </a:pPr>
+                      <a:pPr algn="ctr" fontAlgn="ctr"/>
                       <a:r>
-                        <a:rPr lang="pt-BR" sz="900">
+                        <a:rPr lang="pt-BR" sz="900" b="0" i="0" u="none" strike="noStrike">
                           <a:solidFill>
                             <a:srgbClr val="020302"/>
                           </a:solidFill>
-                          <a:latin typeface="AdobeClean-Light"/>
-                          <a:cs typeface="AdobeClean-Light"/>
+                          <a:latin typeface="AdobeClean-Light" panose="020B0503020404020204" pitchFamily="34" charset="0"/>
                         </a:rPr>
-                        <a:t>24x7 /  30minutos</a:t>
+                        <a:t>24x7 / 30 minutos</a:t>
                       </a:r>
                     </a:p>
                   </a:txBody>
-                  <a:tcPr marL="0" marR="0" marT="0" marB="0" anchor="ctr">
-                    <a:lnL w="6350">
+                  <a:tcPr marL="9525" marR="9525" marT="9525" marB="0" anchor="ctr">
+                    <a:lnL w="6350" cap="flat" cmpd="sng" algn="ctr">
                       <a:solidFill>
                         <a:srgbClr val="B7B8B8"/>
                       </a:solidFill>
                       <a:prstDash val="solid"/>
+                      <a:round/>
+                      <a:headEnd type="none" w="med" len="med"/>
+                      <a:tailEnd type="none" w="med" len="med"/>
                     </a:lnL>
                     <a:lnR w="6350" cap="flat" cmpd="sng" algn="ctr">
                       <a:solidFill>
@@ -3114,7 +3282,7 @@
                   </a:ext>
                 </a:extLst>
               </a:tr>
-              <a:tr h="484755">
+              <a:tr h="0">
                 <a:tc>
                   <a:txBody>
                     <a:bodyPr/>
@@ -3153,18 +3321,18 @@
                           <a:solidFill>
                             <a:schemeClr val="tx1"/>
                           </a:solidFill>
-                          <a:latin typeface="Adobe Clean Light" panose="020B0303020404020204" pitchFamily="34" charset="0"/>
+                          <a:latin typeface="Adobe Clean Light"/>
                           <a:ea typeface="+mn-ea"/>
                           <a:cs typeface="+mn-cs"/>
                         </a:rPr>
                         <a:t>As funções empresariais do cliente têm grande degradação de serviços, perda potencial </a:t>
                       </a:r>
                       <a:br>
-                        <a:rPr lang="sk-SK" sz="900" b="0" i="0" u="none" strike="noStrike" dirty="0">
+                        <a:rPr lang="pt-BR" sz="900" b="0" i="0" u="none" strike="noStrike" dirty="0">
                           <a:solidFill>
                             <a:schemeClr val="tx1"/>
                           </a:solidFill>
-                          <a:latin typeface="Adobe Clean Light" panose="020B0303020404020204" pitchFamily="34" charset="0"/>
+                          <a:latin typeface="Adobe Clean Light"/>
                           <a:ea typeface="+mn-ea"/>
                           <a:cs typeface="+mn-cs"/>
                         </a:rPr>
@@ -3174,7 +3342,7 @@
                           <a:solidFill>
                             <a:schemeClr val="tx1"/>
                           </a:solidFill>
-                          <a:latin typeface="Adobe Clean Light" panose="020B0303020404020204" pitchFamily="34" charset="0"/>
+                          <a:latin typeface="Adobe Clean Light"/>
                           <a:ea typeface="+mn-ea"/>
                           <a:cs typeface="+mn-cs"/>
                         </a:rPr>
@@ -3182,18 +3350,21 @@
                       </a:r>
                     </a:p>
                   </a:txBody>
-                  <a:tcPr marL="0" marR="0" marT="0" marB="0" anchor="ctr">
+                  <a:tcPr marL="0" marR="0" marT="0" marB="36000" anchor="ctr">
                     <a:lnL w="6350">
                       <a:solidFill>
                         <a:srgbClr val="B7B8B8"/>
                       </a:solidFill>
                       <a:prstDash val="solid"/>
                     </a:lnL>
-                    <a:lnR w="6350">
+                    <a:lnR w="6350" cap="flat" cmpd="sng" algn="ctr">
                       <a:solidFill>
                         <a:srgbClr val="B7B8B8"/>
                       </a:solidFill>
                       <a:prstDash val="solid"/>
+                      <a:round/>
+                      <a:headEnd type="none" w="med" len="med"/>
+                      <a:tailEnd type="none" w="med" len="med"/>
                     </a:lnR>
                     <a:lnT w="6350">
                       <a:solidFill>
@@ -3214,55 +3385,33 @@
                     <a:bodyPr/>
                     <a:lstStyle/>
                     <a:p>
-                      <a:pPr marL="473709" marR="343535" indent="-175895" algn="ctr">
-                        <a:lnSpc>
-                          <a:spcPct val="102200"/>
-                        </a:lnSpc>
-                      </a:pPr>
+                      <a:pPr algn="ctr" fontAlgn="ctr"/>
                       <a:r>
-                        <a:rPr lang="pt-BR" sz="900" dirty="0">
+                        <a:rPr lang="pt-BR" sz="900" b="0" i="0" u="none" strike="noStrike" dirty="0">
                           <a:solidFill>
                             <a:srgbClr val="020302"/>
                           </a:solidFill>
-                          <a:latin typeface="AdobeClean-Light"/>
-                          <a:cs typeface="AdobeClean-Light"/>
+                          <a:latin typeface="AdobeClean-Light" panose="020B0503020404020204" pitchFamily="34" charset="0"/>
                         </a:rPr>
-                        <a:t>Horário comercial</a:t>
-                      </a:r>
-                      <a:r>
-                        <a:rPr lang="sk-SK" sz="900" dirty="0">
-                          <a:solidFill>
-                            <a:srgbClr val="020302"/>
-                          </a:solidFill>
-                          <a:latin typeface="AdobeClean-Light"/>
-                          <a:cs typeface="AdobeClean-Light"/>
-                        </a:rPr>
-                        <a:t> </a:t>
-                      </a:r>
-                      <a:r>
-                        <a:rPr lang="pt-BR" sz="900" dirty="0">
-                          <a:solidFill>
-                            <a:srgbClr val="020302"/>
-                          </a:solidFill>
-                          <a:latin typeface="AdobeClean-Light"/>
-                          <a:cs typeface="AdobeClean-Light"/>
-                        </a:rPr>
-                        <a:t>/           4 horas</a:t>
+                        <a:t>Horário comercial / 4 horas</a:t>
                       </a:r>
                     </a:p>
                   </a:txBody>
-                  <a:tcPr marL="0" marR="0" marT="0" marB="0" anchor="ctr">
+                  <a:tcPr marL="9525" marR="9525" marT="9525" marB="0" anchor="ctr">
                     <a:lnL w="6350">
                       <a:solidFill>
                         <a:srgbClr val="B7B8B8"/>
                       </a:solidFill>
                       <a:prstDash val="solid"/>
                     </a:lnL>
-                    <a:lnR w="6350">
+                    <a:lnR w="6350" cap="flat" cmpd="sng" algn="ctr">
                       <a:solidFill>
                         <a:srgbClr val="B7B8B8"/>
                       </a:solidFill>
                       <a:prstDash val="solid"/>
+                      <a:round/>
+                      <a:headEnd type="none" w="med" len="med"/>
+                      <a:tailEnd type="none" w="med" len="med"/>
                     </a:lnR>
                     <a:lnT w="6350">
                       <a:solidFill>
@@ -3283,30 +3432,27 @@
                     <a:bodyPr/>
                     <a:lstStyle/>
                     <a:p>
-                      <a:pPr marL="542925" marR="492125" algn="ctr">
-                        <a:lnSpc>
-                          <a:spcPct val="102200"/>
-                        </a:lnSpc>
-                      </a:pPr>
+                      <a:pPr algn="ctr" fontAlgn="ctr"/>
                       <a:r>
-                        <a:rPr lang="pt-BR" sz="900">
+                        <a:rPr lang="pt-BR" sz="900" b="0" i="0" u="none" strike="noStrike">
                           <a:solidFill>
                             <a:srgbClr val="020302"/>
                           </a:solidFill>
-                          <a:latin typeface="AdobeClean-Light"/>
-                          <a:ea typeface="+mn-ea"/>
-                          <a:cs typeface="AdobeClean-Light"/>
+                          <a:latin typeface="AdobeClean-Light" panose="020B0503020404020204" pitchFamily="34" charset="0"/>
                         </a:rPr>
-                        <a:t>24x5 /              1 hora</a:t>
+                        <a:t>24x5 / 1 hora</a:t>
                       </a:r>
                     </a:p>
                   </a:txBody>
-                  <a:tcPr marL="0" marR="0" marT="0" marB="0" anchor="ctr">
-                    <a:lnL w="6350">
+                  <a:tcPr marL="9525" marR="9525" marT="9525" marB="0" anchor="ctr">
+                    <a:lnL w="6350" cap="flat" cmpd="sng" algn="ctr">
                       <a:solidFill>
                         <a:srgbClr val="B7B8B8"/>
                       </a:solidFill>
                       <a:prstDash val="solid"/>
+                      <a:round/>
+                      <a:headEnd type="none" w="med" len="med"/>
+                      <a:tailEnd type="none" w="med" len="med"/>
                     </a:lnL>
                     <a:lnR w="6350" cap="flat" cmpd="sng" algn="ctr">
                       <a:solidFill>
@@ -3381,18 +3527,18 @@
                           <a:solidFill>
                             <a:schemeClr val="tx1"/>
                           </a:solidFill>
-                          <a:latin typeface="Adobe Clean Light" panose="020B0303020404020204" pitchFamily="34" charset="0"/>
+                          <a:latin typeface="Adobe Clean Light"/>
                           <a:ea typeface="+mn-ea"/>
                           <a:cs typeface="+mn-cs"/>
                         </a:rPr>
-                        <a:t>As funções empresariais do cliente têm pouca ou nenhuma degradação dos serviços com </a:t>
+                        <a:t>As funções empresariais do cliente têm pouca ou nenhuma degradação dos serviços </a:t>
                       </a:r>
                       <a:br>
-                        <a:rPr lang="sk-SK" sz="900" b="0" i="0" u="none" strike="noStrike" dirty="0">
+                        <a:rPr lang="pt-BR" sz="900" b="0" i="0" u="none" strike="noStrike" dirty="0">
                           <a:solidFill>
                             <a:schemeClr val="tx1"/>
                           </a:solidFill>
-                          <a:latin typeface="Adobe Clean Light" panose="020B0303020404020204" pitchFamily="34" charset="0"/>
+                          <a:latin typeface="Adobe Clean Light"/>
                           <a:ea typeface="+mn-ea"/>
                           <a:cs typeface="+mn-cs"/>
                         </a:rPr>
@@ -3402,11 +3548,11 @@
                           <a:solidFill>
                             <a:schemeClr val="tx1"/>
                           </a:solidFill>
-                          <a:latin typeface="Adobe Clean Light" panose="020B0303020404020204" pitchFamily="34" charset="0"/>
+                          <a:latin typeface="Adobe Clean Light"/>
                           <a:ea typeface="+mn-ea"/>
                           <a:cs typeface="+mn-cs"/>
                         </a:rPr>
-                        <a:t>uma solução/solução alternativa que permite que as funções empresariais continuem.  </a:t>
+                        <a:t>com uma solução/alternativa que permite que as funções empresariais continuem </a:t>
                       </a:r>
                     </a:p>
                   </a:txBody>
@@ -3417,11 +3563,14 @@
                       </a:solidFill>
                       <a:prstDash val="solid"/>
                     </a:lnL>
-                    <a:lnR w="6350">
+                    <a:lnR w="6350" cap="flat" cmpd="sng" algn="ctr">
                       <a:solidFill>
                         <a:srgbClr val="B7B8B8"/>
                       </a:solidFill>
                       <a:prstDash val="solid"/>
+                      <a:round/>
+                      <a:headEnd type="none" w="med" len="med"/>
+                      <a:tailEnd type="none" w="med" len="med"/>
                     </a:lnR>
                     <a:lnT w="6350">
                       <a:solidFill>
@@ -3442,35 +3591,33 @@
                     <a:bodyPr/>
                     <a:lstStyle/>
                     <a:p>
-                      <a:pPr marL="473709" marR="343535" indent="-175895" algn="ctr">
-                        <a:lnSpc>
-                          <a:spcPct val="102200"/>
-                        </a:lnSpc>
-                      </a:pPr>
+                      <a:pPr algn="ctr" fontAlgn="ctr"/>
                       <a:r>
-                        <a:rPr lang="pt-BR" sz="900">
+                        <a:rPr lang="pt-BR" sz="900" b="0" i="0" u="none" strike="noStrike">
                           <a:solidFill>
                             <a:srgbClr val="020302"/>
                           </a:solidFill>
-                          <a:latin typeface="AdobeClean-Light"/>
-                          <a:cs typeface="AdobeClean-Light"/>
+                          <a:latin typeface="AdobeClean-Light" panose="020B0503020404020204" pitchFamily="34" charset="0"/>
                         </a:rPr>
-                        <a:t>Horário comercial/           6 horas</a:t>
+                        <a:t>Horário comercial / 6 horas</a:t>
                       </a:r>
                     </a:p>
                   </a:txBody>
-                  <a:tcPr marL="0" marR="0" marT="0" marB="0" anchor="ctr">
+                  <a:tcPr marL="9525" marR="9525" marT="9525" marB="0" anchor="ctr">
                     <a:lnL w="6350">
                       <a:solidFill>
                         <a:srgbClr val="B7B8B8"/>
                       </a:solidFill>
                       <a:prstDash val="solid"/>
                     </a:lnL>
-                    <a:lnR w="6350">
+                    <a:lnR w="6350" cap="flat" cmpd="sng" algn="ctr">
                       <a:solidFill>
                         <a:srgbClr val="B7B8B8"/>
                       </a:solidFill>
                       <a:prstDash val="solid"/>
+                      <a:round/>
+                      <a:headEnd type="none" w="med" len="med"/>
+                      <a:tailEnd type="none" w="med" len="med"/>
                     </a:lnR>
                     <a:lnT w="6350">
                       <a:solidFill>
@@ -3491,51 +3638,27 @@
                     <a:bodyPr/>
                     <a:lstStyle/>
                     <a:p>
-                      <a:pPr marL="285750" marR="398780" indent="0" algn="ctr">
-                        <a:lnSpc>
-                          <a:spcPct val="102200"/>
-                        </a:lnSpc>
-                        <a:spcBef>
-                          <a:spcPts val="675"/>
-                        </a:spcBef>
-                      </a:pPr>
+                      <a:pPr algn="ctr" fontAlgn="ctr"/>
                       <a:r>
-                        <a:rPr lang="pt-BR" sz="900" dirty="0">
+                        <a:rPr lang="pt-BR" sz="900" b="0" i="0" u="none" strike="noStrike">
                           <a:solidFill>
                             <a:srgbClr val="020302"/>
                           </a:solidFill>
-                          <a:latin typeface="AdobeClean-Light"/>
-                          <a:cs typeface="AdobeClean-Light"/>
+                          <a:latin typeface="AdobeClean-Light" panose="020B0503020404020204" pitchFamily="34" charset="0"/>
                         </a:rPr>
-                        <a:t>Horário comercial/</a:t>
-                      </a:r>
-                      <a:br>
-                        <a:rPr lang="sk-SK" sz="900" dirty="0">
-                          <a:solidFill>
-                            <a:srgbClr val="020302"/>
-                          </a:solidFill>
-                          <a:latin typeface="AdobeClean-Light"/>
-                          <a:cs typeface="AdobeClean-Light"/>
-                        </a:rPr>
-                      </a:br>
-                      <a:r>
-                        <a:rPr lang="pt-BR" sz="900" dirty="0">
-                          <a:solidFill>
-                            <a:srgbClr val="020302"/>
-                          </a:solidFill>
-                          <a:latin typeface="AdobeClean-Light"/>
-                          <a:cs typeface="AdobeClean-Light"/>
-                        </a:rPr>
-                        <a:t>2 horas</a:t>
+                        <a:t>Horário comercial / 2 horas</a:t>
                       </a:r>
                     </a:p>
                   </a:txBody>
-                  <a:tcPr marL="0" marR="0" marT="0" marB="0" anchor="ctr">
-                    <a:lnL w="6350">
+                  <a:tcPr marL="9525" marR="9525" marT="9525" marB="0" anchor="ctr">
+                    <a:lnL w="6350" cap="flat" cmpd="sng" algn="ctr">
                       <a:solidFill>
                         <a:srgbClr val="B7B8B8"/>
                       </a:solidFill>
                       <a:prstDash val="solid"/>
+                      <a:round/>
+                      <a:headEnd type="none" w="med" len="med"/>
+                      <a:tailEnd type="none" w="med" len="med"/>
                     </a:lnL>
                     <a:lnR w="6350" cap="flat" cmpd="sng" algn="ctr">
                       <a:solidFill>
@@ -3612,16 +3735,16 @@
                           </a:solidFill>
                           <a:latin typeface="Adobe Clean"/>
                           <a:ea typeface="+mn-ea"/>
-                          <a:cs typeface="Adobe Clean"/>
+                          <a:cs typeface="+mn-cs"/>
                         </a:rPr>
-                        <a:t> </a:t>
+                        <a:t> </a:t>
                       </a:r>
                       <a:r>
                         <a:rPr lang="pt-BR" sz="900" b="0" i="0" u="none" strike="noStrike">
                           <a:solidFill>
                             <a:schemeClr val="tx1"/>
                           </a:solidFill>
-                          <a:latin typeface="Adobe Clean Light" panose="020B0303020404020204" pitchFamily="34" charset="0"/>
+                          <a:latin typeface="Adobe Clean Light"/>
                           <a:ea typeface="+mn-ea"/>
                           <a:cs typeface="+mn-cs"/>
                         </a:rPr>
@@ -3636,11 +3759,14 @@
                       </a:solidFill>
                       <a:prstDash val="solid"/>
                     </a:lnL>
-                    <a:lnR w="6350">
+                    <a:lnR w="6350" cap="flat" cmpd="sng" algn="ctr">
                       <a:solidFill>
                         <a:srgbClr val="B7B8B8"/>
                       </a:solidFill>
                       <a:prstDash val="solid"/>
+                      <a:round/>
+                      <a:headEnd type="none" w="med" len="med"/>
+                      <a:tailEnd type="none" w="med" len="med"/>
                     </a:lnR>
                     <a:lnT w="6350">
                       <a:solidFill>
@@ -3661,55 +3787,33 @@
                     <a:bodyPr/>
                     <a:lstStyle/>
                     <a:p>
-                      <a:pPr marL="473709" marR="343535" indent="-175895" algn="ctr">
-                        <a:lnSpc>
-                          <a:spcPct val="102200"/>
-                        </a:lnSpc>
-                      </a:pPr>
+                      <a:pPr algn="ctr" fontAlgn="ctr"/>
                       <a:r>
-                        <a:rPr lang="pt-BR" sz="900" dirty="0">
+                        <a:rPr lang="pt-BR" sz="900" b="0" i="0" u="none" strike="noStrike">
                           <a:solidFill>
                             <a:srgbClr val="020302"/>
                           </a:solidFill>
-                          <a:latin typeface="AdobeClean-Light"/>
-                          <a:cs typeface="AdobeClean-Light"/>
+                          <a:latin typeface="AdobeClean-Light" panose="020B0503020404020204" pitchFamily="34" charset="0"/>
                         </a:rPr>
-                        <a:t>Dias úteis/</a:t>
-                      </a:r>
-                      <a:r>
-                        <a:rPr lang="sk-SK" sz="900" dirty="0">
-                          <a:solidFill>
-                            <a:srgbClr val="020302"/>
-                          </a:solidFill>
-                          <a:latin typeface="AdobeClean-Light"/>
-                          <a:cs typeface="AdobeClean-Light"/>
-                        </a:rPr>
-                        <a:t> </a:t>
-                      </a:r>
-                      <a:r>
-                        <a:rPr lang="pt-BR" sz="900" dirty="0">
-                          <a:solidFill>
-                            <a:srgbClr val="020302"/>
-                          </a:solidFill>
-                          <a:latin typeface="AdobeClean-Light"/>
-                          <a:cs typeface="AdobeClean-Light"/>
-                        </a:rPr>
-                        <a:t>3 dias</a:t>
+                        <a:t>Dias úteis / 3 dias</a:t>
                       </a:r>
                     </a:p>
                   </a:txBody>
-                  <a:tcPr marL="0" marR="0" marT="0" marB="0" anchor="ctr">
+                  <a:tcPr marL="9525" marR="9525" marT="9525" marB="0" anchor="ctr">
                     <a:lnL w="6350">
                       <a:solidFill>
                         <a:srgbClr val="B7B8B8"/>
                       </a:solidFill>
                       <a:prstDash val="solid"/>
                     </a:lnL>
-                    <a:lnR w="6350">
+                    <a:lnR w="6350" cap="flat" cmpd="sng" algn="ctr">
                       <a:solidFill>
                         <a:srgbClr val="B7B8B8"/>
                       </a:solidFill>
                       <a:prstDash val="solid"/>
+                      <a:round/>
+                      <a:headEnd type="none" w="med" len="med"/>
+                      <a:tailEnd type="none" w="med" len="med"/>
                     </a:lnR>
                     <a:lnT w="6350">
                       <a:solidFill>
@@ -3730,29 +3834,27 @@
                     <a:bodyPr/>
                     <a:lstStyle/>
                     <a:p>
-                      <a:pPr marL="473709" marR="343535" indent="-175895" algn="ctr">
-                        <a:lnSpc>
-                          <a:spcPct val="102200"/>
-                        </a:lnSpc>
-                      </a:pPr>
+                      <a:pPr algn="ctr" fontAlgn="ctr"/>
                       <a:r>
-                        <a:rPr lang="pt-BR" sz="900" dirty="0">
+                        <a:rPr lang="pt-BR" sz="900" b="0" i="0" u="none" strike="noStrike" dirty="0">
                           <a:solidFill>
                             <a:srgbClr val="020302"/>
                           </a:solidFill>
-                          <a:latin typeface="AdobeClean-Light"/>
-                          <a:cs typeface="AdobeClean-Light"/>
+                          <a:latin typeface="AdobeClean-Light" panose="020B0503020404020204" pitchFamily="34" charset="0"/>
                         </a:rPr>
-                        <a:t>Dia útil / 1 dia</a:t>
+                        <a:t>Dias úteis / 1 dia</a:t>
                       </a:r>
                     </a:p>
                   </a:txBody>
-                  <a:tcPr marL="0" marR="0" marT="0" marB="0" anchor="ctr">
-                    <a:lnL w="6350">
+                  <a:tcPr marL="9525" marR="9525" marT="9525" marB="0" anchor="ctr">
+                    <a:lnL w="6350" cap="flat" cmpd="sng" algn="ctr">
                       <a:solidFill>
                         <a:srgbClr val="B7B8B8"/>
                       </a:solidFill>
                       <a:prstDash val="solid"/>
+                      <a:round/>
+                      <a:headEnd type="none" w="med" len="med"/>
+                      <a:tailEnd type="none" w="med" len="med"/>
                     </a:lnL>
                     <a:lnR w="6350" cap="flat" cmpd="sng" algn="ctr">
                       <a:solidFill>
@@ -3935,7 +4037,7 @@
                 </a:solidFill>
                 <a:latin typeface="Adobe Clean Light" panose="020B0303020404020204" pitchFamily="34" charset="0"/>
               </a:rPr>
-              <a:t>Online | Business  </a:t>
+              <a:t>Online | Business |</a:t>
             </a:r>
             <a:r>
               <a:rPr lang="pt-BR" sz="1200" b="1" dirty="0">
@@ -3951,6 +4053,7 @@
                 <a:solidFill>
                   <a:schemeClr val="bg1"/>
                 </a:solidFill>
+                <a:latin typeface="Adobe Clean" panose="020B0503020404020204" pitchFamily="34" charset="0"/>
               </a:rPr>
               <a:t>Enterprise</a:t>
             </a:r>
@@ -4003,19 +4106,34 @@
                   <a:schemeClr val="bg1"/>
                 </a:solidFill>
               </a:rPr>
-              <a:t> inclui acesso a caminhos de aprendizagem personalizados e a fóruns monitorados da comunidade na Adobe Experience League.</a:t>
-            </a:r>
-            <a:r>
+              <a:t> inclui acesso a caminhos de aprendizagem personalizados e a fóruns monitorados da comunidade </a:t>
+            </a:r>
+            <a:br>
               <a:rPr lang="pt-BR" sz="900" dirty="0">
                 <a:solidFill>
                   <a:schemeClr val="bg1"/>
                 </a:solidFill>
+              </a:rPr>
+            </a:br>
+            <a:r>
+              <a:rPr lang="pt-BR" sz="900" dirty="0">
+                <a:solidFill>
+                  <a:schemeClr val="bg1"/>
+                </a:solidFill>
+              </a:rPr>
+              <a:t>na Adobe Experience League.</a:t>
+            </a:r>
+            <a:r>
+              <a:rPr lang="pt-BR" sz="900" dirty="0">
+                <a:solidFill>
+                  <a:schemeClr val="bg1"/>
+                </a:solidFill>
                 <a:latin typeface="Adobe Clean SemiLight" panose="020B0403020404020204" pitchFamily="34" charset="0"/>
               </a:rPr>
-              <a:t> Você tem à sua disposição a nossa documentação técnica de produto, com todos os detalhes, e as notas de versão mais atuais. Os clientes ENTERPRISE também contam com um Engenheiro de suporte nomeado, que atua como contato técnico designado na Equipe de suporte da Adobe. Com ampla experiência na sua solução da Experience Cloud, a equipe de suporte colabora com você e com sua equipe técnica para garantir a resolução oportuna de todas as solicitações de suporte. A equipe </a:t>
+              <a:t> Você tem à sua disposição a nossa documentação técnica de produto, com todos os detalhes, </a:t>
             </a:r>
             <a:br>
-              <a:rPr lang="sk-SK" sz="900" dirty="0">
+              <a:rPr lang="pt-BR" sz="900" dirty="0">
                 <a:solidFill>
                   <a:schemeClr val="bg1"/>
                 </a:solidFill>
@@ -4029,7 +4147,41 @@
                 </a:solidFill>
                 <a:latin typeface="Adobe Clean SemiLight" panose="020B0403020404020204" pitchFamily="34" charset="0"/>
               </a:rPr>
-              <a:t>de suporte também ajuda a coordenar e a organizar a prestação de vantagens adicionais do suporte ENTERPRISE, garantindo interrupção mínima na sua empresa nos momentos mais críticos. </a:t>
+              <a:t>e as notas de versão mais atuais. Os clientes ENTERPRISE também contam com um Engenheiro de suporte nomeado, que atua </a:t>
+            </a:r>
+            <a:br>
+              <a:rPr lang="pt-BR" sz="900" dirty="0">
+                <a:solidFill>
+                  <a:schemeClr val="bg1"/>
+                </a:solidFill>
+                <a:latin typeface="Adobe Clean SemiLight" panose="020B0403020404020204" pitchFamily="34" charset="0"/>
+              </a:rPr>
+            </a:br>
+            <a:r>
+              <a:rPr lang="pt-BR" sz="900" dirty="0">
+                <a:solidFill>
+                  <a:schemeClr val="bg1"/>
+                </a:solidFill>
+                <a:latin typeface="Adobe Clean SemiLight" panose="020B0403020404020204" pitchFamily="34" charset="0"/>
+              </a:rPr>
+              <a:t>como contato técnico designado na Equipe de suporte da Adobe. Com ampla experiência na sua solução da Experience Cloud, </a:t>
+            </a:r>
+            <a:br>
+              <a:rPr lang="pt-BR" sz="900" dirty="0">
+                <a:solidFill>
+                  <a:schemeClr val="bg1"/>
+                </a:solidFill>
+                <a:latin typeface="Adobe Clean SemiLight" panose="020B0403020404020204" pitchFamily="34" charset="0"/>
+              </a:rPr>
+            </a:br>
+            <a:r>
+              <a:rPr lang="pt-BR" sz="900" dirty="0">
+                <a:solidFill>
+                  <a:schemeClr val="bg1"/>
+                </a:solidFill>
+                <a:latin typeface="Adobe Clean SemiLight" panose="020B0403020404020204" pitchFamily="34" charset="0"/>
+              </a:rPr>
+              <a:t>a equipe de suporte colabora com você e com sua equipe técnica para garantir a resolução oportuna de todas as solicitações de suporte. A equipe de suporte também ajuda a coordenar e a organizar a prestação de vantagens adicionais do suporte ENTERPRISE, garantindo interrupção mínima na sua empresa nos momentos mais críticos. </a:t>
             </a:r>
           </a:p>
         </p:txBody>
@@ -4642,7 +4794,7 @@
                         </a:spcBef>
                       </a:pPr>
                       <a:r>
-                        <a:rPr lang="pt-BR" sz="900" dirty="0">
+                        <a:rPr lang="pt-BR" sz="900">
                           <a:solidFill>
                             <a:srgbClr val="020302"/>
                           </a:solidFill>
@@ -7174,7 +7326,7 @@
                         <a:defRPr/>
                       </a:pPr>
                       <a:r>
-                        <a:rPr lang="pt-BR" sz="900" dirty="0">
+                        <a:rPr lang="pt-BR" sz="900">
                           <a:latin typeface="AdobeClean-Light"/>
                           <a:cs typeface="AdobeClean-Light"/>
                         </a:rPr>
@@ -7312,7 +7464,7 @@
         </p:nvSpPr>
         <p:spPr>
           <a:xfrm>
-            <a:off x="2835999" y="9021041"/>
+            <a:off x="2835999" y="8830541"/>
             <a:ext cx="2194560" cy="641201"/>
           </a:xfrm>
           <a:prstGeom prst="rect">
@@ -7320,7 +7472,7 @@
           </a:prstGeom>
         </p:spPr>
         <p:txBody>
-          <a:bodyPr vert="horz" wrap="square" lIns="0" tIns="12700" rIns="0" bIns="0" rtlCol="0">
+          <a:bodyPr vert="horz" wrap="square" lIns="0" tIns="12700" rIns="0" bIns="0" rtlCol="0" anchor="t">
             <a:spAutoFit/>
           </a:bodyPr>
           <a:lstStyle/>
@@ -7344,14 +7496,11 @@
                 <a:latin typeface="AdobeClean-Light"/>
                 <a:cs typeface="AdobeClean-Light"/>
               </a:rPr>
-              <a:t>Inicie uma sessão de chat para obter respostas e ajuda com o envio de caso</a:t>
+              <a:t>Inicie uma sessão de chat para obter respostas e ajuda com o envio de caso.</a:t>
             </a:r>
           </a:p>
           <a:p>
             <a:pPr marL="33020" marR="159385">
-              <a:lnSpc>
-                <a:spcPct val="100000"/>
-              </a:lnSpc>
               <a:spcBef>
                 <a:spcPts val="100"/>
               </a:spcBef>
@@ -7370,7 +7519,7 @@
               <a:t>*Nem todos os produtos têm suporte </a:t>
             </a:r>
             <a:br>
-              <a:rPr lang="sk-SK" sz="1000" i="1" dirty="0">
+              <a:rPr lang="pt-BR" sz="1000" i="1" dirty="0">
                 <a:solidFill>
                   <a:srgbClr val="7A7A7A"/>
                 </a:solidFill>
@@ -7396,7 +7545,7 @@
                 <a:latin typeface="AdobeClean-LightIt"/>
                 <a:cs typeface="AdobeClean-LightIt"/>
               </a:rPr>
-              <a:t>.  </a:t>
+              <a:t>.  </a:t>
             </a:r>
           </a:p>
         </p:txBody>
@@ -7417,7 +7566,7 @@
         </p:nvSpPr>
         <p:spPr>
           <a:xfrm>
-            <a:off x="689237" y="6664838"/>
+            <a:off x="689237" y="6474338"/>
             <a:ext cx="1568246" cy="184666"/>
           </a:xfrm>
           <a:prstGeom prst="rect">
@@ -7470,7 +7619,7 @@
         </p:nvSpPr>
         <p:spPr>
           <a:xfrm>
-            <a:off x="689237" y="6868024"/>
+            <a:off x="689237" y="6677524"/>
             <a:ext cx="959314" cy="184666"/>
           </a:xfrm>
           <a:prstGeom prst="rect">
@@ -7516,27 +7665,44 @@
         </p:nvSpPr>
         <p:spPr>
           <a:xfrm>
-            <a:off x="355868" y="7102087"/>
-            <a:ext cx="2194560" cy="959237"/>
+            <a:off x="355867" y="6911587"/>
+            <a:ext cx="2245029" cy="1113125"/>
           </a:xfrm>
           <a:prstGeom prst="rect">
             <a:avLst/>
           </a:prstGeom>
         </p:spPr>
         <p:txBody>
-          <a:bodyPr vert="horz" wrap="square" lIns="0" tIns="35560" rIns="0" bIns="0" rtlCol="0">
+          <a:bodyPr vert="horz" wrap="square" lIns="0" tIns="35560" rIns="0" bIns="0" rtlCol="0" anchor="t">
             <a:spAutoFit/>
           </a:bodyPr>
           <a:lstStyle/>
           <a:p>
             <a:r>
-              <a:rPr lang="pt-BR" sz="1000">
+              <a:rPr lang="pt-BR" sz="1000" dirty="0">
                 <a:solidFill>
                   <a:srgbClr val="4B4B4B"/>
                 </a:solidFill>
-                <a:latin typeface="Adobe Clean Light" panose="020B0303020404020204" pitchFamily="34" charset="0"/>
-              </a:rPr>
-              <a:t>Acesso online contínuo a um banco de dados cada vez maior de soluções técnicas, documentação do produto, perguntas frequentes e muito mais. Conecte-se com profissionais e outros clientes na Comunidade da Adobe para compartilhar práticas recomendadas e lições aprendidas</a:t>
+                <a:latin typeface="Adobe Clean Light"/>
+              </a:rPr>
+              <a:t>Acesso online contínuo a um banco de dados cada vez maior de soluções técnicas, documentação do produto, perguntas frequentes e muito mais. Conecte-se </a:t>
+            </a:r>
+            <a:br>
+              <a:rPr lang="pt-BR" sz="1000" dirty="0">
+                <a:solidFill>
+                  <a:srgbClr val="4B4B4B"/>
+                </a:solidFill>
+                <a:latin typeface="Adobe Clean Light"/>
+              </a:rPr>
+            </a:br>
+            <a:r>
+              <a:rPr lang="pt-BR" sz="1000" dirty="0">
+                <a:solidFill>
+                  <a:srgbClr val="4B4B4B"/>
+                </a:solidFill>
+                <a:latin typeface="Adobe Clean Light"/>
+              </a:rPr>
+              <a:t>com profissionais e outros clientes na Comunidade da Adobe para compartilhar práticas recomendadas e lições aprendidas.</a:t>
             </a:r>
           </a:p>
         </p:txBody>
@@ -7557,7 +7723,7 @@
         </p:nvSpPr>
         <p:spPr>
           <a:xfrm>
-            <a:off x="5723508" y="6664838"/>
+            <a:off x="5723508" y="6474338"/>
             <a:ext cx="1463040" cy="184666"/>
           </a:xfrm>
           <a:prstGeom prst="rect">
@@ -7610,7 +7776,7 @@
         </p:nvSpPr>
         <p:spPr>
           <a:xfrm>
-            <a:off x="5723508" y="6868024"/>
+            <a:off x="5723508" y="6677524"/>
             <a:ext cx="1316707" cy="184666"/>
           </a:xfrm>
           <a:prstGeom prst="rect">
@@ -7656,15 +7822,15 @@
         </p:nvSpPr>
         <p:spPr>
           <a:xfrm>
-            <a:off x="5265661" y="7060285"/>
-            <a:ext cx="2194560" cy="1113125"/>
+            <a:off x="5265660" y="6869785"/>
+            <a:ext cx="2240037" cy="1113125"/>
           </a:xfrm>
           <a:prstGeom prst="rect">
             <a:avLst/>
           </a:prstGeom>
         </p:spPr>
         <p:txBody>
-          <a:bodyPr vert="horz" wrap="square" lIns="0" tIns="35560" rIns="0" bIns="0" rtlCol="0">
+          <a:bodyPr vert="horz" wrap="square" lIns="0" tIns="35560" rIns="0" bIns="0" rtlCol="0" anchor="t">
             <a:spAutoFit/>
           </a:bodyPr>
           <a:lstStyle/>
@@ -7674,16 +7840,16 @@
                 <a:solidFill>
                   <a:srgbClr val="4B4B4B"/>
                 </a:solidFill>
-                <a:latin typeface="Adobe Clean Light" panose="020B0303020404020204" pitchFamily="34" charset="0"/>
-              </a:rPr>
-              <a:t>A Experience League gera criadores </a:t>
+                <a:latin typeface="Adobe Clean Light"/>
+              </a:rPr>
+              <a:t>A Experience League gera criadores de experiências. Os clientes podem adquirir habilidades de gerenciamento de experiência do cliente com aprendizagem personalizada, participar de uma comunidade de pares global e conseguir reconhecimento </a:t>
             </a:r>
             <a:br>
-              <a:rPr lang="sk-SK" sz="1000" dirty="0">
+              <a:rPr lang="pt-BR" sz="1000" dirty="0">
                 <a:solidFill>
                   <a:srgbClr val="4B4B4B"/>
                 </a:solidFill>
-                <a:latin typeface="Adobe Clean Light" panose="020B0303020404020204" pitchFamily="34" charset="0"/>
+                <a:latin typeface="Adobe Clean Light"/>
               </a:rPr>
             </a:br>
             <a:r>
@@ -7691,77 +7857,9 @@
                 <a:solidFill>
                   <a:srgbClr val="4B4B4B"/>
                 </a:solidFill>
-                <a:latin typeface="Adobe Clean Light" panose="020B0303020404020204" pitchFamily="34" charset="0"/>
-              </a:rPr>
-              <a:t>de experiências. Os clientes podem </a:t>
-            </a:r>
-            <a:br>
-              <a:rPr lang="sk-SK" sz="1000" dirty="0">
-                <a:solidFill>
-                  <a:srgbClr val="4B4B4B"/>
-                </a:solidFill>
-                <a:latin typeface="Adobe Clean Light" panose="020B0303020404020204" pitchFamily="34" charset="0"/>
-              </a:rPr>
-            </a:br>
-            <a:r>
-              <a:rPr lang="pt-BR" sz="1000" dirty="0">
-                <a:solidFill>
-                  <a:srgbClr val="4B4B4B"/>
-                </a:solidFill>
-                <a:latin typeface="Adobe Clean Light" panose="020B0303020404020204" pitchFamily="34" charset="0"/>
-              </a:rPr>
-              <a:t>adquirir habilidades de gerenciamento </a:t>
-            </a:r>
-            <a:br>
-              <a:rPr lang="sk-SK" sz="1000" dirty="0">
-                <a:solidFill>
-                  <a:srgbClr val="4B4B4B"/>
-                </a:solidFill>
-                <a:latin typeface="Adobe Clean Light" panose="020B0303020404020204" pitchFamily="34" charset="0"/>
-              </a:rPr>
-            </a:br>
-            <a:r>
-              <a:rPr lang="pt-BR" sz="1000" dirty="0">
-                <a:solidFill>
-                  <a:srgbClr val="4B4B4B"/>
-                </a:solidFill>
-                <a:latin typeface="Adobe Clean Light" panose="020B0303020404020204" pitchFamily="34" charset="0"/>
-              </a:rPr>
-              <a:t>de experiência do cliente com aprendizagem personalizada, participar </a:t>
-            </a:r>
-            <a:br>
-              <a:rPr lang="sk-SK" sz="1000" dirty="0">
-                <a:solidFill>
-                  <a:srgbClr val="4B4B4B"/>
-                </a:solidFill>
-                <a:latin typeface="Adobe Clean Light" panose="020B0303020404020204" pitchFamily="34" charset="0"/>
-              </a:rPr>
-            </a:br>
-            <a:r>
-              <a:rPr lang="pt-BR" sz="1000" dirty="0">
-                <a:solidFill>
-                  <a:srgbClr val="4B4B4B"/>
-                </a:solidFill>
-                <a:latin typeface="Adobe Clean Light" panose="020B0303020404020204" pitchFamily="34" charset="0"/>
-              </a:rPr>
-              <a:t>de uma comunidade de pares global </a:t>
-            </a:r>
-            <a:br>
-              <a:rPr lang="sk-SK" sz="1000" dirty="0">
-                <a:solidFill>
-                  <a:srgbClr val="4B4B4B"/>
-                </a:solidFill>
-                <a:latin typeface="Adobe Clean Light" panose="020B0303020404020204" pitchFamily="34" charset="0"/>
-              </a:rPr>
-            </a:br>
-            <a:r>
-              <a:rPr lang="pt-BR" sz="1000" dirty="0">
-                <a:solidFill>
-                  <a:srgbClr val="4B4B4B"/>
-                </a:solidFill>
-                <a:latin typeface="Adobe Clean Light" panose="020B0303020404020204" pitchFamily="34" charset="0"/>
-              </a:rPr>
-              <a:t>e conseguir reconhecimento de carreira</a:t>
+                <a:latin typeface="Adobe Clean Light"/>
+              </a:rPr>
+              <a:t>de carreira.</a:t>
             </a:r>
           </a:p>
         </p:txBody>
@@ -7782,7 +7880,7 @@
         </p:nvSpPr>
         <p:spPr>
           <a:xfrm>
-            <a:off x="3201544" y="8520784"/>
+            <a:off x="3201544" y="8330284"/>
             <a:ext cx="1543003" cy="184666"/>
           </a:xfrm>
           <a:prstGeom prst="rect">
@@ -7809,7 +7907,7 @@
               <a:defRPr/>
             </a:pPr>
             <a:r>
-              <a:rPr lang="pt-BR" sz="1200" dirty="0">
+              <a:rPr lang="pt-BR" sz="1200">
                 <a:solidFill>
                   <a:srgbClr val="000000"/>
                 </a:solidFill>
@@ -7835,7 +7933,7 @@
         </p:nvSpPr>
         <p:spPr>
           <a:xfrm>
-            <a:off x="3201544" y="8702003"/>
+            <a:off x="3201544" y="8511503"/>
             <a:ext cx="840166" cy="184666"/>
           </a:xfrm>
           <a:prstGeom prst="rect">
@@ -7883,7 +7981,7 @@
         </p:nvSpPr>
         <p:spPr>
           <a:xfrm>
-            <a:off x="3201544" y="6664838"/>
+            <a:off x="3201544" y="6474338"/>
             <a:ext cx="2520000" cy="184666"/>
           </a:xfrm>
           <a:prstGeom prst="rect">
@@ -7936,7 +8034,7 @@
         </p:nvSpPr>
         <p:spPr>
           <a:xfrm>
-            <a:off x="3201544" y="6868024"/>
+            <a:off x="3201544" y="6677524"/>
             <a:ext cx="992259" cy="184666"/>
           </a:xfrm>
           <a:prstGeom prst="rect">
@@ -7982,8 +8080,8 @@
         </p:nvSpPr>
         <p:spPr>
           <a:xfrm>
-            <a:off x="2835999" y="7097788"/>
-            <a:ext cx="2194560" cy="959237"/>
+            <a:off x="2835998" y="6907288"/>
+            <a:ext cx="2194561" cy="959237"/>
           </a:xfrm>
           <a:prstGeom prst="rect">
             <a:avLst/>
@@ -8011,24 +8109,7 @@
                 </a:solidFill>
                 <a:latin typeface="AdobeClean-Light"/>
               </a:rPr>
-              <a:t>contatos </a:t>
-            </a:r>
-            <a:br>
-              <a:rPr lang="sk-SK" sz="1000" b="1" dirty="0">
-                <a:solidFill>
-                  <a:srgbClr val="020302"/>
-                </a:solidFill>
-                <a:latin typeface="AdobeClean-Light"/>
-              </a:rPr>
-            </a:br>
-            <a:r>
-              <a:rPr lang="pt-BR" sz="1000" b="1" dirty="0">
-                <a:solidFill>
-                  <a:srgbClr val="020302"/>
-                </a:solidFill>
-                <a:latin typeface="AdobeClean-Light"/>
-              </a:rPr>
-              <a:t>de suporte nomeados</a:t>
+              <a:t>contatos de suporte nomeados</a:t>
             </a:r>
             <a:r>
               <a:rPr lang="pt-BR" sz="1000" dirty="0">
@@ -8037,15 +8118,26 @@
               <a:t> podem enviar problemas por todos os canais disponíveis (incluindo por telefone em prioridades P1) </a:t>
             </a:r>
             <a:br>
-              <a:rPr lang="sk-SK" sz="1000" dirty="0">
-                <a:latin typeface="Adobe Clean Light" panose="020B0303020404020204" pitchFamily="34" charset="0"/>
-              </a:rPr>
-            </a:br>
-            <a:r>
               <a:rPr lang="pt-BR" sz="1000" dirty="0">
                 <a:latin typeface="Adobe Clean Light" panose="020B0303020404020204" pitchFamily="34" charset="0"/>
               </a:rPr>
-              <a:t>e contatar a equipe de suporte técnico em nome de sua empresa. </a:t>
+            </a:br>
+            <a:r>
+              <a:rPr lang="pt-BR" sz="1000" dirty="0">
+                <a:latin typeface="Adobe Clean Light" panose="020B0303020404020204" pitchFamily="34" charset="0"/>
+              </a:rPr>
+              <a:t>e contatar a equipe de suporte técnico </a:t>
+            </a:r>
+            <a:br>
+              <a:rPr lang="pt-BR" sz="1000" dirty="0">
+                <a:latin typeface="Adobe Clean Light" panose="020B0303020404020204" pitchFamily="34" charset="0"/>
+              </a:rPr>
+            </a:br>
+            <a:r>
+              <a:rPr lang="pt-BR" sz="1000" dirty="0">
+                <a:latin typeface="Adobe Clean Light" panose="020B0303020404020204" pitchFamily="34" charset="0"/>
+              </a:rPr>
+              <a:t>em nome de sua empresa. </a:t>
             </a:r>
           </a:p>
         </p:txBody>
@@ -8064,8 +8156,8 @@
         </p:nvSpPr>
         <p:spPr>
           <a:xfrm>
-            <a:off x="214971" y="6447157"/>
-            <a:ext cx="2042512" cy="70632"/>
+            <a:off x="214971" y="6256657"/>
+            <a:ext cx="2042512" cy="57890"/>
           </a:xfrm>
           <a:custGeom>
             <a:avLst/>
@@ -8112,7 +8204,7 @@
         </p:nvSpPr>
         <p:spPr>
           <a:xfrm>
-            <a:off x="214971" y="6124178"/>
+            <a:off x="214971" y="5933678"/>
             <a:ext cx="1901483" cy="307777"/>
           </a:xfrm>
           <a:prstGeom prst="rect">
@@ -8134,7 +8226,7 @@
               </a:spcBef>
             </a:pPr>
             <a:r>
-              <a:rPr lang="pt-BR" sz="1400" b="1" dirty="0">
+              <a:rPr lang="pt-BR" sz="1400" b="1">
                 <a:solidFill>
                   <a:srgbClr val="020302"/>
                 </a:solidFill>
@@ -8162,7 +8254,7 @@
         </p:nvSpPr>
         <p:spPr>
           <a:xfrm>
-            <a:off x="689237" y="8520784"/>
+            <a:off x="689237" y="8330284"/>
             <a:ext cx="991521" cy="184666"/>
           </a:xfrm>
           <a:prstGeom prst="rect">
@@ -8215,7 +8307,7 @@
         </p:nvSpPr>
         <p:spPr>
           <a:xfrm>
-            <a:off x="689237" y="8702003"/>
+            <a:off x="689237" y="8511503"/>
             <a:ext cx="604974" cy="184666"/>
           </a:xfrm>
           <a:prstGeom prst="rect">
@@ -8261,8 +8353,8 @@
         </p:nvSpPr>
         <p:spPr>
           <a:xfrm>
-            <a:off x="355868" y="8986613"/>
-            <a:ext cx="2396720" cy="805349"/>
+            <a:off x="355868" y="8796113"/>
+            <a:ext cx="2285732" cy="959237"/>
           </a:xfrm>
           <a:prstGeom prst="rect">
             <a:avLst/>
@@ -8281,7 +8373,58 @@
                 </a:solidFill>
                 <a:latin typeface="Adobe Clean Light" panose="020B0303020404020204" pitchFamily="34" charset="0"/>
               </a:rPr>
-              <a:t>O Office Hours, apresentado pela equipe de Suporte ao cliente da Adobe, inclui sessões para informar e ajudar os participantes a solucionar problemas e fornecer dicas e truques para aproveitar ao máximo as soluções da Adobe. </a:t>
+              <a:t>O Office Hours, apresentado pela equipe de Suporte ao cliente da Adobe, inclui sessões para informar e ajudar os participantes </a:t>
+            </a:r>
+            <a:br>
+              <a:rPr lang="pt-BR" sz="1000" dirty="0">
+                <a:solidFill>
+                  <a:srgbClr val="4B4B4B"/>
+                </a:solidFill>
+                <a:latin typeface="Adobe Clean Light" panose="020B0303020404020204" pitchFamily="34" charset="0"/>
+              </a:rPr>
+            </a:br>
+            <a:r>
+              <a:rPr lang="pt-BR" sz="1000" dirty="0">
+                <a:solidFill>
+                  <a:srgbClr val="4B4B4B"/>
+                </a:solidFill>
+                <a:latin typeface="Adobe Clean Light" panose="020B0303020404020204" pitchFamily="34" charset="0"/>
+              </a:rPr>
+              <a:t>a solucionar problemas e fornecer dicas </a:t>
+            </a:r>
+            <a:br>
+              <a:rPr lang="pt-BR" sz="1000" dirty="0">
+                <a:solidFill>
+                  <a:srgbClr val="4B4B4B"/>
+                </a:solidFill>
+                <a:latin typeface="Adobe Clean Light" panose="020B0303020404020204" pitchFamily="34" charset="0"/>
+              </a:rPr>
+            </a:br>
+            <a:r>
+              <a:rPr lang="pt-BR" sz="1000" dirty="0">
+                <a:solidFill>
+                  <a:srgbClr val="4B4B4B"/>
+                </a:solidFill>
+                <a:latin typeface="Adobe Clean Light" panose="020B0303020404020204" pitchFamily="34" charset="0"/>
+              </a:rPr>
+              <a:t>e truques para aproveitar ao máximo </a:t>
+            </a:r>
+            <a:br>
+              <a:rPr lang="pt-BR" sz="1000" dirty="0">
+                <a:solidFill>
+                  <a:srgbClr val="4B4B4B"/>
+                </a:solidFill>
+                <a:latin typeface="Adobe Clean Light" panose="020B0303020404020204" pitchFamily="34" charset="0"/>
+              </a:rPr>
+            </a:br>
+            <a:r>
+              <a:rPr lang="pt-BR" sz="1000" dirty="0">
+                <a:solidFill>
+                  <a:srgbClr val="4B4B4B"/>
+                </a:solidFill>
+                <a:latin typeface="Adobe Clean Light" panose="020B0303020404020204" pitchFamily="34" charset="0"/>
+              </a:rPr>
+              <a:t>as soluções da Adobe. </a:t>
             </a:r>
           </a:p>
         </p:txBody>
@@ -8302,8 +8445,8 @@
         </p:nvSpPr>
         <p:spPr>
           <a:xfrm>
-            <a:off x="5723508" y="8520784"/>
-            <a:ext cx="1303746" cy="184666"/>
+            <a:off x="5723507" y="8330284"/>
+            <a:ext cx="1782191" cy="184666"/>
           </a:xfrm>
           <a:prstGeom prst="rect">
             <a:avLst/>
@@ -8329,7 +8472,7 @@
               <a:defRPr/>
             </a:pPr>
             <a:r>
-              <a:rPr lang="pt-BR" sz="1200">
+              <a:rPr lang="pt-BR" sz="1200" dirty="0">
                 <a:solidFill>
                   <a:srgbClr val="000000"/>
                 </a:solidFill>
@@ -8355,7 +8498,7 @@
         </p:nvSpPr>
         <p:spPr>
           <a:xfrm>
-            <a:off x="5723508" y="8702003"/>
+            <a:off x="5723508" y="8511503"/>
             <a:ext cx="1267206" cy="184666"/>
           </a:xfrm>
           <a:prstGeom prst="rect">
@@ -8401,8 +8544,8 @@
         </p:nvSpPr>
         <p:spPr>
           <a:xfrm>
-            <a:off x="5265661" y="8947635"/>
-            <a:ext cx="2194560" cy="959237"/>
+            <a:off x="5265661" y="8757135"/>
+            <a:ext cx="2240036" cy="959237"/>
           </a:xfrm>
           <a:prstGeom prst="rect">
             <a:avLst/>
@@ -8421,41 +8564,7 @@
                 </a:solidFill>
                 <a:latin typeface="Adobe Clean Light" panose="020B0303020404020204" pitchFamily="34" charset="0"/>
               </a:rPr>
-              <a:t>Acesso sob demanda ao Portal de autoatendimento online para enviar solicitações de suporte, revisar o status </a:t>
-            </a:r>
-            <a:br>
-              <a:rPr lang="sk-SK" sz="1000" dirty="0">
-                <a:solidFill>
-                  <a:srgbClr val="4B4B4B"/>
-                </a:solidFill>
-                <a:latin typeface="Adobe Clean Light" panose="020B0303020404020204" pitchFamily="34" charset="0"/>
-              </a:rPr>
-            </a:br>
-            <a:r>
-              <a:rPr lang="pt-BR" sz="1000" dirty="0">
-                <a:solidFill>
-                  <a:srgbClr val="4B4B4B"/>
-                </a:solidFill>
-                <a:latin typeface="Adobe Clean Light" panose="020B0303020404020204" pitchFamily="34" charset="0"/>
-              </a:rPr>
-              <a:t>do caso e procurar outros recursos, como nossa base de conhecimento, notícias </a:t>
-            </a:r>
-            <a:br>
-              <a:rPr lang="sk-SK" sz="1000" dirty="0">
-                <a:solidFill>
-                  <a:srgbClr val="4B4B4B"/>
-                </a:solidFill>
-                <a:latin typeface="Adobe Clean Light" panose="020B0303020404020204" pitchFamily="34" charset="0"/>
-              </a:rPr>
-            </a:br>
-            <a:r>
-              <a:rPr lang="pt-BR" sz="1000" dirty="0">
-                <a:solidFill>
-                  <a:srgbClr val="4B4B4B"/>
-                </a:solidFill>
-                <a:latin typeface="Adobe Clean Light" panose="020B0303020404020204" pitchFamily="34" charset="0"/>
-              </a:rPr>
-              <a:t>e alertas, dicas em destaque e muito mais.</a:t>
+              <a:t>Acesso sob demanda ao Portal de autoatendimento online para enviar solicitações de suporte, revisar o status do caso e procurar outros recursos, como nossa base de conhecimento, notícias e alertas, dicas em destaque e muito mais.</a:t>
             </a:r>
           </a:p>
         </p:txBody>
@@ -8609,8 +8718,8 @@
         </p:nvSpPr>
         <p:spPr>
           <a:xfrm>
-            <a:off x="214970" y="868681"/>
-            <a:ext cx="2335457" cy="66021"/>
+            <a:off x="214971" y="868681"/>
+            <a:ext cx="2354170" cy="76595"/>
           </a:xfrm>
           <a:custGeom>
             <a:avLst/>
@@ -8705,8 +8814,8 @@
         </p:nvSpPr>
         <p:spPr>
           <a:xfrm>
-            <a:off x="689237" y="2603191"/>
-            <a:ext cx="1879905" cy="204275"/>
+            <a:off x="689237" y="2603192"/>
+            <a:ext cx="1879904" cy="197490"/>
           </a:xfrm>
           <a:prstGeom prst="rect">
             <a:avLst/>
@@ -8754,7 +8863,7 @@
         <p:spPr>
           <a:xfrm>
             <a:off x="355868" y="2923693"/>
-            <a:ext cx="2194560" cy="936154"/>
+            <a:ext cx="2168257" cy="936154"/>
           </a:xfrm>
           <a:prstGeom prst="rect">
             <a:avLst/>
@@ -8784,7 +8893,7 @@
               <a:t>Um ponto de contato designado na </a:t>
             </a:r>
             <a:br>
-              <a:rPr lang="sk-SK" sz="1000" dirty="0">
+              <a:rPr lang="pt-BR" sz="1000" dirty="0">
                 <a:solidFill>
                   <a:srgbClr val="4B4B4B"/>
                 </a:solidFill>
@@ -8798,27 +8907,10 @@
                 </a:solidFill>
                 <a:latin typeface="Adobe Clean Light" panose="020B0303020404020204" pitchFamily="34" charset="0"/>
               </a:rPr>
-              <a:t>Adobe que pode fornecer assistência </a:t>
+              <a:t>Adobe que pode fornecer assistência de encaminhamento, atualizações regulares </a:t>
             </a:r>
             <a:br>
-              <a:rPr lang="sk-SK" sz="1000" dirty="0">
-                <a:solidFill>
-                  <a:srgbClr val="4B4B4B"/>
-                </a:solidFill>
-                <a:latin typeface="Adobe Clean Light" panose="020B0303020404020204" pitchFamily="34" charset="0"/>
-              </a:rPr>
-            </a:br>
-            <a:r>
               <a:rPr lang="pt-BR" sz="1000" dirty="0">
-                <a:solidFill>
-                  <a:srgbClr val="4B4B4B"/>
-                </a:solidFill>
-                <a:latin typeface="Adobe Clean Light" panose="020B0303020404020204" pitchFamily="34" charset="0"/>
-              </a:rPr>
-              <a:t>de encaminhamento, atualizações regulares </a:t>
-            </a:r>
-            <a:br>
-              <a:rPr lang="sk-SK" sz="1000" dirty="0">
                 <a:solidFill>
                   <a:srgbClr val="4B4B4B"/>
                 </a:solidFill>
@@ -8852,7 +8944,7 @@
         <p:spPr>
           <a:xfrm>
             <a:off x="3201544" y="2592995"/>
-            <a:ext cx="1408205" cy="197490"/>
+            <a:ext cx="1595881" cy="197490"/>
           </a:xfrm>
           <a:prstGeom prst="rect">
             <a:avLst/>
@@ -8930,7 +9022,7 @@
               <a:t>Uma análise abrangente e bianual </a:t>
             </a:r>
             <a:br>
-              <a:rPr lang="sk-SK" sz="1000" dirty="0">
+              <a:rPr lang="pt-BR" sz="1000" dirty="0">
                 <a:solidFill>
                   <a:srgbClr val="4B4B4B"/>
                 </a:solidFill>
@@ -8947,7 +9039,7 @@
               <a:t>dos serviços, benefícios e das métricas </a:t>
             </a:r>
             <a:br>
-              <a:rPr lang="sk-SK" sz="1000" dirty="0">
+              <a:rPr lang="pt-BR" sz="1000" dirty="0">
                 <a:solidFill>
                   <a:srgbClr val="4B4B4B"/>
                 </a:solidFill>
@@ -8980,8 +9072,8 @@
         </p:nvSpPr>
         <p:spPr>
           <a:xfrm>
-            <a:off x="5265661" y="1426694"/>
-            <a:ext cx="2194560" cy="628377"/>
+            <a:off x="5265660" y="1426694"/>
+            <a:ext cx="2240039" cy="628377"/>
           </a:xfrm>
           <a:prstGeom prst="rect">
             <a:avLst/>
@@ -9002,13 +9094,30 @@
               </a:spcBef>
             </a:pPr>
             <a:r>
-              <a:rPr lang="pt-BR" sz="1000">
+              <a:rPr lang="pt-BR" sz="1000" dirty="0">
                 <a:solidFill>
                   <a:srgbClr val="4B4B4B"/>
                 </a:solidFill>
                 <a:latin typeface="Adobe Clean Light" panose="020B0303020404020204" pitchFamily="34" charset="0"/>
               </a:rPr>
-              <a:t>Uma sessão de 60 minutos focada em um recurso específico do produto e em como ele pode ser usado para resolver problemas empresariais comuns.</a:t>
+              <a:t>Uma sessão de 60 minutos focada em um recurso específico do produto e em como </a:t>
+            </a:r>
+            <a:br>
+              <a:rPr lang="pt-BR" sz="1000" dirty="0">
+                <a:solidFill>
+                  <a:srgbClr val="4B4B4B"/>
+                </a:solidFill>
+                <a:latin typeface="Adobe Clean Light" panose="020B0303020404020204" pitchFamily="34" charset="0"/>
+              </a:rPr>
+            </a:br>
+            <a:r>
+              <a:rPr lang="pt-BR" sz="1000" dirty="0">
+                <a:solidFill>
+                  <a:srgbClr val="4B4B4B"/>
+                </a:solidFill>
+                <a:latin typeface="Adobe Clean Light" panose="020B0303020404020204" pitchFamily="34" charset="0"/>
+              </a:rPr>
+              <a:t>ele pode ser usado para resolver problemas empresariais comuns.</a:t>
             </a:r>
           </a:p>
         </p:txBody>
@@ -9027,7 +9136,7 @@
         </p:nvSpPr>
         <p:spPr>
           <a:xfrm>
-            <a:off x="5265661" y="5096987"/>
+            <a:off x="5265661" y="5001737"/>
             <a:ext cx="2194560" cy="536622"/>
           </a:xfrm>
           <a:prstGeom prst="rect">
@@ -9035,7 +9144,7 @@
           </a:prstGeom>
         </p:spPr>
         <p:txBody>
-          <a:bodyPr vert="horz" wrap="square" lIns="0" tIns="12700" rIns="0" bIns="0" rtlCol="0">
+          <a:bodyPr vert="horz" wrap="square" lIns="0" tIns="12700" rIns="0" bIns="0" rtlCol="0" anchor="t">
             <a:spAutoFit/>
           </a:bodyPr>
           <a:lstStyle/>
@@ -9053,16 +9162,16 @@
                 <a:solidFill>
                   <a:srgbClr val="4B4B4B"/>
                 </a:solidFill>
-                <a:latin typeface="Adobe Clean Light" panose="020B0303020404020204" pitchFamily="34" charset="0"/>
+                <a:latin typeface="Adobe Clean Light"/>
               </a:rPr>
               <a:t>Adoção de práticas recomendadas </a:t>
             </a:r>
             <a:br>
-              <a:rPr lang="sk-SK" sz="1000" dirty="0">
+              <a:rPr lang="pt-BR" sz="1000" dirty="0">
                 <a:solidFill>
                   <a:srgbClr val="4B4B4B"/>
                 </a:solidFill>
-                <a:latin typeface="Adobe Clean Light" panose="020B0303020404020204" pitchFamily="34" charset="0"/>
+                <a:latin typeface="Adobe Clean Light"/>
               </a:rPr>
             </a:br>
             <a:r>
@@ -9070,9 +9179,9 @@
                 <a:solidFill>
                   <a:srgbClr val="4B4B4B"/>
                 </a:solidFill>
-                <a:latin typeface="Adobe Clean Light" panose="020B0303020404020204" pitchFamily="34" charset="0"/>
-              </a:rPr>
-              <a:t>de personalização e dos componentes principais no AEM as a Cloud Service</a:t>
+                <a:latin typeface="Adobe Clean Light"/>
+              </a:rPr>
+              <a:t>de personalização e dos componentes principais no AEM as a Cloud Service.</a:t>
             </a:r>
           </a:p>
         </p:txBody>
@@ -9091,7 +9200,7 @@
         </p:nvSpPr>
         <p:spPr>
           <a:xfrm>
-            <a:off x="2835999" y="5060772"/>
+            <a:off x="2835999" y="4994097"/>
             <a:ext cx="2194560" cy="720903"/>
           </a:xfrm>
           <a:prstGeom prst="rect">
@@ -9099,12 +9208,12 @@
           </a:prstGeom>
         </p:spPr>
         <p:txBody>
-          <a:bodyPr vert="horz" wrap="square" lIns="0" tIns="12700" rIns="0" bIns="0" rtlCol="0">
+          <a:bodyPr vert="horz" wrap="square" lIns="0" tIns="12700" rIns="0" bIns="0" rtlCol="0" anchor="t">
             <a:spAutoFit/>
           </a:bodyPr>
           <a:lstStyle/>
           <a:p>
-            <a:pPr marL="14604" marR="5080" indent="-1905">
+            <a:pPr marL="13970" marR="5080" indent="-1905">
               <a:lnSpc>
                 <a:spcPct val="117000"/>
               </a:lnSpc>
@@ -9117,43 +9226,9 @@
                 <a:solidFill>
                   <a:srgbClr val="4B4B4B"/>
                 </a:solidFill>
-                <a:latin typeface="Adobe Clean Light" panose="020B0303020404020204" pitchFamily="34" charset="0"/>
-              </a:rPr>
-              <a:t>Identificação, revisão e recomendações sobre áreas personalizadas da adoção </a:t>
-            </a:r>
-            <a:br>
-              <a:rPr lang="sk-SK" sz="1000" dirty="0">
-                <a:solidFill>
-                  <a:srgbClr val="4B4B4B"/>
-                </a:solidFill>
-                <a:latin typeface="Adobe Clean Light" panose="020B0303020404020204" pitchFamily="34" charset="0"/>
-              </a:rPr>
-            </a:br>
-            <a:r>
-              <a:rPr lang="pt-BR" sz="1000" dirty="0">
-                <a:solidFill>
-                  <a:srgbClr val="4B4B4B"/>
-                </a:solidFill>
-                <a:latin typeface="Adobe Clean Light" panose="020B0303020404020204" pitchFamily="34" charset="0"/>
-              </a:rPr>
-              <a:t>de soluções com oportunidades </a:t>
-            </a:r>
-            <a:br>
-              <a:rPr lang="sk-SK" sz="1000" dirty="0">
-                <a:solidFill>
-                  <a:srgbClr val="4B4B4B"/>
-                </a:solidFill>
-                <a:latin typeface="Adobe Clean Light" panose="020B0303020404020204" pitchFamily="34" charset="0"/>
-              </a:rPr>
-            </a:br>
-            <a:r>
-              <a:rPr lang="pt-BR" sz="1000" dirty="0">
-                <a:solidFill>
-                  <a:srgbClr val="4B4B4B"/>
-                </a:solidFill>
-                <a:latin typeface="Adobe Clean Light" panose="020B0303020404020204" pitchFamily="34" charset="0"/>
-              </a:rPr>
-              <a:t>de otimização</a:t>
+                <a:latin typeface="Adobe Clean Light"/>
+              </a:rPr>
+              <a:t>Identificação, revisão e recomendações sobre áreas personalizadas da adoção de soluções com oportunidades de otimização.</a:t>
             </a:r>
           </a:p>
         </p:txBody>
@@ -9173,14 +9248,14 @@
         <p:spPr>
           <a:xfrm>
             <a:off x="355868" y="4947989"/>
-            <a:ext cx="2194560" cy="899670"/>
+            <a:ext cx="2285732" cy="717376"/>
           </a:xfrm>
           <a:prstGeom prst="rect">
             <a:avLst/>
           </a:prstGeom>
         </p:spPr>
         <p:txBody>
-          <a:bodyPr vert="horz" wrap="square" lIns="0" tIns="12700" rIns="0" bIns="0" rtlCol="0">
+          <a:bodyPr vert="horz" wrap="square" lIns="0" tIns="12700" rIns="0" bIns="0" rtlCol="0" anchor="t">
             <a:spAutoFit/>
           </a:bodyPr>
           <a:lstStyle/>
@@ -9198,43 +9273,9 @@
                 <a:solidFill>
                   <a:srgbClr val="4B4B4B"/>
                 </a:solidFill>
-                <a:latin typeface="Adobe Clean Light" panose="020B0303020404020204" pitchFamily="34" charset="0"/>
-              </a:rPr>
-              <a:t>Governança técnica e operacional para auxiliar os clientes do AEM as a Cloud Service a seguirem os padrões do setor </a:t>
-            </a:r>
-            <a:br>
-              <a:rPr lang="sk-SK" sz="1000" dirty="0">
-                <a:solidFill>
-                  <a:srgbClr val="4B4B4B"/>
-                </a:solidFill>
-                <a:latin typeface="Adobe Clean Light" panose="020B0303020404020204" pitchFamily="34" charset="0"/>
-              </a:rPr>
-            </a:br>
-            <a:r>
-              <a:rPr lang="pt-BR" sz="1000" dirty="0">
-                <a:solidFill>
-                  <a:srgbClr val="4B4B4B"/>
-                </a:solidFill>
-                <a:latin typeface="Adobe Clean Light" panose="020B0303020404020204" pitchFamily="34" charset="0"/>
-              </a:rPr>
-              <a:t>e as práticas recomendadas do AEM </a:t>
-            </a:r>
-            <a:br>
-              <a:rPr lang="sk-SK" sz="1000" dirty="0">
-                <a:solidFill>
-                  <a:srgbClr val="4B4B4B"/>
-                </a:solidFill>
-                <a:latin typeface="Adobe Clean Light" panose="020B0303020404020204" pitchFamily="34" charset="0"/>
-              </a:rPr>
-            </a:br>
-            <a:r>
-              <a:rPr lang="pt-BR" sz="1000" dirty="0">
-                <a:solidFill>
-                  <a:srgbClr val="4B4B4B"/>
-                </a:solidFill>
-                <a:latin typeface="Adobe Clean Light" panose="020B0303020404020204" pitchFamily="34" charset="0"/>
-              </a:rPr>
-              <a:t>as a Cloud Service</a:t>
+                <a:latin typeface="Adobe Clean Light"/>
+              </a:rPr>
+              <a:t>Governança técnica e operacional para auxiliar os clientes do AEM as a Cloud Service a seguirem os padrões do setor e as práticas recomendadas do AEM as a Cloud Service.</a:t>
             </a:r>
           </a:p>
         </p:txBody>
@@ -9281,7 +9322,7 @@
               <a:t>Um engenheiro de suporte designado, familiarizado com seu ambiente de solução e objetivos de negócios. O engenheiro </a:t>
             </a:r>
             <a:br>
-              <a:rPr lang="sk-SK" sz="1000" dirty="0">
+              <a:rPr lang="pt-BR" sz="1000" dirty="0">
                 <a:solidFill>
                   <a:srgbClr val="4B4B4B"/>
                 </a:solidFill>
@@ -9298,7 +9339,7 @@
               <a:t>é um profissional experiente que ajuda </a:t>
             </a:r>
             <a:br>
-              <a:rPr lang="sk-SK" sz="1000" dirty="0">
+              <a:rPr lang="pt-BR" sz="1000" dirty="0">
                 <a:solidFill>
                   <a:srgbClr val="4B4B4B"/>
                 </a:solidFill>
@@ -9333,7 +9374,7 @@
         </p:nvSpPr>
         <p:spPr>
           <a:xfrm>
-            <a:off x="3201544" y="1127425"/>
+            <a:off x="3201544" y="987725"/>
             <a:ext cx="1726164" cy="184666"/>
           </a:xfrm>
           <a:prstGeom prst="rect">
@@ -9355,7 +9396,7 @@
               </a:spcAft>
             </a:pPr>
             <a:r>
-              <a:rPr lang="pt-BR" sz="1200" b="1">
+              <a:rPr lang="pt-BR" sz="1200" b="1" dirty="0">
                 <a:solidFill>
                   <a:srgbClr val="020302"/>
                 </a:solidFill>
@@ -9420,7 +9461,7 @@
         <p:spPr>
           <a:xfrm>
             <a:off x="5723508" y="1099976"/>
-            <a:ext cx="1036205" cy="197490"/>
+            <a:ext cx="1712342" cy="197490"/>
           </a:xfrm>
           <a:prstGeom prst="rect">
             <a:avLst/>
@@ -9441,7 +9482,7 @@
               </a:spcBef>
             </a:pPr>
             <a:r>
-              <a:rPr lang="pt-BR" sz="1200" b="1">
+              <a:rPr lang="pt-BR" sz="1200" b="1" dirty="0">
                 <a:solidFill>
                   <a:srgbClr val="020302"/>
                 </a:solidFill>
@@ -9467,8 +9508,8 @@
         </p:nvSpPr>
         <p:spPr>
           <a:xfrm>
-            <a:off x="5181600" y="4466703"/>
-            <a:ext cx="1972258" cy="646331"/>
+            <a:off x="5181599" y="4301603"/>
+            <a:ext cx="2168525" cy="646331"/>
           </a:xfrm>
           <a:prstGeom prst="rect">
             <a:avLst/>
@@ -9499,7 +9540,7 @@
               <a:t>Práticas recomendadas </a:t>
             </a:r>
             <a:br>
-              <a:rPr lang="sk-SK" sz="1200" b="1" dirty="0">
+              <a:rPr lang="pt-BR" sz="1200" b="1" dirty="0">
                 <a:solidFill>
                   <a:srgbClr val="020302"/>
                 </a:solidFill>
@@ -9515,7 +9556,26 @@
                 <a:latin typeface="Adobe Clean"/>
                 <a:cs typeface="Adobe Clean"/>
               </a:rPr>
-              <a:t>de personalização do AEM as a Cloud Service</a:t>
+              <a:t>de personalização do AEM </a:t>
+            </a:r>
+            <a:br>
+              <a:rPr lang="pt-BR" sz="1200" b="1" dirty="0">
+                <a:solidFill>
+                  <a:srgbClr val="020302"/>
+                </a:solidFill>
+                <a:latin typeface="Adobe Clean"/>
+                <a:cs typeface="Adobe Clean"/>
+              </a:rPr>
+            </a:br>
+            <a:r>
+              <a:rPr lang="pt-BR" sz="1200" b="1" dirty="0">
+                <a:solidFill>
+                  <a:srgbClr val="020302"/>
+                </a:solidFill>
+                <a:latin typeface="Adobe Clean"/>
+                <a:cs typeface="Adobe Clean"/>
+              </a:rPr>
+              <a:t>as a Cloud Service</a:t>
             </a:r>
           </a:p>
         </p:txBody>
@@ -9534,8 +9594,8 @@
         </p:nvSpPr>
         <p:spPr>
           <a:xfrm>
-            <a:off x="2752588" y="4438393"/>
-            <a:ext cx="1708650" cy="461665"/>
+            <a:off x="2752587" y="4438393"/>
+            <a:ext cx="2194559" cy="461665"/>
           </a:xfrm>
           <a:prstGeom prst="rect">
             <a:avLst/>
@@ -9614,7 +9674,7 @@
               <a:t>Governança para o AEM </a:t>
             </a:r>
             <a:br>
-              <a:rPr lang="sk-SK" sz="1200" b="1" dirty="0">
+              <a:rPr lang="pt-BR" sz="1200" b="1" dirty="0">
                 <a:solidFill>
                   <a:srgbClr val="020302"/>
                 </a:solidFill>
@@ -9727,8 +9787,8 @@
         </p:nvSpPr>
         <p:spPr>
           <a:xfrm>
-            <a:off x="689237" y="1102553"/>
-            <a:ext cx="1373941" cy="197490"/>
+            <a:off x="689237" y="1102554"/>
+            <a:ext cx="1427217" cy="197490"/>
           </a:xfrm>
           <a:prstGeom prst="rect">
             <a:avLst/>
@@ -9814,8 +9874,8 @@
         </p:nvSpPr>
         <p:spPr>
           <a:xfrm>
-            <a:off x="355868" y="1426046"/>
-            <a:ext cx="2194560" cy="1090042"/>
+            <a:off x="355867" y="1426046"/>
+            <a:ext cx="2252891" cy="936154"/>
           </a:xfrm>
           <a:prstGeom prst="rect">
             <a:avLst/>
@@ -9842,58 +9902,7 @@
                 </a:solidFill>
                 <a:latin typeface="Adobe Clean Light" panose="020B0303020404020204" pitchFamily="34" charset="0"/>
               </a:rPr>
-              <a:t>Revisão regular das solicitações de suporte abertas, garantindo o alinhamento </a:t>
-            </a:r>
-            <a:br>
-              <a:rPr lang="sk-SK" sz="1000" dirty="0">
-                <a:solidFill>
-                  <a:srgbClr val="4B4B4B"/>
-                </a:solidFill>
-                <a:latin typeface="Adobe Clean Light" panose="020B0303020404020204" pitchFamily="34" charset="0"/>
-              </a:rPr>
-            </a:br>
-            <a:r>
-              <a:rPr lang="pt-BR" sz="1000" dirty="0">
-                <a:solidFill>
-                  <a:srgbClr val="4B4B4B"/>
-                </a:solidFill>
-                <a:latin typeface="Adobe Clean Light" panose="020B0303020404020204" pitchFamily="34" charset="0"/>
-              </a:rPr>
-              <a:t>do cliente considerando a descrição </a:t>
-            </a:r>
-            <a:br>
-              <a:rPr lang="sk-SK" sz="1000" dirty="0">
-                <a:solidFill>
-                  <a:srgbClr val="4B4B4B"/>
-                </a:solidFill>
-                <a:latin typeface="Adobe Clean Light" panose="020B0303020404020204" pitchFamily="34" charset="0"/>
-              </a:rPr>
-            </a:br>
-            <a:r>
-              <a:rPr lang="pt-BR" sz="1000" dirty="0">
-                <a:solidFill>
-                  <a:srgbClr val="4B4B4B"/>
-                </a:solidFill>
-                <a:latin typeface="Adobe Clean Light" panose="020B0303020404020204" pitchFamily="34" charset="0"/>
-              </a:rPr>
-              <a:t>do caso, o impacto nos negócios, o status, </a:t>
-            </a:r>
-            <a:br>
-              <a:rPr lang="sk-SK" sz="1000" dirty="0">
-                <a:solidFill>
-                  <a:srgbClr val="4B4B4B"/>
-                </a:solidFill>
-                <a:latin typeface="Adobe Clean Light" panose="020B0303020404020204" pitchFamily="34" charset="0"/>
-              </a:rPr>
-            </a:br>
-            <a:r>
-              <a:rPr lang="pt-BR" sz="1000" dirty="0">
-                <a:solidFill>
-                  <a:srgbClr val="4B4B4B"/>
-                </a:solidFill>
-                <a:latin typeface="Adobe Clean Light" panose="020B0303020404020204" pitchFamily="34" charset="0"/>
-              </a:rPr>
-              <a:t>a prioridade e o acordo sobre as próximas etapas necessárias para garantir uma resolução adequada.</a:t>
+              <a:t>Revisão regular das solicitações de suporte abertas, garantindo o alinhamento do cliente considerando a descrição do caso, o impacto nos negócios, o status, a prioridade e o acordo sobre as próximas etapas necessárias para garantir uma resolução adequada.</a:t>
             </a:r>
           </a:p>
         </p:txBody>
@@ -9960,8 +9969,8 @@
         </p:nvSpPr>
         <p:spPr>
           <a:xfrm>
-            <a:off x="214970" y="4310484"/>
-            <a:ext cx="2986574" cy="45719"/>
+            <a:off x="214971" y="4310484"/>
+            <a:ext cx="3033054" cy="74402"/>
           </a:xfrm>
           <a:custGeom>
             <a:avLst/>
@@ -10025,7 +10034,7 @@
         </p:blipFill>
         <p:spPr>
           <a:xfrm>
-            <a:off x="3340667" y="3892352"/>
+            <a:off x="3318442" y="3892352"/>
             <a:ext cx="461665" cy="461665"/>
           </a:xfrm>
           <a:prstGeom prst="rect">
@@ -10064,7 +10073,7 @@
         </p:blipFill>
         <p:spPr>
           <a:xfrm>
-            <a:off x="2776853" y="6679878"/>
+            <a:off x="2776853" y="6489378"/>
             <a:ext cx="411480" cy="411480"/>
           </a:xfrm>
           <a:prstGeom prst="rect">
@@ -10103,7 +10112,7 @@
         </p:blipFill>
         <p:spPr>
           <a:xfrm>
-            <a:off x="228600" y="8520784"/>
+            <a:off x="228600" y="8330284"/>
             <a:ext cx="411480" cy="411480"/>
           </a:xfrm>
           <a:prstGeom prst="rect">
@@ -10142,7 +10151,7 @@
         </p:blipFill>
         <p:spPr>
           <a:xfrm>
-            <a:off x="228600" y="6641210"/>
+            <a:off x="228600" y="6450710"/>
             <a:ext cx="411480" cy="411480"/>
           </a:xfrm>
           <a:prstGeom prst="rect">
@@ -10181,7 +10190,7 @@
         </p:blipFill>
         <p:spPr>
           <a:xfrm>
-            <a:off x="5257800" y="6629400"/>
+            <a:off x="5257800" y="6438900"/>
             <a:ext cx="411480" cy="411480"/>
           </a:xfrm>
           <a:prstGeom prst="rect">
@@ -10220,7 +10229,7 @@
         </p:blipFill>
         <p:spPr>
           <a:xfrm>
-            <a:off x="5257800" y="8520784"/>
+            <a:off x="5257800" y="8330284"/>
             <a:ext cx="411480" cy="411480"/>
           </a:xfrm>
           <a:prstGeom prst="rect">
@@ -10259,7 +10268,7 @@
         </p:blipFill>
         <p:spPr>
           <a:xfrm>
-            <a:off x="2776853" y="8520784"/>
+            <a:off x="2776853" y="8330284"/>
             <a:ext cx="411480" cy="411480"/>
           </a:xfrm>
           <a:prstGeom prst="rect">
@@ -10320,7 +10329,7 @@
         </p:nvSpPr>
         <p:spPr>
           <a:xfrm rot="5400000" flipH="1">
-            <a:off x="3863341" y="1129408"/>
+            <a:off x="3863341" y="1072671"/>
             <a:ext cx="45719" cy="5577840"/>
           </a:xfrm>
           <a:custGeom>
@@ -10375,7 +10384,7 @@
         </p:nvSpPr>
         <p:spPr>
           <a:xfrm rot="5400000" flipH="1">
-            <a:off x="3863341" y="5514588"/>
+            <a:off x="3863341" y="5324088"/>
             <a:ext cx="45719" cy="5577840"/>
           </a:xfrm>
           <a:custGeom>
@@ -10416,133 +10425,6 @@
           </a:p>
         </p:txBody>
       </p:sp>
-      <p:grpSp>
-        <p:nvGrpSpPr>
-          <p:cNvPr id="62" name="object 3">
-            <a:extLst>
-              <a:ext uri="{FF2B5EF4-FFF2-40B4-BE49-F238E27FC236}">
-                <a16:creationId xmlns:a16="http://schemas.microsoft.com/office/drawing/2014/main" id="{C539739D-1D3E-204D-9819-C44D9AE36DE8}"/>
-              </a:ext>
-            </a:extLst>
-          </p:cNvPr>
-          <p:cNvGrpSpPr/>
-          <p:nvPr/>
-        </p:nvGrpSpPr>
-        <p:grpSpPr>
-          <a:xfrm rot="5400000">
-            <a:off x="1154159" y="-868525"/>
-            <a:ext cx="5661921" cy="7931849"/>
-            <a:chOff x="-247019" y="421767"/>
-            <a:chExt cx="3875281" cy="7641336"/>
-          </a:xfrm>
-        </p:grpSpPr>
-        <p:sp>
-          <p:nvSpPr>
-            <p:cNvPr id="63" name="object 4">
-              <a:extLst>
-                <a:ext uri="{FF2B5EF4-FFF2-40B4-BE49-F238E27FC236}">
-                  <a16:creationId xmlns:a16="http://schemas.microsoft.com/office/drawing/2014/main" id="{F41DD51E-EC9C-7B44-BE42-FA9C42B94675}"/>
-                </a:ext>
-              </a:extLst>
-            </p:cNvPr>
-            <p:cNvSpPr/>
-            <p:nvPr/>
-          </p:nvSpPr>
-          <p:spPr>
-            <a:xfrm>
-              <a:off x="3628262" y="576453"/>
-              <a:ext cx="0" cy="7486650"/>
-            </a:xfrm>
-            <a:custGeom>
-              <a:avLst/>
-              <a:gdLst/>
-              <a:ahLst/>
-              <a:cxnLst/>
-              <a:rect l="l" t="t" r="r" b="b"/>
-              <a:pathLst>
-                <a:path h="7486650">
-                  <a:moveTo>
-                    <a:pt x="0" y="0"/>
-                  </a:moveTo>
-                  <a:lnTo>
-                    <a:pt x="0" y="7486408"/>
-                  </a:lnTo>
-                </a:path>
-              </a:pathLst>
-            </a:custGeom>
-            <a:ln w="61722">
-              <a:solidFill>
-                <a:srgbClr val="EAEAEB"/>
-              </a:solidFill>
-            </a:ln>
-          </p:spPr>
-          <p:txBody>
-            <a:bodyPr wrap="square" lIns="0" tIns="0" rIns="0" bIns="0" rtlCol="0"/>
-            <a:lstStyle/>
-            <a:p>
-              <a:endParaRPr/>
-            </a:p>
-          </p:txBody>
-        </p:sp>
-        <p:sp>
-          <p:nvSpPr>
-            <p:cNvPr id="64" name="object 5">
-              <a:extLst>
-                <a:ext uri="{FF2B5EF4-FFF2-40B4-BE49-F238E27FC236}">
-                  <a16:creationId xmlns:a16="http://schemas.microsoft.com/office/drawing/2014/main" id="{6E97A2E1-56BC-2B46-9873-F675D66FF621}"/>
-                </a:ext>
-              </a:extLst>
-            </p:cNvPr>
-            <p:cNvSpPr/>
-            <p:nvPr/>
-          </p:nvSpPr>
-          <p:spPr>
-            <a:xfrm>
-              <a:off x="-247019" y="421767"/>
-              <a:ext cx="3844040" cy="7600950"/>
-            </a:xfrm>
-            <a:custGeom>
-              <a:avLst/>
-              <a:gdLst/>
-              <a:ahLst/>
-              <a:cxnLst/>
-              <a:rect l="l" t="t" r="r" b="b"/>
-              <a:pathLst>
-                <a:path w="3409950" h="7600950">
-                  <a:moveTo>
-                    <a:pt x="0" y="7600569"/>
-                  </a:moveTo>
-                  <a:lnTo>
-                    <a:pt x="3409492" y="7600569"/>
-                  </a:lnTo>
-                  <a:lnTo>
-                    <a:pt x="3409492" y="0"/>
-                  </a:lnTo>
-                  <a:lnTo>
-                    <a:pt x="0" y="0"/>
-                  </a:lnTo>
-                  <a:lnTo>
-                    <a:pt x="0" y="7600569"/>
-                  </a:lnTo>
-                  <a:close/>
-                </a:path>
-              </a:pathLst>
-            </a:custGeom>
-            <a:ln w="12954">
-              <a:solidFill>
-                <a:srgbClr val="EBEBEB"/>
-              </a:solidFill>
-            </a:ln>
-          </p:spPr>
-          <p:txBody>
-            <a:bodyPr wrap="square" lIns="0" tIns="0" rIns="0" bIns="0" rtlCol="0"/>
-            <a:lstStyle/>
-            <a:p>
-              <a:endParaRPr/>
-            </a:p>
-          </p:txBody>
-        </p:sp>
-      </p:grpSp>
     </p:spTree>
     <p:extLst>
       <p:ext uri="{BB962C8B-B14F-4D97-AF65-F5344CB8AC3E}">
@@ -10841,8 +10723,8 @@
         </p:nvSpPr>
         <p:spPr>
           <a:xfrm>
-            <a:off x="4481320" y="914778"/>
-            <a:ext cx="2366776" cy="75490"/>
+            <a:off x="4445380" y="914778"/>
+            <a:ext cx="2374520" cy="101222"/>
           </a:xfrm>
           <a:custGeom>
             <a:avLst/>
@@ -10883,7 +10765,7 @@
         </p:nvSpPr>
         <p:spPr>
           <a:xfrm>
-            <a:off x="4481320" y="589788"/>
+            <a:off x="4433695" y="589788"/>
             <a:ext cx="2588260" cy="228268"/>
           </a:xfrm>
           <a:prstGeom prst="rect">
@@ -10891,15 +10773,12 @@
           </a:prstGeom>
         </p:spPr>
         <p:txBody>
-          <a:bodyPr vert="horz" wrap="square" lIns="0" tIns="12700" rIns="0" bIns="0" rtlCol="0">
+          <a:bodyPr vert="horz" wrap="square" lIns="0" tIns="12700" rIns="0" bIns="0" rtlCol="0" anchor="t">
             <a:spAutoFit/>
           </a:bodyPr>
           <a:lstStyle/>
           <a:p>
             <a:pPr marL="12700">
-              <a:lnSpc>
-                <a:spcPct val="100000"/>
-              </a:lnSpc>
               <a:spcBef>
                 <a:spcPts val="100"/>
               </a:spcBef>
@@ -10986,7 +10865,7 @@
               </a:spcBef>
             </a:pPr>
             <a:r>
-              <a:rPr lang="pt-BR" sz="1000">
+              <a:rPr lang="pt-BR" sz="1000" dirty="0">
                 <a:solidFill>
                   <a:srgbClr val="1F1F1F"/>
                 </a:solidFill>
@@ -10996,7 +10875,7 @@
               <a:t>Para clientes que implementam uma</a:t>
             </a:r>
             <a:r>
-              <a:rPr lang="pt-BR" sz="1000" b="1">
+              <a:rPr lang="pt-BR" sz="1000" b="1" dirty="0">
                 <a:solidFill>
                   <a:srgbClr val="1F1F1F"/>
                 </a:solidFill>
@@ -11006,65 +10885,81 @@
               <a:t> nova solução Adobe Experience Cloud, o </a:t>
             </a:r>
             <a:r>
-              <a:rPr lang="pt-BR" sz="1000">
+              <a:rPr lang="pt-BR" sz="1000" dirty="0" err="1">
                 <a:latin typeface="Adobe Clean Light" charset="0"/>
                 <a:ea typeface="Adobe Clean Light" charset="0"/>
                 <a:cs typeface="Adobe Clean Light" charset="0"/>
               </a:rPr>
-              <a:t>Launch Advisory</a:t>
-            </a:r>
-            <a:r>
-              <a:rPr lang="pt-BR" sz="1000">
-                <a:solidFill>
-                  <a:srgbClr val="000000"/>
-                </a:solidFill>
-                <a:latin typeface="Adobe Clean SemiLight" panose="020B0403020404020204" pitchFamily="34" charset="0"/>
-              </a:rPr>
-              <a:t> é um </a:t>
-            </a:r>
-            <a:r>
-              <a:rPr lang="pt-BR" sz="1000" b="1">
-                <a:solidFill>
-                  <a:srgbClr val="000000"/>
-                </a:solidFill>
-                <a:latin typeface="Adobe Clean SemiLight" panose="020B0403020404020204" pitchFamily="34" charset="0"/>
-              </a:rPr>
-              <a:t>conjunto essencial de serviços de consultoria</a:t>
-            </a:r>
-            <a:r>
-              <a:rPr lang="pt-BR" sz="1000">
+              <a:t>Launch</a:t>
+            </a:r>
+            <a:r>
+              <a:rPr lang="pt-BR" sz="1000" dirty="0">
                 <a:latin typeface="Adobe Clean Light" charset="0"/>
                 <a:ea typeface="Adobe Clean Light" charset="0"/>
                 <a:cs typeface="Adobe Clean Light" charset="0"/>
               </a:rPr>
-              <a:t> e recomendações de eficácia comprovada que </a:t>
-            </a:r>
-            <a:r>
-              <a:rPr lang="pt-BR" sz="1000" b="1">
+              <a:t> </a:t>
+            </a:r>
+            <a:r>
+              <a:rPr lang="pt-BR" sz="1000" dirty="0" err="1">
                 <a:latin typeface="Adobe Clean Light" charset="0"/>
                 <a:ea typeface="Adobe Clean Light" charset="0"/>
                 <a:cs typeface="Adobe Clean Light" charset="0"/>
               </a:rPr>
-              <a:t>aceleram </a:t>
-            </a:r>
-            <a:r>
-              <a:rPr lang="pt-BR" sz="1000">
+              <a:t>Advisory</a:t>
+            </a:r>
+            <a:r>
+              <a:rPr lang="pt-BR" sz="1000" dirty="0">
+                <a:solidFill>
+                  <a:srgbClr val="000000"/>
+                </a:solidFill>
+                <a:latin typeface="Adobe Clean SemiLight" panose="020B0403020404020204" pitchFamily="34" charset="0"/>
+              </a:rPr>
+              <a:t> é um </a:t>
+            </a:r>
+            <a:r>
+              <a:rPr lang="pt-BR" sz="1000" b="1" dirty="0">
+                <a:solidFill>
+                  <a:srgbClr val="000000"/>
+                </a:solidFill>
+                <a:latin typeface="Adobe Clean SemiLight" panose="020B0403020404020204" pitchFamily="34" charset="0"/>
+              </a:rPr>
+              <a:t>conjunto essencial de serviços de consultoria</a:t>
+            </a:r>
+            <a:r>
+              <a:rPr lang="pt-BR" sz="1000" dirty="0">
                 <a:latin typeface="Adobe Clean Light" charset="0"/>
                 <a:ea typeface="Adobe Clean Light" charset="0"/>
                 <a:cs typeface="Adobe Clean Light" charset="0"/>
               </a:rPr>
-              <a:t>o </a:t>
-            </a:r>
-            <a:r>
-              <a:rPr lang="pt-BR" sz="1000" b="1">
+              <a:t> e recomendações de eficácia comprovada que </a:t>
+            </a:r>
+            <a:r>
+              <a:rPr lang="pt-BR" sz="1000" b="1" dirty="0">
                 <a:latin typeface="Adobe Clean Light" charset="0"/>
                 <a:ea typeface="Adobe Clean Light" charset="0"/>
                 <a:cs typeface="Adobe Clean Light" charset="0"/>
               </a:rPr>
+              <a:t>aceleram </a:t>
+            </a:r>
+            <a:r>
+              <a:rPr lang="pt-BR" sz="1000" dirty="0">
+                <a:latin typeface="Adobe Clean Light" charset="0"/>
+                <a:ea typeface="Adobe Clean Light" charset="0"/>
+                <a:cs typeface="Adobe Clean Light" charset="0"/>
+              </a:rPr>
+              <a:t>o </a:t>
+            </a:r>
+            <a:r>
+              <a:rPr lang="pt-BR" sz="1000" b="1" dirty="0">
+                <a:latin typeface="Adobe Clean Light" charset="0"/>
+                <a:ea typeface="Adobe Clean Light" charset="0"/>
+                <a:cs typeface="Adobe Clean Light" charset="0"/>
+              </a:rPr>
               <a:t>tempo de implantação</a:t>
             </a:r>
             <a:r>
-              <a:rPr lang="pt-BR" sz="1000">
+              <a:rPr lang="pt-BR" sz="1000" dirty="0">
                 <a:latin typeface="Adobe Clean Light" charset="0"/>
                 <a:ea typeface="Adobe Clean Light" charset="0"/>
                 <a:cs typeface="Adobe Clean Light" charset="0"/>
@@ -11170,7 +11065,43 @@
                 </a:solidFill>
                 <a:latin typeface="Adobe Clean Light" panose="020B0303020404020204" pitchFamily="34" charset="0"/>
               </a:rPr>
-              <a:t> acelerado. Se o Launch Advisory estiver ativo, </a:t>
+              <a:t> acelerado. Se o </a:t>
+            </a:r>
+            <a:r>
+              <a:rPr lang="pt-BR" sz="1000" dirty="0" err="1">
+                <a:solidFill>
+                  <a:srgbClr val="4B4B4B"/>
+                </a:solidFill>
+                <a:latin typeface="Adobe Clean Light" panose="020B0303020404020204" pitchFamily="34" charset="0"/>
+              </a:rPr>
+              <a:t>Launch</a:t>
+            </a:r>
+            <a:r>
+              <a:rPr lang="pt-BR" sz="1000" dirty="0">
+                <a:solidFill>
+                  <a:srgbClr val="4B4B4B"/>
+                </a:solidFill>
+                <a:latin typeface="Adobe Clean Light" panose="020B0303020404020204" pitchFamily="34" charset="0"/>
+              </a:rPr>
+              <a:t> </a:t>
+            </a:r>
+            <a:r>
+              <a:rPr lang="pt-BR" sz="1000" dirty="0" err="1">
+                <a:solidFill>
+                  <a:srgbClr val="4B4B4B"/>
+                </a:solidFill>
+                <a:latin typeface="Adobe Clean Light" panose="020B0303020404020204" pitchFamily="34" charset="0"/>
+              </a:rPr>
+              <a:t>Advisory</a:t>
+            </a:r>
+            <a:r>
+              <a:rPr lang="pt-BR" sz="1000" dirty="0">
+                <a:solidFill>
+                  <a:srgbClr val="4B4B4B"/>
+                </a:solidFill>
+                <a:latin typeface="Adobe Clean Light" panose="020B0303020404020204" pitchFamily="34" charset="0"/>
+              </a:rPr>
+              <a:t> estiver ativo, </a:t>
             </a:r>
             <a:r>
               <a:rPr lang="pt-BR" sz="1000" b="1" dirty="0">
@@ -11365,8 +11296,8 @@
         </p:nvSpPr>
         <p:spPr>
           <a:xfrm>
-            <a:off x="172087" y="3867961"/>
-            <a:ext cx="3714113" cy="2336537"/>
+            <a:off x="165836" y="3837305"/>
+            <a:ext cx="3679310" cy="2644314"/>
           </a:xfrm>
           <a:prstGeom prst="rect">
             <a:avLst/>
@@ -11387,18 +11318,18 @@
               <a:rPr lang="pt-BR" sz="1000" dirty="0">
                 <a:latin typeface="Adobe Clean Light" charset="0"/>
               </a:rPr>
-              <a:t>Os especialistas em soluções da Adobe ajudam a validar os requisitos, </a:t>
+              <a:t>Os especialistas em soluções da Adobe ajudam a validar os </a:t>
             </a:r>
             <a:br>
-              <a:rPr lang="sk-SK" sz="1000" dirty="0">
-                <a:latin typeface="Adobe Clean Light" charset="0"/>
-              </a:rPr>
-            </a:br>
-            <a:r>
               <a:rPr lang="pt-BR" sz="1000" dirty="0">
                 <a:latin typeface="Adobe Clean Light" charset="0"/>
               </a:rPr>
-              <a:t>a arquitetura, o processo de desenvolvimento e iniciam revisões de prontidão </a:t>
+            </a:br>
+            <a:r>
+              <a:rPr lang="pt-BR" sz="1000" dirty="0">
+                <a:latin typeface="Adobe Clean Light" charset="0"/>
+              </a:rPr>
+              <a:t>requisitos, a arquitetura, o processo de desenvolvimento e iniciam revisões de prontidão </a:t>
             </a:r>
             <a:r>
               <a:rPr lang="pt-BR" sz="1000" dirty="0">
@@ -11452,41 +11383,65 @@
               <a:rPr lang="pt-BR" sz="1000" dirty="0">
                 <a:latin typeface="Adobe Clean Light" charset="0"/>
               </a:rPr>
-              <a:t>O Launch Advisory se alinhará com o agendamento do seu projeto </a:t>
-            </a:r>
-            <a:br>
-              <a:rPr lang="sk-SK" sz="1000" dirty="0">
+              <a:t>O </a:t>
+            </a:r>
+            <a:r>
+              <a:rPr lang="pt-BR" sz="1000" dirty="0" err="1">
                 <a:latin typeface="Adobe Clean Light" charset="0"/>
               </a:rPr>
-            </a:br>
+              <a:t>Launch</a:t>
+            </a:r>
             <a:r>
               <a:rPr lang="pt-BR" sz="1000" dirty="0">
                 <a:latin typeface="Adobe Clean Light" charset="0"/>
               </a:rPr>
-              <a:t>por meio de marcos comuns (</a:t>
+              <a:t> </a:t>
+            </a:r>
+            <a:r>
+              <a:rPr lang="pt-BR" sz="1000" dirty="0" err="1">
+                <a:latin typeface="Adobe Clean Light" charset="0"/>
+              </a:rPr>
+              <a:t>Advisory</a:t>
+            </a:r>
+            <a:r>
+              <a:rPr lang="pt-BR" sz="1000" dirty="0">
+                <a:latin typeface="Adobe Clean Light" charset="0"/>
+              </a:rPr>
+              <a:t> se alinhará com o agendamento do seu </a:t>
+            </a:r>
+            <a:br>
+              <a:rPr lang="pt-BR" sz="1000" dirty="0">
+                <a:latin typeface="Adobe Clean Light" charset="0"/>
+              </a:rPr>
+            </a:br>
+            <a:r>
+              <a:rPr lang="pt-BR" sz="1000" dirty="0">
+                <a:latin typeface="Adobe Clean Light" charset="0"/>
+              </a:rPr>
+              <a:t>projeto por meio de marcos comuns (</a:t>
             </a:r>
             <a:r>
               <a:rPr lang="pt-BR" sz="1000" b="1" dirty="0">
                 <a:latin typeface="Adobe Clean Light" charset="0"/>
               </a:rPr>
-              <a:t>Início, Definição, Projeto, Lançamento </a:t>
-            </a:r>
-            <a:br>
-              <a:rPr lang="sk-SK" sz="1000" b="1" dirty="0">
-                <a:latin typeface="Adobe Clean Light" charset="0"/>
-              </a:rPr>
-            </a:br>
-            <a:r>
-              <a:rPr lang="pt-BR" sz="1000" b="1" dirty="0">
-                <a:latin typeface="Adobe Clean Light" charset="0"/>
-              </a:rPr>
-              <a:t>e Pós-lançamento</a:t>
+              <a:t>Início, Definição, Projeto, Lançamento e Pós-lançamento</a:t>
             </a:r>
             <a:r>
               <a:rPr lang="pt-BR" sz="1000" dirty="0">
                 <a:latin typeface="Adobe Clean Light" charset="0"/>
               </a:rPr>
-              <a:t>) para guiar, validar, avaliar e fazer recomendações.</a:t>
+              <a:t>) para guiar, validar, avaliar </a:t>
+            </a:r>
+            <a:br>
+              <a:rPr lang="pt-BR" sz="1000" dirty="0">
+                <a:latin typeface="Adobe Clean Light" charset="0"/>
+              </a:rPr>
+            </a:br>
+            <a:r>
+              <a:rPr lang="pt-BR" sz="1000" dirty="0">
+                <a:latin typeface="Adobe Clean Light" charset="0"/>
+              </a:rPr>
+              <a:t>e fazer recomendações.</a:t>
             </a:r>
           </a:p>
           <a:p>
@@ -11522,7 +11477,14 @@
             </a:pPr>
             <a:r>
               <a:rPr lang="pt-BR" sz="1000" dirty="0"/>
-              <a:t>Plataforma de início (incluindo plano de colaboração do projeto)</a:t>
+              <a:t>Plataforma de início (incluindo plano de colaboração </a:t>
+            </a:r>
+            <a:br>
+              <a:rPr lang="pt-BR" sz="1000" dirty="0"/>
+            </a:br>
+            <a:r>
+              <a:rPr lang="pt-BR" sz="1000" dirty="0"/>
+              <a:t>do projeto)</a:t>
             </a:r>
           </a:p>
           <a:p>
@@ -11567,7 +11529,7 @@
         </p:nvSpPr>
         <p:spPr>
           <a:xfrm rot="10800000" flipH="1">
-            <a:off x="3825632" y="3840480"/>
+            <a:off x="3692282" y="3840480"/>
             <a:ext cx="45719" cy="5669280"/>
           </a:xfrm>
           <a:custGeom>
@@ -11778,8 +11740,8 @@
         </p:nvSpPr>
         <p:spPr>
           <a:xfrm>
-            <a:off x="2918286" y="2164734"/>
-            <a:ext cx="933111" cy="261610"/>
+            <a:off x="2887592" y="2186924"/>
+            <a:ext cx="933111" cy="400110"/>
           </a:xfrm>
           <a:prstGeom prst="rect">
             <a:avLst/>
@@ -11794,7 +11756,7 @@
           <a:p>
             <a:pPr algn="ctr"/>
             <a:r>
-              <a:rPr lang="pt-BR" sz="1100" dirty="0"/>
+              <a:rPr lang="pt-BR" sz="1000" dirty="0"/>
               <a:t>Pós-lançamento</a:t>
             </a:r>
           </a:p>
@@ -11815,7 +11777,7 @@
           <p:nvPr/>
         </p:nvPicPr>
         <p:blipFill>
-          <a:blip r:embed="rId4">
+          <a:blip r:embed="rId4" cstate="print">
             <a:extLst>
               <a:ext uri="{28A0092B-C50C-407E-A947-70E740481C1C}">
                 <a14:useLocalDpi xmlns:a14="http://schemas.microsoft.com/office/drawing/2010/main" val="0"/>
@@ -11827,8 +11789,8 @@
         </p:blipFill>
         <p:spPr>
           <a:xfrm>
-            <a:off x="334498" y="6379881"/>
-            <a:ext cx="3096805" cy="2855621"/>
+            <a:off x="336106" y="6529106"/>
+            <a:ext cx="3093589" cy="2855621"/>
           </a:xfrm>
           <a:prstGeom prst="rect">
             <a:avLst/>
@@ -11904,14 +11866,14 @@
         <p:spPr>
           <a:xfrm>
             <a:off x="3855907" y="4694431"/>
-            <a:ext cx="3525469" cy="2464777"/>
+            <a:ext cx="3713038" cy="2464777"/>
           </a:xfrm>
           <a:prstGeom prst="rect">
             <a:avLst/>
           </a:prstGeom>
         </p:spPr>
         <p:txBody>
-          <a:bodyPr wrap="square">
+          <a:bodyPr wrap="square" lIns="91440" tIns="45720" rIns="91440" bIns="45720" anchor="t">
             <a:spAutoFit/>
           </a:bodyPr>
           <a:lstStyle/>
@@ -11935,16 +11897,16 @@
                 <a:solidFill>
                   <a:srgbClr val="000000"/>
                 </a:solidFill>
-                <a:latin typeface="Adobe Clean Light" panose="020B0303020404020204" pitchFamily="34" charset="0"/>
-              </a:rPr>
-              <a:t> verificam se os clientes estão apresentando solidez técnica e aproveitando ao máximo sua adoção de ferramentas. Especificamente, essas atividades incluem suporte </a:t>
+                <a:latin typeface="Adobe Clean Light"/>
+              </a:rPr>
+              <a:t> verificam se os clientes estão apresentando solidez técnica e aproveitando ao máximo sua adoção de ferramentas. Especificamente, essas atividades incluem suporte e recomendações relacionados a configurações da plataforma, integrações e solução </a:t>
             </a:r>
             <a:br>
-              <a:rPr lang="sk-SK" sz="1000" dirty="0">
+              <a:rPr lang="pt-BR" sz="1000" dirty="0">
                 <a:solidFill>
                   <a:srgbClr val="000000"/>
                 </a:solidFill>
-                <a:latin typeface="Adobe Clean Light" panose="020B0303020404020204" pitchFamily="34" charset="0"/>
+                <a:latin typeface="Adobe Clean Light"/>
               </a:rPr>
             </a:br>
             <a:r>
@@ -11952,9 +11914,9 @@
                 <a:solidFill>
                   <a:srgbClr val="000000"/>
                 </a:solidFill>
-                <a:latin typeface="Adobe Clean Light" panose="020B0303020404020204" pitchFamily="34" charset="0"/>
-              </a:rPr>
-              <a:t>e recomendações relacionados a configurações da plataforma, integrações e solução de problemas</a:t>
+                <a:latin typeface="Adobe Clean Light"/>
+              </a:rPr>
+              <a:t>de problemas.</a:t>
             </a:r>
           </a:p>
           <a:p>
@@ -11975,7 +11937,7 @@
             </a:pPr>
             <a:r>
               <a:rPr lang="pt-BR" sz="1000" dirty="0">
-                <a:latin typeface="Adobe Clean Light" charset="0"/>
+                <a:latin typeface="Adobe Clean Light"/>
               </a:rPr>
               <a:t>Tipos de atividades técnicas disponíveis::</a:t>
             </a:r>
@@ -12100,7 +12062,7 @@
           </a:prstGeom>
         </p:spPr>
         <p:txBody>
-          <a:bodyPr wrap="square">
+          <a:bodyPr wrap="square" lIns="91440" tIns="45720" rIns="91440" bIns="45720" anchor="t">
             <a:spAutoFit/>
           </a:bodyPr>
           <a:lstStyle/>
@@ -12124,16 +12086,16 @@
                 <a:solidFill>
                   <a:srgbClr val="000000"/>
                 </a:solidFill>
-                <a:latin typeface="Adobe Clean Light" panose="020B0303020404020204" pitchFamily="34" charset="0"/>
+                <a:latin typeface="Adobe Clean Light"/>
               </a:rPr>
               <a:t> localizam oportunidades para garantir a obtenção de valor com as soluções da Adobe. Elas incluem recomendações de suporte relacionadas a estratégia, medição </a:t>
             </a:r>
             <a:br>
-              <a:rPr lang="sk-SK" sz="1000" dirty="0">
+              <a:rPr lang="pt-BR" sz="1000" dirty="0">
                 <a:solidFill>
                   <a:srgbClr val="000000"/>
                 </a:solidFill>
-                <a:latin typeface="Adobe Clean Light" panose="020B0303020404020204" pitchFamily="34" charset="0"/>
+                <a:latin typeface="Adobe Clean Light"/>
               </a:rPr>
             </a:br>
             <a:r>
@@ -12141,16 +12103,16 @@
                 <a:solidFill>
                   <a:srgbClr val="000000"/>
                 </a:solidFill>
-                <a:latin typeface="Adobe Clean Light" panose="020B0303020404020204" pitchFamily="34" charset="0"/>
+                <a:latin typeface="Adobe Clean Light"/>
               </a:rPr>
               <a:t>e maturidade para impulsionar a obtenção de valor com uma </a:t>
             </a:r>
             <a:br>
-              <a:rPr lang="sk-SK" sz="1000" dirty="0">
+              <a:rPr lang="pt-BR" sz="1000" dirty="0">
                 <a:solidFill>
                   <a:srgbClr val="000000"/>
                 </a:solidFill>
-                <a:latin typeface="Adobe Clean Light" panose="020B0303020404020204" pitchFamily="34" charset="0"/>
+                <a:latin typeface="Adobe Clean Light"/>
               </a:rPr>
             </a:br>
             <a:r>
@@ -12158,7 +12120,7 @@
                 <a:solidFill>
                   <a:srgbClr val="000000"/>
                 </a:solidFill>
-                <a:latin typeface="Adobe Clean Light" panose="020B0303020404020204" pitchFamily="34" charset="0"/>
+                <a:latin typeface="Adobe Clean Light"/>
               </a:rPr>
               <a:t>ou mais soluções da Adobe.</a:t>
             </a:r>
@@ -12181,9 +12143,9 @@
             </a:pPr>
             <a:r>
               <a:rPr lang="pt-BR" sz="1000" dirty="0">
-                <a:latin typeface="Adobe Clean Light" charset="0"/>
-              </a:rPr>
-              <a:t>Tipos de atividades estratégicas disponíveis::</a:t>
+                <a:latin typeface="Adobe Clean Light"/>
+              </a:rPr>
+              <a:t>Tipos de atividades estratégicas disponíveis:</a:t>
             </a:r>
           </a:p>
           <a:p>
@@ -12267,7 +12229,7 @@
         <p:spPr>
           <a:xfrm>
             <a:off x="3851397" y="3891661"/>
-            <a:ext cx="3525468" cy="584775"/>
+            <a:ext cx="3525468" cy="430887"/>
           </a:xfrm>
           <a:prstGeom prst="rect">
             <a:avLst/>
@@ -12382,8 +12344,8 @@
         </p:nvSpPr>
         <p:spPr>
           <a:xfrm>
-            <a:off x="2236134" y="2317134"/>
-            <a:ext cx="826006" cy="261610"/>
+            <a:off x="2174875" y="2317134"/>
+            <a:ext cx="935824" cy="246221"/>
           </a:xfrm>
           <a:prstGeom prst="rect">
             <a:avLst/>
@@ -12398,7 +12360,7 @@
           <a:p>
             <a:pPr algn="ctr"/>
             <a:r>
-              <a:rPr lang="pt-BR" sz="1100"/>
+              <a:rPr lang="pt-BR" sz="1000" dirty="0"/>
               <a:t>Lançamento</a:t>
             </a:r>
           </a:p>
@@ -12419,7 +12381,7 @@
         <p:spPr>
           <a:xfrm>
             <a:off x="878679" y="2320287"/>
-            <a:ext cx="826006" cy="261610"/>
+            <a:ext cx="826006" cy="246221"/>
           </a:xfrm>
           <a:prstGeom prst="rect">
             <a:avLst/>
@@ -12434,7 +12396,7 @@
           <a:p>
             <a:pPr algn="ctr"/>
             <a:r>
-              <a:rPr lang="pt-BR" sz="1100"/>
+              <a:rPr lang="pt-BR" sz="1000"/>
               <a:t>Definição</a:t>
             </a:r>
           </a:p>
@@ -12455,7 +12417,7 @@
         <p:spPr>
           <a:xfrm>
             <a:off x="205422" y="2330087"/>
-            <a:ext cx="826006" cy="261610"/>
+            <a:ext cx="826006" cy="246221"/>
           </a:xfrm>
           <a:prstGeom prst="rect">
             <a:avLst/>
@@ -12470,7 +12432,7 @@
           <a:p>
             <a:pPr algn="ctr"/>
             <a:r>
-              <a:rPr lang="pt-BR" sz="1100"/>
+              <a:rPr lang="pt-BR" sz="1000"/>
               <a:t>Início</a:t>
             </a:r>
           </a:p>
@@ -12490,8 +12452,8 @@
         </p:nvSpPr>
         <p:spPr>
           <a:xfrm>
-            <a:off x="1558548" y="2320287"/>
-            <a:ext cx="826006" cy="261610"/>
+            <a:off x="1529973" y="2320287"/>
+            <a:ext cx="826006" cy="246221"/>
           </a:xfrm>
           <a:prstGeom prst="rect">
             <a:avLst/>
@@ -12506,7 +12468,7 @@
           <a:p>
             <a:pPr algn="ctr"/>
             <a:r>
-              <a:rPr lang="pt-BR" sz="1100"/>
+              <a:rPr lang="pt-BR" sz="1000" dirty="0"/>
               <a:t>Projeto</a:t>
             </a:r>
           </a:p>
@@ -12780,7 +12742,7 @@
         <p:spPr>
           <a:xfrm>
             <a:off x="6754821" y="9283729"/>
-            <a:ext cx="930275" cy="662305"/>
+            <a:ext cx="1017579" cy="662305"/>
           </a:xfrm>
           <a:prstGeom prst="rect">
             <a:avLst/>
@@ -12801,7 +12763,7 @@
               </a:spcBef>
             </a:pPr>
             <a:r>
-              <a:rPr lang="pt-BR" sz="800">
+              <a:rPr lang="pt-BR" sz="800" dirty="0">
                 <a:solidFill>
                   <a:srgbClr val="777879"/>
                 </a:solidFill>
@@ -12818,7 +12780,7 @@
               </a:lnSpc>
             </a:pPr>
             <a:r>
-              <a:rPr lang="pt-BR" sz="800">
+              <a:rPr lang="pt-BR" sz="800" dirty="0">
                 <a:solidFill>
                   <a:srgbClr val="777879"/>
                 </a:solidFill>
@@ -12835,7 +12797,7 @@
               </a:lnSpc>
             </a:pPr>
             <a:r>
-              <a:rPr lang="pt-BR" sz="800">
+              <a:rPr lang="pt-BR" sz="800" dirty="0">
                 <a:solidFill>
                   <a:srgbClr val="777879"/>
                 </a:solidFill>
@@ -12855,7 +12817,7 @@
               </a:spcBef>
             </a:pPr>
             <a:r>
-              <a:rPr lang="pt-BR" sz="800">
+              <a:rPr lang="pt-BR" sz="800" dirty="0">
                 <a:solidFill>
                   <a:srgbClr val="777879"/>
                 </a:solidFill>
@@ -12875,7 +12837,7 @@
               </a:spcBef>
             </a:pPr>
             <a:r>
-              <a:rPr lang="pt-BR" sz="800" u="sng">
+              <a:rPr lang="pt-BR" sz="800" u="sng" dirty="0">
                 <a:solidFill>
                   <a:srgbClr val="5F5F5F"/>
                 </a:solidFill>
@@ -13043,14 +13005,14 @@
         <p:spPr>
           <a:xfrm>
             <a:off x="75947" y="9437110"/>
-            <a:ext cx="5610478" cy="570865"/>
+            <a:ext cx="5809358" cy="570865"/>
           </a:xfrm>
           <a:prstGeom prst="rect">
             <a:avLst/>
           </a:prstGeom>
         </p:spPr>
         <p:txBody>
-          <a:bodyPr vert="horz" wrap="square" lIns="0" tIns="29845" rIns="0" bIns="0" rtlCol="0">
+          <a:bodyPr vert="horz" wrap="square" lIns="0" tIns="29845" rIns="0" bIns="0" rtlCol="0" anchor="t">
             <a:spAutoFit/>
           </a:bodyPr>
           <a:lstStyle/>
@@ -13071,7 +13033,26 @@
                 <a:latin typeface="AdobeClean-LightIt"/>
                 <a:cs typeface="AdobeClean-LightIt"/>
               </a:rPr>
-              <a:t>Para saber mais sobre os Serviços de suporte Adobe e identificar o nível certo para você, entre em contato com o seu Gerente de conta nomeado (NAM, em inglês) ou Gerente de sucesso do cliente (CSM, em inglês).</a:t>
+              <a:t>Para saber mais sobre os Serviços de suporte Adobe e identificar o nível certo para você, entre em contato com </a:t>
+            </a:r>
+            <a:br>
+              <a:rPr lang="pt-BR" sz="1100" i="1" dirty="0">
+                <a:solidFill>
+                  <a:srgbClr val="777879"/>
+                </a:solidFill>
+                <a:latin typeface="AdobeClean-LightIt"/>
+                <a:cs typeface="AdobeClean-LightIt"/>
+              </a:rPr>
+            </a:br>
+            <a:r>
+              <a:rPr lang="pt-BR" sz="1100" i="1" dirty="0">
+                <a:solidFill>
+                  <a:srgbClr val="777879"/>
+                </a:solidFill>
+                <a:latin typeface="AdobeClean-LightIt"/>
+                <a:cs typeface="AdobeClean-LightIt"/>
+              </a:rPr>
+              <a:t>o seu Gerente de conta nomeado (NAM, em inglês) ou Gerente de sucesso do cliente (CSM, em inglês).</a:t>
             </a:r>
           </a:p>
           <a:p>
@@ -13091,7 +13072,87 @@
                 <a:latin typeface="Adobe Clean"/>
                 <a:cs typeface="Adobe Clean"/>
               </a:rPr>
-              <a:t>©2021 Adobe. All Rights Reserved. Adobe Confidential.</a:t>
+              <a:t>©2021 Adobe. </a:t>
+            </a:r>
+            <a:r>
+              <a:rPr lang="pt-BR" sz="800" dirty="0" err="1">
+                <a:solidFill>
+                  <a:srgbClr val="6D6D6D"/>
+                </a:solidFill>
+                <a:latin typeface="Adobe Clean"/>
+                <a:cs typeface="Adobe Clean"/>
+              </a:rPr>
+              <a:t>All</a:t>
+            </a:r>
+            <a:r>
+              <a:rPr lang="pt-BR" sz="800" dirty="0">
+                <a:solidFill>
+                  <a:srgbClr val="6D6D6D"/>
+                </a:solidFill>
+                <a:latin typeface="Adobe Clean"/>
+                <a:cs typeface="Adobe Clean"/>
+              </a:rPr>
+              <a:t> </a:t>
+            </a:r>
+            <a:r>
+              <a:rPr lang="pt-BR" sz="800" dirty="0" err="1">
+                <a:solidFill>
+                  <a:srgbClr val="6D6D6D"/>
+                </a:solidFill>
+                <a:latin typeface="Adobe Clean"/>
+                <a:cs typeface="Adobe Clean"/>
+              </a:rPr>
+              <a:t>Rights</a:t>
+            </a:r>
+            <a:r>
+              <a:rPr lang="pt-BR" sz="800" dirty="0">
+                <a:solidFill>
+                  <a:srgbClr val="6D6D6D"/>
+                </a:solidFill>
+                <a:latin typeface="Adobe Clean"/>
+                <a:cs typeface="Adobe Clean"/>
+              </a:rPr>
+              <a:t> </a:t>
+            </a:r>
+            <a:r>
+              <a:rPr lang="pt-BR" sz="800" dirty="0" err="1">
+                <a:solidFill>
+                  <a:srgbClr val="6D6D6D"/>
+                </a:solidFill>
+                <a:latin typeface="Adobe Clean"/>
+                <a:cs typeface="Adobe Clean"/>
+              </a:rPr>
+              <a:t>Reserved</a:t>
+            </a:r>
+            <a:r>
+              <a:rPr lang="pt-BR" sz="800" dirty="0">
+                <a:solidFill>
+                  <a:srgbClr val="6D6D6D"/>
+                </a:solidFill>
+                <a:latin typeface="Adobe Clean"/>
+                <a:cs typeface="Adobe Clean"/>
+              </a:rPr>
+              <a:t>. Adobe </a:t>
+            </a:r>
+            <a:r>
+              <a:rPr lang="pt-BR" sz="800" dirty="0" err="1">
+                <a:solidFill>
+                  <a:srgbClr val="6D6D6D"/>
+                </a:solidFill>
+                <a:latin typeface="Adobe Clean"/>
+                <a:cs typeface="Adobe Clean"/>
+              </a:rPr>
+              <a:t>Confidential</a:t>
+            </a:r>
+            <a:r>
+              <a:rPr lang="pt-BR" sz="800" dirty="0">
+                <a:solidFill>
+                  <a:srgbClr val="6D6D6D"/>
+                </a:solidFill>
+                <a:latin typeface="Adobe Clean"/>
+                <a:cs typeface="Adobe Clean"/>
+              </a:rPr>
+              <a:t>.</a:t>
             </a:r>
           </a:p>
         </p:txBody>
@@ -13110,8 +13171,8 @@
         </p:nvSpPr>
         <p:spPr>
           <a:xfrm>
-            <a:off x="190707" y="4913781"/>
-            <a:ext cx="6476646" cy="755976"/>
+            <a:off x="190706" y="4913781"/>
+            <a:ext cx="6709203" cy="755976"/>
           </a:xfrm>
           <a:prstGeom prst="rect">
             <a:avLst/>
@@ -13152,24 +13213,7 @@
                 </a:solidFill>
                 <a:latin typeface="AdobeClean-Light"/>
               </a:rPr>
-              <a:t>O escopo regional do Suporte da Adobe é estabelecido alinhando o endereço de faturamento do cliente (conforme a ordem </a:t>
-            </a:r>
-            <a:br>
-              <a:rPr lang="sk-SK" sz="1000" dirty="0">
-                <a:solidFill>
-                  <a:srgbClr val="1F1F1F"/>
-                </a:solidFill>
-                <a:latin typeface="AdobeClean-Light"/>
-              </a:rPr>
-            </a:br>
-            <a:r>
-              <a:rPr lang="pt-BR" sz="1000" dirty="0">
-                <a:solidFill>
-                  <a:srgbClr val="1F1F1F"/>
-                </a:solidFill>
-                <a:latin typeface="AdobeClean-Light"/>
-              </a:rPr>
-              <a:t>de venda ou outro documento de compra do Suporte da Adobe) a uma das regiões seguintes:</a:t>
+              <a:t>O escopo regional do Suporte da Adobe é estabelecido alinhando o endereço de faturamento do cliente (conforme a ordem de venda ou outro documento de compra do Suporte da Adobe) a uma das regiões seguintes:</a:t>
             </a:r>
           </a:p>
         </p:txBody>
@@ -13189,7 +13233,7 @@
           <p:nvPr>
             <p:extLst>
               <p:ext uri="{D42A27DB-BD31-4B8C-83A1-F6EECF244321}">
-                <p14:modId xmlns:p14="http://schemas.microsoft.com/office/powerpoint/2010/main" val="1291534283"/>
+                <p14:modId xmlns:p14="http://schemas.microsoft.com/office/powerpoint/2010/main" val="841987599"/>
               </p:ext>
             </p:extLst>
           </p:nvPr>
@@ -13307,13 +13351,30 @@
                     <a:p>
                       <a:pPr algn="ctr"/>
                       <a:r>
-                        <a:rPr lang="pt-BR" sz="1100">
+                        <a:rPr lang="pt-BR" sz="1100" dirty="0">
                           <a:solidFill>
                             <a:schemeClr val="tx1"/>
                           </a:solidFill>
                           <a:latin typeface="Adobe Clean"/>
                         </a:rPr>
-                        <a:t>Europa, Oriente Médio e África</a:t>
+                        <a:t>Europa, Oriente Médio </a:t>
+                      </a:r>
+                      <a:br>
+                        <a:rPr lang="pt-BR" sz="1100" dirty="0">
+                          <a:solidFill>
+                            <a:schemeClr val="tx1"/>
+                          </a:solidFill>
+                          <a:latin typeface="Adobe Clean"/>
+                        </a:rPr>
+                      </a:br>
+                      <a:r>
+                        <a:rPr lang="pt-BR" sz="1100" dirty="0">
+                          <a:solidFill>
+                            <a:schemeClr val="tx1"/>
+                          </a:solidFill>
+                          <a:latin typeface="Adobe Clean"/>
+                        </a:rPr>
+                        <a:t>e África</a:t>
                       </a:r>
                     </a:p>
                   </a:txBody>
@@ -13796,7 +13857,7 @@
                         <a:buNone/>
                       </a:pPr>
                       <a:r>
-                        <a:rPr lang="pt-BR" sz="1100" b="0" i="0" u="none" strike="noStrike" noProof="0"/>
+                        <a:rPr lang="pt-BR" sz="1100" b="0" i="0" u="none" strike="noStrike" noProof="0" dirty="0"/>
                         <a:t>O suporte de idioma está disponível somente em inglês e japonês.</a:t>
                       </a:r>
                     </a:p>
@@ -13813,7 +13874,7 @@
                         </a:spcAft>
                         <a:buNone/>
                       </a:pPr>
-                      <a:endParaRPr lang="en-US" sz="1100" b="0" i="0" u="none" strike="noStrike" noProof="0"/>
+                      <a:endParaRPr lang="en-US" sz="1100" b="0" i="0" u="none" strike="noStrike" noProof="0" dirty="0"/>
                     </a:p>
                     <a:p>
                       <a:pPr lvl="0" algn="ctr">
@@ -13829,15 +13890,15 @@
                         <a:buNone/>
                       </a:pPr>
                       <a:r>
-                        <a:rPr lang="pt-BR" sz="1100" b="0" i="0" u="none" strike="noStrike" noProof="0"/>
+                        <a:rPr lang="pt-BR" sz="1100" b="0" i="0" u="none" strike="noStrike" noProof="0" dirty="0"/>
                         <a:t> </a:t>
                       </a:r>
                       <a:r>
-                        <a:rPr lang="pt-BR" sz="1100" b="0" i="0" u="none" strike="noStrike" baseline="30000" noProof="0"/>
+                        <a:rPr lang="pt-BR" sz="1100" b="0" i="0" u="none" strike="noStrike" baseline="30000" noProof="0" dirty="0"/>
                         <a:t>1</a:t>
                       </a:r>
                       <a:r>
-                        <a:rPr lang="pt-BR" sz="1100" b="0" i="0" u="none" strike="noStrike" noProof="0"/>
+                        <a:rPr lang="pt-BR" sz="1100" b="0" i="0" u="none" strike="noStrike" noProof="0" dirty="0"/>
                         <a:t>Os casos de prioridade P2, P3 e P4 estão limitados ao horário comercial somente no Japão.</a:t>
                       </a:r>
                     </a:p>
@@ -14229,7 +14290,7 @@
         </p:nvSpPr>
         <p:spPr>
           <a:xfrm>
-            <a:off x="4703920" y="8541244"/>
+            <a:off x="4732495" y="8541244"/>
             <a:ext cx="810895" cy="382797"/>
           </a:xfrm>
           <a:prstGeom prst="rect">
@@ -14277,8 +14338,8 @@
         </p:nvSpPr>
         <p:spPr>
           <a:xfrm>
-            <a:off x="6467475" y="8543943"/>
-            <a:ext cx="810895" cy="382797"/>
+            <a:off x="6320790" y="8543943"/>
+            <a:ext cx="1117198" cy="385445"/>
           </a:xfrm>
           <a:prstGeom prst="rect">
             <a:avLst/>
@@ -14326,14 +14387,14 @@
           <p:nvPr>
             <p:extLst>
               <p:ext uri="{D42A27DB-BD31-4B8C-83A1-F6EECF244321}">
-                <p14:modId xmlns:p14="http://schemas.microsoft.com/office/powerpoint/2010/main" val="2826983050"/>
+                <p14:modId xmlns:p14="http://schemas.microsoft.com/office/powerpoint/2010/main" val="2320490711"/>
               </p:ext>
             </p:extLst>
           </p:nvPr>
         </p:nvGraphicFramePr>
         <p:xfrm>
           <a:off x="194237" y="1272353"/>
-          <a:ext cx="7368291" cy="3388360"/>
+          <a:ext cx="7368291" cy="3235960"/>
         </p:xfrm>
         <a:graphic>
           <a:graphicData uri="http://schemas.openxmlformats.org/drawingml/2006/table">
@@ -14342,14 +14403,14 @@
                 <a:tableStyleId>{5C22544A-7EE6-4342-B048-85BDC9FD1C3A}</a:tableStyleId>
               </a:tblPr>
               <a:tblGrid>
-                <a:gridCol w="3691964">
+                <a:gridCol w="3547183">
                   <a:extLst>
                     <a:ext uri="{9D8B030D-6E8A-4147-A177-3AD203B41FA5}">
                       <a16:colId xmlns:a16="http://schemas.microsoft.com/office/drawing/2014/main" val="2364693614"/>
                     </a:ext>
                   </a:extLst>
                 </a:gridCol>
-                <a:gridCol w="3676327">
+                <a:gridCol w="3821108">
                   <a:extLst>
                     <a:ext uri="{9D8B030D-6E8A-4147-A177-3AD203B41FA5}">
                       <a16:colId xmlns:a16="http://schemas.microsoft.com/office/drawing/2014/main" val="1545335406"/>
@@ -14368,7 +14429,7 @@
                           <a:solidFill>
                             <a:schemeClr val="tx1"/>
                           </a:solidFill>
-                          <a:latin typeface="Adobe Clean" panose="020B0503020404020204" pitchFamily="34" charset="0"/>
+                          <a:latin typeface="Adobe Clean"/>
                           <a:ea typeface="+mn-ea"/>
                           <a:cs typeface="+mn-cs"/>
                           <a:hlinkClick r:id="rId7"/>
@@ -14430,7 +14491,7 @@
                     <a:bodyPr/>
                     <a:lstStyle/>
                     <a:p>
-                      <a:pPr marL="0" marR="0" lvl="0" indent="0" defTabSz="914400" eaLnBrk="1" fontAlgn="auto" latinLnBrk="0" hangingPunct="1">
+                      <a:pPr marL="0" marR="0" lvl="0" indent="0" eaLnBrk="1" fontAlgn="auto" latinLnBrk="0" hangingPunct="1">
                         <a:lnSpc>
                           <a:spcPct val="100000"/>
                         </a:lnSpc>
@@ -14444,26 +14505,24 @@
                         <a:buSzTx/>
                         <a:buFontTx/>
                         <a:buNone/>
-                        <a:tabLst/>
-                        <a:defRPr/>
                       </a:pPr>
                       <a:r>
                         <a:rPr lang="pt-BR" sz="1000" b="0" dirty="0">
                           <a:solidFill>
                             <a:srgbClr val="000000"/>
                           </a:solidFill>
-                          <a:latin typeface="Adobe Clean Light" panose="020B0303020404020204" pitchFamily="34" charset="0"/>
+                          <a:latin typeface="Adobe Clean Light"/>
                           <a:ea typeface="+mn-ea"/>
                           <a:cs typeface="+mn-cs"/>
                         </a:rPr>
-                        <a:t>A Experience League foi criada para ajudar as empresas a alcançar </a:t>
+                        <a:t>A Experience League foi criada para ajudar as empresas a alcançar o </a:t>
                       </a:r>
                       <a:br>
-                        <a:rPr lang="sk-SK" sz="1000" b="0" dirty="0">
+                        <a:rPr lang="pt-BR" sz="1000" b="0" dirty="0">
                           <a:solidFill>
                             <a:srgbClr val="000000"/>
                           </a:solidFill>
-                          <a:latin typeface="Adobe Clean Light" panose="020B0303020404020204" pitchFamily="34" charset="0"/>
+                          <a:latin typeface="Adobe Clean Light"/>
                           <a:ea typeface="+mn-ea"/>
                           <a:cs typeface="+mn-cs"/>
                         </a:rPr>
@@ -14473,32 +14532,11 @@
                           <a:solidFill>
                             <a:srgbClr val="000000"/>
                           </a:solidFill>
-                          <a:latin typeface="Adobe Clean Light" panose="020B0303020404020204" pitchFamily="34" charset="0"/>
+                          <a:latin typeface="Adobe Clean Light"/>
                           <a:ea typeface="+mn-ea"/>
                           <a:cs typeface="+mn-cs"/>
                         </a:rPr>
-                        <a:t>o valor que esperam do seu investimento em produtos da Adobe. </a:t>
-                      </a:r>
-                      <a:br>
-                        <a:rPr lang="sk-SK" sz="1000" b="0" dirty="0">
-                          <a:solidFill>
-                            <a:srgbClr val="000000"/>
-                          </a:solidFill>
-                          <a:latin typeface="Adobe Clean Light" panose="020B0303020404020204" pitchFamily="34" charset="0"/>
-                          <a:ea typeface="+mn-ea"/>
-                          <a:cs typeface="+mn-cs"/>
-                        </a:rPr>
-                      </a:br>
-                      <a:r>
-                        <a:rPr lang="pt-BR" sz="1000" b="0" dirty="0">
-                          <a:solidFill>
-                            <a:srgbClr val="000000"/>
-                          </a:solidFill>
-                          <a:latin typeface="Adobe Clean Light" panose="020B0303020404020204" pitchFamily="34" charset="0"/>
-                          <a:ea typeface="+mn-ea"/>
-                          <a:cs typeface="+mn-cs"/>
-                        </a:rPr>
-                        <a:t>É o local unificado onde os clientes podem aprender, interagir e crescer ao longo de um caminho personalizado de sucesso que inclui tutoriais de autoatendimento, documentação dos produtos, treinamento com instrutores e suporte técnico e da comunidade. </a:t>
+                        <a:t>valor que esperam do seu investimento em produtos da Adobe. É o local unificado onde os clientes podem aprender, interagir e crescer ao longo de um caminho personalizado de sucesso que inclui tutoriais de autoatendimento, documentação dos produtos, treinamento com instrutores e suporte técnico e da comunidade. </a:t>
                       </a:r>
                     </a:p>
                   </a:txBody>
@@ -14584,7 +14622,7 @@
                           <a:solidFill>
                             <a:schemeClr val="dk1"/>
                           </a:solidFill>
-                          <a:latin typeface="Adobe Clean" panose="020B0503020404020204" pitchFamily="34" charset="0"/>
+                          <a:latin typeface="Adobe Clean"/>
                           <a:ea typeface="+mn-ea"/>
                           <a:cs typeface="+mn-cs"/>
                           <a:hlinkClick r:id="rId8"/>
@@ -14596,7 +14634,7 @@
                           <a:solidFill>
                             <a:schemeClr val="dk1"/>
                           </a:solidFill>
-                          <a:latin typeface="Adobe Clean" panose="020B0503020404020204" pitchFamily="34" charset="0"/>
+                          <a:latin typeface="Adobe Clean"/>
                           <a:ea typeface="+mn-ea"/>
                           <a:cs typeface="+mn-cs"/>
                         </a:rPr>
@@ -14675,15 +14713,36 @@
                         <a:defRPr/>
                       </a:pPr>
                       <a:r>
-                        <a:rPr lang="pt-BR" sz="1000">
+                        <a:rPr lang="pt-BR" sz="1000" dirty="0">
                           <a:solidFill>
                             <a:srgbClr val="000000"/>
                           </a:solidFill>
-                          <a:latin typeface="Adobe Clean Light" panose="020B0303020404020204" pitchFamily="34" charset="0"/>
+                          <a:latin typeface="Adobe Clean Light"/>
                           <a:ea typeface="+mn-ea"/>
                           <a:cs typeface="+mn-cs"/>
                         </a:rPr>
-                        <a:t>O acesso aos cursos do Adobe Digital Learning Services está disponível na Experience League. Os cursos de aprendizagem incluem lições sob demanda e com instrutores.  É um lugar para adquirir habilidades com reconhecido valor de mercado que você pode pôr em prática para impulsionar o sucesso na sua organização.</a:t>
+                        <a:t>O acesso aos cursos do Adobe Digital Learning Services está disponível </a:t>
+                      </a:r>
+                      <a:br>
+                        <a:rPr lang="pt-BR" sz="1000" dirty="0">
+                          <a:solidFill>
+                            <a:srgbClr val="000000"/>
+                          </a:solidFill>
+                          <a:latin typeface="Adobe Clean Light"/>
+                          <a:ea typeface="+mn-ea"/>
+                          <a:cs typeface="+mn-cs"/>
+                        </a:rPr>
+                      </a:br>
+                      <a:r>
+                        <a:rPr lang="pt-BR" sz="1000" dirty="0">
+                          <a:solidFill>
+                            <a:srgbClr val="000000"/>
+                          </a:solidFill>
+                          <a:latin typeface="Adobe Clean Light"/>
+                          <a:ea typeface="+mn-ea"/>
+                          <a:cs typeface="+mn-cs"/>
+                        </a:rPr>
+                        <a:t>na Experience League. Os cursos de aprendizagem incluem lições sob demanda e com instrutores.  É um lugar para adquirir habilidades com reconhecido valor de mercado que você pode pôr em prática para impulsionar o sucesso na sua organização.</a:t>
                       </a:r>
                     </a:p>
                   </a:txBody>
@@ -14769,7 +14828,7 @@
                           <a:solidFill>
                             <a:schemeClr val="tx1"/>
                           </a:solidFill>
-                          <a:latin typeface="Adobe Clean" panose="020B0503020404020204" pitchFamily="34" charset="0"/>
+                          <a:latin typeface="Adobe Clean"/>
                           <a:ea typeface="+mn-ea"/>
                           <a:cs typeface="+mn-cs"/>
                           <a:hlinkClick r:id="rId9"/>
@@ -14831,7 +14890,7 @@
                     <a:bodyPr/>
                     <a:lstStyle/>
                     <a:p>
-                      <a:pPr marL="0" marR="0" lvl="0" indent="0" defTabSz="914400" eaLnBrk="1" fontAlgn="auto" latinLnBrk="0" hangingPunct="1">
+                      <a:pPr marL="0" marR="0" lvl="0" indent="0" eaLnBrk="1" fontAlgn="auto" latinLnBrk="0" hangingPunct="1">
                         <a:lnSpc>
                           <a:spcPct val="100000"/>
                         </a:lnSpc>
@@ -14845,26 +14904,24 @@
                         <a:buSzTx/>
                         <a:buFontTx/>
                         <a:buNone/>
-                        <a:tabLst/>
-                        <a:defRPr/>
                       </a:pPr>
                       <a:r>
                         <a:rPr lang="pt-BR" sz="1000" dirty="0">
                           <a:solidFill>
                             <a:srgbClr val="000000"/>
                           </a:solidFill>
-                          <a:latin typeface="Adobe Clean Light" panose="020B0303020404020204" pitchFamily="34" charset="0"/>
+                          <a:latin typeface="Adobe Clean Light"/>
                           <a:ea typeface="+mn-ea"/>
                           <a:cs typeface="+mn-cs"/>
                         </a:rPr>
-                        <a:t>O Status.adobe.com transmite as informações de integridade de todos os produtos e serviços da Adobe implantados em ambientes de vários locatários. Os clientes podem escolher suas preferências de subscrição para receber notificações por email sempre que a Adobe criar, atualizar ou resolver um evento de produto. Isso pode incluir manutenção programada ou problemas de serviço com diferentes níveis </a:t>
+                        <a:t>O Status.adobe.com transmite as informações de integridade de todos </a:t>
                       </a:r>
                       <a:br>
-                        <a:rPr lang="sk-SK" sz="1000" dirty="0">
+                        <a:rPr lang="pt-BR" sz="1000" dirty="0">
                           <a:solidFill>
                             <a:srgbClr val="000000"/>
                           </a:solidFill>
-                          <a:latin typeface="Adobe Clean Light" panose="020B0303020404020204" pitchFamily="34" charset="0"/>
+                          <a:latin typeface="Adobe Clean Light"/>
                           <a:ea typeface="+mn-ea"/>
                           <a:cs typeface="+mn-cs"/>
                         </a:rPr>
@@ -14874,11 +14931,54 @@
                           <a:solidFill>
                             <a:srgbClr val="000000"/>
                           </a:solidFill>
-                          <a:latin typeface="Adobe Clean Light" panose="020B0303020404020204" pitchFamily="34" charset="0"/>
+                          <a:latin typeface="Adobe Clean Light"/>
                           <a:ea typeface="+mn-ea"/>
                           <a:cs typeface="+mn-cs"/>
                         </a:rPr>
-                        <a:t>de gravidade. </a:t>
+                        <a:t>os produtos e serviços da Adobe implantados em ambientes de vários locatários. Os clientes podem escolher suas preferências de subscrição para receber notificações por </a:t>
+                      </a:r>
+                      <a:r>
+                        <a:rPr lang="pt-BR" sz="1000" dirty="0" err="1">
+                          <a:solidFill>
+                            <a:srgbClr val="000000"/>
+                          </a:solidFill>
+                          <a:latin typeface="Adobe Clean Light"/>
+                          <a:ea typeface="+mn-ea"/>
+                          <a:cs typeface="+mn-cs"/>
+                        </a:rPr>
+                        <a:t>email</a:t>
+                      </a:r>
+                      <a:r>
+                        <a:rPr lang="pt-BR" sz="1000" dirty="0">
+                          <a:solidFill>
+                            <a:srgbClr val="000000"/>
+                          </a:solidFill>
+                          <a:latin typeface="Adobe Clean Light"/>
+                          <a:ea typeface="+mn-ea"/>
+                          <a:cs typeface="+mn-cs"/>
+                        </a:rPr>
+                        <a:t> sempre que a Adobe criar, atualizar </a:t>
+                      </a:r>
+                      <a:br>
+                        <a:rPr lang="pt-BR" sz="1000" dirty="0">
+                          <a:solidFill>
+                            <a:srgbClr val="000000"/>
+                          </a:solidFill>
+                          <a:latin typeface="Adobe Clean Light"/>
+                          <a:ea typeface="+mn-ea"/>
+                          <a:cs typeface="+mn-cs"/>
+                        </a:rPr>
+                      </a:br>
+                      <a:r>
+                        <a:rPr lang="pt-BR" sz="1000" dirty="0">
+                          <a:solidFill>
+                            <a:srgbClr val="000000"/>
+                          </a:solidFill>
+                          <a:latin typeface="Adobe Clean Light"/>
+                          <a:ea typeface="+mn-ea"/>
+                          <a:cs typeface="+mn-cs"/>
+                        </a:rPr>
+                        <a:t>ou resolver um evento de produto. Isso pode incluir manutenção programada ou problemas de serviço com diferentes níveis de gravidade. </a:t>
                       </a:r>
                     </a:p>
                   </a:txBody>
@@ -14964,7 +15064,7 @@
                           <a:solidFill>
                             <a:schemeClr val="tx1"/>
                           </a:solidFill>
-                          <a:latin typeface="Adobe Clean" panose="020B0503020404020204" pitchFamily="34" charset="0"/>
+                          <a:latin typeface="Adobe Clean"/>
                           <a:ea typeface="+mn-ea"/>
                           <a:cs typeface="+mn-cs"/>
                           <a:hlinkClick r:id="rId10"/>
@@ -15031,11 +15131,11 @@
                           <a:solidFill>
                             <a:srgbClr val="000000"/>
                           </a:solidFill>
-                          <a:latin typeface="Adobe Clean Light" panose="020B0303020404020204" pitchFamily="34" charset="0"/>
+                          <a:latin typeface="Adobe Clean Light"/>
                           <a:ea typeface="+mn-ea"/>
                           <a:cs typeface="+mn-cs"/>
                         </a:rPr>
-                        <a:t>Os Termos e condições que detalham os serviços de suporte</a:t>
+                        <a:t>Os Termos e condições que detalham os serviços de suporte.</a:t>
                       </a:r>
                     </a:p>
                   </a:txBody>
@@ -16028,8 +16128,16 @@
 <file path=customXml/itemProps1.xml><?xml version="1.0" encoding="utf-8"?>
 <ds:datastoreItem xmlns:ds="http://schemas.openxmlformats.org/officeDocument/2006/customXml" ds:itemID="{ED4099BE-EDEC-4FF1-8378-446617236015}">
   <ds:schemaRefs>
+    <ds:schemaRef ds:uri="6c8368ec-3776-49b5-a5bb-90648cf9530f"/>
+    <ds:schemaRef ds:uri="8a053bff-88be-49e4-9a87-e748e18b8b62"/>
+    <ds:schemaRef ds:uri="http://purl.org/dc/dcmitype/"/>
+    <ds:schemaRef ds:uri="http://purl.org/dc/elements/1.1/"/>
+    <ds:schemaRef ds:uri="http://purl.org/dc/terms/"/>
+    <ds:schemaRef ds:uri="http://schemas.microsoft.com/office/2006/documentManagement/types"/>
     <ds:schemaRef ds:uri="http://schemas.microsoft.com/office/2006/metadata/properties"/>
     <ds:schemaRef ds:uri="http://schemas.microsoft.com/office/infopath/2007/PartnerControls"/>
+    <ds:schemaRef ds:uri="http://schemas.openxmlformats.org/package/2006/metadata/core-properties"/>
+    <ds:schemaRef ds:uri="http://www.w3.org/XML/1998/namespace"/>
   </ds:schemaRefs>
 </ds:datastoreItem>
 </file>

--- a/help/data-sheets/assets/EnterpriseSupportDatasheet.pptx
+++ b/help/data-sheets/assets/EnterpriseSupportDatasheet.pptx
@@ -144,9 +144,7 @@
 <file path=ppt/revisionInfo.xml><?xml version="1.0" encoding="utf-8"?>
 <p1510:revInfo xmlns:a="http://schemas.openxmlformats.org/drawingml/2006/main" xmlns:r="http://schemas.openxmlformats.org/officeDocument/2006/relationships" xmlns:p1510="http://schemas.microsoft.com/office/powerpoint/2015/10/main">
   <p1510:revLst>
-    <p1510:client id="{19826C17-B3F5-53A1-AAFF-C7771804C7A7}" v="128" dt="2021-10-13T18:50:39.613"/>
-    <p1510:client id="{1A3D389F-0E00-444F-BDF7-5C174E20EEC2}" v="2" dt="2021-10-13T19:33:05.183"/>
-    <p1510:client id="{D02E726A-82A5-CF13-9EBE-9B674D878D37}" v="22" dt="2021-10-12T19:51:27.470"/>
+    <p1510:client id="{DC554207-FA81-638A-220E-C39F63BF408A}" v="13" dt="2021-11-23T23:51:45.093"/>
   </p1510:revLst>
 </p1510:revInfo>
 </file>
@@ -154,26 +152,58 @@
 <file path=ppt/changesInfos/changesInfo1.xml><?xml version="1.0" encoding="utf-8"?>
 <pc:chgInfo xmlns:a="http://schemas.openxmlformats.org/drawingml/2006/main" xmlns:r="http://schemas.openxmlformats.org/officeDocument/2006/relationships" xmlns:ac="http://schemas.microsoft.com/office/drawing/2013/main/command" xmlns:pc="http://schemas.microsoft.com/office/powerpoint/2013/main/command">
   <pc:docChgLst>
-    <pc:chgData name="Akilah Johnson" userId="S::akjohnso@adobe.com::2fa3aa60-0c9c-4d06-bae2-795983241227" providerId="AD" clId="Web-{0AB2EF93-BE08-D205-D43E-3B568BB37DAA}"/>
+    <pc:chgData name="Akilah Johnson" userId="S::akjohnso@adobe.com::2fa3aa60-0c9c-4d06-bae2-795983241227" providerId="AD" clId="Web-{A40C3D7D-993B-38B2-2DDA-C562505A1054}"/>
     <pc:docChg chg="modSld">
-      <pc:chgData name="Akilah Johnson" userId="S::akjohnso@adobe.com::2fa3aa60-0c9c-4d06-bae2-795983241227" providerId="AD" clId="Web-{0AB2EF93-BE08-D205-D43E-3B568BB37DAA}" dt="2021-09-22T23:01:45.877" v="13"/>
+      <pc:chgData name="Akilah Johnson" userId="S::akjohnso@adobe.com::2fa3aa60-0c9c-4d06-bae2-795983241227" providerId="AD" clId="Web-{A40C3D7D-993B-38B2-2DDA-C562505A1054}" dt="2021-09-22T23:00:46.860" v="3"/>
       <pc:docMkLst>
         <pc:docMk/>
       </pc:docMkLst>
       <pc:sldChg chg="modSp">
-        <pc:chgData name="Akilah Johnson" userId="S::akjohnso@adobe.com::2fa3aa60-0c9c-4d06-bae2-795983241227" providerId="AD" clId="Web-{0AB2EF93-BE08-D205-D43E-3B568BB37DAA}" dt="2021-09-22T23:01:45.877" v="13"/>
+        <pc:chgData name="Akilah Johnson" userId="S::akjohnso@adobe.com::2fa3aa60-0c9c-4d06-bae2-795983241227" providerId="AD" clId="Web-{A40C3D7D-993B-38B2-2DDA-C562505A1054}" dt="2021-09-22T23:00:46.860" v="3"/>
         <pc:sldMkLst>
           <pc:docMk/>
           <pc:sldMk cId="1050037809" sldId="261"/>
         </pc:sldMkLst>
         <pc:graphicFrameChg chg="mod modGraphic">
-          <ac:chgData name="Akilah Johnson" userId="S::akjohnso@adobe.com::2fa3aa60-0c9c-4d06-bae2-795983241227" providerId="AD" clId="Web-{0AB2EF93-BE08-D205-D43E-3B568BB37DAA}" dt="2021-09-22T23:01:45.877" v="13"/>
+          <ac:chgData name="Akilah Johnson" userId="S::akjohnso@adobe.com::2fa3aa60-0c9c-4d06-bae2-795983241227" providerId="AD" clId="Web-{A40C3D7D-993B-38B2-2DDA-C562505A1054}" dt="2021-09-22T23:00:46.860" v="3"/>
           <ac:graphicFrameMkLst>
             <pc:docMk/>
             <pc:sldMk cId="1050037809" sldId="261"/>
             <ac:graphicFrameMk id="25" creationId="{3A91F5B0-3974-A14D-A146-FB590F2AAD18}"/>
           </ac:graphicFrameMkLst>
         </pc:graphicFrameChg>
+      </pc:sldChg>
+    </pc:docChg>
+  </pc:docChgLst>
+  <pc:docChgLst>
+    <pc:chgData name="Akilah Johnson" userId="S::akjohnso@adobe.com::2fa3aa60-0c9c-4d06-bae2-795983241227" providerId="AD" clId="Web-{112231ED-4F38-A856-2EFF-9D0F88AC9BDF}"/>
+    <pc:docChg chg="modSld">
+      <pc:chgData name="Akilah Johnson" userId="S::akjohnso@adobe.com::2fa3aa60-0c9c-4d06-bae2-795983241227" providerId="AD" clId="Web-{112231ED-4F38-A856-2EFF-9D0F88AC9BDF}" dt="2021-09-22T19:11:31.474" v="2" actId="1076"/>
+      <pc:docMkLst>
+        <pc:docMk/>
+      </pc:docMkLst>
+      <pc:sldChg chg="modSp">
+        <pc:chgData name="Akilah Johnson" userId="S::akjohnso@adobe.com::2fa3aa60-0c9c-4d06-bae2-795983241227" providerId="AD" clId="Web-{112231ED-4F38-A856-2EFF-9D0F88AC9BDF}" dt="2021-09-22T19:11:31.474" v="2" actId="1076"/>
+        <pc:sldMkLst>
+          <pc:docMk/>
+          <pc:sldMk cId="1050037809" sldId="261"/>
+        </pc:sldMkLst>
+        <pc:spChg chg="mod">
+          <ac:chgData name="Akilah Johnson" userId="S::akjohnso@adobe.com::2fa3aa60-0c9c-4d06-bae2-795983241227" providerId="AD" clId="Web-{112231ED-4F38-A856-2EFF-9D0F88AC9BDF}" dt="2021-09-22T19:11:31.474" v="2" actId="1076"/>
+          <ac:spMkLst>
+            <pc:docMk/>
+            <pc:sldMk cId="1050037809" sldId="261"/>
+            <ac:spMk id="23" creationId="{00000000-0000-0000-0000-000000000000}"/>
+          </ac:spMkLst>
+        </pc:spChg>
+        <pc:spChg chg="mod">
+          <ac:chgData name="Akilah Johnson" userId="S::akjohnso@adobe.com::2fa3aa60-0c9c-4d06-bae2-795983241227" providerId="AD" clId="Web-{112231ED-4F38-A856-2EFF-9D0F88AC9BDF}" dt="2021-09-22T19:08:28.879" v="0" actId="1076"/>
+          <ac:spMkLst>
+            <pc:docMk/>
+            <pc:sldMk cId="1050037809" sldId="261"/>
+            <ac:spMk id="64" creationId="{41467BDC-3D83-D844-B922-CD07E94E5AAB}"/>
+          </ac:spMkLst>
+        </pc:spChg>
       </pc:sldChg>
     </pc:docChg>
   </pc:docChgLst>
@@ -206,6 +236,205 @@
             <ac:graphicFrameMk id="25" creationId="{3A91F5B0-3974-A14D-A146-FB590F2AAD18}"/>
           </ac:graphicFrameMkLst>
         </pc:graphicFrameChg>
+      </pc:sldChg>
+    </pc:docChg>
+  </pc:docChgLst>
+  <pc:docChgLst>
+    <pc:chgData name="Akilah Johnson" userId="S::akjohnso@adobe.com::2fa3aa60-0c9c-4d06-bae2-795983241227" providerId="AD" clId="Web-{DC554207-FA81-638A-220E-C39F63BF408A}"/>
+    <pc:docChg chg="modSld">
+      <pc:chgData name="Akilah Johnson" userId="S::akjohnso@adobe.com::2fa3aa60-0c9c-4d06-bae2-795983241227" providerId="AD" clId="Web-{DC554207-FA81-638A-220E-C39F63BF408A}" dt="2021-11-23T23:50:17.249" v="7"/>
+      <pc:docMkLst>
+        <pc:docMk/>
+      </pc:docMkLst>
+      <pc:sldChg chg="modSp">
+        <pc:chgData name="Akilah Johnson" userId="S::akjohnso@adobe.com::2fa3aa60-0c9c-4d06-bae2-795983241227" providerId="AD" clId="Web-{DC554207-FA81-638A-220E-C39F63BF408A}" dt="2021-11-23T23:50:17.249" v="7"/>
+        <pc:sldMkLst>
+          <pc:docMk/>
+          <pc:sldMk cId="2161849182" sldId="267"/>
+        </pc:sldMkLst>
+        <pc:graphicFrameChg chg="mod modGraphic">
+          <ac:chgData name="Akilah Johnson" userId="S::akjohnso@adobe.com::2fa3aa60-0c9c-4d06-bae2-795983241227" providerId="AD" clId="Web-{DC554207-FA81-638A-220E-C39F63BF408A}" dt="2021-11-23T23:50:17.249" v="7"/>
+          <ac:graphicFrameMkLst>
+            <pc:docMk/>
+            <pc:sldMk cId="2161849182" sldId="267"/>
+            <ac:graphicFrameMk id="9" creationId="{00000000-0000-0000-0000-000000000000}"/>
+          </ac:graphicFrameMkLst>
+        </pc:graphicFrameChg>
+      </pc:sldChg>
+    </pc:docChg>
+  </pc:docChgLst>
+  <pc:docChgLst>
+    <pc:chgData name="Akilah Johnson" userId="S::akjohnso@adobe.com::2fa3aa60-0c9c-4d06-bae2-795983241227" providerId="AD" clId="Web-{D02E726A-82A5-CF13-9EBE-9B674D878D37}"/>
+    <pc:docChg chg="modSld">
+      <pc:chgData name="Akilah Johnson" userId="S::akjohnso@adobe.com::2fa3aa60-0c9c-4d06-bae2-795983241227" providerId="AD" clId="Web-{D02E726A-82A5-CF13-9EBE-9B674D878D37}" dt="2021-10-12T19:51:27.470" v="10"/>
+      <pc:docMkLst>
+        <pc:docMk/>
+      </pc:docMkLst>
+      <pc:sldChg chg="modSp delCm">
+        <pc:chgData name="Akilah Johnson" userId="S::akjohnso@adobe.com::2fa3aa60-0c9c-4d06-bae2-795983241227" providerId="AD" clId="Web-{D02E726A-82A5-CF13-9EBE-9B674D878D37}" dt="2021-10-12T19:51:27.470" v="10"/>
+        <pc:sldMkLst>
+          <pc:docMk/>
+          <pc:sldMk cId="2161849182" sldId="267"/>
+        </pc:sldMkLst>
+        <pc:spChg chg="mod">
+          <ac:chgData name="Akilah Johnson" userId="S::akjohnso@adobe.com::2fa3aa60-0c9c-4d06-bae2-795983241227" providerId="AD" clId="Web-{D02E726A-82A5-CF13-9EBE-9B674D878D37}" dt="2021-10-12T19:51:04.127" v="8" actId="20577"/>
+          <ac:spMkLst>
+            <pc:docMk/>
+            <pc:sldMk cId="2161849182" sldId="267"/>
+            <ac:spMk id="2" creationId="{00000000-0000-0000-0000-000000000000}"/>
+          </ac:spMkLst>
+        </pc:spChg>
+      </pc:sldChg>
+    </pc:docChg>
+  </pc:docChgLst>
+  <pc:docChgLst>
+    <pc:chgData name="Akilah Johnson" userId="S::akjohnso@adobe.com::2fa3aa60-0c9c-4d06-bae2-795983241227" providerId="AD" clId="Web-{0AB2EF93-BE08-D205-D43E-3B568BB37DAA}"/>
+    <pc:docChg chg="modSld">
+      <pc:chgData name="Akilah Johnson" userId="S::akjohnso@adobe.com::2fa3aa60-0c9c-4d06-bae2-795983241227" providerId="AD" clId="Web-{0AB2EF93-BE08-D205-D43E-3B568BB37DAA}" dt="2021-09-22T23:01:45.877" v="13"/>
+      <pc:docMkLst>
+        <pc:docMk/>
+      </pc:docMkLst>
+      <pc:sldChg chg="modSp">
+        <pc:chgData name="Akilah Johnson" userId="S::akjohnso@adobe.com::2fa3aa60-0c9c-4d06-bae2-795983241227" providerId="AD" clId="Web-{0AB2EF93-BE08-D205-D43E-3B568BB37DAA}" dt="2021-09-22T23:01:45.877" v="13"/>
+        <pc:sldMkLst>
+          <pc:docMk/>
+          <pc:sldMk cId="1050037809" sldId="261"/>
+        </pc:sldMkLst>
+        <pc:graphicFrameChg chg="mod modGraphic">
+          <ac:chgData name="Akilah Johnson" userId="S::akjohnso@adobe.com::2fa3aa60-0c9c-4d06-bae2-795983241227" providerId="AD" clId="Web-{0AB2EF93-BE08-D205-D43E-3B568BB37DAA}" dt="2021-09-22T23:01:45.877" v="13"/>
+          <ac:graphicFrameMkLst>
+            <pc:docMk/>
+            <pc:sldMk cId="1050037809" sldId="261"/>
+            <ac:graphicFrameMk id="25" creationId="{3A91F5B0-3974-A14D-A146-FB590F2AAD18}"/>
+          </ac:graphicFrameMkLst>
+        </pc:graphicFrameChg>
+      </pc:sldChg>
+    </pc:docChg>
+  </pc:docChgLst>
+  <pc:docChgLst>
+    <pc:chgData name="Akilah Johnson" userId="2fa3aa60-0c9c-4d06-bae2-795983241227" providerId="ADAL" clId="{7598C71F-6B67-2947-B18A-AD3AFAF83B9E}"/>
+    <pc:docChg chg="modSld">
+      <pc:chgData name="Akilah Johnson" userId="2fa3aa60-0c9c-4d06-bae2-795983241227" providerId="ADAL" clId="{7598C71F-6B67-2947-B18A-AD3AFAF83B9E}" dt="2021-11-24T00:03:04.956" v="14" actId="20577"/>
+      <pc:docMkLst>
+        <pc:docMk/>
+      </pc:docMkLst>
+      <pc:sldChg chg="modSp mod">
+        <pc:chgData name="Akilah Johnson" userId="2fa3aa60-0c9c-4d06-bae2-795983241227" providerId="ADAL" clId="{7598C71F-6B67-2947-B18A-AD3AFAF83B9E}" dt="2021-11-24T00:03:04.956" v="14" actId="20577"/>
+        <pc:sldMkLst>
+          <pc:docMk/>
+          <pc:sldMk cId="2161849182" sldId="267"/>
+        </pc:sldMkLst>
+        <pc:graphicFrameChg chg="modGraphic">
+          <ac:chgData name="Akilah Johnson" userId="2fa3aa60-0c9c-4d06-bae2-795983241227" providerId="ADAL" clId="{7598C71F-6B67-2947-B18A-AD3AFAF83B9E}" dt="2021-11-24T00:03:04.956" v="14" actId="20577"/>
+          <ac:graphicFrameMkLst>
+            <pc:docMk/>
+            <pc:sldMk cId="2161849182" sldId="267"/>
+            <ac:graphicFrameMk id="9" creationId="{00000000-0000-0000-0000-000000000000}"/>
+          </ac:graphicFrameMkLst>
+        </pc:graphicFrameChg>
+      </pc:sldChg>
+    </pc:docChg>
+  </pc:docChgLst>
+  <pc:docChgLst>
+    <pc:chgData name="Andy Witt" userId="S::awitt@adobe.com::e9157bdf-53b2-40e4-9459-936793d75696" providerId="AD" clId="Web-{3F02B349-0406-AE51-D438-E7A0BE890230}"/>
+    <pc:docChg chg="modSld">
+      <pc:chgData name="Andy Witt" userId="S::awitt@adobe.com::e9157bdf-53b2-40e4-9459-936793d75696" providerId="AD" clId="Web-{3F02B349-0406-AE51-D438-E7A0BE890230}" dt="2021-08-25T18:45:07.550" v="11"/>
+      <pc:docMkLst>
+        <pc:docMk/>
+      </pc:docMkLst>
+      <pc:sldChg chg="modSp">
+        <pc:chgData name="Andy Witt" userId="S::awitt@adobe.com::e9157bdf-53b2-40e4-9459-936793d75696" providerId="AD" clId="Web-{3F02B349-0406-AE51-D438-E7A0BE890230}" dt="2021-08-25T18:45:07.550" v="11"/>
+        <pc:sldMkLst>
+          <pc:docMk/>
+          <pc:sldMk cId="1050037809" sldId="261"/>
+        </pc:sldMkLst>
+        <pc:graphicFrameChg chg="mod modGraphic">
+          <ac:chgData name="Andy Witt" userId="S::awitt@adobe.com::e9157bdf-53b2-40e4-9459-936793d75696" providerId="AD" clId="Web-{3F02B349-0406-AE51-D438-E7A0BE890230}" dt="2021-08-25T18:45:07.550" v="11"/>
+          <ac:graphicFrameMkLst>
+            <pc:docMk/>
+            <pc:sldMk cId="1050037809" sldId="261"/>
+            <ac:graphicFrameMk id="25" creationId="{3A91F5B0-3974-A14D-A146-FB590F2AAD18}"/>
+          </ac:graphicFrameMkLst>
+        </pc:graphicFrameChg>
+      </pc:sldChg>
+    </pc:docChg>
+  </pc:docChgLst>
+  <pc:docChgLst>
+    <pc:chgData name="Lauren Schutte" userId="6e08b2d3-447a-4d66-86be-444d50df187f" providerId="ADAL" clId="{1A3D389F-0E00-444F-BDF7-5C174E20EEC2}"/>
+    <pc:docChg chg="undo custSel modSld">
+      <pc:chgData name="Lauren Schutte" userId="6e08b2d3-447a-4d66-86be-444d50df187f" providerId="ADAL" clId="{1A3D389F-0E00-444F-BDF7-5C174E20EEC2}" dt="2021-10-13T19:40:59.066" v="67" actId="20577"/>
+      <pc:docMkLst>
+        <pc:docMk/>
+      </pc:docMkLst>
+      <pc:sldChg chg="delSp modSp mod">
+        <pc:chgData name="Lauren Schutte" userId="6e08b2d3-447a-4d66-86be-444d50df187f" providerId="ADAL" clId="{1A3D389F-0E00-444F-BDF7-5C174E20EEC2}" dt="2021-10-13T19:40:25.578" v="61" actId="478"/>
+        <pc:sldMkLst>
+          <pc:docMk/>
+          <pc:sldMk cId="5960377" sldId="259"/>
+        </pc:sldMkLst>
+        <pc:spChg chg="mod">
+          <ac:chgData name="Lauren Schutte" userId="6e08b2d3-447a-4d66-86be-444d50df187f" providerId="ADAL" clId="{1A3D389F-0E00-444F-BDF7-5C174E20EEC2}" dt="2021-10-13T19:33:45.182" v="59" actId="20577"/>
+          <ac:spMkLst>
+            <pc:docMk/>
+            <pc:sldMk cId="5960377" sldId="259"/>
+            <ac:spMk id="127" creationId="{BB896A03-8E7E-344F-BDE1-37C49461FF04}"/>
+          </ac:spMkLst>
+        </pc:spChg>
+        <pc:grpChg chg="del mod">
+          <ac:chgData name="Lauren Schutte" userId="6e08b2d3-447a-4d66-86be-444d50df187f" providerId="ADAL" clId="{1A3D389F-0E00-444F-BDF7-5C174E20EEC2}" dt="2021-10-13T19:40:25.578" v="61" actId="478"/>
+          <ac:grpSpMkLst>
+            <pc:docMk/>
+            <pc:sldMk cId="5960377" sldId="259"/>
+            <ac:grpSpMk id="62" creationId="{C539739D-1D3E-204D-9819-C44D9AE36DE8}"/>
+          </ac:grpSpMkLst>
+        </pc:grpChg>
+      </pc:sldChg>
+      <pc:sldChg chg="modSp mod">
+        <pc:chgData name="Lauren Schutte" userId="6e08b2d3-447a-4d66-86be-444d50df187f" providerId="ADAL" clId="{1A3D389F-0E00-444F-BDF7-5C174E20EEC2}" dt="2021-10-13T19:40:59.066" v="67" actId="20577"/>
+        <pc:sldMkLst>
+          <pc:docMk/>
+          <pc:sldMk cId="2161849182" sldId="267"/>
+        </pc:sldMkLst>
+        <pc:spChg chg="mod">
+          <ac:chgData name="Lauren Schutte" userId="6e08b2d3-447a-4d66-86be-444d50df187f" providerId="ADAL" clId="{1A3D389F-0E00-444F-BDF7-5C174E20EEC2}" dt="2021-10-13T19:40:59.066" v="67" actId="20577"/>
+          <ac:spMkLst>
+            <pc:docMk/>
+            <pc:sldMk cId="2161849182" sldId="267"/>
+            <ac:spMk id="2" creationId="{00000000-0000-0000-0000-000000000000}"/>
+          </ac:spMkLst>
+        </pc:spChg>
+        <pc:graphicFrameChg chg="mod modGraphic">
+          <ac:chgData name="Lauren Schutte" userId="6e08b2d3-447a-4d66-86be-444d50df187f" providerId="ADAL" clId="{1A3D389F-0E00-444F-BDF7-5C174E20EEC2}" dt="2021-10-13T19:33:05.183" v="58"/>
+          <ac:graphicFrameMkLst>
+            <pc:docMk/>
+            <pc:sldMk cId="2161849182" sldId="267"/>
+            <ac:graphicFrameMk id="9" creationId="{00000000-0000-0000-0000-000000000000}"/>
+          </ac:graphicFrameMkLst>
+        </pc:graphicFrameChg>
+      </pc:sldChg>
+    </pc:docChg>
+  </pc:docChgLst>
+  <pc:docChgLst>
+    <pc:chgData name="Akilah Johnson" userId="S::akjohnso@adobe.com::2fa3aa60-0c9c-4d06-bae2-795983241227" providerId="AD" clId="Web-{3CA2F123-FAC9-2CDD-7937-C83283BA7837}"/>
+    <pc:docChg chg="modSld">
+      <pc:chgData name="Akilah Johnson" userId="S::akjohnso@adobe.com::2fa3aa60-0c9c-4d06-bae2-795983241227" providerId="AD" clId="Web-{3CA2F123-FAC9-2CDD-7937-C83283BA7837}" dt="2021-09-16T20:58:19.458" v="0" actId="1076"/>
+      <pc:docMkLst>
+        <pc:docMk/>
+      </pc:docMkLst>
+      <pc:sldChg chg="modSp">
+        <pc:chgData name="Akilah Johnson" userId="S::akjohnso@adobe.com::2fa3aa60-0c9c-4d06-bae2-795983241227" providerId="AD" clId="Web-{3CA2F123-FAC9-2CDD-7937-C83283BA7837}" dt="2021-09-16T20:58:19.458" v="0" actId="1076"/>
+        <pc:sldMkLst>
+          <pc:docMk/>
+          <pc:sldMk cId="717026355" sldId="266"/>
+        </pc:sldMkLst>
+        <pc:spChg chg="mod">
+          <ac:chgData name="Akilah Johnson" userId="S::akjohnso@adobe.com::2fa3aa60-0c9c-4d06-bae2-795983241227" providerId="AD" clId="Web-{3CA2F123-FAC9-2CDD-7937-C83283BA7837}" dt="2021-09-16T20:58:19.458" v="0" actId="1076"/>
+          <ac:spMkLst>
+            <pc:docMk/>
+            <pc:sldMk cId="717026355" sldId="266"/>
+            <ac:spMk id="83" creationId="{BB34E685-A734-974B-A33A-BE51D1A8BC0D}"/>
+          </ac:spMkLst>
+        </pc:spChg>
       </pc:sldChg>
     </pc:docChg>
   </pc:docChgLst>
@@ -342,189 +571,6 @@
       </pc:sldChg>
     </pc:docChg>
   </pc:docChgLst>
-  <pc:docChgLst>
-    <pc:chgData name="Akilah Johnson" userId="S::akjohnso@adobe.com::2fa3aa60-0c9c-4d06-bae2-795983241227" providerId="AD" clId="Web-{112231ED-4F38-A856-2EFF-9D0F88AC9BDF}"/>
-    <pc:docChg chg="modSld">
-      <pc:chgData name="Akilah Johnson" userId="S::akjohnso@adobe.com::2fa3aa60-0c9c-4d06-bae2-795983241227" providerId="AD" clId="Web-{112231ED-4F38-A856-2EFF-9D0F88AC9BDF}" dt="2021-09-22T19:11:31.474" v="2" actId="1076"/>
-      <pc:docMkLst>
-        <pc:docMk/>
-      </pc:docMkLst>
-      <pc:sldChg chg="modSp">
-        <pc:chgData name="Akilah Johnson" userId="S::akjohnso@adobe.com::2fa3aa60-0c9c-4d06-bae2-795983241227" providerId="AD" clId="Web-{112231ED-4F38-A856-2EFF-9D0F88AC9BDF}" dt="2021-09-22T19:11:31.474" v="2" actId="1076"/>
-        <pc:sldMkLst>
-          <pc:docMk/>
-          <pc:sldMk cId="1050037809" sldId="261"/>
-        </pc:sldMkLst>
-        <pc:spChg chg="mod">
-          <ac:chgData name="Akilah Johnson" userId="S::akjohnso@adobe.com::2fa3aa60-0c9c-4d06-bae2-795983241227" providerId="AD" clId="Web-{112231ED-4F38-A856-2EFF-9D0F88AC9BDF}" dt="2021-09-22T19:11:31.474" v="2" actId="1076"/>
-          <ac:spMkLst>
-            <pc:docMk/>
-            <pc:sldMk cId="1050037809" sldId="261"/>
-            <ac:spMk id="23" creationId="{00000000-0000-0000-0000-000000000000}"/>
-          </ac:spMkLst>
-        </pc:spChg>
-        <pc:spChg chg="mod">
-          <ac:chgData name="Akilah Johnson" userId="S::akjohnso@adobe.com::2fa3aa60-0c9c-4d06-bae2-795983241227" providerId="AD" clId="Web-{112231ED-4F38-A856-2EFF-9D0F88AC9BDF}" dt="2021-09-22T19:08:28.879" v="0" actId="1076"/>
-          <ac:spMkLst>
-            <pc:docMk/>
-            <pc:sldMk cId="1050037809" sldId="261"/>
-            <ac:spMk id="64" creationId="{41467BDC-3D83-D844-B922-CD07E94E5AAB}"/>
-          </ac:spMkLst>
-        </pc:spChg>
-      </pc:sldChg>
-    </pc:docChg>
-  </pc:docChgLst>
-  <pc:docChgLst>
-    <pc:chgData name="Andy Witt" userId="S::awitt@adobe.com::e9157bdf-53b2-40e4-9459-936793d75696" providerId="AD" clId="Web-{3F02B349-0406-AE51-D438-E7A0BE890230}"/>
-    <pc:docChg chg="modSld">
-      <pc:chgData name="Andy Witt" userId="S::awitt@adobe.com::e9157bdf-53b2-40e4-9459-936793d75696" providerId="AD" clId="Web-{3F02B349-0406-AE51-D438-E7A0BE890230}" dt="2021-08-25T18:45:07.550" v="11"/>
-      <pc:docMkLst>
-        <pc:docMk/>
-      </pc:docMkLst>
-      <pc:sldChg chg="modSp">
-        <pc:chgData name="Andy Witt" userId="S::awitt@adobe.com::e9157bdf-53b2-40e4-9459-936793d75696" providerId="AD" clId="Web-{3F02B349-0406-AE51-D438-E7A0BE890230}" dt="2021-08-25T18:45:07.550" v="11"/>
-        <pc:sldMkLst>
-          <pc:docMk/>
-          <pc:sldMk cId="1050037809" sldId="261"/>
-        </pc:sldMkLst>
-        <pc:graphicFrameChg chg="mod modGraphic">
-          <ac:chgData name="Andy Witt" userId="S::awitt@adobe.com::e9157bdf-53b2-40e4-9459-936793d75696" providerId="AD" clId="Web-{3F02B349-0406-AE51-D438-E7A0BE890230}" dt="2021-08-25T18:45:07.550" v="11"/>
-          <ac:graphicFrameMkLst>
-            <pc:docMk/>
-            <pc:sldMk cId="1050037809" sldId="261"/>
-            <ac:graphicFrameMk id="25" creationId="{3A91F5B0-3974-A14D-A146-FB590F2AAD18}"/>
-          </ac:graphicFrameMkLst>
-        </pc:graphicFrameChg>
-      </pc:sldChg>
-    </pc:docChg>
-  </pc:docChgLst>
-  <pc:docChgLst>
-    <pc:chgData name="Akilah Johnson" userId="S::akjohnso@adobe.com::2fa3aa60-0c9c-4d06-bae2-795983241227" providerId="AD" clId="Web-{3CA2F123-FAC9-2CDD-7937-C83283BA7837}"/>
-    <pc:docChg chg="modSld">
-      <pc:chgData name="Akilah Johnson" userId="S::akjohnso@adobe.com::2fa3aa60-0c9c-4d06-bae2-795983241227" providerId="AD" clId="Web-{3CA2F123-FAC9-2CDD-7937-C83283BA7837}" dt="2021-09-16T20:58:19.458" v="0" actId="1076"/>
-      <pc:docMkLst>
-        <pc:docMk/>
-      </pc:docMkLst>
-      <pc:sldChg chg="modSp">
-        <pc:chgData name="Akilah Johnson" userId="S::akjohnso@adobe.com::2fa3aa60-0c9c-4d06-bae2-795983241227" providerId="AD" clId="Web-{3CA2F123-FAC9-2CDD-7937-C83283BA7837}" dt="2021-09-16T20:58:19.458" v="0" actId="1076"/>
-        <pc:sldMkLst>
-          <pc:docMk/>
-          <pc:sldMk cId="717026355" sldId="266"/>
-        </pc:sldMkLst>
-        <pc:spChg chg="mod">
-          <ac:chgData name="Akilah Johnson" userId="S::akjohnso@adobe.com::2fa3aa60-0c9c-4d06-bae2-795983241227" providerId="AD" clId="Web-{3CA2F123-FAC9-2CDD-7937-C83283BA7837}" dt="2021-09-16T20:58:19.458" v="0" actId="1076"/>
-          <ac:spMkLst>
-            <pc:docMk/>
-            <pc:sldMk cId="717026355" sldId="266"/>
-            <ac:spMk id="83" creationId="{BB34E685-A734-974B-A33A-BE51D1A8BC0D}"/>
-          </ac:spMkLst>
-        </pc:spChg>
-      </pc:sldChg>
-    </pc:docChg>
-  </pc:docChgLst>
-  <pc:docChgLst>
-    <pc:chgData name="Akilah Johnson" userId="S::akjohnso@adobe.com::2fa3aa60-0c9c-4d06-bae2-795983241227" providerId="AD" clId="Web-{A40C3D7D-993B-38B2-2DDA-C562505A1054}"/>
-    <pc:docChg chg="modSld">
-      <pc:chgData name="Akilah Johnson" userId="S::akjohnso@adobe.com::2fa3aa60-0c9c-4d06-bae2-795983241227" providerId="AD" clId="Web-{A40C3D7D-993B-38B2-2DDA-C562505A1054}" dt="2021-09-22T23:00:46.860" v="3"/>
-      <pc:docMkLst>
-        <pc:docMk/>
-      </pc:docMkLst>
-      <pc:sldChg chg="modSp">
-        <pc:chgData name="Akilah Johnson" userId="S::akjohnso@adobe.com::2fa3aa60-0c9c-4d06-bae2-795983241227" providerId="AD" clId="Web-{A40C3D7D-993B-38B2-2DDA-C562505A1054}" dt="2021-09-22T23:00:46.860" v="3"/>
-        <pc:sldMkLst>
-          <pc:docMk/>
-          <pc:sldMk cId="1050037809" sldId="261"/>
-        </pc:sldMkLst>
-        <pc:graphicFrameChg chg="mod modGraphic">
-          <ac:chgData name="Akilah Johnson" userId="S::akjohnso@adobe.com::2fa3aa60-0c9c-4d06-bae2-795983241227" providerId="AD" clId="Web-{A40C3D7D-993B-38B2-2DDA-C562505A1054}" dt="2021-09-22T23:00:46.860" v="3"/>
-          <ac:graphicFrameMkLst>
-            <pc:docMk/>
-            <pc:sldMk cId="1050037809" sldId="261"/>
-            <ac:graphicFrameMk id="25" creationId="{3A91F5B0-3974-A14D-A146-FB590F2AAD18}"/>
-          </ac:graphicFrameMkLst>
-        </pc:graphicFrameChg>
-      </pc:sldChg>
-    </pc:docChg>
-  </pc:docChgLst>
-  <pc:docChgLst>
-    <pc:chgData name="Akilah Johnson" userId="S::akjohnso@adobe.com::2fa3aa60-0c9c-4d06-bae2-795983241227" providerId="AD" clId="Web-{D02E726A-82A5-CF13-9EBE-9B674D878D37}"/>
-    <pc:docChg chg="modSld">
-      <pc:chgData name="Akilah Johnson" userId="S::akjohnso@adobe.com::2fa3aa60-0c9c-4d06-bae2-795983241227" providerId="AD" clId="Web-{D02E726A-82A5-CF13-9EBE-9B674D878D37}" dt="2021-10-12T19:51:27.470" v="10"/>
-      <pc:docMkLst>
-        <pc:docMk/>
-      </pc:docMkLst>
-      <pc:sldChg chg="modSp delCm">
-        <pc:chgData name="Akilah Johnson" userId="S::akjohnso@adobe.com::2fa3aa60-0c9c-4d06-bae2-795983241227" providerId="AD" clId="Web-{D02E726A-82A5-CF13-9EBE-9B674D878D37}" dt="2021-10-12T19:51:27.470" v="10"/>
-        <pc:sldMkLst>
-          <pc:docMk/>
-          <pc:sldMk cId="2161849182" sldId="267"/>
-        </pc:sldMkLst>
-        <pc:spChg chg="mod">
-          <ac:chgData name="Akilah Johnson" userId="S::akjohnso@adobe.com::2fa3aa60-0c9c-4d06-bae2-795983241227" providerId="AD" clId="Web-{D02E726A-82A5-CF13-9EBE-9B674D878D37}" dt="2021-10-12T19:51:04.127" v="8" actId="20577"/>
-          <ac:spMkLst>
-            <pc:docMk/>
-            <pc:sldMk cId="2161849182" sldId="267"/>
-            <ac:spMk id="2" creationId="{00000000-0000-0000-0000-000000000000}"/>
-          </ac:spMkLst>
-        </pc:spChg>
-      </pc:sldChg>
-    </pc:docChg>
-  </pc:docChgLst>
-  <pc:docChgLst>
-    <pc:chgData name="Lauren Schutte" userId="6e08b2d3-447a-4d66-86be-444d50df187f" providerId="ADAL" clId="{1A3D389F-0E00-444F-BDF7-5C174E20EEC2}"/>
-    <pc:docChg chg="undo custSel modSld">
-      <pc:chgData name="Lauren Schutte" userId="6e08b2d3-447a-4d66-86be-444d50df187f" providerId="ADAL" clId="{1A3D389F-0E00-444F-BDF7-5C174E20EEC2}" dt="2021-10-13T19:40:59.066" v="67" actId="20577"/>
-      <pc:docMkLst>
-        <pc:docMk/>
-      </pc:docMkLst>
-      <pc:sldChg chg="delSp modSp mod">
-        <pc:chgData name="Lauren Schutte" userId="6e08b2d3-447a-4d66-86be-444d50df187f" providerId="ADAL" clId="{1A3D389F-0E00-444F-BDF7-5C174E20EEC2}" dt="2021-10-13T19:40:25.578" v="61" actId="478"/>
-        <pc:sldMkLst>
-          <pc:docMk/>
-          <pc:sldMk cId="5960377" sldId="259"/>
-        </pc:sldMkLst>
-        <pc:spChg chg="mod">
-          <ac:chgData name="Lauren Schutte" userId="6e08b2d3-447a-4d66-86be-444d50df187f" providerId="ADAL" clId="{1A3D389F-0E00-444F-BDF7-5C174E20EEC2}" dt="2021-10-13T19:33:45.182" v="59" actId="20577"/>
-          <ac:spMkLst>
-            <pc:docMk/>
-            <pc:sldMk cId="5960377" sldId="259"/>
-            <ac:spMk id="127" creationId="{BB896A03-8E7E-344F-BDE1-37C49461FF04}"/>
-          </ac:spMkLst>
-        </pc:spChg>
-        <pc:grpChg chg="del mod">
-          <ac:chgData name="Lauren Schutte" userId="6e08b2d3-447a-4d66-86be-444d50df187f" providerId="ADAL" clId="{1A3D389F-0E00-444F-BDF7-5C174E20EEC2}" dt="2021-10-13T19:40:25.578" v="61" actId="478"/>
-          <ac:grpSpMkLst>
-            <pc:docMk/>
-            <pc:sldMk cId="5960377" sldId="259"/>
-            <ac:grpSpMk id="62" creationId="{C539739D-1D3E-204D-9819-C44D9AE36DE8}"/>
-          </ac:grpSpMkLst>
-        </pc:grpChg>
-      </pc:sldChg>
-      <pc:sldChg chg="modSp mod">
-        <pc:chgData name="Lauren Schutte" userId="6e08b2d3-447a-4d66-86be-444d50df187f" providerId="ADAL" clId="{1A3D389F-0E00-444F-BDF7-5C174E20EEC2}" dt="2021-10-13T19:40:59.066" v="67" actId="20577"/>
-        <pc:sldMkLst>
-          <pc:docMk/>
-          <pc:sldMk cId="2161849182" sldId="267"/>
-        </pc:sldMkLst>
-        <pc:spChg chg="mod">
-          <ac:chgData name="Lauren Schutte" userId="6e08b2d3-447a-4d66-86be-444d50df187f" providerId="ADAL" clId="{1A3D389F-0E00-444F-BDF7-5C174E20EEC2}" dt="2021-10-13T19:40:59.066" v="67" actId="20577"/>
-          <ac:spMkLst>
-            <pc:docMk/>
-            <pc:sldMk cId="2161849182" sldId="267"/>
-            <ac:spMk id="2" creationId="{00000000-0000-0000-0000-000000000000}"/>
-          </ac:spMkLst>
-        </pc:spChg>
-        <pc:graphicFrameChg chg="mod modGraphic">
-          <ac:chgData name="Lauren Schutte" userId="6e08b2d3-447a-4d66-86be-444d50df187f" providerId="ADAL" clId="{1A3D389F-0E00-444F-BDF7-5C174E20EEC2}" dt="2021-10-13T19:33:05.183" v="58"/>
-          <ac:graphicFrameMkLst>
-            <pc:docMk/>
-            <pc:sldMk cId="2161849182" sldId="267"/>
-            <ac:graphicFrameMk id="9" creationId="{00000000-0000-0000-0000-000000000000}"/>
-          </ac:graphicFrameMkLst>
-        </pc:graphicFrameChg>
-      </pc:sldChg>
-    </pc:docChg>
-  </pc:docChgLst>
 </pc:chgInfo>
 </file>
 
@@ -624,7 +670,7 @@
           <a:p>
             <a:fld id="{CCB2A597-803A-C244-97E2-A01066125D19}" type="datetimeFigureOut">
               <a:rPr lang="en-US" smtClean="0"/>
-              <a:t>11/12/2021</a:t>
+              <a:t>11/23/21</a:t>
             </a:fld>
             <a:endParaRPr lang="en-US"/>
           </a:p>
@@ -1405,7 +1451,7 @@
           <a:p>
             <a:fld id="{1D8BD707-D9CF-40AE-B4C6-C98DA3205C09}" type="datetimeFigureOut">
               <a:rPr lang="en-US"/>
-              <a:t>11/12/2021</a:t>
+              <a:t>11/23/21</a:t>
             </a:fld>
             <a:endParaRPr lang="en-US"/>
           </a:p>
@@ -1645,7 +1691,7 @@
           <a:p>
             <a:fld id="{1D8BD707-D9CF-40AE-B4C6-C98DA3205C09}" type="datetimeFigureOut">
               <a:rPr lang="en-US"/>
-              <a:t>11/12/2021</a:t>
+              <a:t>11/23/21</a:t>
             </a:fld>
             <a:endParaRPr lang="en-US"/>
           </a:p>
@@ -1898,7 +1944,7 @@
           <a:p>
             <a:fld id="{1D8BD707-D9CF-40AE-B4C6-C98DA3205C09}" type="datetimeFigureOut">
               <a:rPr lang="en-US"/>
-              <a:t>11/12/2021</a:t>
+              <a:t>11/23/21</a:t>
             </a:fld>
             <a:endParaRPr lang="en-US"/>
           </a:p>
@@ -2085,7 +2131,7 @@
           <a:p>
             <a:fld id="{1D8BD707-D9CF-40AE-B4C6-C98DA3205C09}" type="datetimeFigureOut">
               <a:rPr lang="en-US"/>
-              <a:t>11/12/2021</a:t>
+              <a:t>11/23/21</a:t>
             </a:fld>
             <a:endParaRPr lang="en-US"/>
           </a:p>
@@ -2243,7 +2289,7 @@
           <a:p>
             <a:fld id="{1D8BD707-D9CF-40AE-B4C6-C98DA3205C09}" type="datetimeFigureOut">
               <a:rPr lang="en-US"/>
-              <a:t>11/12/2021</a:t>
+              <a:t>11/23/21</a:t>
             </a:fld>
             <a:endParaRPr lang="en-US"/>
           </a:p>
@@ -2501,7 +2547,7 @@
           <a:p>
             <a:fld id="{1D8BD707-D9CF-40AE-B4C6-C98DA3205C09}" type="datetimeFigureOut">
               <a:rPr lang="en-US"/>
-              <a:t>11/12/2021</a:t>
+              <a:t>11/23/21</a:t>
             </a:fld>
             <a:endParaRPr lang="en-US"/>
           </a:p>
@@ -2751,11 +2797,32 @@
               </a:spcBef>
             </a:pPr>
             <a:r>
-              <a:rPr lang="pt-BR" sz="2300">
-                <a:latin typeface="Adobe Clean"/>
-              </a:rPr>
-              <a:t>PLANOS DE SUPORTE DA ADOBE</a:t>
-            </a:r>
+              <a:rPr sz="2300" dirty="0">
+                <a:latin typeface="Adobe Clean"/>
+              </a:rPr>
+              <a:t>ADOBE</a:t>
+            </a:r>
+            <a:r>
+              <a:rPr lang="en-US" sz="2300" dirty="0">
+                <a:latin typeface="Adobe Clean"/>
+              </a:rPr>
+              <a:t> </a:t>
+            </a:r>
+            <a:r>
+              <a:rPr sz="2300" dirty="0">
+                <a:latin typeface="Adobe Clean"/>
+              </a:rPr>
+              <a:t>SUPPORT</a:t>
+            </a:r>
+            <a:r>
+              <a:rPr lang="en-US" sz="2300" dirty="0">
+                <a:latin typeface="Adobe Clean"/>
+              </a:rPr>
+              <a:t> PLANS</a:t>
+            </a:r>
+            <a:endParaRPr sz="2300" dirty="0">
+              <a:latin typeface="Adobe Clean" panose="020B0503020404020204" pitchFamily="34" charset="0"/>
+            </a:endParaRPr>
           </a:p>
         </p:txBody>
       </p:sp>
@@ -2768,7 +2835,7 @@
         <p:spPr>
           <a:xfrm>
             <a:off x="125148" y="7013546"/>
-            <a:ext cx="3875352" cy="228268"/>
+            <a:ext cx="2785110" cy="228268"/>
           </a:xfrm>
           <a:prstGeom prst="rect">
             <a:avLst/>
@@ -2789,7 +2856,7 @@
               </a:spcBef>
             </a:pPr>
             <a:r>
-              <a:rPr lang="pt-BR" sz="1400" b="1" u="sng" dirty="0">
+              <a:rPr sz="1400" b="1" u="sng" spc="15">
                 <a:solidFill>
                   <a:srgbClr val="020302"/>
                 </a:solidFill>
@@ -2801,8 +2868,477 @@
                 <a:latin typeface="Adobe Clean"/>
                 <a:cs typeface="Adobe Clean"/>
               </a:rPr>
-              <a:t>Metas de nível de serviço: Resposta inicial</a:t>
-            </a:r>
+              <a:t>S</a:t>
+            </a:r>
+            <a:r>
+              <a:rPr sz="1400" b="1" u="sng" spc="5">
+                <a:solidFill>
+                  <a:srgbClr val="020302"/>
+                </a:solidFill>
+                <a:uFill>
+                  <a:solidFill>
+                    <a:srgbClr val="020302"/>
+                  </a:solidFill>
+                </a:uFill>
+                <a:latin typeface="Adobe Clean"/>
+                <a:cs typeface="Adobe Clean"/>
+              </a:rPr>
+              <a:t>er</a:t>
+            </a:r>
+            <a:r>
+              <a:rPr sz="1400" b="1" u="sng" spc="10">
+                <a:solidFill>
+                  <a:srgbClr val="020302"/>
+                </a:solidFill>
+                <a:uFill>
+                  <a:solidFill>
+                    <a:srgbClr val="020302"/>
+                  </a:solidFill>
+                </a:uFill>
+                <a:latin typeface="Adobe Clean"/>
+                <a:cs typeface="Adobe Clean"/>
+              </a:rPr>
+              <a:t>vi</a:t>
+            </a:r>
+            <a:r>
+              <a:rPr sz="1400" b="1" u="sng" spc="5">
+                <a:solidFill>
+                  <a:srgbClr val="020302"/>
+                </a:solidFill>
+                <a:uFill>
+                  <a:solidFill>
+                    <a:srgbClr val="020302"/>
+                  </a:solidFill>
+                </a:uFill>
+                <a:latin typeface="Adobe Clean"/>
+                <a:cs typeface="Adobe Clean"/>
+              </a:rPr>
+              <a:t>c</a:t>
+            </a:r>
+            <a:r>
+              <a:rPr sz="1400" b="1" u="sng">
+                <a:solidFill>
+                  <a:srgbClr val="020302"/>
+                </a:solidFill>
+                <a:uFill>
+                  <a:solidFill>
+                    <a:srgbClr val="020302"/>
+                  </a:solidFill>
+                </a:uFill>
+                <a:latin typeface="Adobe Clean"/>
+                <a:cs typeface="Adobe Clean"/>
+              </a:rPr>
+              <a:t>e</a:t>
+            </a:r>
+            <a:r>
+              <a:rPr sz="1400" b="1" u="sng" spc="20">
+                <a:solidFill>
+                  <a:srgbClr val="020302"/>
+                </a:solidFill>
+                <a:uFill>
+                  <a:solidFill>
+                    <a:srgbClr val="020302"/>
+                  </a:solidFill>
+                </a:uFill>
+                <a:latin typeface="Adobe Clean"/>
+                <a:cs typeface="Adobe Clean"/>
+              </a:rPr>
+              <a:t> </a:t>
+            </a:r>
+            <a:r>
+              <a:rPr sz="1400" b="1" u="sng" spc="-15">
+                <a:solidFill>
+                  <a:srgbClr val="020302"/>
+                </a:solidFill>
+                <a:uFill>
+                  <a:solidFill>
+                    <a:srgbClr val="020302"/>
+                  </a:solidFill>
+                </a:uFill>
+                <a:latin typeface="Adobe Clean"/>
+                <a:cs typeface="Adobe Clean"/>
+              </a:rPr>
+              <a:t>Le</a:t>
+            </a:r>
+            <a:r>
+              <a:rPr sz="1400" b="1" u="sng" spc="-10">
+                <a:solidFill>
+                  <a:srgbClr val="020302"/>
+                </a:solidFill>
+                <a:uFill>
+                  <a:solidFill>
+                    <a:srgbClr val="020302"/>
+                  </a:solidFill>
+                </a:uFill>
+                <a:latin typeface="Adobe Clean"/>
+                <a:cs typeface="Adobe Clean"/>
+              </a:rPr>
+              <a:t>v</a:t>
+            </a:r>
+            <a:r>
+              <a:rPr sz="1400" b="1" u="sng" spc="-15">
+                <a:solidFill>
+                  <a:srgbClr val="020302"/>
+                </a:solidFill>
+                <a:uFill>
+                  <a:solidFill>
+                    <a:srgbClr val="020302"/>
+                  </a:solidFill>
+                </a:uFill>
+                <a:latin typeface="Adobe Clean"/>
+                <a:cs typeface="Adobe Clean"/>
+              </a:rPr>
+              <a:t>e</a:t>
+            </a:r>
+            <a:r>
+              <a:rPr sz="1400" b="1" u="sng">
+                <a:solidFill>
+                  <a:srgbClr val="020302"/>
+                </a:solidFill>
+                <a:uFill>
+                  <a:solidFill>
+                    <a:srgbClr val="020302"/>
+                  </a:solidFill>
+                </a:uFill>
+                <a:latin typeface="Adobe Clean"/>
+                <a:cs typeface="Adobe Clean"/>
+              </a:rPr>
+              <a:t>l</a:t>
+            </a:r>
+            <a:r>
+              <a:rPr sz="1400" b="1" u="sng" spc="-15">
+                <a:solidFill>
+                  <a:srgbClr val="020302"/>
+                </a:solidFill>
+                <a:uFill>
+                  <a:solidFill>
+                    <a:srgbClr val="020302"/>
+                  </a:solidFill>
+                </a:uFill>
+                <a:latin typeface="Adobe Clean"/>
+                <a:cs typeface="Adobe Clean"/>
+              </a:rPr>
+              <a:t> </a:t>
+            </a:r>
+            <a:r>
+              <a:rPr sz="1400" b="1" u="sng" spc="-55">
+                <a:solidFill>
+                  <a:srgbClr val="020302"/>
+                </a:solidFill>
+                <a:uFill>
+                  <a:solidFill>
+                    <a:srgbClr val="020302"/>
+                  </a:solidFill>
+                </a:uFill>
+                <a:latin typeface="Adobe Clean"/>
+                <a:cs typeface="Adobe Clean"/>
+              </a:rPr>
+              <a:t>T</a:t>
+            </a:r>
+            <a:r>
+              <a:rPr sz="1400" b="1" u="sng" spc="-40">
+                <a:solidFill>
+                  <a:srgbClr val="020302"/>
+                </a:solidFill>
+                <a:uFill>
+                  <a:solidFill>
+                    <a:srgbClr val="020302"/>
+                  </a:solidFill>
+                </a:uFill>
+                <a:latin typeface="Adobe Clean"/>
+                <a:cs typeface="Adobe Clean"/>
+              </a:rPr>
+              <a:t>a</a:t>
+            </a:r>
+            <a:r>
+              <a:rPr sz="1400" b="1" u="sng" spc="-45">
+                <a:solidFill>
+                  <a:srgbClr val="020302"/>
+                </a:solidFill>
+                <a:uFill>
+                  <a:solidFill>
+                    <a:srgbClr val="020302"/>
+                  </a:solidFill>
+                </a:uFill>
+                <a:latin typeface="Adobe Clean"/>
+                <a:cs typeface="Adobe Clean"/>
+              </a:rPr>
+              <a:t>r</a:t>
+            </a:r>
+            <a:r>
+              <a:rPr sz="1400" b="1" u="sng" spc="-40">
+                <a:solidFill>
+                  <a:srgbClr val="020302"/>
+                </a:solidFill>
+                <a:uFill>
+                  <a:solidFill>
+                    <a:srgbClr val="020302"/>
+                  </a:solidFill>
+                </a:uFill>
+                <a:latin typeface="Adobe Clean"/>
+                <a:cs typeface="Adobe Clean"/>
+              </a:rPr>
+              <a:t>g</a:t>
+            </a:r>
+            <a:r>
+              <a:rPr sz="1400" b="1" u="sng" spc="-50">
+                <a:solidFill>
+                  <a:srgbClr val="020302"/>
+                </a:solidFill>
+                <a:uFill>
+                  <a:solidFill>
+                    <a:srgbClr val="020302"/>
+                  </a:solidFill>
+                </a:uFill>
+                <a:latin typeface="Adobe Clean"/>
+                <a:cs typeface="Adobe Clean"/>
+              </a:rPr>
+              <a:t>et</a:t>
+            </a:r>
+            <a:r>
+              <a:rPr sz="1400" b="1" u="sng" spc="-45">
+                <a:solidFill>
+                  <a:srgbClr val="020302"/>
+                </a:solidFill>
+                <a:uFill>
+                  <a:solidFill>
+                    <a:srgbClr val="020302"/>
+                  </a:solidFill>
+                </a:uFill>
+                <a:latin typeface="Adobe Clean"/>
+                <a:cs typeface="Adobe Clean"/>
+              </a:rPr>
+              <a:t>s</a:t>
+            </a:r>
+            <a:r>
+              <a:rPr sz="1400" b="1" u="sng">
+                <a:solidFill>
+                  <a:srgbClr val="020302"/>
+                </a:solidFill>
+                <a:uFill>
+                  <a:solidFill>
+                    <a:srgbClr val="020302"/>
+                  </a:solidFill>
+                </a:uFill>
+                <a:latin typeface="Adobe Clean"/>
+                <a:cs typeface="Adobe Clean"/>
+              </a:rPr>
+              <a:t>:</a:t>
+            </a:r>
+            <a:r>
+              <a:rPr sz="1400" b="1" u="sng" spc="-85">
+                <a:solidFill>
+                  <a:srgbClr val="020302"/>
+                </a:solidFill>
+                <a:uFill>
+                  <a:solidFill>
+                    <a:srgbClr val="020302"/>
+                  </a:solidFill>
+                </a:uFill>
+                <a:latin typeface="Adobe Clean"/>
+                <a:cs typeface="Adobe Clean"/>
+              </a:rPr>
+              <a:t> </a:t>
+            </a:r>
+            <a:r>
+              <a:rPr sz="1400" b="1" u="sng" spc="-15">
+                <a:solidFill>
+                  <a:srgbClr val="020302"/>
+                </a:solidFill>
+                <a:uFill>
+                  <a:solidFill>
+                    <a:srgbClr val="020302"/>
+                  </a:solidFill>
+                </a:uFill>
+                <a:latin typeface="Adobe Clean"/>
+                <a:cs typeface="Adobe Clean"/>
+              </a:rPr>
+              <a:t>I</a:t>
+            </a:r>
+            <a:r>
+              <a:rPr sz="1400" b="1" u="sng" spc="-10">
+                <a:solidFill>
+                  <a:srgbClr val="020302"/>
+                </a:solidFill>
+                <a:uFill>
+                  <a:solidFill>
+                    <a:srgbClr val="020302"/>
+                  </a:solidFill>
+                </a:uFill>
+                <a:latin typeface="Adobe Clean"/>
+                <a:cs typeface="Adobe Clean"/>
+              </a:rPr>
+              <a:t>ni</a:t>
+            </a:r>
+            <a:r>
+              <a:rPr sz="1400" b="1" u="sng" spc="-15">
+                <a:solidFill>
+                  <a:srgbClr val="020302"/>
+                </a:solidFill>
+                <a:uFill>
+                  <a:solidFill>
+                    <a:srgbClr val="020302"/>
+                  </a:solidFill>
+                </a:uFill>
+                <a:latin typeface="Adobe Clean"/>
+                <a:cs typeface="Adobe Clean"/>
+              </a:rPr>
+              <a:t>t</a:t>
+            </a:r>
+            <a:r>
+              <a:rPr sz="1400" b="1" u="sng" spc="-10">
+                <a:solidFill>
+                  <a:srgbClr val="020302"/>
+                </a:solidFill>
+                <a:uFill>
+                  <a:solidFill>
+                    <a:srgbClr val="020302"/>
+                  </a:solidFill>
+                </a:uFill>
+                <a:latin typeface="Adobe Clean"/>
+                <a:cs typeface="Adobe Clean"/>
+              </a:rPr>
+              <a:t>i</a:t>
+            </a:r>
+            <a:r>
+              <a:rPr sz="1400" b="1" u="sng" spc="-5">
+                <a:solidFill>
+                  <a:srgbClr val="020302"/>
+                </a:solidFill>
+                <a:uFill>
+                  <a:solidFill>
+                    <a:srgbClr val="020302"/>
+                  </a:solidFill>
+                </a:uFill>
+                <a:latin typeface="Adobe Clean"/>
+                <a:cs typeface="Adobe Clean"/>
+              </a:rPr>
+              <a:t>a</a:t>
+            </a:r>
+            <a:r>
+              <a:rPr sz="1400" b="1" u="sng">
+                <a:solidFill>
+                  <a:srgbClr val="020302"/>
+                </a:solidFill>
+                <a:uFill>
+                  <a:solidFill>
+                    <a:srgbClr val="020302"/>
+                  </a:solidFill>
+                </a:uFill>
+                <a:latin typeface="Adobe Clean"/>
+                <a:cs typeface="Adobe Clean"/>
+              </a:rPr>
+              <a:t>l</a:t>
+            </a:r>
+            <a:r>
+              <a:rPr sz="1400" b="1" u="sng" spc="-145">
+                <a:solidFill>
+                  <a:srgbClr val="020302"/>
+                </a:solidFill>
+                <a:uFill>
+                  <a:solidFill>
+                    <a:srgbClr val="020302"/>
+                  </a:solidFill>
+                </a:uFill>
+                <a:latin typeface="Adobe Clean"/>
+                <a:cs typeface="Adobe Clean"/>
+              </a:rPr>
+              <a:t> </a:t>
+            </a:r>
+            <a:r>
+              <a:rPr sz="1400" b="1" u="sng" spc="-15">
+                <a:solidFill>
+                  <a:srgbClr val="020302"/>
+                </a:solidFill>
+                <a:uFill>
+                  <a:solidFill>
+                    <a:srgbClr val="020302"/>
+                  </a:solidFill>
+                </a:uFill>
+                <a:latin typeface="Adobe Clean"/>
+                <a:cs typeface="Adobe Clean"/>
+              </a:rPr>
+              <a:t>R</a:t>
+            </a:r>
+            <a:r>
+              <a:rPr sz="1400" b="1" u="sng" spc="-20">
+                <a:solidFill>
+                  <a:srgbClr val="020302"/>
+                </a:solidFill>
+                <a:uFill>
+                  <a:solidFill>
+                    <a:srgbClr val="020302"/>
+                  </a:solidFill>
+                </a:uFill>
+                <a:latin typeface="Adobe Clean"/>
+                <a:cs typeface="Adobe Clean"/>
+              </a:rPr>
+              <a:t>e</a:t>
+            </a:r>
+            <a:r>
+              <a:rPr sz="1400" b="1" u="sng" spc="-15">
+                <a:solidFill>
+                  <a:srgbClr val="020302"/>
+                </a:solidFill>
+                <a:uFill>
+                  <a:solidFill>
+                    <a:srgbClr val="020302"/>
+                  </a:solidFill>
+                </a:uFill>
+                <a:latin typeface="Adobe Clean"/>
+                <a:cs typeface="Adobe Clean"/>
+              </a:rPr>
+              <a:t>s</a:t>
+            </a:r>
+            <a:r>
+              <a:rPr sz="1400" b="1" u="sng" spc="-20">
+                <a:solidFill>
+                  <a:srgbClr val="020302"/>
+                </a:solidFill>
+                <a:uFill>
+                  <a:solidFill>
+                    <a:srgbClr val="020302"/>
+                  </a:solidFill>
+                </a:uFill>
+                <a:latin typeface="Adobe Clean"/>
+                <a:cs typeface="Adobe Clean"/>
+              </a:rPr>
+              <a:t>p</a:t>
+            </a:r>
+            <a:r>
+              <a:rPr sz="1400" b="1" u="sng" spc="-15">
+                <a:solidFill>
+                  <a:srgbClr val="020302"/>
+                </a:solidFill>
+                <a:uFill>
+                  <a:solidFill>
+                    <a:srgbClr val="020302"/>
+                  </a:solidFill>
+                </a:uFill>
+                <a:latin typeface="Adobe Clean"/>
+                <a:cs typeface="Adobe Clean"/>
+              </a:rPr>
+              <a:t>ons</a:t>
+            </a:r>
+            <a:r>
+              <a:rPr sz="1400" b="1" u="sng">
+                <a:solidFill>
+                  <a:srgbClr val="020302"/>
+                </a:solidFill>
+                <a:uFill>
+                  <a:solidFill>
+                    <a:srgbClr val="020302"/>
+                  </a:solidFill>
+                </a:uFill>
+                <a:latin typeface="Adobe Clean"/>
+                <a:cs typeface="Adobe Clean"/>
+              </a:rPr>
+              <a:t>e</a:t>
+            </a:r>
+            <a:endParaRPr sz="1400" u="sng">
+              <a:latin typeface="Adobe Clean"/>
+              <a:cs typeface="Adobe Clean"/>
+            </a:endParaRPr>
           </a:p>
         </p:txBody>
       </p:sp>
@@ -2815,14 +3351,14 @@
           <p:nvPr>
             <p:extLst>
               <p:ext uri="{D42A27DB-BD31-4B8C-83A1-F6EECF244321}">
-                <p14:modId xmlns:p14="http://schemas.microsoft.com/office/powerpoint/2010/main" val="3333401926"/>
+                <p14:modId xmlns:p14="http://schemas.microsoft.com/office/powerpoint/2010/main" val="2035938553"/>
               </p:ext>
             </p:extLst>
           </p:nvPr>
         </p:nvGraphicFramePr>
         <p:xfrm>
           <a:off x="146919" y="7473158"/>
-          <a:ext cx="7477080" cy="2346613"/>
+          <a:ext cx="7477080" cy="2190409"/>
         </p:xfrm>
         <a:graphic>
           <a:graphicData uri="http://schemas.openxmlformats.org/drawingml/2006/table">
@@ -2868,15 +3404,19 @@
                         </a:spcBef>
                       </a:pPr>
                       <a:r>
-                        <a:rPr lang="pt-BR" sz="900">
+                        <a:rPr sz="900" spc="-20" dirty="0">
                           <a:solidFill>
                             <a:srgbClr val="020302"/>
                           </a:solidFill>
                           <a:latin typeface="Adobe Clean"/>
                           <a:cs typeface="Adobe Clean"/>
                         </a:rPr>
-                        <a:t>Prioridade</a:t>
+                        <a:t>Priority</a:t>
                       </a:r>
+                      <a:endParaRPr sz="900" dirty="0">
+                        <a:latin typeface="Adobe Clean"/>
+                        <a:cs typeface="Adobe Clean"/>
+                      </a:endParaRPr>
                     </a:p>
                   </a:txBody>
                   <a:tcPr marL="0" marR="0" marT="6985" marB="0" anchor="ctr">
@@ -2923,15 +3463,19 @@
                         </a:spcBef>
                       </a:pPr>
                       <a:r>
-                        <a:rPr lang="pt-BR" sz="900">
+                        <a:rPr sz="900" spc="0" dirty="0">
                           <a:solidFill>
                             <a:srgbClr val="020302"/>
                           </a:solidFill>
                           <a:latin typeface="Adobe Clean"/>
                           <a:cs typeface="Adobe Clean"/>
                         </a:rPr>
-                        <a:t>Suporte Online</a:t>
+                        <a:t>Online Support</a:t>
                       </a:r>
+                      <a:endParaRPr sz="900" spc="0" dirty="0">
+                        <a:latin typeface="Adobe Clean"/>
+                        <a:cs typeface="Adobe Clean"/>
+                      </a:endParaRPr>
                     </a:p>
                   </a:txBody>
                   <a:tcPr marL="0" marR="0" marT="0" marB="0" anchor="ctr">
@@ -2981,15 +3525,19 @@
                         </a:spcBef>
                       </a:pPr>
                       <a:r>
-                        <a:rPr lang="pt-BR" sz="900">
+                        <a:rPr sz="900" spc="0" dirty="0">
                           <a:solidFill>
                             <a:srgbClr val="FFFFFF"/>
                           </a:solidFill>
                           <a:latin typeface="Adobe Clean"/>
                           <a:cs typeface="Adobe Clean"/>
                         </a:rPr>
-                        <a:t>Suporte Enterprise</a:t>
+                        <a:t>Enterprise Support</a:t>
                       </a:r>
+                      <a:endParaRPr sz="900" spc="0" dirty="0">
+                        <a:latin typeface="Adobe Clean"/>
+                        <a:cs typeface="Adobe Clean"/>
+                      </a:endParaRPr>
                     </a:p>
                   </a:txBody>
                   <a:tcPr marL="0" marR="0" marT="0" marB="0" anchor="ctr">
@@ -3049,15 +3597,109 @@
                         </a:spcBef>
                       </a:pPr>
                       <a:r>
-                        <a:rPr lang="pt-BR" sz="900" b="1" dirty="0">
+                        <a:rPr sz="900" b="1" spc="-15" dirty="0">
                           <a:solidFill>
                             <a:srgbClr val="020302"/>
                           </a:solidFill>
                           <a:latin typeface="Adobe Clean"/>
                           <a:cs typeface="Adobe Clean"/>
                         </a:rPr>
-                        <a:t>PRIORIDADE 1</a:t>
+                        <a:t>P</a:t>
                       </a:r>
+                      <a:r>
+                        <a:rPr sz="900" b="1" spc="-20" dirty="0">
+                          <a:solidFill>
+                            <a:srgbClr val="020302"/>
+                          </a:solidFill>
+                          <a:latin typeface="Adobe Clean"/>
+                          <a:cs typeface="Adobe Clean"/>
+                        </a:rPr>
+                        <a:t>R</a:t>
+                      </a:r>
+                      <a:r>
+                        <a:rPr sz="900" b="1" spc="-25" dirty="0">
+                          <a:solidFill>
+                            <a:srgbClr val="020302"/>
+                          </a:solidFill>
+                          <a:latin typeface="Adobe Clean"/>
+                          <a:cs typeface="Adobe Clean"/>
+                        </a:rPr>
+                        <a:t>I</a:t>
+                      </a:r>
+                      <a:r>
+                        <a:rPr sz="900" b="1" spc="-15" dirty="0">
+                          <a:solidFill>
+                            <a:srgbClr val="020302"/>
+                          </a:solidFill>
+                          <a:latin typeface="Adobe Clean"/>
+                          <a:cs typeface="Adobe Clean"/>
+                        </a:rPr>
+                        <a:t>O</a:t>
+                      </a:r>
+                      <a:r>
+                        <a:rPr sz="900" b="1" spc="-20" dirty="0">
+                          <a:solidFill>
+                            <a:srgbClr val="020302"/>
+                          </a:solidFill>
+                          <a:latin typeface="Adobe Clean"/>
+                          <a:cs typeface="Adobe Clean"/>
+                        </a:rPr>
+                        <a:t>R</a:t>
+                      </a:r>
+                      <a:r>
+                        <a:rPr sz="900" b="1" spc="-25" dirty="0">
+                          <a:solidFill>
+                            <a:srgbClr val="020302"/>
+                          </a:solidFill>
+                          <a:latin typeface="Adobe Clean"/>
+                          <a:cs typeface="Adobe Clean"/>
+                        </a:rPr>
+                        <a:t>I</a:t>
+                      </a:r>
+                      <a:r>
+                        <a:rPr sz="900" b="1" spc="-15" dirty="0">
+                          <a:solidFill>
+                            <a:srgbClr val="020302"/>
+                          </a:solidFill>
+                          <a:latin typeface="Adobe Clean"/>
+                          <a:cs typeface="Adobe Clean"/>
+                        </a:rPr>
+                        <a:t>T</a:t>
+                      </a:r>
+                      <a:r>
+                        <a:rPr sz="900" b="1" dirty="0">
+                          <a:solidFill>
+                            <a:srgbClr val="020302"/>
+                          </a:solidFill>
+                          <a:latin typeface="Adobe Clean"/>
+                          <a:cs typeface="Adobe Clean"/>
+                        </a:rPr>
+                        <a:t>Y</a:t>
+                      </a:r>
+                      <a:r>
+                        <a:rPr sz="900" b="1" spc="-40" dirty="0">
+                          <a:solidFill>
+                            <a:srgbClr val="020302"/>
+                          </a:solidFill>
+                          <a:latin typeface="Adobe Clean"/>
+                          <a:cs typeface="Adobe Clean"/>
+                        </a:rPr>
+                        <a:t> </a:t>
+                      </a:r>
+                      <a:r>
+                        <a:rPr sz="900" b="1" dirty="0">
+                          <a:solidFill>
+                            <a:srgbClr val="020302"/>
+                          </a:solidFill>
+                          <a:latin typeface="Adobe Clean"/>
+                          <a:cs typeface="Adobe Clean"/>
+                        </a:rPr>
+                        <a:t>1</a:t>
+                      </a:r>
+                      <a:endParaRPr sz="900" dirty="0">
+                        <a:latin typeface="Adobe Clean"/>
+                        <a:cs typeface="Adobe Clean"/>
+                      </a:endParaRPr>
                     </a:p>
                     <a:p>
                       <a:pPr marL="50800" marR="387985" lvl="0" indent="0" eaLnBrk="1" fontAlgn="auto" latinLnBrk="0" hangingPunct="1">
@@ -3076,72 +3718,34 @@
                         <a:buNone/>
                       </a:pPr>
                       <a:r>
-                        <a:rPr lang="pt-BR" sz="900" b="0" i="0" dirty="0">
+                        <a:rPr lang="en-US" sz="900" b="0" i="0" spc="-130" dirty="0">
                           <a:solidFill>
                             <a:srgbClr val="020302"/>
                           </a:solidFill>
                           <a:latin typeface="Adobe Clean Light"/>
-                          <a:ea typeface="+mn-ea"/>
                           <a:cs typeface="+mn-cs"/>
                         </a:rPr>
                         <a:t> </a:t>
                       </a:r>
                       <a:r>
-                        <a:rPr lang="pt-BR" sz="900" b="0" i="0" u="none" strike="noStrike" dirty="0">
+                        <a:rPr lang="en-US" sz="900" b="0" i="0" u="none" strike="noStrike" dirty="0">
                           <a:solidFill>
                             <a:schemeClr val="tx1"/>
                           </a:solidFill>
+                          <a:effectLst/>
                           <a:latin typeface="Adobe Clean Light"/>
                           <a:ea typeface="+mn-ea"/>
                           <a:cs typeface="+mn-cs"/>
                         </a:rPr>
-                        <a:t>As funções de produção do cliente estão inativas ou têm perda significativa de dados </a:t>
+                        <a:t>Customer's production business functions are down or have significant data loss or degradation of services and immediate attention is required to restore functionality and usability</a:t>
                       </a:r>
-                      <a:br>
-                        <a:rPr lang="pt-BR" sz="900" b="0" i="0" u="none" strike="noStrike" dirty="0">
-                          <a:solidFill>
-                            <a:schemeClr val="tx1"/>
-                          </a:solidFill>
-                          <a:latin typeface="Adobe Clean Light"/>
-                          <a:ea typeface="+mn-ea"/>
-                          <a:cs typeface="+mn-cs"/>
-                        </a:rPr>
-                      </a:br>
-                      <a:r>
-                        <a:rPr lang="pt-BR" sz="900" b="0" i="0" u="none" strike="noStrike" dirty="0">
-                          <a:solidFill>
-                            <a:schemeClr val="tx1"/>
-                          </a:solidFill>
-                          <a:latin typeface="Adobe Clean Light"/>
-                          <a:ea typeface="+mn-ea"/>
-                          <a:cs typeface="+mn-cs"/>
-                        </a:rPr>
-                        <a:t>ou degradação de serviços, e é necessária atenção imediata para restaurar a funcionalidade </a:t>
-                      </a:r>
-                      <a:br>
-                        <a:rPr lang="pt-BR" sz="900" b="0" i="0" u="none" strike="noStrike" dirty="0">
-                          <a:solidFill>
-                            <a:schemeClr val="tx1"/>
-                          </a:solidFill>
-                          <a:latin typeface="Adobe Clean Light"/>
-                          <a:ea typeface="+mn-ea"/>
-                          <a:cs typeface="+mn-cs"/>
-                        </a:rPr>
-                      </a:br>
-                      <a:r>
-                        <a:rPr lang="pt-BR" sz="900" b="0" i="0" u="none" strike="noStrike" dirty="0">
-                          <a:solidFill>
-                            <a:schemeClr val="tx1"/>
-                          </a:solidFill>
-                          <a:latin typeface="Adobe Clean Light"/>
-                          <a:ea typeface="+mn-ea"/>
-                          <a:cs typeface="+mn-cs"/>
-                        </a:rPr>
-                        <a:t>e a usabilidade</a:t>
-                      </a:r>
+                      <a:endParaRPr lang="en-US" sz="900" b="0" i="0" dirty="0">
+                        <a:latin typeface="Adobe Clean Light"/>
+                        <a:cs typeface="AdobeClean-Light"/>
+                      </a:endParaRPr>
                     </a:p>
                   </a:txBody>
-                  <a:tcPr marL="0" marR="0" marT="0" marB="36000" anchor="ctr">
+                  <a:tcPr marL="0" marR="0" marT="0" marB="0" anchor="ctr">
                     <a:lnL w="6350">
                       <a:solidFill>
                         <a:srgbClr val="B7B8B8"/>
@@ -3178,13 +3782,14 @@
                     <a:p>
                       <a:pPr algn="ctr" fontAlgn="ctr"/>
                       <a:r>
-                        <a:rPr lang="pt-BR" sz="900" b="0" i="0" u="none" strike="noStrike" dirty="0">
+                        <a:rPr lang="en-US" sz="900" b="0" i="0" u="none" strike="noStrike" dirty="0">
                           <a:solidFill>
                             <a:srgbClr val="020302"/>
                           </a:solidFill>
+                          <a:effectLst/>
                           <a:latin typeface="AdobeClean-Light" panose="020B0503020404020204" pitchFamily="34" charset="0"/>
                         </a:rPr>
-                        <a:t>24x7 / 1 hora</a:t>
+                        <a:t>24x7 /  1 hour</a:t>
                       </a:r>
                     </a:p>
                   </a:txBody>
@@ -3225,13 +3830,14 @@
                     <a:p>
                       <a:pPr algn="ctr" fontAlgn="ctr"/>
                       <a:r>
-                        <a:rPr lang="pt-BR" sz="900" b="0" i="0" u="none" strike="noStrike">
+                        <a:rPr lang="en-US" sz="900" b="0" i="0" u="none" strike="noStrike" dirty="0">
                           <a:solidFill>
                             <a:srgbClr val="020302"/>
                           </a:solidFill>
-                          <a:latin typeface="AdobeClean-Light" panose="020B0503020404020204" pitchFamily="34" charset="0"/>
+                          <a:effectLst/>
+                          <a:latin typeface="AdobeClean-Light"/>
                         </a:rPr>
-                        <a:t>24x7 / 30 minutos</a:t>
+                        <a:t>24x7 / 30 minutes</a:t>
                       </a:r>
                     </a:p>
                   </a:txBody>
@@ -3297,15 +3903,109 @@
                         </a:spcBef>
                       </a:pPr>
                       <a:r>
-                        <a:rPr lang="pt-BR" sz="900" b="1" dirty="0">
+                        <a:rPr sz="900" b="1" spc="-15" dirty="0">
                           <a:solidFill>
                             <a:srgbClr val="020302"/>
                           </a:solidFill>
                           <a:latin typeface="Adobe Clean"/>
                           <a:cs typeface="Adobe Clean"/>
                         </a:rPr>
-                        <a:t>PRIORIDADE 2</a:t>
+                        <a:t>P</a:t>
                       </a:r>
+                      <a:r>
+                        <a:rPr sz="900" b="1" spc="-20" dirty="0">
+                          <a:solidFill>
+                            <a:srgbClr val="020302"/>
+                          </a:solidFill>
+                          <a:latin typeface="Adobe Clean"/>
+                          <a:cs typeface="Adobe Clean"/>
+                        </a:rPr>
+                        <a:t>R</a:t>
+                      </a:r>
+                      <a:r>
+                        <a:rPr sz="900" b="1" spc="-25" dirty="0">
+                          <a:solidFill>
+                            <a:srgbClr val="020302"/>
+                          </a:solidFill>
+                          <a:latin typeface="Adobe Clean"/>
+                          <a:cs typeface="Adobe Clean"/>
+                        </a:rPr>
+                        <a:t>I</a:t>
+                      </a:r>
+                      <a:r>
+                        <a:rPr sz="900" b="1" spc="-15" dirty="0">
+                          <a:solidFill>
+                            <a:srgbClr val="020302"/>
+                          </a:solidFill>
+                          <a:latin typeface="Adobe Clean"/>
+                          <a:cs typeface="Adobe Clean"/>
+                        </a:rPr>
+                        <a:t>O</a:t>
+                      </a:r>
+                      <a:r>
+                        <a:rPr sz="900" b="1" spc="-20" dirty="0">
+                          <a:solidFill>
+                            <a:srgbClr val="020302"/>
+                          </a:solidFill>
+                          <a:latin typeface="Adobe Clean"/>
+                          <a:cs typeface="Adobe Clean"/>
+                        </a:rPr>
+                        <a:t>R</a:t>
+                      </a:r>
+                      <a:r>
+                        <a:rPr sz="900" b="1" spc="-25" dirty="0">
+                          <a:solidFill>
+                            <a:srgbClr val="020302"/>
+                          </a:solidFill>
+                          <a:latin typeface="Adobe Clean"/>
+                          <a:cs typeface="Adobe Clean"/>
+                        </a:rPr>
+                        <a:t>I</a:t>
+                      </a:r>
+                      <a:r>
+                        <a:rPr sz="900" b="1" spc="-15" dirty="0">
+                          <a:solidFill>
+                            <a:srgbClr val="020302"/>
+                          </a:solidFill>
+                          <a:latin typeface="Adobe Clean"/>
+                          <a:cs typeface="Adobe Clean"/>
+                        </a:rPr>
+                        <a:t>T</a:t>
+                      </a:r>
+                      <a:r>
+                        <a:rPr sz="900" b="1" dirty="0">
+                          <a:solidFill>
+                            <a:srgbClr val="020302"/>
+                          </a:solidFill>
+                          <a:latin typeface="Adobe Clean"/>
+                          <a:cs typeface="Adobe Clean"/>
+                        </a:rPr>
+                        <a:t>Y</a:t>
+                      </a:r>
+                      <a:r>
+                        <a:rPr sz="900" b="1" spc="-40" dirty="0">
+                          <a:solidFill>
+                            <a:srgbClr val="020302"/>
+                          </a:solidFill>
+                          <a:latin typeface="Adobe Clean"/>
+                          <a:cs typeface="Adobe Clean"/>
+                        </a:rPr>
+                        <a:t> </a:t>
+                      </a:r>
+                      <a:r>
+                        <a:rPr sz="900" b="1" dirty="0">
+                          <a:solidFill>
+                            <a:srgbClr val="020302"/>
+                          </a:solidFill>
+                          <a:latin typeface="Adobe Clean"/>
+                          <a:cs typeface="Adobe Clean"/>
+                        </a:rPr>
+                        <a:t>2</a:t>
+                      </a:r>
+                      <a:endParaRPr sz="900" dirty="0">
+                        <a:latin typeface="Adobe Clean"/>
+                        <a:cs typeface="Adobe Clean"/>
+                      </a:endParaRPr>
                     </a:p>
                     <a:p>
                       <a:pPr marL="50165" marR="203200">
@@ -3317,40 +4017,24 @@
                         </a:spcBef>
                       </a:pPr>
                       <a:r>
-                        <a:rPr lang="pt-BR" sz="900" b="0" i="0" u="none" strike="noStrike" dirty="0">
+                        <a:rPr lang="en-US" sz="900" b="0" i="0" u="none" strike="noStrike" dirty="0">
                           <a:solidFill>
                             <a:schemeClr val="tx1"/>
                           </a:solidFill>
+                          <a:effectLst/>
                           <a:latin typeface="Adobe Clean Light"/>
                           <a:ea typeface="+mn-ea"/>
                           <a:cs typeface="+mn-cs"/>
                         </a:rPr>
-                        <a:t>As funções empresariais do cliente têm grande degradação de serviços, perda potencial </a:t>
+                        <a:t>Customer's business functions have major degradation of services, or potential of data loss or a major feature is impacted</a:t>
                       </a:r>
-                      <a:br>
-                        <a:rPr lang="pt-BR" sz="900" b="0" i="0" u="none" strike="noStrike" dirty="0">
-                          <a:solidFill>
-                            <a:schemeClr val="tx1"/>
-                          </a:solidFill>
-                          <a:latin typeface="Adobe Clean Light"/>
-                          <a:ea typeface="+mn-ea"/>
-                          <a:cs typeface="+mn-cs"/>
-                        </a:rPr>
-                      </a:br>
-                      <a:r>
-                        <a:rPr lang="pt-BR" sz="900" b="0" i="0" u="none" strike="noStrike" dirty="0">
-                          <a:solidFill>
-                            <a:schemeClr val="tx1"/>
-                          </a:solidFill>
-                          <a:latin typeface="Adobe Clean Light"/>
-                          <a:ea typeface="+mn-ea"/>
-                          <a:cs typeface="+mn-cs"/>
-                        </a:rPr>
-                        <a:t>de dados ou indisponibilidade de serviços, ou foi afetado um recurso importante</a:t>
-                      </a:r>
+                      <a:endParaRPr lang="en-US" sz="900" b="0" i="0" dirty="0">
+                        <a:latin typeface="Adobe Clean Light"/>
+                        <a:cs typeface="AdobeClean-Light"/>
+                      </a:endParaRPr>
                     </a:p>
                   </a:txBody>
-                  <a:tcPr marL="0" marR="0" marT="0" marB="36000" anchor="ctr">
+                  <a:tcPr marL="0" marR="0" marT="0" marB="0" anchor="ctr">
                     <a:lnL w="6350">
                       <a:solidFill>
                         <a:srgbClr val="B7B8B8"/>
@@ -3387,13 +4071,14 @@
                     <a:p>
                       <a:pPr algn="ctr" fontAlgn="ctr"/>
                       <a:r>
-                        <a:rPr lang="pt-BR" sz="900" b="0" i="0" u="none" strike="noStrike" dirty="0">
+                        <a:rPr lang="en-US" sz="900" b="0" i="0" u="none" strike="noStrike" dirty="0">
                           <a:solidFill>
                             <a:srgbClr val="020302"/>
                           </a:solidFill>
+                          <a:effectLst/>
                           <a:latin typeface="AdobeClean-Light" panose="020B0503020404020204" pitchFamily="34" charset="0"/>
                         </a:rPr>
-                        <a:t>Horário comercial / 4 horas</a:t>
+                        <a:t>Business hours / 4 hours</a:t>
                       </a:r>
                     </a:p>
                   </a:txBody>
@@ -3434,13 +4119,14 @@
                     <a:p>
                       <a:pPr algn="ctr" fontAlgn="ctr"/>
                       <a:r>
-                        <a:rPr lang="pt-BR" sz="900" b="0" i="0" u="none" strike="noStrike">
+                        <a:rPr lang="en-US" sz="900" b="0" i="0" u="none" strike="noStrike" dirty="0">
                           <a:solidFill>
                             <a:srgbClr val="020302"/>
                           </a:solidFill>
-                          <a:latin typeface="AdobeClean-Light" panose="020B0503020404020204" pitchFamily="34" charset="0"/>
+                          <a:effectLst/>
+                          <a:latin typeface="AdobeClean-Light"/>
                         </a:rPr>
-                        <a:t>24x5 / 1 hora</a:t>
+                        <a:t>24x5 / 1 hour</a:t>
                       </a:r>
                     </a:p>
                   </a:txBody>
@@ -3503,15 +4189,109 @@
                         </a:spcBef>
                       </a:pPr>
                       <a:r>
-                        <a:rPr lang="pt-BR" sz="900" b="1" dirty="0">
+                        <a:rPr sz="900" b="1" spc="-15" dirty="0">
                           <a:solidFill>
                             <a:srgbClr val="020302"/>
                           </a:solidFill>
                           <a:latin typeface="Adobe Clean"/>
                           <a:cs typeface="Adobe Clean"/>
                         </a:rPr>
-                        <a:t>PRIORIDADE 3</a:t>
+                        <a:t>P</a:t>
                       </a:r>
+                      <a:r>
+                        <a:rPr sz="900" b="1" spc="-20" dirty="0">
+                          <a:solidFill>
+                            <a:srgbClr val="020302"/>
+                          </a:solidFill>
+                          <a:latin typeface="Adobe Clean"/>
+                          <a:cs typeface="Adobe Clean"/>
+                        </a:rPr>
+                        <a:t>R</a:t>
+                      </a:r>
+                      <a:r>
+                        <a:rPr sz="900" b="1" spc="-25" dirty="0">
+                          <a:solidFill>
+                            <a:srgbClr val="020302"/>
+                          </a:solidFill>
+                          <a:latin typeface="Adobe Clean"/>
+                          <a:cs typeface="Adobe Clean"/>
+                        </a:rPr>
+                        <a:t>I</a:t>
+                      </a:r>
+                      <a:r>
+                        <a:rPr sz="900" b="1" spc="-15" dirty="0">
+                          <a:solidFill>
+                            <a:srgbClr val="020302"/>
+                          </a:solidFill>
+                          <a:latin typeface="Adobe Clean"/>
+                          <a:cs typeface="Adobe Clean"/>
+                        </a:rPr>
+                        <a:t>O</a:t>
+                      </a:r>
+                      <a:r>
+                        <a:rPr sz="900" b="1" spc="-20" dirty="0">
+                          <a:solidFill>
+                            <a:srgbClr val="020302"/>
+                          </a:solidFill>
+                          <a:latin typeface="Adobe Clean"/>
+                          <a:cs typeface="Adobe Clean"/>
+                        </a:rPr>
+                        <a:t>R</a:t>
+                      </a:r>
+                      <a:r>
+                        <a:rPr sz="900" b="1" spc="-25" dirty="0">
+                          <a:solidFill>
+                            <a:srgbClr val="020302"/>
+                          </a:solidFill>
+                          <a:latin typeface="Adobe Clean"/>
+                          <a:cs typeface="Adobe Clean"/>
+                        </a:rPr>
+                        <a:t>I</a:t>
+                      </a:r>
+                      <a:r>
+                        <a:rPr sz="900" b="1" spc="-15" dirty="0">
+                          <a:solidFill>
+                            <a:srgbClr val="020302"/>
+                          </a:solidFill>
+                          <a:latin typeface="Adobe Clean"/>
+                          <a:cs typeface="Adobe Clean"/>
+                        </a:rPr>
+                        <a:t>T</a:t>
+                      </a:r>
+                      <a:r>
+                        <a:rPr sz="900" b="1" dirty="0">
+                          <a:solidFill>
+                            <a:srgbClr val="020302"/>
+                          </a:solidFill>
+                          <a:latin typeface="Adobe Clean"/>
+                          <a:cs typeface="Adobe Clean"/>
+                        </a:rPr>
+                        <a:t>Y</a:t>
+                      </a:r>
+                      <a:r>
+                        <a:rPr sz="900" b="1" spc="-40" dirty="0">
+                          <a:solidFill>
+                            <a:srgbClr val="020302"/>
+                          </a:solidFill>
+                          <a:latin typeface="Adobe Clean"/>
+                          <a:cs typeface="Adobe Clean"/>
+                        </a:rPr>
+                        <a:t> </a:t>
+                      </a:r>
+                      <a:r>
+                        <a:rPr sz="900" b="1" dirty="0">
+                          <a:solidFill>
+                            <a:srgbClr val="020302"/>
+                          </a:solidFill>
+                          <a:latin typeface="Adobe Clean"/>
+                          <a:cs typeface="Adobe Clean"/>
+                        </a:rPr>
+                        <a:t>3</a:t>
+                      </a:r>
+                      <a:endParaRPr sz="900" dirty="0">
+                        <a:latin typeface="Adobe Clean"/>
+                        <a:cs typeface="Adobe Clean"/>
+                      </a:endParaRPr>
                     </a:p>
                     <a:p>
                       <a:pPr marL="49530" marR="212090" indent="-2540">
@@ -3523,37 +4303,45 @@
                         </a:spcBef>
                       </a:pPr>
                       <a:r>
-                        <a:rPr lang="pt-BR" sz="900" b="0" i="0" u="none" strike="noStrike" dirty="0">
+                        <a:rPr lang="en-US" sz="900" b="0" i="0" u="none" strike="noStrike" dirty="0">
                           <a:solidFill>
                             <a:schemeClr val="tx1"/>
                           </a:solidFill>
+                          <a:effectLst/>
                           <a:latin typeface="Adobe Clean Light"/>
                           <a:ea typeface="+mn-ea"/>
                           <a:cs typeface="+mn-cs"/>
                         </a:rPr>
-                        <a:t>As funções empresariais do cliente têm pouca ou nenhuma degradação dos serviços </a:t>
+                        <a:t>Customer's business </a:t>
                       </a:r>
-                      <a:br>
-                        <a:rPr lang="pt-BR" sz="900" b="0" i="0" u="none" strike="noStrike" dirty="0">
+                      <a:r>
+                        <a:rPr lang="en-US" sz="900" b="0" i="0" u="none" strike="noStrike">
                           <a:solidFill>
                             <a:schemeClr val="tx1"/>
                           </a:solidFill>
+                          <a:effectLst/>
                           <a:latin typeface="Adobe Clean Light"/>
                           <a:ea typeface="+mn-ea"/>
                           <a:cs typeface="+mn-cs"/>
                         </a:rPr>
-                      </a:br>
+                        <a:t>functions have </a:t>
+                      </a:r>
                       <a:r>
-                        <a:rPr lang="pt-BR" sz="900" b="0" i="0" u="none" strike="noStrike" dirty="0">
+                        <a:rPr lang="en-US" sz="900" b="0" i="0" u="none" strike="noStrike" dirty="0">
                           <a:solidFill>
                             <a:schemeClr val="tx1"/>
                           </a:solidFill>
+                          <a:effectLst/>
                           <a:latin typeface="Adobe Clean Light"/>
                           <a:ea typeface="+mn-ea"/>
                           <a:cs typeface="+mn-cs"/>
                         </a:rPr>
-                        <a:t>com uma solução/alternativa que permite que as funções empresariais continuem </a:t>
+                        <a:t>minor to no degradation of services with a solution/workaround allowing business functions to continue </a:t>
                       </a:r>
+                      <a:endParaRPr lang="en-US" sz="900" b="0" i="0" dirty="0">
+                        <a:latin typeface="Adobe Clean Light"/>
+                        <a:cs typeface="AdobeClean-Light"/>
+                      </a:endParaRPr>
                     </a:p>
                   </a:txBody>
                   <a:tcPr marL="0" marR="0" marT="0" marB="0" anchor="ctr">
@@ -3593,13 +4381,14 @@
                     <a:p>
                       <a:pPr algn="ctr" fontAlgn="ctr"/>
                       <a:r>
-                        <a:rPr lang="pt-BR" sz="900" b="0" i="0" u="none" strike="noStrike">
+                        <a:rPr lang="en-US" sz="900" b="0" i="0" u="none" strike="noStrike" dirty="0">
                           <a:solidFill>
                             <a:srgbClr val="020302"/>
                           </a:solidFill>
+                          <a:effectLst/>
                           <a:latin typeface="AdobeClean-Light" panose="020B0503020404020204" pitchFamily="34" charset="0"/>
                         </a:rPr>
-                        <a:t>Horário comercial / 6 horas</a:t>
+                        <a:t>Business hours / 6 hours</a:t>
                       </a:r>
                     </a:p>
                   </a:txBody>
@@ -3640,13 +4429,14 @@
                     <a:p>
                       <a:pPr algn="ctr" fontAlgn="ctr"/>
                       <a:r>
-                        <a:rPr lang="pt-BR" sz="900" b="0" i="0" u="none" strike="noStrike">
+                        <a:rPr lang="en-US" sz="900" b="0" i="0" u="none" strike="noStrike" dirty="0">
                           <a:solidFill>
                             <a:srgbClr val="020302"/>
                           </a:solidFill>
-                          <a:latin typeface="AdobeClean-Light" panose="020B0503020404020204" pitchFamily="34" charset="0"/>
+                          <a:effectLst/>
+                          <a:latin typeface="AdobeClean-Light"/>
                         </a:rPr>
-                        <a:t>Horário comercial / 2 horas</a:t>
+                        <a:t>Business hours / 2 hours</a:t>
                       </a:r>
                     </a:p>
                   </a:txBody>
@@ -3709,15 +4499,109 @@
                         </a:spcBef>
                       </a:pPr>
                       <a:r>
-                        <a:rPr lang="pt-BR" sz="900" b="1">
+                        <a:rPr sz="900" b="1" spc="-15" dirty="0">
                           <a:solidFill>
                             <a:srgbClr val="020302"/>
                           </a:solidFill>
                           <a:latin typeface="Adobe Clean"/>
                           <a:cs typeface="Adobe Clean"/>
                         </a:rPr>
-                        <a:t>PRIORIDADE 4</a:t>
+                        <a:t>P</a:t>
                       </a:r>
+                      <a:r>
+                        <a:rPr sz="900" b="1" spc="-20" dirty="0">
+                          <a:solidFill>
+                            <a:srgbClr val="020302"/>
+                          </a:solidFill>
+                          <a:latin typeface="Adobe Clean"/>
+                          <a:cs typeface="Adobe Clean"/>
+                        </a:rPr>
+                        <a:t>R</a:t>
+                      </a:r>
+                      <a:r>
+                        <a:rPr sz="900" b="1" spc="-25" dirty="0">
+                          <a:solidFill>
+                            <a:srgbClr val="020302"/>
+                          </a:solidFill>
+                          <a:latin typeface="Adobe Clean"/>
+                          <a:cs typeface="Adobe Clean"/>
+                        </a:rPr>
+                        <a:t>I</a:t>
+                      </a:r>
+                      <a:r>
+                        <a:rPr sz="900" b="1" spc="-15" dirty="0">
+                          <a:solidFill>
+                            <a:srgbClr val="020302"/>
+                          </a:solidFill>
+                          <a:latin typeface="Adobe Clean"/>
+                          <a:cs typeface="Adobe Clean"/>
+                        </a:rPr>
+                        <a:t>O</a:t>
+                      </a:r>
+                      <a:r>
+                        <a:rPr sz="900" b="1" spc="-20" dirty="0">
+                          <a:solidFill>
+                            <a:srgbClr val="020302"/>
+                          </a:solidFill>
+                          <a:latin typeface="Adobe Clean"/>
+                          <a:cs typeface="Adobe Clean"/>
+                        </a:rPr>
+                        <a:t>R</a:t>
+                      </a:r>
+                      <a:r>
+                        <a:rPr sz="900" b="1" spc="-25" dirty="0">
+                          <a:solidFill>
+                            <a:srgbClr val="020302"/>
+                          </a:solidFill>
+                          <a:latin typeface="Adobe Clean"/>
+                          <a:cs typeface="Adobe Clean"/>
+                        </a:rPr>
+                        <a:t>I</a:t>
+                      </a:r>
+                      <a:r>
+                        <a:rPr sz="900" b="1" spc="-15" dirty="0">
+                          <a:solidFill>
+                            <a:srgbClr val="020302"/>
+                          </a:solidFill>
+                          <a:latin typeface="Adobe Clean"/>
+                          <a:cs typeface="Adobe Clean"/>
+                        </a:rPr>
+                        <a:t>T</a:t>
+                      </a:r>
+                      <a:r>
+                        <a:rPr sz="900" b="1" dirty="0">
+                          <a:solidFill>
+                            <a:srgbClr val="020302"/>
+                          </a:solidFill>
+                          <a:latin typeface="Adobe Clean"/>
+                          <a:cs typeface="Adobe Clean"/>
+                        </a:rPr>
+                        <a:t>Y</a:t>
+                      </a:r>
+                      <a:r>
+                        <a:rPr sz="900" b="1" spc="-40" dirty="0">
+                          <a:solidFill>
+                            <a:srgbClr val="020302"/>
+                          </a:solidFill>
+                          <a:latin typeface="Adobe Clean"/>
+                          <a:cs typeface="Adobe Clean"/>
+                        </a:rPr>
+                        <a:t> </a:t>
+                      </a:r>
+                      <a:r>
+                        <a:rPr sz="900" b="1" dirty="0">
+                          <a:solidFill>
+                            <a:srgbClr val="020302"/>
+                          </a:solidFill>
+                          <a:latin typeface="Adobe Clean"/>
+                          <a:cs typeface="Adobe Clean"/>
+                        </a:rPr>
+                        <a:t>4</a:t>
+                      </a:r>
+                      <a:endParaRPr sz="900" dirty="0">
+                        <a:latin typeface="Adobe Clean"/>
+                        <a:cs typeface="Adobe Clean"/>
+                      </a:endParaRPr>
                     </a:p>
                     <a:p>
                       <a:pPr marL="49530">
@@ -3729,27 +4613,31 @@
                         </a:spcBef>
                       </a:pPr>
                       <a:r>
-                        <a:rPr lang="pt-BR" sz="900" b="1">
+                        <a:rPr lang="en-US" sz="900" b="1" spc="-90" dirty="0">
                           <a:solidFill>
                             <a:srgbClr val="020302"/>
                           </a:solidFill>
                           <a:latin typeface="Adobe Clean"/>
-                          <a:ea typeface="+mn-ea"/>
                           <a:cs typeface="+mn-cs"/>
                         </a:rPr>
                         <a:t> </a:t>
                       </a:r>
                       <a:r>
-                        <a:rPr lang="pt-BR" sz="900" b="0" i="0" u="none" strike="noStrike">
+                        <a:rPr lang="en-US" sz="900" b="0" i="0" u="none" strike="noStrike" dirty="0">
                           <a:solidFill>
                             <a:schemeClr val="tx1"/>
                           </a:solidFill>
+                          <a:effectLst/>
                           <a:latin typeface="Adobe Clean Light"/>
                           <a:ea typeface="+mn-ea"/>
                           <a:cs typeface="+mn-cs"/>
                         </a:rPr>
-                        <a:t>Pergunta geral sobre a funcionalidade atual do produto ou solicitação de melhoria</a:t>
+                        <a:t>General question regarding current product functionality or an enhancement request</a:t>
                       </a:r>
+                      <a:endParaRPr lang="en-US" sz="900" b="0" i="0" dirty="0">
+                        <a:latin typeface="Adobe Clean Light"/>
+                        <a:cs typeface="AdobeClean-Light"/>
+                      </a:endParaRPr>
                     </a:p>
                   </a:txBody>
                   <a:tcPr marL="0" marR="0" marT="0" marB="0" anchor="ctr">
@@ -3789,13 +4677,14 @@
                     <a:p>
                       <a:pPr algn="ctr" fontAlgn="ctr"/>
                       <a:r>
-                        <a:rPr lang="pt-BR" sz="900" b="0" i="0" u="none" strike="noStrike">
+                        <a:rPr lang="en-US" sz="900" b="0" i="0" u="none" strike="noStrike" dirty="0">
                           <a:solidFill>
                             <a:srgbClr val="020302"/>
                           </a:solidFill>
+                          <a:effectLst/>
                           <a:latin typeface="AdobeClean-Light" panose="020B0503020404020204" pitchFamily="34" charset="0"/>
                         </a:rPr>
-                        <a:t>Dias úteis / 3 dias</a:t>
+                        <a:t>Business days / 3 days</a:t>
                       </a:r>
                     </a:p>
                   </a:txBody>
@@ -3836,13 +4725,14 @@
                     <a:p>
                       <a:pPr algn="ctr" fontAlgn="ctr"/>
                       <a:r>
-                        <a:rPr lang="pt-BR" sz="900" b="0" i="0" u="none" strike="noStrike" dirty="0">
+                        <a:rPr lang="en-US" sz="900" b="0" i="0" u="none" strike="noStrike" dirty="0">
                           <a:solidFill>
                             <a:srgbClr val="020302"/>
                           </a:solidFill>
+                          <a:effectLst/>
                           <a:latin typeface="AdobeClean-Light" panose="020B0503020404020204" pitchFamily="34" charset="0"/>
                         </a:rPr>
-                        <a:t>Dias úteis / 1 dia</a:t>
+                        <a:t>Business days / 1 day</a:t>
                       </a:r>
                     </a:p>
                   </a:txBody>
@@ -3950,8 +4840,40 @@
               </a:spcBef>
             </a:pPr>
             <a:r>
-              <a:rPr lang="pt-BR"/>
-              <a:t>©2021 Adobe. All Rights Reserved. Adobe Confidential.</a:t>
+              <a:rPr spc="-10"/>
+              <a:t>©202</a:t>
+            </a:r>
+            <a:r>
+              <a:rPr lang="en-US" spc="-10"/>
+              <a:t>1</a:t>
+            </a:r>
+            <a:r>
+              <a:rPr spc="-5"/>
+              <a:t> Adobe. All</a:t>
+            </a:r>
+            <a:r>
+              <a:rPr spc="-10"/>
+              <a:t> Rights</a:t>
+            </a:r>
+            <a:r>
+              <a:rPr spc="-5"/>
+              <a:t> </a:t>
+            </a:r>
+            <a:r>
+              <a:rPr spc="-10"/>
+              <a:t>Reserved.</a:t>
+            </a:r>
+            <a:r>
+              <a:rPr spc="-5"/>
+              <a:t> Adobe</a:t>
+            </a:r>
+            <a:r>
+              <a:rPr spc="60"/>
+              <a:t> </a:t>
+            </a:r>
+            <a:r>
+              <a:rPr spc="-10"/>
+              <a:t>Confidential.</a:t>
             </a:r>
           </a:p>
         </p:txBody>
@@ -3985,7 +4907,7 @@
           <a:lstStyle/>
           <a:p>
             <a:r>
-              <a:rPr lang="pt-BR" sz="700" i="1">
+              <a:rPr lang="en-US" sz="700" i="1">
                 <a:solidFill>
                   <a:schemeClr val="bg1"/>
                 </a:solidFill>
@@ -4031,7 +4953,7 @@
               </a:spcBef>
             </a:pPr>
             <a:r>
-              <a:rPr lang="pt-BR" sz="1200" dirty="0">
+              <a:rPr lang="en-US" sz="1200" dirty="0">
                 <a:solidFill>
                   <a:schemeClr val="bg1"/>
                 </a:solidFill>
@@ -4040,7 +4962,7 @@
               <a:t>Online | Business |</a:t>
             </a:r>
             <a:r>
-              <a:rPr lang="pt-BR" sz="1200" b="1" dirty="0">
+              <a:rPr lang="en-US" sz="1200" b="1" dirty="0">
                 <a:solidFill>
                   <a:schemeClr val="bg1"/>
                 </a:solidFill>
@@ -4049,16 +4971,15 @@
               <a:t> </a:t>
             </a:r>
             <a:r>
-              <a:rPr lang="pt-BR" sz="1200" b="1" dirty="0">
+              <a:rPr lang="en-US" sz="1200" b="1" dirty="0">
                 <a:solidFill>
                   <a:schemeClr val="bg1"/>
                 </a:solidFill>
-                <a:latin typeface="Adobe Clean" panose="020B0503020404020204" pitchFamily="34" charset="0"/>
               </a:rPr>
               <a:t>Enterprise</a:t>
             </a:r>
             <a:r>
-              <a:rPr lang="pt-BR" sz="1200" b="1" dirty="0">
+              <a:rPr lang="en-US" sz="1200" b="1" dirty="0">
                 <a:solidFill>
                   <a:schemeClr val="bg1"/>
                 </a:solidFill>
@@ -4067,7 +4988,7 @@
               <a:t> </a:t>
             </a:r>
             <a:r>
-              <a:rPr lang="pt-BR" sz="1200" dirty="0">
+              <a:rPr lang="en-US" sz="1200" dirty="0">
                 <a:solidFill>
                   <a:schemeClr val="bg1"/>
                 </a:solidFill>
@@ -4076,7 +4997,7 @@
               <a:t>| Elite</a:t>
             </a:r>
             <a:br>
-              <a:rPr lang="pt-BR" sz="900" dirty="0">
+              <a:rPr lang="en-US" sz="900" dirty="0">
                 <a:solidFill>
                   <a:schemeClr val="bg1"/>
                 </a:solidFill>
@@ -4084,105 +5005,21 @@
               </a:rPr>
             </a:br>
             <a:r>
-              <a:rPr lang="pt-BR" sz="900" dirty="0">
+              <a:rPr lang="en-US" sz="900" dirty="0">
                 <a:solidFill>
                   <a:schemeClr val="bg1"/>
                 </a:solidFill>
-              </a:rPr>
-              <a:t>O Suporte </a:t>
-            </a:r>
-            <a:r>
-              <a:rPr lang="pt-BR" sz="900" dirty="0">
-                <a:solidFill>
-                  <a:schemeClr val="bg1"/>
-                </a:solidFill>
                 <a:latin typeface="Adobe Clean SemiLight" panose="020B0403020404020204" pitchFamily="34" charset="0"/>
               </a:rPr>
-              <a:t>ENTERPRISE</a:t>
-            </a:r>
-            <a:r>
-              <a:rPr lang="pt-BR" sz="900" dirty="0">
-                <a:solidFill>
-                  <a:schemeClr val="bg1"/>
-                </a:solidFill>
-              </a:rPr>
-              <a:t> inclui acesso a caminhos de aprendizagem personalizados e a fóruns monitorados da comunidade </a:t>
-            </a:r>
-            <a:br>
-              <a:rPr lang="pt-BR" sz="900" dirty="0">
-                <a:solidFill>
-                  <a:schemeClr val="bg1"/>
-                </a:solidFill>
-              </a:rPr>
-            </a:br>
-            <a:r>
-              <a:rPr lang="pt-BR" sz="900" dirty="0">
-                <a:solidFill>
-                  <a:schemeClr val="bg1"/>
-                </a:solidFill>
-              </a:rPr>
-              <a:t>na Adobe Experience League.</a:t>
-            </a:r>
-            <a:r>
-              <a:rPr lang="pt-BR" sz="900" dirty="0">
-                <a:solidFill>
-                  <a:schemeClr val="bg1"/>
-                </a:solidFill>
-                <a:latin typeface="Adobe Clean SemiLight" panose="020B0403020404020204" pitchFamily="34" charset="0"/>
-              </a:rPr>
-              <a:t> Você tem à sua disposição a nossa documentação técnica de produto, com todos os detalhes, </a:t>
-            </a:r>
-            <a:br>
-              <a:rPr lang="pt-BR" sz="900" dirty="0">
-                <a:solidFill>
-                  <a:schemeClr val="bg1"/>
-                </a:solidFill>
-                <a:latin typeface="Adobe Clean SemiLight" panose="020B0403020404020204" pitchFamily="34" charset="0"/>
-              </a:rPr>
-            </a:br>
-            <a:r>
-              <a:rPr lang="pt-BR" sz="900" dirty="0">
-                <a:solidFill>
-                  <a:schemeClr val="bg1"/>
-                </a:solidFill>
-                <a:latin typeface="Adobe Clean SemiLight" panose="020B0403020404020204" pitchFamily="34" charset="0"/>
-              </a:rPr>
-              <a:t>e as notas de versão mais atuais. Os clientes ENTERPRISE também contam com um Engenheiro de suporte nomeado, que atua </a:t>
-            </a:r>
-            <a:br>
-              <a:rPr lang="pt-BR" sz="900" dirty="0">
-                <a:solidFill>
-                  <a:schemeClr val="bg1"/>
-                </a:solidFill>
-                <a:latin typeface="Adobe Clean SemiLight" panose="020B0403020404020204" pitchFamily="34" charset="0"/>
-              </a:rPr>
-            </a:br>
-            <a:r>
-              <a:rPr lang="pt-BR" sz="900" dirty="0">
-                <a:solidFill>
-                  <a:schemeClr val="bg1"/>
-                </a:solidFill>
-                <a:latin typeface="Adobe Clean SemiLight" panose="020B0403020404020204" pitchFamily="34" charset="0"/>
-              </a:rPr>
-              <a:t>como contato técnico designado na Equipe de suporte da Adobe. Com ampla experiência na sua solução da Experience Cloud, </a:t>
-            </a:r>
-            <a:br>
-              <a:rPr lang="pt-BR" sz="900" dirty="0">
-                <a:solidFill>
-                  <a:schemeClr val="bg1"/>
-                </a:solidFill>
-                <a:latin typeface="Adobe Clean SemiLight" panose="020B0403020404020204" pitchFamily="34" charset="0"/>
-              </a:rPr>
-            </a:br>
-            <a:r>
-              <a:rPr lang="pt-BR" sz="900" dirty="0">
-                <a:solidFill>
-                  <a:schemeClr val="bg1"/>
-                </a:solidFill>
-                <a:latin typeface="Adobe Clean SemiLight" panose="020B0403020404020204" pitchFamily="34" charset="0"/>
-              </a:rPr>
-              <a:t>a equipe de suporte colabora com você e com sua equipe técnica para garantir a resolução oportuna de todas as solicitações de suporte. A equipe de suporte também ajuda a coordenar e a organizar a prestação de vantagens adicionais do suporte ENTERPRISE, garantindo interrupção mínima na sua empresa nos momentos mais críticos. </a:t>
-            </a:r>
+              <a:t>ENTERPRISE support includes access to personalized learning paths and monitored community forums via the Adobe Experience League. You can also take advantage of our detailed and in-depth technical product documentation and current release notes. ENTERPRISE customers will also be provided with a Named Support Engineer who acts as your designated technical contact in the Adobe Support Team. With deep experience in your designated Experience Cloud solution, your support team will work in partnership with you and your technical teams to ensure timely resolution of all support requests. Your support team can also help coordinate and arrange delivery of the additional ENTERPRISE benefits ensuring minimal disruption to your business at the most critical time. </a:t>
+            </a:r>
+            <a:endParaRPr lang="en-US" sz="900" dirty="0">
+              <a:solidFill>
+                <a:schemeClr val="bg1"/>
+              </a:solidFill>
+              <a:latin typeface="Adobe Clean Light" panose="020B0303020404020204" pitchFamily="34" charset="0"/>
+              <a:cs typeface="AdobeClean-Light"/>
+            </a:endParaRPr>
           </a:p>
         </p:txBody>
       </p:sp>
@@ -4290,15 +5127,19 @@
                         <a:defRPr/>
                       </a:pPr>
                       <a:r>
-                        <a:rPr lang="pt-BR" sz="900">
+                        <a:rPr lang="en-US" sz="900" spc="0">
                           <a:solidFill>
                             <a:srgbClr val="404040"/>
                           </a:solidFill>
                           <a:latin typeface="Adobe Clean"/>
                           <a:cs typeface="Adobe Clean"/>
                         </a:rPr>
-                        <a:t>Suporte Online</a:t>
+                        <a:t>Online  Support</a:t>
                       </a:r>
+                      <a:endParaRPr lang="en-US" sz="900" spc="0">
+                        <a:latin typeface="Adobe Clean"/>
+                        <a:cs typeface="Adobe Clean"/>
+                      </a:endParaRPr>
                     </a:p>
                   </a:txBody>
                   <a:tcPr marL="0" marR="0" marT="7620" marB="0" anchor="ctr">
@@ -4339,15 +5180,29 @@
                         </a:spcBef>
                       </a:pPr>
                       <a:r>
-                        <a:rPr lang="pt-BR" sz="900">
+                        <a:rPr lang="en-US" sz="900" spc="0">
                           <a:solidFill>
                             <a:srgbClr val="FFFFFF"/>
                           </a:solidFill>
                           <a:latin typeface="Adobe Clean"/>
                           <a:cs typeface="Adobe Clean"/>
                         </a:rPr>
-                        <a:t>Suporte Enterprise</a:t>
+                        <a:t>Enterprise </a:t>
                       </a:r>
+                      <a:r>
+                        <a:rPr sz="900" spc="0">
+                          <a:solidFill>
+                            <a:srgbClr val="FFFFFF"/>
+                          </a:solidFill>
+                          <a:latin typeface="Adobe Clean"/>
+                          <a:cs typeface="Adobe Clean"/>
+                        </a:rPr>
+                        <a:t>Support</a:t>
+                      </a:r>
+                      <a:endParaRPr sz="900" spc="0">
+                        <a:latin typeface="Adobe Clean"/>
+                        <a:cs typeface="Adobe Clean"/>
+                      </a:endParaRPr>
                     </a:p>
                   </a:txBody>
                   <a:tcPr marL="0" marR="0" marT="7620" marB="0" anchor="ctr">
@@ -4415,7 +5270,7 @@
                     <a:bodyPr/>
                     <a:lstStyle/>
                     <a:p>
-                      <a:pPr marL="0" marR="0" lvl="0" indent="0" algn="l" defTabSz="914400" rtl="0" eaLnBrk="1" fontAlgn="auto" latinLnBrk="0" hangingPunct="1">
+                      <a:pPr marL="0" marR="0" lvl="0" indent="0" algn="ctr" defTabSz="914400" eaLnBrk="1" fontAlgn="auto" latinLnBrk="0" hangingPunct="1">
                         <a:lnSpc>
                           <a:spcPct val="100000"/>
                         </a:lnSpc>
@@ -4496,13 +5351,13 @@
                         <a:defRPr/>
                       </a:pPr>
                       <a:r>
-                        <a:rPr lang="pt-BR" sz="800" i="1">
+                        <a:rPr lang="en-US" sz="800" i="1">
                           <a:solidFill>
                             <a:schemeClr val="bg1"/>
                           </a:solidFill>
                           <a:latin typeface="Adobe Clean Light" panose="020B0303020404020204" pitchFamily="34" charset="0"/>
                         </a:rPr>
-                        <a:t>Suporte pago ($)</a:t>
+                        <a:t>Paid Support ($)</a:t>
                       </a:r>
                     </a:p>
                   </a:txBody>
@@ -4566,15 +5421,22 @@
                         </a:spcBef>
                       </a:pPr>
                       <a:r>
-                        <a:rPr lang="pt-BR" sz="1000" b="1" i="0">
+                        <a:rPr lang="en-US" sz="1000" b="1" i="0" spc="0">
                           <a:solidFill>
                             <a:schemeClr val="bg1"/>
                           </a:solidFill>
                           <a:latin typeface="Adobe Clean" panose="020B0503020404020204" pitchFamily="34" charset="0"/>
                           <a:cs typeface="AdobeClean-Light"/>
                         </a:rPr>
-                        <a:t>Especialistas atribuídos</a:t>
+                        <a:t>Assigned Experts</a:t>
                       </a:r>
+                      <a:endParaRPr sz="1000" b="1" i="0" spc="0">
+                        <a:solidFill>
+                          <a:schemeClr val="bg1"/>
+                        </a:solidFill>
+                        <a:latin typeface="Adobe Clean" panose="020B0503020404020204" pitchFamily="34" charset="0"/>
+                        <a:cs typeface="AdobeClean-Light"/>
+                      </a:endParaRPr>
                     </a:p>
                   </a:txBody>
                   <a:tcPr marL="0" marR="0" marT="58419" marB="0" anchor="ctr">
@@ -4621,15 +5483,19 @@
                         </a:spcBef>
                       </a:pPr>
                       <a:r>
-                        <a:rPr lang="pt-BR" sz="900">
+                        <a:rPr sz="900" spc="0">
                           <a:solidFill>
                             <a:srgbClr val="020302"/>
                           </a:solidFill>
                           <a:latin typeface="AdobeClean-Light"/>
                           <a:cs typeface="AdobeClean-Light"/>
                         </a:rPr>
-                        <a:t>Líder de suporte da conta</a:t>
+                        <a:t>Account Support Lead</a:t>
                       </a:r>
+                      <a:endParaRPr sz="900" spc="0">
+                        <a:latin typeface="AdobeClean-Light"/>
+                        <a:cs typeface="AdobeClean-Light"/>
+                      </a:endParaRPr>
                     </a:p>
                   </a:txBody>
                   <a:tcPr marL="0" marR="0" marT="58419" marB="0">
@@ -4664,7 +5530,7 @@
                     <a:bodyPr/>
                     <a:lstStyle/>
                     <a:p>
-                      <a:pPr algn="l" rtl="0">
+                      <a:pPr algn="ctr">
                         <a:lnSpc>
                           <a:spcPct val="100000"/>
                         </a:lnSpc>
@@ -4705,7 +5571,7 @@
                     <a:bodyPr/>
                     <a:lstStyle/>
                     <a:p>
-                      <a:pPr algn="l" rtl="0">
+                      <a:pPr algn="ctr">
                         <a:lnSpc>
                           <a:spcPct val="100000"/>
                         </a:lnSpc>
@@ -4748,7 +5614,7 @@
                     <a:bodyPr/>
                     <a:lstStyle/>
                     <a:p>
-                      <a:pPr marL="50800" algn="l" rtl="0">
+                      <a:pPr marL="50800">
                         <a:lnSpc>
                           <a:spcPct val="100000"/>
                         </a:lnSpc>
@@ -4794,15 +5660,19 @@
                         </a:spcBef>
                       </a:pPr>
                       <a:r>
-                        <a:rPr lang="pt-BR" sz="900">
+                        <a:rPr sz="900" spc="0">
                           <a:solidFill>
                             <a:srgbClr val="020302"/>
                           </a:solidFill>
                           <a:latin typeface="AdobeClean-Light"/>
                           <a:cs typeface="AdobeClean-Light"/>
                         </a:rPr>
-                        <a:t>Engenheiro de suporte nomeado</a:t>
+                        <a:t>Named Support Engineer</a:t>
                       </a:r>
+                      <a:endParaRPr sz="900" spc="0">
+                        <a:latin typeface="AdobeClean-Light"/>
+                        <a:cs typeface="AdobeClean-Light"/>
+                      </a:endParaRPr>
                     </a:p>
                   </a:txBody>
                   <a:tcPr marL="0" marR="0" marT="58419" marB="0">
@@ -4825,7 +5695,7 @@
                     <a:bodyPr/>
                     <a:lstStyle/>
                     <a:p>
-                      <a:pPr algn="l" rtl="0">
+                      <a:pPr algn="ctr">
                         <a:lnSpc>
                           <a:spcPct val="100000"/>
                         </a:lnSpc>
@@ -4872,7 +5742,7 @@
                         <a:defRPr/>
                       </a:pPr>
                       <a:r>
-                        <a:rPr lang="pt-BR" sz="900">
+                        <a:rPr lang="en-US" sz="900">
                           <a:solidFill>
                             <a:srgbClr val="020302"/>
                           </a:solidFill>
@@ -4881,6 +5751,10 @@
                         </a:rPr>
                         <a:t></a:t>
                       </a:r>
+                      <a:endParaRPr lang="en-US" sz="900">
+                        <a:latin typeface="Wingdings"/>
+                        <a:cs typeface="Wingdings"/>
+                      </a:endParaRPr>
                     </a:p>
                   </a:txBody>
                   <a:tcPr marL="0" marR="0" marT="0" marB="0" anchor="ctr">
@@ -4903,7 +5777,7 @@
                     <a:bodyPr/>
                     <a:lstStyle/>
                     <a:p>
-                      <a:pPr marL="50800" algn="l" rtl="0">
+                      <a:pPr marL="50800">
                         <a:lnSpc>
                           <a:spcPct val="100000"/>
                         </a:lnSpc>
@@ -4961,15 +5835,19 @@
                         </a:spcBef>
                       </a:pPr>
                       <a:r>
-                        <a:rPr lang="pt-BR" sz="900">
+                        <a:rPr sz="900" spc="0">
                           <a:solidFill>
                             <a:srgbClr val="020302"/>
                           </a:solidFill>
                           <a:latin typeface="AdobeClean-Light"/>
                           <a:cs typeface="AdobeClean-Light"/>
                         </a:rPr>
-                        <a:t>Gerente técnico de conta</a:t>
+                        <a:t>Technical Account Manager</a:t>
                       </a:r>
+                      <a:endParaRPr sz="900" spc="0">
+                        <a:latin typeface="AdobeClean-Light"/>
+                        <a:cs typeface="AdobeClean-Light"/>
+                      </a:endParaRPr>
                     </a:p>
                   </a:txBody>
                   <a:tcPr marL="0" marR="0" marT="63500" marB="0">
@@ -4998,7 +5876,7 @@
                     <a:bodyPr/>
                     <a:lstStyle/>
                     <a:p>
-                      <a:pPr algn="l" rtl="0">
+                      <a:pPr algn="ctr">
                         <a:lnSpc>
                           <a:spcPct val="100000"/>
                         </a:lnSpc>
@@ -5036,7 +5914,7 @@
                     <a:bodyPr/>
                     <a:lstStyle/>
                     <a:p>
-                      <a:pPr algn="l" rtl="0">
+                      <a:pPr algn="ctr">
                         <a:lnSpc>
                           <a:spcPct val="100000"/>
                         </a:lnSpc>
@@ -5087,15 +5965,22 @@
                         </a:spcBef>
                       </a:pPr>
                       <a:r>
-                        <a:rPr lang="pt-BR" sz="1000" b="1" i="0">
+                        <a:rPr lang="en-US" sz="1000" b="1" i="0" spc="0">
                           <a:solidFill>
                             <a:schemeClr val="bg1"/>
                           </a:solidFill>
                           <a:latin typeface="Adobe Clean" panose="020B0503020404020204" pitchFamily="34" charset="0"/>
                           <a:cs typeface="AdobeClean-Light"/>
                         </a:rPr>
-                        <a:t>Serviços de suporte</a:t>
+                        <a:t>Support Services</a:t>
                       </a:r>
+                      <a:endParaRPr sz="1000" b="1" i="0" spc="0">
+                        <a:solidFill>
+                          <a:schemeClr val="bg1"/>
+                        </a:solidFill>
+                        <a:latin typeface="Adobe Clean" panose="020B0503020404020204" pitchFamily="34" charset="0"/>
+                        <a:cs typeface="AdobeClean-Light"/>
+                      </a:endParaRPr>
                     </a:p>
                   </a:txBody>
                   <a:tcPr marL="0" marR="0" marT="57150" marB="0" anchor="ctr">
@@ -5151,15 +6036,29 @@
                         </a:spcBef>
                       </a:pPr>
                       <a:r>
-                        <a:rPr lang="pt-BR" sz="900">
+                        <a:rPr lang="en-US" sz="900" spc="0">
                           <a:solidFill>
                             <a:srgbClr val="020302"/>
                           </a:solidFill>
                           <a:latin typeface="AdobeClean-Light"/>
                           <a:cs typeface="AdobeClean-Light"/>
                         </a:rPr>
-                        <a:t>Suporte Online</a:t>
+                        <a:t>Online</a:t>
                       </a:r>
+                      <a:r>
+                        <a:rPr sz="900" spc="0">
+                          <a:solidFill>
+                            <a:srgbClr val="020302"/>
+                          </a:solidFill>
+                          <a:latin typeface="AdobeClean-Light"/>
+                          <a:cs typeface="AdobeClean-Light"/>
+                        </a:rPr>
+                        <a:t> Support</a:t>
+                      </a:r>
+                      <a:endParaRPr sz="900" spc="0">
+                        <a:latin typeface="AdobeClean-Light"/>
+                        <a:cs typeface="AdobeClean-Light"/>
+                      </a:endParaRPr>
                     </a:p>
                   </a:txBody>
                   <a:tcPr marL="0" marR="0" marT="57150" marB="0">
@@ -5197,15 +6096,39 @@
                         </a:spcBef>
                       </a:pPr>
                       <a:r>
-                        <a:rPr lang="pt-BR" sz="900">
+                        <a:rPr sz="900" spc="-25">
                           <a:solidFill>
                             <a:srgbClr val="020302"/>
                           </a:solidFill>
                           <a:latin typeface="AdobeClean-Light"/>
                           <a:cs typeface="AdobeClean-Light"/>
                         </a:rPr>
-                        <a:t>Horário comercial</a:t>
+                        <a:t>Business</a:t>
                       </a:r>
+                      <a:r>
+                        <a:rPr sz="900" spc="-15">
+                          <a:solidFill>
+                            <a:srgbClr val="020302"/>
+                          </a:solidFill>
+                          <a:latin typeface="AdobeClean-Light"/>
+                          <a:cs typeface="AdobeClean-Light"/>
+                        </a:rPr>
+                        <a:t> </a:t>
+                      </a:r>
+                      <a:r>
+                        <a:rPr sz="900" spc="-30">
+                          <a:solidFill>
+                            <a:srgbClr val="020302"/>
+                          </a:solidFill>
+                          <a:latin typeface="AdobeClean-Light"/>
+                          <a:cs typeface="AdobeClean-Light"/>
+                        </a:rPr>
+                        <a:t>hours</a:t>
+                      </a:r>
+                      <a:endParaRPr sz="900">
+                        <a:latin typeface="AdobeClean-Light"/>
+                        <a:cs typeface="AdobeClean-Light"/>
+                      </a:endParaRPr>
                     </a:p>
                   </a:txBody>
                   <a:tcPr marL="0" marR="0" marT="67945" marB="0">
@@ -5244,7 +6167,7 @@
                         </a:spcBef>
                       </a:pPr>
                       <a:r>
-                        <a:rPr lang="pt-BR" sz="900">
+                        <a:rPr lang="en-US" sz="900" spc="-25">
                           <a:solidFill>
                             <a:srgbClr val="020302"/>
                           </a:solidFill>
@@ -5253,6 +6176,10 @@
                         </a:rPr>
                         <a:t>24x5</a:t>
                       </a:r>
+                      <a:endParaRPr sz="900">
+                        <a:latin typeface="AdobeClean-Light"/>
+                        <a:cs typeface="AdobeClean-Light"/>
+                      </a:endParaRPr>
                     </a:p>
                   </a:txBody>
                   <a:tcPr marL="0" marR="0" marT="67945" marB="0">
@@ -5286,7 +6213,7 @@
                     <a:bodyPr/>
                     <a:lstStyle/>
                     <a:p>
-                      <a:pPr marL="50800" algn="l" rtl="0">
+                      <a:pPr marL="50800">
                         <a:lnSpc>
                           <a:spcPct val="100000"/>
                         </a:lnSpc>
@@ -5335,15 +6262,39 @@
                         </a:spcBef>
                       </a:pPr>
                       <a:r>
-                        <a:rPr lang="pt-BR" sz="900">
+                        <a:rPr sz="900" spc="0">
                           <a:solidFill>
                             <a:srgbClr val="020302"/>
                           </a:solidFill>
                           <a:latin typeface="AdobeClean-Light"/>
                           <a:cs typeface="AdobeClean-Light"/>
                         </a:rPr>
-                        <a:t>Suporte 24x7x365 para prioridades P1</a:t>
+                        <a:t>24x7</a:t>
                       </a:r>
+                      <a:r>
+                        <a:rPr lang="en-US" sz="900" spc="0">
+                          <a:solidFill>
+                            <a:srgbClr val="020302"/>
+                          </a:solidFill>
+                          <a:latin typeface="AdobeClean-Light"/>
+                          <a:cs typeface="AdobeClean-Light"/>
+                        </a:rPr>
+                        <a:t>x365</a:t>
+                      </a:r>
+                      <a:r>
+                        <a:rPr sz="900" spc="0">
+                          <a:solidFill>
+                            <a:srgbClr val="020302"/>
+                          </a:solidFill>
+                          <a:latin typeface="AdobeClean-Light"/>
+                          <a:cs typeface="AdobeClean-Light"/>
+                        </a:rPr>
+                        <a:t> P1 Issue Support</a:t>
+                      </a:r>
+                      <a:endParaRPr sz="900" spc="0">
+                        <a:latin typeface="AdobeClean-Light"/>
+                        <a:cs typeface="AdobeClean-Light"/>
+                      </a:endParaRPr>
                     </a:p>
                   </a:txBody>
                   <a:tcPr marL="0" marR="0" marT="57785" marB="0">
@@ -5375,7 +6326,7 @@
                         </a:spcBef>
                       </a:pPr>
                       <a:r>
-                        <a:rPr lang="pt-BR" sz="900">
+                        <a:rPr sz="900">
                           <a:solidFill>
                             <a:srgbClr val="020302"/>
                           </a:solidFill>
@@ -5384,6 +6335,10 @@
                         </a:rPr>
                         <a:t></a:t>
                       </a:r>
+                      <a:endParaRPr sz="900">
+                        <a:latin typeface="Wingdings"/>
+                        <a:cs typeface="Wingdings"/>
+                      </a:endParaRPr>
                     </a:p>
                   </a:txBody>
                   <a:tcPr marL="0" marR="0" marT="58419" marB="0">
@@ -5413,7 +6368,7 @@
                         </a:spcBef>
                       </a:pPr>
                       <a:r>
-                        <a:rPr lang="pt-BR" sz="900">
+                        <a:rPr sz="900">
                           <a:solidFill>
                             <a:srgbClr val="020302"/>
                           </a:solidFill>
@@ -5422,6 +6377,10 @@
                         </a:rPr>
                         <a:t></a:t>
                       </a:r>
+                      <a:endParaRPr sz="900">
+                        <a:latin typeface="Wingdings"/>
+                        <a:cs typeface="Wingdings"/>
+                      </a:endParaRPr>
                     </a:p>
                   </a:txBody>
                   <a:tcPr marL="0" marR="0" marT="58419" marB="0">
@@ -5444,7 +6403,7 @@
                     <a:bodyPr/>
                     <a:lstStyle/>
                     <a:p>
-                      <a:pPr marL="50800" algn="l" rtl="0">
+                      <a:pPr marL="50800">
                         <a:lnSpc>
                           <a:spcPct val="100000"/>
                         </a:lnSpc>
@@ -5502,15 +6461,19 @@
                         </a:spcBef>
                       </a:pPr>
                       <a:r>
-                        <a:rPr lang="pt-BR" sz="900">
+                        <a:rPr lang="en-US" sz="900" spc="0">
                           <a:solidFill>
                             <a:srgbClr val="020302"/>
                           </a:solidFill>
                           <a:latin typeface="AdobeClean-Light"/>
                           <a:cs typeface="AdobeClean-Light"/>
                         </a:rPr>
-                        <a:t>Contatos de suporte nomeados (por produto)</a:t>
+                        <a:t>Named Support Contacts (per product)</a:t>
                       </a:r>
+                      <a:endParaRPr sz="900" spc="0">
+                        <a:latin typeface="AdobeClean-Light"/>
+                        <a:cs typeface="AdobeClean-Light"/>
+                      </a:endParaRPr>
                     </a:p>
                   </a:txBody>
                   <a:tcPr marL="0" marR="0" marT="57785" marB="0">
@@ -5548,7 +6511,7 @@
                         </a:spcBef>
                       </a:pPr>
                       <a:r>
-                        <a:rPr lang="pt-BR" sz="900">
+                        <a:rPr sz="900">
                           <a:solidFill>
                             <a:srgbClr val="020302"/>
                           </a:solidFill>
@@ -5557,6 +6520,10 @@
                         </a:rPr>
                         <a:t>4</a:t>
                       </a:r>
+                      <a:endParaRPr sz="900">
+                        <a:latin typeface="AdobeClean-Light"/>
+                        <a:cs typeface="AdobeClean-Light"/>
+                      </a:endParaRPr>
                     </a:p>
                   </a:txBody>
                   <a:tcPr marL="0" marR="0" marT="57785" marB="0">
@@ -5586,7 +6553,7 @@
                         </a:spcBef>
                       </a:pPr>
                       <a:r>
-                        <a:rPr lang="pt-BR" sz="900">
+                        <a:rPr lang="en-US" sz="900">
                           <a:solidFill>
                             <a:srgbClr val="020302"/>
                           </a:solidFill>
@@ -5595,6 +6562,10 @@
                         </a:rPr>
                         <a:t>10</a:t>
                       </a:r>
+                      <a:endParaRPr sz="900">
+                        <a:latin typeface="AdobeClean-Light"/>
+                        <a:cs typeface="AdobeClean-Light"/>
+                      </a:endParaRPr>
                     </a:p>
                   </a:txBody>
                   <a:tcPr marL="0" marR="0" marT="57785" marB="0">
@@ -5617,7 +6588,7 @@
                     <a:bodyPr/>
                     <a:lstStyle/>
                     <a:p>
-                      <a:pPr marL="50800" algn="l" rtl="0">
+                      <a:pPr marL="50800">
                         <a:lnSpc>
                           <a:spcPct val="100000"/>
                         </a:lnSpc>
@@ -5666,15 +6637,19 @@
                         </a:spcBef>
                       </a:pPr>
                       <a:r>
-                        <a:rPr lang="pt-BR" sz="900">
+                        <a:rPr lang="en-US" sz="900" spc="0">
                           <a:solidFill>
                             <a:srgbClr val="020302"/>
                           </a:solidFill>
                           <a:latin typeface="AdobeClean-Light"/>
                           <a:cs typeface="AdobeClean-Light"/>
                         </a:rPr>
-                        <a:t>Suporte telefônico ao vivo</a:t>
+                        <a:t>Live Telephone Support</a:t>
                       </a:r>
+                      <a:endParaRPr sz="900" spc="0">
+                        <a:latin typeface="AdobeClean-Light"/>
+                        <a:cs typeface="AdobeClean-Light"/>
+                      </a:endParaRPr>
                     </a:p>
                   </a:txBody>
                   <a:tcPr marL="0" marR="0" marT="57785" marB="0">
@@ -5697,7 +6672,7 @@
                     <a:bodyPr/>
                     <a:lstStyle/>
                     <a:p>
-                      <a:pPr algn="l" rtl="0">
+                      <a:pPr algn="ctr">
                         <a:lnSpc>
                           <a:spcPct val="100000"/>
                         </a:lnSpc>
@@ -5738,7 +6713,7 @@
                         </a:spcBef>
                       </a:pPr>
                       <a:r>
-                        <a:rPr lang="pt-BR" sz="900">
+                        <a:rPr sz="900">
                           <a:solidFill>
                             <a:srgbClr val="020302"/>
                           </a:solidFill>
@@ -5747,6 +6722,10 @@
                         </a:rPr>
                         <a:t></a:t>
                       </a:r>
+                      <a:endParaRPr sz="900">
+                        <a:latin typeface="Wingdings"/>
+                        <a:cs typeface="Wingdings"/>
+                      </a:endParaRPr>
                     </a:p>
                   </a:txBody>
                   <a:tcPr marL="0" marR="0" marT="59054" marB="0">
@@ -5769,7 +6748,7 @@
                     <a:bodyPr/>
                     <a:lstStyle/>
                     <a:p>
-                      <a:pPr marL="50800" algn="l" rtl="0">
+                      <a:pPr marL="50800">
                         <a:lnSpc>
                           <a:spcPct val="100000"/>
                         </a:lnSpc>
@@ -5818,15 +6797,19 @@
                         </a:spcBef>
                       </a:pPr>
                       <a:r>
-                        <a:rPr lang="pt-BR" sz="900">
+                        <a:rPr sz="900" spc="0">
                           <a:solidFill>
                             <a:srgbClr val="020302"/>
                           </a:solidFill>
                           <a:latin typeface="AdobeClean-Light"/>
                           <a:cs typeface="AdobeClean-Light"/>
                         </a:rPr>
-                        <a:t>Gestão de encaminhamento</a:t>
+                        <a:t>Escalation Management</a:t>
                       </a:r>
+                      <a:endParaRPr sz="900" spc="0">
+                        <a:latin typeface="AdobeClean-Light"/>
+                        <a:cs typeface="AdobeClean-Light"/>
+                      </a:endParaRPr>
                     </a:p>
                   </a:txBody>
                   <a:tcPr marL="0" marR="0" marT="58419" marB="0">
@@ -5849,7 +6832,7 @@
                     <a:bodyPr/>
                     <a:lstStyle/>
                     <a:p>
-                      <a:pPr algn="l" rtl="0">
+                      <a:pPr algn="ctr">
                         <a:lnSpc>
                           <a:spcPct val="100000"/>
                         </a:lnSpc>
@@ -5890,7 +6873,7 @@
                         </a:spcBef>
                       </a:pPr>
                       <a:r>
-                        <a:rPr lang="pt-BR" sz="900">
+                        <a:rPr sz="900">
                           <a:solidFill>
                             <a:srgbClr val="020302"/>
                           </a:solidFill>
@@ -5899,6 +6882,10 @@
                         </a:rPr>
                         <a:t></a:t>
                       </a:r>
+                      <a:endParaRPr sz="900">
+                        <a:latin typeface="Wingdings"/>
+                        <a:cs typeface="Wingdings"/>
+                      </a:endParaRPr>
                     </a:p>
                   </a:txBody>
                   <a:tcPr marL="0" marR="0" marT="59690" marB="0">
@@ -5921,7 +6908,7 @@
                     <a:bodyPr/>
                     <a:lstStyle/>
                     <a:p>
-                      <a:pPr marL="50800" algn="l" rtl="0">
+                      <a:pPr marL="50800">
                         <a:lnSpc>
                           <a:spcPct val="100000"/>
                         </a:lnSpc>
@@ -5970,15 +6957,29 @@
                         </a:spcBef>
                       </a:pPr>
                       <a:r>
-                        <a:rPr lang="pt-BR" sz="900">
+                        <a:rPr sz="900" spc="0">
                           <a:solidFill>
                             <a:srgbClr val="020302"/>
                           </a:solidFill>
                           <a:latin typeface="AdobeClean-Light"/>
                           <a:cs typeface="AdobeClean-Light"/>
                         </a:rPr>
-                        <a:t>Revisões de serviço por ano</a:t>
+                        <a:t>Service Reviews </a:t>
                       </a:r>
+                      <a:r>
+                        <a:rPr lang="en-US" sz="900" spc="0">
+                          <a:solidFill>
+                            <a:srgbClr val="020302"/>
+                          </a:solidFill>
+                          <a:latin typeface="AdobeClean-Light"/>
+                          <a:cs typeface="AdobeClean-Light"/>
+                        </a:rPr>
+                        <a:t>per Year</a:t>
+                      </a:r>
+                      <a:endParaRPr sz="900" spc="0">
+                        <a:latin typeface="AdobeClean-Light"/>
+                        <a:cs typeface="AdobeClean-Light"/>
+                      </a:endParaRPr>
                     </a:p>
                   </a:txBody>
                   <a:tcPr marL="0" marR="0" marT="57150" marB="0">
@@ -6001,7 +7002,7 @@
                     <a:bodyPr/>
                     <a:lstStyle/>
                     <a:p>
-                      <a:pPr algn="l" rtl="0">
+                      <a:pPr>
                         <a:lnSpc>
                           <a:spcPct val="100000"/>
                         </a:lnSpc>
@@ -6036,12 +7037,16 @@
                         </a:lnSpc>
                       </a:pPr>
                       <a:r>
-                        <a:rPr lang="pt-BR" sz="900">
+                        <a:rPr lang="en-US" sz="900">
                           <a:latin typeface="Times New Roman"/>
                           <a:cs typeface="Times New Roman"/>
                         </a:rPr>
                         <a:t>2</a:t>
                       </a:r>
+                      <a:endParaRPr sz="900">
+                        <a:latin typeface="Times New Roman"/>
+                        <a:cs typeface="Times New Roman"/>
+                      </a:endParaRPr>
                     </a:p>
                   </a:txBody>
                   <a:tcPr marL="0" marR="0" marT="0" marB="0">
@@ -6083,12 +7088,16 @@
                         </a:spcBef>
                       </a:pPr>
                       <a:r>
-                        <a:rPr lang="pt-BR" sz="900">
+                        <a:rPr lang="en-US" sz="900" spc="0">
                           <a:latin typeface="AdobeClean-Light"/>
                           <a:cs typeface="AdobeClean-Light"/>
                         </a:rPr>
-                        <a:t>Sessões de especialistas por ano</a:t>
+                        <a:t>Expert Sessions per Year</a:t>
                       </a:r>
+                      <a:endParaRPr sz="900" spc="0">
+                        <a:latin typeface="AdobeClean-Light"/>
+                        <a:cs typeface="AdobeClean-Light"/>
+                      </a:endParaRPr>
                     </a:p>
                   </a:txBody>
                   <a:tcPr marL="0" marR="0" marT="57150" marB="0">
@@ -6117,7 +7126,7 @@
                     <a:bodyPr/>
                     <a:lstStyle/>
                     <a:p>
-                      <a:pPr algn="l" rtl="0">
+                      <a:pPr>
                         <a:lnSpc>
                           <a:spcPct val="100000"/>
                         </a:lnSpc>
@@ -6152,12 +7161,16 @@
                         </a:lnSpc>
                       </a:pPr>
                       <a:r>
-                        <a:rPr lang="pt-BR" sz="900">
+                        <a:rPr lang="en-US" sz="900">
                           <a:latin typeface="Times New Roman"/>
                           <a:cs typeface="Times New Roman"/>
                         </a:rPr>
                         <a:t>2</a:t>
                       </a:r>
+                      <a:endParaRPr sz="900">
+                        <a:latin typeface="Times New Roman"/>
+                        <a:cs typeface="Times New Roman"/>
+                      </a:endParaRPr>
                     </a:p>
                   </a:txBody>
                   <a:tcPr marL="0" marR="0" marT="0" marB="0">
@@ -6199,12 +7212,16 @@
                         </a:spcBef>
                       </a:pPr>
                       <a:r>
-                        <a:rPr lang="pt-BR" sz="900">
+                        <a:rPr lang="en-US" sz="900" spc="0">
                           <a:latin typeface="AdobeClean-Light"/>
                           <a:cs typeface="AdobeClean-Light"/>
                         </a:rPr>
-                        <a:t>Revisões de caso</a:t>
+                        <a:t>Case Reviews</a:t>
                       </a:r>
+                      <a:endParaRPr sz="900" spc="0">
+                        <a:latin typeface="AdobeClean-Light"/>
+                        <a:cs typeface="AdobeClean-Light"/>
+                      </a:endParaRPr>
                     </a:p>
                   </a:txBody>
                   <a:tcPr marL="0" marR="0" marT="57150" marB="0">
@@ -6233,7 +7250,7 @@
                     <a:bodyPr/>
                     <a:lstStyle/>
                     <a:p>
-                      <a:pPr algn="l" rtl="0">
+                      <a:pPr>
                         <a:lnSpc>
                           <a:spcPct val="100000"/>
                         </a:lnSpc>
@@ -6280,7 +7297,7 @@
                         <a:defRPr/>
                       </a:pPr>
                       <a:r>
-                        <a:rPr lang="pt-BR" sz="900">
+                        <a:rPr lang="en-US" sz="900">
                           <a:solidFill>
                             <a:srgbClr val="020302"/>
                           </a:solidFill>
@@ -6289,6 +7306,10 @@
                         </a:rPr>
                         <a:t></a:t>
                       </a:r>
+                      <a:endParaRPr lang="en-US" sz="900">
+                        <a:latin typeface="Wingdings"/>
+                        <a:cs typeface="Wingdings"/>
+                      </a:endParaRPr>
                     </a:p>
                   </a:txBody>
                   <a:tcPr marL="0" marR="0" marT="0" marB="0">
@@ -6311,7 +7332,7 @@
                     <a:bodyPr/>
                     <a:lstStyle/>
                     <a:p>
-                      <a:pPr marL="48895" algn="l" rtl="0">
+                      <a:pPr marL="48895">
                         <a:lnSpc>
                           <a:spcPct val="100000"/>
                         </a:lnSpc>
@@ -6369,15 +7390,29 @@
                         </a:spcBef>
                       </a:pPr>
                       <a:r>
-                        <a:rPr lang="pt-BR" sz="900">
+                        <a:rPr sz="900" spc="0">
                           <a:solidFill>
                             <a:srgbClr val="020302"/>
                           </a:solidFill>
                           <a:latin typeface="AdobeClean-Light"/>
                           <a:cs typeface="AdobeClean-Light"/>
                         </a:rPr>
-                        <a:t>Gerenciamento de eventos</a:t>
+                        <a:t>Event </a:t>
                       </a:r>
+                      <a:r>
+                        <a:rPr lang="en-US" sz="900" spc="0">
+                          <a:solidFill>
+                            <a:srgbClr val="020302"/>
+                          </a:solidFill>
+                          <a:latin typeface="AdobeClean-Light"/>
+                          <a:cs typeface="AdobeClean-Light"/>
+                        </a:rPr>
+                        <a:t>Management</a:t>
+                      </a:r>
+                      <a:endParaRPr sz="900" spc="0">
+                        <a:latin typeface="AdobeClean-Light"/>
+                        <a:cs typeface="AdobeClean-Light"/>
+                      </a:endParaRPr>
                     </a:p>
                   </a:txBody>
                   <a:tcPr marL="0" marR="0" marT="58419" marB="0">
@@ -6406,7 +7441,7 @@
                     <a:bodyPr/>
                     <a:lstStyle/>
                     <a:p>
-                      <a:pPr algn="l" rtl="0">
+                      <a:pPr>
                         <a:lnSpc>
                           <a:spcPct val="100000"/>
                         </a:lnSpc>
@@ -6435,7 +7470,7 @@
                     <a:bodyPr/>
                     <a:lstStyle/>
                     <a:p>
-                      <a:pPr algn="l" rtl="0">
+                      <a:pPr>
                         <a:lnSpc>
                           <a:spcPct val="100000"/>
                         </a:lnSpc>
@@ -6466,7 +7501,7 @@
                     <a:bodyPr/>
                     <a:lstStyle/>
                     <a:p>
-                      <a:pPr marL="48895" algn="l" rtl="0">
+                      <a:pPr marL="48895">
                         <a:lnSpc>
                           <a:spcPct val="100000"/>
                         </a:lnSpc>
@@ -6515,15 +7550,39 @@
                         </a:spcBef>
                       </a:pPr>
                       <a:r>
-                        <a:rPr lang="pt-BR" sz="900">
+                        <a:rPr sz="900" spc="0">
                           <a:solidFill>
                             <a:srgbClr val="020302"/>
                           </a:solidFill>
                           <a:latin typeface="AdobeClean-Light"/>
                           <a:cs typeface="AdobeClean-Light"/>
                         </a:rPr>
-                        <a:t>Revisão, manutenção e monitoramento do ambiente</a:t>
+                        <a:t>Environment</a:t>
                       </a:r>
+                      <a:r>
+                        <a:rPr lang="en-US" sz="900" spc="0">
+                          <a:solidFill>
+                            <a:srgbClr val="020302"/>
+                          </a:solidFill>
+                          <a:latin typeface="AdobeClean-Light"/>
+                          <a:cs typeface="AdobeClean-Light"/>
+                        </a:rPr>
+                        <a:t> </a:t>
+                      </a:r>
+                      <a:r>
+                        <a:rPr sz="900" spc="0">
+                          <a:solidFill>
+                            <a:srgbClr val="020302"/>
+                          </a:solidFill>
+                          <a:latin typeface="AdobeClean-Light"/>
+                          <a:cs typeface="AdobeClean-Light"/>
+                        </a:rPr>
+                        <a:t>Review, Maintenance &amp; Monitoring</a:t>
+                      </a:r>
+                      <a:endParaRPr sz="900" spc="0">
+                        <a:latin typeface="AdobeClean-Light"/>
+                        <a:cs typeface="AdobeClean-Light"/>
+                      </a:endParaRPr>
                     </a:p>
                   </a:txBody>
                   <a:tcPr marL="0" marR="0" marT="59055" marB="0">
@@ -6546,7 +7605,7 @@
                     <a:bodyPr/>
                     <a:lstStyle/>
                     <a:p>
-                      <a:pPr algn="l" rtl="0">
+                      <a:pPr>
                         <a:lnSpc>
                           <a:spcPct val="100000"/>
                         </a:lnSpc>
@@ -6575,7 +7634,7 @@
                     <a:bodyPr/>
                     <a:lstStyle/>
                     <a:p>
-                      <a:pPr algn="l" rtl="0">
+                      <a:pPr>
                         <a:lnSpc>
                           <a:spcPct val="100000"/>
                         </a:lnSpc>
@@ -6606,7 +7665,7 @@
                     <a:bodyPr/>
                     <a:lstStyle/>
                     <a:p>
-                      <a:pPr marL="49530" algn="l" rtl="0">
+                      <a:pPr marL="49530">
                         <a:lnSpc>
                           <a:spcPct val="100000"/>
                         </a:lnSpc>
@@ -6655,15 +7714,19 @@
                         </a:spcBef>
                       </a:pPr>
                       <a:r>
-                        <a:rPr lang="pt-BR" sz="900">
+                        <a:rPr sz="900" spc="0">
                           <a:solidFill>
                             <a:srgbClr val="020302"/>
                           </a:solidFill>
                           <a:latin typeface="AdobeClean-Light"/>
                           <a:cs typeface="AdobeClean-Light"/>
                         </a:rPr>
-                        <a:t>Revisão de versão, migração, atualização e roteiro de produtos</a:t>
+                        <a:t>Release, Migration, Upgrade &amp; Product Roadmap Review</a:t>
                       </a:r>
+                      <a:endParaRPr sz="900" spc="0">
+                        <a:latin typeface="AdobeClean-Light"/>
+                        <a:cs typeface="AdobeClean-Light"/>
+                      </a:endParaRPr>
                     </a:p>
                   </a:txBody>
                   <a:tcPr marL="0" marR="0" marT="63500" marB="0">
@@ -6686,7 +7749,7 @@
                     <a:bodyPr/>
                     <a:lstStyle/>
                     <a:p>
-                      <a:pPr algn="l" rtl="0">
+                      <a:pPr>
                         <a:lnSpc>
                           <a:spcPct val="100000"/>
                         </a:lnSpc>
@@ -6715,7 +7778,7 @@
                     <a:bodyPr/>
                     <a:lstStyle/>
                     <a:p>
-                      <a:pPr algn="l" rtl="0">
+                      <a:pPr>
                         <a:lnSpc>
                           <a:spcPct val="100000"/>
                         </a:lnSpc>
@@ -6746,7 +7809,7 @@
                     <a:bodyPr/>
                     <a:lstStyle/>
                     <a:p>
-                      <a:pPr marL="49530" algn="l" rtl="0">
+                      <a:pPr marL="49530">
                         <a:lnSpc>
                           <a:spcPct val="100000"/>
                         </a:lnSpc>
@@ -6804,11 +7867,11 @@
                         </a:spcBef>
                       </a:pPr>
                       <a:r>
-                        <a:rPr lang="pt-BR" sz="900">
+                        <a:rPr sz="900" spc="0">
                           <a:latin typeface="AdobeClean-Light"/>
                           <a:cs typeface="AdobeClean-Light"/>
                         </a:rPr>
-                        <a:t>Atividades de suporte na nuvem — Experience Manager as Cloud</a:t>
+                        <a:t>Cloud Support Activities – Experience Manager as Cloud</a:t>
                       </a:r>
                     </a:p>
                   </a:txBody>
@@ -6838,7 +7901,7 @@
                     <a:bodyPr/>
                     <a:lstStyle/>
                     <a:p>
-                      <a:pPr algn="l" rtl="0">
+                      <a:pPr>
                         <a:lnSpc>
                           <a:spcPct val="100000"/>
                         </a:lnSpc>
@@ -6894,7 +7957,7 @@
                         <a:defRPr/>
                       </a:pPr>
                       <a:r>
-                        <a:rPr lang="pt-BR" sz="900">
+                        <a:rPr lang="en-US" sz="900">
                           <a:solidFill>
                             <a:srgbClr val="020302"/>
                           </a:solidFill>
@@ -6903,9 +7966,13 @@
                         </a:rPr>
                         <a:t></a:t>
                       </a:r>
+                      <a:endParaRPr lang="en-US" sz="900">
+                        <a:latin typeface="Wingdings"/>
+                        <a:cs typeface="Wingdings"/>
+                      </a:endParaRPr>
                     </a:p>
                     <a:p>
-                      <a:pPr marL="0" marR="0" lvl="0" indent="0" algn="l" defTabSz="914400" rtl="0" eaLnBrk="1" fontAlgn="auto" latinLnBrk="0" hangingPunct="1">
+                      <a:pPr marL="0" marR="0" lvl="0" indent="0" algn="ctr" defTabSz="914400" eaLnBrk="1" fontAlgn="auto" latinLnBrk="0" hangingPunct="1">
                         <a:lnSpc>
                           <a:spcPct val="100000"/>
                         </a:lnSpc>
@@ -6968,15 +8035,22 @@
                         </a:spcBef>
                       </a:pPr>
                       <a:r>
-                        <a:rPr lang="pt-BR" sz="1000" b="1" i="0">
+                        <a:rPr lang="en-US" sz="1000" b="1" i="0" spc="0">
                           <a:solidFill>
                             <a:schemeClr val="bg1"/>
                           </a:solidFill>
                           <a:latin typeface="Adobe Clean" panose="020B0503020404020204" pitchFamily="34" charset="0"/>
                           <a:cs typeface="AdobeClean-Light"/>
                         </a:rPr>
-                        <a:t>Serviços de campo</a:t>
+                        <a:t>Field Services</a:t>
                       </a:r>
+                      <a:endParaRPr sz="1000" b="1" i="0" spc="0">
+                        <a:solidFill>
+                          <a:schemeClr val="bg1"/>
+                        </a:solidFill>
+                        <a:latin typeface="Adobe Clean" panose="020B0503020404020204" pitchFamily="34" charset="0"/>
+                        <a:cs typeface="AdobeClean-Light"/>
+                      </a:endParaRPr>
                     </a:p>
                   </a:txBody>
                   <a:tcPr marL="0" marR="0" marT="48260" marB="0" anchor="ctr">
@@ -7029,14 +8103,14 @@
                         </a:spcBef>
                       </a:pPr>
                       <a:r>
-                        <a:rPr lang="pt-BR" sz="900">
+                        <a:rPr sz="900" spc="0">
                           <a:solidFill>
                             <a:srgbClr val="020302"/>
                           </a:solidFill>
                           <a:latin typeface="AdobeClean-Light"/>
                           <a:cs typeface="AdobeClean-Light"/>
                         </a:rPr>
-                        <a:t>Launch Advisory Services — primeiro ano da nova solução</a:t>
+                        <a:t>Launch Advisory Services – First Year of new solution</a:t>
                       </a:r>
                     </a:p>
                   </a:txBody>
@@ -7076,7 +8150,7 @@
                     <a:bodyPr/>
                     <a:lstStyle/>
                     <a:p>
-                      <a:pPr algn="l" rtl="0">
+                      <a:pPr>
                         <a:lnSpc>
                           <a:spcPct val="100000"/>
                         </a:lnSpc>
@@ -7132,7 +8206,7 @@
                         <a:defRPr/>
                       </a:pPr>
                       <a:r>
-                        <a:rPr lang="pt-BR" sz="900">
+                        <a:rPr lang="en-US" sz="900">
                           <a:solidFill>
                             <a:srgbClr val="020302"/>
                           </a:solidFill>
@@ -7141,6 +8215,10 @@
                         </a:rPr>
                         <a:t></a:t>
                       </a:r>
+                      <a:endParaRPr lang="en-US" sz="900">
+                        <a:latin typeface="Wingdings"/>
+                        <a:cs typeface="Wingdings"/>
+                      </a:endParaRPr>
                     </a:p>
                   </a:txBody>
                   <a:tcPr marL="0" marR="0" marT="0" marB="0">
@@ -7261,7 +8339,7 @@
                         <a:defRPr/>
                       </a:pPr>
                       <a:r>
-                        <a:rPr lang="pt-BR" sz="900">
+                        <a:rPr lang="en-US" sz="900">
                           <a:solidFill>
                             <a:srgbClr val="020302"/>
                           </a:solidFill>
@@ -7270,6 +8348,10 @@
                         </a:rPr>
                         <a:t></a:t>
                       </a:r>
+                      <a:endParaRPr lang="en-US" sz="900">
+                        <a:latin typeface="Wingdings"/>
+                        <a:cs typeface="Wingdings"/>
+                      </a:endParaRPr>
                     </a:p>
                   </a:txBody>
                   <a:tcPr marL="0" marR="0" marT="0" marB="0">
@@ -7326,11 +8408,11 @@
                         <a:defRPr/>
                       </a:pPr>
                       <a:r>
-                        <a:rPr lang="pt-BR" sz="900">
+                        <a:rPr lang="en-US" sz="900" spc="0">
                           <a:latin typeface="AdobeClean-Light"/>
                           <a:cs typeface="AdobeClean-Light"/>
                         </a:rPr>
-                        <a:t>Atividades de serviço de campo </a:t>
+                        <a:t>Field Service Activities </a:t>
                       </a:r>
                     </a:p>
                   </a:txBody>
@@ -7464,7 +8546,7 @@
         </p:nvSpPr>
         <p:spPr>
           <a:xfrm>
-            <a:off x="2835999" y="8830541"/>
+            <a:off x="2835999" y="9021041"/>
             <a:ext cx="2194560" cy="641201"/>
           </a:xfrm>
           <a:prstGeom prst="rect">
@@ -7489,14 +8571,154 @@
               </a:tabLst>
             </a:pPr>
             <a:r>
-              <a:rPr lang="pt-BR" sz="1000" dirty="0">
+              <a:rPr sz="1000" spc="-20" dirty="0">
                 <a:solidFill>
                   <a:srgbClr val="020302"/>
                 </a:solidFill>
                 <a:latin typeface="AdobeClean-Light"/>
                 <a:cs typeface="AdobeClean-Light"/>
               </a:rPr>
-              <a:t>Inicie uma sessão de chat para obter respostas e ajuda com o envio de caso.</a:t>
+              <a:t>Start </a:t>
+            </a:r>
+            <a:r>
+              <a:rPr sz="1000" dirty="0">
+                <a:solidFill>
+                  <a:srgbClr val="020302"/>
+                </a:solidFill>
+                <a:latin typeface="AdobeClean-Light"/>
+                <a:cs typeface="AdobeClean-Light"/>
+              </a:rPr>
+              <a:t>a </a:t>
+            </a:r>
+            <a:r>
+              <a:rPr sz="1000" spc="-15" dirty="0">
+                <a:solidFill>
+                  <a:srgbClr val="020302"/>
+                </a:solidFill>
+                <a:latin typeface="AdobeClean-Light"/>
+                <a:cs typeface="AdobeClean-Light"/>
+              </a:rPr>
+              <a:t>chat </a:t>
+            </a:r>
+            <a:r>
+              <a:rPr sz="1000" spc="-10" dirty="0">
+                <a:solidFill>
+                  <a:srgbClr val="020302"/>
+                </a:solidFill>
+                <a:latin typeface="AdobeClean-Light"/>
+                <a:cs typeface="AdobeClean-Light"/>
+              </a:rPr>
+              <a:t>session </a:t>
+            </a:r>
+            <a:r>
+              <a:rPr sz="1000" spc="-5" dirty="0">
+                <a:solidFill>
+                  <a:srgbClr val="020302"/>
+                </a:solidFill>
+                <a:latin typeface="AdobeClean-Light"/>
+                <a:cs typeface="AdobeClean-Light"/>
+              </a:rPr>
+              <a:t>to </a:t>
+            </a:r>
+            <a:r>
+              <a:rPr sz="1000" spc="-10" dirty="0">
+                <a:solidFill>
+                  <a:srgbClr val="020302"/>
+                </a:solidFill>
+                <a:latin typeface="AdobeClean-Light"/>
+                <a:cs typeface="AdobeClean-Light"/>
+              </a:rPr>
+              <a:t>get </a:t>
+            </a:r>
+            <a:r>
+              <a:rPr sz="1000" spc="-20" dirty="0">
+                <a:solidFill>
+                  <a:srgbClr val="020302"/>
+                </a:solidFill>
+                <a:latin typeface="AdobeClean-Light"/>
+                <a:cs typeface="AdobeClean-Light"/>
+              </a:rPr>
+              <a:t>answers</a:t>
+            </a:r>
+            <a:r>
+              <a:rPr lang="en-US" sz="1000" spc="-45" dirty="0">
+                <a:solidFill>
+                  <a:srgbClr val="020302"/>
+                </a:solidFill>
+                <a:latin typeface="AdobeClean-Light"/>
+                <a:cs typeface="AdobeClean-Light"/>
+              </a:rPr>
+              <a:t> </a:t>
+            </a:r>
+            <a:r>
+              <a:rPr lang="en-US" sz="1000" dirty="0">
+                <a:solidFill>
+                  <a:srgbClr val="020302"/>
+                </a:solidFill>
+                <a:latin typeface="AdobeClean-Light"/>
+                <a:cs typeface="AdobeClean-Light"/>
+              </a:rPr>
+              <a:t>&amp; </a:t>
+            </a:r>
+            <a:r>
+              <a:rPr sz="1000" spc="-15" dirty="0">
+                <a:solidFill>
+                  <a:srgbClr val="020302"/>
+                </a:solidFill>
+                <a:latin typeface="AdobeClean-Light"/>
+                <a:cs typeface="AdobeClean-Light"/>
+              </a:rPr>
+              <a:t>help </a:t>
+            </a:r>
+            <a:r>
+              <a:rPr sz="1000" spc="-10" dirty="0">
+                <a:solidFill>
+                  <a:srgbClr val="020302"/>
+                </a:solidFill>
+                <a:latin typeface="AdobeClean-Light"/>
+                <a:cs typeface="AdobeClean-Light"/>
+              </a:rPr>
+              <a:t>with</a:t>
+            </a:r>
+            <a:r>
+              <a:rPr sz="1000" spc="85" dirty="0">
+                <a:solidFill>
+                  <a:srgbClr val="020302"/>
+                </a:solidFill>
+                <a:latin typeface="AdobeClean-Light"/>
+                <a:cs typeface="AdobeClean-Light"/>
+              </a:rPr>
+              <a:t> </a:t>
+            </a:r>
+            <a:r>
+              <a:rPr sz="1000" spc="-10" dirty="0">
+                <a:solidFill>
+                  <a:srgbClr val="020302"/>
+                </a:solidFill>
+                <a:latin typeface="AdobeClean-Light"/>
+                <a:cs typeface="AdobeClean-Light"/>
+              </a:rPr>
+              <a:t>case </a:t>
+            </a:r>
+            <a:r>
+              <a:rPr sz="1000" spc="-20">
+                <a:solidFill>
+                  <a:srgbClr val="020302"/>
+                </a:solidFill>
+                <a:latin typeface="AdobeClean-Light"/>
+                <a:cs typeface="AdobeClean-Light"/>
+              </a:rPr>
+              <a:t>submission</a:t>
+            </a:r>
+            <a:r>
+              <a:rPr lang="en-US" sz="1000" spc="-20">
+                <a:solidFill>
+                  <a:srgbClr val="020302"/>
+                </a:solidFill>
+                <a:latin typeface="AdobeClean-Light"/>
+                <a:cs typeface="AdobeClean-Light"/>
+              </a:rPr>
+              <a:t>.</a:t>
             </a:r>
           </a:p>
           <a:p>
@@ -7509,44 +8731,49 @@
               </a:tabLst>
             </a:pPr>
             <a:r>
-              <a:rPr lang="pt-BR" sz="1000" i="1" dirty="0">
+              <a:rPr sz="1000" i="1" spc="-10" dirty="0">
                 <a:solidFill>
                   <a:srgbClr val="7A7A7A"/>
                 </a:solidFill>
                 <a:latin typeface="AdobeClean-LightIt"/>
                 <a:cs typeface="AdobeClean-LightIt"/>
               </a:rPr>
-              <a:t>*Nem todos os produtos têm suporte </a:t>
-            </a:r>
-            <a:br>
-              <a:rPr lang="pt-BR" sz="1000" i="1" dirty="0">
+              <a:t>*Not all </a:t>
+            </a:r>
+            <a:r>
+              <a:rPr sz="1000" i="1" spc="-20" dirty="0">
                 <a:solidFill>
                   <a:srgbClr val="7A7A7A"/>
                 </a:solidFill>
                 <a:latin typeface="AdobeClean-LightIt"/>
                 <a:cs typeface="AdobeClean-LightIt"/>
               </a:rPr>
-            </a:br>
-            <a:r>
-              <a:rPr lang="pt-BR" sz="1000" i="1" dirty="0">
+              <a:t>products have live chat support</a:t>
+            </a:r>
+            <a:r>
+              <a:rPr sz="900" i="1" spc="-20" dirty="0">
                 <a:solidFill>
                   <a:srgbClr val="7A7A7A"/>
                 </a:solidFill>
                 <a:latin typeface="AdobeClean-LightIt"/>
                 <a:cs typeface="AdobeClean-LightIt"/>
               </a:rPr>
-              <a:t>de chat ao vivo</a:t>
-            </a:r>
-            <a:r>
-              <a:rPr lang="pt-BR" sz="900" i="1" dirty="0">
+              <a:t>.</a:t>
+            </a:r>
+            <a:r>
+              <a:rPr lang="en-US" sz="900" i="1" spc="-20" dirty="0">
                 <a:solidFill>
                   <a:srgbClr val="7A7A7A"/>
                 </a:solidFill>
                 <a:latin typeface="AdobeClean-LightIt"/>
                 <a:cs typeface="AdobeClean-LightIt"/>
               </a:rPr>
-              <a:t>.  </a:t>
-            </a:r>
+              <a:t>  </a:t>
+            </a:r>
+            <a:endParaRPr sz="900">
+              <a:latin typeface="AdobeClean-Light"/>
+              <a:cs typeface="AdobeClean-Light"/>
+            </a:endParaRPr>
           </a:p>
         </p:txBody>
       </p:sp>
@@ -7566,7 +8793,7 @@
         </p:nvSpPr>
         <p:spPr>
           <a:xfrm>
-            <a:off x="689237" y="6474338"/>
+            <a:off x="689237" y="6664838"/>
             <a:ext cx="1568246" cy="184666"/>
           </a:xfrm>
           <a:prstGeom prst="rect">
@@ -7593,12 +8820,12 @@
               <a:defRPr/>
             </a:pPr>
             <a:r>
-              <a:rPr lang="pt-BR" sz="1200">
+              <a:rPr lang="en-US" sz="1200">
                 <a:solidFill>
                   <a:srgbClr val="000000"/>
                 </a:solidFill>
               </a:rPr>
-              <a:t>Fóruns da comunidade</a:t>
+              <a:t>Community Forums</a:t>
             </a:r>
           </a:p>
         </p:txBody>
@@ -7619,7 +8846,7 @@
         </p:nvSpPr>
         <p:spPr>
           <a:xfrm>
-            <a:off x="689237" y="6677524"/>
+            <a:off x="689237" y="6868024"/>
             <a:ext cx="959314" cy="184666"/>
           </a:xfrm>
           <a:prstGeom prst="rect">
@@ -7641,12 +8868,12 @@
               </a:spcAft>
             </a:pPr>
             <a:r>
-              <a:rPr lang="pt-BR" sz="1200" b="1">
+              <a:rPr lang="en-US" sz="1200" b="1">
                 <a:latin typeface="+mj-lt"/>
                 <a:ea typeface="Open Sans" pitchFamily="34" charset="0"/>
                 <a:cs typeface="Open Sans" pitchFamily="34" charset="0"/>
               </a:rPr>
-              <a:t>Fóruns online</a:t>
+              <a:t>Online Forums</a:t>
             </a:r>
           </a:p>
         </p:txBody>
@@ -7665,8 +8892,8 @@
         </p:nvSpPr>
         <p:spPr>
           <a:xfrm>
-            <a:off x="355867" y="6911587"/>
-            <a:ext cx="2245029" cy="1113125"/>
+            <a:off x="355868" y="7102087"/>
+            <a:ext cx="2194560" cy="959237"/>
           </a:xfrm>
           <a:prstGeom prst="rect">
             <a:avLst/>
@@ -7679,31 +8906,20 @@
           <a:lstStyle/>
           <a:p>
             <a:r>
-              <a:rPr lang="pt-BR" sz="1000" dirty="0">
+              <a:rPr lang="en-US" sz="1000" dirty="0">
                 <a:solidFill>
                   <a:srgbClr val="4B4B4B"/>
                 </a:solidFill>
                 <a:latin typeface="Adobe Clean Light"/>
               </a:rPr>
-              <a:t>Acesso online contínuo a um banco de dados cada vez maior de soluções técnicas, documentação do produto, perguntas frequentes e muito mais. Conecte-se </a:t>
-            </a:r>
-            <a:br>
-              <a:rPr lang="pt-BR" sz="1000" dirty="0">
-                <a:solidFill>
-                  <a:srgbClr val="4B4B4B"/>
-                </a:solidFill>
-                <a:latin typeface="Adobe Clean Light"/>
-              </a:rPr>
-            </a:br>
-            <a:r>
-              <a:rPr lang="pt-BR" sz="1000" dirty="0">
-                <a:solidFill>
-                  <a:srgbClr val="4B4B4B"/>
-                </a:solidFill>
-                <a:latin typeface="Adobe Clean Light"/>
-              </a:rPr>
-              <a:t>com profissionais e outros clientes na Comunidade da Adobe para compartilhar práticas recomendadas e lições aprendidas.</a:t>
-            </a:r>
+              <a:t>Continuous online access to a growing database of technical solutions, product documentation, FAQs and more. Connect with practitioners and other customers on Adobe Community to share best practices and lessons learned.</a:t>
+            </a:r>
+            <a:endParaRPr lang="en-US" sz="1000" dirty="0">
+              <a:solidFill>
+                <a:srgbClr val="4B4B4B"/>
+              </a:solidFill>
+              <a:latin typeface="Adobe Clean Light" panose="020B0303020404020204" pitchFamily="34" charset="0"/>
+            </a:endParaRPr>
           </a:p>
         </p:txBody>
       </p:sp>
@@ -7723,7 +8939,7 @@
         </p:nvSpPr>
         <p:spPr>
           <a:xfrm>
-            <a:off x="5723508" y="6474338"/>
+            <a:off x="5723508" y="6664838"/>
             <a:ext cx="1463040" cy="184666"/>
           </a:xfrm>
           <a:prstGeom prst="rect">
@@ -7750,7 +8966,7 @@
               <a:defRPr/>
             </a:pPr>
             <a:r>
-              <a:rPr lang="pt-BR" sz="1200">
+              <a:rPr lang="en-US" sz="1200">
                 <a:solidFill>
                   <a:srgbClr val="000000"/>
                 </a:solidFill>
@@ -7776,7 +8992,7 @@
         </p:nvSpPr>
         <p:spPr>
           <a:xfrm>
-            <a:off x="5723508" y="6677524"/>
+            <a:off x="5723508" y="6868024"/>
             <a:ext cx="1316707" cy="184666"/>
           </a:xfrm>
           <a:prstGeom prst="rect">
@@ -7798,12 +9014,12 @@
               </a:spcAft>
             </a:pPr>
             <a:r>
-              <a:rPr lang="pt-BR" sz="1200" b="1">
+              <a:rPr lang="en-US" sz="1200" b="1">
                 <a:latin typeface="+mj-lt"/>
                 <a:ea typeface="Open Sans" pitchFamily="34" charset="0"/>
                 <a:cs typeface="Open Sans" pitchFamily="34" charset="0"/>
               </a:rPr>
-              <a:t>Jornadas autoguiadas</a:t>
+              <a:t>Self-guided Journeys</a:t>
             </a:r>
           </a:p>
         </p:txBody>
@@ -7822,8 +9038,8 @@
         </p:nvSpPr>
         <p:spPr>
           <a:xfrm>
-            <a:off x="5265660" y="6869785"/>
-            <a:ext cx="2240037" cy="1113125"/>
+            <a:off x="5265661" y="7060285"/>
+            <a:ext cx="2194560" cy="1113125"/>
           </a:xfrm>
           <a:prstGeom prst="rect">
             <a:avLst/>
@@ -7836,31 +9052,20 @@
           <a:lstStyle/>
           <a:p>
             <a:r>
-              <a:rPr lang="pt-BR" sz="1000" dirty="0">
+              <a:rPr lang="en-US" sz="1000" dirty="0">
                 <a:solidFill>
                   <a:srgbClr val="4B4B4B"/>
                 </a:solidFill>
                 <a:latin typeface="Adobe Clean Light"/>
               </a:rPr>
-              <a:t>A Experience League gera criadores de experiências. Os clientes podem adquirir habilidades de gerenciamento de experiência do cliente com aprendizagem personalizada, participar de uma comunidade de pares global e conseguir reconhecimento </a:t>
-            </a:r>
-            <a:br>
-              <a:rPr lang="pt-BR" sz="1000" dirty="0">
-                <a:solidFill>
-                  <a:srgbClr val="4B4B4B"/>
-                </a:solidFill>
-                <a:latin typeface="Adobe Clean Light"/>
-              </a:rPr>
-            </a:br>
-            <a:r>
-              <a:rPr lang="pt-BR" sz="1000" dirty="0">
-                <a:solidFill>
-                  <a:srgbClr val="4B4B4B"/>
-                </a:solidFill>
-                <a:latin typeface="Adobe Clean Light"/>
-              </a:rPr>
-              <a:t>de carreira.</a:t>
-            </a:r>
+              <a:t>Experience Makers are made with Experience League. Customers can kickstart their Customer Experience Management abilities with personalized learning to develop skills, engage with a global community of peers, and earn career advancing recognition.</a:t>
+            </a:r>
+            <a:endParaRPr lang="en-US" sz="1000" dirty="0">
+              <a:solidFill>
+                <a:srgbClr val="4B4B4B"/>
+              </a:solidFill>
+              <a:latin typeface="Adobe Clean Light" panose="020B0303020404020204" pitchFamily="34" charset="0"/>
+            </a:endParaRPr>
           </a:p>
         </p:txBody>
       </p:sp>
@@ -7880,7 +9085,7 @@
         </p:nvSpPr>
         <p:spPr>
           <a:xfrm>
-            <a:off x="3201544" y="8330284"/>
+            <a:off x="3201544" y="8520784"/>
             <a:ext cx="1543003" cy="184666"/>
           </a:xfrm>
           <a:prstGeom prst="rect">
@@ -7907,12 +9112,12 @@
               <a:defRPr/>
             </a:pPr>
             <a:r>
-              <a:rPr lang="pt-BR" sz="1200">
+              <a:rPr lang="en-US" sz="1200">
                 <a:solidFill>
                   <a:srgbClr val="000000"/>
                 </a:solidFill>
               </a:rPr>
-              <a:t>Suporte por chat ao vivo*</a:t>
+              <a:t>Live Chat  Support*</a:t>
             </a:r>
           </a:p>
         </p:txBody>
@@ -7933,7 +9138,7 @@
         </p:nvSpPr>
         <p:spPr>
           <a:xfrm>
-            <a:off x="3201544" y="8511503"/>
+            <a:off x="3201544" y="8702003"/>
             <a:ext cx="840166" cy="184666"/>
           </a:xfrm>
           <a:prstGeom prst="rect">
@@ -7955,12 +9160,12 @@
               </a:spcAft>
             </a:pPr>
             <a:r>
-              <a:rPr lang="pt-BR" sz="1200" b="1">
+              <a:rPr lang="en-US" sz="1200" b="1">
                 <a:latin typeface="+mj-lt"/>
                 <a:ea typeface="Open Sans" pitchFamily="34" charset="0"/>
                 <a:cs typeface="Open Sans" pitchFamily="34" charset="0"/>
               </a:rPr>
-              <a:t>Suporte por chat</a:t>
+              <a:t>Chat Support</a:t>
             </a:r>
           </a:p>
         </p:txBody>
@@ -7981,7 +9186,7 @@
         </p:nvSpPr>
         <p:spPr>
           <a:xfrm>
-            <a:off x="3201544" y="6474338"/>
+            <a:off x="3201544" y="6664838"/>
             <a:ext cx="2520000" cy="184666"/>
           </a:xfrm>
           <a:prstGeom prst="rect">
@@ -8008,12 +9213,12 @@
               <a:defRPr/>
             </a:pPr>
             <a:r>
-              <a:rPr lang="pt-BR" sz="1200" dirty="0">
+              <a:rPr lang="en-US" sz="1200">
                 <a:solidFill>
                   <a:srgbClr val="000000"/>
                 </a:solidFill>
               </a:rPr>
-              <a:t>24X7 prioridades P1 </a:t>
+              <a:t>24X7 P1 </a:t>
             </a:r>
           </a:p>
         </p:txBody>
@@ -8034,7 +9239,7 @@
         </p:nvSpPr>
         <p:spPr>
           <a:xfrm>
-            <a:off x="3201544" y="6677524"/>
+            <a:off x="3201544" y="6868024"/>
             <a:ext cx="992259" cy="184666"/>
           </a:xfrm>
           <a:prstGeom prst="rect">
@@ -8056,12 +9261,12 @@
               </a:spcAft>
             </a:pPr>
             <a:r>
-              <a:rPr lang="pt-BR" sz="1200" b="1">
+              <a:rPr lang="en-US" sz="1200" b="1">
                 <a:latin typeface="+mj-lt"/>
                 <a:ea typeface="Open Sans" pitchFamily="34" charset="0"/>
                 <a:cs typeface="Open Sans" pitchFamily="34" charset="0"/>
               </a:rPr>
-              <a:t>Suporte telefônico</a:t>
+              <a:t>Phone  Support</a:t>
             </a:r>
           </a:p>
         </p:txBody>
@@ -8080,8 +9285,8 @@
         </p:nvSpPr>
         <p:spPr>
           <a:xfrm>
-            <a:off x="2835998" y="6907288"/>
-            <a:ext cx="2194561" cy="959237"/>
+            <a:off x="2835999" y="7097788"/>
+            <a:ext cx="2194560" cy="805349"/>
           </a:xfrm>
           <a:prstGeom prst="rect">
             <a:avLst/>
@@ -8094,51 +9299,35 @@
           <a:lstStyle/>
           <a:p>
             <a:r>
-              <a:rPr lang="pt-BR" sz="1000" dirty="0">
+              <a:rPr lang="en-US" sz="1000">
                 <a:solidFill>
                   <a:srgbClr val="020302"/>
                 </a:solidFill>
                 <a:latin typeface="AdobeClean-Light"/>
               </a:rPr>
-              <a:t>Usuários autorizados ou </a:t>
-            </a:r>
-            <a:r>
-              <a:rPr lang="pt-BR" sz="1000" b="1" dirty="0">
+              <a:t>Authorized users or </a:t>
+            </a:r>
+            <a:r>
+              <a:rPr lang="en-US" sz="1000" b="1">
                 <a:solidFill>
                   <a:srgbClr val="020302"/>
                 </a:solidFill>
                 <a:latin typeface="AdobeClean-Light"/>
               </a:rPr>
-              <a:t>contatos de suporte nomeados</a:t>
-            </a:r>
-            <a:r>
-              <a:rPr lang="pt-BR" sz="1000" dirty="0">
+              <a:t>Named Support Contacts </a:t>
+            </a:r>
+            <a:r>
+              <a:rPr lang="en-US" sz="1000">
                 <a:latin typeface="Adobe Clean Light" panose="020B0303020404020204" pitchFamily="34" charset="0"/>
               </a:rPr>
-              <a:t> podem enviar problemas por todos os canais disponíveis (incluindo por telefone em prioridades P1) </a:t>
-            </a:r>
-            <a:br>
-              <a:rPr lang="pt-BR" sz="1000" dirty="0">
-                <a:latin typeface="Adobe Clean Light" panose="020B0303020404020204" pitchFamily="34" charset="0"/>
-              </a:rPr>
-            </a:br>
-            <a:r>
-              <a:rPr lang="pt-BR" sz="1000" dirty="0">
-                <a:latin typeface="Adobe Clean Light" panose="020B0303020404020204" pitchFamily="34" charset="0"/>
-              </a:rPr>
-              <a:t>e contatar a equipe de suporte técnico </a:t>
-            </a:r>
-            <a:br>
-              <a:rPr lang="pt-BR" sz="1000" dirty="0">
-                <a:latin typeface="Adobe Clean Light" panose="020B0303020404020204" pitchFamily="34" charset="0"/>
-              </a:rPr>
-            </a:br>
-            <a:r>
-              <a:rPr lang="pt-BR" sz="1000" dirty="0">
-                <a:latin typeface="Adobe Clean Light" panose="020B0303020404020204" pitchFamily="34" charset="0"/>
-              </a:rPr>
-              <a:t>em nome de sua empresa. </a:t>
-            </a:r>
+              <a:t>can submit issues through all available  channels (including phone for P1) and interact with our technical support team on behalf of your company. </a:t>
+            </a:r>
+            <a:endParaRPr lang="en-US" sz="1000">
+              <a:solidFill>
+                <a:srgbClr val="000000"/>
+              </a:solidFill>
+              <a:latin typeface="Adobe Clean Light" panose="020B0303020404020204" pitchFamily="34" charset="0"/>
+            </a:endParaRPr>
           </a:p>
         </p:txBody>
       </p:sp>
@@ -8156,8 +9345,8 @@
         </p:nvSpPr>
         <p:spPr>
           <a:xfrm>
-            <a:off x="214971" y="6256657"/>
-            <a:ext cx="2042512" cy="57890"/>
+            <a:off x="214971" y="6447157"/>
+            <a:ext cx="1848207" cy="45719"/>
           </a:xfrm>
           <a:custGeom>
             <a:avLst/>
@@ -8204,7 +9393,7 @@
         </p:nvSpPr>
         <p:spPr>
           <a:xfrm>
-            <a:off x="214971" y="5933678"/>
+            <a:off x="214971" y="6124178"/>
             <a:ext cx="1901483" cy="307777"/>
           </a:xfrm>
           <a:prstGeom prst="rect">
@@ -8226,15 +9415,19 @@
               </a:spcBef>
             </a:pPr>
             <a:r>
-              <a:rPr lang="pt-BR" sz="1400" b="1">
-                <a:solidFill>
-                  <a:srgbClr val="020302"/>
-                </a:solidFill>
-                <a:latin typeface="Adobe Clean"/>
-                <a:cs typeface="Adobe Clean"/>
-              </a:rPr>
-              <a:t>Recursos de suporte online</a:t>
-            </a:r>
+              <a:rPr lang="en-US" sz="1400" b="1" spc="-10">
+                <a:solidFill>
+                  <a:srgbClr val="020302"/>
+                </a:solidFill>
+                <a:latin typeface="Adobe Clean"/>
+                <a:cs typeface="Adobe Clean"/>
+              </a:rPr>
+              <a:t>Online Support Features</a:t>
+            </a:r>
+            <a:endParaRPr lang="en-US" sz="1400">
+              <a:latin typeface="Adobe Clean"/>
+              <a:cs typeface="Adobe Clean"/>
+            </a:endParaRPr>
           </a:p>
         </p:txBody>
       </p:sp>
@@ -8254,7 +9447,7 @@
         </p:nvSpPr>
         <p:spPr>
           <a:xfrm>
-            <a:off x="689237" y="8330284"/>
+            <a:off x="689237" y="8520784"/>
             <a:ext cx="991521" cy="184666"/>
           </a:xfrm>
           <a:prstGeom prst="rect">
@@ -8281,7 +9474,7 @@
               <a:defRPr/>
             </a:pPr>
             <a:r>
-              <a:rPr lang="pt-BR" sz="1200">
+              <a:rPr lang="en-US" sz="1200">
                 <a:solidFill>
                   <a:srgbClr val="000000"/>
                 </a:solidFill>
@@ -8307,7 +9500,7 @@
         </p:nvSpPr>
         <p:spPr>
           <a:xfrm>
-            <a:off x="689237" y="8511503"/>
+            <a:off x="689237" y="8702003"/>
             <a:ext cx="604974" cy="184666"/>
           </a:xfrm>
           <a:prstGeom prst="rect">
@@ -8329,12 +9522,12 @@
               </a:spcAft>
             </a:pPr>
             <a:r>
-              <a:rPr lang="pt-BR" sz="1200" b="1">
+              <a:rPr lang="en-US" sz="1200" b="1">
                 <a:latin typeface="+mj-lt"/>
                 <a:ea typeface="Open Sans" pitchFamily="34" charset="0"/>
                 <a:cs typeface="Open Sans" pitchFamily="34" charset="0"/>
               </a:rPr>
-              <a:t>Webinários</a:t>
+              <a:t>Webinars</a:t>
             </a:r>
           </a:p>
         </p:txBody>
@@ -8353,8 +9546,8 @@
         </p:nvSpPr>
         <p:spPr>
           <a:xfrm>
-            <a:off x="355868" y="8796113"/>
-            <a:ext cx="2285732" cy="959237"/>
+            <a:off x="355868" y="8986613"/>
+            <a:ext cx="2194560" cy="805349"/>
           </a:xfrm>
           <a:prstGeom prst="rect">
             <a:avLst/>
@@ -8367,64 +9560,13 @@
           <a:lstStyle/>
           <a:p>
             <a:r>
-              <a:rPr lang="pt-BR" sz="1000" dirty="0">
+              <a:rPr lang="en-US" sz="1000">
                 <a:solidFill>
                   <a:srgbClr val="4B4B4B"/>
                 </a:solidFill>
                 <a:latin typeface="Adobe Clean Light" panose="020B0303020404020204" pitchFamily="34" charset="0"/>
               </a:rPr>
-              <a:t>O Office Hours, apresentado pela equipe de Suporte ao cliente da Adobe, inclui sessões para informar e ajudar os participantes </a:t>
-            </a:r>
-            <a:br>
-              <a:rPr lang="pt-BR" sz="1000" dirty="0">
-                <a:solidFill>
-                  <a:srgbClr val="4B4B4B"/>
-                </a:solidFill>
-                <a:latin typeface="Adobe Clean Light" panose="020B0303020404020204" pitchFamily="34" charset="0"/>
-              </a:rPr>
-            </a:br>
-            <a:r>
-              <a:rPr lang="pt-BR" sz="1000" dirty="0">
-                <a:solidFill>
-                  <a:srgbClr val="4B4B4B"/>
-                </a:solidFill>
-                <a:latin typeface="Adobe Clean Light" panose="020B0303020404020204" pitchFamily="34" charset="0"/>
-              </a:rPr>
-              <a:t>a solucionar problemas e fornecer dicas </a:t>
-            </a:r>
-            <a:br>
-              <a:rPr lang="pt-BR" sz="1000" dirty="0">
-                <a:solidFill>
-                  <a:srgbClr val="4B4B4B"/>
-                </a:solidFill>
-                <a:latin typeface="Adobe Clean Light" panose="020B0303020404020204" pitchFamily="34" charset="0"/>
-              </a:rPr>
-            </a:br>
-            <a:r>
-              <a:rPr lang="pt-BR" sz="1000" dirty="0">
-                <a:solidFill>
-                  <a:srgbClr val="4B4B4B"/>
-                </a:solidFill>
-                <a:latin typeface="Adobe Clean Light" panose="020B0303020404020204" pitchFamily="34" charset="0"/>
-              </a:rPr>
-              <a:t>e truques para aproveitar ao máximo </a:t>
-            </a:r>
-            <a:br>
-              <a:rPr lang="pt-BR" sz="1000" dirty="0">
-                <a:solidFill>
-                  <a:srgbClr val="4B4B4B"/>
-                </a:solidFill>
-                <a:latin typeface="Adobe Clean Light" panose="020B0303020404020204" pitchFamily="34" charset="0"/>
-              </a:rPr>
-            </a:br>
-            <a:r>
-              <a:rPr lang="pt-BR" sz="1000" dirty="0">
-                <a:solidFill>
-                  <a:srgbClr val="4B4B4B"/>
-                </a:solidFill>
-                <a:latin typeface="Adobe Clean Light" panose="020B0303020404020204" pitchFamily="34" charset="0"/>
-              </a:rPr>
-              <a:t>as soluções da Adobe. </a:t>
+              <a:t>Office Hours led by the Adobe Customer Support team includes sessions designed to inform as well as help participants troubleshoot problems and provide tips and tricks for success with Adobe solutions. </a:t>
             </a:r>
           </a:p>
         </p:txBody>
@@ -8445,8 +9587,8 @@
         </p:nvSpPr>
         <p:spPr>
           <a:xfrm>
-            <a:off x="5723507" y="8330284"/>
-            <a:ext cx="1782191" cy="184666"/>
+            <a:off x="5723508" y="8520784"/>
+            <a:ext cx="1303746" cy="184666"/>
           </a:xfrm>
           <a:prstGeom prst="rect">
             <a:avLst/>
@@ -8472,12 +9614,12 @@
               <a:defRPr/>
             </a:pPr>
             <a:r>
-              <a:rPr lang="pt-BR" sz="1200" dirty="0">
+              <a:rPr lang="en-US" sz="1200">
                 <a:solidFill>
                   <a:srgbClr val="000000"/>
                 </a:solidFill>
               </a:rPr>
-              <a:t>Portais de autoatendimento</a:t>
+              <a:t>Self-help Portals</a:t>
             </a:r>
           </a:p>
         </p:txBody>
@@ -8498,7 +9640,7 @@
         </p:nvSpPr>
         <p:spPr>
           <a:xfrm>
-            <a:off x="5723508" y="8511503"/>
+            <a:off x="5723508" y="8702003"/>
             <a:ext cx="1267206" cy="184666"/>
           </a:xfrm>
           <a:prstGeom prst="rect">
@@ -8520,12 +9662,12 @@
               </a:spcAft>
             </a:pPr>
             <a:r>
-              <a:rPr lang="pt-BR" sz="1200" b="1">
+              <a:rPr lang="en-US" sz="1200" b="1">
                 <a:latin typeface="+mj-lt"/>
                 <a:ea typeface="Open Sans" pitchFamily="34" charset="0"/>
                 <a:cs typeface="Open Sans" pitchFamily="34" charset="0"/>
               </a:rPr>
-              <a:t>Portal de suporte 24/7</a:t>
+              <a:t>24/7 Support Portal</a:t>
             </a:r>
           </a:p>
         </p:txBody>
@@ -8544,8 +9686,8 @@
         </p:nvSpPr>
         <p:spPr>
           <a:xfrm>
-            <a:off x="5265661" y="8757135"/>
-            <a:ext cx="2240036" cy="959237"/>
+            <a:off x="5265661" y="8947635"/>
+            <a:ext cx="2194560" cy="805349"/>
           </a:xfrm>
           <a:prstGeom prst="rect">
             <a:avLst/>
@@ -8558,13 +9700,30 @@
           <a:lstStyle/>
           <a:p>
             <a:r>
-              <a:rPr lang="pt-BR" sz="1000" dirty="0">
+              <a:rPr lang="en-US" sz="1000">
                 <a:solidFill>
                   <a:srgbClr val="4B4B4B"/>
                 </a:solidFill>
                 <a:latin typeface="Adobe Clean Light" panose="020B0303020404020204" pitchFamily="34" charset="0"/>
               </a:rPr>
-              <a:t>Acesso sob demanda ao Portal de autoatendimento online para enviar solicitações de suporte, revisar o status do caso e procurar outros recursos, como nossa base de conhecimento, notícias e alertas, dicas em destaque e muito mais.</a:t>
+              <a:t>On-demand access to the online </a:t>
+            </a:r>
+            <a:br>
+              <a:rPr lang="en-US" sz="1000">
+                <a:solidFill>
+                  <a:srgbClr val="4B4B4B"/>
+                </a:solidFill>
+                <a:latin typeface="Adobe Clean Light" panose="020B0303020404020204" pitchFamily="34" charset="0"/>
+              </a:rPr>
+            </a:br>
+            <a:r>
+              <a:rPr lang="en-US" sz="1000">
+                <a:solidFill>
+                  <a:srgbClr val="4B4B4B"/>
+                </a:solidFill>
+                <a:latin typeface="Adobe Clean Light" panose="020B0303020404020204" pitchFamily="34" charset="0"/>
+              </a:rPr>
+              <a:t>Self-help Support Portal to submit support requests, review case status, and browse other resources, like our knowledgebase, news and alerts, featured tips, and more.</a:t>
             </a:r>
           </a:p>
         </p:txBody>
@@ -8698,8 +9857,36 @@
               </a:spcBef>
             </a:pPr>
             <a:r>
-              <a:rPr lang="pt-BR"/>
-              <a:t>©2021 Adobe. All Rights Reserved. Adobe Confidential.</a:t>
+              <a:rPr lang="en-US" spc="-10"/>
+              <a:t>©2021</a:t>
+            </a:r>
+            <a:r>
+              <a:rPr lang="en-US" spc="-5"/>
+              <a:t> Adobe. All</a:t>
+            </a:r>
+            <a:r>
+              <a:rPr lang="en-US" spc="-10"/>
+              <a:t> Rights</a:t>
+            </a:r>
+            <a:r>
+              <a:rPr lang="en-US" spc="-5"/>
+              <a:t> </a:t>
+            </a:r>
+            <a:r>
+              <a:rPr lang="en-US" spc="-10"/>
+              <a:t>Reserved.</a:t>
+            </a:r>
+            <a:r>
+              <a:rPr lang="en-US" spc="-5"/>
+              <a:t> Adobe</a:t>
+            </a:r>
+            <a:r>
+              <a:rPr lang="en-US" spc="60"/>
+              <a:t> </a:t>
+            </a:r>
+            <a:r>
+              <a:rPr lang="en-US" spc="-10"/>
+              <a:t>Confidential.</a:t>
             </a:r>
           </a:p>
         </p:txBody>
@@ -8719,7 +9906,7 @@
         <p:spPr>
           <a:xfrm>
             <a:off x="214971" y="868681"/>
-            <a:ext cx="2354170" cy="76595"/>
+            <a:ext cx="2103120" cy="45719"/>
           </a:xfrm>
           <a:custGeom>
             <a:avLst/>
@@ -8788,15 +9975,19 @@
               </a:spcBef>
             </a:pPr>
             <a:r>
-              <a:rPr lang="pt-BR" sz="1400" b="1">
-                <a:solidFill>
-                  <a:srgbClr val="020302"/>
-                </a:solidFill>
-                <a:latin typeface="Adobe Clean"/>
-                <a:cs typeface="Adobe Clean"/>
-              </a:rPr>
-              <a:t>Recursos do suporte Enterprise</a:t>
-            </a:r>
+              <a:rPr lang="en-US" sz="1400" b="1" spc="-10">
+                <a:solidFill>
+                  <a:srgbClr val="020302"/>
+                </a:solidFill>
+                <a:latin typeface="Adobe Clean"/>
+                <a:cs typeface="Adobe Clean"/>
+              </a:rPr>
+              <a:t>Enterprise Support Features</a:t>
+            </a:r>
+            <a:endParaRPr lang="en-US" sz="1400">
+              <a:latin typeface="Adobe Clean"/>
+              <a:cs typeface="Adobe Clean"/>
+            </a:endParaRPr>
           </a:p>
         </p:txBody>
       </p:sp>
@@ -8815,7 +10006,7 @@
         <p:spPr>
           <a:xfrm>
             <a:off x="689237" y="2603192"/>
-            <a:ext cx="1879904" cy="197490"/>
+            <a:ext cx="1555491" cy="197490"/>
           </a:xfrm>
           <a:prstGeom prst="rect">
             <a:avLst/>
@@ -8836,15 +10027,199 @@
               </a:spcBef>
             </a:pPr>
             <a:r>
-              <a:rPr lang="pt-BR" sz="1200" b="1" dirty="0">
-                <a:solidFill>
-                  <a:srgbClr val="020302"/>
-                </a:solidFill>
-                <a:latin typeface="Adobe Clean"/>
-                <a:cs typeface="Adobe Clean"/>
-              </a:rPr>
-              <a:t>Gestão de encaminhamento</a:t>
-            </a:r>
+              <a:rPr sz="1200" b="1" spc="-25">
+                <a:solidFill>
+                  <a:srgbClr val="020302"/>
+                </a:solidFill>
+                <a:latin typeface="Adobe Clean"/>
+                <a:cs typeface="Adobe Clean"/>
+              </a:rPr>
+              <a:t>E</a:t>
+            </a:r>
+            <a:r>
+              <a:rPr sz="1200" b="1" spc="-20">
+                <a:solidFill>
+                  <a:srgbClr val="020302"/>
+                </a:solidFill>
+                <a:latin typeface="Adobe Clean"/>
+                <a:cs typeface="Adobe Clean"/>
+              </a:rPr>
+              <a:t>s</a:t>
+            </a:r>
+            <a:r>
+              <a:rPr sz="1200" b="1" spc="-30">
+                <a:solidFill>
+                  <a:srgbClr val="020302"/>
+                </a:solidFill>
+                <a:latin typeface="Adobe Clean"/>
+                <a:cs typeface="Adobe Clean"/>
+              </a:rPr>
+              <a:t>c</a:t>
+            </a:r>
+            <a:r>
+              <a:rPr sz="1200" b="1" spc="-20">
+                <a:solidFill>
+                  <a:srgbClr val="020302"/>
+                </a:solidFill>
+                <a:latin typeface="Adobe Clean"/>
+                <a:cs typeface="Adobe Clean"/>
+              </a:rPr>
+              <a:t>a</a:t>
+            </a:r>
+            <a:r>
+              <a:rPr sz="1200" b="1" spc="-25">
+                <a:solidFill>
+                  <a:srgbClr val="020302"/>
+                </a:solidFill>
+                <a:latin typeface="Adobe Clean"/>
+                <a:cs typeface="Adobe Clean"/>
+              </a:rPr>
+              <a:t>l</a:t>
+            </a:r>
+            <a:r>
+              <a:rPr sz="1200" b="1" spc="-20">
+                <a:solidFill>
+                  <a:srgbClr val="020302"/>
+                </a:solidFill>
+                <a:latin typeface="Adobe Clean"/>
+                <a:cs typeface="Adobe Clean"/>
+              </a:rPr>
+              <a:t>a</a:t>
+            </a:r>
+            <a:r>
+              <a:rPr sz="1200" b="1" spc="-25">
+                <a:solidFill>
+                  <a:srgbClr val="020302"/>
+                </a:solidFill>
+                <a:latin typeface="Adobe Clean"/>
+                <a:cs typeface="Adobe Clean"/>
+              </a:rPr>
+              <a:t>t</a:t>
+            </a:r>
+            <a:r>
+              <a:rPr sz="1200" b="1" spc="-20">
+                <a:solidFill>
+                  <a:srgbClr val="020302"/>
+                </a:solidFill>
+                <a:latin typeface="Adobe Clean"/>
+                <a:cs typeface="Adobe Clean"/>
+              </a:rPr>
+              <a:t>i</a:t>
+            </a:r>
+            <a:r>
+              <a:rPr sz="1200" b="1" spc="-15">
+                <a:solidFill>
+                  <a:srgbClr val="020302"/>
+                </a:solidFill>
+                <a:latin typeface="Adobe Clean"/>
+                <a:cs typeface="Adobe Clean"/>
+              </a:rPr>
+              <a:t>o</a:t>
+            </a:r>
+            <a:r>
+              <a:rPr sz="1200" b="1">
+                <a:solidFill>
+                  <a:srgbClr val="020302"/>
+                </a:solidFill>
+                <a:latin typeface="Adobe Clean"/>
+                <a:cs typeface="Adobe Clean"/>
+              </a:rPr>
+              <a:t>n</a:t>
+            </a:r>
+            <a:r>
+              <a:rPr sz="1200" b="1" spc="-55">
+                <a:solidFill>
+                  <a:srgbClr val="020302"/>
+                </a:solidFill>
+                <a:latin typeface="Adobe Clean"/>
+                <a:cs typeface="Adobe Clean"/>
+              </a:rPr>
+              <a:t> </a:t>
+            </a:r>
+            <a:r>
+              <a:rPr sz="1200" b="1" spc="-35">
+                <a:solidFill>
+                  <a:srgbClr val="020302"/>
+                </a:solidFill>
+                <a:latin typeface="Adobe Clean"/>
+                <a:cs typeface="Adobe Clean"/>
+              </a:rPr>
+              <a:t>M</a:t>
+            </a:r>
+            <a:r>
+              <a:rPr sz="1200" b="1" spc="-25">
+                <a:solidFill>
+                  <a:srgbClr val="020302"/>
+                </a:solidFill>
+                <a:latin typeface="Adobe Clean"/>
+                <a:cs typeface="Adobe Clean"/>
+              </a:rPr>
+              <a:t>a</a:t>
+            </a:r>
+            <a:r>
+              <a:rPr sz="1200" b="1" spc="-30">
+                <a:solidFill>
+                  <a:srgbClr val="020302"/>
+                </a:solidFill>
+                <a:latin typeface="Adobe Clean"/>
+                <a:cs typeface="Adobe Clean"/>
+              </a:rPr>
+              <a:t>n</a:t>
+            </a:r>
+            <a:r>
+              <a:rPr sz="1200" b="1" spc="-25">
+                <a:solidFill>
+                  <a:srgbClr val="020302"/>
+                </a:solidFill>
+                <a:latin typeface="Adobe Clean"/>
+                <a:cs typeface="Adobe Clean"/>
+              </a:rPr>
+              <a:t>a</a:t>
+            </a:r>
+            <a:r>
+              <a:rPr sz="1200" b="1" spc="-30">
+                <a:solidFill>
+                  <a:srgbClr val="020302"/>
+                </a:solidFill>
+                <a:latin typeface="Adobe Clean"/>
+                <a:cs typeface="Adobe Clean"/>
+              </a:rPr>
+              <a:t>ge</a:t>
+            </a:r>
+            <a:r>
+              <a:rPr sz="1200" b="1" spc="-25">
+                <a:solidFill>
+                  <a:srgbClr val="020302"/>
+                </a:solidFill>
+                <a:latin typeface="Adobe Clean"/>
+                <a:cs typeface="Adobe Clean"/>
+              </a:rPr>
+              <a:t>m</a:t>
+            </a:r>
+            <a:r>
+              <a:rPr sz="1200" b="1" spc="-30">
+                <a:solidFill>
+                  <a:srgbClr val="020302"/>
+                </a:solidFill>
+                <a:latin typeface="Adobe Clean"/>
+                <a:cs typeface="Adobe Clean"/>
+              </a:rPr>
+              <a:t>en</a:t>
+            </a:r>
+            <a:r>
+              <a:rPr sz="1200" b="1">
+                <a:solidFill>
+                  <a:srgbClr val="020302"/>
+                </a:solidFill>
+                <a:latin typeface="Adobe Clean"/>
+                <a:cs typeface="Adobe Clean"/>
+              </a:rPr>
+              <a:t>t</a:t>
+            </a:r>
+            <a:endParaRPr sz="1200">
+              <a:latin typeface="Adobe Clean"/>
+              <a:cs typeface="Adobe Clean"/>
+            </a:endParaRPr>
           </a:p>
         </p:txBody>
       </p:sp>
@@ -8863,7 +10238,7 @@
         <p:spPr>
           <a:xfrm>
             <a:off x="355868" y="2923693"/>
-            <a:ext cx="2168257" cy="936154"/>
+            <a:ext cx="2194560" cy="782265"/>
           </a:xfrm>
           <a:prstGeom prst="rect">
             <a:avLst/>
@@ -8884,48 +10259,18 @@
               </a:spcBef>
             </a:pPr>
             <a:r>
-              <a:rPr lang="pt-BR" sz="1000" dirty="0">
+              <a:rPr lang="en-US" sz="1000">
                 <a:solidFill>
                   <a:srgbClr val="4B4B4B"/>
                 </a:solidFill>
                 <a:latin typeface="Adobe Clean Light" panose="020B0303020404020204" pitchFamily="34" charset="0"/>
               </a:rPr>
-              <a:t>Um ponto de contato designado na </a:t>
-            </a:r>
-            <a:br>
-              <a:rPr lang="pt-BR" sz="1000" dirty="0">
-                <a:solidFill>
-                  <a:srgbClr val="4B4B4B"/>
-                </a:solidFill>
-                <a:latin typeface="Adobe Clean Light" panose="020B0303020404020204" pitchFamily="34" charset="0"/>
-              </a:rPr>
-            </a:br>
-            <a:r>
-              <a:rPr lang="pt-BR" sz="1000" dirty="0">
-                <a:solidFill>
-                  <a:srgbClr val="4B4B4B"/>
-                </a:solidFill>
-                <a:latin typeface="Adobe Clean Light" panose="020B0303020404020204" pitchFamily="34" charset="0"/>
-              </a:rPr>
-              <a:t>Adobe que pode fornecer assistência de encaminhamento, atualizações regulares </a:t>
-            </a:r>
-            <a:br>
-              <a:rPr lang="pt-BR" sz="1000" dirty="0">
-                <a:solidFill>
-                  <a:srgbClr val="4B4B4B"/>
-                </a:solidFill>
-                <a:latin typeface="Adobe Clean Light" panose="020B0303020404020204" pitchFamily="34" charset="0"/>
-              </a:rPr>
-            </a:br>
-            <a:r>
-              <a:rPr lang="pt-BR" sz="1000" dirty="0">
-                <a:solidFill>
-                  <a:srgbClr val="4B4B4B"/>
-                </a:solidFill>
-                <a:latin typeface="Adobe Clean Light" panose="020B0303020404020204" pitchFamily="34" charset="0"/>
-              </a:rPr>
-              <a:t>e garantir que seja dada prioridade àquelas solicitações de suporte abertas que forem mais críticas.</a:t>
-            </a:r>
+              <a:t>A designated point of contact within Adobe who can provide escalation assistance, regular updates and ensure priority is given to your most critical open support requests.</a:t>
+            </a:r>
+            <a:endParaRPr sz="1000">
+              <a:latin typeface="Adobe Clean Light" panose="020B0303020404020204" pitchFamily="34" charset="0"/>
+              <a:cs typeface="AdobeClean-Light"/>
+            </a:endParaRPr>
           </a:p>
         </p:txBody>
       </p:sp>
@@ -8944,7 +10289,7 @@
         <p:spPr>
           <a:xfrm>
             <a:off x="3201544" y="2592995"/>
-            <a:ext cx="1595881" cy="197490"/>
+            <a:ext cx="1036205" cy="197490"/>
           </a:xfrm>
           <a:prstGeom prst="rect">
             <a:avLst/>
@@ -8965,15 +10310,149 @@
               </a:spcBef>
             </a:pPr>
             <a:r>
-              <a:rPr lang="pt-BR" sz="1200" b="1" dirty="0">
-                <a:solidFill>
-                  <a:srgbClr val="020302"/>
-                </a:solidFill>
-                <a:latin typeface="Adobe Clean"/>
-                <a:cs typeface="Adobe Clean"/>
-              </a:rPr>
-              <a:t>Revisões de serviço</a:t>
-            </a:r>
+              <a:rPr sz="1200" b="1" spc="-20">
+                <a:solidFill>
+                  <a:srgbClr val="020302"/>
+                </a:solidFill>
+                <a:latin typeface="Adobe Clean"/>
+                <a:cs typeface="Adobe Clean"/>
+              </a:rPr>
+              <a:t>S</a:t>
+            </a:r>
+            <a:r>
+              <a:rPr sz="1200" b="1" spc="-25">
+                <a:solidFill>
+                  <a:srgbClr val="020302"/>
+                </a:solidFill>
+                <a:latin typeface="Adobe Clean"/>
+                <a:cs typeface="Adobe Clean"/>
+              </a:rPr>
+              <a:t>e</a:t>
+            </a:r>
+            <a:r>
+              <a:rPr sz="1200" b="1" spc="-20">
+                <a:solidFill>
+                  <a:srgbClr val="020302"/>
+                </a:solidFill>
+                <a:latin typeface="Adobe Clean"/>
+                <a:cs typeface="Adobe Clean"/>
+              </a:rPr>
+              <a:t>r</a:t>
+            </a:r>
+            <a:r>
+              <a:rPr sz="1200" b="1" spc="-25">
+                <a:solidFill>
+                  <a:srgbClr val="020302"/>
+                </a:solidFill>
+                <a:latin typeface="Adobe Clean"/>
+                <a:cs typeface="Adobe Clean"/>
+              </a:rPr>
+              <a:t>v</a:t>
+            </a:r>
+            <a:r>
+              <a:rPr sz="1200" b="1" spc="-20">
+                <a:solidFill>
+                  <a:srgbClr val="020302"/>
+                </a:solidFill>
+                <a:latin typeface="Adobe Clean"/>
+                <a:cs typeface="Adobe Clean"/>
+              </a:rPr>
+              <a:t>i</a:t>
+            </a:r>
+            <a:r>
+              <a:rPr sz="1200" b="1" spc="-30">
+                <a:solidFill>
+                  <a:srgbClr val="020302"/>
+                </a:solidFill>
+                <a:latin typeface="Adobe Clean"/>
+                <a:cs typeface="Adobe Clean"/>
+              </a:rPr>
+              <a:t>c</a:t>
+            </a:r>
+            <a:r>
+              <a:rPr sz="1200" b="1">
+                <a:solidFill>
+                  <a:srgbClr val="020302"/>
+                </a:solidFill>
+                <a:latin typeface="Adobe Clean"/>
+                <a:cs typeface="Adobe Clean"/>
+              </a:rPr>
+              <a:t>e</a:t>
+            </a:r>
+            <a:r>
+              <a:rPr sz="1200" b="1" spc="-80">
+                <a:solidFill>
+                  <a:srgbClr val="020302"/>
+                </a:solidFill>
+                <a:latin typeface="Adobe Clean"/>
+                <a:cs typeface="Adobe Clean"/>
+              </a:rPr>
+              <a:t> </a:t>
+            </a:r>
+            <a:r>
+              <a:rPr sz="1200" b="1" spc="-20">
+                <a:solidFill>
+                  <a:srgbClr val="020302"/>
+                </a:solidFill>
+                <a:latin typeface="Adobe Clean"/>
+                <a:cs typeface="Adobe Clean"/>
+              </a:rPr>
+              <a:t>R</a:t>
+            </a:r>
+            <a:r>
+              <a:rPr sz="1200" b="1" spc="-25">
+                <a:solidFill>
+                  <a:srgbClr val="020302"/>
+                </a:solidFill>
+                <a:latin typeface="Adobe Clean"/>
+                <a:cs typeface="Adobe Clean"/>
+              </a:rPr>
+              <a:t>e</a:t>
+            </a:r>
+            <a:r>
+              <a:rPr sz="1200" b="1" spc="-30">
+                <a:solidFill>
+                  <a:srgbClr val="020302"/>
+                </a:solidFill>
+                <a:latin typeface="Adobe Clean"/>
+                <a:cs typeface="Adobe Clean"/>
+              </a:rPr>
+              <a:t>v</a:t>
+            </a:r>
+            <a:r>
+              <a:rPr sz="1200" b="1" spc="-20">
+                <a:solidFill>
+                  <a:srgbClr val="020302"/>
+                </a:solidFill>
+                <a:latin typeface="Adobe Clean"/>
+                <a:cs typeface="Adobe Clean"/>
+              </a:rPr>
+              <a:t>i</a:t>
+            </a:r>
+            <a:r>
+              <a:rPr sz="1200" b="1" spc="-25">
+                <a:solidFill>
+                  <a:srgbClr val="020302"/>
+                </a:solidFill>
+                <a:latin typeface="Adobe Clean"/>
+                <a:cs typeface="Adobe Clean"/>
+              </a:rPr>
+              <a:t>ew</a:t>
+            </a:r>
+            <a:r>
+              <a:rPr sz="1200" b="1">
+                <a:solidFill>
+                  <a:srgbClr val="020302"/>
+                </a:solidFill>
+                <a:latin typeface="Adobe Clean"/>
+                <a:cs typeface="Adobe Clean"/>
+              </a:rPr>
+              <a:t>s</a:t>
+            </a:r>
+            <a:endParaRPr sz="1200">
+              <a:latin typeface="Adobe Clean"/>
+              <a:cs typeface="Adobe Clean"/>
+            </a:endParaRPr>
           </a:p>
         </p:txBody>
       </p:sp>
@@ -9013,48 +10492,18 @@
               </a:spcBef>
             </a:pPr>
             <a:r>
-              <a:rPr lang="pt-BR" sz="1000" dirty="0">
+              <a:rPr lang="en-US" sz="1000">
                 <a:solidFill>
                   <a:srgbClr val="4B4B4B"/>
                 </a:solidFill>
                 <a:latin typeface="Adobe Clean Light" panose="020B0303020404020204" pitchFamily="34" charset="0"/>
               </a:rPr>
-              <a:t>Uma análise abrangente e bianual </a:t>
-            </a:r>
-            <a:br>
-              <a:rPr lang="pt-BR" sz="1000" dirty="0">
-                <a:solidFill>
-                  <a:srgbClr val="4B4B4B"/>
-                </a:solidFill>
-                <a:latin typeface="Adobe Clean Light" panose="020B0303020404020204" pitchFamily="34" charset="0"/>
-              </a:rPr>
-            </a:br>
-            <a:r>
-              <a:rPr lang="pt-BR" sz="1000" dirty="0">
-                <a:solidFill>
-                  <a:srgbClr val="4B4B4B"/>
-                </a:solidFill>
-                <a:latin typeface="Adobe Clean Light" panose="020B0303020404020204" pitchFamily="34" charset="0"/>
-              </a:rPr>
-              <a:t>dos serviços, benefícios e das métricas </a:t>
-            </a:r>
-            <a:br>
-              <a:rPr lang="pt-BR" sz="1000" dirty="0">
-                <a:solidFill>
-                  <a:srgbClr val="4B4B4B"/>
-                </a:solidFill>
-                <a:latin typeface="Adobe Clean Light" panose="020B0303020404020204" pitchFamily="34" charset="0"/>
-              </a:rPr>
-            </a:br>
-            <a:r>
-              <a:rPr lang="pt-BR" sz="1000" dirty="0">
-                <a:solidFill>
-                  <a:srgbClr val="4B4B4B"/>
-                </a:solidFill>
-                <a:latin typeface="Adobe Clean Light" panose="020B0303020404020204" pitchFamily="34" charset="0"/>
-              </a:rPr>
-              <a:t>de suporte do programa Enterprise.</a:t>
-            </a:r>
+              <a:t>A bi-annual comprehensive review of  Enterprise program services, benefits and support metrics.</a:t>
+            </a:r>
+            <a:endParaRPr sz="1000">
+              <a:latin typeface="Adobe Clean Light" panose="020B0303020404020204" pitchFamily="34" charset="0"/>
+              <a:cs typeface="AdobeClean-Light"/>
+            </a:endParaRPr>
           </a:p>
         </p:txBody>
       </p:sp>
@@ -9072,8 +10521,8 @@
         </p:nvSpPr>
         <p:spPr>
           <a:xfrm>
-            <a:off x="5265660" y="1426694"/>
-            <a:ext cx="2240039" cy="628377"/>
+            <a:off x="5265661" y="1426694"/>
+            <a:ext cx="2194560" cy="628377"/>
           </a:xfrm>
           <a:prstGeom prst="rect">
             <a:avLst/>
@@ -9094,31 +10543,18 @@
               </a:spcBef>
             </a:pPr>
             <a:r>
-              <a:rPr lang="pt-BR" sz="1000" dirty="0">
+              <a:rPr lang="en-US" sz="1000">
                 <a:solidFill>
                   <a:srgbClr val="4B4B4B"/>
                 </a:solidFill>
                 <a:latin typeface="Adobe Clean Light" panose="020B0303020404020204" pitchFamily="34" charset="0"/>
               </a:rPr>
-              <a:t>Uma sessão de 60 minutos focada em um recurso específico do produto e em como </a:t>
-            </a:r>
-            <a:br>
-              <a:rPr lang="pt-BR" sz="1000" dirty="0">
-                <a:solidFill>
-                  <a:srgbClr val="4B4B4B"/>
-                </a:solidFill>
-                <a:latin typeface="Adobe Clean Light" panose="020B0303020404020204" pitchFamily="34" charset="0"/>
-              </a:rPr>
-            </a:br>
-            <a:r>
-              <a:rPr lang="pt-BR" sz="1000" dirty="0">
-                <a:solidFill>
-                  <a:srgbClr val="4B4B4B"/>
-                </a:solidFill>
-                <a:latin typeface="Adobe Clean Light" panose="020B0303020404020204" pitchFamily="34" charset="0"/>
-              </a:rPr>
-              <a:t>ele pode ser usado para resolver problemas empresariais comuns.</a:t>
-            </a:r>
+              <a:t>A 60-minute session focusing on a specific product feature and how it can be utilized to solve common business problems.</a:t>
+            </a:r>
+            <a:endParaRPr sz="1000">
+              <a:latin typeface="Adobe Clean Light" panose="020B0303020404020204" pitchFamily="34" charset="0"/>
+              <a:cs typeface="AdobeClean-Light"/>
+            </a:endParaRPr>
           </a:p>
         </p:txBody>
       </p:sp>
@@ -9158,31 +10594,20 @@
               </a:spcBef>
             </a:pPr>
             <a:r>
-              <a:rPr lang="pt-BR" sz="1000" dirty="0">
+              <a:rPr lang="en-US" sz="1000" dirty="0">
                 <a:solidFill>
                   <a:srgbClr val="4B4B4B"/>
                 </a:solidFill>
                 <a:latin typeface="Adobe Clean Light"/>
               </a:rPr>
-              <a:t>Adoção de práticas recomendadas </a:t>
-            </a:r>
-            <a:br>
-              <a:rPr lang="pt-BR" sz="1000" dirty="0">
-                <a:solidFill>
-                  <a:srgbClr val="4B4B4B"/>
-                </a:solidFill>
-                <a:latin typeface="Adobe Clean Light"/>
-              </a:rPr>
-            </a:br>
-            <a:r>
-              <a:rPr lang="pt-BR" sz="1000" dirty="0">
-                <a:solidFill>
-                  <a:srgbClr val="4B4B4B"/>
-                </a:solidFill>
-                <a:latin typeface="Adobe Clean Light"/>
-              </a:rPr>
-              <a:t>de personalização e dos componentes principais no AEM as a Cloud Service.</a:t>
-            </a:r>
+              <a:t>Drive adoption of customization best practices and core components in AEM as a Cloud Service.</a:t>
+            </a:r>
+            <a:endParaRPr sz="1000" dirty="0">
+              <a:solidFill>
+                <a:srgbClr val="4B4B4B"/>
+              </a:solidFill>
+              <a:latin typeface="Adobe Clean Light" panose="020B0303020404020204" pitchFamily="34" charset="0"/>
+            </a:endParaRPr>
           </a:p>
         </p:txBody>
       </p:sp>
@@ -9222,14 +10647,20 @@
               </a:spcBef>
             </a:pPr>
             <a:r>
-              <a:rPr lang="pt-BR" sz="1000" dirty="0">
+              <a:rPr lang="en-US" sz="1000" dirty="0">
                 <a:solidFill>
                   <a:srgbClr val="4B4B4B"/>
                 </a:solidFill>
                 <a:latin typeface="Adobe Clean Light"/>
               </a:rPr>
-              <a:t>Identificação, revisão e recomendações sobre áreas personalizadas da adoção de soluções com oportunidades de otimização.</a:t>
-            </a:r>
+              <a:t>Identify, review and provide recommendations on customized solution adoption areas that have opportunities for optimization.</a:t>
+            </a:r>
+            <a:endParaRPr lang="en-US" sz="1000" dirty="0">
+              <a:solidFill>
+                <a:srgbClr val="4B4B4B"/>
+              </a:solidFill>
+              <a:latin typeface="Adobe Clean Light" panose="020B0303020404020204" pitchFamily="34" charset="0"/>
+            </a:endParaRPr>
           </a:p>
         </p:txBody>
       </p:sp>
@@ -9248,7 +10679,7 @@
         <p:spPr>
           <a:xfrm>
             <a:off x="355868" y="4947989"/>
-            <a:ext cx="2285732" cy="717376"/>
+            <a:ext cx="2194560" cy="717376"/>
           </a:xfrm>
           <a:prstGeom prst="rect">
             <a:avLst/>
@@ -9269,14 +10700,20 @@
               </a:spcBef>
             </a:pPr>
             <a:r>
-              <a:rPr lang="pt-BR" sz="1000" dirty="0">
+              <a:rPr lang="en-US" sz="1000" dirty="0">
                 <a:solidFill>
                   <a:srgbClr val="4B4B4B"/>
                 </a:solidFill>
                 <a:latin typeface="Adobe Clean Light"/>
               </a:rPr>
-              <a:t>Governança técnica e operacional para auxiliar os clientes do AEM as a Cloud Service a seguirem os padrões do setor e as práticas recomendadas do AEM as a Cloud Service.</a:t>
-            </a:r>
+              <a:t>Technical &amp; operational governance to assist AEM as a Cloud Service Customers in adhering to industry standards and best practices for AEM as a Cloud Service.</a:t>
+            </a:r>
+            <a:endParaRPr sz="1000" dirty="0">
+              <a:solidFill>
+                <a:srgbClr val="4B4B4B"/>
+              </a:solidFill>
+              <a:latin typeface="Adobe Clean Light" panose="020B0303020404020204" pitchFamily="34" charset="0"/>
+            </a:endParaRPr>
           </a:p>
         </p:txBody>
       </p:sp>
@@ -9313,48 +10750,20 @@
               </a:spcBef>
             </a:pPr>
             <a:r>
-              <a:rPr lang="pt-BR" sz="1000" dirty="0">
+              <a:rPr lang="en-US" sz="1000" dirty="0">
                 <a:solidFill>
                   <a:srgbClr val="4B4B4B"/>
                 </a:solidFill>
                 <a:latin typeface="Adobe Clean Light" panose="020B0303020404020204" pitchFamily="34" charset="0"/>
               </a:rPr>
-              <a:t>Um engenheiro de suporte designado, familiarizado com seu ambiente de solução e objetivos de negócios. O engenheiro </a:t>
-            </a:r>
-            <a:br>
-              <a:rPr lang="pt-BR" sz="1000" dirty="0">
-                <a:solidFill>
-                  <a:srgbClr val="4B4B4B"/>
-                </a:solidFill>
-                <a:latin typeface="Adobe Clean Light" panose="020B0303020404020204" pitchFamily="34" charset="0"/>
-              </a:rPr>
-            </a:br>
-            <a:r>
-              <a:rPr lang="pt-BR" sz="1000" dirty="0">
-                <a:solidFill>
-                  <a:srgbClr val="4B4B4B"/>
-                </a:solidFill>
-                <a:latin typeface="Adobe Clean Light" panose="020B0303020404020204" pitchFamily="34" charset="0"/>
-              </a:rPr>
-              <a:t>é um profissional experiente que ajuda </a:t>
-            </a:r>
-            <a:br>
-              <a:rPr lang="pt-BR" sz="1000" dirty="0">
-                <a:solidFill>
-                  <a:srgbClr val="4B4B4B"/>
-                </a:solidFill>
-                <a:latin typeface="Adobe Clean Light" panose="020B0303020404020204" pitchFamily="34" charset="0"/>
-              </a:rPr>
-            </a:br>
-            <a:r>
-              <a:rPr lang="pt-BR" sz="1000" dirty="0">
-                <a:solidFill>
-                  <a:srgbClr val="4B4B4B"/>
-                </a:solidFill>
-                <a:latin typeface="Adobe Clean Light" panose="020B0303020404020204" pitchFamily="34" charset="0"/>
-              </a:rPr>
-              <a:t>a coordenar sua experiência no Suporte Enterprise.</a:t>
-            </a:r>
+              <a:t>A designated support engineer who becomes familiar with your solution environment and business goals. The NSE is an experienced support engineer that helps coordinate your Enterprise Support experience.</a:t>
+            </a:r>
+            <a:endParaRPr lang="en-US" sz="1000" dirty="0">
+              <a:solidFill>
+                <a:srgbClr val="000000"/>
+              </a:solidFill>
+              <a:latin typeface="Adobe Clean Light" panose="020B0303020404020204" pitchFamily="34" charset="0"/>
+            </a:endParaRPr>
           </a:p>
         </p:txBody>
       </p:sp>
@@ -9374,7 +10783,7 @@
         </p:nvSpPr>
         <p:spPr>
           <a:xfrm>
-            <a:off x="3201544" y="987725"/>
+            <a:off x="3201544" y="1127425"/>
             <a:ext cx="1726164" cy="184666"/>
           </a:xfrm>
           <a:prstGeom prst="rect">
@@ -9396,13 +10805,13 @@
               </a:spcAft>
             </a:pPr>
             <a:r>
-              <a:rPr lang="pt-BR" sz="1200" b="1" dirty="0">
+              <a:rPr lang="en-US" sz="1200" b="1" spc="-10">
                 <a:solidFill>
                   <a:srgbClr val="020302"/>
                 </a:solidFill>
                 <a:latin typeface="+mj-lt"/>
               </a:rPr>
-              <a:t>Engenheiro de suporte nomeado</a:t>
+              <a:t>Named Support Engineer</a:t>
             </a:r>
           </a:p>
         </p:txBody>
@@ -9461,7 +10870,7 @@
         <p:spPr>
           <a:xfrm>
             <a:off x="5723508" y="1099976"/>
-            <a:ext cx="1712342" cy="197490"/>
+            <a:ext cx="1036205" cy="197490"/>
           </a:xfrm>
           <a:prstGeom prst="rect">
             <a:avLst/>
@@ -9482,15 +10891,19 @@
               </a:spcBef>
             </a:pPr>
             <a:r>
-              <a:rPr lang="pt-BR" sz="1200" b="1" dirty="0">
-                <a:solidFill>
-                  <a:srgbClr val="020302"/>
-                </a:solidFill>
-                <a:latin typeface="Adobe Clean"/>
-                <a:cs typeface="Adobe Clean"/>
-              </a:rPr>
-              <a:t>Sessões com especialistas</a:t>
-            </a:r>
+              <a:rPr lang="en-US" sz="1200" b="1" spc="-20">
+                <a:solidFill>
+                  <a:srgbClr val="020302"/>
+                </a:solidFill>
+                <a:latin typeface="Adobe Clean"/>
+                <a:cs typeface="Adobe Clean"/>
+              </a:rPr>
+              <a:t>Expert Sessions</a:t>
+            </a:r>
+            <a:endParaRPr sz="1200">
+              <a:latin typeface="Adobe Clean"/>
+              <a:cs typeface="Adobe Clean"/>
+            </a:endParaRPr>
           </a:p>
         </p:txBody>
       </p:sp>
@@ -9508,8 +10921,8 @@
         </p:nvSpPr>
         <p:spPr>
           <a:xfrm>
-            <a:off x="5181599" y="4301603"/>
-            <a:ext cx="2168525" cy="646331"/>
+            <a:off x="5181600" y="4466703"/>
+            <a:ext cx="1972258" cy="461665"/>
           </a:xfrm>
           <a:prstGeom prst="rect">
             <a:avLst/>
@@ -9530,53 +10943,489 @@
               </a:spcBef>
             </a:pPr>
             <a:r>
-              <a:rPr lang="pt-BR" sz="1200" b="1" dirty="0">
-                <a:solidFill>
-                  <a:srgbClr val="020302"/>
-                </a:solidFill>
-                <a:latin typeface="Adobe Clean"/>
-                <a:cs typeface="Adobe Clean"/>
-              </a:rPr>
-              <a:t>Práticas recomendadas </a:t>
-            </a:r>
-            <a:br>
-              <a:rPr lang="pt-BR" sz="1200" b="1" dirty="0">
-                <a:solidFill>
-                  <a:srgbClr val="020302"/>
-                </a:solidFill>
-                <a:latin typeface="Adobe Clean"/>
-                <a:cs typeface="Adobe Clean"/>
-              </a:rPr>
-            </a:br>
-            <a:r>
-              <a:rPr lang="pt-BR" sz="1200" b="1" dirty="0">
-                <a:solidFill>
-                  <a:srgbClr val="020302"/>
-                </a:solidFill>
-                <a:latin typeface="Adobe Clean"/>
-                <a:cs typeface="Adobe Clean"/>
-              </a:rPr>
-              <a:t>de personalização do AEM </a:t>
-            </a:r>
-            <a:br>
-              <a:rPr lang="pt-BR" sz="1200" b="1" dirty="0">
-                <a:solidFill>
-                  <a:srgbClr val="020302"/>
-                </a:solidFill>
-                <a:latin typeface="Adobe Clean"/>
-                <a:cs typeface="Adobe Clean"/>
-              </a:rPr>
-            </a:br>
-            <a:r>
-              <a:rPr lang="pt-BR" sz="1200" b="1" dirty="0">
-                <a:solidFill>
-                  <a:srgbClr val="020302"/>
-                </a:solidFill>
-                <a:latin typeface="Adobe Clean"/>
-                <a:cs typeface="Adobe Clean"/>
-              </a:rPr>
-              <a:t>as a Cloud Service</a:t>
-            </a:r>
+              <a:rPr lang="en-US" sz="1200" b="1" spc="-15">
+                <a:solidFill>
+                  <a:srgbClr val="020302"/>
+                </a:solidFill>
+                <a:latin typeface="Adobe Clean"/>
+                <a:cs typeface="Adobe Clean"/>
+              </a:rPr>
+              <a:t>C</a:t>
+            </a:r>
+            <a:r>
+              <a:rPr lang="en-US" sz="1200" b="1" spc="-20">
+                <a:solidFill>
+                  <a:srgbClr val="020302"/>
+                </a:solidFill>
+                <a:latin typeface="Adobe Clean"/>
+                <a:cs typeface="Adobe Clean"/>
+              </a:rPr>
+              <a:t>u</a:t>
+            </a:r>
+            <a:r>
+              <a:rPr lang="en-US" sz="1200" b="1" spc="-25">
+                <a:solidFill>
+                  <a:srgbClr val="020302"/>
+                </a:solidFill>
+                <a:latin typeface="Adobe Clean"/>
+                <a:cs typeface="Adobe Clean"/>
+              </a:rPr>
+              <a:t>st</a:t>
+            </a:r>
+            <a:r>
+              <a:rPr lang="en-US" sz="1200" b="1" spc="-15">
+                <a:solidFill>
+                  <a:srgbClr val="020302"/>
+                </a:solidFill>
+                <a:latin typeface="Adobe Clean"/>
+                <a:cs typeface="Adobe Clean"/>
+              </a:rPr>
+              <a:t>o</a:t>
+            </a:r>
+            <a:r>
+              <a:rPr lang="en-US" sz="1200" b="1" spc="-20">
+                <a:solidFill>
+                  <a:srgbClr val="020302"/>
+                </a:solidFill>
+                <a:latin typeface="Adobe Clean"/>
+                <a:cs typeface="Adobe Clean"/>
+              </a:rPr>
+              <a:t>miza</a:t>
+            </a:r>
+            <a:r>
+              <a:rPr lang="en-US" sz="1200" b="1" spc="-25">
+                <a:solidFill>
+                  <a:srgbClr val="020302"/>
+                </a:solidFill>
+                <a:latin typeface="Adobe Clean"/>
+                <a:cs typeface="Adobe Clean"/>
+              </a:rPr>
+              <a:t>t</a:t>
+            </a:r>
+            <a:r>
+              <a:rPr lang="en-US" sz="1200" b="1" spc="-20">
+                <a:solidFill>
+                  <a:srgbClr val="020302"/>
+                </a:solidFill>
+                <a:latin typeface="Adobe Clean"/>
+                <a:cs typeface="Adobe Clean"/>
+              </a:rPr>
+              <a:t>i</a:t>
+            </a:r>
+            <a:r>
+              <a:rPr lang="en-US" sz="1200" b="1" spc="-15">
+                <a:solidFill>
+                  <a:srgbClr val="020302"/>
+                </a:solidFill>
+                <a:latin typeface="Adobe Clean"/>
+                <a:cs typeface="Adobe Clean"/>
+              </a:rPr>
+              <a:t>o</a:t>
+            </a:r>
+            <a:r>
+              <a:rPr lang="en-US" sz="1200" b="1">
+                <a:solidFill>
+                  <a:srgbClr val="020302"/>
+                </a:solidFill>
+                <a:latin typeface="Adobe Clean"/>
+                <a:cs typeface="Adobe Clean"/>
+              </a:rPr>
+              <a:t>n</a:t>
+            </a:r>
+            <a:r>
+              <a:rPr lang="en-US" sz="1200" b="1" spc="-50">
+                <a:solidFill>
+                  <a:srgbClr val="020302"/>
+                </a:solidFill>
+                <a:latin typeface="Adobe Clean"/>
+                <a:cs typeface="Adobe Clean"/>
+              </a:rPr>
+              <a:t> </a:t>
+            </a:r>
+            <a:r>
+              <a:rPr lang="en-US" sz="1200" b="1" spc="-20">
+                <a:solidFill>
+                  <a:srgbClr val="020302"/>
+                </a:solidFill>
+                <a:latin typeface="Adobe Clean"/>
+                <a:cs typeface="Adobe Clean"/>
+              </a:rPr>
+              <a:t>B</a:t>
+            </a:r>
+            <a:r>
+              <a:rPr lang="en-US" sz="1200" b="1" spc="-25">
+                <a:solidFill>
+                  <a:srgbClr val="020302"/>
+                </a:solidFill>
+                <a:latin typeface="Adobe Clean"/>
+                <a:cs typeface="Adobe Clean"/>
+              </a:rPr>
+              <a:t>es</a:t>
+            </a:r>
+            <a:r>
+              <a:rPr lang="en-US" sz="1200" b="1">
+                <a:solidFill>
+                  <a:srgbClr val="020302"/>
+                </a:solidFill>
+                <a:latin typeface="Adobe Clean"/>
+                <a:cs typeface="Adobe Clean"/>
+              </a:rPr>
+              <a:t>t</a:t>
+            </a:r>
+            <a:r>
+              <a:rPr lang="en-US" sz="1200" b="1" spc="-50">
+                <a:solidFill>
+                  <a:srgbClr val="020302"/>
+                </a:solidFill>
+                <a:latin typeface="Adobe Clean"/>
+                <a:cs typeface="Adobe Clean"/>
+              </a:rPr>
+              <a:t> </a:t>
+            </a:r>
+            <a:r>
+              <a:rPr lang="en-US" sz="1200" b="1" spc="-25">
+                <a:solidFill>
+                  <a:srgbClr val="020302"/>
+                </a:solidFill>
+                <a:latin typeface="Adobe Clean"/>
+                <a:cs typeface="Adobe Clean"/>
+              </a:rPr>
+              <a:t>P</a:t>
+            </a:r>
+            <a:r>
+              <a:rPr lang="en-US" sz="1200" b="1" spc="-20">
+                <a:solidFill>
+                  <a:srgbClr val="020302"/>
+                </a:solidFill>
+                <a:latin typeface="Adobe Clean"/>
+                <a:cs typeface="Adobe Clean"/>
+              </a:rPr>
+              <a:t>ra</a:t>
+            </a:r>
+            <a:r>
+              <a:rPr lang="en-US" sz="1200" b="1" spc="-30">
+                <a:solidFill>
+                  <a:srgbClr val="020302"/>
+                </a:solidFill>
+                <a:latin typeface="Adobe Clean"/>
+                <a:cs typeface="Adobe Clean"/>
+              </a:rPr>
+              <a:t>c</a:t>
+            </a:r>
+            <a:r>
+              <a:rPr lang="en-US" sz="1200" b="1" spc="-25">
+                <a:solidFill>
+                  <a:srgbClr val="020302"/>
+                </a:solidFill>
+                <a:latin typeface="Adobe Clean"/>
+                <a:cs typeface="Adobe Clean"/>
+              </a:rPr>
+              <a:t>t</a:t>
+            </a:r>
+            <a:r>
+              <a:rPr lang="en-US" sz="1200" b="1" spc="-20">
+                <a:solidFill>
+                  <a:srgbClr val="020302"/>
+                </a:solidFill>
+                <a:latin typeface="Adobe Clean"/>
+                <a:cs typeface="Adobe Clean"/>
+              </a:rPr>
+              <a:t>i</a:t>
+            </a:r>
+            <a:r>
+              <a:rPr lang="en-US" sz="1200" b="1" spc="-30">
+                <a:solidFill>
+                  <a:srgbClr val="020302"/>
+                </a:solidFill>
+                <a:latin typeface="Adobe Clean"/>
+                <a:cs typeface="Adobe Clean"/>
+              </a:rPr>
+              <a:t>c</a:t>
+            </a:r>
+            <a:r>
+              <a:rPr lang="en-US" sz="1200" b="1" spc="-25">
+                <a:solidFill>
+                  <a:srgbClr val="020302"/>
+                </a:solidFill>
+                <a:latin typeface="Adobe Clean"/>
+                <a:cs typeface="Adobe Clean"/>
+              </a:rPr>
+              <a:t>e</a:t>
+            </a:r>
+            <a:r>
+              <a:rPr lang="en-US" sz="1200" b="1">
+                <a:solidFill>
+                  <a:srgbClr val="020302"/>
+                </a:solidFill>
+                <a:latin typeface="Adobe Clean"/>
+                <a:cs typeface="Adobe Clean"/>
+              </a:rPr>
+              <a:t>s</a:t>
+            </a:r>
+            <a:r>
+              <a:rPr lang="en-US" sz="1200" b="1" spc="-45">
+                <a:solidFill>
+                  <a:srgbClr val="020302"/>
+                </a:solidFill>
+                <a:latin typeface="Adobe Clean"/>
+                <a:cs typeface="Adobe Clean"/>
+              </a:rPr>
+              <a:t> </a:t>
+            </a:r>
+            <a:r>
+              <a:rPr lang="en-US" sz="1200" b="1" spc="-25">
+                <a:solidFill>
+                  <a:srgbClr val="020302"/>
+                </a:solidFill>
+                <a:latin typeface="Adobe Clean"/>
+                <a:cs typeface="Adobe Clean"/>
+              </a:rPr>
+              <a:t>f</a:t>
+            </a:r>
+            <a:r>
+              <a:rPr lang="en-US" sz="1200" b="1" spc="-15">
+                <a:solidFill>
+                  <a:srgbClr val="020302"/>
+                </a:solidFill>
+                <a:latin typeface="Adobe Clean"/>
+                <a:cs typeface="Adobe Clean"/>
+              </a:rPr>
+              <a:t>o</a:t>
+            </a:r>
+            <a:r>
+              <a:rPr lang="en-US" sz="1200" b="1">
+                <a:solidFill>
+                  <a:srgbClr val="020302"/>
+                </a:solidFill>
+                <a:latin typeface="Adobe Clean"/>
+                <a:cs typeface="Adobe Clean"/>
+              </a:rPr>
+              <a:t>r</a:t>
+            </a:r>
+            <a:r>
+              <a:rPr lang="en-US" sz="1200" b="1" spc="-45">
+                <a:solidFill>
+                  <a:srgbClr val="020302"/>
+                </a:solidFill>
+                <a:latin typeface="Adobe Clean"/>
+                <a:cs typeface="Adobe Clean"/>
+              </a:rPr>
+              <a:t> </a:t>
+            </a:r>
+            <a:r>
+              <a:rPr lang="en-US" sz="1200" b="1" spc="-30">
+                <a:solidFill>
+                  <a:srgbClr val="020302"/>
+                </a:solidFill>
+                <a:latin typeface="Adobe Clean"/>
+                <a:cs typeface="Adobe Clean"/>
+              </a:rPr>
+              <a:t>AE</a:t>
+            </a:r>
+            <a:r>
+              <a:rPr lang="en-US" sz="1200" b="1">
+                <a:solidFill>
+                  <a:srgbClr val="020302"/>
+                </a:solidFill>
+                <a:latin typeface="Adobe Clean"/>
+                <a:cs typeface="Adobe Clean"/>
+              </a:rPr>
+              <a:t>M</a:t>
+            </a:r>
+            <a:r>
+              <a:rPr lang="en-US" sz="1200" b="1" spc="-55">
+                <a:solidFill>
+                  <a:srgbClr val="020302"/>
+                </a:solidFill>
+                <a:latin typeface="Adobe Clean"/>
+                <a:cs typeface="Adobe Clean"/>
+              </a:rPr>
+              <a:t> </a:t>
+            </a:r>
+            <a:r>
+              <a:rPr lang="en-US" sz="1200" b="1" spc="-20">
+                <a:solidFill>
+                  <a:srgbClr val="020302"/>
+                </a:solidFill>
+                <a:latin typeface="Adobe Clean"/>
+                <a:cs typeface="Adobe Clean"/>
+              </a:rPr>
+              <a:t>a</a:t>
+            </a:r>
+            <a:r>
+              <a:rPr lang="en-US" sz="1200" b="1">
+                <a:solidFill>
+                  <a:srgbClr val="020302"/>
+                </a:solidFill>
+                <a:latin typeface="Adobe Clean"/>
+                <a:cs typeface="Adobe Clean"/>
+              </a:rPr>
+              <a:t>s</a:t>
+            </a:r>
+            <a:r>
+              <a:rPr lang="en-US" sz="1200" b="1" spc="-45">
+                <a:solidFill>
+                  <a:srgbClr val="020302"/>
+                </a:solidFill>
+                <a:latin typeface="Adobe Clean"/>
+                <a:cs typeface="Adobe Clean"/>
+              </a:rPr>
+              <a:t> </a:t>
+            </a:r>
+            <a:r>
+              <a:rPr lang="en-US" sz="1200" b="1">
+                <a:solidFill>
+                  <a:srgbClr val="020302"/>
+                </a:solidFill>
+                <a:latin typeface="Adobe Clean"/>
+                <a:cs typeface="Adobe Clean"/>
+              </a:rPr>
+              <a:t>a</a:t>
+            </a:r>
+            <a:r>
+              <a:rPr lang="en-US" sz="1200" b="1" spc="-45">
+                <a:solidFill>
+                  <a:srgbClr val="020302"/>
+                </a:solidFill>
+                <a:latin typeface="Adobe Clean"/>
+                <a:cs typeface="Adobe Clean"/>
+              </a:rPr>
+              <a:t> </a:t>
+            </a:r>
+            <a:r>
+              <a:rPr lang="en-US" sz="1200" b="1" spc="-15">
+                <a:solidFill>
+                  <a:srgbClr val="020302"/>
+                </a:solidFill>
+                <a:latin typeface="Adobe Clean"/>
+                <a:cs typeface="Adobe Clean"/>
+              </a:rPr>
+              <a:t>C</a:t>
+            </a:r>
+            <a:r>
+              <a:rPr lang="en-US" sz="1200" b="1" spc="-25">
+                <a:solidFill>
+                  <a:srgbClr val="020302"/>
+                </a:solidFill>
+                <a:latin typeface="Adobe Clean"/>
+                <a:cs typeface="Adobe Clean"/>
+              </a:rPr>
+              <a:t>l</a:t>
+            </a:r>
+            <a:r>
+              <a:rPr lang="en-US" sz="1200" b="1" spc="-15">
+                <a:solidFill>
+                  <a:srgbClr val="020302"/>
+                </a:solidFill>
+                <a:latin typeface="Adobe Clean"/>
+                <a:cs typeface="Adobe Clean"/>
+              </a:rPr>
+              <a:t>o</a:t>
+            </a:r>
+            <a:r>
+              <a:rPr lang="en-US" sz="1200" b="1" spc="-20">
+                <a:solidFill>
+                  <a:srgbClr val="020302"/>
+                </a:solidFill>
+                <a:latin typeface="Adobe Clean"/>
+                <a:cs typeface="Adobe Clean"/>
+              </a:rPr>
+              <a:t>u</a:t>
+            </a:r>
+            <a:r>
+              <a:rPr lang="en-US" sz="1200" b="1">
+                <a:solidFill>
+                  <a:srgbClr val="020302"/>
+                </a:solidFill>
+                <a:latin typeface="Adobe Clean"/>
+                <a:cs typeface="Adobe Clean"/>
+              </a:rPr>
+              <a:t>d</a:t>
+            </a:r>
+            <a:r>
+              <a:rPr lang="en-US" sz="1200" b="1" spc="-50">
+                <a:solidFill>
+                  <a:srgbClr val="020302"/>
+                </a:solidFill>
+                <a:latin typeface="Adobe Clean"/>
+                <a:cs typeface="Adobe Clean"/>
+              </a:rPr>
+              <a:t> </a:t>
+            </a:r>
+            <a:r>
+              <a:rPr lang="en-US" sz="1200" b="1" spc="-20">
+                <a:solidFill>
+                  <a:srgbClr val="020302"/>
+                </a:solidFill>
+                <a:latin typeface="Adobe Clean"/>
+                <a:cs typeface="Adobe Clean"/>
+              </a:rPr>
+              <a:t>S</a:t>
+            </a:r>
+            <a:r>
+              <a:rPr lang="en-US" sz="1200" b="1" spc="-25">
+                <a:solidFill>
+                  <a:srgbClr val="020302"/>
+                </a:solidFill>
+                <a:latin typeface="Adobe Clean"/>
+                <a:cs typeface="Adobe Clean"/>
+              </a:rPr>
+              <a:t>e</a:t>
+            </a:r>
+            <a:r>
+              <a:rPr lang="en-US" sz="1200" b="1" spc="-20">
+                <a:solidFill>
+                  <a:srgbClr val="020302"/>
+                </a:solidFill>
+                <a:latin typeface="Adobe Clean"/>
+                <a:cs typeface="Adobe Clean"/>
+              </a:rPr>
+              <a:t>r</a:t>
+            </a:r>
+            <a:r>
+              <a:rPr lang="en-US" sz="1200" b="1" spc="-30">
+                <a:solidFill>
+                  <a:srgbClr val="020302"/>
+                </a:solidFill>
+                <a:latin typeface="Adobe Clean"/>
+                <a:cs typeface="Adobe Clean"/>
+              </a:rPr>
+              <a:t>v</a:t>
+            </a:r>
+            <a:r>
+              <a:rPr lang="en-US" sz="1200" b="1" spc="-20">
+                <a:solidFill>
+                  <a:srgbClr val="020302"/>
+                </a:solidFill>
+                <a:latin typeface="Adobe Clean"/>
+                <a:cs typeface="Adobe Clean"/>
+              </a:rPr>
+              <a:t>i</a:t>
+            </a:r>
+            <a:r>
+              <a:rPr lang="en-US" sz="1200" b="1" spc="-30">
+                <a:solidFill>
+                  <a:srgbClr val="020302"/>
+                </a:solidFill>
+                <a:latin typeface="Adobe Clean"/>
+                <a:cs typeface="Adobe Clean"/>
+              </a:rPr>
+              <a:t>c</a:t>
+            </a:r>
+            <a:r>
+              <a:rPr lang="en-US" sz="1200" b="1">
+                <a:solidFill>
+                  <a:srgbClr val="020302"/>
+                </a:solidFill>
+                <a:latin typeface="Adobe Clean"/>
+                <a:cs typeface="Adobe Clean"/>
+              </a:rPr>
+              <a:t>e</a:t>
+            </a:r>
+            <a:endParaRPr lang="en-US" sz="1200">
+              <a:latin typeface="Adobe Clean"/>
+              <a:cs typeface="Adobe Clean"/>
+            </a:endParaRPr>
           </a:p>
         </p:txBody>
       </p:sp>
@@ -9594,8 +11443,8 @@
         </p:nvSpPr>
         <p:spPr>
           <a:xfrm>
-            <a:off x="2752587" y="4438393"/>
-            <a:ext cx="2194559" cy="461665"/>
+            <a:off x="2752588" y="4438393"/>
+            <a:ext cx="1708650" cy="461665"/>
           </a:xfrm>
           <a:prstGeom prst="rect">
             <a:avLst/>
@@ -9616,15 +11465,19 @@
               </a:spcBef>
             </a:pPr>
             <a:r>
-              <a:rPr lang="pt-BR" sz="1200" b="1" dirty="0">
-                <a:solidFill>
-                  <a:srgbClr val="020302"/>
-                </a:solidFill>
-                <a:latin typeface="Adobe Clean"/>
-                <a:cs typeface="Adobe Clean"/>
-              </a:rPr>
-              <a:t>Serviços de valor agregado para o AEM as a Cloud Service</a:t>
-            </a:r>
+              <a:rPr lang="en-US" sz="1200" b="1" spc="-25">
+                <a:solidFill>
+                  <a:srgbClr val="020302"/>
+                </a:solidFill>
+                <a:latin typeface="Adobe Clean"/>
+                <a:cs typeface="Adobe Clean"/>
+              </a:rPr>
+              <a:t>Value-added Services for AEM as a Cloud Service</a:t>
+            </a:r>
+            <a:endParaRPr lang="en-US" sz="1200">
+              <a:latin typeface="Adobe Clean"/>
+              <a:cs typeface="Adobe Clean"/>
+            </a:endParaRPr>
           </a:p>
         </p:txBody>
       </p:sp>
@@ -9664,34 +11517,359 @@
               </a:spcBef>
             </a:pPr>
             <a:r>
-              <a:rPr lang="pt-BR" sz="1200" b="1" dirty="0">
-                <a:solidFill>
-                  <a:srgbClr val="020302"/>
-                </a:solidFill>
-                <a:latin typeface="Adobe Clean"/>
-                <a:cs typeface="Adobe Clean"/>
-              </a:rPr>
-              <a:t>Governança para o AEM </a:t>
-            </a:r>
-            <a:br>
-              <a:rPr lang="pt-BR" sz="1200" b="1" dirty="0">
-                <a:solidFill>
-                  <a:srgbClr val="020302"/>
-                </a:solidFill>
-                <a:latin typeface="Adobe Clean"/>
-                <a:cs typeface="Adobe Clean"/>
-              </a:rPr>
-            </a:br>
-            <a:r>
-              <a:rPr lang="pt-BR" sz="1200" b="1" dirty="0">
-                <a:solidFill>
-                  <a:srgbClr val="020302"/>
-                </a:solidFill>
-                <a:latin typeface="Adobe Clean"/>
-                <a:cs typeface="Adobe Clean"/>
-              </a:rPr>
-              <a:t>as a Cloud Service</a:t>
-            </a:r>
+              <a:rPr lang="en-US" sz="1200" b="1" spc="-20">
+                <a:solidFill>
+                  <a:srgbClr val="020302"/>
+                </a:solidFill>
+                <a:latin typeface="Adobe Clean"/>
+                <a:cs typeface="Adobe Clean"/>
+              </a:rPr>
+              <a:t>G</a:t>
+            </a:r>
+            <a:r>
+              <a:rPr lang="en-US" sz="1200" b="1" spc="-15">
+                <a:solidFill>
+                  <a:srgbClr val="020302"/>
+                </a:solidFill>
+                <a:latin typeface="Adobe Clean"/>
+                <a:cs typeface="Adobe Clean"/>
+              </a:rPr>
+              <a:t>o</a:t>
+            </a:r>
+            <a:r>
+              <a:rPr lang="en-US" sz="1200" b="1" spc="-25">
+                <a:solidFill>
+                  <a:srgbClr val="020302"/>
+                </a:solidFill>
+                <a:latin typeface="Adobe Clean"/>
+                <a:cs typeface="Adobe Clean"/>
+              </a:rPr>
+              <a:t>ve</a:t>
+            </a:r>
+            <a:r>
+              <a:rPr lang="en-US" sz="1200" b="1" spc="-20">
+                <a:solidFill>
+                  <a:srgbClr val="020302"/>
+                </a:solidFill>
+                <a:latin typeface="Adobe Clean"/>
+                <a:cs typeface="Adobe Clean"/>
+              </a:rPr>
+              <a:t>r</a:t>
+            </a:r>
+            <a:r>
+              <a:rPr lang="en-US" sz="1200" b="1" spc="-25">
+                <a:solidFill>
+                  <a:srgbClr val="020302"/>
+                </a:solidFill>
+                <a:latin typeface="Adobe Clean"/>
+                <a:cs typeface="Adobe Clean"/>
+              </a:rPr>
+              <a:t>n</a:t>
+            </a:r>
+            <a:r>
+              <a:rPr lang="en-US" sz="1200" b="1" spc="-20">
+                <a:solidFill>
+                  <a:srgbClr val="020302"/>
+                </a:solidFill>
+                <a:latin typeface="Adobe Clean"/>
+                <a:cs typeface="Adobe Clean"/>
+              </a:rPr>
+              <a:t>a</a:t>
+            </a:r>
+            <a:r>
+              <a:rPr lang="en-US" sz="1200" b="1" spc="-25">
+                <a:solidFill>
+                  <a:srgbClr val="020302"/>
+                </a:solidFill>
+                <a:latin typeface="Adobe Clean"/>
+                <a:cs typeface="Adobe Clean"/>
+              </a:rPr>
+              <a:t>n</a:t>
+            </a:r>
+            <a:r>
+              <a:rPr lang="en-US" sz="1200" b="1" spc="-30">
+                <a:solidFill>
+                  <a:srgbClr val="020302"/>
+                </a:solidFill>
+                <a:latin typeface="Adobe Clean"/>
+                <a:cs typeface="Adobe Clean"/>
+              </a:rPr>
+              <a:t>c</a:t>
+            </a:r>
+            <a:r>
+              <a:rPr lang="en-US" sz="1200" b="1">
+                <a:solidFill>
+                  <a:srgbClr val="020302"/>
+                </a:solidFill>
+                <a:latin typeface="Adobe Clean"/>
+                <a:cs typeface="Adobe Clean"/>
+              </a:rPr>
+              <a:t>e</a:t>
+            </a:r>
+            <a:r>
+              <a:rPr lang="en-US" sz="1200" b="1" spc="-50">
+                <a:solidFill>
+                  <a:srgbClr val="020302"/>
+                </a:solidFill>
+                <a:latin typeface="Adobe Clean"/>
+                <a:cs typeface="Adobe Clean"/>
+              </a:rPr>
+              <a:t> </a:t>
+            </a:r>
+            <a:r>
+              <a:rPr lang="en-US" sz="1200" b="1" spc="-25">
+                <a:solidFill>
+                  <a:srgbClr val="020302"/>
+                </a:solidFill>
+                <a:latin typeface="Adobe Clean"/>
+                <a:cs typeface="Adobe Clean"/>
+              </a:rPr>
+              <a:t>f</a:t>
+            </a:r>
+            <a:r>
+              <a:rPr lang="en-US" sz="1200" b="1" spc="-15">
+                <a:solidFill>
+                  <a:srgbClr val="020302"/>
+                </a:solidFill>
+                <a:latin typeface="Adobe Clean"/>
+                <a:cs typeface="Adobe Clean"/>
+              </a:rPr>
+              <a:t>o</a:t>
+            </a:r>
+            <a:r>
+              <a:rPr lang="en-US" sz="1200" b="1">
+                <a:solidFill>
+                  <a:srgbClr val="020302"/>
+                </a:solidFill>
+                <a:latin typeface="Adobe Clean"/>
+                <a:cs typeface="Adobe Clean"/>
+              </a:rPr>
+              <a:t>r</a:t>
+            </a:r>
+            <a:r>
+              <a:rPr lang="en-US" sz="1200" b="1" spc="-45">
+                <a:solidFill>
+                  <a:srgbClr val="020302"/>
+                </a:solidFill>
+                <a:latin typeface="Adobe Clean"/>
+                <a:cs typeface="Adobe Clean"/>
+              </a:rPr>
+              <a:t> </a:t>
+            </a:r>
+            <a:r>
+              <a:rPr lang="en-US" sz="1200" b="1" spc="-30">
+                <a:solidFill>
+                  <a:srgbClr val="020302"/>
+                </a:solidFill>
+                <a:latin typeface="Adobe Clean"/>
+                <a:cs typeface="Adobe Clean"/>
+              </a:rPr>
+              <a:t>A</a:t>
+            </a:r>
+            <a:r>
+              <a:rPr lang="en-US" sz="1200" b="1" spc="-25">
+                <a:solidFill>
+                  <a:srgbClr val="020302"/>
+                </a:solidFill>
+                <a:latin typeface="Adobe Clean"/>
+                <a:cs typeface="Adobe Clean"/>
+              </a:rPr>
+              <a:t>E</a:t>
+            </a:r>
+            <a:r>
+              <a:rPr lang="en-US" sz="1200" b="1">
+                <a:solidFill>
+                  <a:srgbClr val="020302"/>
+                </a:solidFill>
+                <a:latin typeface="Adobe Clean"/>
+                <a:cs typeface="Adobe Clean"/>
+              </a:rPr>
+              <a:t>M</a:t>
+            </a:r>
+            <a:r>
+              <a:rPr lang="en-US" sz="1200" b="1" spc="-50">
+                <a:solidFill>
+                  <a:srgbClr val="020302"/>
+                </a:solidFill>
+                <a:latin typeface="Adobe Clean"/>
+                <a:cs typeface="Adobe Clean"/>
+              </a:rPr>
+              <a:t> </a:t>
+            </a:r>
+            <a:r>
+              <a:rPr lang="en-US" sz="1200" b="1" spc="-20">
+                <a:solidFill>
+                  <a:srgbClr val="020302"/>
+                </a:solidFill>
+                <a:latin typeface="Adobe Clean"/>
+                <a:cs typeface="Adobe Clean"/>
+              </a:rPr>
+              <a:t>a</a:t>
+            </a:r>
+            <a:r>
+              <a:rPr lang="en-US" sz="1200" b="1">
+                <a:solidFill>
+                  <a:srgbClr val="020302"/>
+                </a:solidFill>
+                <a:latin typeface="Adobe Clean"/>
+                <a:cs typeface="Adobe Clean"/>
+              </a:rPr>
+              <a:t>s</a:t>
+            </a:r>
+            <a:r>
+              <a:rPr lang="en-US" sz="1200" b="1" spc="-45">
+                <a:solidFill>
+                  <a:srgbClr val="020302"/>
+                </a:solidFill>
+                <a:latin typeface="Adobe Clean"/>
+                <a:cs typeface="Adobe Clean"/>
+              </a:rPr>
+              <a:t> </a:t>
+            </a:r>
+            <a:r>
+              <a:rPr lang="en-US" sz="1200" b="1">
+                <a:solidFill>
+                  <a:srgbClr val="020302"/>
+                </a:solidFill>
+                <a:latin typeface="Adobe Clean"/>
+                <a:cs typeface="Adobe Clean"/>
+              </a:rPr>
+              <a:t>a</a:t>
+            </a:r>
+            <a:r>
+              <a:rPr lang="en-US" sz="1200" b="1" spc="-40">
+                <a:solidFill>
+                  <a:srgbClr val="020302"/>
+                </a:solidFill>
+                <a:latin typeface="Adobe Clean"/>
+                <a:cs typeface="Adobe Clean"/>
+              </a:rPr>
+              <a:t> </a:t>
+            </a:r>
+            <a:r>
+              <a:rPr lang="en-US" sz="1200" b="1" spc="-15">
+                <a:solidFill>
+                  <a:srgbClr val="020302"/>
+                </a:solidFill>
+                <a:latin typeface="Adobe Clean"/>
+                <a:cs typeface="Adobe Clean"/>
+              </a:rPr>
+              <a:t>C</a:t>
+            </a:r>
+            <a:r>
+              <a:rPr lang="en-US" sz="1200" b="1" spc="-25">
+                <a:solidFill>
+                  <a:srgbClr val="020302"/>
+                </a:solidFill>
+                <a:latin typeface="Adobe Clean"/>
+                <a:cs typeface="Adobe Clean"/>
+              </a:rPr>
+              <a:t>l</a:t>
+            </a:r>
+            <a:r>
+              <a:rPr lang="en-US" sz="1200" b="1" spc="-15">
+                <a:solidFill>
+                  <a:srgbClr val="020302"/>
+                </a:solidFill>
+                <a:latin typeface="Adobe Clean"/>
+                <a:cs typeface="Adobe Clean"/>
+              </a:rPr>
+              <a:t>ou</a:t>
+            </a:r>
+            <a:r>
+              <a:rPr lang="en-US" sz="1200" b="1">
+                <a:solidFill>
+                  <a:srgbClr val="020302"/>
+                </a:solidFill>
+                <a:latin typeface="Adobe Clean"/>
+                <a:cs typeface="Adobe Clean"/>
+              </a:rPr>
+              <a:t>d</a:t>
+            </a:r>
+            <a:r>
+              <a:rPr lang="en-US" sz="1200" b="1" spc="-50">
+                <a:solidFill>
+                  <a:srgbClr val="020302"/>
+                </a:solidFill>
+                <a:latin typeface="Adobe Clean"/>
+                <a:cs typeface="Adobe Clean"/>
+              </a:rPr>
+              <a:t> </a:t>
+            </a:r>
+            <a:r>
+              <a:rPr lang="en-US" sz="1200" b="1" spc="-20">
+                <a:solidFill>
+                  <a:srgbClr val="020302"/>
+                </a:solidFill>
+                <a:latin typeface="Adobe Clean"/>
+                <a:cs typeface="Adobe Clean"/>
+              </a:rPr>
+              <a:t>S</a:t>
+            </a:r>
+            <a:r>
+              <a:rPr lang="en-US" sz="1200" b="1" spc="-25">
+                <a:solidFill>
+                  <a:srgbClr val="020302"/>
+                </a:solidFill>
+                <a:latin typeface="Adobe Clean"/>
+                <a:cs typeface="Adobe Clean"/>
+              </a:rPr>
+              <a:t>e</a:t>
+            </a:r>
+            <a:r>
+              <a:rPr lang="en-US" sz="1200" b="1" spc="-20">
+                <a:solidFill>
+                  <a:srgbClr val="020302"/>
+                </a:solidFill>
+                <a:latin typeface="Adobe Clean"/>
+                <a:cs typeface="Adobe Clean"/>
+              </a:rPr>
+              <a:t>r</a:t>
+            </a:r>
+            <a:r>
+              <a:rPr lang="en-US" sz="1200" b="1" spc="-25">
+                <a:solidFill>
+                  <a:srgbClr val="020302"/>
+                </a:solidFill>
+                <a:latin typeface="Adobe Clean"/>
+                <a:cs typeface="Adobe Clean"/>
+              </a:rPr>
+              <a:t>v</a:t>
+            </a:r>
+            <a:r>
+              <a:rPr lang="en-US" sz="1200" b="1" spc="-20">
+                <a:solidFill>
+                  <a:srgbClr val="020302"/>
+                </a:solidFill>
+                <a:latin typeface="Adobe Clean"/>
+                <a:cs typeface="Adobe Clean"/>
+              </a:rPr>
+              <a:t>i</a:t>
+            </a:r>
+            <a:r>
+              <a:rPr lang="en-US" sz="1200" b="1" spc="-30">
+                <a:solidFill>
+                  <a:srgbClr val="020302"/>
+                </a:solidFill>
+                <a:latin typeface="Adobe Clean"/>
+                <a:cs typeface="Adobe Clean"/>
+              </a:rPr>
+              <a:t>c</a:t>
+            </a:r>
+            <a:r>
+              <a:rPr lang="en-US" sz="1200" b="1">
+                <a:solidFill>
+                  <a:srgbClr val="020302"/>
+                </a:solidFill>
+                <a:latin typeface="Adobe Clean"/>
+                <a:cs typeface="Adobe Clean"/>
+              </a:rPr>
+              <a:t>e</a:t>
+            </a:r>
+            <a:endParaRPr lang="en-US" sz="1200">
+              <a:latin typeface="Adobe Clean"/>
+              <a:cs typeface="Adobe Clean"/>
+            </a:endParaRPr>
           </a:p>
         </p:txBody>
       </p:sp>
@@ -9788,7 +11966,7 @@
         <p:spPr>
           <a:xfrm>
             <a:off x="689237" y="1102554"/>
-            <a:ext cx="1427217" cy="197490"/>
+            <a:ext cx="1036205" cy="197490"/>
           </a:xfrm>
           <a:prstGeom prst="rect">
             <a:avLst/>
@@ -9809,15 +11987,99 @@
               </a:spcBef>
             </a:pPr>
             <a:r>
-              <a:rPr lang="pt-BR" sz="1200" b="1" dirty="0">
-                <a:solidFill>
-                  <a:srgbClr val="020302"/>
-                </a:solidFill>
-                <a:latin typeface="Adobe Clean"/>
-                <a:cs typeface="Adobe Clean"/>
-              </a:rPr>
-              <a:t>Revisões de caso</a:t>
-            </a:r>
+              <a:rPr lang="en-US" sz="1200" b="1" spc="-20">
+                <a:solidFill>
+                  <a:srgbClr val="020302"/>
+                </a:solidFill>
+                <a:latin typeface="Adobe Clean"/>
+                <a:cs typeface="Adobe Clean"/>
+              </a:rPr>
+              <a:t>Cas</a:t>
+            </a:r>
+            <a:r>
+              <a:rPr sz="1200" b="1">
+                <a:solidFill>
+                  <a:srgbClr val="020302"/>
+                </a:solidFill>
+                <a:latin typeface="Adobe Clean"/>
+                <a:cs typeface="Adobe Clean"/>
+              </a:rPr>
+              <a:t>e</a:t>
+            </a:r>
+            <a:r>
+              <a:rPr sz="1200" b="1" spc="-80">
+                <a:solidFill>
+                  <a:srgbClr val="020302"/>
+                </a:solidFill>
+                <a:latin typeface="Adobe Clean"/>
+                <a:cs typeface="Adobe Clean"/>
+              </a:rPr>
+              <a:t> </a:t>
+            </a:r>
+            <a:r>
+              <a:rPr sz="1200" b="1" spc="-20">
+                <a:solidFill>
+                  <a:srgbClr val="020302"/>
+                </a:solidFill>
+                <a:latin typeface="Adobe Clean"/>
+                <a:cs typeface="Adobe Clean"/>
+              </a:rPr>
+              <a:t>R</a:t>
+            </a:r>
+            <a:r>
+              <a:rPr sz="1200" b="1" spc="-25">
+                <a:solidFill>
+                  <a:srgbClr val="020302"/>
+                </a:solidFill>
+                <a:latin typeface="Adobe Clean"/>
+                <a:cs typeface="Adobe Clean"/>
+              </a:rPr>
+              <a:t>e</a:t>
+            </a:r>
+            <a:r>
+              <a:rPr sz="1200" b="1" spc="-30">
+                <a:solidFill>
+                  <a:srgbClr val="020302"/>
+                </a:solidFill>
+                <a:latin typeface="Adobe Clean"/>
+                <a:cs typeface="Adobe Clean"/>
+              </a:rPr>
+              <a:t>v</a:t>
+            </a:r>
+            <a:r>
+              <a:rPr sz="1200" b="1" spc="-20">
+                <a:solidFill>
+                  <a:srgbClr val="020302"/>
+                </a:solidFill>
+                <a:latin typeface="Adobe Clean"/>
+                <a:cs typeface="Adobe Clean"/>
+              </a:rPr>
+              <a:t>i</a:t>
+            </a:r>
+            <a:r>
+              <a:rPr sz="1200" b="1" spc="-25">
+                <a:solidFill>
+                  <a:srgbClr val="020302"/>
+                </a:solidFill>
+                <a:latin typeface="Adobe Clean"/>
+                <a:cs typeface="Adobe Clean"/>
+              </a:rPr>
+              <a:t>ew</a:t>
+            </a:r>
+            <a:r>
+              <a:rPr sz="1200" b="1">
+                <a:solidFill>
+                  <a:srgbClr val="020302"/>
+                </a:solidFill>
+                <a:latin typeface="Adobe Clean"/>
+                <a:cs typeface="Adobe Clean"/>
+              </a:rPr>
+              <a:t>s</a:t>
+            </a:r>
+            <a:endParaRPr sz="1200">
+              <a:latin typeface="Adobe Clean"/>
+              <a:cs typeface="Adobe Clean"/>
+            </a:endParaRPr>
           </a:p>
         </p:txBody>
       </p:sp>
@@ -9874,8 +12136,8 @@
         </p:nvSpPr>
         <p:spPr>
           <a:xfrm>
-            <a:off x="355867" y="1426046"/>
-            <a:ext cx="2252891" cy="936154"/>
+            <a:off x="355868" y="1426046"/>
+            <a:ext cx="2194560" cy="936154"/>
           </a:xfrm>
           <a:prstGeom prst="rect">
             <a:avLst/>
@@ -9896,14 +12158,18 @@
               </a:spcBef>
             </a:pPr>
             <a:r>
-              <a:rPr lang="pt-BR" sz="1000" dirty="0">
+              <a:rPr lang="en-US" sz="1000">
                 <a:solidFill>
                   <a:srgbClr val="4B4B4B"/>
                 </a:solidFill>
                 <a:latin typeface="Adobe Clean Light" panose="020B0303020404020204" pitchFamily="34" charset="0"/>
               </a:rPr>
-              <a:t>Revisão regular das solicitações de suporte abertas, garantindo o alinhamento do cliente considerando a descrição do caso, o impacto nos negócios, o status, a prioridade e o acordo sobre as próximas etapas necessárias para garantir uma resolução adequada.</a:t>
-            </a:r>
+              <a:t>Regular scheduled review of open support requests, ensuring customer alignment on case description, business impact, status, priority and agreement on next steps required to ensure an expedient resolution.</a:t>
+            </a:r>
+            <a:endParaRPr sz="1000">
+              <a:latin typeface="Adobe Clean Light" panose="020B0303020404020204" pitchFamily="34" charset="0"/>
+              <a:cs typeface="AdobeClean-Light"/>
+            </a:endParaRPr>
           </a:p>
         </p:txBody>
       </p:sp>
@@ -9943,15 +12209,19 @@
               </a:spcBef>
             </a:pPr>
             <a:r>
-              <a:rPr lang="pt-BR" sz="1400" b="1">
-                <a:solidFill>
-                  <a:srgbClr val="020302"/>
-                </a:solidFill>
-                <a:latin typeface="Adobe Clean"/>
-                <a:cs typeface="Adobe Clean"/>
-              </a:rPr>
-              <a:t>Atividades de suporte na nuvem — AEM</a:t>
-            </a:r>
+              <a:rPr lang="en-US" sz="1400" b="1" spc="-10">
+                <a:solidFill>
+                  <a:srgbClr val="020302"/>
+                </a:solidFill>
+                <a:latin typeface="Adobe Clean"/>
+                <a:cs typeface="Adobe Clean"/>
+              </a:rPr>
+              <a:t>Cloud Support Activities - AEM</a:t>
+            </a:r>
+            <a:endParaRPr lang="en-US" sz="1400">
+              <a:latin typeface="Adobe Clean"/>
+              <a:cs typeface="Adobe Clean"/>
+            </a:endParaRPr>
           </a:p>
         </p:txBody>
       </p:sp>
@@ -9970,7 +12240,7 @@
         <p:spPr>
           <a:xfrm>
             <a:off x="214971" y="4310484"/>
-            <a:ext cx="3033054" cy="74402"/>
+            <a:ext cx="2286000" cy="45719"/>
           </a:xfrm>
           <a:custGeom>
             <a:avLst/>
@@ -10034,7 +12304,7 @@
         </p:blipFill>
         <p:spPr>
           <a:xfrm>
-            <a:off x="3318442" y="3892352"/>
+            <a:off x="2569142" y="3892352"/>
             <a:ext cx="461665" cy="461665"/>
           </a:xfrm>
           <a:prstGeom prst="rect">
@@ -10073,7 +12343,7 @@
         </p:blipFill>
         <p:spPr>
           <a:xfrm>
-            <a:off x="2776853" y="6489378"/>
+            <a:off x="2776853" y="6679878"/>
             <a:ext cx="411480" cy="411480"/>
           </a:xfrm>
           <a:prstGeom prst="rect">
@@ -10112,7 +12382,7 @@
         </p:blipFill>
         <p:spPr>
           <a:xfrm>
-            <a:off x="228600" y="8330284"/>
+            <a:off x="228600" y="8520784"/>
             <a:ext cx="411480" cy="411480"/>
           </a:xfrm>
           <a:prstGeom prst="rect">
@@ -10151,7 +12421,7 @@
         </p:blipFill>
         <p:spPr>
           <a:xfrm>
-            <a:off x="228600" y="6450710"/>
+            <a:off x="228600" y="6641210"/>
             <a:ext cx="411480" cy="411480"/>
           </a:xfrm>
           <a:prstGeom prst="rect">
@@ -10190,7 +12460,7 @@
         </p:blipFill>
         <p:spPr>
           <a:xfrm>
-            <a:off x="5257800" y="6438900"/>
+            <a:off x="5257800" y="6629400"/>
             <a:ext cx="411480" cy="411480"/>
           </a:xfrm>
           <a:prstGeom prst="rect">
@@ -10229,7 +12499,7 @@
         </p:blipFill>
         <p:spPr>
           <a:xfrm>
-            <a:off x="5257800" y="8330284"/>
+            <a:off x="5257800" y="8520784"/>
             <a:ext cx="411480" cy="411480"/>
           </a:xfrm>
           <a:prstGeom prst="rect">
@@ -10268,7 +12538,7 @@
         </p:blipFill>
         <p:spPr>
           <a:xfrm>
-            <a:off x="2776853" y="8330284"/>
+            <a:off x="2776853" y="8520784"/>
             <a:ext cx="411480" cy="411480"/>
           </a:xfrm>
           <a:prstGeom prst="rect">
@@ -10329,7 +12599,7 @@
         </p:nvSpPr>
         <p:spPr>
           <a:xfrm rot="5400000" flipH="1">
-            <a:off x="3863341" y="1072671"/>
+            <a:off x="3863341" y="986533"/>
             <a:ext cx="45719" cy="5577840"/>
           </a:xfrm>
           <a:custGeom>
@@ -10384,7 +12654,7 @@
         </p:nvSpPr>
         <p:spPr>
           <a:xfrm rot="5400000" flipH="1">
-            <a:off x="3863341" y="5324088"/>
+            <a:off x="3863341" y="5514588"/>
             <a:ext cx="45719" cy="5577840"/>
           </a:xfrm>
           <a:custGeom>
@@ -10703,15 +12973,109 @@
               </a:lnSpc>
             </a:pPr>
             <a:r>
-              <a:rPr lang="pt-BR" sz="800">
+              <a:rPr sz="800" spc="-10">
                 <a:solidFill>
                   <a:srgbClr val="6D6D6D"/>
                 </a:solidFill>
                 <a:latin typeface="Adobe Clean"/>
                 <a:cs typeface="Adobe Clean"/>
               </a:rPr>
-              <a:t>©2021 Adobe. All Rights Reserved. Adobe Confidential.</a:t>
-            </a:r>
+              <a:t>©202</a:t>
+            </a:r>
+            <a:r>
+              <a:rPr lang="en-US" sz="800" spc="-10">
+                <a:solidFill>
+                  <a:srgbClr val="6D6D6D"/>
+                </a:solidFill>
+                <a:latin typeface="Adobe Clean"/>
+                <a:cs typeface="Adobe Clean"/>
+              </a:rPr>
+              <a:t>1</a:t>
+            </a:r>
+            <a:r>
+              <a:rPr sz="800" spc="-5">
+                <a:solidFill>
+                  <a:srgbClr val="6D6D6D"/>
+                </a:solidFill>
+                <a:latin typeface="Adobe Clean"/>
+                <a:cs typeface="Adobe Clean"/>
+              </a:rPr>
+              <a:t> Adobe. All</a:t>
+            </a:r>
+            <a:r>
+              <a:rPr sz="800" spc="-15">
+                <a:solidFill>
+                  <a:srgbClr val="6D6D6D"/>
+                </a:solidFill>
+                <a:latin typeface="Adobe Clean"/>
+                <a:cs typeface="Adobe Clean"/>
+              </a:rPr>
+              <a:t> </a:t>
+            </a:r>
+            <a:r>
+              <a:rPr sz="800" spc="-10">
+                <a:solidFill>
+                  <a:srgbClr val="6D6D6D"/>
+                </a:solidFill>
+                <a:latin typeface="Adobe Clean"/>
+                <a:cs typeface="Adobe Clean"/>
+              </a:rPr>
+              <a:t>Rights</a:t>
+            </a:r>
+            <a:r>
+              <a:rPr sz="800" spc="-5">
+                <a:solidFill>
+                  <a:srgbClr val="6D6D6D"/>
+                </a:solidFill>
+                <a:latin typeface="Adobe Clean"/>
+                <a:cs typeface="Adobe Clean"/>
+              </a:rPr>
+              <a:t> </a:t>
+            </a:r>
+            <a:r>
+              <a:rPr sz="800" spc="-10">
+                <a:solidFill>
+                  <a:srgbClr val="6D6D6D"/>
+                </a:solidFill>
+                <a:latin typeface="Adobe Clean"/>
+                <a:cs typeface="Adobe Clean"/>
+              </a:rPr>
+              <a:t>Reserved.</a:t>
+            </a:r>
+            <a:r>
+              <a:rPr sz="800" spc="-5">
+                <a:solidFill>
+                  <a:srgbClr val="6D6D6D"/>
+                </a:solidFill>
+                <a:latin typeface="Adobe Clean"/>
+                <a:cs typeface="Adobe Clean"/>
+              </a:rPr>
+              <a:t> Adobe</a:t>
+            </a:r>
+            <a:r>
+              <a:rPr sz="800" spc="75">
+                <a:solidFill>
+                  <a:srgbClr val="6D6D6D"/>
+                </a:solidFill>
+                <a:latin typeface="Adobe Clean"/>
+                <a:cs typeface="Adobe Clean"/>
+              </a:rPr>
+              <a:t> </a:t>
+            </a:r>
+            <a:r>
+              <a:rPr sz="800" spc="-10">
+                <a:solidFill>
+                  <a:srgbClr val="6D6D6D"/>
+                </a:solidFill>
+                <a:latin typeface="Adobe Clean"/>
+                <a:cs typeface="Adobe Clean"/>
+              </a:rPr>
+              <a:t>Confidential.</a:t>
+            </a:r>
+            <a:endParaRPr sz="800">
+              <a:latin typeface="Adobe Clean"/>
+              <a:cs typeface="Adobe Clean"/>
+            </a:endParaRPr>
           </a:p>
         </p:txBody>
       </p:sp>
@@ -10723,8 +13087,8 @@
         </p:nvSpPr>
         <p:spPr>
           <a:xfrm>
-            <a:off x="4445380" y="914778"/>
-            <a:ext cx="2374520" cy="101222"/>
+            <a:off x="4724780" y="914778"/>
+            <a:ext cx="1954230" cy="57597"/>
           </a:xfrm>
           <a:custGeom>
             <a:avLst/>
@@ -10765,7 +13129,7 @@
         </p:nvSpPr>
         <p:spPr>
           <a:xfrm>
-            <a:off x="4433695" y="589788"/>
+            <a:off x="4843270" y="589788"/>
             <a:ext cx="2588260" cy="228268"/>
           </a:xfrm>
           <a:prstGeom prst="rect">
@@ -10784,15 +13148,179 @@
               </a:spcBef>
             </a:pPr>
             <a:r>
-              <a:rPr lang="pt-BR" sz="1400" b="1" dirty="0">
-                <a:solidFill>
-                  <a:srgbClr val="020302"/>
-                </a:solidFill>
-                <a:latin typeface="Adobe Clean"/>
-                <a:cs typeface="Adobe Clean"/>
-              </a:rPr>
-              <a:t>Atividades de serviço de campo</a:t>
-            </a:r>
+              <a:rPr sz="1400" b="1" spc="-25" dirty="0">
+                <a:solidFill>
+                  <a:srgbClr val="020302"/>
+                </a:solidFill>
+                <a:latin typeface="Adobe Clean"/>
+                <a:cs typeface="Adobe Clean"/>
+              </a:rPr>
+              <a:t>Fi</a:t>
+            </a:r>
+            <a:r>
+              <a:rPr sz="1400" b="1" spc="-30" dirty="0">
+                <a:solidFill>
+                  <a:srgbClr val="020302"/>
+                </a:solidFill>
+                <a:latin typeface="Adobe Clean"/>
+                <a:cs typeface="Adobe Clean"/>
+              </a:rPr>
+              <a:t>e</a:t>
+            </a:r>
+            <a:r>
+              <a:rPr sz="1400" b="1" spc="-25" dirty="0">
+                <a:solidFill>
+                  <a:srgbClr val="020302"/>
+                </a:solidFill>
+                <a:latin typeface="Adobe Clean"/>
+                <a:cs typeface="Adobe Clean"/>
+              </a:rPr>
+              <a:t>l</a:t>
+            </a:r>
+            <a:r>
+              <a:rPr sz="1400" b="1" dirty="0">
+                <a:solidFill>
+                  <a:srgbClr val="020302"/>
+                </a:solidFill>
+                <a:latin typeface="Adobe Clean"/>
+                <a:cs typeface="Adobe Clean"/>
+              </a:rPr>
+              <a:t>d</a:t>
+            </a:r>
+            <a:r>
+              <a:rPr sz="1400" b="1" spc="-45" dirty="0">
+                <a:solidFill>
+                  <a:srgbClr val="020302"/>
+                </a:solidFill>
+                <a:latin typeface="Adobe Clean"/>
+                <a:cs typeface="Adobe Clean"/>
+              </a:rPr>
+              <a:t> </a:t>
+            </a:r>
+            <a:r>
+              <a:rPr sz="1400" b="1" spc="20" dirty="0">
+                <a:solidFill>
+                  <a:srgbClr val="020302"/>
+                </a:solidFill>
+                <a:latin typeface="Adobe Clean"/>
+                <a:cs typeface="Adobe Clean"/>
+              </a:rPr>
+              <a:t>S</a:t>
+            </a:r>
+            <a:r>
+              <a:rPr sz="1400" b="1" spc="10" dirty="0">
+                <a:solidFill>
+                  <a:srgbClr val="020302"/>
+                </a:solidFill>
+                <a:latin typeface="Adobe Clean"/>
+                <a:cs typeface="Adobe Clean"/>
+              </a:rPr>
+              <a:t>e</a:t>
+            </a:r>
+            <a:r>
+              <a:rPr sz="1400" b="1" spc="15" dirty="0">
+                <a:solidFill>
+                  <a:srgbClr val="020302"/>
+                </a:solidFill>
+                <a:latin typeface="Adobe Clean"/>
+                <a:cs typeface="Adobe Clean"/>
+              </a:rPr>
+              <a:t>rvi</a:t>
+            </a:r>
+            <a:r>
+              <a:rPr sz="1400" b="1" spc="10" dirty="0">
+                <a:solidFill>
+                  <a:srgbClr val="020302"/>
+                </a:solidFill>
+                <a:latin typeface="Adobe Clean"/>
+                <a:cs typeface="Adobe Clean"/>
+              </a:rPr>
+              <a:t>c</a:t>
+            </a:r>
+            <a:r>
+              <a:rPr sz="1400" b="1" dirty="0">
+                <a:solidFill>
+                  <a:srgbClr val="020302"/>
+                </a:solidFill>
+                <a:latin typeface="Adobe Clean"/>
+                <a:cs typeface="Adobe Clean"/>
+              </a:rPr>
+              <a:t>e</a:t>
+            </a:r>
+            <a:r>
+              <a:rPr lang="en-US" sz="1400" b="1" dirty="0">
+                <a:solidFill>
+                  <a:srgbClr val="020302"/>
+                </a:solidFill>
+                <a:latin typeface="Adobe Clean"/>
+                <a:cs typeface="Adobe Clean"/>
+              </a:rPr>
+              <a:t> </a:t>
+            </a:r>
+            <a:r>
+              <a:rPr sz="1400" b="1" spc="5" dirty="0">
+                <a:solidFill>
+                  <a:srgbClr val="020302"/>
+                </a:solidFill>
+                <a:latin typeface="Adobe Clean"/>
+                <a:cs typeface="Adobe Clean"/>
+              </a:rPr>
+              <a:t>A</a:t>
+            </a:r>
+            <a:r>
+              <a:rPr sz="1400" b="1" dirty="0">
+                <a:solidFill>
+                  <a:srgbClr val="020302"/>
+                </a:solidFill>
+                <a:latin typeface="Adobe Clean"/>
+                <a:cs typeface="Adobe Clean"/>
+              </a:rPr>
+              <a:t>ct</a:t>
+            </a:r>
+            <a:r>
+              <a:rPr sz="1400" b="1" spc="5" dirty="0">
+                <a:solidFill>
+                  <a:srgbClr val="020302"/>
+                </a:solidFill>
+                <a:latin typeface="Adobe Clean"/>
+                <a:cs typeface="Adobe Clean"/>
+              </a:rPr>
+              <a:t>ivi</a:t>
+            </a:r>
+            <a:r>
+              <a:rPr sz="1400" b="1" dirty="0">
+                <a:solidFill>
+                  <a:srgbClr val="020302"/>
+                </a:solidFill>
+                <a:latin typeface="Adobe Clean"/>
+                <a:cs typeface="Adobe Clean"/>
+              </a:rPr>
+              <a:t>t</a:t>
+            </a:r>
+            <a:r>
+              <a:rPr sz="1400" b="1" spc="5" dirty="0">
+                <a:solidFill>
+                  <a:srgbClr val="020302"/>
+                </a:solidFill>
+                <a:latin typeface="Adobe Clean"/>
+                <a:cs typeface="Adobe Clean"/>
+              </a:rPr>
+              <a:t>i</a:t>
+            </a:r>
+            <a:r>
+              <a:rPr sz="1400" b="1" dirty="0">
+                <a:solidFill>
+                  <a:srgbClr val="020302"/>
+                </a:solidFill>
+                <a:latin typeface="Adobe Clean"/>
+                <a:cs typeface="Adobe Clean"/>
+              </a:rPr>
+              <a:t>es</a:t>
+            </a:r>
+            <a:endParaRPr sz="1400" dirty="0">
+              <a:latin typeface="Adobe Clean"/>
+              <a:cs typeface="Adobe Clean"/>
+            </a:endParaRPr>
           </a:p>
         </p:txBody>
       </p:sp>
@@ -10826,15 +13354,99 @@
               </a:spcBef>
             </a:pPr>
             <a:r>
-              <a:rPr lang="pt-BR" sz="1400" b="1">
-                <a:solidFill>
-                  <a:srgbClr val="020302"/>
-                </a:solidFill>
-                <a:latin typeface="Adobe Clean"/>
-                <a:cs typeface="Adobe Clean"/>
-              </a:rPr>
-              <a:t>Launch Advisory </a:t>
-            </a:r>
+              <a:rPr sz="1400" b="1" spc="-20">
+                <a:solidFill>
+                  <a:srgbClr val="020302"/>
+                </a:solidFill>
+                <a:latin typeface="Adobe Clean"/>
+                <a:cs typeface="Adobe Clean"/>
+              </a:rPr>
+              <a:t>L</a:t>
+            </a:r>
+            <a:r>
+              <a:rPr sz="1400" b="1" spc="-10">
+                <a:solidFill>
+                  <a:srgbClr val="020302"/>
+                </a:solidFill>
+                <a:latin typeface="Adobe Clean"/>
+                <a:cs typeface="Adobe Clean"/>
+              </a:rPr>
+              <a:t>a</a:t>
+            </a:r>
+            <a:r>
+              <a:rPr sz="1400" b="1" spc="-15">
+                <a:solidFill>
+                  <a:srgbClr val="020302"/>
+                </a:solidFill>
+                <a:latin typeface="Adobe Clean"/>
+                <a:cs typeface="Adobe Clean"/>
+              </a:rPr>
+              <a:t>un</a:t>
+            </a:r>
+            <a:r>
+              <a:rPr sz="1400" b="1" spc="-20">
+                <a:solidFill>
+                  <a:srgbClr val="020302"/>
+                </a:solidFill>
+                <a:latin typeface="Adobe Clean"/>
+                <a:cs typeface="Adobe Clean"/>
+              </a:rPr>
+              <a:t>c</a:t>
+            </a:r>
+            <a:r>
+              <a:rPr sz="1400" b="1">
+                <a:solidFill>
+                  <a:srgbClr val="020302"/>
+                </a:solidFill>
+                <a:latin typeface="Adobe Clean"/>
+                <a:cs typeface="Adobe Clean"/>
+              </a:rPr>
+              <a:t>h</a:t>
+            </a:r>
+            <a:r>
+              <a:rPr sz="1400" b="1" spc="-30">
+                <a:solidFill>
+                  <a:srgbClr val="020302"/>
+                </a:solidFill>
+                <a:latin typeface="Adobe Clean"/>
+                <a:cs typeface="Adobe Clean"/>
+              </a:rPr>
+              <a:t> </a:t>
+            </a:r>
+            <a:r>
+              <a:rPr sz="1400" b="1" spc="-10">
+                <a:solidFill>
+                  <a:srgbClr val="020302"/>
+                </a:solidFill>
+                <a:latin typeface="Adobe Clean"/>
+                <a:cs typeface="Adobe Clean"/>
+              </a:rPr>
+              <a:t>Advisor</a:t>
+            </a:r>
+            <a:r>
+              <a:rPr sz="1400" b="1">
+                <a:solidFill>
+                  <a:srgbClr val="020302"/>
+                </a:solidFill>
+                <a:latin typeface="Adobe Clean"/>
+                <a:cs typeface="Adobe Clean"/>
+              </a:rPr>
+              <a:t>y</a:t>
+            </a:r>
+            <a:r>
+              <a:rPr sz="1400" b="1" spc="-60">
+                <a:solidFill>
+                  <a:srgbClr val="020302"/>
+                </a:solidFill>
+                <a:latin typeface="Adobe Clean"/>
+                <a:cs typeface="Adobe Clean"/>
+              </a:rPr>
+              <a:t> </a:t>
+            </a:r>
+            <a:endParaRPr sz="1400">
+              <a:latin typeface="Adobe Clean"/>
+              <a:cs typeface="Adobe Clean"/>
+            </a:endParaRPr>
           </a:p>
         </p:txBody>
       </p:sp>
@@ -10865,104 +13477,106 @@
               </a:spcBef>
             </a:pPr>
             <a:r>
-              <a:rPr lang="pt-BR" sz="1000" dirty="0">
+              <a:rPr lang="en-US" sz="1000">
                 <a:solidFill>
                   <a:srgbClr val="1F1F1F"/>
                 </a:solidFill>
                 <a:latin typeface="AdobeClean-Light"/>
                 <a:cs typeface="AdobeClean-Light"/>
               </a:rPr>
-              <a:t>Para clientes que implementam uma</a:t>
-            </a:r>
-            <a:r>
-              <a:rPr lang="pt-BR" sz="1000" b="1" dirty="0">
+              <a:t>For customers </a:t>
+            </a:r>
+            <a:r>
+              <a:rPr sz="1000">
                 <a:solidFill>
                   <a:srgbClr val="1F1F1F"/>
                 </a:solidFill>
-                <a:latin typeface="Adobe Clean"/>
-                <a:cs typeface="Adobe Clean"/>
-              </a:rPr>
-              <a:t> nova solução Adobe Experience Cloud, o </a:t>
-            </a:r>
-            <a:r>
-              <a:rPr lang="pt-BR" sz="1000" dirty="0" err="1">
+                <a:latin typeface="AdobeClean-Light"/>
+                <a:cs typeface="AdobeClean-Light"/>
+              </a:rPr>
+              <a:t>implementing a </a:t>
+            </a:r>
+            <a:r>
+              <a:rPr sz="1000" b="1">
+                <a:solidFill>
+                  <a:srgbClr val="1F1F1F"/>
+                </a:solidFill>
+                <a:latin typeface="Adobe Clean"/>
+                <a:cs typeface="Adobe Clean"/>
+              </a:rPr>
+              <a:t>new Adobe Experience Cloud solution</a:t>
+            </a:r>
+            <a:r>
+              <a:rPr lang="en-US" sz="1000" b="1">
+                <a:solidFill>
+                  <a:srgbClr val="1F1F1F"/>
+                </a:solidFill>
+                <a:latin typeface="Adobe Clean"/>
+                <a:cs typeface="Adobe Clean"/>
+              </a:rPr>
+              <a:t>, </a:t>
+            </a:r>
+            <a:r>
+              <a:rPr lang="en-US" sz="1000">
                 <a:latin typeface="Adobe Clean Light" charset="0"/>
                 <a:ea typeface="Adobe Clean Light" charset="0"/>
                 <a:cs typeface="Adobe Clean Light" charset="0"/>
               </a:rPr>
-              <a:t>Launch</a:t>
-            </a:r>
-            <a:r>
-              <a:rPr lang="pt-BR" sz="1000" dirty="0">
+              <a:t>Launch Advisory </a:t>
+            </a:r>
+            <a:r>
+              <a:rPr lang="en-US" sz="1000">
+                <a:solidFill>
+                  <a:srgbClr val="000000"/>
+                </a:solidFill>
+                <a:latin typeface="Adobe Clean SemiLight" panose="020B0403020404020204" pitchFamily="34" charset="0"/>
+              </a:rPr>
+              <a:t>is a </a:t>
+            </a:r>
+            <a:r>
+              <a:rPr lang="en-US" sz="1000" b="1">
+                <a:solidFill>
+                  <a:srgbClr val="000000"/>
+                </a:solidFill>
+                <a:latin typeface="Adobe Clean SemiLight" panose="020B0403020404020204" pitchFamily="34" charset="0"/>
+              </a:rPr>
+              <a:t>core set of advisory services </a:t>
+            </a:r>
+            <a:r>
+              <a:rPr lang="en-US" sz="1000">
                 <a:latin typeface="Adobe Clean Light" charset="0"/>
                 <a:ea typeface="Adobe Clean Light" charset="0"/>
                 <a:cs typeface="Adobe Clean Light" charset="0"/>
               </a:rPr>
-              <a:t> </a:t>
-            </a:r>
-            <a:r>
-              <a:rPr lang="pt-BR" sz="1000" dirty="0" err="1">
+              <a:t>and recommendations that </a:t>
+            </a:r>
+            <a:r>
+              <a:rPr lang="en-US" sz="1000">
                 <a:latin typeface="Adobe Clean Light" charset="0"/>
-                <a:ea typeface="Adobe Clean Light" charset="0"/>
-                <a:cs typeface="Adobe Clean Light" charset="0"/>
-              </a:rPr>
-              <a:t>Advisory</a:t>
-            </a:r>
-            <a:r>
-              <a:rPr lang="pt-BR" sz="1000" dirty="0">
-                <a:solidFill>
-                  <a:srgbClr val="000000"/>
-                </a:solidFill>
-                <a:latin typeface="Adobe Clean SemiLight" panose="020B0403020404020204" pitchFamily="34" charset="0"/>
-              </a:rPr>
-              <a:t> é um </a:t>
-            </a:r>
-            <a:r>
-              <a:rPr lang="pt-BR" sz="1000" b="1" dirty="0">
-                <a:solidFill>
-                  <a:srgbClr val="000000"/>
-                </a:solidFill>
-                <a:latin typeface="Adobe Clean SemiLight" panose="020B0403020404020204" pitchFamily="34" charset="0"/>
-              </a:rPr>
-              <a:t>conjunto essencial de serviços de consultoria</a:t>
-            </a:r>
-            <a:r>
-              <a:rPr lang="pt-BR" sz="1000" dirty="0">
+              </a:rPr>
+              <a:t>are proven to </a:t>
+            </a:r>
+            <a:r>
+              <a:rPr lang="en-US" sz="1000" b="1">
                 <a:latin typeface="Adobe Clean Light" charset="0"/>
-                <a:ea typeface="Adobe Clean Light" charset="0"/>
-                <a:cs typeface="Adobe Clean Light" charset="0"/>
-              </a:rPr>
-              <a:t> e recomendações de eficácia comprovada que </a:t>
-            </a:r>
-            <a:r>
-              <a:rPr lang="pt-BR" sz="1000" b="1" dirty="0">
+              </a:rPr>
+              <a:t>support successful deployments </a:t>
+            </a:r>
+            <a:r>
+              <a:rPr lang="en-US" sz="1000">
                 <a:latin typeface="Adobe Clean Light" charset="0"/>
-                <a:ea typeface="Adobe Clean Light" charset="0"/>
-                <a:cs typeface="Adobe Clean Light" charset="0"/>
-              </a:rPr>
-              <a:t>aceleram </a:t>
-            </a:r>
-            <a:r>
-              <a:rPr lang="pt-BR" sz="1000" dirty="0">
+              </a:rPr>
+              <a:t>and </a:t>
+            </a:r>
+            <a:r>
+              <a:rPr lang="en-US" sz="1000" b="1">
                 <a:latin typeface="Adobe Clean Light" charset="0"/>
-                <a:ea typeface="Adobe Clean Light" charset="0"/>
-                <a:cs typeface="Adobe Clean Light" charset="0"/>
-              </a:rPr>
-              <a:t>o </a:t>
-            </a:r>
-            <a:r>
-              <a:rPr lang="pt-BR" sz="1000" b="1" dirty="0">
+              </a:rPr>
+              <a:t>accelerate time-to-value</a:t>
+            </a:r>
+            <a:r>
+              <a:rPr lang="en-US" sz="1000">
                 <a:latin typeface="Adobe Clean Light" charset="0"/>
-                <a:ea typeface="Adobe Clean Light" charset="0"/>
-                <a:cs typeface="Adobe Clean Light" charset="0"/>
-              </a:rPr>
-              <a:t>tempo de implantação</a:t>
-            </a:r>
-            <a:r>
-              <a:rPr lang="pt-BR" sz="1000" dirty="0">
-                <a:latin typeface="Adobe Clean Light" charset="0"/>
-                <a:ea typeface="Adobe Clean Light" charset="0"/>
-                <a:cs typeface="Adobe Clean Light" charset="0"/>
               </a:rPr>
               <a:t>.</a:t>
             </a:r>
@@ -11023,104 +13637,75 @@
               </a:spcBef>
             </a:pPr>
             <a:r>
-              <a:rPr lang="pt-BR" sz="1000" dirty="0">
+              <a:rPr lang="en-US" sz="1000">
                 <a:solidFill>
                   <a:srgbClr val="4B4B4B"/>
                 </a:solidFill>
                 <a:latin typeface="Adobe Clean Light" panose="020B0303020404020204" pitchFamily="34" charset="0"/>
               </a:rPr>
-              <a:t>Os serviços de campo são usados para </a:t>
-            </a:r>
-            <a:r>
-              <a:rPr lang="pt-BR" sz="1000" b="1" dirty="0">
+              <a:t>Field Services are used for </a:t>
+            </a:r>
+            <a:r>
+              <a:rPr lang="en-US" sz="1000" b="1">
                 <a:solidFill>
                   <a:srgbClr val="4B4B4B"/>
                 </a:solidFill>
                 <a:latin typeface="Adobe Clean" panose="020B0503020404020204" pitchFamily="34" charset="0"/>
               </a:rPr>
-              <a:t>resolução rápida</a:t>
-            </a:r>
-            <a:r>
-              <a:rPr lang="pt-BR" sz="1000" dirty="0">
+              <a:t>quick resolution</a:t>
+            </a:r>
+            <a:r>
+              <a:rPr lang="en-US" sz="1000">
                 <a:solidFill>
                   <a:srgbClr val="4B4B4B"/>
                 </a:solidFill>
                 <a:latin typeface="Adobe Clean Light" panose="020B0303020404020204" pitchFamily="34" charset="0"/>
               </a:rPr>
-              <a:t>, sucesso focado do cliente e </a:t>
-            </a:r>
-            <a:r>
-              <a:rPr lang="pt-BR" sz="1000" b="1" dirty="0">
+              <a:t>, focused customer success and accelerated</a:t>
+            </a:r>
+            <a:r>
+              <a:rPr lang="en-US" sz="1000" b="1">
                 <a:solidFill>
                   <a:srgbClr val="4B4B4B"/>
                 </a:solidFill>
                 <a:latin typeface="Adobe Clean" panose="020B0503020404020204" pitchFamily="34" charset="0"/>
               </a:rPr>
-              <a:t>tempo de implantação</a:t>
-            </a:r>
-            <a:r>
-              <a:rPr lang="pt-BR" sz="1000" dirty="0">
+              <a:t> time-to-value</a:t>
+            </a:r>
+            <a:r>
+              <a:rPr lang="en-US" sz="1000">
                 <a:solidFill>
                   <a:srgbClr val="4B4B4B"/>
                 </a:solidFill>
                 <a:latin typeface="Adobe Clean Light" panose="020B0303020404020204" pitchFamily="34" charset="0"/>
               </a:rPr>
-              <a:t> acelerado. Se o </a:t>
-            </a:r>
-            <a:r>
-              <a:rPr lang="pt-BR" sz="1000" dirty="0" err="1">
+              <a:t>. If Launch advisory is active there will be </a:t>
+            </a:r>
+            <a:r>
+              <a:rPr lang="en-US" sz="1000" b="1">
                 <a:solidFill>
                   <a:srgbClr val="4B4B4B"/>
                 </a:solidFill>
+                <a:latin typeface="Adobe Clean" panose="020B0503020404020204" pitchFamily="34" charset="0"/>
+              </a:rPr>
+              <a:t>no Field Services in year 1 </a:t>
+            </a:r>
+            <a:r>
+              <a:rPr lang="en-US" sz="1000">
+                <a:solidFill>
+                  <a:srgbClr val="4B4B4B"/>
+                </a:solidFill>
                 <a:latin typeface="Adobe Clean Light" panose="020B0303020404020204" pitchFamily="34" charset="0"/>
               </a:rPr>
-              <a:t>Launch</a:t>
-            </a:r>
-            <a:r>
-              <a:rPr lang="pt-BR" sz="1000" dirty="0">
-                <a:solidFill>
-                  <a:srgbClr val="4B4B4B"/>
-                </a:solidFill>
-                <a:latin typeface="Adobe Clean Light" panose="020B0303020404020204" pitchFamily="34" charset="0"/>
-              </a:rPr>
-              <a:t> </a:t>
-            </a:r>
-            <a:r>
-              <a:rPr lang="pt-BR" sz="1000" dirty="0" err="1">
-                <a:solidFill>
-                  <a:srgbClr val="4B4B4B"/>
-                </a:solidFill>
-                <a:latin typeface="Adobe Clean Light" panose="020B0303020404020204" pitchFamily="34" charset="0"/>
-              </a:rPr>
-              <a:t>Advisory</a:t>
-            </a:r>
-            <a:r>
-              <a:rPr lang="pt-BR" sz="1000" dirty="0">
-                <a:solidFill>
-                  <a:srgbClr val="4B4B4B"/>
-                </a:solidFill>
-                <a:latin typeface="Adobe Clean Light" panose="020B0303020404020204" pitchFamily="34" charset="0"/>
-              </a:rPr>
-              <a:t> estiver ativo, </a:t>
-            </a:r>
-            <a:r>
-              <a:rPr lang="pt-BR" sz="1000" b="1" dirty="0">
-                <a:solidFill>
-                  <a:srgbClr val="4B4B4B"/>
-                </a:solidFill>
-                <a:latin typeface="Adobe Clean" panose="020B0503020404020204" pitchFamily="34" charset="0"/>
-              </a:rPr>
-              <a:t>não haverá Serviços de campo no ano 1</a:t>
-            </a:r>
-            <a:r>
-              <a:rPr lang="pt-BR" sz="1000" dirty="0">
-                <a:solidFill>
-                  <a:srgbClr val="4B4B4B"/>
-                </a:solidFill>
-                <a:latin typeface="Adobe Clean Light" panose="020B0303020404020204" pitchFamily="34" charset="0"/>
-              </a:rPr>
-              <a:t> para nenhuma solução coberta por um contrato de suporte da Adobe. </a:t>
-            </a:r>
+              <a:t>for any solution product covered by an Adobe Support contract. </a:t>
+            </a:r>
+            <a:endParaRPr lang="en-US" sz="1000">
+              <a:solidFill>
+                <a:srgbClr val="1F1F1F"/>
+              </a:solidFill>
+              <a:latin typeface="Adobe Clean Light" panose="020B0303020404020204" pitchFamily="34" charset="0"/>
+              <a:cs typeface="Adobe Clean"/>
+            </a:endParaRPr>
           </a:p>
           <a:p>
             <a:pPr marL="24130" marR="5080">
@@ -11128,7 +13713,7 @@
                 <a:spcPts val="600"/>
               </a:spcBef>
             </a:pPr>
-            <a:endParaRPr lang="en-US" sz="1000" b="1" dirty="0">
+            <a:endParaRPr lang="en-US" sz="1000" b="1">
               <a:solidFill>
                 <a:srgbClr val="1F1F1F"/>
               </a:solidFill>
@@ -11296,8 +13881,8 @@
         </p:nvSpPr>
         <p:spPr>
           <a:xfrm>
-            <a:off x="165836" y="3837305"/>
-            <a:ext cx="3679310" cy="2644314"/>
+            <a:off x="172087" y="3867961"/>
+            <a:ext cx="3525469" cy="2336537"/>
           </a:xfrm>
           <a:prstGeom prst="rect">
             <a:avLst/>
@@ -11315,48 +13900,37 @@
               </a:spcBef>
             </a:pPr>
             <a:r>
-              <a:rPr lang="pt-BR" sz="1000" dirty="0">
+              <a:rPr lang="en-US" sz="1000">
                 <a:latin typeface="Adobe Clean Light" charset="0"/>
               </a:rPr>
-              <a:t>Os especialistas em soluções da Adobe ajudam a validar os </a:t>
-            </a:r>
-            <a:br>
-              <a:rPr lang="pt-BR" sz="1000" dirty="0">
-                <a:latin typeface="Adobe Clean Light" charset="0"/>
-              </a:rPr>
-            </a:br>
-            <a:r>
-              <a:rPr lang="pt-BR" sz="1000" dirty="0">
-                <a:latin typeface="Adobe Clean Light" charset="0"/>
-              </a:rPr>
-              <a:t>requisitos, a arquitetura, o processo de desenvolvimento e iniciam revisões de prontidão </a:t>
-            </a:r>
-            <a:r>
-              <a:rPr lang="pt-BR" sz="1000" dirty="0">
+              <a:t>Adobe solution experts help validate requirements, architecture, development process, and launch readiness reviews </a:t>
+            </a:r>
+            <a:r>
+              <a:rPr lang="en-US" sz="1000">
                 <a:solidFill>
                   <a:srgbClr val="000000"/>
                 </a:solidFill>
                 <a:latin typeface="Adobe Clean SemiLight" panose="020B0403020404020204" pitchFamily="34" charset="0"/>
               </a:rPr>
-              <a:t>com </a:t>
-            </a:r>
-            <a:r>
-              <a:rPr lang="pt-BR" sz="1000" b="1" dirty="0">
+              <a:t>with </a:t>
+            </a:r>
+            <a:r>
+              <a:rPr lang="en-US" sz="1000" b="1">
                 <a:solidFill>
                   <a:srgbClr val="000000"/>
                 </a:solidFill>
                 <a:latin typeface="Adobe Clean SemiLight" panose="020B0403020404020204" pitchFamily="34" charset="0"/>
               </a:rPr>
-              <a:t>orientação baseada em práticas recomendadas</a:t>
-            </a:r>
-            <a:r>
-              <a:rPr lang="pt-BR" sz="1000" dirty="0">
+              <a:t>best practice-based guidance </a:t>
+            </a:r>
+            <a:r>
+              <a:rPr lang="en-US" sz="1000">
                 <a:solidFill>
                   <a:srgbClr val="000000"/>
                 </a:solidFill>
                 <a:latin typeface="Adobe Clean SemiLight" panose="020B0403020404020204" pitchFamily="34" charset="0"/>
               </a:rPr>
-              <a:t> para clientes e parceiros de implementação.</a:t>
+              <a:t>to customers and implementation partners.</a:t>
             </a:r>
           </a:p>
           <a:p>
@@ -11365,7 +13939,7 @@
                 <a:spcPts val="100"/>
               </a:spcBef>
             </a:pPr>
-            <a:endParaRPr lang="en-US" sz="1000" dirty="0">
+            <a:endParaRPr lang="en-US" sz="1000">
               <a:solidFill>
                 <a:srgbClr val="1F1F1F"/>
               </a:solidFill>
@@ -11380,68 +13954,22 @@
               </a:spcBef>
             </a:pPr>
             <a:r>
-              <a:rPr lang="pt-BR" sz="1000" dirty="0">
+              <a:rPr lang="en-US" sz="1000">
                 <a:latin typeface="Adobe Clean Light" charset="0"/>
               </a:rPr>
-              <a:t>O </a:t>
-            </a:r>
-            <a:r>
-              <a:rPr lang="pt-BR" sz="1000" dirty="0" err="1">
+              <a:t>Launch Advisory will align with your project schedule through common milestones (</a:t>
+            </a:r>
+            <a:r>
+              <a:rPr lang="en-US" sz="1000" b="1">
                 <a:latin typeface="Adobe Clean Light" charset="0"/>
               </a:rPr>
-              <a:t>Launch</a:t>
-            </a:r>
-            <a:r>
-              <a:rPr lang="pt-BR" sz="1000" dirty="0">
+              <a:t>Kickoff, Define, Design, Go-live and Post Launch</a:t>
+            </a:r>
+            <a:r>
+              <a:rPr lang="en-US" sz="1000">
                 <a:latin typeface="Adobe Clean Light" charset="0"/>
               </a:rPr>
-              <a:t> </a:t>
-            </a:r>
-            <a:r>
-              <a:rPr lang="pt-BR" sz="1000" dirty="0" err="1">
-                <a:latin typeface="Adobe Clean Light" charset="0"/>
-              </a:rPr>
-              <a:t>Advisory</a:t>
-            </a:r>
-            <a:r>
-              <a:rPr lang="pt-BR" sz="1000" dirty="0">
-                <a:latin typeface="Adobe Clean Light" charset="0"/>
-              </a:rPr>
-              <a:t> se alinhará com o agendamento do seu </a:t>
-            </a:r>
-            <a:br>
-              <a:rPr lang="pt-BR" sz="1000" dirty="0">
-                <a:latin typeface="Adobe Clean Light" charset="0"/>
-              </a:rPr>
-            </a:br>
-            <a:r>
-              <a:rPr lang="pt-BR" sz="1000" dirty="0">
-                <a:latin typeface="Adobe Clean Light" charset="0"/>
-              </a:rPr>
-              <a:t>projeto por meio de marcos comuns (</a:t>
-            </a:r>
-            <a:r>
-              <a:rPr lang="pt-BR" sz="1000" b="1" dirty="0">
-                <a:latin typeface="Adobe Clean Light" charset="0"/>
-              </a:rPr>
-              <a:t>Início, Definição, Projeto, Lançamento e Pós-lançamento</a:t>
-            </a:r>
-            <a:r>
-              <a:rPr lang="pt-BR" sz="1000" dirty="0">
-                <a:latin typeface="Adobe Clean Light" charset="0"/>
-              </a:rPr>
-              <a:t>) para guiar, validar, avaliar </a:t>
-            </a:r>
-            <a:br>
-              <a:rPr lang="pt-BR" sz="1000" dirty="0">
-                <a:latin typeface="Adobe Clean Light" charset="0"/>
-              </a:rPr>
-            </a:br>
-            <a:r>
-              <a:rPr lang="pt-BR" sz="1000" dirty="0">
-                <a:latin typeface="Adobe Clean Light" charset="0"/>
-              </a:rPr>
-              <a:t>e fazer recomendações.</a:t>
+              <a:t>) to guide, validate, assess and make recommendations.</a:t>
             </a:r>
           </a:p>
           <a:p>
@@ -11450,7 +13978,7 @@
                 <a:spcPts val="100"/>
               </a:spcBef>
             </a:pPr>
-            <a:endParaRPr lang="en-US" sz="1000" dirty="0">
+            <a:endParaRPr lang="en-US" sz="1000">
               <a:latin typeface="Adobe Clean Light" charset="0"/>
             </a:endParaRPr>
           </a:p>
@@ -11461,10 +13989,10 @@
               </a:spcBef>
             </a:pPr>
             <a:r>
-              <a:rPr lang="pt-BR" sz="1000" dirty="0">
+              <a:rPr lang="en-US" sz="1000">
                 <a:latin typeface="Adobe Clean Light" charset="0"/>
               </a:rPr>
-              <a:t>Os principais serviços incluem:</a:t>
+              <a:t>Key Deliverables include:</a:t>
             </a:r>
           </a:p>
           <a:p>
@@ -11476,15 +14004,8 @@
               <a:buChar char="•"/>
             </a:pPr>
             <a:r>
-              <a:rPr lang="pt-BR" sz="1000" dirty="0"/>
-              <a:t>Plataforma de início (incluindo plano de colaboração </a:t>
-            </a:r>
-            <a:br>
-              <a:rPr lang="pt-BR" sz="1000" dirty="0"/>
-            </a:br>
-            <a:r>
-              <a:rPr lang="pt-BR" sz="1000" dirty="0"/>
-              <a:t>do projeto)</a:t>
+              <a:rPr lang="en-US" sz="1000"/>
+              <a:t>Kickoff (including project collaboration plan) deck</a:t>
             </a:r>
           </a:p>
           <a:p>
@@ -11496,8 +14017,8 @@
               <a:buChar char="•"/>
             </a:pPr>
             <a:r>
-              <a:rPr lang="pt-BR" sz="1000" dirty="0"/>
-              <a:t>Documentos de avaliação e recomendações</a:t>
+              <a:rPr lang="en-US" sz="1000"/>
+              <a:t>Assessment &amp; recommendations document(s)</a:t>
             </a:r>
           </a:p>
           <a:p>
@@ -11509,8 +14030,8 @@
               <a:buChar char="•"/>
             </a:pPr>
             <a:r>
-              <a:rPr lang="pt-BR" sz="1000" dirty="0"/>
-              <a:t>Resumo de engajamento</a:t>
+              <a:rPr lang="en-US" sz="1000"/>
+              <a:t>Engagement summary</a:t>
             </a:r>
           </a:p>
         </p:txBody>
@@ -11614,8 +14135,8 @@
           <a:p>
             <a:pPr algn="ctr"/>
             <a:r>
-              <a:rPr lang="pt-BR" sz="1600"/>
-              <a:t>Execução e operação</a:t>
+              <a:rPr lang="en-US" sz="1600"/>
+              <a:t>Run &amp; Operate</a:t>
             </a:r>
           </a:p>
         </p:txBody>
@@ -11720,8 +14241,8 @@
           <a:p>
             <a:pPr algn="ctr"/>
             <a:r>
-              <a:rPr lang="pt-BR" sz="1600"/>
-              <a:t>Implementação</a:t>
+              <a:rPr lang="en-US" sz="1600"/>
+              <a:t>Implementation</a:t>
             </a:r>
           </a:p>
         </p:txBody>
@@ -11740,8 +14261,8 @@
         </p:nvSpPr>
         <p:spPr>
           <a:xfrm>
-            <a:off x="2887592" y="2186924"/>
-            <a:ext cx="933111" cy="400110"/>
+            <a:off x="2918286" y="2317134"/>
+            <a:ext cx="933111" cy="261610"/>
           </a:xfrm>
           <a:prstGeom prst="rect">
             <a:avLst/>
@@ -11756,8 +14277,8 @@
           <a:p>
             <a:pPr algn="ctr"/>
             <a:r>
-              <a:rPr lang="pt-BR" sz="1000" dirty="0"/>
-              <a:t>Pós-lançamento</a:t>
+              <a:rPr lang="en-US" sz="1100"/>
+              <a:t>Post Launch</a:t>
             </a:r>
           </a:p>
         </p:txBody>
@@ -11777,20 +14298,15 @@
           <p:nvPr/>
         </p:nvPicPr>
         <p:blipFill>
-          <a:blip r:embed="rId4" cstate="print">
-            <a:extLst>
-              <a:ext uri="{28A0092B-C50C-407E-A947-70E740481C1C}">
-                <a14:useLocalDpi xmlns:a14="http://schemas.microsoft.com/office/drawing/2010/main" val="0"/>
-              </a:ext>
-            </a:extLst>
-          </a:blip>
-          <a:srcRect/>
-          <a:stretch/>
+          <a:blip r:embed="rId4"/>
+          <a:stretch>
+            <a:fillRect/>
+          </a:stretch>
         </p:blipFill>
         <p:spPr>
           <a:xfrm>
-            <a:off x="336106" y="6529106"/>
-            <a:ext cx="3093589" cy="2855621"/>
+            <a:off x="333965" y="6379881"/>
+            <a:ext cx="3097872" cy="2855621"/>
           </a:xfrm>
           <a:prstGeom prst="rect">
             <a:avLst/>
@@ -11866,7 +14382,7 @@
         <p:spPr>
           <a:xfrm>
             <a:off x="3855907" y="4694431"/>
-            <a:ext cx="3713038" cy="2464777"/>
+            <a:ext cx="3525469" cy="2464777"/>
           </a:xfrm>
           <a:prstGeom prst="rect">
             <a:avLst/>
@@ -11884,40 +14400,29 @@
               </a:spcBef>
             </a:pPr>
             <a:r>
-              <a:rPr lang="pt-BR" sz="1000" b="1" dirty="0">
+              <a:rPr lang="en-US" sz="1000" b="1" dirty="0">
                 <a:solidFill>
                   <a:srgbClr val="000000"/>
                 </a:solidFill>
                 <a:latin typeface="+mj-lt"/>
               </a:rPr>
-              <a:t>As Atividades técnicas</a:t>
-            </a:r>
-            <a:r>
-              <a:rPr lang="pt-BR" sz="1000" dirty="0">
+              <a:t>Technical Track Activities </a:t>
+            </a:r>
+            <a:r>
+              <a:rPr lang="en-US" sz="1000" dirty="0">
                 <a:solidFill>
                   <a:srgbClr val="000000"/>
                 </a:solidFill>
                 <a:latin typeface="Adobe Clean Light"/>
               </a:rPr>
-              <a:t> verificam se os clientes estão apresentando solidez técnica e aproveitando ao máximo sua adoção de ferramentas. Especificamente, essas atividades incluem suporte e recomendações relacionados a configurações da plataforma, integrações e solução </a:t>
-            </a:r>
-            <a:br>
-              <a:rPr lang="pt-BR" sz="1000" dirty="0">
-                <a:solidFill>
-                  <a:srgbClr val="000000"/>
-                </a:solidFill>
-                <a:latin typeface="Adobe Clean Light"/>
-              </a:rPr>
-            </a:br>
-            <a:r>
-              <a:rPr lang="pt-BR" sz="1000" dirty="0">
-                <a:solidFill>
-                  <a:srgbClr val="000000"/>
-                </a:solidFill>
-                <a:latin typeface="Adobe Clean Light"/>
-              </a:rPr>
-              <a:t>de problemas.</a:t>
-            </a:r>
+              <a:t>ensure customers are technically sound and maximizing their tool adoption. Specifically, these types of activities include support and recommendations related to platform configurations, integrations and troubleshooting.</a:t>
+            </a:r>
+            <a:endParaRPr lang="en-US" sz="1000" dirty="0">
+              <a:solidFill>
+                <a:srgbClr val="000000"/>
+              </a:solidFill>
+              <a:latin typeface="Adobe Clean Light" panose="020B0303020404020204" pitchFamily="34" charset="0"/>
+            </a:endParaRPr>
           </a:p>
           <a:p>
             <a:pPr marL="12700" marR="5080">
@@ -11925,7 +14430,7 @@
                 <a:spcPts val="100"/>
               </a:spcBef>
             </a:pPr>
-            <a:endParaRPr lang="en-US" sz="1000" dirty="0">
+            <a:endParaRPr lang="en-US" sz="1000">
               <a:latin typeface="Adobe Clean Light" charset="0"/>
             </a:endParaRPr>
           </a:p>
@@ -11936,10 +14441,10 @@
               </a:spcBef>
             </a:pPr>
             <a:r>
-              <a:rPr lang="pt-BR" sz="1000" dirty="0">
+              <a:rPr lang="en-US" sz="1000" dirty="0">
                 <a:latin typeface="Adobe Clean Light"/>
               </a:rPr>
-              <a:t>Tipos de atividades técnicas disponíveis::</a:t>
+              <a:t>Types of technical activities available::</a:t>
             </a:r>
           </a:p>
           <a:p>
@@ -11954,9 +14459,12 @@
               <a:buChar char="ü"/>
             </a:pPr>
             <a:r>
-              <a:rPr lang="pt-BR" sz="1000" dirty="0"/>
-              <a:t>Auditoria de integridade</a:t>
-            </a:r>
+              <a:rPr lang="en-US" sz="1000" dirty="0"/>
+              <a:t>Health audit</a:t>
+            </a:r>
+            <a:endParaRPr lang="en-US" sz="1000" dirty="0">
+              <a:cs typeface="Calibri"/>
+            </a:endParaRPr>
           </a:p>
           <a:p>
             <a:pPr marL="184150" marR="5080" indent="-171450">
@@ -11970,9 +14478,12 @@
               <a:buChar char="ü"/>
             </a:pPr>
             <a:r>
-              <a:rPr lang="pt-BR" sz="1000" dirty="0"/>
-              <a:t>Auditoria da plataforma</a:t>
-            </a:r>
+              <a:rPr lang="en-US" sz="1000" dirty="0"/>
+              <a:t>Platform audit</a:t>
+            </a:r>
+            <a:endParaRPr lang="en-US" sz="1000" dirty="0">
+              <a:cs typeface="Calibri"/>
+            </a:endParaRPr>
           </a:p>
           <a:p>
             <a:pPr marL="184150" marR="5080" indent="-171450">
@@ -11986,9 +14497,12 @@
               <a:buChar char="ü"/>
             </a:pPr>
             <a:r>
-              <a:rPr lang="pt-BR" sz="1000" dirty="0"/>
-              <a:t>Ativação do conjunto de recursos</a:t>
-            </a:r>
+              <a:rPr lang="en-US" sz="1000" dirty="0"/>
+              <a:t>Feature set enablement</a:t>
+            </a:r>
+            <a:endParaRPr lang="en-US" sz="1000" dirty="0">
+              <a:cs typeface="Calibri"/>
+            </a:endParaRPr>
           </a:p>
           <a:p>
             <a:pPr marL="184150" marR="5080" indent="-171450">
@@ -12002,9 +14516,12 @@
               <a:buChar char="ü"/>
             </a:pPr>
             <a:r>
-              <a:rPr lang="pt-BR" sz="1000" dirty="0"/>
-              <a:t>Integrações e configurações básicas</a:t>
-            </a:r>
+              <a:rPr lang="en-US" sz="1000" dirty="0"/>
+              <a:t>Basic integrations and configurations</a:t>
+            </a:r>
+            <a:endParaRPr lang="en-US" sz="1000" dirty="0">
+              <a:cs typeface="Calibri"/>
+            </a:endParaRPr>
           </a:p>
           <a:p>
             <a:pPr marL="184150" marR="5080" indent="-171450">
@@ -12018,9 +14535,12 @@
               <a:buChar char="ü"/>
             </a:pPr>
             <a:r>
-              <a:rPr lang="pt-BR" sz="1000" dirty="0"/>
-              <a:t>Solução de problemas do cliente</a:t>
-            </a:r>
+              <a:rPr lang="en-US" sz="1000" dirty="0"/>
+              <a:t>Customer solution troubleshooting</a:t>
+            </a:r>
+            <a:endParaRPr lang="en-US" sz="1000" dirty="0">
+              <a:cs typeface="Calibri"/>
+            </a:endParaRPr>
           </a:p>
           <a:p>
             <a:pPr marL="184150" marR="5080" indent="-171450">
@@ -12034,9 +14554,12 @@
               <a:buChar char="ü"/>
             </a:pPr>
             <a:r>
-              <a:rPr lang="pt-BR" sz="1000" dirty="0"/>
-              <a:t>Suporte ao serviço na nuvem</a:t>
-            </a:r>
+              <a:rPr lang="en-US" sz="1000" dirty="0"/>
+              <a:t>Cloud service support</a:t>
+            </a:r>
+            <a:endParaRPr lang="en-US" sz="1000" dirty="0">
+              <a:cs typeface="Calibri"/>
+            </a:endParaRPr>
           </a:p>
         </p:txBody>
       </p:sp>
@@ -12073,56 +14596,22 @@
               </a:spcBef>
             </a:pPr>
             <a:r>
-              <a:rPr lang="pt-BR" sz="1000" b="1" dirty="0">
+              <a:rPr lang="en-US" sz="1000" b="1" dirty="0">
                 <a:solidFill>
                   <a:srgbClr val="000000"/>
                 </a:solidFill>
                 <a:latin typeface="+mj-lt"/>
               </a:rPr>
-              <a:t>As Atividades estratégicas</a:t>
-            </a:r>
-            <a:r>
-              <a:rPr lang="pt-BR" sz="1000" dirty="0">
+              <a:t>Strategic Track Activities </a:t>
+            </a:r>
+            <a:r>
+              <a:rPr lang="en-US" sz="1000" dirty="0">
                 <a:solidFill>
                   <a:srgbClr val="000000"/>
                 </a:solidFill>
                 <a:latin typeface="Adobe Clean Light"/>
               </a:rPr>
-              <a:t> localizam oportunidades para garantir a obtenção de valor com as soluções da Adobe. Elas incluem recomendações de suporte relacionadas a estratégia, medição </a:t>
-            </a:r>
-            <a:br>
-              <a:rPr lang="pt-BR" sz="1000" dirty="0">
-                <a:solidFill>
-                  <a:srgbClr val="000000"/>
-                </a:solidFill>
-                <a:latin typeface="Adobe Clean Light"/>
-              </a:rPr>
-            </a:br>
-            <a:r>
-              <a:rPr lang="pt-BR" sz="1000" dirty="0">
-                <a:solidFill>
-                  <a:srgbClr val="000000"/>
-                </a:solidFill>
-                <a:latin typeface="Adobe Clean Light"/>
-              </a:rPr>
-              <a:t>e maturidade para impulsionar a obtenção de valor com uma </a:t>
-            </a:r>
-            <a:br>
-              <a:rPr lang="pt-BR" sz="1000" dirty="0">
-                <a:solidFill>
-                  <a:srgbClr val="000000"/>
-                </a:solidFill>
-                <a:latin typeface="Adobe Clean Light"/>
-              </a:rPr>
-            </a:br>
-            <a:r>
-              <a:rPr lang="pt-BR" sz="1000" dirty="0">
-                <a:solidFill>
-                  <a:srgbClr val="000000"/>
-                </a:solidFill>
-                <a:latin typeface="Adobe Clean Light"/>
-              </a:rPr>
-              <a:t>ou mais soluções da Adobe.</a:t>
+              <a:t>locate opportunities to ensure value is being realized from a customer’s Adobe solutions. They include support recommendations related to strategy, measurement and maturity to drive value realization across one or more Adobe solutions.</a:t>
             </a:r>
           </a:p>
           <a:p>
@@ -12131,7 +14620,7 @@
                 <a:spcPts val="100"/>
               </a:spcBef>
             </a:pPr>
-            <a:endParaRPr lang="en-US" sz="1000" dirty="0">
+            <a:endParaRPr lang="en-US" sz="1000">
               <a:latin typeface="Adobe Clean Light" charset="0"/>
             </a:endParaRPr>
           </a:p>
@@ -12142,11 +14631,14 @@
               </a:spcBef>
             </a:pPr>
             <a:r>
-              <a:rPr lang="pt-BR" sz="1000" dirty="0">
+              <a:rPr lang="en-US" sz="1000" dirty="0">
                 <a:latin typeface="Adobe Clean Light"/>
               </a:rPr>
-              <a:t>Tipos de atividades estratégicas disponíveis:</a:t>
-            </a:r>
+              <a:t>Types of strategic activities available:</a:t>
+            </a:r>
+            <a:endParaRPr lang="en-US" sz="1000" dirty="0">
+              <a:latin typeface="Adobe Clean Light" charset="0"/>
+            </a:endParaRPr>
           </a:p>
           <a:p>
             <a:pPr marL="241300" marR="5080" indent="-228600">
@@ -12160,9 +14652,12 @@
               <a:buChar char="ü"/>
             </a:pPr>
             <a:r>
-              <a:rPr lang="pt-BR" sz="1000" dirty="0"/>
-              <a:t>Roteiro de maturidade</a:t>
-            </a:r>
+              <a:rPr lang="en-US" sz="1000" dirty="0"/>
+              <a:t>Maturity Roadmap</a:t>
+            </a:r>
+            <a:endParaRPr lang="en-US" sz="1000" dirty="0">
+              <a:cs typeface="Calibri"/>
+            </a:endParaRPr>
           </a:p>
           <a:p>
             <a:pPr marL="241300" marR="5080" indent="-228600">
@@ -12176,9 +14671,12 @@
               <a:buChar char="ü"/>
             </a:pPr>
             <a:r>
-              <a:rPr lang="pt-BR" sz="1000" dirty="0"/>
-              <a:t>Desenvolvimento/medição de caso de uso</a:t>
-            </a:r>
+              <a:rPr lang="en-US" sz="1000" dirty="0"/>
+              <a:t>Use case development/measurement</a:t>
+            </a:r>
+            <a:endParaRPr lang="en-US" sz="1000" dirty="0">
+              <a:cs typeface="Calibri"/>
+            </a:endParaRPr>
           </a:p>
           <a:p>
             <a:pPr marL="241300" marR="5080" indent="-228600">
@@ -12192,9 +14690,12 @@
               <a:buChar char="ü"/>
             </a:pPr>
             <a:r>
-              <a:rPr lang="pt-BR" sz="1000" dirty="0"/>
-              <a:t>Relatórios e análise</a:t>
-            </a:r>
+              <a:rPr lang="en-US" sz="1000" dirty="0"/>
+              <a:t>Reporting &amp; analysis</a:t>
+            </a:r>
+            <a:endParaRPr lang="en-US" sz="1000" dirty="0">
+              <a:cs typeface="Calibri"/>
+            </a:endParaRPr>
           </a:p>
           <a:p>
             <a:pPr marL="241300" marR="5080" indent="-228600">
@@ -12208,9 +14709,12 @@
               <a:buChar char="ü"/>
             </a:pPr>
             <a:r>
-              <a:rPr lang="pt-BR" sz="1000" dirty="0"/>
-              <a:t>Ativação de práticas recomendadas</a:t>
-            </a:r>
+              <a:rPr lang="en-US" sz="1000" dirty="0"/>
+              <a:t>Best practices enablement</a:t>
+            </a:r>
+            <a:endParaRPr lang="en-US" sz="1000" dirty="0">
+              <a:cs typeface="Calibri"/>
+            </a:endParaRPr>
           </a:p>
         </p:txBody>
       </p:sp>
@@ -12248,77 +14752,73 @@
               </a:spcBef>
             </a:pPr>
             <a:r>
-              <a:rPr lang="pt-BR" sz="1000" dirty="0">
+              <a:rPr lang="en-US" sz="1000">
                 <a:solidFill>
                   <a:srgbClr val="1F1F1F"/>
                 </a:solidFill>
                 <a:latin typeface="Adobe Clean" panose="020B0503020404020204" pitchFamily="34" charset="0"/>
                 <a:cs typeface="AdobeClean-Light"/>
               </a:rPr>
-              <a:t>Como cliente Enterprise, você tem direito a </a:t>
-            </a:r>
-            <a:r>
-              <a:rPr lang="pt-BR" sz="1200" b="1" u="sng" dirty="0">
+              <a:t>As an Enterprise customer, you are eligible for</a:t>
+            </a:r>
+            <a:r>
+              <a:rPr lang="en-US" sz="1200" b="1" u="sng">
+                <a:solidFill>
+                  <a:srgbClr val="1F1F1F"/>
+                </a:solidFill>
+                <a:cs typeface="AdobeClean-Light"/>
+              </a:rPr>
+              <a:t> 2 </a:t>
+            </a:r>
+            <a:r>
+              <a:rPr lang="en-US" sz="1000" b="1" u="sng">
+                <a:solidFill>
+                  <a:srgbClr val="1F1F1F"/>
+                </a:solidFill>
+                <a:cs typeface="AdobeClean-Light"/>
+              </a:rPr>
+              <a:t>activities per year </a:t>
+            </a:r>
+            <a:r>
+              <a:rPr lang="en-US" sz="1000">
                 <a:solidFill>
                   <a:srgbClr val="1F1F1F"/>
                 </a:solidFill>
                 <a:latin typeface="Adobe Clean" panose="020B0503020404020204" pitchFamily="34" charset="0"/>
                 <a:cs typeface="AdobeClean-Light"/>
               </a:rPr>
-              <a:t>2</a:t>
-            </a:r>
-            <a:r>
-              <a:rPr lang="pt-BR" sz="1000" b="1" u="sng" dirty="0">
+              <a:t>from the following two tracks:</a:t>
+            </a:r>
+            <a:r>
+              <a:rPr lang="en-US" sz="1000" b="1">
+                <a:solidFill>
+                  <a:srgbClr val="1F1F1F"/>
+                </a:solidFill>
+                <a:cs typeface="AdobeClean-Light"/>
+              </a:rPr>
+              <a:t> Technical </a:t>
+            </a:r>
+            <a:r>
+              <a:rPr lang="en-US" sz="1000">
                 <a:solidFill>
                   <a:srgbClr val="1F1F1F"/>
                 </a:solidFill>
                 <a:latin typeface="Adobe Clean" panose="020B0503020404020204" pitchFamily="34" charset="0"/>
                 <a:cs typeface="AdobeClean-Light"/>
               </a:rPr>
-              <a:t> atividades por ano</a:t>
-            </a:r>
-            <a:r>
-              <a:rPr lang="pt-BR" sz="1000" dirty="0">
+              <a:t>and/or </a:t>
+            </a:r>
+            <a:r>
+              <a:rPr lang="en-US" sz="1000" b="1">
                 <a:solidFill>
                   <a:srgbClr val="1F1F1F"/>
                 </a:solidFill>
-                <a:latin typeface="Adobe Clean" panose="020B0503020404020204" pitchFamily="34" charset="0"/>
                 <a:cs typeface="AdobeClean-Light"/>
               </a:rPr>
-              <a:t> entre as opções a seguir:</a:t>
-            </a:r>
-            <a:r>
-              <a:rPr lang="pt-BR" sz="1000" b="1" dirty="0">
-                <a:solidFill>
-                  <a:srgbClr val="1F1F1F"/>
-                </a:solidFill>
-                <a:latin typeface="Adobe Clean" panose="020B0503020404020204" pitchFamily="34" charset="0"/>
-                <a:cs typeface="AdobeClean-Light"/>
-              </a:rPr>
-              <a:t> Atividades técnicas </a:t>
-            </a:r>
-            <a:r>
-              <a:rPr lang="pt-BR" sz="1000" dirty="0">
-                <a:solidFill>
-                  <a:srgbClr val="1F1F1F"/>
-                </a:solidFill>
-                <a:latin typeface="Adobe Clean" panose="020B0503020404020204" pitchFamily="34" charset="0"/>
-                <a:cs typeface="AdobeClean-Light"/>
-              </a:rPr>
-              <a:t>e/ou </a:t>
-            </a:r>
-            <a:r>
-              <a:rPr lang="pt-BR" sz="1000" b="1" dirty="0">
-                <a:solidFill>
-                  <a:srgbClr val="1F1F1F"/>
-                </a:solidFill>
-                <a:latin typeface="Adobe Clean" panose="020B0503020404020204" pitchFamily="34" charset="0"/>
-                <a:cs typeface="AdobeClean-Light"/>
-              </a:rPr>
-              <a:t>Atividades estratégicas</a:t>
-            </a:r>
-            <a:r>
-              <a:rPr lang="pt-BR" sz="1000" dirty="0">
+              <a:t>Strategic</a:t>
+            </a:r>
+            <a:r>
+              <a:rPr lang="en-US" sz="1000">
                 <a:solidFill>
                   <a:srgbClr val="1F1F1F"/>
                 </a:solidFill>
@@ -12327,6 +14827,12 @@
               </a:rPr>
               <a:t>.</a:t>
             </a:r>
+            <a:endParaRPr lang="en-US" sz="1000" b="1">
+              <a:solidFill>
+                <a:prstClr val="black"/>
+              </a:solidFill>
+              <a:cs typeface="AdobeClean-Light"/>
+            </a:endParaRPr>
           </a:p>
         </p:txBody>
       </p:sp>
@@ -12344,8 +14850,8 @@
         </p:nvSpPr>
         <p:spPr>
           <a:xfrm>
-            <a:off x="2174875" y="2317134"/>
-            <a:ext cx="935824" cy="246221"/>
+            <a:off x="2236134" y="2317134"/>
+            <a:ext cx="826006" cy="261610"/>
           </a:xfrm>
           <a:prstGeom prst="rect">
             <a:avLst/>
@@ -12360,8 +14866,8 @@
           <a:p>
             <a:pPr algn="ctr"/>
             <a:r>
-              <a:rPr lang="pt-BR" sz="1000" dirty="0"/>
-              <a:t>Lançamento</a:t>
+              <a:rPr lang="en-US" sz="1100"/>
+              <a:t>Go-Live</a:t>
             </a:r>
           </a:p>
         </p:txBody>
@@ -12381,7 +14887,7 @@
         <p:spPr>
           <a:xfrm>
             <a:off x="878679" y="2320287"/>
-            <a:ext cx="826006" cy="246221"/>
+            <a:ext cx="826006" cy="261610"/>
           </a:xfrm>
           <a:prstGeom prst="rect">
             <a:avLst/>
@@ -12396,8 +14902,8 @@
           <a:p>
             <a:pPr algn="ctr"/>
             <a:r>
-              <a:rPr lang="pt-BR" sz="1000"/>
-              <a:t>Definição</a:t>
+              <a:rPr lang="en-US" sz="1100"/>
+              <a:t>Define</a:t>
             </a:r>
           </a:p>
         </p:txBody>
@@ -12417,7 +14923,7 @@
         <p:spPr>
           <a:xfrm>
             <a:off x="205422" y="2330087"/>
-            <a:ext cx="826006" cy="246221"/>
+            <a:ext cx="826006" cy="261610"/>
           </a:xfrm>
           <a:prstGeom prst="rect">
             <a:avLst/>
@@ -12432,8 +14938,8 @@
           <a:p>
             <a:pPr algn="ctr"/>
             <a:r>
-              <a:rPr lang="pt-BR" sz="1000"/>
-              <a:t>Início</a:t>
+              <a:rPr lang="en-US" sz="1100"/>
+              <a:t>Kickoff</a:t>
             </a:r>
           </a:p>
         </p:txBody>
@@ -12452,8 +14958,8 @@
         </p:nvSpPr>
         <p:spPr>
           <a:xfrm>
-            <a:off x="1529973" y="2320287"/>
-            <a:ext cx="826006" cy="246221"/>
+            <a:off x="1558548" y="2320287"/>
+            <a:ext cx="826006" cy="261610"/>
           </a:xfrm>
           <a:prstGeom prst="rect">
             <a:avLst/>
@@ -12468,8 +14974,8 @@
           <a:p>
             <a:pPr algn="ctr"/>
             <a:r>
-              <a:rPr lang="pt-BR" sz="1000" dirty="0"/>
-              <a:t>Projeto</a:t>
+              <a:rPr lang="en-US" sz="1100"/>
+              <a:t>Design</a:t>
             </a:r>
           </a:p>
         </p:txBody>
@@ -12526,14 +15032,14 @@
           <a:p>
             <a:pPr algn="ctr"/>
             <a:r>
-              <a:rPr lang="pt-BR">
+              <a:rPr lang="en-US">
                 <a:solidFill>
                   <a:schemeClr val="accent1">
                     <a:lumMod val="50000"/>
                   </a:schemeClr>
                 </a:solidFill>
               </a:rPr>
-              <a:t>2 atividades por ano</a:t>
+              <a:t>2 Activities per Year</a:t>
             </a:r>
           </a:p>
         </p:txBody>
@@ -12595,15 +15101,49 @@
               </a:lnSpc>
             </a:pPr>
             <a:r>
-              <a:rPr lang="pt-BR" sz="500">
+              <a:rPr sz="500" spc="-5">
                 <a:solidFill>
                   <a:srgbClr val="6C6C6C"/>
                 </a:solidFill>
                 <a:latin typeface="Adobe Clean"/>
                 <a:cs typeface="Adobe Clean"/>
               </a:rPr>
-              <a:t>©2020 Adobe. All Rights Reserved. Adobe Confidential.</a:t>
-            </a:r>
+              <a:t>©2020 Adobe. All Rights Reserved. </a:t>
+            </a:r>
+            <a:r>
+              <a:rPr sz="500">
+                <a:solidFill>
+                  <a:srgbClr val="6C6C6C"/>
+                </a:solidFill>
+                <a:latin typeface="Adobe Clean"/>
+                <a:cs typeface="Adobe Clean"/>
+              </a:rPr>
+              <a:t>Adobe</a:t>
+            </a:r>
+            <a:r>
+              <a:rPr sz="500" spc="5">
+                <a:solidFill>
+                  <a:srgbClr val="6C6C6C"/>
+                </a:solidFill>
+                <a:latin typeface="Adobe Clean"/>
+                <a:cs typeface="Adobe Clean"/>
+              </a:rPr>
+              <a:t> </a:t>
+            </a:r>
+            <a:r>
+              <a:rPr sz="500" spc="-5">
+                <a:solidFill>
+                  <a:srgbClr val="6C6C6C"/>
+                </a:solidFill>
+                <a:latin typeface="Adobe Clean"/>
+                <a:cs typeface="Adobe Clean"/>
+              </a:rPr>
+              <a:t>Confidential.</a:t>
+            </a:r>
+            <a:endParaRPr sz="500">
+              <a:latin typeface="Adobe Clean"/>
+              <a:cs typeface="Adobe Clean"/>
+            </a:endParaRPr>
           </a:p>
           <a:p>
             <a:pPr>
@@ -12629,15 +15169,39 @@
               </a:spcBef>
             </a:pPr>
             <a:r>
-              <a:rPr lang="pt-BR" sz="800">
+              <a:rPr sz="800" spc="-5">
                 <a:solidFill>
                   <a:srgbClr val="6D6D6D"/>
                 </a:solidFill>
                 <a:latin typeface="Adobe Clean"/>
                 <a:cs typeface="Adobe Clean"/>
               </a:rPr>
-              <a:t>©2020 Adobe. All Rights Reserved. Adobe Confidential.</a:t>
-            </a:r>
+              <a:t>©2020 Adobe. All Rights Reserved. Adobe</a:t>
+            </a:r>
+            <a:r>
+              <a:rPr sz="800" spc="75">
+                <a:solidFill>
+                  <a:srgbClr val="6D6D6D"/>
+                </a:solidFill>
+                <a:latin typeface="Adobe Clean"/>
+                <a:cs typeface="Adobe Clean"/>
+              </a:rPr>
+              <a:t> </a:t>
+            </a:r>
+            <a:r>
+              <a:rPr sz="800" spc="-5">
+                <a:solidFill>
+                  <a:srgbClr val="6D6D6D"/>
+                </a:solidFill>
+                <a:latin typeface="Adobe Clean"/>
+                <a:cs typeface="Adobe Clean"/>
+              </a:rPr>
+              <a:t>Confidential.</a:t>
+            </a:r>
+            <a:endParaRPr sz="800">
+              <a:latin typeface="Adobe Clean"/>
+              <a:cs typeface="Adobe Clean"/>
+            </a:endParaRPr>
           </a:p>
         </p:txBody>
       </p:sp>
@@ -12721,15 +15285,19 @@
               </a:spcBef>
             </a:pPr>
             <a:r>
-              <a:rPr lang="pt-BR" sz="1400" b="1">
-                <a:solidFill>
-                  <a:srgbClr val="020302"/>
-                </a:solidFill>
-                <a:latin typeface="Adobe Clean"/>
-                <a:cs typeface="Adobe Clean"/>
-              </a:rPr>
-              <a:t>Recursos</a:t>
-            </a:r>
+              <a:rPr lang="en-US" sz="1400" b="1" spc="-15">
+                <a:solidFill>
+                  <a:srgbClr val="020302"/>
+                </a:solidFill>
+                <a:latin typeface="Adobe Clean"/>
+                <a:cs typeface="Adobe Clean"/>
+              </a:rPr>
+              <a:t>Resources</a:t>
+            </a:r>
+            <a:endParaRPr sz="1400">
+              <a:latin typeface="Adobe Clean"/>
+              <a:cs typeface="Adobe Clean"/>
+            </a:endParaRPr>
           </a:p>
         </p:txBody>
       </p:sp>
@@ -12742,7 +15310,7 @@
         <p:spPr>
           <a:xfrm>
             <a:off x="6754821" y="9283729"/>
-            <a:ext cx="1017579" cy="662305"/>
+            <a:ext cx="930275" cy="662305"/>
           </a:xfrm>
           <a:prstGeom prst="rect">
             <a:avLst/>
@@ -12763,7 +15331,7 @@
               </a:spcBef>
             </a:pPr>
             <a:r>
-              <a:rPr lang="pt-BR" sz="800" dirty="0">
+              <a:rPr sz="800" spc="-15">
                 <a:solidFill>
                   <a:srgbClr val="777879"/>
                 </a:solidFill>
@@ -12772,6 +15340,10 @@
               </a:rPr>
               <a:t>Adobe</a:t>
             </a:r>
+            <a:endParaRPr sz="800">
+              <a:latin typeface="Adobe Clean"/>
+              <a:cs typeface="Adobe Clean"/>
+            </a:endParaRPr>
           </a:p>
           <a:p>
             <a:pPr marL="12700">
@@ -12780,15 +15352,39 @@
               </a:lnSpc>
             </a:pPr>
             <a:r>
-              <a:rPr lang="pt-BR" sz="800" dirty="0">
+              <a:rPr sz="800" spc="-15">
                 <a:solidFill>
                   <a:srgbClr val="777879"/>
                 </a:solidFill>
                 <a:latin typeface="Adobe Clean"/>
                 <a:cs typeface="Adobe Clean"/>
               </a:rPr>
-              <a:t>345 Park Avenue</a:t>
-            </a:r>
+              <a:t>345 Park</a:t>
+            </a:r>
+            <a:r>
+              <a:rPr sz="800" spc="-100">
+                <a:solidFill>
+                  <a:srgbClr val="777879"/>
+                </a:solidFill>
+                <a:latin typeface="Adobe Clean"/>
+                <a:cs typeface="Adobe Clean"/>
+              </a:rPr>
+              <a:t> </a:t>
+            </a:r>
+            <a:r>
+              <a:rPr sz="800" spc="-15">
+                <a:solidFill>
+                  <a:srgbClr val="777879"/>
+                </a:solidFill>
+                <a:latin typeface="Adobe Clean"/>
+                <a:cs typeface="Adobe Clean"/>
+              </a:rPr>
+              <a:t>Avenue</a:t>
+            </a:r>
+            <a:endParaRPr sz="800">
+              <a:latin typeface="Adobe Clean"/>
+              <a:cs typeface="Adobe Clean"/>
+            </a:endParaRPr>
           </a:p>
           <a:p>
             <a:pPr marL="12700">
@@ -12797,15 +15393,49 @@
               </a:lnSpc>
             </a:pPr>
             <a:r>
-              <a:rPr lang="pt-BR" sz="800" dirty="0">
+              <a:rPr sz="800" spc="-10">
                 <a:solidFill>
                   <a:srgbClr val="777879"/>
                 </a:solidFill>
                 <a:latin typeface="Adobe Clean"/>
                 <a:cs typeface="Adobe Clean"/>
               </a:rPr>
-              <a:t>San Jose, CA95110-2704</a:t>
-            </a:r>
+              <a:t>San </a:t>
+            </a:r>
+            <a:r>
+              <a:rPr sz="800" spc="-15">
+                <a:solidFill>
+                  <a:srgbClr val="777879"/>
+                </a:solidFill>
+                <a:latin typeface="Adobe Clean"/>
+                <a:cs typeface="Adobe Clean"/>
+              </a:rPr>
+              <a:t>Jose,</a:t>
+            </a:r>
+            <a:r>
+              <a:rPr sz="800" spc="-140">
+                <a:solidFill>
+                  <a:srgbClr val="777879"/>
+                </a:solidFill>
+                <a:latin typeface="Adobe Clean"/>
+                <a:cs typeface="Adobe Clean"/>
+              </a:rPr>
+              <a:t> </a:t>
+            </a:r>
+            <a:r>
+              <a:rPr sz="800" spc="-20">
+                <a:solidFill>
+                  <a:srgbClr val="777879"/>
+                </a:solidFill>
+                <a:latin typeface="Adobe Clean"/>
+                <a:cs typeface="Adobe Clean"/>
+              </a:rPr>
+              <a:t>CA95110-2704</a:t>
+            </a:r>
+            <a:endParaRPr sz="800">
+              <a:latin typeface="Adobe Clean"/>
+              <a:cs typeface="Adobe Clean"/>
+            </a:endParaRPr>
           </a:p>
           <a:p>
             <a:pPr marL="12700">
@@ -12817,7 +15447,7 @@
               </a:spcBef>
             </a:pPr>
             <a:r>
-              <a:rPr lang="pt-BR" sz="800" dirty="0">
+              <a:rPr sz="800" spc="-10">
                 <a:solidFill>
                   <a:srgbClr val="777879"/>
                 </a:solidFill>
@@ -12826,6 +15456,10 @@
               </a:rPr>
               <a:t>USA</a:t>
             </a:r>
+            <a:endParaRPr sz="800">
+              <a:latin typeface="Adobe Clean"/>
+              <a:cs typeface="Adobe Clean"/>
+            </a:endParaRPr>
           </a:p>
           <a:p>
             <a:pPr marL="12700">
@@ -12837,7 +15471,7 @@
               </a:spcBef>
             </a:pPr>
             <a:r>
-              <a:rPr lang="pt-BR" sz="800" u="sng" dirty="0">
+              <a:rPr sz="800" u="sng" spc="-25">
                 <a:solidFill>
                   <a:srgbClr val="5F5F5F"/>
                 </a:solidFill>
@@ -12852,6 +15486,10 @@
               </a:rPr>
               <a:t>www.adobe.com</a:t>
             </a:r>
+            <a:endParaRPr sz="800">
+              <a:latin typeface="Adobe Clean"/>
+              <a:cs typeface="Adobe Clean"/>
+            </a:endParaRPr>
           </a:p>
         </p:txBody>
       </p:sp>
@@ -13005,7 +15643,7 @@
         <p:spPr>
           <a:xfrm>
             <a:off x="75947" y="9437110"/>
-            <a:ext cx="5809358" cy="570865"/>
+            <a:ext cx="5466715" cy="570865"/>
           </a:xfrm>
           <a:prstGeom prst="rect">
             <a:avLst/>
@@ -13026,34 +15664,449 @@
               </a:spcBef>
             </a:pPr>
             <a:r>
-              <a:rPr lang="pt-BR" sz="1100" i="1" dirty="0">
+              <a:rPr sz="1100" i="1" spc="-10" dirty="0">
                 <a:solidFill>
                   <a:srgbClr val="777879"/>
                 </a:solidFill>
                 <a:latin typeface="AdobeClean-LightIt"/>
                 <a:cs typeface="AdobeClean-LightIt"/>
               </a:rPr>
-              <a:t>Para saber mais sobre os Serviços de suporte Adobe e identificar o nível certo para você, entre em contato com </a:t>
-            </a:r>
-            <a:br>
-              <a:rPr lang="pt-BR" sz="1100" i="1" dirty="0">
+              <a:t>To</a:t>
+            </a:r>
+            <a:r>
+              <a:rPr sz="1100" i="1" spc="-50" dirty="0">
                 <a:solidFill>
                   <a:srgbClr val="777879"/>
                 </a:solidFill>
                 <a:latin typeface="AdobeClean-LightIt"/>
                 <a:cs typeface="AdobeClean-LightIt"/>
               </a:rPr>
-            </a:br>
-            <a:r>
-              <a:rPr lang="pt-BR" sz="1100" i="1" dirty="0">
+              <a:t> </a:t>
+            </a:r>
+            <a:r>
+              <a:rPr sz="1100" i="1" spc="-15" dirty="0">
                 <a:solidFill>
                   <a:srgbClr val="777879"/>
                 </a:solidFill>
                 <a:latin typeface="AdobeClean-LightIt"/>
                 <a:cs typeface="AdobeClean-LightIt"/>
               </a:rPr>
-              <a:t>o seu Gerente de conta nomeado (NAM, em inglês) ou Gerente de sucesso do cliente (CSM, em inglês).</a:t>
-            </a:r>
+              <a:t>learn</a:t>
+            </a:r>
+            <a:r>
+              <a:rPr sz="1100" i="1" spc="-40" dirty="0">
+                <a:solidFill>
+                  <a:srgbClr val="777879"/>
+                </a:solidFill>
+                <a:latin typeface="AdobeClean-LightIt"/>
+                <a:cs typeface="AdobeClean-LightIt"/>
+              </a:rPr>
+              <a:t> </a:t>
+            </a:r>
+            <a:r>
+              <a:rPr sz="1100" i="1" spc="-15" dirty="0">
+                <a:solidFill>
+                  <a:srgbClr val="777879"/>
+                </a:solidFill>
+                <a:latin typeface="AdobeClean-LightIt"/>
+                <a:cs typeface="AdobeClean-LightIt"/>
+              </a:rPr>
+              <a:t>more</a:t>
+            </a:r>
+            <a:r>
+              <a:rPr sz="1100" i="1" spc="-45" dirty="0">
+                <a:solidFill>
+                  <a:srgbClr val="777879"/>
+                </a:solidFill>
+                <a:latin typeface="AdobeClean-LightIt"/>
+                <a:cs typeface="AdobeClean-LightIt"/>
+              </a:rPr>
+              <a:t> </a:t>
+            </a:r>
+            <a:r>
+              <a:rPr sz="1100" i="1" spc="-15" dirty="0">
+                <a:solidFill>
+                  <a:srgbClr val="777879"/>
+                </a:solidFill>
+                <a:latin typeface="AdobeClean-LightIt"/>
+                <a:cs typeface="AdobeClean-LightIt"/>
+              </a:rPr>
+              <a:t>about</a:t>
+            </a:r>
+            <a:r>
+              <a:rPr sz="1100" i="1" spc="-45" dirty="0">
+                <a:solidFill>
+                  <a:srgbClr val="777879"/>
+                </a:solidFill>
+                <a:latin typeface="AdobeClean-LightIt"/>
+                <a:cs typeface="AdobeClean-LightIt"/>
+              </a:rPr>
+              <a:t> </a:t>
+            </a:r>
+            <a:r>
+              <a:rPr sz="1100" i="1" spc="-15" dirty="0">
+                <a:solidFill>
+                  <a:srgbClr val="777879"/>
+                </a:solidFill>
+                <a:latin typeface="AdobeClean-LightIt"/>
+                <a:cs typeface="AdobeClean-LightIt"/>
+              </a:rPr>
+              <a:t>Adobe</a:t>
+            </a:r>
+            <a:r>
+              <a:rPr sz="1100" i="1" spc="-50" dirty="0">
+                <a:solidFill>
+                  <a:srgbClr val="777879"/>
+                </a:solidFill>
+                <a:latin typeface="AdobeClean-LightIt"/>
+                <a:cs typeface="AdobeClean-LightIt"/>
+              </a:rPr>
+              <a:t> </a:t>
+            </a:r>
+            <a:r>
+              <a:rPr sz="1100" i="1" spc="-15" dirty="0">
+                <a:solidFill>
+                  <a:srgbClr val="777879"/>
+                </a:solidFill>
+                <a:latin typeface="AdobeClean-LightIt"/>
+                <a:cs typeface="AdobeClean-LightIt"/>
+              </a:rPr>
+              <a:t>Support</a:t>
+            </a:r>
+            <a:r>
+              <a:rPr lang="en-US" sz="1100" i="1" spc="-15" dirty="0">
+                <a:solidFill>
+                  <a:srgbClr val="777879"/>
+                </a:solidFill>
+                <a:latin typeface="AdobeClean-LightIt"/>
+                <a:cs typeface="AdobeClean-LightIt"/>
+              </a:rPr>
+              <a:t> Offerings</a:t>
+            </a:r>
+            <a:r>
+              <a:rPr sz="1100" i="1" spc="-75" dirty="0">
+                <a:solidFill>
+                  <a:srgbClr val="777879"/>
+                </a:solidFill>
+                <a:latin typeface="AdobeClean-LightIt"/>
+                <a:cs typeface="AdobeClean-LightIt"/>
+              </a:rPr>
+              <a:t> </a:t>
+            </a:r>
+            <a:r>
+              <a:rPr sz="1100" i="1" spc="-15" dirty="0">
+                <a:solidFill>
+                  <a:srgbClr val="777879"/>
+                </a:solidFill>
+                <a:latin typeface="AdobeClean-LightIt"/>
+                <a:cs typeface="AdobeClean-LightIt"/>
+              </a:rPr>
+              <a:t>and</a:t>
+            </a:r>
+            <a:r>
+              <a:rPr sz="1100" i="1" spc="-50" dirty="0">
+                <a:solidFill>
+                  <a:srgbClr val="777879"/>
+                </a:solidFill>
+                <a:latin typeface="AdobeClean-LightIt"/>
+                <a:cs typeface="AdobeClean-LightIt"/>
+              </a:rPr>
+              <a:t> </a:t>
+            </a:r>
+            <a:r>
+              <a:rPr sz="1100" i="1" spc="-15" dirty="0">
+                <a:solidFill>
+                  <a:srgbClr val="777879"/>
+                </a:solidFill>
+                <a:latin typeface="AdobeClean-LightIt"/>
+                <a:cs typeface="AdobeClean-LightIt"/>
+              </a:rPr>
+              <a:t>the</a:t>
+            </a:r>
+            <a:r>
+              <a:rPr sz="1100" i="1" spc="-55" dirty="0">
+                <a:solidFill>
+                  <a:srgbClr val="777879"/>
+                </a:solidFill>
+                <a:latin typeface="AdobeClean-LightIt"/>
+                <a:cs typeface="AdobeClean-LightIt"/>
+              </a:rPr>
+              <a:t> </a:t>
+            </a:r>
+            <a:r>
+              <a:rPr sz="1100" i="1" spc="-15" dirty="0">
+                <a:solidFill>
+                  <a:srgbClr val="777879"/>
+                </a:solidFill>
+                <a:latin typeface="AdobeClean-LightIt"/>
+                <a:cs typeface="AdobeClean-LightIt"/>
+              </a:rPr>
+              <a:t>right</a:t>
+            </a:r>
+            <a:r>
+              <a:rPr sz="1100" i="1" spc="-95" dirty="0">
+                <a:solidFill>
+                  <a:srgbClr val="777879"/>
+                </a:solidFill>
+                <a:latin typeface="AdobeClean-LightIt"/>
+                <a:cs typeface="AdobeClean-LightIt"/>
+              </a:rPr>
+              <a:t> </a:t>
+            </a:r>
+            <a:r>
+              <a:rPr sz="1100" i="1" spc="-15" dirty="0">
+                <a:solidFill>
+                  <a:srgbClr val="777879"/>
+                </a:solidFill>
+                <a:latin typeface="AdobeClean-LightIt"/>
+                <a:cs typeface="AdobeClean-LightIt"/>
+              </a:rPr>
+              <a:t>level</a:t>
+            </a:r>
+            <a:r>
+              <a:rPr sz="1100" i="1" spc="-55" dirty="0">
+                <a:solidFill>
+                  <a:srgbClr val="777879"/>
+                </a:solidFill>
+                <a:latin typeface="AdobeClean-LightIt"/>
+                <a:cs typeface="AdobeClean-LightIt"/>
+              </a:rPr>
+              <a:t> </a:t>
+            </a:r>
+            <a:r>
+              <a:rPr sz="1100" i="1" spc="-15" dirty="0">
+                <a:solidFill>
+                  <a:srgbClr val="777879"/>
+                </a:solidFill>
+                <a:latin typeface="AdobeClean-LightIt"/>
+                <a:cs typeface="AdobeClean-LightIt"/>
+              </a:rPr>
+              <a:t>for</a:t>
+            </a:r>
+            <a:r>
+              <a:rPr sz="1100" i="1" spc="-85" dirty="0">
+                <a:solidFill>
+                  <a:srgbClr val="777879"/>
+                </a:solidFill>
+                <a:latin typeface="AdobeClean-LightIt"/>
+                <a:cs typeface="AdobeClean-LightIt"/>
+              </a:rPr>
+              <a:t> </a:t>
+            </a:r>
+            <a:r>
+              <a:rPr sz="1100" i="1" spc="-15" dirty="0">
+                <a:solidFill>
+                  <a:srgbClr val="777879"/>
+                </a:solidFill>
+                <a:latin typeface="AdobeClean-LightIt"/>
+                <a:cs typeface="AdobeClean-LightIt"/>
+              </a:rPr>
+              <a:t>you,</a:t>
+            </a:r>
+            <a:r>
+              <a:rPr sz="1100" i="1" spc="-65" dirty="0">
+                <a:solidFill>
+                  <a:srgbClr val="777879"/>
+                </a:solidFill>
+                <a:latin typeface="AdobeClean-LightIt"/>
+                <a:cs typeface="AdobeClean-LightIt"/>
+              </a:rPr>
+              <a:t> </a:t>
+            </a:r>
+            <a:r>
+              <a:rPr sz="1100" i="1" spc="-15" dirty="0">
+                <a:solidFill>
+                  <a:srgbClr val="777879"/>
+                </a:solidFill>
+                <a:latin typeface="AdobeClean-LightIt"/>
+                <a:cs typeface="AdobeClean-LightIt"/>
+              </a:rPr>
+              <a:t>contact</a:t>
+            </a:r>
+            <a:r>
+              <a:rPr sz="1100" i="1" spc="-85" dirty="0">
+                <a:solidFill>
+                  <a:srgbClr val="777879"/>
+                </a:solidFill>
+                <a:latin typeface="AdobeClean-LightIt"/>
+                <a:cs typeface="AdobeClean-LightIt"/>
+              </a:rPr>
+              <a:t> </a:t>
+            </a:r>
+            <a:r>
+              <a:rPr sz="1100" i="1" spc="-15" dirty="0">
+                <a:solidFill>
+                  <a:srgbClr val="777879"/>
+                </a:solidFill>
+                <a:latin typeface="AdobeClean-LightIt"/>
+                <a:cs typeface="AdobeClean-LightIt"/>
+              </a:rPr>
+              <a:t>your</a:t>
+            </a:r>
+            <a:r>
+              <a:rPr sz="1100" i="1" spc="-70" dirty="0">
+                <a:solidFill>
+                  <a:srgbClr val="777879"/>
+                </a:solidFill>
+                <a:latin typeface="AdobeClean-LightIt"/>
+                <a:cs typeface="AdobeClean-LightIt"/>
+              </a:rPr>
+              <a:t> </a:t>
+            </a:r>
+            <a:r>
+              <a:rPr sz="1100" i="1" spc="-15" dirty="0">
+                <a:solidFill>
+                  <a:srgbClr val="777879"/>
+                </a:solidFill>
+                <a:latin typeface="AdobeClean-LightIt"/>
+                <a:cs typeface="AdobeClean-LightIt"/>
+              </a:rPr>
+              <a:t>Named</a:t>
+            </a:r>
+            <a:r>
+              <a:rPr sz="1100" i="1" spc="-55" dirty="0">
+                <a:solidFill>
+                  <a:srgbClr val="777879"/>
+                </a:solidFill>
+                <a:latin typeface="AdobeClean-LightIt"/>
+                <a:cs typeface="AdobeClean-LightIt"/>
+              </a:rPr>
+              <a:t> </a:t>
+            </a:r>
+            <a:r>
+              <a:rPr sz="1100" i="1" spc="-25" dirty="0">
+                <a:solidFill>
+                  <a:srgbClr val="777879"/>
+                </a:solidFill>
+                <a:latin typeface="AdobeClean-LightIt"/>
+                <a:cs typeface="AdobeClean-LightIt"/>
+              </a:rPr>
+              <a:t>Account</a:t>
+            </a:r>
+            <a:r>
+              <a:rPr sz="1100" i="1" spc="-120" dirty="0">
+                <a:solidFill>
+                  <a:srgbClr val="777879"/>
+                </a:solidFill>
+                <a:latin typeface="AdobeClean-LightIt"/>
+                <a:cs typeface="AdobeClean-LightIt"/>
+              </a:rPr>
+              <a:t> </a:t>
+            </a:r>
+            <a:r>
+              <a:rPr sz="1100" i="1" spc="-20" dirty="0">
+                <a:solidFill>
+                  <a:srgbClr val="777879"/>
+                </a:solidFill>
+                <a:latin typeface="AdobeClean-LightIt"/>
+                <a:cs typeface="AdobeClean-LightIt"/>
+              </a:rPr>
+              <a:t>Manager</a:t>
+            </a:r>
+            <a:r>
+              <a:rPr lang="en-US" sz="1100" i="1" spc="-20" dirty="0">
+                <a:solidFill>
+                  <a:srgbClr val="777879"/>
+                </a:solidFill>
+                <a:latin typeface="AdobeClean-LightIt"/>
+                <a:cs typeface="AdobeClean-LightIt"/>
+              </a:rPr>
+              <a:t> </a:t>
+            </a:r>
+            <a:r>
+              <a:rPr sz="1100" i="1" spc="-20" dirty="0">
+                <a:solidFill>
+                  <a:srgbClr val="777879"/>
+                </a:solidFill>
+                <a:latin typeface="AdobeClean-LightIt"/>
+                <a:cs typeface="AdobeClean-LightIt"/>
+              </a:rPr>
+              <a:t> </a:t>
+            </a:r>
+            <a:r>
+              <a:rPr sz="1100" i="1" spc="-15" dirty="0">
+                <a:solidFill>
+                  <a:srgbClr val="777879"/>
+                </a:solidFill>
+                <a:latin typeface="AdobeClean-LightIt"/>
+                <a:cs typeface="AdobeClean-LightIt"/>
+              </a:rPr>
+              <a:t>(NAM) </a:t>
+            </a:r>
+            <a:r>
+              <a:rPr sz="1100" i="1" spc="-10" dirty="0">
+                <a:solidFill>
+                  <a:srgbClr val="777879"/>
+                </a:solidFill>
+                <a:latin typeface="AdobeClean-LightIt"/>
+                <a:cs typeface="AdobeClean-LightIt"/>
+              </a:rPr>
+              <a:t>or </a:t>
+            </a:r>
+            <a:r>
+              <a:rPr sz="1100" i="1" spc="-15" dirty="0">
+                <a:solidFill>
+                  <a:srgbClr val="777879"/>
+                </a:solidFill>
+                <a:latin typeface="AdobeClean-LightIt"/>
+                <a:cs typeface="AdobeClean-LightIt"/>
+              </a:rPr>
+              <a:t>Customer </a:t>
+            </a:r>
+            <a:r>
+              <a:rPr sz="1100" i="1" spc="-20" dirty="0">
+                <a:solidFill>
+                  <a:srgbClr val="777879"/>
+                </a:solidFill>
+                <a:latin typeface="AdobeClean-LightIt"/>
+                <a:cs typeface="AdobeClean-LightIt"/>
+              </a:rPr>
+              <a:t>Success</a:t>
+            </a:r>
+            <a:r>
+              <a:rPr sz="1100" i="1" spc="-180" dirty="0">
+                <a:solidFill>
+                  <a:srgbClr val="777879"/>
+                </a:solidFill>
+                <a:latin typeface="AdobeClean-LightIt"/>
+                <a:cs typeface="AdobeClean-LightIt"/>
+              </a:rPr>
+              <a:t> </a:t>
+            </a:r>
+            <a:r>
+              <a:rPr sz="1100" i="1" spc="-15" dirty="0">
+                <a:solidFill>
+                  <a:srgbClr val="777879"/>
+                </a:solidFill>
+                <a:latin typeface="AdobeClean-LightIt"/>
+                <a:cs typeface="AdobeClean-LightIt"/>
+              </a:rPr>
+              <a:t>Manager</a:t>
+            </a:r>
+            <a:r>
+              <a:rPr lang="en-US" sz="1100" i="1" spc="-15" dirty="0">
+                <a:solidFill>
+                  <a:srgbClr val="777879"/>
+                </a:solidFill>
+                <a:latin typeface="AdobeClean-LightIt"/>
+                <a:cs typeface="AdobeClean-LightIt"/>
+              </a:rPr>
+              <a:t> </a:t>
+            </a:r>
+            <a:r>
+              <a:rPr sz="1100" i="1" spc="-15" dirty="0">
+                <a:solidFill>
+                  <a:srgbClr val="777879"/>
+                </a:solidFill>
+                <a:latin typeface="AdobeClean-LightIt"/>
+                <a:cs typeface="AdobeClean-LightIt"/>
+              </a:rPr>
+              <a:t>(CSM)</a:t>
+            </a:r>
+            <a:endParaRPr sz="1100" dirty="0">
+              <a:latin typeface="AdobeClean-LightIt"/>
+              <a:cs typeface="AdobeClean-LightIt"/>
+            </a:endParaRPr>
           </a:p>
           <a:p>
             <a:pPr marL="34290">
@@ -13065,95 +16118,59 @@
               </a:spcBef>
             </a:pPr>
             <a:r>
-              <a:rPr lang="pt-BR" sz="800" dirty="0">
+              <a:rPr sz="800" spc="-5" dirty="0">
                 <a:solidFill>
                   <a:srgbClr val="6D6D6D"/>
                 </a:solidFill>
                 <a:latin typeface="Adobe Clean"/>
                 <a:cs typeface="Adobe Clean"/>
               </a:rPr>
-              <a:t>©2021 Adobe. </a:t>
-            </a:r>
-            <a:r>
-              <a:rPr lang="pt-BR" sz="800" dirty="0" err="1">
+              <a:t>©202</a:t>
+            </a:r>
+            <a:r>
+              <a:rPr lang="en-US" sz="800" spc="-5" dirty="0">
                 <a:solidFill>
                   <a:srgbClr val="6D6D6D"/>
                 </a:solidFill>
                 <a:latin typeface="Adobe Clean"/>
                 <a:cs typeface="Adobe Clean"/>
               </a:rPr>
-              <a:t>All</a:t>
-            </a:r>
-            <a:r>
-              <a:rPr lang="pt-BR" sz="800" dirty="0">
+              <a:t>1</a:t>
+            </a:r>
+            <a:r>
+              <a:rPr sz="800" spc="-5" dirty="0">
                 <a:solidFill>
                   <a:srgbClr val="6D6D6D"/>
                 </a:solidFill>
                 <a:latin typeface="Adobe Clean"/>
                 <a:cs typeface="Adobe Clean"/>
               </a:rPr>
+              <a:t> Adobe. All Rights Reserved. Adobe</a:t>
+            </a:r>
+            <a:r>
+              <a:rPr sz="800" spc="75" dirty="0">
+                <a:solidFill>
+                  <a:srgbClr val="6D6D6D"/>
+                </a:solidFill>
+                <a:latin typeface="Adobe Clean"/>
+                <a:cs typeface="Adobe Clean"/>
+              </a:rPr>
               <a:t> </a:t>
             </a:r>
             <a:r>
-              <a:rPr lang="pt-BR" sz="800" dirty="0" err="1">
+              <a:rPr sz="800" spc="-5" dirty="0">
                 <a:solidFill>
                   <a:srgbClr val="6D6D6D"/>
                 </a:solidFill>
                 <a:latin typeface="Adobe Clean"/>
                 <a:cs typeface="Adobe Clean"/>
               </a:rPr>
-              <a:t>Rights</a:t>
-            </a:r>
-            <a:r>
-              <a:rPr lang="pt-BR" sz="800" dirty="0">
-                <a:solidFill>
-                  <a:srgbClr val="6D6D6D"/>
-                </a:solidFill>
-                <a:latin typeface="Adobe Clean"/>
-                <a:cs typeface="Adobe Clean"/>
-              </a:rPr>
-              <a:t> </a:t>
-            </a:r>
-            <a:r>
-              <a:rPr lang="pt-BR" sz="800" dirty="0" err="1">
-                <a:solidFill>
-                  <a:srgbClr val="6D6D6D"/>
-                </a:solidFill>
-                <a:latin typeface="Adobe Clean"/>
-                <a:cs typeface="Adobe Clean"/>
-              </a:rPr>
-              <a:t>Reserved</a:t>
-            </a:r>
-            <a:r>
-              <a:rPr lang="pt-BR" sz="800" dirty="0">
-                <a:solidFill>
-                  <a:srgbClr val="6D6D6D"/>
-                </a:solidFill>
-                <a:latin typeface="Adobe Clean"/>
-                <a:cs typeface="Adobe Clean"/>
-              </a:rPr>
-              <a:t>. Adobe </a:t>
-            </a:r>
-            <a:r>
-              <a:rPr lang="pt-BR" sz="800" dirty="0" err="1">
-                <a:solidFill>
-                  <a:srgbClr val="6D6D6D"/>
-                </a:solidFill>
-                <a:latin typeface="Adobe Clean"/>
-                <a:cs typeface="Adobe Clean"/>
-              </a:rPr>
-              <a:t>Confidential</a:t>
-            </a:r>
-            <a:r>
-              <a:rPr lang="pt-BR" sz="800" dirty="0">
-                <a:solidFill>
-                  <a:srgbClr val="6D6D6D"/>
-                </a:solidFill>
-                <a:latin typeface="Adobe Clean"/>
-                <a:cs typeface="Adobe Clean"/>
-              </a:rPr>
-              <a:t>.</a:t>
-            </a:r>
+              <a:t>Confidential.</a:t>
+            </a:r>
+            <a:endParaRPr sz="800" dirty="0">
+              <a:latin typeface="Adobe Clean"/>
+              <a:cs typeface="Adobe Clean"/>
+            </a:endParaRPr>
           </a:p>
         </p:txBody>
       </p:sp>
@@ -13171,8 +16188,8 @@
         </p:nvSpPr>
         <p:spPr>
           <a:xfrm>
-            <a:off x="190706" y="4913781"/>
-            <a:ext cx="6709203" cy="755976"/>
+            <a:off x="190707" y="4913781"/>
+            <a:ext cx="6476646" cy="755976"/>
           </a:xfrm>
           <a:prstGeom prst="rect">
             <a:avLst/>
@@ -13190,15 +16207,19 @@
               </a:spcBef>
             </a:pPr>
             <a:r>
-              <a:rPr lang="pt-BR" sz="1400" b="1" dirty="0">
-                <a:solidFill>
-                  <a:srgbClr val="020302"/>
-                </a:solidFill>
-                <a:latin typeface="Adobe Clean"/>
-                <a:cs typeface="Adobe Clean"/>
-              </a:rPr>
-              <a:t>Escopo regional do Suporte da Adobe, horário local de operação e suporte de idioma</a:t>
-            </a:r>
+              <a:rPr lang="en-US" sz="1400" b="1" spc="-15">
+                <a:solidFill>
+                  <a:srgbClr val="020302"/>
+                </a:solidFill>
+                <a:latin typeface="Adobe Clean"/>
+                <a:cs typeface="Adobe Clean"/>
+              </a:rPr>
+              <a:t>Regional scope of Adobe Support, Local Hours Of Operation And Language Support</a:t>
+            </a:r>
+            <a:endParaRPr lang="en-US" sz="1400" spc="-15">
+              <a:ea typeface="+mn-lt"/>
+              <a:cs typeface="+mn-lt"/>
+            </a:endParaRPr>
           </a:p>
           <a:p>
             <a:pPr>
@@ -13207,14 +16228,17 @@
               </a:spcBef>
             </a:pPr>
             <a:r>
-              <a:rPr lang="pt-BR" sz="1000" dirty="0">
+              <a:rPr lang="en-US" sz="1000" spc="-15">
                 <a:solidFill>
                   <a:srgbClr val="1F1F1F"/>
                 </a:solidFill>
                 <a:latin typeface="AdobeClean-Light"/>
               </a:rPr>
-              <a:t>O escopo regional do Suporte da Adobe é estabelecido alinhando o endereço de faturamento do cliente (conforme a ordem de venda ou outro documento de compra do Suporte da Adobe) a uma das regiões seguintes:</a:t>
-            </a:r>
+              <a:t>The regional scope of Adobe Support is established by aligning the customer's billing address (via the Sales Order or other Adobe Support purchasing document) to one of the following regions:</a:t>
+            </a:r>
+            <a:endParaRPr lang="en-US" sz="1000">
+              <a:latin typeface="AdobeClean-Light"/>
+            </a:endParaRPr>
           </a:p>
         </p:txBody>
       </p:sp>
@@ -13233,7 +16257,7 @@
           <p:nvPr>
             <p:extLst>
               <p:ext uri="{D42A27DB-BD31-4B8C-83A1-F6EECF244321}">
-                <p14:modId xmlns:p14="http://schemas.microsoft.com/office/powerpoint/2010/main" val="841987599"/>
+                <p14:modId xmlns:p14="http://schemas.microsoft.com/office/powerpoint/2010/main" val="1291534283"/>
               </p:ext>
             </p:extLst>
           </p:nvPr>
@@ -13286,13 +16310,13 @@
                     <a:p>
                       <a:pPr algn="ctr"/>
                       <a:r>
-                        <a:rPr lang="pt-BR" sz="1100">
+                        <a:rPr lang="en-US" sz="1100">
                           <a:solidFill>
                             <a:schemeClr val="tx1"/>
                           </a:solidFill>
                           <a:latin typeface="Adobe Clean"/>
                         </a:rPr>
-                        <a:t>Américas</a:t>
+                        <a:t>Americas</a:t>
                       </a:r>
                     </a:p>
                   </a:txBody>
@@ -13351,30 +16375,13 @@
                     <a:p>
                       <a:pPr algn="ctr"/>
                       <a:r>
-                        <a:rPr lang="pt-BR" sz="1100" dirty="0">
+                        <a:rPr lang="en-US" sz="1100">
                           <a:solidFill>
                             <a:schemeClr val="tx1"/>
                           </a:solidFill>
                           <a:latin typeface="Adobe Clean"/>
                         </a:rPr>
-                        <a:t>Europa, Oriente Médio </a:t>
-                      </a:r>
-                      <a:br>
-                        <a:rPr lang="pt-BR" sz="1100" dirty="0">
-                          <a:solidFill>
-                            <a:schemeClr val="tx1"/>
-                          </a:solidFill>
-                          <a:latin typeface="Adobe Clean"/>
-                        </a:rPr>
-                      </a:br>
-                      <a:r>
-                        <a:rPr lang="pt-BR" sz="1100" dirty="0">
-                          <a:solidFill>
-                            <a:schemeClr val="tx1"/>
-                          </a:solidFill>
-                          <a:latin typeface="Adobe Clean"/>
-                        </a:rPr>
-                        <a:t>e África</a:t>
+                        <a:t>Europe, Middle East &amp; Africa</a:t>
                       </a:r>
                     </a:p>
                   </a:txBody>
@@ -13433,13 +16440,13 @@
                     <a:p>
                       <a:pPr algn="ctr"/>
                       <a:r>
-                        <a:rPr lang="pt-BR" sz="1100">
+                        <a:rPr lang="en-US" sz="1100">
                           <a:solidFill>
                             <a:schemeClr val="tx1"/>
                           </a:solidFill>
                           <a:latin typeface="Adobe Clean"/>
                         </a:rPr>
-                        <a:t>Ásia–Pacífico</a:t>
+                        <a:t>Asia Pacific</a:t>
                       </a:r>
                     </a:p>
                   </a:txBody>
@@ -13498,16 +16505,16 @@
                     <a:p>
                       <a:pPr algn="ctr"/>
                       <a:r>
-                        <a:rPr lang="pt-BR" sz="1100">
+                        <a:rPr lang="en-US" sz="1100">
                           <a:solidFill>
                             <a:schemeClr val="tx1"/>
                           </a:solidFill>
                           <a:latin typeface="Adobe Clean"/>
                         </a:rPr>
-                        <a:t>Japão</a:t>
+                        <a:t>Japan </a:t>
                       </a:r>
                       <a:r>
-                        <a:rPr lang="pt-BR" sz="1100" baseline="30000">
+                        <a:rPr lang="en-US" sz="1100" baseline="30000">
                           <a:solidFill>
                             <a:schemeClr val="tx1"/>
                           </a:solidFill>
@@ -13515,6 +16522,12 @@
                         </a:rPr>
                         <a:t>1 </a:t>
                       </a:r>
+                      <a:endParaRPr lang="en-US" sz="1100">
+                        <a:solidFill>
+                          <a:schemeClr val="tx1"/>
+                        </a:solidFill>
+                        <a:latin typeface="Adobe Clean" panose="020B0503020404020204" pitchFamily="34" charset="0"/>
+                      </a:endParaRPr>
                     </a:p>
                   </a:txBody>
                   <a:tcPr anchor="ctr">
@@ -13579,13 +16592,13 @@
                     <a:p>
                       <a:pPr algn="ctr"/>
                       <a:r>
-                        <a:rPr lang="pt-BR" sz="1100">
+                        <a:rPr lang="en-US" sz="1100">
                           <a:solidFill>
                             <a:schemeClr val="tx1"/>
                           </a:solidFill>
                           <a:latin typeface="Adobe Clean"/>
                         </a:rPr>
-                        <a:t>6h – 17h30</a:t>
+                        <a:t>6 am – 5:30 pm</a:t>
                       </a:r>
                     </a:p>
                   </a:txBody>
@@ -13644,13 +16657,13 @@
                     <a:p>
                       <a:pPr algn="ctr"/>
                       <a:r>
-                        <a:rPr lang="pt-BR" sz="1100">
+                        <a:rPr lang="en-US" sz="1100">
                           <a:solidFill>
                             <a:schemeClr val="tx1"/>
                           </a:solidFill>
                           <a:latin typeface="Adobe Clean"/>
                         </a:rPr>
-                        <a:t>9h – 17h</a:t>
+                        <a:t>9 am – 5 pm</a:t>
                       </a:r>
                     </a:p>
                   </a:txBody>
@@ -13709,13 +16722,13 @@
                     <a:p>
                       <a:pPr algn="ctr"/>
                       <a:r>
-                        <a:rPr lang="pt-BR" sz="1100">
+                        <a:rPr lang="en-US" sz="1100">
                           <a:solidFill>
                             <a:schemeClr val="tx1"/>
                           </a:solidFill>
                           <a:latin typeface="Adobe Clean"/>
                         </a:rPr>
-                        <a:t>9h – 17h</a:t>
+                        <a:t>9 am – 5 pm</a:t>
                       </a:r>
                     </a:p>
                   </a:txBody>
@@ -13774,13 +16787,13 @@
                     <a:p>
                       <a:pPr algn="ctr"/>
                       <a:r>
-                        <a:rPr lang="pt-BR" sz="1100">
+                        <a:rPr lang="en-US" sz="1100">
                           <a:solidFill>
                             <a:schemeClr val="tx1"/>
                           </a:solidFill>
                           <a:latin typeface="Adobe Clean"/>
                         </a:rPr>
-                        <a:t>9h – 17h30</a:t>
+                        <a:t>9 am – 5:30 pm</a:t>
                       </a:r>
                     </a:p>
                   </a:txBody>
@@ -13857,12 +16870,12 @@
                         <a:buNone/>
                       </a:pPr>
                       <a:r>
-                        <a:rPr lang="pt-BR" sz="1100" b="0" i="0" u="none" strike="noStrike" noProof="0" dirty="0"/>
-                        <a:t>O suporte de idioma está disponível somente em inglês e japonês.</a:t>
+                        <a:rPr lang="en-US" sz="1100" b="0" i="0" u="none" strike="noStrike" noProof="0"/>
+                        <a:t>Language support is only available in English and Japanese.</a:t>
                       </a:r>
                     </a:p>
                     <a:p>
-                      <a:pPr lvl="0" algn="l" rtl="0">
+                      <a:pPr lvl="0" algn="ctr">
                         <a:lnSpc>
                           <a:spcPct val="100000"/>
                         </a:lnSpc>
@@ -13874,7 +16887,7 @@
                         </a:spcAft>
                         <a:buNone/>
                       </a:pPr>
-                      <a:endParaRPr lang="en-US" sz="1100" b="0" i="0" u="none" strike="noStrike" noProof="0" dirty="0"/>
+                      <a:endParaRPr lang="en-US" sz="1100" b="0" i="0" u="none" strike="noStrike" noProof="0"/>
                     </a:p>
                     <a:p>
                       <a:pPr lvl="0" algn="ctr">
@@ -13890,17 +16903,18 @@
                         <a:buNone/>
                       </a:pPr>
                       <a:r>
-                        <a:rPr lang="pt-BR" sz="1100" b="0" i="0" u="none" strike="noStrike" noProof="0" dirty="0"/>
+                        <a:rPr lang="en-US" sz="1100" b="0" i="0" u="none" strike="noStrike" noProof="0"/>
                         <a:t> </a:t>
                       </a:r>
                       <a:r>
-                        <a:rPr lang="pt-BR" sz="1100" b="0" i="0" u="none" strike="noStrike" baseline="30000" noProof="0" dirty="0"/>
-                        <a:t>1</a:t>
+                        <a:rPr lang="en-US" sz="1100" b="0" i="0" u="none" strike="noStrike" baseline="30000" noProof="0"/>
+                        <a:t>1 </a:t>
                       </a:r>
                       <a:r>
-                        <a:rPr lang="pt-BR" sz="1100" b="0" i="0" u="none" strike="noStrike" noProof="0" dirty="0"/>
-                        <a:t>Os casos de prioridade P2, P3 e P4 estão limitados ao horário comercial somente no Japão.</a:t>
+                        <a:rPr lang="en-US" sz="1100" b="0" i="0" u="none" strike="noStrike" noProof="0"/>
+                        <a:t>P2, P3, P4 cases are limited to business hours only in Japan.</a:t>
                       </a:r>
+                      <a:endParaRPr lang="en-US" sz="1100" b="1" i="0" u="none" strike="noStrike" noProof="0"/>
                     </a:p>
                   </a:txBody>
                   <a:tcPr anchor="ctr">
@@ -14255,7 +17269,7 @@
           </a:bodyPr>
           <a:lstStyle/>
           <a:p>
-            <a:pPr marR="5080" algn="ctr">
+            <a:pPr marL="139065" marR="5080" indent="-139065">
               <a:lnSpc>
                 <a:spcPts val="1390"/>
               </a:lnSpc>
@@ -14264,15 +17278,129 @@
               </a:spcBef>
             </a:pPr>
             <a:r>
-              <a:rPr lang="pt-BR" sz="1200" b="1" dirty="0">
+              <a:rPr sz="1200" b="1" spc="-15">
                 <a:solidFill>
                   <a:srgbClr val="FFFFFF"/>
                 </a:solidFill>
                 <a:latin typeface="Adobe Clean"/>
                 <a:cs typeface="Adobe Clean"/>
               </a:rPr>
-              <a:t>Experiência sem igual</a:t>
-            </a:r>
+              <a:t>U</a:t>
+            </a:r>
+            <a:r>
+              <a:rPr sz="1200" b="1" spc="-20">
+                <a:solidFill>
+                  <a:srgbClr val="FFFFFF"/>
+                </a:solidFill>
+                <a:latin typeface="Adobe Clean"/>
+                <a:cs typeface="Adobe Clean"/>
+              </a:rPr>
+              <a:t>n</a:t>
+            </a:r>
+            <a:r>
+              <a:rPr sz="1200" b="1" spc="-25">
+                <a:solidFill>
+                  <a:srgbClr val="FFFFFF"/>
+                </a:solidFill>
+                <a:latin typeface="Adobe Clean"/>
+                <a:cs typeface="Adobe Clean"/>
+              </a:rPr>
+              <a:t>p</a:t>
+            </a:r>
+            <a:r>
+              <a:rPr sz="1200" b="1" spc="-15">
+                <a:solidFill>
+                  <a:srgbClr val="FFFFFF"/>
+                </a:solidFill>
+                <a:latin typeface="Adobe Clean"/>
+                <a:cs typeface="Adobe Clean"/>
+              </a:rPr>
+              <a:t>a</a:t>
+            </a:r>
+            <a:r>
+              <a:rPr sz="1200" b="1" spc="-25">
+                <a:solidFill>
+                  <a:srgbClr val="FFFFFF"/>
+                </a:solidFill>
+                <a:latin typeface="Adobe Clean"/>
+                <a:cs typeface="Adobe Clean"/>
+              </a:rPr>
+              <a:t>r</a:t>
+            </a:r>
+            <a:r>
+              <a:rPr sz="1200" b="1" spc="-15">
+                <a:solidFill>
+                  <a:srgbClr val="FFFFFF"/>
+                </a:solidFill>
+                <a:latin typeface="Adobe Clean"/>
+                <a:cs typeface="Adobe Clean"/>
+              </a:rPr>
+              <a:t>a</a:t>
+            </a:r>
+            <a:r>
+              <a:rPr sz="1200" b="1" spc="-30">
+                <a:solidFill>
+                  <a:srgbClr val="FFFFFF"/>
+                </a:solidFill>
+                <a:latin typeface="Adobe Clean"/>
+                <a:cs typeface="Adobe Clean"/>
+              </a:rPr>
+              <a:t>ll</a:t>
+            </a:r>
+            <a:r>
+              <a:rPr sz="1200" b="1" spc="-25">
+                <a:solidFill>
+                  <a:srgbClr val="FFFFFF"/>
+                </a:solidFill>
+                <a:latin typeface="Adobe Clean"/>
+                <a:cs typeface="Adobe Clean"/>
+              </a:rPr>
+              <a:t>e</a:t>
+            </a:r>
+            <a:r>
+              <a:rPr sz="1200" b="1" spc="-30">
+                <a:solidFill>
+                  <a:srgbClr val="FFFFFF"/>
+                </a:solidFill>
+                <a:latin typeface="Adobe Clean"/>
+                <a:cs typeface="Adobe Clean"/>
+              </a:rPr>
+              <a:t>l</a:t>
+            </a:r>
+            <a:r>
+              <a:rPr sz="1200" b="1" spc="-25">
+                <a:solidFill>
+                  <a:srgbClr val="FFFFFF"/>
+                </a:solidFill>
+                <a:latin typeface="Adobe Clean"/>
+                <a:cs typeface="Adobe Clean"/>
+              </a:rPr>
+              <a:t>e</a:t>
+            </a:r>
+            <a:r>
+              <a:rPr sz="1200" b="1">
+                <a:solidFill>
+                  <a:srgbClr val="FFFFFF"/>
+                </a:solidFill>
+                <a:latin typeface="Adobe Clean"/>
+                <a:cs typeface="Adobe Clean"/>
+              </a:rPr>
+              <a:t>d  </a:t>
+            </a:r>
+            <a:r>
+              <a:rPr sz="1200" b="1" spc="-25">
+                <a:solidFill>
+                  <a:srgbClr val="FFFFFF"/>
+                </a:solidFill>
+                <a:latin typeface="Adobe Clean"/>
+                <a:cs typeface="Adobe Clean"/>
+              </a:rPr>
+              <a:t>Expertise</a:t>
+            </a:r>
+            <a:endParaRPr sz="1200">
+              <a:latin typeface="Adobe Clean"/>
+              <a:cs typeface="Adobe Clean"/>
+            </a:endParaRPr>
           </a:p>
         </p:txBody>
       </p:sp>
@@ -14303,7 +17431,7 @@
           </a:bodyPr>
           <a:lstStyle/>
           <a:p>
-            <a:pPr marR="5080" algn="ctr">
+            <a:pPr marL="139065" marR="5080" indent="-139065">
               <a:lnSpc>
                 <a:spcPts val="1390"/>
               </a:lnSpc>
@@ -14312,15 +17440,19 @@
               </a:spcBef>
             </a:pPr>
             <a:r>
-              <a:rPr lang="pt-BR" sz="1200" b="1" dirty="0">
+              <a:rPr lang="en-US" sz="1200" b="1" spc="-15">
                 <a:solidFill>
                   <a:srgbClr val="FFFFFF"/>
                 </a:solidFill>
                 <a:latin typeface="Adobe Clean"/>
                 <a:cs typeface="Adobe Clean"/>
               </a:rPr>
-              <a:t>Suporte acelerado</a:t>
-            </a:r>
+              <a:t>Accelerated Support</a:t>
+            </a:r>
+            <a:endParaRPr sz="1200">
+              <a:latin typeface="Adobe Clean"/>
+              <a:cs typeface="Adobe Clean"/>
+            </a:endParaRPr>
           </a:p>
         </p:txBody>
       </p:sp>
@@ -14338,8 +17470,8 @@
         </p:nvSpPr>
         <p:spPr>
           <a:xfrm>
-            <a:off x="6320790" y="8543943"/>
-            <a:ext cx="1117198" cy="385445"/>
+            <a:off x="6624119" y="8543943"/>
+            <a:ext cx="510540" cy="385445"/>
           </a:xfrm>
           <a:prstGeom prst="rect">
             <a:avLst/>
@@ -14351,7 +17483,7 @@
           </a:bodyPr>
           <a:lstStyle/>
           <a:p>
-            <a:pPr marR="5080" algn="ctr">
+            <a:pPr marL="50800" marR="5080" indent="-51435">
               <a:lnSpc>
                 <a:spcPts val="1390"/>
               </a:lnSpc>
@@ -14360,15 +17492,109 @@
               </a:spcBef>
             </a:pPr>
             <a:r>
-              <a:rPr lang="pt-BR" sz="1200" b="1" dirty="0">
+              <a:rPr sz="1200" b="1" spc="-50">
                 <a:solidFill>
                   <a:srgbClr val="FFFFFF"/>
                 </a:solidFill>
                 <a:latin typeface="Adobe Clean"/>
                 <a:cs typeface="Adobe Clean"/>
               </a:rPr>
-              <a:t>Consultoria estratégica</a:t>
-            </a:r>
+              <a:t>S</a:t>
+            </a:r>
+            <a:r>
+              <a:rPr sz="1200" b="1" spc="-20">
+                <a:solidFill>
+                  <a:srgbClr val="FFFFFF"/>
+                </a:solidFill>
+                <a:latin typeface="Adobe Clean"/>
+                <a:cs typeface="Adobe Clean"/>
+              </a:rPr>
+              <a:t>t</a:t>
+            </a:r>
+            <a:r>
+              <a:rPr sz="1200" b="1" spc="-75">
+                <a:solidFill>
+                  <a:srgbClr val="FFFFFF"/>
+                </a:solidFill>
+                <a:latin typeface="Adobe Clean"/>
+                <a:cs typeface="Adobe Clean"/>
+              </a:rPr>
+              <a:t>r</a:t>
+            </a:r>
+            <a:r>
+              <a:rPr sz="1200" b="1" spc="-90">
+                <a:solidFill>
+                  <a:srgbClr val="FFFFFF"/>
+                </a:solidFill>
+                <a:latin typeface="Adobe Clean"/>
+                <a:cs typeface="Adobe Clean"/>
+              </a:rPr>
+              <a:t>a</a:t>
+            </a:r>
+            <a:r>
+              <a:rPr sz="1200" b="1" spc="-55">
+                <a:solidFill>
+                  <a:srgbClr val="FFFFFF"/>
+                </a:solidFill>
+                <a:latin typeface="Adobe Clean"/>
+                <a:cs typeface="Adobe Clean"/>
+              </a:rPr>
+              <a:t>t</a:t>
+            </a:r>
+            <a:r>
+              <a:rPr sz="1200" b="1" spc="-100">
+                <a:solidFill>
+                  <a:srgbClr val="FFFFFF"/>
+                </a:solidFill>
+                <a:latin typeface="Adobe Clean"/>
+                <a:cs typeface="Adobe Clean"/>
+              </a:rPr>
+              <a:t>e</a:t>
+            </a:r>
+            <a:r>
+              <a:rPr sz="1200" b="1" spc="-80">
+                <a:solidFill>
+                  <a:srgbClr val="FFFFFF"/>
+                </a:solidFill>
+                <a:latin typeface="Adobe Clean"/>
+                <a:cs typeface="Adobe Clean"/>
+              </a:rPr>
+              <a:t>g</a:t>
+            </a:r>
+            <a:r>
+              <a:rPr sz="1200" b="1" spc="-35">
+                <a:solidFill>
+                  <a:srgbClr val="FFFFFF"/>
+                </a:solidFill>
+                <a:latin typeface="Adobe Clean"/>
+                <a:cs typeface="Adobe Clean"/>
+              </a:rPr>
+              <a:t>i</a:t>
+            </a:r>
+            <a:r>
+              <a:rPr sz="1200" b="1">
+                <a:solidFill>
+                  <a:srgbClr val="FFFFFF"/>
+                </a:solidFill>
+                <a:latin typeface="Adobe Clean"/>
+                <a:cs typeface="Adobe Clean"/>
+              </a:rPr>
+              <a:t>c  </a:t>
+            </a:r>
+            <a:r>
+              <a:rPr sz="1200" b="1" spc="-45">
+                <a:solidFill>
+                  <a:srgbClr val="FFFFFF"/>
+                </a:solidFill>
+                <a:latin typeface="Adobe Clean"/>
+                <a:cs typeface="Adobe Clean"/>
+              </a:rPr>
+              <a:t>Advice</a:t>
+            </a:r>
+            <a:endParaRPr sz="1200">
+              <a:latin typeface="Adobe Clean"/>
+              <a:cs typeface="Adobe Clean"/>
+            </a:endParaRPr>
           </a:p>
         </p:txBody>
       </p:sp>
@@ -14387,14 +17613,14 @@
           <p:nvPr>
             <p:extLst>
               <p:ext uri="{D42A27DB-BD31-4B8C-83A1-F6EECF244321}">
-                <p14:modId xmlns:p14="http://schemas.microsoft.com/office/powerpoint/2010/main" val="2320490711"/>
+                <p14:modId xmlns:p14="http://schemas.microsoft.com/office/powerpoint/2010/main" val="4232335107"/>
               </p:ext>
             </p:extLst>
           </p:nvPr>
         </p:nvGraphicFramePr>
         <p:xfrm>
           <a:off x="194237" y="1272353"/>
-          <a:ext cx="7368291" cy="3235960"/>
+          <a:ext cx="7368291" cy="2931160"/>
         </p:xfrm>
         <a:graphic>
           <a:graphicData uri="http://schemas.openxmlformats.org/drawingml/2006/table">
@@ -14403,14 +17629,14 @@
                 <a:tableStyleId>{5C22544A-7EE6-4342-B048-85BDC9FD1C3A}</a:tableStyleId>
               </a:tblPr>
               <a:tblGrid>
-                <a:gridCol w="3547183">
+                <a:gridCol w="3691964">
                   <a:extLst>
                     <a:ext uri="{9D8B030D-6E8A-4147-A177-3AD203B41FA5}">
                       <a16:colId xmlns:a16="http://schemas.microsoft.com/office/drawing/2014/main" val="2364693614"/>
                     </a:ext>
                   </a:extLst>
                 </a:gridCol>
-                <a:gridCol w="3821108">
+                <a:gridCol w="3676327">
                   <a:extLst>
                     <a:ext uri="{9D8B030D-6E8A-4147-A177-3AD203B41FA5}">
                       <a16:colId xmlns:a16="http://schemas.microsoft.com/office/drawing/2014/main" val="1545335406"/>
@@ -14425,7 +17651,7 @@
                     <a:lstStyle/>
                     <a:p>
                       <a:r>
-                        <a:rPr lang="pt-BR" sz="1100" b="0">
+                        <a:rPr lang="en-US" sz="1100" b="0" dirty="0">
                           <a:solidFill>
                             <a:schemeClr val="tx1"/>
                           </a:solidFill>
@@ -14436,6 +17662,14 @@
                         </a:rPr>
                         <a:t>Experience League</a:t>
                       </a:r>
+                      <a:endParaRPr lang="en-US" sz="1100" b="0" dirty="0">
+                        <a:solidFill>
+                          <a:schemeClr val="tx1"/>
+                        </a:solidFill>
+                        <a:latin typeface="Adobe Clean"/>
+                        <a:ea typeface="+mn-ea"/>
+                        <a:cs typeface="+mn-cs"/>
+                      </a:endParaRPr>
                     </a:p>
                   </a:txBody>
                   <a:tcPr marL="47625" marR="47625" marT="0" marB="0" anchor="ctr">
@@ -14507,7 +17741,7 @@
                         <a:buNone/>
                       </a:pPr>
                       <a:r>
-                        <a:rPr lang="pt-BR" sz="1000" b="0" dirty="0">
+                        <a:rPr lang="en-US" sz="1000" b="0" kern="1200" dirty="0">
                           <a:solidFill>
                             <a:srgbClr val="000000"/>
                           </a:solidFill>
@@ -14515,29 +17749,16 @@
                           <a:ea typeface="+mn-ea"/>
                           <a:cs typeface="+mn-cs"/>
                         </a:rPr>
-                        <a:t>A Experience League foi criada para ajudar as empresas a alcançar o </a:t>
+                        <a:t>Experience League is how Adobe helps businesses achieve the value they expect from their Adobe investment. It’s the unified place where customers can learn, connect, and grow along a personalized path to success that includes self-help tutorials, product documentation, instructor-led training, community and technical support. </a:t>
                       </a:r>
-                      <a:br>
-                        <a:rPr lang="pt-BR" sz="1000" b="0" dirty="0">
-                          <a:solidFill>
-                            <a:srgbClr val="000000"/>
-                          </a:solidFill>
-                          <a:latin typeface="Adobe Clean Light"/>
-                          <a:ea typeface="+mn-ea"/>
-                          <a:cs typeface="+mn-cs"/>
-                        </a:rPr>
-                      </a:br>
-                      <a:r>
-                        <a:rPr lang="pt-BR" sz="1000" b="0" dirty="0">
-                          <a:solidFill>
-                            <a:srgbClr val="000000"/>
-                          </a:solidFill>
-                          <a:latin typeface="Adobe Clean Light"/>
-                          <a:ea typeface="+mn-ea"/>
-                          <a:cs typeface="+mn-cs"/>
-                        </a:rPr>
-                        <a:t>valor que esperam do seu investimento em produtos da Adobe. É o local unificado onde os clientes podem aprender, interagir e crescer ao longo de um caminho personalizado de sucesso que inclui tutoriais de autoatendimento, documentação dos produtos, treinamento com instrutores e suporte técnico e da comunidade. </a:t>
-                      </a:r>
+                      <a:endParaRPr lang="en-US" sz="1000" b="0" kern="1200">
+                        <a:solidFill>
+                          <a:srgbClr val="000000"/>
+                        </a:solidFill>
+                        <a:latin typeface="Adobe Clean Light" panose="020B0303020404020204" pitchFamily="34" charset="0"/>
+                        <a:ea typeface="+mn-ea"/>
+                        <a:cs typeface="+mn-cs"/>
+                      </a:endParaRPr>
                     </a:p>
                   </a:txBody>
                   <a:tcPr anchor="ctr">
@@ -14618,28 +17839,39 @@
                         <a:defRPr/>
                       </a:pPr>
                       <a:r>
-                        <a:rPr lang="pt-BR" sz="1100">
+                        <a:rPr lang="en-US" sz="1100" dirty="0">
                           <a:solidFill>
                             <a:schemeClr val="dk1"/>
                           </a:solidFill>
+                          <a:effectLst/>
                           <a:latin typeface="Adobe Clean"/>
                           <a:ea typeface="+mn-ea"/>
                           <a:cs typeface="+mn-cs"/>
                           <a:hlinkClick r:id="rId8"/>
                         </a:rPr>
-                        <a:t>Treinamento</a:t>
+                        <a:t>Training</a:t>
                       </a:r>
                       <a:r>
-                        <a:rPr lang="pt-BR" sz="1100">
+                        <a:rPr lang="en-US" sz="1100" dirty="0">
                           <a:solidFill>
                             <a:schemeClr val="dk1"/>
                           </a:solidFill>
+                          <a:effectLst/>
                           <a:latin typeface="Adobe Clean"/>
                           <a:ea typeface="+mn-ea"/>
                           <a:cs typeface="+mn-cs"/>
                         </a:rPr>
                         <a:t> </a:t>
                       </a:r>
+                      <a:endParaRPr lang="en-US" sz="1100" dirty="0">
+                        <a:solidFill>
+                          <a:schemeClr val="tx1"/>
+                        </a:solidFill>
+                        <a:effectLst/>
+                        <a:latin typeface="Adobe Clean"/>
+                        <a:ea typeface="+mn-ea"/>
+                        <a:cs typeface="+mn-cs"/>
+                      </a:endParaRPr>
                     </a:p>
                   </a:txBody>
                   <a:tcPr anchor="ctr">
@@ -14713,7 +17945,7 @@
                         <a:defRPr/>
                       </a:pPr>
                       <a:r>
-                        <a:rPr lang="pt-BR" sz="1000" dirty="0">
+                        <a:rPr lang="en-US" sz="1000" kern="1200" dirty="0">
                           <a:solidFill>
                             <a:srgbClr val="000000"/>
                           </a:solidFill>
@@ -14721,28 +17953,7 @@
                           <a:ea typeface="+mn-ea"/>
                           <a:cs typeface="+mn-cs"/>
                         </a:rPr>
-                        <a:t>O acesso aos cursos do Adobe Digital Learning Services está disponível </a:t>
-                      </a:r>
-                      <a:br>
-                        <a:rPr lang="pt-BR" sz="1000" dirty="0">
-                          <a:solidFill>
-                            <a:srgbClr val="000000"/>
-                          </a:solidFill>
-                          <a:latin typeface="Adobe Clean Light"/>
-                          <a:ea typeface="+mn-ea"/>
-                          <a:cs typeface="+mn-cs"/>
-                        </a:rPr>
-                      </a:br>
-                      <a:r>
-                        <a:rPr lang="pt-BR" sz="1000" dirty="0">
-                          <a:solidFill>
-                            <a:srgbClr val="000000"/>
-                          </a:solidFill>
-                          <a:latin typeface="Adobe Clean Light"/>
-                          <a:ea typeface="+mn-ea"/>
-                          <a:cs typeface="+mn-cs"/>
-                        </a:rPr>
-                        <a:t>na Experience League. Os cursos de aprendizagem incluem lições sob demanda e com instrutores.  É um lugar para adquirir habilidades com reconhecido valor de mercado que você pode pôr em prática para impulsionar o sucesso na sua organização.</a:t>
+                        <a:t>Adobe Digital Learning Services courses are accessible from Experience League. Learning courses integrate both on-demand and instructor-led lessons.  Here you can accrue skills that have recognized market value and position them to drive success in your organizations.</a:t>
                       </a:r>
                     </a:p>
                   </a:txBody>
@@ -14824,17 +18035,27 @@
                         <a:defRPr/>
                       </a:pPr>
                       <a:r>
-                        <a:rPr lang="pt-BR" sz="1100">
+                        <a:rPr lang="en-US" sz="1100" dirty="0">
                           <a:solidFill>
                             <a:schemeClr val="tx1"/>
                           </a:solidFill>
+                          <a:effectLst/>
                           <a:latin typeface="Adobe Clean"/>
                           <a:ea typeface="+mn-ea"/>
                           <a:cs typeface="+mn-cs"/>
                           <a:hlinkClick r:id="rId9"/>
                         </a:rPr>
-                        <a:t>Problemas de produção e paralisações do sistema</a:t>
+                        <a:t>Production Issues &amp; System Outages</a:t>
                       </a:r>
+                      <a:endParaRPr lang="en-US" sz="1100" dirty="0">
+                        <a:solidFill>
+                          <a:schemeClr val="tx1"/>
+                        </a:solidFill>
+                        <a:effectLst/>
+                        <a:latin typeface="Adobe Clean"/>
+                        <a:ea typeface="+mn-ea"/>
+                        <a:cs typeface="+mn-cs"/>
+                      </a:endParaRPr>
                     </a:p>
                   </a:txBody>
                   <a:tcPr anchor="ctr">
@@ -14906,7 +18127,7 @@
                         <a:buNone/>
                       </a:pPr>
                       <a:r>
-                        <a:rPr lang="pt-BR" sz="1000" dirty="0">
+                        <a:rPr lang="en-US" sz="1000" kern="1200" dirty="0">
                           <a:solidFill>
                             <a:srgbClr val="000000"/>
                           </a:solidFill>
@@ -14914,72 +18135,16 @@
                           <a:ea typeface="+mn-ea"/>
                           <a:cs typeface="+mn-cs"/>
                         </a:rPr>
-                        <a:t>O Status.adobe.com transmite as informações de integridade de todos </a:t>
+                        <a:t>Status.adobe.com conveys the health information of all Adobe products and services that are deployed in multi-tenant environments. Customers can choose their subscription preferences to get email notifications whenever Adobe creates, updates or resolves a product event. This can include scheduled maintenance or service issues of varying levels of severity. </a:t>
                       </a:r>
-                      <a:br>
-                        <a:rPr lang="pt-BR" sz="1000" dirty="0">
-                          <a:solidFill>
-                            <a:srgbClr val="000000"/>
-                          </a:solidFill>
-                          <a:latin typeface="Adobe Clean Light"/>
-                          <a:ea typeface="+mn-ea"/>
-                          <a:cs typeface="+mn-cs"/>
-                        </a:rPr>
-                      </a:br>
-                      <a:r>
-                        <a:rPr lang="pt-BR" sz="1000" dirty="0">
-                          <a:solidFill>
-                            <a:srgbClr val="000000"/>
-                          </a:solidFill>
-                          <a:latin typeface="Adobe Clean Light"/>
-                          <a:ea typeface="+mn-ea"/>
-                          <a:cs typeface="+mn-cs"/>
-                        </a:rPr>
-                        <a:t>os produtos e serviços da Adobe implantados em ambientes de vários locatários. Os clientes podem escolher suas preferências de subscrição para receber notificações por </a:t>
-                      </a:r>
-                      <a:r>
-                        <a:rPr lang="pt-BR" sz="1000" dirty="0" err="1">
-                          <a:solidFill>
-                            <a:srgbClr val="000000"/>
-                          </a:solidFill>
-                          <a:latin typeface="Adobe Clean Light"/>
-                          <a:ea typeface="+mn-ea"/>
-                          <a:cs typeface="+mn-cs"/>
-                        </a:rPr>
-                        <a:t>email</a:t>
-                      </a:r>
-                      <a:r>
-                        <a:rPr lang="pt-BR" sz="1000" dirty="0">
-                          <a:solidFill>
-                            <a:srgbClr val="000000"/>
-                          </a:solidFill>
-                          <a:latin typeface="Adobe Clean Light"/>
-                          <a:ea typeface="+mn-ea"/>
-                          <a:cs typeface="+mn-cs"/>
-                        </a:rPr>
-                        <a:t> sempre que a Adobe criar, atualizar </a:t>
-                      </a:r>
-                      <a:br>
-                        <a:rPr lang="pt-BR" sz="1000" dirty="0">
-                          <a:solidFill>
-                            <a:srgbClr val="000000"/>
-                          </a:solidFill>
-                          <a:latin typeface="Adobe Clean Light"/>
-                          <a:ea typeface="+mn-ea"/>
-                          <a:cs typeface="+mn-cs"/>
-                        </a:rPr>
-                      </a:br>
-                      <a:r>
-                        <a:rPr lang="pt-BR" sz="1000" dirty="0">
-                          <a:solidFill>
-                            <a:srgbClr val="000000"/>
-                          </a:solidFill>
-                          <a:latin typeface="Adobe Clean Light"/>
-                          <a:ea typeface="+mn-ea"/>
-                          <a:cs typeface="+mn-cs"/>
-                        </a:rPr>
-                        <a:t>ou resolver um evento de produto. Isso pode incluir manutenção programada ou problemas de serviço com diferentes níveis de gravidade. </a:t>
-                      </a:r>
+                      <a:endParaRPr lang="en-US" sz="1000" kern="1200">
+                        <a:solidFill>
+                          <a:srgbClr val="000000"/>
+                        </a:solidFill>
+                        <a:latin typeface="Adobe Clean Light" panose="020B0303020404020204" pitchFamily="34" charset="0"/>
+                        <a:ea typeface="+mn-ea"/>
+                        <a:cs typeface="+mn-cs"/>
+                      </a:endParaRPr>
                     </a:p>
                   </a:txBody>
                   <a:tcPr anchor="ctr">
@@ -15060,17 +18225,27 @@
                         <a:defRPr/>
                       </a:pPr>
                       <a:r>
-                        <a:rPr lang="pt-BR" sz="1100">
+                        <a:rPr lang="en-US" sz="1100" dirty="0">
                           <a:solidFill>
                             <a:schemeClr val="tx1"/>
                           </a:solidFill>
+                          <a:effectLst/>
                           <a:latin typeface="Adobe Clean"/>
                           <a:ea typeface="+mn-ea"/>
                           <a:cs typeface="+mn-cs"/>
                           <a:hlinkClick r:id="rId10"/>
                         </a:rPr>
-                        <a:t>Termos e condições</a:t>
+                        <a:t>Terms and Conditions</a:t>
                       </a:r>
+                      <a:endParaRPr lang="en-US" sz="1100" dirty="0">
+                        <a:solidFill>
+                          <a:schemeClr val="tx1"/>
+                        </a:solidFill>
+                        <a:effectLst/>
+                        <a:latin typeface="Adobe Clean"/>
+                        <a:ea typeface="+mn-ea"/>
+                        <a:cs typeface="+mn-cs"/>
+                      </a:endParaRPr>
                     </a:p>
                   </a:txBody>
                   <a:tcPr anchor="ctr">
@@ -15127,7 +18302,7 @@
                     <a:lstStyle/>
                     <a:p>
                       <a:r>
-                        <a:rPr lang="pt-BR" sz="1000" dirty="0">
+                        <a:rPr lang="en-US" sz="1000" kern="1200" dirty="0">
                           <a:solidFill>
                             <a:srgbClr val="000000"/>
                           </a:solidFill>
@@ -15135,8 +18310,16 @@
                           <a:ea typeface="+mn-ea"/>
                           <a:cs typeface="+mn-cs"/>
                         </a:rPr>
-                        <a:t>Os Termos e condições que detalham os serviços de suporte.</a:t>
+                        <a:t>Terms and conditions detailing Support Services offerings.</a:t>
                       </a:r>
+                      <a:endParaRPr lang="en-US" sz="1000" kern="1200" dirty="0">
+                        <a:solidFill>
+                          <a:srgbClr val="000000"/>
+                        </a:solidFill>
+                        <a:latin typeface="Adobe Clean Light" panose="020B0303020404020204" pitchFamily="34" charset="0"/>
+                        <a:ea typeface="+mn-ea"/>
+                        <a:cs typeface="+mn-cs"/>
+                      </a:endParaRPr>
                     </a:p>
                   </a:txBody>
                   <a:tcPr anchor="ctr">
@@ -16128,16 +19311,16 @@
 <file path=customXml/itemProps1.xml><?xml version="1.0" encoding="utf-8"?>
 <ds:datastoreItem xmlns:ds="http://schemas.openxmlformats.org/officeDocument/2006/customXml" ds:itemID="{ED4099BE-EDEC-4FF1-8378-446617236015}">
   <ds:schemaRefs>
+    <ds:schemaRef ds:uri="8a053bff-88be-49e4-9a87-e748e18b8b62"/>
+    <ds:schemaRef ds:uri="http://purl.org/dc/elements/1.1/"/>
+    <ds:schemaRef ds:uri="http://schemas.microsoft.com/office/2006/metadata/properties"/>
+    <ds:schemaRef ds:uri="http://www.w3.org/XML/1998/namespace"/>
+    <ds:schemaRef ds:uri="http://purl.org/dc/dcmitype/"/>
+    <ds:schemaRef ds:uri="http://schemas.microsoft.com/office/2006/documentManagement/types"/>
+    <ds:schemaRef ds:uri="http://schemas.openxmlformats.org/package/2006/metadata/core-properties"/>
+    <ds:schemaRef ds:uri="http://schemas.microsoft.com/office/infopath/2007/PartnerControls"/>
     <ds:schemaRef ds:uri="6c8368ec-3776-49b5-a5bb-90648cf9530f"/>
-    <ds:schemaRef ds:uri="8a053bff-88be-49e4-9a87-e748e18b8b62"/>
-    <ds:schemaRef ds:uri="http://purl.org/dc/dcmitype/"/>
-    <ds:schemaRef ds:uri="http://purl.org/dc/elements/1.1/"/>
     <ds:schemaRef ds:uri="http://purl.org/dc/terms/"/>
-    <ds:schemaRef ds:uri="http://schemas.microsoft.com/office/2006/documentManagement/types"/>
-    <ds:schemaRef ds:uri="http://schemas.microsoft.com/office/2006/metadata/properties"/>
-    <ds:schemaRef ds:uri="http://schemas.microsoft.com/office/infopath/2007/PartnerControls"/>
-    <ds:schemaRef ds:uri="http://schemas.openxmlformats.org/package/2006/metadata/core-properties"/>
-    <ds:schemaRef ds:uri="http://www.w3.org/XML/1998/namespace"/>
   </ds:schemaRefs>
 </ds:datastoreItem>
 </file>

--- a/help/data-sheets/assets/EnterpriseSupportDatasheet.pptx
+++ b/help/data-sheets/assets/EnterpriseSupportDatasheet.pptx
@@ -144,9 +144,388 @@
 <file path=ppt/revisionInfo.xml><?xml version="1.0" encoding="utf-8"?>
 <p1510:revInfo xmlns:a="http://schemas.openxmlformats.org/drawingml/2006/main" xmlns:r="http://schemas.openxmlformats.org/officeDocument/2006/relationships" xmlns:p1510="http://schemas.microsoft.com/office/powerpoint/2015/10/main">
   <p1510:revLst>
-    <p1510:client id="{51054313-E3E9-A543-B651-B15A687DE6AB}" v="3" dt="2021-12-06T17:04:25.104"/>
+    <p1510:client id="{19826C17-B3F5-53A1-AAFF-C7771804C7A7}" v="128" dt="2021-10-13T18:50:39.613"/>
+    <p1510:client id="{1A3D389F-0E00-444F-BDF7-5C174E20EEC2}" v="2" dt="2021-10-13T19:33:05.183"/>
+    <p1510:client id="{D02E726A-82A5-CF13-9EBE-9B674D878D37}" v="22" dt="2021-10-12T19:51:27.470"/>
   </p1510:revLst>
 </p1510:revInfo>
+</file>
+
+<file path=ppt/changesInfos/changesInfo1.xml><?xml version="1.0" encoding="utf-8"?>
+<pc:chgInfo xmlns:a="http://schemas.openxmlformats.org/drawingml/2006/main" xmlns:r="http://schemas.openxmlformats.org/officeDocument/2006/relationships" xmlns:ac="http://schemas.microsoft.com/office/drawing/2013/main/command" xmlns:pc="http://schemas.microsoft.com/office/powerpoint/2013/main/command">
+  <pc:docChgLst>
+    <pc:chgData name="Akilah Johnson" userId="S::akjohnso@adobe.com::2fa3aa60-0c9c-4d06-bae2-795983241227" providerId="AD" clId="Web-{0AB2EF93-BE08-D205-D43E-3B568BB37DAA}"/>
+    <pc:docChg chg="modSld">
+      <pc:chgData name="Akilah Johnson" userId="S::akjohnso@adobe.com::2fa3aa60-0c9c-4d06-bae2-795983241227" providerId="AD" clId="Web-{0AB2EF93-BE08-D205-D43E-3B568BB37DAA}" dt="2021-09-22T23:01:45.877" v="13"/>
+      <pc:docMkLst>
+        <pc:docMk/>
+      </pc:docMkLst>
+      <pc:sldChg chg="modSp">
+        <pc:chgData name="Akilah Johnson" userId="S::akjohnso@adobe.com::2fa3aa60-0c9c-4d06-bae2-795983241227" providerId="AD" clId="Web-{0AB2EF93-BE08-D205-D43E-3B568BB37DAA}" dt="2021-09-22T23:01:45.877" v="13"/>
+        <pc:sldMkLst>
+          <pc:docMk/>
+          <pc:sldMk cId="1050037809" sldId="261"/>
+        </pc:sldMkLst>
+        <pc:graphicFrameChg chg="mod modGraphic">
+          <ac:chgData name="Akilah Johnson" userId="S::akjohnso@adobe.com::2fa3aa60-0c9c-4d06-bae2-795983241227" providerId="AD" clId="Web-{0AB2EF93-BE08-D205-D43E-3B568BB37DAA}" dt="2021-09-22T23:01:45.877" v="13"/>
+          <ac:graphicFrameMkLst>
+            <pc:docMk/>
+            <pc:sldMk cId="1050037809" sldId="261"/>
+            <ac:graphicFrameMk id="25" creationId="{3A91F5B0-3974-A14D-A146-FB590F2AAD18}"/>
+          </ac:graphicFrameMkLst>
+        </pc:graphicFrameChg>
+      </pc:sldChg>
+    </pc:docChg>
+  </pc:docChgLst>
+  <pc:docChgLst>
+    <pc:chgData name="Akilah Johnson" userId="S::akjohnso@adobe.com::2fa3aa60-0c9c-4d06-bae2-795983241227" providerId="AD" clId="Web-{0AC6A3A1-0788-C69A-5EFD-279F3FA2CF0F}"/>
+    <pc:docChg chg="modSld">
+      <pc:chgData name="Akilah Johnson" userId="S::akjohnso@adobe.com::2fa3aa60-0c9c-4d06-bae2-795983241227" providerId="AD" clId="Web-{0AC6A3A1-0788-C69A-5EFD-279F3FA2CF0F}" dt="2021-09-22T18:56:17.553" v="29"/>
+      <pc:docMkLst>
+        <pc:docMk/>
+      </pc:docMkLst>
+      <pc:sldChg chg="modSp delCm">
+        <pc:chgData name="Akilah Johnson" userId="S::akjohnso@adobe.com::2fa3aa60-0c9c-4d06-bae2-795983241227" providerId="AD" clId="Web-{0AC6A3A1-0788-C69A-5EFD-279F3FA2CF0F}" dt="2021-09-22T18:56:17.553" v="29"/>
+        <pc:sldMkLst>
+          <pc:docMk/>
+          <pc:sldMk cId="1050037809" sldId="261"/>
+        </pc:sldMkLst>
+        <pc:spChg chg="mod">
+          <ac:chgData name="Akilah Johnson" userId="S::akjohnso@adobe.com::2fa3aa60-0c9c-4d06-bae2-795983241227" providerId="AD" clId="Web-{0AC6A3A1-0788-C69A-5EFD-279F3FA2CF0F}" dt="2021-09-22T18:55:46.585" v="16" actId="20577"/>
+          <ac:spMkLst>
+            <pc:docMk/>
+            <pc:sldMk cId="1050037809" sldId="261"/>
+            <ac:spMk id="64" creationId="{41467BDC-3D83-D844-B922-CD07E94E5AAB}"/>
+          </ac:spMkLst>
+        </pc:spChg>
+        <pc:graphicFrameChg chg="mod modGraphic">
+          <ac:chgData name="Akilah Johnson" userId="S::akjohnso@adobe.com::2fa3aa60-0c9c-4d06-bae2-795983241227" providerId="AD" clId="Web-{0AC6A3A1-0788-C69A-5EFD-279F3FA2CF0F}" dt="2021-09-22T18:55:59.928" v="28"/>
+          <ac:graphicFrameMkLst>
+            <pc:docMk/>
+            <pc:sldMk cId="1050037809" sldId="261"/>
+            <ac:graphicFrameMk id="25" creationId="{3A91F5B0-3974-A14D-A146-FB590F2AAD18}"/>
+          </ac:graphicFrameMkLst>
+        </pc:graphicFrameChg>
+      </pc:sldChg>
+    </pc:docChg>
+  </pc:docChgLst>
+  <pc:docChgLst>
+    <pc:chgData name="Akilah Johnson" userId="S::akjohnso@adobe.com::2fa3aa60-0c9c-4d06-bae2-795983241227" providerId="AD" clId="Web-{19826C17-B3F5-53A1-AAFF-C7771804C7A7}"/>
+    <pc:docChg chg="modSld">
+      <pc:chgData name="Akilah Johnson" userId="S::akjohnso@adobe.com::2fa3aa60-0c9c-4d06-bae2-795983241227" providerId="AD" clId="Web-{19826C17-B3F5-53A1-AAFF-C7771804C7A7}" dt="2021-10-13T18:50:21.160" v="67"/>
+      <pc:docMkLst>
+        <pc:docMk/>
+      </pc:docMkLst>
+      <pc:sldChg chg="modSp">
+        <pc:chgData name="Akilah Johnson" userId="S::akjohnso@adobe.com::2fa3aa60-0c9c-4d06-bae2-795983241227" providerId="AD" clId="Web-{19826C17-B3F5-53A1-AAFF-C7771804C7A7}" dt="2021-10-13T18:38:26.810" v="9" actId="20577"/>
+        <pc:sldMkLst>
+          <pc:docMk/>
+          <pc:sldMk cId="5960377" sldId="259"/>
+        </pc:sldMkLst>
+        <pc:spChg chg="mod">
+          <ac:chgData name="Akilah Johnson" userId="S::akjohnso@adobe.com::2fa3aa60-0c9c-4d06-bae2-795983241227" providerId="AD" clId="Web-{19826C17-B3F5-53A1-AAFF-C7771804C7A7}" dt="2021-10-13T18:38:26.810" v="9" actId="20577"/>
+          <ac:spMkLst>
+            <pc:docMk/>
+            <pc:sldMk cId="5960377" sldId="259"/>
+            <ac:spMk id="75" creationId="{4602CC83-B0C7-8445-9007-87E67CDDD9D0}"/>
+          </ac:spMkLst>
+        </pc:spChg>
+        <pc:spChg chg="mod">
+          <ac:chgData name="Akilah Johnson" userId="S::akjohnso@adobe.com::2fa3aa60-0c9c-4d06-bae2-795983241227" providerId="AD" clId="Web-{19826C17-B3F5-53A1-AAFF-C7771804C7A7}" dt="2021-10-13T18:38:17.716" v="5" actId="20577"/>
+          <ac:spMkLst>
+            <pc:docMk/>
+            <pc:sldMk cId="5960377" sldId="259"/>
+            <ac:spMk id="83" creationId="{7A016ADC-2A30-8A4B-BE07-A9AB6C1898A7}"/>
+          </ac:spMkLst>
+        </pc:spChg>
+        <pc:spChg chg="mod">
+          <ac:chgData name="Akilah Johnson" userId="S::akjohnso@adobe.com::2fa3aa60-0c9c-4d06-bae2-795983241227" providerId="AD" clId="Web-{19826C17-B3F5-53A1-AAFF-C7771804C7A7}" dt="2021-10-13T18:38:19.654" v="6" actId="20577"/>
+          <ac:spMkLst>
+            <pc:docMk/>
+            <pc:sldMk cId="5960377" sldId="259"/>
+            <ac:spMk id="87" creationId="{57C0C871-6516-F145-97DA-27A143E6185C}"/>
+          </ac:spMkLst>
+        </pc:spChg>
+        <pc:spChg chg="mod">
+          <ac:chgData name="Akilah Johnson" userId="S::akjohnso@adobe.com::2fa3aa60-0c9c-4d06-bae2-795983241227" providerId="AD" clId="Web-{19826C17-B3F5-53A1-AAFF-C7771804C7A7}" dt="2021-10-13T18:38:14.044" v="4" actId="20577"/>
+          <ac:spMkLst>
+            <pc:docMk/>
+            <pc:sldMk cId="5960377" sldId="259"/>
+            <ac:spMk id="124" creationId="{14AAF776-9013-4C40-92F9-FFFE22C4038F}"/>
+          </ac:spMkLst>
+        </pc:spChg>
+        <pc:spChg chg="mod">
+          <ac:chgData name="Akilah Johnson" userId="S::akjohnso@adobe.com::2fa3aa60-0c9c-4d06-bae2-795983241227" providerId="AD" clId="Web-{19826C17-B3F5-53A1-AAFF-C7771804C7A7}" dt="2021-10-13T18:38:10.013" v="2" actId="20577"/>
+          <ac:spMkLst>
+            <pc:docMk/>
+            <pc:sldMk cId="5960377" sldId="259"/>
+            <ac:spMk id="125" creationId="{AF4EBBF5-5438-A043-B9AA-3822381D52EE}"/>
+          </ac:spMkLst>
+        </pc:spChg>
+        <pc:spChg chg="mod">
+          <ac:chgData name="Akilah Johnson" userId="S::akjohnso@adobe.com::2fa3aa60-0c9c-4d06-bae2-795983241227" providerId="AD" clId="Web-{19826C17-B3F5-53A1-AAFF-C7771804C7A7}" dt="2021-10-13T18:38:12.263" v="3" actId="20577"/>
+          <ac:spMkLst>
+            <pc:docMk/>
+            <pc:sldMk cId="5960377" sldId="259"/>
+            <ac:spMk id="126" creationId="{7F65676D-32E4-7B4B-BB85-4D504B5882BD}"/>
+          </ac:spMkLst>
+        </pc:spChg>
+      </pc:sldChg>
+      <pc:sldChg chg="modSp">
+        <pc:chgData name="Akilah Johnson" userId="S::akjohnso@adobe.com::2fa3aa60-0c9c-4d06-bae2-795983241227" providerId="AD" clId="Web-{19826C17-B3F5-53A1-AAFF-C7771804C7A7}" dt="2021-10-13T18:40:23.717" v="19" actId="20577"/>
+        <pc:sldMkLst>
+          <pc:docMk/>
+          <pc:sldMk cId="1050037809" sldId="261"/>
+        </pc:sldMkLst>
+        <pc:spChg chg="mod">
+          <ac:chgData name="Akilah Johnson" userId="S::akjohnso@adobe.com::2fa3aa60-0c9c-4d06-bae2-795983241227" providerId="AD" clId="Web-{19826C17-B3F5-53A1-AAFF-C7771804C7A7}" dt="2021-10-13T18:40:23.717" v="19" actId="20577"/>
+          <ac:spMkLst>
+            <pc:docMk/>
+            <pc:sldMk cId="1050037809" sldId="261"/>
+            <ac:spMk id="56" creationId="{00000000-0000-0000-0000-000000000000}"/>
+          </ac:spMkLst>
+        </pc:spChg>
+        <pc:graphicFrameChg chg="mod modGraphic">
+          <ac:chgData name="Akilah Johnson" userId="S::akjohnso@adobe.com::2fa3aa60-0c9c-4d06-bae2-795983241227" providerId="AD" clId="Web-{19826C17-B3F5-53A1-AAFF-C7771804C7A7}" dt="2021-10-13T18:39:38.154" v="17"/>
+          <ac:graphicFrameMkLst>
+            <pc:docMk/>
+            <pc:sldMk cId="1050037809" sldId="261"/>
+            <ac:graphicFrameMk id="111" creationId="{D8653CEC-4213-DE40-9BAF-D1E3318FF89C}"/>
+          </ac:graphicFrameMkLst>
+        </pc:graphicFrameChg>
+      </pc:sldChg>
+      <pc:sldChg chg="modSp">
+        <pc:chgData name="Akilah Johnson" userId="S::akjohnso@adobe.com::2fa3aa60-0c9c-4d06-bae2-795983241227" providerId="AD" clId="Web-{19826C17-B3F5-53A1-AAFF-C7771804C7A7}" dt="2021-10-13T18:39:10.373" v="15" actId="20577"/>
+        <pc:sldMkLst>
+          <pc:docMk/>
+          <pc:sldMk cId="717026355" sldId="266"/>
+        </pc:sldMkLst>
+        <pc:spChg chg="mod">
+          <ac:chgData name="Akilah Johnson" userId="S::akjohnso@adobe.com::2fa3aa60-0c9c-4d06-bae2-795983241227" providerId="AD" clId="Web-{19826C17-B3F5-53A1-AAFF-C7771804C7A7}" dt="2021-10-13T18:39:10.373" v="15" actId="20577"/>
+          <ac:spMkLst>
+            <pc:docMk/>
+            <pc:sldMk cId="717026355" sldId="266"/>
+            <ac:spMk id="9" creationId="{00000000-0000-0000-0000-000000000000}"/>
+          </ac:spMkLst>
+        </pc:spChg>
+        <pc:spChg chg="mod">
+          <ac:chgData name="Akilah Johnson" userId="S::akjohnso@adobe.com::2fa3aa60-0c9c-4d06-bae2-795983241227" providerId="AD" clId="Web-{19826C17-B3F5-53A1-AAFF-C7771804C7A7}" dt="2021-10-13T18:38:44.029" v="11" actId="20577"/>
+          <ac:spMkLst>
+            <pc:docMk/>
+            <pc:sldMk cId="717026355" sldId="266"/>
+            <ac:spMk id="82" creationId="{F6061E8D-9723-464D-AA49-7A3A3A02BE92}"/>
+          </ac:spMkLst>
+        </pc:spChg>
+        <pc:spChg chg="mod">
+          <ac:chgData name="Akilah Johnson" userId="S::akjohnso@adobe.com::2fa3aa60-0c9c-4d06-bae2-795983241227" providerId="AD" clId="Web-{19826C17-B3F5-53A1-AAFF-C7771804C7A7}" dt="2021-10-13T18:39:00.638" v="13" actId="20577"/>
+          <ac:spMkLst>
+            <pc:docMk/>
+            <pc:sldMk cId="717026355" sldId="266"/>
+            <ac:spMk id="83" creationId="{BB34E685-A734-974B-A33A-BE51D1A8BC0D}"/>
+          </ac:spMkLst>
+        </pc:spChg>
+      </pc:sldChg>
+      <pc:sldChg chg="modSp">
+        <pc:chgData name="Akilah Johnson" userId="S::akjohnso@adobe.com::2fa3aa60-0c9c-4d06-bae2-795983241227" providerId="AD" clId="Web-{19826C17-B3F5-53A1-AAFF-C7771804C7A7}" dt="2021-10-13T18:50:21.160" v="67"/>
+        <pc:sldMkLst>
+          <pc:docMk/>
+          <pc:sldMk cId="2161849182" sldId="267"/>
+        </pc:sldMkLst>
+        <pc:graphicFrameChg chg="mod modGraphic">
+          <ac:chgData name="Akilah Johnson" userId="S::akjohnso@adobe.com::2fa3aa60-0c9c-4d06-bae2-795983241227" providerId="AD" clId="Web-{19826C17-B3F5-53A1-AAFF-C7771804C7A7}" dt="2021-10-13T18:50:21.160" v="67"/>
+          <ac:graphicFrameMkLst>
+            <pc:docMk/>
+            <pc:sldMk cId="2161849182" sldId="267"/>
+            <ac:graphicFrameMk id="9" creationId="{00000000-0000-0000-0000-000000000000}"/>
+          </ac:graphicFrameMkLst>
+        </pc:graphicFrameChg>
+      </pc:sldChg>
+    </pc:docChg>
+  </pc:docChgLst>
+  <pc:docChgLst>
+    <pc:chgData name="Akilah Johnson" userId="S::akjohnso@adobe.com::2fa3aa60-0c9c-4d06-bae2-795983241227" providerId="AD" clId="Web-{112231ED-4F38-A856-2EFF-9D0F88AC9BDF}"/>
+    <pc:docChg chg="modSld">
+      <pc:chgData name="Akilah Johnson" userId="S::akjohnso@adobe.com::2fa3aa60-0c9c-4d06-bae2-795983241227" providerId="AD" clId="Web-{112231ED-4F38-A856-2EFF-9D0F88AC9BDF}" dt="2021-09-22T19:11:31.474" v="2" actId="1076"/>
+      <pc:docMkLst>
+        <pc:docMk/>
+      </pc:docMkLst>
+      <pc:sldChg chg="modSp">
+        <pc:chgData name="Akilah Johnson" userId="S::akjohnso@adobe.com::2fa3aa60-0c9c-4d06-bae2-795983241227" providerId="AD" clId="Web-{112231ED-4F38-A856-2EFF-9D0F88AC9BDF}" dt="2021-09-22T19:11:31.474" v="2" actId="1076"/>
+        <pc:sldMkLst>
+          <pc:docMk/>
+          <pc:sldMk cId="1050037809" sldId="261"/>
+        </pc:sldMkLst>
+        <pc:spChg chg="mod">
+          <ac:chgData name="Akilah Johnson" userId="S::akjohnso@adobe.com::2fa3aa60-0c9c-4d06-bae2-795983241227" providerId="AD" clId="Web-{112231ED-4F38-A856-2EFF-9D0F88AC9BDF}" dt="2021-09-22T19:11:31.474" v="2" actId="1076"/>
+          <ac:spMkLst>
+            <pc:docMk/>
+            <pc:sldMk cId="1050037809" sldId="261"/>
+            <ac:spMk id="23" creationId="{00000000-0000-0000-0000-000000000000}"/>
+          </ac:spMkLst>
+        </pc:spChg>
+        <pc:spChg chg="mod">
+          <ac:chgData name="Akilah Johnson" userId="S::akjohnso@adobe.com::2fa3aa60-0c9c-4d06-bae2-795983241227" providerId="AD" clId="Web-{112231ED-4F38-A856-2EFF-9D0F88AC9BDF}" dt="2021-09-22T19:08:28.879" v="0" actId="1076"/>
+          <ac:spMkLst>
+            <pc:docMk/>
+            <pc:sldMk cId="1050037809" sldId="261"/>
+            <ac:spMk id="64" creationId="{41467BDC-3D83-D844-B922-CD07E94E5AAB}"/>
+          </ac:spMkLst>
+        </pc:spChg>
+      </pc:sldChg>
+    </pc:docChg>
+  </pc:docChgLst>
+  <pc:docChgLst>
+    <pc:chgData name="Andy Witt" userId="S::awitt@adobe.com::e9157bdf-53b2-40e4-9459-936793d75696" providerId="AD" clId="Web-{3F02B349-0406-AE51-D438-E7A0BE890230}"/>
+    <pc:docChg chg="modSld">
+      <pc:chgData name="Andy Witt" userId="S::awitt@adobe.com::e9157bdf-53b2-40e4-9459-936793d75696" providerId="AD" clId="Web-{3F02B349-0406-AE51-D438-E7A0BE890230}" dt="2021-08-25T18:45:07.550" v="11"/>
+      <pc:docMkLst>
+        <pc:docMk/>
+      </pc:docMkLst>
+      <pc:sldChg chg="modSp">
+        <pc:chgData name="Andy Witt" userId="S::awitt@adobe.com::e9157bdf-53b2-40e4-9459-936793d75696" providerId="AD" clId="Web-{3F02B349-0406-AE51-D438-E7A0BE890230}" dt="2021-08-25T18:45:07.550" v="11"/>
+        <pc:sldMkLst>
+          <pc:docMk/>
+          <pc:sldMk cId="1050037809" sldId="261"/>
+        </pc:sldMkLst>
+        <pc:graphicFrameChg chg="mod modGraphic">
+          <ac:chgData name="Andy Witt" userId="S::awitt@adobe.com::e9157bdf-53b2-40e4-9459-936793d75696" providerId="AD" clId="Web-{3F02B349-0406-AE51-D438-E7A0BE890230}" dt="2021-08-25T18:45:07.550" v="11"/>
+          <ac:graphicFrameMkLst>
+            <pc:docMk/>
+            <pc:sldMk cId="1050037809" sldId="261"/>
+            <ac:graphicFrameMk id="25" creationId="{3A91F5B0-3974-A14D-A146-FB590F2AAD18}"/>
+          </ac:graphicFrameMkLst>
+        </pc:graphicFrameChg>
+      </pc:sldChg>
+    </pc:docChg>
+  </pc:docChgLst>
+  <pc:docChgLst>
+    <pc:chgData name="Akilah Johnson" userId="S::akjohnso@adobe.com::2fa3aa60-0c9c-4d06-bae2-795983241227" providerId="AD" clId="Web-{3CA2F123-FAC9-2CDD-7937-C83283BA7837}"/>
+    <pc:docChg chg="modSld">
+      <pc:chgData name="Akilah Johnson" userId="S::akjohnso@adobe.com::2fa3aa60-0c9c-4d06-bae2-795983241227" providerId="AD" clId="Web-{3CA2F123-FAC9-2CDD-7937-C83283BA7837}" dt="2021-09-16T20:58:19.458" v="0" actId="1076"/>
+      <pc:docMkLst>
+        <pc:docMk/>
+      </pc:docMkLst>
+      <pc:sldChg chg="modSp">
+        <pc:chgData name="Akilah Johnson" userId="S::akjohnso@adobe.com::2fa3aa60-0c9c-4d06-bae2-795983241227" providerId="AD" clId="Web-{3CA2F123-FAC9-2CDD-7937-C83283BA7837}" dt="2021-09-16T20:58:19.458" v="0" actId="1076"/>
+        <pc:sldMkLst>
+          <pc:docMk/>
+          <pc:sldMk cId="717026355" sldId="266"/>
+        </pc:sldMkLst>
+        <pc:spChg chg="mod">
+          <ac:chgData name="Akilah Johnson" userId="S::akjohnso@adobe.com::2fa3aa60-0c9c-4d06-bae2-795983241227" providerId="AD" clId="Web-{3CA2F123-FAC9-2CDD-7937-C83283BA7837}" dt="2021-09-16T20:58:19.458" v="0" actId="1076"/>
+          <ac:spMkLst>
+            <pc:docMk/>
+            <pc:sldMk cId="717026355" sldId="266"/>
+            <ac:spMk id="83" creationId="{BB34E685-A734-974B-A33A-BE51D1A8BC0D}"/>
+          </ac:spMkLst>
+        </pc:spChg>
+      </pc:sldChg>
+    </pc:docChg>
+  </pc:docChgLst>
+  <pc:docChgLst>
+    <pc:chgData name="Akilah Johnson" userId="S::akjohnso@adobe.com::2fa3aa60-0c9c-4d06-bae2-795983241227" providerId="AD" clId="Web-{A40C3D7D-993B-38B2-2DDA-C562505A1054}"/>
+    <pc:docChg chg="modSld">
+      <pc:chgData name="Akilah Johnson" userId="S::akjohnso@adobe.com::2fa3aa60-0c9c-4d06-bae2-795983241227" providerId="AD" clId="Web-{A40C3D7D-993B-38B2-2DDA-C562505A1054}" dt="2021-09-22T23:00:46.860" v="3"/>
+      <pc:docMkLst>
+        <pc:docMk/>
+      </pc:docMkLst>
+      <pc:sldChg chg="modSp">
+        <pc:chgData name="Akilah Johnson" userId="S::akjohnso@adobe.com::2fa3aa60-0c9c-4d06-bae2-795983241227" providerId="AD" clId="Web-{A40C3D7D-993B-38B2-2DDA-C562505A1054}" dt="2021-09-22T23:00:46.860" v="3"/>
+        <pc:sldMkLst>
+          <pc:docMk/>
+          <pc:sldMk cId="1050037809" sldId="261"/>
+        </pc:sldMkLst>
+        <pc:graphicFrameChg chg="mod modGraphic">
+          <ac:chgData name="Akilah Johnson" userId="S::akjohnso@adobe.com::2fa3aa60-0c9c-4d06-bae2-795983241227" providerId="AD" clId="Web-{A40C3D7D-993B-38B2-2DDA-C562505A1054}" dt="2021-09-22T23:00:46.860" v="3"/>
+          <ac:graphicFrameMkLst>
+            <pc:docMk/>
+            <pc:sldMk cId="1050037809" sldId="261"/>
+            <ac:graphicFrameMk id="25" creationId="{3A91F5B0-3974-A14D-A146-FB590F2AAD18}"/>
+          </ac:graphicFrameMkLst>
+        </pc:graphicFrameChg>
+      </pc:sldChg>
+    </pc:docChg>
+  </pc:docChgLst>
+  <pc:docChgLst>
+    <pc:chgData name="Akilah Johnson" userId="S::akjohnso@adobe.com::2fa3aa60-0c9c-4d06-bae2-795983241227" providerId="AD" clId="Web-{D02E726A-82A5-CF13-9EBE-9B674D878D37}"/>
+    <pc:docChg chg="modSld">
+      <pc:chgData name="Akilah Johnson" userId="S::akjohnso@adobe.com::2fa3aa60-0c9c-4d06-bae2-795983241227" providerId="AD" clId="Web-{D02E726A-82A5-CF13-9EBE-9B674D878D37}" dt="2021-10-12T19:51:27.470" v="10"/>
+      <pc:docMkLst>
+        <pc:docMk/>
+      </pc:docMkLst>
+      <pc:sldChg chg="modSp delCm">
+        <pc:chgData name="Akilah Johnson" userId="S::akjohnso@adobe.com::2fa3aa60-0c9c-4d06-bae2-795983241227" providerId="AD" clId="Web-{D02E726A-82A5-CF13-9EBE-9B674D878D37}" dt="2021-10-12T19:51:27.470" v="10"/>
+        <pc:sldMkLst>
+          <pc:docMk/>
+          <pc:sldMk cId="2161849182" sldId="267"/>
+        </pc:sldMkLst>
+        <pc:spChg chg="mod">
+          <ac:chgData name="Akilah Johnson" userId="S::akjohnso@adobe.com::2fa3aa60-0c9c-4d06-bae2-795983241227" providerId="AD" clId="Web-{D02E726A-82A5-CF13-9EBE-9B674D878D37}" dt="2021-10-12T19:51:04.127" v="8" actId="20577"/>
+          <ac:spMkLst>
+            <pc:docMk/>
+            <pc:sldMk cId="2161849182" sldId="267"/>
+            <ac:spMk id="2" creationId="{00000000-0000-0000-0000-000000000000}"/>
+          </ac:spMkLst>
+        </pc:spChg>
+      </pc:sldChg>
+    </pc:docChg>
+  </pc:docChgLst>
+  <pc:docChgLst>
+    <pc:chgData name="Lauren Schutte" userId="6e08b2d3-447a-4d66-86be-444d50df187f" providerId="ADAL" clId="{1A3D389F-0E00-444F-BDF7-5C174E20EEC2}"/>
+    <pc:docChg chg="undo custSel modSld">
+      <pc:chgData name="Lauren Schutte" userId="6e08b2d3-447a-4d66-86be-444d50df187f" providerId="ADAL" clId="{1A3D389F-0E00-444F-BDF7-5C174E20EEC2}" dt="2021-10-13T19:40:59.066" v="67" actId="20577"/>
+      <pc:docMkLst>
+        <pc:docMk/>
+      </pc:docMkLst>
+      <pc:sldChg chg="delSp modSp mod">
+        <pc:chgData name="Lauren Schutte" userId="6e08b2d3-447a-4d66-86be-444d50df187f" providerId="ADAL" clId="{1A3D389F-0E00-444F-BDF7-5C174E20EEC2}" dt="2021-10-13T19:40:25.578" v="61" actId="478"/>
+        <pc:sldMkLst>
+          <pc:docMk/>
+          <pc:sldMk cId="5960377" sldId="259"/>
+        </pc:sldMkLst>
+        <pc:spChg chg="mod">
+          <ac:chgData name="Lauren Schutte" userId="6e08b2d3-447a-4d66-86be-444d50df187f" providerId="ADAL" clId="{1A3D389F-0E00-444F-BDF7-5C174E20EEC2}" dt="2021-10-13T19:33:45.182" v="59" actId="20577"/>
+          <ac:spMkLst>
+            <pc:docMk/>
+            <pc:sldMk cId="5960377" sldId="259"/>
+            <ac:spMk id="127" creationId="{BB896A03-8E7E-344F-BDE1-37C49461FF04}"/>
+          </ac:spMkLst>
+        </pc:spChg>
+        <pc:grpChg chg="del mod">
+          <ac:chgData name="Lauren Schutte" userId="6e08b2d3-447a-4d66-86be-444d50df187f" providerId="ADAL" clId="{1A3D389F-0E00-444F-BDF7-5C174E20EEC2}" dt="2021-10-13T19:40:25.578" v="61" actId="478"/>
+          <ac:grpSpMkLst>
+            <pc:docMk/>
+            <pc:sldMk cId="5960377" sldId="259"/>
+            <ac:grpSpMk id="62" creationId="{C539739D-1D3E-204D-9819-C44D9AE36DE8}"/>
+          </ac:grpSpMkLst>
+        </pc:grpChg>
+      </pc:sldChg>
+      <pc:sldChg chg="modSp mod">
+        <pc:chgData name="Lauren Schutte" userId="6e08b2d3-447a-4d66-86be-444d50df187f" providerId="ADAL" clId="{1A3D389F-0E00-444F-BDF7-5C174E20EEC2}" dt="2021-10-13T19:40:59.066" v="67" actId="20577"/>
+        <pc:sldMkLst>
+          <pc:docMk/>
+          <pc:sldMk cId="2161849182" sldId="267"/>
+        </pc:sldMkLst>
+        <pc:spChg chg="mod">
+          <ac:chgData name="Lauren Schutte" userId="6e08b2d3-447a-4d66-86be-444d50df187f" providerId="ADAL" clId="{1A3D389F-0E00-444F-BDF7-5C174E20EEC2}" dt="2021-10-13T19:40:59.066" v="67" actId="20577"/>
+          <ac:spMkLst>
+            <pc:docMk/>
+            <pc:sldMk cId="2161849182" sldId="267"/>
+            <ac:spMk id="2" creationId="{00000000-0000-0000-0000-000000000000}"/>
+          </ac:spMkLst>
+        </pc:spChg>
+        <pc:graphicFrameChg chg="mod modGraphic">
+          <ac:chgData name="Lauren Schutte" userId="6e08b2d3-447a-4d66-86be-444d50df187f" providerId="ADAL" clId="{1A3D389F-0E00-444F-BDF7-5C174E20EEC2}" dt="2021-10-13T19:33:05.183" v="58"/>
+          <ac:graphicFrameMkLst>
+            <pc:docMk/>
+            <pc:sldMk cId="2161849182" sldId="267"/>
+            <ac:graphicFrameMk id="9" creationId="{00000000-0000-0000-0000-000000000000}"/>
+          </ac:graphicFrameMkLst>
+        </pc:graphicFrameChg>
+      </pc:sldChg>
+    </pc:docChg>
+  </pc:docChgLst>
+</pc:chgInfo>
 </file>
 
 <file path=ppt/comments/comment1.xml><?xml version="1.0" encoding="utf-8"?>
@@ -245,7 +624,7 @@
           <a:p>
             <a:fld id="{CCB2A597-803A-C244-97E2-A01066125D19}" type="datetimeFigureOut">
               <a:rPr lang="en-US" smtClean="0"/>
-              <a:t>12/9/2021</a:t>
+              <a:t>11/12/2021</a:t>
             </a:fld>
             <a:endParaRPr lang="en-US"/>
           </a:p>
@@ -1026,7 +1405,7 @@
           <a:p>
             <a:fld id="{1D8BD707-D9CF-40AE-B4C6-C98DA3205C09}" type="datetimeFigureOut">
               <a:rPr lang="en-US"/>
-              <a:t>12/9/2021</a:t>
+              <a:t>11/12/2021</a:t>
             </a:fld>
             <a:endParaRPr lang="en-US"/>
           </a:p>
@@ -1266,7 +1645,7 @@
           <a:p>
             <a:fld id="{1D8BD707-D9CF-40AE-B4C6-C98DA3205C09}" type="datetimeFigureOut">
               <a:rPr lang="en-US"/>
-              <a:t>12/9/2021</a:t>
+              <a:t>11/12/2021</a:t>
             </a:fld>
             <a:endParaRPr lang="en-US"/>
           </a:p>
@@ -1519,7 +1898,7 @@
           <a:p>
             <a:fld id="{1D8BD707-D9CF-40AE-B4C6-C98DA3205C09}" type="datetimeFigureOut">
               <a:rPr lang="en-US"/>
-              <a:t>12/9/2021</a:t>
+              <a:t>11/12/2021</a:t>
             </a:fld>
             <a:endParaRPr lang="en-US"/>
           </a:p>
@@ -1706,7 +2085,7 @@
           <a:p>
             <a:fld id="{1D8BD707-D9CF-40AE-B4C6-C98DA3205C09}" type="datetimeFigureOut">
               <a:rPr lang="en-US"/>
-              <a:t>12/9/2021</a:t>
+              <a:t>11/12/2021</a:t>
             </a:fld>
             <a:endParaRPr lang="en-US"/>
           </a:p>
@@ -1864,7 +2243,7 @@
           <a:p>
             <a:fld id="{1D8BD707-D9CF-40AE-B4C6-C98DA3205C09}" type="datetimeFigureOut">
               <a:rPr lang="en-US"/>
-              <a:t>12/9/2021</a:t>
+              <a:t>11/12/2021</a:t>
             </a:fld>
             <a:endParaRPr lang="en-US"/>
           </a:p>
@@ -2122,7 +2501,7 @@
           <a:p>
             <a:fld id="{1D8BD707-D9CF-40AE-B4C6-C98DA3205C09}" type="datetimeFigureOut">
               <a:rPr lang="en-US"/>
-              <a:t>12/9/2021</a:t>
+              <a:t>11/12/2021</a:t>
             </a:fld>
             <a:endParaRPr lang="en-US"/>
           </a:p>
@@ -2372,32 +2751,11 @@
               </a:spcBef>
             </a:pPr>
             <a:r>
-              <a:rPr sz="2300" dirty="0">
+              <a:rPr lang="pt-BR" sz="2300">
                 <a:latin typeface="Adobe Clean"/>
               </a:rPr>
-              <a:t>ADOBE</a:t>
-            </a:r>
-            <a:r>
-              <a:rPr lang="en-US" sz="2300" dirty="0">
-                <a:latin typeface="Adobe Clean"/>
-              </a:rPr>
-              <a:t> </a:t>
-            </a:r>
-            <a:r>
-              <a:rPr sz="2300" dirty="0">
-                <a:latin typeface="Adobe Clean"/>
-              </a:rPr>
-              <a:t>SUPPORT</a:t>
-            </a:r>
-            <a:r>
-              <a:rPr lang="en-US" sz="2300" dirty="0">
-                <a:latin typeface="Adobe Clean"/>
-              </a:rPr>
-              <a:t> PLANS</a:t>
-            </a:r>
-            <a:endParaRPr sz="2300" dirty="0">
-              <a:latin typeface="Adobe Clean" panose="020B0503020404020204" pitchFamily="34" charset="0"/>
-            </a:endParaRPr>
+              <a:t>PLANOS DE SUPORTE DA ADOBE</a:t>
+            </a:r>
           </a:p>
         </p:txBody>
       </p:sp>
@@ -2410,7 +2768,7 @@
         <p:spPr>
           <a:xfrm>
             <a:off x="125148" y="7013546"/>
-            <a:ext cx="2785110" cy="228268"/>
+            <a:ext cx="3875352" cy="228268"/>
           </a:xfrm>
           <a:prstGeom prst="rect">
             <a:avLst/>
@@ -2431,7 +2789,7 @@
               </a:spcBef>
             </a:pPr>
             <a:r>
-              <a:rPr sz="1400" b="1" u="sng" spc="15">
+              <a:rPr lang="pt-BR" sz="1400" b="1" u="sng" dirty="0">
                 <a:solidFill>
                   <a:srgbClr val="020302"/>
                 </a:solidFill>
@@ -2443,477 +2801,8 @@
                 <a:latin typeface="Adobe Clean"/>
                 <a:cs typeface="Adobe Clean"/>
               </a:rPr>
-              <a:t>S</a:t>
-            </a:r>
-            <a:r>
-              <a:rPr sz="1400" b="1" u="sng" spc="5">
-                <a:solidFill>
-                  <a:srgbClr val="020302"/>
-                </a:solidFill>
-                <a:uFill>
-                  <a:solidFill>
-                    <a:srgbClr val="020302"/>
-                  </a:solidFill>
-                </a:uFill>
-                <a:latin typeface="Adobe Clean"/>
-                <a:cs typeface="Adobe Clean"/>
-              </a:rPr>
-              <a:t>er</a:t>
-            </a:r>
-            <a:r>
-              <a:rPr sz="1400" b="1" u="sng" spc="10">
-                <a:solidFill>
-                  <a:srgbClr val="020302"/>
-                </a:solidFill>
-                <a:uFill>
-                  <a:solidFill>
-                    <a:srgbClr val="020302"/>
-                  </a:solidFill>
-                </a:uFill>
-                <a:latin typeface="Adobe Clean"/>
-                <a:cs typeface="Adobe Clean"/>
-              </a:rPr>
-              <a:t>vi</a:t>
-            </a:r>
-            <a:r>
-              <a:rPr sz="1400" b="1" u="sng" spc="5">
-                <a:solidFill>
-                  <a:srgbClr val="020302"/>
-                </a:solidFill>
-                <a:uFill>
-                  <a:solidFill>
-                    <a:srgbClr val="020302"/>
-                  </a:solidFill>
-                </a:uFill>
-                <a:latin typeface="Adobe Clean"/>
-                <a:cs typeface="Adobe Clean"/>
-              </a:rPr>
-              <a:t>c</a:t>
-            </a:r>
-            <a:r>
-              <a:rPr sz="1400" b="1" u="sng">
-                <a:solidFill>
-                  <a:srgbClr val="020302"/>
-                </a:solidFill>
-                <a:uFill>
-                  <a:solidFill>
-                    <a:srgbClr val="020302"/>
-                  </a:solidFill>
-                </a:uFill>
-                <a:latin typeface="Adobe Clean"/>
-                <a:cs typeface="Adobe Clean"/>
-              </a:rPr>
-              <a:t>e</a:t>
-            </a:r>
-            <a:r>
-              <a:rPr sz="1400" b="1" u="sng" spc="20">
-                <a:solidFill>
-                  <a:srgbClr val="020302"/>
-                </a:solidFill>
-                <a:uFill>
-                  <a:solidFill>
-                    <a:srgbClr val="020302"/>
-                  </a:solidFill>
-                </a:uFill>
-                <a:latin typeface="Adobe Clean"/>
-                <a:cs typeface="Adobe Clean"/>
-              </a:rPr>
-              <a:t> </a:t>
-            </a:r>
-            <a:r>
-              <a:rPr sz="1400" b="1" u="sng" spc="-15">
-                <a:solidFill>
-                  <a:srgbClr val="020302"/>
-                </a:solidFill>
-                <a:uFill>
-                  <a:solidFill>
-                    <a:srgbClr val="020302"/>
-                  </a:solidFill>
-                </a:uFill>
-                <a:latin typeface="Adobe Clean"/>
-                <a:cs typeface="Adobe Clean"/>
-              </a:rPr>
-              <a:t>Le</a:t>
-            </a:r>
-            <a:r>
-              <a:rPr sz="1400" b="1" u="sng" spc="-10">
-                <a:solidFill>
-                  <a:srgbClr val="020302"/>
-                </a:solidFill>
-                <a:uFill>
-                  <a:solidFill>
-                    <a:srgbClr val="020302"/>
-                  </a:solidFill>
-                </a:uFill>
-                <a:latin typeface="Adobe Clean"/>
-                <a:cs typeface="Adobe Clean"/>
-              </a:rPr>
-              <a:t>v</a:t>
-            </a:r>
-            <a:r>
-              <a:rPr sz="1400" b="1" u="sng" spc="-15">
-                <a:solidFill>
-                  <a:srgbClr val="020302"/>
-                </a:solidFill>
-                <a:uFill>
-                  <a:solidFill>
-                    <a:srgbClr val="020302"/>
-                  </a:solidFill>
-                </a:uFill>
-                <a:latin typeface="Adobe Clean"/>
-                <a:cs typeface="Adobe Clean"/>
-              </a:rPr>
-              <a:t>e</a:t>
-            </a:r>
-            <a:r>
-              <a:rPr sz="1400" b="1" u="sng">
-                <a:solidFill>
-                  <a:srgbClr val="020302"/>
-                </a:solidFill>
-                <a:uFill>
-                  <a:solidFill>
-                    <a:srgbClr val="020302"/>
-                  </a:solidFill>
-                </a:uFill>
-                <a:latin typeface="Adobe Clean"/>
-                <a:cs typeface="Adobe Clean"/>
-              </a:rPr>
-              <a:t>l</a:t>
-            </a:r>
-            <a:r>
-              <a:rPr sz="1400" b="1" u="sng" spc="-15">
-                <a:solidFill>
-                  <a:srgbClr val="020302"/>
-                </a:solidFill>
-                <a:uFill>
-                  <a:solidFill>
-                    <a:srgbClr val="020302"/>
-                  </a:solidFill>
-                </a:uFill>
-                <a:latin typeface="Adobe Clean"/>
-                <a:cs typeface="Adobe Clean"/>
-              </a:rPr>
-              <a:t> </a:t>
-            </a:r>
-            <a:r>
-              <a:rPr sz="1400" b="1" u="sng" spc="-55">
-                <a:solidFill>
-                  <a:srgbClr val="020302"/>
-                </a:solidFill>
-                <a:uFill>
-                  <a:solidFill>
-                    <a:srgbClr val="020302"/>
-                  </a:solidFill>
-                </a:uFill>
-                <a:latin typeface="Adobe Clean"/>
-                <a:cs typeface="Adobe Clean"/>
-              </a:rPr>
-              <a:t>T</a:t>
-            </a:r>
-            <a:r>
-              <a:rPr sz="1400" b="1" u="sng" spc="-40">
-                <a:solidFill>
-                  <a:srgbClr val="020302"/>
-                </a:solidFill>
-                <a:uFill>
-                  <a:solidFill>
-                    <a:srgbClr val="020302"/>
-                  </a:solidFill>
-                </a:uFill>
-                <a:latin typeface="Adobe Clean"/>
-                <a:cs typeface="Adobe Clean"/>
-              </a:rPr>
-              <a:t>a</a:t>
-            </a:r>
-            <a:r>
-              <a:rPr sz="1400" b="1" u="sng" spc="-45">
-                <a:solidFill>
-                  <a:srgbClr val="020302"/>
-                </a:solidFill>
-                <a:uFill>
-                  <a:solidFill>
-                    <a:srgbClr val="020302"/>
-                  </a:solidFill>
-                </a:uFill>
-                <a:latin typeface="Adobe Clean"/>
-                <a:cs typeface="Adobe Clean"/>
-              </a:rPr>
-              <a:t>r</a:t>
-            </a:r>
-            <a:r>
-              <a:rPr sz="1400" b="1" u="sng" spc="-40">
-                <a:solidFill>
-                  <a:srgbClr val="020302"/>
-                </a:solidFill>
-                <a:uFill>
-                  <a:solidFill>
-                    <a:srgbClr val="020302"/>
-                  </a:solidFill>
-                </a:uFill>
-                <a:latin typeface="Adobe Clean"/>
-                <a:cs typeface="Adobe Clean"/>
-              </a:rPr>
-              <a:t>g</a:t>
-            </a:r>
-            <a:r>
-              <a:rPr sz="1400" b="1" u="sng" spc="-50">
-                <a:solidFill>
-                  <a:srgbClr val="020302"/>
-                </a:solidFill>
-                <a:uFill>
-                  <a:solidFill>
-                    <a:srgbClr val="020302"/>
-                  </a:solidFill>
-                </a:uFill>
-                <a:latin typeface="Adobe Clean"/>
-                <a:cs typeface="Adobe Clean"/>
-              </a:rPr>
-              <a:t>et</a:t>
-            </a:r>
-            <a:r>
-              <a:rPr sz="1400" b="1" u="sng" spc="-45">
-                <a:solidFill>
-                  <a:srgbClr val="020302"/>
-                </a:solidFill>
-                <a:uFill>
-                  <a:solidFill>
-                    <a:srgbClr val="020302"/>
-                  </a:solidFill>
-                </a:uFill>
-                <a:latin typeface="Adobe Clean"/>
-                <a:cs typeface="Adobe Clean"/>
-              </a:rPr>
-              <a:t>s</a:t>
-            </a:r>
-            <a:r>
-              <a:rPr sz="1400" b="1" u="sng">
-                <a:solidFill>
-                  <a:srgbClr val="020302"/>
-                </a:solidFill>
-                <a:uFill>
-                  <a:solidFill>
-                    <a:srgbClr val="020302"/>
-                  </a:solidFill>
-                </a:uFill>
-                <a:latin typeface="Adobe Clean"/>
-                <a:cs typeface="Adobe Clean"/>
-              </a:rPr>
-              <a:t>:</a:t>
-            </a:r>
-            <a:r>
-              <a:rPr sz="1400" b="1" u="sng" spc="-85">
-                <a:solidFill>
-                  <a:srgbClr val="020302"/>
-                </a:solidFill>
-                <a:uFill>
-                  <a:solidFill>
-                    <a:srgbClr val="020302"/>
-                  </a:solidFill>
-                </a:uFill>
-                <a:latin typeface="Adobe Clean"/>
-                <a:cs typeface="Adobe Clean"/>
-              </a:rPr>
-              <a:t> </a:t>
-            </a:r>
-            <a:r>
-              <a:rPr sz="1400" b="1" u="sng" spc="-15">
-                <a:solidFill>
-                  <a:srgbClr val="020302"/>
-                </a:solidFill>
-                <a:uFill>
-                  <a:solidFill>
-                    <a:srgbClr val="020302"/>
-                  </a:solidFill>
-                </a:uFill>
-                <a:latin typeface="Adobe Clean"/>
-                <a:cs typeface="Adobe Clean"/>
-              </a:rPr>
-              <a:t>I</a:t>
-            </a:r>
-            <a:r>
-              <a:rPr sz="1400" b="1" u="sng" spc="-10">
-                <a:solidFill>
-                  <a:srgbClr val="020302"/>
-                </a:solidFill>
-                <a:uFill>
-                  <a:solidFill>
-                    <a:srgbClr val="020302"/>
-                  </a:solidFill>
-                </a:uFill>
-                <a:latin typeface="Adobe Clean"/>
-                <a:cs typeface="Adobe Clean"/>
-              </a:rPr>
-              <a:t>ni</a:t>
-            </a:r>
-            <a:r>
-              <a:rPr sz="1400" b="1" u="sng" spc="-15">
-                <a:solidFill>
-                  <a:srgbClr val="020302"/>
-                </a:solidFill>
-                <a:uFill>
-                  <a:solidFill>
-                    <a:srgbClr val="020302"/>
-                  </a:solidFill>
-                </a:uFill>
-                <a:latin typeface="Adobe Clean"/>
-                <a:cs typeface="Adobe Clean"/>
-              </a:rPr>
-              <a:t>t</a:t>
-            </a:r>
-            <a:r>
-              <a:rPr sz="1400" b="1" u="sng" spc="-10">
-                <a:solidFill>
-                  <a:srgbClr val="020302"/>
-                </a:solidFill>
-                <a:uFill>
-                  <a:solidFill>
-                    <a:srgbClr val="020302"/>
-                  </a:solidFill>
-                </a:uFill>
-                <a:latin typeface="Adobe Clean"/>
-                <a:cs typeface="Adobe Clean"/>
-              </a:rPr>
-              <a:t>i</a:t>
-            </a:r>
-            <a:r>
-              <a:rPr sz="1400" b="1" u="sng" spc="-5">
-                <a:solidFill>
-                  <a:srgbClr val="020302"/>
-                </a:solidFill>
-                <a:uFill>
-                  <a:solidFill>
-                    <a:srgbClr val="020302"/>
-                  </a:solidFill>
-                </a:uFill>
-                <a:latin typeface="Adobe Clean"/>
-                <a:cs typeface="Adobe Clean"/>
-              </a:rPr>
-              <a:t>a</a:t>
-            </a:r>
-            <a:r>
-              <a:rPr sz="1400" b="1" u="sng">
-                <a:solidFill>
-                  <a:srgbClr val="020302"/>
-                </a:solidFill>
-                <a:uFill>
-                  <a:solidFill>
-                    <a:srgbClr val="020302"/>
-                  </a:solidFill>
-                </a:uFill>
-                <a:latin typeface="Adobe Clean"/>
-                <a:cs typeface="Adobe Clean"/>
-              </a:rPr>
-              <a:t>l</a:t>
-            </a:r>
-            <a:r>
-              <a:rPr sz="1400" b="1" u="sng" spc="-145">
-                <a:solidFill>
-                  <a:srgbClr val="020302"/>
-                </a:solidFill>
-                <a:uFill>
-                  <a:solidFill>
-                    <a:srgbClr val="020302"/>
-                  </a:solidFill>
-                </a:uFill>
-                <a:latin typeface="Adobe Clean"/>
-                <a:cs typeface="Adobe Clean"/>
-              </a:rPr>
-              <a:t> </a:t>
-            </a:r>
-            <a:r>
-              <a:rPr sz="1400" b="1" u="sng" spc="-15">
-                <a:solidFill>
-                  <a:srgbClr val="020302"/>
-                </a:solidFill>
-                <a:uFill>
-                  <a:solidFill>
-                    <a:srgbClr val="020302"/>
-                  </a:solidFill>
-                </a:uFill>
-                <a:latin typeface="Adobe Clean"/>
-                <a:cs typeface="Adobe Clean"/>
-              </a:rPr>
-              <a:t>R</a:t>
-            </a:r>
-            <a:r>
-              <a:rPr sz="1400" b="1" u="sng" spc="-20">
-                <a:solidFill>
-                  <a:srgbClr val="020302"/>
-                </a:solidFill>
-                <a:uFill>
-                  <a:solidFill>
-                    <a:srgbClr val="020302"/>
-                  </a:solidFill>
-                </a:uFill>
-                <a:latin typeface="Adobe Clean"/>
-                <a:cs typeface="Adobe Clean"/>
-              </a:rPr>
-              <a:t>e</a:t>
-            </a:r>
-            <a:r>
-              <a:rPr sz="1400" b="1" u="sng" spc="-15">
-                <a:solidFill>
-                  <a:srgbClr val="020302"/>
-                </a:solidFill>
-                <a:uFill>
-                  <a:solidFill>
-                    <a:srgbClr val="020302"/>
-                  </a:solidFill>
-                </a:uFill>
-                <a:latin typeface="Adobe Clean"/>
-                <a:cs typeface="Adobe Clean"/>
-              </a:rPr>
-              <a:t>s</a:t>
-            </a:r>
-            <a:r>
-              <a:rPr sz="1400" b="1" u="sng" spc="-20">
-                <a:solidFill>
-                  <a:srgbClr val="020302"/>
-                </a:solidFill>
-                <a:uFill>
-                  <a:solidFill>
-                    <a:srgbClr val="020302"/>
-                  </a:solidFill>
-                </a:uFill>
-                <a:latin typeface="Adobe Clean"/>
-                <a:cs typeface="Adobe Clean"/>
-              </a:rPr>
-              <a:t>p</a:t>
-            </a:r>
-            <a:r>
-              <a:rPr sz="1400" b="1" u="sng" spc="-15">
-                <a:solidFill>
-                  <a:srgbClr val="020302"/>
-                </a:solidFill>
-                <a:uFill>
-                  <a:solidFill>
-                    <a:srgbClr val="020302"/>
-                  </a:solidFill>
-                </a:uFill>
-                <a:latin typeface="Adobe Clean"/>
-                <a:cs typeface="Adobe Clean"/>
-              </a:rPr>
-              <a:t>ons</a:t>
-            </a:r>
-            <a:r>
-              <a:rPr sz="1400" b="1" u="sng">
-                <a:solidFill>
-                  <a:srgbClr val="020302"/>
-                </a:solidFill>
-                <a:uFill>
-                  <a:solidFill>
-                    <a:srgbClr val="020302"/>
-                  </a:solidFill>
-                </a:uFill>
-                <a:latin typeface="Adobe Clean"/>
-                <a:cs typeface="Adobe Clean"/>
-              </a:rPr>
-              <a:t>e</a:t>
-            </a:r>
-            <a:endParaRPr sz="1400" u="sng">
-              <a:latin typeface="Adobe Clean"/>
-              <a:cs typeface="Adobe Clean"/>
-            </a:endParaRPr>
+              <a:t>Metas de nível de serviço: Resposta inicial</a:t>
+            </a:r>
           </a:p>
         </p:txBody>
       </p:sp>
@@ -2926,14 +2815,14 @@
           <p:nvPr>
             <p:extLst>
               <p:ext uri="{D42A27DB-BD31-4B8C-83A1-F6EECF244321}">
-                <p14:modId xmlns:p14="http://schemas.microsoft.com/office/powerpoint/2010/main" val="3537242808"/>
+                <p14:modId xmlns:p14="http://schemas.microsoft.com/office/powerpoint/2010/main" val="3333401926"/>
               </p:ext>
             </p:extLst>
           </p:nvPr>
         </p:nvGraphicFramePr>
         <p:xfrm>
           <a:off x="146919" y="7473158"/>
-          <a:ext cx="7477080" cy="2256833"/>
+          <a:ext cx="7477080" cy="2346613"/>
         </p:xfrm>
         <a:graphic>
           <a:graphicData uri="http://schemas.openxmlformats.org/drawingml/2006/table">
@@ -2979,19 +2868,15 @@
                         </a:spcBef>
                       </a:pPr>
                       <a:r>
-                        <a:rPr sz="900" spc="-20" dirty="0">
+                        <a:rPr lang="pt-BR" sz="900">
                           <a:solidFill>
                             <a:srgbClr val="020302"/>
                           </a:solidFill>
                           <a:latin typeface="Adobe Clean"/>
                           <a:cs typeface="Adobe Clean"/>
                         </a:rPr>
-                        <a:t>Priority</a:t>
+                        <a:t>Prioridade</a:t>
                       </a:r>
-                      <a:endParaRPr sz="900" dirty="0">
-                        <a:latin typeface="Adobe Clean"/>
-                        <a:cs typeface="Adobe Clean"/>
-                      </a:endParaRPr>
                     </a:p>
                   </a:txBody>
                   <a:tcPr marL="0" marR="0" marT="6985" marB="0" anchor="ctr">
@@ -3038,19 +2923,15 @@
                         </a:spcBef>
                       </a:pPr>
                       <a:r>
-                        <a:rPr sz="900" spc="0" dirty="0">
+                        <a:rPr lang="pt-BR" sz="900">
                           <a:solidFill>
                             <a:srgbClr val="020302"/>
                           </a:solidFill>
                           <a:latin typeface="Adobe Clean"/>
                           <a:cs typeface="Adobe Clean"/>
                         </a:rPr>
-                        <a:t>Online Support</a:t>
+                        <a:t>Suporte Online</a:t>
                       </a:r>
-                      <a:endParaRPr sz="900" spc="0" dirty="0">
-                        <a:latin typeface="Adobe Clean"/>
-                        <a:cs typeface="Adobe Clean"/>
-                      </a:endParaRPr>
                     </a:p>
                   </a:txBody>
                   <a:tcPr marL="0" marR="0" marT="0" marB="0" anchor="ctr">
@@ -3100,19 +2981,15 @@
                         </a:spcBef>
                       </a:pPr>
                       <a:r>
-                        <a:rPr sz="900" spc="0" dirty="0">
+                        <a:rPr lang="pt-BR" sz="900">
                           <a:solidFill>
                             <a:srgbClr val="FFFFFF"/>
                           </a:solidFill>
                           <a:latin typeface="Adobe Clean"/>
                           <a:cs typeface="Adobe Clean"/>
                         </a:rPr>
-                        <a:t>Enterprise Support</a:t>
+                        <a:t>Suporte Enterprise</a:t>
                       </a:r>
-                      <a:endParaRPr sz="900" spc="0" dirty="0">
-                        <a:latin typeface="Adobe Clean"/>
-                        <a:cs typeface="Adobe Clean"/>
-                      </a:endParaRPr>
                     </a:p>
                   </a:txBody>
                   <a:tcPr marL="0" marR="0" marT="0" marB="0" anchor="ctr">
@@ -3172,109 +3049,15 @@
                         </a:spcBef>
                       </a:pPr>
                       <a:r>
-                        <a:rPr sz="900" b="1" spc="-15" dirty="0">
+                        <a:rPr lang="pt-BR" sz="900" b="1" dirty="0">
                           <a:solidFill>
                             <a:srgbClr val="020302"/>
                           </a:solidFill>
                           <a:latin typeface="Adobe Clean"/>
                           <a:cs typeface="Adobe Clean"/>
                         </a:rPr>
-                        <a:t>P</a:t>
+                        <a:t>PRIORIDADE 1</a:t>
                       </a:r>
-                      <a:r>
-                        <a:rPr sz="900" b="1" spc="-20" dirty="0">
-                          <a:solidFill>
-                            <a:srgbClr val="020302"/>
-                          </a:solidFill>
-                          <a:latin typeface="Adobe Clean"/>
-                          <a:cs typeface="Adobe Clean"/>
-                        </a:rPr>
-                        <a:t>R</a:t>
-                      </a:r>
-                      <a:r>
-                        <a:rPr sz="900" b="1" spc="-25" dirty="0">
-                          <a:solidFill>
-                            <a:srgbClr val="020302"/>
-                          </a:solidFill>
-                          <a:latin typeface="Adobe Clean"/>
-                          <a:cs typeface="Adobe Clean"/>
-                        </a:rPr>
-                        <a:t>I</a:t>
-                      </a:r>
-                      <a:r>
-                        <a:rPr sz="900" b="1" spc="-15" dirty="0">
-                          <a:solidFill>
-                            <a:srgbClr val="020302"/>
-                          </a:solidFill>
-                          <a:latin typeface="Adobe Clean"/>
-                          <a:cs typeface="Adobe Clean"/>
-                        </a:rPr>
-                        <a:t>O</a:t>
-                      </a:r>
-                      <a:r>
-                        <a:rPr sz="900" b="1" spc="-20" dirty="0">
-                          <a:solidFill>
-                            <a:srgbClr val="020302"/>
-                          </a:solidFill>
-                          <a:latin typeface="Adobe Clean"/>
-                          <a:cs typeface="Adobe Clean"/>
-                        </a:rPr>
-                        <a:t>R</a:t>
-                      </a:r>
-                      <a:r>
-                        <a:rPr sz="900" b="1" spc="-25" dirty="0">
-                          <a:solidFill>
-                            <a:srgbClr val="020302"/>
-                          </a:solidFill>
-                          <a:latin typeface="Adobe Clean"/>
-                          <a:cs typeface="Adobe Clean"/>
-                        </a:rPr>
-                        <a:t>I</a:t>
-                      </a:r>
-                      <a:r>
-                        <a:rPr sz="900" b="1" spc="-15" dirty="0">
-                          <a:solidFill>
-                            <a:srgbClr val="020302"/>
-                          </a:solidFill>
-                          <a:latin typeface="Adobe Clean"/>
-                          <a:cs typeface="Adobe Clean"/>
-                        </a:rPr>
-                        <a:t>T</a:t>
-                      </a:r>
-                      <a:r>
-                        <a:rPr sz="900" b="1" dirty="0">
-                          <a:solidFill>
-                            <a:srgbClr val="020302"/>
-                          </a:solidFill>
-                          <a:latin typeface="Adobe Clean"/>
-                          <a:cs typeface="Adobe Clean"/>
-                        </a:rPr>
-                        <a:t>Y</a:t>
-                      </a:r>
-                      <a:r>
-                        <a:rPr sz="900" b="1" spc="-40" dirty="0">
-                          <a:solidFill>
-                            <a:srgbClr val="020302"/>
-                          </a:solidFill>
-                          <a:latin typeface="Adobe Clean"/>
-                          <a:cs typeface="Adobe Clean"/>
-                        </a:rPr>
-                        <a:t> </a:t>
-                      </a:r>
-                      <a:r>
-                        <a:rPr sz="900" b="1" dirty="0">
-                          <a:solidFill>
-                            <a:srgbClr val="020302"/>
-                          </a:solidFill>
-                          <a:latin typeface="Adobe Clean"/>
-                          <a:cs typeface="Adobe Clean"/>
-                        </a:rPr>
-                        <a:t>1</a:t>
-                      </a:r>
-                      <a:endParaRPr sz="900" dirty="0">
-                        <a:latin typeface="Adobe Clean"/>
-                        <a:cs typeface="Adobe Clean"/>
-                      </a:endParaRPr>
                     </a:p>
                     <a:p>
                       <a:pPr marL="50800" marR="387985" lvl="0" indent="0" eaLnBrk="1" fontAlgn="auto" latinLnBrk="0" hangingPunct="1">
@@ -3293,34 +3076,72 @@
                         <a:buNone/>
                       </a:pPr>
                       <a:r>
-                        <a:rPr lang="en-US" sz="900" b="0" i="0" spc="-130" dirty="0">
+                        <a:rPr lang="pt-BR" sz="900" b="0" i="0" dirty="0">
                           <a:solidFill>
                             <a:srgbClr val="020302"/>
                           </a:solidFill>
                           <a:latin typeface="Adobe Clean Light"/>
+                          <a:ea typeface="+mn-ea"/>
                           <a:cs typeface="+mn-cs"/>
                         </a:rPr>
                         <a:t> </a:t>
                       </a:r>
                       <a:r>
-                        <a:rPr lang="en-US" sz="900" b="0" i="0" u="none" strike="noStrike" dirty="0">
+                        <a:rPr lang="pt-BR" sz="900" b="0" i="0" u="none" strike="noStrike" dirty="0">
                           <a:solidFill>
                             <a:schemeClr val="tx1"/>
                           </a:solidFill>
-                          <a:effectLst/>
                           <a:latin typeface="Adobe Clean Light"/>
                           <a:ea typeface="+mn-ea"/>
                           <a:cs typeface="+mn-cs"/>
                         </a:rPr>
-                        <a:t>Customer's production business functions are down or have significant data loss or degradation of services and immediate attention is required to restore functionality and usability</a:t>
+                        <a:t>As funções de produção do cliente estão inativas ou têm perda significativa de dados </a:t>
                       </a:r>
-                      <a:endParaRPr lang="en-US" sz="900" b="0" i="0" dirty="0">
-                        <a:latin typeface="Adobe Clean Light"/>
-                        <a:cs typeface="AdobeClean-Light"/>
-                      </a:endParaRPr>
+                      <a:br>
+                        <a:rPr lang="pt-BR" sz="900" b="0" i="0" u="none" strike="noStrike" dirty="0">
+                          <a:solidFill>
+                            <a:schemeClr val="tx1"/>
+                          </a:solidFill>
+                          <a:latin typeface="Adobe Clean Light"/>
+                          <a:ea typeface="+mn-ea"/>
+                          <a:cs typeface="+mn-cs"/>
+                        </a:rPr>
+                      </a:br>
+                      <a:r>
+                        <a:rPr lang="pt-BR" sz="900" b="0" i="0" u="none" strike="noStrike" dirty="0">
+                          <a:solidFill>
+                            <a:schemeClr val="tx1"/>
+                          </a:solidFill>
+                          <a:latin typeface="Adobe Clean Light"/>
+                          <a:ea typeface="+mn-ea"/>
+                          <a:cs typeface="+mn-cs"/>
+                        </a:rPr>
+                        <a:t>ou degradação de serviços, e é necessária atenção imediata para restaurar a funcionalidade </a:t>
+                      </a:r>
+                      <a:br>
+                        <a:rPr lang="pt-BR" sz="900" b="0" i="0" u="none" strike="noStrike" dirty="0">
+                          <a:solidFill>
+                            <a:schemeClr val="tx1"/>
+                          </a:solidFill>
+                          <a:latin typeface="Adobe Clean Light"/>
+                          <a:ea typeface="+mn-ea"/>
+                          <a:cs typeface="+mn-cs"/>
+                        </a:rPr>
+                      </a:br>
+                      <a:r>
+                        <a:rPr lang="pt-BR" sz="900" b="0" i="0" u="none" strike="noStrike" dirty="0">
+                          <a:solidFill>
+                            <a:schemeClr val="tx1"/>
+                          </a:solidFill>
+                          <a:latin typeface="Adobe Clean Light"/>
+                          <a:ea typeface="+mn-ea"/>
+                          <a:cs typeface="+mn-cs"/>
+                        </a:rPr>
+                        <a:t>e a usabilidade</a:t>
+                      </a:r>
                     </a:p>
                   </a:txBody>
-                  <a:tcPr marL="0" marR="0" marT="0" marB="0" anchor="ctr">
+                  <a:tcPr marL="0" marR="0" marT="0" marB="36000" anchor="ctr">
                     <a:lnL w="6350">
                       <a:solidFill>
                         <a:srgbClr val="B7B8B8"/>
@@ -3357,14 +3178,13 @@
                     <a:p>
                       <a:pPr algn="ctr" fontAlgn="ctr"/>
                       <a:r>
-                        <a:rPr lang="en-US" sz="900" b="0" i="0" u="none" strike="noStrike" dirty="0">
+                        <a:rPr lang="pt-BR" sz="900" b="0" i="0" u="none" strike="noStrike" dirty="0">
                           <a:solidFill>
                             <a:srgbClr val="020302"/>
                           </a:solidFill>
-                          <a:effectLst/>
                           <a:latin typeface="AdobeClean-Light" panose="020B0503020404020204" pitchFamily="34" charset="0"/>
                         </a:rPr>
-                        <a:t>24x7 /  1 hour</a:t>
+                        <a:t>24x7 / 1 hora</a:t>
                       </a:r>
                     </a:p>
                   </a:txBody>
@@ -3405,14 +3225,13 @@
                     <a:p>
                       <a:pPr algn="ctr" fontAlgn="ctr"/>
                       <a:r>
-                        <a:rPr lang="en-US" sz="900" b="0" i="0" u="none" strike="noStrike" dirty="0">
+                        <a:rPr lang="pt-BR" sz="900" b="0" i="0" u="none" strike="noStrike">
                           <a:solidFill>
                             <a:srgbClr val="020302"/>
                           </a:solidFill>
-                          <a:effectLst/>
-                          <a:latin typeface="AdobeClean-Light"/>
+                          <a:latin typeface="AdobeClean-Light" panose="020B0503020404020204" pitchFamily="34" charset="0"/>
                         </a:rPr>
-                        <a:t>24x7 / 30 minutes</a:t>
+                        <a:t>24x7 / 30 minutos</a:t>
                       </a:r>
                     </a:p>
                   </a:txBody>
@@ -3478,172 +3297,60 @@
                         </a:spcBef>
                       </a:pPr>
                       <a:r>
-                        <a:rPr sz="900" b="1" spc="-15" dirty="0">
+                        <a:rPr lang="pt-BR" sz="900" b="1" dirty="0">
                           <a:solidFill>
                             <a:srgbClr val="020302"/>
                           </a:solidFill>
                           <a:latin typeface="Adobe Clean"/>
                           <a:cs typeface="Adobe Clean"/>
                         </a:rPr>
-                        <a:t>P</a:t>
+                        <a:t>PRIORIDADE 2</a:t>
                       </a:r>
-                      <a:r>
-                        <a:rPr sz="900" b="1" spc="-20" dirty="0">
-                          <a:solidFill>
-                            <a:srgbClr val="020302"/>
-                          </a:solidFill>
-                          <a:latin typeface="Adobe Clean"/>
-                          <a:cs typeface="Adobe Clean"/>
-                        </a:rPr>
-                        <a:t>R</a:t>
-                      </a:r>
-                      <a:r>
-                        <a:rPr sz="900" b="1" spc="-25" dirty="0">
-                          <a:solidFill>
-                            <a:srgbClr val="020302"/>
-                          </a:solidFill>
-                          <a:latin typeface="Adobe Clean"/>
-                          <a:cs typeface="Adobe Clean"/>
-                        </a:rPr>
-                        <a:t>I</a:t>
-                      </a:r>
-                      <a:r>
-                        <a:rPr sz="900" b="1" spc="-15" dirty="0">
-                          <a:solidFill>
-                            <a:srgbClr val="020302"/>
-                          </a:solidFill>
-                          <a:latin typeface="Adobe Clean"/>
-                          <a:cs typeface="Adobe Clean"/>
-                        </a:rPr>
-                        <a:t>O</a:t>
-                      </a:r>
-                      <a:r>
-                        <a:rPr sz="900" b="1" spc="-20" dirty="0">
-                          <a:solidFill>
-                            <a:srgbClr val="020302"/>
-                          </a:solidFill>
-                          <a:latin typeface="Adobe Clean"/>
-                          <a:cs typeface="Adobe Clean"/>
-                        </a:rPr>
-                        <a:t>R</a:t>
-                      </a:r>
-                      <a:r>
-                        <a:rPr sz="900" b="1" spc="-25" dirty="0">
-                          <a:solidFill>
-                            <a:srgbClr val="020302"/>
-                          </a:solidFill>
-                          <a:latin typeface="Adobe Clean"/>
-                          <a:cs typeface="Adobe Clean"/>
-                        </a:rPr>
-                        <a:t>I</a:t>
-                      </a:r>
-                      <a:r>
-                        <a:rPr sz="900" b="1" spc="-15" dirty="0">
-                          <a:solidFill>
-                            <a:srgbClr val="020302"/>
-                          </a:solidFill>
-                          <a:latin typeface="Adobe Clean"/>
-                          <a:cs typeface="Adobe Clean"/>
-                        </a:rPr>
-                        <a:t>T</a:t>
-                      </a:r>
-                      <a:r>
-                        <a:rPr sz="900" b="1" dirty="0">
-                          <a:solidFill>
-                            <a:srgbClr val="020302"/>
-                          </a:solidFill>
-                          <a:latin typeface="Adobe Clean"/>
-                          <a:cs typeface="Adobe Clean"/>
-                        </a:rPr>
-                        <a:t>Y</a:t>
-                      </a:r>
-                      <a:r>
-                        <a:rPr sz="900" b="1" spc="-40" dirty="0">
-                          <a:solidFill>
-                            <a:srgbClr val="020302"/>
-                          </a:solidFill>
-                          <a:latin typeface="Adobe Clean"/>
-                          <a:cs typeface="Adobe Clean"/>
-                        </a:rPr>
-                        <a:t> </a:t>
-                      </a:r>
-                      <a:r>
-                        <a:rPr sz="900" b="1" dirty="0">
-                          <a:solidFill>
-                            <a:srgbClr val="020302"/>
-                          </a:solidFill>
-                          <a:latin typeface="Adobe Clean"/>
-                          <a:cs typeface="Adobe Clean"/>
-                        </a:rPr>
-                        <a:t>2</a:t>
-                      </a:r>
-                      <a:endParaRPr lang="en-US" sz="900" b="1" dirty="0">
-                        <a:solidFill>
-                          <a:srgbClr val="020302"/>
-                        </a:solidFill>
-                        <a:latin typeface="Adobe Clean"/>
-                        <a:cs typeface="Adobe Clean"/>
-                      </a:endParaRPr>
                     </a:p>
                     <a:p>
-                      <a:pPr marL="50800" marR="0" lvl="0" indent="0" defTabSz="914400" eaLnBrk="1" fontAlgn="auto" latinLnBrk="0" hangingPunct="1">
+                      <a:pPr marL="50165" marR="203200">
                         <a:lnSpc>
-                          <a:spcPct val="100000"/>
+                          <a:spcPts val="1000"/>
                         </a:lnSpc>
                         <a:spcBef>
-                          <a:spcPts val="125"/>
+                          <a:spcPts val="415"/>
                         </a:spcBef>
-                        <a:spcAft>
-                          <a:spcPts val="0"/>
-                        </a:spcAft>
-                        <a:buClrTx/>
-                        <a:buSzTx/>
-                        <a:buFontTx/>
-                        <a:buNone/>
-                        <a:tabLst/>
-                        <a:defRPr/>
                       </a:pPr>
                       <a:r>
-                        <a:rPr lang="en-US" sz="900" b="0" i="0" spc="-130" dirty="0">
-                          <a:solidFill>
-                            <a:srgbClr val="020302"/>
-                          </a:solidFill>
-                          <a:latin typeface="Adobe Clean Light"/>
-                          <a:cs typeface="+mn-cs"/>
-                        </a:rPr>
-                        <a:t> </a:t>
-                      </a:r>
-                      <a:r>
-                        <a:rPr lang="en-US" sz="900" b="0" i="0" u="none" strike="noStrike" dirty="0">
+                        <a:rPr lang="pt-BR" sz="900" b="0" i="0" u="none" strike="noStrike" dirty="0">
                           <a:solidFill>
                             <a:schemeClr val="tx1"/>
                           </a:solidFill>
-                          <a:effectLst/>
                           <a:latin typeface="Adobe Clean Light"/>
                           <a:ea typeface="+mn-ea"/>
                           <a:cs typeface="+mn-cs"/>
                         </a:rPr>
-                        <a:t>Customer’s business functions have major service degradations or potential data loss, or a major feature </a:t>
+                        <a:t>As funções empresariais do cliente têm grande degradação de serviços, perda potencial </a:t>
                       </a:r>
-                      <a:r>
-                        <a:rPr lang="en-US" sz="900" b="0" i="0" u="none" strike="noStrike">
+                      <a:br>
+                        <a:rPr lang="pt-BR" sz="900" b="0" i="0" u="none" strike="noStrike" dirty="0">
                           <a:solidFill>
                             <a:schemeClr val="tx1"/>
                           </a:solidFill>
-                          <a:effectLst/>
                           <a:latin typeface="Adobe Clean Light"/>
                           <a:ea typeface="+mn-ea"/>
                           <a:cs typeface="+mn-cs"/>
                         </a:rPr>
-                        <a:t>is impacted.</a:t>
+                      </a:br>
+                      <a:r>
+                        <a:rPr lang="pt-BR" sz="900" b="0" i="0" u="none" strike="noStrike" dirty="0">
+                          <a:solidFill>
+                            <a:schemeClr val="tx1"/>
+                          </a:solidFill>
+                          <a:latin typeface="Adobe Clean Light"/>
+                          <a:ea typeface="+mn-ea"/>
+                          <a:cs typeface="+mn-cs"/>
+                        </a:rPr>
+                        <a:t>de dados ou indisponibilidade de serviços, ou foi afetado um recurso importante</a:t>
                       </a:r>
-                      <a:endParaRPr lang="en-US" sz="900" b="0" i="0" dirty="0">
-                        <a:latin typeface="Adobe Clean Light"/>
-                        <a:cs typeface="AdobeClean-Light"/>
-                      </a:endParaRPr>
                     </a:p>
                   </a:txBody>
-                  <a:tcPr marL="0" marR="0" marT="0" marB="0" anchor="ctr">
+                  <a:tcPr marL="0" marR="0" marT="0" marB="36000" anchor="ctr">
                     <a:lnL w="6350">
                       <a:solidFill>
                         <a:srgbClr val="B7B8B8"/>
@@ -3680,14 +3387,13 @@
                     <a:p>
                       <a:pPr algn="ctr" fontAlgn="ctr"/>
                       <a:r>
-                        <a:rPr lang="en-US" sz="900" b="0" i="0" u="none" strike="noStrike" dirty="0">
+                        <a:rPr lang="pt-BR" sz="900" b="0" i="0" u="none" strike="noStrike" dirty="0">
                           <a:solidFill>
                             <a:srgbClr val="020302"/>
                           </a:solidFill>
-                          <a:effectLst/>
                           <a:latin typeface="AdobeClean-Light" panose="020B0503020404020204" pitchFamily="34" charset="0"/>
                         </a:rPr>
-                        <a:t>Business hours / 4 hours</a:t>
+                        <a:t>Horário comercial / 4 horas</a:t>
                       </a:r>
                     </a:p>
                   </a:txBody>
@@ -3728,14 +3434,13 @@
                     <a:p>
                       <a:pPr algn="ctr" fontAlgn="ctr"/>
                       <a:r>
-                        <a:rPr lang="en-US" sz="900" b="0" i="0" u="none" strike="noStrike" dirty="0">
+                        <a:rPr lang="pt-BR" sz="900" b="0" i="0" u="none" strike="noStrike">
                           <a:solidFill>
                             <a:srgbClr val="020302"/>
                           </a:solidFill>
-                          <a:effectLst/>
-                          <a:latin typeface="AdobeClean-Light"/>
+                          <a:latin typeface="AdobeClean-Light" panose="020B0503020404020204" pitchFamily="34" charset="0"/>
                         </a:rPr>
-                        <a:t>24x5 / 1 hour</a:t>
+                        <a:t>24x5 / 1 hora</a:t>
                       </a:r>
                     </a:p>
                   </a:txBody>
@@ -3798,109 +3503,15 @@
                         </a:spcBef>
                       </a:pPr>
                       <a:r>
-                        <a:rPr sz="900" b="1" spc="-15" dirty="0">
+                        <a:rPr lang="pt-BR" sz="900" b="1" dirty="0">
                           <a:solidFill>
                             <a:srgbClr val="020302"/>
                           </a:solidFill>
                           <a:latin typeface="Adobe Clean"/>
                           <a:cs typeface="Adobe Clean"/>
                         </a:rPr>
-                        <a:t>P</a:t>
+                        <a:t>PRIORIDADE 3</a:t>
                       </a:r>
-                      <a:r>
-                        <a:rPr sz="900" b="1" spc="-20" dirty="0">
-                          <a:solidFill>
-                            <a:srgbClr val="020302"/>
-                          </a:solidFill>
-                          <a:latin typeface="Adobe Clean"/>
-                          <a:cs typeface="Adobe Clean"/>
-                        </a:rPr>
-                        <a:t>R</a:t>
-                      </a:r>
-                      <a:r>
-                        <a:rPr sz="900" b="1" spc="-25" dirty="0">
-                          <a:solidFill>
-                            <a:srgbClr val="020302"/>
-                          </a:solidFill>
-                          <a:latin typeface="Adobe Clean"/>
-                          <a:cs typeface="Adobe Clean"/>
-                        </a:rPr>
-                        <a:t>I</a:t>
-                      </a:r>
-                      <a:r>
-                        <a:rPr sz="900" b="1" spc="-15" dirty="0">
-                          <a:solidFill>
-                            <a:srgbClr val="020302"/>
-                          </a:solidFill>
-                          <a:latin typeface="Adobe Clean"/>
-                          <a:cs typeface="Adobe Clean"/>
-                        </a:rPr>
-                        <a:t>O</a:t>
-                      </a:r>
-                      <a:r>
-                        <a:rPr sz="900" b="1" spc="-20" dirty="0">
-                          <a:solidFill>
-                            <a:srgbClr val="020302"/>
-                          </a:solidFill>
-                          <a:latin typeface="Adobe Clean"/>
-                          <a:cs typeface="Adobe Clean"/>
-                        </a:rPr>
-                        <a:t>R</a:t>
-                      </a:r>
-                      <a:r>
-                        <a:rPr sz="900" b="1" spc="-25" dirty="0">
-                          <a:solidFill>
-                            <a:srgbClr val="020302"/>
-                          </a:solidFill>
-                          <a:latin typeface="Adobe Clean"/>
-                          <a:cs typeface="Adobe Clean"/>
-                        </a:rPr>
-                        <a:t>I</a:t>
-                      </a:r>
-                      <a:r>
-                        <a:rPr sz="900" b="1" spc="-15" dirty="0">
-                          <a:solidFill>
-                            <a:srgbClr val="020302"/>
-                          </a:solidFill>
-                          <a:latin typeface="Adobe Clean"/>
-                          <a:cs typeface="Adobe Clean"/>
-                        </a:rPr>
-                        <a:t>T</a:t>
-                      </a:r>
-                      <a:r>
-                        <a:rPr sz="900" b="1" dirty="0">
-                          <a:solidFill>
-                            <a:srgbClr val="020302"/>
-                          </a:solidFill>
-                          <a:latin typeface="Adobe Clean"/>
-                          <a:cs typeface="Adobe Clean"/>
-                        </a:rPr>
-                        <a:t>Y</a:t>
-                      </a:r>
-                      <a:r>
-                        <a:rPr sz="900" b="1" spc="-40" dirty="0">
-                          <a:solidFill>
-                            <a:srgbClr val="020302"/>
-                          </a:solidFill>
-                          <a:latin typeface="Adobe Clean"/>
-                          <a:cs typeface="Adobe Clean"/>
-                        </a:rPr>
-                        <a:t> </a:t>
-                      </a:r>
-                      <a:r>
-                        <a:rPr sz="900" b="1" dirty="0">
-                          <a:solidFill>
-                            <a:srgbClr val="020302"/>
-                          </a:solidFill>
-                          <a:latin typeface="Adobe Clean"/>
-                          <a:cs typeface="Adobe Clean"/>
-                        </a:rPr>
-                        <a:t>3</a:t>
-                      </a:r>
-                      <a:endParaRPr sz="900" dirty="0">
-                        <a:latin typeface="Adobe Clean"/>
-                        <a:cs typeface="Adobe Clean"/>
-                      </a:endParaRPr>
                     </a:p>
                     <a:p>
                       <a:pPr marL="49530" marR="212090" indent="-2540">
@@ -3912,45 +3523,37 @@
                         </a:spcBef>
                       </a:pPr>
                       <a:r>
-                        <a:rPr lang="en-US" sz="900" b="0" i="0" u="none" strike="noStrike" dirty="0">
+                        <a:rPr lang="pt-BR" sz="900" b="0" i="0" u="none" strike="noStrike" dirty="0">
                           <a:solidFill>
                             <a:schemeClr val="tx1"/>
                           </a:solidFill>
-                          <a:effectLst/>
                           <a:latin typeface="Adobe Clean Light"/>
                           <a:ea typeface="+mn-ea"/>
                           <a:cs typeface="+mn-cs"/>
                         </a:rPr>
-                        <a:t>Customer's business </a:t>
+                        <a:t>As funções empresariais do cliente têm pouca ou nenhuma degradação dos serviços </a:t>
                       </a:r>
-                      <a:r>
-                        <a:rPr lang="en-US" sz="900" b="0" i="0" u="none" strike="noStrike">
+                      <a:br>
+                        <a:rPr lang="pt-BR" sz="900" b="0" i="0" u="none" strike="noStrike" dirty="0">
                           <a:solidFill>
                             <a:schemeClr val="tx1"/>
                           </a:solidFill>
-                          <a:effectLst/>
                           <a:latin typeface="Adobe Clean Light"/>
                           <a:ea typeface="+mn-ea"/>
                           <a:cs typeface="+mn-cs"/>
                         </a:rPr>
-                        <a:t>functions have </a:t>
-                      </a:r>
+                      </a:br>
                       <a:r>
-                        <a:rPr lang="en-US" sz="900" b="0" i="0" u="none" strike="noStrike" dirty="0">
+                        <a:rPr lang="pt-BR" sz="900" b="0" i="0" u="none" strike="noStrike" dirty="0">
                           <a:solidFill>
                             <a:schemeClr val="tx1"/>
                           </a:solidFill>
-                          <a:effectLst/>
                           <a:latin typeface="Adobe Clean Light"/>
                           <a:ea typeface="+mn-ea"/>
                           <a:cs typeface="+mn-cs"/>
                         </a:rPr>
-                        <a:t>minor to no degradation of services with a solution/workaround allowing business functions to continue </a:t>
+                        <a:t>com uma solução/alternativa que permite que as funções empresariais continuem </a:t>
                       </a:r>
-                      <a:endParaRPr lang="en-US" sz="900" b="0" i="0" dirty="0">
-                        <a:latin typeface="Adobe Clean Light"/>
-                        <a:cs typeface="AdobeClean-Light"/>
-                      </a:endParaRPr>
                     </a:p>
                   </a:txBody>
                   <a:tcPr marL="0" marR="0" marT="0" marB="0" anchor="ctr">
@@ -3990,14 +3593,13 @@
                     <a:p>
                       <a:pPr algn="ctr" fontAlgn="ctr"/>
                       <a:r>
-                        <a:rPr lang="en-US" sz="900" b="0" i="0" u="none" strike="noStrike" dirty="0">
+                        <a:rPr lang="pt-BR" sz="900" b="0" i="0" u="none" strike="noStrike">
                           <a:solidFill>
                             <a:srgbClr val="020302"/>
                           </a:solidFill>
-                          <a:effectLst/>
                           <a:latin typeface="AdobeClean-Light" panose="020B0503020404020204" pitchFamily="34" charset="0"/>
                         </a:rPr>
-                        <a:t>Business hours / 6 hours</a:t>
+                        <a:t>Horário comercial / 6 horas</a:t>
                       </a:r>
                     </a:p>
                   </a:txBody>
@@ -4038,14 +3640,13 @@
                     <a:p>
                       <a:pPr algn="ctr" fontAlgn="ctr"/>
                       <a:r>
-                        <a:rPr lang="en-US" sz="900" b="0" i="0" u="none" strike="noStrike" dirty="0">
+                        <a:rPr lang="pt-BR" sz="900" b="0" i="0" u="none" strike="noStrike">
                           <a:solidFill>
                             <a:srgbClr val="020302"/>
                           </a:solidFill>
-                          <a:effectLst/>
-                          <a:latin typeface="AdobeClean-Light"/>
+                          <a:latin typeface="AdobeClean-Light" panose="020B0503020404020204" pitchFamily="34" charset="0"/>
                         </a:rPr>
-                        <a:t>Business hours / 2 hours</a:t>
+                        <a:t>Horário comercial / 2 horas</a:t>
                       </a:r>
                     </a:p>
                   </a:txBody>
@@ -4108,109 +3709,15 @@
                         </a:spcBef>
                       </a:pPr>
                       <a:r>
-                        <a:rPr sz="900" b="1" spc="-15" dirty="0">
+                        <a:rPr lang="pt-BR" sz="900" b="1">
                           <a:solidFill>
                             <a:srgbClr val="020302"/>
                           </a:solidFill>
                           <a:latin typeface="Adobe Clean"/>
                           <a:cs typeface="Adobe Clean"/>
                         </a:rPr>
-                        <a:t>P</a:t>
+                        <a:t>PRIORIDADE 4</a:t>
                       </a:r>
-                      <a:r>
-                        <a:rPr sz="900" b="1" spc="-20" dirty="0">
-                          <a:solidFill>
-                            <a:srgbClr val="020302"/>
-                          </a:solidFill>
-                          <a:latin typeface="Adobe Clean"/>
-                          <a:cs typeface="Adobe Clean"/>
-                        </a:rPr>
-                        <a:t>R</a:t>
-                      </a:r>
-                      <a:r>
-                        <a:rPr sz="900" b="1" spc="-25" dirty="0">
-                          <a:solidFill>
-                            <a:srgbClr val="020302"/>
-                          </a:solidFill>
-                          <a:latin typeface="Adobe Clean"/>
-                          <a:cs typeface="Adobe Clean"/>
-                        </a:rPr>
-                        <a:t>I</a:t>
-                      </a:r>
-                      <a:r>
-                        <a:rPr sz="900" b="1" spc="-15" dirty="0">
-                          <a:solidFill>
-                            <a:srgbClr val="020302"/>
-                          </a:solidFill>
-                          <a:latin typeface="Adobe Clean"/>
-                          <a:cs typeface="Adobe Clean"/>
-                        </a:rPr>
-                        <a:t>O</a:t>
-                      </a:r>
-                      <a:r>
-                        <a:rPr sz="900" b="1" spc="-20" dirty="0">
-                          <a:solidFill>
-                            <a:srgbClr val="020302"/>
-                          </a:solidFill>
-                          <a:latin typeface="Adobe Clean"/>
-                          <a:cs typeface="Adobe Clean"/>
-                        </a:rPr>
-                        <a:t>R</a:t>
-                      </a:r>
-                      <a:r>
-                        <a:rPr sz="900" b="1" spc="-25" dirty="0">
-                          <a:solidFill>
-                            <a:srgbClr val="020302"/>
-                          </a:solidFill>
-                          <a:latin typeface="Adobe Clean"/>
-                          <a:cs typeface="Adobe Clean"/>
-                        </a:rPr>
-                        <a:t>I</a:t>
-                      </a:r>
-                      <a:r>
-                        <a:rPr sz="900" b="1" spc="-15" dirty="0">
-                          <a:solidFill>
-                            <a:srgbClr val="020302"/>
-                          </a:solidFill>
-                          <a:latin typeface="Adobe Clean"/>
-                          <a:cs typeface="Adobe Clean"/>
-                        </a:rPr>
-                        <a:t>T</a:t>
-                      </a:r>
-                      <a:r>
-                        <a:rPr sz="900" b="1" dirty="0">
-                          <a:solidFill>
-                            <a:srgbClr val="020302"/>
-                          </a:solidFill>
-                          <a:latin typeface="Adobe Clean"/>
-                          <a:cs typeface="Adobe Clean"/>
-                        </a:rPr>
-                        <a:t>Y</a:t>
-                      </a:r>
-                      <a:r>
-                        <a:rPr sz="900" b="1" spc="-40" dirty="0">
-                          <a:solidFill>
-                            <a:srgbClr val="020302"/>
-                          </a:solidFill>
-                          <a:latin typeface="Adobe Clean"/>
-                          <a:cs typeface="Adobe Clean"/>
-                        </a:rPr>
-                        <a:t> </a:t>
-                      </a:r>
-                      <a:r>
-                        <a:rPr sz="900" b="1" dirty="0">
-                          <a:solidFill>
-                            <a:srgbClr val="020302"/>
-                          </a:solidFill>
-                          <a:latin typeface="Adobe Clean"/>
-                          <a:cs typeface="Adobe Clean"/>
-                        </a:rPr>
-                        <a:t>4</a:t>
-                      </a:r>
-                      <a:endParaRPr sz="900" dirty="0">
-                        <a:latin typeface="Adobe Clean"/>
-                        <a:cs typeface="Adobe Clean"/>
-                      </a:endParaRPr>
                     </a:p>
                     <a:p>
                       <a:pPr marL="49530">
@@ -4222,31 +3729,27 @@
                         </a:spcBef>
                       </a:pPr>
                       <a:r>
-                        <a:rPr lang="en-US" sz="900" b="1" spc="-90" dirty="0">
+                        <a:rPr lang="pt-BR" sz="900" b="1">
                           <a:solidFill>
                             <a:srgbClr val="020302"/>
                           </a:solidFill>
                           <a:latin typeface="Adobe Clean"/>
+                          <a:ea typeface="+mn-ea"/>
                           <a:cs typeface="+mn-cs"/>
                         </a:rPr>
                         <a:t> </a:t>
                       </a:r>
                       <a:r>
-                        <a:rPr lang="en-US" sz="900" b="0" i="0" u="none" strike="noStrike" dirty="0">
+                        <a:rPr lang="pt-BR" sz="900" b="0" i="0" u="none" strike="noStrike">
                           <a:solidFill>
                             <a:schemeClr val="tx1"/>
                           </a:solidFill>
-                          <a:effectLst/>
                           <a:latin typeface="Adobe Clean Light"/>
                           <a:ea typeface="+mn-ea"/>
                           <a:cs typeface="+mn-cs"/>
                         </a:rPr>
-                        <a:t>General question regarding current product functionality or an enhancement request</a:t>
+                        <a:t>Pergunta geral sobre a funcionalidade atual do produto ou solicitação de melhoria</a:t>
                       </a:r>
-                      <a:endParaRPr lang="en-US" sz="900" b="0" i="0" dirty="0">
-                        <a:latin typeface="Adobe Clean Light"/>
-                        <a:cs typeface="AdobeClean-Light"/>
-                      </a:endParaRPr>
                     </a:p>
                   </a:txBody>
                   <a:tcPr marL="0" marR="0" marT="0" marB="0" anchor="ctr">
@@ -4286,14 +3789,13 @@
                     <a:p>
                       <a:pPr algn="ctr" fontAlgn="ctr"/>
                       <a:r>
-                        <a:rPr lang="en-US" sz="900" b="0" i="0" u="none" strike="noStrike" dirty="0">
+                        <a:rPr lang="pt-BR" sz="900" b="0" i="0" u="none" strike="noStrike">
                           <a:solidFill>
                             <a:srgbClr val="020302"/>
                           </a:solidFill>
-                          <a:effectLst/>
                           <a:latin typeface="AdobeClean-Light" panose="020B0503020404020204" pitchFamily="34" charset="0"/>
                         </a:rPr>
-                        <a:t>Business days / 3 days</a:t>
+                        <a:t>Dias úteis / 3 dias</a:t>
                       </a:r>
                     </a:p>
                   </a:txBody>
@@ -4334,14 +3836,13 @@
                     <a:p>
                       <a:pPr algn="ctr" fontAlgn="ctr"/>
                       <a:r>
-                        <a:rPr lang="en-US" sz="900" b="0" i="0" u="none" strike="noStrike" dirty="0">
+                        <a:rPr lang="pt-BR" sz="900" b="0" i="0" u="none" strike="noStrike" dirty="0">
                           <a:solidFill>
                             <a:srgbClr val="020302"/>
                           </a:solidFill>
-                          <a:effectLst/>
                           <a:latin typeface="AdobeClean-Light" panose="020B0503020404020204" pitchFamily="34" charset="0"/>
                         </a:rPr>
-                        <a:t>Business days / 1 day</a:t>
+                        <a:t>Dias úteis / 1 dia</a:t>
                       </a:r>
                     </a:p>
                   </a:txBody>
@@ -4449,40 +3950,8 @@
               </a:spcBef>
             </a:pPr>
             <a:r>
-              <a:rPr spc="-10"/>
-              <a:t>©202</a:t>
-            </a:r>
-            <a:r>
-              <a:rPr lang="en-US" spc="-10"/>
-              <a:t>1</a:t>
-            </a:r>
-            <a:r>
-              <a:rPr spc="-5"/>
-              <a:t> Adobe. All</a:t>
-            </a:r>
-            <a:r>
-              <a:rPr spc="-10"/>
-              <a:t> Rights</a:t>
-            </a:r>
-            <a:r>
-              <a:rPr spc="-5"/>
-              <a:t> </a:t>
-            </a:r>
-            <a:r>
-              <a:rPr spc="-10"/>
-              <a:t>Reserved.</a:t>
-            </a:r>
-            <a:r>
-              <a:rPr spc="-5"/>
-              <a:t> Adobe</a:t>
-            </a:r>
-            <a:r>
-              <a:rPr spc="60"/>
-              <a:t> </a:t>
-            </a:r>
-            <a:r>
-              <a:rPr spc="-10"/>
-              <a:t>Confidential.</a:t>
+              <a:rPr lang="pt-BR"/>
+              <a:t>©2021 Adobe. All Rights Reserved. Adobe Confidential.</a:t>
             </a:r>
           </a:p>
         </p:txBody>
@@ -4516,7 +3985,7 @@
           <a:lstStyle/>
           <a:p>
             <a:r>
-              <a:rPr lang="en-US" sz="700" i="1">
+              <a:rPr lang="pt-BR" sz="700" i="1">
                 <a:solidFill>
                   <a:schemeClr val="bg1"/>
                 </a:solidFill>
@@ -4562,7 +4031,7 @@
               </a:spcBef>
             </a:pPr>
             <a:r>
-              <a:rPr lang="en-US" sz="1200" dirty="0">
+              <a:rPr lang="pt-BR" sz="1200" dirty="0">
                 <a:solidFill>
                   <a:schemeClr val="bg1"/>
                 </a:solidFill>
@@ -4571,7 +4040,7 @@
               <a:t>Online | Business |</a:t>
             </a:r>
             <a:r>
-              <a:rPr lang="en-US" sz="1200" b="1" dirty="0">
+              <a:rPr lang="pt-BR" sz="1200" b="1" dirty="0">
                 <a:solidFill>
                   <a:schemeClr val="bg1"/>
                 </a:solidFill>
@@ -4580,15 +4049,16 @@
               <a:t> </a:t>
             </a:r>
             <a:r>
-              <a:rPr lang="en-US" sz="1200" b="1" dirty="0">
+              <a:rPr lang="pt-BR" sz="1200" b="1" dirty="0">
                 <a:solidFill>
                   <a:schemeClr val="bg1"/>
                 </a:solidFill>
+                <a:latin typeface="Adobe Clean" panose="020B0503020404020204" pitchFamily="34" charset="0"/>
               </a:rPr>
               <a:t>Enterprise</a:t>
             </a:r>
             <a:r>
-              <a:rPr lang="en-US" sz="1200" b="1" dirty="0">
+              <a:rPr lang="pt-BR" sz="1200" b="1" dirty="0">
                 <a:solidFill>
                   <a:schemeClr val="bg1"/>
                 </a:solidFill>
@@ -4597,7 +4067,7 @@
               <a:t> </a:t>
             </a:r>
             <a:r>
-              <a:rPr lang="en-US" sz="1200" dirty="0">
+              <a:rPr lang="pt-BR" sz="1200" dirty="0">
                 <a:solidFill>
                   <a:schemeClr val="bg1"/>
                 </a:solidFill>
@@ -4606,7 +4076,7 @@
               <a:t>| Elite</a:t>
             </a:r>
             <a:br>
-              <a:rPr lang="en-US" sz="900" dirty="0">
+              <a:rPr lang="pt-BR" sz="900" dirty="0">
                 <a:solidFill>
                   <a:schemeClr val="bg1"/>
                 </a:solidFill>
@@ -4614,21 +4084,105 @@
               </a:rPr>
             </a:br>
             <a:r>
-              <a:rPr lang="en-US" sz="900" dirty="0">
+              <a:rPr lang="pt-BR" sz="900" dirty="0">
                 <a:solidFill>
                   <a:schemeClr val="bg1"/>
                 </a:solidFill>
+              </a:rPr>
+              <a:t>O Suporte </a:t>
+            </a:r>
+            <a:r>
+              <a:rPr lang="pt-BR" sz="900" dirty="0">
+                <a:solidFill>
+                  <a:schemeClr val="bg1"/>
+                </a:solidFill>
                 <a:latin typeface="Adobe Clean SemiLight" panose="020B0403020404020204" pitchFamily="34" charset="0"/>
               </a:rPr>
-              <a:t>ENTERPRISE support includes access to personalized learning paths and monitored community forums via the Adobe Experience League. You can also take advantage of our detailed and in-depth technical product documentation and current release notes. ENTERPRISE customers will also be provided with a Named Support Engineer who acts as your designated technical contact in the Adobe Support Team. With deep experience in your designated Experience Cloud solution, your support team will work in partnership with you and your technical teams to ensure timely resolution of all support requests. Your support team can also help coordinate and arrange delivery of the additional ENTERPRISE benefits ensuring minimal disruption to your business at the most critical time. </a:t>
-            </a:r>
-            <a:endParaRPr lang="en-US" sz="900" dirty="0">
-              <a:solidFill>
-                <a:schemeClr val="bg1"/>
-              </a:solidFill>
-              <a:latin typeface="Adobe Clean Light" panose="020B0303020404020204" pitchFamily="34" charset="0"/>
-              <a:cs typeface="AdobeClean-Light"/>
-            </a:endParaRPr>
+              <a:t>ENTERPRISE</a:t>
+            </a:r>
+            <a:r>
+              <a:rPr lang="pt-BR" sz="900" dirty="0">
+                <a:solidFill>
+                  <a:schemeClr val="bg1"/>
+                </a:solidFill>
+              </a:rPr>
+              <a:t> inclui acesso a caminhos de aprendizagem personalizados e a fóruns monitorados da comunidade </a:t>
+            </a:r>
+            <a:br>
+              <a:rPr lang="pt-BR" sz="900" dirty="0">
+                <a:solidFill>
+                  <a:schemeClr val="bg1"/>
+                </a:solidFill>
+              </a:rPr>
+            </a:br>
+            <a:r>
+              <a:rPr lang="pt-BR" sz="900" dirty="0">
+                <a:solidFill>
+                  <a:schemeClr val="bg1"/>
+                </a:solidFill>
+              </a:rPr>
+              <a:t>na Adobe Experience League.</a:t>
+            </a:r>
+            <a:r>
+              <a:rPr lang="pt-BR" sz="900" dirty="0">
+                <a:solidFill>
+                  <a:schemeClr val="bg1"/>
+                </a:solidFill>
+                <a:latin typeface="Adobe Clean SemiLight" panose="020B0403020404020204" pitchFamily="34" charset="0"/>
+              </a:rPr>
+              <a:t> Você tem à sua disposição a nossa documentação técnica de produto, com todos os detalhes, </a:t>
+            </a:r>
+            <a:br>
+              <a:rPr lang="pt-BR" sz="900" dirty="0">
+                <a:solidFill>
+                  <a:schemeClr val="bg1"/>
+                </a:solidFill>
+                <a:latin typeface="Adobe Clean SemiLight" panose="020B0403020404020204" pitchFamily="34" charset="0"/>
+              </a:rPr>
+            </a:br>
+            <a:r>
+              <a:rPr lang="pt-BR" sz="900" dirty="0">
+                <a:solidFill>
+                  <a:schemeClr val="bg1"/>
+                </a:solidFill>
+                <a:latin typeface="Adobe Clean SemiLight" panose="020B0403020404020204" pitchFamily="34" charset="0"/>
+              </a:rPr>
+              <a:t>e as notas de versão mais atuais. Os clientes ENTERPRISE também contam com um Engenheiro de suporte nomeado, que atua </a:t>
+            </a:r>
+            <a:br>
+              <a:rPr lang="pt-BR" sz="900" dirty="0">
+                <a:solidFill>
+                  <a:schemeClr val="bg1"/>
+                </a:solidFill>
+                <a:latin typeface="Adobe Clean SemiLight" panose="020B0403020404020204" pitchFamily="34" charset="0"/>
+              </a:rPr>
+            </a:br>
+            <a:r>
+              <a:rPr lang="pt-BR" sz="900" dirty="0">
+                <a:solidFill>
+                  <a:schemeClr val="bg1"/>
+                </a:solidFill>
+                <a:latin typeface="Adobe Clean SemiLight" panose="020B0403020404020204" pitchFamily="34" charset="0"/>
+              </a:rPr>
+              <a:t>como contato técnico designado na Equipe de suporte da Adobe. Com ampla experiência na sua solução da Experience Cloud, </a:t>
+            </a:r>
+            <a:br>
+              <a:rPr lang="pt-BR" sz="900" dirty="0">
+                <a:solidFill>
+                  <a:schemeClr val="bg1"/>
+                </a:solidFill>
+                <a:latin typeface="Adobe Clean SemiLight" panose="020B0403020404020204" pitchFamily="34" charset="0"/>
+              </a:rPr>
+            </a:br>
+            <a:r>
+              <a:rPr lang="pt-BR" sz="900" dirty="0">
+                <a:solidFill>
+                  <a:schemeClr val="bg1"/>
+                </a:solidFill>
+                <a:latin typeface="Adobe Clean SemiLight" panose="020B0403020404020204" pitchFamily="34" charset="0"/>
+              </a:rPr>
+              <a:t>a equipe de suporte colabora com você e com sua equipe técnica para garantir a resolução oportuna de todas as solicitações de suporte. A equipe de suporte também ajuda a coordenar e a organizar a prestação de vantagens adicionais do suporte ENTERPRISE, garantindo interrupção mínima na sua empresa nos momentos mais críticos. </a:t>
+            </a:r>
           </a:p>
         </p:txBody>
       </p:sp>
@@ -4736,19 +4290,15 @@
                         <a:defRPr/>
                       </a:pPr>
                       <a:r>
-                        <a:rPr lang="en-US" sz="900" spc="0">
+                        <a:rPr lang="pt-BR" sz="900">
                           <a:solidFill>
                             <a:srgbClr val="404040"/>
                           </a:solidFill>
                           <a:latin typeface="Adobe Clean"/>
                           <a:cs typeface="Adobe Clean"/>
                         </a:rPr>
-                        <a:t>Online  Support</a:t>
+                        <a:t>Suporte Online</a:t>
                       </a:r>
-                      <a:endParaRPr lang="en-US" sz="900" spc="0">
-                        <a:latin typeface="Adobe Clean"/>
-                        <a:cs typeface="Adobe Clean"/>
-                      </a:endParaRPr>
                     </a:p>
                   </a:txBody>
                   <a:tcPr marL="0" marR="0" marT="7620" marB="0" anchor="ctr">
@@ -4789,29 +4339,15 @@
                         </a:spcBef>
                       </a:pPr>
                       <a:r>
-                        <a:rPr lang="en-US" sz="900" spc="0">
+                        <a:rPr lang="pt-BR" sz="900">
                           <a:solidFill>
                             <a:srgbClr val="FFFFFF"/>
                           </a:solidFill>
                           <a:latin typeface="Adobe Clean"/>
                           <a:cs typeface="Adobe Clean"/>
                         </a:rPr>
-                        <a:t>Enterprise </a:t>
+                        <a:t>Suporte Enterprise</a:t>
                       </a:r>
-                      <a:r>
-                        <a:rPr sz="900" spc="0">
-                          <a:solidFill>
-                            <a:srgbClr val="FFFFFF"/>
-                          </a:solidFill>
-                          <a:latin typeface="Adobe Clean"/>
-                          <a:cs typeface="Adobe Clean"/>
-                        </a:rPr>
-                        <a:t>Support</a:t>
-                      </a:r>
-                      <a:endParaRPr sz="900" spc="0">
-                        <a:latin typeface="Adobe Clean"/>
-                        <a:cs typeface="Adobe Clean"/>
-                      </a:endParaRPr>
                     </a:p>
                   </a:txBody>
                   <a:tcPr marL="0" marR="0" marT="7620" marB="0" anchor="ctr">
@@ -4879,7 +4415,7 @@
                     <a:bodyPr/>
                     <a:lstStyle/>
                     <a:p>
-                      <a:pPr marL="0" marR="0" lvl="0" indent="0" algn="ctr" defTabSz="914400" eaLnBrk="1" fontAlgn="auto" latinLnBrk="0" hangingPunct="1">
+                      <a:pPr marL="0" marR="0" lvl="0" indent="0" algn="l" defTabSz="914400" rtl="0" eaLnBrk="1" fontAlgn="auto" latinLnBrk="0" hangingPunct="1">
                         <a:lnSpc>
                           <a:spcPct val="100000"/>
                         </a:lnSpc>
@@ -4960,13 +4496,13 @@
                         <a:defRPr/>
                       </a:pPr>
                       <a:r>
-                        <a:rPr lang="en-US" sz="800" i="1">
+                        <a:rPr lang="pt-BR" sz="800" i="1">
                           <a:solidFill>
                             <a:schemeClr val="bg1"/>
                           </a:solidFill>
                           <a:latin typeface="Adobe Clean Light" panose="020B0303020404020204" pitchFamily="34" charset="0"/>
                         </a:rPr>
-                        <a:t>Paid Support ($)</a:t>
+                        <a:t>Suporte pago ($)</a:t>
                       </a:r>
                     </a:p>
                   </a:txBody>
@@ -5030,22 +4566,15 @@
                         </a:spcBef>
                       </a:pPr>
                       <a:r>
-                        <a:rPr lang="en-US" sz="1000" b="1" i="0" spc="0">
+                        <a:rPr lang="pt-BR" sz="1000" b="1" i="0">
                           <a:solidFill>
                             <a:schemeClr val="bg1"/>
                           </a:solidFill>
                           <a:latin typeface="Adobe Clean" panose="020B0503020404020204" pitchFamily="34" charset="0"/>
                           <a:cs typeface="AdobeClean-Light"/>
                         </a:rPr>
-                        <a:t>Assigned Experts</a:t>
+                        <a:t>Especialistas atribuídos</a:t>
                       </a:r>
-                      <a:endParaRPr sz="1000" b="1" i="0" spc="0">
-                        <a:solidFill>
-                          <a:schemeClr val="bg1"/>
-                        </a:solidFill>
-                        <a:latin typeface="Adobe Clean" panose="020B0503020404020204" pitchFamily="34" charset="0"/>
-                        <a:cs typeface="AdobeClean-Light"/>
-                      </a:endParaRPr>
                     </a:p>
                   </a:txBody>
                   <a:tcPr marL="0" marR="0" marT="58419" marB="0" anchor="ctr">
@@ -5092,19 +4621,15 @@
                         </a:spcBef>
                       </a:pPr>
                       <a:r>
-                        <a:rPr sz="900" spc="0">
+                        <a:rPr lang="pt-BR" sz="900">
                           <a:solidFill>
                             <a:srgbClr val="020302"/>
                           </a:solidFill>
                           <a:latin typeface="AdobeClean-Light"/>
                           <a:cs typeface="AdobeClean-Light"/>
                         </a:rPr>
-                        <a:t>Account Support Lead</a:t>
+                        <a:t>Líder de suporte da conta</a:t>
                       </a:r>
-                      <a:endParaRPr sz="900" spc="0">
-                        <a:latin typeface="AdobeClean-Light"/>
-                        <a:cs typeface="AdobeClean-Light"/>
-                      </a:endParaRPr>
                     </a:p>
                   </a:txBody>
                   <a:tcPr marL="0" marR="0" marT="58419" marB="0">
@@ -5139,7 +4664,7 @@
                     <a:bodyPr/>
                     <a:lstStyle/>
                     <a:p>
-                      <a:pPr algn="ctr">
+                      <a:pPr algn="l" rtl="0">
                         <a:lnSpc>
                           <a:spcPct val="100000"/>
                         </a:lnSpc>
@@ -5180,7 +4705,7 @@
                     <a:bodyPr/>
                     <a:lstStyle/>
                     <a:p>
-                      <a:pPr algn="ctr">
+                      <a:pPr algn="l" rtl="0">
                         <a:lnSpc>
                           <a:spcPct val="100000"/>
                         </a:lnSpc>
@@ -5223,7 +4748,7 @@
                     <a:bodyPr/>
                     <a:lstStyle/>
                     <a:p>
-                      <a:pPr marL="50800">
+                      <a:pPr marL="50800" algn="l" rtl="0">
                         <a:lnSpc>
                           <a:spcPct val="100000"/>
                         </a:lnSpc>
@@ -5269,19 +4794,15 @@
                         </a:spcBef>
                       </a:pPr>
                       <a:r>
-                        <a:rPr sz="900" spc="0">
+                        <a:rPr lang="pt-BR" sz="900">
                           <a:solidFill>
                             <a:srgbClr val="020302"/>
                           </a:solidFill>
                           <a:latin typeface="AdobeClean-Light"/>
                           <a:cs typeface="AdobeClean-Light"/>
                         </a:rPr>
-                        <a:t>Named Support Engineer</a:t>
+                        <a:t>Engenheiro de suporte nomeado</a:t>
                       </a:r>
-                      <a:endParaRPr sz="900" spc="0">
-                        <a:latin typeface="AdobeClean-Light"/>
-                        <a:cs typeface="AdobeClean-Light"/>
-                      </a:endParaRPr>
                     </a:p>
                   </a:txBody>
                   <a:tcPr marL="0" marR="0" marT="58419" marB="0">
@@ -5304,7 +4825,7 @@
                     <a:bodyPr/>
                     <a:lstStyle/>
                     <a:p>
-                      <a:pPr algn="ctr">
+                      <a:pPr algn="l" rtl="0">
                         <a:lnSpc>
                           <a:spcPct val="100000"/>
                         </a:lnSpc>
@@ -5351,7 +4872,7 @@
                         <a:defRPr/>
                       </a:pPr>
                       <a:r>
-                        <a:rPr lang="en-US" sz="900">
+                        <a:rPr lang="pt-BR" sz="900">
                           <a:solidFill>
                             <a:srgbClr val="020302"/>
                           </a:solidFill>
@@ -5360,10 +4881,6 @@
                         </a:rPr>
                         <a:t></a:t>
                       </a:r>
-                      <a:endParaRPr lang="en-US" sz="900">
-                        <a:latin typeface="Wingdings"/>
-                        <a:cs typeface="Wingdings"/>
-                      </a:endParaRPr>
                     </a:p>
                   </a:txBody>
                   <a:tcPr marL="0" marR="0" marT="0" marB="0" anchor="ctr">
@@ -5386,7 +4903,7 @@
                     <a:bodyPr/>
                     <a:lstStyle/>
                     <a:p>
-                      <a:pPr marL="50800">
+                      <a:pPr marL="50800" algn="l" rtl="0">
                         <a:lnSpc>
                           <a:spcPct val="100000"/>
                         </a:lnSpc>
@@ -5444,19 +4961,15 @@
                         </a:spcBef>
                       </a:pPr>
                       <a:r>
-                        <a:rPr sz="900" spc="0">
+                        <a:rPr lang="pt-BR" sz="900">
                           <a:solidFill>
                             <a:srgbClr val="020302"/>
                           </a:solidFill>
                           <a:latin typeface="AdobeClean-Light"/>
                           <a:cs typeface="AdobeClean-Light"/>
                         </a:rPr>
-                        <a:t>Technical Account Manager</a:t>
+                        <a:t>Gerente técnico de conta</a:t>
                       </a:r>
-                      <a:endParaRPr sz="900" spc="0">
-                        <a:latin typeface="AdobeClean-Light"/>
-                        <a:cs typeface="AdobeClean-Light"/>
-                      </a:endParaRPr>
                     </a:p>
                   </a:txBody>
                   <a:tcPr marL="0" marR="0" marT="63500" marB="0">
@@ -5485,7 +4998,7 @@
                     <a:bodyPr/>
                     <a:lstStyle/>
                     <a:p>
-                      <a:pPr algn="ctr">
+                      <a:pPr algn="l" rtl="0">
                         <a:lnSpc>
                           <a:spcPct val="100000"/>
                         </a:lnSpc>
@@ -5523,7 +5036,7 @@
                     <a:bodyPr/>
                     <a:lstStyle/>
                     <a:p>
-                      <a:pPr algn="ctr">
+                      <a:pPr algn="l" rtl="0">
                         <a:lnSpc>
                           <a:spcPct val="100000"/>
                         </a:lnSpc>
@@ -5574,22 +5087,15 @@
                         </a:spcBef>
                       </a:pPr>
                       <a:r>
-                        <a:rPr lang="en-US" sz="1000" b="1" i="0" spc="0">
+                        <a:rPr lang="pt-BR" sz="1000" b="1" i="0">
                           <a:solidFill>
                             <a:schemeClr val="bg1"/>
                           </a:solidFill>
                           <a:latin typeface="Adobe Clean" panose="020B0503020404020204" pitchFamily="34" charset="0"/>
                           <a:cs typeface="AdobeClean-Light"/>
                         </a:rPr>
-                        <a:t>Support Services</a:t>
+                        <a:t>Serviços de suporte</a:t>
                       </a:r>
-                      <a:endParaRPr sz="1000" b="1" i="0" spc="0">
-                        <a:solidFill>
-                          <a:schemeClr val="bg1"/>
-                        </a:solidFill>
-                        <a:latin typeface="Adobe Clean" panose="020B0503020404020204" pitchFamily="34" charset="0"/>
-                        <a:cs typeface="AdobeClean-Light"/>
-                      </a:endParaRPr>
                     </a:p>
                   </a:txBody>
                   <a:tcPr marL="0" marR="0" marT="57150" marB="0" anchor="ctr">
@@ -5645,29 +5151,15 @@
                         </a:spcBef>
                       </a:pPr>
                       <a:r>
-                        <a:rPr lang="en-US" sz="900" spc="0">
+                        <a:rPr lang="pt-BR" sz="900">
                           <a:solidFill>
                             <a:srgbClr val="020302"/>
                           </a:solidFill>
                           <a:latin typeface="AdobeClean-Light"/>
                           <a:cs typeface="AdobeClean-Light"/>
                         </a:rPr>
-                        <a:t>Online</a:t>
+                        <a:t>Suporte Online</a:t>
                       </a:r>
-                      <a:r>
-                        <a:rPr sz="900" spc="0">
-                          <a:solidFill>
-                            <a:srgbClr val="020302"/>
-                          </a:solidFill>
-                          <a:latin typeface="AdobeClean-Light"/>
-                          <a:cs typeface="AdobeClean-Light"/>
-                        </a:rPr>
-                        <a:t> Support</a:t>
-                      </a:r>
-                      <a:endParaRPr sz="900" spc="0">
-                        <a:latin typeface="AdobeClean-Light"/>
-                        <a:cs typeface="AdobeClean-Light"/>
-                      </a:endParaRPr>
                     </a:p>
                   </a:txBody>
                   <a:tcPr marL="0" marR="0" marT="57150" marB="0">
@@ -5705,39 +5197,15 @@
                         </a:spcBef>
                       </a:pPr>
                       <a:r>
-                        <a:rPr sz="900" spc="-25">
+                        <a:rPr lang="pt-BR" sz="900">
                           <a:solidFill>
                             <a:srgbClr val="020302"/>
                           </a:solidFill>
                           <a:latin typeface="AdobeClean-Light"/>
                           <a:cs typeface="AdobeClean-Light"/>
                         </a:rPr>
-                        <a:t>Business</a:t>
+                        <a:t>Horário comercial</a:t>
                       </a:r>
-                      <a:r>
-                        <a:rPr sz="900" spc="-15">
-                          <a:solidFill>
-                            <a:srgbClr val="020302"/>
-                          </a:solidFill>
-                          <a:latin typeface="AdobeClean-Light"/>
-                          <a:cs typeface="AdobeClean-Light"/>
-                        </a:rPr>
-                        <a:t> </a:t>
-                      </a:r>
-                      <a:r>
-                        <a:rPr sz="900" spc="-30">
-                          <a:solidFill>
-                            <a:srgbClr val="020302"/>
-                          </a:solidFill>
-                          <a:latin typeface="AdobeClean-Light"/>
-                          <a:cs typeface="AdobeClean-Light"/>
-                        </a:rPr>
-                        <a:t>hours</a:t>
-                      </a:r>
-                      <a:endParaRPr sz="900">
-                        <a:latin typeface="AdobeClean-Light"/>
-                        <a:cs typeface="AdobeClean-Light"/>
-                      </a:endParaRPr>
                     </a:p>
                   </a:txBody>
                   <a:tcPr marL="0" marR="0" marT="67945" marB="0">
@@ -5776,7 +5244,7 @@
                         </a:spcBef>
                       </a:pPr>
                       <a:r>
-                        <a:rPr lang="en-US" sz="900" spc="-25">
+                        <a:rPr lang="pt-BR" sz="900">
                           <a:solidFill>
                             <a:srgbClr val="020302"/>
                           </a:solidFill>
@@ -5785,10 +5253,6 @@
                         </a:rPr>
                         <a:t>24x5</a:t>
                       </a:r>
-                      <a:endParaRPr sz="900">
-                        <a:latin typeface="AdobeClean-Light"/>
-                        <a:cs typeface="AdobeClean-Light"/>
-                      </a:endParaRPr>
                     </a:p>
                   </a:txBody>
                   <a:tcPr marL="0" marR="0" marT="67945" marB="0">
@@ -5822,7 +5286,7 @@
                     <a:bodyPr/>
                     <a:lstStyle/>
                     <a:p>
-                      <a:pPr marL="50800">
+                      <a:pPr marL="50800" algn="l" rtl="0">
                         <a:lnSpc>
                           <a:spcPct val="100000"/>
                         </a:lnSpc>
@@ -5871,39 +5335,15 @@
                         </a:spcBef>
                       </a:pPr>
                       <a:r>
-                        <a:rPr sz="900" spc="0">
+                        <a:rPr lang="pt-BR" sz="900">
                           <a:solidFill>
                             <a:srgbClr val="020302"/>
                           </a:solidFill>
                           <a:latin typeface="AdobeClean-Light"/>
                           <a:cs typeface="AdobeClean-Light"/>
                         </a:rPr>
-                        <a:t>24x7</a:t>
+                        <a:t>Suporte 24x7x365 para prioridades P1</a:t>
                       </a:r>
-                      <a:r>
-                        <a:rPr lang="en-US" sz="900" spc="0">
-                          <a:solidFill>
-                            <a:srgbClr val="020302"/>
-                          </a:solidFill>
-                          <a:latin typeface="AdobeClean-Light"/>
-                          <a:cs typeface="AdobeClean-Light"/>
-                        </a:rPr>
-                        <a:t>x365</a:t>
-                      </a:r>
-                      <a:r>
-                        <a:rPr sz="900" spc="0">
-                          <a:solidFill>
-                            <a:srgbClr val="020302"/>
-                          </a:solidFill>
-                          <a:latin typeface="AdobeClean-Light"/>
-                          <a:cs typeface="AdobeClean-Light"/>
-                        </a:rPr>
-                        <a:t> P1 Issue Support</a:t>
-                      </a:r>
-                      <a:endParaRPr sz="900" spc="0">
-                        <a:latin typeface="AdobeClean-Light"/>
-                        <a:cs typeface="AdobeClean-Light"/>
-                      </a:endParaRPr>
                     </a:p>
                   </a:txBody>
                   <a:tcPr marL="0" marR="0" marT="57785" marB="0">
@@ -5935,7 +5375,7 @@
                         </a:spcBef>
                       </a:pPr>
                       <a:r>
-                        <a:rPr sz="900">
+                        <a:rPr lang="pt-BR" sz="900">
                           <a:solidFill>
                             <a:srgbClr val="020302"/>
                           </a:solidFill>
@@ -5944,10 +5384,6 @@
                         </a:rPr>
                         <a:t></a:t>
                       </a:r>
-                      <a:endParaRPr sz="900">
-                        <a:latin typeface="Wingdings"/>
-                        <a:cs typeface="Wingdings"/>
-                      </a:endParaRPr>
                     </a:p>
                   </a:txBody>
                   <a:tcPr marL="0" marR="0" marT="58419" marB="0">
@@ -5977,7 +5413,7 @@
                         </a:spcBef>
                       </a:pPr>
                       <a:r>
-                        <a:rPr sz="900">
+                        <a:rPr lang="pt-BR" sz="900">
                           <a:solidFill>
                             <a:srgbClr val="020302"/>
                           </a:solidFill>
@@ -5986,10 +5422,6 @@
                         </a:rPr>
                         <a:t></a:t>
                       </a:r>
-                      <a:endParaRPr sz="900">
-                        <a:latin typeface="Wingdings"/>
-                        <a:cs typeface="Wingdings"/>
-                      </a:endParaRPr>
                     </a:p>
                   </a:txBody>
                   <a:tcPr marL="0" marR="0" marT="58419" marB="0">
@@ -6012,7 +5444,7 @@
                     <a:bodyPr/>
                     <a:lstStyle/>
                     <a:p>
-                      <a:pPr marL="50800">
+                      <a:pPr marL="50800" algn="l" rtl="0">
                         <a:lnSpc>
                           <a:spcPct val="100000"/>
                         </a:lnSpc>
@@ -6070,19 +5502,15 @@
                         </a:spcBef>
                       </a:pPr>
                       <a:r>
-                        <a:rPr lang="en-US" sz="900" spc="0">
+                        <a:rPr lang="pt-BR" sz="900">
                           <a:solidFill>
                             <a:srgbClr val="020302"/>
                           </a:solidFill>
                           <a:latin typeface="AdobeClean-Light"/>
                           <a:cs typeface="AdobeClean-Light"/>
                         </a:rPr>
-                        <a:t>Named Support Contacts (per product)</a:t>
+                        <a:t>Contatos de suporte nomeados (por produto)</a:t>
                       </a:r>
-                      <a:endParaRPr sz="900" spc="0">
-                        <a:latin typeface="AdobeClean-Light"/>
-                        <a:cs typeface="AdobeClean-Light"/>
-                      </a:endParaRPr>
                     </a:p>
                   </a:txBody>
                   <a:tcPr marL="0" marR="0" marT="57785" marB="0">
@@ -6120,7 +5548,7 @@
                         </a:spcBef>
                       </a:pPr>
                       <a:r>
-                        <a:rPr sz="900">
+                        <a:rPr lang="pt-BR" sz="900">
                           <a:solidFill>
                             <a:srgbClr val="020302"/>
                           </a:solidFill>
@@ -6129,10 +5557,6 @@
                         </a:rPr>
                         <a:t>4</a:t>
                       </a:r>
-                      <a:endParaRPr sz="900">
-                        <a:latin typeface="AdobeClean-Light"/>
-                        <a:cs typeface="AdobeClean-Light"/>
-                      </a:endParaRPr>
                     </a:p>
                   </a:txBody>
                   <a:tcPr marL="0" marR="0" marT="57785" marB="0">
@@ -6162,7 +5586,7 @@
                         </a:spcBef>
                       </a:pPr>
                       <a:r>
-                        <a:rPr lang="en-US" sz="900">
+                        <a:rPr lang="pt-BR" sz="900">
                           <a:solidFill>
                             <a:srgbClr val="020302"/>
                           </a:solidFill>
@@ -6171,10 +5595,6 @@
                         </a:rPr>
                         <a:t>10</a:t>
                       </a:r>
-                      <a:endParaRPr sz="900">
-                        <a:latin typeface="AdobeClean-Light"/>
-                        <a:cs typeface="AdobeClean-Light"/>
-                      </a:endParaRPr>
                     </a:p>
                   </a:txBody>
                   <a:tcPr marL="0" marR="0" marT="57785" marB="0">
@@ -6197,7 +5617,7 @@
                     <a:bodyPr/>
                     <a:lstStyle/>
                     <a:p>
-                      <a:pPr marL="50800">
+                      <a:pPr marL="50800" algn="l" rtl="0">
                         <a:lnSpc>
                           <a:spcPct val="100000"/>
                         </a:lnSpc>
@@ -6246,19 +5666,15 @@
                         </a:spcBef>
                       </a:pPr>
                       <a:r>
-                        <a:rPr lang="en-US" sz="900" spc="0">
+                        <a:rPr lang="pt-BR" sz="900">
                           <a:solidFill>
                             <a:srgbClr val="020302"/>
                           </a:solidFill>
                           <a:latin typeface="AdobeClean-Light"/>
                           <a:cs typeface="AdobeClean-Light"/>
                         </a:rPr>
-                        <a:t>Live Telephone Support</a:t>
+                        <a:t>Suporte telefônico ao vivo</a:t>
                       </a:r>
-                      <a:endParaRPr sz="900" spc="0">
-                        <a:latin typeface="AdobeClean-Light"/>
-                        <a:cs typeface="AdobeClean-Light"/>
-                      </a:endParaRPr>
                     </a:p>
                   </a:txBody>
                   <a:tcPr marL="0" marR="0" marT="57785" marB="0">
@@ -6281,7 +5697,7 @@
                     <a:bodyPr/>
                     <a:lstStyle/>
                     <a:p>
-                      <a:pPr algn="ctr">
+                      <a:pPr algn="l" rtl="0">
                         <a:lnSpc>
                           <a:spcPct val="100000"/>
                         </a:lnSpc>
@@ -6322,7 +5738,7 @@
                         </a:spcBef>
                       </a:pPr>
                       <a:r>
-                        <a:rPr sz="900">
+                        <a:rPr lang="pt-BR" sz="900">
                           <a:solidFill>
                             <a:srgbClr val="020302"/>
                           </a:solidFill>
@@ -6331,10 +5747,6 @@
                         </a:rPr>
                         <a:t></a:t>
                       </a:r>
-                      <a:endParaRPr sz="900">
-                        <a:latin typeface="Wingdings"/>
-                        <a:cs typeface="Wingdings"/>
-                      </a:endParaRPr>
                     </a:p>
                   </a:txBody>
                   <a:tcPr marL="0" marR="0" marT="59054" marB="0">
@@ -6357,7 +5769,7 @@
                     <a:bodyPr/>
                     <a:lstStyle/>
                     <a:p>
-                      <a:pPr marL="50800">
+                      <a:pPr marL="50800" algn="l" rtl="0">
                         <a:lnSpc>
                           <a:spcPct val="100000"/>
                         </a:lnSpc>
@@ -6406,19 +5818,15 @@
                         </a:spcBef>
                       </a:pPr>
                       <a:r>
-                        <a:rPr sz="900" spc="0">
+                        <a:rPr lang="pt-BR" sz="900">
                           <a:solidFill>
                             <a:srgbClr val="020302"/>
                           </a:solidFill>
                           <a:latin typeface="AdobeClean-Light"/>
                           <a:cs typeface="AdobeClean-Light"/>
                         </a:rPr>
-                        <a:t>Escalation Management</a:t>
+                        <a:t>Gestão de encaminhamento</a:t>
                       </a:r>
-                      <a:endParaRPr sz="900" spc="0">
-                        <a:latin typeface="AdobeClean-Light"/>
-                        <a:cs typeface="AdobeClean-Light"/>
-                      </a:endParaRPr>
                     </a:p>
                   </a:txBody>
                   <a:tcPr marL="0" marR="0" marT="58419" marB="0">
@@ -6441,7 +5849,7 @@
                     <a:bodyPr/>
                     <a:lstStyle/>
                     <a:p>
-                      <a:pPr algn="ctr">
+                      <a:pPr algn="l" rtl="0">
                         <a:lnSpc>
                           <a:spcPct val="100000"/>
                         </a:lnSpc>
@@ -6482,7 +5890,7 @@
                         </a:spcBef>
                       </a:pPr>
                       <a:r>
-                        <a:rPr sz="900">
+                        <a:rPr lang="pt-BR" sz="900">
                           <a:solidFill>
                             <a:srgbClr val="020302"/>
                           </a:solidFill>
@@ -6491,10 +5899,6 @@
                         </a:rPr>
                         <a:t></a:t>
                       </a:r>
-                      <a:endParaRPr sz="900">
-                        <a:latin typeface="Wingdings"/>
-                        <a:cs typeface="Wingdings"/>
-                      </a:endParaRPr>
                     </a:p>
                   </a:txBody>
                   <a:tcPr marL="0" marR="0" marT="59690" marB="0">
@@ -6517,7 +5921,7 @@
                     <a:bodyPr/>
                     <a:lstStyle/>
                     <a:p>
-                      <a:pPr marL="50800">
+                      <a:pPr marL="50800" algn="l" rtl="0">
                         <a:lnSpc>
                           <a:spcPct val="100000"/>
                         </a:lnSpc>
@@ -6566,29 +5970,15 @@
                         </a:spcBef>
                       </a:pPr>
                       <a:r>
-                        <a:rPr sz="900" spc="0">
+                        <a:rPr lang="pt-BR" sz="900">
                           <a:solidFill>
                             <a:srgbClr val="020302"/>
                           </a:solidFill>
                           <a:latin typeface="AdobeClean-Light"/>
                           <a:cs typeface="AdobeClean-Light"/>
                         </a:rPr>
-                        <a:t>Service Reviews </a:t>
+                        <a:t>Revisões de serviço por ano</a:t>
                       </a:r>
-                      <a:r>
-                        <a:rPr lang="en-US" sz="900" spc="0">
-                          <a:solidFill>
-                            <a:srgbClr val="020302"/>
-                          </a:solidFill>
-                          <a:latin typeface="AdobeClean-Light"/>
-                          <a:cs typeface="AdobeClean-Light"/>
-                        </a:rPr>
-                        <a:t>per Year</a:t>
-                      </a:r>
-                      <a:endParaRPr sz="900" spc="0">
-                        <a:latin typeface="AdobeClean-Light"/>
-                        <a:cs typeface="AdobeClean-Light"/>
-                      </a:endParaRPr>
                     </a:p>
                   </a:txBody>
                   <a:tcPr marL="0" marR="0" marT="57150" marB="0">
@@ -6611,7 +6001,7 @@
                     <a:bodyPr/>
                     <a:lstStyle/>
                     <a:p>
-                      <a:pPr>
+                      <a:pPr algn="l" rtl="0">
                         <a:lnSpc>
                           <a:spcPct val="100000"/>
                         </a:lnSpc>
@@ -6646,16 +6036,12 @@
                         </a:lnSpc>
                       </a:pPr>
                       <a:r>
-                        <a:rPr lang="en-US" sz="900">
+                        <a:rPr lang="pt-BR" sz="900">
                           <a:latin typeface="Times New Roman"/>
                           <a:cs typeface="Times New Roman"/>
                         </a:rPr>
                         <a:t>2</a:t>
                       </a:r>
-                      <a:endParaRPr sz="900">
-                        <a:latin typeface="Times New Roman"/>
-                        <a:cs typeface="Times New Roman"/>
-                      </a:endParaRPr>
                     </a:p>
                   </a:txBody>
                   <a:tcPr marL="0" marR="0" marT="0" marB="0">
@@ -6697,16 +6083,12 @@
                         </a:spcBef>
                       </a:pPr>
                       <a:r>
-                        <a:rPr lang="en-US" sz="900" spc="0">
+                        <a:rPr lang="pt-BR" sz="900">
                           <a:latin typeface="AdobeClean-Light"/>
                           <a:cs typeface="AdobeClean-Light"/>
                         </a:rPr>
-                        <a:t>Expert Sessions per Year</a:t>
+                        <a:t>Sessões de especialistas por ano</a:t>
                       </a:r>
-                      <a:endParaRPr sz="900" spc="0">
-                        <a:latin typeface="AdobeClean-Light"/>
-                        <a:cs typeface="AdobeClean-Light"/>
-                      </a:endParaRPr>
                     </a:p>
                   </a:txBody>
                   <a:tcPr marL="0" marR="0" marT="57150" marB="0">
@@ -6735,7 +6117,7 @@
                     <a:bodyPr/>
                     <a:lstStyle/>
                     <a:p>
-                      <a:pPr>
+                      <a:pPr algn="l" rtl="0">
                         <a:lnSpc>
                           <a:spcPct val="100000"/>
                         </a:lnSpc>
@@ -6770,16 +6152,12 @@
                         </a:lnSpc>
                       </a:pPr>
                       <a:r>
-                        <a:rPr lang="en-US" sz="900">
+                        <a:rPr lang="pt-BR" sz="900">
                           <a:latin typeface="Times New Roman"/>
                           <a:cs typeface="Times New Roman"/>
                         </a:rPr>
                         <a:t>2</a:t>
                       </a:r>
-                      <a:endParaRPr sz="900">
-                        <a:latin typeface="Times New Roman"/>
-                        <a:cs typeface="Times New Roman"/>
-                      </a:endParaRPr>
                     </a:p>
                   </a:txBody>
                   <a:tcPr marL="0" marR="0" marT="0" marB="0">
@@ -6821,16 +6199,12 @@
                         </a:spcBef>
                       </a:pPr>
                       <a:r>
-                        <a:rPr lang="en-US" sz="900" spc="0">
+                        <a:rPr lang="pt-BR" sz="900">
                           <a:latin typeface="AdobeClean-Light"/>
                           <a:cs typeface="AdobeClean-Light"/>
                         </a:rPr>
-                        <a:t>Case Reviews</a:t>
+                        <a:t>Revisões de caso</a:t>
                       </a:r>
-                      <a:endParaRPr sz="900" spc="0">
-                        <a:latin typeface="AdobeClean-Light"/>
-                        <a:cs typeface="AdobeClean-Light"/>
-                      </a:endParaRPr>
                     </a:p>
                   </a:txBody>
                   <a:tcPr marL="0" marR="0" marT="57150" marB="0">
@@ -6859,7 +6233,7 @@
                     <a:bodyPr/>
                     <a:lstStyle/>
                     <a:p>
-                      <a:pPr>
+                      <a:pPr algn="l" rtl="0">
                         <a:lnSpc>
                           <a:spcPct val="100000"/>
                         </a:lnSpc>
@@ -6906,7 +6280,7 @@
                         <a:defRPr/>
                       </a:pPr>
                       <a:r>
-                        <a:rPr lang="en-US" sz="900">
+                        <a:rPr lang="pt-BR" sz="900">
                           <a:solidFill>
                             <a:srgbClr val="020302"/>
                           </a:solidFill>
@@ -6915,10 +6289,6 @@
                         </a:rPr>
                         <a:t></a:t>
                       </a:r>
-                      <a:endParaRPr lang="en-US" sz="900">
-                        <a:latin typeface="Wingdings"/>
-                        <a:cs typeface="Wingdings"/>
-                      </a:endParaRPr>
                     </a:p>
                   </a:txBody>
                   <a:tcPr marL="0" marR="0" marT="0" marB="0">
@@ -6941,7 +6311,7 @@
                     <a:bodyPr/>
                     <a:lstStyle/>
                     <a:p>
-                      <a:pPr marL="48895">
+                      <a:pPr marL="48895" algn="l" rtl="0">
                         <a:lnSpc>
                           <a:spcPct val="100000"/>
                         </a:lnSpc>
@@ -6999,29 +6369,15 @@
                         </a:spcBef>
                       </a:pPr>
                       <a:r>
-                        <a:rPr sz="900" spc="0">
+                        <a:rPr lang="pt-BR" sz="900">
                           <a:solidFill>
                             <a:srgbClr val="020302"/>
                           </a:solidFill>
                           <a:latin typeface="AdobeClean-Light"/>
                           <a:cs typeface="AdobeClean-Light"/>
                         </a:rPr>
-                        <a:t>Event </a:t>
+                        <a:t>Gerenciamento de eventos</a:t>
                       </a:r>
-                      <a:r>
-                        <a:rPr lang="en-US" sz="900" spc="0">
-                          <a:solidFill>
-                            <a:srgbClr val="020302"/>
-                          </a:solidFill>
-                          <a:latin typeface="AdobeClean-Light"/>
-                          <a:cs typeface="AdobeClean-Light"/>
-                        </a:rPr>
-                        <a:t>Management</a:t>
-                      </a:r>
-                      <a:endParaRPr sz="900" spc="0">
-                        <a:latin typeface="AdobeClean-Light"/>
-                        <a:cs typeface="AdobeClean-Light"/>
-                      </a:endParaRPr>
                     </a:p>
                   </a:txBody>
                   <a:tcPr marL="0" marR="0" marT="58419" marB="0">
@@ -7050,7 +6406,7 @@
                     <a:bodyPr/>
                     <a:lstStyle/>
                     <a:p>
-                      <a:pPr>
+                      <a:pPr algn="l" rtl="0">
                         <a:lnSpc>
                           <a:spcPct val="100000"/>
                         </a:lnSpc>
@@ -7079,7 +6435,7 @@
                     <a:bodyPr/>
                     <a:lstStyle/>
                     <a:p>
-                      <a:pPr>
+                      <a:pPr algn="l" rtl="0">
                         <a:lnSpc>
                           <a:spcPct val="100000"/>
                         </a:lnSpc>
@@ -7110,7 +6466,7 @@
                     <a:bodyPr/>
                     <a:lstStyle/>
                     <a:p>
-                      <a:pPr marL="48895">
+                      <a:pPr marL="48895" algn="l" rtl="0">
                         <a:lnSpc>
                           <a:spcPct val="100000"/>
                         </a:lnSpc>
@@ -7159,39 +6515,15 @@
                         </a:spcBef>
                       </a:pPr>
                       <a:r>
-                        <a:rPr sz="900" spc="0">
+                        <a:rPr lang="pt-BR" sz="900">
                           <a:solidFill>
                             <a:srgbClr val="020302"/>
                           </a:solidFill>
                           <a:latin typeface="AdobeClean-Light"/>
                           <a:cs typeface="AdobeClean-Light"/>
                         </a:rPr>
-                        <a:t>Environment</a:t>
+                        <a:t>Revisão, manutenção e monitoramento do ambiente</a:t>
                       </a:r>
-                      <a:r>
-                        <a:rPr lang="en-US" sz="900" spc="0">
-                          <a:solidFill>
-                            <a:srgbClr val="020302"/>
-                          </a:solidFill>
-                          <a:latin typeface="AdobeClean-Light"/>
-                          <a:cs typeface="AdobeClean-Light"/>
-                        </a:rPr>
-                        <a:t> </a:t>
-                      </a:r>
-                      <a:r>
-                        <a:rPr sz="900" spc="0">
-                          <a:solidFill>
-                            <a:srgbClr val="020302"/>
-                          </a:solidFill>
-                          <a:latin typeface="AdobeClean-Light"/>
-                          <a:cs typeface="AdobeClean-Light"/>
-                        </a:rPr>
-                        <a:t>Review, Maintenance &amp; Monitoring</a:t>
-                      </a:r>
-                      <a:endParaRPr sz="900" spc="0">
-                        <a:latin typeface="AdobeClean-Light"/>
-                        <a:cs typeface="AdobeClean-Light"/>
-                      </a:endParaRPr>
                     </a:p>
                   </a:txBody>
                   <a:tcPr marL="0" marR="0" marT="59055" marB="0">
@@ -7214,7 +6546,7 @@
                     <a:bodyPr/>
                     <a:lstStyle/>
                     <a:p>
-                      <a:pPr>
+                      <a:pPr algn="l" rtl="0">
                         <a:lnSpc>
                           <a:spcPct val="100000"/>
                         </a:lnSpc>
@@ -7243,7 +6575,7 @@
                     <a:bodyPr/>
                     <a:lstStyle/>
                     <a:p>
-                      <a:pPr>
+                      <a:pPr algn="l" rtl="0">
                         <a:lnSpc>
                           <a:spcPct val="100000"/>
                         </a:lnSpc>
@@ -7274,7 +6606,7 @@
                     <a:bodyPr/>
                     <a:lstStyle/>
                     <a:p>
-                      <a:pPr marL="49530">
+                      <a:pPr marL="49530" algn="l" rtl="0">
                         <a:lnSpc>
                           <a:spcPct val="100000"/>
                         </a:lnSpc>
@@ -7323,19 +6655,15 @@
                         </a:spcBef>
                       </a:pPr>
                       <a:r>
-                        <a:rPr sz="900" spc="0">
+                        <a:rPr lang="pt-BR" sz="900">
                           <a:solidFill>
                             <a:srgbClr val="020302"/>
                           </a:solidFill>
                           <a:latin typeface="AdobeClean-Light"/>
                           <a:cs typeface="AdobeClean-Light"/>
                         </a:rPr>
-                        <a:t>Release, Migration, Upgrade &amp; Product Roadmap Review</a:t>
+                        <a:t>Revisão de versão, migração, atualização e roteiro de produtos</a:t>
                       </a:r>
-                      <a:endParaRPr sz="900" spc="0">
-                        <a:latin typeface="AdobeClean-Light"/>
-                        <a:cs typeface="AdobeClean-Light"/>
-                      </a:endParaRPr>
                     </a:p>
                   </a:txBody>
                   <a:tcPr marL="0" marR="0" marT="63500" marB="0">
@@ -7358,7 +6686,7 @@
                     <a:bodyPr/>
                     <a:lstStyle/>
                     <a:p>
-                      <a:pPr>
+                      <a:pPr algn="l" rtl="0">
                         <a:lnSpc>
                           <a:spcPct val="100000"/>
                         </a:lnSpc>
@@ -7387,7 +6715,7 @@
                     <a:bodyPr/>
                     <a:lstStyle/>
                     <a:p>
-                      <a:pPr>
+                      <a:pPr algn="l" rtl="0">
                         <a:lnSpc>
                           <a:spcPct val="100000"/>
                         </a:lnSpc>
@@ -7418,7 +6746,7 @@
                     <a:bodyPr/>
                     <a:lstStyle/>
                     <a:p>
-                      <a:pPr marL="49530">
+                      <a:pPr marL="49530" algn="l" rtl="0">
                         <a:lnSpc>
                           <a:spcPct val="100000"/>
                         </a:lnSpc>
@@ -7476,11 +6804,11 @@
                         </a:spcBef>
                       </a:pPr>
                       <a:r>
-                        <a:rPr sz="900" spc="0">
+                        <a:rPr lang="pt-BR" sz="900">
                           <a:latin typeface="AdobeClean-Light"/>
                           <a:cs typeface="AdobeClean-Light"/>
                         </a:rPr>
-                        <a:t>Cloud Support Activities – Experience Manager as Cloud</a:t>
+                        <a:t>Atividades de suporte na nuvem — Experience Manager as Cloud</a:t>
                       </a:r>
                     </a:p>
                   </a:txBody>
@@ -7510,7 +6838,7 @@
                     <a:bodyPr/>
                     <a:lstStyle/>
                     <a:p>
-                      <a:pPr>
+                      <a:pPr algn="l" rtl="0">
                         <a:lnSpc>
                           <a:spcPct val="100000"/>
                         </a:lnSpc>
@@ -7566,7 +6894,7 @@
                         <a:defRPr/>
                       </a:pPr>
                       <a:r>
-                        <a:rPr lang="en-US" sz="900">
+                        <a:rPr lang="pt-BR" sz="900">
                           <a:solidFill>
                             <a:srgbClr val="020302"/>
                           </a:solidFill>
@@ -7575,13 +6903,9 @@
                         </a:rPr>
                         <a:t></a:t>
                       </a:r>
-                      <a:endParaRPr lang="en-US" sz="900">
-                        <a:latin typeface="Wingdings"/>
-                        <a:cs typeface="Wingdings"/>
-                      </a:endParaRPr>
                     </a:p>
                     <a:p>
-                      <a:pPr marL="0" marR="0" lvl="0" indent="0" algn="ctr" defTabSz="914400" eaLnBrk="1" fontAlgn="auto" latinLnBrk="0" hangingPunct="1">
+                      <a:pPr marL="0" marR="0" lvl="0" indent="0" algn="l" defTabSz="914400" rtl="0" eaLnBrk="1" fontAlgn="auto" latinLnBrk="0" hangingPunct="1">
                         <a:lnSpc>
                           <a:spcPct val="100000"/>
                         </a:lnSpc>
@@ -7644,22 +6968,15 @@
                         </a:spcBef>
                       </a:pPr>
                       <a:r>
-                        <a:rPr lang="en-US" sz="1000" b="1" i="0" spc="0">
+                        <a:rPr lang="pt-BR" sz="1000" b="1" i="0">
                           <a:solidFill>
                             <a:schemeClr val="bg1"/>
                           </a:solidFill>
                           <a:latin typeface="Adobe Clean" panose="020B0503020404020204" pitchFamily="34" charset="0"/>
                           <a:cs typeface="AdobeClean-Light"/>
                         </a:rPr>
-                        <a:t>Field Services</a:t>
+                        <a:t>Serviços de campo</a:t>
                       </a:r>
-                      <a:endParaRPr sz="1000" b="1" i="0" spc="0">
-                        <a:solidFill>
-                          <a:schemeClr val="bg1"/>
-                        </a:solidFill>
-                        <a:latin typeface="Adobe Clean" panose="020B0503020404020204" pitchFamily="34" charset="0"/>
-                        <a:cs typeface="AdobeClean-Light"/>
-                      </a:endParaRPr>
                     </a:p>
                   </a:txBody>
                   <a:tcPr marL="0" marR="0" marT="48260" marB="0" anchor="ctr">
@@ -7712,14 +7029,14 @@
                         </a:spcBef>
                       </a:pPr>
                       <a:r>
-                        <a:rPr sz="900" spc="0">
+                        <a:rPr lang="pt-BR" sz="900">
                           <a:solidFill>
                             <a:srgbClr val="020302"/>
                           </a:solidFill>
                           <a:latin typeface="AdobeClean-Light"/>
                           <a:cs typeface="AdobeClean-Light"/>
                         </a:rPr>
-                        <a:t>Launch Advisory Services – First Year of new solution</a:t>
+                        <a:t>Launch Advisory Services — primeiro ano da nova solução</a:t>
                       </a:r>
                     </a:p>
                   </a:txBody>
@@ -7759,7 +7076,7 @@
                     <a:bodyPr/>
                     <a:lstStyle/>
                     <a:p>
-                      <a:pPr>
+                      <a:pPr algn="l" rtl="0">
                         <a:lnSpc>
                           <a:spcPct val="100000"/>
                         </a:lnSpc>
@@ -7815,7 +7132,7 @@
                         <a:defRPr/>
                       </a:pPr>
                       <a:r>
-                        <a:rPr lang="en-US" sz="900">
+                        <a:rPr lang="pt-BR" sz="900">
                           <a:solidFill>
                             <a:srgbClr val="020302"/>
                           </a:solidFill>
@@ -7824,10 +7141,6 @@
                         </a:rPr>
                         <a:t></a:t>
                       </a:r>
-                      <a:endParaRPr lang="en-US" sz="900">
-                        <a:latin typeface="Wingdings"/>
-                        <a:cs typeface="Wingdings"/>
-                      </a:endParaRPr>
                     </a:p>
                   </a:txBody>
                   <a:tcPr marL="0" marR="0" marT="0" marB="0">
@@ -7948,7 +7261,7 @@
                         <a:defRPr/>
                       </a:pPr>
                       <a:r>
-                        <a:rPr lang="en-US" sz="900">
+                        <a:rPr lang="pt-BR" sz="900">
                           <a:solidFill>
                             <a:srgbClr val="020302"/>
                           </a:solidFill>
@@ -7957,10 +7270,6 @@
                         </a:rPr>
                         <a:t></a:t>
                       </a:r>
-                      <a:endParaRPr lang="en-US" sz="900">
-                        <a:latin typeface="Wingdings"/>
-                        <a:cs typeface="Wingdings"/>
-                      </a:endParaRPr>
                     </a:p>
                   </a:txBody>
                   <a:tcPr marL="0" marR="0" marT="0" marB="0">
@@ -8017,11 +7326,11 @@
                         <a:defRPr/>
                       </a:pPr>
                       <a:r>
-                        <a:rPr lang="en-US" sz="900" spc="0">
+                        <a:rPr lang="pt-BR" sz="900">
                           <a:latin typeface="AdobeClean-Light"/>
                           <a:cs typeface="AdobeClean-Light"/>
                         </a:rPr>
-                        <a:t>Field Service Activities </a:t>
+                        <a:t>Atividades de serviço de campo </a:t>
                       </a:r>
                     </a:p>
                   </a:txBody>
@@ -8155,7 +7464,7 @@
         </p:nvSpPr>
         <p:spPr>
           <a:xfrm>
-            <a:off x="2835999" y="9021041"/>
+            <a:off x="2835999" y="8830541"/>
             <a:ext cx="2194560" cy="641201"/>
           </a:xfrm>
           <a:prstGeom prst="rect">
@@ -8180,154 +7489,14 @@
               </a:tabLst>
             </a:pPr>
             <a:r>
-              <a:rPr sz="1000" spc="-20" dirty="0">
+              <a:rPr lang="pt-BR" sz="1000" dirty="0">
                 <a:solidFill>
                   <a:srgbClr val="020302"/>
                 </a:solidFill>
                 <a:latin typeface="AdobeClean-Light"/>
                 <a:cs typeface="AdobeClean-Light"/>
               </a:rPr>
-              <a:t>Start </a:t>
-            </a:r>
-            <a:r>
-              <a:rPr sz="1000" dirty="0">
-                <a:solidFill>
-                  <a:srgbClr val="020302"/>
-                </a:solidFill>
-                <a:latin typeface="AdobeClean-Light"/>
-                <a:cs typeface="AdobeClean-Light"/>
-              </a:rPr>
-              <a:t>a </a:t>
-            </a:r>
-            <a:r>
-              <a:rPr sz="1000" spc="-15" dirty="0">
-                <a:solidFill>
-                  <a:srgbClr val="020302"/>
-                </a:solidFill>
-                <a:latin typeface="AdobeClean-Light"/>
-                <a:cs typeface="AdobeClean-Light"/>
-              </a:rPr>
-              <a:t>chat </a:t>
-            </a:r>
-            <a:r>
-              <a:rPr sz="1000" spc="-10" dirty="0">
-                <a:solidFill>
-                  <a:srgbClr val="020302"/>
-                </a:solidFill>
-                <a:latin typeface="AdobeClean-Light"/>
-                <a:cs typeface="AdobeClean-Light"/>
-              </a:rPr>
-              <a:t>session </a:t>
-            </a:r>
-            <a:r>
-              <a:rPr sz="1000" spc="-5" dirty="0">
-                <a:solidFill>
-                  <a:srgbClr val="020302"/>
-                </a:solidFill>
-                <a:latin typeface="AdobeClean-Light"/>
-                <a:cs typeface="AdobeClean-Light"/>
-              </a:rPr>
-              <a:t>to </a:t>
-            </a:r>
-            <a:r>
-              <a:rPr sz="1000" spc="-10" dirty="0">
-                <a:solidFill>
-                  <a:srgbClr val="020302"/>
-                </a:solidFill>
-                <a:latin typeface="AdobeClean-Light"/>
-                <a:cs typeface="AdobeClean-Light"/>
-              </a:rPr>
-              <a:t>get </a:t>
-            </a:r>
-            <a:r>
-              <a:rPr sz="1000" spc="-20" dirty="0">
-                <a:solidFill>
-                  <a:srgbClr val="020302"/>
-                </a:solidFill>
-                <a:latin typeface="AdobeClean-Light"/>
-                <a:cs typeface="AdobeClean-Light"/>
-              </a:rPr>
-              <a:t>answers</a:t>
-            </a:r>
-            <a:r>
-              <a:rPr lang="en-US" sz="1000" spc="-45" dirty="0">
-                <a:solidFill>
-                  <a:srgbClr val="020302"/>
-                </a:solidFill>
-                <a:latin typeface="AdobeClean-Light"/>
-                <a:cs typeface="AdobeClean-Light"/>
-              </a:rPr>
-              <a:t> </a:t>
-            </a:r>
-            <a:r>
-              <a:rPr lang="en-US" sz="1000" dirty="0">
-                <a:solidFill>
-                  <a:srgbClr val="020302"/>
-                </a:solidFill>
-                <a:latin typeface="AdobeClean-Light"/>
-                <a:cs typeface="AdobeClean-Light"/>
-              </a:rPr>
-              <a:t>&amp; </a:t>
-            </a:r>
-            <a:r>
-              <a:rPr sz="1000" spc="-15" dirty="0">
-                <a:solidFill>
-                  <a:srgbClr val="020302"/>
-                </a:solidFill>
-                <a:latin typeface="AdobeClean-Light"/>
-                <a:cs typeface="AdobeClean-Light"/>
-              </a:rPr>
-              <a:t>help </a:t>
-            </a:r>
-            <a:r>
-              <a:rPr sz="1000" spc="-10" dirty="0">
-                <a:solidFill>
-                  <a:srgbClr val="020302"/>
-                </a:solidFill>
-                <a:latin typeface="AdobeClean-Light"/>
-                <a:cs typeface="AdobeClean-Light"/>
-              </a:rPr>
-              <a:t>with</a:t>
-            </a:r>
-            <a:r>
-              <a:rPr sz="1000" spc="85" dirty="0">
-                <a:solidFill>
-                  <a:srgbClr val="020302"/>
-                </a:solidFill>
-                <a:latin typeface="AdobeClean-Light"/>
-                <a:cs typeface="AdobeClean-Light"/>
-              </a:rPr>
-              <a:t> </a:t>
-            </a:r>
-            <a:r>
-              <a:rPr sz="1000" spc="-10" dirty="0">
-                <a:solidFill>
-                  <a:srgbClr val="020302"/>
-                </a:solidFill>
-                <a:latin typeface="AdobeClean-Light"/>
-                <a:cs typeface="AdobeClean-Light"/>
-              </a:rPr>
-              <a:t>case </a:t>
-            </a:r>
-            <a:r>
-              <a:rPr sz="1000" spc="-20">
-                <a:solidFill>
-                  <a:srgbClr val="020302"/>
-                </a:solidFill>
-                <a:latin typeface="AdobeClean-Light"/>
-                <a:cs typeface="AdobeClean-Light"/>
-              </a:rPr>
-              <a:t>submission</a:t>
-            </a:r>
-            <a:r>
-              <a:rPr lang="en-US" sz="1000" spc="-20">
-                <a:solidFill>
-                  <a:srgbClr val="020302"/>
-                </a:solidFill>
-                <a:latin typeface="AdobeClean-Light"/>
-                <a:cs typeface="AdobeClean-Light"/>
-              </a:rPr>
-              <a:t>.</a:t>
+              <a:t>Inicie uma sessão de chat para obter respostas e ajuda com o envio de caso.</a:t>
             </a:r>
           </a:p>
           <a:p>
@@ -8340,49 +7509,44 @@
               </a:tabLst>
             </a:pPr>
             <a:r>
-              <a:rPr sz="1000" i="1" spc="-10" dirty="0">
+              <a:rPr lang="pt-BR" sz="1000" i="1" dirty="0">
                 <a:solidFill>
                   <a:srgbClr val="7A7A7A"/>
                 </a:solidFill>
                 <a:latin typeface="AdobeClean-LightIt"/>
                 <a:cs typeface="AdobeClean-LightIt"/>
               </a:rPr>
-              <a:t>*Not all </a:t>
-            </a:r>
-            <a:r>
-              <a:rPr sz="1000" i="1" spc="-20" dirty="0">
+              <a:t>*Nem todos os produtos têm suporte </a:t>
+            </a:r>
+            <a:br>
+              <a:rPr lang="pt-BR" sz="1000" i="1" dirty="0">
                 <a:solidFill>
                   <a:srgbClr val="7A7A7A"/>
                 </a:solidFill>
                 <a:latin typeface="AdobeClean-LightIt"/>
                 <a:cs typeface="AdobeClean-LightIt"/>
               </a:rPr>
-              <a:t>products have live chat support</a:t>
-            </a:r>
-            <a:r>
-              <a:rPr sz="900" i="1" spc="-20" dirty="0">
+            </a:br>
+            <a:r>
+              <a:rPr lang="pt-BR" sz="1000" i="1" dirty="0">
                 <a:solidFill>
                   <a:srgbClr val="7A7A7A"/>
                 </a:solidFill>
                 <a:latin typeface="AdobeClean-LightIt"/>
                 <a:cs typeface="AdobeClean-LightIt"/>
               </a:rPr>
-              <a:t>.</a:t>
-            </a:r>
-            <a:r>
-              <a:rPr lang="en-US" sz="900" i="1" spc="-20" dirty="0">
+              <a:t>de chat ao vivo</a:t>
+            </a:r>
+            <a:r>
+              <a:rPr lang="pt-BR" sz="900" i="1" dirty="0">
                 <a:solidFill>
                   <a:srgbClr val="7A7A7A"/>
                 </a:solidFill>
                 <a:latin typeface="AdobeClean-LightIt"/>
                 <a:cs typeface="AdobeClean-LightIt"/>
               </a:rPr>
-              <a:t>  </a:t>
-            </a:r>
-            <a:endParaRPr sz="900">
-              <a:latin typeface="AdobeClean-Light"/>
-              <a:cs typeface="AdobeClean-Light"/>
-            </a:endParaRPr>
+              <a:t>.  </a:t>
+            </a:r>
           </a:p>
         </p:txBody>
       </p:sp>
@@ -8402,7 +7566,7 @@
         </p:nvSpPr>
         <p:spPr>
           <a:xfrm>
-            <a:off x="689237" y="6664838"/>
+            <a:off x="689237" y="6474338"/>
             <a:ext cx="1568246" cy="184666"/>
           </a:xfrm>
           <a:prstGeom prst="rect">
@@ -8429,12 +7593,12 @@
               <a:defRPr/>
             </a:pPr>
             <a:r>
-              <a:rPr lang="en-US" sz="1200">
+              <a:rPr lang="pt-BR" sz="1200">
                 <a:solidFill>
                   <a:srgbClr val="000000"/>
                 </a:solidFill>
               </a:rPr>
-              <a:t>Community Forums</a:t>
+              <a:t>Fóruns da comunidade</a:t>
             </a:r>
           </a:p>
         </p:txBody>
@@ -8455,7 +7619,7 @@
         </p:nvSpPr>
         <p:spPr>
           <a:xfrm>
-            <a:off x="689237" y="6868024"/>
+            <a:off x="689237" y="6677524"/>
             <a:ext cx="959314" cy="184666"/>
           </a:xfrm>
           <a:prstGeom prst="rect">
@@ -8477,12 +7641,12 @@
               </a:spcAft>
             </a:pPr>
             <a:r>
-              <a:rPr lang="en-US" sz="1200" b="1">
+              <a:rPr lang="pt-BR" sz="1200" b="1">
                 <a:latin typeface="+mj-lt"/>
                 <a:ea typeface="Open Sans" pitchFamily="34" charset="0"/>
                 <a:cs typeface="Open Sans" pitchFamily="34" charset="0"/>
               </a:rPr>
-              <a:t>Online Forums</a:t>
+              <a:t>Fóruns online</a:t>
             </a:r>
           </a:p>
         </p:txBody>
@@ -8501,8 +7665,8 @@
         </p:nvSpPr>
         <p:spPr>
           <a:xfrm>
-            <a:off x="355868" y="7102087"/>
-            <a:ext cx="2194560" cy="959237"/>
+            <a:off x="355867" y="6911587"/>
+            <a:ext cx="2245029" cy="1113125"/>
           </a:xfrm>
           <a:prstGeom prst="rect">
             <a:avLst/>
@@ -8515,20 +7679,31 @@
           <a:lstStyle/>
           <a:p>
             <a:r>
-              <a:rPr lang="en-US" sz="1000" dirty="0">
+              <a:rPr lang="pt-BR" sz="1000" dirty="0">
                 <a:solidFill>
                   <a:srgbClr val="4B4B4B"/>
                 </a:solidFill>
                 <a:latin typeface="Adobe Clean Light"/>
               </a:rPr>
-              <a:t>Continuous online access to a growing database of technical solutions, product documentation, FAQs and more. Connect with practitioners and other customers on Adobe Community to share best practices and lessons learned.</a:t>
-            </a:r>
-            <a:endParaRPr lang="en-US" sz="1000" dirty="0">
-              <a:solidFill>
-                <a:srgbClr val="4B4B4B"/>
-              </a:solidFill>
-              <a:latin typeface="Adobe Clean Light" panose="020B0303020404020204" pitchFamily="34" charset="0"/>
-            </a:endParaRPr>
+              <a:t>Acesso online contínuo a um banco de dados cada vez maior de soluções técnicas, documentação do produto, perguntas frequentes e muito mais. Conecte-se </a:t>
+            </a:r>
+            <a:br>
+              <a:rPr lang="pt-BR" sz="1000" dirty="0">
+                <a:solidFill>
+                  <a:srgbClr val="4B4B4B"/>
+                </a:solidFill>
+                <a:latin typeface="Adobe Clean Light"/>
+              </a:rPr>
+            </a:br>
+            <a:r>
+              <a:rPr lang="pt-BR" sz="1000" dirty="0">
+                <a:solidFill>
+                  <a:srgbClr val="4B4B4B"/>
+                </a:solidFill>
+                <a:latin typeface="Adobe Clean Light"/>
+              </a:rPr>
+              <a:t>com profissionais e outros clientes na Comunidade da Adobe para compartilhar práticas recomendadas e lições aprendidas.</a:t>
+            </a:r>
           </a:p>
         </p:txBody>
       </p:sp>
@@ -8548,7 +7723,7 @@
         </p:nvSpPr>
         <p:spPr>
           <a:xfrm>
-            <a:off x="5723508" y="6664838"/>
+            <a:off x="5723508" y="6474338"/>
             <a:ext cx="1463040" cy="184666"/>
           </a:xfrm>
           <a:prstGeom prst="rect">
@@ -8575,7 +7750,7 @@
               <a:defRPr/>
             </a:pPr>
             <a:r>
-              <a:rPr lang="en-US" sz="1200">
+              <a:rPr lang="pt-BR" sz="1200">
                 <a:solidFill>
                   <a:srgbClr val="000000"/>
                 </a:solidFill>
@@ -8601,7 +7776,7 @@
         </p:nvSpPr>
         <p:spPr>
           <a:xfrm>
-            <a:off x="5723508" y="6868024"/>
+            <a:off x="5723508" y="6677524"/>
             <a:ext cx="1316707" cy="184666"/>
           </a:xfrm>
           <a:prstGeom prst="rect">
@@ -8623,12 +7798,12 @@
               </a:spcAft>
             </a:pPr>
             <a:r>
-              <a:rPr lang="en-US" sz="1200" b="1">
+              <a:rPr lang="pt-BR" sz="1200" b="1">
                 <a:latin typeface="+mj-lt"/>
                 <a:ea typeface="Open Sans" pitchFamily="34" charset="0"/>
                 <a:cs typeface="Open Sans" pitchFamily="34" charset="0"/>
               </a:rPr>
-              <a:t>Self-guided Journeys</a:t>
+              <a:t>Jornadas autoguiadas</a:t>
             </a:r>
           </a:p>
         </p:txBody>
@@ -8647,8 +7822,8 @@
         </p:nvSpPr>
         <p:spPr>
           <a:xfrm>
-            <a:off x="5265661" y="7060285"/>
-            <a:ext cx="2194560" cy="1113125"/>
+            <a:off x="5265660" y="6869785"/>
+            <a:ext cx="2240037" cy="1113125"/>
           </a:xfrm>
           <a:prstGeom prst="rect">
             <a:avLst/>
@@ -8661,20 +7836,31 @@
           <a:lstStyle/>
           <a:p>
             <a:r>
-              <a:rPr lang="en-US" sz="1000" dirty="0">
+              <a:rPr lang="pt-BR" sz="1000" dirty="0">
                 <a:solidFill>
                   <a:srgbClr val="4B4B4B"/>
                 </a:solidFill>
                 <a:latin typeface="Adobe Clean Light"/>
               </a:rPr>
-              <a:t>Experience Makers are made with Experience League. Customers can kickstart their Customer Experience Management abilities with personalized learning to develop skills, engage with a global community of peers, and earn career advancing recognition.</a:t>
-            </a:r>
-            <a:endParaRPr lang="en-US" sz="1000" dirty="0">
-              <a:solidFill>
-                <a:srgbClr val="4B4B4B"/>
-              </a:solidFill>
-              <a:latin typeface="Adobe Clean Light" panose="020B0303020404020204" pitchFamily="34" charset="0"/>
-            </a:endParaRPr>
+              <a:t>A Experience League gera criadores de experiências. Os clientes podem adquirir habilidades de gerenciamento de experiência do cliente com aprendizagem personalizada, participar de uma comunidade de pares global e conseguir reconhecimento </a:t>
+            </a:r>
+            <a:br>
+              <a:rPr lang="pt-BR" sz="1000" dirty="0">
+                <a:solidFill>
+                  <a:srgbClr val="4B4B4B"/>
+                </a:solidFill>
+                <a:latin typeface="Adobe Clean Light"/>
+              </a:rPr>
+            </a:br>
+            <a:r>
+              <a:rPr lang="pt-BR" sz="1000" dirty="0">
+                <a:solidFill>
+                  <a:srgbClr val="4B4B4B"/>
+                </a:solidFill>
+                <a:latin typeface="Adobe Clean Light"/>
+              </a:rPr>
+              <a:t>de carreira.</a:t>
+            </a:r>
           </a:p>
         </p:txBody>
       </p:sp>
@@ -8694,7 +7880,7 @@
         </p:nvSpPr>
         <p:spPr>
           <a:xfrm>
-            <a:off x="3201544" y="8520784"/>
+            <a:off x="3201544" y="8330284"/>
             <a:ext cx="1543003" cy="184666"/>
           </a:xfrm>
           <a:prstGeom prst="rect">
@@ -8721,12 +7907,12 @@
               <a:defRPr/>
             </a:pPr>
             <a:r>
-              <a:rPr lang="en-US" sz="1200">
+              <a:rPr lang="pt-BR" sz="1200">
                 <a:solidFill>
                   <a:srgbClr val="000000"/>
                 </a:solidFill>
               </a:rPr>
-              <a:t>Live Chat  Support*</a:t>
+              <a:t>Suporte por chat ao vivo*</a:t>
             </a:r>
           </a:p>
         </p:txBody>
@@ -8747,7 +7933,7 @@
         </p:nvSpPr>
         <p:spPr>
           <a:xfrm>
-            <a:off x="3201544" y="8702003"/>
+            <a:off x="3201544" y="8511503"/>
             <a:ext cx="840166" cy="184666"/>
           </a:xfrm>
           <a:prstGeom prst="rect">
@@ -8769,12 +7955,12 @@
               </a:spcAft>
             </a:pPr>
             <a:r>
-              <a:rPr lang="en-US" sz="1200" b="1">
+              <a:rPr lang="pt-BR" sz="1200" b="1">
                 <a:latin typeface="+mj-lt"/>
                 <a:ea typeface="Open Sans" pitchFamily="34" charset="0"/>
                 <a:cs typeface="Open Sans" pitchFamily="34" charset="0"/>
               </a:rPr>
-              <a:t>Chat Support</a:t>
+              <a:t>Suporte por chat</a:t>
             </a:r>
           </a:p>
         </p:txBody>
@@ -8795,7 +7981,7 @@
         </p:nvSpPr>
         <p:spPr>
           <a:xfrm>
-            <a:off x="3201544" y="6664838"/>
+            <a:off x="3201544" y="6474338"/>
             <a:ext cx="2520000" cy="184666"/>
           </a:xfrm>
           <a:prstGeom prst="rect">
@@ -8822,12 +8008,12 @@
               <a:defRPr/>
             </a:pPr>
             <a:r>
-              <a:rPr lang="en-US" sz="1200">
+              <a:rPr lang="pt-BR" sz="1200" dirty="0">
                 <a:solidFill>
                   <a:srgbClr val="000000"/>
                 </a:solidFill>
               </a:rPr>
-              <a:t>24X7 P1 </a:t>
+              <a:t>24X7 prioridades P1 </a:t>
             </a:r>
           </a:p>
         </p:txBody>
@@ -8848,7 +8034,7 @@
         </p:nvSpPr>
         <p:spPr>
           <a:xfrm>
-            <a:off x="3201544" y="6868024"/>
+            <a:off x="3201544" y="6677524"/>
             <a:ext cx="992259" cy="184666"/>
           </a:xfrm>
           <a:prstGeom prst="rect">
@@ -8870,12 +8056,12 @@
               </a:spcAft>
             </a:pPr>
             <a:r>
-              <a:rPr lang="en-US" sz="1200" b="1">
+              <a:rPr lang="pt-BR" sz="1200" b="1">
                 <a:latin typeface="+mj-lt"/>
                 <a:ea typeface="Open Sans" pitchFamily="34" charset="0"/>
                 <a:cs typeface="Open Sans" pitchFamily="34" charset="0"/>
               </a:rPr>
-              <a:t>Phone  Support</a:t>
+              <a:t>Suporte telefônico</a:t>
             </a:r>
           </a:p>
         </p:txBody>
@@ -8894,8 +8080,8 @@
         </p:nvSpPr>
         <p:spPr>
           <a:xfrm>
-            <a:off x="2835999" y="7097788"/>
-            <a:ext cx="2194560" cy="805349"/>
+            <a:off x="2835998" y="6907288"/>
+            <a:ext cx="2194561" cy="959237"/>
           </a:xfrm>
           <a:prstGeom prst="rect">
             <a:avLst/>
@@ -8908,35 +8094,51 @@
           <a:lstStyle/>
           <a:p>
             <a:r>
-              <a:rPr lang="en-US" sz="1000">
+              <a:rPr lang="pt-BR" sz="1000" dirty="0">
                 <a:solidFill>
                   <a:srgbClr val="020302"/>
                 </a:solidFill>
                 <a:latin typeface="AdobeClean-Light"/>
               </a:rPr>
-              <a:t>Authorized users or </a:t>
-            </a:r>
-            <a:r>
-              <a:rPr lang="en-US" sz="1000" b="1">
+              <a:t>Usuários autorizados ou </a:t>
+            </a:r>
+            <a:r>
+              <a:rPr lang="pt-BR" sz="1000" b="1" dirty="0">
                 <a:solidFill>
                   <a:srgbClr val="020302"/>
                 </a:solidFill>
                 <a:latin typeface="AdobeClean-Light"/>
               </a:rPr>
-              <a:t>Named Support Contacts </a:t>
-            </a:r>
-            <a:r>
-              <a:rPr lang="en-US" sz="1000">
+              <a:t>contatos de suporte nomeados</a:t>
+            </a:r>
+            <a:r>
+              <a:rPr lang="pt-BR" sz="1000" dirty="0">
                 <a:latin typeface="Adobe Clean Light" panose="020B0303020404020204" pitchFamily="34" charset="0"/>
               </a:rPr>
-              <a:t>can submit issues through all available  channels (including phone for P1) and interact with our technical support team on behalf of your company. </a:t>
-            </a:r>
-            <a:endParaRPr lang="en-US" sz="1000">
-              <a:solidFill>
-                <a:srgbClr val="000000"/>
-              </a:solidFill>
-              <a:latin typeface="Adobe Clean Light" panose="020B0303020404020204" pitchFamily="34" charset="0"/>
-            </a:endParaRPr>
+              <a:t> podem enviar problemas por todos os canais disponíveis (incluindo por telefone em prioridades P1) </a:t>
+            </a:r>
+            <a:br>
+              <a:rPr lang="pt-BR" sz="1000" dirty="0">
+                <a:latin typeface="Adobe Clean Light" panose="020B0303020404020204" pitchFamily="34" charset="0"/>
+              </a:rPr>
+            </a:br>
+            <a:r>
+              <a:rPr lang="pt-BR" sz="1000" dirty="0">
+                <a:latin typeface="Adobe Clean Light" panose="020B0303020404020204" pitchFamily="34" charset="0"/>
+              </a:rPr>
+              <a:t>e contatar a equipe de suporte técnico </a:t>
+            </a:r>
+            <a:br>
+              <a:rPr lang="pt-BR" sz="1000" dirty="0">
+                <a:latin typeface="Adobe Clean Light" panose="020B0303020404020204" pitchFamily="34" charset="0"/>
+              </a:rPr>
+            </a:br>
+            <a:r>
+              <a:rPr lang="pt-BR" sz="1000" dirty="0">
+                <a:latin typeface="Adobe Clean Light" panose="020B0303020404020204" pitchFamily="34" charset="0"/>
+              </a:rPr>
+              <a:t>em nome de sua empresa. </a:t>
+            </a:r>
           </a:p>
         </p:txBody>
       </p:sp>
@@ -8954,8 +8156,8 @@
         </p:nvSpPr>
         <p:spPr>
           <a:xfrm>
-            <a:off x="214971" y="6447157"/>
-            <a:ext cx="1848207" cy="45719"/>
+            <a:off x="214971" y="6256657"/>
+            <a:ext cx="2042512" cy="57890"/>
           </a:xfrm>
           <a:custGeom>
             <a:avLst/>
@@ -9002,7 +8204,7 @@
         </p:nvSpPr>
         <p:spPr>
           <a:xfrm>
-            <a:off x="214971" y="6124178"/>
+            <a:off x="214971" y="5933678"/>
             <a:ext cx="1901483" cy="307777"/>
           </a:xfrm>
           <a:prstGeom prst="rect">
@@ -9024,19 +8226,15 @@
               </a:spcBef>
             </a:pPr>
             <a:r>
-              <a:rPr lang="en-US" sz="1400" b="1" spc="-10">
+              <a:rPr lang="pt-BR" sz="1400" b="1">
                 <a:solidFill>
                   <a:srgbClr val="020302"/>
                 </a:solidFill>
                 <a:latin typeface="Adobe Clean"/>
                 <a:cs typeface="Adobe Clean"/>
               </a:rPr>
-              <a:t>Online Support Features</a:t>
-            </a:r>
-            <a:endParaRPr lang="en-US" sz="1400">
-              <a:latin typeface="Adobe Clean"/>
-              <a:cs typeface="Adobe Clean"/>
-            </a:endParaRPr>
+              <a:t>Recursos de suporte online</a:t>
+            </a:r>
           </a:p>
         </p:txBody>
       </p:sp>
@@ -9056,7 +8254,7 @@
         </p:nvSpPr>
         <p:spPr>
           <a:xfrm>
-            <a:off x="689237" y="8520784"/>
+            <a:off x="689237" y="8330284"/>
             <a:ext cx="991521" cy="184666"/>
           </a:xfrm>
           <a:prstGeom prst="rect">
@@ -9083,7 +8281,7 @@
               <a:defRPr/>
             </a:pPr>
             <a:r>
-              <a:rPr lang="en-US" sz="1200">
+              <a:rPr lang="pt-BR" sz="1200">
                 <a:solidFill>
                   <a:srgbClr val="000000"/>
                 </a:solidFill>
@@ -9109,7 +8307,7 @@
         </p:nvSpPr>
         <p:spPr>
           <a:xfrm>
-            <a:off x="689237" y="8702003"/>
+            <a:off x="689237" y="8511503"/>
             <a:ext cx="604974" cy="184666"/>
           </a:xfrm>
           <a:prstGeom prst="rect">
@@ -9131,12 +8329,12 @@
               </a:spcAft>
             </a:pPr>
             <a:r>
-              <a:rPr lang="en-US" sz="1200" b="1">
+              <a:rPr lang="pt-BR" sz="1200" b="1">
                 <a:latin typeface="+mj-lt"/>
                 <a:ea typeface="Open Sans" pitchFamily="34" charset="0"/>
                 <a:cs typeface="Open Sans" pitchFamily="34" charset="0"/>
               </a:rPr>
-              <a:t>Webinars</a:t>
+              <a:t>Webinários</a:t>
             </a:r>
           </a:p>
         </p:txBody>
@@ -9155,8 +8353,8 @@
         </p:nvSpPr>
         <p:spPr>
           <a:xfrm>
-            <a:off x="355868" y="8986613"/>
-            <a:ext cx="2194560" cy="805349"/>
+            <a:off x="355868" y="8796113"/>
+            <a:ext cx="2285732" cy="959237"/>
           </a:xfrm>
           <a:prstGeom prst="rect">
             <a:avLst/>
@@ -9169,13 +8367,64 @@
           <a:lstStyle/>
           <a:p>
             <a:r>
-              <a:rPr lang="en-US" sz="1000">
+              <a:rPr lang="pt-BR" sz="1000" dirty="0">
                 <a:solidFill>
                   <a:srgbClr val="4B4B4B"/>
                 </a:solidFill>
                 <a:latin typeface="Adobe Clean Light" panose="020B0303020404020204" pitchFamily="34" charset="0"/>
               </a:rPr>
-              <a:t>Office Hours led by the Adobe Customer Support team includes sessions designed to inform as well as help participants troubleshoot problems and provide tips and tricks for success with Adobe solutions. </a:t>
+              <a:t>O Office Hours, apresentado pela equipe de Suporte ao cliente da Adobe, inclui sessões para informar e ajudar os participantes </a:t>
+            </a:r>
+            <a:br>
+              <a:rPr lang="pt-BR" sz="1000" dirty="0">
+                <a:solidFill>
+                  <a:srgbClr val="4B4B4B"/>
+                </a:solidFill>
+                <a:latin typeface="Adobe Clean Light" panose="020B0303020404020204" pitchFamily="34" charset="0"/>
+              </a:rPr>
+            </a:br>
+            <a:r>
+              <a:rPr lang="pt-BR" sz="1000" dirty="0">
+                <a:solidFill>
+                  <a:srgbClr val="4B4B4B"/>
+                </a:solidFill>
+                <a:latin typeface="Adobe Clean Light" panose="020B0303020404020204" pitchFamily="34" charset="0"/>
+              </a:rPr>
+              <a:t>a solucionar problemas e fornecer dicas </a:t>
+            </a:r>
+            <a:br>
+              <a:rPr lang="pt-BR" sz="1000" dirty="0">
+                <a:solidFill>
+                  <a:srgbClr val="4B4B4B"/>
+                </a:solidFill>
+                <a:latin typeface="Adobe Clean Light" panose="020B0303020404020204" pitchFamily="34" charset="0"/>
+              </a:rPr>
+            </a:br>
+            <a:r>
+              <a:rPr lang="pt-BR" sz="1000" dirty="0">
+                <a:solidFill>
+                  <a:srgbClr val="4B4B4B"/>
+                </a:solidFill>
+                <a:latin typeface="Adobe Clean Light" panose="020B0303020404020204" pitchFamily="34" charset="0"/>
+              </a:rPr>
+              <a:t>e truques para aproveitar ao máximo </a:t>
+            </a:r>
+            <a:br>
+              <a:rPr lang="pt-BR" sz="1000" dirty="0">
+                <a:solidFill>
+                  <a:srgbClr val="4B4B4B"/>
+                </a:solidFill>
+                <a:latin typeface="Adobe Clean Light" panose="020B0303020404020204" pitchFamily="34" charset="0"/>
+              </a:rPr>
+            </a:br>
+            <a:r>
+              <a:rPr lang="pt-BR" sz="1000" dirty="0">
+                <a:solidFill>
+                  <a:srgbClr val="4B4B4B"/>
+                </a:solidFill>
+                <a:latin typeface="Adobe Clean Light" panose="020B0303020404020204" pitchFamily="34" charset="0"/>
+              </a:rPr>
+              <a:t>as soluções da Adobe. </a:t>
             </a:r>
           </a:p>
         </p:txBody>
@@ -9196,8 +8445,8 @@
         </p:nvSpPr>
         <p:spPr>
           <a:xfrm>
-            <a:off x="5723508" y="8520784"/>
-            <a:ext cx="1303746" cy="184666"/>
+            <a:off x="5723507" y="8330284"/>
+            <a:ext cx="1782191" cy="184666"/>
           </a:xfrm>
           <a:prstGeom prst="rect">
             <a:avLst/>
@@ -9223,12 +8472,12 @@
               <a:defRPr/>
             </a:pPr>
             <a:r>
-              <a:rPr lang="en-US" sz="1200">
+              <a:rPr lang="pt-BR" sz="1200" dirty="0">
                 <a:solidFill>
                   <a:srgbClr val="000000"/>
                 </a:solidFill>
               </a:rPr>
-              <a:t>Self-help Portals</a:t>
+              <a:t>Portais de autoatendimento</a:t>
             </a:r>
           </a:p>
         </p:txBody>
@@ -9249,7 +8498,7 @@
         </p:nvSpPr>
         <p:spPr>
           <a:xfrm>
-            <a:off x="5723508" y="8702003"/>
+            <a:off x="5723508" y="8511503"/>
             <a:ext cx="1267206" cy="184666"/>
           </a:xfrm>
           <a:prstGeom prst="rect">
@@ -9271,12 +8520,12 @@
               </a:spcAft>
             </a:pPr>
             <a:r>
-              <a:rPr lang="en-US" sz="1200" b="1">
+              <a:rPr lang="pt-BR" sz="1200" b="1">
                 <a:latin typeface="+mj-lt"/>
                 <a:ea typeface="Open Sans" pitchFamily="34" charset="0"/>
                 <a:cs typeface="Open Sans" pitchFamily="34" charset="0"/>
               </a:rPr>
-              <a:t>24/7 Support Portal</a:t>
+              <a:t>Portal de suporte 24/7</a:t>
             </a:r>
           </a:p>
         </p:txBody>
@@ -9295,8 +8544,8 @@
         </p:nvSpPr>
         <p:spPr>
           <a:xfrm>
-            <a:off x="5265661" y="8947635"/>
-            <a:ext cx="2194560" cy="805349"/>
+            <a:off x="5265661" y="8757135"/>
+            <a:ext cx="2240036" cy="959237"/>
           </a:xfrm>
           <a:prstGeom prst="rect">
             <a:avLst/>
@@ -9309,30 +8558,13 @@
           <a:lstStyle/>
           <a:p>
             <a:r>
-              <a:rPr lang="en-US" sz="1000">
+              <a:rPr lang="pt-BR" sz="1000" dirty="0">
                 <a:solidFill>
                   <a:srgbClr val="4B4B4B"/>
                 </a:solidFill>
                 <a:latin typeface="Adobe Clean Light" panose="020B0303020404020204" pitchFamily="34" charset="0"/>
               </a:rPr>
-              <a:t>On-demand access to the online </a:t>
-            </a:r>
-            <a:br>
-              <a:rPr lang="en-US" sz="1000">
-                <a:solidFill>
-                  <a:srgbClr val="4B4B4B"/>
-                </a:solidFill>
-                <a:latin typeface="Adobe Clean Light" panose="020B0303020404020204" pitchFamily="34" charset="0"/>
-              </a:rPr>
-            </a:br>
-            <a:r>
-              <a:rPr lang="en-US" sz="1000">
-                <a:solidFill>
-                  <a:srgbClr val="4B4B4B"/>
-                </a:solidFill>
-                <a:latin typeface="Adobe Clean Light" panose="020B0303020404020204" pitchFamily="34" charset="0"/>
-              </a:rPr>
-              <a:t>Self-help Support Portal to submit support requests, review case status, and browse other resources, like our knowledgebase, news and alerts, featured tips, and more.</a:t>
+              <a:t>Acesso sob demanda ao Portal de autoatendimento online para enviar solicitações de suporte, revisar o status do caso e procurar outros recursos, como nossa base de conhecimento, notícias e alertas, dicas em destaque e muito mais.</a:t>
             </a:r>
           </a:p>
         </p:txBody>
@@ -9466,36 +8698,8 @@
               </a:spcBef>
             </a:pPr>
             <a:r>
-              <a:rPr lang="en-US" spc="-10"/>
-              <a:t>©2021</a:t>
-            </a:r>
-            <a:r>
-              <a:rPr lang="en-US" spc="-5"/>
-              <a:t> Adobe. All</a:t>
-            </a:r>
-            <a:r>
-              <a:rPr lang="en-US" spc="-10"/>
-              <a:t> Rights</a:t>
-            </a:r>
-            <a:r>
-              <a:rPr lang="en-US" spc="-5"/>
-              <a:t> </a:t>
-            </a:r>
-            <a:r>
-              <a:rPr lang="en-US" spc="-10"/>
-              <a:t>Reserved.</a:t>
-            </a:r>
-            <a:r>
-              <a:rPr lang="en-US" spc="-5"/>
-              <a:t> Adobe</a:t>
-            </a:r>
-            <a:r>
-              <a:rPr lang="en-US" spc="60"/>
-              <a:t> </a:t>
-            </a:r>
-            <a:r>
-              <a:rPr lang="en-US" spc="-10"/>
-              <a:t>Confidential.</a:t>
+              <a:rPr lang="pt-BR"/>
+              <a:t>©2021 Adobe. All Rights Reserved. Adobe Confidential.</a:t>
             </a:r>
           </a:p>
         </p:txBody>
@@ -9515,7 +8719,7 @@
         <p:spPr>
           <a:xfrm>
             <a:off x="214971" y="868681"/>
-            <a:ext cx="2103120" cy="45719"/>
+            <a:ext cx="2354170" cy="76595"/>
           </a:xfrm>
           <a:custGeom>
             <a:avLst/>
@@ -9584,19 +8788,15 @@
               </a:spcBef>
             </a:pPr>
             <a:r>
-              <a:rPr lang="en-US" sz="1400" b="1" spc="-10">
+              <a:rPr lang="pt-BR" sz="1400" b="1">
                 <a:solidFill>
                   <a:srgbClr val="020302"/>
                 </a:solidFill>
                 <a:latin typeface="Adobe Clean"/>
                 <a:cs typeface="Adobe Clean"/>
               </a:rPr>
-              <a:t>Enterprise Support Features</a:t>
-            </a:r>
-            <a:endParaRPr lang="en-US" sz="1400">
-              <a:latin typeface="Adobe Clean"/>
-              <a:cs typeface="Adobe Clean"/>
-            </a:endParaRPr>
+              <a:t>Recursos do suporte Enterprise</a:t>
+            </a:r>
           </a:p>
         </p:txBody>
       </p:sp>
@@ -9615,7 +8815,7 @@
         <p:spPr>
           <a:xfrm>
             <a:off x="689237" y="2603192"/>
-            <a:ext cx="1555491" cy="197490"/>
+            <a:ext cx="1879904" cy="197490"/>
           </a:xfrm>
           <a:prstGeom prst="rect">
             <a:avLst/>
@@ -9636,199 +8836,15 @@
               </a:spcBef>
             </a:pPr>
             <a:r>
-              <a:rPr sz="1200" b="1" spc="-25">
+              <a:rPr lang="pt-BR" sz="1200" b="1" dirty="0">
                 <a:solidFill>
                   <a:srgbClr val="020302"/>
                 </a:solidFill>
                 <a:latin typeface="Adobe Clean"/>
                 <a:cs typeface="Adobe Clean"/>
               </a:rPr>
-              <a:t>E</a:t>
-            </a:r>
-            <a:r>
-              <a:rPr sz="1200" b="1" spc="-20">
-                <a:solidFill>
-                  <a:srgbClr val="020302"/>
-                </a:solidFill>
-                <a:latin typeface="Adobe Clean"/>
-                <a:cs typeface="Adobe Clean"/>
-              </a:rPr>
-              <a:t>s</a:t>
-            </a:r>
-            <a:r>
-              <a:rPr sz="1200" b="1" spc="-30">
-                <a:solidFill>
-                  <a:srgbClr val="020302"/>
-                </a:solidFill>
-                <a:latin typeface="Adobe Clean"/>
-                <a:cs typeface="Adobe Clean"/>
-              </a:rPr>
-              <a:t>c</a:t>
-            </a:r>
-            <a:r>
-              <a:rPr sz="1200" b="1" spc="-20">
-                <a:solidFill>
-                  <a:srgbClr val="020302"/>
-                </a:solidFill>
-                <a:latin typeface="Adobe Clean"/>
-                <a:cs typeface="Adobe Clean"/>
-              </a:rPr>
-              <a:t>a</a:t>
-            </a:r>
-            <a:r>
-              <a:rPr sz="1200" b="1" spc="-25">
-                <a:solidFill>
-                  <a:srgbClr val="020302"/>
-                </a:solidFill>
-                <a:latin typeface="Adobe Clean"/>
-                <a:cs typeface="Adobe Clean"/>
-              </a:rPr>
-              <a:t>l</a:t>
-            </a:r>
-            <a:r>
-              <a:rPr sz="1200" b="1" spc="-20">
-                <a:solidFill>
-                  <a:srgbClr val="020302"/>
-                </a:solidFill>
-                <a:latin typeface="Adobe Clean"/>
-                <a:cs typeface="Adobe Clean"/>
-              </a:rPr>
-              <a:t>a</a:t>
-            </a:r>
-            <a:r>
-              <a:rPr sz="1200" b="1" spc="-25">
-                <a:solidFill>
-                  <a:srgbClr val="020302"/>
-                </a:solidFill>
-                <a:latin typeface="Adobe Clean"/>
-                <a:cs typeface="Adobe Clean"/>
-              </a:rPr>
-              <a:t>t</a:t>
-            </a:r>
-            <a:r>
-              <a:rPr sz="1200" b="1" spc="-20">
-                <a:solidFill>
-                  <a:srgbClr val="020302"/>
-                </a:solidFill>
-                <a:latin typeface="Adobe Clean"/>
-                <a:cs typeface="Adobe Clean"/>
-              </a:rPr>
-              <a:t>i</a:t>
-            </a:r>
-            <a:r>
-              <a:rPr sz="1200" b="1" spc="-15">
-                <a:solidFill>
-                  <a:srgbClr val="020302"/>
-                </a:solidFill>
-                <a:latin typeface="Adobe Clean"/>
-                <a:cs typeface="Adobe Clean"/>
-              </a:rPr>
-              <a:t>o</a:t>
-            </a:r>
-            <a:r>
-              <a:rPr sz="1200" b="1">
-                <a:solidFill>
-                  <a:srgbClr val="020302"/>
-                </a:solidFill>
-                <a:latin typeface="Adobe Clean"/>
-                <a:cs typeface="Adobe Clean"/>
-              </a:rPr>
-              <a:t>n</a:t>
-            </a:r>
-            <a:r>
-              <a:rPr sz="1200" b="1" spc="-55">
-                <a:solidFill>
-                  <a:srgbClr val="020302"/>
-                </a:solidFill>
-                <a:latin typeface="Adobe Clean"/>
-                <a:cs typeface="Adobe Clean"/>
-              </a:rPr>
-              <a:t> </a:t>
-            </a:r>
-            <a:r>
-              <a:rPr sz="1200" b="1" spc="-35">
-                <a:solidFill>
-                  <a:srgbClr val="020302"/>
-                </a:solidFill>
-                <a:latin typeface="Adobe Clean"/>
-                <a:cs typeface="Adobe Clean"/>
-              </a:rPr>
-              <a:t>M</a:t>
-            </a:r>
-            <a:r>
-              <a:rPr sz="1200" b="1" spc="-25">
-                <a:solidFill>
-                  <a:srgbClr val="020302"/>
-                </a:solidFill>
-                <a:latin typeface="Adobe Clean"/>
-                <a:cs typeface="Adobe Clean"/>
-              </a:rPr>
-              <a:t>a</a:t>
-            </a:r>
-            <a:r>
-              <a:rPr sz="1200" b="1" spc="-30">
-                <a:solidFill>
-                  <a:srgbClr val="020302"/>
-                </a:solidFill>
-                <a:latin typeface="Adobe Clean"/>
-                <a:cs typeface="Adobe Clean"/>
-              </a:rPr>
-              <a:t>n</a:t>
-            </a:r>
-            <a:r>
-              <a:rPr sz="1200" b="1" spc="-25">
-                <a:solidFill>
-                  <a:srgbClr val="020302"/>
-                </a:solidFill>
-                <a:latin typeface="Adobe Clean"/>
-                <a:cs typeface="Adobe Clean"/>
-              </a:rPr>
-              <a:t>a</a:t>
-            </a:r>
-            <a:r>
-              <a:rPr sz="1200" b="1" spc="-30">
-                <a:solidFill>
-                  <a:srgbClr val="020302"/>
-                </a:solidFill>
-                <a:latin typeface="Adobe Clean"/>
-                <a:cs typeface="Adobe Clean"/>
-              </a:rPr>
-              <a:t>ge</a:t>
-            </a:r>
-            <a:r>
-              <a:rPr sz="1200" b="1" spc="-25">
-                <a:solidFill>
-                  <a:srgbClr val="020302"/>
-                </a:solidFill>
-                <a:latin typeface="Adobe Clean"/>
-                <a:cs typeface="Adobe Clean"/>
-              </a:rPr>
-              <a:t>m</a:t>
-            </a:r>
-            <a:r>
-              <a:rPr sz="1200" b="1" spc="-30">
-                <a:solidFill>
-                  <a:srgbClr val="020302"/>
-                </a:solidFill>
-                <a:latin typeface="Adobe Clean"/>
-                <a:cs typeface="Adobe Clean"/>
-              </a:rPr>
-              <a:t>en</a:t>
-            </a:r>
-            <a:r>
-              <a:rPr sz="1200" b="1">
-                <a:solidFill>
-                  <a:srgbClr val="020302"/>
-                </a:solidFill>
-                <a:latin typeface="Adobe Clean"/>
-                <a:cs typeface="Adobe Clean"/>
-              </a:rPr>
-              <a:t>t</a:t>
-            </a:r>
-            <a:endParaRPr sz="1200">
-              <a:latin typeface="Adobe Clean"/>
-              <a:cs typeface="Adobe Clean"/>
-            </a:endParaRPr>
+              <a:t>Gestão de encaminhamento</a:t>
+            </a:r>
           </a:p>
         </p:txBody>
       </p:sp>
@@ -9847,7 +8863,7 @@
         <p:spPr>
           <a:xfrm>
             <a:off x="355868" y="2923693"/>
-            <a:ext cx="2194560" cy="782265"/>
+            <a:ext cx="2168257" cy="936154"/>
           </a:xfrm>
           <a:prstGeom prst="rect">
             <a:avLst/>
@@ -9868,18 +8884,48 @@
               </a:spcBef>
             </a:pPr>
             <a:r>
-              <a:rPr lang="en-US" sz="1000">
+              <a:rPr lang="pt-BR" sz="1000" dirty="0">
                 <a:solidFill>
                   <a:srgbClr val="4B4B4B"/>
                 </a:solidFill>
                 <a:latin typeface="Adobe Clean Light" panose="020B0303020404020204" pitchFamily="34" charset="0"/>
               </a:rPr>
-              <a:t>A designated point of contact within Adobe who can provide escalation assistance, regular updates and ensure priority is given to your most critical open support requests.</a:t>
-            </a:r>
-            <a:endParaRPr sz="1000">
-              <a:latin typeface="Adobe Clean Light" panose="020B0303020404020204" pitchFamily="34" charset="0"/>
-              <a:cs typeface="AdobeClean-Light"/>
-            </a:endParaRPr>
+              <a:t>Um ponto de contato designado na </a:t>
+            </a:r>
+            <a:br>
+              <a:rPr lang="pt-BR" sz="1000" dirty="0">
+                <a:solidFill>
+                  <a:srgbClr val="4B4B4B"/>
+                </a:solidFill>
+                <a:latin typeface="Adobe Clean Light" panose="020B0303020404020204" pitchFamily="34" charset="0"/>
+              </a:rPr>
+            </a:br>
+            <a:r>
+              <a:rPr lang="pt-BR" sz="1000" dirty="0">
+                <a:solidFill>
+                  <a:srgbClr val="4B4B4B"/>
+                </a:solidFill>
+                <a:latin typeface="Adobe Clean Light" panose="020B0303020404020204" pitchFamily="34" charset="0"/>
+              </a:rPr>
+              <a:t>Adobe que pode fornecer assistência de encaminhamento, atualizações regulares </a:t>
+            </a:r>
+            <a:br>
+              <a:rPr lang="pt-BR" sz="1000" dirty="0">
+                <a:solidFill>
+                  <a:srgbClr val="4B4B4B"/>
+                </a:solidFill>
+                <a:latin typeface="Adobe Clean Light" panose="020B0303020404020204" pitchFamily="34" charset="0"/>
+              </a:rPr>
+            </a:br>
+            <a:r>
+              <a:rPr lang="pt-BR" sz="1000" dirty="0">
+                <a:solidFill>
+                  <a:srgbClr val="4B4B4B"/>
+                </a:solidFill>
+                <a:latin typeface="Adobe Clean Light" panose="020B0303020404020204" pitchFamily="34" charset="0"/>
+              </a:rPr>
+              <a:t>e garantir que seja dada prioridade àquelas solicitações de suporte abertas que forem mais críticas.</a:t>
+            </a:r>
           </a:p>
         </p:txBody>
       </p:sp>
@@ -9898,7 +8944,7 @@
         <p:spPr>
           <a:xfrm>
             <a:off x="3201544" y="2592995"/>
-            <a:ext cx="1036205" cy="197490"/>
+            <a:ext cx="1595881" cy="197490"/>
           </a:xfrm>
           <a:prstGeom prst="rect">
             <a:avLst/>
@@ -9919,149 +8965,15 @@
               </a:spcBef>
             </a:pPr>
             <a:r>
-              <a:rPr sz="1200" b="1" spc="-20">
+              <a:rPr lang="pt-BR" sz="1200" b="1" dirty="0">
                 <a:solidFill>
                   <a:srgbClr val="020302"/>
                 </a:solidFill>
                 <a:latin typeface="Adobe Clean"/>
                 <a:cs typeface="Adobe Clean"/>
               </a:rPr>
-              <a:t>S</a:t>
-            </a:r>
-            <a:r>
-              <a:rPr sz="1200" b="1" spc="-25">
-                <a:solidFill>
-                  <a:srgbClr val="020302"/>
-                </a:solidFill>
-                <a:latin typeface="Adobe Clean"/>
-                <a:cs typeface="Adobe Clean"/>
-              </a:rPr>
-              <a:t>e</a:t>
-            </a:r>
-            <a:r>
-              <a:rPr sz="1200" b="1" spc="-20">
-                <a:solidFill>
-                  <a:srgbClr val="020302"/>
-                </a:solidFill>
-                <a:latin typeface="Adobe Clean"/>
-                <a:cs typeface="Adobe Clean"/>
-              </a:rPr>
-              <a:t>r</a:t>
-            </a:r>
-            <a:r>
-              <a:rPr sz="1200" b="1" spc="-25">
-                <a:solidFill>
-                  <a:srgbClr val="020302"/>
-                </a:solidFill>
-                <a:latin typeface="Adobe Clean"/>
-                <a:cs typeface="Adobe Clean"/>
-              </a:rPr>
-              <a:t>v</a:t>
-            </a:r>
-            <a:r>
-              <a:rPr sz="1200" b="1" spc="-20">
-                <a:solidFill>
-                  <a:srgbClr val="020302"/>
-                </a:solidFill>
-                <a:latin typeface="Adobe Clean"/>
-                <a:cs typeface="Adobe Clean"/>
-              </a:rPr>
-              <a:t>i</a:t>
-            </a:r>
-            <a:r>
-              <a:rPr sz="1200" b="1" spc="-30">
-                <a:solidFill>
-                  <a:srgbClr val="020302"/>
-                </a:solidFill>
-                <a:latin typeface="Adobe Clean"/>
-                <a:cs typeface="Adobe Clean"/>
-              </a:rPr>
-              <a:t>c</a:t>
-            </a:r>
-            <a:r>
-              <a:rPr sz="1200" b="1">
-                <a:solidFill>
-                  <a:srgbClr val="020302"/>
-                </a:solidFill>
-                <a:latin typeface="Adobe Clean"/>
-                <a:cs typeface="Adobe Clean"/>
-              </a:rPr>
-              <a:t>e</a:t>
-            </a:r>
-            <a:r>
-              <a:rPr sz="1200" b="1" spc="-80">
-                <a:solidFill>
-                  <a:srgbClr val="020302"/>
-                </a:solidFill>
-                <a:latin typeface="Adobe Clean"/>
-                <a:cs typeface="Adobe Clean"/>
-              </a:rPr>
-              <a:t> </a:t>
-            </a:r>
-            <a:r>
-              <a:rPr sz="1200" b="1" spc="-20">
-                <a:solidFill>
-                  <a:srgbClr val="020302"/>
-                </a:solidFill>
-                <a:latin typeface="Adobe Clean"/>
-                <a:cs typeface="Adobe Clean"/>
-              </a:rPr>
-              <a:t>R</a:t>
-            </a:r>
-            <a:r>
-              <a:rPr sz="1200" b="1" spc="-25">
-                <a:solidFill>
-                  <a:srgbClr val="020302"/>
-                </a:solidFill>
-                <a:latin typeface="Adobe Clean"/>
-                <a:cs typeface="Adobe Clean"/>
-              </a:rPr>
-              <a:t>e</a:t>
-            </a:r>
-            <a:r>
-              <a:rPr sz="1200" b="1" spc="-30">
-                <a:solidFill>
-                  <a:srgbClr val="020302"/>
-                </a:solidFill>
-                <a:latin typeface="Adobe Clean"/>
-                <a:cs typeface="Adobe Clean"/>
-              </a:rPr>
-              <a:t>v</a:t>
-            </a:r>
-            <a:r>
-              <a:rPr sz="1200" b="1" spc="-20">
-                <a:solidFill>
-                  <a:srgbClr val="020302"/>
-                </a:solidFill>
-                <a:latin typeface="Adobe Clean"/>
-                <a:cs typeface="Adobe Clean"/>
-              </a:rPr>
-              <a:t>i</a:t>
-            </a:r>
-            <a:r>
-              <a:rPr sz="1200" b="1" spc="-25">
-                <a:solidFill>
-                  <a:srgbClr val="020302"/>
-                </a:solidFill>
-                <a:latin typeface="Adobe Clean"/>
-                <a:cs typeface="Adobe Clean"/>
-              </a:rPr>
-              <a:t>ew</a:t>
-            </a:r>
-            <a:r>
-              <a:rPr sz="1200" b="1">
-                <a:solidFill>
-                  <a:srgbClr val="020302"/>
-                </a:solidFill>
-                <a:latin typeface="Adobe Clean"/>
-                <a:cs typeface="Adobe Clean"/>
-              </a:rPr>
-              <a:t>s</a:t>
-            </a:r>
-            <a:endParaRPr sz="1200">
-              <a:latin typeface="Adobe Clean"/>
-              <a:cs typeface="Adobe Clean"/>
-            </a:endParaRPr>
+              <a:t>Revisões de serviço</a:t>
+            </a:r>
           </a:p>
         </p:txBody>
       </p:sp>
@@ -10101,18 +9013,48 @@
               </a:spcBef>
             </a:pPr>
             <a:r>
-              <a:rPr lang="en-US" sz="1000">
+              <a:rPr lang="pt-BR" sz="1000" dirty="0">
                 <a:solidFill>
                   <a:srgbClr val="4B4B4B"/>
                 </a:solidFill>
                 <a:latin typeface="Adobe Clean Light" panose="020B0303020404020204" pitchFamily="34" charset="0"/>
               </a:rPr>
-              <a:t>A bi-annual comprehensive review of  Enterprise program services, benefits and support metrics.</a:t>
-            </a:r>
-            <a:endParaRPr sz="1000">
-              <a:latin typeface="Adobe Clean Light" panose="020B0303020404020204" pitchFamily="34" charset="0"/>
-              <a:cs typeface="AdobeClean-Light"/>
-            </a:endParaRPr>
+              <a:t>Uma análise abrangente e bianual </a:t>
+            </a:r>
+            <a:br>
+              <a:rPr lang="pt-BR" sz="1000" dirty="0">
+                <a:solidFill>
+                  <a:srgbClr val="4B4B4B"/>
+                </a:solidFill>
+                <a:latin typeface="Adobe Clean Light" panose="020B0303020404020204" pitchFamily="34" charset="0"/>
+              </a:rPr>
+            </a:br>
+            <a:r>
+              <a:rPr lang="pt-BR" sz="1000" dirty="0">
+                <a:solidFill>
+                  <a:srgbClr val="4B4B4B"/>
+                </a:solidFill>
+                <a:latin typeface="Adobe Clean Light" panose="020B0303020404020204" pitchFamily="34" charset="0"/>
+              </a:rPr>
+              <a:t>dos serviços, benefícios e das métricas </a:t>
+            </a:r>
+            <a:br>
+              <a:rPr lang="pt-BR" sz="1000" dirty="0">
+                <a:solidFill>
+                  <a:srgbClr val="4B4B4B"/>
+                </a:solidFill>
+                <a:latin typeface="Adobe Clean Light" panose="020B0303020404020204" pitchFamily="34" charset="0"/>
+              </a:rPr>
+            </a:br>
+            <a:r>
+              <a:rPr lang="pt-BR" sz="1000" dirty="0">
+                <a:solidFill>
+                  <a:srgbClr val="4B4B4B"/>
+                </a:solidFill>
+                <a:latin typeface="Adobe Clean Light" panose="020B0303020404020204" pitchFamily="34" charset="0"/>
+              </a:rPr>
+              <a:t>de suporte do programa Enterprise.</a:t>
+            </a:r>
           </a:p>
         </p:txBody>
       </p:sp>
@@ -10130,8 +9072,8 @@
         </p:nvSpPr>
         <p:spPr>
           <a:xfrm>
-            <a:off x="5265661" y="1426694"/>
-            <a:ext cx="2194560" cy="628377"/>
+            <a:off x="5265660" y="1426694"/>
+            <a:ext cx="2240039" cy="628377"/>
           </a:xfrm>
           <a:prstGeom prst="rect">
             <a:avLst/>
@@ -10152,18 +9094,31 @@
               </a:spcBef>
             </a:pPr>
             <a:r>
-              <a:rPr lang="en-US" sz="1000">
+              <a:rPr lang="pt-BR" sz="1000" dirty="0">
                 <a:solidFill>
                   <a:srgbClr val="4B4B4B"/>
                 </a:solidFill>
                 <a:latin typeface="Adobe Clean Light" panose="020B0303020404020204" pitchFamily="34" charset="0"/>
               </a:rPr>
-              <a:t>A 60-minute session focusing on a specific product feature and how it can be utilized to solve common business problems.</a:t>
-            </a:r>
-            <a:endParaRPr sz="1000">
-              <a:latin typeface="Adobe Clean Light" panose="020B0303020404020204" pitchFamily="34" charset="0"/>
-              <a:cs typeface="AdobeClean-Light"/>
-            </a:endParaRPr>
+              <a:t>Uma sessão de 60 minutos focada em um recurso específico do produto e em como </a:t>
+            </a:r>
+            <a:br>
+              <a:rPr lang="pt-BR" sz="1000" dirty="0">
+                <a:solidFill>
+                  <a:srgbClr val="4B4B4B"/>
+                </a:solidFill>
+                <a:latin typeface="Adobe Clean Light" panose="020B0303020404020204" pitchFamily="34" charset="0"/>
+              </a:rPr>
+            </a:br>
+            <a:r>
+              <a:rPr lang="pt-BR" sz="1000" dirty="0">
+                <a:solidFill>
+                  <a:srgbClr val="4B4B4B"/>
+                </a:solidFill>
+                <a:latin typeface="Adobe Clean Light" panose="020B0303020404020204" pitchFamily="34" charset="0"/>
+              </a:rPr>
+              <a:t>ele pode ser usado para resolver problemas empresariais comuns.</a:t>
+            </a:r>
           </a:p>
         </p:txBody>
       </p:sp>
@@ -10203,20 +9158,31 @@
               </a:spcBef>
             </a:pPr>
             <a:r>
-              <a:rPr lang="en-US" sz="1000" dirty="0">
+              <a:rPr lang="pt-BR" sz="1000" dirty="0">
                 <a:solidFill>
                   <a:srgbClr val="4B4B4B"/>
                 </a:solidFill>
                 <a:latin typeface="Adobe Clean Light"/>
               </a:rPr>
-              <a:t>Drive adoption of customization best practices and core components in AEM as a Cloud Service.</a:t>
-            </a:r>
-            <a:endParaRPr sz="1000" dirty="0">
-              <a:solidFill>
-                <a:srgbClr val="4B4B4B"/>
-              </a:solidFill>
-              <a:latin typeface="Adobe Clean Light" panose="020B0303020404020204" pitchFamily="34" charset="0"/>
-            </a:endParaRPr>
+              <a:t>Adoção de práticas recomendadas </a:t>
+            </a:r>
+            <a:br>
+              <a:rPr lang="pt-BR" sz="1000" dirty="0">
+                <a:solidFill>
+                  <a:srgbClr val="4B4B4B"/>
+                </a:solidFill>
+                <a:latin typeface="Adobe Clean Light"/>
+              </a:rPr>
+            </a:br>
+            <a:r>
+              <a:rPr lang="pt-BR" sz="1000" dirty="0">
+                <a:solidFill>
+                  <a:srgbClr val="4B4B4B"/>
+                </a:solidFill>
+                <a:latin typeface="Adobe Clean Light"/>
+              </a:rPr>
+              <a:t>de personalização e dos componentes principais no AEM as a Cloud Service.</a:t>
+            </a:r>
           </a:p>
         </p:txBody>
       </p:sp>
@@ -10256,20 +9222,14 @@
               </a:spcBef>
             </a:pPr>
             <a:r>
-              <a:rPr lang="en-US" sz="1000" dirty="0">
+              <a:rPr lang="pt-BR" sz="1000" dirty="0">
                 <a:solidFill>
                   <a:srgbClr val="4B4B4B"/>
                 </a:solidFill>
                 <a:latin typeface="Adobe Clean Light"/>
               </a:rPr>
-              <a:t>Identify, review and provide recommendations on customized solution adoption areas that have opportunities for optimization.</a:t>
-            </a:r>
-            <a:endParaRPr lang="en-US" sz="1000" dirty="0">
-              <a:solidFill>
-                <a:srgbClr val="4B4B4B"/>
-              </a:solidFill>
-              <a:latin typeface="Adobe Clean Light" panose="020B0303020404020204" pitchFamily="34" charset="0"/>
-            </a:endParaRPr>
+              <a:t>Identificação, revisão e recomendações sobre áreas personalizadas da adoção de soluções com oportunidades de otimização.</a:t>
+            </a:r>
           </a:p>
         </p:txBody>
       </p:sp>
@@ -10288,7 +9248,7 @@
         <p:spPr>
           <a:xfrm>
             <a:off x="355868" y="4947989"/>
-            <a:ext cx="2194560" cy="717376"/>
+            <a:ext cx="2285732" cy="717376"/>
           </a:xfrm>
           <a:prstGeom prst="rect">
             <a:avLst/>
@@ -10309,20 +9269,14 @@
               </a:spcBef>
             </a:pPr>
             <a:r>
-              <a:rPr lang="en-US" sz="1000" dirty="0">
+              <a:rPr lang="pt-BR" sz="1000" dirty="0">
                 <a:solidFill>
                   <a:srgbClr val="4B4B4B"/>
                 </a:solidFill>
                 <a:latin typeface="Adobe Clean Light"/>
               </a:rPr>
-              <a:t>Technical &amp; operational governance to assist AEM as a Cloud Service Customers in adhering to industry standards and best practices for AEM as a Cloud Service.</a:t>
-            </a:r>
-            <a:endParaRPr sz="1000" dirty="0">
-              <a:solidFill>
-                <a:srgbClr val="4B4B4B"/>
-              </a:solidFill>
-              <a:latin typeface="Adobe Clean Light" panose="020B0303020404020204" pitchFamily="34" charset="0"/>
-            </a:endParaRPr>
+              <a:t>Governança técnica e operacional para auxiliar os clientes do AEM as a Cloud Service a seguirem os padrões do setor e as práticas recomendadas do AEM as a Cloud Service.</a:t>
+            </a:r>
           </a:p>
         </p:txBody>
       </p:sp>
@@ -10359,20 +9313,48 @@
               </a:spcBef>
             </a:pPr>
             <a:r>
-              <a:rPr lang="en-US" sz="1000" dirty="0">
+              <a:rPr lang="pt-BR" sz="1000" dirty="0">
                 <a:solidFill>
                   <a:srgbClr val="4B4B4B"/>
                 </a:solidFill>
                 <a:latin typeface="Adobe Clean Light" panose="020B0303020404020204" pitchFamily="34" charset="0"/>
               </a:rPr>
-              <a:t>A designated support engineer who becomes familiar with your solution environment and business goals. The NSE is an experienced support engineer that helps coordinate your Enterprise Support experience.</a:t>
-            </a:r>
-            <a:endParaRPr lang="en-US" sz="1000" dirty="0">
-              <a:solidFill>
-                <a:srgbClr val="000000"/>
-              </a:solidFill>
-              <a:latin typeface="Adobe Clean Light" panose="020B0303020404020204" pitchFamily="34" charset="0"/>
-            </a:endParaRPr>
+              <a:t>Um engenheiro de suporte designado, familiarizado com seu ambiente de solução e objetivos de negócios. O engenheiro </a:t>
+            </a:r>
+            <a:br>
+              <a:rPr lang="pt-BR" sz="1000" dirty="0">
+                <a:solidFill>
+                  <a:srgbClr val="4B4B4B"/>
+                </a:solidFill>
+                <a:latin typeface="Adobe Clean Light" panose="020B0303020404020204" pitchFamily="34" charset="0"/>
+              </a:rPr>
+            </a:br>
+            <a:r>
+              <a:rPr lang="pt-BR" sz="1000" dirty="0">
+                <a:solidFill>
+                  <a:srgbClr val="4B4B4B"/>
+                </a:solidFill>
+                <a:latin typeface="Adobe Clean Light" panose="020B0303020404020204" pitchFamily="34" charset="0"/>
+              </a:rPr>
+              <a:t>é um profissional experiente que ajuda </a:t>
+            </a:r>
+            <a:br>
+              <a:rPr lang="pt-BR" sz="1000" dirty="0">
+                <a:solidFill>
+                  <a:srgbClr val="4B4B4B"/>
+                </a:solidFill>
+                <a:latin typeface="Adobe Clean Light" panose="020B0303020404020204" pitchFamily="34" charset="0"/>
+              </a:rPr>
+            </a:br>
+            <a:r>
+              <a:rPr lang="pt-BR" sz="1000" dirty="0">
+                <a:solidFill>
+                  <a:srgbClr val="4B4B4B"/>
+                </a:solidFill>
+                <a:latin typeface="Adobe Clean Light" panose="020B0303020404020204" pitchFamily="34" charset="0"/>
+              </a:rPr>
+              <a:t>a coordenar sua experiência no Suporte Enterprise.</a:t>
+            </a:r>
           </a:p>
         </p:txBody>
       </p:sp>
@@ -10392,7 +9374,7 @@
         </p:nvSpPr>
         <p:spPr>
           <a:xfrm>
-            <a:off x="3201544" y="1127425"/>
+            <a:off x="3201544" y="987725"/>
             <a:ext cx="1726164" cy="184666"/>
           </a:xfrm>
           <a:prstGeom prst="rect">
@@ -10414,13 +9396,13 @@
               </a:spcAft>
             </a:pPr>
             <a:r>
-              <a:rPr lang="en-US" sz="1200" b="1" spc="-10">
+              <a:rPr lang="pt-BR" sz="1200" b="1" dirty="0">
                 <a:solidFill>
                   <a:srgbClr val="020302"/>
                 </a:solidFill>
                 <a:latin typeface="+mj-lt"/>
               </a:rPr>
-              <a:t>Named Support Engineer</a:t>
+              <a:t>Engenheiro de suporte nomeado</a:t>
             </a:r>
           </a:p>
         </p:txBody>
@@ -10479,7 +9461,7 @@
         <p:spPr>
           <a:xfrm>
             <a:off x="5723508" y="1099976"/>
-            <a:ext cx="1036205" cy="197490"/>
+            <a:ext cx="1712342" cy="197490"/>
           </a:xfrm>
           <a:prstGeom prst="rect">
             <a:avLst/>
@@ -10500,19 +9482,15 @@
               </a:spcBef>
             </a:pPr>
             <a:r>
-              <a:rPr lang="en-US" sz="1200" b="1" spc="-20">
+              <a:rPr lang="pt-BR" sz="1200" b="1" dirty="0">
                 <a:solidFill>
                   <a:srgbClr val="020302"/>
                 </a:solidFill>
                 <a:latin typeface="Adobe Clean"/>
                 <a:cs typeface="Adobe Clean"/>
               </a:rPr>
-              <a:t>Expert Sessions</a:t>
-            </a:r>
-            <a:endParaRPr sz="1200">
-              <a:latin typeface="Adobe Clean"/>
-              <a:cs typeface="Adobe Clean"/>
-            </a:endParaRPr>
+              <a:t>Sessões com especialistas</a:t>
+            </a:r>
           </a:p>
         </p:txBody>
       </p:sp>
@@ -10530,8 +9508,8 @@
         </p:nvSpPr>
         <p:spPr>
           <a:xfrm>
-            <a:off x="5181600" y="4466703"/>
-            <a:ext cx="1972258" cy="461665"/>
+            <a:off x="5181599" y="4301603"/>
+            <a:ext cx="2168525" cy="646331"/>
           </a:xfrm>
           <a:prstGeom prst="rect">
             <a:avLst/>
@@ -10552,489 +9530,53 @@
               </a:spcBef>
             </a:pPr>
             <a:r>
-              <a:rPr lang="en-US" sz="1200" b="1" spc="-15">
+              <a:rPr lang="pt-BR" sz="1200" b="1" dirty="0">
                 <a:solidFill>
                   <a:srgbClr val="020302"/>
                 </a:solidFill>
                 <a:latin typeface="Adobe Clean"/>
                 <a:cs typeface="Adobe Clean"/>
               </a:rPr>
-              <a:t>C</a:t>
-            </a:r>
-            <a:r>
-              <a:rPr lang="en-US" sz="1200" b="1" spc="-20">
+              <a:t>Práticas recomendadas </a:t>
+            </a:r>
+            <a:br>
+              <a:rPr lang="pt-BR" sz="1200" b="1" dirty="0">
                 <a:solidFill>
                   <a:srgbClr val="020302"/>
                 </a:solidFill>
                 <a:latin typeface="Adobe Clean"/>
                 <a:cs typeface="Adobe Clean"/>
               </a:rPr>
-              <a:t>u</a:t>
-            </a:r>
-            <a:r>
-              <a:rPr lang="en-US" sz="1200" b="1" spc="-25">
+            </a:br>
+            <a:r>
+              <a:rPr lang="pt-BR" sz="1200" b="1" dirty="0">
                 <a:solidFill>
                   <a:srgbClr val="020302"/>
                 </a:solidFill>
                 <a:latin typeface="Adobe Clean"/>
                 <a:cs typeface="Adobe Clean"/>
               </a:rPr>
-              <a:t>st</a:t>
-            </a:r>
-            <a:r>
-              <a:rPr lang="en-US" sz="1200" b="1" spc="-15">
+              <a:t>de personalização do AEM </a:t>
+            </a:r>
+            <a:br>
+              <a:rPr lang="pt-BR" sz="1200" b="1" dirty="0">
                 <a:solidFill>
                   <a:srgbClr val="020302"/>
                 </a:solidFill>
                 <a:latin typeface="Adobe Clean"/>
                 <a:cs typeface="Adobe Clean"/>
               </a:rPr>
-              <a:t>o</a:t>
-            </a:r>
-            <a:r>
-              <a:rPr lang="en-US" sz="1200" b="1" spc="-20">
+            </a:br>
+            <a:r>
+              <a:rPr lang="pt-BR" sz="1200" b="1" dirty="0">
                 <a:solidFill>
                   <a:srgbClr val="020302"/>
                 </a:solidFill>
                 <a:latin typeface="Adobe Clean"/>
                 <a:cs typeface="Adobe Clean"/>
               </a:rPr>
-              <a:t>miza</a:t>
-            </a:r>
-            <a:r>
-              <a:rPr lang="en-US" sz="1200" b="1" spc="-25">
-                <a:solidFill>
-                  <a:srgbClr val="020302"/>
-                </a:solidFill>
-                <a:latin typeface="Adobe Clean"/>
-                <a:cs typeface="Adobe Clean"/>
-              </a:rPr>
-              <a:t>t</a:t>
-            </a:r>
-            <a:r>
-              <a:rPr lang="en-US" sz="1200" b="1" spc="-20">
-                <a:solidFill>
-                  <a:srgbClr val="020302"/>
-                </a:solidFill>
-                <a:latin typeface="Adobe Clean"/>
-                <a:cs typeface="Adobe Clean"/>
-              </a:rPr>
-              <a:t>i</a:t>
-            </a:r>
-            <a:r>
-              <a:rPr lang="en-US" sz="1200" b="1" spc="-15">
-                <a:solidFill>
-                  <a:srgbClr val="020302"/>
-                </a:solidFill>
-                <a:latin typeface="Adobe Clean"/>
-                <a:cs typeface="Adobe Clean"/>
-              </a:rPr>
-              <a:t>o</a:t>
-            </a:r>
-            <a:r>
-              <a:rPr lang="en-US" sz="1200" b="1">
-                <a:solidFill>
-                  <a:srgbClr val="020302"/>
-                </a:solidFill>
-                <a:latin typeface="Adobe Clean"/>
-                <a:cs typeface="Adobe Clean"/>
-              </a:rPr>
-              <a:t>n</a:t>
-            </a:r>
-            <a:r>
-              <a:rPr lang="en-US" sz="1200" b="1" spc="-50">
-                <a:solidFill>
-                  <a:srgbClr val="020302"/>
-                </a:solidFill>
-                <a:latin typeface="Adobe Clean"/>
-                <a:cs typeface="Adobe Clean"/>
-              </a:rPr>
-              <a:t> </a:t>
-            </a:r>
-            <a:r>
-              <a:rPr lang="en-US" sz="1200" b="1" spc="-20">
-                <a:solidFill>
-                  <a:srgbClr val="020302"/>
-                </a:solidFill>
-                <a:latin typeface="Adobe Clean"/>
-                <a:cs typeface="Adobe Clean"/>
-              </a:rPr>
-              <a:t>B</a:t>
-            </a:r>
-            <a:r>
-              <a:rPr lang="en-US" sz="1200" b="1" spc="-25">
-                <a:solidFill>
-                  <a:srgbClr val="020302"/>
-                </a:solidFill>
-                <a:latin typeface="Adobe Clean"/>
-                <a:cs typeface="Adobe Clean"/>
-              </a:rPr>
-              <a:t>es</a:t>
-            </a:r>
-            <a:r>
-              <a:rPr lang="en-US" sz="1200" b="1">
-                <a:solidFill>
-                  <a:srgbClr val="020302"/>
-                </a:solidFill>
-                <a:latin typeface="Adobe Clean"/>
-                <a:cs typeface="Adobe Clean"/>
-              </a:rPr>
-              <a:t>t</a:t>
-            </a:r>
-            <a:r>
-              <a:rPr lang="en-US" sz="1200" b="1" spc="-50">
-                <a:solidFill>
-                  <a:srgbClr val="020302"/>
-                </a:solidFill>
-                <a:latin typeface="Adobe Clean"/>
-                <a:cs typeface="Adobe Clean"/>
-              </a:rPr>
-              <a:t> </a:t>
-            </a:r>
-            <a:r>
-              <a:rPr lang="en-US" sz="1200" b="1" spc="-25">
-                <a:solidFill>
-                  <a:srgbClr val="020302"/>
-                </a:solidFill>
-                <a:latin typeface="Adobe Clean"/>
-                <a:cs typeface="Adobe Clean"/>
-              </a:rPr>
-              <a:t>P</a:t>
-            </a:r>
-            <a:r>
-              <a:rPr lang="en-US" sz="1200" b="1" spc="-20">
-                <a:solidFill>
-                  <a:srgbClr val="020302"/>
-                </a:solidFill>
-                <a:latin typeface="Adobe Clean"/>
-                <a:cs typeface="Adobe Clean"/>
-              </a:rPr>
-              <a:t>ra</a:t>
-            </a:r>
-            <a:r>
-              <a:rPr lang="en-US" sz="1200" b="1" spc="-30">
-                <a:solidFill>
-                  <a:srgbClr val="020302"/>
-                </a:solidFill>
-                <a:latin typeface="Adobe Clean"/>
-                <a:cs typeface="Adobe Clean"/>
-              </a:rPr>
-              <a:t>c</a:t>
-            </a:r>
-            <a:r>
-              <a:rPr lang="en-US" sz="1200" b="1" spc="-25">
-                <a:solidFill>
-                  <a:srgbClr val="020302"/>
-                </a:solidFill>
-                <a:latin typeface="Adobe Clean"/>
-                <a:cs typeface="Adobe Clean"/>
-              </a:rPr>
-              <a:t>t</a:t>
-            </a:r>
-            <a:r>
-              <a:rPr lang="en-US" sz="1200" b="1" spc="-20">
-                <a:solidFill>
-                  <a:srgbClr val="020302"/>
-                </a:solidFill>
-                <a:latin typeface="Adobe Clean"/>
-                <a:cs typeface="Adobe Clean"/>
-              </a:rPr>
-              <a:t>i</a:t>
-            </a:r>
-            <a:r>
-              <a:rPr lang="en-US" sz="1200" b="1" spc="-30">
-                <a:solidFill>
-                  <a:srgbClr val="020302"/>
-                </a:solidFill>
-                <a:latin typeface="Adobe Clean"/>
-                <a:cs typeface="Adobe Clean"/>
-              </a:rPr>
-              <a:t>c</a:t>
-            </a:r>
-            <a:r>
-              <a:rPr lang="en-US" sz="1200" b="1" spc="-25">
-                <a:solidFill>
-                  <a:srgbClr val="020302"/>
-                </a:solidFill>
-                <a:latin typeface="Adobe Clean"/>
-                <a:cs typeface="Adobe Clean"/>
-              </a:rPr>
-              <a:t>e</a:t>
-            </a:r>
-            <a:r>
-              <a:rPr lang="en-US" sz="1200" b="1">
-                <a:solidFill>
-                  <a:srgbClr val="020302"/>
-                </a:solidFill>
-                <a:latin typeface="Adobe Clean"/>
-                <a:cs typeface="Adobe Clean"/>
-              </a:rPr>
-              <a:t>s</a:t>
-            </a:r>
-            <a:r>
-              <a:rPr lang="en-US" sz="1200" b="1" spc="-45">
-                <a:solidFill>
-                  <a:srgbClr val="020302"/>
-                </a:solidFill>
-                <a:latin typeface="Adobe Clean"/>
-                <a:cs typeface="Adobe Clean"/>
-              </a:rPr>
-              <a:t> </a:t>
-            </a:r>
-            <a:r>
-              <a:rPr lang="en-US" sz="1200" b="1" spc="-25">
-                <a:solidFill>
-                  <a:srgbClr val="020302"/>
-                </a:solidFill>
-                <a:latin typeface="Adobe Clean"/>
-                <a:cs typeface="Adobe Clean"/>
-              </a:rPr>
-              <a:t>f</a:t>
-            </a:r>
-            <a:r>
-              <a:rPr lang="en-US" sz="1200" b="1" spc="-15">
-                <a:solidFill>
-                  <a:srgbClr val="020302"/>
-                </a:solidFill>
-                <a:latin typeface="Adobe Clean"/>
-                <a:cs typeface="Adobe Clean"/>
-              </a:rPr>
-              <a:t>o</a:t>
-            </a:r>
-            <a:r>
-              <a:rPr lang="en-US" sz="1200" b="1">
-                <a:solidFill>
-                  <a:srgbClr val="020302"/>
-                </a:solidFill>
-                <a:latin typeface="Adobe Clean"/>
-                <a:cs typeface="Adobe Clean"/>
-              </a:rPr>
-              <a:t>r</a:t>
-            </a:r>
-            <a:r>
-              <a:rPr lang="en-US" sz="1200" b="1" spc="-45">
-                <a:solidFill>
-                  <a:srgbClr val="020302"/>
-                </a:solidFill>
-                <a:latin typeface="Adobe Clean"/>
-                <a:cs typeface="Adobe Clean"/>
-              </a:rPr>
-              <a:t> </a:t>
-            </a:r>
-            <a:r>
-              <a:rPr lang="en-US" sz="1200" b="1" spc="-30">
-                <a:solidFill>
-                  <a:srgbClr val="020302"/>
-                </a:solidFill>
-                <a:latin typeface="Adobe Clean"/>
-                <a:cs typeface="Adobe Clean"/>
-              </a:rPr>
-              <a:t>AE</a:t>
-            </a:r>
-            <a:r>
-              <a:rPr lang="en-US" sz="1200" b="1">
-                <a:solidFill>
-                  <a:srgbClr val="020302"/>
-                </a:solidFill>
-                <a:latin typeface="Adobe Clean"/>
-                <a:cs typeface="Adobe Clean"/>
-              </a:rPr>
-              <a:t>M</a:t>
-            </a:r>
-            <a:r>
-              <a:rPr lang="en-US" sz="1200" b="1" spc="-55">
-                <a:solidFill>
-                  <a:srgbClr val="020302"/>
-                </a:solidFill>
-                <a:latin typeface="Adobe Clean"/>
-                <a:cs typeface="Adobe Clean"/>
-              </a:rPr>
-              <a:t> </a:t>
-            </a:r>
-            <a:r>
-              <a:rPr lang="en-US" sz="1200" b="1" spc="-20">
-                <a:solidFill>
-                  <a:srgbClr val="020302"/>
-                </a:solidFill>
-                <a:latin typeface="Adobe Clean"/>
-                <a:cs typeface="Adobe Clean"/>
-              </a:rPr>
-              <a:t>a</a:t>
-            </a:r>
-            <a:r>
-              <a:rPr lang="en-US" sz="1200" b="1">
-                <a:solidFill>
-                  <a:srgbClr val="020302"/>
-                </a:solidFill>
-                <a:latin typeface="Adobe Clean"/>
-                <a:cs typeface="Adobe Clean"/>
-              </a:rPr>
-              <a:t>s</a:t>
-            </a:r>
-            <a:r>
-              <a:rPr lang="en-US" sz="1200" b="1" spc="-45">
-                <a:solidFill>
-                  <a:srgbClr val="020302"/>
-                </a:solidFill>
-                <a:latin typeface="Adobe Clean"/>
-                <a:cs typeface="Adobe Clean"/>
-              </a:rPr>
-              <a:t> </a:t>
-            </a:r>
-            <a:r>
-              <a:rPr lang="en-US" sz="1200" b="1">
-                <a:solidFill>
-                  <a:srgbClr val="020302"/>
-                </a:solidFill>
-                <a:latin typeface="Adobe Clean"/>
-                <a:cs typeface="Adobe Clean"/>
-              </a:rPr>
-              <a:t>a</a:t>
-            </a:r>
-            <a:r>
-              <a:rPr lang="en-US" sz="1200" b="1" spc="-45">
-                <a:solidFill>
-                  <a:srgbClr val="020302"/>
-                </a:solidFill>
-                <a:latin typeface="Adobe Clean"/>
-                <a:cs typeface="Adobe Clean"/>
-              </a:rPr>
-              <a:t> </a:t>
-            </a:r>
-            <a:r>
-              <a:rPr lang="en-US" sz="1200" b="1" spc="-15">
-                <a:solidFill>
-                  <a:srgbClr val="020302"/>
-                </a:solidFill>
-                <a:latin typeface="Adobe Clean"/>
-                <a:cs typeface="Adobe Clean"/>
-              </a:rPr>
-              <a:t>C</a:t>
-            </a:r>
-            <a:r>
-              <a:rPr lang="en-US" sz="1200" b="1" spc="-25">
-                <a:solidFill>
-                  <a:srgbClr val="020302"/>
-                </a:solidFill>
-                <a:latin typeface="Adobe Clean"/>
-                <a:cs typeface="Adobe Clean"/>
-              </a:rPr>
-              <a:t>l</a:t>
-            </a:r>
-            <a:r>
-              <a:rPr lang="en-US" sz="1200" b="1" spc="-15">
-                <a:solidFill>
-                  <a:srgbClr val="020302"/>
-                </a:solidFill>
-                <a:latin typeface="Adobe Clean"/>
-                <a:cs typeface="Adobe Clean"/>
-              </a:rPr>
-              <a:t>o</a:t>
-            </a:r>
-            <a:r>
-              <a:rPr lang="en-US" sz="1200" b="1" spc="-20">
-                <a:solidFill>
-                  <a:srgbClr val="020302"/>
-                </a:solidFill>
-                <a:latin typeface="Adobe Clean"/>
-                <a:cs typeface="Adobe Clean"/>
-              </a:rPr>
-              <a:t>u</a:t>
-            </a:r>
-            <a:r>
-              <a:rPr lang="en-US" sz="1200" b="1">
-                <a:solidFill>
-                  <a:srgbClr val="020302"/>
-                </a:solidFill>
-                <a:latin typeface="Adobe Clean"/>
-                <a:cs typeface="Adobe Clean"/>
-              </a:rPr>
-              <a:t>d</a:t>
-            </a:r>
-            <a:r>
-              <a:rPr lang="en-US" sz="1200" b="1" spc="-50">
-                <a:solidFill>
-                  <a:srgbClr val="020302"/>
-                </a:solidFill>
-                <a:latin typeface="Adobe Clean"/>
-                <a:cs typeface="Adobe Clean"/>
-              </a:rPr>
-              <a:t> </a:t>
-            </a:r>
-            <a:r>
-              <a:rPr lang="en-US" sz="1200" b="1" spc="-20">
-                <a:solidFill>
-                  <a:srgbClr val="020302"/>
-                </a:solidFill>
-                <a:latin typeface="Adobe Clean"/>
-                <a:cs typeface="Adobe Clean"/>
-              </a:rPr>
-              <a:t>S</a:t>
-            </a:r>
-            <a:r>
-              <a:rPr lang="en-US" sz="1200" b="1" spc="-25">
-                <a:solidFill>
-                  <a:srgbClr val="020302"/>
-                </a:solidFill>
-                <a:latin typeface="Adobe Clean"/>
-                <a:cs typeface="Adobe Clean"/>
-              </a:rPr>
-              <a:t>e</a:t>
-            </a:r>
-            <a:r>
-              <a:rPr lang="en-US" sz="1200" b="1" spc="-20">
-                <a:solidFill>
-                  <a:srgbClr val="020302"/>
-                </a:solidFill>
-                <a:latin typeface="Adobe Clean"/>
-                <a:cs typeface="Adobe Clean"/>
-              </a:rPr>
-              <a:t>r</a:t>
-            </a:r>
-            <a:r>
-              <a:rPr lang="en-US" sz="1200" b="1" spc="-30">
-                <a:solidFill>
-                  <a:srgbClr val="020302"/>
-                </a:solidFill>
-                <a:latin typeface="Adobe Clean"/>
-                <a:cs typeface="Adobe Clean"/>
-              </a:rPr>
-              <a:t>v</a:t>
-            </a:r>
-            <a:r>
-              <a:rPr lang="en-US" sz="1200" b="1" spc="-20">
-                <a:solidFill>
-                  <a:srgbClr val="020302"/>
-                </a:solidFill>
-                <a:latin typeface="Adobe Clean"/>
-                <a:cs typeface="Adobe Clean"/>
-              </a:rPr>
-              <a:t>i</a:t>
-            </a:r>
-            <a:r>
-              <a:rPr lang="en-US" sz="1200" b="1" spc="-30">
-                <a:solidFill>
-                  <a:srgbClr val="020302"/>
-                </a:solidFill>
-                <a:latin typeface="Adobe Clean"/>
-                <a:cs typeface="Adobe Clean"/>
-              </a:rPr>
-              <a:t>c</a:t>
-            </a:r>
-            <a:r>
-              <a:rPr lang="en-US" sz="1200" b="1">
-                <a:solidFill>
-                  <a:srgbClr val="020302"/>
-                </a:solidFill>
-                <a:latin typeface="Adobe Clean"/>
-                <a:cs typeface="Adobe Clean"/>
-              </a:rPr>
-              <a:t>e</a:t>
-            </a:r>
-            <a:endParaRPr lang="en-US" sz="1200">
-              <a:latin typeface="Adobe Clean"/>
-              <a:cs typeface="Adobe Clean"/>
-            </a:endParaRPr>
+              <a:t>as a Cloud Service</a:t>
+            </a:r>
           </a:p>
         </p:txBody>
       </p:sp>
@@ -11052,8 +9594,8 @@
         </p:nvSpPr>
         <p:spPr>
           <a:xfrm>
-            <a:off x="2752588" y="4438393"/>
-            <a:ext cx="1708650" cy="461665"/>
+            <a:off x="2752587" y="4438393"/>
+            <a:ext cx="2194559" cy="461665"/>
           </a:xfrm>
           <a:prstGeom prst="rect">
             <a:avLst/>
@@ -11074,19 +9616,15 @@
               </a:spcBef>
             </a:pPr>
             <a:r>
-              <a:rPr lang="en-US" sz="1200" b="1" spc="-25">
+              <a:rPr lang="pt-BR" sz="1200" b="1" dirty="0">
                 <a:solidFill>
                   <a:srgbClr val="020302"/>
                 </a:solidFill>
                 <a:latin typeface="Adobe Clean"/>
                 <a:cs typeface="Adobe Clean"/>
               </a:rPr>
-              <a:t>Value-added Services for AEM as a Cloud Service</a:t>
-            </a:r>
-            <a:endParaRPr lang="en-US" sz="1200">
-              <a:latin typeface="Adobe Clean"/>
-              <a:cs typeface="Adobe Clean"/>
-            </a:endParaRPr>
+              <a:t>Serviços de valor agregado para o AEM as a Cloud Service</a:t>
+            </a:r>
           </a:p>
         </p:txBody>
       </p:sp>
@@ -11126,359 +9664,34 @@
               </a:spcBef>
             </a:pPr>
             <a:r>
-              <a:rPr lang="en-US" sz="1200" b="1" spc="-20">
+              <a:rPr lang="pt-BR" sz="1200" b="1" dirty="0">
                 <a:solidFill>
                   <a:srgbClr val="020302"/>
                 </a:solidFill>
                 <a:latin typeface="Adobe Clean"/>
                 <a:cs typeface="Adobe Clean"/>
               </a:rPr>
-              <a:t>G</a:t>
-            </a:r>
-            <a:r>
-              <a:rPr lang="en-US" sz="1200" b="1" spc="-15">
+              <a:t>Governança para o AEM </a:t>
+            </a:r>
+            <a:br>
+              <a:rPr lang="pt-BR" sz="1200" b="1" dirty="0">
                 <a:solidFill>
                   <a:srgbClr val="020302"/>
                 </a:solidFill>
                 <a:latin typeface="Adobe Clean"/>
                 <a:cs typeface="Adobe Clean"/>
               </a:rPr>
-              <a:t>o</a:t>
-            </a:r>
-            <a:r>
-              <a:rPr lang="en-US" sz="1200" b="1" spc="-25">
+            </a:br>
+            <a:r>
+              <a:rPr lang="pt-BR" sz="1200" b="1" dirty="0">
                 <a:solidFill>
                   <a:srgbClr val="020302"/>
                 </a:solidFill>
                 <a:latin typeface="Adobe Clean"/>
                 <a:cs typeface="Adobe Clean"/>
               </a:rPr>
-              <a:t>ve</a:t>
-            </a:r>
-            <a:r>
-              <a:rPr lang="en-US" sz="1200" b="1" spc="-20">
-                <a:solidFill>
-                  <a:srgbClr val="020302"/>
-                </a:solidFill>
-                <a:latin typeface="Adobe Clean"/>
-                <a:cs typeface="Adobe Clean"/>
-              </a:rPr>
-              <a:t>r</a:t>
-            </a:r>
-            <a:r>
-              <a:rPr lang="en-US" sz="1200" b="1" spc="-25">
-                <a:solidFill>
-                  <a:srgbClr val="020302"/>
-                </a:solidFill>
-                <a:latin typeface="Adobe Clean"/>
-                <a:cs typeface="Adobe Clean"/>
-              </a:rPr>
-              <a:t>n</a:t>
-            </a:r>
-            <a:r>
-              <a:rPr lang="en-US" sz="1200" b="1" spc="-20">
-                <a:solidFill>
-                  <a:srgbClr val="020302"/>
-                </a:solidFill>
-                <a:latin typeface="Adobe Clean"/>
-                <a:cs typeface="Adobe Clean"/>
-              </a:rPr>
-              <a:t>a</a:t>
-            </a:r>
-            <a:r>
-              <a:rPr lang="en-US" sz="1200" b="1" spc="-25">
-                <a:solidFill>
-                  <a:srgbClr val="020302"/>
-                </a:solidFill>
-                <a:latin typeface="Adobe Clean"/>
-                <a:cs typeface="Adobe Clean"/>
-              </a:rPr>
-              <a:t>n</a:t>
-            </a:r>
-            <a:r>
-              <a:rPr lang="en-US" sz="1200" b="1" spc="-30">
-                <a:solidFill>
-                  <a:srgbClr val="020302"/>
-                </a:solidFill>
-                <a:latin typeface="Adobe Clean"/>
-                <a:cs typeface="Adobe Clean"/>
-              </a:rPr>
-              <a:t>c</a:t>
-            </a:r>
-            <a:r>
-              <a:rPr lang="en-US" sz="1200" b="1">
-                <a:solidFill>
-                  <a:srgbClr val="020302"/>
-                </a:solidFill>
-                <a:latin typeface="Adobe Clean"/>
-                <a:cs typeface="Adobe Clean"/>
-              </a:rPr>
-              <a:t>e</a:t>
-            </a:r>
-            <a:r>
-              <a:rPr lang="en-US" sz="1200" b="1" spc="-50">
-                <a:solidFill>
-                  <a:srgbClr val="020302"/>
-                </a:solidFill>
-                <a:latin typeface="Adobe Clean"/>
-                <a:cs typeface="Adobe Clean"/>
-              </a:rPr>
-              <a:t> </a:t>
-            </a:r>
-            <a:r>
-              <a:rPr lang="en-US" sz="1200" b="1" spc="-25">
-                <a:solidFill>
-                  <a:srgbClr val="020302"/>
-                </a:solidFill>
-                <a:latin typeface="Adobe Clean"/>
-                <a:cs typeface="Adobe Clean"/>
-              </a:rPr>
-              <a:t>f</a:t>
-            </a:r>
-            <a:r>
-              <a:rPr lang="en-US" sz="1200" b="1" spc="-15">
-                <a:solidFill>
-                  <a:srgbClr val="020302"/>
-                </a:solidFill>
-                <a:latin typeface="Adobe Clean"/>
-                <a:cs typeface="Adobe Clean"/>
-              </a:rPr>
-              <a:t>o</a:t>
-            </a:r>
-            <a:r>
-              <a:rPr lang="en-US" sz="1200" b="1">
-                <a:solidFill>
-                  <a:srgbClr val="020302"/>
-                </a:solidFill>
-                <a:latin typeface="Adobe Clean"/>
-                <a:cs typeface="Adobe Clean"/>
-              </a:rPr>
-              <a:t>r</a:t>
-            </a:r>
-            <a:r>
-              <a:rPr lang="en-US" sz="1200" b="1" spc="-45">
-                <a:solidFill>
-                  <a:srgbClr val="020302"/>
-                </a:solidFill>
-                <a:latin typeface="Adobe Clean"/>
-                <a:cs typeface="Adobe Clean"/>
-              </a:rPr>
-              <a:t> </a:t>
-            </a:r>
-            <a:r>
-              <a:rPr lang="en-US" sz="1200" b="1" spc="-30">
-                <a:solidFill>
-                  <a:srgbClr val="020302"/>
-                </a:solidFill>
-                <a:latin typeface="Adobe Clean"/>
-                <a:cs typeface="Adobe Clean"/>
-              </a:rPr>
-              <a:t>A</a:t>
-            </a:r>
-            <a:r>
-              <a:rPr lang="en-US" sz="1200" b="1" spc="-25">
-                <a:solidFill>
-                  <a:srgbClr val="020302"/>
-                </a:solidFill>
-                <a:latin typeface="Adobe Clean"/>
-                <a:cs typeface="Adobe Clean"/>
-              </a:rPr>
-              <a:t>E</a:t>
-            </a:r>
-            <a:r>
-              <a:rPr lang="en-US" sz="1200" b="1">
-                <a:solidFill>
-                  <a:srgbClr val="020302"/>
-                </a:solidFill>
-                <a:latin typeface="Adobe Clean"/>
-                <a:cs typeface="Adobe Clean"/>
-              </a:rPr>
-              <a:t>M</a:t>
-            </a:r>
-            <a:r>
-              <a:rPr lang="en-US" sz="1200" b="1" spc="-50">
-                <a:solidFill>
-                  <a:srgbClr val="020302"/>
-                </a:solidFill>
-                <a:latin typeface="Adobe Clean"/>
-                <a:cs typeface="Adobe Clean"/>
-              </a:rPr>
-              <a:t> </a:t>
-            </a:r>
-            <a:r>
-              <a:rPr lang="en-US" sz="1200" b="1" spc="-20">
-                <a:solidFill>
-                  <a:srgbClr val="020302"/>
-                </a:solidFill>
-                <a:latin typeface="Adobe Clean"/>
-                <a:cs typeface="Adobe Clean"/>
-              </a:rPr>
-              <a:t>a</a:t>
-            </a:r>
-            <a:r>
-              <a:rPr lang="en-US" sz="1200" b="1">
-                <a:solidFill>
-                  <a:srgbClr val="020302"/>
-                </a:solidFill>
-                <a:latin typeface="Adobe Clean"/>
-                <a:cs typeface="Adobe Clean"/>
-              </a:rPr>
-              <a:t>s</a:t>
-            </a:r>
-            <a:r>
-              <a:rPr lang="en-US" sz="1200" b="1" spc="-45">
-                <a:solidFill>
-                  <a:srgbClr val="020302"/>
-                </a:solidFill>
-                <a:latin typeface="Adobe Clean"/>
-                <a:cs typeface="Adobe Clean"/>
-              </a:rPr>
-              <a:t> </a:t>
-            </a:r>
-            <a:r>
-              <a:rPr lang="en-US" sz="1200" b="1">
-                <a:solidFill>
-                  <a:srgbClr val="020302"/>
-                </a:solidFill>
-                <a:latin typeface="Adobe Clean"/>
-                <a:cs typeface="Adobe Clean"/>
-              </a:rPr>
-              <a:t>a</a:t>
-            </a:r>
-            <a:r>
-              <a:rPr lang="en-US" sz="1200" b="1" spc="-40">
-                <a:solidFill>
-                  <a:srgbClr val="020302"/>
-                </a:solidFill>
-                <a:latin typeface="Adobe Clean"/>
-                <a:cs typeface="Adobe Clean"/>
-              </a:rPr>
-              <a:t> </a:t>
-            </a:r>
-            <a:r>
-              <a:rPr lang="en-US" sz="1200" b="1" spc="-15">
-                <a:solidFill>
-                  <a:srgbClr val="020302"/>
-                </a:solidFill>
-                <a:latin typeface="Adobe Clean"/>
-                <a:cs typeface="Adobe Clean"/>
-              </a:rPr>
-              <a:t>C</a:t>
-            </a:r>
-            <a:r>
-              <a:rPr lang="en-US" sz="1200" b="1" spc="-25">
-                <a:solidFill>
-                  <a:srgbClr val="020302"/>
-                </a:solidFill>
-                <a:latin typeface="Adobe Clean"/>
-                <a:cs typeface="Adobe Clean"/>
-              </a:rPr>
-              <a:t>l</a:t>
-            </a:r>
-            <a:r>
-              <a:rPr lang="en-US" sz="1200" b="1" spc="-15">
-                <a:solidFill>
-                  <a:srgbClr val="020302"/>
-                </a:solidFill>
-                <a:latin typeface="Adobe Clean"/>
-                <a:cs typeface="Adobe Clean"/>
-              </a:rPr>
-              <a:t>ou</a:t>
-            </a:r>
-            <a:r>
-              <a:rPr lang="en-US" sz="1200" b="1">
-                <a:solidFill>
-                  <a:srgbClr val="020302"/>
-                </a:solidFill>
-                <a:latin typeface="Adobe Clean"/>
-                <a:cs typeface="Adobe Clean"/>
-              </a:rPr>
-              <a:t>d</a:t>
-            </a:r>
-            <a:r>
-              <a:rPr lang="en-US" sz="1200" b="1" spc="-50">
-                <a:solidFill>
-                  <a:srgbClr val="020302"/>
-                </a:solidFill>
-                <a:latin typeface="Adobe Clean"/>
-                <a:cs typeface="Adobe Clean"/>
-              </a:rPr>
-              <a:t> </a:t>
-            </a:r>
-            <a:r>
-              <a:rPr lang="en-US" sz="1200" b="1" spc="-20">
-                <a:solidFill>
-                  <a:srgbClr val="020302"/>
-                </a:solidFill>
-                <a:latin typeface="Adobe Clean"/>
-                <a:cs typeface="Adobe Clean"/>
-              </a:rPr>
-              <a:t>S</a:t>
-            </a:r>
-            <a:r>
-              <a:rPr lang="en-US" sz="1200" b="1" spc="-25">
-                <a:solidFill>
-                  <a:srgbClr val="020302"/>
-                </a:solidFill>
-                <a:latin typeface="Adobe Clean"/>
-                <a:cs typeface="Adobe Clean"/>
-              </a:rPr>
-              <a:t>e</a:t>
-            </a:r>
-            <a:r>
-              <a:rPr lang="en-US" sz="1200" b="1" spc="-20">
-                <a:solidFill>
-                  <a:srgbClr val="020302"/>
-                </a:solidFill>
-                <a:latin typeface="Adobe Clean"/>
-                <a:cs typeface="Adobe Clean"/>
-              </a:rPr>
-              <a:t>r</a:t>
-            </a:r>
-            <a:r>
-              <a:rPr lang="en-US" sz="1200" b="1" spc="-25">
-                <a:solidFill>
-                  <a:srgbClr val="020302"/>
-                </a:solidFill>
-                <a:latin typeface="Adobe Clean"/>
-                <a:cs typeface="Adobe Clean"/>
-              </a:rPr>
-              <a:t>v</a:t>
-            </a:r>
-            <a:r>
-              <a:rPr lang="en-US" sz="1200" b="1" spc="-20">
-                <a:solidFill>
-                  <a:srgbClr val="020302"/>
-                </a:solidFill>
-                <a:latin typeface="Adobe Clean"/>
-                <a:cs typeface="Adobe Clean"/>
-              </a:rPr>
-              <a:t>i</a:t>
-            </a:r>
-            <a:r>
-              <a:rPr lang="en-US" sz="1200" b="1" spc="-30">
-                <a:solidFill>
-                  <a:srgbClr val="020302"/>
-                </a:solidFill>
-                <a:latin typeface="Adobe Clean"/>
-                <a:cs typeface="Adobe Clean"/>
-              </a:rPr>
-              <a:t>c</a:t>
-            </a:r>
-            <a:r>
-              <a:rPr lang="en-US" sz="1200" b="1">
-                <a:solidFill>
-                  <a:srgbClr val="020302"/>
-                </a:solidFill>
-                <a:latin typeface="Adobe Clean"/>
-                <a:cs typeface="Adobe Clean"/>
-              </a:rPr>
-              <a:t>e</a:t>
-            </a:r>
-            <a:endParaRPr lang="en-US" sz="1200">
-              <a:latin typeface="Adobe Clean"/>
-              <a:cs typeface="Adobe Clean"/>
-            </a:endParaRPr>
+              <a:t>as a Cloud Service</a:t>
+            </a:r>
           </a:p>
         </p:txBody>
       </p:sp>
@@ -11575,7 +9788,7 @@
         <p:spPr>
           <a:xfrm>
             <a:off x="689237" y="1102554"/>
-            <a:ext cx="1036205" cy="197490"/>
+            <a:ext cx="1427217" cy="197490"/>
           </a:xfrm>
           <a:prstGeom prst="rect">
             <a:avLst/>
@@ -11596,99 +9809,15 @@
               </a:spcBef>
             </a:pPr>
             <a:r>
-              <a:rPr lang="en-US" sz="1200" b="1" spc="-20">
+              <a:rPr lang="pt-BR" sz="1200" b="1" dirty="0">
                 <a:solidFill>
                   <a:srgbClr val="020302"/>
                 </a:solidFill>
                 <a:latin typeface="Adobe Clean"/>
                 <a:cs typeface="Adobe Clean"/>
               </a:rPr>
-              <a:t>Cas</a:t>
-            </a:r>
-            <a:r>
-              <a:rPr sz="1200" b="1">
-                <a:solidFill>
-                  <a:srgbClr val="020302"/>
-                </a:solidFill>
-                <a:latin typeface="Adobe Clean"/>
-                <a:cs typeface="Adobe Clean"/>
-              </a:rPr>
-              <a:t>e</a:t>
-            </a:r>
-            <a:r>
-              <a:rPr sz="1200" b="1" spc="-80">
-                <a:solidFill>
-                  <a:srgbClr val="020302"/>
-                </a:solidFill>
-                <a:latin typeface="Adobe Clean"/>
-                <a:cs typeface="Adobe Clean"/>
-              </a:rPr>
-              <a:t> </a:t>
-            </a:r>
-            <a:r>
-              <a:rPr sz="1200" b="1" spc="-20">
-                <a:solidFill>
-                  <a:srgbClr val="020302"/>
-                </a:solidFill>
-                <a:latin typeface="Adobe Clean"/>
-                <a:cs typeface="Adobe Clean"/>
-              </a:rPr>
-              <a:t>R</a:t>
-            </a:r>
-            <a:r>
-              <a:rPr sz="1200" b="1" spc="-25">
-                <a:solidFill>
-                  <a:srgbClr val="020302"/>
-                </a:solidFill>
-                <a:latin typeface="Adobe Clean"/>
-                <a:cs typeface="Adobe Clean"/>
-              </a:rPr>
-              <a:t>e</a:t>
-            </a:r>
-            <a:r>
-              <a:rPr sz="1200" b="1" spc="-30">
-                <a:solidFill>
-                  <a:srgbClr val="020302"/>
-                </a:solidFill>
-                <a:latin typeface="Adobe Clean"/>
-                <a:cs typeface="Adobe Clean"/>
-              </a:rPr>
-              <a:t>v</a:t>
-            </a:r>
-            <a:r>
-              <a:rPr sz="1200" b="1" spc="-20">
-                <a:solidFill>
-                  <a:srgbClr val="020302"/>
-                </a:solidFill>
-                <a:latin typeface="Adobe Clean"/>
-                <a:cs typeface="Adobe Clean"/>
-              </a:rPr>
-              <a:t>i</a:t>
-            </a:r>
-            <a:r>
-              <a:rPr sz="1200" b="1" spc="-25">
-                <a:solidFill>
-                  <a:srgbClr val="020302"/>
-                </a:solidFill>
-                <a:latin typeface="Adobe Clean"/>
-                <a:cs typeface="Adobe Clean"/>
-              </a:rPr>
-              <a:t>ew</a:t>
-            </a:r>
-            <a:r>
-              <a:rPr sz="1200" b="1">
-                <a:solidFill>
-                  <a:srgbClr val="020302"/>
-                </a:solidFill>
-                <a:latin typeface="Adobe Clean"/>
-                <a:cs typeface="Adobe Clean"/>
-              </a:rPr>
-              <a:t>s</a:t>
-            </a:r>
-            <a:endParaRPr sz="1200">
-              <a:latin typeface="Adobe Clean"/>
-              <a:cs typeface="Adobe Clean"/>
-            </a:endParaRPr>
+              <a:t>Revisões de caso</a:t>
+            </a:r>
           </a:p>
         </p:txBody>
       </p:sp>
@@ -11745,8 +9874,8 @@
         </p:nvSpPr>
         <p:spPr>
           <a:xfrm>
-            <a:off x="355868" y="1426046"/>
-            <a:ext cx="2194560" cy="936154"/>
+            <a:off x="355867" y="1426046"/>
+            <a:ext cx="2252891" cy="936154"/>
           </a:xfrm>
           <a:prstGeom prst="rect">
             <a:avLst/>
@@ -11767,18 +9896,14 @@
               </a:spcBef>
             </a:pPr>
             <a:r>
-              <a:rPr lang="en-US" sz="1000">
+              <a:rPr lang="pt-BR" sz="1000" dirty="0">
                 <a:solidFill>
                   <a:srgbClr val="4B4B4B"/>
                 </a:solidFill>
                 <a:latin typeface="Adobe Clean Light" panose="020B0303020404020204" pitchFamily="34" charset="0"/>
               </a:rPr>
-              <a:t>Regular scheduled review of open support requests, ensuring customer alignment on case description, business impact, status, priority and agreement on next steps required to ensure an expedient resolution.</a:t>
-            </a:r>
-            <a:endParaRPr sz="1000">
-              <a:latin typeface="Adobe Clean Light" panose="020B0303020404020204" pitchFamily="34" charset="0"/>
-              <a:cs typeface="AdobeClean-Light"/>
-            </a:endParaRPr>
+              <a:t>Revisão regular das solicitações de suporte abertas, garantindo o alinhamento do cliente considerando a descrição do caso, o impacto nos negócios, o status, a prioridade e o acordo sobre as próximas etapas necessárias para garantir uma resolução adequada.</a:t>
+            </a:r>
           </a:p>
         </p:txBody>
       </p:sp>
@@ -11818,19 +9943,15 @@
               </a:spcBef>
             </a:pPr>
             <a:r>
-              <a:rPr lang="en-US" sz="1400" b="1" spc="-10">
+              <a:rPr lang="pt-BR" sz="1400" b="1">
                 <a:solidFill>
                   <a:srgbClr val="020302"/>
                 </a:solidFill>
                 <a:latin typeface="Adobe Clean"/>
                 <a:cs typeface="Adobe Clean"/>
               </a:rPr>
-              <a:t>Cloud Support Activities - AEM</a:t>
-            </a:r>
-            <a:endParaRPr lang="en-US" sz="1400">
-              <a:latin typeface="Adobe Clean"/>
-              <a:cs typeface="Adobe Clean"/>
-            </a:endParaRPr>
+              <a:t>Atividades de suporte na nuvem — AEM</a:t>
+            </a:r>
           </a:p>
         </p:txBody>
       </p:sp>
@@ -11849,7 +9970,7 @@
         <p:spPr>
           <a:xfrm>
             <a:off x="214971" y="4310484"/>
-            <a:ext cx="2286000" cy="45719"/>
+            <a:ext cx="3033054" cy="74402"/>
           </a:xfrm>
           <a:custGeom>
             <a:avLst/>
@@ -11913,7 +10034,7 @@
         </p:blipFill>
         <p:spPr>
           <a:xfrm>
-            <a:off x="2569142" y="3892352"/>
+            <a:off x="3318442" y="3892352"/>
             <a:ext cx="461665" cy="461665"/>
           </a:xfrm>
           <a:prstGeom prst="rect">
@@ -11952,7 +10073,7 @@
         </p:blipFill>
         <p:spPr>
           <a:xfrm>
-            <a:off x="2776853" y="6679878"/>
+            <a:off x="2776853" y="6489378"/>
             <a:ext cx="411480" cy="411480"/>
           </a:xfrm>
           <a:prstGeom prst="rect">
@@ -11991,7 +10112,7 @@
         </p:blipFill>
         <p:spPr>
           <a:xfrm>
-            <a:off x="228600" y="8520784"/>
+            <a:off x="228600" y="8330284"/>
             <a:ext cx="411480" cy="411480"/>
           </a:xfrm>
           <a:prstGeom prst="rect">
@@ -12030,7 +10151,7 @@
         </p:blipFill>
         <p:spPr>
           <a:xfrm>
-            <a:off x="228600" y="6641210"/>
+            <a:off x="228600" y="6450710"/>
             <a:ext cx="411480" cy="411480"/>
           </a:xfrm>
           <a:prstGeom prst="rect">
@@ -12069,7 +10190,7 @@
         </p:blipFill>
         <p:spPr>
           <a:xfrm>
-            <a:off x="5257800" y="6629400"/>
+            <a:off x="5257800" y="6438900"/>
             <a:ext cx="411480" cy="411480"/>
           </a:xfrm>
           <a:prstGeom prst="rect">
@@ -12108,7 +10229,7 @@
         </p:blipFill>
         <p:spPr>
           <a:xfrm>
-            <a:off x="5257800" y="8520784"/>
+            <a:off x="5257800" y="8330284"/>
             <a:ext cx="411480" cy="411480"/>
           </a:xfrm>
           <a:prstGeom prst="rect">
@@ -12147,7 +10268,7 @@
         </p:blipFill>
         <p:spPr>
           <a:xfrm>
-            <a:off x="2776853" y="8520784"/>
+            <a:off x="2776853" y="8330284"/>
             <a:ext cx="411480" cy="411480"/>
           </a:xfrm>
           <a:prstGeom prst="rect">
@@ -12208,7 +10329,7 @@
         </p:nvSpPr>
         <p:spPr>
           <a:xfrm rot="5400000" flipH="1">
-            <a:off x="3863341" y="986533"/>
+            <a:off x="3863341" y="1072671"/>
             <a:ext cx="45719" cy="5577840"/>
           </a:xfrm>
           <a:custGeom>
@@ -12263,7 +10384,7 @@
         </p:nvSpPr>
         <p:spPr>
           <a:xfrm rot="5400000" flipH="1">
-            <a:off x="3863341" y="5514588"/>
+            <a:off x="3863341" y="5324088"/>
             <a:ext cx="45719" cy="5577840"/>
           </a:xfrm>
           <a:custGeom>
@@ -12582,109 +10703,15 @@
               </a:lnSpc>
             </a:pPr>
             <a:r>
-              <a:rPr sz="800" spc="-10">
+              <a:rPr lang="pt-BR" sz="800">
                 <a:solidFill>
                   <a:srgbClr val="6D6D6D"/>
                 </a:solidFill>
                 <a:latin typeface="Adobe Clean"/>
                 <a:cs typeface="Adobe Clean"/>
               </a:rPr>
-              <a:t>©202</a:t>
-            </a:r>
-            <a:r>
-              <a:rPr lang="en-US" sz="800" spc="-10">
-                <a:solidFill>
-                  <a:srgbClr val="6D6D6D"/>
-                </a:solidFill>
-                <a:latin typeface="Adobe Clean"/>
-                <a:cs typeface="Adobe Clean"/>
-              </a:rPr>
-              <a:t>1</a:t>
-            </a:r>
-            <a:r>
-              <a:rPr sz="800" spc="-5">
-                <a:solidFill>
-                  <a:srgbClr val="6D6D6D"/>
-                </a:solidFill>
-                <a:latin typeface="Adobe Clean"/>
-                <a:cs typeface="Adobe Clean"/>
-              </a:rPr>
-              <a:t> Adobe. All</a:t>
-            </a:r>
-            <a:r>
-              <a:rPr sz="800" spc="-15">
-                <a:solidFill>
-                  <a:srgbClr val="6D6D6D"/>
-                </a:solidFill>
-                <a:latin typeface="Adobe Clean"/>
-                <a:cs typeface="Adobe Clean"/>
-              </a:rPr>
-              <a:t> </a:t>
-            </a:r>
-            <a:r>
-              <a:rPr sz="800" spc="-10">
-                <a:solidFill>
-                  <a:srgbClr val="6D6D6D"/>
-                </a:solidFill>
-                <a:latin typeface="Adobe Clean"/>
-                <a:cs typeface="Adobe Clean"/>
-              </a:rPr>
-              <a:t>Rights</a:t>
-            </a:r>
-            <a:r>
-              <a:rPr sz="800" spc="-5">
-                <a:solidFill>
-                  <a:srgbClr val="6D6D6D"/>
-                </a:solidFill>
-                <a:latin typeface="Adobe Clean"/>
-                <a:cs typeface="Adobe Clean"/>
-              </a:rPr>
-              <a:t> </a:t>
-            </a:r>
-            <a:r>
-              <a:rPr sz="800" spc="-10">
-                <a:solidFill>
-                  <a:srgbClr val="6D6D6D"/>
-                </a:solidFill>
-                <a:latin typeface="Adobe Clean"/>
-                <a:cs typeface="Adobe Clean"/>
-              </a:rPr>
-              <a:t>Reserved.</a:t>
-            </a:r>
-            <a:r>
-              <a:rPr sz="800" spc="-5">
-                <a:solidFill>
-                  <a:srgbClr val="6D6D6D"/>
-                </a:solidFill>
-                <a:latin typeface="Adobe Clean"/>
-                <a:cs typeface="Adobe Clean"/>
-              </a:rPr>
-              <a:t> Adobe</a:t>
-            </a:r>
-            <a:r>
-              <a:rPr sz="800" spc="75">
-                <a:solidFill>
-                  <a:srgbClr val="6D6D6D"/>
-                </a:solidFill>
-                <a:latin typeface="Adobe Clean"/>
-                <a:cs typeface="Adobe Clean"/>
-              </a:rPr>
-              <a:t> </a:t>
-            </a:r>
-            <a:r>
-              <a:rPr sz="800" spc="-10">
-                <a:solidFill>
-                  <a:srgbClr val="6D6D6D"/>
-                </a:solidFill>
-                <a:latin typeface="Adobe Clean"/>
-                <a:cs typeface="Adobe Clean"/>
-              </a:rPr>
-              <a:t>Confidential.</a:t>
-            </a:r>
-            <a:endParaRPr sz="800">
-              <a:latin typeface="Adobe Clean"/>
-              <a:cs typeface="Adobe Clean"/>
-            </a:endParaRPr>
+              <a:t>©2021 Adobe. All Rights Reserved. Adobe Confidential.</a:t>
+            </a:r>
           </a:p>
         </p:txBody>
       </p:sp>
@@ -12696,8 +10723,8 @@
         </p:nvSpPr>
         <p:spPr>
           <a:xfrm>
-            <a:off x="4724780" y="914778"/>
-            <a:ext cx="1954230" cy="57597"/>
+            <a:off x="4445380" y="914778"/>
+            <a:ext cx="2374520" cy="101222"/>
           </a:xfrm>
           <a:custGeom>
             <a:avLst/>
@@ -12738,7 +10765,7 @@
         </p:nvSpPr>
         <p:spPr>
           <a:xfrm>
-            <a:off x="4843270" y="589788"/>
+            <a:off x="4433695" y="589788"/>
             <a:ext cx="2588260" cy="228268"/>
           </a:xfrm>
           <a:prstGeom prst="rect">
@@ -12757,179 +10784,15 @@
               </a:spcBef>
             </a:pPr>
             <a:r>
-              <a:rPr sz="1400" b="1" spc="-25" dirty="0">
+              <a:rPr lang="pt-BR" sz="1400" b="1" dirty="0">
                 <a:solidFill>
                   <a:srgbClr val="020302"/>
                 </a:solidFill>
                 <a:latin typeface="Adobe Clean"/>
                 <a:cs typeface="Adobe Clean"/>
               </a:rPr>
-              <a:t>Fi</a:t>
-            </a:r>
-            <a:r>
-              <a:rPr sz="1400" b="1" spc="-30" dirty="0">
-                <a:solidFill>
-                  <a:srgbClr val="020302"/>
-                </a:solidFill>
-                <a:latin typeface="Adobe Clean"/>
-                <a:cs typeface="Adobe Clean"/>
-              </a:rPr>
-              <a:t>e</a:t>
-            </a:r>
-            <a:r>
-              <a:rPr sz="1400" b="1" spc="-25" dirty="0">
-                <a:solidFill>
-                  <a:srgbClr val="020302"/>
-                </a:solidFill>
-                <a:latin typeface="Adobe Clean"/>
-                <a:cs typeface="Adobe Clean"/>
-              </a:rPr>
-              <a:t>l</a:t>
-            </a:r>
-            <a:r>
-              <a:rPr sz="1400" b="1" dirty="0">
-                <a:solidFill>
-                  <a:srgbClr val="020302"/>
-                </a:solidFill>
-                <a:latin typeface="Adobe Clean"/>
-                <a:cs typeface="Adobe Clean"/>
-              </a:rPr>
-              <a:t>d</a:t>
-            </a:r>
-            <a:r>
-              <a:rPr sz="1400" b="1" spc="-45" dirty="0">
-                <a:solidFill>
-                  <a:srgbClr val="020302"/>
-                </a:solidFill>
-                <a:latin typeface="Adobe Clean"/>
-                <a:cs typeface="Adobe Clean"/>
-              </a:rPr>
-              <a:t> </a:t>
-            </a:r>
-            <a:r>
-              <a:rPr sz="1400" b="1" spc="20" dirty="0">
-                <a:solidFill>
-                  <a:srgbClr val="020302"/>
-                </a:solidFill>
-                <a:latin typeface="Adobe Clean"/>
-                <a:cs typeface="Adobe Clean"/>
-              </a:rPr>
-              <a:t>S</a:t>
-            </a:r>
-            <a:r>
-              <a:rPr sz="1400" b="1" spc="10" dirty="0">
-                <a:solidFill>
-                  <a:srgbClr val="020302"/>
-                </a:solidFill>
-                <a:latin typeface="Adobe Clean"/>
-                <a:cs typeface="Adobe Clean"/>
-              </a:rPr>
-              <a:t>e</a:t>
-            </a:r>
-            <a:r>
-              <a:rPr sz="1400" b="1" spc="15" dirty="0">
-                <a:solidFill>
-                  <a:srgbClr val="020302"/>
-                </a:solidFill>
-                <a:latin typeface="Adobe Clean"/>
-                <a:cs typeface="Adobe Clean"/>
-              </a:rPr>
-              <a:t>rvi</a:t>
-            </a:r>
-            <a:r>
-              <a:rPr sz="1400" b="1" spc="10" dirty="0">
-                <a:solidFill>
-                  <a:srgbClr val="020302"/>
-                </a:solidFill>
-                <a:latin typeface="Adobe Clean"/>
-                <a:cs typeface="Adobe Clean"/>
-              </a:rPr>
-              <a:t>c</a:t>
-            </a:r>
-            <a:r>
-              <a:rPr sz="1400" b="1" dirty="0">
-                <a:solidFill>
-                  <a:srgbClr val="020302"/>
-                </a:solidFill>
-                <a:latin typeface="Adobe Clean"/>
-                <a:cs typeface="Adobe Clean"/>
-              </a:rPr>
-              <a:t>e</a:t>
-            </a:r>
-            <a:r>
-              <a:rPr lang="en-US" sz="1400" b="1" dirty="0">
-                <a:solidFill>
-                  <a:srgbClr val="020302"/>
-                </a:solidFill>
-                <a:latin typeface="Adobe Clean"/>
-                <a:cs typeface="Adobe Clean"/>
-              </a:rPr>
-              <a:t> </a:t>
-            </a:r>
-            <a:r>
-              <a:rPr sz="1400" b="1" spc="5" dirty="0">
-                <a:solidFill>
-                  <a:srgbClr val="020302"/>
-                </a:solidFill>
-                <a:latin typeface="Adobe Clean"/>
-                <a:cs typeface="Adobe Clean"/>
-              </a:rPr>
-              <a:t>A</a:t>
-            </a:r>
-            <a:r>
-              <a:rPr sz="1400" b="1" dirty="0">
-                <a:solidFill>
-                  <a:srgbClr val="020302"/>
-                </a:solidFill>
-                <a:latin typeface="Adobe Clean"/>
-                <a:cs typeface="Adobe Clean"/>
-              </a:rPr>
-              <a:t>ct</a:t>
-            </a:r>
-            <a:r>
-              <a:rPr sz="1400" b="1" spc="5" dirty="0">
-                <a:solidFill>
-                  <a:srgbClr val="020302"/>
-                </a:solidFill>
-                <a:latin typeface="Adobe Clean"/>
-                <a:cs typeface="Adobe Clean"/>
-              </a:rPr>
-              <a:t>ivi</a:t>
-            </a:r>
-            <a:r>
-              <a:rPr sz="1400" b="1" dirty="0">
-                <a:solidFill>
-                  <a:srgbClr val="020302"/>
-                </a:solidFill>
-                <a:latin typeface="Adobe Clean"/>
-                <a:cs typeface="Adobe Clean"/>
-              </a:rPr>
-              <a:t>t</a:t>
-            </a:r>
-            <a:r>
-              <a:rPr sz="1400" b="1" spc="5" dirty="0">
-                <a:solidFill>
-                  <a:srgbClr val="020302"/>
-                </a:solidFill>
-                <a:latin typeface="Adobe Clean"/>
-                <a:cs typeface="Adobe Clean"/>
-              </a:rPr>
-              <a:t>i</a:t>
-            </a:r>
-            <a:r>
-              <a:rPr sz="1400" b="1" dirty="0">
-                <a:solidFill>
-                  <a:srgbClr val="020302"/>
-                </a:solidFill>
-                <a:latin typeface="Adobe Clean"/>
-                <a:cs typeface="Adobe Clean"/>
-              </a:rPr>
-              <a:t>es</a:t>
-            </a:r>
-            <a:endParaRPr sz="1400" dirty="0">
-              <a:latin typeface="Adobe Clean"/>
-              <a:cs typeface="Adobe Clean"/>
-            </a:endParaRPr>
+              <a:t>Atividades de serviço de campo</a:t>
+            </a:r>
           </a:p>
         </p:txBody>
       </p:sp>
@@ -12963,99 +10826,15 @@
               </a:spcBef>
             </a:pPr>
             <a:r>
-              <a:rPr sz="1400" b="1" spc="-20">
+              <a:rPr lang="pt-BR" sz="1400" b="1">
                 <a:solidFill>
                   <a:srgbClr val="020302"/>
                 </a:solidFill>
                 <a:latin typeface="Adobe Clean"/>
                 <a:cs typeface="Adobe Clean"/>
               </a:rPr>
-              <a:t>L</a:t>
-            </a:r>
-            <a:r>
-              <a:rPr sz="1400" b="1" spc="-10">
-                <a:solidFill>
-                  <a:srgbClr val="020302"/>
-                </a:solidFill>
-                <a:latin typeface="Adobe Clean"/>
-                <a:cs typeface="Adobe Clean"/>
-              </a:rPr>
-              <a:t>a</a:t>
-            </a:r>
-            <a:r>
-              <a:rPr sz="1400" b="1" spc="-15">
-                <a:solidFill>
-                  <a:srgbClr val="020302"/>
-                </a:solidFill>
-                <a:latin typeface="Adobe Clean"/>
-                <a:cs typeface="Adobe Clean"/>
-              </a:rPr>
-              <a:t>un</a:t>
-            </a:r>
-            <a:r>
-              <a:rPr sz="1400" b="1" spc="-20">
-                <a:solidFill>
-                  <a:srgbClr val="020302"/>
-                </a:solidFill>
-                <a:latin typeface="Adobe Clean"/>
-                <a:cs typeface="Adobe Clean"/>
-              </a:rPr>
-              <a:t>c</a:t>
-            </a:r>
-            <a:r>
-              <a:rPr sz="1400" b="1">
-                <a:solidFill>
-                  <a:srgbClr val="020302"/>
-                </a:solidFill>
-                <a:latin typeface="Adobe Clean"/>
-                <a:cs typeface="Adobe Clean"/>
-              </a:rPr>
-              <a:t>h</a:t>
-            </a:r>
-            <a:r>
-              <a:rPr sz="1400" b="1" spc="-30">
-                <a:solidFill>
-                  <a:srgbClr val="020302"/>
-                </a:solidFill>
-                <a:latin typeface="Adobe Clean"/>
-                <a:cs typeface="Adobe Clean"/>
-              </a:rPr>
-              <a:t> </a:t>
-            </a:r>
-            <a:r>
-              <a:rPr sz="1400" b="1" spc="-10">
-                <a:solidFill>
-                  <a:srgbClr val="020302"/>
-                </a:solidFill>
-                <a:latin typeface="Adobe Clean"/>
-                <a:cs typeface="Adobe Clean"/>
-              </a:rPr>
-              <a:t>Advisor</a:t>
-            </a:r>
-            <a:r>
-              <a:rPr sz="1400" b="1">
-                <a:solidFill>
-                  <a:srgbClr val="020302"/>
-                </a:solidFill>
-                <a:latin typeface="Adobe Clean"/>
-                <a:cs typeface="Adobe Clean"/>
-              </a:rPr>
-              <a:t>y</a:t>
-            </a:r>
-            <a:r>
-              <a:rPr sz="1400" b="1" spc="-60">
-                <a:solidFill>
-                  <a:srgbClr val="020302"/>
-                </a:solidFill>
-                <a:latin typeface="Adobe Clean"/>
-                <a:cs typeface="Adobe Clean"/>
-              </a:rPr>
-              <a:t> </a:t>
-            </a:r>
-            <a:endParaRPr sz="1400">
-              <a:latin typeface="Adobe Clean"/>
-              <a:cs typeface="Adobe Clean"/>
-            </a:endParaRPr>
+              <a:t>Launch Advisory </a:t>
+            </a:r>
           </a:p>
         </p:txBody>
       </p:sp>
@@ -13086,106 +10865,104 @@
               </a:spcBef>
             </a:pPr>
             <a:r>
-              <a:rPr lang="en-US" sz="1000">
+              <a:rPr lang="pt-BR" sz="1000" dirty="0">
                 <a:solidFill>
                   <a:srgbClr val="1F1F1F"/>
                 </a:solidFill>
                 <a:latin typeface="AdobeClean-Light"/>
                 <a:cs typeface="AdobeClean-Light"/>
               </a:rPr>
-              <a:t>For customers </a:t>
-            </a:r>
-            <a:r>
-              <a:rPr sz="1000">
-                <a:solidFill>
-                  <a:srgbClr val="1F1F1F"/>
-                </a:solidFill>
-                <a:latin typeface="AdobeClean-Light"/>
-                <a:cs typeface="AdobeClean-Light"/>
-              </a:rPr>
-              <a:t>implementing a </a:t>
-            </a:r>
-            <a:r>
-              <a:rPr sz="1000" b="1">
+              <a:t>Para clientes que implementam uma</a:t>
+            </a:r>
+            <a:r>
+              <a:rPr lang="pt-BR" sz="1000" b="1" dirty="0">
                 <a:solidFill>
                   <a:srgbClr val="1F1F1F"/>
                 </a:solidFill>
                 <a:latin typeface="Adobe Clean"/>
                 <a:cs typeface="Adobe Clean"/>
               </a:rPr>
-              <a:t>new Adobe Experience Cloud solution</a:t>
-            </a:r>
-            <a:r>
-              <a:rPr lang="en-US" sz="1000" b="1">
-                <a:solidFill>
-                  <a:srgbClr val="1F1F1F"/>
-                </a:solidFill>
-                <a:latin typeface="Adobe Clean"/>
-                <a:cs typeface="Adobe Clean"/>
-              </a:rPr>
-              <a:t>, </a:t>
-            </a:r>
-            <a:r>
-              <a:rPr lang="en-US" sz="1000">
+              <a:t> nova solução Adobe Experience Cloud, o </a:t>
+            </a:r>
+            <a:r>
+              <a:rPr lang="pt-BR" sz="1000" dirty="0" err="1">
                 <a:latin typeface="Adobe Clean Light" charset="0"/>
                 <a:ea typeface="Adobe Clean Light" charset="0"/>
                 <a:cs typeface="Adobe Clean Light" charset="0"/>
               </a:rPr>
-              <a:t>Launch Advisory </a:t>
-            </a:r>
-            <a:r>
-              <a:rPr lang="en-US" sz="1000">
-                <a:solidFill>
-                  <a:srgbClr val="000000"/>
-                </a:solidFill>
-                <a:latin typeface="Adobe Clean SemiLight" panose="020B0403020404020204" pitchFamily="34" charset="0"/>
-              </a:rPr>
-              <a:t>is a </a:t>
-            </a:r>
-            <a:r>
-              <a:rPr lang="en-US" sz="1000" b="1">
-                <a:solidFill>
-                  <a:srgbClr val="000000"/>
-                </a:solidFill>
-                <a:latin typeface="Adobe Clean SemiLight" panose="020B0403020404020204" pitchFamily="34" charset="0"/>
-              </a:rPr>
-              <a:t>core set of advisory services </a:t>
-            </a:r>
-            <a:r>
-              <a:rPr lang="en-US" sz="1000">
+              <a:t>Launch</a:t>
+            </a:r>
+            <a:r>
+              <a:rPr lang="pt-BR" sz="1000" dirty="0">
                 <a:latin typeface="Adobe Clean Light" charset="0"/>
                 <a:ea typeface="Adobe Clean Light" charset="0"/>
                 <a:cs typeface="Adobe Clean Light" charset="0"/>
               </a:rPr>
-              <a:t>and recommendations that </a:t>
-            </a:r>
-            <a:r>
-              <a:rPr lang="en-US" sz="1000">
+              <a:t> </a:t>
+            </a:r>
+            <a:r>
+              <a:rPr lang="pt-BR" sz="1000" dirty="0" err="1">
                 <a:latin typeface="Adobe Clean Light" charset="0"/>
-              </a:rPr>
-              <a:t>are proven to </a:t>
-            </a:r>
-            <a:r>
-              <a:rPr lang="en-US" sz="1000" b="1">
+                <a:ea typeface="Adobe Clean Light" charset="0"/>
+                <a:cs typeface="Adobe Clean Light" charset="0"/>
+              </a:rPr>
+              <a:t>Advisory</a:t>
+            </a:r>
+            <a:r>
+              <a:rPr lang="pt-BR" sz="1000" dirty="0">
+                <a:solidFill>
+                  <a:srgbClr val="000000"/>
+                </a:solidFill>
+                <a:latin typeface="Adobe Clean SemiLight" panose="020B0403020404020204" pitchFamily="34" charset="0"/>
+              </a:rPr>
+              <a:t> é um </a:t>
+            </a:r>
+            <a:r>
+              <a:rPr lang="pt-BR" sz="1000" b="1" dirty="0">
+                <a:solidFill>
+                  <a:srgbClr val="000000"/>
+                </a:solidFill>
+                <a:latin typeface="Adobe Clean SemiLight" panose="020B0403020404020204" pitchFamily="34" charset="0"/>
+              </a:rPr>
+              <a:t>conjunto essencial de serviços de consultoria</a:t>
+            </a:r>
+            <a:r>
+              <a:rPr lang="pt-BR" sz="1000" dirty="0">
                 <a:latin typeface="Adobe Clean Light" charset="0"/>
-              </a:rPr>
-              <a:t>support successful deployments </a:t>
-            </a:r>
-            <a:r>
-              <a:rPr lang="en-US" sz="1000">
+                <a:ea typeface="Adobe Clean Light" charset="0"/>
+                <a:cs typeface="Adobe Clean Light" charset="0"/>
+              </a:rPr>
+              <a:t> e recomendações de eficácia comprovada que </a:t>
+            </a:r>
+            <a:r>
+              <a:rPr lang="pt-BR" sz="1000" b="1" dirty="0">
                 <a:latin typeface="Adobe Clean Light" charset="0"/>
-              </a:rPr>
-              <a:t>and </a:t>
-            </a:r>
-            <a:r>
-              <a:rPr lang="en-US" sz="1000" b="1">
+                <a:ea typeface="Adobe Clean Light" charset="0"/>
+                <a:cs typeface="Adobe Clean Light" charset="0"/>
+              </a:rPr>
+              <a:t>aceleram </a:t>
+            </a:r>
+            <a:r>
+              <a:rPr lang="pt-BR" sz="1000" dirty="0">
                 <a:latin typeface="Adobe Clean Light" charset="0"/>
-              </a:rPr>
-              <a:t>accelerate time-to-value</a:t>
-            </a:r>
-            <a:r>
-              <a:rPr lang="en-US" sz="1000">
+                <a:ea typeface="Adobe Clean Light" charset="0"/>
+                <a:cs typeface="Adobe Clean Light" charset="0"/>
+              </a:rPr>
+              <a:t>o </a:t>
+            </a:r>
+            <a:r>
+              <a:rPr lang="pt-BR" sz="1000" b="1" dirty="0">
                 <a:latin typeface="Adobe Clean Light" charset="0"/>
+                <a:ea typeface="Adobe Clean Light" charset="0"/>
+                <a:cs typeface="Adobe Clean Light" charset="0"/>
+              </a:rPr>
+              <a:t>tempo de implantação</a:t>
+            </a:r>
+            <a:r>
+              <a:rPr lang="pt-BR" sz="1000" dirty="0">
+                <a:latin typeface="Adobe Clean Light" charset="0"/>
+                <a:ea typeface="Adobe Clean Light" charset="0"/>
+                <a:cs typeface="Adobe Clean Light" charset="0"/>
               </a:rPr>
               <a:t>.</a:t>
             </a:r>
@@ -13246,75 +11023,104 @@
               </a:spcBef>
             </a:pPr>
             <a:r>
-              <a:rPr lang="en-US" sz="1000">
+              <a:rPr lang="pt-BR" sz="1000" dirty="0">
                 <a:solidFill>
                   <a:srgbClr val="4B4B4B"/>
                 </a:solidFill>
                 <a:latin typeface="Adobe Clean Light" panose="020B0303020404020204" pitchFamily="34" charset="0"/>
               </a:rPr>
-              <a:t>Field Services are used for </a:t>
-            </a:r>
-            <a:r>
-              <a:rPr lang="en-US" sz="1000" b="1">
+              <a:t>Os serviços de campo são usados para </a:t>
+            </a:r>
+            <a:r>
+              <a:rPr lang="pt-BR" sz="1000" b="1" dirty="0">
                 <a:solidFill>
                   <a:srgbClr val="4B4B4B"/>
                 </a:solidFill>
                 <a:latin typeface="Adobe Clean" panose="020B0503020404020204" pitchFamily="34" charset="0"/>
               </a:rPr>
-              <a:t>quick resolution</a:t>
-            </a:r>
-            <a:r>
-              <a:rPr lang="en-US" sz="1000">
+              <a:t>resolução rápida</a:t>
+            </a:r>
+            <a:r>
+              <a:rPr lang="pt-BR" sz="1000" dirty="0">
                 <a:solidFill>
                   <a:srgbClr val="4B4B4B"/>
                 </a:solidFill>
                 <a:latin typeface="Adobe Clean Light" panose="020B0303020404020204" pitchFamily="34" charset="0"/>
               </a:rPr>
-              <a:t>, focused customer success and accelerated</a:t>
-            </a:r>
-            <a:r>
-              <a:rPr lang="en-US" sz="1000" b="1">
+              <a:t>, sucesso focado do cliente e </a:t>
+            </a:r>
+            <a:r>
+              <a:rPr lang="pt-BR" sz="1000" b="1" dirty="0">
                 <a:solidFill>
                   <a:srgbClr val="4B4B4B"/>
                 </a:solidFill>
                 <a:latin typeface="Adobe Clean" panose="020B0503020404020204" pitchFamily="34" charset="0"/>
               </a:rPr>
-              <a:t> time-to-value</a:t>
-            </a:r>
-            <a:r>
-              <a:rPr lang="en-US" sz="1000">
+              <a:t>tempo de implantação</a:t>
+            </a:r>
+            <a:r>
+              <a:rPr lang="pt-BR" sz="1000" dirty="0">
                 <a:solidFill>
                   <a:srgbClr val="4B4B4B"/>
                 </a:solidFill>
                 <a:latin typeface="Adobe Clean Light" panose="020B0303020404020204" pitchFamily="34" charset="0"/>
               </a:rPr>
-              <a:t>. If Launch advisory is active there will be </a:t>
-            </a:r>
-            <a:r>
-              <a:rPr lang="en-US" sz="1000" b="1">
+              <a:t> acelerado. Se o </a:t>
+            </a:r>
+            <a:r>
+              <a:rPr lang="pt-BR" sz="1000" dirty="0" err="1">
                 <a:solidFill>
                   <a:srgbClr val="4B4B4B"/>
                 </a:solidFill>
+                <a:latin typeface="Adobe Clean Light" panose="020B0303020404020204" pitchFamily="34" charset="0"/>
+              </a:rPr>
+              <a:t>Launch</a:t>
+            </a:r>
+            <a:r>
+              <a:rPr lang="pt-BR" sz="1000" dirty="0">
+                <a:solidFill>
+                  <a:srgbClr val="4B4B4B"/>
+                </a:solidFill>
+                <a:latin typeface="Adobe Clean Light" panose="020B0303020404020204" pitchFamily="34" charset="0"/>
+              </a:rPr>
+              <a:t> </a:t>
+            </a:r>
+            <a:r>
+              <a:rPr lang="pt-BR" sz="1000" dirty="0" err="1">
+                <a:solidFill>
+                  <a:srgbClr val="4B4B4B"/>
+                </a:solidFill>
+                <a:latin typeface="Adobe Clean Light" panose="020B0303020404020204" pitchFamily="34" charset="0"/>
+              </a:rPr>
+              <a:t>Advisory</a:t>
+            </a:r>
+            <a:r>
+              <a:rPr lang="pt-BR" sz="1000" dirty="0">
+                <a:solidFill>
+                  <a:srgbClr val="4B4B4B"/>
+                </a:solidFill>
+                <a:latin typeface="Adobe Clean Light" panose="020B0303020404020204" pitchFamily="34" charset="0"/>
+              </a:rPr>
+              <a:t> estiver ativo, </a:t>
+            </a:r>
+            <a:r>
+              <a:rPr lang="pt-BR" sz="1000" b="1" dirty="0">
+                <a:solidFill>
+                  <a:srgbClr val="4B4B4B"/>
+                </a:solidFill>
                 <a:latin typeface="Adobe Clean" panose="020B0503020404020204" pitchFamily="34" charset="0"/>
               </a:rPr>
-              <a:t>no Field Services in year 1 </a:t>
-            </a:r>
-            <a:r>
-              <a:rPr lang="en-US" sz="1000">
+              <a:t>não haverá Serviços de campo no ano 1</a:t>
+            </a:r>
+            <a:r>
+              <a:rPr lang="pt-BR" sz="1000" dirty="0">
                 <a:solidFill>
                   <a:srgbClr val="4B4B4B"/>
                 </a:solidFill>
                 <a:latin typeface="Adobe Clean Light" panose="020B0303020404020204" pitchFamily="34" charset="0"/>
               </a:rPr>
-              <a:t>for any solution product covered by an Adobe Support contract. </a:t>
-            </a:r>
-            <a:endParaRPr lang="en-US" sz="1000">
-              <a:solidFill>
-                <a:srgbClr val="1F1F1F"/>
-              </a:solidFill>
-              <a:latin typeface="Adobe Clean Light" panose="020B0303020404020204" pitchFamily="34" charset="0"/>
-              <a:cs typeface="Adobe Clean"/>
-            </a:endParaRPr>
+              <a:t> para nenhuma solução coberta por um contrato de suporte da Adobe. </a:t>
+            </a:r>
           </a:p>
           <a:p>
             <a:pPr marL="24130" marR="5080">
@@ -13322,7 +11128,7 @@
                 <a:spcPts val="600"/>
               </a:spcBef>
             </a:pPr>
-            <a:endParaRPr lang="en-US" sz="1000" b="1">
+            <a:endParaRPr lang="en-US" sz="1000" b="1" dirty="0">
               <a:solidFill>
                 <a:srgbClr val="1F1F1F"/>
               </a:solidFill>
@@ -13490,8 +11296,8 @@
         </p:nvSpPr>
         <p:spPr>
           <a:xfrm>
-            <a:off x="172087" y="3867961"/>
-            <a:ext cx="3525469" cy="2336537"/>
+            <a:off x="165836" y="3837305"/>
+            <a:ext cx="3679310" cy="2644314"/>
           </a:xfrm>
           <a:prstGeom prst="rect">
             <a:avLst/>
@@ -13509,37 +11315,48 @@
               </a:spcBef>
             </a:pPr>
             <a:r>
-              <a:rPr lang="en-US" sz="1000">
+              <a:rPr lang="pt-BR" sz="1000" dirty="0">
                 <a:latin typeface="Adobe Clean Light" charset="0"/>
               </a:rPr>
-              <a:t>Adobe solution experts help validate requirements, architecture, development process, and launch readiness reviews </a:t>
-            </a:r>
-            <a:r>
-              <a:rPr lang="en-US" sz="1000">
+              <a:t>Os especialistas em soluções da Adobe ajudam a validar os </a:t>
+            </a:r>
+            <a:br>
+              <a:rPr lang="pt-BR" sz="1000" dirty="0">
+                <a:latin typeface="Adobe Clean Light" charset="0"/>
+              </a:rPr>
+            </a:br>
+            <a:r>
+              <a:rPr lang="pt-BR" sz="1000" dirty="0">
+                <a:latin typeface="Adobe Clean Light" charset="0"/>
+              </a:rPr>
+              <a:t>requisitos, a arquitetura, o processo de desenvolvimento e iniciam revisões de prontidão </a:t>
+            </a:r>
+            <a:r>
+              <a:rPr lang="pt-BR" sz="1000" dirty="0">
                 <a:solidFill>
                   <a:srgbClr val="000000"/>
                 </a:solidFill>
                 <a:latin typeface="Adobe Clean SemiLight" panose="020B0403020404020204" pitchFamily="34" charset="0"/>
               </a:rPr>
-              <a:t>with </a:t>
-            </a:r>
-            <a:r>
-              <a:rPr lang="en-US" sz="1000" b="1">
+              <a:t>com </a:t>
+            </a:r>
+            <a:r>
+              <a:rPr lang="pt-BR" sz="1000" b="1" dirty="0">
                 <a:solidFill>
                   <a:srgbClr val="000000"/>
                 </a:solidFill>
                 <a:latin typeface="Adobe Clean SemiLight" panose="020B0403020404020204" pitchFamily="34" charset="0"/>
               </a:rPr>
-              <a:t>best practice-based guidance </a:t>
-            </a:r>
-            <a:r>
-              <a:rPr lang="en-US" sz="1000">
+              <a:t>orientação baseada em práticas recomendadas</a:t>
+            </a:r>
+            <a:r>
+              <a:rPr lang="pt-BR" sz="1000" dirty="0">
                 <a:solidFill>
                   <a:srgbClr val="000000"/>
                 </a:solidFill>
                 <a:latin typeface="Adobe Clean SemiLight" panose="020B0403020404020204" pitchFamily="34" charset="0"/>
               </a:rPr>
-              <a:t>to customers and implementation partners.</a:t>
+              <a:t> para clientes e parceiros de implementação.</a:t>
             </a:r>
           </a:p>
           <a:p>
@@ -13548,7 +11365,7 @@
                 <a:spcPts val="100"/>
               </a:spcBef>
             </a:pPr>
-            <a:endParaRPr lang="en-US" sz="1000">
+            <a:endParaRPr lang="en-US" sz="1000" dirty="0">
               <a:solidFill>
                 <a:srgbClr val="1F1F1F"/>
               </a:solidFill>
@@ -13563,22 +11380,68 @@
               </a:spcBef>
             </a:pPr>
             <a:r>
-              <a:rPr lang="en-US" sz="1000">
+              <a:rPr lang="pt-BR" sz="1000" dirty="0">
                 <a:latin typeface="Adobe Clean Light" charset="0"/>
               </a:rPr>
-              <a:t>Launch Advisory will align with your project schedule through common milestones (</a:t>
-            </a:r>
-            <a:r>
-              <a:rPr lang="en-US" sz="1000" b="1">
+              <a:t>O </a:t>
+            </a:r>
+            <a:r>
+              <a:rPr lang="pt-BR" sz="1000" dirty="0" err="1">
                 <a:latin typeface="Adobe Clean Light" charset="0"/>
               </a:rPr>
-              <a:t>Kickoff, Define, Design, Go-live and Post Launch</a:t>
-            </a:r>
-            <a:r>
-              <a:rPr lang="en-US" sz="1000">
+              <a:t>Launch</a:t>
+            </a:r>
+            <a:r>
+              <a:rPr lang="pt-BR" sz="1000" dirty="0">
                 <a:latin typeface="Adobe Clean Light" charset="0"/>
               </a:rPr>
-              <a:t>) to guide, validate, assess and make recommendations.</a:t>
+              <a:t> </a:t>
+            </a:r>
+            <a:r>
+              <a:rPr lang="pt-BR" sz="1000" dirty="0" err="1">
+                <a:latin typeface="Adobe Clean Light" charset="0"/>
+              </a:rPr>
+              <a:t>Advisory</a:t>
+            </a:r>
+            <a:r>
+              <a:rPr lang="pt-BR" sz="1000" dirty="0">
+                <a:latin typeface="Adobe Clean Light" charset="0"/>
+              </a:rPr>
+              <a:t> se alinhará com o agendamento do seu </a:t>
+            </a:r>
+            <a:br>
+              <a:rPr lang="pt-BR" sz="1000" dirty="0">
+                <a:latin typeface="Adobe Clean Light" charset="0"/>
+              </a:rPr>
+            </a:br>
+            <a:r>
+              <a:rPr lang="pt-BR" sz="1000" dirty="0">
+                <a:latin typeface="Adobe Clean Light" charset="0"/>
+              </a:rPr>
+              <a:t>projeto por meio de marcos comuns (</a:t>
+            </a:r>
+            <a:r>
+              <a:rPr lang="pt-BR" sz="1000" b="1" dirty="0">
+                <a:latin typeface="Adobe Clean Light" charset="0"/>
+              </a:rPr>
+              <a:t>Início, Definição, Projeto, Lançamento e Pós-lançamento</a:t>
+            </a:r>
+            <a:r>
+              <a:rPr lang="pt-BR" sz="1000" dirty="0">
+                <a:latin typeface="Adobe Clean Light" charset="0"/>
+              </a:rPr>
+              <a:t>) para guiar, validar, avaliar </a:t>
+            </a:r>
+            <a:br>
+              <a:rPr lang="pt-BR" sz="1000" dirty="0">
+                <a:latin typeface="Adobe Clean Light" charset="0"/>
+              </a:rPr>
+            </a:br>
+            <a:r>
+              <a:rPr lang="pt-BR" sz="1000" dirty="0">
+                <a:latin typeface="Adobe Clean Light" charset="0"/>
+              </a:rPr>
+              <a:t>e fazer recomendações.</a:t>
             </a:r>
           </a:p>
           <a:p>
@@ -13587,7 +11450,7 @@
                 <a:spcPts val="100"/>
               </a:spcBef>
             </a:pPr>
-            <a:endParaRPr lang="en-US" sz="1000">
+            <a:endParaRPr lang="en-US" sz="1000" dirty="0">
               <a:latin typeface="Adobe Clean Light" charset="0"/>
             </a:endParaRPr>
           </a:p>
@@ -13598,10 +11461,10 @@
               </a:spcBef>
             </a:pPr>
             <a:r>
-              <a:rPr lang="en-US" sz="1000">
+              <a:rPr lang="pt-BR" sz="1000" dirty="0">
                 <a:latin typeface="Adobe Clean Light" charset="0"/>
               </a:rPr>
-              <a:t>Key Deliverables include:</a:t>
+              <a:t>Os principais serviços incluem:</a:t>
             </a:r>
           </a:p>
           <a:p>
@@ -13613,8 +11476,15 @@
               <a:buChar char="•"/>
             </a:pPr>
             <a:r>
-              <a:rPr lang="en-US" sz="1000"/>
-              <a:t>Kickoff (including project collaboration plan) deck</a:t>
+              <a:rPr lang="pt-BR" sz="1000" dirty="0"/>
+              <a:t>Plataforma de início (incluindo plano de colaboração </a:t>
+            </a:r>
+            <a:br>
+              <a:rPr lang="pt-BR" sz="1000" dirty="0"/>
+            </a:br>
+            <a:r>
+              <a:rPr lang="pt-BR" sz="1000" dirty="0"/>
+              <a:t>do projeto)</a:t>
             </a:r>
           </a:p>
           <a:p>
@@ -13626,8 +11496,8 @@
               <a:buChar char="•"/>
             </a:pPr>
             <a:r>
-              <a:rPr lang="en-US" sz="1000"/>
-              <a:t>Assessment &amp; recommendations document(s)</a:t>
+              <a:rPr lang="pt-BR" sz="1000" dirty="0"/>
+              <a:t>Documentos de avaliação e recomendações</a:t>
             </a:r>
           </a:p>
           <a:p>
@@ -13639,8 +11509,8 @@
               <a:buChar char="•"/>
             </a:pPr>
             <a:r>
-              <a:rPr lang="en-US" sz="1000"/>
-              <a:t>Engagement summary</a:t>
+              <a:rPr lang="pt-BR" sz="1000" dirty="0"/>
+              <a:t>Resumo de engajamento</a:t>
             </a:r>
           </a:p>
         </p:txBody>
@@ -13744,8 +11614,8 @@
           <a:p>
             <a:pPr algn="ctr"/>
             <a:r>
-              <a:rPr lang="en-US" sz="1600"/>
-              <a:t>Run &amp; Operate</a:t>
+              <a:rPr lang="pt-BR" sz="1600"/>
+              <a:t>Execução e operação</a:t>
             </a:r>
           </a:p>
         </p:txBody>
@@ -13850,8 +11720,8 @@
           <a:p>
             <a:pPr algn="ctr"/>
             <a:r>
-              <a:rPr lang="en-US" sz="1600"/>
-              <a:t>Implementation</a:t>
+              <a:rPr lang="pt-BR" sz="1600"/>
+              <a:t>Implementação</a:t>
             </a:r>
           </a:p>
         </p:txBody>
@@ -13870,8 +11740,8 @@
         </p:nvSpPr>
         <p:spPr>
           <a:xfrm>
-            <a:off x="2918286" y="2317134"/>
-            <a:ext cx="933111" cy="261610"/>
+            <a:off x="2887592" y="2186924"/>
+            <a:ext cx="933111" cy="400110"/>
           </a:xfrm>
           <a:prstGeom prst="rect">
             <a:avLst/>
@@ -13886,8 +11756,8 @@
           <a:p>
             <a:pPr algn="ctr"/>
             <a:r>
-              <a:rPr lang="en-US" sz="1100"/>
-              <a:t>Post Launch</a:t>
+              <a:rPr lang="pt-BR" sz="1000" dirty="0"/>
+              <a:t>Pós-lançamento</a:t>
             </a:r>
           </a:p>
         </p:txBody>
@@ -13907,15 +11777,20 @@
           <p:nvPr/>
         </p:nvPicPr>
         <p:blipFill>
-          <a:blip r:embed="rId4"/>
-          <a:stretch>
-            <a:fillRect/>
-          </a:stretch>
+          <a:blip r:embed="rId4" cstate="print">
+            <a:extLst>
+              <a:ext uri="{28A0092B-C50C-407E-A947-70E740481C1C}">
+                <a14:useLocalDpi xmlns:a14="http://schemas.microsoft.com/office/drawing/2010/main" val="0"/>
+              </a:ext>
+            </a:extLst>
+          </a:blip>
+          <a:srcRect/>
+          <a:stretch/>
         </p:blipFill>
         <p:spPr>
           <a:xfrm>
-            <a:off x="333965" y="6379881"/>
-            <a:ext cx="3097872" cy="2855621"/>
+            <a:off x="336106" y="6529106"/>
+            <a:ext cx="3093589" cy="2855621"/>
           </a:xfrm>
           <a:prstGeom prst="rect">
             <a:avLst/>
@@ -13991,7 +11866,7 @@
         <p:spPr>
           <a:xfrm>
             <a:off x="3855907" y="4694431"/>
-            <a:ext cx="3525469" cy="2464777"/>
+            <a:ext cx="3713038" cy="2464777"/>
           </a:xfrm>
           <a:prstGeom prst="rect">
             <a:avLst/>
@@ -14009,29 +11884,40 @@
               </a:spcBef>
             </a:pPr>
             <a:r>
-              <a:rPr lang="en-US" sz="1000" b="1" dirty="0">
+              <a:rPr lang="pt-BR" sz="1000" b="1" dirty="0">
                 <a:solidFill>
                   <a:srgbClr val="000000"/>
                 </a:solidFill>
                 <a:latin typeface="+mj-lt"/>
               </a:rPr>
-              <a:t>Technical Track Activities </a:t>
-            </a:r>
-            <a:r>
-              <a:rPr lang="en-US" sz="1000" dirty="0">
+              <a:t>As Atividades técnicas</a:t>
+            </a:r>
+            <a:r>
+              <a:rPr lang="pt-BR" sz="1000" dirty="0">
                 <a:solidFill>
                   <a:srgbClr val="000000"/>
                 </a:solidFill>
                 <a:latin typeface="Adobe Clean Light"/>
               </a:rPr>
-              <a:t>ensure customers are technically sound and maximizing their tool adoption. Specifically, these types of activities include support and recommendations related to platform configurations, integrations and troubleshooting.</a:t>
-            </a:r>
-            <a:endParaRPr lang="en-US" sz="1000" dirty="0">
-              <a:solidFill>
-                <a:srgbClr val="000000"/>
-              </a:solidFill>
-              <a:latin typeface="Adobe Clean Light" panose="020B0303020404020204" pitchFamily="34" charset="0"/>
-            </a:endParaRPr>
+              <a:t> verificam se os clientes estão apresentando solidez técnica e aproveitando ao máximo sua adoção de ferramentas. Especificamente, essas atividades incluem suporte e recomendações relacionados a configurações da plataforma, integrações e solução </a:t>
+            </a:r>
+            <a:br>
+              <a:rPr lang="pt-BR" sz="1000" dirty="0">
+                <a:solidFill>
+                  <a:srgbClr val="000000"/>
+                </a:solidFill>
+                <a:latin typeface="Adobe Clean Light"/>
+              </a:rPr>
+            </a:br>
+            <a:r>
+              <a:rPr lang="pt-BR" sz="1000" dirty="0">
+                <a:solidFill>
+                  <a:srgbClr val="000000"/>
+                </a:solidFill>
+                <a:latin typeface="Adobe Clean Light"/>
+              </a:rPr>
+              <a:t>de problemas.</a:t>
+            </a:r>
           </a:p>
           <a:p>
             <a:pPr marL="12700" marR="5080">
@@ -14039,7 +11925,7 @@
                 <a:spcPts val="100"/>
               </a:spcBef>
             </a:pPr>
-            <a:endParaRPr lang="en-US" sz="1000">
+            <a:endParaRPr lang="en-US" sz="1000" dirty="0">
               <a:latin typeface="Adobe Clean Light" charset="0"/>
             </a:endParaRPr>
           </a:p>
@@ -14050,10 +11936,10 @@
               </a:spcBef>
             </a:pPr>
             <a:r>
-              <a:rPr lang="en-US" sz="1000" dirty="0">
+              <a:rPr lang="pt-BR" sz="1000" dirty="0">
                 <a:latin typeface="Adobe Clean Light"/>
               </a:rPr>
-              <a:t>Types of technical activities available::</a:t>
+              <a:t>Tipos de atividades técnicas disponíveis::</a:t>
             </a:r>
           </a:p>
           <a:p>
@@ -14068,12 +11954,9 @@
               <a:buChar char="ü"/>
             </a:pPr>
             <a:r>
-              <a:rPr lang="en-US" sz="1000" dirty="0"/>
-              <a:t>Health audit</a:t>
-            </a:r>
-            <a:endParaRPr lang="en-US" sz="1000" dirty="0">
-              <a:cs typeface="Calibri"/>
-            </a:endParaRPr>
+              <a:rPr lang="pt-BR" sz="1000" dirty="0"/>
+              <a:t>Auditoria de integridade</a:t>
+            </a:r>
           </a:p>
           <a:p>
             <a:pPr marL="184150" marR="5080" indent="-171450">
@@ -14087,12 +11970,9 @@
               <a:buChar char="ü"/>
             </a:pPr>
             <a:r>
-              <a:rPr lang="en-US" sz="1000" dirty="0"/>
-              <a:t>Platform audit</a:t>
-            </a:r>
-            <a:endParaRPr lang="en-US" sz="1000" dirty="0">
-              <a:cs typeface="Calibri"/>
-            </a:endParaRPr>
+              <a:rPr lang="pt-BR" sz="1000" dirty="0"/>
+              <a:t>Auditoria da plataforma</a:t>
+            </a:r>
           </a:p>
           <a:p>
             <a:pPr marL="184150" marR="5080" indent="-171450">
@@ -14106,12 +11986,9 @@
               <a:buChar char="ü"/>
             </a:pPr>
             <a:r>
-              <a:rPr lang="en-US" sz="1000" dirty="0"/>
-              <a:t>Feature set enablement</a:t>
-            </a:r>
-            <a:endParaRPr lang="en-US" sz="1000" dirty="0">
-              <a:cs typeface="Calibri"/>
-            </a:endParaRPr>
+              <a:rPr lang="pt-BR" sz="1000" dirty="0"/>
+              <a:t>Ativação do conjunto de recursos</a:t>
+            </a:r>
           </a:p>
           <a:p>
             <a:pPr marL="184150" marR="5080" indent="-171450">
@@ -14125,12 +12002,9 @@
               <a:buChar char="ü"/>
             </a:pPr>
             <a:r>
-              <a:rPr lang="en-US" sz="1000" dirty="0"/>
-              <a:t>Basic integrations and configurations</a:t>
-            </a:r>
-            <a:endParaRPr lang="en-US" sz="1000" dirty="0">
-              <a:cs typeface="Calibri"/>
-            </a:endParaRPr>
+              <a:rPr lang="pt-BR" sz="1000" dirty="0"/>
+              <a:t>Integrações e configurações básicas</a:t>
+            </a:r>
           </a:p>
           <a:p>
             <a:pPr marL="184150" marR="5080" indent="-171450">
@@ -14144,12 +12018,9 @@
               <a:buChar char="ü"/>
             </a:pPr>
             <a:r>
-              <a:rPr lang="en-US" sz="1000" dirty="0"/>
-              <a:t>Customer solution troubleshooting</a:t>
-            </a:r>
-            <a:endParaRPr lang="en-US" sz="1000" dirty="0">
-              <a:cs typeface="Calibri"/>
-            </a:endParaRPr>
+              <a:rPr lang="pt-BR" sz="1000" dirty="0"/>
+              <a:t>Solução de problemas do cliente</a:t>
+            </a:r>
           </a:p>
           <a:p>
             <a:pPr marL="184150" marR="5080" indent="-171450">
@@ -14163,12 +12034,9 @@
               <a:buChar char="ü"/>
             </a:pPr>
             <a:r>
-              <a:rPr lang="en-US" sz="1000" dirty="0"/>
-              <a:t>Cloud service support</a:t>
-            </a:r>
-            <a:endParaRPr lang="en-US" sz="1000" dirty="0">
-              <a:cs typeface="Calibri"/>
-            </a:endParaRPr>
+              <a:rPr lang="pt-BR" sz="1000" dirty="0"/>
+              <a:t>Suporte ao serviço na nuvem</a:t>
+            </a:r>
           </a:p>
         </p:txBody>
       </p:sp>
@@ -14205,22 +12073,56 @@
               </a:spcBef>
             </a:pPr>
             <a:r>
-              <a:rPr lang="en-US" sz="1000" b="1" dirty="0">
+              <a:rPr lang="pt-BR" sz="1000" b="1" dirty="0">
                 <a:solidFill>
                   <a:srgbClr val="000000"/>
                 </a:solidFill>
                 <a:latin typeface="+mj-lt"/>
               </a:rPr>
-              <a:t>Strategic Track Activities </a:t>
-            </a:r>
-            <a:r>
-              <a:rPr lang="en-US" sz="1000" dirty="0">
+              <a:t>As Atividades estratégicas</a:t>
+            </a:r>
+            <a:r>
+              <a:rPr lang="pt-BR" sz="1000" dirty="0">
                 <a:solidFill>
                   <a:srgbClr val="000000"/>
                 </a:solidFill>
                 <a:latin typeface="Adobe Clean Light"/>
               </a:rPr>
-              <a:t>locate opportunities to ensure value is being realized from a customer’s Adobe solutions. They include support recommendations related to strategy, measurement and maturity to drive value realization across one or more Adobe solutions.</a:t>
+              <a:t> localizam oportunidades para garantir a obtenção de valor com as soluções da Adobe. Elas incluem recomendações de suporte relacionadas a estratégia, medição </a:t>
+            </a:r>
+            <a:br>
+              <a:rPr lang="pt-BR" sz="1000" dirty="0">
+                <a:solidFill>
+                  <a:srgbClr val="000000"/>
+                </a:solidFill>
+                <a:latin typeface="Adobe Clean Light"/>
+              </a:rPr>
+            </a:br>
+            <a:r>
+              <a:rPr lang="pt-BR" sz="1000" dirty="0">
+                <a:solidFill>
+                  <a:srgbClr val="000000"/>
+                </a:solidFill>
+                <a:latin typeface="Adobe Clean Light"/>
+              </a:rPr>
+              <a:t>e maturidade para impulsionar a obtenção de valor com uma </a:t>
+            </a:r>
+            <a:br>
+              <a:rPr lang="pt-BR" sz="1000" dirty="0">
+                <a:solidFill>
+                  <a:srgbClr val="000000"/>
+                </a:solidFill>
+                <a:latin typeface="Adobe Clean Light"/>
+              </a:rPr>
+            </a:br>
+            <a:r>
+              <a:rPr lang="pt-BR" sz="1000" dirty="0">
+                <a:solidFill>
+                  <a:srgbClr val="000000"/>
+                </a:solidFill>
+                <a:latin typeface="Adobe Clean Light"/>
+              </a:rPr>
+              <a:t>ou mais soluções da Adobe.</a:t>
             </a:r>
           </a:p>
           <a:p>
@@ -14229,7 +12131,7 @@
                 <a:spcPts val="100"/>
               </a:spcBef>
             </a:pPr>
-            <a:endParaRPr lang="en-US" sz="1000">
+            <a:endParaRPr lang="en-US" sz="1000" dirty="0">
               <a:latin typeface="Adobe Clean Light" charset="0"/>
             </a:endParaRPr>
           </a:p>
@@ -14240,14 +12142,11 @@
               </a:spcBef>
             </a:pPr>
             <a:r>
-              <a:rPr lang="en-US" sz="1000" dirty="0">
+              <a:rPr lang="pt-BR" sz="1000" dirty="0">
                 <a:latin typeface="Adobe Clean Light"/>
               </a:rPr>
-              <a:t>Types of strategic activities available:</a:t>
-            </a:r>
-            <a:endParaRPr lang="en-US" sz="1000" dirty="0">
-              <a:latin typeface="Adobe Clean Light" charset="0"/>
-            </a:endParaRPr>
+              <a:t>Tipos de atividades estratégicas disponíveis:</a:t>
+            </a:r>
           </a:p>
           <a:p>
             <a:pPr marL="241300" marR="5080" indent="-228600">
@@ -14261,12 +12160,9 @@
               <a:buChar char="ü"/>
             </a:pPr>
             <a:r>
-              <a:rPr lang="en-US" sz="1000" dirty="0"/>
-              <a:t>Maturity Roadmap</a:t>
-            </a:r>
-            <a:endParaRPr lang="en-US" sz="1000" dirty="0">
-              <a:cs typeface="Calibri"/>
-            </a:endParaRPr>
+              <a:rPr lang="pt-BR" sz="1000" dirty="0"/>
+              <a:t>Roteiro de maturidade</a:t>
+            </a:r>
           </a:p>
           <a:p>
             <a:pPr marL="241300" marR="5080" indent="-228600">
@@ -14280,12 +12176,9 @@
               <a:buChar char="ü"/>
             </a:pPr>
             <a:r>
-              <a:rPr lang="en-US" sz="1000" dirty="0"/>
-              <a:t>Use case development/measurement</a:t>
-            </a:r>
-            <a:endParaRPr lang="en-US" sz="1000" dirty="0">
-              <a:cs typeface="Calibri"/>
-            </a:endParaRPr>
+              <a:rPr lang="pt-BR" sz="1000" dirty="0"/>
+              <a:t>Desenvolvimento/medição de caso de uso</a:t>
+            </a:r>
           </a:p>
           <a:p>
             <a:pPr marL="241300" marR="5080" indent="-228600">
@@ -14299,12 +12192,9 @@
               <a:buChar char="ü"/>
             </a:pPr>
             <a:r>
-              <a:rPr lang="en-US" sz="1000" dirty="0"/>
-              <a:t>Reporting &amp; analysis</a:t>
-            </a:r>
-            <a:endParaRPr lang="en-US" sz="1000" dirty="0">
-              <a:cs typeface="Calibri"/>
-            </a:endParaRPr>
+              <a:rPr lang="pt-BR" sz="1000" dirty="0"/>
+              <a:t>Relatórios e análise</a:t>
+            </a:r>
           </a:p>
           <a:p>
             <a:pPr marL="241300" marR="5080" indent="-228600">
@@ -14318,12 +12208,9 @@
               <a:buChar char="ü"/>
             </a:pPr>
             <a:r>
-              <a:rPr lang="en-US" sz="1000" dirty="0"/>
-              <a:t>Best practices enablement</a:t>
-            </a:r>
-            <a:endParaRPr lang="en-US" sz="1000" dirty="0">
-              <a:cs typeface="Calibri"/>
-            </a:endParaRPr>
+              <a:rPr lang="pt-BR" sz="1000" dirty="0"/>
+              <a:t>Ativação de práticas recomendadas</a:t>
+            </a:r>
           </a:p>
         </p:txBody>
       </p:sp>
@@ -14361,73 +12248,77 @@
               </a:spcBef>
             </a:pPr>
             <a:r>
-              <a:rPr lang="en-US" sz="1000">
+              <a:rPr lang="pt-BR" sz="1000" dirty="0">
                 <a:solidFill>
                   <a:srgbClr val="1F1F1F"/>
                 </a:solidFill>
                 <a:latin typeface="Adobe Clean" panose="020B0503020404020204" pitchFamily="34" charset="0"/>
                 <a:cs typeface="AdobeClean-Light"/>
               </a:rPr>
-              <a:t>As an Enterprise customer, you are eligible for</a:t>
-            </a:r>
-            <a:r>
-              <a:rPr lang="en-US" sz="1200" b="1" u="sng">
-                <a:solidFill>
-                  <a:srgbClr val="1F1F1F"/>
-                </a:solidFill>
-                <a:cs typeface="AdobeClean-Light"/>
-              </a:rPr>
-              <a:t> 2 </a:t>
-            </a:r>
-            <a:r>
-              <a:rPr lang="en-US" sz="1000" b="1" u="sng">
-                <a:solidFill>
-                  <a:srgbClr val="1F1F1F"/>
-                </a:solidFill>
-                <a:cs typeface="AdobeClean-Light"/>
-              </a:rPr>
-              <a:t>activities per year </a:t>
-            </a:r>
-            <a:r>
-              <a:rPr lang="en-US" sz="1000">
+              <a:t>Como cliente Enterprise, você tem direito a </a:t>
+            </a:r>
+            <a:r>
+              <a:rPr lang="pt-BR" sz="1200" b="1" u="sng" dirty="0">
                 <a:solidFill>
                   <a:srgbClr val="1F1F1F"/>
                 </a:solidFill>
                 <a:latin typeface="Adobe Clean" panose="020B0503020404020204" pitchFamily="34" charset="0"/>
                 <a:cs typeface="AdobeClean-Light"/>
               </a:rPr>
-              <a:t>from the following two tracks:</a:t>
-            </a:r>
-            <a:r>
-              <a:rPr lang="en-US" sz="1000" b="1">
-                <a:solidFill>
-                  <a:srgbClr val="1F1F1F"/>
-                </a:solidFill>
-                <a:cs typeface="AdobeClean-Light"/>
-              </a:rPr>
-              <a:t> Technical </a:t>
-            </a:r>
-            <a:r>
-              <a:rPr lang="en-US" sz="1000">
+              <a:t>2</a:t>
+            </a:r>
+            <a:r>
+              <a:rPr lang="pt-BR" sz="1000" b="1" u="sng" dirty="0">
                 <a:solidFill>
                   <a:srgbClr val="1F1F1F"/>
                 </a:solidFill>
                 <a:latin typeface="Adobe Clean" panose="020B0503020404020204" pitchFamily="34" charset="0"/>
                 <a:cs typeface="AdobeClean-Light"/>
               </a:rPr>
-              <a:t>and/or </a:t>
-            </a:r>
-            <a:r>
-              <a:rPr lang="en-US" sz="1000" b="1">
+              <a:t> atividades por ano</a:t>
+            </a:r>
+            <a:r>
+              <a:rPr lang="pt-BR" sz="1000" dirty="0">
                 <a:solidFill>
                   <a:srgbClr val="1F1F1F"/>
                 </a:solidFill>
+                <a:latin typeface="Adobe Clean" panose="020B0503020404020204" pitchFamily="34" charset="0"/>
                 <a:cs typeface="AdobeClean-Light"/>
               </a:rPr>
-              <a:t>Strategic</a:t>
-            </a:r>
-            <a:r>
-              <a:rPr lang="en-US" sz="1000">
+              <a:t> entre as opções a seguir:</a:t>
+            </a:r>
+            <a:r>
+              <a:rPr lang="pt-BR" sz="1000" b="1" dirty="0">
+                <a:solidFill>
+                  <a:srgbClr val="1F1F1F"/>
+                </a:solidFill>
+                <a:latin typeface="Adobe Clean" panose="020B0503020404020204" pitchFamily="34" charset="0"/>
+                <a:cs typeface="AdobeClean-Light"/>
+              </a:rPr>
+              <a:t> Atividades técnicas </a:t>
+            </a:r>
+            <a:r>
+              <a:rPr lang="pt-BR" sz="1000" dirty="0">
+                <a:solidFill>
+                  <a:srgbClr val="1F1F1F"/>
+                </a:solidFill>
+                <a:latin typeface="Adobe Clean" panose="020B0503020404020204" pitchFamily="34" charset="0"/>
+                <a:cs typeface="AdobeClean-Light"/>
+              </a:rPr>
+              <a:t>e/ou </a:t>
+            </a:r>
+            <a:r>
+              <a:rPr lang="pt-BR" sz="1000" b="1" dirty="0">
+                <a:solidFill>
+                  <a:srgbClr val="1F1F1F"/>
+                </a:solidFill>
+                <a:latin typeface="Adobe Clean" panose="020B0503020404020204" pitchFamily="34" charset="0"/>
+                <a:cs typeface="AdobeClean-Light"/>
+              </a:rPr>
+              <a:t>Atividades estratégicas</a:t>
+            </a:r>
+            <a:r>
+              <a:rPr lang="pt-BR" sz="1000" dirty="0">
                 <a:solidFill>
                   <a:srgbClr val="1F1F1F"/>
                 </a:solidFill>
@@ -14436,12 +12327,6 @@
               </a:rPr>
               <a:t>.</a:t>
             </a:r>
-            <a:endParaRPr lang="en-US" sz="1000" b="1">
-              <a:solidFill>
-                <a:prstClr val="black"/>
-              </a:solidFill>
-              <a:cs typeface="AdobeClean-Light"/>
-            </a:endParaRPr>
           </a:p>
         </p:txBody>
       </p:sp>
@@ -14459,8 +12344,8 @@
         </p:nvSpPr>
         <p:spPr>
           <a:xfrm>
-            <a:off x="2236134" y="2317134"/>
-            <a:ext cx="826006" cy="261610"/>
+            <a:off x="2174875" y="2317134"/>
+            <a:ext cx="935824" cy="246221"/>
           </a:xfrm>
           <a:prstGeom prst="rect">
             <a:avLst/>
@@ -14475,8 +12360,8 @@
           <a:p>
             <a:pPr algn="ctr"/>
             <a:r>
-              <a:rPr lang="en-US" sz="1100"/>
-              <a:t>Go-Live</a:t>
+              <a:rPr lang="pt-BR" sz="1000" dirty="0"/>
+              <a:t>Lançamento</a:t>
             </a:r>
           </a:p>
         </p:txBody>
@@ -14496,7 +12381,7 @@
         <p:spPr>
           <a:xfrm>
             <a:off x="878679" y="2320287"/>
-            <a:ext cx="826006" cy="261610"/>
+            <a:ext cx="826006" cy="246221"/>
           </a:xfrm>
           <a:prstGeom prst="rect">
             <a:avLst/>
@@ -14511,8 +12396,8 @@
           <a:p>
             <a:pPr algn="ctr"/>
             <a:r>
-              <a:rPr lang="en-US" sz="1100"/>
-              <a:t>Define</a:t>
+              <a:rPr lang="pt-BR" sz="1000"/>
+              <a:t>Definição</a:t>
             </a:r>
           </a:p>
         </p:txBody>
@@ -14532,7 +12417,7 @@
         <p:spPr>
           <a:xfrm>
             <a:off x="205422" y="2330087"/>
-            <a:ext cx="826006" cy="261610"/>
+            <a:ext cx="826006" cy="246221"/>
           </a:xfrm>
           <a:prstGeom prst="rect">
             <a:avLst/>
@@ -14547,8 +12432,8 @@
           <a:p>
             <a:pPr algn="ctr"/>
             <a:r>
-              <a:rPr lang="en-US" sz="1100"/>
-              <a:t>Kickoff</a:t>
+              <a:rPr lang="pt-BR" sz="1000"/>
+              <a:t>Início</a:t>
             </a:r>
           </a:p>
         </p:txBody>
@@ -14567,8 +12452,8 @@
         </p:nvSpPr>
         <p:spPr>
           <a:xfrm>
-            <a:off x="1558548" y="2320287"/>
-            <a:ext cx="826006" cy="261610"/>
+            <a:off x="1529973" y="2320287"/>
+            <a:ext cx="826006" cy="246221"/>
           </a:xfrm>
           <a:prstGeom prst="rect">
             <a:avLst/>
@@ -14583,8 +12468,8 @@
           <a:p>
             <a:pPr algn="ctr"/>
             <a:r>
-              <a:rPr lang="en-US" sz="1100"/>
-              <a:t>Design</a:t>
+              <a:rPr lang="pt-BR" sz="1000" dirty="0"/>
+              <a:t>Projeto</a:t>
             </a:r>
           </a:p>
         </p:txBody>
@@ -14641,14 +12526,14 @@
           <a:p>
             <a:pPr algn="ctr"/>
             <a:r>
-              <a:rPr lang="en-US">
+              <a:rPr lang="pt-BR">
                 <a:solidFill>
                   <a:schemeClr val="accent1">
                     <a:lumMod val="50000"/>
                   </a:schemeClr>
                 </a:solidFill>
               </a:rPr>
-              <a:t>2 Activities per Year</a:t>
+              <a:t>2 atividades por ano</a:t>
             </a:r>
           </a:p>
         </p:txBody>
@@ -14710,49 +12595,15 @@
               </a:lnSpc>
             </a:pPr>
             <a:r>
-              <a:rPr sz="500" spc="-5">
+              <a:rPr lang="pt-BR" sz="500">
                 <a:solidFill>
                   <a:srgbClr val="6C6C6C"/>
                 </a:solidFill>
                 <a:latin typeface="Adobe Clean"/>
                 <a:cs typeface="Adobe Clean"/>
               </a:rPr>
-              <a:t>©2020 Adobe. All Rights Reserved. </a:t>
-            </a:r>
-            <a:r>
-              <a:rPr sz="500">
-                <a:solidFill>
-                  <a:srgbClr val="6C6C6C"/>
-                </a:solidFill>
-                <a:latin typeface="Adobe Clean"/>
-                <a:cs typeface="Adobe Clean"/>
-              </a:rPr>
-              <a:t>Adobe</a:t>
-            </a:r>
-            <a:r>
-              <a:rPr sz="500" spc="5">
-                <a:solidFill>
-                  <a:srgbClr val="6C6C6C"/>
-                </a:solidFill>
-                <a:latin typeface="Adobe Clean"/>
-                <a:cs typeface="Adobe Clean"/>
-              </a:rPr>
-              <a:t> </a:t>
-            </a:r>
-            <a:r>
-              <a:rPr sz="500" spc="-5">
-                <a:solidFill>
-                  <a:srgbClr val="6C6C6C"/>
-                </a:solidFill>
-                <a:latin typeface="Adobe Clean"/>
-                <a:cs typeface="Adobe Clean"/>
-              </a:rPr>
-              <a:t>Confidential.</a:t>
-            </a:r>
-            <a:endParaRPr sz="500">
-              <a:latin typeface="Adobe Clean"/>
-              <a:cs typeface="Adobe Clean"/>
-            </a:endParaRPr>
+              <a:t>©2020 Adobe. All Rights Reserved. Adobe Confidential.</a:t>
+            </a:r>
           </a:p>
           <a:p>
             <a:pPr>
@@ -14778,39 +12629,15 @@
               </a:spcBef>
             </a:pPr>
             <a:r>
-              <a:rPr sz="800" spc="-5">
+              <a:rPr lang="pt-BR" sz="800">
                 <a:solidFill>
                   <a:srgbClr val="6D6D6D"/>
                 </a:solidFill>
                 <a:latin typeface="Adobe Clean"/>
                 <a:cs typeface="Adobe Clean"/>
               </a:rPr>
-              <a:t>©2020 Adobe. All Rights Reserved. Adobe</a:t>
-            </a:r>
-            <a:r>
-              <a:rPr sz="800" spc="75">
-                <a:solidFill>
-                  <a:srgbClr val="6D6D6D"/>
-                </a:solidFill>
-                <a:latin typeface="Adobe Clean"/>
-                <a:cs typeface="Adobe Clean"/>
-              </a:rPr>
-              <a:t> </a:t>
-            </a:r>
-            <a:r>
-              <a:rPr sz="800" spc="-5">
-                <a:solidFill>
-                  <a:srgbClr val="6D6D6D"/>
-                </a:solidFill>
-                <a:latin typeface="Adobe Clean"/>
-                <a:cs typeface="Adobe Clean"/>
-              </a:rPr>
-              <a:t>Confidential.</a:t>
-            </a:r>
-            <a:endParaRPr sz="800">
-              <a:latin typeface="Adobe Clean"/>
-              <a:cs typeface="Adobe Clean"/>
-            </a:endParaRPr>
+              <a:t>©2020 Adobe. All Rights Reserved. Adobe Confidential.</a:t>
+            </a:r>
           </a:p>
         </p:txBody>
       </p:sp>
@@ -14894,19 +12721,15 @@
               </a:spcBef>
             </a:pPr>
             <a:r>
-              <a:rPr lang="en-US" sz="1400" b="1" spc="-15">
+              <a:rPr lang="pt-BR" sz="1400" b="1">
                 <a:solidFill>
                   <a:srgbClr val="020302"/>
                 </a:solidFill>
                 <a:latin typeface="Adobe Clean"/>
                 <a:cs typeface="Adobe Clean"/>
               </a:rPr>
-              <a:t>Resources</a:t>
-            </a:r>
-            <a:endParaRPr sz="1400">
-              <a:latin typeface="Adobe Clean"/>
-              <a:cs typeface="Adobe Clean"/>
-            </a:endParaRPr>
+              <a:t>Recursos</a:t>
+            </a:r>
           </a:p>
         </p:txBody>
       </p:sp>
@@ -14919,7 +12742,7 @@
         <p:spPr>
           <a:xfrm>
             <a:off x="6754821" y="9283729"/>
-            <a:ext cx="930275" cy="662305"/>
+            <a:ext cx="1017579" cy="662305"/>
           </a:xfrm>
           <a:prstGeom prst="rect">
             <a:avLst/>
@@ -14940,7 +12763,7 @@
               </a:spcBef>
             </a:pPr>
             <a:r>
-              <a:rPr sz="800" spc="-15">
+              <a:rPr lang="pt-BR" sz="800" dirty="0">
                 <a:solidFill>
                   <a:srgbClr val="777879"/>
                 </a:solidFill>
@@ -14949,10 +12772,6 @@
               </a:rPr>
               <a:t>Adobe</a:t>
             </a:r>
-            <a:endParaRPr sz="800">
-              <a:latin typeface="Adobe Clean"/>
-              <a:cs typeface="Adobe Clean"/>
-            </a:endParaRPr>
           </a:p>
           <a:p>
             <a:pPr marL="12700">
@@ -14961,39 +12780,15 @@
               </a:lnSpc>
             </a:pPr>
             <a:r>
-              <a:rPr sz="800" spc="-15">
+              <a:rPr lang="pt-BR" sz="800" dirty="0">
                 <a:solidFill>
                   <a:srgbClr val="777879"/>
                 </a:solidFill>
                 <a:latin typeface="Adobe Clean"/>
                 <a:cs typeface="Adobe Clean"/>
               </a:rPr>
-              <a:t>345 Park</a:t>
-            </a:r>
-            <a:r>
-              <a:rPr sz="800" spc="-100">
-                <a:solidFill>
-                  <a:srgbClr val="777879"/>
-                </a:solidFill>
-                <a:latin typeface="Adobe Clean"/>
-                <a:cs typeface="Adobe Clean"/>
-              </a:rPr>
-              <a:t> </a:t>
-            </a:r>
-            <a:r>
-              <a:rPr sz="800" spc="-15">
-                <a:solidFill>
-                  <a:srgbClr val="777879"/>
-                </a:solidFill>
-                <a:latin typeface="Adobe Clean"/>
-                <a:cs typeface="Adobe Clean"/>
-              </a:rPr>
-              <a:t>Avenue</a:t>
-            </a:r>
-            <a:endParaRPr sz="800">
-              <a:latin typeface="Adobe Clean"/>
-              <a:cs typeface="Adobe Clean"/>
-            </a:endParaRPr>
+              <a:t>345 Park Avenue</a:t>
+            </a:r>
           </a:p>
           <a:p>
             <a:pPr marL="12700">
@@ -15002,49 +12797,15 @@
               </a:lnSpc>
             </a:pPr>
             <a:r>
-              <a:rPr sz="800" spc="-10">
+              <a:rPr lang="pt-BR" sz="800" dirty="0">
                 <a:solidFill>
                   <a:srgbClr val="777879"/>
                 </a:solidFill>
                 <a:latin typeface="Adobe Clean"/>
                 <a:cs typeface="Adobe Clean"/>
               </a:rPr>
-              <a:t>San </a:t>
-            </a:r>
-            <a:r>
-              <a:rPr sz="800" spc="-15">
-                <a:solidFill>
-                  <a:srgbClr val="777879"/>
-                </a:solidFill>
-                <a:latin typeface="Adobe Clean"/>
-                <a:cs typeface="Adobe Clean"/>
-              </a:rPr>
-              <a:t>Jose,</a:t>
-            </a:r>
-            <a:r>
-              <a:rPr sz="800" spc="-140">
-                <a:solidFill>
-                  <a:srgbClr val="777879"/>
-                </a:solidFill>
-                <a:latin typeface="Adobe Clean"/>
-                <a:cs typeface="Adobe Clean"/>
-              </a:rPr>
-              <a:t> </a:t>
-            </a:r>
-            <a:r>
-              <a:rPr sz="800" spc="-20">
-                <a:solidFill>
-                  <a:srgbClr val="777879"/>
-                </a:solidFill>
-                <a:latin typeface="Adobe Clean"/>
-                <a:cs typeface="Adobe Clean"/>
-              </a:rPr>
-              <a:t>CA95110-2704</a:t>
-            </a:r>
-            <a:endParaRPr sz="800">
-              <a:latin typeface="Adobe Clean"/>
-              <a:cs typeface="Adobe Clean"/>
-            </a:endParaRPr>
+              <a:t>San Jose, CA95110-2704</a:t>
+            </a:r>
           </a:p>
           <a:p>
             <a:pPr marL="12700">
@@ -15056,7 +12817,7 @@
               </a:spcBef>
             </a:pPr>
             <a:r>
-              <a:rPr sz="800" spc="-10">
+              <a:rPr lang="pt-BR" sz="800" dirty="0">
                 <a:solidFill>
                   <a:srgbClr val="777879"/>
                 </a:solidFill>
@@ -15065,10 +12826,6 @@
               </a:rPr>
               <a:t>USA</a:t>
             </a:r>
-            <a:endParaRPr sz="800">
-              <a:latin typeface="Adobe Clean"/>
-              <a:cs typeface="Adobe Clean"/>
-            </a:endParaRPr>
           </a:p>
           <a:p>
             <a:pPr marL="12700">
@@ -15080,7 +12837,7 @@
               </a:spcBef>
             </a:pPr>
             <a:r>
-              <a:rPr sz="800" u="sng" spc="-25">
+              <a:rPr lang="pt-BR" sz="800" u="sng" dirty="0">
                 <a:solidFill>
                   <a:srgbClr val="5F5F5F"/>
                 </a:solidFill>
@@ -15095,10 +12852,6 @@
               </a:rPr>
               <a:t>www.adobe.com</a:t>
             </a:r>
-            <a:endParaRPr sz="800">
-              <a:latin typeface="Adobe Clean"/>
-              <a:cs typeface="Adobe Clean"/>
-            </a:endParaRPr>
           </a:p>
         </p:txBody>
       </p:sp>
@@ -15252,7 +13005,7 @@
         <p:spPr>
           <a:xfrm>
             <a:off x="75947" y="9437110"/>
-            <a:ext cx="5466715" cy="570865"/>
+            <a:ext cx="5809358" cy="570865"/>
           </a:xfrm>
           <a:prstGeom prst="rect">
             <a:avLst/>
@@ -15273,449 +13026,34 @@
               </a:spcBef>
             </a:pPr>
             <a:r>
-              <a:rPr sz="1100" i="1" spc="-10" dirty="0">
+              <a:rPr lang="pt-BR" sz="1100" i="1" dirty="0">
                 <a:solidFill>
                   <a:srgbClr val="777879"/>
                 </a:solidFill>
                 <a:latin typeface="AdobeClean-LightIt"/>
                 <a:cs typeface="AdobeClean-LightIt"/>
               </a:rPr>
-              <a:t>To</a:t>
-            </a:r>
-            <a:r>
-              <a:rPr sz="1100" i="1" spc="-50" dirty="0">
+              <a:t>Para saber mais sobre os Serviços de suporte Adobe e identificar o nível certo para você, entre em contato com </a:t>
+            </a:r>
+            <a:br>
+              <a:rPr lang="pt-BR" sz="1100" i="1" dirty="0">
                 <a:solidFill>
                   <a:srgbClr val="777879"/>
                 </a:solidFill>
                 <a:latin typeface="AdobeClean-LightIt"/>
                 <a:cs typeface="AdobeClean-LightIt"/>
               </a:rPr>
-              <a:t> </a:t>
-            </a:r>
-            <a:r>
-              <a:rPr sz="1100" i="1" spc="-15" dirty="0">
+            </a:br>
+            <a:r>
+              <a:rPr lang="pt-BR" sz="1100" i="1" dirty="0">
                 <a:solidFill>
                   <a:srgbClr val="777879"/>
                 </a:solidFill>
                 <a:latin typeface="AdobeClean-LightIt"/>
                 <a:cs typeface="AdobeClean-LightIt"/>
               </a:rPr>
-              <a:t>learn</a:t>
-            </a:r>
-            <a:r>
-              <a:rPr sz="1100" i="1" spc="-40" dirty="0">
-                <a:solidFill>
-                  <a:srgbClr val="777879"/>
-                </a:solidFill>
-                <a:latin typeface="AdobeClean-LightIt"/>
-                <a:cs typeface="AdobeClean-LightIt"/>
-              </a:rPr>
-              <a:t> </a:t>
-            </a:r>
-            <a:r>
-              <a:rPr sz="1100" i="1" spc="-15" dirty="0">
-                <a:solidFill>
-                  <a:srgbClr val="777879"/>
-                </a:solidFill>
-                <a:latin typeface="AdobeClean-LightIt"/>
-                <a:cs typeface="AdobeClean-LightIt"/>
-              </a:rPr>
-              <a:t>more</a:t>
-            </a:r>
-            <a:r>
-              <a:rPr sz="1100" i="1" spc="-45" dirty="0">
-                <a:solidFill>
-                  <a:srgbClr val="777879"/>
-                </a:solidFill>
-                <a:latin typeface="AdobeClean-LightIt"/>
-                <a:cs typeface="AdobeClean-LightIt"/>
-              </a:rPr>
-              <a:t> </a:t>
-            </a:r>
-            <a:r>
-              <a:rPr sz="1100" i="1" spc="-15" dirty="0">
-                <a:solidFill>
-                  <a:srgbClr val="777879"/>
-                </a:solidFill>
-                <a:latin typeface="AdobeClean-LightIt"/>
-                <a:cs typeface="AdobeClean-LightIt"/>
-              </a:rPr>
-              <a:t>about</a:t>
-            </a:r>
-            <a:r>
-              <a:rPr sz="1100" i="1" spc="-45" dirty="0">
-                <a:solidFill>
-                  <a:srgbClr val="777879"/>
-                </a:solidFill>
-                <a:latin typeface="AdobeClean-LightIt"/>
-                <a:cs typeface="AdobeClean-LightIt"/>
-              </a:rPr>
-              <a:t> </a:t>
-            </a:r>
-            <a:r>
-              <a:rPr sz="1100" i="1" spc="-15" dirty="0">
-                <a:solidFill>
-                  <a:srgbClr val="777879"/>
-                </a:solidFill>
-                <a:latin typeface="AdobeClean-LightIt"/>
-                <a:cs typeface="AdobeClean-LightIt"/>
-              </a:rPr>
-              <a:t>Adobe</a:t>
-            </a:r>
-            <a:r>
-              <a:rPr sz="1100" i="1" spc="-50" dirty="0">
-                <a:solidFill>
-                  <a:srgbClr val="777879"/>
-                </a:solidFill>
-                <a:latin typeface="AdobeClean-LightIt"/>
-                <a:cs typeface="AdobeClean-LightIt"/>
-              </a:rPr>
-              <a:t> </a:t>
-            </a:r>
-            <a:r>
-              <a:rPr sz="1100" i="1" spc="-15" dirty="0">
-                <a:solidFill>
-                  <a:srgbClr val="777879"/>
-                </a:solidFill>
-                <a:latin typeface="AdobeClean-LightIt"/>
-                <a:cs typeface="AdobeClean-LightIt"/>
-              </a:rPr>
-              <a:t>Support</a:t>
-            </a:r>
-            <a:r>
-              <a:rPr lang="en-US" sz="1100" i="1" spc="-15" dirty="0">
-                <a:solidFill>
-                  <a:srgbClr val="777879"/>
-                </a:solidFill>
-                <a:latin typeface="AdobeClean-LightIt"/>
-                <a:cs typeface="AdobeClean-LightIt"/>
-              </a:rPr>
-              <a:t> Offerings</a:t>
-            </a:r>
-            <a:r>
-              <a:rPr sz="1100" i="1" spc="-75" dirty="0">
-                <a:solidFill>
-                  <a:srgbClr val="777879"/>
-                </a:solidFill>
-                <a:latin typeface="AdobeClean-LightIt"/>
-                <a:cs typeface="AdobeClean-LightIt"/>
-              </a:rPr>
-              <a:t> </a:t>
-            </a:r>
-            <a:r>
-              <a:rPr sz="1100" i="1" spc="-15" dirty="0">
-                <a:solidFill>
-                  <a:srgbClr val="777879"/>
-                </a:solidFill>
-                <a:latin typeface="AdobeClean-LightIt"/>
-                <a:cs typeface="AdobeClean-LightIt"/>
-              </a:rPr>
-              <a:t>and</a:t>
-            </a:r>
-            <a:r>
-              <a:rPr sz="1100" i="1" spc="-50" dirty="0">
-                <a:solidFill>
-                  <a:srgbClr val="777879"/>
-                </a:solidFill>
-                <a:latin typeface="AdobeClean-LightIt"/>
-                <a:cs typeface="AdobeClean-LightIt"/>
-              </a:rPr>
-              <a:t> </a:t>
-            </a:r>
-            <a:r>
-              <a:rPr sz="1100" i="1" spc="-15" dirty="0">
-                <a:solidFill>
-                  <a:srgbClr val="777879"/>
-                </a:solidFill>
-                <a:latin typeface="AdobeClean-LightIt"/>
-                <a:cs typeface="AdobeClean-LightIt"/>
-              </a:rPr>
-              <a:t>the</a:t>
-            </a:r>
-            <a:r>
-              <a:rPr sz="1100" i="1" spc="-55" dirty="0">
-                <a:solidFill>
-                  <a:srgbClr val="777879"/>
-                </a:solidFill>
-                <a:latin typeface="AdobeClean-LightIt"/>
-                <a:cs typeface="AdobeClean-LightIt"/>
-              </a:rPr>
-              <a:t> </a:t>
-            </a:r>
-            <a:r>
-              <a:rPr sz="1100" i="1" spc="-15" dirty="0">
-                <a:solidFill>
-                  <a:srgbClr val="777879"/>
-                </a:solidFill>
-                <a:latin typeface="AdobeClean-LightIt"/>
-                <a:cs typeface="AdobeClean-LightIt"/>
-              </a:rPr>
-              <a:t>right</a:t>
-            </a:r>
-            <a:r>
-              <a:rPr sz="1100" i="1" spc="-95" dirty="0">
-                <a:solidFill>
-                  <a:srgbClr val="777879"/>
-                </a:solidFill>
-                <a:latin typeface="AdobeClean-LightIt"/>
-                <a:cs typeface="AdobeClean-LightIt"/>
-              </a:rPr>
-              <a:t> </a:t>
-            </a:r>
-            <a:r>
-              <a:rPr sz="1100" i="1" spc="-15" dirty="0">
-                <a:solidFill>
-                  <a:srgbClr val="777879"/>
-                </a:solidFill>
-                <a:latin typeface="AdobeClean-LightIt"/>
-                <a:cs typeface="AdobeClean-LightIt"/>
-              </a:rPr>
-              <a:t>level</a:t>
-            </a:r>
-            <a:r>
-              <a:rPr sz="1100" i="1" spc="-55" dirty="0">
-                <a:solidFill>
-                  <a:srgbClr val="777879"/>
-                </a:solidFill>
-                <a:latin typeface="AdobeClean-LightIt"/>
-                <a:cs typeface="AdobeClean-LightIt"/>
-              </a:rPr>
-              <a:t> </a:t>
-            </a:r>
-            <a:r>
-              <a:rPr sz="1100" i="1" spc="-15" dirty="0">
-                <a:solidFill>
-                  <a:srgbClr val="777879"/>
-                </a:solidFill>
-                <a:latin typeface="AdobeClean-LightIt"/>
-                <a:cs typeface="AdobeClean-LightIt"/>
-              </a:rPr>
-              <a:t>for</a:t>
-            </a:r>
-            <a:r>
-              <a:rPr sz="1100" i="1" spc="-85" dirty="0">
-                <a:solidFill>
-                  <a:srgbClr val="777879"/>
-                </a:solidFill>
-                <a:latin typeface="AdobeClean-LightIt"/>
-                <a:cs typeface="AdobeClean-LightIt"/>
-              </a:rPr>
-              <a:t> </a:t>
-            </a:r>
-            <a:r>
-              <a:rPr sz="1100" i="1" spc="-15" dirty="0">
-                <a:solidFill>
-                  <a:srgbClr val="777879"/>
-                </a:solidFill>
-                <a:latin typeface="AdobeClean-LightIt"/>
-                <a:cs typeface="AdobeClean-LightIt"/>
-              </a:rPr>
-              <a:t>you,</a:t>
-            </a:r>
-            <a:r>
-              <a:rPr sz="1100" i="1" spc="-65" dirty="0">
-                <a:solidFill>
-                  <a:srgbClr val="777879"/>
-                </a:solidFill>
-                <a:latin typeface="AdobeClean-LightIt"/>
-                <a:cs typeface="AdobeClean-LightIt"/>
-              </a:rPr>
-              <a:t> </a:t>
-            </a:r>
-            <a:r>
-              <a:rPr sz="1100" i="1" spc="-15" dirty="0">
-                <a:solidFill>
-                  <a:srgbClr val="777879"/>
-                </a:solidFill>
-                <a:latin typeface="AdobeClean-LightIt"/>
-                <a:cs typeface="AdobeClean-LightIt"/>
-              </a:rPr>
-              <a:t>contact</a:t>
-            </a:r>
-            <a:r>
-              <a:rPr sz="1100" i="1" spc="-85" dirty="0">
-                <a:solidFill>
-                  <a:srgbClr val="777879"/>
-                </a:solidFill>
-                <a:latin typeface="AdobeClean-LightIt"/>
-                <a:cs typeface="AdobeClean-LightIt"/>
-              </a:rPr>
-              <a:t> </a:t>
-            </a:r>
-            <a:r>
-              <a:rPr sz="1100" i="1" spc="-15" dirty="0">
-                <a:solidFill>
-                  <a:srgbClr val="777879"/>
-                </a:solidFill>
-                <a:latin typeface="AdobeClean-LightIt"/>
-                <a:cs typeface="AdobeClean-LightIt"/>
-              </a:rPr>
-              <a:t>your</a:t>
-            </a:r>
-            <a:r>
-              <a:rPr sz="1100" i="1" spc="-70" dirty="0">
-                <a:solidFill>
-                  <a:srgbClr val="777879"/>
-                </a:solidFill>
-                <a:latin typeface="AdobeClean-LightIt"/>
-                <a:cs typeface="AdobeClean-LightIt"/>
-              </a:rPr>
-              <a:t> </a:t>
-            </a:r>
-            <a:r>
-              <a:rPr sz="1100" i="1" spc="-15" dirty="0">
-                <a:solidFill>
-                  <a:srgbClr val="777879"/>
-                </a:solidFill>
-                <a:latin typeface="AdobeClean-LightIt"/>
-                <a:cs typeface="AdobeClean-LightIt"/>
-              </a:rPr>
-              <a:t>Named</a:t>
-            </a:r>
-            <a:r>
-              <a:rPr sz="1100" i="1" spc="-55" dirty="0">
-                <a:solidFill>
-                  <a:srgbClr val="777879"/>
-                </a:solidFill>
-                <a:latin typeface="AdobeClean-LightIt"/>
-                <a:cs typeface="AdobeClean-LightIt"/>
-              </a:rPr>
-              <a:t> </a:t>
-            </a:r>
-            <a:r>
-              <a:rPr sz="1100" i="1" spc="-25" dirty="0">
-                <a:solidFill>
-                  <a:srgbClr val="777879"/>
-                </a:solidFill>
-                <a:latin typeface="AdobeClean-LightIt"/>
-                <a:cs typeface="AdobeClean-LightIt"/>
-              </a:rPr>
-              <a:t>Account</a:t>
-            </a:r>
-            <a:r>
-              <a:rPr sz="1100" i="1" spc="-120" dirty="0">
-                <a:solidFill>
-                  <a:srgbClr val="777879"/>
-                </a:solidFill>
-                <a:latin typeface="AdobeClean-LightIt"/>
-                <a:cs typeface="AdobeClean-LightIt"/>
-              </a:rPr>
-              <a:t> </a:t>
-            </a:r>
-            <a:r>
-              <a:rPr sz="1100" i="1" spc="-20" dirty="0">
-                <a:solidFill>
-                  <a:srgbClr val="777879"/>
-                </a:solidFill>
-                <a:latin typeface="AdobeClean-LightIt"/>
-                <a:cs typeface="AdobeClean-LightIt"/>
-              </a:rPr>
-              <a:t>Manager</a:t>
-            </a:r>
-            <a:r>
-              <a:rPr lang="en-US" sz="1100" i="1" spc="-20" dirty="0">
-                <a:solidFill>
-                  <a:srgbClr val="777879"/>
-                </a:solidFill>
-                <a:latin typeface="AdobeClean-LightIt"/>
-                <a:cs typeface="AdobeClean-LightIt"/>
-              </a:rPr>
-              <a:t> </a:t>
-            </a:r>
-            <a:r>
-              <a:rPr sz="1100" i="1" spc="-20" dirty="0">
-                <a:solidFill>
-                  <a:srgbClr val="777879"/>
-                </a:solidFill>
-                <a:latin typeface="AdobeClean-LightIt"/>
-                <a:cs typeface="AdobeClean-LightIt"/>
-              </a:rPr>
-              <a:t> </a:t>
-            </a:r>
-            <a:r>
-              <a:rPr sz="1100" i="1" spc="-15" dirty="0">
-                <a:solidFill>
-                  <a:srgbClr val="777879"/>
-                </a:solidFill>
-                <a:latin typeface="AdobeClean-LightIt"/>
-                <a:cs typeface="AdobeClean-LightIt"/>
-              </a:rPr>
-              <a:t>(NAM) </a:t>
-            </a:r>
-            <a:r>
-              <a:rPr sz="1100" i="1" spc="-10" dirty="0">
-                <a:solidFill>
-                  <a:srgbClr val="777879"/>
-                </a:solidFill>
-                <a:latin typeface="AdobeClean-LightIt"/>
-                <a:cs typeface="AdobeClean-LightIt"/>
-              </a:rPr>
-              <a:t>or </a:t>
-            </a:r>
-            <a:r>
-              <a:rPr sz="1100" i="1" spc="-15" dirty="0">
-                <a:solidFill>
-                  <a:srgbClr val="777879"/>
-                </a:solidFill>
-                <a:latin typeface="AdobeClean-LightIt"/>
-                <a:cs typeface="AdobeClean-LightIt"/>
-              </a:rPr>
-              <a:t>Customer </a:t>
-            </a:r>
-            <a:r>
-              <a:rPr sz="1100" i="1" spc="-20" dirty="0">
-                <a:solidFill>
-                  <a:srgbClr val="777879"/>
-                </a:solidFill>
-                <a:latin typeface="AdobeClean-LightIt"/>
-                <a:cs typeface="AdobeClean-LightIt"/>
-              </a:rPr>
-              <a:t>Success</a:t>
-            </a:r>
-            <a:r>
-              <a:rPr sz="1100" i="1" spc="-180" dirty="0">
-                <a:solidFill>
-                  <a:srgbClr val="777879"/>
-                </a:solidFill>
-                <a:latin typeface="AdobeClean-LightIt"/>
-                <a:cs typeface="AdobeClean-LightIt"/>
-              </a:rPr>
-              <a:t> </a:t>
-            </a:r>
-            <a:r>
-              <a:rPr sz="1100" i="1" spc="-15" dirty="0">
-                <a:solidFill>
-                  <a:srgbClr val="777879"/>
-                </a:solidFill>
-                <a:latin typeface="AdobeClean-LightIt"/>
-                <a:cs typeface="AdobeClean-LightIt"/>
-              </a:rPr>
-              <a:t>Manager</a:t>
-            </a:r>
-            <a:r>
-              <a:rPr lang="en-US" sz="1100" i="1" spc="-15" dirty="0">
-                <a:solidFill>
-                  <a:srgbClr val="777879"/>
-                </a:solidFill>
-                <a:latin typeface="AdobeClean-LightIt"/>
-                <a:cs typeface="AdobeClean-LightIt"/>
-              </a:rPr>
-              <a:t> </a:t>
-            </a:r>
-            <a:r>
-              <a:rPr sz="1100" i="1" spc="-15" dirty="0">
-                <a:solidFill>
-                  <a:srgbClr val="777879"/>
-                </a:solidFill>
-                <a:latin typeface="AdobeClean-LightIt"/>
-                <a:cs typeface="AdobeClean-LightIt"/>
-              </a:rPr>
-              <a:t>(CSM)</a:t>
-            </a:r>
-            <a:endParaRPr sz="1100" dirty="0">
-              <a:latin typeface="AdobeClean-LightIt"/>
-              <a:cs typeface="AdobeClean-LightIt"/>
-            </a:endParaRPr>
+              <a:t>o seu Gerente de conta nomeado (NAM, em inglês) ou Gerente de sucesso do cliente (CSM, em inglês).</a:t>
+            </a:r>
           </a:p>
           <a:p>
             <a:pPr marL="34290">
@@ -15727,59 +13065,95 @@
               </a:spcBef>
             </a:pPr>
             <a:r>
-              <a:rPr sz="800" spc="-5" dirty="0">
+              <a:rPr lang="pt-BR" sz="800" dirty="0">
                 <a:solidFill>
                   <a:srgbClr val="6D6D6D"/>
                 </a:solidFill>
                 <a:latin typeface="Adobe Clean"/>
                 <a:cs typeface="Adobe Clean"/>
               </a:rPr>
-              <a:t>©202</a:t>
-            </a:r>
-            <a:r>
-              <a:rPr lang="en-US" sz="800" spc="-5" dirty="0">
+              <a:t>©2021 Adobe. </a:t>
+            </a:r>
+            <a:r>
+              <a:rPr lang="pt-BR" sz="800" dirty="0" err="1">
                 <a:solidFill>
                   <a:srgbClr val="6D6D6D"/>
                 </a:solidFill>
                 <a:latin typeface="Adobe Clean"/>
                 <a:cs typeface="Adobe Clean"/>
               </a:rPr>
-              <a:t>1</a:t>
-            </a:r>
-            <a:r>
-              <a:rPr sz="800" spc="-5" dirty="0">
+              <a:t>All</a:t>
+            </a:r>
+            <a:r>
+              <a:rPr lang="pt-BR" sz="800" dirty="0">
                 <a:solidFill>
                   <a:srgbClr val="6D6D6D"/>
                 </a:solidFill>
                 <a:latin typeface="Adobe Clean"/>
                 <a:cs typeface="Adobe Clean"/>
               </a:rPr>
-              <a:t> Adobe. All Rights Reserved. Adobe</a:t>
-            </a:r>
-            <a:r>
-              <a:rPr sz="800" spc="75" dirty="0">
+              <a:t> </a:t>
+            </a:r>
+            <a:r>
+              <a:rPr lang="pt-BR" sz="800" dirty="0" err="1">
                 <a:solidFill>
                   <a:srgbClr val="6D6D6D"/>
                 </a:solidFill>
                 <a:latin typeface="Adobe Clean"/>
                 <a:cs typeface="Adobe Clean"/>
               </a:rPr>
-              <a:t> </a:t>
-            </a:r>
-            <a:r>
-              <a:rPr sz="800" spc="-5" dirty="0">
+              <a:t>Rights</a:t>
+            </a:r>
+            <a:r>
+              <a:rPr lang="pt-BR" sz="800" dirty="0">
                 <a:solidFill>
                   <a:srgbClr val="6D6D6D"/>
                 </a:solidFill>
                 <a:latin typeface="Adobe Clean"/>
                 <a:cs typeface="Adobe Clean"/>
               </a:rPr>
-              <a:t>Confidential.</a:t>
-            </a:r>
-            <a:endParaRPr sz="800" dirty="0">
-              <a:latin typeface="Adobe Clean"/>
-              <a:cs typeface="Adobe Clean"/>
-            </a:endParaRPr>
+              <a:t> </a:t>
+            </a:r>
+            <a:r>
+              <a:rPr lang="pt-BR" sz="800" dirty="0" err="1">
+                <a:solidFill>
+                  <a:srgbClr val="6D6D6D"/>
+                </a:solidFill>
+                <a:latin typeface="Adobe Clean"/>
+                <a:cs typeface="Adobe Clean"/>
+              </a:rPr>
+              <a:t>Reserved</a:t>
+            </a:r>
+            <a:r>
+              <a:rPr lang="pt-BR" sz="800" dirty="0">
+                <a:solidFill>
+                  <a:srgbClr val="6D6D6D"/>
+                </a:solidFill>
+                <a:latin typeface="Adobe Clean"/>
+                <a:cs typeface="Adobe Clean"/>
+              </a:rPr>
+              <a:t>. Adobe </a:t>
+            </a:r>
+            <a:r>
+              <a:rPr lang="pt-BR" sz="800" dirty="0" err="1">
+                <a:solidFill>
+                  <a:srgbClr val="6D6D6D"/>
+                </a:solidFill>
+                <a:latin typeface="Adobe Clean"/>
+                <a:cs typeface="Adobe Clean"/>
+              </a:rPr>
+              <a:t>Confidential</a:t>
+            </a:r>
+            <a:r>
+              <a:rPr lang="pt-BR" sz="800" dirty="0">
+                <a:solidFill>
+                  <a:srgbClr val="6D6D6D"/>
+                </a:solidFill>
+                <a:latin typeface="Adobe Clean"/>
+                <a:cs typeface="Adobe Clean"/>
+              </a:rPr>
+              <a:t>.</a:t>
+            </a:r>
           </a:p>
         </p:txBody>
       </p:sp>
@@ -15797,8 +13171,8 @@
         </p:nvSpPr>
         <p:spPr>
           <a:xfrm>
-            <a:off x="190707" y="4913781"/>
-            <a:ext cx="6476646" cy="755976"/>
+            <a:off x="190706" y="4913781"/>
+            <a:ext cx="6709203" cy="755976"/>
           </a:xfrm>
           <a:prstGeom prst="rect">
             <a:avLst/>
@@ -15816,19 +13190,15 @@
               </a:spcBef>
             </a:pPr>
             <a:r>
-              <a:rPr lang="en-US" sz="1400" b="1" spc="-15">
+              <a:rPr lang="pt-BR" sz="1400" b="1" dirty="0">
                 <a:solidFill>
                   <a:srgbClr val="020302"/>
                 </a:solidFill>
                 <a:latin typeface="Adobe Clean"/>
                 <a:cs typeface="Adobe Clean"/>
               </a:rPr>
-              <a:t>Regional scope of Adobe Support, Local Hours Of Operation And Language Support</a:t>
-            </a:r>
-            <a:endParaRPr lang="en-US" sz="1400" spc="-15">
-              <a:ea typeface="+mn-lt"/>
-              <a:cs typeface="+mn-lt"/>
-            </a:endParaRPr>
+              <a:t>Escopo regional do Suporte da Adobe, horário local de operação e suporte de idioma</a:t>
+            </a:r>
           </a:p>
           <a:p>
             <a:pPr>
@@ -15837,17 +13207,14 @@
               </a:spcBef>
             </a:pPr>
             <a:r>
-              <a:rPr lang="en-US" sz="1000" spc="-15">
+              <a:rPr lang="pt-BR" sz="1000" dirty="0">
                 <a:solidFill>
                   <a:srgbClr val="1F1F1F"/>
                 </a:solidFill>
                 <a:latin typeface="AdobeClean-Light"/>
               </a:rPr>
-              <a:t>The regional scope of Adobe Support is established by aligning the customer's billing address (via the Sales Order or other Adobe Support purchasing document) to one of the following regions:</a:t>
-            </a:r>
-            <a:endParaRPr lang="en-US" sz="1000">
-              <a:latin typeface="AdobeClean-Light"/>
-            </a:endParaRPr>
+              <a:t>O escopo regional do Suporte da Adobe é estabelecido alinhando o endereço de faturamento do cliente (conforme a ordem de venda ou outro documento de compra do Suporte da Adobe) a uma das regiões seguintes:</a:t>
+            </a:r>
           </a:p>
         </p:txBody>
       </p:sp>
@@ -15866,7 +13233,7 @@
           <p:nvPr>
             <p:extLst>
               <p:ext uri="{D42A27DB-BD31-4B8C-83A1-F6EECF244321}">
-                <p14:modId xmlns:p14="http://schemas.microsoft.com/office/powerpoint/2010/main" val="1291534283"/>
+                <p14:modId xmlns:p14="http://schemas.microsoft.com/office/powerpoint/2010/main" val="841987599"/>
               </p:ext>
             </p:extLst>
           </p:nvPr>
@@ -15919,13 +13286,13 @@
                     <a:p>
                       <a:pPr algn="ctr"/>
                       <a:r>
-                        <a:rPr lang="en-US" sz="1100">
+                        <a:rPr lang="pt-BR" sz="1100">
                           <a:solidFill>
                             <a:schemeClr val="tx1"/>
                           </a:solidFill>
                           <a:latin typeface="Adobe Clean"/>
                         </a:rPr>
-                        <a:t>Americas</a:t>
+                        <a:t>Américas</a:t>
                       </a:r>
                     </a:p>
                   </a:txBody>
@@ -15984,13 +13351,30 @@
                     <a:p>
                       <a:pPr algn="ctr"/>
                       <a:r>
-                        <a:rPr lang="en-US" sz="1100">
+                        <a:rPr lang="pt-BR" sz="1100" dirty="0">
                           <a:solidFill>
                             <a:schemeClr val="tx1"/>
                           </a:solidFill>
                           <a:latin typeface="Adobe Clean"/>
                         </a:rPr>
-                        <a:t>Europe, Middle East &amp; Africa</a:t>
+                        <a:t>Europa, Oriente Médio </a:t>
+                      </a:r>
+                      <a:br>
+                        <a:rPr lang="pt-BR" sz="1100" dirty="0">
+                          <a:solidFill>
+                            <a:schemeClr val="tx1"/>
+                          </a:solidFill>
+                          <a:latin typeface="Adobe Clean"/>
+                        </a:rPr>
+                      </a:br>
+                      <a:r>
+                        <a:rPr lang="pt-BR" sz="1100" dirty="0">
+                          <a:solidFill>
+                            <a:schemeClr val="tx1"/>
+                          </a:solidFill>
+                          <a:latin typeface="Adobe Clean"/>
+                        </a:rPr>
+                        <a:t>e África</a:t>
                       </a:r>
                     </a:p>
                   </a:txBody>
@@ -16049,13 +13433,13 @@
                     <a:p>
                       <a:pPr algn="ctr"/>
                       <a:r>
-                        <a:rPr lang="en-US" sz="1100">
+                        <a:rPr lang="pt-BR" sz="1100">
                           <a:solidFill>
                             <a:schemeClr val="tx1"/>
                           </a:solidFill>
                           <a:latin typeface="Adobe Clean"/>
                         </a:rPr>
-                        <a:t>Asia Pacific</a:t>
+                        <a:t>Ásia–Pacífico</a:t>
                       </a:r>
                     </a:p>
                   </a:txBody>
@@ -16114,16 +13498,16 @@
                     <a:p>
                       <a:pPr algn="ctr"/>
                       <a:r>
-                        <a:rPr lang="en-US" sz="1100">
+                        <a:rPr lang="pt-BR" sz="1100">
                           <a:solidFill>
                             <a:schemeClr val="tx1"/>
                           </a:solidFill>
                           <a:latin typeface="Adobe Clean"/>
                         </a:rPr>
-                        <a:t>Japan </a:t>
+                        <a:t>Japão</a:t>
                       </a:r>
                       <a:r>
-                        <a:rPr lang="en-US" sz="1100" baseline="30000">
+                        <a:rPr lang="pt-BR" sz="1100" baseline="30000">
                           <a:solidFill>
                             <a:schemeClr val="tx1"/>
                           </a:solidFill>
@@ -16131,12 +13515,6 @@
                         </a:rPr>
                         <a:t>1 </a:t>
                       </a:r>
-                      <a:endParaRPr lang="en-US" sz="1100">
-                        <a:solidFill>
-                          <a:schemeClr val="tx1"/>
-                        </a:solidFill>
-                        <a:latin typeface="Adobe Clean" panose="020B0503020404020204" pitchFamily="34" charset="0"/>
-                      </a:endParaRPr>
                     </a:p>
                   </a:txBody>
                   <a:tcPr anchor="ctr">
@@ -16201,13 +13579,13 @@
                     <a:p>
                       <a:pPr algn="ctr"/>
                       <a:r>
-                        <a:rPr lang="en-US" sz="1100">
+                        <a:rPr lang="pt-BR" sz="1100">
                           <a:solidFill>
                             <a:schemeClr val="tx1"/>
                           </a:solidFill>
                           <a:latin typeface="Adobe Clean"/>
                         </a:rPr>
-                        <a:t>6 am – 5:30 pm</a:t>
+                        <a:t>6h – 17h30</a:t>
                       </a:r>
                     </a:p>
                   </a:txBody>
@@ -16266,13 +13644,13 @@
                     <a:p>
                       <a:pPr algn="ctr"/>
                       <a:r>
-                        <a:rPr lang="en-US" sz="1100">
+                        <a:rPr lang="pt-BR" sz="1100">
                           <a:solidFill>
                             <a:schemeClr val="tx1"/>
                           </a:solidFill>
                           <a:latin typeface="Adobe Clean"/>
                         </a:rPr>
-                        <a:t>9 am – 5 pm</a:t>
+                        <a:t>9h – 17h</a:t>
                       </a:r>
                     </a:p>
                   </a:txBody>
@@ -16331,13 +13709,13 @@
                     <a:p>
                       <a:pPr algn="ctr"/>
                       <a:r>
-                        <a:rPr lang="en-US" sz="1100">
+                        <a:rPr lang="pt-BR" sz="1100">
                           <a:solidFill>
                             <a:schemeClr val="tx1"/>
                           </a:solidFill>
                           <a:latin typeface="Adobe Clean"/>
                         </a:rPr>
-                        <a:t>9 am – 5 pm</a:t>
+                        <a:t>9h – 17h</a:t>
                       </a:r>
                     </a:p>
                   </a:txBody>
@@ -16396,13 +13774,13 @@
                     <a:p>
                       <a:pPr algn="ctr"/>
                       <a:r>
-                        <a:rPr lang="en-US" sz="1100">
+                        <a:rPr lang="pt-BR" sz="1100">
                           <a:solidFill>
                             <a:schemeClr val="tx1"/>
                           </a:solidFill>
                           <a:latin typeface="Adobe Clean"/>
                         </a:rPr>
-                        <a:t>9 am – 5:30 pm</a:t>
+                        <a:t>9h – 17h30</a:t>
                       </a:r>
                     </a:p>
                   </a:txBody>
@@ -16479,12 +13857,12 @@
                         <a:buNone/>
                       </a:pPr>
                       <a:r>
-                        <a:rPr lang="en-US" sz="1100" b="0" i="0" u="none" strike="noStrike" noProof="0"/>
-                        <a:t>Language support is only available in English and Japanese.</a:t>
+                        <a:rPr lang="pt-BR" sz="1100" b="0" i="0" u="none" strike="noStrike" noProof="0" dirty="0"/>
+                        <a:t>O suporte de idioma está disponível somente em inglês e japonês.</a:t>
                       </a:r>
                     </a:p>
                     <a:p>
-                      <a:pPr lvl="0" algn="ctr">
+                      <a:pPr lvl="0" algn="l" rtl="0">
                         <a:lnSpc>
                           <a:spcPct val="100000"/>
                         </a:lnSpc>
@@ -16496,7 +13874,7 @@
                         </a:spcAft>
                         <a:buNone/>
                       </a:pPr>
-                      <a:endParaRPr lang="en-US" sz="1100" b="0" i="0" u="none" strike="noStrike" noProof="0"/>
+                      <a:endParaRPr lang="en-US" sz="1100" b="0" i="0" u="none" strike="noStrike" noProof="0" dirty="0"/>
                     </a:p>
                     <a:p>
                       <a:pPr lvl="0" algn="ctr">
@@ -16512,18 +13890,17 @@
                         <a:buNone/>
                       </a:pPr>
                       <a:r>
-                        <a:rPr lang="en-US" sz="1100" b="0" i="0" u="none" strike="noStrike" noProof="0"/>
+                        <a:rPr lang="pt-BR" sz="1100" b="0" i="0" u="none" strike="noStrike" noProof="0" dirty="0"/>
                         <a:t> </a:t>
                       </a:r>
                       <a:r>
-                        <a:rPr lang="en-US" sz="1100" b="0" i="0" u="none" strike="noStrike" baseline="30000" noProof="0"/>
-                        <a:t>1 </a:t>
+                        <a:rPr lang="pt-BR" sz="1100" b="0" i="0" u="none" strike="noStrike" baseline="30000" noProof="0" dirty="0"/>
+                        <a:t>1</a:t>
                       </a:r>
                       <a:r>
-                        <a:rPr lang="en-US" sz="1100" b="0" i="0" u="none" strike="noStrike" noProof="0"/>
-                        <a:t>P2, P3, P4 cases are limited to business hours only in Japan.</a:t>
+                        <a:rPr lang="pt-BR" sz="1100" b="0" i="0" u="none" strike="noStrike" noProof="0" dirty="0"/>
+                        <a:t>Os casos de prioridade P2, P3 e P4 estão limitados ao horário comercial somente no Japão.</a:t>
                       </a:r>
-                      <a:endParaRPr lang="en-US" sz="1100" b="1" i="0" u="none" strike="noStrike" noProof="0"/>
                     </a:p>
                   </a:txBody>
                   <a:tcPr anchor="ctr">
@@ -16878,7 +14255,7 @@
           </a:bodyPr>
           <a:lstStyle/>
           <a:p>
-            <a:pPr marL="139065" marR="5080" indent="-139065">
+            <a:pPr marR="5080" algn="ctr">
               <a:lnSpc>
                 <a:spcPts val="1390"/>
               </a:lnSpc>
@@ -16887,129 +14264,15 @@
               </a:spcBef>
             </a:pPr>
             <a:r>
-              <a:rPr sz="1200" b="1" spc="-15">
+              <a:rPr lang="pt-BR" sz="1200" b="1" dirty="0">
                 <a:solidFill>
                   <a:srgbClr val="FFFFFF"/>
                 </a:solidFill>
                 <a:latin typeface="Adobe Clean"/>
                 <a:cs typeface="Adobe Clean"/>
               </a:rPr>
-              <a:t>U</a:t>
-            </a:r>
-            <a:r>
-              <a:rPr sz="1200" b="1" spc="-20">
-                <a:solidFill>
-                  <a:srgbClr val="FFFFFF"/>
-                </a:solidFill>
-                <a:latin typeface="Adobe Clean"/>
-                <a:cs typeface="Adobe Clean"/>
-              </a:rPr>
-              <a:t>n</a:t>
-            </a:r>
-            <a:r>
-              <a:rPr sz="1200" b="1" spc="-25">
-                <a:solidFill>
-                  <a:srgbClr val="FFFFFF"/>
-                </a:solidFill>
-                <a:latin typeface="Adobe Clean"/>
-                <a:cs typeface="Adobe Clean"/>
-              </a:rPr>
-              <a:t>p</a:t>
-            </a:r>
-            <a:r>
-              <a:rPr sz="1200" b="1" spc="-15">
-                <a:solidFill>
-                  <a:srgbClr val="FFFFFF"/>
-                </a:solidFill>
-                <a:latin typeface="Adobe Clean"/>
-                <a:cs typeface="Adobe Clean"/>
-              </a:rPr>
-              <a:t>a</a:t>
-            </a:r>
-            <a:r>
-              <a:rPr sz="1200" b="1" spc="-25">
-                <a:solidFill>
-                  <a:srgbClr val="FFFFFF"/>
-                </a:solidFill>
-                <a:latin typeface="Adobe Clean"/>
-                <a:cs typeface="Adobe Clean"/>
-              </a:rPr>
-              <a:t>r</a:t>
-            </a:r>
-            <a:r>
-              <a:rPr sz="1200" b="1" spc="-15">
-                <a:solidFill>
-                  <a:srgbClr val="FFFFFF"/>
-                </a:solidFill>
-                <a:latin typeface="Adobe Clean"/>
-                <a:cs typeface="Adobe Clean"/>
-              </a:rPr>
-              <a:t>a</a:t>
-            </a:r>
-            <a:r>
-              <a:rPr sz="1200" b="1" spc="-30">
-                <a:solidFill>
-                  <a:srgbClr val="FFFFFF"/>
-                </a:solidFill>
-                <a:latin typeface="Adobe Clean"/>
-                <a:cs typeface="Adobe Clean"/>
-              </a:rPr>
-              <a:t>ll</a:t>
-            </a:r>
-            <a:r>
-              <a:rPr sz="1200" b="1" spc="-25">
-                <a:solidFill>
-                  <a:srgbClr val="FFFFFF"/>
-                </a:solidFill>
-                <a:latin typeface="Adobe Clean"/>
-                <a:cs typeface="Adobe Clean"/>
-              </a:rPr>
-              <a:t>e</a:t>
-            </a:r>
-            <a:r>
-              <a:rPr sz="1200" b="1" spc="-30">
-                <a:solidFill>
-                  <a:srgbClr val="FFFFFF"/>
-                </a:solidFill>
-                <a:latin typeface="Adobe Clean"/>
-                <a:cs typeface="Adobe Clean"/>
-              </a:rPr>
-              <a:t>l</a:t>
-            </a:r>
-            <a:r>
-              <a:rPr sz="1200" b="1" spc="-25">
-                <a:solidFill>
-                  <a:srgbClr val="FFFFFF"/>
-                </a:solidFill>
-                <a:latin typeface="Adobe Clean"/>
-                <a:cs typeface="Adobe Clean"/>
-              </a:rPr>
-              <a:t>e</a:t>
-            </a:r>
-            <a:r>
-              <a:rPr sz="1200" b="1">
-                <a:solidFill>
-                  <a:srgbClr val="FFFFFF"/>
-                </a:solidFill>
-                <a:latin typeface="Adobe Clean"/>
-                <a:cs typeface="Adobe Clean"/>
-              </a:rPr>
-              <a:t>d  </a:t>
-            </a:r>
-            <a:r>
-              <a:rPr sz="1200" b="1" spc="-25">
-                <a:solidFill>
-                  <a:srgbClr val="FFFFFF"/>
-                </a:solidFill>
-                <a:latin typeface="Adobe Clean"/>
-                <a:cs typeface="Adobe Clean"/>
-              </a:rPr>
-              <a:t>Expertise</a:t>
-            </a:r>
-            <a:endParaRPr sz="1200">
-              <a:latin typeface="Adobe Clean"/>
-              <a:cs typeface="Adobe Clean"/>
-            </a:endParaRPr>
+              <a:t>Experiência sem igual</a:t>
+            </a:r>
           </a:p>
         </p:txBody>
       </p:sp>
@@ -17040,7 +14303,7 @@
           </a:bodyPr>
           <a:lstStyle/>
           <a:p>
-            <a:pPr marL="139065" marR="5080" indent="-139065">
+            <a:pPr marR="5080" algn="ctr">
               <a:lnSpc>
                 <a:spcPts val="1390"/>
               </a:lnSpc>
@@ -17049,19 +14312,15 @@
               </a:spcBef>
             </a:pPr>
             <a:r>
-              <a:rPr lang="en-US" sz="1200" b="1" spc="-15">
+              <a:rPr lang="pt-BR" sz="1200" b="1" dirty="0">
                 <a:solidFill>
                   <a:srgbClr val="FFFFFF"/>
                 </a:solidFill>
                 <a:latin typeface="Adobe Clean"/>
                 <a:cs typeface="Adobe Clean"/>
               </a:rPr>
-              <a:t>Accelerated Support</a:t>
-            </a:r>
-            <a:endParaRPr sz="1200">
-              <a:latin typeface="Adobe Clean"/>
-              <a:cs typeface="Adobe Clean"/>
-            </a:endParaRPr>
+              <a:t>Suporte acelerado</a:t>
+            </a:r>
           </a:p>
         </p:txBody>
       </p:sp>
@@ -17079,8 +14338,8 @@
         </p:nvSpPr>
         <p:spPr>
           <a:xfrm>
-            <a:off x="6624119" y="8543943"/>
-            <a:ext cx="510540" cy="385445"/>
+            <a:off x="6320790" y="8543943"/>
+            <a:ext cx="1117198" cy="385445"/>
           </a:xfrm>
           <a:prstGeom prst="rect">
             <a:avLst/>
@@ -17092,7 +14351,7 @@
           </a:bodyPr>
           <a:lstStyle/>
           <a:p>
-            <a:pPr marL="50800" marR="5080" indent="-51435">
+            <a:pPr marR="5080" algn="ctr">
               <a:lnSpc>
                 <a:spcPts val="1390"/>
               </a:lnSpc>
@@ -17101,109 +14360,15 @@
               </a:spcBef>
             </a:pPr>
             <a:r>
-              <a:rPr sz="1200" b="1" spc="-50">
+              <a:rPr lang="pt-BR" sz="1200" b="1" dirty="0">
                 <a:solidFill>
                   <a:srgbClr val="FFFFFF"/>
                 </a:solidFill>
                 <a:latin typeface="Adobe Clean"/>
                 <a:cs typeface="Adobe Clean"/>
               </a:rPr>
-              <a:t>S</a:t>
-            </a:r>
-            <a:r>
-              <a:rPr sz="1200" b="1" spc="-20">
-                <a:solidFill>
-                  <a:srgbClr val="FFFFFF"/>
-                </a:solidFill>
-                <a:latin typeface="Adobe Clean"/>
-                <a:cs typeface="Adobe Clean"/>
-              </a:rPr>
-              <a:t>t</a:t>
-            </a:r>
-            <a:r>
-              <a:rPr sz="1200" b="1" spc="-75">
-                <a:solidFill>
-                  <a:srgbClr val="FFFFFF"/>
-                </a:solidFill>
-                <a:latin typeface="Adobe Clean"/>
-                <a:cs typeface="Adobe Clean"/>
-              </a:rPr>
-              <a:t>r</a:t>
-            </a:r>
-            <a:r>
-              <a:rPr sz="1200" b="1" spc="-90">
-                <a:solidFill>
-                  <a:srgbClr val="FFFFFF"/>
-                </a:solidFill>
-                <a:latin typeface="Adobe Clean"/>
-                <a:cs typeface="Adobe Clean"/>
-              </a:rPr>
-              <a:t>a</a:t>
-            </a:r>
-            <a:r>
-              <a:rPr sz="1200" b="1" spc="-55">
-                <a:solidFill>
-                  <a:srgbClr val="FFFFFF"/>
-                </a:solidFill>
-                <a:latin typeface="Adobe Clean"/>
-                <a:cs typeface="Adobe Clean"/>
-              </a:rPr>
-              <a:t>t</a:t>
-            </a:r>
-            <a:r>
-              <a:rPr sz="1200" b="1" spc="-100">
-                <a:solidFill>
-                  <a:srgbClr val="FFFFFF"/>
-                </a:solidFill>
-                <a:latin typeface="Adobe Clean"/>
-                <a:cs typeface="Adobe Clean"/>
-              </a:rPr>
-              <a:t>e</a:t>
-            </a:r>
-            <a:r>
-              <a:rPr sz="1200" b="1" spc="-80">
-                <a:solidFill>
-                  <a:srgbClr val="FFFFFF"/>
-                </a:solidFill>
-                <a:latin typeface="Adobe Clean"/>
-                <a:cs typeface="Adobe Clean"/>
-              </a:rPr>
-              <a:t>g</a:t>
-            </a:r>
-            <a:r>
-              <a:rPr sz="1200" b="1" spc="-35">
-                <a:solidFill>
-                  <a:srgbClr val="FFFFFF"/>
-                </a:solidFill>
-                <a:latin typeface="Adobe Clean"/>
-                <a:cs typeface="Adobe Clean"/>
-              </a:rPr>
-              <a:t>i</a:t>
-            </a:r>
-            <a:r>
-              <a:rPr sz="1200" b="1">
-                <a:solidFill>
-                  <a:srgbClr val="FFFFFF"/>
-                </a:solidFill>
-                <a:latin typeface="Adobe Clean"/>
-                <a:cs typeface="Adobe Clean"/>
-              </a:rPr>
-              <a:t>c  </a:t>
-            </a:r>
-            <a:r>
-              <a:rPr sz="1200" b="1" spc="-45">
-                <a:solidFill>
-                  <a:srgbClr val="FFFFFF"/>
-                </a:solidFill>
-                <a:latin typeface="Adobe Clean"/>
-                <a:cs typeface="Adobe Clean"/>
-              </a:rPr>
-              <a:t>Advice</a:t>
-            </a:r>
-            <a:endParaRPr sz="1200">
-              <a:latin typeface="Adobe Clean"/>
-              <a:cs typeface="Adobe Clean"/>
-            </a:endParaRPr>
+              <a:t>Consultoria estratégica</a:t>
+            </a:r>
           </a:p>
         </p:txBody>
       </p:sp>
@@ -17222,7 +14387,7 @@
           <p:nvPr>
             <p:extLst>
               <p:ext uri="{D42A27DB-BD31-4B8C-83A1-F6EECF244321}">
-                <p14:modId xmlns:p14="http://schemas.microsoft.com/office/powerpoint/2010/main" val="4232335107"/>
+                <p14:modId xmlns:p14="http://schemas.microsoft.com/office/powerpoint/2010/main" val="2320490711"/>
               </p:ext>
             </p:extLst>
           </p:nvPr>
@@ -17238,14 +14403,14 @@
                 <a:tableStyleId>{5C22544A-7EE6-4342-B048-85BDC9FD1C3A}</a:tableStyleId>
               </a:tblPr>
               <a:tblGrid>
-                <a:gridCol w="3691964">
+                <a:gridCol w="3547183">
                   <a:extLst>
                     <a:ext uri="{9D8B030D-6E8A-4147-A177-3AD203B41FA5}">
                       <a16:colId xmlns:a16="http://schemas.microsoft.com/office/drawing/2014/main" val="2364693614"/>
                     </a:ext>
                   </a:extLst>
                 </a:gridCol>
-                <a:gridCol w="3676327">
+                <a:gridCol w="3821108">
                   <a:extLst>
                     <a:ext uri="{9D8B030D-6E8A-4147-A177-3AD203B41FA5}">
                       <a16:colId xmlns:a16="http://schemas.microsoft.com/office/drawing/2014/main" val="1545335406"/>
@@ -17260,7 +14425,7 @@
                     <a:lstStyle/>
                     <a:p>
                       <a:r>
-                        <a:rPr lang="en-US" sz="1100" b="0" dirty="0">
+                        <a:rPr lang="pt-BR" sz="1100" b="0">
                           <a:solidFill>
                             <a:schemeClr val="tx1"/>
                           </a:solidFill>
@@ -17271,14 +14436,6 @@
                         </a:rPr>
                         <a:t>Experience League</a:t>
                       </a:r>
-                      <a:endParaRPr lang="en-US" sz="1100" b="0" dirty="0">
-                        <a:solidFill>
-                          <a:schemeClr val="tx1"/>
-                        </a:solidFill>
-                        <a:latin typeface="Adobe Clean"/>
-                        <a:ea typeface="+mn-ea"/>
-                        <a:cs typeface="+mn-cs"/>
-                      </a:endParaRPr>
                     </a:p>
                   </a:txBody>
                   <a:tcPr marL="47625" marR="47625" marT="0" marB="0" anchor="ctr">
@@ -17350,7 +14507,7 @@
                         <a:buNone/>
                       </a:pPr>
                       <a:r>
-                        <a:rPr lang="en-US" sz="1000" b="0" kern="1200" dirty="0">
+                        <a:rPr lang="pt-BR" sz="1000" b="0" dirty="0">
                           <a:solidFill>
                             <a:srgbClr val="000000"/>
                           </a:solidFill>
@@ -17358,16 +14515,29 @@
                           <a:ea typeface="+mn-ea"/>
                           <a:cs typeface="+mn-cs"/>
                         </a:rPr>
-                        <a:t>Experience League is how Adobe helps businesses achieve the value they expect from their Adobe investment. It’s the unified place where customers can learn, connect, and grow along a personalized path to success that includes self-help tutorials, product documentation, instructor-led training, community and technical support. </a:t>
+                        <a:t>A Experience League foi criada para ajudar as empresas a alcançar o </a:t>
                       </a:r>
-                      <a:endParaRPr lang="en-US" sz="1000" b="0" kern="1200">
-                        <a:solidFill>
-                          <a:srgbClr val="000000"/>
-                        </a:solidFill>
-                        <a:latin typeface="Adobe Clean Light" panose="020B0303020404020204" pitchFamily="34" charset="0"/>
-                        <a:ea typeface="+mn-ea"/>
-                        <a:cs typeface="+mn-cs"/>
-                      </a:endParaRPr>
+                      <a:br>
+                        <a:rPr lang="pt-BR" sz="1000" b="0" dirty="0">
+                          <a:solidFill>
+                            <a:srgbClr val="000000"/>
+                          </a:solidFill>
+                          <a:latin typeface="Adobe Clean Light"/>
+                          <a:ea typeface="+mn-ea"/>
+                          <a:cs typeface="+mn-cs"/>
+                        </a:rPr>
+                      </a:br>
+                      <a:r>
+                        <a:rPr lang="pt-BR" sz="1000" b="0" dirty="0">
+                          <a:solidFill>
+                            <a:srgbClr val="000000"/>
+                          </a:solidFill>
+                          <a:latin typeface="Adobe Clean Light"/>
+                          <a:ea typeface="+mn-ea"/>
+                          <a:cs typeface="+mn-cs"/>
+                        </a:rPr>
+                        <a:t>valor que esperam do seu investimento em produtos da Adobe. É o local unificado onde os clientes podem aprender, interagir e crescer ao longo de um caminho personalizado de sucesso que inclui tutoriais de autoatendimento, documentação dos produtos, treinamento com instrutores e suporte técnico e da comunidade. </a:t>
+                      </a:r>
                     </a:p>
                   </a:txBody>
                   <a:tcPr anchor="ctr">
@@ -17448,39 +14618,28 @@
                         <a:defRPr/>
                       </a:pPr>
                       <a:r>
-                        <a:rPr lang="en-US" sz="1100" dirty="0">
+                        <a:rPr lang="pt-BR" sz="1100">
                           <a:solidFill>
                             <a:schemeClr val="dk1"/>
                           </a:solidFill>
-                          <a:effectLst/>
                           <a:latin typeface="Adobe Clean"/>
                           <a:ea typeface="+mn-ea"/>
                           <a:cs typeface="+mn-cs"/>
                           <a:hlinkClick r:id="rId8"/>
                         </a:rPr>
-                        <a:t>Training</a:t>
+                        <a:t>Treinamento</a:t>
                       </a:r>
                       <a:r>
-                        <a:rPr lang="en-US" sz="1100" dirty="0">
+                        <a:rPr lang="pt-BR" sz="1100">
                           <a:solidFill>
                             <a:schemeClr val="dk1"/>
                           </a:solidFill>
-                          <a:effectLst/>
                           <a:latin typeface="Adobe Clean"/>
                           <a:ea typeface="+mn-ea"/>
                           <a:cs typeface="+mn-cs"/>
                         </a:rPr>
                         <a:t> </a:t>
                       </a:r>
-                      <a:endParaRPr lang="en-US" sz="1100" dirty="0">
-                        <a:solidFill>
-                          <a:schemeClr val="tx1"/>
-                        </a:solidFill>
-                        <a:effectLst/>
-                        <a:latin typeface="Adobe Clean"/>
-                        <a:ea typeface="+mn-ea"/>
-                        <a:cs typeface="+mn-cs"/>
-                      </a:endParaRPr>
                     </a:p>
                   </a:txBody>
                   <a:tcPr anchor="ctr">
@@ -17554,7 +14713,7 @@
                         <a:defRPr/>
                       </a:pPr>
                       <a:r>
-                        <a:rPr lang="en-US" sz="1000" kern="1200" dirty="0">
+                        <a:rPr lang="pt-BR" sz="1000" dirty="0">
                           <a:solidFill>
                             <a:srgbClr val="000000"/>
                           </a:solidFill>
@@ -17562,7 +14721,28 @@
                           <a:ea typeface="+mn-ea"/>
                           <a:cs typeface="+mn-cs"/>
                         </a:rPr>
-                        <a:t>Adobe Digital Learning Services courses are accessible from Experience League. Learning courses integrate both on-demand and instructor-led lessons.  Here you can accrue skills that have recognized market value and position them to drive success in your organizations.</a:t>
+                        <a:t>O acesso aos cursos do Adobe Digital Learning Services está disponível </a:t>
+                      </a:r>
+                      <a:br>
+                        <a:rPr lang="pt-BR" sz="1000" dirty="0">
+                          <a:solidFill>
+                            <a:srgbClr val="000000"/>
+                          </a:solidFill>
+                          <a:latin typeface="Adobe Clean Light"/>
+                          <a:ea typeface="+mn-ea"/>
+                          <a:cs typeface="+mn-cs"/>
+                        </a:rPr>
+                      </a:br>
+                      <a:r>
+                        <a:rPr lang="pt-BR" sz="1000" dirty="0">
+                          <a:solidFill>
+                            <a:srgbClr val="000000"/>
+                          </a:solidFill>
+                          <a:latin typeface="Adobe Clean Light"/>
+                          <a:ea typeface="+mn-ea"/>
+                          <a:cs typeface="+mn-cs"/>
+                        </a:rPr>
+                        <a:t>na Experience League. Os cursos de aprendizagem incluem lições sob demanda e com instrutores.  É um lugar para adquirir habilidades com reconhecido valor de mercado que você pode pôr em prática para impulsionar o sucesso na sua organização.</a:t>
                       </a:r>
                     </a:p>
                   </a:txBody>
@@ -17644,27 +14824,17 @@
                         <a:defRPr/>
                       </a:pPr>
                       <a:r>
-                        <a:rPr lang="en-US" sz="1100" dirty="0">
+                        <a:rPr lang="pt-BR" sz="1100">
                           <a:solidFill>
                             <a:schemeClr val="tx1"/>
                           </a:solidFill>
-                          <a:effectLst/>
                           <a:latin typeface="Adobe Clean"/>
                           <a:ea typeface="+mn-ea"/>
                           <a:cs typeface="+mn-cs"/>
                           <a:hlinkClick r:id="rId9"/>
                         </a:rPr>
-                        <a:t>Production Issues &amp; System Outages</a:t>
+                        <a:t>Problemas de produção e paralisações do sistema</a:t>
                       </a:r>
-                      <a:endParaRPr lang="en-US" sz="1100" dirty="0">
-                        <a:solidFill>
-                          <a:schemeClr val="tx1"/>
-                        </a:solidFill>
-                        <a:effectLst/>
-                        <a:latin typeface="Adobe Clean"/>
-                        <a:ea typeface="+mn-ea"/>
-                        <a:cs typeface="+mn-cs"/>
-                      </a:endParaRPr>
                     </a:p>
                   </a:txBody>
                   <a:tcPr anchor="ctr">
@@ -17736,7 +14906,7 @@
                         <a:buNone/>
                       </a:pPr>
                       <a:r>
-                        <a:rPr lang="en-US" sz="1000" kern="1200" dirty="0">
+                        <a:rPr lang="pt-BR" sz="1000" dirty="0">
                           <a:solidFill>
                             <a:srgbClr val="000000"/>
                           </a:solidFill>
@@ -17744,16 +14914,72 @@
                           <a:ea typeface="+mn-ea"/>
                           <a:cs typeface="+mn-cs"/>
                         </a:rPr>
-                        <a:t>Status.adobe.com conveys the health information of all Adobe products and services that are deployed in multi-tenant environments. Customers can choose their subscription preferences to get email notifications whenever Adobe creates, updates or resolves a product event. This can include scheduled maintenance or service issues of varying levels of severity. </a:t>
+                        <a:t>O Status.adobe.com transmite as informações de integridade de todos </a:t>
                       </a:r>
-                      <a:endParaRPr lang="en-US" sz="1000" kern="1200">
-                        <a:solidFill>
-                          <a:srgbClr val="000000"/>
-                        </a:solidFill>
-                        <a:latin typeface="Adobe Clean Light" panose="020B0303020404020204" pitchFamily="34" charset="0"/>
-                        <a:ea typeface="+mn-ea"/>
-                        <a:cs typeface="+mn-cs"/>
-                      </a:endParaRPr>
+                      <a:br>
+                        <a:rPr lang="pt-BR" sz="1000" dirty="0">
+                          <a:solidFill>
+                            <a:srgbClr val="000000"/>
+                          </a:solidFill>
+                          <a:latin typeface="Adobe Clean Light"/>
+                          <a:ea typeface="+mn-ea"/>
+                          <a:cs typeface="+mn-cs"/>
+                        </a:rPr>
+                      </a:br>
+                      <a:r>
+                        <a:rPr lang="pt-BR" sz="1000" dirty="0">
+                          <a:solidFill>
+                            <a:srgbClr val="000000"/>
+                          </a:solidFill>
+                          <a:latin typeface="Adobe Clean Light"/>
+                          <a:ea typeface="+mn-ea"/>
+                          <a:cs typeface="+mn-cs"/>
+                        </a:rPr>
+                        <a:t>os produtos e serviços da Adobe implantados em ambientes de vários locatários. Os clientes podem escolher suas preferências de subscrição para receber notificações por </a:t>
+                      </a:r>
+                      <a:r>
+                        <a:rPr lang="pt-BR" sz="1000" dirty="0" err="1">
+                          <a:solidFill>
+                            <a:srgbClr val="000000"/>
+                          </a:solidFill>
+                          <a:latin typeface="Adobe Clean Light"/>
+                          <a:ea typeface="+mn-ea"/>
+                          <a:cs typeface="+mn-cs"/>
+                        </a:rPr>
+                        <a:t>email</a:t>
+                      </a:r>
+                      <a:r>
+                        <a:rPr lang="pt-BR" sz="1000" dirty="0">
+                          <a:solidFill>
+                            <a:srgbClr val="000000"/>
+                          </a:solidFill>
+                          <a:latin typeface="Adobe Clean Light"/>
+                          <a:ea typeface="+mn-ea"/>
+                          <a:cs typeface="+mn-cs"/>
+                        </a:rPr>
+                        <a:t> sempre que a Adobe criar, atualizar </a:t>
+                      </a:r>
+                      <a:br>
+                        <a:rPr lang="pt-BR" sz="1000" dirty="0">
+                          <a:solidFill>
+                            <a:srgbClr val="000000"/>
+                          </a:solidFill>
+                          <a:latin typeface="Adobe Clean Light"/>
+                          <a:ea typeface="+mn-ea"/>
+                          <a:cs typeface="+mn-cs"/>
+                        </a:rPr>
+                      </a:br>
+                      <a:r>
+                        <a:rPr lang="pt-BR" sz="1000" dirty="0">
+                          <a:solidFill>
+                            <a:srgbClr val="000000"/>
+                          </a:solidFill>
+                          <a:latin typeface="Adobe Clean Light"/>
+                          <a:ea typeface="+mn-ea"/>
+                          <a:cs typeface="+mn-cs"/>
+                        </a:rPr>
+                        <a:t>ou resolver um evento de produto. Isso pode incluir manutenção programada ou problemas de serviço com diferentes níveis de gravidade. </a:t>
+                      </a:r>
                     </a:p>
                   </a:txBody>
                   <a:tcPr anchor="ctr">
@@ -17834,27 +15060,17 @@
                         <a:defRPr/>
                       </a:pPr>
                       <a:r>
-                        <a:rPr lang="en-US" sz="1100" dirty="0">
+                        <a:rPr lang="pt-BR" sz="1100">
                           <a:solidFill>
                             <a:schemeClr val="tx1"/>
                           </a:solidFill>
-                          <a:effectLst/>
                           <a:latin typeface="Adobe Clean"/>
                           <a:ea typeface="+mn-ea"/>
                           <a:cs typeface="+mn-cs"/>
                           <a:hlinkClick r:id="rId10"/>
                         </a:rPr>
-                        <a:t>Terms and Conditions</a:t>
+                        <a:t>Termos e condições</a:t>
                       </a:r>
-                      <a:endParaRPr lang="en-US" sz="1100" dirty="0">
-                        <a:solidFill>
-                          <a:schemeClr val="tx1"/>
-                        </a:solidFill>
-                        <a:effectLst/>
-                        <a:latin typeface="Adobe Clean"/>
-                        <a:ea typeface="+mn-ea"/>
-                        <a:cs typeface="+mn-cs"/>
-                      </a:endParaRPr>
                     </a:p>
                   </a:txBody>
                   <a:tcPr anchor="ctr">
@@ -17911,7 +15127,7 @@
                     <a:lstStyle/>
                     <a:p>
                       <a:r>
-                        <a:rPr lang="en-US" sz="1000" kern="1200" dirty="0">
+                        <a:rPr lang="pt-BR" sz="1000" dirty="0">
                           <a:solidFill>
                             <a:srgbClr val="000000"/>
                           </a:solidFill>
@@ -17919,16 +15135,8 @@
                           <a:ea typeface="+mn-ea"/>
                           <a:cs typeface="+mn-cs"/>
                         </a:rPr>
-                        <a:t>Terms and conditions detailing Support Services offerings.</a:t>
+                        <a:t>Os Termos e condições que detalham os serviços de suporte.</a:t>
                       </a:r>
-                      <a:endParaRPr lang="en-US" sz="1000" kern="1200" dirty="0">
-                        <a:solidFill>
-                          <a:srgbClr val="000000"/>
-                        </a:solidFill>
-                        <a:latin typeface="Adobe Clean Light" panose="020B0303020404020204" pitchFamily="34" charset="0"/>
-                        <a:ea typeface="+mn-ea"/>
-                        <a:cs typeface="+mn-cs"/>
-                      </a:endParaRPr>
                     </a:p>
                   </a:txBody>
                   <a:tcPr anchor="ctr">
@@ -18698,6 +15906,12 @@
 </file>
 
 <file path=customXml/item1.xml><?xml version="1.0" encoding="utf-8"?>
+<p:properties xmlns:p="http://schemas.microsoft.com/office/2006/metadata/properties" xmlns:xsi="http://www.w3.org/2001/XMLSchema-instance" xmlns:pc="http://schemas.microsoft.com/office/infopath/2007/PartnerControls">
+  <documentManagement/>
+</p:properties>
+</file>
+
+<file path=customXml/item2.xml><?xml version="1.0" encoding="utf-8"?>
 <ct:contentTypeSchema xmlns:ct="http://schemas.microsoft.com/office/2006/metadata/contentType" xmlns:ma="http://schemas.microsoft.com/office/2006/metadata/properties/metaAttributes" ct:_="" ma:_="" ma:contentTypeName="Document" ma:contentTypeID="0x010100E783BF6876BCC646A459363AF21A7736" ma:contentTypeVersion="10" ma:contentTypeDescription="Create a new document." ma:contentTypeScope="" ma:versionID="c4ffda7f4f415767600769e454c2ea87">
   <xsd:schema xmlns:xsd="http://www.w3.org/2001/XMLSchema" xmlns:xs="http://www.w3.org/2001/XMLSchema" xmlns:p="http://schemas.microsoft.com/office/2006/metadata/properties" xmlns:ns2="8a053bff-88be-49e4-9a87-e748e18b8b62" xmlns:ns3="6c8368ec-3776-49b5-a5bb-90648cf9530f" targetNamespace="http://schemas.microsoft.com/office/2006/metadata/properties" ma:root="true" ma:fieldsID="df3ec33bccc23e23bce7bc897fad43d1" ns2:_="" ns3:_="">
     <xsd:import namespace="8a053bff-88be-49e4-9a87-e748e18b8b62"/>
@@ -18902,7 +16116,7 @@
 </ct:contentTypeSchema>
 </file>
 
-<file path=customXml/item2.xml><?xml version="1.0" encoding="utf-8"?>
+<file path=customXml/item3.xml><?xml version="1.0" encoding="utf-8"?>
 <?mso-contentType ?>
 <FormTemplates xmlns="http://schemas.microsoft.com/sharepoint/v3/contenttype/forms">
   <Display>DocumentLibraryForm</Display>
@@ -18911,13 +16125,24 @@
 </FormTemplates>
 </file>
 
-<file path=customXml/item3.xml><?xml version="1.0" encoding="utf-8"?>
-<p:properties xmlns:p="http://schemas.microsoft.com/office/2006/metadata/properties" xmlns:xsi="http://www.w3.org/2001/XMLSchema-instance" xmlns:pc="http://schemas.microsoft.com/office/infopath/2007/PartnerControls">
-  <documentManagement/>
-</p:properties>
+<file path=customXml/itemProps1.xml><?xml version="1.0" encoding="utf-8"?>
+<ds:datastoreItem xmlns:ds="http://schemas.openxmlformats.org/officeDocument/2006/customXml" ds:itemID="{ED4099BE-EDEC-4FF1-8378-446617236015}">
+  <ds:schemaRefs>
+    <ds:schemaRef ds:uri="6c8368ec-3776-49b5-a5bb-90648cf9530f"/>
+    <ds:schemaRef ds:uri="8a053bff-88be-49e4-9a87-e748e18b8b62"/>
+    <ds:schemaRef ds:uri="http://purl.org/dc/dcmitype/"/>
+    <ds:schemaRef ds:uri="http://purl.org/dc/elements/1.1/"/>
+    <ds:schemaRef ds:uri="http://purl.org/dc/terms/"/>
+    <ds:schemaRef ds:uri="http://schemas.microsoft.com/office/2006/documentManagement/types"/>
+    <ds:schemaRef ds:uri="http://schemas.microsoft.com/office/2006/metadata/properties"/>
+    <ds:schemaRef ds:uri="http://schemas.microsoft.com/office/infopath/2007/PartnerControls"/>
+    <ds:schemaRef ds:uri="http://schemas.openxmlformats.org/package/2006/metadata/core-properties"/>
+    <ds:schemaRef ds:uri="http://www.w3.org/XML/1998/namespace"/>
+  </ds:schemaRefs>
+</ds:datastoreItem>
 </file>
 
-<file path=customXml/itemProps1.xml><?xml version="1.0" encoding="utf-8"?>
+<file path=customXml/itemProps2.xml><?xml version="1.0" encoding="utf-8"?>
 <ds:datastoreItem xmlns:ds="http://schemas.openxmlformats.org/officeDocument/2006/customXml" ds:itemID="{FB2EBF8D-136B-48EC-8FC0-F70C0583664B}">
   <ds:schemaRefs>
     <ds:schemaRef ds:uri="6c8368ec-3776-49b5-a5bb-90648cf9530f"/>
@@ -18936,27 +16161,10 @@
 </ds:datastoreItem>
 </file>
 
-<file path=customXml/itemProps2.xml><?xml version="1.0" encoding="utf-8"?>
+<file path=customXml/itemProps3.xml><?xml version="1.0" encoding="utf-8"?>
 <ds:datastoreItem xmlns:ds="http://schemas.openxmlformats.org/officeDocument/2006/customXml" ds:itemID="{941989CE-20BB-4A6A-A33F-71A1AE469C3E}">
   <ds:schemaRefs>
     <ds:schemaRef ds:uri="http://schemas.microsoft.com/sharepoint/v3/contenttype/forms"/>
   </ds:schemaRefs>
 </ds:datastoreItem>
-</file>
-
-<file path=customXml/itemProps3.xml><?xml version="1.0" encoding="utf-8"?>
-<ds:datastoreItem xmlns:ds="http://schemas.openxmlformats.org/officeDocument/2006/customXml" ds:itemID="{ED4099BE-EDEC-4FF1-8378-446617236015}">
-  <ds:schemaRefs>
-    <ds:schemaRef ds:uri="http://www.w3.org/XML/1998/namespace"/>
-    <ds:schemaRef ds:uri="8a053bff-88be-49e4-9a87-e748e18b8b62"/>
-    <ds:schemaRef ds:uri="http://purl.org/dc/terms/"/>
-    <ds:schemaRef ds:uri="http://purl.org/dc/dcmitype/"/>
-    <ds:schemaRef ds:uri="http://schemas.microsoft.com/office/2006/documentManagement/types"/>
-    <ds:schemaRef ds:uri="6c8368ec-3776-49b5-a5bb-90648cf9530f"/>
-    <ds:schemaRef ds:uri="http://purl.org/dc/elements/1.1/"/>
-    <ds:schemaRef ds:uri="http://schemas.microsoft.com/office/2006/metadata/properties"/>
-    <ds:schemaRef ds:uri="http://schemas.microsoft.com/office/infopath/2007/PartnerControls"/>
-    <ds:schemaRef ds:uri="http://schemas.openxmlformats.org/package/2006/metadata/core-properties"/>
-  </ds:schemaRefs>
-</ds:datastoreItem>
 </file>
--- a/help/data-sheets/assets/EnterpriseSupportDatasheet.pptx
+++ b/help/data-sheets/assets/EnterpriseSupportDatasheet.pptx
@@ -144,6 +144,221 @@
 <file path=ppt/changesInfos/changesInfo1.xml><?xml version="1.0" encoding="utf-8"?>
 <pc:chgInfo xmlns:a="http://schemas.openxmlformats.org/drawingml/2006/main" xmlns:r="http://schemas.openxmlformats.org/officeDocument/2006/relationships" xmlns:ac="http://schemas.microsoft.com/office/drawing/2013/main/command" xmlns:pc="http://schemas.microsoft.com/office/powerpoint/2013/main/command">
   <pc:docChgLst>
+    <pc:chgData name="Ankita Sood" userId="S::asood@adobe.com::c93a62e3-2a47-429d-82c6-c2a8fd110ae7" providerId="AD" clId="Web-{5EA87E00-148E-AB9F-558F-52E0C44EDC93}"/>
+    <pc:docChg chg="modSld">
+      <pc:chgData name="Ankita Sood" userId="S::asood@adobe.com::c93a62e3-2a47-429d-82c6-c2a8fd110ae7" providerId="AD" clId="Web-{5EA87E00-148E-AB9F-558F-52E0C44EDC93}" dt="2022-01-13T18:29:42.444" v="16" actId="20577"/>
+      <pc:docMkLst>
+        <pc:docMk/>
+      </pc:docMkLst>
+      <pc:sldChg chg="modSp">
+        <pc:chgData name="Ankita Sood" userId="S::asood@adobe.com::c93a62e3-2a47-429d-82c6-c2a8fd110ae7" providerId="AD" clId="Web-{5EA87E00-148E-AB9F-558F-52E0C44EDC93}" dt="2022-01-13T18:29:22.131" v="3" actId="20577"/>
+        <pc:sldMkLst>
+          <pc:docMk/>
+          <pc:sldMk cId="5960377" sldId="259"/>
+        </pc:sldMkLst>
+        <pc:spChg chg="mod">
+          <ac:chgData name="Ankita Sood" userId="S::asood@adobe.com::c93a62e3-2a47-429d-82c6-c2a8fd110ae7" providerId="AD" clId="Web-{5EA87E00-148E-AB9F-558F-52E0C44EDC93}" dt="2022-01-13T18:29:22.131" v="3" actId="20577"/>
+          <ac:spMkLst>
+            <pc:docMk/>
+            <pc:sldMk cId="5960377" sldId="259"/>
+            <ac:spMk id="94" creationId="{361FB899-EBCA-A144-BC72-6D65DDDA1D5D}"/>
+          </ac:spMkLst>
+        </pc:spChg>
+      </pc:sldChg>
+      <pc:sldChg chg="modSp">
+        <pc:chgData name="Ankita Sood" userId="S::asood@adobe.com::c93a62e3-2a47-429d-82c6-c2a8fd110ae7" providerId="AD" clId="Web-{5EA87E00-148E-AB9F-558F-52E0C44EDC93}" dt="2022-01-13T18:29:42.444" v="16" actId="20577"/>
+        <pc:sldMkLst>
+          <pc:docMk/>
+          <pc:sldMk cId="2161849182" sldId="267"/>
+        </pc:sldMkLst>
+        <pc:spChg chg="mod">
+          <ac:chgData name="Ankita Sood" userId="S::asood@adobe.com::c93a62e3-2a47-429d-82c6-c2a8fd110ae7" providerId="AD" clId="Web-{5EA87E00-148E-AB9F-558F-52E0C44EDC93}" dt="2022-01-13T18:29:42.444" v="16" actId="20577"/>
+          <ac:spMkLst>
+            <pc:docMk/>
+            <pc:sldMk cId="2161849182" sldId="267"/>
+            <ac:spMk id="12" creationId="{B5B9BF51-8921-A94B-954A-82B5B5874814}"/>
+          </ac:spMkLst>
+        </pc:spChg>
+        <pc:graphicFrameChg chg="mod modGraphic">
+          <ac:chgData name="Ankita Sood" userId="S::asood@adobe.com::c93a62e3-2a47-429d-82c6-c2a8fd110ae7" providerId="AD" clId="Web-{5EA87E00-148E-AB9F-558F-52E0C44EDC93}" dt="2022-01-13T18:29:37.693" v="15"/>
+          <ac:graphicFrameMkLst>
+            <pc:docMk/>
+            <pc:sldMk cId="2161849182" sldId="267"/>
+            <ac:graphicFrameMk id="9" creationId="{00000000-0000-0000-0000-000000000000}"/>
+          </ac:graphicFrameMkLst>
+        </pc:graphicFrameChg>
+        <pc:graphicFrameChg chg="mod modGraphic">
+          <ac:chgData name="Ankita Sood" userId="S::asood@adobe.com::c93a62e3-2a47-429d-82c6-c2a8fd110ae7" providerId="AD" clId="Web-{5EA87E00-148E-AB9F-558F-52E0C44EDC93}" dt="2022-01-13T18:29:31.787" v="5"/>
+          <ac:graphicFrameMkLst>
+            <pc:docMk/>
+            <pc:sldMk cId="2161849182" sldId="267"/>
+            <ac:graphicFrameMk id="13" creationId="{63DBC3ED-EEDC-974A-82A2-F5182CF12546}"/>
+          </ac:graphicFrameMkLst>
+        </pc:graphicFrameChg>
+      </pc:sldChg>
+    </pc:docChg>
+  </pc:docChgLst>
+  <pc:docChgLst>
+    <pc:chgData name="Akilah Johnson" userId="S::akjohnso@adobe.com::2fa3aa60-0c9c-4d06-bae2-795983241227" providerId="AD" clId="Web-{112231ED-4F38-A856-2EFF-9D0F88AC9BDF}"/>
+    <pc:docChg chg="modSld">
+      <pc:chgData name="Akilah Johnson" userId="S::akjohnso@adobe.com::2fa3aa60-0c9c-4d06-bae2-795983241227" providerId="AD" clId="Web-{112231ED-4F38-A856-2EFF-9D0F88AC9BDF}" dt="2021-09-22T19:11:31.474" v="2" actId="1076"/>
+      <pc:docMkLst>
+        <pc:docMk/>
+      </pc:docMkLst>
+      <pc:sldChg chg="modSp">
+        <pc:chgData name="Akilah Johnson" userId="S::akjohnso@adobe.com::2fa3aa60-0c9c-4d06-bae2-795983241227" providerId="AD" clId="Web-{112231ED-4F38-A856-2EFF-9D0F88AC9BDF}" dt="2021-09-22T19:11:31.474" v="2" actId="1076"/>
+        <pc:sldMkLst>
+          <pc:docMk/>
+          <pc:sldMk cId="1050037809" sldId="261"/>
+        </pc:sldMkLst>
+        <pc:spChg chg="mod">
+          <ac:chgData name="Akilah Johnson" userId="S::akjohnso@adobe.com::2fa3aa60-0c9c-4d06-bae2-795983241227" providerId="AD" clId="Web-{112231ED-4F38-A856-2EFF-9D0F88AC9BDF}" dt="2021-09-22T19:11:31.474" v="2" actId="1076"/>
+          <ac:spMkLst>
+            <pc:docMk/>
+            <pc:sldMk cId="1050037809" sldId="261"/>
+            <ac:spMk id="23" creationId="{00000000-0000-0000-0000-000000000000}"/>
+          </ac:spMkLst>
+        </pc:spChg>
+        <pc:spChg chg="mod">
+          <ac:chgData name="Akilah Johnson" userId="S::akjohnso@adobe.com::2fa3aa60-0c9c-4d06-bae2-795983241227" providerId="AD" clId="Web-{112231ED-4F38-A856-2EFF-9D0F88AC9BDF}" dt="2021-09-22T19:08:28.879" v="0" actId="1076"/>
+          <ac:spMkLst>
+            <pc:docMk/>
+            <pc:sldMk cId="1050037809" sldId="261"/>
+            <ac:spMk id="64" creationId="{41467BDC-3D83-D844-B922-CD07E94E5AAB}"/>
+          </ac:spMkLst>
+        </pc:spChg>
+      </pc:sldChg>
+    </pc:docChg>
+  </pc:docChgLst>
+  <pc:docChgLst>
+    <pc:chgData name="Akilah Johnson" userId="S::akjohnso@adobe.com::2fa3aa60-0c9c-4d06-bae2-795983241227" providerId="AD" clId="Web-{A40C3D7D-993B-38B2-2DDA-C562505A1054}"/>
+    <pc:docChg chg="modSld">
+      <pc:chgData name="Akilah Johnson" userId="S::akjohnso@adobe.com::2fa3aa60-0c9c-4d06-bae2-795983241227" providerId="AD" clId="Web-{A40C3D7D-993B-38B2-2DDA-C562505A1054}" dt="2021-09-22T23:00:46.860" v="3"/>
+      <pc:docMkLst>
+        <pc:docMk/>
+      </pc:docMkLst>
+      <pc:sldChg chg="modSp">
+        <pc:chgData name="Akilah Johnson" userId="S::akjohnso@adobe.com::2fa3aa60-0c9c-4d06-bae2-795983241227" providerId="AD" clId="Web-{A40C3D7D-993B-38B2-2DDA-C562505A1054}" dt="2021-09-22T23:00:46.860" v="3"/>
+        <pc:sldMkLst>
+          <pc:docMk/>
+          <pc:sldMk cId="1050037809" sldId="261"/>
+        </pc:sldMkLst>
+        <pc:graphicFrameChg chg="mod modGraphic">
+          <ac:chgData name="Akilah Johnson" userId="S::akjohnso@adobe.com::2fa3aa60-0c9c-4d06-bae2-795983241227" providerId="AD" clId="Web-{A40C3D7D-993B-38B2-2DDA-C562505A1054}" dt="2021-09-22T23:00:46.860" v="3"/>
+          <ac:graphicFrameMkLst>
+            <pc:docMk/>
+            <pc:sldMk cId="1050037809" sldId="261"/>
+            <ac:graphicFrameMk id="25" creationId="{3A91F5B0-3974-A14D-A146-FB590F2AAD18}"/>
+          </ac:graphicFrameMkLst>
+        </pc:graphicFrameChg>
+      </pc:sldChg>
+    </pc:docChg>
+  </pc:docChgLst>
+  <pc:docChgLst>
+    <pc:chgData name="Akilah Johnson" userId="S::akjohnso@adobe.com::2fa3aa60-0c9c-4d06-bae2-795983241227" providerId="AD" clId="Web-{0AC6A3A1-0788-C69A-5EFD-279F3FA2CF0F}"/>
+    <pc:docChg chg="modSld">
+      <pc:chgData name="Akilah Johnson" userId="S::akjohnso@adobe.com::2fa3aa60-0c9c-4d06-bae2-795983241227" providerId="AD" clId="Web-{0AC6A3A1-0788-C69A-5EFD-279F3FA2CF0F}" dt="2021-09-22T18:56:17.553" v="29"/>
+      <pc:docMkLst>
+        <pc:docMk/>
+      </pc:docMkLst>
+      <pc:sldChg chg="modSp delCm">
+        <pc:chgData name="Akilah Johnson" userId="S::akjohnso@adobe.com::2fa3aa60-0c9c-4d06-bae2-795983241227" providerId="AD" clId="Web-{0AC6A3A1-0788-C69A-5EFD-279F3FA2CF0F}" dt="2021-09-22T18:56:17.553" v="29"/>
+        <pc:sldMkLst>
+          <pc:docMk/>
+          <pc:sldMk cId="1050037809" sldId="261"/>
+        </pc:sldMkLst>
+        <pc:spChg chg="mod">
+          <ac:chgData name="Akilah Johnson" userId="S::akjohnso@adobe.com::2fa3aa60-0c9c-4d06-bae2-795983241227" providerId="AD" clId="Web-{0AC6A3A1-0788-C69A-5EFD-279F3FA2CF0F}" dt="2021-09-22T18:55:46.585" v="16" actId="20577"/>
+          <ac:spMkLst>
+            <pc:docMk/>
+            <pc:sldMk cId="1050037809" sldId="261"/>
+            <ac:spMk id="64" creationId="{41467BDC-3D83-D844-B922-CD07E94E5AAB}"/>
+          </ac:spMkLst>
+        </pc:spChg>
+        <pc:graphicFrameChg chg="mod modGraphic">
+          <ac:chgData name="Akilah Johnson" userId="S::akjohnso@adobe.com::2fa3aa60-0c9c-4d06-bae2-795983241227" providerId="AD" clId="Web-{0AC6A3A1-0788-C69A-5EFD-279F3FA2CF0F}" dt="2021-09-22T18:55:59.928" v="28"/>
+          <ac:graphicFrameMkLst>
+            <pc:docMk/>
+            <pc:sldMk cId="1050037809" sldId="261"/>
+            <ac:graphicFrameMk id="25" creationId="{3A91F5B0-3974-A14D-A146-FB590F2AAD18}"/>
+          </ac:graphicFrameMkLst>
+        </pc:graphicFrameChg>
+      </pc:sldChg>
+    </pc:docChg>
+  </pc:docChgLst>
+  <pc:docChgLst>
+    <pc:chgData name="Akilah Johnson" userId="S::akjohnso@adobe.com::2fa3aa60-0c9c-4d06-bae2-795983241227" providerId="AD" clId="Web-{DC554207-FA81-638A-220E-C39F63BF408A}"/>
+    <pc:docChg chg="modSld">
+      <pc:chgData name="Akilah Johnson" userId="S::akjohnso@adobe.com::2fa3aa60-0c9c-4d06-bae2-795983241227" providerId="AD" clId="Web-{DC554207-FA81-638A-220E-C39F63BF408A}" dt="2021-11-23T23:50:17.249" v="7"/>
+      <pc:docMkLst>
+        <pc:docMk/>
+      </pc:docMkLst>
+      <pc:sldChg chg="modSp">
+        <pc:chgData name="Akilah Johnson" userId="S::akjohnso@adobe.com::2fa3aa60-0c9c-4d06-bae2-795983241227" providerId="AD" clId="Web-{DC554207-FA81-638A-220E-C39F63BF408A}" dt="2021-11-23T23:50:17.249" v="7"/>
+        <pc:sldMkLst>
+          <pc:docMk/>
+          <pc:sldMk cId="2161849182" sldId="267"/>
+        </pc:sldMkLst>
+        <pc:graphicFrameChg chg="mod modGraphic">
+          <ac:chgData name="Akilah Johnson" userId="S::akjohnso@adobe.com::2fa3aa60-0c9c-4d06-bae2-795983241227" providerId="AD" clId="Web-{DC554207-FA81-638A-220E-C39F63BF408A}" dt="2021-11-23T23:50:17.249" v="7"/>
+          <ac:graphicFrameMkLst>
+            <pc:docMk/>
+            <pc:sldMk cId="2161849182" sldId="267"/>
+            <ac:graphicFrameMk id="9" creationId="{00000000-0000-0000-0000-000000000000}"/>
+          </ac:graphicFrameMkLst>
+        </pc:graphicFrameChg>
+      </pc:sldChg>
+    </pc:docChg>
+  </pc:docChgLst>
+  <pc:docChgLst>
+    <pc:chgData name="Akilah Johnson" userId="S::akjohnso@adobe.com::2fa3aa60-0c9c-4d06-bae2-795983241227" providerId="AD" clId="Web-{D02E726A-82A5-CF13-9EBE-9B674D878D37}"/>
+    <pc:docChg chg="modSld">
+      <pc:chgData name="Akilah Johnson" userId="S::akjohnso@adobe.com::2fa3aa60-0c9c-4d06-bae2-795983241227" providerId="AD" clId="Web-{D02E726A-82A5-CF13-9EBE-9B674D878D37}" dt="2021-10-12T19:51:27.470" v="10"/>
+      <pc:docMkLst>
+        <pc:docMk/>
+      </pc:docMkLst>
+      <pc:sldChg chg="modSp delCm">
+        <pc:chgData name="Akilah Johnson" userId="S::akjohnso@adobe.com::2fa3aa60-0c9c-4d06-bae2-795983241227" providerId="AD" clId="Web-{D02E726A-82A5-CF13-9EBE-9B674D878D37}" dt="2021-10-12T19:51:27.470" v="10"/>
+        <pc:sldMkLst>
+          <pc:docMk/>
+          <pc:sldMk cId="2161849182" sldId="267"/>
+        </pc:sldMkLst>
+        <pc:spChg chg="mod">
+          <ac:chgData name="Akilah Johnson" userId="S::akjohnso@adobe.com::2fa3aa60-0c9c-4d06-bae2-795983241227" providerId="AD" clId="Web-{D02E726A-82A5-CF13-9EBE-9B674D878D37}" dt="2021-10-12T19:51:04.127" v="8" actId="20577"/>
+          <ac:spMkLst>
+            <pc:docMk/>
+            <pc:sldMk cId="2161849182" sldId="267"/>
+            <ac:spMk id="2" creationId="{00000000-0000-0000-0000-000000000000}"/>
+          </ac:spMkLst>
+        </pc:spChg>
+      </pc:sldChg>
+    </pc:docChg>
+  </pc:docChgLst>
+  <pc:docChgLst>
+    <pc:chgData name="Lauren Schutte" userId="6e08b2d3-447a-4d66-86be-444d50df187f" providerId="ADAL" clId="{51054313-E3E9-A543-B651-B15A687DE6AB}"/>
+    <pc:docChg chg="custSel modSld">
+      <pc:chgData name="Lauren Schutte" userId="6e08b2d3-447a-4d66-86be-444d50df187f" providerId="ADAL" clId="{51054313-E3E9-A543-B651-B15A687DE6AB}" dt="2021-12-06T17:05:18.742" v="125" actId="20577"/>
+      <pc:docMkLst>
+        <pc:docMk/>
+      </pc:docMkLst>
+      <pc:sldChg chg="modSp mod">
+        <pc:chgData name="Lauren Schutte" userId="6e08b2d3-447a-4d66-86be-444d50df187f" providerId="ADAL" clId="{51054313-E3E9-A543-B651-B15A687DE6AB}" dt="2021-12-06T17:05:18.742" v="125" actId="20577"/>
+        <pc:sldMkLst>
+          <pc:docMk/>
+          <pc:sldMk cId="2161849182" sldId="267"/>
+        </pc:sldMkLst>
+        <pc:graphicFrameChg chg="mod modGraphic">
+          <ac:chgData name="Lauren Schutte" userId="6e08b2d3-447a-4d66-86be-444d50df187f" providerId="ADAL" clId="{51054313-E3E9-A543-B651-B15A687DE6AB}" dt="2021-12-06T17:05:18.742" v="125" actId="20577"/>
+          <ac:graphicFrameMkLst>
+            <pc:docMk/>
+            <pc:sldMk cId="2161849182" sldId="267"/>
+            <ac:graphicFrameMk id="9" creationId="{00000000-0000-0000-0000-000000000000}"/>
+          </ac:graphicFrameMkLst>
+        </pc:graphicFrameChg>
+      </pc:sldChg>
+    </pc:docChg>
+  </pc:docChgLst>
+  <pc:docChgLst>
     <pc:chgData name="Ankita Sood" userId="c93a62e3-2a47-429d-82c6-c2a8fd110ae7" providerId="ADAL" clId="{F52CA613-E759-D441-AA53-CD1E38E4D602}"/>
     <pc:docChg chg="modSld">
       <pc:chgData name="Ankita Sood" userId="c93a62e3-2a47-429d-82c6-c2a8fd110ae7" providerId="ADAL" clId="{F52CA613-E759-D441-AA53-CD1E38E4D602}" dt="2022-01-20T17:29:41.146" v="3" actId="20577"/>
@@ -170,6 +385,78 @@
             <pc:docMk/>
             <pc:sldMk cId="2161849182" sldId="267"/>
             <ac:graphicFrameMk id="13" creationId="{63DBC3ED-EEDC-974A-82A2-F5182CF12546}"/>
+          </ac:graphicFrameMkLst>
+        </pc:graphicFrameChg>
+      </pc:sldChg>
+    </pc:docChg>
+  </pc:docChgLst>
+  <pc:docChgLst>
+    <pc:chgData name="Akilah Johnson" userId="S::akjohnso@adobe.com::2fa3aa60-0c9c-4d06-bae2-795983241227" providerId="AD" clId="Web-{0AB2EF93-BE08-D205-D43E-3B568BB37DAA}"/>
+    <pc:docChg chg="modSld">
+      <pc:chgData name="Akilah Johnson" userId="S::akjohnso@adobe.com::2fa3aa60-0c9c-4d06-bae2-795983241227" providerId="AD" clId="Web-{0AB2EF93-BE08-D205-D43E-3B568BB37DAA}" dt="2021-09-22T23:01:45.877" v="13"/>
+      <pc:docMkLst>
+        <pc:docMk/>
+      </pc:docMkLst>
+      <pc:sldChg chg="modSp">
+        <pc:chgData name="Akilah Johnson" userId="S::akjohnso@adobe.com::2fa3aa60-0c9c-4d06-bae2-795983241227" providerId="AD" clId="Web-{0AB2EF93-BE08-D205-D43E-3B568BB37DAA}" dt="2021-09-22T23:01:45.877" v="13"/>
+        <pc:sldMkLst>
+          <pc:docMk/>
+          <pc:sldMk cId="1050037809" sldId="261"/>
+        </pc:sldMkLst>
+        <pc:graphicFrameChg chg="mod modGraphic">
+          <ac:chgData name="Akilah Johnson" userId="S::akjohnso@adobe.com::2fa3aa60-0c9c-4d06-bae2-795983241227" providerId="AD" clId="Web-{0AB2EF93-BE08-D205-D43E-3B568BB37DAA}" dt="2021-09-22T23:01:45.877" v="13"/>
+          <ac:graphicFrameMkLst>
+            <pc:docMk/>
+            <pc:sldMk cId="1050037809" sldId="261"/>
+            <ac:graphicFrameMk id="25" creationId="{3A91F5B0-3974-A14D-A146-FB590F2AAD18}"/>
+          </ac:graphicFrameMkLst>
+        </pc:graphicFrameChg>
+      </pc:sldChg>
+    </pc:docChg>
+  </pc:docChgLst>
+  <pc:docChgLst>
+    <pc:chgData name="Andy Witt" userId="S::awitt@adobe.com::e9157bdf-53b2-40e4-9459-936793d75696" providerId="AD" clId="Web-{3F02B349-0406-AE51-D438-E7A0BE890230}"/>
+    <pc:docChg chg="modSld">
+      <pc:chgData name="Andy Witt" userId="S::awitt@adobe.com::e9157bdf-53b2-40e4-9459-936793d75696" providerId="AD" clId="Web-{3F02B349-0406-AE51-D438-E7A0BE890230}" dt="2021-08-25T18:45:07.550" v="11"/>
+      <pc:docMkLst>
+        <pc:docMk/>
+      </pc:docMkLst>
+      <pc:sldChg chg="modSp">
+        <pc:chgData name="Andy Witt" userId="S::awitt@adobe.com::e9157bdf-53b2-40e4-9459-936793d75696" providerId="AD" clId="Web-{3F02B349-0406-AE51-D438-E7A0BE890230}" dt="2021-08-25T18:45:07.550" v="11"/>
+        <pc:sldMkLst>
+          <pc:docMk/>
+          <pc:sldMk cId="1050037809" sldId="261"/>
+        </pc:sldMkLst>
+        <pc:graphicFrameChg chg="mod modGraphic">
+          <ac:chgData name="Andy Witt" userId="S::awitt@adobe.com::e9157bdf-53b2-40e4-9459-936793d75696" providerId="AD" clId="Web-{3F02B349-0406-AE51-D438-E7A0BE890230}" dt="2021-08-25T18:45:07.550" v="11"/>
+          <ac:graphicFrameMkLst>
+            <pc:docMk/>
+            <pc:sldMk cId="1050037809" sldId="261"/>
+            <ac:graphicFrameMk id="25" creationId="{3A91F5B0-3974-A14D-A146-FB590F2AAD18}"/>
+          </ac:graphicFrameMkLst>
+        </pc:graphicFrameChg>
+      </pc:sldChg>
+    </pc:docChg>
+  </pc:docChgLst>
+  <pc:docChgLst>
+    <pc:chgData name="Akilah Johnson" userId="2fa3aa60-0c9c-4d06-bae2-795983241227" providerId="ADAL" clId="{7598C71F-6B67-2947-B18A-AD3AFAF83B9E}"/>
+    <pc:docChg chg="modSld">
+      <pc:chgData name="Akilah Johnson" userId="2fa3aa60-0c9c-4d06-bae2-795983241227" providerId="ADAL" clId="{7598C71F-6B67-2947-B18A-AD3AFAF83B9E}" dt="2021-11-24T00:03:04.956" v="14" actId="20577"/>
+      <pc:docMkLst>
+        <pc:docMk/>
+      </pc:docMkLst>
+      <pc:sldChg chg="modSp mod">
+        <pc:chgData name="Akilah Johnson" userId="2fa3aa60-0c9c-4d06-bae2-795983241227" providerId="ADAL" clId="{7598C71F-6B67-2947-B18A-AD3AFAF83B9E}" dt="2021-11-24T00:03:04.956" v="14" actId="20577"/>
+        <pc:sldMkLst>
+          <pc:docMk/>
+          <pc:sldMk cId="2161849182" sldId="267"/>
+        </pc:sldMkLst>
+        <pc:graphicFrameChg chg="modGraphic">
+          <ac:chgData name="Akilah Johnson" userId="2fa3aa60-0c9c-4d06-bae2-795983241227" providerId="ADAL" clId="{7598C71F-6B67-2947-B18A-AD3AFAF83B9E}" dt="2021-11-24T00:03:04.956" v="14" actId="20577"/>
+          <ac:graphicFrameMkLst>
+            <pc:docMk/>
+            <pc:sldMk cId="2161849182" sldId="267"/>
+            <ac:graphicFrameMk id="9" creationId="{00000000-0000-0000-0000-000000000000}"/>
           </ac:graphicFrameMkLst>
         </pc:graphicFrameChg>
       </pc:sldChg>
@@ -231,189 +518,6 @@
     </pc:docChg>
   </pc:docChgLst>
   <pc:docChgLst>
-    <pc:chgData name="Lauren Schutte" userId="6e08b2d3-447a-4d66-86be-444d50df187f" providerId="ADAL" clId="{51054313-E3E9-A543-B651-B15A687DE6AB}"/>
-    <pc:docChg chg="custSel modSld">
-      <pc:chgData name="Lauren Schutte" userId="6e08b2d3-447a-4d66-86be-444d50df187f" providerId="ADAL" clId="{51054313-E3E9-A543-B651-B15A687DE6AB}" dt="2021-12-06T17:05:18.742" v="125" actId="20577"/>
-      <pc:docMkLst>
-        <pc:docMk/>
-      </pc:docMkLst>
-      <pc:sldChg chg="modSp mod">
-        <pc:chgData name="Lauren Schutte" userId="6e08b2d3-447a-4d66-86be-444d50df187f" providerId="ADAL" clId="{51054313-E3E9-A543-B651-B15A687DE6AB}" dt="2021-12-06T17:05:18.742" v="125" actId="20577"/>
-        <pc:sldMkLst>
-          <pc:docMk/>
-          <pc:sldMk cId="2161849182" sldId="267"/>
-        </pc:sldMkLst>
-        <pc:graphicFrameChg chg="mod modGraphic">
-          <ac:chgData name="Lauren Schutte" userId="6e08b2d3-447a-4d66-86be-444d50df187f" providerId="ADAL" clId="{51054313-E3E9-A543-B651-B15A687DE6AB}" dt="2021-12-06T17:05:18.742" v="125" actId="20577"/>
-          <ac:graphicFrameMkLst>
-            <pc:docMk/>
-            <pc:sldMk cId="2161849182" sldId="267"/>
-            <ac:graphicFrameMk id="9" creationId="{00000000-0000-0000-0000-000000000000}"/>
-          </ac:graphicFrameMkLst>
-        </pc:graphicFrameChg>
-      </pc:sldChg>
-    </pc:docChg>
-  </pc:docChgLst>
-  <pc:docChgLst>
-    <pc:chgData name="Akilah Johnson" userId="S::akjohnso@adobe.com::2fa3aa60-0c9c-4d06-bae2-795983241227" providerId="AD" clId="Web-{D02E726A-82A5-CF13-9EBE-9B674D878D37}"/>
-    <pc:docChg chg="modSld">
-      <pc:chgData name="Akilah Johnson" userId="S::akjohnso@adobe.com::2fa3aa60-0c9c-4d06-bae2-795983241227" providerId="AD" clId="Web-{D02E726A-82A5-CF13-9EBE-9B674D878D37}" dt="2021-10-12T19:51:27.470" v="10"/>
-      <pc:docMkLst>
-        <pc:docMk/>
-      </pc:docMkLst>
-      <pc:sldChg chg="modSp delCm">
-        <pc:chgData name="Akilah Johnson" userId="S::akjohnso@adobe.com::2fa3aa60-0c9c-4d06-bae2-795983241227" providerId="AD" clId="Web-{D02E726A-82A5-CF13-9EBE-9B674D878D37}" dt="2021-10-12T19:51:27.470" v="10"/>
-        <pc:sldMkLst>
-          <pc:docMk/>
-          <pc:sldMk cId="2161849182" sldId="267"/>
-        </pc:sldMkLst>
-        <pc:spChg chg="mod">
-          <ac:chgData name="Akilah Johnson" userId="S::akjohnso@adobe.com::2fa3aa60-0c9c-4d06-bae2-795983241227" providerId="AD" clId="Web-{D02E726A-82A5-CF13-9EBE-9B674D878D37}" dt="2021-10-12T19:51:04.127" v="8" actId="20577"/>
-          <ac:spMkLst>
-            <pc:docMk/>
-            <pc:sldMk cId="2161849182" sldId="267"/>
-            <ac:spMk id="2" creationId="{00000000-0000-0000-0000-000000000000}"/>
-          </ac:spMkLst>
-        </pc:spChg>
-      </pc:sldChg>
-    </pc:docChg>
-  </pc:docChgLst>
-  <pc:docChgLst>
-    <pc:chgData name="Akilah Johnson" userId="S::akjohnso@adobe.com::2fa3aa60-0c9c-4d06-bae2-795983241227" providerId="AD" clId="Web-{112231ED-4F38-A856-2EFF-9D0F88AC9BDF}"/>
-    <pc:docChg chg="modSld">
-      <pc:chgData name="Akilah Johnson" userId="S::akjohnso@adobe.com::2fa3aa60-0c9c-4d06-bae2-795983241227" providerId="AD" clId="Web-{112231ED-4F38-A856-2EFF-9D0F88AC9BDF}" dt="2021-09-22T19:11:31.474" v="2" actId="1076"/>
-      <pc:docMkLst>
-        <pc:docMk/>
-      </pc:docMkLst>
-      <pc:sldChg chg="modSp">
-        <pc:chgData name="Akilah Johnson" userId="S::akjohnso@adobe.com::2fa3aa60-0c9c-4d06-bae2-795983241227" providerId="AD" clId="Web-{112231ED-4F38-A856-2EFF-9D0F88AC9BDF}" dt="2021-09-22T19:11:31.474" v="2" actId="1076"/>
-        <pc:sldMkLst>
-          <pc:docMk/>
-          <pc:sldMk cId="1050037809" sldId="261"/>
-        </pc:sldMkLst>
-        <pc:spChg chg="mod">
-          <ac:chgData name="Akilah Johnson" userId="S::akjohnso@adobe.com::2fa3aa60-0c9c-4d06-bae2-795983241227" providerId="AD" clId="Web-{112231ED-4F38-A856-2EFF-9D0F88AC9BDF}" dt="2021-09-22T19:11:31.474" v="2" actId="1076"/>
-          <ac:spMkLst>
-            <pc:docMk/>
-            <pc:sldMk cId="1050037809" sldId="261"/>
-            <ac:spMk id="23" creationId="{00000000-0000-0000-0000-000000000000}"/>
-          </ac:spMkLst>
-        </pc:spChg>
-        <pc:spChg chg="mod">
-          <ac:chgData name="Akilah Johnson" userId="S::akjohnso@adobe.com::2fa3aa60-0c9c-4d06-bae2-795983241227" providerId="AD" clId="Web-{112231ED-4F38-A856-2EFF-9D0F88AC9BDF}" dt="2021-09-22T19:08:28.879" v="0" actId="1076"/>
-          <ac:spMkLst>
-            <pc:docMk/>
-            <pc:sldMk cId="1050037809" sldId="261"/>
-            <ac:spMk id="64" creationId="{41467BDC-3D83-D844-B922-CD07E94E5AAB}"/>
-          </ac:spMkLst>
-        </pc:spChg>
-      </pc:sldChg>
-    </pc:docChg>
-  </pc:docChgLst>
-  <pc:docChgLst>
-    <pc:chgData name="Andy Witt" userId="S::awitt@adobe.com::e9157bdf-53b2-40e4-9459-936793d75696" providerId="AD" clId="Web-{3F02B349-0406-AE51-D438-E7A0BE890230}"/>
-    <pc:docChg chg="modSld">
-      <pc:chgData name="Andy Witt" userId="S::awitt@adobe.com::e9157bdf-53b2-40e4-9459-936793d75696" providerId="AD" clId="Web-{3F02B349-0406-AE51-D438-E7A0BE890230}" dt="2021-08-25T18:45:07.550" v="11"/>
-      <pc:docMkLst>
-        <pc:docMk/>
-      </pc:docMkLst>
-      <pc:sldChg chg="modSp">
-        <pc:chgData name="Andy Witt" userId="S::awitt@adobe.com::e9157bdf-53b2-40e4-9459-936793d75696" providerId="AD" clId="Web-{3F02B349-0406-AE51-D438-E7A0BE890230}" dt="2021-08-25T18:45:07.550" v="11"/>
-        <pc:sldMkLst>
-          <pc:docMk/>
-          <pc:sldMk cId="1050037809" sldId="261"/>
-        </pc:sldMkLst>
-        <pc:graphicFrameChg chg="mod modGraphic">
-          <ac:chgData name="Andy Witt" userId="S::awitt@adobe.com::e9157bdf-53b2-40e4-9459-936793d75696" providerId="AD" clId="Web-{3F02B349-0406-AE51-D438-E7A0BE890230}" dt="2021-08-25T18:45:07.550" v="11"/>
-          <ac:graphicFrameMkLst>
-            <pc:docMk/>
-            <pc:sldMk cId="1050037809" sldId="261"/>
-            <ac:graphicFrameMk id="25" creationId="{3A91F5B0-3974-A14D-A146-FB590F2AAD18}"/>
-          </ac:graphicFrameMkLst>
-        </pc:graphicFrameChg>
-      </pc:sldChg>
-    </pc:docChg>
-  </pc:docChgLst>
-  <pc:docChgLst>
-    <pc:chgData name="Ankita Sood" userId="S::asood@adobe.com::c93a62e3-2a47-429d-82c6-c2a8fd110ae7" providerId="AD" clId="Web-{5EA87E00-148E-AB9F-558F-52E0C44EDC93}"/>
-    <pc:docChg chg="modSld">
-      <pc:chgData name="Ankita Sood" userId="S::asood@adobe.com::c93a62e3-2a47-429d-82c6-c2a8fd110ae7" providerId="AD" clId="Web-{5EA87E00-148E-AB9F-558F-52E0C44EDC93}" dt="2022-01-13T18:29:42.444" v="16" actId="20577"/>
-      <pc:docMkLst>
-        <pc:docMk/>
-      </pc:docMkLst>
-      <pc:sldChg chg="modSp">
-        <pc:chgData name="Ankita Sood" userId="S::asood@adobe.com::c93a62e3-2a47-429d-82c6-c2a8fd110ae7" providerId="AD" clId="Web-{5EA87E00-148E-AB9F-558F-52E0C44EDC93}" dt="2022-01-13T18:29:22.131" v="3" actId="20577"/>
-        <pc:sldMkLst>
-          <pc:docMk/>
-          <pc:sldMk cId="5960377" sldId="259"/>
-        </pc:sldMkLst>
-        <pc:spChg chg="mod">
-          <ac:chgData name="Ankita Sood" userId="S::asood@adobe.com::c93a62e3-2a47-429d-82c6-c2a8fd110ae7" providerId="AD" clId="Web-{5EA87E00-148E-AB9F-558F-52E0C44EDC93}" dt="2022-01-13T18:29:22.131" v="3" actId="20577"/>
-          <ac:spMkLst>
-            <pc:docMk/>
-            <pc:sldMk cId="5960377" sldId="259"/>
-            <ac:spMk id="94" creationId="{361FB899-EBCA-A144-BC72-6D65DDDA1D5D}"/>
-          </ac:spMkLst>
-        </pc:spChg>
-      </pc:sldChg>
-      <pc:sldChg chg="modSp">
-        <pc:chgData name="Ankita Sood" userId="S::asood@adobe.com::c93a62e3-2a47-429d-82c6-c2a8fd110ae7" providerId="AD" clId="Web-{5EA87E00-148E-AB9F-558F-52E0C44EDC93}" dt="2022-01-13T18:29:42.444" v="16" actId="20577"/>
-        <pc:sldMkLst>
-          <pc:docMk/>
-          <pc:sldMk cId="2161849182" sldId="267"/>
-        </pc:sldMkLst>
-        <pc:spChg chg="mod">
-          <ac:chgData name="Ankita Sood" userId="S::asood@adobe.com::c93a62e3-2a47-429d-82c6-c2a8fd110ae7" providerId="AD" clId="Web-{5EA87E00-148E-AB9F-558F-52E0C44EDC93}" dt="2022-01-13T18:29:42.444" v="16" actId="20577"/>
-          <ac:spMkLst>
-            <pc:docMk/>
-            <pc:sldMk cId="2161849182" sldId="267"/>
-            <ac:spMk id="12" creationId="{B5B9BF51-8921-A94B-954A-82B5B5874814}"/>
-          </ac:spMkLst>
-        </pc:spChg>
-        <pc:graphicFrameChg chg="mod modGraphic">
-          <ac:chgData name="Ankita Sood" userId="S::asood@adobe.com::c93a62e3-2a47-429d-82c6-c2a8fd110ae7" providerId="AD" clId="Web-{5EA87E00-148E-AB9F-558F-52E0C44EDC93}" dt="2022-01-13T18:29:37.693" v="15"/>
-          <ac:graphicFrameMkLst>
-            <pc:docMk/>
-            <pc:sldMk cId="2161849182" sldId="267"/>
-            <ac:graphicFrameMk id="9" creationId="{00000000-0000-0000-0000-000000000000}"/>
-          </ac:graphicFrameMkLst>
-        </pc:graphicFrameChg>
-        <pc:graphicFrameChg chg="mod modGraphic">
-          <ac:chgData name="Ankita Sood" userId="S::asood@adobe.com::c93a62e3-2a47-429d-82c6-c2a8fd110ae7" providerId="AD" clId="Web-{5EA87E00-148E-AB9F-558F-52E0C44EDC93}" dt="2022-01-13T18:29:31.787" v="5"/>
-          <ac:graphicFrameMkLst>
-            <pc:docMk/>
-            <pc:sldMk cId="2161849182" sldId="267"/>
-            <ac:graphicFrameMk id="13" creationId="{63DBC3ED-EEDC-974A-82A2-F5182CF12546}"/>
-          </ac:graphicFrameMkLst>
-        </pc:graphicFrameChg>
-      </pc:sldChg>
-    </pc:docChg>
-  </pc:docChgLst>
-  <pc:docChgLst>
-    <pc:chgData name="Akilah Johnson" userId="2fa3aa60-0c9c-4d06-bae2-795983241227" providerId="ADAL" clId="{7598C71F-6B67-2947-B18A-AD3AFAF83B9E}"/>
-    <pc:docChg chg="modSld">
-      <pc:chgData name="Akilah Johnson" userId="2fa3aa60-0c9c-4d06-bae2-795983241227" providerId="ADAL" clId="{7598C71F-6B67-2947-B18A-AD3AFAF83B9E}" dt="2021-11-24T00:03:04.956" v="14" actId="20577"/>
-      <pc:docMkLst>
-        <pc:docMk/>
-      </pc:docMkLst>
-      <pc:sldChg chg="modSp mod">
-        <pc:chgData name="Akilah Johnson" userId="2fa3aa60-0c9c-4d06-bae2-795983241227" providerId="ADAL" clId="{7598C71F-6B67-2947-B18A-AD3AFAF83B9E}" dt="2021-11-24T00:03:04.956" v="14" actId="20577"/>
-        <pc:sldMkLst>
-          <pc:docMk/>
-          <pc:sldMk cId="2161849182" sldId="267"/>
-        </pc:sldMkLst>
-        <pc:graphicFrameChg chg="modGraphic">
-          <ac:chgData name="Akilah Johnson" userId="2fa3aa60-0c9c-4d06-bae2-795983241227" providerId="ADAL" clId="{7598C71F-6B67-2947-B18A-AD3AFAF83B9E}" dt="2021-11-24T00:03:04.956" v="14" actId="20577"/>
-          <ac:graphicFrameMkLst>
-            <pc:docMk/>
-            <pc:sldMk cId="2161849182" sldId="267"/>
-            <ac:graphicFrameMk id="9" creationId="{00000000-0000-0000-0000-000000000000}"/>
-          </ac:graphicFrameMkLst>
-        </pc:graphicFrameChg>
-      </pc:sldChg>
-    </pc:docChg>
-  </pc:docChgLst>
-  <pc:docChgLst>
     <pc:chgData name="Akilah Johnson" userId="S::akjohnso@adobe.com::2fa3aa60-0c9c-4d06-bae2-795983241227" providerId="AD" clId="Web-{3CA2F123-FAC9-2CDD-7937-C83283BA7837}"/>
     <pc:docChg chg="modSld">
       <pc:chgData name="Akilah Johnson" userId="S::akjohnso@adobe.com::2fa3aa60-0c9c-4d06-bae2-795983241227" providerId="AD" clId="Web-{3CA2F123-FAC9-2CDD-7937-C83283BA7837}" dt="2021-09-16T20:58:19.458" v="0" actId="1076"/>
@@ -434,54 +538,6 @@
             <ac:spMk id="83" creationId="{BB34E685-A734-974B-A33A-BE51D1A8BC0D}"/>
           </ac:spMkLst>
         </pc:spChg>
-      </pc:sldChg>
-    </pc:docChg>
-  </pc:docChgLst>
-  <pc:docChgLst>
-    <pc:chgData name="Akilah Johnson" userId="S::akjohnso@adobe.com::2fa3aa60-0c9c-4d06-bae2-795983241227" providerId="AD" clId="Web-{DC554207-FA81-638A-220E-C39F63BF408A}"/>
-    <pc:docChg chg="modSld">
-      <pc:chgData name="Akilah Johnson" userId="S::akjohnso@adobe.com::2fa3aa60-0c9c-4d06-bae2-795983241227" providerId="AD" clId="Web-{DC554207-FA81-638A-220E-C39F63BF408A}" dt="2021-11-23T23:50:17.249" v="7"/>
-      <pc:docMkLst>
-        <pc:docMk/>
-      </pc:docMkLst>
-      <pc:sldChg chg="modSp">
-        <pc:chgData name="Akilah Johnson" userId="S::akjohnso@adobe.com::2fa3aa60-0c9c-4d06-bae2-795983241227" providerId="AD" clId="Web-{DC554207-FA81-638A-220E-C39F63BF408A}" dt="2021-11-23T23:50:17.249" v="7"/>
-        <pc:sldMkLst>
-          <pc:docMk/>
-          <pc:sldMk cId="2161849182" sldId="267"/>
-        </pc:sldMkLst>
-        <pc:graphicFrameChg chg="mod modGraphic">
-          <ac:chgData name="Akilah Johnson" userId="S::akjohnso@adobe.com::2fa3aa60-0c9c-4d06-bae2-795983241227" providerId="AD" clId="Web-{DC554207-FA81-638A-220E-C39F63BF408A}" dt="2021-11-23T23:50:17.249" v="7"/>
-          <ac:graphicFrameMkLst>
-            <pc:docMk/>
-            <pc:sldMk cId="2161849182" sldId="267"/>
-            <ac:graphicFrameMk id="9" creationId="{00000000-0000-0000-0000-000000000000}"/>
-          </ac:graphicFrameMkLst>
-        </pc:graphicFrameChg>
-      </pc:sldChg>
-    </pc:docChg>
-  </pc:docChgLst>
-  <pc:docChgLst>
-    <pc:chgData name="Akilah Johnson" userId="S::akjohnso@adobe.com::2fa3aa60-0c9c-4d06-bae2-795983241227" providerId="AD" clId="Web-{0AB2EF93-BE08-D205-D43E-3B568BB37DAA}"/>
-    <pc:docChg chg="modSld">
-      <pc:chgData name="Akilah Johnson" userId="S::akjohnso@adobe.com::2fa3aa60-0c9c-4d06-bae2-795983241227" providerId="AD" clId="Web-{0AB2EF93-BE08-D205-D43E-3B568BB37DAA}" dt="2021-09-22T23:01:45.877" v="13"/>
-      <pc:docMkLst>
-        <pc:docMk/>
-      </pc:docMkLst>
-      <pc:sldChg chg="modSp">
-        <pc:chgData name="Akilah Johnson" userId="S::akjohnso@adobe.com::2fa3aa60-0c9c-4d06-bae2-795983241227" providerId="AD" clId="Web-{0AB2EF93-BE08-D205-D43E-3B568BB37DAA}" dt="2021-09-22T23:01:45.877" v="13"/>
-        <pc:sldMkLst>
-          <pc:docMk/>
-          <pc:sldMk cId="1050037809" sldId="261"/>
-        </pc:sldMkLst>
-        <pc:graphicFrameChg chg="mod modGraphic">
-          <ac:chgData name="Akilah Johnson" userId="S::akjohnso@adobe.com::2fa3aa60-0c9c-4d06-bae2-795983241227" providerId="AD" clId="Web-{0AB2EF93-BE08-D205-D43E-3B568BB37DAA}" dt="2021-09-22T23:01:45.877" v="13"/>
-          <ac:graphicFrameMkLst>
-            <pc:docMk/>
-            <pc:sldMk cId="1050037809" sldId="261"/>
-            <ac:graphicFrameMk id="25" creationId="{3A91F5B0-3974-A14D-A146-FB590F2AAD18}"/>
-          </ac:graphicFrameMkLst>
-        </pc:graphicFrameChg>
       </pc:sldChg>
     </pc:docChg>
   </pc:docChgLst>
@@ -618,62 +674,6 @@
       </pc:sldChg>
     </pc:docChg>
   </pc:docChgLst>
-  <pc:docChgLst>
-    <pc:chgData name="Akilah Johnson" userId="S::akjohnso@adobe.com::2fa3aa60-0c9c-4d06-bae2-795983241227" providerId="AD" clId="Web-{A40C3D7D-993B-38B2-2DDA-C562505A1054}"/>
-    <pc:docChg chg="modSld">
-      <pc:chgData name="Akilah Johnson" userId="S::akjohnso@adobe.com::2fa3aa60-0c9c-4d06-bae2-795983241227" providerId="AD" clId="Web-{A40C3D7D-993B-38B2-2DDA-C562505A1054}" dt="2021-09-22T23:00:46.860" v="3"/>
-      <pc:docMkLst>
-        <pc:docMk/>
-      </pc:docMkLst>
-      <pc:sldChg chg="modSp">
-        <pc:chgData name="Akilah Johnson" userId="S::akjohnso@adobe.com::2fa3aa60-0c9c-4d06-bae2-795983241227" providerId="AD" clId="Web-{A40C3D7D-993B-38B2-2DDA-C562505A1054}" dt="2021-09-22T23:00:46.860" v="3"/>
-        <pc:sldMkLst>
-          <pc:docMk/>
-          <pc:sldMk cId="1050037809" sldId="261"/>
-        </pc:sldMkLst>
-        <pc:graphicFrameChg chg="mod modGraphic">
-          <ac:chgData name="Akilah Johnson" userId="S::akjohnso@adobe.com::2fa3aa60-0c9c-4d06-bae2-795983241227" providerId="AD" clId="Web-{A40C3D7D-993B-38B2-2DDA-C562505A1054}" dt="2021-09-22T23:00:46.860" v="3"/>
-          <ac:graphicFrameMkLst>
-            <pc:docMk/>
-            <pc:sldMk cId="1050037809" sldId="261"/>
-            <ac:graphicFrameMk id="25" creationId="{3A91F5B0-3974-A14D-A146-FB590F2AAD18}"/>
-          </ac:graphicFrameMkLst>
-        </pc:graphicFrameChg>
-      </pc:sldChg>
-    </pc:docChg>
-  </pc:docChgLst>
-  <pc:docChgLst>
-    <pc:chgData name="Akilah Johnson" userId="S::akjohnso@adobe.com::2fa3aa60-0c9c-4d06-bae2-795983241227" providerId="AD" clId="Web-{0AC6A3A1-0788-C69A-5EFD-279F3FA2CF0F}"/>
-    <pc:docChg chg="modSld">
-      <pc:chgData name="Akilah Johnson" userId="S::akjohnso@adobe.com::2fa3aa60-0c9c-4d06-bae2-795983241227" providerId="AD" clId="Web-{0AC6A3A1-0788-C69A-5EFD-279F3FA2CF0F}" dt="2021-09-22T18:56:17.553" v="29"/>
-      <pc:docMkLst>
-        <pc:docMk/>
-      </pc:docMkLst>
-      <pc:sldChg chg="modSp delCm">
-        <pc:chgData name="Akilah Johnson" userId="S::akjohnso@adobe.com::2fa3aa60-0c9c-4d06-bae2-795983241227" providerId="AD" clId="Web-{0AC6A3A1-0788-C69A-5EFD-279F3FA2CF0F}" dt="2021-09-22T18:56:17.553" v="29"/>
-        <pc:sldMkLst>
-          <pc:docMk/>
-          <pc:sldMk cId="1050037809" sldId="261"/>
-        </pc:sldMkLst>
-        <pc:spChg chg="mod">
-          <ac:chgData name="Akilah Johnson" userId="S::akjohnso@adobe.com::2fa3aa60-0c9c-4d06-bae2-795983241227" providerId="AD" clId="Web-{0AC6A3A1-0788-C69A-5EFD-279F3FA2CF0F}" dt="2021-09-22T18:55:46.585" v="16" actId="20577"/>
-          <ac:spMkLst>
-            <pc:docMk/>
-            <pc:sldMk cId="1050037809" sldId="261"/>
-            <ac:spMk id="64" creationId="{41467BDC-3D83-D844-B922-CD07E94E5AAB}"/>
-          </ac:spMkLst>
-        </pc:spChg>
-        <pc:graphicFrameChg chg="mod modGraphic">
-          <ac:chgData name="Akilah Johnson" userId="S::akjohnso@adobe.com::2fa3aa60-0c9c-4d06-bae2-795983241227" providerId="AD" clId="Web-{0AC6A3A1-0788-C69A-5EFD-279F3FA2CF0F}" dt="2021-09-22T18:55:59.928" v="28"/>
-          <ac:graphicFrameMkLst>
-            <pc:docMk/>
-            <pc:sldMk cId="1050037809" sldId="261"/>
-            <ac:graphicFrameMk id="25" creationId="{3A91F5B0-3974-A14D-A146-FB590F2AAD18}"/>
-          </ac:graphicFrameMkLst>
-        </pc:graphicFrameChg>
-      </pc:sldChg>
-    </pc:docChg>
-  </pc:docChgLst>
 </pc:chgInfo>
 </file>
 
@@ -773,7 +773,7 @@
           <a:p>
             <a:fld id="{CCB2A597-803A-C244-97E2-A01066125D19}" type="datetimeFigureOut">
               <a:rPr lang="en-US" smtClean="0"/>
-              <a:t>1/20/22</a:t>
+              <a:t>2/14/2022</a:t>
             </a:fld>
             <a:endParaRPr lang="en-US"/>
           </a:p>
@@ -1554,7 +1554,7 @@
           <a:p>
             <a:fld id="{1D8BD707-D9CF-40AE-B4C6-C98DA3205C09}" type="datetimeFigureOut">
               <a:rPr lang="en-US"/>
-              <a:t>1/20/22</a:t>
+              <a:t>2/14/2022</a:t>
             </a:fld>
             <a:endParaRPr lang="en-US"/>
           </a:p>
@@ -1794,7 +1794,7 @@
           <a:p>
             <a:fld id="{1D8BD707-D9CF-40AE-B4C6-C98DA3205C09}" type="datetimeFigureOut">
               <a:rPr lang="en-US"/>
-              <a:t>1/20/22</a:t>
+              <a:t>2/14/2022</a:t>
             </a:fld>
             <a:endParaRPr lang="en-US"/>
           </a:p>
@@ -2047,7 +2047,7 @@
           <a:p>
             <a:fld id="{1D8BD707-D9CF-40AE-B4C6-C98DA3205C09}" type="datetimeFigureOut">
               <a:rPr lang="en-US"/>
-              <a:t>1/20/22</a:t>
+              <a:t>2/14/2022</a:t>
             </a:fld>
             <a:endParaRPr lang="en-US"/>
           </a:p>
@@ -2234,7 +2234,7 @@
           <a:p>
             <a:fld id="{1D8BD707-D9CF-40AE-B4C6-C98DA3205C09}" type="datetimeFigureOut">
               <a:rPr lang="en-US"/>
-              <a:t>1/20/22</a:t>
+              <a:t>2/14/2022</a:t>
             </a:fld>
             <a:endParaRPr lang="en-US"/>
           </a:p>
@@ -2392,7 +2392,7 @@
           <a:p>
             <a:fld id="{1D8BD707-D9CF-40AE-B4C6-C98DA3205C09}" type="datetimeFigureOut">
               <a:rPr lang="en-US"/>
-              <a:t>1/20/22</a:t>
+              <a:t>2/14/2022</a:t>
             </a:fld>
             <a:endParaRPr lang="en-US"/>
           </a:p>
@@ -2650,7 +2650,7 @@
           <a:p>
             <a:fld id="{1D8BD707-D9CF-40AE-B4C6-C98DA3205C09}" type="datetimeFigureOut">
               <a:rPr lang="en-US"/>
-              <a:t>1/20/22</a:t>
+              <a:t>2/14/2022</a:t>
             </a:fld>
             <a:endParaRPr lang="en-US"/>
           </a:p>
@@ -2900,32 +2900,11 @@
               </a:spcBef>
             </a:pPr>
             <a:r>
-              <a:rPr sz="2300" dirty="0">
+              <a:rPr lang="pt-BR" sz="2300">
                 <a:latin typeface="Adobe Clean"/>
               </a:rPr>
-              <a:t>ADOBE</a:t>
-            </a:r>
-            <a:r>
-              <a:rPr lang="en-US" sz="2300" dirty="0">
-                <a:latin typeface="Adobe Clean"/>
-              </a:rPr>
-              <a:t> </a:t>
-            </a:r>
-            <a:r>
-              <a:rPr sz="2300" dirty="0">
-                <a:latin typeface="Adobe Clean"/>
-              </a:rPr>
-              <a:t>SUPPORT</a:t>
-            </a:r>
-            <a:r>
-              <a:rPr lang="en-US" sz="2300" dirty="0">
-                <a:latin typeface="Adobe Clean"/>
-              </a:rPr>
-              <a:t> PLANS</a:t>
-            </a:r>
-            <a:endParaRPr sz="2300" dirty="0">
-              <a:latin typeface="Adobe Clean" panose="020B0503020404020204" pitchFamily="34" charset="0"/>
-            </a:endParaRPr>
+              <a:t>PLANOS DE SUPORTE DA ADOBE</a:t>
+            </a:r>
           </a:p>
         </p:txBody>
       </p:sp>
@@ -2938,7 +2917,7 @@
         <p:spPr>
           <a:xfrm>
             <a:off x="125148" y="7013546"/>
-            <a:ext cx="2785110" cy="228268"/>
+            <a:ext cx="4271592" cy="228268"/>
           </a:xfrm>
           <a:prstGeom prst="rect">
             <a:avLst/>
@@ -2959,7 +2938,7 @@
               </a:spcBef>
             </a:pPr>
             <a:r>
-              <a:rPr sz="1400" b="1" u="sng" spc="15">
+              <a:rPr lang="pt-BR" sz="1400" b="1" u="sng" dirty="0">
                 <a:solidFill>
                   <a:srgbClr val="020302"/>
                 </a:solidFill>
@@ -2971,477 +2950,8 @@
                 <a:latin typeface="Adobe Clean"/>
                 <a:cs typeface="Adobe Clean"/>
               </a:rPr>
-              <a:t>S</a:t>
-            </a:r>
-            <a:r>
-              <a:rPr sz="1400" b="1" u="sng" spc="5">
-                <a:solidFill>
-                  <a:srgbClr val="020302"/>
-                </a:solidFill>
-                <a:uFill>
-                  <a:solidFill>
-                    <a:srgbClr val="020302"/>
-                  </a:solidFill>
-                </a:uFill>
-                <a:latin typeface="Adobe Clean"/>
-                <a:cs typeface="Adobe Clean"/>
-              </a:rPr>
-              <a:t>er</a:t>
-            </a:r>
-            <a:r>
-              <a:rPr sz="1400" b="1" u="sng" spc="10">
-                <a:solidFill>
-                  <a:srgbClr val="020302"/>
-                </a:solidFill>
-                <a:uFill>
-                  <a:solidFill>
-                    <a:srgbClr val="020302"/>
-                  </a:solidFill>
-                </a:uFill>
-                <a:latin typeface="Adobe Clean"/>
-                <a:cs typeface="Adobe Clean"/>
-              </a:rPr>
-              <a:t>vi</a:t>
-            </a:r>
-            <a:r>
-              <a:rPr sz="1400" b="1" u="sng" spc="5">
-                <a:solidFill>
-                  <a:srgbClr val="020302"/>
-                </a:solidFill>
-                <a:uFill>
-                  <a:solidFill>
-                    <a:srgbClr val="020302"/>
-                  </a:solidFill>
-                </a:uFill>
-                <a:latin typeface="Adobe Clean"/>
-                <a:cs typeface="Adobe Clean"/>
-              </a:rPr>
-              <a:t>c</a:t>
-            </a:r>
-            <a:r>
-              <a:rPr sz="1400" b="1" u="sng">
-                <a:solidFill>
-                  <a:srgbClr val="020302"/>
-                </a:solidFill>
-                <a:uFill>
-                  <a:solidFill>
-                    <a:srgbClr val="020302"/>
-                  </a:solidFill>
-                </a:uFill>
-                <a:latin typeface="Adobe Clean"/>
-                <a:cs typeface="Adobe Clean"/>
-              </a:rPr>
-              <a:t>e</a:t>
-            </a:r>
-            <a:r>
-              <a:rPr sz="1400" b="1" u="sng" spc="20">
-                <a:solidFill>
-                  <a:srgbClr val="020302"/>
-                </a:solidFill>
-                <a:uFill>
-                  <a:solidFill>
-                    <a:srgbClr val="020302"/>
-                  </a:solidFill>
-                </a:uFill>
-                <a:latin typeface="Adobe Clean"/>
-                <a:cs typeface="Adobe Clean"/>
-              </a:rPr>
-              <a:t> </a:t>
-            </a:r>
-            <a:r>
-              <a:rPr sz="1400" b="1" u="sng" spc="-15">
-                <a:solidFill>
-                  <a:srgbClr val="020302"/>
-                </a:solidFill>
-                <a:uFill>
-                  <a:solidFill>
-                    <a:srgbClr val="020302"/>
-                  </a:solidFill>
-                </a:uFill>
-                <a:latin typeface="Adobe Clean"/>
-                <a:cs typeface="Adobe Clean"/>
-              </a:rPr>
-              <a:t>Le</a:t>
-            </a:r>
-            <a:r>
-              <a:rPr sz="1400" b="1" u="sng" spc="-10">
-                <a:solidFill>
-                  <a:srgbClr val="020302"/>
-                </a:solidFill>
-                <a:uFill>
-                  <a:solidFill>
-                    <a:srgbClr val="020302"/>
-                  </a:solidFill>
-                </a:uFill>
-                <a:latin typeface="Adobe Clean"/>
-                <a:cs typeface="Adobe Clean"/>
-              </a:rPr>
-              <a:t>v</a:t>
-            </a:r>
-            <a:r>
-              <a:rPr sz="1400" b="1" u="sng" spc="-15">
-                <a:solidFill>
-                  <a:srgbClr val="020302"/>
-                </a:solidFill>
-                <a:uFill>
-                  <a:solidFill>
-                    <a:srgbClr val="020302"/>
-                  </a:solidFill>
-                </a:uFill>
-                <a:latin typeface="Adobe Clean"/>
-                <a:cs typeface="Adobe Clean"/>
-              </a:rPr>
-              <a:t>e</a:t>
-            </a:r>
-            <a:r>
-              <a:rPr sz="1400" b="1" u="sng">
-                <a:solidFill>
-                  <a:srgbClr val="020302"/>
-                </a:solidFill>
-                <a:uFill>
-                  <a:solidFill>
-                    <a:srgbClr val="020302"/>
-                  </a:solidFill>
-                </a:uFill>
-                <a:latin typeface="Adobe Clean"/>
-                <a:cs typeface="Adobe Clean"/>
-              </a:rPr>
-              <a:t>l</a:t>
-            </a:r>
-            <a:r>
-              <a:rPr sz="1400" b="1" u="sng" spc="-15">
-                <a:solidFill>
-                  <a:srgbClr val="020302"/>
-                </a:solidFill>
-                <a:uFill>
-                  <a:solidFill>
-                    <a:srgbClr val="020302"/>
-                  </a:solidFill>
-                </a:uFill>
-                <a:latin typeface="Adobe Clean"/>
-                <a:cs typeface="Adobe Clean"/>
-              </a:rPr>
-              <a:t> </a:t>
-            </a:r>
-            <a:r>
-              <a:rPr sz="1400" b="1" u="sng" spc="-55">
-                <a:solidFill>
-                  <a:srgbClr val="020302"/>
-                </a:solidFill>
-                <a:uFill>
-                  <a:solidFill>
-                    <a:srgbClr val="020302"/>
-                  </a:solidFill>
-                </a:uFill>
-                <a:latin typeface="Adobe Clean"/>
-                <a:cs typeface="Adobe Clean"/>
-              </a:rPr>
-              <a:t>T</a:t>
-            </a:r>
-            <a:r>
-              <a:rPr sz="1400" b="1" u="sng" spc="-40">
-                <a:solidFill>
-                  <a:srgbClr val="020302"/>
-                </a:solidFill>
-                <a:uFill>
-                  <a:solidFill>
-                    <a:srgbClr val="020302"/>
-                  </a:solidFill>
-                </a:uFill>
-                <a:latin typeface="Adobe Clean"/>
-                <a:cs typeface="Adobe Clean"/>
-              </a:rPr>
-              <a:t>a</a:t>
-            </a:r>
-            <a:r>
-              <a:rPr sz="1400" b="1" u="sng" spc="-45">
-                <a:solidFill>
-                  <a:srgbClr val="020302"/>
-                </a:solidFill>
-                <a:uFill>
-                  <a:solidFill>
-                    <a:srgbClr val="020302"/>
-                  </a:solidFill>
-                </a:uFill>
-                <a:latin typeface="Adobe Clean"/>
-                <a:cs typeface="Adobe Clean"/>
-              </a:rPr>
-              <a:t>r</a:t>
-            </a:r>
-            <a:r>
-              <a:rPr sz="1400" b="1" u="sng" spc="-40">
-                <a:solidFill>
-                  <a:srgbClr val="020302"/>
-                </a:solidFill>
-                <a:uFill>
-                  <a:solidFill>
-                    <a:srgbClr val="020302"/>
-                  </a:solidFill>
-                </a:uFill>
-                <a:latin typeface="Adobe Clean"/>
-                <a:cs typeface="Adobe Clean"/>
-              </a:rPr>
-              <a:t>g</a:t>
-            </a:r>
-            <a:r>
-              <a:rPr sz="1400" b="1" u="sng" spc="-50">
-                <a:solidFill>
-                  <a:srgbClr val="020302"/>
-                </a:solidFill>
-                <a:uFill>
-                  <a:solidFill>
-                    <a:srgbClr val="020302"/>
-                  </a:solidFill>
-                </a:uFill>
-                <a:latin typeface="Adobe Clean"/>
-                <a:cs typeface="Adobe Clean"/>
-              </a:rPr>
-              <a:t>et</a:t>
-            </a:r>
-            <a:r>
-              <a:rPr sz="1400" b="1" u="sng" spc="-45">
-                <a:solidFill>
-                  <a:srgbClr val="020302"/>
-                </a:solidFill>
-                <a:uFill>
-                  <a:solidFill>
-                    <a:srgbClr val="020302"/>
-                  </a:solidFill>
-                </a:uFill>
-                <a:latin typeface="Adobe Clean"/>
-                <a:cs typeface="Adobe Clean"/>
-              </a:rPr>
-              <a:t>s</a:t>
-            </a:r>
-            <a:r>
-              <a:rPr sz="1400" b="1" u="sng">
-                <a:solidFill>
-                  <a:srgbClr val="020302"/>
-                </a:solidFill>
-                <a:uFill>
-                  <a:solidFill>
-                    <a:srgbClr val="020302"/>
-                  </a:solidFill>
-                </a:uFill>
-                <a:latin typeface="Adobe Clean"/>
-                <a:cs typeface="Adobe Clean"/>
-              </a:rPr>
-              <a:t>:</a:t>
-            </a:r>
-            <a:r>
-              <a:rPr sz="1400" b="1" u="sng" spc="-85">
-                <a:solidFill>
-                  <a:srgbClr val="020302"/>
-                </a:solidFill>
-                <a:uFill>
-                  <a:solidFill>
-                    <a:srgbClr val="020302"/>
-                  </a:solidFill>
-                </a:uFill>
-                <a:latin typeface="Adobe Clean"/>
-                <a:cs typeface="Adobe Clean"/>
-              </a:rPr>
-              <a:t> </a:t>
-            </a:r>
-            <a:r>
-              <a:rPr sz="1400" b="1" u="sng" spc="-15">
-                <a:solidFill>
-                  <a:srgbClr val="020302"/>
-                </a:solidFill>
-                <a:uFill>
-                  <a:solidFill>
-                    <a:srgbClr val="020302"/>
-                  </a:solidFill>
-                </a:uFill>
-                <a:latin typeface="Adobe Clean"/>
-                <a:cs typeface="Adobe Clean"/>
-              </a:rPr>
-              <a:t>I</a:t>
-            </a:r>
-            <a:r>
-              <a:rPr sz="1400" b="1" u="sng" spc="-10">
-                <a:solidFill>
-                  <a:srgbClr val="020302"/>
-                </a:solidFill>
-                <a:uFill>
-                  <a:solidFill>
-                    <a:srgbClr val="020302"/>
-                  </a:solidFill>
-                </a:uFill>
-                <a:latin typeface="Adobe Clean"/>
-                <a:cs typeface="Adobe Clean"/>
-              </a:rPr>
-              <a:t>ni</a:t>
-            </a:r>
-            <a:r>
-              <a:rPr sz="1400" b="1" u="sng" spc="-15">
-                <a:solidFill>
-                  <a:srgbClr val="020302"/>
-                </a:solidFill>
-                <a:uFill>
-                  <a:solidFill>
-                    <a:srgbClr val="020302"/>
-                  </a:solidFill>
-                </a:uFill>
-                <a:latin typeface="Adobe Clean"/>
-                <a:cs typeface="Adobe Clean"/>
-              </a:rPr>
-              <a:t>t</a:t>
-            </a:r>
-            <a:r>
-              <a:rPr sz="1400" b="1" u="sng" spc="-10">
-                <a:solidFill>
-                  <a:srgbClr val="020302"/>
-                </a:solidFill>
-                <a:uFill>
-                  <a:solidFill>
-                    <a:srgbClr val="020302"/>
-                  </a:solidFill>
-                </a:uFill>
-                <a:latin typeface="Adobe Clean"/>
-                <a:cs typeface="Adobe Clean"/>
-              </a:rPr>
-              <a:t>i</a:t>
-            </a:r>
-            <a:r>
-              <a:rPr sz="1400" b="1" u="sng" spc="-5">
-                <a:solidFill>
-                  <a:srgbClr val="020302"/>
-                </a:solidFill>
-                <a:uFill>
-                  <a:solidFill>
-                    <a:srgbClr val="020302"/>
-                  </a:solidFill>
-                </a:uFill>
-                <a:latin typeface="Adobe Clean"/>
-                <a:cs typeface="Adobe Clean"/>
-              </a:rPr>
-              <a:t>a</a:t>
-            </a:r>
-            <a:r>
-              <a:rPr sz="1400" b="1" u="sng">
-                <a:solidFill>
-                  <a:srgbClr val="020302"/>
-                </a:solidFill>
-                <a:uFill>
-                  <a:solidFill>
-                    <a:srgbClr val="020302"/>
-                  </a:solidFill>
-                </a:uFill>
-                <a:latin typeface="Adobe Clean"/>
-                <a:cs typeface="Adobe Clean"/>
-              </a:rPr>
-              <a:t>l</a:t>
-            </a:r>
-            <a:r>
-              <a:rPr sz="1400" b="1" u="sng" spc="-145">
-                <a:solidFill>
-                  <a:srgbClr val="020302"/>
-                </a:solidFill>
-                <a:uFill>
-                  <a:solidFill>
-                    <a:srgbClr val="020302"/>
-                  </a:solidFill>
-                </a:uFill>
-                <a:latin typeface="Adobe Clean"/>
-                <a:cs typeface="Adobe Clean"/>
-              </a:rPr>
-              <a:t> </a:t>
-            </a:r>
-            <a:r>
-              <a:rPr sz="1400" b="1" u="sng" spc="-15">
-                <a:solidFill>
-                  <a:srgbClr val="020302"/>
-                </a:solidFill>
-                <a:uFill>
-                  <a:solidFill>
-                    <a:srgbClr val="020302"/>
-                  </a:solidFill>
-                </a:uFill>
-                <a:latin typeface="Adobe Clean"/>
-                <a:cs typeface="Adobe Clean"/>
-              </a:rPr>
-              <a:t>R</a:t>
-            </a:r>
-            <a:r>
-              <a:rPr sz="1400" b="1" u="sng" spc="-20">
-                <a:solidFill>
-                  <a:srgbClr val="020302"/>
-                </a:solidFill>
-                <a:uFill>
-                  <a:solidFill>
-                    <a:srgbClr val="020302"/>
-                  </a:solidFill>
-                </a:uFill>
-                <a:latin typeface="Adobe Clean"/>
-                <a:cs typeface="Adobe Clean"/>
-              </a:rPr>
-              <a:t>e</a:t>
-            </a:r>
-            <a:r>
-              <a:rPr sz="1400" b="1" u="sng" spc="-15">
-                <a:solidFill>
-                  <a:srgbClr val="020302"/>
-                </a:solidFill>
-                <a:uFill>
-                  <a:solidFill>
-                    <a:srgbClr val="020302"/>
-                  </a:solidFill>
-                </a:uFill>
-                <a:latin typeface="Adobe Clean"/>
-                <a:cs typeface="Adobe Clean"/>
-              </a:rPr>
-              <a:t>s</a:t>
-            </a:r>
-            <a:r>
-              <a:rPr sz="1400" b="1" u="sng" spc="-20">
-                <a:solidFill>
-                  <a:srgbClr val="020302"/>
-                </a:solidFill>
-                <a:uFill>
-                  <a:solidFill>
-                    <a:srgbClr val="020302"/>
-                  </a:solidFill>
-                </a:uFill>
-                <a:latin typeface="Adobe Clean"/>
-                <a:cs typeface="Adobe Clean"/>
-              </a:rPr>
-              <a:t>p</a:t>
-            </a:r>
-            <a:r>
-              <a:rPr sz="1400" b="1" u="sng" spc="-15">
-                <a:solidFill>
-                  <a:srgbClr val="020302"/>
-                </a:solidFill>
-                <a:uFill>
-                  <a:solidFill>
-                    <a:srgbClr val="020302"/>
-                  </a:solidFill>
-                </a:uFill>
-                <a:latin typeface="Adobe Clean"/>
-                <a:cs typeface="Adobe Clean"/>
-              </a:rPr>
-              <a:t>ons</a:t>
-            </a:r>
-            <a:r>
-              <a:rPr sz="1400" b="1" u="sng">
-                <a:solidFill>
-                  <a:srgbClr val="020302"/>
-                </a:solidFill>
-                <a:uFill>
-                  <a:solidFill>
-                    <a:srgbClr val="020302"/>
-                  </a:solidFill>
-                </a:uFill>
-                <a:latin typeface="Adobe Clean"/>
-                <a:cs typeface="Adobe Clean"/>
-              </a:rPr>
-              <a:t>e</a:t>
-            </a:r>
-            <a:endParaRPr sz="1400" u="sng">
-              <a:latin typeface="Adobe Clean"/>
-              <a:cs typeface="Adobe Clean"/>
-            </a:endParaRPr>
+              <a:t>Metas de nível de serviço: Resposta inicial</a:t>
+            </a:r>
           </a:p>
         </p:txBody>
       </p:sp>
@@ -3454,14 +2964,14 @@
           <p:nvPr>
             <p:extLst>
               <p:ext uri="{D42A27DB-BD31-4B8C-83A1-F6EECF244321}">
-                <p14:modId xmlns:p14="http://schemas.microsoft.com/office/powerpoint/2010/main" val="3301165224"/>
+                <p14:modId xmlns:p14="http://schemas.microsoft.com/office/powerpoint/2010/main" val="2991498432"/>
               </p:ext>
             </p:extLst>
           </p:nvPr>
         </p:nvGraphicFramePr>
         <p:xfrm>
           <a:off x="146919" y="7473158"/>
-          <a:ext cx="7477080" cy="2172629"/>
+          <a:ext cx="7477080" cy="2256833"/>
         </p:xfrm>
         <a:graphic>
           <a:graphicData uri="http://schemas.openxmlformats.org/drawingml/2006/table">
@@ -3507,19 +3017,15 @@
                         </a:spcBef>
                       </a:pPr>
                       <a:r>
-                        <a:rPr sz="900" spc="-20" dirty="0">
+                        <a:rPr lang="pt-BR" sz="900">
                           <a:solidFill>
                             <a:srgbClr val="020302"/>
                           </a:solidFill>
                           <a:latin typeface="Adobe Clean"/>
                           <a:cs typeface="Adobe Clean"/>
                         </a:rPr>
-                        <a:t>Priority</a:t>
+                        <a:t>Prioridade</a:t>
                       </a:r>
-                      <a:endParaRPr sz="900" dirty="0">
-                        <a:latin typeface="Adobe Clean"/>
-                        <a:cs typeface="Adobe Clean"/>
-                      </a:endParaRPr>
                     </a:p>
                   </a:txBody>
                   <a:tcPr marL="0" marR="0" marT="6985" marB="0" anchor="ctr">
@@ -3566,19 +3072,15 @@
                         </a:spcBef>
                       </a:pPr>
                       <a:r>
-                        <a:rPr lang="en-US" sz="900" spc="0" dirty="0">
+                        <a:rPr lang="pt-BR" sz="900">
                           <a:solidFill>
                             <a:srgbClr val="020302"/>
                           </a:solidFill>
                           <a:latin typeface="Adobe Clean"/>
                           <a:cs typeface="Adobe Clean"/>
                         </a:rPr>
-                        <a:t>Standard Support</a:t>
+                        <a:t>Suporte Standard</a:t>
                       </a:r>
-                      <a:endParaRPr sz="900" spc="0" dirty="0">
-                        <a:latin typeface="Adobe Clean"/>
-                        <a:cs typeface="Adobe Clean"/>
-                      </a:endParaRPr>
                     </a:p>
                   </a:txBody>
                   <a:tcPr marL="0" marR="0" marT="0" marB="0" anchor="ctr">
@@ -3628,19 +3130,15 @@
                         </a:spcBef>
                       </a:pPr>
                       <a:r>
-                        <a:rPr sz="900" spc="0" dirty="0">
+                        <a:rPr lang="pt-BR" sz="900">
                           <a:solidFill>
                             <a:srgbClr val="FFFFFF"/>
                           </a:solidFill>
                           <a:latin typeface="Adobe Clean"/>
                           <a:cs typeface="Adobe Clean"/>
                         </a:rPr>
-                        <a:t>Enterprise Support</a:t>
+                        <a:t>Suporte Enterprise</a:t>
                       </a:r>
-                      <a:endParaRPr sz="900" spc="0" dirty="0">
-                        <a:latin typeface="Adobe Clean"/>
-                        <a:cs typeface="Adobe Clean"/>
-                      </a:endParaRPr>
                     </a:p>
                   </a:txBody>
                   <a:tcPr marL="0" marR="0" marT="0" marB="0" anchor="ctr">
@@ -3700,109 +3198,15 @@
                         </a:spcBef>
                       </a:pPr>
                       <a:r>
-                        <a:rPr sz="900" b="1" spc="-15" dirty="0">
+                        <a:rPr lang="pt-BR" sz="900" b="1" dirty="0">
                           <a:solidFill>
                             <a:srgbClr val="020302"/>
                           </a:solidFill>
                           <a:latin typeface="Adobe Clean"/>
                           <a:cs typeface="Adobe Clean"/>
                         </a:rPr>
-                        <a:t>P</a:t>
+                        <a:t>PRIORIDADE 1</a:t>
                       </a:r>
-                      <a:r>
-                        <a:rPr sz="900" b="1" spc="-20" dirty="0">
-                          <a:solidFill>
-                            <a:srgbClr val="020302"/>
-                          </a:solidFill>
-                          <a:latin typeface="Adobe Clean"/>
-                          <a:cs typeface="Adobe Clean"/>
-                        </a:rPr>
-                        <a:t>R</a:t>
-                      </a:r>
-                      <a:r>
-                        <a:rPr sz="900" b="1" spc="-25" dirty="0">
-                          <a:solidFill>
-                            <a:srgbClr val="020302"/>
-                          </a:solidFill>
-                          <a:latin typeface="Adobe Clean"/>
-                          <a:cs typeface="Adobe Clean"/>
-                        </a:rPr>
-                        <a:t>I</a:t>
-                      </a:r>
-                      <a:r>
-                        <a:rPr sz="900" b="1" spc="-15" dirty="0">
-                          <a:solidFill>
-                            <a:srgbClr val="020302"/>
-                          </a:solidFill>
-                          <a:latin typeface="Adobe Clean"/>
-                          <a:cs typeface="Adobe Clean"/>
-                        </a:rPr>
-                        <a:t>O</a:t>
-                      </a:r>
-                      <a:r>
-                        <a:rPr sz="900" b="1" spc="-20" dirty="0">
-                          <a:solidFill>
-                            <a:srgbClr val="020302"/>
-                          </a:solidFill>
-                          <a:latin typeface="Adobe Clean"/>
-                          <a:cs typeface="Adobe Clean"/>
-                        </a:rPr>
-                        <a:t>R</a:t>
-                      </a:r>
-                      <a:r>
-                        <a:rPr sz="900" b="1" spc="-25" dirty="0">
-                          <a:solidFill>
-                            <a:srgbClr val="020302"/>
-                          </a:solidFill>
-                          <a:latin typeface="Adobe Clean"/>
-                          <a:cs typeface="Adobe Clean"/>
-                        </a:rPr>
-                        <a:t>I</a:t>
-                      </a:r>
-                      <a:r>
-                        <a:rPr sz="900" b="1" spc="-15" dirty="0">
-                          <a:solidFill>
-                            <a:srgbClr val="020302"/>
-                          </a:solidFill>
-                          <a:latin typeface="Adobe Clean"/>
-                          <a:cs typeface="Adobe Clean"/>
-                        </a:rPr>
-                        <a:t>T</a:t>
-                      </a:r>
-                      <a:r>
-                        <a:rPr sz="900" b="1" dirty="0">
-                          <a:solidFill>
-                            <a:srgbClr val="020302"/>
-                          </a:solidFill>
-                          <a:latin typeface="Adobe Clean"/>
-                          <a:cs typeface="Adobe Clean"/>
-                        </a:rPr>
-                        <a:t>Y</a:t>
-                      </a:r>
-                      <a:r>
-                        <a:rPr sz="900" b="1" spc="-40" dirty="0">
-                          <a:solidFill>
-                            <a:srgbClr val="020302"/>
-                          </a:solidFill>
-                          <a:latin typeface="Adobe Clean"/>
-                          <a:cs typeface="Adobe Clean"/>
-                        </a:rPr>
-                        <a:t> </a:t>
-                      </a:r>
-                      <a:r>
-                        <a:rPr sz="900" b="1" dirty="0">
-                          <a:solidFill>
-                            <a:srgbClr val="020302"/>
-                          </a:solidFill>
-                          <a:latin typeface="Adobe Clean"/>
-                          <a:cs typeface="Adobe Clean"/>
-                        </a:rPr>
-                        <a:t>1</a:t>
-                      </a:r>
-                      <a:endParaRPr sz="900" dirty="0">
-                        <a:latin typeface="Adobe Clean"/>
-                        <a:cs typeface="Adobe Clean"/>
-                      </a:endParaRPr>
                     </a:p>
                     <a:p>
                       <a:pPr marL="50800" marR="387985" lvl="0" indent="0" eaLnBrk="1" fontAlgn="auto" latinLnBrk="0" hangingPunct="1">
@@ -3821,31 +3225,48 @@
                         <a:buNone/>
                       </a:pPr>
                       <a:r>
-                        <a:rPr lang="en-US" sz="900" b="0" i="0" spc="-130" dirty="0">
+                        <a:rPr lang="pt-BR" sz="900" b="0" i="0" dirty="0">
                           <a:solidFill>
                             <a:srgbClr val="020302"/>
                           </a:solidFill>
                           <a:latin typeface="Adobe Clean Light"/>
+                          <a:ea typeface="+mn-ea"/>
                           <a:cs typeface="+mn-cs"/>
                         </a:rPr>
                         <a:t> </a:t>
                       </a:r>
                       <a:r>
-                        <a:rPr lang="en-US" sz="900" b="0" i="0" u="none" strike="noStrike" dirty="0">
+                        <a:rPr lang="pt-BR" sz="900" b="0" i="0" u="none" strike="noStrike" dirty="0">
                           <a:solidFill>
                             <a:schemeClr val="tx1"/>
                           </a:solidFill>
-                          <a:effectLst/>
                           <a:latin typeface="Adobe Clean Light"/>
                           <a:ea typeface="+mn-ea"/>
                           <a:cs typeface="+mn-cs"/>
                         </a:rPr>
-                        <a:t>Customer's production business functions are down or have significant data loss or degradation of services and immediate attention is required to restore functionality and usability</a:t>
+                        <a:t>As funções empresariais de produção do cliente estão inativas ou têm perda significativa de dados ou degradação de serviços, e é necessária atenção imediata para restaurar </a:t>
                       </a:r>
-                      <a:endParaRPr lang="en-US" sz="900" b="0" i="0" dirty="0">
-                        <a:latin typeface="Adobe Clean Light"/>
-                        <a:cs typeface="AdobeClean-Light"/>
-                      </a:endParaRPr>
+                      <a:br>
+                        <a:rPr lang="pt-BR" sz="900" b="0" i="0" u="none" strike="noStrike" dirty="0">
+                          <a:solidFill>
+                            <a:schemeClr val="tx1"/>
+                          </a:solidFill>
+                          <a:latin typeface="Adobe Clean Light"/>
+                          <a:ea typeface="+mn-ea"/>
+                          <a:cs typeface="+mn-cs"/>
+                        </a:rPr>
+                      </a:br>
+                      <a:r>
+                        <a:rPr lang="pt-BR" sz="900" b="0" i="0" u="none" strike="noStrike" dirty="0">
+                          <a:solidFill>
+                            <a:schemeClr val="tx1"/>
+                          </a:solidFill>
+                          <a:latin typeface="Adobe Clean Light"/>
+                          <a:ea typeface="+mn-ea"/>
+                          <a:cs typeface="+mn-cs"/>
+                        </a:rPr>
+                        <a:t>a funcionalidade e a usabilidade</a:t>
+                      </a:r>
                     </a:p>
                   </a:txBody>
                   <a:tcPr marL="0" marR="0" marT="0" marB="0" anchor="ctr">
@@ -3885,14 +3306,13 @@
                     <a:p>
                       <a:pPr algn="ctr" fontAlgn="ctr"/>
                       <a:r>
-                        <a:rPr lang="en-US" sz="900" b="0" i="0" u="none" strike="noStrike" dirty="0">
+                        <a:rPr lang="pt-BR" sz="900" b="0" i="0" u="none" strike="noStrike">
                           <a:solidFill>
                             <a:srgbClr val="020302"/>
                           </a:solidFill>
-                          <a:effectLst/>
                           <a:latin typeface="AdobeClean-Light" panose="020B0503020404020204" pitchFamily="34" charset="0"/>
                         </a:rPr>
-                        <a:t>24x7 /  1 hour</a:t>
+                        <a:t>24x7 / 1 hora</a:t>
                       </a:r>
                     </a:p>
                   </a:txBody>
@@ -3933,14 +3353,13 @@
                     <a:p>
                       <a:pPr algn="ctr" fontAlgn="ctr"/>
                       <a:r>
-                        <a:rPr lang="en-US" sz="900" b="0" i="0" u="none" strike="noStrike" dirty="0">
+                        <a:rPr lang="pt-BR" sz="900" b="0" i="0" u="none" strike="noStrike">
                           <a:solidFill>
                             <a:srgbClr val="020302"/>
                           </a:solidFill>
-                          <a:effectLst/>
                           <a:latin typeface="AdobeClean-Light"/>
                         </a:rPr>
-                        <a:t>24x7 / 30 minutes</a:t>
+                        <a:t>24x7 / 30 minutos</a:t>
                       </a:r>
                     </a:p>
                   </a:txBody>
@@ -4006,112 +3425,15 @@
                         </a:spcBef>
                       </a:pPr>
                       <a:r>
-                        <a:rPr sz="900" b="1" spc="-15" dirty="0">
+                        <a:rPr lang="pt-BR" sz="900" b="1">
                           <a:solidFill>
                             <a:srgbClr val="020302"/>
                           </a:solidFill>
                           <a:latin typeface="Adobe Clean"/>
                           <a:cs typeface="Adobe Clean"/>
                         </a:rPr>
-                        <a:t>P</a:t>
+                        <a:t>PRIORIDADE 2</a:t>
                       </a:r>
-                      <a:r>
-                        <a:rPr sz="900" b="1" spc="-20" dirty="0">
-                          <a:solidFill>
-                            <a:srgbClr val="020302"/>
-                          </a:solidFill>
-                          <a:latin typeface="Adobe Clean"/>
-                          <a:cs typeface="Adobe Clean"/>
-                        </a:rPr>
-                        <a:t>R</a:t>
-                      </a:r>
-                      <a:r>
-                        <a:rPr sz="900" b="1" spc="-25" dirty="0">
-                          <a:solidFill>
-                            <a:srgbClr val="020302"/>
-                          </a:solidFill>
-                          <a:latin typeface="Adobe Clean"/>
-                          <a:cs typeface="Adobe Clean"/>
-                        </a:rPr>
-                        <a:t>I</a:t>
-                      </a:r>
-                      <a:r>
-                        <a:rPr sz="900" b="1" spc="-15" dirty="0">
-                          <a:solidFill>
-                            <a:srgbClr val="020302"/>
-                          </a:solidFill>
-                          <a:latin typeface="Adobe Clean"/>
-                          <a:cs typeface="Adobe Clean"/>
-                        </a:rPr>
-                        <a:t>O</a:t>
-                      </a:r>
-                      <a:r>
-                        <a:rPr sz="900" b="1" spc="-20" dirty="0">
-                          <a:solidFill>
-                            <a:srgbClr val="020302"/>
-                          </a:solidFill>
-                          <a:latin typeface="Adobe Clean"/>
-                          <a:cs typeface="Adobe Clean"/>
-                        </a:rPr>
-                        <a:t>R</a:t>
-                      </a:r>
-                      <a:r>
-                        <a:rPr sz="900" b="1" spc="-25" dirty="0">
-                          <a:solidFill>
-                            <a:srgbClr val="020302"/>
-                          </a:solidFill>
-                          <a:latin typeface="Adobe Clean"/>
-                          <a:cs typeface="Adobe Clean"/>
-                        </a:rPr>
-                        <a:t>I</a:t>
-                      </a:r>
-                      <a:r>
-                        <a:rPr sz="900" b="1" spc="-15" dirty="0">
-                          <a:solidFill>
-                            <a:srgbClr val="020302"/>
-                          </a:solidFill>
-                          <a:latin typeface="Adobe Clean"/>
-                          <a:cs typeface="Adobe Clean"/>
-                        </a:rPr>
-                        <a:t>T</a:t>
-                      </a:r>
-                      <a:r>
-                        <a:rPr sz="900" b="1" dirty="0">
-                          <a:solidFill>
-                            <a:srgbClr val="020302"/>
-                          </a:solidFill>
-                          <a:latin typeface="Adobe Clean"/>
-                          <a:cs typeface="Adobe Clean"/>
-                        </a:rPr>
-                        <a:t>Y</a:t>
-                      </a:r>
-                      <a:r>
-                        <a:rPr sz="900" b="1" spc="-40" dirty="0">
-                          <a:solidFill>
-                            <a:srgbClr val="020302"/>
-                          </a:solidFill>
-                          <a:latin typeface="Adobe Clean"/>
-                          <a:cs typeface="Adobe Clean"/>
-                        </a:rPr>
-                        <a:t> </a:t>
-                      </a:r>
-                      <a:r>
-                        <a:rPr sz="900" b="1" dirty="0">
-                          <a:solidFill>
-                            <a:srgbClr val="020302"/>
-                          </a:solidFill>
-                          <a:latin typeface="Adobe Clean"/>
-                          <a:cs typeface="Adobe Clean"/>
-                        </a:rPr>
-                        <a:t>2</a:t>
-                      </a:r>
-                      <a:endParaRPr lang="en-US" sz="900" b="1" dirty="0">
-                        <a:solidFill>
-                          <a:srgbClr val="020302"/>
-                        </a:solidFill>
-                        <a:latin typeface="Adobe Clean"/>
-                        <a:cs typeface="Adobe Clean"/>
-                      </a:endParaRPr>
                     </a:p>
                     <a:p>
                       <a:pPr marL="50800" marR="0" lvl="0" indent="0" defTabSz="914400" eaLnBrk="1" fontAlgn="auto" latinLnBrk="0" hangingPunct="1">
@@ -4132,31 +3454,27 @@
                         <a:defRPr/>
                       </a:pPr>
                       <a:r>
-                        <a:rPr lang="en-US" sz="900" b="0" i="0" spc="-130" dirty="0">
+                        <a:rPr lang="pt-BR" sz="900" b="0" i="0">
                           <a:solidFill>
                             <a:srgbClr val="020302"/>
                           </a:solidFill>
                           <a:latin typeface="Adobe Clean Light"/>
+                          <a:ea typeface="+mn-ea"/>
                           <a:cs typeface="+mn-cs"/>
                         </a:rPr>
                         <a:t> </a:t>
                       </a:r>
                       <a:r>
-                        <a:rPr lang="en-US" sz="900" b="0" i="0" u="none" strike="noStrike" dirty="0">
+                        <a:rPr lang="pt-BR" sz="900" b="0" i="0" u="none" strike="noStrike">
                           <a:solidFill>
                             <a:schemeClr val="tx1"/>
                           </a:solidFill>
-                          <a:effectLst/>
                           <a:latin typeface="Adobe Clean Light"/>
                           <a:ea typeface="+mn-ea"/>
                           <a:cs typeface="+mn-cs"/>
                         </a:rPr>
-                        <a:t>Customer’s business functions have major service degradations or potential data loss, or a major feature is impacted.</a:t>
+                        <a:t>As funções empresariais do cliente têm grande degradação de serviços, perda potencial de dados ou foi afetado um recurso importante.</a:t>
                       </a:r>
-                      <a:endParaRPr lang="en-US" sz="900" b="0" i="0" dirty="0">
-                        <a:latin typeface="Adobe Clean Light"/>
-                        <a:cs typeface="AdobeClean-Light"/>
-                      </a:endParaRPr>
                     </a:p>
                   </a:txBody>
                   <a:tcPr marL="0" marR="0" marT="0" marB="0" anchor="ctr">
@@ -4196,14 +3514,13 @@
                     <a:p>
                       <a:pPr algn="ctr" fontAlgn="ctr"/>
                       <a:r>
-                        <a:rPr lang="en-US" sz="900" b="0" i="0" u="none" strike="noStrike" dirty="0">
+                        <a:rPr lang="pt-BR" sz="900" b="0" i="0" u="none" strike="noStrike">
                           <a:solidFill>
                             <a:srgbClr val="020302"/>
                           </a:solidFill>
-                          <a:effectLst/>
                           <a:latin typeface="AdobeClean-Light" panose="020B0503020404020204" pitchFamily="34" charset="0"/>
                         </a:rPr>
-                        <a:t>Business hours / 4 hours</a:t>
+                        <a:t>Horário comercial / 4 horas</a:t>
                       </a:r>
                     </a:p>
                   </a:txBody>
@@ -4244,14 +3561,13 @@
                     <a:p>
                       <a:pPr algn="ctr" fontAlgn="ctr"/>
                       <a:r>
-                        <a:rPr lang="en-US" sz="900" b="0" i="0" u="none" strike="noStrike" dirty="0">
+                        <a:rPr lang="pt-BR" sz="900" b="0" i="0" u="none" strike="noStrike">
                           <a:solidFill>
                             <a:srgbClr val="020302"/>
                           </a:solidFill>
-                          <a:effectLst/>
                           <a:latin typeface="AdobeClean-Light"/>
                         </a:rPr>
-                        <a:t>24x5 / 1 hour</a:t>
+                        <a:t>24x5 / 1 hora</a:t>
                       </a:r>
                     </a:p>
                   </a:txBody>
@@ -4314,109 +3630,15 @@
                         </a:spcBef>
                       </a:pPr>
                       <a:r>
-                        <a:rPr sz="900" b="1" spc="-15" dirty="0">
+                        <a:rPr lang="pt-BR" sz="900" b="1">
                           <a:solidFill>
                             <a:srgbClr val="020302"/>
                           </a:solidFill>
                           <a:latin typeface="Adobe Clean"/>
                           <a:cs typeface="Adobe Clean"/>
                         </a:rPr>
-                        <a:t>P</a:t>
+                        <a:t>PRIORIDADE 3</a:t>
                       </a:r>
-                      <a:r>
-                        <a:rPr sz="900" b="1" spc="-20" dirty="0">
-                          <a:solidFill>
-                            <a:srgbClr val="020302"/>
-                          </a:solidFill>
-                          <a:latin typeface="Adobe Clean"/>
-                          <a:cs typeface="Adobe Clean"/>
-                        </a:rPr>
-                        <a:t>R</a:t>
-                      </a:r>
-                      <a:r>
-                        <a:rPr sz="900" b="1" spc="-25" dirty="0">
-                          <a:solidFill>
-                            <a:srgbClr val="020302"/>
-                          </a:solidFill>
-                          <a:latin typeface="Adobe Clean"/>
-                          <a:cs typeface="Adobe Clean"/>
-                        </a:rPr>
-                        <a:t>I</a:t>
-                      </a:r>
-                      <a:r>
-                        <a:rPr sz="900" b="1" spc="-15" dirty="0">
-                          <a:solidFill>
-                            <a:srgbClr val="020302"/>
-                          </a:solidFill>
-                          <a:latin typeface="Adobe Clean"/>
-                          <a:cs typeface="Adobe Clean"/>
-                        </a:rPr>
-                        <a:t>O</a:t>
-                      </a:r>
-                      <a:r>
-                        <a:rPr sz="900" b="1" spc="-20" dirty="0">
-                          <a:solidFill>
-                            <a:srgbClr val="020302"/>
-                          </a:solidFill>
-                          <a:latin typeface="Adobe Clean"/>
-                          <a:cs typeface="Adobe Clean"/>
-                        </a:rPr>
-                        <a:t>R</a:t>
-                      </a:r>
-                      <a:r>
-                        <a:rPr sz="900" b="1" spc="-25" dirty="0">
-                          <a:solidFill>
-                            <a:srgbClr val="020302"/>
-                          </a:solidFill>
-                          <a:latin typeface="Adobe Clean"/>
-                          <a:cs typeface="Adobe Clean"/>
-                        </a:rPr>
-                        <a:t>I</a:t>
-                      </a:r>
-                      <a:r>
-                        <a:rPr sz="900" b="1" spc="-15" dirty="0">
-                          <a:solidFill>
-                            <a:srgbClr val="020302"/>
-                          </a:solidFill>
-                          <a:latin typeface="Adobe Clean"/>
-                          <a:cs typeface="Adobe Clean"/>
-                        </a:rPr>
-                        <a:t>T</a:t>
-                      </a:r>
-                      <a:r>
-                        <a:rPr sz="900" b="1" dirty="0">
-                          <a:solidFill>
-                            <a:srgbClr val="020302"/>
-                          </a:solidFill>
-                          <a:latin typeface="Adobe Clean"/>
-                          <a:cs typeface="Adobe Clean"/>
-                        </a:rPr>
-                        <a:t>Y</a:t>
-                      </a:r>
-                      <a:r>
-                        <a:rPr sz="900" b="1" spc="-40" dirty="0">
-                          <a:solidFill>
-                            <a:srgbClr val="020302"/>
-                          </a:solidFill>
-                          <a:latin typeface="Adobe Clean"/>
-                          <a:cs typeface="Adobe Clean"/>
-                        </a:rPr>
-                        <a:t> </a:t>
-                      </a:r>
-                      <a:r>
-                        <a:rPr sz="900" b="1" dirty="0">
-                          <a:solidFill>
-                            <a:srgbClr val="020302"/>
-                          </a:solidFill>
-                          <a:latin typeface="Adobe Clean"/>
-                          <a:cs typeface="Adobe Clean"/>
-                        </a:rPr>
-                        <a:t>3</a:t>
-                      </a:r>
-                      <a:endParaRPr sz="900" dirty="0">
-                        <a:latin typeface="Adobe Clean"/>
-                        <a:cs typeface="Adobe Clean"/>
-                      </a:endParaRPr>
                     </a:p>
                     <a:p>
                       <a:pPr marL="49530" marR="212090" indent="-2540">
@@ -4428,21 +3650,16 @@
                         </a:spcBef>
                       </a:pPr>
                       <a:r>
-                        <a:rPr lang="en-US" sz="900" b="0" i="0" u="none" strike="noStrike" dirty="0">
+                        <a:rPr lang="pt-BR" sz="900" b="0" i="0" u="none" strike="noStrike">
                           <a:solidFill>
                             <a:schemeClr val="tx1"/>
                           </a:solidFill>
-                          <a:effectLst/>
                           <a:latin typeface="Adobe Clean Light"/>
                           <a:ea typeface="+mn-ea"/>
                           <a:cs typeface="+mn-cs"/>
                         </a:rPr>
-                        <a:t>Customer's business functions have minor to no degradation of services with a solution/workaround allowing business functions to continue </a:t>
+                        <a:t>As funções empresariais do cliente têm pouca ou nenhuma degradação dos serviços com uma solução/alternativa que permite que as funções empresariais continuem </a:t>
                       </a:r>
-                      <a:endParaRPr lang="en-US" sz="900" b="0" i="0" dirty="0">
-                        <a:latin typeface="Adobe Clean Light"/>
-                        <a:cs typeface="AdobeClean-Light"/>
-                      </a:endParaRPr>
                     </a:p>
                   </a:txBody>
                   <a:tcPr marL="0" marR="0" marT="0" marB="0" anchor="ctr">
@@ -4482,14 +3699,13 @@
                     <a:p>
                       <a:pPr algn="ctr" fontAlgn="ctr"/>
                       <a:r>
-                        <a:rPr lang="en-US" sz="900" b="0" i="0" u="none" strike="noStrike" dirty="0">
+                        <a:rPr lang="pt-BR" sz="900" b="0" i="0" u="none" strike="noStrike">
                           <a:solidFill>
                             <a:srgbClr val="020302"/>
                           </a:solidFill>
-                          <a:effectLst/>
                           <a:latin typeface="AdobeClean-Light" panose="020B0503020404020204" pitchFamily="34" charset="0"/>
                         </a:rPr>
-                        <a:t>Business hours / 6 hours</a:t>
+                        <a:t>Horário comercial / 6 horas</a:t>
                       </a:r>
                     </a:p>
                   </a:txBody>
@@ -4530,14 +3746,13 @@
                     <a:p>
                       <a:pPr algn="ctr" fontAlgn="ctr"/>
                       <a:r>
-                        <a:rPr lang="en-US" sz="900" b="0" i="0" u="none" strike="noStrike" dirty="0">
+                        <a:rPr lang="pt-BR" sz="900" b="0" i="0" u="none" strike="noStrike">
                           <a:solidFill>
                             <a:srgbClr val="020302"/>
                           </a:solidFill>
-                          <a:effectLst/>
                           <a:latin typeface="AdobeClean-Light"/>
                         </a:rPr>
-                        <a:t>Business hours / 2 hours</a:t>
+                        <a:t>Horário comercial / 2 horas</a:t>
                       </a:r>
                     </a:p>
                   </a:txBody>
@@ -4600,109 +3815,15 @@
                         </a:spcBef>
                       </a:pPr>
                       <a:r>
-                        <a:rPr sz="900" b="1" spc="-15" dirty="0">
+                        <a:rPr lang="pt-BR" sz="900" b="1">
                           <a:solidFill>
                             <a:srgbClr val="020302"/>
                           </a:solidFill>
                           <a:latin typeface="Adobe Clean"/>
                           <a:cs typeface="Adobe Clean"/>
                         </a:rPr>
-                        <a:t>P</a:t>
+                        <a:t>PRIORIDADE 4</a:t>
                       </a:r>
-                      <a:r>
-                        <a:rPr sz="900" b="1" spc="-20" dirty="0">
-                          <a:solidFill>
-                            <a:srgbClr val="020302"/>
-                          </a:solidFill>
-                          <a:latin typeface="Adobe Clean"/>
-                          <a:cs typeface="Adobe Clean"/>
-                        </a:rPr>
-                        <a:t>R</a:t>
-                      </a:r>
-                      <a:r>
-                        <a:rPr sz="900" b="1" spc="-25" dirty="0">
-                          <a:solidFill>
-                            <a:srgbClr val="020302"/>
-                          </a:solidFill>
-                          <a:latin typeface="Adobe Clean"/>
-                          <a:cs typeface="Adobe Clean"/>
-                        </a:rPr>
-                        <a:t>I</a:t>
-                      </a:r>
-                      <a:r>
-                        <a:rPr sz="900" b="1" spc="-15" dirty="0">
-                          <a:solidFill>
-                            <a:srgbClr val="020302"/>
-                          </a:solidFill>
-                          <a:latin typeface="Adobe Clean"/>
-                          <a:cs typeface="Adobe Clean"/>
-                        </a:rPr>
-                        <a:t>O</a:t>
-                      </a:r>
-                      <a:r>
-                        <a:rPr sz="900" b="1" spc="-20" dirty="0">
-                          <a:solidFill>
-                            <a:srgbClr val="020302"/>
-                          </a:solidFill>
-                          <a:latin typeface="Adobe Clean"/>
-                          <a:cs typeface="Adobe Clean"/>
-                        </a:rPr>
-                        <a:t>R</a:t>
-                      </a:r>
-                      <a:r>
-                        <a:rPr sz="900" b="1" spc="-25" dirty="0">
-                          <a:solidFill>
-                            <a:srgbClr val="020302"/>
-                          </a:solidFill>
-                          <a:latin typeface="Adobe Clean"/>
-                          <a:cs typeface="Adobe Clean"/>
-                        </a:rPr>
-                        <a:t>I</a:t>
-                      </a:r>
-                      <a:r>
-                        <a:rPr sz="900" b="1" spc="-15" dirty="0">
-                          <a:solidFill>
-                            <a:srgbClr val="020302"/>
-                          </a:solidFill>
-                          <a:latin typeface="Adobe Clean"/>
-                          <a:cs typeface="Adobe Clean"/>
-                        </a:rPr>
-                        <a:t>T</a:t>
-                      </a:r>
-                      <a:r>
-                        <a:rPr sz="900" b="1" dirty="0">
-                          <a:solidFill>
-                            <a:srgbClr val="020302"/>
-                          </a:solidFill>
-                          <a:latin typeface="Adobe Clean"/>
-                          <a:cs typeface="Adobe Clean"/>
-                        </a:rPr>
-                        <a:t>Y</a:t>
-                      </a:r>
-                      <a:r>
-                        <a:rPr sz="900" b="1" spc="-40" dirty="0">
-                          <a:solidFill>
-                            <a:srgbClr val="020302"/>
-                          </a:solidFill>
-                          <a:latin typeface="Adobe Clean"/>
-                          <a:cs typeface="Adobe Clean"/>
-                        </a:rPr>
-                        <a:t> </a:t>
-                      </a:r>
-                      <a:r>
-                        <a:rPr sz="900" b="1" dirty="0">
-                          <a:solidFill>
-                            <a:srgbClr val="020302"/>
-                          </a:solidFill>
-                          <a:latin typeface="Adobe Clean"/>
-                          <a:cs typeface="Adobe Clean"/>
-                        </a:rPr>
-                        <a:t>4</a:t>
-                      </a:r>
-                      <a:endParaRPr sz="900" dirty="0">
-                        <a:latin typeface="Adobe Clean"/>
-                        <a:cs typeface="Adobe Clean"/>
-                      </a:endParaRPr>
                     </a:p>
                     <a:p>
                       <a:pPr marL="49530">
@@ -4714,31 +3835,27 @@
                         </a:spcBef>
                       </a:pPr>
                       <a:r>
-                        <a:rPr lang="en-US" sz="900" b="1" spc="-90" dirty="0">
+                        <a:rPr lang="pt-BR" sz="900" b="1">
                           <a:solidFill>
                             <a:srgbClr val="020302"/>
                           </a:solidFill>
                           <a:latin typeface="Adobe Clean"/>
+                          <a:ea typeface="+mn-ea"/>
                           <a:cs typeface="+mn-cs"/>
                         </a:rPr>
                         <a:t> </a:t>
                       </a:r>
                       <a:r>
-                        <a:rPr lang="en-US" sz="900" b="0" i="0" u="none" strike="noStrike" dirty="0">
+                        <a:rPr lang="pt-BR" sz="900" b="0" i="0" u="none" strike="noStrike">
                           <a:solidFill>
                             <a:schemeClr val="tx1"/>
                           </a:solidFill>
-                          <a:effectLst/>
                           <a:latin typeface="Adobe Clean Light"/>
                           <a:ea typeface="+mn-ea"/>
                           <a:cs typeface="+mn-cs"/>
                         </a:rPr>
-                        <a:t>General question regarding current product functionality or an enhancement request</a:t>
+                        <a:t>Pergunta geral sobre a funcionalidade atual do produto ou solicitação de melhoria</a:t>
                       </a:r>
-                      <a:endParaRPr lang="en-US" sz="900" b="0" i="0" dirty="0">
-                        <a:latin typeface="Adobe Clean Light"/>
-                        <a:cs typeface="AdobeClean-Light"/>
-                      </a:endParaRPr>
                     </a:p>
                   </a:txBody>
                   <a:tcPr marL="0" marR="0" marT="0" marB="0" anchor="ctr">
@@ -4778,14 +3895,13 @@
                     <a:p>
                       <a:pPr algn="ctr" fontAlgn="ctr"/>
                       <a:r>
-                        <a:rPr lang="en-US" sz="900" b="0" i="0" u="none" strike="noStrike" dirty="0">
+                        <a:rPr lang="pt-BR" sz="900" b="0" i="0" u="none" strike="noStrike">
                           <a:solidFill>
                             <a:srgbClr val="020302"/>
                           </a:solidFill>
-                          <a:effectLst/>
                           <a:latin typeface="AdobeClean-Light" panose="020B0503020404020204" pitchFamily="34" charset="0"/>
                         </a:rPr>
-                        <a:t>Business days / 3 days</a:t>
+                        <a:t>Dias úteis / 3 dias</a:t>
                       </a:r>
                     </a:p>
                   </a:txBody>
@@ -4826,14 +3942,13 @@
                     <a:p>
                       <a:pPr algn="ctr" fontAlgn="ctr"/>
                       <a:r>
-                        <a:rPr lang="en-US" sz="900" b="0" i="0" u="none" strike="noStrike" dirty="0">
+                        <a:rPr lang="pt-BR" sz="900" b="0" i="0" u="none" strike="noStrike" dirty="0">
                           <a:solidFill>
                             <a:srgbClr val="020302"/>
                           </a:solidFill>
-                          <a:effectLst/>
                           <a:latin typeface="AdobeClean-Light" panose="020B0503020404020204" pitchFamily="34" charset="0"/>
                         </a:rPr>
-                        <a:t>Business days / 1 day</a:t>
+                        <a:t>Dias úteis / 1 dia</a:t>
                       </a:r>
                     </a:p>
                   </a:txBody>
@@ -4919,8 +4034,8 @@
         </p:nvSpPr>
         <p:spPr>
           <a:xfrm>
-            <a:off x="97788" y="9888626"/>
-            <a:ext cx="2245360" cy="133370"/>
+            <a:off x="97787" y="9888626"/>
+            <a:ext cx="2924845" cy="133370"/>
           </a:xfrm>
           <a:prstGeom prst="rect">
             <a:avLst/>
@@ -4941,40 +4056,8 @@
               </a:spcBef>
             </a:pPr>
             <a:r>
-              <a:rPr spc="-10"/>
-              <a:t>©202</a:t>
-            </a:r>
-            <a:r>
-              <a:rPr lang="en-US" spc="-10"/>
-              <a:t>1</a:t>
-            </a:r>
-            <a:r>
-              <a:rPr spc="-5"/>
-              <a:t> Adobe. All</a:t>
-            </a:r>
-            <a:r>
-              <a:rPr spc="-10"/>
-              <a:t> Rights</a:t>
-            </a:r>
-            <a:r>
-              <a:rPr spc="-5"/>
-              <a:t> </a:t>
-            </a:r>
-            <a:r>
-              <a:rPr spc="-10"/>
-              <a:t>Reserved.</a:t>
-            </a:r>
-            <a:r>
-              <a:rPr spc="-5"/>
-              <a:t> Adobe</a:t>
-            </a:r>
-            <a:r>
-              <a:rPr spc="60"/>
-              <a:t> </a:t>
-            </a:r>
-            <a:r>
-              <a:rPr spc="-10"/>
-              <a:t>Confidential.</a:t>
+              <a:rPr lang="pt-BR" dirty="0"/>
+              <a:t>©2021 Adobe. All Rights Reserved. Adobe Confidential.</a:t>
             </a:r>
           </a:p>
         </p:txBody>
@@ -5008,7 +4091,7 @@
           <a:lstStyle/>
           <a:p>
             <a:r>
-              <a:rPr lang="en-US" sz="700" i="1">
+              <a:rPr lang="pt-BR" sz="700" i="1">
                 <a:solidFill>
                   <a:schemeClr val="bg1"/>
                 </a:solidFill>
@@ -5054,7 +4137,7 @@
               </a:spcBef>
             </a:pPr>
             <a:r>
-              <a:rPr lang="en-US" sz="1200" dirty="0">
+              <a:rPr lang="pt-BR" sz="1200" dirty="0">
                 <a:solidFill>
                   <a:schemeClr val="bg1"/>
                 </a:solidFill>
@@ -5063,7 +4146,7 @@
               <a:t>Standard |</a:t>
             </a:r>
             <a:r>
-              <a:rPr lang="en-US" sz="1200" b="1" dirty="0">
+              <a:rPr lang="pt-BR" sz="1200" b="1" dirty="0">
                 <a:solidFill>
                   <a:schemeClr val="bg1"/>
                 </a:solidFill>
@@ -5072,7 +4155,7 @@
               <a:t> </a:t>
             </a:r>
             <a:r>
-              <a:rPr lang="en-US" sz="1200" b="1" dirty="0">
+              <a:rPr lang="pt-BR" sz="1200" b="1" dirty="0">
                 <a:solidFill>
                   <a:schemeClr val="bg1"/>
                 </a:solidFill>
@@ -5080,7 +4163,7 @@
               <a:t>Enterprise</a:t>
             </a:r>
             <a:r>
-              <a:rPr lang="en-US" sz="1200" b="1" dirty="0">
+              <a:rPr lang="pt-BR" sz="1200" b="1" dirty="0">
                 <a:solidFill>
                   <a:schemeClr val="bg1"/>
                 </a:solidFill>
@@ -5089,7 +4172,7 @@
               <a:t> </a:t>
             </a:r>
             <a:r>
-              <a:rPr lang="en-US" sz="1200" dirty="0">
+              <a:rPr lang="pt-BR" sz="1200" dirty="0">
                 <a:solidFill>
                   <a:schemeClr val="bg1"/>
                 </a:solidFill>
@@ -5098,26 +4181,36 @@
               <a:t>| Elite</a:t>
             </a:r>
             <a:br>
-              <a:rPr lang="en-US" sz="900" dirty="0">
+              <a:rPr lang="pt-BR" sz="900" dirty="0">
                 <a:latin typeface="Adobe Clean Light" panose="020B0303020404020204" pitchFamily="34" charset="0"/>
               </a:rPr>
             </a:br>
             <a:r>
-              <a:rPr lang="en-US" sz="900" dirty="0">
+              <a:rPr lang="pt-BR" sz="900" dirty="0">
                 <a:solidFill>
                   <a:schemeClr val="bg1"/>
                 </a:solidFill>
                 <a:latin typeface="Adobe Clean SemiLight"/>
               </a:rPr>
-              <a:t>ENTERPRISE support includes access to personalized learning paths and monitored community forums via the Adobe Experience League. You can also take advantage of our detailed and in-depth technical product documentation and current release notes. ENTERPRISE customers will also be provided with a Named Support Engineer who acts as your designated technical contact in the Adobe Support Team. With deep experience in your designated Experience Cloud solution, your support team will work in partnership with you and your technical teams to ensure timely resolution of all support requests. Your support team can also help coordinate and arrange delivery of the additional ENTERPRISE benefits ensuring minimal disruption to your business at the most critical time. </a:t>
-            </a:r>
-            <a:endParaRPr lang="en-US" sz="900" dirty="0">
-              <a:solidFill>
-                <a:schemeClr val="bg1"/>
-              </a:solidFill>
-              <a:latin typeface="Adobe Clean SemiLight"/>
-              <a:cs typeface="AdobeClean-Light"/>
-            </a:endParaRPr>
+              <a:t>O suporte ENTERPRISE inclui acesso a caminhos de aprendizagem personalizados e a fóruns monitorados da comunidade na Adobe Experience League. Você tem à sua disposição a nossa documentação técnica de produto, com todos os detalhes, e as notas de versão mais atuais. Os clientes ENTERPRISE também contam com um Engenheiro de suporte nomeado, que atua como contato técnico designado na Equipe de suporte da Adobe. Com ampla experiência na sua solução da Experience Cloud, a equipe de suporte colabora com você e com sua equipe técnica para garantir a resolução oportuna de todas as solicitações de suporte. </a:t>
+            </a:r>
+            <a:br>
+              <a:rPr lang="pt-BR" sz="900" dirty="0">
+                <a:solidFill>
+                  <a:schemeClr val="bg1"/>
+                </a:solidFill>
+                <a:latin typeface="Adobe Clean SemiLight"/>
+              </a:rPr>
+            </a:br>
+            <a:r>
+              <a:rPr lang="pt-BR" sz="900" dirty="0">
+                <a:solidFill>
+                  <a:schemeClr val="bg1"/>
+                </a:solidFill>
+                <a:latin typeface="Adobe Clean SemiLight"/>
+              </a:rPr>
+              <a:t>A equipe de suporte também ajuda a coordenar e a organizar a prestação de vantagens adicionais do suporte ENTERPRISE, garantindo interrupção mínima na sua empresa nos momentos mais críticos. </a:t>
+            </a:r>
           </a:p>
         </p:txBody>
       </p:sp>
@@ -5225,19 +4318,15 @@
                         <a:defRPr/>
                       </a:pPr>
                       <a:r>
-                        <a:rPr lang="en-US" sz="900" spc="0" dirty="0">
+                        <a:rPr lang="pt-BR" sz="900">
                           <a:solidFill>
                             <a:srgbClr val="404040"/>
                           </a:solidFill>
                           <a:latin typeface="Adobe Clean"/>
                           <a:cs typeface="Adobe Clean"/>
                         </a:rPr>
-                        <a:t>Standard Support</a:t>
+                        <a:t>Suporte Standard</a:t>
                       </a:r>
-                      <a:endParaRPr lang="en-US" sz="900" spc="0" dirty="0">
-                        <a:latin typeface="Adobe Clean"/>
-                        <a:cs typeface="Adobe Clean"/>
-                      </a:endParaRPr>
                     </a:p>
                   </a:txBody>
                   <a:tcPr marL="0" marR="0" marT="7620" marB="0" anchor="ctr">
@@ -5278,29 +4367,15 @@
                         </a:spcBef>
                       </a:pPr>
                       <a:r>
-                        <a:rPr lang="en-US" sz="900" spc="0" dirty="0">
+                        <a:rPr lang="pt-BR" sz="900">
                           <a:solidFill>
                             <a:srgbClr val="FFFFFF"/>
                           </a:solidFill>
                           <a:latin typeface="Adobe Clean"/>
                           <a:cs typeface="Adobe Clean"/>
                         </a:rPr>
-                        <a:t>Enterprise </a:t>
+                        <a:t>Suporte Enterprise</a:t>
                       </a:r>
-                      <a:r>
-                        <a:rPr sz="900" spc="0" dirty="0">
-                          <a:solidFill>
-                            <a:srgbClr val="FFFFFF"/>
-                          </a:solidFill>
-                          <a:latin typeface="Adobe Clean"/>
-                          <a:cs typeface="Adobe Clean"/>
-                        </a:rPr>
-                        <a:t>Support</a:t>
-                      </a:r>
-                      <a:endParaRPr sz="900" spc="0" dirty="0">
-                        <a:latin typeface="Adobe Clean"/>
-                        <a:cs typeface="Adobe Clean"/>
-                      </a:endParaRPr>
                     </a:p>
                   </a:txBody>
                   <a:tcPr marL="0" marR="0" marT="7620" marB="0" anchor="ctr">
@@ -5368,7 +4443,7 @@
                     <a:bodyPr/>
                     <a:lstStyle/>
                     <a:p>
-                      <a:pPr marL="0" marR="0" lvl="0" indent="0" algn="ctr" defTabSz="914400" eaLnBrk="1" fontAlgn="auto" latinLnBrk="0" hangingPunct="1">
+                      <a:pPr marL="0" marR="0" lvl="0" indent="0" algn="l" defTabSz="914400" rtl="0" eaLnBrk="1" fontAlgn="auto" latinLnBrk="0" hangingPunct="1">
                         <a:lnSpc>
                           <a:spcPct val="100000"/>
                         </a:lnSpc>
@@ -5449,13 +4524,13 @@
                         <a:defRPr/>
                       </a:pPr>
                       <a:r>
-                        <a:rPr lang="en-US" sz="800" i="1" dirty="0">
+                        <a:rPr lang="pt-BR" sz="800" i="1">
                           <a:solidFill>
                             <a:schemeClr val="bg1"/>
                           </a:solidFill>
                           <a:latin typeface="Adobe Clean Light"/>
                         </a:rPr>
-                        <a:t>Paid Support ($)</a:t>
+                        <a:t>Suporte pago ($)</a:t>
                       </a:r>
                     </a:p>
                   </a:txBody>
@@ -5519,22 +4594,15 @@
                         </a:spcBef>
                       </a:pPr>
                       <a:r>
-                        <a:rPr lang="en-US" sz="1000" b="1" i="0" spc="0" dirty="0">
+                        <a:rPr lang="pt-BR" sz="1000" b="1" i="0">
                           <a:solidFill>
                             <a:schemeClr val="bg1"/>
                           </a:solidFill>
                           <a:latin typeface="Adobe Clean"/>
                           <a:cs typeface="AdobeClean-Light"/>
                         </a:rPr>
-                        <a:t>Assigned Experts</a:t>
+                        <a:t>Especialistas atribuídos</a:t>
                       </a:r>
-                      <a:endParaRPr sz="1000" b="1" i="0" spc="0" dirty="0">
-                        <a:solidFill>
-                          <a:schemeClr val="bg1"/>
-                        </a:solidFill>
-                        <a:latin typeface="Adobe Clean"/>
-                        <a:cs typeface="AdobeClean-Light"/>
-                      </a:endParaRPr>
                     </a:p>
                   </a:txBody>
                   <a:tcPr marL="0" marR="0" marT="58419" marB="0" anchor="ctr">
@@ -5581,19 +4649,15 @@
                         </a:spcBef>
                       </a:pPr>
                       <a:r>
-                        <a:rPr sz="900" spc="0" dirty="0">
+                        <a:rPr lang="pt-BR" sz="900">
                           <a:solidFill>
                             <a:srgbClr val="020302"/>
                           </a:solidFill>
                           <a:latin typeface="AdobeClean-Light"/>
                           <a:cs typeface="AdobeClean-Light"/>
                         </a:rPr>
-                        <a:t>Account Support Lead</a:t>
+                        <a:t>Líder de suporte da conta</a:t>
                       </a:r>
-                      <a:endParaRPr sz="900" spc="0" dirty="0">
-                        <a:latin typeface="AdobeClean-Light"/>
-                        <a:cs typeface="AdobeClean-Light"/>
-                      </a:endParaRPr>
                     </a:p>
                   </a:txBody>
                   <a:tcPr marL="0" marR="0" marT="58419" marB="0">
@@ -5628,7 +4692,7 @@
                     <a:bodyPr/>
                     <a:lstStyle/>
                     <a:p>
-                      <a:pPr algn="ctr">
+                      <a:pPr algn="l" rtl="0">
                         <a:lnSpc>
                           <a:spcPct val="100000"/>
                         </a:lnSpc>
@@ -5669,7 +4733,7 @@
                     <a:bodyPr/>
                     <a:lstStyle/>
                     <a:p>
-                      <a:pPr algn="ctr">
+                      <a:pPr algn="l" rtl="0">
                         <a:lnSpc>
                           <a:spcPct val="100000"/>
                         </a:lnSpc>
@@ -5712,7 +4776,7 @@
                     <a:bodyPr/>
                     <a:lstStyle/>
                     <a:p>
-                      <a:pPr marL="50800">
+                      <a:pPr marL="50800" algn="l" rtl="0">
                         <a:lnSpc>
                           <a:spcPct val="100000"/>
                         </a:lnSpc>
@@ -5758,19 +4822,15 @@
                         </a:spcBef>
                       </a:pPr>
                       <a:r>
-                        <a:rPr sz="900" spc="0" dirty="0">
+                        <a:rPr lang="pt-BR" sz="900">
                           <a:solidFill>
                             <a:srgbClr val="020302"/>
                           </a:solidFill>
                           <a:latin typeface="AdobeClean-Light"/>
                           <a:cs typeface="AdobeClean-Light"/>
                         </a:rPr>
-                        <a:t>Named Support Engineer</a:t>
+                        <a:t>Engenheiro de suporte nomeado</a:t>
                       </a:r>
-                      <a:endParaRPr sz="900" spc="0" dirty="0">
-                        <a:latin typeface="AdobeClean-Light"/>
-                        <a:cs typeface="AdobeClean-Light"/>
-                      </a:endParaRPr>
                     </a:p>
                   </a:txBody>
                   <a:tcPr marL="0" marR="0" marT="58419" marB="0">
@@ -5793,7 +4853,7 @@
                     <a:bodyPr/>
                     <a:lstStyle/>
                     <a:p>
-                      <a:pPr algn="ctr">
+                      <a:pPr algn="l" rtl="0">
                         <a:lnSpc>
                           <a:spcPct val="100000"/>
                         </a:lnSpc>
@@ -5840,7 +4900,7 @@
                         <a:defRPr/>
                       </a:pPr>
                       <a:r>
-                        <a:rPr lang="en-US" sz="900" dirty="0">
+                        <a:rPr lang="pt-BR" sz="900">
                           <a:solidFill>
                             <a:srgbClr val="020302"/>
                           </a:solidFill>
@@ -5849,10 +4909,6 @@
                         </a:rPr>
                         <a:t></a:t>
                       </a:r>
-                      <a:endParaRPr lang="en-US" sz="900" dirty="0">
-                        <a:latin typeface="Wingdings"/>
-                        <a:cs typeface="Wingdings"/>
-                      </a:endParaRPr>
                     </a:p>
                   </a:txBody>
                   <a:tcPr marL="0" marR="0" marT="0" marB="0" anchor="ctr">
@@ -5875,7 +4931,7 @@
                     <a:bodyPr/>
                     <a:lstStyle/>
                     <a:p>
-                      <a:pPr marL="50800">
+                      <a:pPr marL="50800" algn="l" rtl="0">
                         <a:lnSpc>
                           <a:spcPct val="100000"/>
                         </a:lnSpc>
@@ -5933,19 +4989,15 @@
                         </a:spcBef>
                       </a:pPr>
                       <a:r>
-                        <a:rPr sz="900" spc="0" dirty="0">
+                        <a:rPr lang="pt-BR" sz="900">
                           <a:solidFill>
                             <a:srgbClr val="020302"/>
                           </a:solidFill>
                           <a:latin typeface="AdobeClean-Light"/>
                           <a:cs typeface="AdobeClean-Light"/>
                         </a:rPr>
-                        <a:t>Technical Account Manager</a:t>
+                        <a:t>Gerente técnico de conta</a:t>
                       </a:r>
-                      <a:endParaRPr sz="900" spc="0" dirty="0">
-                        <a:latin typeface="AdobeClean-Light"/>
-                        <a:cs typeface="AdobeClean-Light"/>
-                      </a:endParaRPr>
                     </a:p>
                   </a:txBody>
                   <a:tcPr marL="0" marR="0" marT="63500" marB="0">
@@ -5974,7 +5026,7 @@
                     <a:bodyPr/>
                     <a:lstStyle/>
                     <a:p>
-                      <a:pPr algn="ctr">
+                      <a:pPr algn="l" rtl="0">
                         <a:lnSpc>
                           <a:spcPct val="100000"/>
                         </a:lnSpc>
@@ -6012,7 +5064,7 @@
                     <a:bodyPr/>
                     <a:lstStyle/>
                     <a:p>
-                      <a:pPr algn="ctr">
+                      <a:pPr algn="l" rtl="0">
                         <a:lnSpc>
                           <a:spcPct val="100000"/>
                         </a:lnSpc>
@@ -6063,22 +5115,15 @@
                         </a:spcBef>
                       </a:pPr>
                       <a:r>
-                        <a:rPr lang="en-US" sz="1000" b="1" i="0" spc="0" dirty="0">
+                        <a:rPr lang="pt-BR" sz="1000" b="1" i="0">
                           <a:solidFill>
                             <a:schemeClr val="bg1"/>
                           </a:solidFill>
                           <a:latin typeface="Adobe Clean"/>
                           <a:cs typeface="AdobeClean-Light"/>
                         </a:rPr>
-                        <a:t>Support Services</a:t>
+                        <a:t>Serviços de suporte</a:t>
                       </a:r>
-                      <a:endParaRPr sz="1000" b="1" i="0" spc="0" dirty="0">
-                        <a:solidFill>
-                          <a:schemeClr val="bg1"/>
-                        </a:solidFill>
-                        <a:latin typeface="Adobe Clean"/>
-                        <a:cs typeface="AdobeClean-Light"/>
-                      </a:endParaRPr>
                     </a:p>
                   </a:txBody>
                   <a:tcPr marL="0" marR="0" marT="57150" marB="0" anchor="ctr">
@@ -6134,29 +5179,15 @@
                         </a:spcBef>
                       </a:pPr>
                       <a:r>
-                        <a:rPr lang="en-US" sz="900" spc="0" dirty="0">
+                        <a:rPr lang="pt-BR" sz="900">
                           <a:solidFill>
                             <a:srgbClr val="020302"/>
                           </a:solidFill>
                           <a:latin typeface="AdobeClean-Light"/>
                           <a:cs typeface="AdobeClean-Light"/>
                         </a:rPr>
-                        <a:t>Online</a:t>
+                        <a:t>Suporte Online</a:t>
                       </a:r>
-                      <a:r>
-                        <a:rPr sz="900" spc="0" dirty="0">
-                          <a:solidFill>
-                            <a:srgbClr val="020302"/>
-                          </a:solidFill>
-                          <a:latin typeface="AdobeClean-Light"/>
-                          <a:cs typeface="AdobeClean-Light"/>
-                        </a:rPr>
-                        <a:t> Support</a:t>
-                      </a:r>
-                      <a:endParaRPr sz="900" spc="0" dirty="0">
-                        <a:latin typeface="AdobeClean-Light"/>
-                        <a:cs typeface="AdobeClean-Light"/>
-                      </a:endParaRPr>
                     </a:p>
                   </a:txBody>
                   <a:tcPr marL="0" marR="0" marT="57150" marB="0">
@@ -6194,39 +5225,15 @@
                         </a:spcBef>
                       </a:pPr>
                       <a:r>
-                        <a:rPr sz="900" spc="-25" dirty="0">
+                        <a:rPr lang="pt-BR" sz="900">
                           <a:solidFill>
                             <a:srgbClr val="020302"/>
                           </a:solidFill>
                           <a:latin typeface="AdobeClean-Light"/>
                           <a:cs typeface="AdobeClean-Light"/>
                         </a:rPr>
-                        <a:t>Business</a:t>
+                        <a:t>Horário comercial</a:t>
                       </a:r>
-                      <a:r>
-                        <a:rPr sz="900" spc="-15" dirty="0">
-                          <a:solidFill>
-                            <a:srgbClr val="020302"/>
-                          </a:solidFill>
-                          <a:latin typeface="AdobeClean-Light"/>
-                          <a:cs typeface="AdobeClean-Light"/>
-                        </a:rPr>
-                        <a:t> </a:t>
-                      </a:r>
-                      <a:r>
-                        <a:rPr sz="900" spc="-30" dirty="0">
-                          <a:solidFill>
-                            <a:srgbClr val="020302"/>
-                          </a:solidFill>
-                          <a:latin typeface="AdobeClean-Light"/>
-                          <a:cs typeface="AdobeClean-Light"/>
-                        </a:rPr>
-                        <a:t>hours</a:t>
-                      </a:r>
-                      <a:endParaRPr sz="900" dirty="0">
-                        <a:latin typeface="AdobeClean-Light"/>
-                        <a:cs typeface="AdobeClean-Light"/>
-                      </a:endParaRPr>
                     </a:p>
                   </a:txBody>
                   <a:tcPr marL="0" marR="0" marT="67945" marB="0">
@@ -6265,7 +5272,7 @@
                         </a:spcBef>
                       </a:pPr>
                       <a:r>
-                        <a:rPr lang="en-US" sz="900" spc="-25" dirty="0">
+                        <a:rPr lang="pt-BR" sz="900">
                           <a:solidFill>
                             <a:srgbClr val="020302"/>
                           </a:solidFill>
@@ -6274,10 +5281,6 @@
                         </a:rPr>
                         <a:t>24x5</a:t>
                       </a:r>
-                      <a:endParaRPr sz="900" dirty="0">
-                        <a:latin typeface="AdobeClean-Light"/>
-                        <a:cs typeface="AdobeClean-Light"/>
-                      </a:endParaRPr>
                     </a:p>
                   </a:txBody>
                   <a:tcPr marL="0" marR="0" marT="67945" marB="0">
@@ -6311,7 +5314,7 @@
                     <a:bodyPr/>
                     <a:lstStyle/>
                     <a:p>
-                      <a:pPr marL="50800">
+                      <a:pPr marL="50800" algn="l" rtl="0">
                         <a:lnSpc>
                           <a:spcPct val="100000"/>
                         </a:lnSpc>
@@ -6360,39 +5363,15 @@
                         </a:spcBef>
                       </a:pPr>
                       <a:r>
-                        <a:rPr sz="900" spc="0" dirty="0">
+                        <a:rPr lang="pt-BR" sz="900">
                           <a:solidFill>
                             <a:srgbClr val="020302"/>
                           </a:solidFill>
                           <a:latin typeface="AdobeClean-Light"/>
                           <a:cs typeface="AdobeClean-Light"/>
                         </a:rPr>
-                        <a:t>24x7</a:t>
+                        <a:t>Suporte 24x7x365 para prioridades P1</a:t>
                       </a:r>
-                      <a:r>
-                        <a:rPr lang="en-US" sz="900" spc="0" dirty="0">
-                          <a:solidFill>
-                            <a:srgbClr val="020302"/>
-                          </a:solidFill>
-                          <a:latin typeface="AdobeClean-Light"/>
-                          <a:cs typeface="AdobeClean-Light"/>
-                        </a:rPr>
-                        <a:t>x365</a:t>
-                      </a:r>
-                      <a:r>
-                        <a:rPr sz="900" spc="0" dirty="0">
-                          <a:solidFill>
-                            <a:srgbClr val="020302"/>
-                          </a:solidFill>
-                          <a:latin typeface="AdobeClean-Light"/>
-                          <a:cs typeface="AdobeClean-Light"/>
-                        </a:rPr>
-                        <a:t> P1 Issue Support</a:t>
-                      </a:r>
-                      <a:endParaRPr sz="900" spc="0" dirty="0">
-                        <a:latin typeface="AdobeClean-Light"/>
-                        <a:cs typeface="AdobeClean-Light"/>
-                      </a:endParaRPr>
                     </a:p>
                   </a:txBody>
                   <a:tcPr marL="0" marR="0" marT="57785" marB="0">
@@ -6424,7 +5403,7 @@
                         </a:spcBef>
                       </a:pPr>
                       <a:r>
-                        <a:rPr sz="900" dirty="0">
+                        <a:rPr lang="pt-BR" sz="900">
                           <a:solidFill>
                             <a:srgbClr val="020302"/>
                           </a:solidFill>
@@ -6433,10 +5412,6 @@
                         </a:rPr>
                         <a:t></a:t>
                       </a:r>
-                      <a:endParaRPr sz="900" dirty="0">
-                        <a:latin typeface="Wingdings"/>
-                        <a:cs typeface="Wingdings"/>
-                      </a:endParaRPr>
                     </a:p>
                   </a:txBody>
                   <a:tcPr marL="0" marR="0" marT="58419" marB="0">
@@ -6466,7 +5441,7 @@
                         </a:spcBef>
                       </a:pPr>
                       <a:r>
-                        <a:rPr sz="900" dirty="0">
+                        <a:rPr lang="pt-BR" sz="900">
                           <a:solidFill>
                             <a:srgbClr val="020302"/>
                           </a:solidFill>
@@ -6475,10 +5450,6 @@
                         </a:rPr>
                         <a:t></a:t>
                       </a:r>
-                      <a:endParaRPr sz="900" dirty="0">
-                        <a:latin typeface="Wingdings"/>
-                        <a:cs typeface="Wingdings"/>
-                      </a:endParaRPr>
                     </a:p>
                   </a:txBody>
                   <a:tcPr marL="0" marR="0" marT="58419" marB="0">
@@ -6501,7 +5472,7 @@
                     <a:bodyPr/>
                     <a:lstStyle/>
                     <a:p>
-                      <a:pPr marL="50800">
+                      <a:pPr marL="50800" algn="l" rtl="0">
                         <a:lnSpc>
                           <a:spcPct val="100000"/>
                         </a:lnSpc>
@@ -6559,19 +5530,15 @@
                         </a:spcBef>
                       </a:pPr>
                       <a:r>
-                        <a:rPr lang="en-US" sz="900" spc="0" dirty="0">
+                        <a:rPr lang="pt-BR" sz="900">
                           <a:solidFill>
                             <a:srgbClr val="020302"/>
                           </a:solidFill>
                           <a:latin typeface="AdobeClean-Light"/>
                           <a:cs typeface="AdobeClean-Light"/>
                         </a:rPr>
-                        <a:t>Named Support Contacts (per product)</a:t>
+                        <a:t>Contatos de suporte nomeados (por produto)</a:t>
                       </a:r>
-                      <a:endParaRPr sz="900" spc="0" dirty="0">
-                        <a:latin typeface="AdobeClean-Light"/>
-                        <a:cs typeface="AdobeClean-Light"/>
-                      </a:endParaRPr>
                     </a:p>
                   </a:txBody>
                   <a:tcPr marL="0" marR="0" marT="57785" marB="0">
@@ -6609,7 +5576,7 @@
                         </a:spcBef>
                       </a:pPr>
                       <a:r>
-                        <a:rPr sz="900" dirty="0">
+                        <a:rPr lang="pt-BR" sz="900">
                           <a:solidFill>
                             <a:srgbClr val="020302"/>
                           </a:solidFill>
@@ -6618,10 +5585,6 @@
                         </a:rPr>
                         <a:t>4</a:t>
                       </a:r>
-                      <a:endParaRPr sz="900" dirty="0">
-                        <a:latin typeface="AdobeClean-Light"/>
-                        <a:cs typeface="AdobeClean-Light"/>
-                      </a:endParaRPr>
                     </a:p>
                   </a:txBody>
                   <a:tcPr marL="0" marR="0" marT="57785" marB="0">
@@ -6651,7 +5614,7 @@
                         </a:spcBef>
                       </a:pPr>
                       <a:r>
-                        <a:rPr lang="en-US" sz="900" dirty="0">
+                        <a:rPr lang="pt-BR" sz="900">
                           <a:solidFill>
                             <a:srgbClr val="020302"/>
                           </a:solidFill>
@@ -6660,10 +5623,6 @@
                         </a:rPr>
                         <a:t>10</a:t>
                       </a:r>
-                      <a:endParaRPr sz="900" dirty="0">
-                        <a:latin typeface="AdobeClean-Light"/>
-                        <a:cs typeface="AdobeClean-Light"/>
-                      </a:endParaRPr>
                     </a:p>
                   </a:txBody>
                   <a:tcPr marL="0" marR="0" marT="57785" marB="0">
@@ -6686,7 +5645,7 @@
                     <a:bodyPr/>
                     <a:lstStyle/>
                     <a:p>
-                      <a:pPr marL="50800">
+                      <a:pPr marL="50800" algn="l" rtl="0">
                         <a:lnSpc>
                           <a:spcPct val="100000"/>
                         </a:lnSpc>
@@ -6735,19 +5694,15 @@
                         </a:spcBef>
                       </a:pPr>
                       <a:r>
-                        <a:rPr lang="en-US" sz="900" spc="0" dirty="0">
+                        <a:rPr lang="pt-BR" sz="900">
                           <a:solidFill>
                             <a:srgbClr val="020302"/>
                           </a:solidFill>
                           <a:latin typeface="AdobeClean-Light"/>
                           <a:cs typeface="AdobeClean-Light"/>
                         </a:rPr>
-                        <a:t>Live Telephone Support</a:t>
+                        <a:t>Suporte telefônico ao vivo</a:t>
                       </a:r>
-                      <a:endParaRPr sz="900" spc="0" dirty="0">
-                        <a:latin typeface="AdobeClean-Light"/>
-                        <a:cs typeface="AdobeClean-Light"/>
-                      </a:endParaRPr>
                     </a:p>
                   </a:txBody>
                   <a:tcPr marL="0" marR="0" marT="57785" marB="0">
@@ -6770,7 +5725,7 @@
                     <a:bodyPr/>
                     <a:lstStyle/>
                     <a:p>
-                      <a:pPr algn="ctr">
+                      <a:pPr algn="l" rtl="0">
                         <a:lnSpc>
                           <a:spcPct val="100000"/>
                         </a:lnSpc>
@@ -6811,7 +5766,7 @@
                         </a:spcBef>
                       </a:pPr>
                       <a:r>
-                        <a:rPr sz="900" dirty="0">
+                        <a:rPr lang="pt-BR" sz="900">
                           <a:solidFill>
                             <a:srgbClr val="020302"/>
                           </a:solidFill>
@@ -6820,10 +5775,6 @@
                         </a:rPr>
                         <a:t></a:t>
                       </a:r>
-                      <a:endParaRPr sz="900" dirty="0">
-                        <a:latin typeface="Wingdings"/>
-                        <a:cs typeface="Wingdings"/>
-                      </a:endParaRPr>
                     </a:p>
                   </a:txBody>
                   <a:tcPr marL="0" marR="0" marT="59054" marB="0">
@@ -6846,7 +5797,7 @@
                     <a:bodyPr/>
                     <a:lstStyle/>
                     <a:p>
-                      <a:pPr marL="50800">
+                      <a:pPr marL="50800" algn="l" rtl="0">
                         <a:lnSpc>
                           <a:spcPct val="100000"/>
                         </a:lnSpc>
@@ -6895,19 +5846,15 @@
                         </a:spcBef>
                       </a:pPr>
                       <a:r>
-                        <a:rPr sz="900" spc="0" dirty="0">
+                        <a:rPr lang="pt-BR" sz="900">
                           <a:solidFill>
                             <a:srgbClr val="020302"/>
                           </a:solidFill>
                           <a:latin typeface="AdobeClean-Light"/>
                           <a:cs typeface="AdobeClean-Light"/>
                         </a:rPr>
-                        <a:t>Escalation Management</a:t>
+                        <a:t>Gestão de encaminhamento</a:t>
                       </a:r>
-                      <a:endParaRPr sz="900" spc="0" dirty="0">
-                        <a:latin typeface="AdobeClean-Light"/>
-                        <a:cs typeface="AdobeClean-Light"/>
-                      </a:endParaRPr>
                     </a:p>
                   </a:txBody>
                   <a:tcPr marL="0" marR="0" marT="58419" marB="0">
@@ -6930,7 +5877,7 @@
                     <a:bodyPr/>
                     <a:lstStyle/>
                     <a:p>
-                      <a:pPr algn="ctr">
+                      <a:pPr algn="l" rtl="0">
                         <a:lnSpc>
                           <a:spcPct val="100000"/>
                         </a:lnSpc>
@@ -6971,7 +5918,7 @@
                         </a:spcBef>
                       </a:pPr>
                       <a:r>
-                        <a:rPr sz="900" dirty="0">
+                        <a:rPr lang="pt-BR" sz="900">
                           <a:solidFill>
                             <a:srgbClr val="020302"/>
                           </a:solidFill>
@@ -6980,10 +5927,6 @@
                         </a:rPr>
                         <a:t></a:t>
                       </a:r>
-                      <a:endParaRPr sz="900" dirty="0">
-                        <a:latin typeface="Wingdings"/>
-                        <a:cs typeface="Wingdings"/>
-                      </a:endParaRPr>
                     </a:p>
                   </a:txBody>
                   <a:tcPr marL="0" marR="0" marT="59690" marB="0">
@@ -7006,7 +5949,7 @@
                     <a:bodyPr/>
                     <a:lstStyle/>
                     <a:p>
-                      <a:pPr marL="50800">
+                      <a:pPr marL="50800" algn="l" rtl="0">
                         <a:lnSpc>
                           <a:spcPct val="100000"/>
                         </a:lnSpc>
@@ -7055,29 +5998,15 @@
                         </a:spcBef>
                       </a:pPr>
                       <a:r>
-                        <a:rPr sz="900" spc="0" dirty="0">
+                        <a:rPr lang="pt-BR" sz="900">
                           <a:solidFill>
                             <a:srgbClr val="020302"/>
                           </a:solidFill>
                           <a:latin typeface="AdobeClean-Light"/>
                           <a:cs typeface="AdobeClean-Light"/>
                         </a:rPr>
-                        <a:t>Service Reviews </a:t>
+                        <a:t>Revisões de serviço por ano</a:t>
                       </a:r>
-                      <a:r>
-                        <a:rPr lang="en-US" sz="900" spc="0" dirty="0">
-                          <a:solidFill>
-                            <a:srgbClr val="020302"/>
-                          </a:solidFill>
-                          <a:latin typeface="AdobeClean-Light"/>
-                          <a:cs typeface="AdobeClean-Light"/>
-                        </a:rPr>
-                        <a:t>per Year</a:t>
-                      </a:r>
-                      <a:endParaRPr sz="900" spc="0" dirty="0">
-                        <a:latin typeface="AdobeClean-Light"/>
-                        <a:cs typeface="AdobeClean-Light"/>
-                      </a:endParaRPr>
                     </a:p>
                   </a:txBody>
                   <a:tcPr marL="0" marR="0" marT="57150" marB="0">
@@ -7100,7 +6029,7 @@
                     <a:bodyPr/>
                     <a:lstStyle/>
                     <a:p>
-                      <a:pPr>
+                      <a:pPr algn="l" rtl="0">
                         <a:lnSpc>
                           <a:spcPct val="100000"/>
                         </a:lnSpc>
@@ -7135,16 +6064,12 @@
                         </a:lnSpc>
                       </a:pPr>
                       <a:r>
-                        <a:rPr lang="en-US" sz="900" dirty="0">
+                        <a:rPr lang="pt-BR" sz="900">
                           <a:latin typeface="Times New Roman"/>
                           <a:cs typeface="Times New Roman"/>
                         </a:rPr>
                         <a:t>2</a:t>
                       </a:r>
-                      <a:endParaRPr sz="900" dirty="0">
-                        <a:latin typeface="Times New Roman"/>
-                        <a:cs typeface="Times New Roman"/>
-                      </a:endParaRPr>
                     </a:p>
                   </a:txBody>
                   <a:tcPr marL="0" marR="0" marT="0" marB="0">
@@ -7186,16 +6111,12 @@
                         </a:spcBef>
                       </a:pPr>
                       <a:r>
-                        <a:rPr lang="en-US" sz="900" spc="0" dirty="0">
+                        <a:rPr lang="pt-BR" sz="900">
                           <a:latin typeface="AdobeClean-Light"/>
                           <a:cs typeface="AdobeClean-Light"/>
                         </a:rPr>
-                        <a:t>Expert Sessions per Year</a:t>
+                        <a:t>Sessões de especialistas por ano</a:t>
                       </a:r>
-                      <a:endParaRPr sz="900" spc="0" dirty="0">
-                        <a:latin typeface="AdobeClean-Light"/>
-                        <a:cs typeface="AdobeClean-Light"/>
-                      </a:endParaRPr>
                     </a:p>
                   </a:txBody>
                   <a:tcPr marL="0" marR="0" marT="57150" marB="0">
@@ -7224,7 +6145,7 @@
                     <a:bodyPr/>
                     <a:lstStyle/>
                     <a:p>
-                      <a:pPr>
+                      <a:pPr algn="l" rtl="0">
                         <a:lnSpc>
                           <a:spcPct val="100000"/>
                         </a:lnSpc>
@@ -7259,16 +6180,12 @@
                         </a:lnSpc>
                       </a:pPr>
                       <a:r>
-                        <a:rPr lang="en-US" sz="900" dirty="0">
+                        <a:rPr lang="pt-BR" sz="900">
                           <a:latin typeface="Times New Roman"/>
                           <a:cs typeface="Times New Roman"/>
                         </a:rPr>
                         <a:t>2</a:t>
                       </a:r>
-                      <a:endParaRPr sz="900" dirty="0">
-                        <a:latin typeface="Times New Roman"/>
-                        <a:cs typeface="Times New Roman"/>
-                      </a:endParaRPr>
                     </a:p>
                   </a:txBody>
                   <a:tcPr marL="0" marR="0" marT="0" marB="0">
@@ -7310,16 +6227,12 @@
                         </a:spcBef>
                       </a:pPr>
                       <a:r>
-                        <a:rPr lang="en-US" sz="900" spc="0" dirty="0">
+                        <a:rPr lang="pt-BR" sz="900">
                           <a:latin typeface="AdobeClean-Light"/>
                           <a:cs typeface="AdobeClean-Light"/>
                         </a:rPr>
-                        <a:t>Case Reviews</a:t>
+                        <a:t>Revisões de caso</a:t>
                       </a:r>
-                      <a:endParaRPr sz="900" spc="0" dirty="0">
-                        <a:latin typeface="AdobeClean-Light"/>
-                        <a:cs typeface="AdobeClean-Light"/>
-                      </a:endParaRPr>
                     </a:p>
                   </a:txBody>
                   <a:tcPr marL="0" marR="0" marT="57150" marB="0">
@@ -7348,7 +6261,7 @@
                     <a:bodyPr/>
                     <a:lstStyle/>
                     <a:p>
-                      <a:pPr>
+                      <a:pPr algn="l" rtl="0">
                         <a:lnSpc>
                           <a:spcPct val="100000"/>
                         </a:lnSpc>
@@ -7395,7 +6308,7 @@
                         <a:defRPr/>
                       </a:pPr>
                       <a:r>
-                        <a:rPr lang="en-US" sz="900" dirty="0">
+                        <a:rPr lang="pt-BR" sz="900">
                           <a:solidFill>
                             <a:srgbClr val="020302"/>
                           </a:solidFill>
@@ -7404,10 +6317,6 @@
                         </a:rPr>
                         <a:t></a:t>
                       </a:r>
-                      <a:endParaRPr lang="en-US" sz="900" dirty="0">
-                        <a:latin typeface="Wingdings"/>
-                        <a:cs typeface="Wingdings"/>
-                      </a:endParaRPr>
                     </a:p>
                   </a:txBody>
                   <a:tcPr marL="0" marR="0" marT="0" marB="0">
@@ -7430,7 +6339,7 @@
                     <a:bodyPr/>
                     <a:lstStyle/>
                     <a:p>
-                      <a:pPr marL="48895">
+                      <a:pPr marL="48895" algn="l" rtl="0">
                         <a:lnSpc>
                           <a:spcPct val="100000"/>
                         </a:lnSpc>
@@ -7488,29 +6397,15 @@
                         </a:spcBef>
                       </a:pPr>
                       <a:r>
-                        <a:rPr sz="900" spc="0" dirty="0">
+                        <a:rPr lang="pt-BR" sz="900">
                           <a:solidFill>
                             <a:srgbClr val="020302"/>
                           </a:solidFill>
                           <a:latin typeface="AdobeClean-Light"/>
                           <a:cs typeface="AdobeClean-Light"/>
                         </a:rPr>
-                        <a:t>Event </a:t>
+                        <a:t>Gerenciamento de eventos</a:t>
                       </a:r>
-                      <a:r>
-                        <a:rPr lang="en-US" sz="900" spc="0" dirty="0">
-                          <a:solidFill>
-                            <a:srgbClr val="020302"/>
-                          </a:solidFill>
-                          <a:latin typeface="AdobeClean-Light"/>
-                          <a:cs typeface="AdobeClean-Light"/>
-                        </a:rPr>
-                        <a:t>Management</a:t>
-                      </a:r>
-                      <a:endParaRPr sz="900" spc="0" dirty="0">
-                        <a:latin typeface="AdobeClean-Light"/>
-                        <a:cs typeface="AdobeClean-Light"/>
-                      </a:endParaRPr>
                     </a:p>
                   </a:txBody>
                   <a:tcPr marL="0" marR="0" marT="58419" marB="0">
@@ -7539,7 +6434,7 @@
                     <a:bodyPr/>
                     <a:lstStyle/>
                     <a:p>
-                      <a:pPr>
+                      <a:pPr algn="l" rtl="0">
                         <a:lnSpc>
                           <a:spcPct val="100000"/>
                         </a:lnSpc>
@@ -7568,7 +6463,7 @@
                     <a:bodyPr/>
                     <a:lstStyle/>
                     <a:p>
-                      <a:pPr>
+                      <a:pPr algn="l" rtl="0">
                         <a:lnSpc>
                           <a:spcPct val="100000"/>
                         </a:lnSpc>
@@ -7599,7 +6494,7 @@
                     <a:bodyPr/>
                     <a:lstStyle/>
                     <a:p>
-                      <a:pPr marL="48895">
+                      <a:pPr marL="48895" algn="l" rtl="0">
                         <a:lnSpc>
                           <a:spcPct val="100000"/>
                         </a:lnSpc>
@@ -7648,39 +6543,15 @@
                         </a:spcBef>
                       </a:pPr>
                       <a:r>
-                        <a:rPr sz="900" spc="0" dirty="0">
+                        <a:rPr lang="pt-BR" sz="900">
                           <a:solidFill>
                             <a:srgbClr val="020302"/>
                           </a:solidFill>
                           <a:latin typeface="AdobeClean-Light"/>
                           <a:cs typeface="AdobeClean-Light"/>
                         </a:rPr>
-                        <a:t>Environment</a:t>
+                        <a:t>Revisão, manutenção e monitoramento do ambiente</a:t>
                       </a:r>
-                      <a:r>
-                        <a:rPr lang="en-US" sz="900" spc="0" dirty="0">
-                          <a:solidFill>
-                            <a:srgbClr val="020302"/>
-                          </a:solidFill>
-                          <a:latin typeface="AdobeClean-Light"/>
-                          <a:cs typeface="AdobeClean-Light"/>
-                        </a:rPr>
-                        <a:t> </a:t>
-                      </a:r>
-                      <a:r>
-                        <a:rPr sz="900" spc="0" dirty="0">
-                          <a:solidFill>
-                            <a:srgbClr val="020302"/>
-                          </a:solidFill>
-                          <a:latin typeface="AdobeClean-Light"/>
-                          <a:cs typeface="AdobeClean-Light"/>
-                        </a:rPr>
-                        <a:t>Review, Maintenance &amp; Monitoring</a:t>
-                      </a:r>
-                      <a:endParaRPr sz="900" spc="0" dirty="0">
-                        <a:latin typeface="AdobeClean-Light"/>
-                        <a:cs typeface="AdobeClean-Light"/>
-                      </a:endParaRPr>
                     </a:p>
                   </a:txBody>
                   <a:tcPr marL="0" marR="0" marT="59055" marB="0">
@@ -7703,7 +6574,7 @@
                     <a:bodyPr/>
                     <a:lstStyle/>
                     <a:p>
-                      <a:pPr>
+                      <a:pPr algn="l" rtl="0">
                         <a:lnSpc>
                           <a:spcPct val="100000"/>
                         </a:lnSpc>
@@ -7732,7 +6603,7 @@
                     <a:bodyPr/>
                     <a:lstStyle/>
                     <a:p>
-                      <a:pPr>
+                      <a:pPr algn="l" rtl="0">
                         <a:lnSpc>
                           <a:spcPct val="100000"/>
                         </a:lnSpc>
@@ -7763,7 +6634,7 @@
                     <a:bodyPr/>
                     <a:lstStyle/>
                     <a:p>
-                      <a:pPr marL="49530">
+                      <a:pPr marL="49530" algn="l" rtl="0">
                         <a:lnSpc>
                           <a:spcPct val="100000"/>
                         </a:lnSpc>
@@ -7812,19 +6683,15 @@
                         </a:spcBef>
                       </a:pPr>
                       <a:r>
-                        <a:rPr sz="900" spc="0" dirty="0">
+                        <a:rPr lang="pt-BR" sz="900">
                           <a:solidFill>
                             <a:srgbClr val="020302"/>
                           </a:solidFill>
                           <a:latin typeface="AdobeClean-Light"/>
                           <a:cs typeface="AdobeClean-Light"/>
                         </a:rPr>
-                        <a:t>Release, Migration, Upgrade &amp; Product Roadmap Review</a:t>
+                        <a:t>Revisão de versão, migração, atualização e roteiro de produtos</a:t>
                       </a:r>
-                      <a:endParaRPr sz="900" spc="0" dirty="0">
-                        <a:latin typeface="AdobeClean-Light"/>
-                        <a:cs typeface="AdobeClean-Light"/>
-                      </a:endParaRPr>
                     </a:p>
                   </a:txBody>
                   <a:tcPr marL="0" marR="0" marT="63500" marB="0">
@@ -7847,7 +6714,7 @@
                     <a:bodyPr/>
                     <a:lstStyle/>
                     <a:p>
-                      <a:pPr>
+                      <a:pPr algn="l" rtl="0">
                         <a:lnSpc>
                           <a:spcPct val="100000"/>
                         </a:lnSpc>
@@ -7876,7 +6743,7 @@
                     <a:bodyPr/>
                     <a:lstStyle/>
                     <a:p>
-                      <a:pPr>
+                      <a:pPr algn="l" rtl="0">
                         <a:lnSpc>
                           <a:spcPct val="100000"/>
                         </a:lnSpc>
@@ -7907,7 +6774,7 @@
                     <a:bodyPr/>
                     <a:lstStyle/>
                     <a:p>
-                      <a:pPr marL="49530">
+                      <a:pPr marL="49530" algn="l" rtl="0">
                         <a:lnSpc>
                           <a:spcPct val="100000"/>
                         </a:lnSpc>
@@ -7965,11 +6832,11 @@
                         </a:spcBef>
                       </a:pPr>
                       <a:r>
-                        <a:rPr sz="900" spc="0" dirty="0">
+                        <a:rPr lang="pt-BR" sz="900">
                           <a:latin typeface="AdobeClean-Light"/>
                           <a:cs typeface="AdobeClean-Light"/>
                         </a:rPr>
-                        <a:t>Cloud Support Activities – Experience Manager as Cloud</a:t>
+                        <a:t>Atividades de suporte na nuvem — Experience Manager as Cloud</a:t>
                       </a:r>
                     </a:p>
                   </a:txBody>
@@ -7999,7 +6866,7 @@
                     <a:bodyPr/>
                     <a:lstStyle/>
                     <a:p>
-                      <a:pPr>
+                      <a:pPr algn="l" rtl="0">
                         <a:lnSpc>
                           <a:spcPct val="100000"/>
                         </a:lnSpc>
@@ -8055,7 +6922,7 @@
                         <a:defRPr/>
                       </a:pPr>
                       <a:r>
-                        <a:rPr lang="en-US" sz="900" dirty="0">
+                        <a:rPr lang="pt-BR" sz="900">
                           <a:solidFill>
                             <a:srgbClr val="020302"/>
                           </a:solidFill>
@@ -8064,13 +6931,9 @@
                         </a:rPr>
                         <a:t></a:t>
                       </a:r>
-                      <a:endParaRPr lang="en-US" sz="900" dirty="0">
-                        <a:latin typeface="Wingdings"/>
-                        <a:cs typeface="Wingdings"/>
-                      </a:endParaRPr>
                     </a:p>
                     <a:p>
-                      <a:pPr marL="0" marR="0" lvl="0" indent="0" algn="ctr" defTabSz="914400" eaLnBrk="1" fontAlgn="auto" latinLnBrk="0" hangingPunct="1">
+                      <a:pPr marL="0" marR="0" lvl="0" indent="0" algn="l" defTabSz="914400" rtl="0" eaLnBrk="1" fontAlgn="auto" latinLnBrk="0" hangingPunct="1">
                         <a:lnSpc>
                           <a:spcPct val="100000"/>
                         </a:lnSpc>
@@ -8133,22 +6996,15 @@
                         </a:spcBef>
                       </a:pPr>
                       <a:r>
-                        <a:rPr lang="en-US" sz="1000" b="1" i="0" spc="0" dirty="0">
+                        <a:rPr lang="pt-BR" sz="1000" b="1" i="0">
                           <a:solidFill>
                             <a:schemeClr val="bg1"/>
                           </a:solidFill>
                           <a:latin typeface="Adobe Clean"/>
                           <a:cs typeface="AdobeClean-Light"/>
                         </a:rPr>
-                        <a:t>Field Services</a:t>
+                        <a:t>Serviços de campo</a:t>
                       </a:r>
-                      <a:endParaRPr sz="1000" b="1" i="0" spc="0" dirty="0">
-                        <a:solidFill>
-                          <a:schemeClr val="bg1"/>
-                        </a:solidFill>
-                        <a:latin typeface="Adobe Clean"/>
-                        <a:cs typeface="AdobeClean-Light"/>
-                      </a:endParaRPr>
                     </a:p>
                   </a:txBody>
                   <a:tcPr marL="0" marR="0" marT="48260" marB="0" anchor="ctr">
@@ -8201,14 +7057,14 @@
                         </a:spcBef>
                       </a:pPr>
                       <a:r>
-                        <a:rPr sz="900" spc="0" dirty="0">
+                        <a:rPr lang="pt-BR" sz="900">
                           <a:solidFill>
                             <a:srgbClr val="020302"/>
                           </a:solidFill>
                           <a:latin typeface="AdobeClean-Light"/>
                           <a:cs typeface="AdobeClean-Light"/>
                         </a:rPr>
-                        <a:t>Launch Advisory Services – First Year of new solution</a:t>
+                        <a:t>Launch Advisory Services — primeiro ano da nova solução</a:t>
                       </a:r>
                     </a:p>
                   </a:txBody>
@@ -8248,7 +7104,7 @@
                     <a:bodyPr/>
                     <a:lstStyle/>
                     <a:p>
-                      <a:pPr>
+                      <a:pPr algn="l" rtl="0">
                         <a:lnSpc>
                           <a:spcPct val="100000"/>
                         </a:lnSpc>
@@ -8304,7 +7160,7 @@
                         <a:defRPr/>
                       </a:pPr>
                       <a:r>
-                        <a:rPr lang="en-US" sz="900" dirty="0">
+                        <a:rPr lang="pt-BR" sz="900">
                           <a:solidFill>
                             <a:srgbClr val="020302"/>
                           </a:solidFill>
@@ -8313,10 +7169,6 @@
                         </a:rPr>
                         <a:t></a:t>
                       </a:r>
-                      <a:endParaRPr lang="en-US" sz="900" dirty="0">
-                        <a:latin typeface="Wingdings"/>
-                        <a:cs typeface="Wingdings"/>
-                      </a:endParaRPr>
                     </a:p>
                   </a:txBody>
                   <a:tcPr marL="0" marR="0" marT="0" marB="0">
@@ -8437,7 +7289,7 @@
                         <a:defRPr/>
                       </a:pPr>
                       <a:r>
-                        <a:rPr lang="en-US" sz="900" dirty="0">
+                        <a:rPr lang="pt-BR" sz="900">
                           <a:solidFill>
                             <a:srgbClr val="020302"/>
                           </a:solidFill>
@@ -8446,10 +7298,6 @@
                         </a:rPr>
                         <a:t></a:t>
                       </a:r>
-                      <a:endParaRPr lang="en-US" sz="900" dirty="0">
-                        <a:latin typeface="Wingdings"/>
-                        <a:cs typeface="Wingdings"/>
-                      </a:endParaRPr>
                     </a:p>
                   </a:txBody>
                   <a:tcPr marL="0" marR="0" marT="0" marB="0">
@@ -8504,11 +7352,11 @@
                         <a:buNone/>
                       </a:pPr>
                       <a:r>
-                        <a:rPr lang="en-US" sz="900" spc="0" dirty="0">
+                        <a:rPr lang="pt-BR" sz="900">
                           <a:latin typeface="AdobeClean-Light"/>
                           <a:cs typeface="AdobeClean-Light"/>
                         </a:rPr>
-                        <a:t>Field Service Activities </a:t>
+                        <a:t>Atividades de serviço de campo </a:t>
                       </a:r>
                     </a:p>
                   </a:txBody>
@@ -8643,7 +7491,7 @@
         <p:spPr>
           <a:xfrm>
             <a:off x="2835999" y="9021041"/>
-            <a:ext cx="2194560" cy="641201"/>
+            <a:ext cx="2194560" cy="579646"/>
           </a:xfrm>
           <a:prstGeom prst="rect">
             <a:avLst/>
@@ -8667,154 +7515,14 @@
               </a:tabLst>
             </a:pPr>
             <a:r>
-              <a:rPr sz="1000" spc="-20" dirty="0">
+              <a:rPr lang="pt-BR" sz="900">
                 <a:solidFill>
                   <a:srgbClr val="020302"/>
                 </a:solidFill>
                 <a:latin typeface="AdobeClean-Light"/>
                 <a:cs typeface="AdobeClean-Light"/>
               </a:rPr>
-              <a:t>Start </a:t>
-            </a:r>
-            <a:r>
-              <a:rPr sz="1000" dirty="0">
-                <a:solidFill>
-                  <a:srgbClr val="020302"/>
-                </a:solidFill>
-                <a:latin typeface="AdobeClean-Light"/>
-                <a:cs typeface="AdobeClean-Light"/>
-              </a:rPr>
-              <a:t>a </a:t>
-            </a:r>
-            <a:r>
-              <a:rPr sz="1000" spc="-15" dirty="0">
-                <a:solidFill>
-                  <a:srgbClr val="020302"/>
-                </a:solidFill>
-                <a:latin typeface="AdobeClean-Light"/>
-                <a:cs typeface="AdobeClean-Light"/>
-              </a:rPr>
-              <a:t>chat </a:t>
-            </a:r>
-            <a:r>
-              <a:rPr sz="1000" spc="-10" dirty="0">
-                <a:solidFill>
-                  <a:srgbClr val="020302"/>
-                </a:solidFill>
-                <a:latin typeface="AdobeClean-Light"/>
-                <a:cs typeface="AdobeClean-Light"/>
-              </a:rPr>
-              <a:t>session </a:t>
-            </a:r>
-            <a:r>
-              <a:rPr sz="1000" spc="-5" dirty="0">
-                <a:solidFill>
-                  <a:srgbClr val="020302"/>
-                </a:solidFill>
-                <a:latin typeface="AdobeClean-Light"/>
-                <a:cs typeface="AdobeClean-Light"/>
-              </a:rPr>
-              <a:t>to </a:t>
-            </a:r>
-            <a:r>
-              <a:rPr sz="1000" spc="-10" dirty="0">
-                <a:solidFill>
-                  <a:srgbClr val="020302"/>
-                </a:solidFill>
-                <a:latin typeface="AdobeClean-Light"/>
-                <a:cs typeface="AdobeClean-Light"/>
-              </a:rPr>
-              <a:t>get </a:t>
-            </a:r>
-            <a:r>
-              <a:rPr sz="1000" spc="-20" dirty="0">
-                <a:solidFill>
-                  <a:srgbClr val="020302"/>
-                </a:solidFill>
-                <a:latin typeface="AdobeClean-Light"/>
-                <a:cs typeface="AdobeClean-Light"/>
-              </a:rPr>
-              <a:t>answers</a:t>
-            </a:r>
-            <a:r>
-              <a:rPr lang="en-US" sz="1000" spc="-45" dirty="0">
-                <a:solidFill>
-                  <a:srgbClr val="020302"/>
-                </a:solidFill>
-                <a:latin typeface="AdobeClean-Light"/>
-                <a:cs typeface="AdobeClean-Light"/>
-              </a:rPr>
-              <a:t> </a:t>
-            </a:r>
-            <a:r>
-              <a:rPr lang="en-US" sz="1000" dirty="0">
-                <a:solidFill>
-                  <a:srgbClr val="020302"/>
-                </a:solidFill>
-                <a:latin typeface="AdobeClean-Light"/>
-                <a:cs typeface="AdobeClean-Light"/>
-              </a:rPr>
-              <a:t>&amp; </a:t>
-            </a:r>
-            <a:r>
-              <a:rPr sz="1000" spc="-15" dirty="0">
-                <a:solidFill>
-                  <a:srgbClr val="020302"/>
-                </a:solidFill>
-                <a:latin typeface="AdobeClean-Light"/>
-                <a:cs typeface="AdobeClean-Light"/>
-              </a:rPr>
-              <a:t>help </a:t>
-            </a:r>
-            <a:r>
-              <a:rPr sz="1000" spc="-10" dirty="0">
-                <a:solidFill>
-                  <a:srgbClr val="020302"/>
-                </a:solidFill>
-                <a:latin typeface="AdobeClean-Light"/>
-                <a:cs typeface="AdobeClean-Light"/>
-              </a:rPr>
-              <a:t>with</a:t>
-            </a:r>
-            <a:r>
-              <a:rPr sz="1000" spc="85" dirty="0">
-                <a:solidFill>
-                  <a:srgbClr val="020302"/>
-                </a:solidFill>
-                <a:latin typeface="AdobeClean-Light"/>
-                <a:cs typeface="AdobeClean-Light"/>
-              </a:rPr>
-              <a:t> </a:t>
-            </a:r>
-            <a:r>
-              <a:rPr sz="1000" spc="-10" dirty="0">
-                <a:solidFill>
-                  <a:srgbClr val="020302"/>
-                </a:solidFill>
-                <a:latin typeface="AdobeClean-Light"/>
-                <a:cs typeface="AdobeClean-Light"/>
-              </a:rPr>
-              <a:t>case </a:t>
-            </a:r>
-            <a:r>
-              <a:rPr sz="1000" spc="-20">
-                <a:solidFill>
-                  <a:srgbClr val="020302"/>
-                </a:solidFill>
-                <a:latin typeface="AdobeClean-Light"/>
-                <a:cs typeface="AdobeClean-Light"/>
-              </a:rPr>
-              <a:t>submission</a:t>
-            </a:r>
-            <a:r>
-              <a:rPr lang="en-US" sz="1000" spc="-20">
-                <a:solidFill>
-                  <a:srgbClr val="020302"/>
-                </a:solidFill>
-                <a:latin typeface="AdobeClean-Light"/>
-                <a:cs typeface="AdobeClean-Light"/>
-              </a:rPr>
-              <a:t>.</a:t>
+              <a:t>Inicie uma sessão de chat para obter respostas e ajuda com o envio de caso.</a:t>
             </a:r>
           </a:p>
           <a:p>
@@ -8827,49 +7535,25 @@
               </a:tabLst>
             </a:pPr>
             <a:r>
-              <a:rPr sz="1000" i="1" spc="-10" dirty="0">
+              <a:rPr lang="pt-BR" sz="900" i="1">
                 <a:solidFill>
                   <a:srgbClr val="7A7A7A"/>
                 </a:solidFill>
                 <a:latin typeface="AdobeClean-LightIt"/>
                 <a:cs typeface="AdobeClean-LightIt"/>
               </a:rPr>
-              <a:t>*Not all </a:t>
-            </a:r>
-            <a:r>
-              <a:rPr sz="1000" i="1" spc="-20" dirty="0">
+              <a:t>*Nem todos os produtos têm suporte de chat ao vivo</a:t>
+            </a:r>
+            <a:r>
+              <a:rPr lang="pt-BR" sz="800" i="1">
                 <a:solidFill>
                   <a:srgbClr val="7A7A7A"/>
                 </a:solidFill>
                 <a:latin typeface="AdobeClean-LightIt"/>
                 <a:cs typeface="AdobeClean-LightIt"/>
               </a:rPr>
-              <a:t>products have live chat support</a:t>
-            </a:r>
-            <a:r>
-              <a:rPr sz="900" i="1" spc="-20" dirty="0">
-                <a:solidFill>
-                  <a:srgbClr val="7A7A7A"/>
-                </a:solidFill>
-                <a:latin typeface="AdobeClean-LightIt"/>
-                <a:cs typeface="AdobeClean-LightIt"/>
-              </a:rPr>
-              <a:t>.</a:t>
-            </a:r>
-            <a:r>
-              <a:rPr lang="en-US" sz="900" i="1" spc="-20" dirty="0">
-                <a:solidFill>
-                  <a:srgbClr val="7A7A7A"/>
-                </a:solidFill>
-                <a:latin typeface="AdobeClean-LightIt"/>
-                <a:cs typeface="AdobeClean-LightIt"/>
-              </a:rPr>
-              <a:t>  </a:t>
-            </a:r>
-            <a:endParaRPr sz="900">
-              <a:latin typeface="AdobeClean-Light"/>
-              <a:cs typeface="AdobeClean-Light"/>
-            </a:endParaRPr>
+              <a:t>.  </a:t>
+            </a:r>
           </a:p>
         </p:txBody>
       </p:sp>
@@ -8890,7 +7574,7 @@
         <p:spPr>
           <a:xfrm>
             <a:off x="689237" y="6664838"/>
-            <a:ext cx="1568246" cy="184666"/>
+            <a:ext cx="1568246" cy="169277"/>
           </a:xfrm>
           <a:prstGeom prst="rect">
             <a:avLst/>
@@ -8916,12 +7600,12 @@
               <a:defRPr/>
             </a:pPr>
             <a:r>
-              <a:rPr lang="en-US" sz="1200">
+              <a:rPr lang="pt-BR" sz="1100">
                 <a:solidFill>
                   <a:srgbClr val="000000"/>
                 </a:solidFill>
               </a:rPr>
-              <a:t>Community Forums</a:t>
+              <a:t>Fóruns da comunidade</a:t>
             </a:r>
           </a:p>
         </p:txBody>
@@ -8943,7 +7627,7 @@
         <p:spPr>
           <a:xfrm>
             <a:off x="689237" y="6868024"/>
-            <a:ext cx="959314" cy="184666"/>
+            <a:ext cx="959314" cy="169277"/>
           </a:xfrm>
           <a:prstGeom prst="rect">
             <a:avLst/>
@@ -8964,12 +7648,12 @@
               </a:spcAft>
             </a:pPr>
             <a:r>
-              <a:rPr lang="en-US" sz="1200" b="1">
+              <a:rPr lang="pt-BR" sz="1100" b="1">
                 <a:latin typeface="+mj-lt"/>
                 <a:ea typeface="Open Sans" pitchFamily="34" charset="0"/>
                 <a:cs typeface="Open Sans" pitchFamily="34" charset="0"/>
               </a:rPr>
-              <a:t>Online Forums</a:t>
+              <a:t>Fóruns online</a:t>
             </a:r>
           </a:p>
         </p:txBody>
@@ -8989,7 +7673,7 @@
         <p:spPr>
           <a:xfrm>
             <a:off x="355868" y="7102087"/>
-            <a:ext cx="2194560" cy="959237"/>
+            <a:ext cx="2194560" cy="1005403"/>
           </a:xfrm>
           <a:prstGeom prst="rect">
             <a:avLst/>
@@ -9002,20 +7686,14 @@
           <a:lstStyle/>
           <a:p>
             <a:r>
-              <a:rPr lang="en-US" sz="1000" dirty="0">
+              <a:rPr lang="pt-BR" sz="900">
                 <a:solidFill>
                   <a:srgbClr val="4B4B4B"/>
                 </a:solidFill>
                 <a:latin typeface="Adobe Clean Light"/>
               </a:rPr>
-              <a:t>Continuous online access to a growing database of technical solutions, product documentation, FAQs and more. Connect with practitioners and other customers on Adobe Community to share best practices and lessons learned.</a:t>
-            </a:r>
-            <a:endParaRPr lang="en-US" sz="1000" dirty="0">
-              <a:solidFill>
-                <a:srgbClr val="4B4B4B"/>
-              </a:solidFill>
-              <a:latin typeface="Adobe Clean Light" panose="020B0303020404020204" pitchFamily="34" charset="0"/>
-            </a:endParaRPr>
+              <a:t>Acesso online contínuo a um banco de dados cada vez maior de soluções técnicas, documentação do produto, perguntas frequentes e muito mais. Conecte-se com profissionais e outros clientes na Comunidade da Adobe para compartilhar práticas recomendadas e lições aprendidas.</a:t>
+            </a:r>
           </a:p>
         </p:txBody>
       </p:sp>
@@ -9036,7 +7714,7 @@
         <p:spPr>
           <a:xfrm>
             <a:off x="5723508" y="6664838"/>
-            <a:ext cx="1463040" cy="184666"/>
+            <a:ext cx="1463040" cy="169277"/>
           </a:xfrm>
           <a:prstGeom prst="rect">
             <a:avLst/>
@@ -9062,7 +7740,7 @@
               <a:defRPr/>
             </a:pPr>
             <a:r>
-              <a:rPr lang="en-US" sz="1200">
+              <a:rPr lang="pt-BR" sz="1100">
                 <a:solidFill>
                   <a:srgbClr val="000000"/>
                 </a:solidFill>
@@ -9089,7 +7767,7 @@
         <p:spPr>
           <a:xfrm>
             <a:off x="5723508" y="6868024"/>
-            <a:ext cx="1316707" cy="184666"/>
+            <a:ext cx="1264770" cy="169277"/>
           </a:xfrm>
           <a:prstGeom prst="rect">
             <a:avLst/>
@@ -9110,12 +7788,12 @@
               </a:spcAft>
             </a:pPr>
             <a:r>
-              <a:rPr lang="en-US" sz="1200" b="1">
+              <a:rPr lang="pt-BR" sz="1100" b="1">
                 <a:latin typeface="+mj-lt"/>
                 <a:ea typeface="Open Sans" pitchFamily="34" charset="0"/>
                 <a:cs typeface="Open Sans" pitchFamily="34" charset="0"/>
               </a:rPr>
-              <a:t>Self-guided Journeys</a:t>
+              <a:t>Jornadas autoguiadas</a:t>
             </a:r>
           </a:p>
         </p:txBody>
@@ -9135,7 +7813,7 @@
         <p:spPr>
           <a:xfrm>
             <a:off x="5265661" y="7060285"/>
-            <a:ext cx="2194560" cy="1113125"/>
+            <a:ext cx="2194560" cy="866904"/>
           </a:xfrm>
           <a:prstGeom prst="rect">
             <a:avLst/>
@@ -9148,20 +7826,14 @@
           <a:lstStyle/>
           <a:p>
             <a:r>
-              <a:rPr lang="en-US" sz="1000" dirty="0">
+              <a:rPr lang="pt-BR" sz="900" dirty="0">
                 <a:solidFill>
                   <a:srgbClr val="4B4B4B"/>
                 </a:solidFill>
                 <a:latin typeface="Adobe Clean Light"/>
               </a:rPr>
-              <a:t>Experience Makers are made with Experience League. Customers can kickstart their Customer Experience Management abilities with personalized learning to develop skills, engage with a global community of peers, and earn career advancing recognition.</a:t>
-            </a:r>
-            <a:endParaRPr lang="en-US" sz="1000" dirty="0">
-              <a:solidFill>
-                <a:srgbClr val="4B4B4B"/>
-              </a:solidFill>
-              <a:latin typeface="Adobe Clean Light" panose="020B0303020404020204" pitchFamily="34" charset="0"/>
-            </a:endParaRPr>
+              <a:t>A Experience League gera criadores de experiências. Os clientes podem adquirir habilidades de gerenciamento de experiência do cliente com aprendizagem personalizada, participar de uma comunidade de pares global e conseguir reconhecimento de carreira.</a:t>
+            </a:r>
           </a:p>
         </p:txBody>
       </p:sp>
@@ -9182,7 +7854,7 @@
         <p:spPr>
           <a:xfrm>
             <a:off x="3201544" y="8520784"/>
-            <a:ext cx="1543003" cy="184666"/>
+            <a:ext cx="1543003" cy="169277"/>
           </a:xfrm>
           <a:prstGeom prst="rect">
             <a:avLst/>
@@ -9208,12 +7880,12 @@
               <a:defRPr/>
             </a:pPr>
             <a:r>
-              <a:rPr lang="en-US" sz="1200">
+              <a:rPr lang="pt-BR" sz="1100">
                 <a:solidFill>
                   <a:srgbClr val="000000"/>
                 </a:solidFill>
               </a:rPr>
-              <a:t>Live Chat  Support*</a:t>
+              <a:t>Suporte por chat ao vivo*</a:t>
             </a:r>
           </a:p>
         </p:txBody>
@@ -9235,7 +7907,7 @@
         <p:spPr>
           <a:xfrm>
             <a:off x="3201544" y="8702003"/>
-            <a:ext cx="840166" cy="184666"/>
+            <a:ext cx="981038" cy="169277"/>
           </a:xfrm>
           <a:prstGeom prst="rect">
             <a:avLst/>
@@ -9256,12 +7928,12 @@
               </a:spcAft>
             </a:pPr>
             <a:r>
-              <a:rPr lang="en-US" sz="1200" b="1">
+              <a:rPr lang="pt-BR" sz="1100" b="1">
                 <a:latin typeface="+mj-lt"/>
                 <a:ea typeface="Open Sans" pitchFamily="34" charset="0"/>
                 <a:cs typeface="Open Sans" pitchFamily="34" charset="0"/>
               </a:rPr>
-              <a:t>Chat Support</a:t>
+              <a:t>Suporte por chat</a:t>
             </a:r>
           </a:p>
         </p:txBody>
@@ -9283,7 +7955,7 @@
         <p:spPr>
           <a:xfrm>
             <a:off x="3201544" y="6664838"/>
-            <a:ext cx="2520000" cy="184666"/>
+            <a:ext cx="2520000" cy="169277"/>
           </a:xfrm>
           <a:prstGeom prst="rect">
             <a:avLst/>
@@ -9309,12 +7981,12 @@
               <a:defRPr/>
             </a:pPr>
             <a:r>
-              <a:rPr lang="en-US" sz="1200">
+              <a:rPr lang="pt-BR" sz="1100">
                 <a:solidFill>
                   <a:srgbClr val="000000"/>
                 </a:solidFill>
               </a:rPr>
-              <a:t>24X7 P1 </a:t>
+              <a:t>24X7 prioridades P1 </a:t>
             </a:r>
           </a:p>
         </p:txBody>
@@ -9336,7 +8008,7 @@
         <p:spPr>
           <a:xfrm>
             <a:off x="3201544" y="6868024"/>
-            <a:ext cx="992259" cy="184666"/>
+            <a:ext cx="1086836" cy="169277"/>
           </a:xfrm>
           <a:prstGeom prst="rect">
             <a:avLst/>
@@ -9357,12 +8029,12 @@
               </a:spcAft>
             </a:pPr>
             <a:r>
-              <a:rPr lang="en-US" sz="1200" b="1">
+              <a:rPr lang="pt-BR" sz="1100" b="1">
                 <a:latin typeface="+mj-lt"/>
                 <a:ea typeface="Open Sans" pitchFamily="34" charset="0"/>
                 <a:cs typeface="Open Sans" pitchFamily="34" charset="0"/>
               </a:rPr>
-              <a:t>Phone  Support</a:t>
+              <a:t>Suporte telefônico</a:t>
             </a:r>
           </a:p>
         </p:txBody>
@@ -9382,7 +8054,7 @@
         <p:spPr>
           <a:xfrm>
             <a:off x="2835999" y="7097788"/>
-            <a:ext cx="2194560" cy="805349"/>
+            <a:ext cx="2194560" cy="728405"/>
           </a:xfrm>
           <a:prstGeom prst="rect">
             <a:avLst/>
@@ -9395,35 +8067,29 @@
           <a:lstStyle/>
           <a:p>
             <a:r>
-              <a:rPr lang="en-US" sz="1000">
+              <a:rPr lang="pt-BR" sz="900">
                 <a:solidFill>
                   <a:srgbClr val="020302"/>
                 </a:solidFill>
                 <a:latin typeface="AdobeClean-Light"/>
               </a:rPr>
-              <a:t>Authorized users or </a:t>
-            </a:r>
-            <a:r>
-              <a:rPr lang="en-US" sz="1000" b="1">
+              <a:t>Usuários autorizados ou </a:t>
+            </a:r>
+            <a:r>
+              <a:rPr lang="pt-BR" sz="900" b="1">
                 <a:solidFill>
                   <a:srgbClr val="020302"/>
                 </a:solidFill>
                 <a:latin typeface="AdobeClean-Light"/>
               </a:rPr>
-              <a:t>Named Support Contacts </a:t>
-            </a:r>
-            <a:r>
-              <a:rPr lang="en-US" sz="1000">
+              <a:t>contatos de suporte nomeados</a:t>
+            </a:r>
+            <a:r>
+              <a:rPr lang="pt-BR" sz="900">
                 <a:latin typeface="Adobe Clean Light" panose="020B0303020404020204" pitchFamily="34" charset="0"/>
               </a:rPr>
-              <a:t>can submit issues through all available  channels (including phone for P1) and interact with our technical support team on behalf of your company. </a:t>
-            </a:r>
-            <a:endParaRPr lang="en-US" sz="1000">
-              <a:solidFill>
-                <a:srgbClr val="000000"/>
-              </a:solidFill>
-              <a:latin typeface="Adobe Clean Light" panose="020B0303020404020204" pitchFamily="34" charset="0"/>
-            </a:endParaRPr>
+              <a:t> podem enviar problemas por todos os canais disponíveis (incluindo por telefone em prioridades P1) e contatar a equipe de suporte técnico em nome de sua empresa. </a:t>
+            </a:r>
           </a:p>
         </p:txBody>
       </p:sp>
@@ -9471,7 +8137,7 @@
           <a:bodyPr wrap="square" lIns="0" tIns="0" rIns="0" bIns="0" rtlCol="0"/>
           <a:lstStyle/>
           <a:p>
-            <a:endParaRPr/>
+            <a:endParaRPr sz="1600"/>
           </a:p>
         </p:txBody>
       </p:sp>
@@ -9490,7 +8156,7 @@
         <p:spPr>
           <a:xfrm>
             <a:off x="214971" y="6124178"/>
-            <a:ext cx="2047420" cy="307777"/>
+            <a:ext cx="2013052" cy="276999"/>
           </a:xfrm>
           <a:prstGeom prst="rect">
             <a:avLst/>
@@ -9508,19 +8174,15 @@
               </a:spcBef>
             </a:pPr>
             <a:r>
-              <a:rPr lang="en-US" sz="1400" b="1" spc="-10" dirty="0">
+              <a:rPr lang="pt-BR" sz="1200" b="1">
                 <a:solidFill>
                   <a:srgbClr val="020302"/>
                 </a:solidFill>
                 <a:latin typeface="Adobe Clean"/>
                 <a:cs typeface="Adobe Clean"/>
               </a:rPr>
-              <a:t>Standard Support Features</a:t>
-            </a:r>
-            <a:endParaRPr lang="en-US" sz="1400" dirty="0">
-              <a:latin typeface="Adobe Clean"/>
-              <a:cs typeface="Adobe Clean"/>
-            </a:endParaRPr>
+              <a:t>Recursos do Suporte Standard</a:t>
+            </a:r>
           </a:p>
         </p:txBody>
       </p:sp>
@@ -9541,7 +8203,7 @@
         <p:spPr>
           <a:xfrm>
             <a:off x="689237" y="8520784"/>
-            <a:ext cx="991521" cy="184666"/>
+            <a:ext cx="991521" cy="169277"/>
           </a:xfrm>
           <a:prstGeom prst="rect">
             <a:avLst/>
@@ -9567,7 +8229,7 @@
               <a:defRPr/>
             </a:pPr>
             <a:r>
-              <a:rPr lang="en-US" sz="1200">
+              <a:rPr lang="pt-BR" sz="1100">
                 <a:solidFill>
                   <a:srgbClr val="000000"/>
                 </a:solidFill>
@@ -9594,7 +8256,7 @@
         <p:spPr>
           <a:xfrm>
             <a:off x="689237" y="8702003"/>
-            <a:ext cx="604974" cy="184666"/>
+            <a:ext cx="670055" cy="169277"/>
           </a:xfrm>
           <a:prstGeom prst="rect">
             <a:avLst/>
@@ -9615,12 +8277,12 @@
               </a:spcAft>
             </a:pPr>
             <a:r>
-              <a:rPr lang="en-US" sz="1200" b="1">
+              <a:rPr lang="pt-BR" sz="1100" b="1">
                 <a:latin typeface="+mj-lt"/>
                 <a:ea typeface="Open Sans" pitchFamily="34" charset="0"/>
                 <a:cs typeface="Open Sans" pitchFamily="34" charset="0"/>
               </a:rPr>
-              <a:t>Webinars</a:t>
+              <a:t>Webinários</a:t>
             </a:r>
           </a:p>
         </p:txBody>
@@ -9640,7 +8302,7 @@
         <p:spPr>
           <a:xfrm>
             <a:off x="355868" y="8986613"/>
-            <a:ext cx="2194560" cy="805349"/>
+            <a:ext cx="2194560" cy="866904"/>
           </a:xfrm>
           <a:prstGeom prst="rect">
             <a:avLst/>
@@ -9653,13 +8315,47 @@
           <a:lstStyle/>
           <a:p>
             <a:r>
-              <a:rPr lang="en-US" sz="1000">
+              <a:rPr lang="pt-BR" sz="900" dirty="0">
                 <a:solidFill>
                   <a:srgbClr val="4B4B4B"/>
                 </a:solidFill>
                 <a:latin typeface="Adobe Clean Light" panose="020B0303020404020204" pitchFamily="34" charset="0"/>
               </a:rPr>
-              <a:t>Office Hours led by the Adobe Customer Support team includes sessions designed to inform as well as help participants troubleshoot problems and provide tips and tricks for success with Adobe solutions. </a:t>
+              <a:t>O Office Hours, apresentado pela equipe de Suporte ao cliente da Adobe, inclui sessões para informar e ajudar os participantes </a:t>
+            </a:r>
+            <a:br>
+              <a:rPr lang="pt-BR" sz="900" dirty="0">
+                <a:solidFill>
+                  <a:srgbClr val="4B4B4B"/>
+                </a:solidFill>
+                <a:latin typeface="Adobe Clean Light" panose="020B0303020404020204" pitchFamily="34" charset="0"/>
+              </a:rPr>
+            </a:br>
+            <a:r>
+              <a:rPr lang="pt-BR" sz="900" dirty="0">
+                <a:solidFill>
+                  <a:srgbClr val="4B4B4B"/>
+                </a:solidFill>
+                <a:latin typeface="Adobe Clean Light" panose="020B0303020404020204" pitchFamily="34" charset="0"/>
+              </a:rPr>
+              <a:t>a solucionar problemas e fornecer dicas </a:t>
+            </a:r>
+            <a:br>
+              <a:rPr lang="pt-BR" sz="900" dirty="0">
+                <a:solidFill>
+                  <a:srgbClr val="4B4B4B"/>
+                </a:solidFill>
+                <a:latin typeface="Adobe Clean Light" panose="020B0303020404020204" pitchFamily="34" charset="0"/>
+              </a:rPr>
+            </a:br>
+            <a:r>
+              <a:rPr lang="pt-BR" sz="900" dirty="0">
+                <a:solidFill>
+                  <a:srgbClr val="4B4B4B"/>
+                </a:solidFill>
+                <a:latin typeface="Adobe Clean Light" panose="020B0303020404020204" pitchFamily="34" charset="0"/>
+              </a:rPr>
+              <a:t>e truques para aproveitar ao máximo as soluções da Adobe. </a:t>
             </a:r>
           </a:p>
         </p:txBody>
@@ -9680,8 +8376,8 @@
         </p:nvSpPr>
         <p:spPr>
           <a:xfrm>
-            <a:off x="5723508" y="8520784"/>
-            <a:ext cx="1303746" cy="184666"/>
+            <a:off x="5723507" y="8520784"/>
+            <a:ext cx="1736713" cy="169277"/>
           </a:xfrm>
           <a:prstGeom prst="rect">
             <a:avLst/>
@@ -9707,12 +8403,12 @@
               <a:defRPr/>
             </a:pPr>
             <a:r>
-              <a:rPr lang="en-US" sz="1200">
+              <a:rPr lang="pt-BR" sz="1100" dirty="0">
                 <a:solidFill>
                   <a:srgbClr val="000000"/>
                 </a:solidFill>
               </a:rPr>
-              <a:t>Self-help Portals</a:t>
+              <a:t>Portais de autoatendimento</a:t>
             </a:r>
           </a:p>
         </p:txBody>
@@ -9734,7 +8430,7 @@
         <p:spPr>
           <a:xfrm>
             <a:off x="5723508" y="8702003"/>
-            <a:ext cx="1267206" cy="184666"/>
+            <a:ext cx="1325684" cy="169277"/>
           </a:xfrm>
           <a:prstGeom prst="rect">
             <a:avLst/>
@@ -9755,12 +8451,12 @@
               </a:spcAft>
             </a:pPr>
             <a:r>
-              <a:rPr lang="en-US" sz="1200" b="1">
+              <a:rPr lang="pt-BR" sz="1100" b="1">
                 <a:latin typeface="+mj-lt"/>
                 <a:ea typeface="Open Sans" pitchFamily="34" charset="0"/>
                 <a:cs typeface="Open Sans" pitchFamily="34" charset="0"/>
               </a:rPr>
-              <a:t>24/7 Support Portal</a:t>
+              <a:t>Portal de suporte 24/7</a:t>
             </a:r>
           </a:p>
         </p:txBody>
@@ -9780,7 +8476,7 @@
         <p:spPr>
           <a:xfrm>
             <a:off x="5265661" y="8947635"/>
-            <a:ext cx="2194560" cy="805349"/>
+            <a:ext cx="2194560" cy="866904"/>
           </a:xfrm>
           <a:prstGeom prst="rect">
             <a:avLst/>
@@ -9793,30 +8489,13 @@
           <a:lstStyle/>
           <a:p>
             <a:r>
-              <a:rPr lang="en-US" sz="1000">
+              <a:rPr lang="pt-BR" sz="900" dirty="0">
                 <a:solidFill>
                   <a:srgbClr val="4B4B4B"/>
                 </a:solidFill>
                 <a:latin typeface="Adobe Clean Light" panose="020B0303020404020204" pitchFamily="34" charset="0"/>
               </a:rPr>
-              <a:t>On-demand access to the online </a:t>
-            </a:r>
-            <a:br>
-              <a:rPr lang="en-US" sz="1000">
-                <a:solidFill>
-                  <a:srgbClr val="4B4B4B"/>
-                </a:solidFill>
-                <a:latin typeface="Adobe Clean Light" panose="020B0303020404020204" pitchFamily="34" charset="0"/>
-              </a:rPr>
-            </a:br>
-            <a:r>
-              <a:rPr lang="en-US" sz="1000">
-                <a:solidFill>
-                  <a:srgbClr val="4B4B4B"/>
-                </a:solidFill>
-                <a:latin typeface="Adobe Clean Light" panose="020B0303020404020204" pitchFamily="34" charset="0"/>
-              </a:rPr>
-              <a:t>Self-help Support Portal to submit support requests, review case status, and browse other resources, like our knowledgebase, news and alerts, featured tips, and more.</a:t>
+              <a:t>Acesso sob demanda ao Portal de autoatendimento online para enviar solicitações de suporte, revisar o status do caso e procurar outros recursos, como nossa base de conhecimento, notícias e alertas, dicas em destaque e muito mais.</a:t>
             </a:r>
           </a:p>
         </p:txBody>
@@ -9838,7 +8517,7 @@
         <p:spPr>
           <a:xfrm>
             <a:off x="97788" y="9888626"/>
-            <a:ext cx="2245360" cy="133370"/>
+            <a:ext cx="2245360" cy="117981"/>
           </a:xfrm>
           <a:prstGeom prst="rect">
             <a:avLst/>
@@ -9950,36 +8629,8 @@
               </a:spcBef>
             </a:pPr>
             <a:r>
-              <a:rPr lang="en-US" spc="-10"/>
-              <a:t>©2021</a:t>
-            </a:r>
-            <a:r>
-              <a:rPr lang="en-US" spc="-5"/>
-              <a:t> Adobe. All</a:t>
-            </a:r>
-            <a:r>
-              <a:rPr lang="en-US" spc="-10"/>
-              <a:t> Rights</a:t>
-            </a:r>
-            <a:r>
-              <a:rPr lang="en-US" spc="-5"/>
-              <a:t> </a:t>
-            </a:r>
-            <a:r>
-              <a:rPr lang="en-US" spc="-10"/>
-              <a:t>Reserved.</a:t>
-            </a:r>
-            <a:r>
-              <a:rPr lang="en-US" spc="-5"/>
-              <a:t> Adobe</a:t>
-            </a:r>
-            <a:r>
-              <a:rPr lang="en-US" spc="60"/>
-              <a:t> </a:t>
-            </a:r>
-            <a:r>
-              <a:rPr lang="en-US" spc="-10"/>
-              <a:t>Confidential.</a:t>
+              <a:rPr lang="pt-BR" sz="700"/>
+              <a:t>©2021 Adobe. All Rights Reserved. Adobe Confidential.</a:t>
             </a:r>
           </a:p>
         </p:txBody>
@@ -10028,7 +8679,7 @@
           <a:bodyPr wrap="square" lIns="0" tIns="0" rIns="0" bIns="0" rtlCol="0"/>
           <a:lstStyle/>
           <a:p>
-            <a:endParaRPr/>
+            <a:endParaRPr sz="1600"/>
           </a:p>
         </p:txBody>
       </p:sp>
@@ -10047,7 +8698,7 @@
         <p:spPr>
           <a:xfrm>
             <a:off x="214971" y="530261"/>
-            <a:ext cx="2159245" cy="307777"/>
+            <a:ext cx="2078839" cy="276999"/>
           </a:xfrm>
           <a:prstGeom prst="rect">
             <a:avLst/>
@@ -10068,19 +8719,15 @@
               </a:spcBef>
             </a:pPr>
             <a:r>
-              <a:rPr lang="en-US" sz="1400" b="1" spc="-10">
+              <a:rPr lang="pt-BR" sz="1200" b="1">
                 <a:solidFill>
                   <a:srgbClr val="020302"/>
                 </a:solidFill>
                 <a:latin typeface="Adobe Clean"/>
                 <a:cs typeface="Adobe Clean"/>
               </a:rPr>
-              <a:t>Enterprise Support Features</a:t>
-            </a:r>
-            <a:endParaRPr lang="en-US" sz="1400">
-              <a:latin typeface="Adobe Clean"/>
-              <a:cs typeface="Adobe Clean"/>
-            </a:endParaRPr>
+              <a:t>Recursos do suporte Enterprise</a:t>
+            </a:r>
           </a:p>
         </p:txBody>
       </p:sp>
@@ -10099,7 +8746,7 @@
         <p:spPr>
           <a:xfrm>
             <a:off x="689237" y="2603192"/>
-            <a:ext cx="1555491" cy="197490"/>
+            <a:ext cx="1811734" cy="182101"/>
           </a:xfrm>
           <a:prstGeom prst="rect">
             <a:avLst/>
@@ -10120,199 +8767,15 @@
               </a:spcBef>
             </a:pPr>
             <a:r>
-              <a:rPr sz="1200" b="1" spc="-25">
+              <a:rPr lang="pt-BR" sz="1100" b="1" dirty="0">
                 <a:solidFill>
                   <a:srgbClr val="020302"/>
                 </a:solidFill>
                 <a:latin typeface="Adobe Clean"/>
                 <a:cs typeface="Adobe Clean"/>
               </a:rPr>
-              <a:t>E</a:t>
-            </a:r>
-            <a:r>
-              <a:rPr sz="1200" b="1" spc="-20">
-                <a:solidFill>
-                  <a:srgbClr val="020302"/>
-                </a:solidFill>
-                <a:latin typeface="Adobe Clean"/>
-                <a:cs typeface="Adobe Clean"/>
-              </a:rPr>
-              <a:t>s</a:t>
-            </a:r>
-            <a:r>
-              <a:rPr sz="1200" b="1" spc="-30">
-                <a:solidFill>
-                  <a:srgbClr val="020302"/>
-                </a:solidFill>
-                <a:latin typeface="Adobe Clean"/>
-                <a:cs typeface="Adobe Clean"/>
-              </a:rPr>
-              <a:t>c</a:t>
-            </a:r>
-            <a:r>
-              <a:rPr sz="1200" b="1" spc="-20">
-                <a:solidFill>
-                  <a:srgbClr val="020302"/>
-                </a:solidFill>
-                <a:latin typeface="Adobe Clean"/>
-                <a:cs typeface="Adobe Clean"/>
-              </a:rPr>
-              <a:t>a</a:t>
-            </a:r>
-            <a:r>
-              <a:rPr sz="1200" b="1" spc="-25">
-                <a:solidFill>
-                  <a:srgbClr val="020302"/>
-                </a:solidFill>
-                <a:latin typeface="Adobe Clean"/>
-                <a:cs typeface="Adobe Clean"/>
-              </a:rPr>
-              <a:t>l</a:t>
-            </a:r>
-            <a:r>
-              <a:rPr sz="1200" b="1" spc="-20">
-                <a:solidFill>
-                  <a:srgbClr val="020302"/>
-                </a:solidFill>
-                <a:latin typeface="Adobe Clean"/>
-                <a:cs typeface="Adobe Clean"/>
-              </a:rPr>
-              <a:t>a</a:t>
-            </a:r>
-            <a:r>
-              <a:rPr sz="1200" b="1" spc="-25">
-                <a:solidFill>
-                  <a:srgbClr val="020302"/>
-                </a:solidFill>
-                <a:latin typeface="Adobe Clean"/>
-                <a:cs typeface="Adobe Clean"/>
-              </a:rPr>
-              <a:t>t</a:t>
-            </a:r>
-            <a:r>
-              <a:rPr sz="1200" b="1" spc="-20">
-                <a:solidFill>
-                  <a:srgbClr val="020302"/>
-                </a:solidFill>
-                <a:latin typeface="Adobe Clean"/>
-                <a:cs typeface="Adobe Clean"/>
-              </a:rPr>
-              <a:t>i</a:t>
-            </a:r>
-            <a:r>
-              <a:rPr sz="1200" b="1" spc="-15">
-                <a:solidFill>
-                  <a:srgbClr val="020302"/>
-                </a:solidFill>
-                <a:latin typeface="Adobe Clean"/>
-                <a:cs typeface="Adobe Clean"/>
-              </a:rPr>
-              <a:t>o</a:t>
-            </a:r>
-            <a:r>
-              <a:rPr sz="1200" b="1">
-                <a:solidFill>
-                  <a:srgbClr val="020302"/>
-                </a:solidFill>
-                <a:latin typeface="Adobe Clean"/>
-                <a:cs typeface="Adobe Clean"/>
-              </a:rPr>
-              <a:t>n</a:t>
-            </a:r>
-            <a:r>
-              <a:rPr sz="1200" b="1" spc="-55">
-                <a:solidFill>
-                  <a:srgbClr val="020302"/>
-                </a:solidFill>
-                <a:latin typeface="Adobe Clean"/>
-                <a:cs typeface="Adobe Clean"/>
-              </a:rPr>
-              <a:t> </a:t>
-            </a:r>
-            <a:r>
-              <a:rPr sz="1200" b="1" spc="-35">
-                <a:solidFill>
-                  <a:srgbClr val="020302"/>
-                </a:solidFill>
-                <a:latin typeface="Adobe Clean"/>
-                <a:cs typeface="Adobe Clean"/>
-              </a:rPr>
-              <a:t>M</a:t>
-            </a:r>
-            <a:r>
-              <a:rPr sz="1200" b="1" spc="-25">
-                <a:solidFill>
-                  <a:srgbClr val="020302"/>
-                </a:solidFill>
-                <a:latin typeface="Adobe Clean"/>
-                <a:cs typeface="Adobe Clean"/>
-              </a:rPr>
-              <a:t>a</a:t>
-            </a:r>
-            <a:r>
-              <a:rPr sz="1200" b="1" spc="-30">
-                <a:solidFill>
-                  <a:srgbClr val="020302"/>
-                </a:solidFill>
-                <a:latin typeface="Adobe Clean"/>
-                <a:cs typeface="Adobe Clean"/>
-              </a:rPr>
-              <a:t>n</a:t>
-            </a:r>
-            <a:r>
-              <a:rPr sz="1200" b="1" spc="-25">
-                <a:solidFill>
-                  <a:srgbClr val="020302"/>
-                </a:solidFill>
-                <a:latin typeface="Adobe Clean"/>
-                <a:cs typeface="Adobe Clean"/>
-              </a:rPr>
-              <a:t>a</a:t>
-            </a:r>
-            <a:r>
-              <a:rPr sz="1200" b="1" spc="-30">
-                <a:solidFill>
-                  <a:srgbClr val="020302"/>
-                </a:solidFill>
-                <a:latin typeface="Adobe Clean"/>
-                <a:cs typeface="Adobe Clean"/>
-              </a:rPr>
-              <a:t>ge</a:t>
-            </a:r>
-            <a:r>
-              <a:rPr sz="1200" b="1" spc="-25">
-                <a:solidFill>
-                  <a:srgbClr val="020302"/>
-                </a:solidFill>
-                <a:latin typeface="Adobe Clean"/>
-                <a:cs typeface="Adobe Clean"/>
-              </a:rPr>
-              <a:t>m</a:t>
-            </a:r>
-            <a:r>
-              <a:rPr sz="1200" b="1" spc="-30">
-                <a:solidFill>
-                  <a:srgbClr val="020302"/>
-                </a:solidFill>
-                <a:latin typeface="Adobe Clean"/>
-                <a:cs typeface="Adobe Clean"/>
-              </a:rPr>
-              <a:t>en</a:t>
-            </a:r>
-            <a:r>
-              <a:rPr sz="1200" b="1">
-                <a:solidFill>
-                  <a:srgbClr val="020302"/>
-                </a:solidFill>
-                <a:latin typeface="Adobe Clean"/>
-                <a:cs typeface="Adobe Clean"/>
-              </a:rPr>
-              <a:t>t</a:t>
-            </a:r>
-            <a:endParaRPr sz="1200">
-              <a:latin typeface="Adobe Clean"/>
-              <a:cs typeface="Adobe Clean"/>
-            </a:endParaRPr>
+              <a:t>Gestão de encaminhamento</a:t>
+            </a:r>
           </a:p>
         </p:txBody>
       </p:sp>
@@ -10331,7 +8794,7 @@
         <p:spPr>
           <a:xfrm>
             <a:off x="355868" y="2923693"/>
-            <a:ext cx="2194560" cy="782265"/>
+            <a:ext cx="2288272" cy="705321"/>
           </a:xfrm>
           <a:prstGeom prst="rect">
             <a:avLst/>
@@ -10352,18 +8815,14 @@
               </a:spcBef>
             </a:pPr>
             <a:r>
-              <a:rPr lang="en-US" sz="1000">
+              <a:rPr lang="pt-BR" sz="900" dirty="0">
                 <a:solidFill>
                   <a:srgbClr val="4B4B4B"/>
                 </a:solidFill>
                 <a:latin typeface="Adobe Clean Light" panose="020B0303020404020204" pitchFamily="34" charset="0"/>
               </a:rPr>
-              <a:t>A designated point of contact within Adobe who can provide escalation assistance, regular updates and ensure priority is given to your most critical open support requests.</a:t>
-            </a:r>
-            <a:endParaRPr sz="1000">
-              <a:latin typeface="Adobe Clean Light" panose="020B0303020404020204" pitchFamily="34" charset="0"/>
-              <a:cs typeface="AdobeClean-Light"/>
-            </a:endParaRPr>
+              <a:t>Um ponto de contato designado na Adobe que pode fornecer assistência de encaminhamento, atualizações regulares e garantir que seja dada prioridade àquelas solicitações de suporte abertas que forem mais críticas.</a:t>
+            </a:r>
           </a:p>
         </p:txBody>
       </p:sp>
@@ -10382,7 +8841,7 @@
         <p:spPr>
           <a:xfrm>
             <a:off x="3201544" y="2592995"/>
-            <a:ext cx="1036205" cy="197490"/>
+            <a:ext cx="1408205" cy="182101"/>
           </a:xfrm>
           <a:prstGeom prst="rect">
             <a:avLst/>
@@ -10403,149 +8862,15 @@
               </a:spcBef>
             </a:pPr>
             <a:r>
-              <a:rPr sz="1200" b="1" spc="-20">
+              <a:rPr lang="pt-BR" sz="1100" b="1" dirty="0">
                 <a:solidFill>
                   <a:srgbClr val="020302"/>
                 </a:solidFill>
                 <a:latin typeface="Adobe Clean"/>
                 <a:cs typeface="Adobe Clean"/>
               </a:rPr>
-              <a:t>S</a:t>
-            </a:r>
-            <a:r>
-              <a:rPr sz="1200" b="1" spc="-25">
-                <a:solidFill>
-                  <a:srgbClr val="020302"/>
-                </a:solidFill>
-                <a:latin typeface="Adobe Clean"/>
-                <a:cs typeface="Adobe Clean"/>
-              </a:rPr>
-              <a:t>e</a:t>
-            </a:r>
-            <a:r>
-              <a:rPr sz="1200" b="1" spc="-20">
-                <a:solidFill>
-                  <a:srgbClr val="020302"/>
-                </a:solidFill>
-                <a:latin typeface="Adobe Clean"/>
-                <a:cs typeface="Adobe Clean"/>
-              </a:rPr>
-              <a:t>r</a:t>
-            </a:r>
-            <a:r>
-              <a:rPr sz="1200" b="1" spc="-25">
-                <a:solidFill>
-                  <a:srgbClr val="020302"/>
-                </a:solidFill>
-                <a:latin typeface="Adobe Clean"/>
-                <a:cs typeface="Adobe Clean"/>
-              </a:rPr>
-              <a:t>v</a:t>
-            </a:r>
-            <a:r>
-              <a:rPr sz="1200" b="1" spc="-20">
-                <a:solidFill>
-                  <a:srgbClr val="020302"/>
-                </a:solidFill>
-                <a:latin typeface="Adobe Clean"/>
-                <a:cs typeface="Adobe Clean"/>
-              </a:rPr>
-              <a:t>i</a:t>
-            </a:r>
-            <a:r>
-              <a:rPr sz="1200" b="1" spc="-30">
-                <a:solidFill>
-                  <a:srgbClr val="020302"/>
-                </a:solidFill>
-                <a:latin typeface="Adobe Clean"/>
-                <a:cs typeface="Adobe Clean"/>
-              </a:rPr>
-              <a:t>c</a:t>
-            </a:r>
-            <a:r>
-              <a:rPr sz="1200" b="1">
-                <a:solidFill>
-                  <a:srgbClr val="020302"/>
-                </a:solidFill>
-                <a:latin typeface="Adobe Clean"/>
-                <a:cs typeface="Adobe Clean"/>
-              </a:rPr>
-              <a:t>e</a:t>
-            </a:r>
-            <a:r>
-              <a:rPr sz="1200" b="1" spc="-80">
-                <a:solidFill>
-                  <a:srgbClr val="020302"/>
-                </a:solidFill>
-                <a:latin typeface="Adobe Clean"/>
-                <a:cs typeface="Adobe Clean"/>
-              </a:rPr>
-              <a:t> </a:t>
-            </a:r>
-            <a:r>
-              <a:rPr sz="1200" b="1" spc="-20">
-                <a:solidFill>
-                  <a:srgbClr val="020302"/>
-                </a:solidFill>
-                <a:latin typeface="Adobe Clean"/>
-                <a:cs typeface="Adobe Clean"/>
-              </a:rPr>
-              <a:t>R</a:t>
-            </a:r>
-            <a:r>
-              <a:rPr sz="1200" b="1" spc="-25">
-                <a:solidFill>
-                  <a:srgbClr val="020302"/>
-                </a:solidFill>
-                <a:latin typeface="Adobe Clean"/>
-                <a:cs typeface="Adobe Clean"/>
-              </a:rPr>
-              <a:t>e</a:t>
-            </a:r>
-            <a:r>
-              <a:rPr sz="1200" b="1" spc="-30">
-                <a:solidFill>
-                  <a:srgbClr val="020302"/>
-                </a:solidFill>
-                <a:latin typeface="Adobe Clean"/>
-                <a:cs typeface="Adobe Clean"/>
-              </a:rPr>
-              <a:t>v</a:t>
-            </a:r>
-            <a:r>
-              <a:rPr sz="1200" b="1" spc="-20">
-                <a:solidFill>
-                  <a:srgbClr val="020302"/>
-                </a:solidFill>
-                <a:latin typeface="Adobe Clean"/>
-                <a:cs typeface="Adobe Clean"/>
-              </a:rPr>
-              <a:t>i</a:t>
-            </a:r>
-            <a:r>
-              <a:rPr sz="1200" b="1" spc="-25">
-                <a:solidFill>
-                  <a:srgbClr val="020302"/>
-                </a:solidFill>
-                <a:latin typeface="Adobe Clean"/>
-                <a:cs typeface="Adobe Clean"/>
-              </a:rPr>
-              <a:t>ew</a:t>
-            </a:r>
-            <a:r>
-              <a:rPr sz="1200" b="1">
-                <a:solidFill>
-                  <a:srgbClr val="020302"/>
-                </a:solidFill>
-                <a:latin typeface="Adobe Clean"/>
-                <a:cs typeface="Adobe Clean"/>
-              </a:rPr>
-              <a:t>s</a:t>
-            </a:r>
-            <a:endParaRPr sz="1200">
-              <a:latin typeface="Adobe Clean"/>
-              <a:cs typeface="Adobe Clean"/>
-            </a:endParaRPr>
+              <a:t>Revisões de serviço</a:t>
+            </a:r>
           </a:p>
         </p:txBody>
       </p:sp>
@@ -10564,7 +8889,7 @@
         <p:spPr>
           <a:xfrm>
             <a:off x="2835999" y="2921585"/>
-            <a:ext cx="2194560" cy="474489"/>
+            <a:ext cx="2091709" cy="428322"/>
           </a:xfrm>
           <a:prstGeom prst="rect">
             <a:avLst/>
@@ -10585,18 +8910,14 @@
               </a:spcBef>
             </a:pPr>
             <a:r>
-              <a:rPr lang="en-US" sz="1000">
+              <a:rPr lang="pt-BR" sz="900" dirty="0">
                 <a:solidFill>
                   <a:srgbClr val="4B4B4B"/>
                 </a:solidFill>
                 <a:latin typeface="Adobe Clean Light" panose="020B0303020404020204" pitchFamily="34" charset="0"/>
               </a:rPr>
-              <a:t>A bi-annual comprehensive review of  Enterprise program services, benefits and support metrics.</a:t>
-            </a:r>
-            <a:endParaRPr sz="1000">
-              <a:latin typeface="Adobe Clean Light" panose="020B0303020404020204" pitchFamily="34" charset="0"/>
-              <a:cs typeface="AdobeClean-Light"/>
-            </a:endParaRPr>
+              <a:t>Uma análise abrangente e bianual dos serviços, benefícios e das métricas de suporte do programa Enterprise.</a:t>
+            </a:r>
           </a:p>
         </p:txBody>
       </p:sp>
@@ -10615,7 +8936,7 @@
         <p:spPr>
           <a:xfrm>
             <a:off x="5265661" y="1426694"/>
-            <a:ext cx="2194560" cy="628377"/>
+            <a:ext cx="2194560" cy="566822"/>
           </a:xfrm>
           <a:prstGeom prst="rect">
             <a:avLst/>
@@ -10636,18 +8957,14 @@
               </a:spcBef>
             </a:pPr>
             <a:r>
-              <a:rPr lang="en-US" sz="1000">
+              <a:rPr lang="pt-BR" sz="900">
                 <a:solidFill>
                   <a:srgbClr val="4B4B4B"/>
                 </a:solidFill>
                 <a:latin typeface="Adobe Clean Light" panose="020B0303020404020204" pitchFamily="34" charset="0"/>
               </a:rPr>
-              <a:t>A 60-minute session focusing on a specific product feature and how it can be utilized to solve common business problems.</a:t>
-            </a:r>
-            <a:endParaRPr sz="1000">
-              <a:latin typeface="Adobe Clean Light" panose="020B0303020404020204" pitchFamily="34" charset="0"/>
-              <a:cs typeface="AdobeClean-Light"/>
-            </a:endParaRPr>
+              <a:t>Uma sessão de 60 minutos focada em um recurso específico do produto e em como ele pode ser usado para resolver problemas empresariais comuns.</a:t>
+            </a:r>
           </a:p>
         </p:txBody>
       </p:sp>
@@ -10666,7 +8983,7 @@
         <p:spPr>
           <a:xfrm>
             <a:off x="5265661" y="5001737"/>
-            <a:ext cx="2194560" cy="536622"/>
+            <a:ext cx="2194560" cy="485197"/>
           </a:xfrm>
           <a:prstGeom prst="rect">
             <a:avLst/>
@@ -10687,20 +9004,14 @@
               </a:spcBef>
             </a:pPr>
             <a:r>
-              <a:rPr lang="en-US" sz="1000" dirty="0">
+              <a:rPr lang="pt-BR" sz="900">
                 <a:solidFill>
                   <a:srgbClr val="4B4B4B"/>
                 </a:solidFill>
                 <a:latin typeface="Adobe Clean Light"/>
               </a:rPr>
-              <a:t>Drive adoption of customization best practices and core components in AEM as a Cloud Service.</a:t>
-            </a:r>
-            <a:endParaRPr sz="1000" dirty="0">
-              <a:solidFill>
-                <a:srgbClr val="4B4B4B"/>
-              </a:solidFill>
-              <a:latin typeface="Adobe Clean Light" panose="020B0303020404020204" pitchFamily="34" charset="0"/>
-            </a:endParaRPr>
+              <a:t>Adoção de práticas recomendadas de personalização e dos componentes principais no AEM as a Cloud Service.</a:t>
+            </a:r>
           </a:p>
         </p:txBody>
       </p:sp>
@@ -10719,7 +9030,7 @@
         <p:spPr>
           <a:xfrm>
             <a:off x="2835999" y="4994097"/>
-            <a:ext cx="2194560" cy="720903"/>
+            <a:ext cx="2194560" cy="488916"/>
           </a:xfrm>
           <a:prstGeom prst="rect">
             <a:avLst/>
@@ -10740,20 +9051,14 @@
               </a:spcBef>
             </a:pPr>
             <a:r>
-              <a:rPr lang="en-US" sz="1000" dirty="0">
+              <a:rPr lang="pt-BR" sz="900">
                 <a:solidFill>
                   <a:srgbClr val="4B4B4B"/>
                 </a:solidFill>
                 <a:latin typeface="Adobe Clean Light"/>
               </a:rPr>
-              <a:t>Identify, review and provide recommendations on customized solution adoption areas that have opportunities for optimization.</a:t>
-            </a:r>
-            <a:endParaRPr lang="en-US" sz="1000" dirty="0">
-              <a:solidFill>
-                <a:srgbClr val="4B4B4B"/>
-              </a:solidFill>
-              <a:latin typeface="Adobe Clean Light" panose="020B0303020404020204" pitchFamily="34" charset="0"/>
-            </a:endParaRPr>
+              <a:t>Identificação, revisão e recomendações sobre áreas personalizadas da adoção de soluções com oportunidades de otimização.</a:t>
+            </a:r>
           </a:p>
         </p:txBody>
       </p:sp>
@@ -10772,7 +9077,7 @@
         <p:spPr>
           <a:xfrm>
             <a:off x="355868" y="4947989"/>
-            <a:ext cx="2194560" cy="717376"/>
+            <a:ext cx="2194560" cy="650947"/>
           </a:xfrm>
           <a:prstGeom prst="rect">
             <a:avLst/>
@@ -10793,20 +9098,31 @@
               </a:spcBef>
             </a:pPr>
             <a:r>
-              <a:rPr lang="en-US" sz="1000" dirty="0">
+              <a:rPr lang="pt-BR" sz="900" dirty="0">
                 <a:solidFill>
                   <a:srgbClr val="4B4B4B"/>
                 </a:solidFill>
                 <a:latin typeface="Adobe Clean Light"/>
               </a:rPr>
-              <a:t>Technical &amp; operational governance to assist AEM as a Cloud Service Customers in adhering to industry standards and best practices for AEM as a Cloud Service.</a:t>
-            </a:r>
-            <a:endParaRPr sz="1000" dirty="0">
-              <a:solidFill>
-                <a:srgbClr val="4B4B4B"/>
-              </a:solidFill>
-              <a:latin typeface="Adobe Clean Light" panose="020B0303020404020204" pitchFamily="34" charset="0"/>
-            </a:endParaRPr>
+              <a:t>Governança técnica e operacional para auxiliar os clientes do AEM as a Cloud Service </a:t>
+            </a:r>
+            <a:br>
+              <a:rPr lang="pt-BR" sz="900" dirty="0">
+                <a:solidFill>
+                  <a:srgbClr val="4B4B4B"/>
+                </a:solidFill>
+                <a:latin typeface="Adobe Clean Light"/>
+              </a:rPr>
+            </a:br>
+            <a:r>
+              <a:rPr lang="pt-BR" sz="900" dirty="0">
+                <a:solidFill>
+                  <a:srgbClr val="4B4B4B"/>
+                </a:solidFill>
+                <a:latin typeface="Adobe Clean Light"/>
+              </a:rPr>
+              <a:t>a seguirem os padrões do setor e as práticas recomendadas do AEM as a Cloud Service.</a:t>
+            </a:r>
           </a:p>
         </p:txBody>
       </p:sp>
@@ -10825,7 +9141,7 @@
         <p:spPr>
           <a:xfrm>
             <a:off x="2835999" y="1401973"/>
-            <a:ext cx="2194560" cy="959237"/>
+            <a:ext cx="2194560" cy="728405"/>
           </a:xfrm>
           <a:prstGeom prst="rect">
             <a:avLst/>
@@ -10843,20 +9159,31 @@
               </a:spcBef>
             </a:pPr>
             <a:r>
-              <a:rPr lang="en-US" sz="1000" dirty="0">
+              <a:rPr lang="pt-BR" sz="900" dirty="0">
                 <a:solidFill>
                   <a:srgbClr val="4B4B4B"/>
                 </a:solidFill>
                 <a:latin typeface="Adobe Clean Light" panose="020B0303020404020204" pitchFamily="34" charset="0"/>
               </a:rPr>
-              <a:t>A designated support engineer who becomes familiar with your solution environment and business goals. The NSE is an experienced support engineer that helps coordinate your Enterprise Support experience.</a:t>
-            </a:r>
-            <a:endParaRPr lang="en-US" sz="1000" dirty="0">
-              <a:solidFill>
-                <a:srgbClr val="000000"/>
-              </a:solidFill>
-              <a:latin typeface="Adobe Clean Light" panose="020B0303020404020204" pitchFamily="34" charset="0"/>
-            </a:endParaRPr>
+              <a:t>Um engenheiro de suporte designado, familiarizado com seu ambiente de solução </a:t>
+            </a:r>
+            <a:br>
+              <a:rPr lang="pt-BR" sz="900" dirty="0">
+                <a:solidFill>
+                  <a:srgbClr val="4B4B4B"/>
+                </a:solidFill>
+                <a:latin typeface="Adobe Clean Light" panose="020B0303020404020204" pitchFamily="34" charset="0"/>
+              </a:rPr>
+            </a:br>
+            <a:r>
+              <a:rPr lang="pt-BR" sz="900" dirty="0">
+                <a:solidFill>
+                  <a:srgbClr val="4B4B4B"/>
+                </a:solidFill>
+                <a:latin typeface="Adobe Clean Light" panose="020B0303020404020204" pitchFamily="34" charset="0"/>
+              </a:rPr>
+              <a:t>e objetivos de negócios. O engenheiro é um profissional experiente que ajuda a coordenar sua experiência no Suporte Enterprise.</a:t>
+            </a:r>
           </a:p>
         </p:txBody>
       </p:sp>
@@ -10876,8 +9203,8 @@
         </p:nvSpPr>
         <p:spPr>
           <a:xfrm>
-            <a:off x="3201544" y="1127425"/>
-            <a:ext cx="1726164" cy="184666"/>
+            <a:off x="3201544" y="1028365"/>
+            <a:ext cx="1726164" cy="338554"/>
           </a:xfrm>
           <a:prstGeom prst="rect">
             <a:avLst/>
@@ -10898,13 +9225,13 @@
               </a:spcAft>
             </a:pPr>
             <a:r>
-              <a:rPr lang="en-US" sz="1200" b="1" spc="-10">
+              <a:rPr lang="pt-BR" sz="1100" b="1" dirty="0">
                 <a:solidFill>
                   <a:srgbClr val="020302"/>
                 </a:solidFill>
                 <a:latin typeface="+mj-lt"/>
               </a:rPr>
-              <a:t>Named Support Engineer</a:t>
+              <a:t>Engenheiro de suporte nomeado</a:t>
             </a:r>
           </a:p>
         </p:txBody>
@@ -10963,7 +9290,7 @@
         <p:spPr>
           <a:xfrm>
             <a:off x="5723508" y="1099976"/>
-            <a:ext cx="1036205" cy="197490"/>
+            <a:ext cx="1591692" cy="182101"/>
           </a:xfrm>
           <a:prstGeom prst="rect">
             <a:avLst/>
@@ -10984,19 +9311,15 @@
               </a:spcBef>
             </a:pPr>
             <a:r>
-              <a:rPr lang="en-US" sz="1200" b="1" spc="-20">
+              <a:rPr lang="pt-BR" sz="1100" b="1" dirty="0">
                 <a:solidFill>
                   <a:srgbClr val="020302"/>
                 </a:solidFill>
                 <a:latin typeface="Adobe Clean"/>
                 <a:cs typeface="Adobe Clean"/>
               </a:rPr>
-              <a:t>Expert Sessions</a:t>
-            </a:r>
-            <a:endParaRPr sz="1200">
-              <a:latin typeface="Adobe Clean"/>
-              <a:cs typeface="Adobe Clean"/>
-            </a:endParaRPr>
+              <a:t>Sessões com especialistas</a:t>
+            </a:r>
           </a:p>
         </p:txBody>
       </p:sp>
@@ -11015,7 +9338,7 @@
         <p:spPr>
           <a:xfrm>
             <a:off x="5181600" y="4466703"/>
-            <a:ext cx="1972258" cy="461665"/>
+            <a:ext cx="1972258" cy="600164"/>
           </a:xfrm>
           <a:prstGeom prst="rect">
             <a:avLst/>
@@ -11036,489 +9359,34 @@
               </a:spcBef>
             </a:pPr>
             <a:r>
-              <a:rPr lang="en-US" sz="1200" b="1" spc="-15">
+              <a:rPr lang="pt-BR" sz="1100" b="1" dirty="0">
                 <a:solidFill>
                   <a:srgbClr val="020302"/>
                 </a:solidFill>
                 <a:latin typeface="Adobe Clean"/>
                 <a:cs typeface="Adobe Clean"/>
               </a:rPr>
-              <a:t>C</a:t>
-            </a:r>
-            <a:r>
-              <a:rPr lang="en-US" sz="1200" b="1" spc="-20">
+              <a:t>Práticas recomendadas de personalização do AEM as </a:t>
+            </a:r>
+            <a:br>
+              <a:rPr lang="pt-BR" sz="1100" b="1" dirty="0">
                 <a:solidFill>
                   <a:srgbClr val="020302"/>
                 </a:solidFill>
                 <a:latin typeface="Adobe Clean"/>
                 <a:cs typeface="Adobe Clean"/>
               </a:rPr>
-              <a:t>u</a:t>
-            </a:r>
-            <a:r>
-              <a:rPr lang="en-US" sz="1200" b="1" spc="-25">
+            </a:br>
+            <a:r>
+              <a:rPr lang="pt-BR" sz="1100" b="1" dirty="0">
                 <a:solidFill>
                   <a:srgbClr val="020302"/>
                 </a:solidFill>
                 <a:latin typeface="Adobe Clean"/>
                 <a:cs typeface="Adobe Clean"/>
               </a:rPr>
-              <a:t>st</a:t>
-            </a:r>
-            <a:r>
-              <a:rPr lang="en-US" sz="1200" b="1" spc="-15">
-                <a:solidFill>
-                  <a:srgbClr val="020302"/>
-                </a:solidFill>
-                <a:latin typeface="Adobe Clean"/>
-                <a:cs typeface="Adobe Clean"/>
-              </a:rPr>
-              <a:t>o</a:t>
-            </a:r>
-            <a:r>
-              <a:rPr lang="en-US" sz="1200" b="1" spc="-20">
-                <a:solidFill>
-                  <a:srgbClr val="020302"/>
-                </a:solidFill>
-                <a:latin typeface="Adobe Clean"/>
-                <a:cs typeface="Adobe Clean"/>
-              </a:rPr>
-              <a:t>miza</a:t>
-            </a:r>
-            <a:r>
-              <a:rPr lang="en-US" sz="1200" b="1" spc="-25">
-                <a:solidFill>
-                  <a:srgbClr val="020302"/>
-                </a:solidFill>
-                <a:latin typeface="Adobe Clean"/>
-                <a:cs typeface="Adobe Clean"/>
-              </a:rPr>
-              <a:t>t</a:t>
-            </a:r>
-            <a:r>
-              <a:rPr lang="en-US" sz="1200" b="1" spc="-20">
-                <a:solidFill>
-                  <a:srgbClr val="020302"/>
-                </a:solidFill>
-                <a:latin typeface="Adobe Clean"/>
-                <a:cs typeface="Adobe Clean"/>
-              </a:rPr>
-              <a:t>i</a:t>
-            </a:r>
-            <a:r>
-              <a:rPr lang="en-US" sz="1200" b="1" spc="-15">
-                <a:solidFill>
-                  <a:srgbClr val="020302"/>
-                </a:solidFill>
-                <a:latin typeface="Adobe Clean"/>
-                <a:cs typeface="Adobe Clean"/>
-              </a:rPr>
-              <a:t>o</a:t>
-            </a:r>
-            <a:r>
-              <a:rPr lang="en-US" sz="1200" b="1">
-                <a:solidFill>
-                  <a:srgbClr val="020302"/>
-                </a:solidFill>
-                <a:latin typeface="Adobe Clean"/>
-                <a:cs typeface="Adobe Clean"/>
-              </a:rPr>
-              <a:t>n</a:t>
-            </a:r>
-            <a:r>
-              <a:rPr lang="en-US" sz="1200" b="1" spc="-50">
-                <a:solidFill>
-                  <a:srgbClr val="020302"/>
-                </a:solidFill>
-                <a:latin typeface="Adobe Clean"/>
-                <a:cs typeface="Adobe Clean"/>
-              </a:rPr>
-              <a:t> </a:t>
-            </a:r>
-            <a:r>
-              <a:rPr lang="en-US" sz="1200" b="1" spc="-20">
-                <a:solidFill>
-                  <a:srgbClr val="020302"/>
-                </a:solidFill>
-                <a:latin typeface="Adobe Clean"/>
-                <a:cs typeface="Adobe Clean"/>
-              </a:rPr>
-              <a:t>B</a:t>
-            </a:r>
-            <a:r>
-              <a:rPr lang="en-US" sz="1200" b="1" spc="-25">
-                <a:solidFill>
-                  <a:srgbClr val="020302"/>
-                </a:solidFill>
-                <a:latin typeface="Adobe Clean"/>
-                <a:cs typeface="Adobe Clean"/>
-              </a:rPr>
-              <a:t>es</a:t>
-            </a:r>
-            <a:r>
-              <a:rPr lang="en-US" sz="1200" b="1">
-                <a:solidFill>
-                  <a:srgbClr val="020302"/>
-                </a:solidFill>
-                <a:latin typeface="Adobe Clean"/>
-                <a:cs typeface="Adobe Clean"/>
-              </a:rPr>
-              <a:t>t</a:t>
-            </a:r>
-            <a:r>
-              <a:rPr lang="en-US" sz="1200" b="1" spc="-50">
-                <a:solidFill>
-                  <a:srgbClr val="020302"/>
-                </a:solidFill>
-                <a:latin typeface="Adobe Clean"/>
-                <a:cs typeface="Adobe Clean"/>
-              </a:rPr>
-              <a:t> </a:t>
-            </a:r>
-            <a:r>
-              <a:rPr lang="en-US" sz="1200" b="1" spc="-25">
-                <a:solidFill>
-                  <a:srgbClr val="020302"/>
-                </a:solidFill>
-                <a:latin typeface="Adobe Clean"/>
-                <a:cs typeface="Adobe Clean"/>
-              </a:rPr>
-              <a:t>P</a:t>
-            </a:r>
-            <a:r>
-              <a:rPr lang="en-US" sz="1200" b="1" spc="-20">
-                <a:solidFill>
-                  <a:srgbClr val="020302"/>
-                </a:solidFill>
-                <a:latin typeface="Adobe Clean"/>
-                <a:cs typeface="Adobe Clean"/>
-              </a:rPr>
-              <a:t>ra</a:t>
-            </a:r>
-            <a:r>
-              <a:rPr lang="en-US" sz="1200" b="1" spc="-30">
-                <a:solidFill>
-                  <a:srgbClr val="020302"/>
-                </a:solidFill>
-                <a:latin typeface="Adobe Clean"/>
-                <a:cs typeface="Adobe Clean"/>
-              </a:rPr>
-              <a:t>c</a:t>
-            </a:r>
-            <a:r>
-              <a:rPr lang="en-US" sz="1200" b="1" spc="-25">
-                <a:solidFill>
-                  <a:srgbClr val="020302"/>
-                </a:solidFill>
-                <a:latin typeface="Adobe Clean"/>
-                <a:cs typeface="Adobe Clean"/>
-              </a:rPr>
-              <a:t>t</a:t>
-            </a:r>
-            <a:r>
-              <a:rPr lang="en-US" sz="1200" b="1" spc="-20">
-                <a:solidFill>
-                  <a:srgbClr val="020302"/>
-                </a:solidFill>
-                <a:latin typeface="Adobe Clean"/>
-                <a:cs typeface="Adobe Clean"/>
-              </a:rPr>
-              <a:t>i</a:t>
-            </a:r>
-            <a:r>
-              <a:rPr lang="en-US" sz="1200" b="1" spc="-30">
-                <a:solidFill>
-                  <a:srgbClr val="020302"/>
-                </a:solidFill>
-                <a:latin typeface="Adobe Clean"/>
-                <a:cs typeface="Adobe Clean"/>
-              </a:rPr>
-              <a:t>c</a:t>
-            </a:r>
-            <a:r>
-              <a:rPr lang="en-US" sz="1200" b="1" spc="-25">
-                <a:solidFill>
-                  <a:srgbClr val="020302"/>
-                </a:solidFill>
-                <a:latin typeface="Adobe Clean"/>
-                <a:cs typeface="Adobe Clean"/>
-              </a:rPr>
-              <a:t>e</a:t>
-            </a:r>
-            <a:r>
-              <a:rPr lang="en-US" sz="1200" b="1">
-                <a:solidFill>
-                  <a:srgbClr val="020302"/>
-                </a:solidFill>
-                <a:latin typeface="Adobe Clean"/>
-                <a:cs typeface="Adobe Clean"/>
-              </a:rPr>
-              <a:t>s</a:t>
-            </a:r>
-            <a:r>
-              <a:rPr lang="en-US" sz="1200" b="1" spc="-45">
-                <a:solidFill>
-                  <a:srgbClr val="020302"/>
-                </a:solidFill>
-                <a:latin typeface="Adobe Clean"/>
-                <a:cs typeface="Adobe Clean"/>
-              </a:rPr>
-              <a:t> </a:t>
-            </a:r>
-            <a:r>
-              <a:rPr lang="en-US" sz="1200" b="1" spc="-25">
-                <a:solidFill>
-                  <a:srgbClr val="020302"/>
-                </a:solidFill>
-                <a:latin typeface="Adobe Clean"/>
-                <a:cs typeface="Adobe Clean"/>
-              </a:rPr>
-              <a:t>f</a:t>
-            </a:r>
-            <a:r>
-              <a:rPr lang="en-US" sz="1200" b="1" spc="-15">
-                <a:solidFill>
-                  <a:srgbClr val="020302"/>
-                </a:solidFill>
-                <a:latin typeface="Adobe Clean"/>
-                <a:cs typeface="Adobe Clean"/>
-              </a:rPr>
-              <a:t>o</a:t>
-            </a:r>
-            <a:r>
-              <a:rPr lang="en-US" sz="1200" b="1">
-                <a:solidFill>
-                  <a:srgbClr val="020302"/>
-                </a:solidFill>
-                <a:latin typeface="Adobe Clean"/>
-                <a:cs typeface="Adobe Clean"/>
-              </a:rPr>
-              <a:t>r</a:t>
-            </a:r>
-            <a:r>
-              <a:rPr lang="en-US" sz="1200" b="1" spc="-45">
-                <a:solidFill>
-                  <a:srgbClr val="020302"/>
-                </a:solidFill>
-                <a:latin typeface="Adobe Clean"/>
-                <a:cs typeface="Adobe Clean"/>
-              </a:rPr>
-              <a:t> </a:t>
-            </a:r>
-            <a:r>
-              <a:rPr lang="en-US" sz="1200" b="1" spc="-30">
-                <a:solidFill>
-                  <a:srgbClr val="020302"/>
-                </a:solidFill>
-                <a:latin typeface="Adobe Clean"/>
-                <a:cs typeface="Adobe Clean"/>
-              </a:rPr>
-              <a:t>AE</a:t>
-            </a:r>
-            <a:r>
-              <a:rPr lang="en-US" sz="1200" b="1">
-                <a:solidFill>
-                  <a:srgbClr val="020302"/>
-                </a:solidFill>
-                <a:latin typeface="Adobe Clean"/>
-                <a:cs typeface="Adobe Clean"/>
-              </a:rPr>
-              <a:t>M</a:t>
-            </a:r>
-            <a:r>
-              <a:rPr lang="en-US" sz="1200" b="1" spc="-55">
-                <a:solidFill>
-                  <a:srgbClr val="020302"/>
-                </a:solidFill>
-                <a:latin typeface="Adobe Clean"/>
-                <a:cs typeface="Adobe Clean"/>
-              </a:rPr>
-              <a:t> </a:t>
-            </a:r>
-            <a:r>
-              <a:rPr lang="en-US" sz="1200" b="1" spc="-20">
-                <a:solidFill>
-                  <a:srgbClr val="020302"/>
-                </a:solidFill>
-                <a:latin typeface="Adobe Clean"/>
-                <a:cs typeface="Adobe Clean"/>
-              </a:rPr>
-              <a:t>a</a:t>
-            </a:r>
-            <a:r>
-              <a:rPr lang="en-US" sz="1200" b="1">
-                <a:solidFill>
-                  <a:srgbClr val="020302"/>
-                </a:solidFill>
-                <a:latin typeface="Adobe Clean"/>
-                <a:cs typeface="Adobe Clean"/>
-              </a:rPr>
-              <a:t>s</a:t>
-            </a:r>
-            <a:r>
-              <a:rPr lang="en-US" sz="1200" b="1" spc="-45">
-                <a:solidFill>
-                  <a:srgbClr val="020302"/>
-                </a:solidFill>
-                <a:latin typeface="Adobe Clean"/>
-                <a:cs typeface="Adobe Clean"/>
-              </a:rPr>
-              <a:t> </a:t>
-            </a:r>
-            <a:r>
-              <a:rPr lang="en-US" sz="1200" b="1">
-                <a:solidFill>
-                  <a:srgbClr val="020302"/>
-                </a:solidFill>
-                <a:latin typeface="Adobe Clean"/>
-                <a:cs typeface="Adobe Clean"/>
-              </a:rPr>
-              <a:t>a</a:t>
-            </a:r>
-            <a:r>
-              <a:rPr lang="en-US" sz="1200" b="1" spc="-45">
-                <a:solidFill>
-                  <a:srgbClr val="020302"/>
-                </a:solidFill>
-                <a:latin typeface="Adobe Clean"/>
-                <a:cs typeface="Adobe Clean"/>
-              </a:rPr>
-              <a:t> </a:t>
-            </a:r>
-            <a:r>
-              <a:rPr lang="en-US" sz="1200" b="1" spc="-15">
-                <a:solidFill>
-                  <a:srgbClr val="020302"/>
-                </a:solidFill>
-                <a:latin typeface="Adobe Clean"/>
-                <a:cs typeface="Adobe Clean"/>
-              </a:rPr>
-              <a:t>C</a:t>
-            </a:r>
-            <a:r>
-              <a:rPr lang="en-US" sz="1200" b="1" spc="-25">
-                <a:solidFill>
-                  <a:srgbClr val="020302"/>
-                </a:solidFill>
-                <a:latin typeface="Adobe Clean"/>
-                <a:cs typeface="Adobe Clean"/>
-              </a:rPr>
-              <a:t>l</a:t>
-            </a:r>
-            <a:r>
-              <a:rPr lang="en-US" sz="1200" b="1" spc="-15">
-                <a:solidFill>
-                  <a:srgbClr val="020302"/>
-                </a:solidFill>
-                <a:latin typeface="Adobe Clean"/>
-                <a:cs typeface="Adobe Clean"/>
-              </a:rPr>
-              <a:t>o</a:t>
-            </a:r>
-            <a:r>
-              <a:rPr lang="en-US" sz="1200" b="1" spc="-20">
-                <a:solidFill>
-                  <a:srgbClr val="020302"/>
-                </a:solidFill>
-                <a:latin typeface="Adobe Clean"/>
-                <a:cs typeface="Adobe Clean"/>
-              </a:rPr>
-              <a:t>u</a:t>
-            </a:r>
-            <a:r>
-              <a:rPr lang="en-US" sz="1200" b="1">
-                <a:solidFill>
-                  <a:srgbClr val="020302"/>
-                </a:solidFill>
-                <a:latin typeface="Adobe Clean"/>
-                <a:cs typeface="Adobe Clean"/>
-              </a:rPr>
-              <a:t>d</a:t>
-            </a:r>
-            <a:r>
-              <a:rPr lang="en-US" sz="1200" b="1" spc="-50">
-                <a:solidFill>
-                  <a:srgbClr val="020302"/>
-                </a:solidFill>
-                <a:latin typeface="Adobe Clean"/>
-                <a:cs typeface="Adobe Clean"/>
-              </a:rPr>
-              <a:t> </a:t>
-            </a:r>
-            <a:r>
-              <a:rPr lang="en-US" sz="1200" b="1" spc="-20">
-                <a:solidFill>
-                  <a:srgbClr val="020302"/>
-                </a:solidFill>
-                <a:latin typeface="Adobe Clean"/>
-                <a:cs typeface="Adobe Clean"/>
-              </a:rPr>
-              <a:t>S</a:t>
-            </a:r>
-            <a:r>
-              <a:rPr lang="en-US" sz="1200" b="1" spc="-25">
-                <a:solidFill>
-                  <a:srgbClr val="020302"/>
-                </a:solidFill>
-                <a:latin typeface="Adobe Clean"/>
-                <a:cs typeface="Adobe Clean"/>
-              </a:rPr>
-              <a:t>e</a:t>
-            </a:r>
-            <a:r>
-              <a:rPr lang="en-US" sz="1200" b="1" spc="-20">
-                <a:solidFill>
-                  <a:srgbClr val="020302"/>
-                </a:solidFill>
-                <a:latin typeface="Adobe Clean"/>
-                <a:cs typeface="Adobe Clean"/>
-              </a:rPr>
-              <a:t>r</a:t>
-            </a:r>
-            <a:r>
-              <a:rPr lang="en-US" sz="1200" b="1" spc="-30">
-                <a:solidFill>
-                  <a:srgbClr val="020302"/>
-                </a:solidFill>
-                <a:latin typeface="Adobe Clean"/>
-                <a:cs typeface="Adobe Clean"/>
-              </a:rPr>
-              <a:t>v</a:t>
-            </a:r>
-            <a:r>
-              <a:rPr lang="en-US" sz="1200" b="1" spc="-20">
-                <a:solidFill>
-                  <a:srgbClr val="020302"/>
-                </a:solidFill>
-                <a:latin typeface="Adobe Clean"/>
-                <a:cs typeface="Adobe Clean"/>
-              </a:rPr>
-              <a:t>i</a:t>
-            </a:r>
-            <a:r>
-              <a:rPr lang="en-US" sz="1200" b="1" spc="-30">
-                <a:solidFill>
-                  <a:srgbClr val="020302"/>
-                </a:solidFill>
-                <a:latin typeface="Adobe Clean"/>
-                <a:cs typeface="Adobe Clean"/>
-              </a:rPr>
-              <a:t>c</a:t>
-            </a:r>
-            <a:r>
-              <a:rPr lang="en-US" sz="1200" b="1">
-                <a:solidFill>
-                  <a:srgbClr val="020302"/>
-                </a:solidFill>
-                <a:latin typeface="Adobe Clean"/>
-                <a:cs typeface="Adobe Clean"/>
-              </a:rPr>
-              <a:t>e</a:t>
-            </a:r>
-            <a:endParaRPr lang="en-US" sz="1200">
-              <a:latin typeface="Adobe Clean"/>
-              <a:cs typeface="Adobe Clean"/>
-            </a:endParaRPr>
+              <a:t>a Cloud Service</a:t>
+            </a:r>
           </a:p>
         </p:txBody>
       </p:sp>
@@ -11537,7 +9405,7 @@
         <p:spPr>
           <a:xfrm>
             <a:off x="2752588" y="4438393"/>
-            <a:ext cx="1708650" cy="461665"/>
+            <a:ext cx="1708650" cy="600164"/>
           </a:xfrm>
           <a:prstGeom prst="rect">
             <a:avLst/>
@@ -11558,19 +9426,34 @@
               </a:spcBef>
             </a:pPr>
             <a:r>
-              <a:rPr lang="en-US" sz="1200" b="1" spc="-25">
+              <a:rPr lang="pt-BR" sz="1100" b="1" dirty="0">
                 <a:solidFill>
                   <a:srgbClr val="020302"/>
                 </a:solidFill>
                 <a:latin typeface="Adobe Clean"/>
                 <a:cs typeface="Adobe Clean"/>
               </a:rPr>
-              <a:t>Value-added Services for AEM as a Cloud Service</a:t>
-            </a:r>
-            <a:endParaRPr lang="en-US" sz="1200">
-              <a:latin typeface="Adobe Clean"/>
-              <a:cs typeface="Adobe Clean"/>
-            </a:endParaRPr>
+              <a:t>Serviços de valor agregado para o AEM as </a:t>
+            </a:r>
+            <a:br>
+              <a:rPr lang="pt-BR" sz="1100" b="1" dirty="0">
+                <a:solidFill>
+                  <a:srgbClr val="020302"/>
+                </a:solidFill>
+                <a:latin typeface="Adobe Clean"/>
+                <a:cs typeface="Adobe Clean"/>
+              </a:rPr>
+            </a:br>
+            <a:r>
+              <a:rPr lang="pt-BR" sz="1100" b="1" dirty="0">
+                <a:solidFill>
+                  <a:srgbClr val="020302"/>
+                </a:solidFill>
+                <a:latin typeface="Adobe Clean"/>
+                <a:cs typeface="Adobe Clean"/>
+              </a:rPr>
+              <a:t>a Cloud Service</a:t>
+            </a:r>
           </a:p>
         </p:txBody>
       </p:sp>
@@ -11589,7 +9472,7 @@
         <p:spPr>
           <a:xfrm>
             <a:off x="381000" y="4438394"/>
-            <a:ext cx="1998943" cy="461665"/>
+            <a:ext cx="1998943" cy="430887"/>
           </a:xfrm>
           <a:prstGeom prst="rect">
             <a:avLst/>
@@ -11610,359 +9493,34 @@
               </a:spcBef>
             </a:pPr>
             <a:r>
-              <a:rPr lang="en-US" sz="1200" b="1" spc="-20">
+              <a:rPr lang="pt-BR" sz="1100" b="1" dirty="0">
                 <a:solidFill>
                   <a:srgbClr val="020302"/>
                 </a:solidFill>
                 <a:latin typeface="Adobe Clean"/>
                 <a:cs typeface="Adobe Clean"/>
               </a:rPr>
-              <a:t>G</a:t>
-            </a:r>
-            <a:r>
-              <a:rPr lang="en-US" sz="1200" b="1" spc="-15">
+              <a:t>Governança para o AEM as </a:t>
+            </a:r>
+            <a:br>
+              <a:rPr lang="pt-BR" sz="1100" b="1" dirty="0">
                 <a:solidFill>
                   <a:srgbClr val="020302"/>
                 </a:solidFill>
                 <a:latin typeface="Adobe Clean"/>
                 <a:cs typeface="Adobe Clean"/>
               </a:rPr>
-              <a:t>o</a:t>
-            </a:r>
-            <a:r>
-              <a:rPr lang="en-US" sz="1200" b="1" spc="-25">
+            </a:br>
+            <a:r>
+              <a:rPr lang="pt-BR" sz="1100" b="1" dirty="0">
                 <a:solidFill>
                   <a:srgbClr val="020302"/>
                 </a:solidFill>
                 <a:latin typeface="Adobe Clean"/>
                 <a:cs typeface="Adobe Clean"/>
               </a:rPr>
-              <a:t>ve</a:t>
-            </a:r>
-            <a:r>
-              <a:rPr lang="en-US" sz="1200" b="1" spc="-20">
-                <a:solidFill>
-                  <a:srgbClr val="020302"/>
-                </a:solidFill>
-                <a:latin typeface="Adobe Clean"/>
-                <a:cs typeface="Adobe Clean"/>
-              </a:rPr>
-              <a:t>r</a:t>
-            </a:r>
-            <a:r>
-              <a:rPr lang="en-US" sz="1200" b="1" spc="-25">
-                <a:solidFill>
-                  <a:srgbClr val="020302"/>
-                </a:solidFill>
-                <a:latin typeface="Adobe Clean"/>
-                <a:cs typeface="Adobe Clean"/>
-              </a:rPr>
-              <a:t>n</a:t>
-            </a:r>
-            <a:r>
-              <a:rPr lang="en-US" sz="1200" b="1" spc="-20">
-                <a:solidFill>
-                  <a:srgbClr val="020302"/>
-                </a:solidFill>
-                <a:latin typeface="Adobe Clean"/>
-                <a:cs typeface="Adobe Clean"/>
-              </a:rPr>
-              <a:t>a</a:t>
-            </a:r>
-            <a:r>
-              <a:rPr lang="en-US" sz="1200" b="1" spc="-25">
-                <a:solidFill>
-                  <a:srgbClr val="020302"/>
-                </a:solidFill>
-                <a:latin typeface="Adobe Clean"/>
-                <a:cs typeface="Adobe Clean"/>
-              </a:rPr>
-              <a:t>n</a:t>
-            </a:r>
-            <a:r>
-              <a:rPr lang="en-US" sz="1200" b="1" spc="-30">
-                <a:solidFill>
-                  <a:srgbClr val="020302"/>
-                </a:solidFill>
-                <a:latin typeface="Adobe Clean"/>
-                <a:cs typeface="Adobe Clean"/>
-              </a:rPr>
-              <a:t>c</a:t>
-            </a:r>
-            <a:r>
-              <a:rPr lang="en-US" sz="1200" b="1">
-                <a:solidFill>
-                  <a:srgbClr val="020302"/>
-                </a:solidFill>
-                <a:latin typeface="Adobe Clean"/>
-                <a:cs typeface="Adobe Clean"/>
-              </a:rPr>
-              <a:t>e</a:t>
-            </a:r>
-            <a:r>
-              <a:rPr lang="en-US" sz="1200" b="1" spc="-50">
-                <a:solidFill>
-                  <a:srgbClr val="020302"/>
-                </a:solidFill>
-                <a:latin typeface="Adobe Clean"/>
-                <a:cs typeface="Adobe Clean"/>
-              </a:rPr>
-              <a:t> </a:t>
-            </a:r>
-            <a:r>
-              <a:rPr lang="en-US" sz="1200" b="1" spc="-25">
-                <a:solidFill>
-                  <a:srgbClr val="020302"/>
-                </a:solidFill>
-                <a:latin typeface="Adobe Clean"/>
-                <a:cs typeface="Adobe Clean"/>
-              </a:rPr>
-              <a:t>f</a:t>
-            </a:r>
-            <a:r>
-              <a:rPr lang="en-US" sz="1200" b="1" spc="-15">
-                <a:solidFill>
-                  <a:srgbClr val="020302"/>
-                </a:solidFill>
-                <a:latin typeface="Adobe Clean"/>
-                <a:cs typeface="Adobe Clean"/>
-              </a:rPr>
-              <a:t>o</a:t>
-            </a:r>
-            <a:r>
-              <a:rPr lang="en-US" sz="1200" b="1">
-                <a:solidFill>
-                  <a:srgbClr val="020302"/>
-                </a:solidFill>
-                <a:latin typeface="Adobe Clean"/>
-                <a:cs typeface="Adobe Clean"/>
-              </a:rPr>
-              <a:t>r</a:t>
-            </a:r>
-            <a:r>
-              <a:rPr lang="en-US" sz="1200" b="1" spc="-45">
-                <a:solidFill>
-                  <a:srgbClr val="020302"/>
-                </a:solidFill>
-                <a:latin typeface="Adobe Clean"/>
-                <a:cs typeface="Adobe Clean"/>
-              </a:rPr>
-              <a:t> </a:t>
-            </a:r>
-            <a:r>
-              <a:rPr lang="en-US" sz="1200" b="1" spc="-30">
-                <a:solidFill>
-                  <a:srgbClr val="020302"/>
-                </a:solidFill>
-                <a:latin typeface="Adobe Clean"/>
-                <a:cs typeface="Adobe Clean"/>
-              </a:rPr>
-              <a:t>A</a:t>
-            </a:r>
-            <a:r>
-              <a:rPr lang="en-US" sz="1200" b="1" spc="-25">
-                <a:solidFill>
-                  <a:srgbClr val="020302"/>
-                </a:solidFill>
-                <a:latin typeface="Adobe Clean"/>
-                <a:cs typeface="Adobe Clean"/>
-              </a:rPr>
-              <a:t>E</a:t>
-            </a:r>
-            <a:r>
-              <a:rPr lang="en-US" sz="1200" b="1">
-                <a:solidFill>
-                  <a:srgbClr val="020302"/>
-                </a:solidFill>
-                <a:latin typeface="Adobe Clean"/>
-                <a:cs typeface="Adobe Clean"/>
-              </a:rPr>
-              <a:t>M</a:t>
-            </a:r>
-            <a:r>
-              <a:rPr lang="en-US" sz="1200" b="1" spc="-50">
-                <a:solidFill>
-                  <a:srgbClr val="020302"/>
-                </a:solidFill>
-                <a:latin typeface="Adobe Clean"/>
-                <a:cs typeface="Adobe Clean"/>
-              </a:rPr>
-              <a:t> </a:t>
-            </a:r>
-            <a:r>
-              <a:rPr lang="en-US" sz="1200" b="1" spc="-20">
-                <a:solidFill>
-                  <a:srgbClr val="020302"/>
-                </a:solidFill>
-                <a:latin typeface="Adobe Clean"/>
-                <a:cs typeface="Adobe Clean"/>
-              </a:rPr>
-              <a:t>a</a:t>
-            </a:r>
-            <a:r>
-              <a:rPr lang="en-US" sz="1200" b="1">
-                <a:solidFill>
-                  <a:srgbClr val="020302"/>
-                </a:solidFill>
-                <a:latin typeface="Adobe Clean"/>
-                <a:cs typeface="Adobe Clean"/>
-              </a:rPr>
-              <a:t>s</a:t>
-            </a:r>
-            <a:r>
-              <a:rPr lang="en-US" sz="1200" b="1" spc="-45">
-                <a:solidFill>
-                  <a:srgbClr val="020302"/>
-                </a:solidFill>
-                <a:latin typeface="Adobe Clean"/>
-                <a:cs typeface="Adobe Clean"/>
-              </a:rPr>
-              <a:t> </a:t>
-            </a:r>
-            <a:r>
-              <a:rPr lang="en-US" sz="1200" b="1">
-                <a:solidFill>
-                  <a:srgbClr val="020302"/>
-                </a:solidFill>
-                <a:latin typeface="Adobe Clean"/>
-                <a:cs typeface="Adobe Clean"/>
-              </a:rPr>
-              <a:t>a</a:t>
-            </a:r>
-            <a:r>
-              <a:rPr lang="en-US" sz="1200" b="1" spc="-40">
-                <a:solidFill>
-                  <a:srgbClr val="020302"/>
-                </a:solidFill>
-                <a:latin typeface="Adobe Clean"/>
-                <a:cs typeface="Adobe Clean"/>
-              </a:rPr>
-              <a:t> </a:t>
-            </a:r>
-            <a:r>
-              <a:rPr lang="en-US" sz="1200" b="1" spc="-15">
-                <a:solidFill>
-                  <a:srgbClr val="020302"/>
-                </a:solidFill>
-                <a:latin typeface="Adobe Clean"/>
-                <a:cs typeface="Adobe Clean"/>
-              </a:rPr>
-              <a:t>C</a:t>
-            </a:r>
-            <a:r>
-              <a:rPr lang="en-US" sz="1200" b="1" spc="-25">
-                <a:solidFill>
-                  <a:srgbClr val="020302"/>
-                </a:solidFill>
-                <a:latin typeface="Adobe Clean"/>
-                <a:cs typeface="Adobe Clean"/>
-              </a:rPr>
-              <a:t>l</a:t>
-            </a:r>
-            <a:r>
-              <a:rPr lang="en-US" sz="1200" b="1" spc="-15">
-                <a:solidFill>
-                  <a:srgbClr val="020302"/>
-                </a:solidFill>
-                <a:latin typeface="Adobe Clean"/>
-                <a:cs typeface="Adobe Clean"/>
-              </a:rPr>
-              <a:t>ou</a:t>
-            </a:r>
-            <a:r>
-              <a:rPr lang="en-US" sz="1200" b="1">
-                <a:solidFill>
-                  <a:srgbClr val="020302"/>
-                </a:solidFill>
-                <a:latin typeface="Adobe Clean"/>
-                <a:cs typeface="Adobe Clean"/>
-              </a:rPr>
-              <a:t>d</a:t>
-            </a:r>
-            <a:r>
-              <a:rPr lang="en-US" sz="1200" b="1" spc="-50">
-                <a:solidFill>
-                  <a:srgbClr val="020302"/>
-                </a:solidFill>
-                <a:latin typeface="Adobe Clean"/>
-                <a:cs typeface="Adobe Clean"/>
-              </a:rPr>
-              <a:t> </a:t>
-            </a:r>
-            <a:r>
-              <a:rPr lang="en-US" sz="1200" b="1" spc="-20">
-                <a:solidFill>
-                  <a:srgbClr val="020302"/>
-                </a:solidFill>
-                <a:latin typeface="Adobe Clean"/>
-                <a:cs typeface="Adobe Clean"/>
-              </a:rPr>
-              <a:t>S</a:t>
-            </a:r>
-            <a:r>
-              <a:rPr lang="en-US" sz="1200" b="1" spc="-25">
-                <a:solidFill>
-                  <a:srgbClr val="020302"/>
-                </a:solidFill>
-                <a:latin typeface="Adobe Clean"/>
-                <a:cs typeface="Adobe Clean"/>
-              </a:rPr>
-              <a:t>e</a:t>
-            </a:r>
-            <a:r>
-              <a:rPr lang="en-US" sz="1200" b="1" spc="-20">
-                <a:solidFill>
-                  <a:srgbClr val="020302"/>
-                </a:solidFill>
-                <a:latin typeface="Adobe Clean"/>
-                <a:cs typeface="Adobe Clean"/>
-              </a:rPr>
-              <a:t>r</a:t>
-            </a:r>
-            <a:r>
-              <a:rPr lang="en-US" sz="1200" b="1" spc="-25">
-                <a:solidFill>
-                  <a:srgbClr val="020302"/>
-                </a:solidFill>
-                <a:latin typeface="Adobe Clean"/>
-                <a:cs typeface="Adobe Clean"/>
-              </a:rPr>
-              <a:t>v</a:t>
-            </a:r>
-            <a:r>
-              <a:rPr lang="en-US" sz="1200" b="1" spc="-20">
-                <a:solidFill>
-                  <a:srgbClr val="020302"/>
-                </a:solidFill>
-                <a:latin typeface="Adobe Clean"/>
-                <a:cs typeface="Adobe Clean"/>
-              </a:rPr>
-              <a:t>i</a:t>
-            </a:r>
-            <a:r>
-              <a:rPr lang="en-US" sz="1200" b="1" spc="-30">
-                <a:solidFill>
-                  <a:srgbClr val="020302"/>
-                </a:solidFill>
-                <a:latin typeface="Adobe Clean"/>
-                <a:cs typeface="Adobe Clean"/>
-              </a:rPr>
-              <a:t>c</a:t>
-            </a:r>
-            <a:r>
-              <a:rPr lang="en-US" sz="1200" b="1">
-                <a:solidFill>
-                  <a:srgbClr val="020302"/>
-                </a:solidFill>
-                <a:latin typeface="Adobe Clean"/>
-                <a:cs typeface="Adobe Clean"/>
-              </a:rPr>
-              <a:t>e</a:t>
-            </a:r>
-            <a:endParaRPr lang="en-US" sz="1200">
-              <a:latin typeface="Adobe Clean"/>
-              <a:cs typeface="Adobe Clean"/>
-            </a:endParaRPr>
+              <a:t>a Cloud Service</a:t>
+            </a:r>
           </a:p>
         </p:txBody>
       </p:sp>
@@ -12059,7 +9617,7 @@
         <p:spPr>
           <a:xfrm>
             <a:off x="689237" y="1102554"/>
-            <a:ext cx="1036205" cy="197490"/>
+            <a:ext cx="1036205" cy="182101"/>
           </a:xfrm>
           <a:prstGeom prst="rect">
             <a:avLst/>
@@ -12080,99 +9638,15 @@
               </a:spcBef>
             </a:pPr>
             <a:r>
-              <a:rPr lang="en-US" sz="1200" b="1" spc="-20">
+              <a:rPr lang="pt-BR" sz="1100" b="1">
                 <a:solidFill>
                   <a:srgbClr val="020302"/>
                 </a:solidFill>
                 <a:latin typeface="Adobe Clean"/>
                 <a:cs typeface="Adobe Clean"/>
               </a:rPr>
-              <a:t>Cas</a:t>
-            </a:r>
-            <a:r>
-              <a:rPr sz="1200" b="1">
-                <a:solidFill>
-                  <a:srgbClr val="020302"/>
-                </a:solidFill>
-                <a:latin typeface="Adobe Clean"/>
-                <a:cs typeface="Adobe Clean"/>
-              </a:rPr>
-              <a:t>e</a:t>
-            </a:r>
-            <a:r>
-              <a:rPr sz="1200" b="1" spc="-80">
-                <a:solidFill>
-                  <a:srgbClr val="020302"/>
-                </a:solidFill>
-                <a:latin typeface="Adobe Clean"/>
-                <a:cs typeface="Adobe Clean"/>
-              </a:rPr>
-              <a:t> </a:t>
-            </a:r>
-            <a:r>
-              <a:rPr sz="1200" b="1" spc="-20">
-                <a:solidFill>
-                  <a:srgbClr val="020302"/>
-                </a:solidFill>
-                <a:latin typeface="Adobe Clean"/>
-                <a:cs typeface="Adobe Clean"/>
-              </a:rPr>
-              <a:t>R</a:t>
-            </a:r>
-            <a:r>
-              <a:rPr sz="1200" b="1" spc="-25">
-                <a:solidFill>
-                  <a:srgbClr val="020302"/>
-                </a:solidFill>
-                <a:latin typeface="Adobe Clean"/>
-                <a:cs typeface="Adobe Clean"/>
-              </a:rPr>
-              <a:t>e</a:t>
-            </a:r>
-            <a:r>
-              <a:rPr sz="1200" b="1" spc="-30">
-                <a:solidFill>
-                  <a:srgbClr val="020302"/>
-                </a:solidFill>
-                <a:latin typeface="Adobe Clean"/>
-                <a:cs typeface="Adobe Clean"/>
-              </a:rPr>
-              <a:t>v</a:t>
-            </a:r>
-            <a:r>
-              <a:rPr sz="1200" b="1" spc="-20">
-                <a:solidFill>
-                  <a:srgbClr val="020302"/>
-                </a:solidFill>
-                <a:latin typeface="Adobe Clean"/>
-                <a:cs typeface="Adobe Clean"/>
-              </a:rPr>
-              <a:t>i</a:t>
-            </a:r>
-            <a:r>
-              <a:rPr sz="1200" b="1" spc="-25">
-                <a:solidFill>
-                  <a:srgbClr val="020302"/>
-                </a:solidFill>
-                <a:latin typeface="Adobe Clean"/>
-                <a:cs typeface="Adobe Clean"/>
-              </a:rPr>
-              <a:t>ew</a:t>
-            </a:r>
-            <a:r>
-              <a:rPr sz="1200" b="1">
-                <a:solidFill>
-                  <a:srgbClr val="020302"/>
-                </a:solidFill>
-                <a:latin typeface="Adobe Clean"/>
-                <a:cs typeface="Adobe Clean"/>
-              </a:rPr>
-              <a:t>s</a:t>
-            </a:r>
-            <a:endParaRPr sz="1200">
-              <a:latin typeface="Adobe Clean"/>
-              <a:cs typeface="Adobe Clean"/>
-            </a:endParaRPr>
+              <a:t>Revisões de caso</a:t>
+            </a:r>
           </a:p>
         </p:txBody>
       </p:sp>
@@ -12230,7 +9704,7 @@
         <p:spPr>
           <a:xfrm>
             <a:off x="355868" y="1426046"/>
-            <a:ext cx="2194560" cy="936154"/>
+            <a:ext cx="2194560" cy="843821"/>
           </a:xfrm>
           <a:prstGeom prst="rect">
             <a:avLst/>
@@ -12251,18 +9725,14 @@
               </a:spcBef>
             </a:pPr>
             <a:r>
-              <a:rPr lang="en-US" sz="1000">
+              <a:rPr lang="pt-BR" sz="900">
                 <a:solidFill>
                   <a:srgbClr val="4B4B4B"/>
                 </a:solidFill>
                 <a:latin typeface="Adobe Clean Light" panose="020B0303020404020204" pitchFamily="34" charset="0"/>
               </a:rPr>
-              <a:t>Regular scheduled review of open support requests, ensuring customer alignment on case description, business impact, status, priority and agreement on next steps required to ensure an expedient resolution.</a:t>
-            </a:r>
-            <a:endParaRPr sz="1000">
-              <a:latin typeface="Adobe Clean Light" panose="020B0303020404020204" pitchFamily="34" charset="0"/>
-              <a:cs typeface="AdobeClean-Light"/>
-            </a:endParaRPr>
+              <a:t>Revisão regular das solicitações de suporte abertas, garantindo o alinhamento do cliente considerando a descrição do caso, o impacto nos negócios, o status, a prioridade e o acordo sobre as próximas etapas necessárias para garantir uma resolução adequada.</a:t>
+            </a:r>
           </a:p>
         </p:txBody>
       </p:sp>
@@ -12281,7 +9751,7 @@
         <p:spPr>
           <a:xfrm>
             <a:off x="214971" y="3981193"/>
-            <a:ext cx="2354171" cy="307777"/>
+            <a:ext cx="2668359" cy="276999"/>
           </a:xfrm>
           <a:prstGeom prst="rect">
             <a:avLst/>
@@ -12302,19 +9772,15 @@
               </a:spcBef>
             </a:pPr>
             <a:r>
-              <a:rPr lang="en-US" sz="1400" b="1" spc="-10">
+              <a:rPr lang="pt-BR" sz="1200" b="1">
                 <a:solidFill>
                   <a:srgbClr val="020302"/>
                 </a:solidFill>
                 <a:latin typeface="Adobe Clean"/>
                 <a:cs typeface="Adobe Clean"/>
               </a:rPr>
-              <a:t>Cloud Support Activities - AEM</a:t>
-            </a:r>
-            <a:endParaRPr lang="en-US" sz="1400">
-              <a:latin typeface="Adobe Clean"/>
-              <a:cs typeface="Adobe Clean"/>
-            </a:endParaRPr>
+              <a:t>Atividades de suporte na nuvem — AEM</a:t>
+            </a:r>
           </a:p>
         </p:txBody>
       </p:sp>
@@ -12333,7 +9799,7 @@
         <p:spPr>
           <a:xfrm>
             <a:off x="214971" y="4310484"/>
-            <a:ext cx="2286000" cy="45719"/>
+            <a:ext cx="2514600" cy="45719"/>
           </a:xfrm>
           <a:custGeom>
             <a:avLst/>
@@ -12362,7 +9828,7 @@
           <a:bodyPr wrap="square" lIns="0" tIns="0" rIns="0" bIns="0" rtlCol="0"/>
           <a:lstStyle/>
           <a:p>
-            <a:endParaRPr/>
+            <a:endParaRPr sz="1600"/>
           </a:p>
         </p:txBody>
       </p:sp>
@@ -12397,7 +9863,7 @@
         </p:blipFill>
         <p:spPr>
           <a:xfrm>
-            <a:off x="2569142" y="3892352"/>
+            <a:off x="2828222" y="3892352"/>
             <a:ext cx="461665" cy="461665"/>
           </a:xfrm>
           <a:prstGeom prst="rect">
@@ -12729,7 +10195,7 @@
           <a:bodyPr wrap="square" lIns="0" tIns="0" rIns="0" bIns="0" rtlCol="0"/>
           <a:lstStyle/>
           <a:p>
-            <a:endParaRPr/>
+            <a:endParaRPr sz="1600"/>
           </a:p>
         </p:txBody>
       </p:sp>
@@ -12784,7 +10250,7 @@
           <a:bodyPr wrap="square" lIns="0" tIns="0" rIns="0" bIns="0" rtlCol="0"/>
           <a:lstStyle/>
           <a:p>
-            <a:endParaRPr/>
+            <a:endParaRPr sz="1600"/>
           </a:p>
         </p:txBody>
       </p:sp>
@@ -13066,109 +10532,15 @@
               </a:lnSpc>
             </a:pPr>
             <a:r>
-              <a:rPr sz="800" spc="-10">
+              <a:rPr lang="pt-BR" sz="800">
                 <a:solidFill>
                   <a:srgbClr val="6D6D6D"/>
                 </a:solidFill>
                 <a:latin typeface="Adobe Clean"/>
                 <a:cs typeface="Adobe Clean"/>
               </a:rPr>
-              <a:t>©202</a:t>
-            </a:r>
-            <a:r>
-              <a:rPr lang="en-US" sz="800" spc="-10">
-                <a:solidFill>
-                  <a:srgbClr val="6D6D6D"/>
-                </a:solidFill>
-                <a:latin typeface="Adobe Clean"/>
-                <a:cs typeface="Adobe Clean"/>
-              </a:rPr>
-              <a:t>1</a:t>
-            </a:r>
-            <a:r>
-              <a:rPr sz="800" spc="-5">
-                <a:solidFill>
-                  <a:srgbClr val="6D6D6D"/>
-                </a:solidFill>
-                <a:latin typeface="Adobe Clean"/>
-                <a:cs typeface="Adobe Clean"/>
-              </a:rPr>
-              <a:t> Adobe. All</a:t>
-            </a:r>
-            <a:r>
-              <a:rPr sz="800" spc="-15">
-                <a:solidFill>
-                  <a:srgbClr val="6D6D6D"/>
-                </a:solidFill>
-                <a:latin typeface="Adobe Clean"/>
-                <a:cs typeface="Adobe Clean"/>
-              </a:rPr>
-              <a:t> </a:t>
-            </a:r>
-            <a:r>
-              <a:rPr sz="800" spc="-10">
-                <a:solidFill>
-                  <a:srgbClr val="6D6D6D"/>
-                </a:solidFill>
-                <a:latin typeface="Adobe Clean"/>
-                <a:cs typeface="Adobe Clean"/>
-              </a:rPr>
-              <a:t>Rights</a:t>
-            </a:r>
-            <a:r>
-              <a:rPr sz="800" spc="-5">
-                <a:solidFill>
-                  <a:srgbClr val="6D6D6D"/>
-                </a:solidFill>
-                <a:latin typeface="Adobe Clean"/>
-                <a:cs typeface="Adobe Clean"/>
-              </a:rPr>
-              <a:t> </a:t>
-            </a:r>
-            <a:r>
-              <a:rPr sz="800" spc="-10">
-                <a:solidFill>
-                  <a:srgbClr val="6D6D6D"/>
-                </a:solidFill>
-                <a:latin typeface="Adobe Clean"/>
-                <a:cs typeface="Adobe Clean"/>
-              </a:rPr>
-              <a:t>Reserved.</a:t>
-            </a:r>
-            <a:r>
-              <a:rPr sz="800" spc="-5">
-                <a:solidFill>
-                  <a:srgbClr val="6D6D6D"/>
-                </a:solidFill>
-                <a:latin typeface="Adobe Clean"/>
-                <a:cs typeface="Adobe Clean"/>
-              </a:rPr>
-              <a:t> Adobe</a:t>
-            </a:r>
-            <a:r>
-              <a:rPr sz="800" spc="75">
-                <a:solidFill>
-                  <a:srgbClr val="6D6D6D"/>
-                </a:solidFill>
-                <a:latin typeface="Adobe Clean"/>
-                <a:cs typeface="Adobe Clean"/>
-              </a:rPr>
-              <a:t> </a:t>
-            </a:r>
-            <a:r>
-              <a:rPr sz="800" spc="-10">
-                <a:solidFill>
-                  <a:srgbClr val="6D6D6D"/>
-                </a:solidFill>
-                <a:latin typeface="Adobe Clean"/>
-                <a:cs typeface="Adobe Clean"/>
-              </a:rPr>
-              <a:t>Confidential.</a:t>
-            </a:r>
-            <a:endParaRPr sz="800">
-              <a:latin typeface="Adobe Clean"/>
-              <a:cs typeface="Adobe Clean"/>
-            </a:endParaRPr>
+              <a:t>©2021 Adobe. All Rights Reserved. Adobe Confidential.</a:t>
+            </a:r>
           </a:p>
         </p:txBody>
       </p:sp>
@@ -13180,8 +10552,8 @@
         </p:nvSpPr>
         <p:spPr>
           <a:xfrm>
-            <a:off x="4724780" y="914778"/>
-            <a:ext cx="1954230" cy="57597"/>
+            <a:off x="4503800" y="914778"/>
+            <a:ext cx="2286000" cy="57597"/>
           </a:xfrm>
           <a:custGeom>
             <a:avLst/>
@@ -13222,7 +10594,7 @@
         </p:nvSpPr>
         <p:spPr>
           <a:xfrm>
-            <a:off x="4843270" y="589788"/>
+            <a:off x="4492750" y="589788"/>
             <a:ext cx="2588260" cy="228268"/>
           </a:xfrm>
           <a:prstGeom prst="rect">
@@ -13241,179 +10613,15 @@
               </a:spcBef>
             </a:pPr>
             <a:r>
-              <a:rPr sz="1400" b="1" spc="-25" dirty="0">
+              <a:rPr lang="pt-BR" sz="1400" b="1" dirty="0">
                 <a:solidFill>
                   <a:srgbClr val="020302"/>
                 </a:solidFill>
                 <a:latin typeface="Adobe Clean"/>
                 <a:cs typeface="Adobe Clean"/>
               </a:rPr>
-              <a:t>Fi</a:t>
-            </a:r>
-            <a:r>
-              <a:rPr sz="1400" b="1" spc="-30" dirty="0">
-                <a:solidFill>
-                  <a:srgbClr val="020302"/>
-                </a:solidFill>
-                <a:latin typeface="Adobe Clean"/>
-                <a:cs typeface="Adobe Clean"/>
-              </a:rPr>
-              <a:t>e</a:t>
-            </a:r>
-            <a:r>
-              <a:rPr sz="1400" b="1" spc="-25" dirty="0">
-                <a:solidFill>
-                  <a:srgbClr val="020302"/>
-                </a:solidFill>
-                <a:latin typeface="Adobe Clean"/>
-                <a:cs typeface="Adobe Clean"/>
-              </a:rPr>
-              <a:t>l</a:t>
-            </a:r>
-            <a:r>
-              <a:rPr sz="1400" b="1" dirty="0">
-                <a:solidFill>
-                  <a:srgbClr val="020302"/>
-                </a:solidFill>
-                <a:latin typeface="Adobe Clean"/>
-                <a:cs typeface="Adobe Clean"/>
-              </a:rPr>
-              <a:t>d</a:t>
-            </a:r>
-            <a:r>
-              <a:rPr sz="1400" b="1" spc="-45" dirty="0">
-                <a:solidFill>
-                  <a:srgbClr val="020302"/>
-                </a:solidFill>
-                <a:latin typeface="Adobe Clean"/>
-                <a:cs typeface="Adobe Clean"/>
-              </a:rPr>
-              <a:t> </a:t>
-            </a:r>
-            <a:r>
-              <a:rPr sz="1400" b="1" spc="20" dirty="0">
-                <a:solidFill>
-                  <a:srgbClr val="020302"/>
-                </a:solidFill>
-                <a:latin typeface="Adobe Clean"/>
-                <a:cs typeface="Adobe Clean"/>
-              </a:rPr>
-              <a:t>S</a:t>
-            </a:r>
-            <a:r>
-              <a:rPr sz="1400" b="1" spc="10" dirty="0">
-                <a:solidFill>
-                  <a:srgbClr val="020302"/>
-                </a:solidFill>
-                <a:latin typeface="Adobe Clean"/>
-                <a:cs typeface="Adobe Clean"/>
-              </a:rPr>
-              <a:t>e</a:t>
-            </a:r>
-            <a:r>
-              <a:rPr sz="1400" b="1" spc="15" dirty="0">
-                <a:solidFill>
-                  <a:srgbClr val="020302"/>
-                </a:solidFill>
-                <a:latin typeface="Adobe Clean"/>
-                <a:cs typeface="Adobe Clean"/>
-              </a:rPr>
-              <a:t>rvi</a:t>
-            </a:r>
-            <a:r>
-              <a:rPr sz="1400" b="1" spc="10" dirty="0">
-                <a:solidFill>
-                  <a:srgbClr val="020302"/>
-                </a:solidFill>
-                <a:latin typeface="Adobe Clean"/>
-                <a:cs typeface="Adobe Clean"/>
-              </a:rPr>
-              <a:t>c</a:t>
-            </a:r>
-            <a:r>
-              <a:rPr sz="1400" b="1" dirty="0">
-                <a:solidFill>
-                  <a:srgbClr val="020302"/>
-                </a:solidFill>
-                <a:latin typeface="Adobe Clean"/>
-                <a:cs typeface="Adobe Clean"/>
-              </a:rPr>
-              <a:t>e</a:t>
-            </a:r>
-            <a:r>
-              <a:rPr lang="en-US" sz="1400" b="1" dirty="0">
-                <a:solidFill>
-                  <a:srgbClr val="020302"/>
-                </a:solidFill>
-                <a:latin typeface="Adobe Clean"/>
-                <a:cs typeface="Adobe Clean"/>
-              </a:rPr>
-              <a:t> </a:t>
-            </a:r>
-            <a:r>
-              <a:rPr sz="1400" b="1" spc="5" dirty="0">
-                <a:solidFill>
-                  <a:srgbClr val="020302"/>
-                </a:solidFill>
-                <a:latin typeface="Adobe Clean"/>
-                <a:cs typeface="Adobe Clean"/>
-              </a:rPr>
-              <a:t>A</a:t>
-            </a:r>
-            <a:r>
-              <a:rPr sz="1400" b="1" dirty="0">
-                <a:solidFill>
-                  <a:srgbClr val="020302"/>
-                </a:solidFill>
-                <a:latin typeface="Adobe Clean"/>
-                <a:cs typeface="Adobe Clean"/>
-              </a:rPr>
-              <a:t>ct</a:t>
-            </a:r>
-            <a:r>
-              <a:rPr sz="1400" b="1" spc="5" dirty="0">
-                <a:solidFill>
-                  <a:srgbClr val="020302"/>
-                </a:solidFill>
-                <a:latin typeface="Adobe Clean"/>
-                <a:cs typeface="Adobe Clean"/>
-              </a:rPr>
-              <a:t>ivi</a:t>
-            </a:r>
-            <a:r>
-              <a:rPr sz="1400" b="1" dirty="0">
-                <a:solidFill>
-                  <a:srgbClr val="020302"/>
-                </a:solidFill>
-                <a:latin typeface="Adobe Clean"/>
-                <a:cs typeface="Adobe Clean"/>
-              </a:rPr>
-              <a:t>t</a:t>
-            </a:r>
-            <a:r>
-              <a:rPr sz="1400" b="1" spc="5" dirty="0">
-                <a:solidFill>
-                  <a:srgbClr val="020302"/>
-                </a:solidFill>
-                <a:latin typeface="Adobe Clean"/>
-                <a:cs typeface="Adobe Clean"/>
-              </a:rPr>
-              <a:t>i</a:t>
-            </a:r>
-            <a:r>
-              <a:rPr sz="1400" b="1" dirty="0">
-                <a:solidFill>
-                  <a:srgbClr val="020302"/>
-                </a:solidFill>
-                <a:latin typeface="Adobe Clean"/>
-                <a:cs typeface="Adobe Clean"/>
-              </a:rPr>
-              <a:t>es</a:t>
-            </a:r>
-            <a:endParaRPr sz="1400" dirty="0">
-              <a:latin typeface="Adobe Clean"/>
-              <a:cs typeface="Adobe Clean"/>
-            </a:endParaRPr>
+              <a:t>Atividades de serviço de campo</a:t>
+            </a:r>
           </a:p>
         </p:txBody>
       </p:sp>
@@ -13447,99 +10655,15 @@
               </a:spcBef>
             </a:pPr>
             <a:r>
-              <a:rPr sz="1400" b="1" spc="-20">
+              <a:rPr lang="pt-BR" sz="1400" b="1">
                 <a:solidFill>
                   <a:srgbClr val="020302"/>
                 </a:solidFill>
                 <a:latin typeface="Adobe Clean"/>
                 <a:cs typeface="Adobe Clean"/>
               </a:rPr>
-              <a:t>L</a:t>
-            </a:r>
-            <a:r>
-              <a:rPr sz="1400" b="1" spc="-10">
-                <a:solidFill>
-                  <a:srgbClr val="020302"/>
-                </a:solidFill>
-                <a:latin typeface="Adobe Clean"/>
-                <a:cs typeface="Adobe Clean"/>
-              </a:rPr>
-              <a:t>a</a:t>
-            </a:r>
-            <a:r>
-              <a:rPr sz="1400" b="1" spc="-15">
-                <a:solidFill>
-                  <a:srgbClr val="020302"/>
-                </a:solidFill>
-                <a:latin typeface="Adobe Clean"/>
-                <a:cs typeface="Adobe Clean"/>
-              </a:rPr>
-              <a:t>un</a:t>
-            </a:r>
-            <a:r>
-              <a:rPr sz="1400" b="1" spc="-20">
-                <a:solidFill>
-                  <a:srgbClr val="020302"/>
-                </a:solidFill>
-                <a:latin typeface="Adobe Clean"/>
-                <a:cs typeface="Adobe Clean"/>
-              </a:rPr>
-              <a:t>c</a:t>
-            </a:r>
-            <a:r>
-              <a:rPr sz="1400" b="1">
-                <a:solidFill>
-                  <a:srgbClr val="020302"/>
-                </a:solidFill>
-                <a:latin typeface="Adobe Clean"/>
-                <a:cs typeface="Adobe Clean"/>
-              </a:rPr>
-              <a:t>h</a:t>
-            </a:r>
-            <a:r>
-              <a:rPr sz="1400" b="1" spc="-30">
-                <a:solidFill>
-                  <a:srgbClr val="020302"/>
-                </a:solidFill>
-                <a:latin typeface="Adobe Clean"/>
-                <a:cs typeface="Adobe Clean"/>
-              </a:rPr>
-              <a:t> </a:t>
-            </a:r>
-            <a:r>
-              <a:rPr sz="1400" b="1" spc="-10">
-                <a:solidFill>
-                  <a:srgbClr val="020302"/>
-                </a:solidFill>
-                <a:latin typeface="Adobe Clean"/>
-                <a:cs typeface="Adobe Clean"/>
-              </a:rPr>
-              <a:t>Advisor</a:t>
-            </a:r>
-            <a:r>
-              <a:rPr sz="1400" b="1">
-                <a:solidFill>
-                  <a:srgbClr val="020302"/>
-                </a:solidFill>
-                <a:latin typeface="Adobe Clean"/>
-                <a:cs typeface="Adobe Clean"/>
-              </a:rPr>
-              <a:t>y</a:t>
-            </a:r>
-            <a:r>
-              <a:rPr sz="1400" b="1" spc="-60">
-                <a:solidFill>
-                  <a:srgbClr val="020302"/>
-                </a:solidFill>
-                <a:latin typeface="Adobe Clean"/>
-                <a:cs typeface="Adobe Clean"/>
-              </a:rPr>
-              <a:t> </a:t>
-            </a:r>
-            <a:endParaRPr sz="1400">
-              <a:latin typeface="Adobe Clean"/>
-              <a:cs typeface="Adobe Clean"/>
-            </a:endParaRPr>
+              <a:t>Launch Advisory </a:t>
+            </a:r>
           </a:p>
         </p:txBody>
       </p:sp>
@@ -13570,106 +10694,88 @@
               </a:spcBef>
             </a:pPr>
             <a:r>
-              <a:rPr lang="en-US" sz="1000">
+              <a:rPr lang="pt-BR" sz="1000">
                 <a:solidFill>
                   <a:srgbClr val="1F1F1F"/>
                 </a:solidFill>
                 <a:latin typeface="AdobeClean-Light"/>
                 <a:cs typeface="AdobeClean-Light"/>
               </a:rPr>
-              <a:t>For customers </a:t>
-            </a:r>
-            <a:r>
-              <a:rPr sz="1000">
-                <a:solidFill>
-                  <a:srgbClr val="1F1F1F"/>
-                </a:solidFill>
-                <a:latin typeface="AdobeClean-Light"/>
-                <a:cs typeface="AdobeClean-Light"/>
-              </a:rPr>
-              <a:t>implementing a </a:t>
-            </a:r>
-            <a:r>
-              <a:rPr sz="1000" b="1">
+              <a:t>Para clientes que implementam uma</a:t>
+            </a:r>
+            <a:r>
+              <a:rPr lang="pt-BR" sz="1000" b="1">
                 <a:solidFill>
                   <a:srgbClr val="1F1F1F"/>
                 </a:solidFill>
                 <a:latin typeface="Adobe Clean"/>
                 <a:cs typeface="Adobe Clean"/>
               </a:rPr>
-              <a:t>new Adobe Experience Cloud solution</a:t>
-            </a:r>
-            <a:r>
-              <a:rPr lang="en-US" sz="1000" b="1">
-                <a:solidFill>
-                  <a:srgbClr val="1F1F1F"/>
-                </a:solidFill>
-                <a:latin typeface="Adobe Clean"/>
-                <a:cs typeface="Adobe Clean"/>
-              </a:rPr>
-              <a:t>, </a:t>
-            </a:r>
-            <a:r>
-              <a:rPr lang="en-US" sz="1000">
+              <a:t> nova solução Adobe Experience Cloud, o </a:t>
+            </a:r>
+            <a:r>
+              <a:rPr lang="pt-BR" sz="1000">
                 <a:latin typeface="Adobe Clean Light" charset="0"/>
                 <a:ea typeface="Adobe Clean Light" charset="0"/>
                 <a:cs typeface="Adobe Clean Light" charset="0"/>
               </a:rPr>
-              <a:t>Launch Advisory </a:t>
-            </a:r>
-            <a:r>
-              <a:rPr lang="en-US" sz="1000">
+              <a:t>Launch Advisory</a:t>
+            </a:r>
+            <a:r>
+              <a:rPr lang="pt-BR" sz="1000">
                 <a:solidFill>
                   <a:srgbClr val="000000"/>
                 </a:solidFill>
                 <a:latin typeface="Adobe Clean SemiLight" panose="020B0403020404020204" pitchFamily="34" charset="0"/>
               </a:rPr>
-              <a:t>is a </a:t>
-            </a:r>
-            <a:r>
-              <a:rPr lang="en-US" sz="1000" b="1">
+              <a:t> é um </a:t>
+            </a:r>
+            <a:r>
+              <a:rPr lang="pt-BR" sz="1000" b="1">
                 <a:solidFill>
                   <a:srgbClr val="000000"/>
                 </a:solidFill>
                 <a:latin typeface="Adobe Clean SemiLight" panose="020B0403020404020204" pitchFamily="34" charset="0"/>
               </a:rPr>
-              <a:t>core set of advisory services </a:t>
-            </a:r>
-            <a:r>
-              <a:rPr lang="en-US" sz="1000">
+              <a:t>conjunto essencial de serviços de consultoria</a:t>
+            </a:r>
+            <a:r>
+              <a:rPr lang="pt-BR" sz="1000">
                 <a:latin typeface="Adobe Clean Light" charset="0"/>
                 <a:ea typeface="Adobe Clean Light" charset="0"/>
                 <a:cs typeface="Adobe Clean Light" charset="0"/>
               </a:rPr>
-              <a:t>and recommendations that </a:t>
-            </a:r>
-            <a:r>
-              <a:rPr lang="en-US" sz="1000">
+              <a:t> e recomendações de eficácia comprovada que </a:t>
+            </a:r>
+            <a:r>
+              <a:rPr lang="pt-BR" sz="1000" b="1">
                 <a:latin typeface="Adobe Clean Light" charset="0"/>
+                <a:ea typeface="Adobe Clean Light" charset="0"/>
+                <a:cs typeface="Adobe Clean Light" charset="0"/>
               </a:rPr>
-              <a:t>are proven to </a:t>
-            </a:r>
-            <a:r>
-              <a:rPr lang="en-US" sz="1000" b="1">
+              <a:t>aceleram </a:t>
+            </a:r>
+            <a:r>
+              <a:rPr lang="pt-BR" sz="1000">
                 <a:latin typeface="Adobe Clean Light" charset="0"/>
+                <a:ea typeface="Adobe Clean Light" charset="0"/>
+                <a:cs typeface="Adobe Clean Light" charset="0"/>
               </a:rPr>
-              <a:t>support successful deployments </a:t>
-            </a:r>
-            <a:r>
-              <a:rPr lang="en-US" sz="1000">
+              <a:t>o </a:t>
+            </a:r>
+            <a:r>
+              <a:rPr lang="pt-BR" sz="1000" b="1">
                 <a:latin typeface="Adobe Clean Light" charset="0"/>
+                <a:ea typeface="Adobe Clean Light" charset="0"/>
+                <a:cs typeface="Adobe Clean Light" charset="0"/>
               </a:rPr>
-              <a:t>and </a:t>
-            </a:r>
-            <a:r>
-              <a:rPr lang="en-US" sz="1000" b="1">
+              <a:t>tempo de implantação</a:t>
+            </a:r>
+            <a:r>
+              <a:rPr lang="pt-BR" sz="1000">
                 <a:latin typeface="Adobe Clean Light" charset="0"/>
-              </a:rPr>
-              <a:t>accelerate time-to-value</a:t>
-            </a:r>
-            <a:r>
-              <a:rPr lang="en-US" sz="1000">
-                <a:latin typeface="Adobe Clean Light" charset="0"/>
+                <a:ea typeface="Adobe Clean Light" charset="0"/>
+                <a:cs typeface="Adobe Clean Light" charset="0"/>
               </a:rPr>
               <a:t>.</a:t>
             </a:r>
@@ -13730,75 +10836,68 @@
               </a:spcBef>
             </a:pPr>
             <a:r>
-              <a:rPr lang="en-US" sz="1000">
+              <a:rPr lang="pt-BR" sz="1000">
                 <a:solidFill>
                   <a:srgbClr val="4B4B4B"/>
                 </a:solidFill>
                 <a:latin typeface="Adobe Clean Light" panose="020B0303020404020204" pitchFamily="34" charset="0"/>
               </a:rPr>
-              <a:t>Field Services are used for </a:t>
-            </a:r>
-            <a:r>
-              <a:rPr lang="en-US" sz="1000" b="1">
+              <a:t>Os serviços de campo são usados para </a:t>
+            </a:r>
+            <a:r>
+              <a:rPr lang="pt-BR" sz="1000" b="1">
                 <a:solidFill>
                   <a:srgbClr val="4B4B4B"/>
                 </a:solidFill>
                 <a:latin typeface="Adobe Clean" panose="020B0503020404020204" pitchFamily="34" charset="0"/>
               </a:rPr>
-              <a:t>quick resolution</a:t>
-            </a:r>
-            <a:r>
-              <a:rPr lang="en-US" sz="1000">
+              <a:t>resolução rápida</a:t>
+            </a:r>
+            <a:r>
+              <a:rPr lang="pt-BR" sz="1000">
                 <a:solidFill>
                   <a:srgbClr val="4B4B4B"/>
                 </a:solidFill>
                 <a:latin typeface="Adobe Clean Light" panose="020B0303020404020204" pitchFamily="34" charset="0"/>
               </a:rPr>
-              <a:t>, focused customer success and accelerated</a:t>
-            </a:r>
-            <a:r>
-              <a:rPr lang="en-US" sz="1000" b="1">
+              <a:t>, sucesso focado do cliente e </a:t>
+            </a:r>
+            <a:r>
+              <a:rPr lang="pt-BR" sz="1000" b="1">
                 <a:solidFill>
                   <a:srgbClr val="4B4B4B"/>
                 </a:solidFill>
                 <a:latin typeface="Adobe Clean" panose="020B0503020404020204" pitchFamily="34" charset="0"/>
               </a:rPr>
-              <a:t> time-to-value</a:t>
-            </a:r>
-            <a:r>
-              <a:rPr lang="en-US" sz="1000">
+              <a:t>tempo de implantação</a:t>
+            </a:r>
+            <a:r>
+              <a:rPr lang="pt-BR" sz="1000">
                 <a:solidFill>
                   <a:srgbClr val="4B4B4B"/>
                 </a:solidFill>
                 <a:latin typeface="Adobe Clean Light" panose="020B0303020404020204" pitchFamily="34" charset="0"/>
               </a:rPr>
-              <a:t>. If Launch advisory is active there will be </a:t>
-            </a:r>
-            <a:r>
-              <a:rPr lang="en-US" sz="1000" b="1">
+              <a:t> acelerado. Se o Launch Advisory estiver ativo, </a:t>
+            </a:r>
+            <a:r>
+              <a:rPr lang="pt-BR" sz="1000" b="1">
                 <a:solidFill>
                   <a:srgbClr val="4B4B4B"/>
                 </a:solidFill>
                 <a:latin typeface="Adobe Clean" panose="020B0503020404020204" pitchFamily="34" charset="0"/>
               </a:rPr>
-              <a:t>no Field Services in year 1 </a:t>
-            </a:r>
-            <a:r>
-              <a:rPr lang="en-US" sz="1000">
+              <a:t>não haverá Serviços de campo no ano 1</a:t>
+            </a:r>
+            <a:r>
+              <a:rPr lang="pt-BR" sz="1000">
                 <a:solidFill>
                   <a:srgbClr val="4B4B4B"/>
                 </a:solidFill>
                 <a:latin typeface="Adobe Clean Light" panose="020B0303020404020204" pitchFamily="34" charset="0"/>
               </a:rPr>
-              <a:t>for any solution product covered by an Adobe Support contract. </a:t>
-            </a:r>
-            <a:endParaRPr lang="en-US" sz="1000">
-              <a:solidFill>
-                <a:srgbClr val="1F1F1F"/>
-              </a:solidFill>
-              <a:latin typeface="Adobe Clean Light" panose="020B0303020404020204" pitchFamily="34" charset="0"/>
-              <a:cs typeface="Adobe Clean"/>
-            </a:endParaRPr>
+              <a:t> para nenhuma solução coberta por um contrato de suporte da Adobe. </a:t>
+            </a:r>
           </a:p>
           <a:p>
             <a:pPr marL="24130" marR="5080">
@@ -13975,7 +11074,7 @@
         <p:spPr>
           <a:xfrm>
             <a:off x="172087" y="3867961"/>
-            <a:ext cx="3525469" cy="2336537"/>
+            <a:ext cx="3525469" cy="2798202"/>
           </a:xfrm>
           <a:prstGeom prst="rect">
             <a:avLst/>
@@ -13993,37 +11092,48 @@
               </a:spcBef>
             </a:pPr>
             <a:r>
-              <a:rPr lang="en-US" sz="1000">
+              <a:rPr lang="pt-BR" sz="1000" dirty="0">
                 <a:latin typeface="Adobe Clean Light" charset="0"/>
               </a:rPr>
-              <a:t>Adobe solution experts help validate requirements, architecture, development process, and launch readiness reviews </a:t>
-            </a:r>
-            <a:r>
-              <a:rPr lang="en-US" sz="1000">
+              <a:t>Os especialistas em soluções da Adobe ajudam a validar os requisitos, a arquitetura, o processo de desenvolvimento </a:t>
+            </a:r>
+            <a:br>
+              <a:rPr lang="pt-BR" sz="1000" dirty="0">
+                <a:latin typeface="Adobe Clean Light" charset="0"/>
+              </a:rPr>
+            </a:br>
+            <a:r>
+              <a:rPr lang="pt-BR" sz="1000" dirty="0">
+                <a:latin typeface="Adobe Clean Light" charset="0"/>
+              </a:rPr>
+              <a:t>e iniciam revisões de prontidão </a:t>
+            </a:r>
+            <a:r>
+              <a:rPr lang="pt-BR" sz="1000" dirty="0">
                 <a:solidFill>
                   <a:srgbClr val="000000"/>
                 </a:solidFill>
                 <a:latin typeface="Adobe Clean SemiLight" panose="020B0403020404020204" pitchFamily="34" charset="0"/>
               </a:rPr>
-              <a:t>with </a:t>
-            </a:r>
-            <a:r>
-              <a:rPr lang="en-US" sz="1000" b="1">
+              <a:t>com </a:t>
+            </a:r>
+            <a:r>
+              <a:rPr lang="pt-BR" sz="1000" b="1" dirty="0">
                 <a:solidFill>
                   <a:srgbClr val="000000"/>
                 </a:solidFill>
                 <a:latin typeface="Adobe Clean SemiLight" panose="020B0403020404020204" pitchFamily="34" charset="0"/>
               </a:rPr>
-              <a:t>best practice-based guidance </a:t>
-            </a:r>
-            <a:r>
-              <a:rPr lang="en-US" sz="1000">
+              <a:t>orientação baseada em práticas recomendadas</a:t>
+            </a:r>
+            <a:r>
+              <a:rPr lang="pt-BR" sz="1000" dirty="0">
                 <a:solidFill>
                   <a:srgbClr val="000000"/>
                 </a:solidFill>
                 <a:latin typeface="Adobe Clean SemiLight" panose="020B0403020404020204" pitchFamily="34" charset="0"/>
               </a:rPr>
-              <a:t>to customers and implementation partners.</a:t>
+              <a:t> para clientes e parceiros de implementação.</a:t>
             </a:r>
           </a:p>
           <a:p>
@@ -14032,7 +11142,7 @@
                 <a:spcPts val="100"/>
               </a:spcBef>
             </a:pPr>
-            <a:endParaRPr lang="en-US" sz="1000">
+            <a:endParaRPr lang="en-US" sz="1000" dirty="0">
               <a:solidFill>
                 <a:srgbClr val="1F1F1F"/>
               </a:solidFill>
@@ -14047,22 +11157,33 @@
               </a:spcBef>
             </a:pPr>
             <a:r>
-              <a:rPr lang="en-US" sz="1000">
+              <a:rPr lang="pt-BR" sz="1000" dirty="0">
                 <a:latin typeface="Adobe Clean Light" charset="0"/>
               </a:rPr>
-              <a:t>Launch Advisory will align with your project schedule through common milestones (</a:t>
-            </a:r>
-            <a:r>
-              <a:rPr lang="en-US" sz="1000" b="1">
+              <a:t>O Launch Advisory se alinhará com o agendamento do seu projeto por meio de marcos comuns (</a:t>
+            </a:r>
+            <a:r>
+              <a:rPr lang="pt-BR" sz="1000" b="1" dirty="0">
                 <a:latin typeface="Adobe Clean Light" charset="0"/>
               </a:rPr>
-              <a:t>Kickoff, Define, Design, Go-live and Post Launch</a:t>
-            </a:r>
-            <a:r>
-              <a:rPr lang="en-US" sz="1000">
+              <a:t>Início, Definição, Projeto, Lançamento e Pós-lançamento</a:t>
+            </a:r>
+            <a:r>
+              <a:rPr lang="pt-BR" sz="1000" dirty="0">
                 <a:latin typeface="Adobe Clean Light" charset="0"/>
               </a:rPr>
-              <a:t>) to guide, validate, assess and make recommendations.</a:t>
+              <a:t>) para guiar, validar, avaliar </a:t>
+            </a:r>
+            <a:br>
+              <a:rPr lang="pt-BR" sz="1000" dirty="0">
+                <a:latin typeface="Adobe Clean Light" charset="0"/>
+              </a:rPr>
+            </a:br>
+            <a:r>
+              <a:rPr lang="pt-BR" sz="1000" dirty="0">
+                <a:latin typeface="Adobe Clean Light" charset="0"/>
+              </a:rPr>
+              <a:t>e fazer recomendações.</a:t>
             </a:r>
           </a:p>
           <a:p>
@@ -14071,7 +11192,7 @@
                 <a:spcPts val="100"/>
               </a:spcBef>
             </a:pPr>
-            <a:endParaRPr lang="en-US" sz="1000">
+            <a:endParaRPr lang="en-US" sz="1000" dirty="0">
               <a:latin typeface="Adobe Clean Light" charset="0"/>
             </a:endParaRPr>
           </a:p>
@@ -14082,10 +11203,10 @@
               </a:spcBef>
             </a:pPr>
             <a:r>
-              <a:rPr lang="en-US" sz="1000">
+              <a:rPr lang="pt-BR" sz="1000" dirty="0">
                 <a:latin typeface="Adobe Clean Light" charset="0"/>
               </a:rPr>
-              <a:t>Key Deliverables include:</a:t>
+              <a:t>Os principais serviços incluem:</a:t>
             </a:r>
           </a:p>
           <a:p>
@@ -14097,8 +11218,8 @@
               <a:buChar char="•"/>
             </a:pPr>
             <a:r>
-              <a:rPr lang="en-US" sz="1000"/>
-              <a:t>Kickoff (including project collaboration plan) deck</a:t>
+              <a:rPr lang="pt-BR" sz="1000" dirty="0"/>
+              <a:t>Plataforma de início (incluindo plano de colaboração do projeto)</a:t>
             </a:r>
           </a:p>
           <a:p>
@@ -14110,8 +11231,8 @@
               <a:buChar char="•"/>
             </a:pPr>
             <a:r>
-              <a:rPr lang="en-US" sz="1000"/>
-              <a:t>Assessment &amp; recommendations document(s)</a:t>
+              <a:rPr lang="pt-BR" sz="1000" dirty="0"/>
+              <a:t>Documentos de avaliação e recomendações</a:t>
             </a:r>
           </a:p>
           <a:p>
@@ -14123,8 +11244,8 @@
               <a:buChar char="•"/>
             </a:pPr>
             <a:r>
-              <a:rPr lang="en-US" sz="1000"/>
-              <a:t>Engagement summary</a:t>
+              <a:rPr lang="pt-BR" sz="1000" dirty="0"/>
+              <a:t>Resumo de engajamento</a:t>
             </a:r>
           </a:p>
         </p:txBody>
@@ -14228,8 +11349,8 @@
           <a:p>
             <a:pPr algn="ctr"/>
             <a:r>
-              <a:rPr lang="en-US" sz="1600"/>
-              <a:t>Run &amp; Operate</a:t>
+              <a:rPr lang="pt-BR" sz="1600" dirty="0"/>
+              <a:t>Execução e operação</a:t>
             </a:r>
           </a:p>
         </p:txBody>
@@ -14334,8 +11455,8 @@
           <a:p>
             <a:pPr algn="ctr"/>
             <a:r>
-              <a:rPr lang="en-US" sz="1600"/>
-              <a:t>Implementation</a:t>
+              <a:rPr lang="pt-BR" sz="1600" dirty="0"/>
+              <a:t>Implementação</a:t>
             </a:r>
           </a:p>
         </p:txBody>
@@ -14354,8 +11475,8 @@
         </p:nvSpPr>
         <p:spPr>
           <a:xfrm>
-            <a:off x="2918286" y="2317134"/>
-            <a:ext cx="933111" cy="261610"/>
+            <a:off x="2887806" y="2317134"/>
+            <a:ext cx="1147911" cy="261610"/>
           </a:xfrm>
           <a:prstGeom prst="rect">
             <a:avLst/>
@@ -14370,8 +11491,8 @@
           <a:p>
             <a:pPr algn="ctr"/>
             <a:r>
-              <a:rPr lang="en-US" sz="1100"/>
-              <a:t>Post Launch</a:t>
+              <a:rPr lang="pt-BR" sz="1100" dirty="0"/>
+              <a:t>Pós-lançamento</a:t>
             </a:r>
           </a:p>
         </p:txBody>
@@ -14391,15 +11512,20 @@
           <p:nvPr/>
         </p:nvPicPr>
         <p:blipFill>
-          <a:blip r:embed="rId4"/>
-          <a:stretch>
-            <a:fillRect/>
-          </a:stretch>
+          <a:blip r:embed="rId4" cstate="print">
+            <a:extLst>
+              <a:ext uri="{28A0092B-C50C-407E-A947-70E740481C1C}">
+                <a14:useLocalDpi xmlns:a14="http://schemas.microsoft.com/office/drawing/2010/main" val="0"/>
+              </a:ext>
+            </a:extLst>
+          </a:blip>
+          <a:srcRect/>
+          <a:stretch/>
         </p:blipFill>
         <p:spPr>
           <a:xfrm>
-            <a:off x="333965" y="6379881"/>
-            <a:ext cx="3097872" cy="2855621"/>
+            <a:off x="336106" y="6379881"/>
+            <a:ext cx="3093589" cy="2855621"/>
           </a:xfrm>
           <a:prstGeom prst="rect">
             <a:avLst/>
@@ -14493,29 +11619,23 @@
               </a:spcBef>
             </a:pPr>
             <a:r>
-              <a:rPr lang="en-US" sz="1000" b="1" dirty="0">
+              <a:rPr lang="pt-BR" sz="1000" b="1">
                 <a:solidFill>
                   <a:srgbClr val="000000"/>
                 </a:solidFill>
                 <a:latin typeface="+mj-lt"/>
               </a:rPr>
-              <a:t>Technical Track Activities </a:t>
-            </a:r>
-            <a:r>
-              <a:rPr lang="en-US" sz="1000" dirty="0">
+              <a:t>As Atividades técnicas</a:t>
+            </a:r>
+            <a:r>
+              <a:rPr lang="pt-BR" sz="1000">
                 <a:solidFill>
                   <a:srgbClr val="000000"/>
                 </a:solidFill>
                 <a:latin typeface="Adobe Clean Light"/>
               </a:rPr>
-              <a:t>ensure customers are technically sound and maximizing their tool adoption. Specifically, these types of activities include support and recommendations related to platform configurations, integrations and troubleshooting.</a:t>
-            </a:r>
-            <a:endParaRPr lang="en-US" sz="1000" dirty="0">
-              <a:solidFill>
-                <a:srgbClr val="000000"/>
-              </a:solidFill>
-              <a:latin typeface="Adobe Clean Light" panose="020B0303020404020204" pitchFamily="34" charset="0"/>
-            </a:endParaRPr>
+              <a:t> verificam se os clientes estão apresentando solidez técnica e aproveitando ao máximo sua adoção de ferramentas. Especificamente, essas atividades incluem suporte e recomendações relacionados a configurações da plataforma, integrações e solução de problemas.</a:t>
+            </a:r>
           </a:p>
           <a:p>
             <a:pPr marL="12700" marR="5080">
@@ -14534,10 +11654,10 @@
               </a:spcBef>
             </a:pPr>
             <a:r>
-              <a:rPr lang="en-US" sz="1000" dirty="0">
+              <a:rPr lang="pt-BR" sz="1000">
                 <a:latin typeface="Adobe Clean Light"/>
               </a:rPr>
-              <a:t>Types of technical activities available::</a:t>
+              <a:t>Tipos de atividades técnicas disponíveis::</a:t>
             </a:r>
           </a:p>
           <a:p>
@@ -14552,12 +11672,9 @@
               <a:buChar char="ü"/>
             </a:pPr>
             <a:r>
-              <a:rPr lang="en-US" sz="1000" dirty="0"/>
-              <a:t>Health audit</a:t>
-            </a:r>
-            <a:endParaRPr lang="en-US" sz="1000" dirty="0">
-              <a:cs typeface="Calibri"/>
-            </a:endParaRPr>
+              <a:rPr lang="pt-BR" sz="1000"/>
+              <a:t>Auditoria de integridade</a:t>
+            </a:r>
           </a:p>
           <a:p>
             <a:pPr marL="184150" marR="5080" indent="-171450">
@@ -14571,12 +11688,9 @@
               <a:buChar char="ü"/>
             </a:pPr>
             <a:r>
-              <a:rPr lang="en-US" sz="1000" dirty="0"/>
-              <a:t>Platform audit</a:t>
-            </a:r>
-            <a:endParaRPr lang="en-US" sz="1000" dirty="0">
-              <a:cs typeface="Calibri"/>
-            </a:endParaRPr>
+              <a:rPr lang="pt-BR" sz="1000"/>
+              <a:t>Auditoria da plataforma</a:t>
+            </a:r>
           </a:p>
           <a:p>
             <a:pPr marL="184150" marR="5080" indent="-171450">
@@ -14590,12 +11704,9 @@
               <a:buChar char="ü"/>
             </a:pPr>
             <a:r>
-              <a:rPr lang="en-US" sz="1000" dirty="0"/>
-              <a:t>Feature set enablement</a:t>
-            </a:r>
-            <a:endParaRPr lang="en-US" sz="1000" dirty="0">
-              <a:cs typeface="Calibri"/>
-            </a:endParaRPr>
+              <a:rPr lang="pt-BR" sz="1000"/>
+              <a:t>Ativação do conjunto de recursos</a:t>
+            </a:r>
           </a:p>
           <a:p>
             <a:pPr marL="184150" marR="5080" indent="-171450">
@@ -14609,12 +11720,9 @@
               <a:buChar char="ü"/>
             </a:pPr>
             <a:r>
-              <a:rPr lang="en-US" sz="1000" dirty="0"/>
-              <a:t>Basic integrations and configurations</a:t>
-            </a:r>
-            <a:endParaRPr lang="en-US" sz="1000" dirty="0">
-              <a:cs typeface="Calibri"/>
-            </a:endParaRPr>
+              <a:rPr lang="pt-BR" sz="1000"/>
+              <a:t>Integrações e configurações básicas</a:t>
+            </a:r>
           </a:p>
           <a:p>
             <a:pPr marL="184150" marR="5080" indent="-171450">
@@ -14628,12 +11736,9 @@
               <a:buChar char="ü"/>
             </a:pPr>
             <a:r>
-              <a:rPr lang="en-US" sz="1000" dirty="0"/>
-              <a:t>Customer solution troubleshooting</a:t>
-            </a:r>
-            <a:endParaRPr lang="en-US" sz="1000" dirty="0">
-              <a:cs typeface="Calibri"/>
-            </a:endParaRPr>
+              <a:rPr lang="pt-BR" sz="1000"/>
+              <a:t>Solução de problemas do cliente</a:t>
+            </a:r>
           </a:p>
           <a:p>
             <a:pPr marL="184150" marR="5080" indent="-171450">
@@ -14647,12 +11752,9 @@
               <a:buChar char="ü"/>
             </a:pPr>
             <a:r>
-              <a:rPr lang="en-US" sz="1000" dirty="0"/>
-              <a:t>Cloud service support</a:t>
-            </a:r>
-            <a:endParaRPr lang="en-US" sz="1000" dirty="0">
-              <a:cs typeface="Calibri"/>
-            </a:endParaRPr>
+              <a:rPr lang="pt-BR" sz="1000"/>
+              <a:t>Suporte ao serviço na nuvem</a:t>
+            </a:r>
           </a:p>
         </p:txBody>
       </p:sp>
@@ -14689,22 +11791,22 @@
               </a:spcBef>
             </a:pPr>
             <a:r>
-              <a:rPr lang="en-US" sz="1000" b="1" dirty="0">
+              <a:rPr lang="pt-BR" sz="1000" b="1" dirty="0">
                 <a:solidFill>
                   <a:srgbClr val="000000"/>
                 </a:solidFill>
                 <a:latin typeface="+mj-lt"/>
               </a:rPr>
-              <a:t>Strategic Track Activities </a:t>
-            </a:r>
-            <a:r>
-              <a:rPr lang="en-US" sz="1000" dirty="0">
+              <a:t>As Atividades estratégicas</a:t>
+            </a:r>
+            <a:r>
+              <a:rPr lang="pt-BR" sz="1000" dirty="0">
                 <a:solidFill>
                   <a:srgbClr val="000000"/>
                 </a:solidFill>
                 <a:latin typeface="Adobe Clean Light"/>
               </a:rPr>
-              <a:t>locate opportunities to ensure value is being realized from a customer’s Adobe solutions. They include support recommendations related to strategy, measurement and maturity to drive value realization across one or more Adobe solutions.</a:t>
+              <a:t> localizam oportunidades para garantir a obtenção de valor com as soluções da Adobe. Elas incluem recomendações de suporte relacionadas a estratégia, medição e maturidade para impulsionar a obtenção de valor com uma ou mais soluções da Adobe.</a:t>
             </a:r>
           </a:p>
           <a:p>
@@ -14713,7 +11815,7 @@
                 <a:spcPts val="100"/>
               </a:spcBef>
             </a:pPr>
-            <a:endParaRPr lang="en-US" sz="1000">
+            <a:endParaRPr lang="en-US" sz="1000" dirty="0">
               <a:latin typeface="Adobe Clean Light" charset="0"/>
             </a:endParaRPr>
           </a:p>
@@ -14724,14 +11826,11 @@
               </a:spcBef>
             </a:pPr>
             <a:r>
-              <a:rPr lang="en-US" sz="1000" dirty="0">
+              <a:rPr lang="pt-BR" sz="1000" dirty="0">
                 <a:latin typeface="Adobe Clean Light"/>
               </a:rPr>
-              <a:t>Types of strategic activities available:</a:t>
-            </a:r>
-            <a:endParaRPr lang="en-US" sz="1000" dirty="0">
-              <a:latin typeface="Adobe Clean Light" charset="0"/>
-            </a:endParaRPr>
+              <a:t>Tipos de atividades estratégicas disponíveis:</a:t>
+            </a:r>
           </a:p>
           <a:p>
             <a:pPr marL="241300" marR="5080" indent="-228600">
@@ -14745,12 +11844,9 @@
               <a:buChar char="ü"/>
             </a:pPr>
             <a:r>
-              <a:rPr lang="en-US" sz="1000" dirty="0"/>
-              <a:t>Maturity Roadmap</a:t>
-            </a:r>
-            <a:endParaRPr lang="en-US" sz="1000" dirty="0">
-              <a:cs typeface="Calibri"/>
-            </a:endParaRPr>
+              <a:rPr lang="pt-BR" sz="1000" dirty="0"/>
+              <a:t>Roteiro de maturidade</a:t>
+            </a:r>
           </a:p>
           <a:p>
             <a:pPr marL="241300" marR="5080" indent="-228600">
@@ -14764,12 +11860,9 @@
               <a:buChar char="ü"/>
             </a:pPr>
             <a:r>
-              <a:rPr lang="en-US" sz="1000" dirty="0"/>
-              <a:t>Use case development/measurement</a:t>
-            </a:r>
-            <a:endParaRPr lang="en-US" sz="1000" dirty="0">
-              <a:cs typeface="Calibri"/>
-            </a:endParaRPr>
+              <a:rPr lang="pt-BR" sz="1000" dirty="0"/>
+              <a:t>Desenvolvimento/medição de caso de uso</a:t>
+            </a:r>
           </a:p>
           <a:p>
             <a:pPr marL="241300" marR="5080" indent="-228600">
@@ -14783,12 +11876,9 @@
               <a:buChar char="ü"/>
             </a:pPr>
             <a:r>
-              <a:rPr lang="en-US" sz="1000" dirty="0"/>
-              <a:t>Reporting &amp; analysis</a:t>
-            </a:r>
-            <a:endParaRPr lang="en-US" sz="1000" dirty="0">
-              <a:cs typeface="Calibri"/>
-            </a:endParaRPr>
+              <a:rPr lang="pt-BR" sz="1000" dirty="0"/>
+              <a:t>Relatórios e análise</a:t>
+            </a:r>
           </a:p>
           <a:p>
             <a:pPr marL="241300" marR="5080" indent="-228600">
@@ -14802,12 +11892,9 @@
               <a:buChar char="ü"/>
             </a:pPr>
             <a:r>
-              <a:rPr lang="en-US" sz="1000" dirty="0"/>
-              <a:t>Best practices enablement</a:t>
-            </a:r>
-            <a:endParaRPr lang="en-US" sz="1000" dirty="0">
-              <a:cs typeface="Calibri"/>
-            </a:endParaRPr>
+              <a:rPr lang="pt-BR" sz="1000" dirty="0"/>
+              <a:t>Ativação de práticas recomendadas</a:t>
+            </a:r>
           </a:p>
         </p:txBody>
       </p:sp>
@@ -14845,73 +11932,77 @@
               </a:spcBef>
             </a:pPr>
             <a:r>
-              <a:rPr lang="en-US" sz="1000">
+              <a:rPr lang="pt-BR" sz="1000">
                 <a:solidFill>
                   <a:srgbClr val="1F1F1F"/>
                 </a:solidFill>
                 <a:latin typeface="Adobe Clean" panose="020B0503020404020204" pitchFamily="34" charset="0"/>
                 <a:cs typeface="AdobeClean-Light"/>
               </a:rPr>
-              <a:t>As an Enterprise customer, you are eligible for</a:t>
-            </a:r>
-            <a:r>
-              <a:rPr lang="en-US" sz="1200" b="1" u="sng">
-                <a:solidFill>
-                  <a:srgbClr val="1F1F1F"/>
-                </a:solidFill>
-                <a:cs typeface="AdobeClean-Light"/>
-              </a:rPr>
-              <a:t> 2 </a:t>
-            </a:r>
-            <a:r>
-              <a:rPr lang="en-US" sz="1000" b="1" u="sng">
-                <a:solidFill>
-                  <a:srgbClr val="1F1F1F"/>
-                </a:solidFill>
-                <a:cs typeface="AdobeClean-Light"/>
-              </a:rPr>
-              <a:t>activities per year </a:t>
-            </a:r>
-            <a:r>
-              <a:rPr lang="en-US" sz="1000">
+              <a:t>Como cliente Enterprise, você tem direito a </a:t>
+            </a:r>
+            <a:r>
+              <a:rPr lang="pt-BR" sz="1200" b="1" u="sng">
                 <a:solidFill>
                   <a:srgbClr val="1F1F1F"/>
                 </a:solidFill>
                 <a:latin typeface="Adobe Clean" panose="020B0503020404020204" pitchFamily="34" charset="0"/>
                 <a:cs typeface="AdobeClean-Light"/>
               </a:rPr>
-              <a:t>from the following two tracks:</a:t>
-            </a:r>
-            <a:r>
-              <a:rPr lang="en-US" sz="1000" b="1">
-                <a:solidFill>
-                  <a:srgbClr val="1F1F1F"/>
-                </a:solidFill>
-                <a:cs typeface="AdobeClean-Light"/>
-              </a:rPr>
-              <a:t> Technical </a:t>
-            </a:r>
-            <a:r>
-              <a:rPr lang="en-US" sz="1000">
+              <a:t>2</a:t>
+            </a:r>
+            <a:r>
+              <a:rPr lang="pt-BR" sz="1000" b="1" u="sng">
                 <a:solidFill>
                   <a:srgbClr val="1F1F1F"/>
                 </a:solidFill>
                 <a:latin typeface="Adobe Clean" panose="020B0503020404020204" pitchFamily="34" charset="0"/>
                 <a:cs typeface="AdobeClean-Light"/>
               </a:rPr>
-              <a:t>and/or </a:t>
-            </a:r>
-            <a:r>
-              <a:rPr lang="en-US" sz="1000" b="1">
+              <a:t> atividades por ano</a:t>
+            </a:r>
+            <a:r>
+              <a:rPr lang="pt-BR" sz="1000">
                 <a:solidFill>
                   <a:srgbClr val="1F1F1F"/>
                 </a:solidFill>
+                <a:latin typeface="Adobe Clean" panose="020B0503020404020204" pitchFamily="34" charset="0"/>
                 <a:cs typeface="AdobeClean-Light"/>
               </a:rPr>
-              <a:t>Strategic</a:t>
-            </a:r>
-            <a:r>
-              <a:rPr lang="en-US" sz="1000">
+              <a:t> entre as opções a seguir:</a:t>
+            </a:r>
+            <a:r>
+              <a:rPr lang="pt-BR" sz="1000" b="1">
+                <a:solidFill>
+                  <a:srgbClr val="1F1F1F"/>
+                </a:solidFill>
+                <a:latin typeface="Adobe Clean" panose="020B0503020404020204" pitchFamily="34" charset="0"/>
+                <a:cs typeface="AdobeClean-Light"/>
+              </a:rPr>
+              <a:t> Atividades técnicas </a:t>
+            </a:r>
+            <a:r>
+              <a:rPr lang="pt-BR" sz="1000">
+                <a:solidFill>
+                  <a:srgbClr val="1F1F1F"/>
+                </a:solidFill>
+                <a:latin typeface="Adobe Clean" panose="020B0503020404020204" pitchFamily="34" charset="0"/>
+                <a:cs typeface="AdobeClean-Light"/>
+              </a:rPr>
+              <a:t>e/ou </a:t>
+            </a:r>
+            <a:r>
+              <a:rPr lang="pt-BR" sz="1000" b="1">
+                <a:solidFill>
+                  <a:srgbClr val="1F1F1F"/>
+                </a:solidFill>
+                <a:latin typeface="Adobe Clean" panose="020B0503020404020204" pitchFamily="34" charset="0"/>
+                <a:cs typeface="AdobeClean-Light"/>
+              </a:rPr>
+              <a:t>Atividades estratégicas</a:t>
+            </a:r>
+            <a:r>
+              <a:rPr lang="pt-BR" sz="1000">
                 <a:solidFill>
                   <a:srgbClr val="1F1F1F"/>
                 </a:solidFill>
@@ -14920,12 +12011,6 @@
               </a:rPr>
               <a:t>.</a:t>
             </a:r>
-            <a:endParaRPr lang="en-US" sz="1000" b="1">
-              <a:solidFill>
-                <a:prstClr val="black"/>
-              </a:solidFill>
-              <a:cs typeface="AdobeClean-Light"/>
-            </a:endParaRPr>
           </a:p>
         </p:txBody>
       </p:sp>
@@ -14943,7 +12028,7 @@
         </p:nvSpPr>
         <p:spPr>
           <a:xfrm>
-            <a:off x="2236134" y="2317134"/>
+            <a:off x="2228514" y="2317134"/>
             <a:ext cx="826006" cy="261610"/>
           </a:xfrm>
           <a:prstGeom prst="rect">
@@ -14959,8 +12044,8 @@
           <a:p>
             <a:pPr algn="ctr"/>
             <a:r>
-              <a:rPr lang="en-US" sz="1100"/>
-              <a:t>Go-Live</a:t>
+              <a:rPr lang="pt-BR" sz="1100" dirty="0"/>
+              <a:t>Lançamento</a:t>
             </a:r>
           </a:p>
         </p:txBody>
@@ -14995,8 +12080,8 @@
           <a:p>
             <a:pPr algn="ctr"/>
             <a:r>
-              <a:rPr lang="en-US" sz="1100"/>
-              <a:t>Define</a:t>
+              <a:rPr lang="pt-BR" sz="1100"/>
+              <a:t>Definição</a:t>
             </a:r>
           </a:p>
         </p:txBody>
@@ -15031,8 +12116,8 @@
           <a:p>
             <a:pPr algn="ctr"/>
             <a:r>
-              <a:rPr lang="en-US" sz="1100"/>
-              <a:t>Kickoff</a:t>
+              <a:rPr lang="pt-BR" sz="1100"/>
+              <a:t>Início</a:t>
             </a:r>
           </a:p>
         </p:txBody>
@@ -15067,8 +12152,8 @@
           <a:p>
             <a:pPr algn="ctr"/>
             <a:r>
-              <a:rPr lang="en-US" sz="1100"/>
-              <a:t>Design</a:t>
+              <a:rPr lang="pt-BR" sz="1100"/>
+              <a:t>Projeto</a:t>
             </a:r>
           </a:p>
         </p:txBody>
@@ -15125,14 +12210,14 @@
           <a:p>
             <a:pPr algn="ctr"/>
             <a:r>
-              <a:rPr lang="en-US">
+              <a:rPr lang="pt-BR" dirty="0">
                 <a:solidFill>
                   <a:schemeClr val="accent1">
                     <a:lumMod val="50000"/>
                   </a:schemeClr>
                 </a:solidFill>
               </a:rPr>
-              <a:t>2 Activities per Year</a:t>
+              <a:t>2 atividades por ano</a:t>
             </a:r>
           </a:p>
         </p:txBody>
@@ -15194,49 +12279,15 @@
               </a:lnSpc>
             </a:pPr>
             <a:r>
-              <a:rPr sz="500" spc="-5">
+              <a:rPr lang="pt-BR" sz="500">
                 <a:solidFill>
                   <a:srgbClr val="6C6C6C"/>
                 </a:solidFill>
                 <a:latin typeface="Adobe Clean"/>
                 <a:cs typeface="Adobe Clean"/>
               </a:rPr>
-              <a:t>©2020 Adobe. All Rights Reserved. </a:t>
-            </a:r>
-            <a:r>
-              <a:rPr sz="500">
-                <a:solidFill>
-                  <a:srgbClr val="6C6C6C"/>
-                </a:solidFill>
-                <a:latin typeface="Adobe Clean"/>
-                <a:cs typeface="Adobe Clean"/>
-              </a:rPr>
-              <a:t>Adobe</a:t>
-            </a:r>
-            <a:r>
-              <a:rPr sz="500" spc="5">
-                <a:solidFill>
-                  <a:srgbClr val="6C6C6C"/>
-                </a:solidFill>
-                <a:latin typeface="Adobe Clean"/>
-                <a:cs typeface="Adobe Clean"/>
-              </a:rPr>
-              <a:t> </a:t>
-            </a:r>
-            <a:r>
-              <a:rPr sz="500" spc="-5">
-                <a:solidFill>
-                  <a:srgbClr val="6C6C6C"/>
-                </a:solidFill>
-                <a:latin typeface="Adobe Clean"/>
-                <a:cs typeface="Adobe Clean"/>
-              </a:rPr>
-              <a:t>Confidential.</a:t>
-            </a:r>
-            <a:endParaRPr sz="500">
-              <a:latin typeface="Adobe Clean"/>
-              <a:cs typeface="Adobe Clean"/>
-            </a:endParaRPr>
+              <a:t>©2020 Adobe. All Rights Reserved. Adobe Confidential.</a:t>
+            </a:r>
           </a:p>
           <a:p>
             <a:pPr>
@@ -15262,39 +12313,15 @@
               </a:spcBef>
             </a:pPr>
             <a:r>
-              <a:rPr sz="800" spc="-5">
+              <a:rPr lang="pt-BR" sz="800">
                 <a:solidFill>
                   <a:srgbClr val="6D6D6D"/>
                 </a:solidFill>
                 <a:latin typeface="Adobe Clean"/>
                 <a:cs typeface="Adobe Clean"/>
               </a:rPr>
-              <a:t>©2020 Adobe. All Rights Reserved. Adobe</a:t>
-            </a:r>
-            <a:r>
-              <a:rPr sz="800" spc="75">
-                <a:solidFill>
-                  <a:srgbClr val="6D6D6D"/>
-                </a:solidFill>
-                <a:latin typeface="Adobe Clean"/>
-                <a:cs typeface="Adobe Clean"/>
-              </a:rPr>
-              <a:t> </a:t>
-            </a:r>
-            <a:r>
-              <a:rPr sz="800" spc="-5">
-                <a:solidFill>
-                  <a:srgbClr val="6D6D6D"/>
-                </a:solidFill>
-                <a:latin typeface="Adobe Clean"/>
-                <a:cs typeface="Adobe Clean"/>
-              </a:rPr>
-              <a:t>Confidential.</a:t>
-            </a:r>
-            <a:endParaRPr sz="800">
-              <a:latin typeface="Adobe Clean"/>
-              <a:cs typeface="Adobe Clean"/>
-            </a:endParaRPr>
+              <a:t>©2020 Adobe. All Rights Reserved. Adobe Confidential.</a:t>
+            </a:r>
           </a:p>
         </p:txBody>
       </p:sp>
@@ -15378,19 +12405,15 @@
               </a:spcBef>
             </a:pPr>
             <a:r>
-              <a:rPr lang="en-US" sz="1400" b="1" spc="-15">
+              <a:rPr lang="pt-BR" sz="1400" b="1">
                 <a:solidFill>
                   <a:srgbClr val="020302"/>
                 </a:solidFill>
                 <a:latin typeface="Adobe Clean"/>
                 <a:cs typeface="Adobe Clean"/>
               </a:rPr>
-              <a:t>Resources</a:t>
-            </a:r>
-            <a:endParaRPr sz="1400">
-              <a:latin typeface="Adobe Clean"/>
-              <a:cs typeface="Adobe Clean"/>
-            </a:endParaRPr>
+              <a:t>Recursos</a:t>
+            </a:r>
           </a:p>
         </p:txBody>
       </p:sp>
@@ -15403,7 +12426,7 @@
         <p:spPr>
           <a:xfrm>
             <a:off x="6754821" y="9283729"/>
-            <a:ext cx="930275" cy="662305"/>
+            <a:ext cx="930275" cy="612347"/>
           </a:xfrm>
           <a:prstGeom prst="rect">
             <a:avLst/>
@@ -15424,7 +12447,7 @@
               </a:spcBef>
             </a:pPr>
             <a:r>
-              <a:rPr sz="800" spc="-15">
+              <a:rPr lang="pt-BR" sz="700" dirty="0">
                 <a:solidFill>
                   <a:srgbClr val="777879"/>
                 </a:solidFill>
@@ -15433,10 +12456,6 @@
               </a:rPr>
               <a:t>Adobe</a:t>
             </a:r>
-            <a:endParaRPr sz="800">
-              <a:latin typeface="Adobe Clean"/>
-              <a:cs typeface="Adobe Clean"/>
-            </a:endParaRPr>
           </a:p>
           <a:p>
             <a:pPr marL="12700">
@@ -15445,90 +12464,32 @@
               </a:lnSpc>
             </a:pPr>
             <a:r>
-              <a:rPr sz="800" spc="-15">
+              <a:rPr lang="pt-BR" sz="700" dirty="0">
                 <a:solidFill>
                   <a:srgbClr val="777879"/>
                 </a:solidFill>
                 <a:latin typeface="Adobe Clean"/>
                 <a:cs typeface="Adobe Clean"/>
               </a:rPr>
-              <a:t>345 Park</a:t>
-            </a:r>
-            <a:r>
-              <a:rPr sz="800" spc="-100">
+              <a:t>345 Park Avenue</a:t>
+            </a:r>
+          </a:p>
+          <a:p>
+            <a:pPr marL="12700">
+              <a:lnSpc>
+                <a:spcPts val="944"/>
+              </a:lnSpc>
+            </a:pPr>
+            <a:r>
+              <a:rPr lang="pt-BR" sz="700" dirty="0">
                 <a:solidFill>
                   <a:srgbClr val="777879"/>
                 </a:solidFill>
                 <a:latin typeface="Adobe Clean"/>
                 <a:cs typeface="Adobe Clean"/>
               </a:rPr>
-              <a:t> </a:t>
-            </a:r>
-            <a:r>
-              <a:rPr sz="800" spc="-15">
-                <a:solidFill>
-                  <a:srgbClr val="777879"/>
-                </a:solidFill>
-                <a:latin typeface="Adobe Clean"/>
-                <a:cs typeface="Adobe Clean"/>
-              </a:rPr>
-              <a:t>Avenue</a:t>
-            </a:r>
-            <a:endParaRPr sz="800">
-              <a:latin typeface="Adobe Clean"/>
-              <a:cs typeface="Adobe Clean"/>
-            </a:endParaRPr>
-          </a:p>
-          <a:p>
-            <a:pPr marL="12700">
-              <a:lnSpc>
-                <a:spcPts val="944"/>
-              </a:lnSpc>
-            </a:pPr>
-            <a:r>
-              <a:rPr sz="800" spc="-10">
-                <a:solidFill>
-                  <a:srgbClr val="777879"/>
-                </a:solidFill>
-                <a:latin typeface="Adobe Clean"/>
-                <a:cs typeface="Adobe Clean"/>
-              </a:rPr>
-              <a:t>San </a:t>
-            </a:r>
-            <a:r>
-              <a:rPr sz="800" spc="-15">
-                <a:solidFill>
-                  <a:srgbClr val="777879"/>
-                </a:solidFill>
-                <a:latin typeface="Adobe Clean"/>
-                <a:cs typeface="Adobe Clean"/>
-              </a:rPr>
-              <a:t>Jose,</a:t>
-            </a:r>
-            <a:r>
-              <a:rPr sz="800" spc="-140">
-                <a:solidFill>
-                  <a:srgbClr val="777879"/>
-                </a:solidFill>
-                <a:latin typeface="Adobe Clean"/>
-                <a:cs typeface="Adobe Clean"/>
-              </a:rPr>
-              <a:t> </a:t>
-            </a:r>
-            <a:r>
-              <a:rPr sz="800" spc="-20">
-                <a:solidFill>
-                  <a:srgbClr val="777879"/>
-                </a:solidFill>
-                <a:latin typeface="Adobe Clean"/>
-                <a:cs typeface="Adobe Clean"/>
-              </a:rPr>
-              <a:t>CA95110-2704</a:t>
-            </a:r>
-            <a:endParaRPr sz="800">
-              <a:latin typeface="Adobe Clean"/>
-              <a:cs typeface="Adobe Clean"/>
-            </a:endParaRPr>
+              <a:t>San Jose, CA95110-2704</a:t>
+            </a:r>
           </a:p>
           <a:p>
             <a:pPr marL="12700">
@@ -15540,7 +12501,7 @@
               </a:spcBef>
             </a:pPr>
             <a:r>
-              <a:rPr sz="800" spc="-10">
+              <a:rPr lang="pt-BR" sz="700" dirty="0">
                 <a:solidFill>
                   <a:srgbClr val="777879"/>
                 </a:solidFill>
@@ -15549,10 +12510,6 @@
               </a:rPr>
               <a:t>USA</a:t>
             </a:r>
-            <a:endParaRPr sz="800">
-              <a:latin typeface="Adobe Clean"/>
-              <a:cs typeface="Adobe Clean"/>
-            </a:endParaRPr>
           </a:p>
           <a:p>
             <a:pPr marL="12700">
@@ -15564,7 +12521,7 @@
               </a:spcBef>
             </a:pPr>
             <a:r>
-              <a:rPr sz="800" u="sng" spc="-25">
+              <a:rPr lang="pt-BR" sz="700" u="sng" dirty="0">
                 <a:solidFill>
                   <a:srgbClr val="5F5F5F"/>
                 </a:solidFill>
@@ -15579,10 +12536,6 @@
               </a:rPr>
               <a:t>www.adobe.com</a:t>
             </a:r>
-            <a:endParaRPr sz="800">
-              <a:latin typeface="Adobe Clean"/>
-              <a:cs typeface="Adobe Clean"/>
-            </a:endParaRPr>
           </a:p>
         </p:txBody>
       </p:sp>
@@ -15735,7 +12688,7 @@
         </p:nvSpPr>
         <p:spPr>
           <a:xfrm>
-            <a:off x="75947" y="9437110"/>
+            <a:off x="75947" y="9482830"/>
             <a:ext cx="5466715" cy="570865"/>
           </a:xfrm>
           <a:prstGeom prst="rect">
@@ -15757,449 +12710,15 @@
               </a:spcBef>
             </a:pPr>
             <a:r>
-              <a:rPr sz="1100" i="1" spc="-10" dirty="0">
+              <a:rPr lang="pt-BR" sz="1100" i="1" dirty="0">
                 <a:solidFill>
                   <a:srgbClr val="777879"/>
                 </a:solidFill>
                 <a:latin typeface="AdobeClean-LightIt"/>
                 <a:cs typeface="AdobeClean-LightIt"/>
               </a:rPr>
-              <a:t>To</a:t>
-            </a:r>
-            <a:r>
-              <a:rPr sz="1100" i="1" spc="-50" dirty="0">
-                <a:solidFill>
-                  <a:srgbClr val="777879"/>
-                </a:solidFill>
-                <a:latin typeface="AdobeClean-LightIt"/>
-                <a:cs typeface="AdobeClean-LightIt"/>
-              </a:rPr>
-              <a:t> </a:t>
-            </a:r>
-            <a:r>
-              <a:rPr sz="1100" i="1" spc="-15" dirty="0">
-                <a:solidFill>
-                  <a:srgbClr val="777879"/>
-                </a:solidFill>
-                <a:latin typeface="AdobeClean-LightIt"/>
-                <a:cs typeface="AdobeClean-LightIt"/>
-              </a:rPr>
-              <a:t>learn</a:t>
-            </a:r>
-            <a:r>
-              <a:rPr sz="1100" i="1" spc="-40" dirty="0">
-                <a:solidFill>
-                  <a:srgbClr val="777879"/>
-                </a:solidFill>
-                <a:latin typeface="AdobeClean-LightIt"/>
-                <a:cs typeface="AdobeClean-LightIt"/>
-              </a:rPr>
-              <a:t> </a:t>
-            </a:r>
-            <a:r>
-              <a:rPr sz="1100" i="1" spc="-15" dirty="0">
-                <a:solidFill>
-                  <a:srgbClr val="777879"/>
-                </a:solidFill>
-                <a:latin typeface="AdobeClean-LightIt"/>
-                <a:cs typeface="AdobeClean-LightIt"/>
-              </a:rPr>
-              <a:t>more</a:t>
-            </a:r>
-            <a:r>
-              <a:rPr sz="1100" i="1" spc="-45" dirty="0">
-                <a:solidFill>
-                  <a:srgbClr val="777879"/>
-                </a:solidFill>
-                <a:latin typeface="AdobeClean-LightIt"/>
-                <a:cs typeface="AdobeClean-LightIt"/>
-              </a:rPr>
-              <a:t> </a:t>
-            </a:r>
-            <a:r>
-              <a:rPr sz="1100" i="1" spc="-15" dirty="0">
-                <a:solidFill>
-                  <a:srgbClr val="777879"/>
-                </a:solidFill>
-                <a:latin typeface="AdobeClean-LightIt"/>
-                <a:cs typeface="AdobeClean-LightIt"/>
-              </a:rPr>
-              <a:t>about</a:t>
-            </a:r>
-            <a:r>
-              <a:rPr sz="1100" i="1" spc="-45" dirty="0">
-                <a:solidFill>
-                  <a:srgbClr val="777879"/>
-                </a:solidFill>
-                <a:latin typeface="AdobeClean-LightIt"/>
-                <a:cs typeface="AdobeClean-LightIt"/>
-              </a:rPr>
-              <a:t> </a:t>
-            </a:r>
-            <a:r>
-              <a:rPr sz="1100" i="1" spc="-15" dirty="0">
-                <a:solidFill>
-                  <a:srgbClr val="777879"/>
-                </a:solidFill>
-                <a:latin typeface="AdobeClean-LightIt"/>
-                <a:cs typeface="AdobeClean-LightIt"/>
-              </a:rPr>
-              <a:t>Adobe</a:t>
-            </a:r>
-            <a:r>
-              <a:rPr sz="1100" i="1" spc="-50" dirty="0">
-                <a:solidFill>
-                  <a:srgbClr val="777879"/>
-                </a:solidFill>
-                <a:latin typeface="AdobeClean-LightIt"/>
-                <a:cs typeface="AdobeClean-LightIt"/>
-              </a:rPr>
-              <a:t> </a:t>
-            </a:r>
-            <a:r>
-              <a:rPr sz="1100" i="1" spc="-15" dirty="0">
-                <a:solidFill>
-                  <a:srgbClr val="777879"/>
-                </a:solidFill>
-                <a:latin typeface="AdobeClean-LightIt"/>
-                <a:cs typeface="AdobeClean-LightIt"/>
-              </a:rPr>
-              <a:t>Support</a:t>
-            </a:r>
-            <a:r>
-              <a:rPr lang="en-US" sz="1100" i="1" spc="-15" dirty="0">
-                <a:solidFill>
-                  <a:srgbClr val="777879"/>
-                </a:solidFill>
-                <a:latin typeface="AdobeClean-LightIt"/>
-                <a:cs typeface="AdobeClean-LightIt"/>
-              </a:rPr>
-              <a:t> Offerings</a:t>
-            </a:r>
-            <a:r>
-              <a:rPr sz="1100" i="1" spc="-75" dirty="0">
-                <a:solidFill>
-                  <a:srgbClr val="777879"/>
-                </a:solidFill>
-                <a:latin typeface="AdobeClean-LightIt"/>
-                <a:cs typeface="AdobeClean-LightIt"/>
-              </a:rPr>
-              <a:t> </a:t>
-            </a:r>
-            <a:r>
-              <a:rPr sz="1100" i="1" spc="-15" dirty="0">
-                <a:solidFill>
-                  <a:srgbClr val="777879"/>
-                </a:solidFill>
-                <a:latin typeface="AdobeClean-LightIt"/>
-                <a:cs typeface="AdobeClean-LightIt"/>
-              </a:rPr>
-              <a:t>and</a:t>
-            </a:r>
-            <a:r>
-              <a:rPr sz="1100" i="1" spc="-50" dirty="0">
-                <a:solidFill>
-                  <a:srgbClr val="777879"/>
-                </a:solidFill>
-                <a:latin typeface="AdobeClean-LightIt"/>
-                <a:cs typeface="AdobeClean-LightIt"/>
-              </a:rPr>
-              <a:t> </a:t>
-            </a:r>
-            <a:r>
-              <a:rPr sz="1100" i="1" spc="-15" dirty="0">
-                <a:solidFill>
-                  <a:srgbClr val="777879"/>
-                </a:solidFill>
-                <a:latin typeface="AdobeClean-LightIt"/>
-                <a:cs typeface="AdobeClean-LightIt"/>
-              </a:rPr>
-              <a:t>the</a:t>
-            </a:r>
-            <a:r>
-              <a:rPr sz="1100" i="1" spc="-55" dirty="0">
-                <a:solidFill>
-                  <a:srgbClr val="777879"/>
-                </a:solidFill>
-                <a:latin typeface="AdobeClean-LightIt"/>
-                <a:cs typeface="AdobeClean-LightIt"/>
-              </a:rPr>
-              <a:t> </a:t>
-            </a:r>
-            <a:r>
-              <a:rPr sz="1100" i="1" spc="-15" dirty="0">
-                <a:solidFill>
-                  <a:srgbClr val="777879"/>
-                </a:solidFill>
-                <a:latin typeface="AdobeClean-LightIt"/>
-                <a:cs typeface="AdobeClean-LightIt"/>
-              </a:rPr>
-              <a:t>right</a:t>
-            </a:r>
-            <a:r>
-              <a:rPr sz="1100" i="1" spc="-95" dirty="0">
-                <a:solidFill>
-                  <a:srgbClr val="777879"/>
-                </a:solidFill>
-                <a:latin typeface="AdobeClean-LightIt"/>
-                <a:cs typeface="AdobeClean-LightIt"/>
-              </a:rPr>
-              <a:t> </a:t>
-            </a:r>
-            <a:r>
-              <a:rPr sz="1100" i="1" spc="-15" dirty="0">
-                <a:solidFill>
-                  <a:srgbClr val="777879"/>
-                </a:solidFill>
-                <a:latin typeface="AdobeClean-LightIt"/>
-                <a:cs typeface="AdobeClean-LightIt"/>
-              </a:rPr>
-              <a:t>level</a:t>
-            </a:r>
-            <a:r>
-              <a:rPr sz="1100" i="1" spc="-55" dirty="0">
-                <a:solidFill>
-                  <a:srgbClr val="777879"/>
-                </a:solidFill>
-                <a:latin typeface="AdobeClean-LightIt"/>
-                <a:cs typeface="AdobeClean-LightIt"/>
-              </a:rPr>
-              <a:t> </a:t>
-            </a:r>
-            <a:r>
-              <a:rPr sz="1100" i="1" spc="-15" dirty="0">
-                <a:solidFill>
-                  <a:srgbClr val="777879"/>
-                </a:solidFill>
-                <a:latin typeface="AdobeClean-LightIt"/>
-                <a:cs typeface="AdobeClean-LightIt"/>
-              </a:rPr>
-              <a:t>for</a:t>
-            </a:r>
-            <a:r>
-              <a:rPr sz="1100" i="1" spc="-85" dirty="0">
-                <a:solidFill>
-                  <a:srgbClr val="777879"/>
-                </a:solidFill>
-                <a:latin typeface="AdobeClean-LightIt"/>
-                <a:cs typeface="AdobeClean-LightIt"/>
-              </a:rPr>
-              <a:t> </a:t>
-            </a:r>
-            <a:r>
-              <a:rPr sz="1100" i="1" spc="-15" dirty="0">
-                <a:solidFill>
-                  <a:srgbClr val="777879"/>
-                </a:solidFill>
-                <a:latin typeface="AdobeClean-LightIt"/>
-                <a:cs typeface="AdobeClean-LightIt"/>
-              </a:rPr>
-              <a:t>you,</a:t>
-            </a:r>
-            <a:r>
-              <a:rPr sz="1100" i="1" spc="-65" dirty="0">
-                <a:solidFill>
-                  <a:srgbClr val="777879"/>
-                </a:solidFill>
-                <a:latin typeface="AdobeClean-LightIt"/>
-                <a:cs typeface="AdobeClean-LightIt"/>
-              </a:rPr>
-              <a:t> </a:t>
-            </a:r>
-            <a:r>
-              <a:rPr sz="1100" i="1" spc="-15" dirty="0">
-                <a:solidFill>
-                  <a:srgbClr val="777879"/>
-                </a:solidFill>
-                <a:latin typeface="AdobeClean-LightIt"/>
-                <a:cs typeface="AdobeClean-LightIt"/>
-              </a:rPr>
-              <a:t>contact</a:t>
-            </a:r>
-            <a:r>
-              <a:rPr sz="1100" i="1" spc="-85" dirty="0">
-                <a:solidFill>
-                  <a:srgbClr val="777879"/>
-                </a:solidFill>
-                <a:latin typeface="AdobeClean-LightIt"/>
-                <a:cs typeface="AdobeClean-LightIt"/>
-              </a:rPr>
-              <a:t> </a:t>
-            </a:r>
-            <a:r>
-              <a:rPr sz="1100" i="1" spc="-15" dirty="0">
-                <a:solidFill>
-                  <a:srgbClr val="777879"/>
-                </a:solidFill>
-                <a:latin typeface="AdobeClean-LightIt"/>
-                <a:cs typeface="AdobeClean-LightIt"/>
-              </a:rPr>
-              <a:t>your</a:t>
-            </a:r>
-            <a:r>
-              <a:rPr sz="1100" i="1" spc="-70" dirty="0">
-                <a:solidFill>
-                  <a:srgbClr val="777879"/>
-                </a:solidFill>
-                <a:latin typeface="AdobeClean-LightIt"/>
-                <a:cs typeface="AdobeClean-LightIt"/>
-              </a:rPr>
-              <a:t> </a:t>
-            </a:r>
-            <a:r>
-              <a:rPr sz="1100" i="1" spc="-15" dirty="0">
-                <a:solidFill>
-                  <a:srgbClr val="777879"/>
-                </a:solidFill>
-                <a:latin typeface="AdobeClean-LightIt"/>
-                <a:cs typeface="AdobeClean-LightIt"/>
-              </a:rPr>
-              <a:t>Named</a:t>
-            </a:r>
-            <a:r>
-              <a:rPr sz="1100" i="1" spc="-55" dirty="0">
-                <a:solidFill>
-                  <a:srgbClr val="777879"/>
-                </a:solidFill>
-                <a:latin typeface="AdobeClean-LightIt"/>
-                <a:cs typeface="AdobeClean-LightIt"/>
-              </a:rPr>
-              <a:t> </a:t>
-            </a:r>
-            <a:r>
-              <a:rPr sz="1100" i="1" spc="-25" dirty="0">
-                <a:solidFill>
-                  <a:srgbClr val="777879"/>
-                </a:solidFill>
-                <a:latin typeface="AdobeClean-LightIt"/>
-                <a:cs typeface="AdobeClean-LightIt"/>
-              </a:rPr>
-              <a:t>Account</a:t>
-            </a:r>
-            <a:r>
-              <a:rPr sz="1100" i="1" spc="-120" dirty="0">
-                <a:solidFill>
-                  <a:srgbClr val="777879"/>
-                </a:solidFill>
-                <a:latin typeface="AdobeClean-LightIt"/>
-                <a:cs typeface="AdobeClean-LightIt"/>
-              </a:rPr>
-              <a:t> </a:t>
-            </a:r>
-            <a:r>
-              <a:rPr sz="1100" i="1" spc="-20" dirty="0">
-                <a:solidFill>
-                  <a:srgbClr val="777879"/>
-                </a:solidFill>
-                <a:latin typeface="AdobeClean-LightIt"/>
-                <a:cs typeface="AdobeClean-LightIt"/>
-              </a:rPr>
-              <a:t>Manager</a:t>
-            </a:r>
-            <a:r>
-              <a:rPr lang="en-US" sz="1100" i="1" spc="-20" dirty="0">
-                <a:solidFill>
-                  <a:srgbClr val="777879"/>
-                </a:solidFill>
-                <a:latin typeface="AdobeClean-LightIt"/>
-                <a:cs typeface="AdobeClean-LightIt"/>
-              </a:rPr>
-              <a:t> </a:t>
-            </a:r>
-            <a:r>
-              <a:rPr sz="1100" i="1" spc="-20" dirty="0">
-                <a:solidFill>
-                  <a:srgbClr val="777879"/>
-                </a:solidFill>
-                <a:latin typeface="AdobeClean-LightIt"/>
-                <a:cs typeface="AdobeClean-LightIt"/>
-              </a:rPr>
-              <a:t> </a:t>
-            </a:r>
-            <a:r>
-              <a:rPr sz="1100" i="1" spc="-15" dirty="0">
-                <a:solidFill>
-                  <a:srgbClr val="777879"/>
-                </a:solidFill>
-                <a:latin typeface="AdobeClean-LightIt"/>
-                <a:cs typeface="AdobeClean-LightIt"/>
-              </a:rPr>
-              <a:t>(NAM) </a:t>
-            </a:r>
-            <a:r>
-              <a:rPr sz="1100" i="1" spc="-10" dirty="0">
-                <a:solidFill>
-                  <a:srgbClr val="777879"/>
-                </a:solidFill>
-                <a:latin typeface="AdobeClean-LightIt"/>
-                <a:cs typeface="AdobeClean-LightIt"/>
-              </a:rPr>
-              <a:t>or </a:t>
-            </a:r>
-            <a:r>
-              <a:rPr sz="1100" i="1" spc="-15" dirty="0">
-                <a:solidFill>
-                  <a:srgbClr val="777879"/>
-                </a:solidFill>
-                <a:latin typeface="AdobeClean-LightIt"/>
-                <a:cs typeface="AdobeClean-LightIt"/>
-              </a:rPr>
-              <a:t>Customer </a:t>
-            </a:r>
-            <a:r>
-              <a:rPr sz="1100" i="1" spc="-20" dirty="0">
-                <a:solidFill>
-                  <a:srgbClr val="777879"/>
-                </a:solidFill>
-                <a:latin typeface="AdobeClean-LightIt"/>
-                <a:cs typeface="AdobeClean-LightIt"/>
-              </a:rPr>
-              <a:t>Success</a:t>
-            </a:r>
-            <a:r>
-              <a:rPr sz="1100" i="1" spc="-180" dirty="0">
-                <a:solidFill>
-                  <a:srgbClr val="777879"/>
-                </a:solidFill>
-                <a:latin typeface="AdobeClean-LightIt"/>
-                <a:cs typeface="AdobeClean-LightIt"/>
-              </a:rPr>
-              <a:t> </a:t>
-            </a:r>
-            <a:r>
-              <a:rPr sz="1100" i="1" spc="-15" dirty="0">
-                <a:solidFill>
-                  <a:srgbClr val="777879"/>
-                </a:solidFill>
-                <a:latin typeface="AdobeClean-LightIt"/>
-                <a:cs typeface="AdobeClean-LightIt"/>
-              </a:rPr>
-              <a:t>Manager</a:t>
-            </a:r>
-            <a:r>
-              <a:rPr lang="en-US" sz="1100" i="1" spc="-15" dirty="0">
-                <a:solidFill>
-                  <a:srgbClr val="777879"/>
-                </a:solidFill>
-                <a:latin typeface="AdobeClean-LightIt"/>
-                <a:cs typeface="AdobeClean-LightIt"/>
-              </a:rPr>
-              <a:t> </a:t>
-            </a:r>
-            <a:r>
-              <a:rPr sz="1100" i="1" spc="-15" dirty="0">
-                <a:solidFill>
-                  <a:srgbClr val="777879"/>
-                </a:solidFill>
-                <a:latin typeface="AdobeClean-LightIt"/>
-                <a:cs typeface="AdobeClean-LightIt"/>
-              </a:rPr>
-              <a:t>(CSM)</a:t>
-            </a:r>
-            <a:endParaRPr sz="1100" dirty="0">
-              <a:latin typeface="AdobeClean-LightIt"/>
-              <a:cs typeface="AdobeClean-LightIt"/>
-            </a:endParaRPr>
+              <a:t>Para saber mais sobre os Serviços de suporte Adobe e identificar o nível certo para você, entre em contato com o seu Gerente de conta nomeado (NAM, em inglês) ou Gerente de sucesso do cliente (CSM, em inglês).</a:t>
+            </a:r>
           </a:p>
           <a:p>
             <a:pPr marL="34290">
@@ -16211,59 +12730,15 @@
               </a:spcBef>
             </a:pPr>
             <a:r>
-              <a:rPr sz="800" spc="-5" dirty="0">
+              <a:rPr lang="pt-BR" sz="800" dirty="0">
                 <a:solidFill>
                   <a:srgbClr val="6D6D6D"/>
                 </a:solidFill>
                 <a:latin typeface="Adobe Clean"/>
                 <a:cs typeface="Adobe Clean"/>
               </a:rPr>
-              <a:t>©202</a:t>
-            </a:r>
-            <a:r>
-              <a:rPr lang="en-US" sz="800" spc="-5" dirty="0">
-                <a:solidFill>
-                  <a:srgbClr val="6D6D6D"/>
-                </a:solidFill>
-                <a:latin typeface="Adobe Clean"/>
-                <a:cs typeface="Adobe Clean"/>
-              </a:rPr>
-              <a:t>1</a:t>
-            </a:r>
-            <a:r>
-              <a:rPr sz="800" spc="-5" dirty="0">
-                <a:solidFill>
-                  <a:srgbClr val="6D6D6D"/>
-                </a:solidFill>
-                <a:latin typeface="Adobe Clean"/>
-                <a:cs typeface="Adobe Clean"/>
-              </a:rPr>
-              <a:t> Adobe. All Rights Reserved. Adobe</a:t>
-            </a:r>
-            <a:r>
-              <a:rPr sz="800" spc="75" dirty="0">
-                <a:solidFill>
-                  <a:srgbClr val="6D6D6D"/>
-                </a:solidFill>
-                <a:latin typeface="Adobe Clean"/>
-                <a:cs typeface="Adobe Clean"/>
-              </a:rPr>
-              <a:t> </a:t>
-            </a:r>
-            <a:r>
-              <a:rPr sz="800" spc="-5" dirty="0">
-                <a:solidFill>
-                  <a:srgbClr val="6D6D6D"/>
-                </a:solidFill>
-                <a:latin typeface="Adobe Clean"/>
-                <a:cs typeface="Adobe Clean"/>
-              </a:rPr>
-              <a:t>Confidential.</a:t>
-            </a:r>
-            <a:endParaRPr sz="800" dirty="0">
-              <a:latin typeface="Adobe Clean"/>
-              <a:cs typeface="Adobe Clean"/>
-            </a:endParaRPr>
+              <a:t>©2021 Adobe. All Rights Reserved. Adobe Confidential.</a:t>
+            </a:r>
           </a:p>
         </p:txBody>
       </p:sp>
@@ -16300,19 +12775,15 @@
               </a:spcBef>
             </a:pPr>
             <a:r>
-              <a:rPr lang="en-US" sz="1400" b="1" spc="-15">
+              <a:rPr lang="pt-BR" sz="1400" b="1">
                 <a:solidFill>
                   <a:srgbClr val="020302"/>
                 </a:solidFill>
                 <a:latin typeface="Adobe Clean"/>
                 <a:cs typeface="Adobe Clean"/>
               </a:rPr>
-              <a:t>Regional scope of Adobe Support, Local Hours Of Operation And Language Support</a:t>
-            </a:r>
-            <a:endParaRPr lang="en-US" sz="1400" spc="-15">
-              <a:ea typeface="+mn-lt"/>
-              <a:cs typeface="+mn-lt"/>
-            </a:endParaRPr>
+              <a:t>Escopo regional do Suporte da Adobe, horário local de operação e suporte de idioma</a:t>
+            </a:r>
           </a:p>
           <a:p>
             <a:pPr>
@@ -16321,17 +12792,14 @@
               </a:spcBef>
             </a:pPr>
             <a:r>
-              <a:rPr lang="en-US" sz="1000" spc="-15">
+              <a:rPr lang="pt-BR" sz="1000">
                 <a:solidFill>
                   <a:srgbClr val="1F1F1F"/>
                 </a:solidFill>
                 <a:latin typeface="AdobeClean-Light"/>
               </a:rPr>
-              <a:t>The regional scope of Adobe Support is established by aligning the customer's billing address (via the Sales Order or other Adobe Support purchasing document) to one of the following regions:</a:t>
-            </a:r>
-            <a:endParaRPr lang="en-US" sz="1000">
-              <a:latin typeface="AdobeClean-Light"/>
-            </a:endParaRPr>
+              <a:t>O escopo regional do Suporte da Adobe é estabelecido alinhando o endereço de faturamento do cliente (conforme a ordem de venda ou outro documento de compra do Suporte da Adobe) a uma das regiões seguintes:</a:t>
+            </a:r>
           </a:p>
         </p:txBody>
       </p:sp>
@@ -16350,7 +12818,7 @@
           <p:nvPr>
             <p:extLst>
               <p:ext uri="{D42A27DB-BD31-4B8C-83A1-F6EECF244321}">
-                <p14:modId xmlns:p14="http://schemas.microsoft.com/office/powerpoint/2010/main" val="1291534283"/>
+                <p14:modId xmlns:p14="http://schemas.microsoft.com/office/powerpoint/2010/main" val="3365372066"/>
               </p:ext>
             </p:extLst>
           </p:nvPr>
@@ -16403,13 +12871,13 @@
                     <a:p>
                       <a:pPr algn="ctr"/>
                       <a:r>
-                        <a:rPr lang="en-US" sz="1100">
+                        <a:rPr lang="pt-BR" sz="1100">
                           <a:solidFill>
                             <a:schemeClr val="tx1"/>
                           </a:solidFill>
                           <a:latin typeface="Adobe Clean"/>
                         </a:rPr>
-                        <a:t>Americas</a:t>
+                        <a:t>Américas</a:t>
                       </a:r>
                     </a:p>
                   </a:txBody>
@@ -16468,13 +12936,30 @@
                     <a:p>
                       <a:pPr algn="ctr"/>
                       <a:r>
-                        <a:rPr lang="en-US" sz="1100">
+                        <a:rPr lang="pt-BR" sz="1100" dirty="0">
                           <a:solidFill>
                             <a:schemeClr val="tx1"/>
                           </a:solidFill>
                           <a:latin typeface="Adobe Clean"/>
                         </a:rPr>
-                        <a:t>Europe, Middle East &amp; Africa</a:t>
+                        <a:t>Europa, Oriente Médio </a:t>
+                      </a:r>
+                      <a:br>
+                        <a:rPr lang="pt-BR" sz="1100" dirty="0">
+                          <a:solidFill>
+                            <a:schemeClr val="tx1"/>
+                          </a:solidFill>
+                          <a:latin typeface="Adobe Clean"/>
+                        </a:rPr>
+                      </a:br>
+                      <a:r>
+                        <a:rPr lang="pt-BR" sz="1100" dirty="0">
+                          <a:solidFill>
+                            <a:schemeClr val="tx1"/>
+                          </a:solidFill>
+                          <a:latin typeface="Adobe Clean"/>
+                        </a:rPr>
+                        <a:t>e África</a:t>
                       </a:r>
                     </a:p>
                   </a:txBody>
@@ -16533,13 +13018,13 @@
                     <a:p>
                       <a:pPr algn="ctr"/>
                       <a:r>
-                        <a:rPr lang="en-US" sz="1100">
+                        <a:rPr lang="pt-BR" sz="1100">
                           <a:solidFill>
                             <a:schemeClr val="tx1"/>
                           </a:solidFill>
                           <a:latin typeface="Adobe Clean"/>
                         </a:rPr>
-                        <a:t>Asia Pacific</a:t>
+                        <a:t>Ásia–Pacífico</a:t>
                       </a:r>
                     </a:p>
                   </a:txBody>
@@ -16598,16 +13083,16 @@
                     <a:p>
                       <a:pPr algn="ctr"/>
                       <a:r>
-                        <a:rPr lang="en-US" sz="1100">
+                        <a:rPr lang="pt-BR" sz="1100">
                           <a:solidFill>
                             <a:schemeClr val="tx1"/>
                           </a:solidFill>
                           <a:latin typeface="Adobe Clean"/>
                         </a:rPr>
-                        <a:t>Japan </a:t>
+                        <a:t>Japão</a:t>
                       </a:r>
                       <a:r>
-                        <a:rPr lang="en-US" sz="1100" baseline="30000">
+                        <a:rPr lang="pt-BR" sz="1100" baseline="30000">
                           <a:solidFill>
                             <a:schemeClr val="tx1"/>
                           </a:solidFill>
@@ -16615,12 +13100,6 @@
                         </a:rPr>
                         <a:t>1 </a:t>
                       </a:r>
-                      <a:endParaRPr lang="en-US" sz="1100">
-                        <a:solidFill>
-                          <a:schemeClr val="tx1"/>
-                        </a:solidFill>
-                        <a:latin typeface="Adobe Clean" panose="020B0503020404020204" pitchFamily="34" charset="0"/>
-                      </a:endParaRPr>
                     </a:p>
                   </a:txBody>
                   <a:tcPr anchor="ctr">
@@ -16685,13 +13164,13 @@
                     <a:p>
                       <a:pPr algn="ctr"/>
                       <a:r>
-                        <a:rPr lang="en-US" sz="1100">
+                        <a:rPr lang="pt-BR" sz="1100">
                           <a:solidFill>
                             <a:schemeClr val="tx1"/>
                           </a:solidFill>
                           <a:latin typeface="Adobe Clean"/>
                         </a:rPr>
-                        <a:t>6 am – 5:30 pm</a:t>
+                        <a:t>6h – 17h30</a:t>
                       </a:r>
                     </a:p>
                   </a:txBody>
@@ -16750,13 +13229,13 @@
                     <a:p>
                       <a:pPr algn="ctr"/>
                       <a:r>
-                        <a:rPr lang="en-US" sz="1100">
+                        <a:rPr lang="pt-BR" sz="1100">
                           <a:solidFill>
                             <a:schemeClr val="tx1"/>
                           </a:solidFill>
                           <a:latin typeface="Adobe Clean"/>
                         </a:rPr>
-                        <a:t>9 am – 5 pm</a:t>
+                        <a:t>9h – 17h</a:t>
                       </a:r>
                     </a:p>
                   </a:txBody>
@@ -16815,13 +13294,13 @@
                     <a:p>
                       <a:pPr algn="ctr"/>
                       <a:r>
-                        <a:rPr lang="en-US" sz="1100">
+                        <a:rPr lang="pt-BR" sz="1100">
                           <a:solidFill>
                             <a:schemeClr val="tx1"/>
                           </a:solidFill>
                           <a:latin typeface="Adobe Clean"/>
                         </a:rPr>
-                        <a:t>9 am – 5 pm</a:t>
+                        <a:t>9h – 17h</a:t>
                       </a:r>
                     </a:p>
                   </a:txBody>
@@ -16880,13 +13359,13 @@
                     <a:p>
                       <a:pPr algn="ctr"/>
                       <a:r>
-                        <a:rPr lang="en-US" sz="1100">
+                        <a:rPr lang="pt-BR" sz="1100">
                           <a:solidFill>
                             <a:schemeClr val="tx1"/>
                           </a:solidFill>
                           <a:latin typeface="Adobe Clean"/>
                         </a:rPr>
-                        <a:t>9 am – 5:30 pm</a:t>
+                        <a:t>9h – 17h30</a:t>
                       </a:r>
                     </a:p>
                   </a:txBody>
@@ -16963,12 +13442,12 @@
                         <a:buNone/>
                       </a:pPr>
                       <a:r>
-                        <a:rPr lang="en-US" sz="1100" b="0" i="0" u="none" strike="noStrike" noProof="0"/>
-                        <a:t>Language support is only available in English and Japanese.</a:t>
+                        <a:rPr lang="pt-BR" sz="1100" b="0" i="0" u="none" strike="noStrike" noProof="0" dirty="0"/>
+                        <a:t>O suporte de idioma está disponível somente em inglês e japonês.</a:t>
                       </a:r>
                     </a:p>
                     <a:p>
-                      <a:pPr lvl="0" algn="ctr">
+                      <a:pPr lvl="0" algn="l" rtl="0">
                         <a:lnSpc>
                           <a:spcPct val="100000"/>
                         </a:lnSpc>
@@ -16980,7 +13459,7 @@
                         </a:spcAft>
                         <a:buNone/>
                       </a:pPr>
-                      <a:endParaRPr lang="en-US" sz="1100" b="0" i="0" u="none" strike="noStrike" noProof="0"/>
+                      <a:endParaRPr lang="en-US" sz="1100" b="0" i="0" u="none" strike="noStrike" noProof="0" dirty="0"/>
                     </a:p>
                     <a:p>
                       <a:pPr lvl="0" algn="ctr">
@@ -16996,18 +13475,17 @@
                         <a:buNone/>
                       </a:pPr>
                       <a:r>
-                        <a:rPr lang="en-US" sz="1100" b="0" i="0" u="none" strike="noStrike" noProof="0"/>
+                        <a:rPr lang="pt-BR" sz="1100" b="0" i="0" u="none" strike="noStrike" noProof="0" dirty="0"/>
                         <a:t> </a:t>
                       </a:r>
                       <a:r>
-                        <a:rPr lang="en-US" sz="1100" b="0" i="0" u="none" strike="noStrike" baseline="30000" noProof="0"/>
-                        <a:t>1 </a:t>
+                        <a:rPr lang="pt-BR" sz="1100" b="0" i="0" u="none" strike="noStrike" baseline="30000" noProof="0" dirty="0"/>
+                        <a:t>1</a:t>
                       </a:r>
                       <a:r>
-                        <a:rPr lang="en-US" sz="1100" b="0" i="0" u="none" strike="noStrike" noProof="0"/>
-                        <a:t>P2, P3, P4 cases are limited to business hours only in Japan.</a:t>
+                        <a:rPr lang="pt-BR" sz="1100" b="0" i="0" u="none" strike="noStrike" noProof="0" dirty="0"/>
+                        <a:t>Os casos de prioridade P2, P3 e P4 estão limitados ao horário comercial somente no Japão.</a:t>
                       </a:r>
-                      <a:endParaRPr lang="en-US" sz="1100" b="1" i="0" u="none" strike="noStrike" noProof="0"/>
                     </a:p>
                   </a:txBody>
                   <a:tcPr anchor="ctr">
@@ -17362,7 +13840,7 @@
           </a:bodyPr>
           <a:lstStyle/>
           <a:p>
-            <a:pPr marL="139065" marR="5080" indent="-139065">
+            <a:pPr marR="5080" algn="ctr">
               <a:lnSpc>
                 <a:spcPts val="1390"/>
               </a:lnSpc>
@@ -17371,129 +13849,15 @@
               </a:spcBef>
             </a:pPr>
             <a:r>
-              <a:rPr sz="1200" b="1" spc="-15">
+              <a:rPr lang="pt-BR" sz="1200" b="1" dirty="0">
                 <a:solidFill>
                   <a:srgbClr val="FFFFFF"/>
                 </a:solidFill>
                 <a:latin typeface="Adobe Clean"/>
                 <a:cs typeface="Adobe Clean"/>
               </a:rPr>
-              <a:t>U</a:t>
-            </a:r>
-            <a:r>
-              <a:rPr sz="1200" b="1" spc="-20">
-                <a:solidFill>
-                  <a:srgbClr val="FFFFFF"/>
-                </a:solidFill>
-                <a:latin typeface="Adobe Clean"/>
-                <a:cs typeface="Adobe Clean"/>
-              </a:rPr>
-              <a:t>n</a:t>
-            </a:r>
-            <a:r>
-              <a:rPr sz="1200" b="1" spc="-25">
-                <a:solidFill>
-                  <a:srgbClr val="FFFFFF"/>
-                </a:solidFill>
-                <a:latin typeface="Adobe Clean"/>
-                <a:cs typeface="Adobe Clean"/>
-              </a:rPr>
-              <a:t>p</a:t>
-            </a:r>
-            <a:r>
-              <a:rPr sz="1200" b="1" spc="-15">
-                <a:solidFill>
-                  <a:srgbClr val="FFFFFF"/>
-                </a:solidFill>
-                <a:latin typeface="Adobe Clean"/>
-                <a:cs typeface="Adobe Clean"/>
-              </a:rPr>
-              <a:t>a</a:t>
-            </a:r>
-            <a:r>
-              <a:rPr sz="1200" b="1" spc="-25">
-                <a:solidFill>
-                  <a:srgbClr val="FFFFFF"/>
-                </a:solidFill>
-                <a:latin typeface="Adobe Clean"/>
-                <a:cs typeface="Adobe Clean"/>
-              </a:rPr>
-              <a:t>r</a:t>
-            </a:r>
-            <a:r>
-              <a:rPr sz="1200" b="1" spc="-15">
-                <a:solidFill>
-                  <a:srgbClr val="FFFFFF"/>
-                </a:solidFill>
-                <a:latin typeface="Adobe Clean"/>
-                <a:cs typeface="Adobe Clean"/>
-              </a:rPr>
-              <a:t>a</a:t>
-            </a:r>
-            <a:r>
-              <a:rPr sz="1200" b="1" spc="-30">
-                <a:solidFill>
-                  <a:srgbClr val="FFFFFF"/>
-                </a:solidFill>
-                <a:latin typeface="Adobe Clean"/>
-                <a:cs typeface="Adobe Clean"/>
-              </a:rPr>
-              <a:t>ll</a:t>
-            </a:r>
-            <a:r>
-              <a:rPr sz="1200" b="1" spc="-25">
-                <a:solidFill>
-                  <a:srgbClr val="FFFFFF"/>
-                </a:solidFill>
-                <a:latin typeface="Adobe Clean"/>
-                <a:cs typeface="Adobe Clean"/>
-              </a:rPr>
-              <a:t>e</a:t>
-            </a:r>
-            <a:r>
-              <a:rPr sz="1200" b="1" spc="-30">
-                <a:solidFill>
-                  <a:srgbClr val="FFFFFF"/>
-                </a:solidFill>
-                <a:latin typeface="Adobe Clean"/>
-                <a:cs typeface="Adobe Clean"/>
-              </a:rPr>
-              <a:t>l</a:t>
-            </a:r>
-            <a:r>
-              <a:rPr sz="1200" b="1" spc="-25">
-                <a:solidFill>
-                  <a:srgbClr val="FFFFFF"/>
-                </a:solidFill>
-                <a:latin typeface="Adobe Clean"/>
-                <a:cs typeface="Adobe Clean"/>
-              </a:rPr>
-              <a:t>e</a:t>
-            </a:r>
-            <a:r>
-              <a:rPr sz="1200" b="1">
-                <a:solidFill>
-                  <a:srgbClr val="FFFFFF"/>
-                </a:solidFill>
-                <a:latin typeface="Adobe Clean"/>
-                <a:cs typeface="Adobe Clean"/>
-              </a:rPr>
-              <a:t>d  </a:t>
-            </a:r>
-            <a:r>
-              <a:rPr sz="1200" b="1" spc="-25">
-                <a:solidFill>
-                  <a:srgbClr val="FFFFFF"/>
-                </a:solidFill>
-                <a:latin typeface="Adobe Clean"/>
-                <a:cs typeface="Adobe Clean"/>
-              </a:rPr>
-              <a:t>Expertise</a:t>
-            </a:r>
-            <a:endParaRPr sz="1200">
-              <a:latin typeface="Adobe Clean"/>
-              <a:cs typeface="Adobe Clean"/>
-            </a:endParaRPr>
+              <a:t>Experiência sem igual</a:t>
+            </a:r>
           </a:p>
         </p:txBody>
       </p:sp>
@@ -17524,7 +13888,7 @@
           </a:bodyPr>
           <a:lstStyle/>
           <a:p>
-            <a:pPr marL="139065" marR="5080" indent="-139065">
+            <a:pPr marR="5080" algn="ctr">
               <a:lnSpc>
                 <a:spcPts val="1390"/>
               </a:lnSpc>
@@ -17533,19 +13897,15 @@
               </a:spcBef>
             </a:pPr>
             <a:r>
-              <a:rPr lang="en-US" sz="1200" b="1" spc="-15">
+              <a:rPr lang="pt-BR" sz="1200" b="1" dirty="0">
                 <a:solidFill>
                   <a:srgbClr val="FFFFFF"/>
                 </a:solidFill>
                 <a:latin typeface="Adobe Clean"/>
                 <a:cs typeface="Adobe Clean"/>
               </a:rPr>
-              <a:t>Accelerated Support</a:t>
-            </a:r>
-            <a:endParaRPr sz="1200">
-              <a:latin typeface="Adobe Clean"/>
-              <a:cs typeface="Adobe Clean"/>
-            </a:endParaRPr>
+              <a:t>Suporte acelerado</a:t>
+            </a:r>
           </a:p>
         </p:txBody>
       </p:sp>
@@ -17563,8 +13923,8 @@
         </p:nvSpPr>
         <p:spPr>
           <a:xfrm>
-            <a:off x="6624119" y="8543943"/>
-            <a:ext cx="510540" cy="385445"/>
+            <a:off x="6394884" y="8543943"/>
+            <a:ext cx="930275" cy="382797"/>
           </a:xfrm>
           <a:prstGeom prst="rect">
             <a:avLst/>
@@ -17576,7 +13936,7 @@
           </a:bodyPr>
           <a:lstStyle/>
           <a:p>
-            <a:pPr marL="50800" marR="5080" indent="-51435">
+            <a:pPr marL="50800" marR="5080" indent="-51435" algn="ctr">
               <a:lnSpc>
                 <a:spcPts val="1390"/>
               </a:lnSpc>
@@ -17585,109 +13945,15 @@
               </a:spcBef>
             </a:pPr>
             <a:r>
-              <a:rPr sz="1200" b="1" spc="-50">
+              <a:rPr lang="pt-BR" sz="1200" b="1" dirty="0">
                 <a:solidFill>
                   <a:srgbClr val="FFFFFF"/>
                 </a:solidFill>
                 <a:latin typeface="Adobe Clean"/>
                 <a:cs typeface="Adobe Clean"/>
               </a:rPr>
-              <a:t>S</a:t>
-            </a:r>
-            <a:r>
-              <a:rPr sz="1200" b="1" spc="-20">
-                <a:solidFill>
-                  <a:srgbClr val="FFFFFF"/>
-                </a:solidFill>
-                <a:latin typeface="Adobe Clean"/>
-                <a:cs typeface="Adobe Clean"/>
-              </a:rPr>
-              <a:t>t</a:t>
-            </a:r>
-            <a:r>
-              <a:rPr sz="1200" b="1" spc="-75">
-                <a:solidFill>
-                  <a:srgbClr val="FFFFFF"/>
-                </a:solidFill>
-                <a:latin typeface="Adobe Clean"/>
-                <a:cs typeface="Adobe Clean"/>
-              </a:rPr>
-              <a:t>r</a:t>
-            </a:r>
-            <a:r>
-              <a:rPr sz="1200" b="1" spc="-90">
-                <a:solidFill>
-                  <a:srgbClr val="FFFFFF"/>
-                </a:solidFill>
-                <a:latin typeface="Adobe Clean"/>
-                <a:cs typeface="Adobe Clean"/>
-              </a:rPr>
-              <a:t>a</a:t>
-            </a:r>
-            <a:r>
-              <a:rPr sz="1200" b="1" spc="-55">
-                <a:solidFill>
-                  <a:srgbClr val="FFFFFF"/>
-                </a:solidFill>
-                <a:latin typeface="Adobe Clean"/>
-                <a:cs typeface="Adobe Clean"/>
-              </a:rPr>
-              <a:t>t</a:t>
-            </a:r>
-            <a:r>
-              <a:rPr sz="1200" b="1" spc="-100">
-                <a:solidFill>
-                  <a:srgbClr val="FFFFFF"/>
-                </a:solidFill>
-                <a:latin typeface="Adobe Clean"/>
-                <a:cs typeface="Adobe Clean"/>
-              </a:rPr>
-              <a:t>e</a:t>
-            </a:r>
-            <a:r>
-              <a:rPr sz="1200" b="1" spc="-80">
-                <a:solidFill>
-                  <a:srgbClr val="FFFFFF"/>
-                </a:solidFill>
-                <a:latin typeface="Adobe Clean"/>
-                <a:cs typeface="Adobe Clean"/>
-              </a:rPr>
-              <a:t>g</a:t>
-            </a:r>
-            <a:r>
-              <a:rPr sz="1200" b="1" spc="-35">
-                <a:solidFill>
-                  <a:srgbClr val="FFFFFF"/>
-                </a:solidFill>
-                <a:latin typeface="Adobe Clean"/>
-                <a:cs typeface="Adobe Clean"/>
-              </a:rPr>
-              <a:t>i</a:t>
-            </a:r>
-            <a:r>
-              <a:rPr sz="1200" b="1">
-                <a:solidFill>
-                  <a:srgbClr val="FFFFFF"/>
-                </a:solidFill>
-                <a:latin typeface="Adobe Clean"/>
-                <a:cs typeface="Adobe Clean"/>
-              </a:rPr>
-              <a:t>c  </a:t>
-            </a:r>
-            <a:r>
-              <a:rPr sz="1200" b="1" spc="-45">
-                <a:solidFill>
-                  <a:srgbClr val="FFFFFF"/>
-                </a:solidFill>
-                <a:latin typeface="Adobe Clean"/>
-                <a:cs typeface="Adobe Clean"/>
-              </a:rPr>
-              <a:t>Advice</a:t>
-            </a:r>
-            <a:endParaRPr sz="1200">
-              <a:latin typeface="Adobe Clean"/>
-              <a:cs typeface="Adobe Clean"/>
-            </a:endParaRPr>
+              <a:t>Consultoria estratégica</a:t>
+            </a:r>
           </a:p>
         </p:txBody>
       </p:sp>
@@ -17713,7 +13979,7 @@
         </p:nvGraphicFramePr>
         <p:xfrm>
           <a:off x="194237" y="1272353"/>
-          <a:ext cx="7368291" cy="2931160"/>
+          <a:ext cx="7368291" cy="3540760"/>
         </p:xfrm>
         <a:graphic>
           <a:graphicData uri="http://schemas.openxmlformats.org/drawingml/2006/table">
@@ -17744,7 +14010,7 @@
                     <a:lstStyle/>
                     <a:p>
                       <a:r>
-                        <a:rPr lang="en-US" sz="1100" b="0" dirty="0">
+                        <a:rPr lang="pt-BR" sz="1100" b="0">
                           <a:solidFill>
                             <a:schemeClr val="tx1"/>
                           </a:solidFill>
@@ -17755,14 +14021,6 @@
                         </a:rPr>
                         <a:t>Experience League</a:t>
                       </a:r>
-                      <a:endParaRPr lang="en-US" sz="1100" b="0" dirty="0">
-                        <a:solidFill>
-                          <a:schemeClr val="tx1"/>
-                        </a:solidFill>
-                        <a:latin typeface="Adobe Clean"/>
-                        <a:ea typeface="+mn-ea"/>
-                        <a:cs typeface="+mn-cs"/>
-                      </a:endParaRPr>
                     </a:p>
                   </a:txBody>
                   <a:tcPr marL="47625" marR="47625" marT="0" marB="0" anchor="ctr">
@@ -17834,7 +14092,7 @@
                         <a:buNone/>
                       </a:pPr>
                       <a:r>
-                        <a:rPr lang="en-US" sz="1000" b="0" kern="1200" dirty="0">
+                        <a:rPr lang="pt-BR" sz="1000" b="0">
                           <a:solidFill>
                             <a:srgbClr val="000000"/>
                           </a:solidFill>
@@ -17842,16 +14100,8 @@
                           <a:ea typeface="+mn-ea"/>
                           <a:cs typeface="+mn-cs"/>
                         </a:rPr>
-                        <a:t>Experience League is how Adobe helps businesses achieve the value they expect from their Adobe investment. It’s the unified place where customers can learn, connect, and grow along a personalized path to success that includes self-help tutorials, product documentation, instructor-led training, community and technical support. </a:t>
+                        <a:t>A Experience League foi criada para ajudar as empresas a alcançar o valor que esperam do seu investimento em produtos da Adobe. É o local unificado onde os clientes podem aprender, interagir e crescer ao longo de um caminho personalizado de sucesso que inclui tutoriais de autoatendimento, documentação dos produtos, treinamento com instrutores e suporte técnico e da comunidade. </a:t>
                       </a:r>
-                      <a:endParaRPr lang="en-US" sz="1000" b="0" kern="1200">
-                        <a:solidFill>
-                          <a:srgbClr val="000000"/>
-                        </a:solidFill>
-                        <a:latin typeface="Adobe Clean Light" panose="020B0303020404020204" pitchFamily="34" charset="0"/>
-                        <a:ea typeface="+mn-ea"/>
-                        <a:cs typeface="+mn-cs"/>
-                      </a:endParaRPr>
                     </a:p>
                   </a:txBody>
                   <a:tcPr anchor="ctr">
@@ -17932,39 +14182,28 @@
                         <a:defRPr/>
                       </a:pPr>
                       <a:r>
-                        <a:rPr lang="en-US" sz="1100" dirty="0">
+                        <a:rPr lang="pt-BR" sz="1100">
                           <a:solidFill>
                             <a:schemeClr val="dk1"/>
                           </a:solidFill>
-                          <a:effectLst/>
                           <a:latin typeface="Adobe Clean"/>
                           <a:ea typeface="+mn-ea"/>
                           <a:cs typeface="+mn-cs"/>
                           <a:hlinkClick r:id="rId8"/>
                         </a:rPr>
-                        <a:t>Training</a:t>
+                        <a:t>Treinamento</a:t>
                       </a:r>
                       <a:r>
-                        <a:rPr lang="en-US" sz="1100" dirty="0">
+                        <a:rPr lang="pt-BR" sz="1100">
                           <a:solidFill>
                             <a:schemeClr val="dk1"/>
                           </a:solidFill>
-                          <a:effectLst/>
                           <a:latin typeface="Adobe Clean"/>
                           <a:ea typeface="+mn-ea"/>
                           <a:cs typeface="+mn-cs"/>
                         </a:rPr>
                         <a:t> </a:t>
                       </a:r>
-                      <a:endParaRPr lang="en-US" sz="1100" dirty="0">
-                        <a:solidFill>
-                          <a:schemeClr val="tx1"/>
-                        </a:solidFill>
-                        <a:effectLst/>
-                        <a:latin typeface="Adobe Clean"/>
-                        <a:ea typeface="+mn-ea"/>
-                        <a:cs typeface="+mn-cs"/>
-                      </a:endParaRPr>
                     </a:p>
                   </a:txBody>
                   <a:tcPr anchor="ctr">
@@ -18038,7 +14277,7 @@
                         <a:defRPr/>
                       </a:pPr>
                       <a:r>
-                        <a:rPr lang="en-US" sz="1000" kern="1200" dirty="0">
+                        <a:rPr lang="pt-BR" sz="1000">
                           <a:solidFill>
                             <a:srgbClr val="000000"/>
                           </a:solidFill>
@@ -18046,7 +14285,7 @@
                           <a:ea typeface="+mn-ea"/>
                           <a:cs typeface="+mn-cs"/>
                         </a:rPr>
-                        <a:t>Adobe Digital Learning Services courses are accessible from Experience League. Learning courses integrate both on-demand and instructor-led lessons.  Here you can accrue skills that have recognized market value and position them to drive success in your organizations.</a:t>
+                        <a:t>O acesso aos cursos do Adobe Digital Learning Services está disponível na Experience League. Os cursos de aprendizagem incluem lições sob demanda e com instrutores.  É um lugar para adquirir habilidades com reconhecido valor de mercado que você pode pôr em prática para impulsionar o sucesso na sua organização.</a:t>
                       </a:r>
                     </a:p>
                   </a:txBody>
@@ -18128,27 +14367,17 @@
                         <a:defRPr/>
                       </a:pPr>
                       <a:r>
-                        <a:rPr lang="en-US" sz="1100" dirty="0">
+                        <a:rPr lang="pt-BR" sz="1100">
                           <a:solidFill>
                             <a:schemeClr val="tx1"/>
                           </a:solidFill>
-                          <a:effectLst/>
                           <a:latin typeface="Adobe Clean"/>
                           <a:ea typeface="+mn-ea"/>
                           <a:cs typeface="+mn-cs"/>
                           <a:hlinkClick r:id="rId9"/>
                         </a:rPr>
-                        <a:t>Production Issues &amp; System Outages</a:t>
+                        <a:t>Problemas de produção e paralisações do sistema</a:t>
                       </a:r>
-                      <a:endParaRPr lang="en-US" sz="1100" dirty="0">
-                        <a:solidFill>
-                          <a:schemeClr val="tx1"/>
-                        </a:solidFill>
-                        <a:effectLst/>
-                        <a:latin typeface="Adobe Clean"/>
-                        <a:ea typeface="+mn-ea"/>
-                        <a:cs typeface="+mn-cs"/>
-                      </a:endParaRPr>
                     </a:p>
                   </a:txBody>
                   <a:tcPr anchor="ctr">
@@ -18220,7 +14449,7 @@
                         <a:buNone/>
                       </a:pPr>
                       <a:r>
-                        <a:rPr lang="en-US" sz="1000" kern="1200" dirty="0">
+                        <a:rPr lang="pt-BR" sz="1000">
                           <a:solidFill>
                             <a:srgbClr val="000000"/>
                           </a:solidFill>
@@ -18228,16 +14457,8 @@
                           <a:ea typeface="+mn-ea"/>
                           <a:cs typeface="+mn-cs"/>
                         </a:rPr>
-                        <a:t>Status.adobe.com conveys the health information of all Adobe products and services that are deployed in multi-tenant environments. Customers can choose their subscription preferences to get email notifications whenever Adobe creates, updates or resolves a product event. This can include scheduled maintenance or service issues of varying levels of severity. </a:t>
+                        <a:t>O Status.adobe.com transmite as informações de integridade de todos os produtos e serviços da Adobe implantados em ambientes de vários locatários. Os clientes podem escolher suas preferências de subscrição para receber notificações por email sempre que a Adobe criar, atualizar ou resolver um evento de produto. Isso pode incluir manutenção programada ou problemas de serviço com diferentes níveis de gravidade. </a:t>
                       </a:r>
-                      <a:endParaRPr lang="en-US" sz="1000" kern="1200">
-                        <a:solidFill>
-                          <a:srgbClr val="000000"/>
-                        </a:solidFill>
-                        <a:latin typeface="Adobe Clean Light" panose="020B0303020404020204" pitchFamily="34" charset="0"/>
-                        <a:ea typeface="+mn-ea"/>
-                        <a:cs typeface="+mn-cs"/>
-                      </a:endParaRPr>
                     </a:p>
                   </a:txBody>
                   <a:tcPr anchor="ctr">
@@ -18318,27 +14539,17 @@
                         <a:defRPr/>
                       </a:pPr>
                       <a:r>
-                        <a:rPr lang="en-US" sz="1100" dirty="0">
+                        <a:rPr lang="pt-BR" sz="1100">
                           <a:solidFill>
                             <a:schemeClr val="tx1"/>
                           </a:solidFill>
-                          <a:effectLst/>
                           <a:latin typeface="Adobe Clean"/>
                           <a:ea typeface="+mn-ea"/>
                           <a:cs typeface="+mn-cs"/>
                           <a:hlinkClick r:id="rId10"/>
                         </a:rPr>
-                        <a:t>Terms and Conditions</a:t>
+                        <a:t>Termos e condições</a:t>
                       </a:r>
-                      <a:endParaRPr lang="en-US" sz="1100" dirty="0">
-                        <a:solidFill>
-                          <a:schemeClr val="tx1"/>
-                        </a:solidFill>
-                        <a:effectLst/>
-                        <a:latin typeface="Adobe Clean"/>
-                        <a:ea typeface="+mn-ea"/>
-                        <a:cs typeface="+mn-cs"/>
-                      </a:endParaRPr>
                     </a:p>
                   </a:txBody>
                   <a:tcPr anchor="ctr">
@@ -18395,7 +14606,7 @@
                     <a:lstStyle/>
                     <a:p>
                       <a:r>
-                        <a:rPr lang="en-US" sz="1000" kern="1200" dirty="0">
+                        <a:rPr lang="pt-BR" sz="1000">
                           <a:solidFill>
                             <a:srgbClr val="000000"/>
                           </a:solidFill>
@@ -18403,16 +14614,8 @@
                           <a:ea typeface="+mn-ea"/>
                           <a:cs typeface="+mn-cs"/>
                         </a:rPr>
-                        <a:t>Terms and conditions detailing Support Services offerings.</a:t>
+                        <a:t>Os Termos e condições que detalham os serviços de suporte.</a:t>
                       </a:r>
-                      <a:endParaRPr lang="en-US" sz="1000" kern="1200" dirty="0">
-                        <a:solidFill>
-                          <a:srgbClr val="000000"/>
-                        </a:solidFill>
-                        <a:latin typeface="Adobe Clean Light" panose="020B0303020404020204" pitchFamily="34" charset="0"/>
-                        <a:ea typeface="+mn-ea"/>
-                        <a:cs typeface="+mn-cs"/>
-                      </a:endParaRPr>
                     </a:p>
                   </a:txBody>
                   <a:tcPr anchor="ctr">
@@ -19182,21 +15385,6 @@
 </file>
 
 <file path=customXml/item1.xml><?xml version="1.0" encoding="utf-8"?>
-<p:properties xmlns:p="http://schemas.microsoft.com/office/2006/metadata/properties" xmlns:xsi="http://www.w3.org/2001/XMLSchema-instance" xmlns:pc="http://schemas.microsoft.com/office/infopath/2007/PartnerControls">
-  <documentManagement/>
-</p:properties>
-</file>
-
-<file path=customXml/item2.xml><?xml version="1.0" encoding="utf-8"?>
-<?mso-contentType ?>
-<FormTemplates xmlns="http://schemas.microsoft.com/sharepoint/v3/contenttype/forms">
-  <Display>DocumentLibraryForm</Display>
-  <Edit>DocumentLibraryForm</Edit>
-  <New>DocumentLibraryForm</New>
-</FormTemplates>
-</file>
-
-<file path=customXml/item3.xml><?xml version="1.0" encoding="utf-8"?>
 <ct:contentTypeSchema xmlns:ct="http://schemas.microsoft.com/office/2006/metadata/contentType" xmlns:ma="http://schemas.microsoft.com/office/2006/metadata/properties/metaAttributes" ct:_="" ma:_="" ma:contentTypeName="Document" ma:contentTypeID="0x010100E783BF6876BCC646A459363AF21A7736" ma:contentTypeVersion="10" ma:contentTypeDescription="Create a new document." ma:contentTypeScope="" ma:versionID="c4ffda7f4f415767600769e454c2ea87">
   <xsd:schema xmlns:xsd="http://www.w3.org/2001/XMLSchema" xmlns:xs="http://www.w3.org/2001/XMLSchema" xmlns:p="http://schemas.microsoft.com/office/2006/metadata/properties" xmlns:ns2="8a053bff-88be-49e4-9a87-e748e18b8b62" xmlns:ns3="6c8368ec-3776-49b5-a5bb-90648cf9530f" targetNamespace="http://schemas.microsoft.com/office/2006/metadata/properties" ma:root="true" ma:fieldsID="df3ec33bccc23e23bce7bc897fad43d1" ns2:_="" ns3:_="">
     <xsd:import namespace="8a053bff-88be-49e4-9a87-e748e18b8b62"/>
@@ -19401,32 +15589,22 @@
 </ct:contentTypeSchema>
 </file>
 
-<file path=customXml/itemProps1.xml><?xml version="1.0" encoding="utf-8"?>
-<ds:datastoreItem xmlns:ds="http://schemas.openxmlformats.org/officeDocument/2006/customXml" ds:itemID="{ED4099BE-EDEC-4FF1-8378-446617236015}">
-  <ds:schemaRefs>
-    <ds:schemaRef ds:uri="http://schemas.microsoft.com/office/2006/metadata/properties"/>
-    <ds:schemaRef ds:uri="http://purl.org/dc/dcmitype/"/>
-    <ds:schemaRef ds:uri="http://www.w3.org/XML/1998/namespace"/>
-    <ds:schemaRef ds:uri="8a053bff-88be-49e4-9a87-e748e18b8b62"/>
-    <ds:schemaRef ds:uri="http://purl.org/dc/terms/"/>
-    <ds:schemaRef ds:uri="http://purl.org/dc/elements/1.1/"/>
-    <ds:schemaRef ds:uri="http://schemas.microsoft.com/office/2006/documentManagement/types"/>
-    <ds:schemaRef ds:uri="http://schemas.microsoft.com/office/infopath/2007/PartnerControls"/>
-    <ds:schemaRef ds:uri="http://schemas.openxmlformats.org/package/2006/metadata/core-properties"/>
-    <ds:schemaRef ds:uri="6c8368ec-3776-49b5-a5bb-90648cf9530f"/>
-  </ds:schemaRefs>
-</ds:datastoreItem>
+<file path=customXml/item2.xml><?xml version="1.0" encoding="utf-8"?>
+<?mso-contentType ?>
+<FormTemplates xmlns="http://schemas.microsoft.com/sharepoint/v3/contenttype/forms">
+  <Display>DocumentLibraryForm</Display>
+  <Edit>DocumentLibraryForm</Edit>
+  <New>DocumentLibraryForm</New>
+</FormTemplates>
 </file>
 
-<file path=customXml/itemProps2.xml><?xml version="1.0" encoding="utf-8"?>
-<ds:datastoreItem xmlns:ds="http://schemas.openxmlformats.org/officeDocument/2006/customXml" ds:itemID="{941989CE-20BB-4A6A-A33F-71A1AE469C3E}">
-  <ds:schemaRefs>
-    <ds:schemaRef ds:uri="http://schemas.microsoft.com/sharepoint/v3/contenttype/forms"/>
-  </ds:schemaRefs>
-</ds:datastoreItem>
+<file path=customXml/item3.xml><?xml version="1.0" encoding="utf-8"?>
+<p:properties xmlns:p="http://schemas.microsoft.com/office/2006/metadata/properties" xmlns:xsi="http://www.w3.org/2001/XMLSchema-instance" xmlns:pc="http://schemas.microsoft.com/office/infopath/2007/PartnerControls">
+  <documentManagement/>
+</p:properties>
 </file>
 
-<file path=customXml/itemProps3.xml><?xml version="1.0" encoding="utf-8"?>
+<file path=customXml/itemProps1.xml><?xml version="1.0" encoding="utf-8"?>
 <ds:datastoreItem xmlns:ds="http://schemas.openxmlformats.org/officeDocument/2006/customXml" ds:itemID="{FB2EBF8D-136B-48EC-8FC0-F70C0583664B}">
   <ds:schemaRefs>
     <ds:schemaRef ds:uri="6c8368ec-3776-49b5-a5bb-90648cf9530f"/>
@@ -19443,4 +15621,29 @@
     <ds:schemaRef ds:uri="http://www.w3.org/2001/XMLSchema"/>
   </ds:schemaRefs>
 </ds:datastoreItem>
+</file>
+
+<file path=customXml/itemProps2.xml><?xml version="1.0" encoding="utf-8"?>
+<ds:datastoreItem xmlns:ds="http://schemas.openxmlformats.org/officeDocument/2006/customXml" ds:itemID="{941989CE-20BB-4A6A-A33F-71A1AE469C3E}">
+  <ds:schemaRefs>
+    <ds:schemaRef ds:uri="http://schemas.microsoft.com/sharepoint/v3/contenttype/forms"/>
+  </ds:schemaRefs>
+</ds:datastoreItem>
+</file>
+
+<file path=customXml/itemProps3.xml><?xml version="1.0" encoding="utf-8"?>
+<ds:datastoreItem xmlns:ds="http://schemas.openxmlformats.org/officeDocument/2006/customXml" ds:itemID="{ED4099BE-EDEC-4FF1-8378-446617236015}">
+  <ds:schemaRefs>
+    <ds:schemaRef ds:uri="http://schemas.microsoft.com/office/2006/metadata/properties"/>
+    <ds:schemaRef ds:uri="http://purl.org/dc/dcmitype/"/>
+    <ds:schemaRef ds:uri="http://www.w3.org/XML/1998/namespace"/>
+    <ds:schemaRef ds:uri="8a053bff-88be-49e4-9a87-e748e18b8b62"/>
+    <ds:schemaRef ds:uri="http://purl.org/dc/terms/"/>
+    <ds:schemaRef ds:uri="http://purl.org/dc/elements/1.1/"/>
+    <ds:schemaRef ds:uri="http://schemas.microsoft.com/office/2006/documentManagement/types"/>
+    <ds:schemaRef ds:uri="http://schemas.microsoft.com/office/infopath/2007/PartnerControls"/>
+    <ds:schemaRef ds:uri="http://schemas.openxmlformats.org/package/2006/metadata/core-properties"/>
+    <ds:schemaRef ds:uri="6c8368ec-3776-49b5-a5bb-90648cf9530f"/>
+  </ds:schemaRefs>
+</ds:datastoreItem>
 </file>